--- a/1821121_shimaoka_sotsuken.pptx
+++ b/1821121_shimaoka_sotsuken.pptx
@@ -257,7 +257,7 @@
           <a:p>
             <a:fld id="{B281BC7E-9EDC-44EC-803F-9C74B278541E}" type="datetimeFigureOut">
               <a:rPr kumimoji="1" lang="ja-JP" altLang="en-US" smtClean="0"/>
-              <a:t>2021/4/16</a:t>
+              <a:t>2021/4/23</a:t>
             </a:fld>
             <a:endParaRPr kumimoji="1" lang="ja-JP" altLang="en-US"/>
           </a:p>
@@ -459,7 +459,7 @@
           <a:p>
             <a:fld id="{B281BC7E-9EDC-44EC-803F-9C74B278541E}" type="datetimeFigureOut">
               <a:rPr kumimoji="1" lang="ja-JP" altLang="en-US" smtClean="0"/>
-              <a:t>2021/4/16</a:t>
+              <a:t>2021/4/23</a:t>
             </a:fld>
             <a:endParaRPr kumimoji="1" lang="ja-JP" altLang="en-US"/>
           </a:p>
@@ -671,7 +671,7 @@
           <a:p>
             <a:fld id="{B281BC7E-9EDC-44EC-803F-9C74B278541E}" type="datetimeFigureOut">
               <a:rPr kumimoji="1" lang="ja-JP" altLang="en-US" smtClean="0"/>
-              <a:t>2021/4/16</a:t>
+              <a:t>2021/4/23</a:t>
             </a:fld>
             <a:endParaRPr kumimoji="1" lang="ja-JP" altLang="en-US"/>
           </a:p>
@@ -873,7 +873,7 @@
           <a:p>
             <a:fld id="{B281BC7E-9EDC-44EC-803F-9C74B278541E}" type="datetimeFigureOut">
               <a:rPr kumimoji="1" lang="ja-JP" altLang="en-US" smtClean="0"/>
-              <a:t>2021/4/16</a:t>
+              <a:t>2021/4/23</a:t>
             </a:fld>
             <a:endParaRPr kumimoji="1" lang="ja-JP" altLang="en-US"/>
           </a:p>
@@ -1119,7 +1119,7 @@
           <a:p>
             <a:fld id="{B281BC7E-9EDC-44EC-803F-9C74B278541E}" type="datetimeFigureOut">
               <a:rPr kumimoji="1" lang="ja-JP" altLang="en-US" smtClean="0"/>
-              <a:t>2021/4/16</a:t>
+              <a:t>2021/4/23</a:t>
             </a:fld>
             <a:endParaRPr kumimoji="1" lang="ja-JP" altLang="en-US"/>
           </a:p>
@@ -1415,7 +1415,7 @@
           <a:p>
             <a:fld id="{B281BC7E-9EDC-44EC-803F-9C74B278541E}" type="datetimeFigureOut">
               <a:rPr kumimoji="1" lang="ja-JP" altLang="en-US" smtClean="0"/>
-              <a:t>2021/4/16</a:t>
+              <a:t>2021/4/23</a:t>
             </a:fld>
             <a:endParaRPr kumimoji="1" lang="ja-JP" altLang="en-US"/>
           </a:p>
@@ -1846,7 +1846,7 @@
           <a:p>
             <a:fld id="{B281BC7E-9EDC-44EC-803F-9C74B278541E}" type="datetimeFigureOut">
               <a:rPr kumimoji="1" lang="ja-JP" altLang="en-US" smtClean="0"/>
-              <a:t>2021/4/16</a:t>
+              <a:t>2021/4/23</a:t>
             </a:fld>
             <a:endParaRPr kumimoji="1" lang="ja-JP" altLang="en-US"/>
           </a:p>
@@ -1964,7 +1964,7 @@
           <a:p>
             <a:fld id="{B281BC7E-9EDC-44EC-803F-9C74B278541E}" type="datetimeFigureOut">
               <a:rPr kumimoji="1" lang="ja-JP" altLang="en-US" smtClean="0"/>
-              <a:t>2021/4/16</a:t>
+              <a:t>2021/4/23</a:t>
             </a:fld>
             <a:endParaRPr kumimoji="1" lang="ja-JP" altLang="en-US"/>
           </a:p>
@@ -2059,7 +2059,7 @@
           <a:p>
             <a:fld id="{B281BC7E-9EDC-44EC-803F-9C74B278541E}" type="datetimeFigureOut">
               <a:rPr kumimoji="1" lang="ja-JP" altLang="en-US" smtClean="0"/>
-              <a:t>2021/4/16</a:t>
+              <a:t>2021/4/23</a:t>
             </a:fld>
             <a:endParaRPr kumimoji="1" lang="ja-JP" altLang="en-US"/>
           </a:p>
@@ -2368,7 +2368,7 @@
           <a:p>
             <a:fld id="{B281BC7E-9EDC-44EC-803F-9C74B278541E}" type="datetimeFigureOut">
               <a:rPr kumimoji="1" lang="ja-JP" altLang="en-US" smtClean="0"/>
-              <a:t>2021/4/16</a:t>
+              <a:t>2021/4/23</a:t>
             </a:fld>
             <a:endParaRPr kumimoji="1" lang="ja-JP" altLang="en-US"/>
           </a:p>
@@ -2621,7 +2621,7 @@
           <a:p>
             <a:fld id="{B281BC7E-9EDC-44EC-803F-9C74B278541E}" type="datetimeFigureOut">
               <a:rPr kumimoji="1" lang="ja-JP" altLang="en-US" smtClean="0"/>
-              <a:t>2021/4/16</a:t>
+              <a:t>2021/4/23</a:t>
             </a:fld>
             <a:endParaRPr kumimoji="1" lang="ja-JP" altLang="en-US"/>
           </a:p>
@@ -2866,7 +2866,7 @@
           <a:p>
             <a:fld id="{B281BC7E-9EDC-44EC-803F-9C74B278541E}" type="datetimeFigureOut">
               <a:rPr kumimoji="1" lang="ja-JP" altLang="en-US" smtClean="0"/>
-              <a:t>2021/4/16</a:t>
+              <a:t>2021/4/23</a:t>
             </a:fld>
             <a:endParaRPr kumimoji="1" lang="ja-JP" altLang="en-US"/>
           </a:p>
@@ -3338,6 +3338,13 @@
   <p:clrMapOvr>
     <a:masterClrMapping/>
   </p:clrMapOvr>
+  <p:timing>
+    <p:tnLst>
+      <p:par>
+        <p:cTn id="1" dur="indefinite" restart="never" nodeType="tmRoot"/>
+      </p:par>
+    </p:tnLst>
+  </p:timing>
 </p:sld>
 </file>
 
@@ -3799,7 +3806,15 @@
           <a:bodyPr/>
           <a:lstStyle/>
           <a:p>
-            <a:endParaRPr kumimoji="1" lang="ja-JP" altLang="en-US"/>
+            <a:r>
+              <a:rPr kumimoji="1" lang="ja-JP" altLang="en-US" dirty="0" smtClean="0"/>
+              <a:t>課題</a:t>
+            </a:r>
+            <a:r>
+              <a:rPr kumimoji="1" lang="en-US" altLang="ja-JP" dirty="0" smtClean="0"/>
+              <a:t>	</a:t>
+            </a:r>
+            <a:endParaRPr kumimoji="1" lang="ja-JP" altLang="en-US" dirty="0"/>
           </a:p>
         </p:txBody>
       </p:sp>
@@ -3818,7 +3833,104 @@
           <a:bodyPr/>
           <a:lstStyle/>
           <a:p>
-            <a:endParaRPr kumimoji="1" lang="ja-JP" altLang="en-US"/>
+            <a:r>
+              <a:rPr kumimoji="1" lang="ja-JP" altLang="en-US" dirty="0" smtClean="0"/>
+              <a:t>セキュリティ面</a:t>
+            </a:r>
+            <a:endParaRPr kumimoji="1" lang="en-US" altLang="ja-JP" dirty="0" smtClean="0"/>
+          </a:p>
+          <a:p>
+            <a:pPr lvl="1"/>
+            <a:r>
+              <a:rPr kumimoji="1" lang="ja-JP" altLang="en-US" dirty="0" smtClean="0"/>
+              <a:t>ユーザの個人情報</a:t>
+            </a:r>
+            <a:endParaRPr kumimoji="1" lang="en-US" altLang="ja-JP" dirty="0" smtClean="0"/>
+          </a:p>
+          <a:p>
+            <a:pPr lvl="1"/>
+            <a:r>
+              <a:rPr lang="ja-JP" altLang="en-US" dirty="0" smtClean="0"/>
+              <a:t>運営側の秘密にする情報</a:t>
+            </a:r>
+            <a:endParaRPr lang="en-US" altLang="ja-JP" dirty="0" smtClean="0"/>
+          </a:p>
+          <a:p>
+            <a:pPr lvl="2"/>
+            <a:r>
+              <a:rPr kumimoji="1" lang="ja-JP" altLang="en-US" dirty="0"/>
+              <a:t>運営側</a:t>
+            </a:r>
+            <a:r>
+              <a:rPr kumimoji="1" lang="ja-JP" altLang="en-US" dirty="0" smtClean="0"/>
+              <a:t>の個人情報</a:t>
+            </a:r>
+            <a:endParaRPr kumimoji="1" lang="en-US" altLang="ja-JP" dirty="0" smtClean="0"/>
+          </a:p>
+          <a:p>
+            <a:pPr lvl="2"/>
+            <a:r>
+              <a:rPr lang="ja-JP" altLang="en-US" dirty="0"/>
+              <a:t>利用</a:t>
+            </a:r>
+            <a:r>
+              <a:rPr lang="ja-JP" altLang="en-US" dirty="0" smtClean="0"/>
+              <a:t>する関数名</a:t>
+            </a:r>
+            <a:endParaRPr lang="en-US" altLang="ja-JP" dirty="0" smtClean="0"/>
+          </a:p>
+          <a:p>
+            <a:pPr lvl="1"/>
+            <a:r>
+              <a:rPr lang="ja-JP" altLang="en-US" dirty="0" smtClean="0"/>
+              <a:t>ユーザに利用させない関数名</a:t>
+            </a:r>
+            <a:endParaRPr kumimoji="1" lang="en-US" altLang="ja-JP" dirty="0" smtClean="0"/>
+          </a:p>
+          <a:p>
+            <a:r>
+              <a:rPr lang="ja-JP" altLang="en-US" dirty="0"/>
+              <a:t>利用す</a:t>
+            </a:r>
+            <a:r>
+              <a:rPr lang="ja-JP" altLang="en-US" dirty="0" smtClean="0"/>
+              <a:t>る</a:t>
+            </a:r>
+            <a:r>
+              <a:rPr lang="ja-JP" altLang="en-US" dirty="0" smtClean="0"/>
+              <a:t>プログラミング</a:t>
+            </a:r>
+            <a:r>
+              <a:rPr lang="ja-JP" altLang="en-US" dirty="0" smtClean="0"/>
+              <a:t>言語</a:t>
+            </a:r>
+            <a:endParaRPr lang="en-US" altLang="ja-JP" dirty="0" smtClean="0"/>
+          </a:p>
+          <a:p>
+            <a:pPr lvl="1"/>
+            <a:r>
+              <a:rPr kumimoji="1" lang="en-US" altLang="ja-JP" dirty="0" err="1" smtClean="0"/>
+              <a:t>Javascript</a:t>
+            </a:r>
+            <a:endParaRPr kumimoji="1" lang="en-US" altLang="ja-JP" dirty="0" smtClean="0"/>
+          </a:p>
+          <a:p>
+            <a:pPr lvl="1"/>
+            <a:r>
+              <a:rPr lang="en-US" altLang="ja-JP" dirty="0" smtClean="0"/>
+              <a:t>SQL</a:t>
+            </a:r>
+          </a:p>
+          <a:p>
+            <a:pPr lvl="1"/>
+            <a:r>
+              <a:rPr lang="en-US" altLang="ja-JP" smtClean="0"/>
+              <a:t>C</a:t>
+            </a:r>
+          </a:p>
+          <a:p>
+            <a:pPr lvl="1"/>
+            <a:endParaRPr kumimoji="1" lang="en-US" altLang="ja-JP" dirty="0" smtClean="0"/>
           </a:p>
         </p:txBody>
       </p:sp>
@@ -3973,16 +4085,14 @@
         </p:nvSpPr>
         <p:spPr/>
         <p:txBody>
-          <a:bodyPr/>
+          <a:bodyPr>
+            <a:normAutofit lnSpcReduction="10000"/>
+          </a:bodyPr>
           <a:lstStyle/>
           <a:p>
             <a:r>
               <a:rPr kumimoji="1" lang="ja-JP" altLang="en-US" dirty="0" smtClean="0"/>
-              <a:t>本または著者を</a:t>
-            </a:r>
-            <a:r>
-              <a:rPr kumimoji="1" lang="ja-JP" altLang="en-US" dirty="0" smtClean="0"/>
-              <a:t>推薦するプログラム</a:t>
+              <a:t>本または著者を推薦するプログラム</a:t>
             </a:r>
             <a:endParaRPr kumimoji="1" lang="en-US" altLang="ja-JP" dirty="0" smtClean="0"/>
           </a:p>
@@ -4002,6 +4112,44 @@
             <a:endParaRPr lang="en-US" altLang="ja-JP" dirty="0" smtClean="0"/>
           </a:p>
           <a:p>
+            <a:endParaRPr lang="en-US" altLang="ja-JP" dirty="0" smtClean="0"/>
+          </a:p>
+          <a:p>
+            <a:endParaRPr lang="en-US" altLang="ja-JP" dirty="0"/>
+          </a:p>
+          <a:p>
+            <a:endParaRPr lang="en-US" altLang="ja-JP" dirty="0" smtClean="0"/>
+          </a:p>
+          <a:p>
+            <a:r>
+              <a:rPr lang="ja-JP" altLang="en-US" dirty="0" smtClean="0"/>
+              <a:t>課題</a:t>
+            </a:r>
+            <a:endParaRPr lang="en-US" altLang="ja-JP" dirty="0"/>
+          </a:p>
+          <a:p>
+            <a:r>
+              <a:rPr lang="ja-JP" altLang="en-US" dirty="0" smtClean="0"/>
+              <a:t>内容レベルでの理解は難しい</a:t>
+            </a:r>
+            <a:endParaRPr lang="en-US" altLang="ja-JP" dirty="0" smtClean="0"/>
+          </a:p>
+          <a:p>
+            <a:r>
+              <a:rPr lang="ja-JP" altLang="en-US" dirty="0"/>
+              <a:t>好みと</a:t>
+            </a:r>
+            <a:r>
+              <a:rPr lang="ja-JP" altLang="en-US" dirty="0" smtClean="0"/>
+              <a:t>ずれ</a:t>
+            </a:r>
+            <a:endParaRPr lang="en-US" altLang="ja-JP" dirty="0" smtClean="0"/>
+          </a:p>
+          <a:p>
+            <a:r>
+              <a:rPr kumimoji="1" lang="ja-JP" altLang="en-US" dirty="0" smtClean="0"/>
+              <a:t>推薦する時期、タイミング</a:t>
+            </a:r>
             <a:endParaRPr kumimoji="1" lang="en-US" altLang="ja-JP" dirty="0" smtClean="0"/>
           </a:p>
           <a:p>
@@ -4098,6 +4246,13 @@
   <p:clrMapOvr>
     <a:masterClrMapping/>
   </p:clrMapOvr>
+  <p:timing>
+    <p:tnLst>
+      <p:par>
+        <p:cTn id="1" dur="indefinite" restart="never" nodeType="tmRoot"/>
+      </p:par>
+    </p:tnLst>
+  </p:timing>
 </p:sld>
 </file>
 
@@ -4166,6 +4321,13 @@
   <p:clrMapOvr>
     <a:masterClrMapping/>
   </p:clrMapOvr>
+  <p:timing>
+    <p:tnLst>
+      <p:par>
+        <p:cTn id="1" dur="indefinite" restart="never" nodeType="tmRoot"/>
+      </p:par>
+    </p:tnLst>
+  </p:timing>
 </p:sld>
 </file>
 

--- a/1821121_shimaoka_sotsuken.pptx
+++ b/1821121_shimaoka_sotsuken.pptx
@@ -15,11 +15,12 @@
     <p:sldId id="261" r:id="rId9"/>
     <p:sldId id="266" r:id="rId10"/>
     <p:sldId id="262" r:id="rId11"/>
-    <p:sldId id="263" r:id="rId12"/>
-    <p:sldId id="264" r:id="rId13"/>
-    <p:sldId id="265" r:id="rId14"/>
-    <p:sldId id="271" r:id="rId15"/>
-    <p:sldId id="270" r:id="rId16"/>
+    <p:sldId id="272" r:id="rId12"/>
+    <p:sldId id="263" r:id="rId13"/>
+    <p:sldId id="264" r:id="rId14"/>
+    <p:sldId id="265" r:id="rId15"/>
+    <p:sldId id="271" r:id="rId16"/>
+    <p:sldId id="270" r:id="rId17"/>
   </p:sldIdLst>
   <p:sldSz cx="12192000" cy="6858000"/>
   <p:notesSz cx="6858000" cy="9144000"/>
@@ -3811,6 +3812,10 @@
               <a:t>課題</a:t>
             </a:r>
             <a:r>
+              <a:rPr lang="ja-JP" altLang="en-US" dirty="0" smtClean="0"/>
+              <a:t>と解決方法案</a:t>
+            </a:r>
+            <a:r>
               <a:rPr kumimoji="1" lang="en-US" altLang="ja-JP" dirty="0" smtClean="0"/>
               <a:t>	</a:t>
             </a:r>
@@ -3830,7 +3835,9 @@
         </p:nvSpPr>
         <p:spPr/>
         <p:txBody>
-          <a:bodyPr/>
+          <a:bodyPr>
+            <a:normAutofit fontScale="92500" lnSpcReduction="10000"/>
+          </a:bodyPr>
           <a:lstStyle/>
           <a:p>
             <a:r>
@@ -3843,7 +3850,22 @@
             <a:pPr lvl="1"/>
             <a:r>
               <a:rPr kumimoji="1" lang="ja-JP" altLang="en-US" dirty="0" smtClean="0"/>
-              <a:t>ユーザの個人情報</a:t>
+              <a:t>ユーザの個人</a:t>
+            </a:r>
+            <a:r>
+              <a:rPr kumimoji="1" lang="ja-JP" altLang="en-US" dirty="0" smtClean="0"/>
+              <a:t>情報</a:t>
+            </a:r>
+            <a:endParaRPr lang="en-US" altLang="ja-JP" dirty="0"/>
+          </a:p>
+          <a:p>
+            <a:pPr lvl="1">
+              <a:buFont typeface="Wingdings" panose="05000000000000000000" pitchFamily="2" charset="2"/>
+              <a:buChar char="u"/>
+            </a:pPr>
+            <a:r>
+              <a:rPr kumimoji="1" lang="ja-JP" altLang="en-US" dirty="0" smtClean="0"/>
+              <a:t>登録情報を保存するファイルの位置をユーザが直接参照できない位置に保存する</a:t>
             </a:r>
             <a:endParaRPr kumimoji="1" lang="en-US" altLang="ja-JP" dirty="0" smtClean="0"/>
           </a:p>
@@ -3863,19 +3885,64 @@
             </a:r>
             <a:r>
               <a:rPr kumimoji="1" lang="ja-JP" altLang="en-US" dirty="0" smtClean="0"/>
-              <a:t>の個人情報</a:t>
+              <a:t>の個人</a:t>
+            </a:r>
+            <a:r>
+              <a:rPr kumimoji="1" lang="ja-JP" altLang="en-US" dirty="0" smtClean="0"/>
+              <a:t>情報</a:t>
             </a:r>
             <a:endParaRPr kumimoji="1" lang="en-US" altLang="ja-JP" dirty="0" smtClean="0"/>
           </a:p>
           <a:p>
-            <a:pPr lvl="2"/>
+            <a:pPr lvl="2">
+              <a:buFont typeface="Wingdings" panose="05000000000000000000" pitchFamily="2" charset="2"/>
+              <a:buChar char="u"/>
+            </a:pPr>
             <a:r>
               <a:rPr lang="ja-JP" altLang="en-US" dirty="0"/>
+              <a:t>管理して</a:t>
+            </a:r>
+            <a:r>
+              <a:rPr lang="ja-JP" altLang="en-US" dirty="0" smtClean="0"/>
+              <a:t>いるサーバの場所（あまりばれないほうがいい？）</a:t>
+            </a:r>
+            <a:endParaRPr lang="en-US" altLang="ja-JP" dirty="0" smtClean="0"/>
+          </a:p>
+          <a:p>
+            <a:pPr lvl="2">
+              <a:buFont typeface="Wingdings" panose="05000000000000000000" pitchFamily="2" charset="2"/>
+              <a:buChar char="u"/>
+            </a:pPr>
+            <a:r>
+              <a:rPr kumimoji="1" lang="ja-JP" altLang="en-US" dirty="0" smtClean="0"/>
+              <a:t>管理者の名前（公表しても問題ない？）</a:t>
+            </a:r>
+            <a:endParaRPr lang="en-US" altLang="ja-JP" dirty="0"/>
+          </a:p>
+          <a:p>
+            <a:pPr lvl="1"/>
+            <a:r>
+              <a:rPr lang="ja-JP" altLang="en-US" dirty="0" smtClean="0"/>
               <a:t>利用</a:t>
             </a:r>
             <a:r>
               <a:rPr lang="ja-JP" altLang="en-US" dirty="0" smtClean="0"/>
-              <a:t>する関数名</a:t>
+              <a:t>する</a:t>
+            </a:r>
+            <a:r>
+              <a:rPr lang="ja-JP" altLang="en-US" dirty="0" smtClean="0"/>
+              <a:t>関数名</a:t>
+            </a:r>
+            <a:endParaRPr lang="en-US" altLang="ja-JP" dirty="0"/>
+          </a:p>
+          <a:p>
+            <a:pPr lvl="1">
+              <a:buFont typeface="Wingdings" panose="05000000000000000000" pitchFamily="2" charset="2"/>
+              <a:buChar char="u"/>
+            </a:pPr>
+            <a:r>
+              <a:rPr lang="ja-JP" altLang="en-US" dirty="0" smtClean="0"/>
+              <a:t>じゃんけん（予定）で利用する必要がある関数（グー、チョキ、パー）</a:t>
             </a:r>
             <a:endParaRPr lang="en-US" altLang="ja-JP" dirty="0" smtClean="0"/>
           </a:p>
@@ -3883,50 +3950,51 @@
             <a:pPr lvl="1"/>
             <a:r>
               <a:rPr lang="ja-JP" altLang="en-US" dirty="0" smtClean="0"/>
-              <a:t>ユーザに利用させない関数名</a:t>
-            </a:r>
-            <a:endParaRPr kumimoji="1" lang="en-US" altLang="ja-JP" dirty="0" smtClean="0"/>
-          </a:p>
-          <a:p>
+              <a:t>ユーザに利用</a:t>
+            </a:r>
+            <a:r>
+              <a:rPr lang="ja-JP" altLang="en-US" dirty="0" smtClean="0"/>
+              <a:t>させない</a:t>
+            </a:r>
+            <a:endParaRPr lang="en-US" altLang="ja-JP" dirty="0" smtClean="0"/>
+          </a:p>
+          <a:p>
+            <a:pPr lvl="1">
+              <a:buFont typeface="Wingdings" panose="05000000000000000000" pitchFamily="2" charset="2"/>
+              <a:buChar char="u"/>
+            </a:pPr>
+            <a:r>
+              <a:rPr lang="en-US" altLang="ja-JP" dirty="0"/>
+              <a:t>OS</a:t>
+            </a:r>
             <a:r>
               <a:rPr lang="ja-JP" altLang="en-US" dirty="0"/>
-              <a:t>利用す</a:t>
+              <a:t>に関する動作をおこす</a:t>
             </a:r>
             <a:r>
               <a:rPr lang="ja-JP" altLang="en-US" dirty="0" smtClean="0"/>
-              <a:t>る</a:t>
-            </a:r>
+              <a:t>関数</a:t>
+            </a:r>
+            <a:endParaRPr lang="en-US" altLang="ja-JP" dirty="0" smtClean="0"/>
+          </a:p>
+          <a:p>
+            <a:pPr lvl="1">
+              <a:buFont typeface="Wingdings" panose="05000000000000000000" pitchFamily="2" charset="2"/>
+              <a:buChar char="u"/>
+            </a:pPr>
             <a:r>
               <a:rPr lang="ja-JP" altLang="en-US" dirty="0" smtClean="0"/>
-              <a:t>プログラミング</a:t>
+              <a:t>命名の際に</a:t>
+            </a:r>
+            <a:r>
+              <a:rPr lang="en-US" altLang="ja-JP" dirty="0" smtClean="0"/>
+              <a:t>/</a:t>
             </a:r>
             <a:r>
               <a:rPr lang="ja-JP" altLang="en-US" dirty="0" smtClean="0"/>
-              <a:t>言語</a:t>
-            </a:r>
-            <a:endParaRPr lang="en-US" altLang="ja-JP" dirty="0" smtClean="0"/>
-          </a:p>
-          <a:p>
-            <a:pPr lvl="1"/>
-            <a:r>
-              <a:rPr kumimoji="1" lang="en-US" altLang="ja-JP" dirty="0" err="1" smtClean="0"/>
-              <a:t>Javascript</a:t>
-            </a:r>
-            <a:endParaRPr kumimoji="1" lang="en-US" altLang="ja-JP" dirty="0" smtClean="0"/>
-          </a:p>
-          <a:p>
-            <a:pPr lvl="1"/>
-            <a:r>
-              <a:rPr lang="en-US" altLang="ja-JP" dirty="0" smtClean="0"/>
-              <a:t>SQL</a:t>
-            </a:r>
-          </a:p>
-          <a:p>
-            <a:pPr lvl="1"/>
-            <a:r>
-              <a:rPr lang="en-US" altLang="ja-JP" smtClean="0"/>
-              <a:t>C</a:t>
-            </a:r>
+              <a:t>など利用できない文字の指定</a:t>
+            </a:r>
+            <a:endParaRPr lang="en-US" altLang="ja-JP" dirty="0"/>
           </a:p>
           <a:p>
             <a:pPr lvl="1"/>
@@ -3937,7 +4005,7 @@
     </p:spTree>
     <p:extLst>
       <p:ext uri="{BB962C8B-B14F-4D97-AF65-F5344CB8AC3E}">
-        <p14:creationId xmlns:p14="http://schemas.microsoft.com/office/powerpoint/2010/main" val="4198881976"/>
+        <p14:creationId xmlns:p14="http://schemas.microsoft.com/office/powerpoint/2010/main" val="520338680"/>
       </p:ext>
     </p:extLst>
   </p:cSld>
@@ -3978,7 +4046,7 @@
             <a:spLocks noGrp="1"/>
           </p:cNvSpPr>
           <p:nvPr>
-            <p:ph type="ctrTitle"/>
+            <p:ph type="title"/>
           </p:nvPr>
         </p:nvSpPr>
         <p:spPr/>
@@ -3987,8 +4055,16 @@
           <a:lstStyle/>
           <a:p>
             <a:r>
+              <a:rPr kumimoji="1" lang="ja-JP" altLang="en-US" dirty="0" smtClean="0"/>
+              <a:t>課題</a:t>
+            </a:r>
+            <a:r>
               <a:rPr lang="ja-JP" altLang="en-US" dirty="0" smtClean="0"/>
-              <a:t>案２</a:t>
+              <a:t>と解決方法案</a:t>
+            </a:r>
+            <a:r>
+              <a:rPr kumimoji="1" lang="en-US" altLang="ja-JP" dirty="0" smtClean="0"/>
+              <a:t>	</a:t>
             </a:r>
             <a:endParaRPr kumimoji="1" lang="ja-JP" altLang="en-US" dirty="0"/>
           </a:p>
@@ -3996,27 +4072,67 @@
       </p:sp>
       <p:sp>
         <p:nvSpPr>
-          <p:cNvPr id="3" name="サブタイトル 2"/>
-          <p:cNvSpPr>
-            <a:spLocks noGrp="1"/>
-          </p:cNvSpPr>
-          <p:nvPr>
-            <p:ph type="subTitle" idx="1"/>
+          <p:cNvPr id="3" name="コンテンツ プレースホルダー 2"/>
+          <p:cNvSpPr>
+            <a:spLocks noGrp="1"/>
+          </p:cNvSpPr>
+          <p:nvPr>
+            <p:ph idx="1"/>
           </p:nvPr>
         </p:nvSpPr>
         <p:spPr/>
         <p:txBody>
-          <a:bodyPr/>
-          <a:lstStyle/>
-          <a:p>
-            <a:endParaRPr kumimoji="1" lang="ja-JP" altLang="en-US"/>
+          <a:bodyPr>
+            <a:normAutofit/>
+          </a:bodyPr>
+          <a:lstStyle/>
+          <a:p>
+            <a:r>
+              <a:rPr lang="ja-JP" altLang="en-US" dirty="0" smtClean="0"/>
+              <a:t>利用</a:t>
+            </a:r>
+            <a:r>
+              <a:rPr lang="ja-JP" altLang="en-US" dirty="0"/>
+              <a:t>す</a:t>
+            </a:r>
+            <a:r>
+              <a:rPr lang="ja-JP" altLang="en-US" dirty="0" smtClean="0"/>
+              <a:t>るプログラミング言語</a:t>
+            </a:r>
+            <a:endParaRPr lang="en-US" altLang="ja-JP" dirty="0" smtClean="0"/>
+          </a:p>
+          <a:p>
+            <a:pPr lvl="1"/>
+            <a:r>
+              <a:rPr kumimoji="1" lang="en-US" altLang="ja-JP" dirty="0" err="1" smtClean="0"/>
+              <a:t>Javascript</a:t>
+            </a:r>
+            <a:endParaRPr kumimoji="1" lang="en-US" altLang="ja-JP" dirty="0" smtClean="0"/>
+          </a:p>
+          <a:p>
+            <a:pPr lvl="1"/>
+            <a:r>
+              <a:rPr lang="en-US" altLang="ja-JP" dirty="0" smtClean="0"/>
+              <a:t>SQL</a:t>
+            </a:r>
+          </a:p>
+          <a:p>
+            <a:pPr lvl="1"/>
+            <a:r>
+              <a:rPr lang="en-US" altLang="ja-JP" dirty="0" smtClean="0"/>
+              <a:t>C</a:t>
+            </a:r>
+          </a:p>
+          <a:p>
+            <a:pPr lvl="1"/>
+            <a:endParaRPr kumimoji="1" lang="en-US" altLang="ja-JP" dirty="0" smtClean="0"/>
           </a:p>
         </p:txBody>
       </p:sp>
     </p:spTree>
     <p:extLst>
       <p:ext uri="{BB962C8B-B14F-4D97-AF65-F5344CB8AC3E}">
-        <p14:creationId xmlns:p14="http://schemas.microsoft.com/office/powerpoint/2010/main" val="1333936825"/>
+        <p14:creationId xmlns:p14="http://schemas.microsoft.com/office/powerpoint/2010/main" val="4198881976"/>
       </p:ext>
     </p:extLst>
   </p:cSld>
@@ -4057,7 +4173,7 @@
             <a:spLocks noGrp="1"/>
           </p:cNvSpPr>
           <p:nvPr>
-            <p:ph type="title"/>
+            <p:ph type="ctrTitle"/>
           </p:nvPr>
         </p:nvSpPr>
         <p:spPr/>
@@ -4066,8 +4182,8 @@
           <a:lstStyle/>
           <a:p>
             <a:r>
-              <a:rPr kumimoji="1" lang="ja-JP" altLang="en-US" dirty="0" smtClean="0"/>
-              <a:t>概要</a:t>
+              <a:rPr lang="ja-JP" altLang="en-US" dirty="0" smtClean="0"/>
+              <a:t>案２</a:t>
             </a:r>
             <a:endParaRPr kumimoji="1" lang="ja-JP" altLang="en-US" dirty="0"/>
           </a:p>
@@ -4075,92 +4191,27 @@
       </p:sp>
       <p:sp>
         <p:nvSpPr>
-          <p:cNvPr id="3" name="コンテンツ プレースホルダー 2"/>
-          <p:cNvSpPr>
-            <a:spLocks noGrp="1"/>
-          </p:cNvSpPr>
-          <p:nvPr>
-            <p:ph idx="1"/>
+          <p:cNvPr id="3" name="サブタイトル 2"/>
+          <p:cNvSpPr>
+            <a:spLocks noGrp="1"/>
+          </p:cNvSpPr>
+          <p:nvPr>
+            <p:ph type="subTitle" idx="1"/>
           </p:nvPr>
         </p:nvSpPr>
         <p:spPr/>
         <p:txBody>
-          <a:bodyPr>
-            <a:normAutofit lnSpcReduction="10000"/>
-          </a:bodyPr>
-          <a:lstStyle/>
-          <a:p>
-            <a:r>
-              <a:rPr kumimoji="1" lang="ja-JP" altLang="en-US" dirty="0" smtClean="0"/>
-              <a:t>本または著者を推薦するプログラム</a:t>
-            </a:r>
-            <a:endParaRPr kumimoji="1" lang="en-US" altLang="ja-JP" dirty="0" smtClean="0"/>
-          </a:p>
-          <a:p>
-            <a:r>
-              <a:rPr kumimoji="1" lang="ja-JP" altLang="en-US" dirty="0" smtClean="0"/>
-              <a:t>これまでの読書履歴や好きな著者の情報などから</a:t>
-            </a:r>
-            <a:r>
-              <a:rPr lang="ja-JP" altLang="en-US" dirty="0"/>
-              <a:t>情報</a:t>
-            </a:r>
-            <a:r>
-              <a:rPr lang="ja-JP" altLang="en-US" dirty="0" smtClean="0"/>
-              <a:t>を推薦</a:t>
-            </a:r>
-            <a:endParaRPr lang="en-US" altLang="ja-JP" dirty="0" smtClean="0"/>
-          </a:p>
-          <a:p>
-            <a:endParaRPr lang="en-US" altLang="ja-JP" dirty="0" smtClean="0"/>
-          </a:p>
-          <a:p>
-            <a:endParaRPr lang="en-US" altLang="ja-JP" dirty="0"/>
-          </a:p>
-          <a:p>
-            <a:endParaRPr lang="en-US" altLang="ja-JP" dirty="0" smtClean="0"/>
-          </a:p>
-          <a:p>
-            <a:r>
-              <a:rPr lang="ja-JP" altLang="en-US" dirty="0" smtClean="0"/>
-              <a:t>課題</a:t>
-            </a:r>
-            <a:endParaRPr lang="en-US" altLang="ja-JP" dirty="0"/>
-          </a:p>
-          <a:p>
-            <a:r>
-              <a:rPr lang="ja-JP" altLang="en-US" dirty="0" smtClean="0"/>
-              <a:t>内容レベルでの理解は難しい</a:t>
-            </a:r>
-            <a:endParaRPr lang="en-US" altLang="ja-JP" dirty="0" smtClean="0"/>
-          </a:p>
-          <a:p>
-            <a:r>
-              <a:rPr lang="ja-JP" altLang="en-US" dirty="0"/>
-              <a:t>好みと</a:t>
-            </a:r>
-            <a:r>
-              <a:rPr lang="ja-JP" altLang="en-US" dirty="0" smtClean="0"/>
-              <a:t>ずれ</a:t>
-            </a:r>
-            <a:endParaRPr lang="en-US" altLang="ja-JP" dirty="0" smtClean="0"/>
-          </a:p>
-          <a:p>
-            <a:r>
-              <a:rPr kumimoji="1" lang="ja-JP" altLang="en-US" dirty="0" smtClean="0"/>
-              <a:t>推薦する時期、タイミング</a:t>
-            </a:r>
-            <a:endParaRPr kumimoji="1" lang="en-US" altLang="ja-JP" dirty="0" smtClean="0"/>
-          </a:p>
-          <a:p>
-            <a:endParaRPr kumimoji="1" lang="ja-JP" altLang="en-US" dirty="0"/>
+          <a:bodyPr/>
+          <a:lstStyle/>
+          <a:p>
+            <a:endParaRPr kumimoji="1" lang="ja-JP" altLang="en-US"/>
           </a:p>
         </p:txBody>
       </p:sp>
     </p:spTree>
     <p:extLst>
       <p:ext uri="{BB962C8B-B14F-4D97-AF65-F5344CB8AC3E}">
-        <p14:creationId xmlns:p14="http://schemas.microsoft.com/office/powerpoint/2010/main" val="791603525"/>
+        <p14:creationId xmlns:p14="http://schemas.microsoft.com/office/powerpoint/2010/main" val="1333936825"/>
       </p:ext>
     </p:extLst>
   </p:cSld>
@@ -4201,6 +4252,150 @@
             <a:spLocks noGrp="1"/>
           </p:cNvSpPr>
           <p:nvPr>
+            <p:ph type="title"/>
+          </p:nvPr>
+        </p:nvSpPr>
+        <p:spPr/>
+        <p:txBody>
+          <a:bodyPr/>
+          <a:lstStyle/>
+          <a:p>
+            <a:r>
+              <a:rPr kumimoji="1" lang="ja-JP" altLang="en-US" dirty="0" smtClean="0"/>
+              <a:t>概要</a:t>
+            </a:r>
+            <a:endParaRPr kumimoji="1" lang="ja-JP" altLang="en-US" dirty="0"/>
+          </a:p>
+        </p:txBody>
+      </p:sp>
+      <p:sp>
+        <p:nvSpPr>
+          <p:cNvPr id="3" name="コンテンツ プレースホルダー 2"/>
+          <p:cNvSpPr>
+            <a:spLocks noGrp="1"/>
+          </p:cNvSpPr>
+          <p:nvPr>
+            <p:ph idx="1"/>
+          </p:nvPr>
+        </p:nvSpPr>
+        <p:spPr/>
+        <p:txBody>
+          <a:bodyPr>
+            <a:normAutofit lnSpcReduction="10000"/>
+          </a:bodyPr>
+          <a:lstStyle/>
+          <a:p>
+            <a:r>
+              <a:rPr kumimoji="1" lang="ja-JP" altLang="en-US" dirty="0" smtClean="0"/>
+              <a:t>本または著者を推薦するプログラム</a:t>
+            </a:r>
+            <a:endParaRPr kumimoji="1" lang="en-US" altLang="ja-JP" dirty="0" smtClean="0"/>
+          </a:p>
+          <a:p>
+            <a:r>
+              <a:rPr kumimoji="1" lang="ja-JP" altLang="en-US" dirty="0" smtClean="0"/>
+              <a:t>これまでの読書履歴や好きな著者の情報などから</a:t>
+            </a:r>
+            <a:r>
+              <a:rPr lang="ja-JP" altLang="en-US" dirty="0"/>
+              <a:t>情報</a:t>
+            </a:r>
+            <a:r>
+              <a:rPr lang="ja-JP" altLang="en-US" dirty="0" smtClean="0"/>
+              <a:t>を推薦</a:t>
+            </a:r>
+            <a:endParaRPr lang="en-US" altLang="ja-JP" dirty="0" smtClean="0"/>
+          </a:p>
+          <a:p>
+            <a:endParaRPr lang="en-US" altLang="ja-JP" dirty="0" smtClean="0"/>
+          </a:p>
+          <a:p>
+            <a:endParaRPr lang="en-US" altLang="ja-JP" dirty="0"/>
+          </a:p>
+          <a:p>
+            <a:endParaRPr lang="en-US" altLang="ja-JP" dirty="0" smtClean="0"/>
+          </a:p>
+          <a:p>
+            <a:r>
+              <a:rPr lang="ja-JP" altLang="en-US" dirty="0" smtClean="0"/>
+              <a:t>課題</a:t>
+            </a:r>
+            <a:endParaRPr lang="en-US" altLang="ja-JP" dirty="0"/>
+          </a:p>
+          <a:p>
+            <a:r>
+              <a:rPr lang="ja-JP" altLang="en-US" dirty="0" smtClean="0"/>
+              <a:t>内容レベルでの理解は難しい</a:t>
+            </a:r>
+            <a:endParaRPr lang="en-US" altLang="ja-JP" dirty="0" smtClean="0"/>
+          </a:p>
+          <a:p>
+            <a:r>
+              <a:rPr lang="ja-JP" altLang="en-US" dirty="0"/>
+              <a:t>好みと</a:t>
+            </a:r>
+            <a:r>
+              <a:rPr lang="ja-JP" altLang="en-US" dirty="0" smtClean="0"/>
+              <a:t>ずれ</a:t>
+            </a:r>
+            <a:endParaRPr lang="en-US" altLang="ja-JP" dirty="0" smtClean="0"/>
+          </a:p>
+          <a:p>
+            <a:r>
+              <a:rPr kumimoji="1" lang="ja-JP" altLang="en-US" dirty="0" smtClean="0"/>
+              <a:t>推薦する時期、タイミング</a:t>
+            </a:r>
+            <a:endParaRPr kumimoji="1" lang="en-US" altLang="ja-JP" dirty="0" smtClean="0"/>
+          </a:p>
+          <a:p>
+            <a:endParaRPr kumimoji="1" lang="ja-JP" altLang="en-US" dirty="0"/>
+          </a:p>
+        </p:txBody>
+      </p:sp>
+    </p:spTree>
+    <p:extLst>
+      <p:ext uri="{BB962C8B-B14F-4D97-AF65-F5344CB8AC3E}">
+        <p14:creationId xmlns:p14="http://schemas.microsoft.com/office/powerpoint/2010/main" val="791603525"/>
+      </p:ext>
+    </p:extLst>
+  </p:cSld>
+  <p:clrMapOvr>
+    <a:masterClrMapping/>
+  </p:clrMapOvr>
+  <p:timing>
+    <p:tnLst>
+      <p:par>
+        <p:cTn id="1" dur="indefinite" restart="never" nodeType="tmRoot"/>
+      </p:par>
+    </p:tnLst>
+  </p:timing>
+</p:sld>
+</file>
+
+<file path=ppt/slides/slide15.xml><?xml version="1.0" encoding="utf-8"?>
+<p:sld xmlns:a="http://schemas.openxmlformats.org/drawingml/2006/main" xmlns:r="http://schemas.openxmlformats.org/officeDocument/2006/relationships" xmlns:p="http://schemas.openxmlformats.org/presentationml/2006/main">
+  <p:cSld>
+    <p:spTree>
+      <p:nvGrpSpPr>
+        <p:cNvPr id="1" name=""/>
+        <p:cNvGrpSpPr/>
+        <p:nvPr/>
+      </p:nvGrpSpPr>
+      <p:grpSpPr>
+        <a:xfrm>
+          <a:off x="0" y="0"/>
+          <a:ext cx="0" cy="0"/>
+          <a:chOff x="0" y="0"/>
+          <a:chExt cx="0" cy="0"/>
+        </a:xfrm>
+      </p:grpSpPr>
+      <p:sp>
+        <p:nvSpPr>
+          <p:cNvPr id="2" name="タイトル 1"/>
+          <p:cNvSpPr>
+            <a:spLocks noGrp="1"/>
+          </p:cNvSpPr>
+          <p:nvPr>
             <p:ph type="ctrTitle"/>
           </p:nvPr>
         </p:nvSpPr>
@@ -4256,7 +4451,7 @@
 </p:sld>
 </file>
 
-<file path=ppt/slides/slide15.xml><?xml version="1.0" encoding="utf-8"?>
+<file path=ppt/slides/slide16.xml><?xml version="1.0" encoding="utf-8"?>
 <p:sld xmlns:a="http://schemas.openxmlformats.org/drawingml/2006/main" xmlns:r="http://schemas.openxmlformats.org/officeDocument/2006/relationships" xmlns:p="http://schemas.openxmlformats.org/presentationml/2006/main">
   <p:cSld>
     <p:spTree>

--- a/1821121_shimaoka_sotsuken.pptx
+++ b/1821121_shimaoka_sotsuken.pptx
@@ -3836,7 +3836,7 @@
         <p:spPr/>
         <p:txBody>
           <a:bodyPr>
-            <a:normAutofit fontScale="92500" lnSpcReduction="10000"/>
+            <a:normAutofit fontScale="85000" lnSpcReduction="10000"/>
           </a:bodyPr>
           <a:lstStyle/>
           <a:p>
@@ -3923,7 +3923,7 @@
             <a:pPr lvl="1"/>
             <a:r>
               <a:rPr lang="ja-JP" altLang="en-US" dirty="0" smtClean="0"/>
-              <a:t>利用</a:t>
+              <a:t>ユーザが最低限利用</a:t>
             </a:r>
             <a:r>
               <a:rPr lang="ja-JP" altLang="en-US" dirty="0" smtClean="0"/>
@@ -3943,6 +3943,32 @@
             <a:r>
               <a:rPr lang="ja-JP" altLang="en-US" dirty="0" smtClean="0"/>
               <a:t>じゃんけん（予定）で利用する必要がある関数（グー、チョキ、パー）</a:t>
+            </a:r>
+            <a:endParaRPr lang="en-US" altLang="ja-JP" dirty="0" smtClean="0"/>
+          </a:p>
+          <a:p>
+            <a:pPr lvl="1">
+              <a:buFont typeface="Wingdings" panose="05000000000000000000" pitchFamily="2" charset="2"/>
+              <a:buChar char="u"/>
+            </a:pPr>
+            <a:r>
+              <a:rPr lang="ja-JP" altLang="en-US" dirty="0"/>
+              <a:t>以前まで</a:t>
+            </a:r>
+            <a:r>
+              <a:rPr lang="ja-JP" altLang="en-US" dirty="0" smtClean="0"/>
+              <a:t>の手を見る関数</a:t>
+            </a:r>
+            <a:endParaRPr lang="en-US" altLang="ja-JP" dirty="0" smtClean="0"/>
+          </a:p>
+          <a:p>
+            <a:pPr lvl="1">
+              <a:buFont typeface="Wingdings" panose="05000000000000000000" pitchFamily="2" charset="2"/>
+              <a:buChar char="u"/>
+            </a:pPr>
+            <a:r>
+              <a:rPr lang="ja-JP" altLang="en-US" smtClean="0"/>
+              <a:t>勝敗をみる関数</a:t>
             </a:r>
             <a:endParaRPr lang="en-US" altLang="ja-JP" dirty="0" smtClean="0"/>
           </a:p>

--- a/1821121_shimaoka_sotsuken.pptx
+++ b/1821121_shimaoka_sotsuken.pptx
@@ -19,8 +19,6 @@
     <p:sldId id="263" r:id="rId13"/>
     <p:sldId id="264" r:id="rId14"/>
     <p:sldId id="265" r:id="rId15"/>
-    <p:sldId id="271" r:id="rId16"/>
-    <p:sldId id="270" r:id="rId17"/>
   </p:sldIdLst>
   <p:sldSz cx="12192000" cy="6858000"/>
   <p:notesSz cx="6858000" cy="9144000"/>
@@ -3571,7 +3569,7 @@
         </p:nvSpPr>
         <p:spPr>
           <a:xfrm>
-            <a:off x="6501951" y="1650229"/>
+            <a:off x="6501951" y="1610315"/>
             <a:ext cx="4839036" cy="4912412"/>
           </a:xfrm>
           <a:prstGeom prst="rect">
@@ -3836,7 +3834,7 @@
         <p:spPr/>
         <p:txBody>
           <a:bodyPr>
-            <a:normAutofit fontScale="85000" lnSpcReduction="10000"/>
+            <a:normAutofit fontScale="85000" lnSpcReduction="20000"/>
           </a:bodyPr>
           <a:lstStyle/>
           <a:p>
@@ -3850,11 +3848,7 @@
             <a:pPr lvl="1"/>
             <a:r>
               <a:rPr kumimoji="1" lang="ja-JP" altLang="en-US" dirty="0" smtClean="0"/>
-              <a:t>ユーザの個人</a:t>
-            </a:r>
-            <a:r>
-              <a:rPr kumimoji="1" lang="ja-JP" altLang="en-US" dirty="0" smtClean="0"/>
-              <a:t>情報</a:t>
+              <a:t>ユーザの個人情報</a:t>
             </a:r>
             <a:endParaRPr lang="en-US" altLang="ja-JP" dirty="0"/>
           </a:p>
@@ -3885,11 +3879,7 @@
             </a:r>
             <a:r>
               <a:rPr kumimoji="1" lang="ja-JP" altLang="en-US" dirty="0" smtClean="0"/>
-              <a:t>の個人</a:t>
-            </a:r>
-            <a:r>
-              <a:rPr kumimoji="1" lang="ja-JP" altLang="en-US" dirty="0" smtClean="0"/>
-              <a:t>情報</a:t>
+              <a:t>の個人情報</a:t>
             </a:r>
             <a:endParaRPr kumimoji="1" lang="en-US" altLang="ja-JP" dirty="0" smtClean="0"/>
           </a:p>
@@ -3920,18 +3910,9 @@
             <a:endParaRPr lang="en-US" altLang="ja-JP" dirty="0"/>
           </a:p>
           <a:p>
-            <a:pPr lvl="1"/>
             <a:r>
               <a:rPr lang="ja-JP" altLang="en-US" dirty="0" smtClean="0"/>
-              <a:t>ユーザが最低限利用</a:t>
-            </a:r>
-            <a:r>
-              <a:rPr lang="ja-JP" altLang="en-US" dirty="0" smtClean="0"/>
-              <a:t>する</a:t>
-            </a:r>
-            <a:r>
-              <a:rPr lang="ja-JP" altLang="en-US" dirty="0" smtClean="0"/>
-              <a:t>関数名</a:t>
+              <a:t>ユーザが最低限利用する関数名</a:t>
             </a:r>
             <a:endParaRPr lang="en-US" altLang="ja-JP" dirty="0"/>
           </a:p>
@@ -3942,7 +3923,23 @@
             </a:pPr>
             <a:r>
               <a:rPr lang="ja-JP" altLang="en-US" dirty="0" smtClean="0"/>
-              <a:t>じゃんけん（予定）で利用する必要がある関数（グー、チョキ、パー）</a:t>
+              <a:t>じゃんけん</a:t>
+            </a:r>
+            <a:r>
+              <a:rPr lang="ja-JP" altLang="en-US" dirty="0" smtClean="0"/>
+              <a:t>（</a:t>
+            </a:r>
+            <a:r>
+              <a:rPr lang="ja-JP" altLang="en-US" dirty="0" smtClean="0"/>
+              <a:t>の場合</a:t>
+            </a:r>
+            <a:r>
+              <a:rPr lang="ja-JP" altLang="en-US" dirty="0" smtClean="0"/>
+              <a:t>）</a:t>
+            </a:r>
+            <a:r>
+              <a:rPr lang="ja-JP" altLang="en-US" dirty="0" smtClean="0"/>
+              <a:t>で利用する必要がある関数（グー、チョキ、パー）</a:t>
             </a:r>
             <a:endParaRPr lang="en-US" altLang="ja-JP" dirty="0" smtClean="0"/>
           </a:p>
@@ -3967,7 +3964,7 @@
               <a:buChar char="u"/>
             </a:pPr>
             <a:r>
-              <a:rPr lang="ja-JP" altLang="en-US" smtClean="0"/>
+              <a:rPr lang="ja-JP" altLang="en-US" dirty="0" smtClean="0"/>
               <a:t>勝敗をみる関数</a:t>
             </a:r>
             <a:endParaRPr lang="en-US" altLang="ja-JP" dirty="0" smtClean="0"/>
@@ -3976,11 +3973,7 @@
             <a:pPr lvl="1"/>
             <a:r>
               <a:rPr lang="ja-JP" altLang="en-US" dirty="0" smtClean="0"/>
-              <a:t>ユーザに利用</a:t>
-            </a:r>
-            <a:r>
-              <a:rPr lang="ja-JP" altLang="en-US" dirty="0" smtClean="0"/>
-              <a:t>させない</a:t>
+              <a:t>ユーザに利用させない</a:t>
             </a:r>
             <a:endParaRPr lang="en-US" altLang="ja-JP" dirty="0" smtClean="0"/>
           </a:p>
@@ -4010,21 +4003,28 @@
             </a:pPr>
             <a:r>
               <a:rPr lang="ja-JP" altLang="en-US" dirty="0" smtClean="0"/>
-              <a:t>命名の際に</a:t>
-            </a:r>
-            <a:r>
-              <a:rPr lang="en-US" altLang="ja-JP" dirty="0" smtClean="0"/>
-              <a:t>/</a:t>
+              <a:t>命名の際</a:t>
             </a:r>
             <a:r>
               <a:rPr lang="ja-JP" altLang="en-US" dirty="0" smtClean="0"/>
-              <a:t>など利用できない文字の指定</a:t>
+              <a:t>になど</a:t>
+            </a:r>
+            <a:r>
+              <a:rPr lang="ja-JP" altLang="en-US" dirty="0" smtClean="0"/>
+              <a:t>利用できない文字の</a:t>
+            </a:r>
+            <a:r>
+              <a:rPr lang="ja-JP" altLang="en-US" dirty="0" smtClean="0"/>
+              <a:t>指定</a:t>
             </a:r>
             <a:endParaRPr lang="en-US" altLang="ja-JP" dirty="0"/>
           </a:p>
           <a:p>
-            <a:pPr lvl="1"/>
-            <a:endParaRPr kumimoji="1" lang="en-US" altLang="ja-JP" dirty="0" smtClean="0"/>
+            <a:pPr lvl="1">
+              <a:buFont typeface="Wingdings" panose="05000000000000000000" pitchFamily="2" charset="2"/>
+              <a:buChar char="u"/>
+            </a:pPr>
+            <a:endParaRPr lang="en-US" altLang="ja-JP" dirty="0"/>
           </a:p>
         </p:txBody>
       </p:sp>
@@ -4113,6 +4113,12 @@
           </a:bodyPr>
           <a:lstStyle/>
           <a:p>
+            <a:endParaRPr lang="en-US" altLang="ja-JP" dirty="0" smtClean="0"/>
+          </a:p>
+          <a:p>
+            <a:endParaRPr lang="en-US" altLang="ja-JP" dirty="0"/>
+          </a:p>
+          <a:p>
             <a:r>
               <a:rPr lang="ja-JP" altLang="en-US" dirty="0" smtClean="0"/>
               <a:t>利用</a:t>
@@ -4146,8 +4152,13 @@
             <a:pPr lvl="1"/>
             <a:r>
               <a:rPr lang="en-US" altLang="ja-JP" dirty="0" smtClean="0"/>
-              <a:t>C</a:t>
-            </a:r>
+              <a:t>C(</a:t>
+            </a:r>
+            <a:r>
+              <a:rPr lang="ja-JP" altLang="en-US" dirty="0" smtClean="0"/>
+              <a:t>なんでも対応できそう）</a:t>
+            </a:r>
+            <a:endParaRPr lang="en-US" altLang="ja-JP" dirty="0" smtClean="0"/>
           </a:p>
           <a:p>
             <a:pPr lvl="1"/>
@@ -4307,7 +4318,7 @@
         <p:spPr/>
         <p:txBody>
           <a:bodyPr>
-            <a:normAutofit lnSpcReduction="10000"/>
+            <a:normAutofit fontScale="62500" lnSpcReduction="20000"/>
           </a:bodyPr>
           <a:lstStyle/>
           <a:p>
@@ -4333,12 +4344,9 @@
             <a:endParaRPr lang="en-US" altLang="ja-JP" dirty="0" smtClean="0"/>
           </a:p>
           <a:p>
-            <a:endParaRPr lang="en-US" altLang="ja-JP" dirty="0" smtClean="0"/>
-          </a:p>
-          <a:p>
-            <a:endParaRPr lang="en-US" altLang="ja-JP" dirty="0"/>
-          </a:p>
-          <a:p>
+            <a:pPr marL="0" indent="0">
+              <a:buNone/>
+            </a:pPr>
             <a:endParaRPr lang="en-US" altLang="ja-JP" dirty="0" smtClean="0"/>
           </a:p>
           <a:p>
@@ -4351,7 +4359,19 @@
           <a:p>
             <a:r>
               <a:rPr lang="ja-JP" altLang="en-US" dirty="0" smtClean="0"/>
-              <a:t>内容レベルでの理解は難しい</a:t>
+              <a:t>内容レベルでの理解は</a:t>
+            </a:r>
+            <a:r>
+              <a:rPr lang="ja-JP" altLang="en-US" dirty="0" smtClean="0"/>
+              <a:t>難しい（</a:t>
+            </a:r>
+            <a:r>
+              <a:rPr lang="en-US" altLang="ja-JP" dirty="0" smtClean="0"/>
+              <a:t>DL</a:t>
+            </a:r>
+            <a:r>
+              <a:rPr lang="ja-JP" altLang="en-US" dirty="0" smtClean="0"/>
+              <a:t>で進んでいる？</a:t>
             </a:r>
             <a:endParaRPr lang="en-US" altLang="ja-JP" dirty="0" smtClean="0"/>
           </a:p>
@@ -4362,14 +4382,82 @@
             </a:r>
             <a:r>
               <a:rPr lang="ja-JP" altLang="en-US" dirty="0" smtClean="0"/>
-              <a:t>ずれ</a:t>
+              <a:t>ずれ（ユーザベクトルと本の特徴ベクトルとのマッチング</a:t>
             </a:r>
             <a:endParaRPr lang="en-US" altLang="ja-JP" dirty="0" smtClean="0"/>
           </a:p>
           <a:p>
             <a:r>
               <a:rPr kumimoji="1" lang="ja-JP" altLang="en-US" dirty="0" smtClean="0"/>
-              <a:t>推薦する時期、タイミング</a:t>
+              <a:t>推薦する時期、</a:t>
+            </a:r>
+            <a:r>
+              <a:rPr kumimoji="1" lang="ja-JP" altLang="en-US" dirty="0" smtClean="0"/>
+              <a:t>タイミング（</a:t>
+            </a:r>
+            <a:endParaRPr kumimoji="1" lang="en-US" altLang="ja-JP" dirty="0" smtClean="0"/>
+          </a:p>
+          <a:p>
+            <a:pPr marL="0" indent="0">
+              <a:buNone/>
+            </a:pPr>
+            <a:r>
+              <a:rPr kumimoji="1" lang="ja-JP" altLang="en-US" dirty="0" smtClean="0"/>
+              <a:t>夏に雪山推薦は意味ない？</a:t>
+            </a:r>
+            <a:endParaRPr kumimoji="1" lang="en-US" altLang="ja-JP" dirty="0" smtClean="0"/>
+          </a:p>
+          <a:p>
+            <a:pPr marL="0" indent="0">
+              <a:buNone/>
+            </a:pPr>
+            <a:r>
+              <a:rPr kumimoji="1" lang="ja-JP" altLang="en-US" dirty="0" smtClean="0"/>
+              <a:t>著者に飽きがくる場合</a:t>
+            </a:r>
+            <a:endParaRPr kumimoji="1" lang="en-US" altLang="ja-JP" dirty="0" smtClean="0"/>
+          </a:p>
+          <a:p>
+            <a:pPr marL="0" indent="0">
+              <a:buNone/>
+            </a:pPr>
+            <a:r>
+              <a:rPr lang="ja-JP" altLang="en-US" dirty="0" smtClean="0"/>
+              <a:t>毎日牛丼は飽きる</a:t>
+            </a:r>
+            <a:endParaRPr lang="en-US" altLang="ja-JP" dirty="0" smtClean="0"/>
+          </a:p>
+          <a:p>
+            <a:pPr marL="0" indent="0">
+              <a:buNone/>
+            </a:pPr>
+            <a:r>
+              <a:rPr kumimoji="1" lang="ja-JP" altLang="en-US" dirty="0" smtClean="0"/>
+              <a:t>一度推薦された内容</a:t>
+            </a:r>
+            <a:r>
+              <a:rPr lang="ja-JP" altLang="en-US" dirty="0" smtClean="0"/>
+              <a:t>は不要になる場合がある</a:t>
+            </a:r>
+            <a:endParaRPr lang="en-US" altLang="ja-JP" dirty="0" smtClean="0"/>
+          </a:p>
+          <a:p>
+            <a:pPr marL="0" indent="0">
+              <a:buNone/>
+            </a:pPr>
+            <a:r>
+              <a:rPr kumimoji="1" lang="ja-JP" altLang="en-US" dirty="0" smtClean="0"/>
+              <a:t>コナン→金田一は連続して来られてもうれしくない場合</a:t>
+            </a:r>
+            <a:endParaRPr kumimoji="1" lang="en-US" altLang="ja-JP" dirty="0" smtClean="0"/>
+          </a:p>
+          <a:p>
+            <a:pPr marL="0" indent="0">
+              <a:buNone/>
+            </a:pPr>
+            <a:r>
+              <a:rPr kumimoji="1" lang="ja-JP" altLang="en-US" dirty="0" smtClean="0"/>
+              <a:t>コナン１巻→２巻</a:t>
             </a:r>
             <a:endParaRPr kumimoji="1" lang="en-US" altLang="ja-JP" dirty="0" smtClean="0"/>
           </a:p>
@@ -4382,160 +4470,6 @@
     <p:extLst>
       <p:ext uri="{BB962C8B-B14F-4D97-AF65-F5344CB8AC3E}">
         <p14:creationId xmlns:p14="http://schemas.microsoft.com/office/powerpoint/2010/main" val="791603525"/>
-      </p:ext>
-    </p:extLst>
-  </p:cSld>
-  <p:clrMapOvr>
-    <a:masterClrMapping/>
-  </p:clrMapOvr>
-  <p:timing>
-    <p:tnLst>
-      <p:par>
-        <p:cTn id="1" dur="indefinite" restart="never" nodeType="tmRoot"/>
-      </p:par>
-    </p:tnLst>
-  </p:timing>
-</p:sld>
-</file>
-
-<file path=ppt/slides/slide15.xml><?xml version="1.0" encoding="utf-8"?>
-<p:sld xmlns:a="http://schemas.openxmlformats.org/drawingml/2006/main" xmlns:r="http://schemas.openxmlformats.org/officeDocument/2006/relationships" xmlns:p="http://schemas.openxmlformats.org/presentationml/2006/main">
-  <p:cSld>
-    <p:spTree>
-      <p:nvGrpSpPr>
-        <p:cNvPr id="1" name=""/>
-        <p:cNvGrpSpPr/>
-        <p:nvPr/>
-      </p:nvGrpSpPr>
-      <p:grpSpPr>
-        <a:xfrm>
-          <a:off x="0" y="0"/>
-          <a:ext cx="0" cy="0"/>
-          <a:chOff x="0" y="0"/>
-          <a:chExt cx="0" cy="0"/>
-        </a:xfrm>
-      </p:grpSpPr>
-      <p:sp>
-        <p:nvSpPr>
-          <p:cNvPr id="2" name="タイトル 1"/>
-          <p:cNvSpPr>
-            <a:spLocks noGrp="1"/>
-          </p:cNvSpPr>
-          <p:nvPr>
-            <p:ph type="ctrTitle"/>
-          </p:nvPr>
-        </p:nvSpPr>
-        <p:spPr/>
-        <p:txBody>
-          <a:bodyPr/>
-          <a:lstStyle/>
-          <a:p>
-            <a:r>
-              <a:rPr kumimoji="1" lang="ja-JP" altLang="en-US" dirty="0" smtClean="0"/>
-              <a:t>案３</a:t>
-            </a:r>
-            <a:endParaRPr kumimoji="1" lang="ja-JP" altLang="en-US" dirty="0"/>
-          </a:p>
-        </p:txBody>
-      </p:sp>
-      <p:sp>
-        <p:nvSpPr>
-          <p:cNvPr id="3" name="サブタイトル 2"/>
-          <p:cNvSpPr>
-            <a:spLocks noGrp="1"/>
-          </p:cNvSpPr>
-          <p:nvPr>
-            <p:ph type="subTitle" idx="1"/>
-          </p:nvPr>
-        </p:nvSpPr>
-        <p:spPr/>
-        <p:txBody>
-          <a:bodyPr/>
-          <a:lstStyle/>
-          <a:p>
-            <a:endParaRPr kumimoji="1" lang="ja-JP" altLang="en-US"/>
-          </a:p>
-        </p:txBody>
-      </p:sp>
-    </p:spTree>
-    <p:extLst>
-      <p:ext uri="{BB962C8B-B14F-4D97-AF65-F5344CB8AC3E}">
-        <p14:creationId xmlns:p14="http://schemas.microsoft.com/office/powerpoint/2010/main" val="3903805927"/>
-      </p:ext>
-    </p:extLst>
-  </p:cSld>
-  <p:clrMapOvr>
-    <a:masterClrMapping/>
-  </p:clrMapOvr>
-  <p:timing>
-    <p:tnLst>
-      <p:par>
-        <p:cTn id="1" dur="indefinite" restart="never" nodeType="tmRoot"/>
-      </p:par>
-    </p:tnLst>
-  </p:timing>
-</p:sld>
-</file>
-
-<file path=ppt/slides/slide16.xml><?xml version="1.0" encoding="utf-8"?>
-<p:sld xmlns:a="http://schemas.openxmlformats.org/drawingml/2006/main" xmlns:r="http://schemas.openxmlformats.org/officeDocument/2006/relationships" xmlns:p="http://schemas.openxmlformats.org/presentationml/2006/main">
-  <p:cSld>
-    <p:spTree>
-      <p:nvGrpSpPr>
-        <p:cNvPr id="1" name=""/>
-        <p:cNvGrpSpPr/>
-        <p:nvPr/>
-      </p:nvGrpSpPr>
-      <p:grpSpPr>
-        <a:xfrm>
-          <a:off x="0" y="0"/>
-          <a:ext cx="0" cy="0"/>
-          <a:chOff x="0" y="0"/>
-          <a:chExt cx="0" cy="0"/>
-        </a:xfrm>
-      </p:grpSpPr>
-      <p:sp>
-        <p:nvSpPr>
-          <p:cNvPr id="2" name="タイトル 1"/>
-          <p:cNvSpPr>
-            <a:spLocks noGrp="1"/>
-          </p:cNvSpPr>
-          <p:nvPr>
-            <p:ph type="title"/>
-          </p:nvPr>
-        </p:nvSpPr>
-        <p:spPr/>
-        <p:txBody>
-          <a:bodyPr/>
-          <a:lstStyle/>
-          <a:p>
-            <a:endParaRPr kumimoji="1" lang="ja-JP" altLang="en-US"/>
-          </a:p>
-        </p:txBody>
-      </p:sp>
-      <p:sp>
-        <p:nvSpPr>
-          <p:cNvPr id="3" name="コンテンツ プレースホルダー 2"/>
-          <p:cNvSpPr>
-            <a:spLocks noGrp="1"/>
-          </p:cNvSpPr>
-          <p:nvPr>
-            <p:ph idx="1"/>
-          </p:nvPr>
-        </p:nvSpPr>
-        <p:spPr/>
-        <p:txBody>
-          <a:bodyPr/>
-          <a:lstStyle/>
-          <a:p>
-            <a:endParaRPr kumimoji="1" lang="ja-JP" altLang="en-US"/>
-          </a:p>
-        </p:txBody>
-      </p:sp>
-    </p:spTree>
-    <p:extLst>
-      <p:ext uri="{BB962C8B-B14F-4D97-AF65-F5344CB8AC3E}">
-        <p14:creationId xmlns:p14="http://schemas.microsoft.com/office/powerpoint/2010/main" val="3622358876"/>
       </p:ext>
     </p:extLst>
   </p:cSld>
@@ -6232,7 +6166,7 @@
         </p:nvSpPr>
         <p:spPr>
           <a:xfrm>
-            <a:off x="6616254" y="1690688"/>
+            <a:off x="6286245" y="1690688"/>
             <a:ext cx="4839036" cy="4912412"/>
           </a:xfrm>
           <a:prstGeom prst="rect">
@@ -6270,7 +6204,11 @@
             </a:r>
             <a:r>
               <a:rPr lang="en-US" altLang="ja-JP" dirty="0" smtClean="0"/>
-              <a:t> ==0)</a:t>
+              <a:t> </a:t>
+            </a:r>
+            <a:r>
+              <a:rPr lang="en-US" altLang="ja-JP" dirty="0" smtClean="0"/>
+              <a:t>==0)</a:t>
             </a:r>
             <a:r>
               <a:rPr lang="ja-JP" altLang="en-US" dirty="0" smtClean="0"/>
@@ -6370,6 +6308,86 @@
               <a:t>は次にチョキを出す</a:t>
             </a:r>
             <a:endParaRPr lang="en-US" altLang="ja-JP" dirty="0"/>
+          </a:p>
+        </p:txBody>
+      </p:sp>
+      <p:sp>
+        <p:nvSpPr>
+          <p:cNvPr id="3" name="正方形/長方形 2"/>
+          <p:cNvSpPr/>
+          <p:nvPr/>
+        </p:nvSpPr>
+        <p:spPr>
+          <a:xfrm>
+            <a:off x="6639178" y="3246437"/>
+            <a:ext cx="790647" cy="330009"/>
+          </a:xfrm>
+          <a:prstGeom prst="rect">
+            <a:avLst/>
+          </a:prstGeom>
+        </p:spPr>
+        <p:style>
+          <a:lnRef idx="2">
+            <a:schemeClr val="accent1">
+              <a:shade val="50000"/>
+            </a:schemeClr>
+          </a:lnRef>
+          <a:fillRef idx="1">
+            <a:schemeClr val="accent1"/>
+          </a:fillRef>
+          <a:effectRef idx="0">
+            <a:schemeClr val="accent1"/>
+          </a:effectRef>
+          <a:fontRef idx="minor">
+            <a:schemeClr val="lt1"/>
+          </a:fontRef>
+        </p:style>
+        <p:txBody>
+          <a:bodyPr rtlCol="0" anchor="ctr"/>
+          <a:lstStyle/>
+          <a:p>
+            <a:pPr algn="ctr"/>
+            <a:endParaRPr kumimoji="1" lang="ja-JP" altLang="en-US"/>
+          </a:p>
+        </p:txBody>
+      </p:sp>
+      <p:sp>
+        <p:nvSpPr>
+          <p:cNvPr id="13" name="正方形/長方形 12"/>
+          <p:cNvSpPr/>
+          <p:nvPr/>
+        </p:nvSpPr>
+        <p:spPr>
+          <a:xfrm>
+            <a:off x="6578447" y="4368238"/>
+            <a:ext cx="790647" cy="330009"/>
+          </a:xfrm>
+          <a:prstGeom prst="rect">
+            <a:avLst/>
+          </a:prstGeom>
+        </p:spPr>
+        <p:style>
+          <a:lnRef idx="2">
+            <a:schemeClr val="accent1">
+              <a:shade val="50000"/>
+            </a:schemeClr>
+          </a:lnRef>
+          <a:fillRef idx="1">
+            <a:schemeClr val="accent1"/>
+          </a:fillRef>
+          <a:effectRef idx="0">
+            <a:schemeClr val="accent1"/>
+          </a:effectRef>
+          <a:fontRef idx="minor">
+            <a:schemeClr val="lt1"/>
+          </a:fontRef>
+        </p:style>
+        <p:txBody>
+          <a:bodyPr rtlCol="0" anchor="ctr"/>
+          <a:lstStyle/>
+          <a:p>
+            <a:pPr algn="ctr"/>
+            <a:endParaRPr kumimoji="1" lang="ja-JP" altLang="en-US"/>
           </a:p>
         </p:txBody>
       </p:sp>

--- a/1821121_shimaoka_sotsuken.pptx
+++ b/1821121_shimaoka_sotsuken.pptx
@@ -19,6 +19,13 @@
     <p:sldId id="263" r:id="rId13"/>
     <p:sldId id="264" r:id="rId14"/>
     <p:sldId id="265" r:id="rId15"/>
+    <p:sldId id="273" r:id="rId16"/>
+    <p:sldId id="274" r:id="rId17"/>
+    <p:sldId id="275" r:id="rId18"/>
+    <p:sldId id="278" r:id="rId19"/>
+    <p:sldId id="279" r:id="rId20"/>
+    <p:sldId id="276" r:id="rId21"/>
+    <p:sldId id="277" r:id="rId22"/>
   </p:sldIdLst>
   <p:sldSz cx="12192000" cy="6858000"/>
   <p:notesSz cx="6858000" cy="9144000"/>
@@ -256,7 +263,7 @@
           <a:p>
             <a:fld id="{B281BC7E-9EDC-44EC-803F-9C74B278541E}" type="datetimeFigureOut">
               <a:rPr kumimoji="1" lang="ja-JP" altLang="en-US" smtClean="0"/>
-              <a:t>2021/4/23</a:t>
+              <a:t>2021/4/30</a:t>
             </a:fld>
             <a:endParaRPr kumimoji="1" lang="ja-JP" altLang="en-US"/>
           </a:p>
@@ -458,7 +465,7 @@
           <a:p>
             <a:fld id="{B281BC7E-9EDC-44EC-803F-9C74B278541E}" type="datetimeFigureOut">
               <a:rPr kumimoji="1" lang="ja-JP" altLang="en-US" smtClean="0"/>
-              <a:t>2021/4/23</a:t>
+              <a:t>2021/4/30</a:t>
             </a:fld>
             <a:endParaRPr kumimoji="1" lang="ja-JP" altLang="en-US"/>
           </a:p>
@@ -670,7 +677,7 @@
           <a:p>
             <a:fld id="{B281BC7E-9EDC-44EC-803F-9C74B278541E}" type="datetimeFigureOut">
               <a:rPr kumimoji="1" lang="ja-JP" altLang="en-US" smtClean="0"/>
-              <a:t>2021/4/23</a:t>
+              <a:t>2021/4/30</a:t>
             </a:fld>
             <a:endParaRPr kumimoji="1" lang="ja-JP" altLang="en-US"/>
           </a:p>
@@ -872,7 +879,7 @@
           <a:p>
             <a:fld id="{B281BC7E-9EDC-44EC-803F-9C74B278541E}" type="datetimeFigureOut">
               <a:rPr kumimoji="1" lang="ja-JP" altLang="en-US" smtClean="0"/>
-              <a:t>2021/4/23</a:t>
+              <a:t>2021/4/30</a:t>
             </a:fld>
             <a:endParaRPr kumimoji="1" lang="ja-JP" altLang="en-US"/>
           </a:p>
@@ -1118,7 +1125,7 @@
           <a:p>
             <a:fld id="{B281BC7E-9EDC-44EC-803F-9C74B278541E}" type="datetimeFigureOut">
               <a:rPr kumimoji="1" lang="ja-JP" altLang="en-US" smtClean="0"/>
-              <a:t>2021/4/23</a:t>
+              <a:t>2021/4/30</a:t>
             </a:fld>
             <a:endParaRPr kumimoji="1" lang="ja-JP" altLang="en-US"/>
           </a:p>
@@ -1414,7 +1421,7 @@
           <a:p>
             <a:fld id="{B281BC7E-9EDC-44EC-803F-9C74B278541E}" type="datetimeFigureOut">
               <a:rPr kumimoji="1" lang="ja-JP" altLang="en-US" smtClean="0"/>
-              <a:t>2021/4/23</a:t>
+              <a:t>2021/4/30</a:t>
             </a:fld>
             <a:endParaRPr kumimoji="1" lang="ja-JP" altLang="en-US"/>
           </a:p>
@@ -1845,7 +1852,7 @@
           <a:p>
             <a:fld id="{B281BC7E-9EDC-44EC-803F-9C74B278541E}" type="datetimeFigureOut">
               <a:rPr kumimoji="1" lang="ja-JP" altLang="en-US" smtClean="0"/>
-              <a:t>2021/4/23</a:t>
+              <a:t>2021/4/30</a:t>
             </a:fld>
             <a:endParaRPr kumimoji="1" lang="ja-JP" altLang="en-US"/>
           </a:p>
@@ -1963,7 +1970,7 @@
           <a:p>
             <a:fld id="{B281BC7E-9EDC-44EC-803F-9C74B278541E}" type="datetimeFigureOut">
               <a:rPr kumimoji="1" lang="ja-JP" altLang="en-US" smtClean="0"/>
-              <a:t>2021/4/23</a:t>
+              <a:t>2021/4/30</a:t>
             </a:fld>
             <a:endParaRPr kumimoji="1" lang="ja-JP" altLang="en-US"/>
           </a:p>
@@ -2058,7 +2065,7 @@
           <a:p>
             <a:fld id="{B281BC7E-9EDC-44EC-803F-9C74B278541E}" type="datetimeFigureOut">
               <a:rPr kumimoji="1" lang="ja-JP" altLang="en-US" smtClean="0"/>
-              <a:t>2021/4/23</a:t>
+              <a:t>2021/4/30</a:t>
             </a:fld>
             <a:endParaRPr kumimoji="1" lang="ja-JP" altLang="en-US"/>
           </a:p>
@@ -2367,7 +2374,7 @@
           <a:p>
             <a:fld id="{B281BC7E-9EDC-44EC-803F-9C74B278541E}" type="datetimeFigureOut">
               <a:rPr kumimoji="1" lang="ja-JP" altLang="en-US" smtClean="0"/>
-              <a:t>2021/4/23</a:t>
+              <a:t>2021/4/30</a:t>
             </a:fld>
             <a:endParaRPr kumimoji="1" lang="ja-JP" altLang="en-US"/>
           </a:p>
@@ -2620,7 +2627,7 @@
           <a:p>
             <a:fld id="{B281BC7E-9EDC-44EC-803F-9C74B278541E}" type="datetimeFigureOut">
               <a:rPr kumimoji="1" lang="ja-JP" altLang="en-US" smtClean="0"/>
-              <a:t>2021/4/23</a:t>
+              <a:t>2021/4/30</a:t>
             </a:fld>
             <a:endParaRPr kumimoji="1" lang="ja-JP" altLang="en-US"/>
           </a:p>
@@ -2865,7 +2872,7 @@
           <a:p>
             <a:fld id="{B281BC7E-9EDC-44EC-803F-9C74B278541E}" type="datetimeFigureOut">
               <a:rPr kumimoji="1" lang="ja-JP" altLang="en-US" smtClean="0"/>
-              <a:t>2021/4/23</a:t>
+              <a:t>2021/4/30</a:t>
             </a:fld>
             <a:endParaRPr kumimoji="1" lang="ja-JP" altLang="en-US"/>
           </a:p>
@@ -3923,23 +3930,7 @@
             </a:pPr>
             <a:r>
               <a:rPr lang="ja-JP" altLang="en-US" dirty="0" smtClean="0"/>
-              <a:t>じゃんけん</a:t>
-            </a:r>
-            <a:r>
-              <a:rPr lang="ja-JP" altLang="en-US" dirty="0" smtClean="0"/>
-              <a:t>（</a:t>
-            </a:r>
-            <a:r>
-              <a:rPr lang="ja-JP" altLang="en-US" dirty="0" smtClean="0"/>
-              <a:t>の場合</a:t>
-            </a:r>
-            <a:r>
-              <a:rPr lang="ja-JP" altLang="en-US" dirty="0" smtClean="0"/>
-              <a:t>）</a:t>
-            </a:r>
-            <a:r>
-              <a:rPr lang="ja-JP" altLang="en-US" dirty="0" smtClean="0"/>
-              <a:t>で利用する必要がある関数（グー、チョキ、パー）</a:t>
+              <a:t>じゃんけん（の場合）で利用する必要がある関数（グー、チョキ、パー）</a:t>
             </a:r>
             <a:endParaRPr lang="en-US" altLang="ja-JP" dirty="0" smtClean="0"/>
           </a:p>
@@ -4003,19 +3994,7 @@
             </a:pPr>
             <a:r>
               <a:rPr lang="ja-JP" altLang="en-US" dirty="0" smtClean="0"/>
-              <a:t>命名の際</a:t>
-            </a:r>
-            <a:r>
-              <a:rPr lang="ja-JP" altLang="en-US" dirty="0" smtClean="0"/>
-              <a:t>になど</a:t>
-            </a:r>
-            <a:r>
-              <a:rPr lang="ja-JP" altLang="en-US" dirty="0" smtClean="0"/>
-              <a:t>利用できない文字の</a:t>
-            </a:r>
-            <a:r>
-              <a:rPr lang="ja-JP" altLang="en-US" dirty="0" smtClean="0"/>
-              <a:t>指定</a:t>
+              <a:t>命名の際になど利用できない文字の指定</a:t>
             </a:r>
             <a:endParaRPr lang="en-US" altLang="ja-JP" dirty="0"/>
           </a:p>
@@ -4359,11 +4338,7 @@
           <a:p>
             <a:r>
               <a:rPr lang="ja-JP" altLang="en-US" dirty="0" smtClean="0"/>
-              <a:t>内容レベルでの理解は</a:t>
-            </a:r>
-            <a:r>
-              <a:rPr lang="ja-JP" altLang="en-US" dirty="0" smtClean="0"/>
-              <a:t>難しい（</a:t>
+              <a:t>内容レベルでの理解は難しい（</a:t>
             </a:r>
             <a:r>
               <a:rPr lang="en-US" altLang="ja-JP" dirty="0" smtClean="0"/>
@@ -4389,11 +4364,7 @@
           <a:p>
             <a:r>
               <a:rPr kumimoji="1" lang="ja-JP" altLang="en-US" dirty="0" smtClean="0"/>
-              <a:t>推薦する時期、</a:t>
-            </a:r>
-            <a:r>
-              <a:rPr kumimoji="1" lang="ja-JP" altLang="en-US" dirty="0" smtClean="0"/>
-              <a:t>タイミング（</a:t>
+              <a:t>推薦する時期、タイミング（</a:t>
             </a:r>
             <a:endParaRPr kumimoji="1" lang="en-US" altLang="ja-JP" dirty="0" smtClean="0"/>
           </a:p>
@@ -4486,6 +4457,589 @@
 </p:sld>
 </file>
 
+<file path=ppt/slides/slide15.xml><?xml version="1.0" encoding="utf-8"?>
+<p:sld xmlns:a="http://schemas.openxmlformats.org/drawingml/2006/main" xmlns:r="http://schemas.openxmlformats.org/officeDocument/2006/relationships" xmlns:p="http://schemas.openxmlformats.org/presentationml/2006/main">
+  <p:cSld>
+    <p:spTree>
+      <p:nvGrpSpPr>
+        <p:cNvPr id="1" name=""/>
+        <p:cNvGrpSpPr/>
+        <p:nvPr/>
+      </p:nvGrpSpPr>
+      <p:grpSpPr>
+        <a:xfrm>
+          <a:off x="0" y="0"/>
+          <a:ext cx="0" cy="0"/>
+          <a:chOff x="0" y="0"/>
+          <a:chExt cx="0" cy="0"/>
+        </a:xfrm>
+      </p:grpSpPr>
+    </p:spTree>
+    <p:extLst>
+      <p:ext uri="{BB962C8B-B14F-4D97-AF65-F5344CB8AC3E}">
+        <p14:creationId xmlns:p14="http://schemas.microsoft.com/office/powerpoint/2010/main" val="1588653151"/>
+      </p:ext>
+    </p:extLst>
+  </p:cSld>
+  <p:clrMapOvr>
+    <a:masterClrMapping/>
+  </p:clrMapOvr>
+</p:sld>
+</file>
+
+<file path=ppt/slides/slide16.xml><?xml version="1.0" encoding="utf-8"?>
+<p:sld xmlns:a="http://schemas.openxmlformats.org/drawingml/2006/main" xmlns:r="http://schemas.openxmlformats.org/officeDocument/2006/relationships" xmlns:p="http://schemas.openxmlformats.org/presentationml/2006/main">
+  <p:cSld>
+    <p:spTree>
+      <p:nvGrpSpPr>
+        <p:cNvPr id="1" name=""/>
+        <p:cNvGrpSpPr/>
+        <p:nvPr/>
+      </p:nvGrpSpPr>
+      <p:grpSpPr>
+        <a:xfrm>
+          <a:off x="0" y="0"/>
+          <a:ext cx="0" cy="0"/>
+          <a:chOff x="0" y="0"/>
+          <a:chExt cx="0" cy="0"/>
+        </a:xfrm>
+      </p:grpSpPr>
+      <p:sp>
+        <p:nvSpPr>
+          <p:cNvPr id="2" name="タイトル 1"/>
+          <p:cNvSpPr>
+            <a:spLocks noGrp="1"/>
+          </p:cNvSpPr>
+          <p:nvPr>
+            <p:ph type="ctrTitle"/>
+          </p:nvPr>
+        </p:nvSpPr>
+        <p:spPr/>
+        <p:txBody>
+          <a:bodyPr/>
+          <a:lstStyle/>
+          <a:p>
+            <a:r>
+              <a:rPr kumimoji="1" lang="ja-JP" altLang="en-US" dirty="0" smtClean="0"/>
+              <a:t>卒研テーマ、タイトル</a:t>
+            </a:r>
+            <a:endParaRPr kumimoji="1" lang="ja-JP" altLang="en-US" dirty="0"/>
+          </a:p>
+        </p:txBody>
+      </p:sp>
+      <p:sp>
+        <p:nvSpPr>
+          <p:cNvPr id="3" name="サブタイトル 2"/>
+          <p:cNvSpPr>
+            <a:spLocks noGrp="1"/>
+          </p:cNvSpPr>
+          <p:nvPr>
+            <p:ph type="subTitle" idx="1"/>
+          </p:nvPr>
+        </p:nvSpPr>
+        <p:spPr/>
+        <p:txBody>
+          <a:bodyPr/>
+          <a:lstStyle/>
+          <a:p>
+            <a:endParaRPr kumimoji="1" lang="ja-JP" altLang="en-US"/>
+          </a:p>
+        </p:txBody>
+      </p:sp>
+    </p:spTree>
+    <p:extLst>
+      <p:ext uri="{BB962C8B-B14F-4D97-AF65-F5344CB8AC3E}">
+        <p14:creationId xmlns:p14="http://schemas.microsoft.com/office/powerpoint/2010/main" val="674813856"/>
+      </p:ext>
+    </p:extLst>
+  </p:cSld>
+  <p:clrMapOvr>
+    <a:masterClrMapping/>
+  </p:clrMapOvr>
+</p:sld>
+</file>
+
+<file path=ppt/slides/slide17.xml><?xml version="1.0" encoding="utf-8"?>
+<p:sld xmlns:a="http://schemas.openxmlformats.org/drawingml/2006/main" xmlns:r="http://schemas.openxmlformats.org/officeDocument/2006/relationships" xmlns:p="http://schemas.openxmlformats.org/presentationml/2006/main">
+  <p:cSld>
+    <p:spTree>
+      <p:nvGrpSpPr>
+        <p:cNvPr id="1" name=""/>
+        <p:cNvGrpSpPr/>
+        <p:nvPr/>
+      </p:nvGrpSpPr>
+      <p:grpSpPr>
+        <a:xfrm>
+          <a:off x="0" y="0"/>
+          <a:ext cx="0" cy="0"/>
+          <a:chOff x="0" y="0"/>
+          <a:chExt cx="0" cy="0"/>
+        </a:xfrm>
+      </p:grpSpPr>
+      <p:sp>
+        <p:nvSpPr>
+          <p:cNvPr id="2" name="タイトル 1"/>
+          <p:cNvSpPr>
+            <a:spLocks noGrp="1"/>
+          </p:cNvSpPr>
+          <p:nvPr>
+            <p:ph type="ctrTitle"/>
+          </p:nvPr>
+        </p:nvSpPr>
+        <p:spPr/>
+        <p:txBody>
+          <a:bodyPr>
+            <a:normAutofit fontScale="90000"/>
+          </a:bodyPr>
+          <a:lstStyle/>
+          <a:p>
+            <a:r>
+              <a:rPr lang="ja-JP" altLang="en-US" dirty="0" smtClean="0"/>
+              <a:t>ブロックプログラミングを用いたプログラムの論理的思考・コーディングを身に着けるための研究</a:t>
+            </a:r>
+            <a:endParaRPr kumimoji="1" lang="ja-JP" altLang="en-US" dirty="0"/>
+          </a:p>
+        </p:txBody>
+      </p:sp>
+      <p:sp>
+        <p:nvSpPr>
+          <p:cNvPr id="3" name="サブタイトル 2"/>
+          <p:cNvSpPr>
+            <a:spLocks noGrp="1"/>
+          </p:cNvSpPr>
+          <p:nvPr>
+            <p:ph type="subTitle" idx="1"/>
+          </p:nvPr>
+        </p:nvSpPr>
+        <p:spPr/>
+        <p:txBody>
+          <a:bodyPr/>
+          <a:lstStyle/>
+          <a:p>
+            <a:r>
+              <a:rPr kumimoji="1" lang="ja-JP" altLang="en-US" dirty="0" smtClean="0"/>
+              <a:t>学籍番号：</a:t>
+            </a:r>
+            <a:r>
+              <a:rPr kumimoji="1" lang="en-US" altLang="ja-JP" dirty="0" smtClean="0"/>
+              <a:t>1821121</a:t>
+            </a:r>
+          </a:p>
+          <a:p>
+            <a:r>
+              <a:rPr lang="ja-JP" altLang="en-US" dirty="0" smtClean="0"/>
+              <a:t>氏名：島岡慎也</a:t>
+            </a:r>
+            <a:endParaRPr kumimoji="1" lang="ja-JP" altLang="en-US" dirty="0"/>
+          </a:p>
+        </p:txBody>
+      </p:sp>
+    </p:spTree>
+    <p:extLst>
+      <p:ext uri="{BB962C8B-B14F-4D97-AF65-F5344CB8AC3E}">
+        <p14:creationId xmlns:p14="http://schemas.microsoft.com/office/powerpoint/2010/main" val="2164638367"/>
+      </p:ext>
+    </p:extLst>
+  </p:cSld>
+  <p:clrMapOvr>
+    <a:masterClrMapping/>
+  </p:clrMapOvr>
+</p:sld>
+</file>
+
+<file path=ppt/slides/slide18.xml><?xml version="1.0" encoding="utf-8"?>
+<p:sld xmlns:a="http://schemas.openxmlformats.org/drawingml/2006/main" xmlns:r="http://schemas.openxmlformats.org/officeDocument/2006/relationships" xmlns:p="http://schemas.openxmlformats.org/presentationml/2006/main">
+  <p:cSld>
+    <p:spTree>
+      <p:nvGrpSpPr>
+        <p:cNvPr id="1" name=""/>
+        <p:cNvGrpSpPr/>
+        <p:nvPr/>
+      </p:nvGrpSpPr>
+      <p:grpSpPr>
+        <a:xfrm>
+          <a:off x="0" y="0"/>
+          <a:ext cx="0" cy="0"/>
+          <a:chOff x="0" y="0"/>
+          <a:chExt cx="0" cy="0"/>
+        </a:xfrm>
+      </p:grpSpPr>
+      <p:sp>
+        <p:nvSpPr>
+          <p:cNvPr id="2" name="タイトル 1"/>
+          <p:cNvSpPr>
+            <a:spLocks noGrp="1"/>
+          </p:cNvSpPr>
+          <p:nvPr>
+            <p:ph type="title"/>
+          </p:nvPr>
+        </p:nvSpPr>
+        <p:spPr/>
+        <p:txBody>
+          <a:bodyPr/>
+          <a:lstStyle/>
+          <a:p>
+            <a:r>
+              <a:rPr kumimoji="1" lang="ja-JP" altLang="en-US" dirty="0" smtClean="0"/>
+              <a:t>関連研究</a:t>
+            </a:r>
+            <a:endParaRPr kumimoji="1" lang="ja-JP" altLang="en-US" dirty="0"/>
+          </a:p>
+        </p:txBody>
+      </p:sp>
+      <p:sp>
+        <p:nvSpPr>
+          <p:cNvPr id="3" name="正方形/長方形 2"/>
+          <p:cNvSpPr/>
+          <p:nvPr/>
+        </p:nvSpPr>
+        <p:spPr>
+          <a:xfrm>
+            <a:off x="838199" y="1768647"/>
+            <a:ext cx="7401233" cy="3139321"/>
+          </a:xfrm>
+          <a:prstGeom prst="rect">
+            <a:avLst/>
+          </a:prstGeom>
+        </p:spPr>
+        <p:txBody>
+          <a:bodyPr wrap="square">
+            <a:spAutoFit/>
+          </a:bodyPr>
+          <a:lstStyle/>
+          <a:p>
+            <a:r>
+              <a:rPr lang="ja-JP" altLang="en-US" dirty="0"/>
+              <a:t>ブロックプログラミング環境を用いた プログラム入力補助機能の提案 山本 大地</a:t>
+            </a:r>
+            <a:r>
+              <a:rPr lang="en-US" altLang="ja-JP" dirty="0"/>
+              <a:t>1 </a:t>
+            </a:r>
+            <a:r>
+              <a:rPr lang="ja-JP" altLang="en-US" dirty="0"/>
+              <a:t>本多 佑希</a:t>
+            </a:r>
+            <a:r>
+              <a:rPr lang="en-US" altLang="ja-JP" dirty="0"/>
+              <a:t>1 </a:t>
+            </a:r>
+            <a:r>
+              <a:rPr lang="ja-JP" altLang="en-US" dirty="0"/>
+              <a:t>島袋 舞子</a:t>
+            </a:r>
+            <a:r>
+              <a:rPr lang="en-US" altLang="ja-JP" dirty="0"/>
+              <a:t>1 </a:t>
+            </a:r>
+            <a:r>
+              <a:rPr lang="ja-JP" altLang="en-US" dirty="0"/>
+              <a:t>兼宗 進</a:t>
+            </a:r>
+            <a:r>
+              <a:rPr lang="en-US" altLang="ja-JP" dirty="0" smtClean="0"/>
+              <a:t>1</a:t>
+            </a:r>
+          </a:p>
+          <a:p>
+            <a:endParaRPr lang="en-US" altLang="ja-JP" dirty="0" smtClean="0"/>
+          </a:p>
+          <a:p>
+            <a:r>
+              <a:rPr lang="ja-JP" altLang="en-US" dirty="0"/>
+              <a:t>初学者のプログラミングの入力を補助することを目的とし、教育用プログラミング言語「ドリトル」のプログラムをブロックの命令を組み合わせることで作成できるプログラミング環境を提案する。提案する環境では、プログラムの作成をブロックで行うことで、キーボードによる入力を不要にした。また、ブロックで作成したプログラムをテキストへと変換し、編集できるようにすることで、同一言語で入力方式をブロックからテキストへとシームレスに移行できるようにした。本稿では、開発したプログラミング環境の概要を報告する。</a:t>
+            </a:r>
+            <a:endParaRPr lang="ja-JP" altLang="en-US" dirty="0"/>
+          </a:p>
+        </p:txBody>
+      </p:sp>
+    </p:spTree>
+    <p:extLst>
+      <p:ext uri="{BB962C8B-B14F-4D97-AF65-F5344CB8AC3E}">
+        <p14:creationId xmlns:p14="http://schemas.microsoft.com/office/powerpoint/2010/main" val="3007721490"/>
+      </p:ext>
+    </p:extLst>
+  </p:cSld>
+  <p:clrMapOvr>
+    <a:masterClrMapping/>
+  </p:clrMapOvr>
+</p:sld>
+</file>
+
+<file path=ppt/slides/slide19.xml><?xml version="1.0" encoding="utf-8"?>
+<p:sld xmlns:a="http://schemas.openxmlformats.org/drawingml/2006/main" xmlns:r="http://schemas.openxmlformats.org/officeDocument/2006/relationships" xmlns:p="http://schemas.openxmlformats.org/presentationml/2006/main">
+  <p:cSld>
+    <p:spTree>
+      <p:nvGrpSpPr>
+        <p:cNvPr id="1" name=""/>
+        <p:cNvGrpSpPr/>
+        <p:nvPr/>
+      </p:nvGrpSpPr>
+      <p:grpSpPr>
+        <a:xfrm>
+          <a:off x="0" y="0"/>
+          <a:ext cx="0" cy="0"/>
+          <a:chOff x="0" y="0"/>
+          <a:chExt cx="0" cy="0"/>
+        </a:xfrm>
+      </p:grpSpPr>
+      <p:sp>
+        <p:nvSpPr>
+          <p:cNvPr id="2" name="タイトル 1"/>
+          <p:cNvSpPr>
+            <a:spLocks noGrp="1"/>
+          </p:cNvSpPr>
+          <p:nvPr>
+            <p:ph type="title"/>
+          </p:nvPr>
+        </p:nvSpPr>
+        <p:spPr/>
+        <p:txBody>
+          <a:bodyPr/>
+          <a:lstStyle/>
+          <a:p>
+            <a:r>
+              <a:rPr kumimoji="1" lang="ja-JP" altLang="en-US" dirty="0" smtClean="0"/>
+              <a:t>関連研究</a:t>
+            </a:r>
+            <a:endParaRPr kumimoji="1" lang="ja-JP" altLang="en-US" dirty="0"/>
+          </a:p>
+        </p:txBody>
+      </p:sp>
+      <p:sp>
+        <p:nvSpPr>
+          <p:cNvPr id="3" name="正方形/長方形 2"/>
+          <p:cNvSpPr/>
+          <p:nvPr/>
+        </p:nvSpPr>
+        <p:spPr>
+          <a:xfrm>
+            <a:off x="943896" y="1690688"/>
+            <a:ext cx="8268929" cy="4247317"/>
+          </a:xfrm>
+          <a:prstGeom prst="rect">
+            <a:avLst/>
+          </a:prstGeom>
+        </p:spPr>
+        <p:txBody>
+          <a:bodyPr wrap="square">
+            <a:spAutoFit/>
+          </a:bodyPr>
+          <a:lstStyle/>
+          <a:p>
+            <a:r>
+              <a:rPr lang="ja-JP" altLang="en-US" b="1" dirty="0">
+                <a:solidFill>
+                  <a:srgbClr val="000000"/>
+                </a:solidFill>
+                <a:latin typeface="ヒラギノ角ゴ Pro W3"/>
+              </a:rPr>
+              <a:t>アルゴリズム的思考法に関する学習を取り入れた</a:t>
+            </a:r>
+            <a:r>
+              <a:rPr lang="en-US" altLang="ja-JP" b="1" dirty="0">
+                <a:solidFill>
+                  <a:srgbClr val="000000"/>
+                </a:solidFill>
+                <a:latin typeface="ヒラギノ角ゴ Pro W3"/>
+              </a:rPr>
+              <a:t>C</a:t>
+            </a:r>
+            <a:r>
+              <a:rPr lang="ja-JP" altLang="en-US" b="1" dirty="0">
+                <a:solidFill>
+                  <a:srgbClr val="000000"/>
+                </a:solidFill>
+                <a:latin typeface="ヒラギノ角ゴ Pro W3"/>
+              </a:rPr>
+              <a:t>言語によるプログラミング教育の実践と評価 </a:t>
+            </a:r>
+            <a:r>
+              <a:rPr lang="en-US" altLang="ja-JP" b="1" dirty="0">
+                <a:solidFill>
+                  <a:srgbClr val="000000"/>
+                </a:solidFill>
+                <a:latin typeface="ヒラギノ角ゴ Pro W3"/>
+              </a:rPr>
+              <a:t>: 2010</a:t>
+            </a:r>
+            <a:r>
+              <a:rPr lang="ja-JP" altLang="en-US" b="1" dirty="0">
+                <a:solidFill>
+                  <a:srgbClr val="000000"/>
+                </a:solidFill>
+                <a:latin typeface="ヒラギノ角ゴ Pro W3"/>
+              </a:rPr>
+              <a:t>年度から</a:t>
+            </a:r>
+            <a:r>
+              <a:rPr lang="en-US" altLang="ja-JP" b="1" dirty="0">
+                <a:solidFill>
+                  <a:srgbClr val="000000"/>
+                </a:solidFill>
+                <a:latin typeface="ヒラギノ角ゴ Pro W3"/>
+              </a:rPr>
+              <a:t>2013</a:t>
+            </a:r>
+            <a:r>
+              <a:rPr lang="ja-JP" altLang="en-US" b="1" dirty="0">
+                <a:solidFill>
+                  <a:srgbClr val="000000"/>
+                </a:solidFill>
+                <a:latin typeface="ヒラギノ角ゴ Pro W3"/>
+              </a:rPr>
+              <a:t>年度の</a:t>
+            </a:r>
+            <a:r>
+              <a:rPr lang="en-US" altLang="ja-JP" b="1" dirty="0">
+                <a:solidFill>
+                  <a:srgbClr val="000000"/>
+                </a:solidFill>
+                <a:latin typeface="ヒラギノ角ゴ Pro W3"/>
+              </a:rPr>
+              <a:t>4</a:t>
+            </a:r>
+            <a:r>
+              <a:rPr lang="ja-JP" altLang="en-US" b="1" dirty="0">
+                <a:solidFill>
+                  <a:srgbClr val="000000"/>
+                </a:solidFill>
+                <a:latin typeface="ヒラギノ角ゴ Pro W3"/>
+              </a:rPr>
+              <a:t>年間の実践</a:t>
+            </a:r>
+            <a:r>
+              <a:rPr lang="ja-JP" altLang="en-US" b="1" dirty="0" smtClean="0">
+                <a:solidFill>
+                  <a:srgbClr val="000000"/>
+                </a:solidFill>
+                <a:latin typeface="ヒラギノ角ゴ Pro W3"/>
+              </a:rPr>
+              <a:t>より</a:t>
+            </a:r>
+            <a:endParaRPr lang="en-US" altLang="ja-JP" b="1" dirty="0" smtClean="0">
+              <a:solidFill>
+                <a:srgbClr val="000000"/>
+              </a:solidFill>
+              <a:latin typeface="ヒラギノ角ゴ Pro W3"/>
+            </a:endParaRPr>
+          </a:p>
+          <a:p>
+            <a:r>
+              <a:rPr lang="zh-TW" altLang="en-US" dirty="0"/>
+              <a:t>萱津 理佳</a:t>
+            </a:r>
+            <a:r>
+              <a:rPr lang="en-US" altLang="zh-TW" dirty="0"/>
+              <a:t>, </a:t>
+            </a:r>
+            <a:r>
+              <a:rPr lang="zh-TW" altLang="en-US" dirty="0"/>
+              <a:t>香山 瑞穂</a:t>
+            </a:r>
+            <a:r>
+              <a:rPr lang="en-US" altLang="zh-TW" dirty="0"/>
+              <a:t>, </a:t>
+            </a:r>
+            <a:r>
+              <a:rPr lang="zh-TW" altLang="en-US" dirty="0"/>
+              <a:t>國宗 永佳</a:t>
+            </a:r>
+            <a:r>
+              <a:rPr lang="en-US" altLang="zh-TW" dirty="0"/>
+              <a:t>, </a:t>
+            </a:r>
+            <a:r>
+              <a:rPr lang="zh-TW" altLang="en-US" dirty="0"/>
+              <a:t>永井 孝</a:t>
+            </a:r>
+            <a:r>
+              <a:rPr lang="en-US" altLang="zh-TW" dirty="0"/>
+              <a:t>, </a:t>
+            </a:r>
+            <a:r>
+              <a:rPr lang="zh-TW" altLang="en-US" dirty="0"/>
+              <a:t>不破 </a:t>
+            </a:r>
+            <a:r>
+              <a:rPr lang="zh-TW" altLang="en-US" dirty="0" smtClean="0"/>
+              <a:t>泰</a:t>
+            </a:r>
+            <a:endParaRPr lang="en-US" altLang="zh-TW" dirty="0" smtClean="0"/>
+          </a:p>
+          <a:p>
+            <a:endParaRPr lang="en-US" altLang="ja-JP" b="1" i="0" dirty="0">
+              <a:solidFill>
+                <a:srgbClr val="000000"/>
+              </a:solidFill>
+              <a:effectLst/>
+              <a:latin typeface="ヒラギノ角ゴ Pro W3"/>
+            </a:endParaRPr>
+          </a:p>
+          <a:p>
+            <a:r>
+              <a:rPr lang="en-US" altLang="ja-JP" dirty="0"/>
+              <a:t>C</a:t>
+            </a:r>
+            <a:r>
+              <a:rPr lang="ja-JP" altLang="en-US" dirty="0"/>
+              <a:t>言語によるプログラミング教育において，アルゴリズムを考える力を養い，プログラム作成に必要な十分なスキルを身につけさせることを目的とし，アルゴリズム的思考法に関する学習を取り入れた。本研究では，思考したアルゴリズムの外化にあたり，表現変換の負荷を減らすため，グラフィカルなインタフェースによりアルゴリズムを組み立てるビジュアル・ブロック・プログラミング可能なアルゴリズム学習向け</a:t>
+            </a:r>
+            <a:r>
+              <a:rPr lang="en-US" altLang="ja-JP" dirty="0"/>
+              <a:t>Web</a:t>
+            </a:r>
+            <a:r>
+              <a:rPr lang="ja-JP" altLang="en-US" dirty="0"/>
+              <a:t>ツールを利用した。本論文では，ツールを利用した授業の概要及び</a:t>
+            </a:r>
+            <a:r>
+              <a:rPr lang="en-US" altLang="ja-JP" dirty="0"/>
+              <a:t>2010</a:t>
+            </a:r>
+            <a:r>
+              <a:rPr lang="ja-JP" altLang="en-US" dirty="0"/>
+              <a:t>年度から</a:t>
+            </a:r>
+            <a:r>
+              <a:rPr lang="en-US" altLang="ja-JP" dirty="0"/>
+              <a:t>2013</a:t>
+            </a:r>
+            <a:r>
+              <a:rPr lang="ja-JP" altLang="en-US" dirty="0"/>
+              <a:t>年度の</a:t>
+            </a:r>
+            <a:r>
+              <a:rPr lang="en-US" altLang="ja-JP" dirty="0"/>
+              <a:t>4</a:t>
+            </a:r>
+            <a:r>
+              <a:rPr lang="ja-JP" altLang="en-US" dirty="0"/>
+              <a:t>年間の実践について報告する。また，学習導入の効果を評価するため，アルゴリズム的思考能力およびプログラミング能力について本学習の導入前の受講生との比較を行った。プログラミング学習の初期段階でのアルゴリズム的思考法の導入がプログラミング学習において効果的であることが明らかとなった。</a:t>
+            </a:r>
+            <a:endParaRPr lang="ja-JP" altLang="en-US" b="1" i="0" dirty="0">
+              <a:solidFill>
+                <a:srgbClr val="000000"/>
+              </a:solidFill>
+              <a:effectLst/>
+              <a:latin typeface="ヒラギノ角ゴ Pro W3"/>
+            </a:endParaRPr>
+          </a:p>
+        </p:txBody>
+      </p:sp>
+    </p:spTree>
+    <p:extLst>
+      <p:ext uri="{BB962C8B-B14F-4D97-AF65-F5344CB8AC3E}">
+        <p14:creationId xmlns:p14="http://schemas.microsoft.com/office/powerpoint/2010/main" val="1766333393"/>
+      </p:ext>
+    </p:extLst>
+  </p:cSld>
+  <p:clrMapOvr>
+    <a:masterClrMapping/>
+  </p:clrMapOvr>
+</p:sld>
+</file>
+
 <file path=ppt/slides/slide2.xml><?xml version="1.0" encoding="utf-8"?>
 <p:sld xmlns:a="http://schemas.openxmlformats.org/drawingml/2006/main" xmlns:r="http://schemas.openxmlformats.org/officeDocument/2006/relationships" xmlns:p="http://schemas.openxmlformats.org/presentationml/2006/main">
   <p:cSld>
@@ -4571,6 +5125,338 @@
 </p:sld>
 </file>
 
+<file path=ppt/slides/slide20.xml><?xml version="1.0" encoding="utf-8"?>
+<p:sld xmlns:a="http://schemas.openxmlformats.org/drawingml/2006/main" xmlns:r="http://schemas.openxmlformats.org/officeDocument/2006/relationships" xmlns:p="http://schemas.openxmlformats.org/presentationml/2006/main">
+  <p:cSld>
+    <p:spTree>
+      <p:nvGrpSpPr>
+        <p:cNvPr id="1" name=""/>
+        <p:cNvGrpSpPr/>
+        <p:nvPr/>
+      </p:nvGrpSpPr>
+      <p:grpSpPr>
+        <a:xfrm>
+          <a:off x="0" y="0"/>
+          <a:ext cx="0" cy="0"/>
+          <a:chOff x="0" y="0"/>
+          <a:chExt cx="0" cy="0"/>
+        </a:xfrm>
+      </p:grpSpPr>
+      <p:graphicFrame>
+        <p:nvGraphicFramePr>
+          <p:cNvPr id="3" name="表 2"/>
+          <p:cNvGraphicFramePr>
+            <a:graphicFrameLocks noGrp="1"/>
+          </p:cNvGraphicFramePr>
+          <p:nvPr>
+            <p:extLst>
+              <p:ext uri="{D42A27DB-BD31-4B8C-83A1-F6EECF244321}">
+                <p14:modId xmlns:p14="http://schemas.microsoft.com/office/powerpoint/2010/main" val="2897956266"/>
+              </p:ext>
+            </p:extLst>
+          </p:nvPr>
+        </p:nvGraphicFramePr>
+        <p:xfrm>
+          <a:off x="1805859" y="2049781"/>
+          <a:ext cx="8128000" cy="3383280"/>
+        </p:xfrm>
+        <a:graphic>
+          <a:graphicData uri="http://schemas.openxmlformats.org/drawingml/2006/table">
+            <a:tbl>
+              <a:tblPr firstRow="1" bandRow="1">
+                <a:tableStyleId>{2D5ABB26-0587-4C30-8999-92F81FD0307C}</a:tableStyleId>
+              </a:tblPr>
+              <a:tblGrid>
+                <a:gridCol w="8128000">
+                  <a:extLst>
+                    <a:ext uri="{9D8B030D-6E8A-4147-A177-3AD203B41FA5}">
+                      <a16:colId xmlns:a16="http://schemas.microsoft.com/office/drawing/2014/main" val="4266980549"/>
+                    </a:ext>
+                  </a:extLst>
+                </a:gridCol>
+              </a:tblGrid>
+              <a:tr h="370840">
+                <a:tc>
+                  <a:txBody>
+                    <a:bodyPr/>
+                    <a:lstStyle/>
+                    <a:p>
+                      <a:r>
+                        <a:rPr lang="ja-JP" altLang="en-US" dirty="0" smtClean="0"/>
+                        <a:t>ブロックプログラミングと呼ばれる，繰り返し，条件分岐などの命令ブロックを組み合わせてプログラムを完成させることで，プログラミング的な論理的思考を養う手法が注目されている．本研究では，ブロックプログラミングにより論理的思考を練習しながら，従来の</a:t>
+                      </a:r>
+                      <a:r>
+                        <a:rPr lang="en-US" altLang="ja-JP" dirty="0" smtClean="0"/>
+                        <a:t>C</a:t>
+                      </a:r>
+                      <a:r>
+                        <a:rPr lang="ja-JP" altLang="en-US" dirty="0" err="1" smtClean="0"/>
+                        <a:t>，</a:t>
+                      </a:r>
+                      <a:r>
+                        <a:rPr lang="en-US" altLang="ja-JP" dirty="0" err="1" smtClean="0"/>
+                        <a:t>Pyhon</a:t>
+                      </a:r>
+                      <a:r>
+                        <a:rPr lang="ja-JP" altLang="en-US" dirty="0" err="1" smtClean="0"/>
+                        <a:t>，</a:t>
+                      </a:r>
+                      <a:r>
+                        <a:rPr lang="en-US" altLang="ja-JP" dirty="0" smtClean="0"/>
+                        <a:t>Java</a:t>
+                      </a:r>
+                      <a:r>
+                        <a:rPr lang="ja-JP" altLang="en-US" dirty="0" smtClean="0"/>
+                        <a:t>などのプログラミング言語を用いたコーディングによるプログラミングの学習を行える学習環境の実現を目的とする．本研究では，特に命令ブロックを組み合わせて完成させたプログラムから，学習者のプログラミング学習レベルに応じて，</a:t>
+                      </a:r>
+                      <a:r>
+                        <a:rPr lang="en-US" altLang="ja-JP" dirty="0" smtClean="0"/>
+                        <a:t>C</a:t>
+                      </a:r>
+                      <a:r>
+                        <a:rPr lang="ja-JP" altLang="en-US" dirty="0" err="1" smtClean="0"/>
+                        <a:t>，</a:t>
+                      </a:r>
+                      <a:r>
+                        <a:rPr lang="en-US" altLang="ja-JP" dirty="0" err="1" smtClean="0"/>
+                        <a:t>Pyhon</a:t>
+                      </a:r>
+                      <a:r>
+                        <a:rPr lang="ja-JP" altLang="en-US" dirty="0" err="1" smtClean="0"/>
+                        <a:t>，</a:t>
+                      </a:r>
+                      <a:r>
+                        <a:rPr lang="en-US" altLang="ja-JP" dirty="0" smtClean="0"/>
+                        <a:t>Java</a:t>
+                      </a:r>
+                      <a:r>
+                        <a:rPr lang="ja-JP" altLang="en-US" dirty="0" smtClean="0"/>
+                        <a:t>などのソースコードを穴埋め形式など未完成の状態で生成する基本アルゴリズムの設計と開発を行う．これにより，ブロックプログラミングの次のステップとして，無理なくコーディングによるプログラミングを学習するための基礎力を養うための問題生成が可能となる．本研究では，プロトタイプを用いた実証実験により，提案システムの実現可能性を評価する．</a:t>
+                      </a:r>
+                      <a:endParaRPr kumimoji="1" lang="ja-JP" altLang="en-US" dirty="0"/>
+                    </a:p>
+                  </a:txBody>
+                  <a:tcPr/>
+                </a:tc>
+                <a:extLst>
+                  <a:ext uri="{0D108BD9-81ED-4DB2-BD59-A6C34878D82A}">
+                    <a16:rowId xmlns:a16="http://schemas.microsoft.com/office/drawing/2014/main" val="291656707"/>
+                  </a:ext>
+                </a:extLst>
+              </a:tr>
+            </a:tbl>
+          </a:graphicData>
+        </a:graphic>
+      </p:graphicFrame>
+      <p:sp>
+        <p:nvSpPr>
+          <p:cNvPr id="4" name="テキスト ボックス 3"/>
+          <p:cNvSpPr txBox="1"/>
+          <p:nvPr/>
+        </p:nvSpPr>
+        <p:spPr>
+          <a:xfrm>
+            <a:off x="983226" y="668593"/>
+            <a:ext cx="9252155" cy="584775"/>
+          </a:xfrm>
+          <a:prstGeom prst="rect">
+            <a:avLst/>
+          </a:prstGeom>
+          <a:noFill/>
+        </p:spPr>
+        <p:txBody>
+          <a:bodyPr wrap="square" rtlCol="0">
+            <a:spAutoFit/>
+          </a:bodyPr>
+          <a:lstStyle/>
+          <a:p>
+            <a:r>
+              <a:rPr kumimoji="1" lang="ja-JP" altLang="en-US" sz="3200" dirty="0" smtClean="0"/>
+              <a:t>鷹野教授よりいただいた文章</a:t>
+            </a:r>
+            <a:endParaRPr kumimoji="1" lang="ja-JP" altLang="en-US" sz="3200" dirty="0"/>
+          </a:p>
+        </p:txBody>
+      </p:sp>
+    </p:spTree>
+    <p:extLst>
+      <p:ext uri="{BB962C8B-B14F-4D97-AF65-F5344CB8AC3E}">
+        <p14:creationId xmlns:p14="http://schemas.microsoft.com/office/powerpoint/2010/main" val="2774960130"/>
+      </p:ext>
+    </p:extLst>
+  </p:cSld>
+  <p:clrMapOvr>
+    <a:masterClrMapping/>
+  </p:clrMapOvr>
+</p:sld>
+</file>
+
+<file path=ppt/slides/slide21.xml><?xml version="1.0" encoding="utf-8"?>
+<p:sld xmlns:a="http://schemas.openxmlformats.org/drawingml/2006/main" xmlns:r="http://schemas.openxmlformats.org/officeDocument/2006/relationships" xmlns:p="http://schemas.openxmlformats.org/presentationml/2006/main">
+  <p:cSld>
+    <p:spTree>
+      <p:nvGrpSpPr>
+        <p:cNvPr id="1" name=""/>
+        <p:cNvGrpSpPr/>
+        <p:nvPr/>
+      </p:nvGrpSpPr>
+      <p:grpSpPr>
+        <a:xfrm>
+          <a:off x="0" y="0"/>
+          <a:ext cx="0" cy="0"/>
+          <a:chOff x="0" y="0"/>
+          <a:chExt cx="0" cy="0"/>
+        </a:xfrm>
+      </p:grpSpPr>
+      <p:sp>
+        <p:nvSpPr>
+          <p:cNvPr id="4" name="テキスト ボックス 3"/>
+          <p:cNvSpPr txBox="1"/>
+          <p:nvPr/>
+        </p:nvSpPr>
+        <p:spPr>
+          <a:xfrm>
+            <a:off x="983226" y="668593"/>
+            <a:ext cx="9252155" cy="584775"/>
+          </a:xfrm>
+          <a:prstGeom prst="rect">
+            <a:avLst/>
+          </a:prstGeom>
+          <a:noFill/>
+        </p:spPr>
+        <p:txBody>
+          <a:bodyPr wrap="square" rtlCol="0">
+            <a:spAutoFit/>
+          </a:bodyPr>
+          <a:lstStyle/>
+          <a:p>
+            <a:r>
+              <a:rPr kumimoji="1" lang="ja-JP" altLang="en-US" sz="3200" dirty="0" smtClean="0"/>
+              <a:t>鷹野教授よりいただいた文章</a:t>
+            </a:r>
+            <a:endParaRPr kumimoji="1" lang="ja-JP" altLang="en-US" sz="3200" dirty="0"/>
+          </a:p>
+        </p:txBody>
+      </p:sp>
+      <p:graphicFrame>
+        <p:nvGraphicFramePr>
+          <p:cNvPr id="5" name="表 4"/>
+          <p:cNvGraphicFramePr>
+            <a:graphicFrameLocks noGrp="1"/>
+          </p:cNvGraphicFramePr>
+          <p:nvPr>
+            <p:extLst>
+              <p:ext uri="{D42A27DB-BD31-4B8C-83A1-F6EECF244321}">
+                <p14:modId xmlns:p14="http://schemas.microsoft.com/office/powerpoint/2010/main" val="1579973527"/>
+              </p:ext>
+            </p:extLst>
+          </p:nvPr>
+        </p:nvGraphicFramePr>
+        <p:xfrm>
+          <a:off x="1545303" y="2617292"/>
+          <a:ext cx="8128000" cy="2834640"/>
+        </p:xfrm>
+        <a:graphic>
+          <a:graphicData uri="http://schemas.openxmlformats.org/drawingml/2006/table">
+            <a:tbl>
+              <a:tblPr firstRow="1" bandRow="1">
+                <a:tableStyleId>{2D5ABB26-0587-4C30-8999-92F81FD0307C}</a:tableStyleId>
+              </a:tblPr>
+              <a:tblGrid>
+                <a:gridCol w="8128000">
+                  <a:extLst>
+                    <a:ext uri="{9D8B030D-6E8A-4147-A177-3AD203B41FA5}">
+                      <a16:colId xmlns:a16="http://schemas.microsoft.com/office/drawing/2014/main" val="3476954846"/>
+                    </a:ext>
+                  </a:extLst>
+                </a:gridCol>
+              </a:tblGrid>
+              <a:tr h="370840">
+                <a:tc>
+                  <a:txBody>
+                    <a:bodyPr/>
+                    <a:lstStyle/>
+                    <a:p>
+                      <a:r>
+                        <a:rPr lang="ja-JP" altLang="en-US" dirty="0" smtClean="0"/>
+                        <a:t>島岡氏の卒業研究は，ブロックプログラミング学習と呼ばれる手法によりプログラミングに必要な論理的思考を練習しながら，</a:t>
+                      </a:r>
+                      <a:r>
+                        <a:rPr lang="en-US" altLang="ja-JP" dirty="0" smtClean="0"/>
+                        <a:t>C</a:t>
+                      </a:r>
+                      <a:r>
+                        <a:rPr lang="ja-JP" altLang="en-US" dirty="0" err="1" smtClean="0"/>
+                        <a:t>，</a:t>
+                      </a:r>
+                      <a:r>
+                        <a:rPr lang="en-US" altLang="ja-JP" dirty="0" smtClean="0"/>
+                        <a:t>Python</a:t>
+                      </a:r>
+                      <a:r>
+                        <a:rPr lang="ja-JP" altLang="en-US" dirty="0" err="1" smtClean="0"/>
+                        <a:t>，</a:t>
+                      </a:r>
+                      <a:r>
+                        <a:rPr lang="en-US" altLang="ja-JP" dirty="0" smtClean="0"/>
+                        <a:t>Java</a:t>
+                      </a:r>
+                      <a:r>
+                        <a:rPr lang="ja-JP" altLang="en-US" dirty="0" smtClean="0"/>
+                        <a:t>などのプログラム言語を用いたコーディング学習を行える学習環境の提供を目的とする．このために，ブロックプログラミングにより命令ブロックを組み合わせて完成させたプログラムから，学習者のプログラミング学習レベルに応じて，</a:t>
+                      </a:r>
+                      <a:r>
+                        <a:rPr lang="en-US" altLang="ja-JP" dirty="0" smtClean="0"/>
+                        <a:t>C</a:t>
+                      </a:r>
+                      <a:r>
+                        <a:rPr lang="ja-JP" altLang="en-US" dirty="0" err="1" smtClean="0"/>
+                        <a:t>，</a:t>
+                      </a:r>
+                      <a:r>
+                        <a:rPr lang="en-US" altLang="ja-JP" dirty="0" smtClean="0"/>
+                        <a:t>Python</a:t>
+                      </a:r>
+                      <a:r>
+                        <a:rPr lang="ja-JP" altLang="en-US" dirty="0" err="1" smtClean="0"/>
+                        <a:t>，</a:t>
+                      </a:r>
+                      <a:r>
+                        <a:rPr lang="en-US" altLang="ja-JP" dirty="0" smtClean="0"/>
+                        <a:t>Java</a:t>
+                      </a:r>
+                      <a:r>
+                        <a:rPr lang="ja-JP" altLang="en-US" dirty="0" smtClean="0"/>
+                        <a:t>などのソースコードを穴埋め形式など未完成の状態で生成する基本アルゴリズムの設計と開発を行う．これにより，コーディングによるプログラミング学習をする際の基礎力を養うための問題生成が可能となる．本研究ではさらに，プロトタイプを用いた実証実験により，提案システムの実現可能性を評価する．</a:t>
+                      </a:r>
+                      <a:endParaRPr kumimoji="1" lang="ja-JP" altLang="en-US" dirty="0"/>
+                    </a:p>
+                  </a:txBody>
+                  <a:tcPr/>
+                </a:tc>
+                <a:extLst>
+                  <a:ext uri="{0D108BD9-81ED-4DB2-BD59-A6C34878D82A}">
+                    <a16:rowId xmlns:a16="http://schemas.microsoft.com/office/drawing/2014/main" val="644139704"/>
+                  </a:ext>
+                </a:extLst>
+              </a:tr>
+            </a:tbl>
+          </a:graphicData>
+        </a:graphic>
+      </p:graphicFrame>
+    </p:spTree>
+    <p:extLst>
+      <p:ext uri="{BB962C8B-B14F-4D97-AF65-F5344CB8AC3E}">
+        <p14:creationId xmlns:p14="http://schemas.microsoft.com/office/powerpoint/2010/main" val="3317402979"/>
+      </p:ext>
+    </p:extLst>
+  </p:cSld>
+  <p:clrMapOvr>
+    <a:masterClrMapping/>
+  </p:clrMapOvr>
+</p:sld>
+</file>
+
 <file path=ppt/slides/slide3.xml><?xml version="1.0" encoding="utf-8"?>
 <p:sld xmlns:a="http://schemas.openxmlformats.org/drawingml/2006/main" xmlns:r="http://schemas.openxmlformats.org/officeDocument/2006/relationships" xmlns:p="http://schemas.openxmlformats.org/presentationml/2006/main">
   <p:cSld>
@@ -4733,17 +5619,13 @@
           <a:p>
             <a:r>
               <a:rPr lang="ja-JP" altLang="en-US" dirty="0"/>
-              <a:t>　→社会貢献</a:t>
-            </a:r>
-          </a:p>
-          <a:p>
+              <a:t>　→社会</a:t>
+            </a:r>
+            <a:r>
+              <a:rPr lang="ja-JP" altLang="en-US" dirty="0" smtClean="0"/>
+              <a:t>貢献</a:t>
+            </a:r>
             <a:endParaRPr lang="ja-JP" altLang="en-US" dirty="0"/>
-          </a:p>
-          <a:p>
-            <a:endParaRPr lang="ja-JP" altLang="en-US" dirty="0"/>
-          </a:p>
-          <a:p>
-            <a:endParaRPr kumimoji="1" lang="ja-JP" altLang="en-US" dirty="0"/>
           </a:p>
         </p:txBody>
       </p:sp>
@@ -6204,11 +7086,7 @@
             </a:r>
             <a:r>
               <a:rPr lang="en-US" altLang="ja-JP" dirty="0" smtClean="0"/>
-              <a:t> </a:t>
-            </a:r>
-            <a:r>
-              <a:rPr lang="en-US" altLang="ja-JP" dirty="0" smtClean="0"/>
-              <a:t>==0)</a:t>
+              <a:t> ==0)</a:t>
             </a:r>
             <a:r>
               <a:rPr lang="ja-JP" altLang="en-US" dirty="0" smtClean="0"/>

--- a/1821121_shimaoka_sotsuken.pptx
+++ b/1821121_shimaoka_sotsuken.pptx
@@ -4,6 +4,9 @@
   <p:sldMasterIdLst>
     <p:sldMasterId id="2147483648" r:id="rId1"/>
   </p:sldMasterIdLst>
+  <p:notesMasterIdLst>
+    <p:notesMasterId r:id="rId23"/>
+  </p:notesMasterIdLst>
   <p:sldIdLst>
     <p:sldId id="269" r:id="rId2"/>
     <p:sldId id="256" r:id="rId3"/>
@@ -132,6 +135,388 @@
 </p:presentation>
 </file>
 
+<file path=ppt/notesMasters/notesMaster1.xml><?xml version="1.0" encoding="utf-8"?>
+<p:notesMaster xmlns:a="http://schemas.openxmlformats.org/drawingml/2006/main" xmlns:r="http://schemas.openxmlformats.org/officeDocument/2006/relationships" xmlns:p="http://schemas.openxmlformats.org/presentationml/2006/main">
+  <p:cSld>
+    <p:bg>
+      <p:bgRef idx="1001">
+        <a:schemeClr val="bg1"/>
+      </p:bgRef>
+    </p:bg>
+    <p:spTree>
+      <p:nvGrpSpPr>
+        <p:cNvPr id="1" name=""/>
+        <p:cNvGrpSpPr/>
+        <p:nvPr/>
+      </p:nvGrpSpPr>
+      <p:grpSpPr>
+        <a:xfrm>
+          <a:off x="0" y="0"/>
+          <a:ext cx="0" cy="0"/>
+          <a:chOff x="0" y="0"/>
+          <a:chExt cx="0" cy="0"/>
+        </a:xfrm>
+      </p:grpSpPr>
+      <p:sp>
+        <p:nvSpPr>
+          <p:cNvPr id="2" name="ヘッダー プレースホルダー 1"/>
+          <p:cNvSpPr>
+            <a:spLocks noGrp="1"/>
+          </p:cNvSpPr>
+          <p:nvPr>
+            <p:ph type="hdr" sz="quarter"/>
+          </p:nvPr>
+        </p:nvSpPr>
+        <p:spPr>
+          <a:xfrm>
+            <a:off x="0" y="0"/>
+            <a:ext cx="2971800" cy="458788"/>
+          </a:xfrm>
+          <a:prstGeom prst="rect">
+            <a:avLst/>
+          </a:prstGeom>
+        </p:spPr>
+        <p:txBody>
+          <a:bodyPr vert="horz" lIns="91440" tIns="45720" rIns="91440" bIns="45720" rtlCol="0"/>
+          <a:lstStyle>
+            <a:lvl1pPr algn="l">
+              <a:defRPr sz="1200"/>
+            </a:lvl1pPr>
+          </a:lstStyle>
+          <a:p>
+            <a:endParaRPr kumimoji="1" lang="ja-JP" altLang="en-US"/>
+          </a:p>
+        </p:txBody>
+      </p:sp>
+      <p:sp>
+        <p:nvSpPr>
+          <p:cNvPr id="3" name="日付プレースホルダー 2"/>
+          <p:cNvSpPr>
+            <a:spLocks noGrp="1"/>
+          </p:cNvSpPr>
+          <p:nvPr>
+            <p:ph type="dt" idx="1"/>
+          </p:nvPr>
+        </p:nvSpPr>
+        <p:spPr>
+          <a:xfrm>
+            <a:off x="3884613" y="0"/>
+            <a:ext cx="2971800" cy="458788"/>
+          </a:xfrm>
+          <a:prstGeom prst="rect">
+            <a:avLst/>
+          </a:prstGeom>
+        </p:spPr>
+        <p:txBody>
+          <a:bodyPr vert="horz" lIns="91440" tIns="45720" rIns="91440" bIns="45720" rtlCol="0"/>
+          <a:lstStyle>
+            <a:lvl1pPr algn="r">
+              <a:defRPr sz="1200"/>
+            </a:lvl1pPr>
+          </a:lstStyle>
+          <a:p>
+            <a:fld id="{6D848ECE-A168-4FD3-93A4-0A323B24650B}" type="datetimeFigureOut">
+              <a:rPr kumimoji="1" lang="ja-JP" altLang="en-US" smtClean="0"/>
+              <a:t>2021/4/30</a:t>
+            </a:fld>
+            <a:endParaRPr kumimoji="1" lang="ja-JP" altLang="en-US"/>
+          </a:p>
+        </p:txBody>
+      </p:sp>
+      <p:sp>
+        <p:nvSpPr>
+          <p:cNvPr id="4" name="スライド イメージ プレースホルダー 3"/>
+          <p:cNvSpPr>
+            <a:spLocks noGrp="1" noRot="1" noChangeAspect="1"/>
+          </p:cNvSpPr>
+          <p:nvPr>
+            <p:ph type="sldImg" idx="2"/>
+          </p:nvPr>
+        </p:nvSpPr>
+        <p:spPr>
+          <a:xfrm>
+            <a:off x="685800" y="1143000"/>
+            <a:ext cx="5486400" cy="3086100"/>
+          </a:xfrm>
+          <a:prstGeom prst="rect">
+            <a:avLst/>
+          </a:prstGeom>
+          <a:noFill/>
+          <a:ln w="12700">
+            <a:solidFill>
+              <a:prstClr val="black"/>
+            </a:solidFill>
+          </a:ln>
+        </p:spPr>
+        <p:txBody>
+          <a:bodyPr vert="horz" lIns="91440" tIns="45720" rIns="91440" bIns="45720" rtlCol="0" anchor="ctr"/>
+          <a:lstStyle/>
+          <a:p>
+            <a:endParaRPr lang="ja-JP" altLang="en-US"/>
+          </a:p>
+        </p:txBody>
+      </p:sp>
+      <p:sp>
+        <p:nvSpPr>
+          <p:cNvPr id="5" name="ノート プレースホルダー 4"/>
+          <p:cNvSpPr>
+            <a:spLocks noGrp="1"/>
+          </p:cNvSpPr>
+          <p:nvPr>
+            <p:ph type="body" sz="quarter" idx="3"/>
+          </p:nvPr>
+        </p:nvSpPr>
+        <p:spPr>
+          <a:xfrm>
+            <a:off x="685800" y="4400550"/>
+            <a:ext cx="5486400" cy="3600450"/>
+          </a:xfrm>
+          <a:prstGeom prst="rect">
+            <a:avLst/>
+          </a:prstGeom>
+        </p:spPr>
+        <p:txBody>
+          <a:bodyPr vert="horz" lIns="91440" tIns="45720" rIns="91440" bIns="45720" rtlCol="0"/>
+          <a:lstStyle/>
+          <a:p>
+            <a:pPr lvl="0"/>
+            <a:r>
+              <a:rPr kumimoji="1" lang="ja-JP" altLang="en-US" smtClean="0"/>
+              <a:t>マスター テキストの書式設定</a:t>
+            </a:r>
+          </a:p>
+          <a:p>
+            <a:pPr lvl="1"/>
+            <a:r>
+              <a:rPr kumimoji="1" lang="ja-JP" altLang="en-US" smtClean="0"/>
+              <a:t>第 </a:t>
+            </a:r>
+            <a:r>
+              <a:rPr kumimoji="1" lang="en-US" altLang="ja-JP" smtClean="0"/>
+              <a:t>2 </a:t>
+            </a:r>
+            <a:r>
+              <a:rPr kumimoji="1" lang="ja-JP" altLang="en-US" smtClean="0"/>
+              <a:t>レベル</a:t>
+            </a:r>
+          </a:p>
+          <a:p>
+            <a:pPr lvl="2"/>
+            <a:r>
+              <a:rPr kumimoji="1" lang="ja-JP" altLang="en-US" smtClean="0"/>
+              <a:t>第 </a:t>
+            </a:r>
+            <a:r>
+              <a:rPr kumimoji="1" lang="en-US" altLang="ja-JP" smtClean="0"/>
+              <a:t>3 </a:t>
+            </a:r>
+            <a:r>
+              <a:rPr kumimoji="1" lang="ja-JP" altLang="en-US" smtClean="0"/>
+              <a:t>レベル</a:t>
+            </a:r>
+          </a:p>
+          <a:p>
+            <a:pPr lvl="3"/>
+            <a:r>
+              <a:rPr kumimoji="1" lang="ja-JP" altLang="en-US" smtClean="0"/>
+              <a:t>第 </a:t>
+            </a:r>
+            <a:r>
+              <a:rPr kumimoji="1" lang="en-US" altLang="ja-JP" smtClean="0"/>
+              <a:t>4 </a:t>
+            </a:r>
+            <a:r>
+              <a:rPr kumimoji="1" lang="ja-JP" altLang="en-US" smtClean="0"/>
+              <a:t>レベル</a:t>
+            </a:r>
+          </a:p>
+          <a:p>
+            <a:pPr lvl="4"/>
+            <a:r>
+              <a:rPr kumimoji="1" lang="ja-JP" altLang="en-US" smtClean="0"/>
+              <a:t>第 </a:t>
+            </a:r>
+            <a:r>
+              <a:rPr kumimoji="1" lang="en-US" altLang="ja-JP" smtClean="0"/>
+              <a:t>5 </a:t>
+            </a:r>
+            <a:r>
+              <a:rPr kumimoji="1" lang="ja-JP" altLang="en-US" smtClean="0"/>
+              <a:t>レベル</a:t>
+            </a:r>
+            <a:endParaRPr kumimoji="1" lang="ja-JP" altLang="en-US"/>
+          </a:p>
+        </p:txBody>
+      </p:sp>
+      <p:sp>
+        <p:nvSpPr>
+          <p:cNvPr id="6" name="フッター プレースホルダー 5"/>
+          <p:cNvSpPr>
+            <a:spLocks noGrp="1"/>
+          </p:cNvSpPr>
+          <p:nvPr>
+            <p:ph type="ftr" sz="quarter" idx="4"/>
+          </p:nvPr>
+        </p:nvSpPr>
+        <p:spPr>
+          <a:xfrm>
+            <a:off x="0" y="8685213"/>
+            <a:ext cx="2971800" cy="458787"/>
+          </a:xfrm>
+          <a:prstGeom prst="rect">
+            <a:avLst/>
+          </a:prstGeom>
+        </p:spPr>
+        <p:txBody>
+          <a:bodyPr vert="horz" lIns="91440" tIns="45720" rIns="91440" bIns="45720" rtlCol="0" anchor="b"/>
+          <a:lstStyle>
+            <a:lvl1pPr algn="l">
+              <a:defRPr sz="1200"/>
+            </a:lvl1pPr>
+          </a:lstStyle>
+          <a:p>
+            <a:endParaRPr kumimoji="1" lang="ja-JP" altLang="en-US"/>
+          </a:p>
+        </p:txBody>
+      </p:sp>
+      <p:sp>
+        <p:nvSpPr>
+          <p:cNvPr id="7" name="スライド番号プレースホルダー 6"/>
+          <p:cNvSpPr>
+            <a:spLocks noGrp="1"/>
+          </p:cNvSpPr>
+          <p:nvPr>
+            <p:ph type="sldNum" sz="quarter" idx="5"/>
+          </p:nvPr>
+        </p:nvSpPr>
+        <p:spPr>
+          <a:xfrm>
+            <a:off x="3884613" y="8685213"/>
+            <a:ext cx="2971800" cy="458787"/>
+          </a:xfrm>
+          <a:prstGeom prst="rect">
+            <a:avLst/>
+          </a:prstGeom>
+        </p:spPr>
+        <p:txBody>
+          <a:bodyPr vert="horz" lIns="91440" tIns="45720" rIns="91440" bIns="45720" rtlCol="0" anchor="b"/>
+          <a:lstStyle>
+            <a:lvl1pPr algn="r">
+              <a:defRPr sz="1200"/>
+            </a:lvl1pPr>
+          </a:lstStyle>
+          <a:p>
+            <a:fld id="{2C31F412-96B9-434E-B7C1-6FED36A94FBE}" type="slidenum">
+              <a:rPr kumimoji="1" lang="ja-JP" altLang="en-US" smtClean="0"/>
+              <a:t>‹#›</a:t>
+            </a:fld>
+            <a:endParaRPr kumimoji="1" lang="ja-JP" altLang="en-US"/>
+          </a:p>
+        </p:txBody>
+      </p:sp>
+    </p:spTree>
+    <p:extLst>
+      <p:ext uri="{BB962C8B-B14F-4D97-AF65-F5344CB8AC3E}">
+        <p14:creationId xmlns:p14="http://schemas.microsoft.com/office/powerpoint/2010/main" val="3572799014"/>
+      </p:ext>
+    </p:extLst>
+  </p:cSld>
+  <p:clrMap bg1="lt1" tx1="dk1" bg2="lt2" tx2="dk2" accent1="accent1" accent2="accent2" accent3="accent3" accent4="accent4" accent5="accent5" accent6="accent6" hlink="hlink" folHlink="folHlink"/>
+  <p:notesStyle>
+    <a:lvl1pPr marL="0" algn="l" defTabSz="914400" rtl="0" eaLnBrk="1" latinLnBrk="0" hangingPunct="1">
+      <a:defRPr kumimoji="1" sz="1200" kern="1200">
+        <a:solidFill>
+          <a:schemeClr val="tx1"/>
+        </a:solidFill>
+        <a:latin typeface="+mn-lt"/>
+        <a:ea typeface="+mn-ea"/>
+        <a:cs typeface="+mn-cs"/>
+      </a:defRPr>
+    </a:lvl1pPr>
+    <a:lvl2pPr marL="457200" algn="l" defTabSz="914400" rtl="0" eaLnBrk="1" latinLnBrk="0" hangingPunct="1">
+      <a:defRPr kumimoji="1" sz="1200" kern="1200">
+        <a:solidFill>
+          <a:schemeClr val="tx1"/>
+        </a:solidFill>
+        <a:latin typeface="+mn-lt"/>
+        <a:ea typeface="+mn-ea"/>
+        <a:cs typeface="+mn-cs"/>
+      </a:defRPr>
+    </a:lvl2pPr>
+    <a:lvl3pPr marL="914400" algn="l" defTabSz="914400" rtl="0" eaLnBrk="1" latinLnBrk="0" hangingPunct="1">
+      <a:defRPr kumimoji="1" sz="1200" kern="1200">
+        <a:solidFill>
+          <a:schemeClr val="tx1"/>
+        </a:solidFill>
+        <a:latin typeface="+mn-lt"/>
+        <a:ea typeface="+mn-ea"/>
+        <a:cs typeface="+mn-cs"/>
+      </a:defRPr>
+    </a:lvl3pPr>
+    <a:lvl4pPr marL="1371600" algn="l" defTabSz="914400" rtl="0" eaLnBrk="1" latinLnBrk="0" hangingPunct="1">
+      <a:defRPr kumimoji="1" sz="1200" kern="1200">
+        <a:solidFill>
+          <a:schemeClr val="tx1"/>
+        </a:solidFill>
+        <a:latin typeface="+mn-lt"/>
+        <a:ea typeface="+mn-ea"/>
+        <a:cs typeface="+mn-cs"/>
+      </a:defRPr>
+    </a:lvl4pPr>
+    <a:lvl5pPr marL="1828800" algn="l" defTabSz="914400" rtl="0" eaLnBrk="1" latinLnBrk="0" hangingPunct="1">
+      <a:defRPr kumimoji="1" sz="1200" kern="1200">
+        <a:solidFill>
+          <a:schemeClr val="tx1"/>
+        </a:solidFill>
+        <a:latin typeface="+mn-lt"/>
+        <a:ea typeface="+mn-ea"/>
+        <a:cs typeface="+mn-cs"/>
+      </a:defRPr>
+    </a:lvl5pPr>
+    <a:lvl6pPr marL="2286000" algn="l" defTabSz="914400" rtl="0" eaLnBrk="1" latinLnBrk="0" hangingPunct="1">
+      <a:defRPr kumimoji="1" sz="1200" kern="1200">
+        <a:solidFill>
+          <a:schemeClr val="tx1"/>
+        </a:solidFill>
+        <a:latin typeface="+mn-lt"/>
+        <a:ea typeface="+mn-ea"/>
+        <a:cs typeface="+mn-cs"/>
+      </a:defRPr>
+    </a:lvl6pPr>
+    <a:lvl7pPr marL="2743200" algn="l" defTabSz="914400" rtl="0" eaLnBrk="1" latinLnBrk="0" hangingPunct="1">
+      <a:defRPr kumimoji="1" sz="1200" kern="1200">
+        <a:solidFill>
+          <a:schemeClr val="tx1"/>
+        </a:solidFill>
+        <a:latin typeface="+mn-lt"/>
+        <a:ea typeface="+mn-ea"/>
+        <a:cs typeface="+mn-cs"/>
+      </a:defRPr>
+    </a:lvl7pPr>
+    <a:lvl8pPr marL="3200400" algn="l" defTabSz="914400" rtl="0" eaLnBrk="1" latinLnBrk="0" hangingPunct="1">
+      <a:defRPr kumimoji="1" sz="1200" kern="1200">
+        <a:solidFill>
+          <a:schemeClr val="tx1"/>
+        </a:solidFill>
+        <a:latin typeface="+mn-lt"/>
+        <a:ea typeface="+mn-ea"/>
+        <a:cs typeface="+mn-cs"/>
+      </a:defRPr>
+    </a:lvl8pPr>
+    <a:lvl9pPr marL="3657600" algn="l" defTabSz="914400" rtl="0" eaLnBrk="1" latinLnBrk="0" hangingPunct="1">
+      <a:defRPr kumimoji="1" sz="1200" kern="1200">
+        <a:solidFill>
+          <a:schemeClr val="tx1"/>
+        </a:solidFill>
+        <a:latin typeface="+mn-lt"/>
+        <a:ea typeface="+mn-ea"/>
+        <a:cs typeface="+mn-cs"/>
+      </a:defRPr>
+    </a:lvl9pPr>
+  </p:notesStyle>
+</p:notesMaster>
+</file>
+
 <file path=ppt/slideLayouts/slideLayout1.xml><?xml version="1.0" encoding="utf-8"?>
 <p:sldLayout xmlns:a="http://schemas.openxmlformats.org/drawingml/2006/main" xmlns:r="http://schemas.openxmlformats.org/officeDocument/2006/relationships" xmlns:p="http://schemas.openxmlformats.org/presentationml/2006/main" type="title" preserve="1">
   <p:cSld name="タイトル スライド">
@@ -261,7 +646,7 @@
           <a:bodyPr/>
           <a:lstStyle/>
           <a:p>
-            <a:fld id="{B281BC7E-9EDC-44EC-803F-9C74B278541E}" type="datetimeFigureOut">
+            <a:fld id="{EB673764-57EF-4E6E-926D-94F457260CB9}" type="datetime1">
               <a:rPr kumimoji="1" lang="ja-JP" altLang="en-US" smtClean="0"/>
               <a:t>2021/4/30</a:t>
             </a:fld>
@@ -463,7 +848,7 @@
           <a:bodyPr/>
           <a:lstStyle/>
           <a:p>
-            <a:fld id="{B281BC7E-9EDC-44EC-803F-9C74B278541E}" type="datetimeFigureOut">
+            <a:fld id="{43F20450-D400-4815-A1FA-0C2DAB891791}" type="datetime1">
               <a:rPr kumimoji="1" lang="ja-JP" altLang="en-US" smtClean="0"/>
               <a:t>2021/4/30</a:t>
             </a:fld>
@@ -675,7 +1060,7 @@
           <a:bodyPr/>
           <a:lstStyle/>
           <a:p>
-            <a:fld id="{B281BC7E-9EDC-44EC-803F-9C74B278541E}" type="datetimeFigureOut">
+            <a:fld id="{DFF080BA-6BB1-4808-8D96-4A051D808576}" type="datetime1">
               <a:rPr kumimoji="1" lang="ja-JP" altLang="en-US" smtClean="0"/>
               <a:t>2021/4/30</a:t>
             </a:fld>
@@ -877,7 +1262,7 @@
           <a:bodyPr/>
           <a:lstStyle/>
           <a:p>
-            <a:fld id="{B281BC7E-9EDC-44EC-803F-9C74B278541E}" type="datetimeFigureOut">
+            <a:fld id="{FC2F16D9-2339-4F18-BEF6-7AD53DCFB88A}" type="datetime1">
               <a:rPr kumimoji="1" lang="ja-JP" altLang="en-US" smtClean="0"/>
               <a:t>2021/4/30</a:t>
             </a:fld>
@@ -1123,7 +1508,7 @@
           <a:bodyPr/>
           <a:lstStyle/>
           <a:p>
-            <a:fld id="{B281BC7E-9EDC-44EC-803F-9C74B278541E}" type="datetimeFigureOut">
+            <a:fld id="{4A89C407-964A-45C8-BD4E-552E58D16A0D}" type="datetime1">
               <a:rPr kumimoji="1" lang="ja-JP" altLang="en-US" smtClean="0"/>
               <a:t>2021/4/30</a:t>
             </a:fld>
@@ -1419,7 +1804,7 @@
           <a:bodyPr/>
           <a:lstStyle/>
           <a:p>
-            <a:fld id="{B281BC7E-9EDC-44EC-803F-9C74B278541E}" type="datetimeFigureOut">
+            <a:fld id="{C7614128-8D73-4430-ACE9-070253C9091F}" type="datetime1">
               <a:rPr kumimoji="1" lang="ja-JP" altLang="en-US" smtClean="0"/>
               <a:t>2021/4/30</a:t>
             </a:fld>
@@ -1850,7 +2235,7 @@
           <a:bodyPr/>
           <a:lstStyle/>
           <a:p>
-            <a:fld id="{B281BC7E-9EDC-44EC-803F-9C74B278541E}" type="datetimeFigureOut">
+            <a:fld id="{7253D107-5692-4F8C-A5AE-1B448AD39535}" type="datetime1">
               <a:rPr kumimoji="1" lang="ja-JP" altLang="en-US" smtClean="0"/>
               <a:t>2021/4/30</a:t>
             </a:fld>
@@ -1968,7 +2353,7 @@
           <a:bodyPr/>
           <a:lstStyle/>
           <a:p>
-            <a:fld id="{B281BC7E-9EDC-44EC-803F-9C74B278541E}" type="datetimeFigureOut">
+            <a:fld id="{2689F468-FEC5-406F-AE08-A6A13A80FCE4}" type="datetime1">
               <a:rPr kumimoji="1" lang="ja-JP" altLang="en-US" smtClean="0"/>
               <a:t>2021/4/30</a:t>
             </a:fld>
@@ -2063,7 +2448,7 @@
           <a:bodyPr/>
           <a:lstStyle/>
           <a:p>
-            <a:fld id="{B281BC7E-9EDC-44EC-803F-9C74B278541E}" type="datetimeFigureOut">
+            <a:fld id="{FB6880D1-3D31-4293-82E3-22BFFCF45AA4}" type="datetime1">
               <a:rPr kumimoji="1" lang="ja-JP" altLang="en-US" smtClean="0"/>
               <a:t>2021/4/30</a:t>
             </a:fld>
@@ -2372,7 +2757,7 @@
           <a:bodyPr/>
           <a:lstStyle/>
           <a:p>
-            <a:fld id="{B281BC7E-9EDC-44EC-803F-9C74B278541E}" type="datetimeFigureOut">
+            <a:fld id="{DF84CE36-3F8D-4EB7-9049-1B785D0F5DF6}" type="datetime1">
               <a:rPr kumimoji="1" lang="ja-JP" altLang="en-US" smtClean="0"/>
               <a:t>2021/4/30</a:t>
             </a:fld>
@@ -2625,7 +3010,7 @@
           <a:bodyPr/>
           <a:lstStyle/>
           <a:p>
-            <a:fld id="{B281BC7E-9EDC-44EC-803F-9C74B278541E}" type="datetimeFigureOut">
+            <a:fld id="{46495BBD-A901-4F4F-B3C5-58F8DAC0E3FC}" type="datetime1">
               <a:rPr kumimoji="1" lang="ja-JP" altLang="en-US" smtClean="0"/>
               <a:t>2021/4/30</a:t>
             </a:fld>
@@ -2870,7 +3255,7 @@
             </a:lvl1pPr>
           </a:lstStyle>
           <a:p>
-            <a:fld id="{B281BC7E-9EDC-44EC-803F-9C74B278541E}" type="datetimeFigureOut">
+            <a:fld id="{DE95AE2F-41B9-4508-88EF-08E0CC830764}" type="datetime1">
               <a:rPr kumimoji="1" lang="ja-JP" altLang="en-US" smtClean="0"/>
               <a:t>2021/4/30</a:t>
             </a:fld>
@@ -2977,6 +3362,7 @@
     <p:sldLayoutId id="2147483658" r:id="rId10"/>
     <p:sldLayoutId id="2147483659" r:id="rId11"/>
   </p:sldLayoutIdLst>
+  <p:hf hdr="0" ftr="0" dt="0"/>
   <p:txStyles>
     <p:titleStyle>
       <a:lvl1pPr algn="l" defTabSz="914400" rtl="0" eaLnBrk="1" latinLnBrk="0" hangingPunct="1">
@@ -3334,6 +3720,29 @@
           </a:p>
         </p:txBody>
       </p:sp>
+      <p:sp>
+        <p:nvSpPr>
+          <p:cNvPr id="4" name="スライド番号プレースホルダー 3"/>
+          <p:cNvSpPr>
+            <a:spLocks noGrp="1"/>
+          </p:cNvSpPr>
+          <p:nvPr>
+            <p:ph type="sldNum" sz="quarter" idx="12"/>
+          </p:nvPr>
+        </p:nvSpPr>
+        <p:spPr/>
+        <p:txBody>
+          <a:bodyPr/>
+          <a:lstStyle/>
+          <a:p>
+            <a:fld id="{77022724-7A88-4190-89E1-23935288E045}" type="slidenum">
+              <a:rPr kumimoji="1" lang="ja-JP" altLang="en-US" smtClean="0"/>
+              <a:t>1</a:t>
+            </a:fld>
+            <a:endParaRPr kumimoji="1" lang="ja-JP" altLang="en-US"/>
+          </a:p>
+        </p:txBody>
+      </p:sp>
     </p:spTree>
     <p:extLst>
       <p:ext uri="{BB962C8B-B14F-4D97-AF65-F5344CB8AC3E}">
@@ -3760,6 +4169,29 @@
           </a:p>
         </p:txBody>
       </p:sp>
+      <p:sp>
+        <p:nvSpPr>
+          <p:cNvPr id="3" name="スライド番号プレースホルダー 2"/>
+          <p:cNvSpPr>
+            <a:spLocks noGrp="1"/>
+          </p:cNvSpPr>
+          <p:nvPr>
+            <p:ph type="sldNum" sz="quarter" idx="12"/>
+          </p:nvPr>
+        </p:nvSpPr>
+        <p:spPr/>
+        <p:txBody>
+          <a:bodyPr/>
+          <a:lstStyle/>
+          <a:p>
+            <a:fld id="{77022724-7A88-4190-89E1-23935288E045}" type="slidenum">
+              <a:rPr kumimoji="1" lang="ja-JP" altLang="en-US" smtClean="0"/>
+              <a:t>10</a:t>
+            </a:fld>
+            <a:endParaRPr kumimoji="1" lang="ja-JP" altLang="en-US"/>
+          </a:p>
+        </p:txBody>
+      </p:sp>
     </p:spTree>
     <p:extLst>
       <p:ext uri="{BB962C8B-B14F-4D97-AF65-F5344CB8AC3E}">
@@ -4007,6 +4439,29 @@
           </a:p>
         </p:txBody>
       </p:sp>
+      <p:sp>
+        <p:nvSpPr>
+          <p:cNvPr id="4" name="スライド番号プレースホルダー 3"/>
+          <p:cNvSpPr>
+            <a:spLocks noGrp="1"/>
+          </p:cNvSpPr>
+          <p:nvPr>
+            <p:ph type="sldNum" sz="quarter" idx="12"/>
+          </p:nvPr>
+        </p:nvSpPr>
+        <p:spPr/>
+        <p:txBody>
+          <a:bodyPr/>
+          <a:lstStyle/>
+          <a:p>
+            <a:fld id="{77022724-7A88-4190-89E1-23935288E045}" type="slidenum">
+              <a:rPr kumimoji="1" lang="ja-JP" altLang="en-US" smtClean="0"/>
+              <a:t>11</a:t>
+            </a:fld>
+            <a:endParaRPr kumimoji="1" lang="ja-JP" altLang="en-US"/>
+          </a:p>
+        </p:txBody>
+      </p:sp>
     </p:spTree>
     <p:extLst>
       <p:ext uri="{BB962C8B-B14F-4D97-AF65-F5344CB8AC3E}">
@@ -4145,6 +4600,29 @@
           </a:p>
         </p:txBody>
       </p:sp>
+      <p:sp>
+        <p:nvSpPr>
+          <p:cNvPr id="4" name="スライド番号プレースホルダー 3"/>
+          <p:cNvSpPr>
+            <a:spLocks noGrp="1"/>
+          </p:cNvSpPr>
+          <p:nvPr>
+            <p:ph type="sldNum" sz="quarter" idx="12"/>
+          </p:nvPr>
+        </p:nvSpPr>
+        <p:spPr/>
+        <p:txBody>
+          <a:bodyPr/>
+          <a:lstStyle/>
+          <a:p>
+            <a:fld id="{77022724-7A88-4190-89E1-23935288E045}" type="slidenum">
+              <a:rPr kumimoji="1" lang="ja-JP" altLang="en-US" smtClean="0"/>
+              <a:t>12</a:t>
+            </a:fld>
+            <a:endParaRPr kumimoji="1" lang="ja-JP" altLang="en-US"/>
+          </a:p>
+        </p:txBody>
+      </p:sp>
     </p:spTree>
     <p:extLst>
       <p:ext uri="{BB962C8B-B14F-4D97-AF65-F5344CB8AC3E}">
@@ -4224,6 +4702,29 @@
           </a:p>
         </p:txBody>
       </p:sp>
+      <p:sp>
+        <p:nvSpPr>
+          <p:cNvPr id="4" name="スライド番号プレースホルダー 3"/>
+          <p:cNvSpPr>
+            <a:spLocks noGrp="1"/>
+          </p:cNvSpPr>
+          <p:nvPr>
+            <p:ph type="sldNum" sz="quarter" idx="12"/>
+          </p:nvPr>
+        </p:nvSpPr>
+        <p:spPr/>
+        <p:txBody>
+          <a:bodyPr/>
+          <a:lstStyle/>
+          <a:p>
+            <a:fld id="{77022724-7A88-4190-89E1-23935288E045}" type="slidenum">
+              <a:rPr kumimoji="1" lang="ja-JP" altLang="en-US" smtClean="0"/>
+              <a:t>13</a:t>
+            </a:fld>
+            <a:endParaRPr kumimoji="1" lang="ja-JP" altLang="en-US"/>
+          </a:p>
+        </p:txBody>
+      </p:sp>
     </p:spTree>
     <p:extLst>
       <p:ext uri="{BB962C8B-B14F-4D97-AF65-F5344CB8AC3E}">
@@ -4437,6 +4938,29 @@
           </a:p>
         </p:txBody>
       </p:sp>
+      <p:sp>
+        <p:nvSpPr>
+          <p:cNvPr id="4" name="スライド番号プレースホルダー 3"/>
+          <p:cNvSpPr>
+            <a:spLocks noGrp="1"/>
+          </p:cNvSpPr>
+          <p:nvPr>
+            <p:ph type="sldNum" sz="quarter" idx="12"/>
+          </p:nvPr>
+        </p:nvSpPr>
+        <p:spPr/>
+        <p:txBody>
+          <a:bodyPr/>
+          <a:lstStyle/>
+          <a:p>
+            <a:fld id="{77022724-7A88-4190-89E1-23935288E045}" type="slidenum">
+              <a:rPr kumimoji="1" lang="ja-JP" altLang="en-US" smtClean="0"/>
+              <a:t>14</a:t>
+            </a:fld>
+            <a:endParaRPr kumimoji="1" lang="ja-JP" altLang="en-US"/>
+          </a:p>
+        </p:txBody>
+      </p:sp>
     </p:spTree>
     <p:extLst>
       <p:ext uri="{BB962C8B-B14F-4D97-AF65-F5344CB8AC3E}">
@@ -4474,6 +4998,29 @@
           <a:chExt cx="0" cy="0"/>
         </a:xfrm>
       </p:grpSpPr>
+      <p:sp>
+        <p:nvSpPr>
+          <p:cNvPr id="2" name="スライド番号プレースホルダー 1"/>
+          <p:cNvSpPr>
+            <a:spLocks noGrp="1"/>
+          </p:cNvSpPr>
+          <p:nvPr>
+            <p:ph type="sldNum" sz="quarter" idx="12"/>
+          </p:nvPr>
+        </p:nvSpPr>
+        <p:spPr/>
+        <p:txBody>
+          <a:bodyPr/>
+          <a:lstStyle/>
+          <a:p>
+            <a:fld id="{77022724-7A88-4190-89E1-23935288E045}" type="slidenum">
+              <a:rPr kumimoji="1" lang="ja-JP" altLang="en-US" smtClean="0"/>
+              <a:t>15</a:t>
+            </a:fld>
+            <a:endParaRPr kumimoji="1" lang="ja-JP" altLang="en-US"/>
+          </a:p>
+        </p:txBody>
+      </p:sp>
     </p:spTree>
     <p:extLst>
       <p:ext uri="{BB962C8B-B14F-4D97-AF65-F5344CB8AC3E}">
@@ -4546,6 +5093,29 @@
           </a:p>
         </p:txBody>
       </p:sp>
+      <p:sp>
+        <p:nvSpPr>
+          <p:cNvPr id="4" name="スライド番号プレースホルダー 3"/>
+          <p:cNvSpPr>
+            <a:spLocks noGrp="1"/>
+          </p:cNvSpPr>
+          <p:nvPr>
+            <p:ph type="sldNum" sz="quarter" idx="12"/>
+          </p:nvPr>
+        </p:nvSpPr>
+        <p:spPr/>
+        <p:txBody>
+          <a:bodyPr/>
+          <a:lstStyle/>
+          <a:p>
+            <a:fld id="{77022724-7A88-4190-89E1-23935288E045}" type="slidenum">
+              <a:rPr kumimoji="1" lang="ja-JP" altLang="en-US" smtClean="0"/>
+              <a:t>16</a:t>
+            </a:fld>
+            <a:endParaRPr kumimoji="1" lang="ja-JP" altLang="en-US"/>
+          </a:p>
+        </p:txBody>
+      </p:sp>
     </p:spTree>
     <p:extLst>
       <p:ext uri="{BB962C8B-B14F-4D97-AF65-F5344CB8AC3E}">
@@ -4634,6 +5204,29 @@
           </a:p>
         </p:txBody>
       </p:sp>
+      <p:sp>
+        <p:nvSpPr>
+          <p:cNvPr id="4" name="スライド番号プレースホルダー 3"/>
+          <p:cNvSpPr>
+            <a:spLocks noGrp="1"/>
+          </p:cNvSpPr>
+          <p:nvPr>
+            <p:ph type="sldNum" sz="quarter" idx="12"/>
+          </p:nvPr>
+        </p:nvSpPr>
+        <p:spPr/>
+        <p:txBody>
+          <a:bodyPr/>
+          <a:lstStyle/>
+          <a:p>
+            <a:fld id="{77022724-7A88-4190-89E1-23935288E045}" type="slidenum">
+              <a:rPr kumimoji="1" lang="ja-JP" altLang="en-US" smtClean="0"/>
+              <a:t>17</a:t>
+            </a:fld>
+            <a:endParaRPr kumimoji="1" lang="ja-JP" altLang="en-US"/>
+          </a:p>
+        </p:txBody>
+      </p:sp>
     </p:spTree>
     <p:extLst>
       <p:ext uri="{BB962C8B-B14F-4D97-AF65-F5344CB8AC3E}">
@@ -4753,6 +5346,29 @@
           </a:p>
         </p:txBody>
       </p:sp>
+      <p:sp>
+        <p:nvSpPr>
+          <p:cNvPr id="4" name="スライド番号プレースホルダー 3"/>
+          <p:cNvSpPr>
+            <a:spLocks noGrp="1"/>
+          </p:cNvSpPr>
+          <p:nvPr>
+            <p:ph type="sldNum" sz="quarter" idx="12"/>
+          </p:nvPr>
+        </p:nvSpPr>
+        <p:spPr/>
+        <p:txBody>
+          <a:bodyPr/>
+          <a:lstStyle/>
+          <a:p>
+            <a:fld id="{77022724-7A88-4190-89E1-23935288E045}" type="slidenum">
+              <a:rPr kumimoji="1" lang="ja-JP" altLang="en-US" smtClean="0"/>
+              <a:t>18</a:t>
+            </a:fld>
+            <a:endParaRPr kumimoji="1" lang="ja-JP" altLang="en-US"/>
+          </a:p>
+        </p:txBody>
+      </p:sp>
     </p:spTree>
     <p:extLst>
       <p:ext uri="{BB962C8B-B14F-4D97-AF65-F5344CB8AC3E}">
@@ -5027,6 +5643,29 @@
           </a:p>
         </p:txBody>
       </p:sp>
+      <p:sp>
+        <p:nvSpPr>
+          <p:cNvPr id="4" name="スライド番号プレースホルダー 3"/>
+          <p:cNvSpPr>
+            <a:spLocks noGrp="1"/>
+          </p:cNvSpPr>
+          <p:nvPr>
+            <p:ph type="sldNum" sz="quarter" idx="12"/>
+          </p:nvPr>
+        </p:nvSpPr>
+        <p:spPr/>
+        <p:txBody>
+          <a:bodyPr/>
+          <a:lstStyle/>
+          <a:p>
+            <a:fld id="{77022724-7A88-4190-89E1-23935288E045}" type="slidenum">
+              <a:rPr kumimoji="1" lang="ja-JP" altLang="en-US" smtClean="0"/>
+              <a:t>19</a:t>
+            </a:fld>
+            <a:endParaRPr kumimoji="1" lang="ja-JP" altLang="en-US"/>
+          </a:p>
+        </p:txBody>
+      </p:sp>
     </p:spTree>
     <p:extLst>
       <p:ext uri="{BB962C8B-B14F-4D97-AF65-F5344CB8AC3E}">
@@ -5101,6 +5740,29 @@
           <a:bodyPr/>
           <a:lstStyle/>
           <a:p>
+            <a:endParaRPr kumimoji="1" lang="ja-JP" altLang="en-US"/>
+          </a:p>
+        </p:txBody>
+      </p:sp>
+      <p:sp>
+        <p:nvSpPr>
+          <p:cNvPr id="4" name="スライド番号プレースホルダー 3"/>
+          <p:cNvSpPr>
+            <a:spLocks noGrp="1"/>
+          </p:cNvSpPr>
+          <p:nvPr>
+            <p:ph type="sldNum" sz="quarter" idx="12"/>
+          </p:nvPr>
+        </p:nvSpPr>
+        <p:spPr/>
+        <p:txBody>
+          <a:bodyPr/>
+          <a:lstStyle/>
+          <a:p>
+            <a:fld id="{77022724-7A88-4190-89E1-23935288E045}" type="slidenum">
+              <a:rPr kumimoji="1" lang="ja-JP" altLang="en-US" smtClean="0"/>
+              <a:t>2</a:t>
+            </a:fld>
             <a:endParaRPr kumimoji="1" lang="ja-JP" altLang="en-US"/>
           </a:p>
         </p:txBody>
@@ -5278,6 +5940,29 @@
           </a:p>
         </p:txBody>
       </p:sp>
+      <p:sp>
+        <p:nvSpPr>
+          <p:cNvPr id="6" name="スライド番号プレースホルダー 5"/>
+          <p:cNvSpPr>
+            <a:spLocks noGrp="1"/>
+          </p:cNvSpPr>
+          <p:nvPr>
+            <p:ph type="sldNum" sz="quarter" idx="12"/>
+          </p:nvPr>
+        </p:nvSpPr>
+        <p:spPr/>
+        <p:txBody>
+          <a:bodyPr/>
+          <a:lstStyle/>
+          <a:p>
+            <a:fld id="{77022724-7A88-4190-89E1-23935288E045}" type="slidenum">
+              <a:rPr kumimoji="1" lang="ja-JP" altLang="en-US" smtClean="0"/>
+              <a:t>20</a:t>
+            </a:fld>
+            <a:endParaRPr kumimoji="1" lang="ja-JP" altLang="en-US"/>
+          </a:p>
+        </p:txBody>
+      </p:sp>
     </p:spTree>
     <p:extLst>
       <p:ext uri="{BB962C8B-B14F-4D97-AF65-F5344CB8AC3E}">
@@ -5444,6 +6129,29 @@
           </a:graphicData>
         </a:graphic>
       </p:graphicFrame>
+      <p:sp>
+        <p:nvSpPr>
+          <p:cNvPr id="2" name="スライド番号プレースホルダー 1"/>
+          <p:cNvSpPr>
+            <a:spLocks noGrp="1"/>
+          </p:cNvSpPr>
+          <p:nvPr>
+            <p:ph type="sldNum" sz="quarter" idx="12"/>
+          </p:nvPr>
+        </p:nvSpPr>
+        <p:spPr/>
+        <p:txBody>
+          <a:bodyPr/>
+          <a:lstStyle/>
+          <a:p>
+            <a:fld id="{77022724-7A88-4190-89E1-23935288E045}" type="slidenum">
+              <a:rPr kumimoji="1" lang="ja-JP" altLang="en-US" smtClean="0"/>
+              <a:t>21</a:t>
+            </a:fld>
+            <a:endParaRPr kumimoji="1" lang="ja-JP" altLang="en-US"/>
+          </a:p>
+        </p:txBody>
+      </p:sp>
     </p:spTree>
     <p:extLst>
       <p:ext uri="{BB962C8B-B14F-4D97-AF65-F5344CB8AC3E}">
@@ -5626,6 +6334,29 @@
               <a:t>貢献</a:t>
             </a:r>
             <a:endParaRPr lang="ja-JP" altLang="en-US" dirty="0"/>
+          </a:p>
+        </p:txBody>
+      </p:sp>
+      <p:sp>
+        <p:nvSpPr>
+          <p:cNvPr id="4" name="スライド番号プレースホルダー 3"/>
+          <p:cNvSpPr>
+            <a:spLocks noGrp="1"/>
+          </p:cNvSpPr>
+          <p:nvPr>
+            <p:ph type="sldNum" sz="quarter" idx="12"/>
+          </p:nvPr>
+        </p:nvSpPr>
+        <p:spPr/>
+        <p:txBody>
+          <a:bodyPr/>
+          <a:lstStyle/>
+          <a:p>
+            <a:fld id="{77022724-7A88-4190-89E1-23935288E045}" type="slidenum">
+              <a:rPr kumimoji="1" lang="ja-JP" altLang="en-US" smtClean="0"/>
+              <a:t>3</a:t>
+            </a:fld>
+            <a:endParaRPr kumimoji="1" lang="ja-JP" altLang="en-US"/>
           </a:p>
         </p:txBody>
       </p:sp>
@@ -5735,6 +6466,29 @@
           </a:p>
         </p:txBody>
       </p:sp>
+      <p:sp>
+        <p:nvSpPr>
+          <p:cNvPr id="4" name="スライド番号プレースホルダー 3"/>
+          <p:cNvSpPr>
+            <a:spLocks noGrp="1"/>
+          </p:cNvSpPr>
+          <p:nvPr>
+            <p:ph type="sldNum" sz="quarter" idx="12"/>
+          </p:nvPr>
+        </p:nvSpPr>
+        <p:spPr/>
+        <p:txBody>
+          <a:bodyPr/>
+          <a:lstStyle/>
+          <a:p>
+            <a:fld id="{77022724-7A88-4190-89E1-23935288E045}" type="slidenum">
+              <a:rPr kumimoji="1" lang="ja-JP" altLang="en-US" smtClean="0"/>
+              <a:t>4</a:t>
+            </a:fld>
+            <a:endParaRPr kumimoji="1" lang="ja-JP" altLang="en-US"/>
+          </a:p>
+        </p:txBody>
+      </p:sp>
     </p:spTree>
     <p:extLst>
       <p:ext uri="{BB962C8B-B14F-4D97-AF65-F5344CB8AC3E}">
@@ -5920,6 +6674,29 @@
           </a:p>
         </p:txBody>
       </p:sp>
+      <p:sp>
+        <p:nvSpPr>
+          <p:cNvPr id="4" name="スライド番号プレースホルダー 3"/>
+          <p:cNvSpPr>
+            <a:spLocks noGrp="1"/>
+          </p:cNvSpPr>
+          <p:nvPr>
+            <p:ph type="sldNum" sz="quarter" idx="12"/>
+          </p:nvPr>
+        </p:nvSpPr>
+        <p:spPr/>
+        <p:txBody>
+          <a:bodyPr/>
+          <a:lstStyle/>
+          <a:p>
+            <a:fld id="{77022724-7A88-4190-89E1-23935288E045}" type="slidenum">
+              <a:rPr kumimoji="1" lang="ja-JP" altLang="en-US" smtClean="0"/>
+              <a:t>5</a:t>
+            </a:fld>
+            <a:endParaRPr kumimoji="1" lang="ja-JP" altLang="en-US"/>
+          </a:p>
+        </p:txBody>
+      </p:sp>
     </p:spTree>
     <p:extLst>
       <p:ext uri="{BB962C8B-B14F-4D97-AF65-F5344CB8AC3E}">
@@ -6031,6 +6808,29 @@
           </a:p>
         </p:txBody>
       </p:sp>
+      <p:sp>
+        <p:nvSpPr>
+          <p:cNvPr id="4" name="スライド番号プレースホルダー 3"/>
+          <p:cNvSpPr>
+            <a:spLocks noGrp="1"/>
+          </p:cNvSpPr>
+          <p:nvPr>
+            <p:ph type="sldNum" sz="quarter" idx="12"/>
+          </p:nvPr>
+        </p:nvSpPr>
+        <p:spPr/>
+        <p:txBody>
+          <a:bodyPr/>
+          <a:lstStyle/>
+          <a:p>
+            <a:fld id="{77022724-7A88-4190-89E1-23935288E045}" type="slidenum">
+              <a:rPr kumimoji="1" lang="ja-JP" altLang="en-US" smtClean="0"/>
+              <a:t>6</a:t>
+            </a:fld>
+            <a:endParaRPr kumimoji="1" lang="ja-JP" altLang="en-US"/>
+          </a:p>
+        </p:txBody>
+      </p:sp>
     </p:spTree>
     <p:extLst>
       <p:ext uri="{BB962C8B-B14F-4D97-AF65-F5344CB8AC3E}">
@@ -6392,6 +7192,29 @@
           </a:p>
         </p:txBody>
       </p:sp>
+      <p:sp>
+        <p:nvSpPr>
+          <p:cNvPr id="9" name="スライド番号プレースホルダー 8"/>
+          <p:cNvSpPr>
+            <a:spLocks noGrp="1"/>
+          </p:cNvSpPr>
+          <p:nvPr>
+            <p:ph type="sldNum" sz="quarter" idx="12"/>
+          </p:nvPr>
+        </p:nvSpPr>
+        <p:spPr/>
+        <p:txBody>
+          <a:bodyPr/>
+          <a:lstStyle/>
+          <a:p>
+            <a:fld id="{77022724-7A88-4190-89E1-23935288E045}" type="slidenum">
+              <a:rPr kumimoji="1" lang="ja-JP" altLang="en-US" smtClean="0"/>
+              <a:t>7</a:t>
+            </a:fld>
+            <a:endParaRPr kumimoji="1" lang="ja-JP" altLang="en-US"/>
+          </a:p>
+        </p:txBody>
+      </p:sp>
     </p:spTree>
     <p:extLst>
       <p:ext uri="{BB962C8B-B14F-4D97-AF65-F5344CB8AC3E}">
@@ -6786,6 +7609,29 @@
           </a:p>
         </p:txBody>
       </p:sp>
+      <p:sp>
+        <p:nvSpPr>
+          <p:cNvPr id="3" name="スライド番号プレースホルダー 2"/>
+          <p:cNvSpPr>
+            <a:spLocks noGrp="1"/>
+          </p:cNvSpPr>
+          <p:nvPr>
+            <p:ph type="sldNum" sz="quarter" idx="12"/>
+          </p:nvPr>
+        </p:nvSpPr>
+        <p:spPr/>
+        <p:txBody>
+          <a:bodyPr/>
+          <a:lstStyle/>
+          <a:p>
+            <a:fld id="{77022724-7A88-4190-89E1-23935288E045}" type="slidenum">
+              <a:rPr kumimoji="1" lang="ja-JP" altLang="en-US" smtClean="0"/>
+              <a:t>8</a:t>
+            </a:fld>
+            <a:endParaRPr kumimoji="1" lang="ja-JP" altLang="en-US"/>
+          </a:p>
+        </p:txBody>
+      </p:sp>
     </p:spTree>
     <p:extLst>
       <p:ext uri="{BB962C8B-B14F-4D97-AF65-F5344CB8AC3E}">
@@ -7265,6 +8111,29 @@
           <a:lstStyle/>
           <a:p>
             <a:pPr algn="ctr"/>
+            <a:endParaRPr kumimoji="1" lang="ja-JP" altLang="en-US"/>
+          </a:p>
+        </p:txBody>
+      </p:sp>
+      <p:sp>
+        <p:nvSpPr>
+          <p:cNvPr id="4" name="スライド番号プレースホルダー 3"/>
+          <p:cNvSpPr>
+            <a:spLocks noGrp="1"/>
+          </p:cNvSpPr>
+          <p:nvPr>
+            <p:ph type="sldNum" sz="quarter" idx="12"/>
+          </p:nvPr>
+        </p:nvSpPr>
+        <p:spPr/>
+        <p:txBody>
+          <a:bodyPr/>
+          <a:lstStyle/>
+          <a:p>
+            <a:fld id="{77022724-7A88-4190-89E1-23935288E045}" type="slidenum">
+              <a:rPr kumimoji="1" lang="ja-JP" altLang="en-US" smtClean="0"/>
+              <a:t>9</a:t>
+            </a:fld>
             <a:endParaRPr kumimoji="1" lang="ja-JP" altLang="en-US"/>
           </a:p>
         </p:txBody>
@@ -7548,4 +8417,265 @@
     </a:ext>
   </a:extLst>
 </a:theme>
+</file>
+
+<file path=ppt/theme/theme2.xml><?xml version="1.0" encoding="utf-8"?>
+<a:theme xmlns:a="http://schemas.openxmlformats.org/drawingml/2006/main" name="Office テーマ">
+  <a:themeElements>
+    <a:clrScheme name="Office">
+      <a:dk1>
+        <a:sysClr val="windowText" lastClr="000000"/>
+      </a:dk1>
+      <a:lt1>
+        <a:sysClr val="window" lastClr="FFFFFF"/>
+      </a:lt1>
+      <a:dk2>
+        <a:srgbClr val="44546A"/>
+      </a:dk2>
+      <a:lt2>
+        <a:srgbClr val="E7E6E6"/>
+      </a:lt2>
+      <a:accent1>
+        <a:srgbClr val="5B9BD5"/>
+      </a:accent1>
+      <a:accent2>
+        <a:srgbClr val="ED7D31"/>
+      </a:accent2>
+      <a:accent3>
+        <a:srgbClr val="A5A5A5"/>
+      </a:accent3>
+      <a:accent4>
+        <a:srgbClr val="FFC000"/>
+      </a:accent4>
+      <a:accent5>
+        <a:srgbClr val="4472C4"/>
+      </a:accent5>
+      <a:accent6>
+        <a:srgbClr val="70AD47"/>
+      </a:accent6>
+      <a:hlink>
+        <a:srgbClr val="0563C1"/>
+      </a:hlink>
+      <a:folHlink>
+        <a:srgbClr val="954F72"/>
+      </a:folHlink>
+    </a:clrScheme>
+    <a:fontScheme name="Office">
+      <a:majorFont>
+        <a:latin typeface="游ゴシック Light" panose="020F0302020204030204"/>
+        <a:ea typeface=""/>
+        <a:cs typeface=""/>
+        <a:font script="Jpan" typeface="游ゴシック Light"/>
+        <a:font script="Hang" typeface="맑은 고딕"/>
+        <a:font script="Hans" typeface="等线 Light"/>
+        <a:font script="Hant" typeface="新細明體"/>
+        <a:font script="Arab" typeface="Times New Roman"/>
+        <a:font script="Hebr" typeface="Times New Roman"/>
+        <a:font script="Thai" typeface="Angsana New"/>
+        <a:font script="Ethi" typeface="Nyala"/>
+        <a:font script="Beng" typeface="Vrinda"/>
+        <a:font script="Gujr" typeface="Shruti"/>
+        <a:font script="Khmr" typeface="MoolBoran"/>
+        <a:font script="Knda" typeface="Tunga"/>
+        <a:font script="Guru" typeface="Raavi"/>
+        <a:font script="Cans" typeface="Euphemia"/>
+        <a:font script="Cher" typeface="Plantagenet Cherokee"/>
+        <a:font script="Yiii" typeface="Microsoft Yi Baiti"/>
+        <a:font script="Tibt" typeface="Microsoft Himalaya"/>
+        <a:font script="Thaa" typeface="MV Boli"/>
+        <a:font script="Deva" typeface="Mangal"/>
+        <a:font script="Telu" typeface="Gautami"/>
+        <a:font script="Taml" typeface="Latha"/>
+        <a:font script="Syrc" typeface="Estrangelo Edessa"/>
+        <a:font script="Orya" typeface="Kalinga"/>
+        <a:font script="Mlym" typeface="Kartika"/>
+        <a:font script="Laoo" typeface="DokChampa"/>
+        <a:font script="Sinh" typeface="Iskoola Pota"/>
+        <a:font script="Mong" typeface="Mongolian Baiti"/>
+        <a:font script="Viet" typeface="Times New Roman"/>
+        <a:font script="Uigh" typeface="Microsoft Uighur"/>
+        <a:font script="Geor" typeface="Sylfaen"/>
+      </a:majorFont>
+      <a:minorFont>
+        <a:latin typeface="游ゴシック" panose="020F0502020204030204"/>
+        <a:ea typeface=""/>
+        <a:cs typeface=""/>
+        <a:font script="Jpan" typeface="游ゴシック"/>
+        <a:font script="Hang" typeface="맑은 고딕"/>
+        <a:font script="Hans" typeface="等线"/>
+        <a:font script="Hant" typeface="新細明體"/>
+        <a:font script="Arab" typeface="Arial"/>
+        <a:font script="Hebr" typeface="Arial"/>
+        <a:font script="Thai" typeface="Cordia New"/>
+        <a:font script="Ethi" typeface="Nyala"/>
+        <a:font script="Beng" typeface="Vrinda"/>
+        <a:font script="Gujr" typeface="Shruti"/>
+        <a:font script="Khmr" typeface="DaunPenh"/>
+        <a:font script="Knda" typeface="Tunga"/>
+        <a:font script="Guru" typeface="Raavi"/>
+        <a:font script="Cans" typeface="Euphemia"/>
+        <a:font script="Cher" typeface="Plantagenet Cherokee"/>
+        <a:font script="Yiii" typeface="Microsoft Yi Baiti"/>
+        <a:font script="Tibt" typeface="Microsoft Himalaya"/>
+        <a:font script="Thaa" typeface="MV Boli"/>
+        <a:font script="Deva" typeface="Mangal"/>
+        <a:font script="Telu" typeface="Gautami"/>
+        <a:font script="Taml" typeface="Latha"/>
+        <a:font script="Syrc" typeface="Estrangelo Edessa"/>
+        <a:font script="Orya" typeface="Kalinga"/>
+        <a:font script="Mlym" typeface="Kartika"/>
+        <a:font script="Laoo" typeface="DokChampa"/>
+        <a:font script="Sinh" typeface="Iskoola Pota"/>
+        <a:font script="Mong" typeface="Mongolian Baiti"/>
+        <a:font script="Viet" typeface="Arial"/>
+        <a:font script="Uigh" typeface="Microsoft Uighur"/>
+        <a:font script="Geor" typeface="Sylfaen"/>
+      </a:minorFont>
+    </a:fontScheme>
+    <a:fmtScheme name="Office">
+      <a:fillStyleLst>
+        <a:solidFill>
+          <a:schemeClr val="phClr"/>
+        </a:solidFill>
+        <a:gradFill rotWithShape="1">
+          <a:gsLst>
+            <a:gs pos="0">
+              <a:schemeClr val="phClr">
+                <a:lumMod val="110000"/>
+                <a:satMod val="105000"/>
+                <a:tint val="67000"/>
+              </a:schemeClr>
+            </a:gs>
+            <a:gs pos="50000">
+              <a:schemeClr val="phClr">
+                <a:lumMod val="105000"/>
+                <a:satMod val="103000"/>
+                <a:tint val="73000"/>
+              </a:schemeClr>
+            </a:gs>
+            <a:gs pos="100000">
+              <a:schemeClr val="phClr">
+                <a:lumMod val="105000"/>
+                <a:satMod val="109000"/>
+                <a:tint val="81000"/>
+              </a:schemeClr>
+            </a:gs>
+          </a:gsLst>
+          <a:lin ang="5400000" scaled="0"/>
+        </a:gradFill>
+        <a:gradFill rotWithShape="1">
+          <a:gsLst>
+            <a:gs pos="0">
+              <a:schemeClr val="phClr">
+                <a:satMod val="103000"/>
+                <a:lumMod val="102000"/>
+                <a:tint val="94000"/>
+              </a:schemeClr>
+            </a:gs>
+            <a:gs pos="50000">
+              <a:schemeClr val="phClr">
+                <a:satMod val="110000"/>
+                <a:lumMod val="100000"/>
+                <a:shade val="100000"/>
+              </a:schemeClr>
+            </a:gs>
+            <a:gs pos="100000">
+              <a:schemeClr val="phClr">
+                <a:lumMod val="99000"/>
+                <a:satMod val="120000"/>
+                <a:shade val="78000"/>
+              </a:schemeClr>
+            </a:gs>
+          </a:gsLst>
+          <a:lin ang="5400000" scaled="0"/>
+        </a:gradFill>
+      </a:fillStyleLst>
+      <a:lnStyleLst>
+        <a:ln w="6350" cap="flat" cmpd="sng" algn="ctr">
+          <a:solidFill>
+            <a:schemeClr val="phClr"/>
+          </a:solidFill>
+          <a:prstDash val="solid"/>
+          <a:miter lim="800000"/>
+        </a:ln>
+        <a:ln w="12700" cap="flat" cmpd="sng" algn="ctr">
+          <a:solidFill>
+            <a:schemeClr val="phClr"/>
+          </a:solidFill>
+          <a:prstDash val="solid"/>
+          <a:miter lim="800000"/>
+        </a:ln>
+        <a:ln w="19050" cap="flat" cmpd="sng" algn="ctr">
+          <a:solidFill>
+            <a:schemeClr val="phClr"/>
+          </a:solidFill>
+          <a:prstDash val="solid"/>
+          <a:miter lim="800000"/>
+        </a:ln>
+      </a:lnStyleLst>
+      <a:effectStyleLst>
+        <a:effectStyle>
+          <a:effectLst/>
+        </a:effectStyle>
+        <a:effectStyle>
+          <a:effectLst/>
+        </a:effectStyle>
+        <a:effectStyle>
+          <a:effectLst>
+            <a:outerShdw blurRad="57150" dist="19050" dir="5400000" algn="ctr" rotWithShape="0">
+              <a:srgbClr val="000000">
+                <a:alpha val="63000"/>
+              </a:srgbClr>
+            </a:outerShdw>
+          </a:effectLst>
+        </a:effectStyle>
+      </a:effectStyleLst>
+      <a:bgFillStyleLst>
+        <a:solidFill>
+          <a:schemeClr val="phClr"/>
+        </a:solidFill>
+        <a:solidFill>
+          <a:schemeClr val="phClr">
+            <a:tint val="95000"/>
+            <a:satMod val="170000"/>
+          </a:schemeClr>
+        </a:solidFill>
+        <a:gradFill rotWithShape="1">
+          <a:gsLst>
+            <a:gs pos="0">
+              <a:schemeClr val="phClr">
+                <a:tint val="93000"/>
+                <a:satMod val="150000"/>
+                <a:shade val="98000"/>
+                <a:lumMod val="102000"/>
+              </a:schemeClr>
+            </a:gs>
+            <a:gs pos="50000">
+              <a:schemeClr val="phClr">
+                <a:tint val="98000"/>
+                <a:satMod val="130000"/>
+                <a:shade val="90000"/>
+                <a:lumMod val="103000"/>
+              </a:schemeClr>
+            </a:gs>
+            <a:gs pos="100000">
+              <a:schemeClr val="phClr">
+                <a:shade val="63000"/>
+                <a:satMod val="120000"/>
+              </a:schemeClr>
+            </a:gs>
+          </a:gsLst>
+          <a:lin ang="5400000" scaled="0"/>
+        </a:gradFill>
+      </a:bgFillStyleLst>
+    </a:fmtScheme>
+  </a:themeElements>
+  <a:objectDefaults/>
+  <a:extraClrSchemeLst/>
+  <a:extLst>
+    <a:ext uri="{05A4C25C-085E-4340-85A3-A5531E510DB2}">
+      <thm15:themeFamily xmlns:thm15="http://schemas.microsoft.com/office/thememl/2012/main" name="Office Theme" id="{62F939B6-93AF-4DB8-9C6B-D6C7DFDC589F}" vid="{4A3C46E8-61CC-4603-A589-7422A47A8E4A}"/>
+    </a:ext>
+  </a:extLst>
+</a:theme>
 </file>
--- a/1821121_shimaoka_sotsuken.pptx
+++ b/1821121_shimaoka_sotsuken.pptx
@@ -2,42 +2,44 @@
 <file path=ppt/presentation.xml><?xml version="1.0" encoding="utf-8"?>
 <p:presentation xmlns:a="http://schemas.openxmlformats.org/drawingml/2006/main" xmlns:r="http://schemas.openxmlformats.org/officeDocument/2006/relationships" xmlns:p="http://schemas.openxmlformats.org/presentationml/2006/main" saveSubsetFonts="1">
   <p:sldMasterIdLst>
-    <p:sldMasterId id="2147483648" r:id="rId1"/>
+    <p:sldMasterId id="2147483660" r:id="rId1"/>
   </p:sldMasterIdLst>
   <p:notesMasterIdLst>
-    <p:notesMasterId r:id="rId23"/>
+    <p:notesMasterId r:id="rId25"/>
   </p:notesMasterIdLst>
   <p:sldIdLst>
-    <p:sldId id="269" r:id="rId2"/>
-    <p:sldId id="256" r:id="rId3"/>
-    <p:sldId id="257" r:id="rId4"/>
-    <p:sldId id="259" r:id="rId5"/>
-    <p:sldId id="267" r:id="rId6"/>
-    <p:sldId id="268" r:id="rId7"/>
-    <p:sldId id="260" r:id="rId8"/>
-    <p:sldId id="261" r:id="rId9"/>
-    <p:sldId id="266" r:id="rId10"/>
-    <p:sldId id="262" r:id="rId11"/>
-    <p:sldId id="272" r:id="rId12"/>
-    <p:sldId id="263" r:id="rId13"/>
-    <p:sldId id="264" r:id="rId14"/>
-    <p:sldId id="265" r:id="rId15"/>
-    <p:sldId id="273" r:id="rId16"/>
-    <p:sldId id="274" r:id="rId17"/>
-    <p:sldId id="275" r:id="rId18"/>
-    <p:sldId id="278" r:id="rId19"/>
-    <p:sldId id="279" r:id="rId20"/>
-    <p:sldId id="276" r:id="rId21"/>
-    <p:sldId id="277" r:id="rId22"/>
+    <p:sldId id="257" r:id="rId2"/>
+    <p:sldId id="272" r:id="rId3"/>
+    <p:sldId id="265" r:id="rId4"/>
+    <p:sldId id="271" r:id="rId5"/>
+    <p:sldId id="270" r:id="rId6"/>
+    <p:sldId id="263" r:id="rId7"/>
+    <p:sldId id="269" r:id="rId8"/>
+    <p:sldId id="279" r:id="rId9"/>
+    <p:sldId id="280" r:id="rId10"/>
+    <p:sldId id="288" r:id="rId11"/>
+    <p:sldId id="273" r:id="rId12"/>
+    <p:sldId id="278" r:id="rId13"/>
+    <p:sldId id="276" r:id="rId14"/>
+    <p:sldId id="285" r:id="rId15"/>
+    <p:sldId id="286" r:id="rId16"/>
+    <p:sldId id="277" r:id="rId17"/>
+    <p:sldId id="274" r:id="rId18"/>
+    <p:sldId id="275" r:id="rId19"/>
+    <p:sldId id="281" r:id="rId20"/>
+    <p:sldId id="282" r:id="rId21"/>
+    <p:sldId id="283" r:id="rId22"/>
+    <p:sldId id="284" r:id="rId23"/>
+    <p:sldId id="287" r:id="rId24"/>
   </p:sldIdLst>
-  <p:sldSz cx="12192000" cy="6858000"/>
+  <p:sldSz cx="9144000" cy="6858000" type="screen4x3"/>
   <p:notesSz cx="6858000" cy="9144000"/>
   <p:defaultTextStyle>
     <a:defPPr>
-      <a:defRPr lang="ja-JP"/>
+      <a:defRPr lang="en-US"/>
     </a:defPPr>
-    <a:lvl1pPr marL="0" algn="l" defTabSz="914400" rtl="0" eaLnBrk="1" latinLnBrk="0" hangingPunct="1">
-      <a:defRPr kumimoji="1" sz="1800" kern="1200">
+    <a:lvl1pPr marL="0" algn="l" defTabSz="457200" rtl="0" eaLnBrk="1" latinLnBrk="0" hangingPunct="1">
+      <a:defRPr sz="1800" kern="1200">
         <a:solidFill>
           <a:schemeClr val="tx1"/>
         </a:solidFill>
@@ -46,8 +48,8 @@
         <a:cs typeface="+mn-cs"/>
       </a:defRPr>
     </a:lvl1pPr>
-    <a:lvl2pPr marL="457200" algn="l" defTabSz="914400" rtl="0" eaLnBrk="1" latinLnBrk="0" hangingPunct="1">
-      <a:defRPr kumimoji="1" sz="1800" kern="1200">
+    <a:lvl2pPr marL="457200" algn="l" defTabSz="457200" rtl="0" eaLnBrk="1" latinLnBrk="0" hangingPunct="1">
+      <a:defRPr sz="1800" kern="1200">
         <a:solidFill>
           <a:schemeClr val="tx1"/>
         </a:solidFill>
@@ -56,8 +58,8 @@
         <a:cs typeface="+mn-cs"/>
       </a:defRPr>
     </a:lvl2pPr>
-    <a:lvl3pPr marL="914400" algn="l" defTabSz="914400" rtl="0" eaLnBrk="1" latinLnBrk="0" hangingPunct="1">
-      <a:defRPr kumimoji="1" sz="1800" kern="1200">
+    <a:lvl3pPr marL="914400" algn="l" defTabSz="457200" rtl="0" eaLnBrk="1" latinLnBrk="0" hangingPunct="1">
+      <a:defRPr sz="1800" kern="1200">
         <a:solidFill>
           <a:schemeClr val="tx1"/>
         </a:solidFill>
@@ -66,8 +68,8 @@
         <a:cs typeface="+mn-cs"/>
       </a:defRPr>
     </a:lvl3pPr>
-    <a:lvl4pPr marL="1371600" algn="l" defTabSz="914400" rtl="0" eaLnBrk="1" latinLnBrk="0" hangingPunct="1">
-      <a:defRPr kumimoji="1" sz="1800" kern="1200">
+    <a:lvl4pPr marL="1371600" algn="l" defTabSz="457200" rtl="0" eaLnBrk="1" latinLnBrk="0" hangingPunct="1">
+      <a:defRPr sz="1800" kern="1200">
         <a:solidFill>
           <a:schemeClr val="tx1"/>
         </a:solidFill>
@@ -76,8 +78,8 @@
         <a:cs typeface="+mn-cs"/>
       </a:defRPr>
     </a:lvl4pPr>
-    <a:lvl5pPr marL="1828800" algn="l" defTabSz="914400" rtl="0" eaLnBrk="1" latinLnBrk="0" hangingPunct="1">
-      <a:defRPr kumimoji="1" sz="1800" kern="1200">
+    <a:lvl5pPr marL="1828800" algn="l" defTabSz="457200" rtl="0" eaLnBrk="1" latinLnBrk="0" hangingPunct="1">
+      <a:defRPr sz="1800" kern="1200">
         <a:solidFill>
           <a:schemeClr val="tx1"/>
         </a:solidFill>
@@ -86,8 +88,8 @@
         <a:cs typeface="+mn-cs"/>
       </a:defRPr>
     </a:lvl5pPr>
-    <a:lvl6pPr marL="2286000" algn="l" defTabSz="914400" rtl="0" eaLnBrk="1" latinLnBrk="0" hangingPunct="1">
-      <a:defRPr kumimoji="1" sz="1800" kern="1200">
+    <a:lvl6pPr marL="2286000" algn="l" defTabSz="457200" rtl="0" eaLnBrk="1" latinLnBrk="0" hangingPunct="1">
+      <a:defRPr sz="1800" kern="1200">
         <a:solidFill>
           <a:schemeClr val="tx1"/>
         </a:solidFill>
@@ -96,8 +98,8 @@
         <a:cs typeface="+mn-cs"/>
       </a:defRPr>
     </a:lvl6pPr>
-    <a:lvl7pPr marL="2743200" algn="l" defTabSz="914400" rtl="0" eaLnBrk="1" latinLnBrk="0" hangingPunct="1">
-      <a:defRPr kumimoji="1" sz="1800" kern="1200">
+    <a:lvl7pPr marL="2743200" algn="l" defTabSz="457200" rtl="0" eaLnBrk="1" latinLnBrk="0" hangingPunct="1">
+      <a:defRPr sz="1800" kern="1200">
         <a:solidFill>
           <a:schemeClr val="tx1"/>
         </a:solidFill>
@@ -106,8 +108,8 @@
         <a:cs typeface="+mn-cs"/>
       </a:defRPr>
     </a:lvl7pPr>
-    <a:lvl8pPr marL="3200400" algn="l" defTabSz="914400" rtl="0" eaLnBrk="1" latinLnBrk="0" hangingPunct="1">
-      <a:defRPr kumimoji="1" sz="1800" kern="1200">
+    <a:lvl8pPr marL="3200400" algn="l" defTabSz="457200" rtl="0" eaLnBrk="1" latinLnBrk="0" hangingPunct="1">
+      <a:defRPr sz="1800" kern="1200">
         <a:solidFill>
           <a:schemeClr val="tx1"/>
         </a:solidFill>
@@ -116,8 +118,8 @@
         <a:cs typeface="+mn-cs"/>
       </a:defRPr>
     </a:lvl8pPr>
-    <a:lvl9pPr marL="3657600" algn="l" defTabSz="914400" rtl="0" eaLnBrk="1" latinLnBrk="0" hangingPunct="1">
-      <a:defRPr kumimoji="1" sz="1800" kern="1200">
+    <a:lvl9pPr marL="3657600" algn="l" defTabSz="457200" rtl="0" eaLnBrk="1" latinLnBrk="0" hangingPunct="1">
+      <a:defRPr sz="1800" kern="1200">
         <a:solidFill>
           <a:schemeClr val="tx1"/>
         </a:solidFill>
@@ -215,9 +217,9 @@
             </a:lvl1pPr>
           </a:lstStyle>
           <a:p>
-            <a:fld id="{6D848ECE-A168-4FD3-93A4-0A323B24650B}" type="datetimeFigureOut">
+            <a:fld id="{FE6A3D4C-FB20-486F-A33D-02A27AB85120}" type="datetimeFigureOut">
               <a:rPr kumimoji="1" lang="ja-JP" altLang="en-US" smtClean="0"/>
-              <a:t>2021/4/30</a:t>
+              <a:t>2021/7/2</a:t>
             </a:fld>
             <a:endParaRPr kumimoji="1" lang="ja-JP" altLang="en-US"/>
           </a:p>
@@ -235,8 +237,8 @@
         </p:nvSpPr>
         <p:spPr>
           <a:xfrm>
-            <a:off x="685800" y="1143000"/>
-            <a:ext cx="5486400" cy="3086100"/>
+            <a:off x="1371600" y="1143000"/>
+            <a:ext cx="4114800" cy="3086100"/>
           </a:xfrm>
           <a:prstGeom prst="rect">
             <a:avLst/>
@@ -406,7 +408,7 @@
             </a:lvl1pPr>
           </a:lstStyle>
           <a:p>
-            <a:fld id="{2C31F412-96B9-434E-B7C1-6FED36A94FBE}" type="slidenum">
+            <a:fld id="{47905BA8-D78C-4C59-98CB-0E1E713D5795}" type="slidenum">
               <a:rPr kumimoji="1" lang="ja-JP" altLang="en-US" smtClean="0"/>
               <a:t>‹#›</a:t>
             </a:fld>
@@ -417,7 +419,7 @@
     </p:spTree>
     <p:extLst>
       <p:ext uri="{BB962C8B-B14F-4D97-AF65-F5344CB8AC3E}">
-        <p14:creationId xmlns:p14="http://schemas.microsoft.com/office/powerpoint/2010/main" val="3572799014"/>
+        <p14:creationId xmlns:p14="http://schemas.microsoft.com/office/powerpoint/2010/main" val="823702438"/>
       </p:ext>
     </p:extLst>
   </p:cSld>
@@ -536,7 +538,7 @@
       </p:grpSpPr>
       <p:sp>
         <p:nvSpPr>
-          <p:cNvPr id="2" name="タイトル 1"/>
+          <p:cNvPr id="2" name="Title 1"/>
           <p:cNvSpPr>
             <a:spLocks noGrp="1"/>
           </p:cNvSpPr>
@@ -546,8 +548,8 @@
         </p:nvSpPr>
         <p:spPr>
           <a:xfrm>
-            <a:off x="1524000" y="1122363"/>
-            <a:ext cx="9144000" cy="2387600"/>
+            <a:off x="685800" y="1122363"/>
+            <a:ext cx="7772400" cy="2387600"/>
           </a:xfrm>
         </p:spPr>
         <p:txBody>
@@ -559,16 +561,16 @@
           </a:lstStyle>
           <a:p>
             <a:r>
-              <a:rPr kumimoji="1" lang="ja-JP" altLang="en-US" smtClean="0"/>
+              <a:rPr lang="ja-JP" altLang="en-US" smtClean="0"/>
               <a:t>マスター タイトルの書式設定</a:t>
             </a:r>
-            <a:endParaRPr kumimoji="1" lang="ja-JP" altLang="en-US"/>
-          </a:p>
-        </p:txBody>
-      </p:sp>
-      <p:sp>
-        <p:nvSpPr>
-          <p:cNvPr id="3" name="サブタイトル 2"/>
+            <a:endParaRPr lang="en-US" dirty="0"/>
+          </a:p>
+        </p:txBody>
+      </p:sp>
+      <p:sp>
+        <p:nvSpPr>
+          <p:cNvPr id="3" name="Subtitle 2"/>
           <p:cNvSpPr>
             <a:spLocks noGrp="1"/>
           </p:cNvSpPr>
@@ -578,8 +580,8 @@
         </p:nvSpPr>
         <p:spPr>
           <a:xfrm>
-            <a:off x="1524000" y="3602038"/>
-            <a:ext cx="9144000" cy="1655762"/>
+            <a:off x="1143000" y="3602038"/>
+            <a:ext cx="6858000" cy="1655762"/>
           </a:xfrm>
         </p:spPr>
         <p:txBody>
@@ -624,31 +626,31 @@
           </a:lstStyle>
           <a:p>
             <a:r>
+              <a:rPr lang="ja-JP" altLang="en-US" smtClean="0"/>
+              <a:t>マスター サブタイトルの書式設定</a:t>
+            </a:r>
+            <a:endParaRPr lang="en-US" dirty="0"/>
+          </a:p>
+        </p:txBody>
+      </p:sp>
+      <p:sp>
+        <p:nvSpPr>
+          <p:cNvPr id="4" name="Date Placeholder 3"/>
+          <p:cNvSpPr>
+            <a:spLocks noGrp="1"/>
+          </p:cNvSpPr>
+          <p:nvPr>
+            <p:ph type="dt" sz="half" idx="10"/>
+          </p:nvPr>
+        </p:nvSpPr>
+        <p:spPr/>
+        <p:txBody>
+          <a:bodyPr/>
+          <a:lstStyle/>
+          <a:p>
+            <a:fld id="{8C6C7C5F-18F5-4B54-8C42-F854729B27DF}" type="datetime1">
               <a:rPr kumimoji="1" lang="ja-JP" altLang="en-US" smtClean="0"/>
-              <a:t>マスター サブタイトルの書式設定</a:t>
-            </a:r>
-            <a:endParaRPr kumimoji="1" lang="ja-JP" altLang="en-US"/>
-          </a:p>
-        </p:txBody>
-      </p:sp>
-      <p:sp>
-        <p:nvSpPr>
-          <p:cNvPr id="4" name="日付プレースホルダー 3"/>
-          <p:cNvSpPr>
-            <a:spLocks noGrp="1"/>
-          </p:cNvSpPr>
-          <p:nvPr>
-            <p:ph type="dt" sz="half" idx="10"/>
-          </p:nvPr>
-        </p:nvSpPr>
-        <p:spPr/>
-        <p:txBody>
-          <a:bodyPr/>
-          <a:lstStyle/>
-          <a:p>
-            <a:fld id="{EB673764-57EF-4E6E-926D-94F457260CB9}" type="datetime1">
-              <a:rPr kumimoji="1" lang="ja-JP" altLang="en-US" smtClean="0"/>
-              <a:t>2021/4/30</a:t>
+              <a:t>2021/7/2</a:t>
             </a:fld>
             <a:endParaRPr kumimoji="1" lang="ja-JP" altLang="en-US"/>
           </a:p>
@@ -656,7 +658,7 @@
       </p:sp>
       <p:sp>
         <p:nvSpPr>
-          <p:cNvPr id="5" name="フッター プレースホルダー 4"/>
+          <p:cNvPr id="5" name="Footer Placeholder 4"/>
           <p:cNvSpPr>
             <a:spLocks noGrp="1"/>
           </p:cNvSpPr>
@@ -675,7 +677,7 @@
       </p:sp>
       <p:sp>
         <p:nvSpPr>
-          <p:cNvPr id="6" name="スライド番号プレースホルダー 5"/>
+          <p:cNvPr id="6" name="Slide Number Placeholder 5"/>
           <p:cNvSpPr>
             <a:spLocks noGrp="1"/>
           </p:cNvSpPr>
@@ -688,7 +690,7 @@
           <a:bodyPr/>
           <a:lstStyle/>
           <a:p>
-            <a:fld id="{77022724-7A88-4190-89E1-23935288E045}" type="slidenum">
+            <a:fld id="{4A32CB03-0843-4AF8-BFB2-C9917854BC7E}" type="slidenum">
               <a:rPr kumimoji="1" lang="ja-JP" altLang="en-US" smtClean="0"/>
               <a:t>‹#›</a:t>
             </a:fld>
@@ -699,7 +701,7 @@
     </p:spTree>
     <p:extLst>
       <p:ext uri="{BB962C8B-B14F-4D97-AF65-F5344CB8AC3E}">
-        <p14:creationId xmlns:p14="http://schemas.microsoft.com/office/powerpoint/2010/main" val="474250439"/>
+        <p14:creationId xmlns:p14="http://schemas.microsoft.com/office/powerpoint/2010/main" val="3932072478"/>
       </p:ext>
     </p:extLst>
   </p:cSld>
@@ -728,7 +730,7 @@
       </p:grpSpPr>
       <p:sp>
         <p:nvSpPr>
-          <p:cNvPr id="2" name="タイトル 1"/>
+          <p:cNvPr id="2" name="Title 1"/>
           <p:cNvSpPr>
             <a:spLocks noGrp="1"/>
           </p:cNvSpPr>
@@ -742,115 +744,115 @@
           <a:lstStyle/>
           <a:p>
             <a:r>
+              <a:rPr lang="ja-JP" altLang="en-US" smtClean="0"/>
+              <a:t>マスター タイトルの書式設定</a:t>
+            </a:r>
+            <a:endParaRPr lang="en-US" dirty="0"/>
+          </a:p>
+        </p:txBody>
+      </p:sp>
+      <p:sp>
+        <p:nvSpPr>
+          <p:cNvPr id="3" name="Vertical Text Placeholder 2"/>
+          <p:cNvSpPr>
+            <a:spLocks noGrp="1"/>
+          </p:cNvSpPr>
+          <p:nvPr>
+            <p:ph type="body" orient="vert" idx="1"/>
+          </p:nvPr>
+        </p:nvSpPr>
+        <p:spPr/>
+        <p:txBody>
+          <a:bodyPr vert="eaVert"/>
+          <a:lstStyle/>
+          <a:p>
+            <a:pPr lvl="0"/>
+            <a:r>
+              <a:rPr lang="ja-JP" altLang="en-US" smtClean="0"/>
+              <a:t>マスター テキストの書式設定</a:t>
+            </a:r>
+          </a:p>
+          <a:p>
+            <a:pPr lvl="1"/>
+            <a:r>
+              <a:rPr lang="ja-JP" altLang="en-US" smtClean="0"/>
+              <a:t>第 </a:t>
+            </a:r>
+            <a:r>
+              <a:rPr lang="en-US" altLang="ja-JP" smtClean="0"/>
+              <a:t>2 </a:t>
+            </a:r>
+            <a:r>
+              <a:rPr lang="ja-JP" altLang="en-US" smtClean="0"/>
+              <a:t>レベル</a:t>
+            </a:r>
+          </a:p>
+          <a:p>
+            <a:pPr lvl="2"/>
+            <a:r>
+              <a:rPr lang="ja-JP" altLang="en-US" smtClean="0"/>
+              <a:t>第 </a:t>
+            </a:r>
+            <a:r>
+              <a:rPr lang="en-US" altLang="ja-JP" smtClean="0"/>
+              <a:t>3 </a:t>
+            </a:r>
+            <a:r>
+              <a:rPr lang="ja-JP" altLang="en-US" smtClean="0"/>
+              <a:t>レベル</a:t>
+            </a:r>
+          </a:p>
+          <a:p>
+            <a:pPr lvl="3"/>
+            <a:r>
+              <a:rPr lang="ja-JP" altLang="en-US" smtClean="0"/>
+              <a:t>第 </a:t>
+            </a:r>
+            <a:r>
+              <a:rPr lang="en-US" altLang="ja-JP" smtClean="0"/>
+              <a:t>4 </a:t>
+            </a:r>
+            <a:r>
+              <a:rPr lang="ja-JP" altLang="en-US" smtClean="0"/>
+              <a:t>レベル</a:t>
+            </a:r>
+          </a:p>
+          <a:p>
+            <a:pPr lvl="4"/>
+            <a:r>
+              <a:rPr lang="ja-JP" altLang="en-US" smtClean="0"/>
+              <a:t>第 </a:t>
+            </a:r>
+            <a:r>
+              <a:rPr lang="en-US" altLang="ja-JP" smtClean="0"/>
+              <a:t>5 </a:t>
+            </a:r>
+            <a:r>
+              <a:rPr lang="ja-JP" altLang="en-US" smtClean="0"/>
+              <a:t>レベル</a:t>
+            </a:r>
+            <a:endParaRPr lang="en-US" dirty="0"/>
+          </a:p>
+        </p:txBody>
+      </p:sp>
+      <p:sp>
+        <p:nvSpPr>
+          <p:cNvPr id="4" name="Date Placeholder 3"/>
+          <p:cNvSpPr>
+            <a:spLocks noGrp="1"/>
+          </p:cNvSpPr>
+          <p:nvPr>
+            <p:ph type="dt" sz="half" idx="10"/>
+          </p:nvPr>
+        </p:nvSpPr>
+        <p:spPr/>
+        <p:txBody>
+          <a:bodyPr/>
+          <a:lstStyle/>
+          <a:p>
+            <a:fld id="{8FA047B7-BB2C-4D3A-A8E4-BCCEB512AAAF}" type="datetime1">
               <a:rPr kumimoji="1" lang="ja-JP" altLang="en-US" smtClean="0"/>
-              <a:t>マスター タイトルの書式設定</a:t>
-            </a:r>
-            <a:endParaRPr kumimoji="1" lang="ja-JP" altLang="en-US"/>
-          </a:p>
-        </p:txBody>
-      </p:sp>
-      <p:sp>
-        <p:nvSpPr>
-          <p:cNvPr id="3" name="縦書きテキスト プレースホルダー 2"/>
-          <p:cNvSpPr>
-            <a:spLocks noGrp="1"/>
-          </p:cNvSpPr>
-          <p:nvPr>
-            <p:ph type="body" orient="vert" idx="1"/>
-          </p:nvPr>
-        </p:nvSpPr>
-        <p:spPr/>
-        <p:txBody>
-          <a:bodyPr vert="eaVert"/>
-          <a:lstStyle/>
-          <a:p>
-            <a:pPr lvl="0"/>
-            <a:r>
-              <a:rPr kumimoji="1" lang="ja-JP" altLang="en-US" smtClean="0"/>
-              <a:t>マスター テキストの書式設定</a:t>
-            </a:r>
-          </a:p>
-          <a:p>
-            <a:pPr lvl="1"/>
-            <a:r>
-              <a:rPr kumimoji="1" lang="ja-JP" altLang="en-US" smtClean="0"/>
-              <a:t>第 </a:t>
-            </a:r>
-            <a:r>
-              <a:rPr kumimoji="1" lang="en-US" altLang="ja-JP" smtClean="0"/>
-              <a:t>2 </a:t>
-            </a:r>
-            <a:r>
-              <a:rPr kumimoji="1" lang="ja-JP" altLang="en-US" smtClean="0"/>
-              <a:t>レベル</a:t>
-            </a:r>
-          </a:p>
-          <a:p>
-            <a:pPr lvl="2"/>
-            <a:r>
-              <a:rPr kumimoji="1" lang="ja-JP" altLang="en-US" smtClean="0"/>
-              <a:t>第 </a:t>
-            </a:r>
-            <a:r>
-              <a:rPr kumimoji="1" lang="en-US" altLang="ja-JP" smtClean="0"/>
-              <a:t>3 </a:t>
-            </a:r>
-            <a:r>
-              <a:rPr kumimoji="1" lang="ja-JP" altLang="en-US" smtClean="0"/>
-              <a:t>レベル</a:t>
-            </a:r>
-          </a:p>
-          <a:p>
-            <a:pPr lvl="3"/>
-            <a:r>
-              <a:rPr kumimoji="1" lang="ja-JP" altLang="en-US" smtClean="0"/>
-              <a:t>第 </a:t>
-            </a:r>
-            <a:r>
-              <a:rPr kumimoji="1" lang="en-US" altLang="ja-JP" smtClean="0"/>
-              <a:t>4 </a:t>
-            </a:r>
-            <a:r>
-              <a:rPr kumimoji="1" lang="ja-JP" altLang="en-US" smtClean="0"/>
-              <a:t>レベル</a:t>
-            </a:r>
-          </a:p>
-          <a:p>
-            <a:pPr lvl="4"/>
-            <a:r>
-              <a:rPr kumimoji="1" lang="ja-JP" altLang="en-US" smtClean="0"/>
-              <a:t>第 </a:t>
-            </a:r>
-            <a:r>
-              <a:rPr kumimoji="1" lang="en-US" altLang="ja-JP" smtClean="0"/>
-              <a:t>5 </a:t>
-            </a:r>
-            <a:r>
-              <a:rPr kumimoji="1" lang="ja-JP" altLang="en-US" smtClean="0"/>
-              <a:t>レベル</a:t>
-            </a:r>
-            <a:endParaRPr kumimoji="1" lang="ja-JP" altLang="en-US"/>
-          </a:p>
-        </p:txBody>
-      </p:sp>
-      <p:sp>
-        <p:nvSpPr>
-          <p:cNvPr id="4" name="日付プレースホルダー 3"/>
-          <p:cNvSpPr>
-            <a:spLocks noGrp="1"/>
-          </p:cNvSpPr>
-          <p:nvPr>
-            <p:ph type="dt" sz="half" idx="10"/>
-          </p:nvPr>
-        </p:nvSpPr>
-        <p:spPr/>
-        <p:txBody>
-          <a:bodyPr/>
-          <a:lstStyle/>
-          <a:p>
-            <a:fld id="{43F20450-D400-4815-A1FA-0C2DAB891791}" type="datetime1">
-              <a:rPr kumimoji="1" lang="ja-JP" altLang="en-US" smtClean="0"/>
-              <a:t>2021/4/30</a:t>
+              <a:t>2021/7/2</a:t>
             </a:fld>
             <a:endParaRPr kumimoji="1" lang="ja-JP" altLang="en-US"/>
           </a:p>
@@ -858,7 +860,7 @@
       </p:sp>
       <p:sp>
         <p:nvSpPr>
-          <p:cNvPr id="5" name="フッター プレースホルダー 4"/>
+          <p:cNvPr id="5" name="Footer Placeholder 4"/>
           <p:cNvSpPr>
             <a:spLocks noGrp="1"/>
           </p:cNvSpPr>
@@ -877,7 +879,7 @@
       </p:sp>
       <p:sp>
         <p:nvSpPr>
-          <p:cNvPr id="6" name="スライド番号プレースホルダー 5"/>
+          <p:cNvPr id="6" name="Slide Number Placeholder 5"/>
           <p:cNvSpPr>
             <a:spLocks noGrp="1"/>
           </p:cNvSpPr>
@@ -890,7 +892,7 @@
           <a:bodyPr/>
           <a:lstStyle/>
           <a:p>
-            <a:fld id="{77022724-7A88-4190-89E1-23935288E045}" type="slidenum">
+            <a:fld id="{4A32CB03-0843-4AF8-BFB2-C9917854BC7E}" type="slidenum">
               <a:rPr kumimoji="1" lang="ja-JP" altLang="en-US" smtClean="0"/>
               <a:t>‹#›</a:t>
             </a:fld>
@@ -901,7 +903,7 @@
     </p:spTree>
     <p:extLst>
       <p:ext uri="{BB962C8B-B14F-4D97-AF65-F5344CB8AC3E}">
-        <p14:creationId xmlns:p14="http://schemas.microsoft.com/office/powerpoint/2010/main" val="3660539135"/>
+        <p14:creationId xmlns:p14="http://schemas.microsoft.com/office/powerpoint/2010/main" val="606912803"/>
       </p:ext>
     </p:extLst>
   </p:cSld>
@@ -930,7 +932,7 @@
       </p:grpSpPr>
       <p:sp>
         <p:nvSpPr>
-          <p:cNvPr id="2" name="縦書きタイトル 1"/>
+          <p:cNvPr id="2" name="Vertical Title 1"/>
           <p:cNvSpPr>
             <a:spLocks noGrp="1"/>
           </p:cNvSpPr>
@@ -940,8 +942,8 @@
         </p:nvSpPr>
         <p:spPr>
           <a:xfrm>
-            <a:off x="8724900" y="365125"/>
-            <a:ext cx="2628900" cy="5811838"/>
+            <a:off x="6543675" y="365125"/>
+            <a:ext cx="1971675" cy="5811838"/>
           </a:xfrm>
         </p:spPr>
         <p:txBody>
@@ -949,16 +951,16 @@
           <a:lstStyle/>
           <a:p>
             <a:r>
-              <a:rPr kumimoji="1" lang="ja-JP" altLang="en-US" smtClean="0"/>
+              <a:rPr lang="ja-JP" altLang="en-US" smtClean="0"/>
               <a:t>マスター タイトルの書式設定</a:t>
             </a:r>
-            <a:endParaRPr kumimoji="1" lang="ja-JP" altLang="en-US"/>
-          </a:p>
-        </p:txBody>
-      </p:sp>
-      <p:sp>
-        <p:nvSpPr>
-          <p:cNvPr id="3" name="縦書きテキスト プレースホルダー 2"/>
+            <a:endParaRPr lang="en-US" dirty="0"/>
+          </a:p>
+        </p:txBody>
+      </p:sp>
+      <p:sp>
+        <p:nvSpPr>
+          <p:cNvPr id="3" name="Vertical Text Placeholder 2"/>
           <p:cNvSpPr>
             <a:spLocks noGrp="1"/>
           </p:cNvSpPr>
@@ -968,8 +970,8 @@
         </p:nvSpPr>
         <p:spPr>
           <a:xfrm>
-            <a:off x="838200" y="365125"/>
-            <a:ext cx="7734300" cy="5811838"/>
+            <a:off x="628650" y="365125"/>
+            <a:ext cx="5800725" cy="5811838"/>
           </a:xfrm>
         </p:spPr>
         <p:txBody>
@@ -978,91 +980,91 @@
           <a:p>
             <a:pPr lvl="0"/>
             <a:r>
+              <a:rPr lang="ja-JP" altLang="en-US" smtClean="0"/>
+              <a:t>マスター テキストの書式設定</a:t>
+            </a:r>
+          </a:p>
+          <a:p>
+            <a:pPr lvl="1"/>
+            <a:r>
+              <a:rPr lang="ja-JP" altLang="en-US" smtClean="0"/>
+              <a:t>第 </a:t>
+            </a:r>
+            <a:r>
+              <a:rPr lang="en-US" altLang="ja-JP" smtClean="0"/>
+              <a:t>2 </a:t>
+            </a:r>
+            <a:r>
+              <a:rPr lang="ja-JP" altLang="en-US" smtClean="0"/>
+              <a:t>レベル</a:t>
+            </a:r>
+          </a:p>
+          <a:p>
+            <a:pPr lvl="2"/>
+            <a:r>
+              <a:rPr lang="ja-JP" altLang="en-US" smtClean="0"/>
+              <a:t>第 </a:t>
+            </a:r>
+            <a:r>
+              <a:rPr lang="en-US" altLang="ja-JP" smtClean="0"/>
+              <a:t>3 </a:t>
+            </a:r>
+            <a:r>
+              <a:rPr lang="ja-JP" altLang="en-US" smtClean="0"/>
+              <a:t>レベル</a:t>
+            </a:r>
+          </a:p>
+          <a:p>
+            <a:pPr lvl="3"/>
+            <a:r>
+              <a:rPr lang="ja-JP" altLang="en-US" smtClean="0"/>
+              <a:t>第 </a:t>
+            </a:r>
+            <a:r>
+              <a:rPr lang="en-US" altLang="ja-JP" smtClean="0"/>
+              <a:t>4 </a:t>
+            </a:r>
+            <a:r>
+              <a:rPr lang="ja-JP" altLang="en-US" smtClean="0"/>
+              <a:t>レベル</a:t>
+            </a:r>
+          </a:p>
+          <a:p>
+            <a:pPr lvl="4"/>
+            <a:r>
+              <a:rPr lang="ja-JP" altLang="en-US" smtClean="0"/>
+              <a:t>第 </a:t>
+            </a:r>
+            <a:r>
+              <a:rPr lang="en-US" altLang="ja-JP" smtClean="0"/>
+              <a:t>5 </a:t>
+            </a:r>
+            <a:r>
+              <a:rPr lang="ja-JP" altLang="en-US" smtClean="0"/>
+              <a:t>レベル</a:t>
+            </a:r>
+            <a:endParaRPr lang="en-US" dirty="0"/>
+          </a:p>
+        </p:txBody>
+      </p:sp>
+      <p:sp>
+        <p:nvSpPr>
+          <p:cNvPr id="4" name="Date Placeholder 3"/>
+          <p:cNvSpPr>
+            <a:spLocks noGrp="1"/>
+          </p:cNvSpPr>
+          <p:nvPr>
+            <p:ph type="dt" sz="half" idx="10"/>
+          </p:nvPr>
+        </p:nvSpPr>
+        <p:spPr/>
+        <p:txBody>
+          <a:bodyPr/>
+          <a:lstStyle/>
+          <a:p>
+            <a:fld id="{CF80C22C-2AF0-4F0A-AD7C-41D0B891B7A9}" type="datetime1">
               <a:rPr kumimoji="1" lang="ja-JP" altLang="en-US" smtClean="0"/>
-              <a:t>マスター テキストの書式設定</a:t>
-            </a:r>
-          </a:p>
-          <a:p>
-            <a:pPr lvl="1"/>
-            <a:r>
-              <a:rPr kumimoji="1" lang="ja-JP" altLang="en-US" smtClean="0"/>
-              <a:t>第 </a:t>
-            </a:r>
-            <a:r>
-              <a:rPr kumimoji="1" lang="en-US" altLang="ja-JP" smtClean="0"/>
-              <a:t>2 </a:t>
-            </a:r>
-            <a:r>
-              <a:rPr kumimoji="1" lang="ja-JP" altLang="en-US" smtClean="0"/>
-              <a:t>レベル</a:t>
-            </a:r>
-          </a:p>
-          <a:p>
-            <a:pPr lvl="2"/>
-            <a:r>
-              <a:rPr kumimoji="1" lang="ja-JP" altLang="en-US" smtClean="0"/>
-              <a:t>第 </a:t>
-            </a:r>
-            <a:r>
-              <a:rPr kumimoji="1" lang="en-US" altLang="ja-JP" smtClean="0"/>
-              <a:t>3 </a:t>
-            </a:r>
-            <a:r>
-              <a:rPr kumimoji="1" lang="ja-JP" altLang="en-US" smtClean="0"/>
-              <a:t>レベル</a:t>
-            </a:r>
-          </a:p>
-          <a:p>
-            <a:pPr lvl="3"/>
-            <a:r>
-              <a:rPr kumimoji="1" lang="ja-JP" altLang="en-US" smtClean="0"/>
-              <a:t>第 </a:t>
-            </a:r>
-            <a:r>
-              <a:rPr kumimoji="1" lang="en-US" altLang="ja-JP" smtClean="0"/>
-              <a:t>4 </a:t>
-            </a:r>
-            <a:r>
-              <a:rPr kumimoji="1" lang="ja-JP" altLang="en-US" smtClean="0"/>
-              <a:t>レベル</a:t>
-            </a:r>
-          </a:p>
-          <a:p>
-            <a:pPr lvl="4"/>
-            <a:r>
-              <a:rPr kumimoji="1" lang="ja-JP" altLang="en-US" smtClean="0"/>
-              <a:t>第 </a:t>
-            </a:r>
-            <a:r>
-              <a:rPr kumimoji="1" lang="en-US" altLang="ja-JP" smtClean="0"/>
-              <a:t>5 </a:t>
-            </a:r>
-            <a:r>
-              <a:rPr kumimoji="1" lang="ja-JP" altLang="en-US" smtClean="0"/>
-              <a:t>レベル</a:t>
-            </a:r>
-            <a:endParaRPr kumimoji="1" lang="ja-JP" altLang="en-US"/>
-          </a:p>
-        </p:txBody>
-      </p:sp>
-      <p:sp>
-        <p:nvSpPr>
-          <p:cNvPr id="4" name="日付プレースホルダー 3"/>
-          <p:cNvSpPr>
-            <a:spLocks noGrp="1"/>
-          </p:cNvSpPr>
-          <p:nvPr>
-            <p:ph type="dt" sz="half" idx="10"/>
-          </p:nvPr>
-        </p:nvSpPr>
-        <p:spPr/>
-        <p:txBody>
-          <a:bodyPr/>
-          <a:lstStyle/>
-          <a:p>
-            <a:fld id="{DFF080BA-6BB1-4808-8D96-4A051D808576}" type="datetime1">
-              <a:rPr kumimoji="1" lang="ja-JP" altLang="en-US" smtClean="0"/>
-              <a:t>2021/4/30</a:t>
+              <a:t>2021/7/2</a:t>
             </a:fld>
             <a:endParaRPr kumimoji="1" lang="ja-JP" altLang="en-US"/>
           </a:p>
@@ -1070,7 +1072,7 @@
       </p:sp>
       <p:sp>
         <p:nvSpPr>
-          <p:cNvPr id="5" name="フッター プレースホルダー 4"/>
+          <p:cNvPr id="5" name="Footer Placeholder 4"/>
           <p:cNvSpPr>
             <a:spLocks noGrp="1"/>
           </p:cNvSpPr>
@@ -1089,7 +1091,7 @@
       </p:sp>
       <p:sp>
         <p:nvSpPr>
-          <p:cNvPr id="6" name="スライド番号プレースホルダー 5"/>
+          <p:cNvPr id="6" name="Slide Number Placeholder 5"/>
           <p:cNvSpPr>
             <a:spLocks noGrp="1"/>
           </p:cNvSpPr>
@@ -1102,7 +1104,7 @@
           <a:bodyPr/>
           <a:lstStyle/>
           <a:p>
-            <a:fld id="{77022724-7A88-4190-89E1-23935288E045}" type="slidenum">
+            <a:fld id="{4A32CB03-0843-4AF8-BFB2-C9917854BC7E}" type="slidenum">
               <a:rPr kumimoji="1" lang="ja-JP" altLang="en-US" smtClean="0"/>
               <a:t>‹#›</a:t>
             </a:fld>
@@ -1113,7 +1115,7 @@
     </p:spTree>
     <p:extLst>
       <p:ext uri="{BB962C8B-B14F-4D97-AF65-F5344CB8AC3E}">
-        <p14:creationId xmlns:p14="http://schemas.microsoft.com/office/powerpoint/2010/main" val="1473689245"/>
+        <p14:creationId xmlns:p14="http://schemas.microsoft.com/office/powerpoint/2010/main" val="2536214649"/>
       </p:ext>
     </p:extLst>
   </p:cSld>
@@ -1142,7 +1144,7 @@
       </p:grpSpPr>
       <p:sp>
         <p:nvSpPr>
-          <p:cNvPr id="2" name="タイトル 1"/>
+          <p:cNvPr id="2" name="Title 1"/>
           <p:cNvSpPr>
             <a:spLocks noGrp="1"/>
           </p:cNvSpPr>
@@ -1156,115 +1158,115 @@
           <a:lstStyle/>
           <a:p>
             <a:r>
+              <a:rPr lang="ja-JP" altLang="en-US" smtClean="0"/>
+              <a:t>マスター タイトルの書式設定</a:t>
+            </a:r>
+            <a:endParaRPr lang="en-US" dirty="0"/>
+          </a:p>
+        </p:txBody>
+      </p:sp>
+      <p:sp>
+        <p:nvSpPr>
+          <p:cNvPr id="3" name="Content Placeholder 2"/>
+          <p:cNvSpPr>
+            <a:spLocks noGrp="1"/>
+          </p:cNvSpPr>
+          <p:nvPr>
+            <p:ph idx="1"/>
+          </p:nvPr>
+        </p:nvSpPr>
+        <p:spPr/>
+        <p:txBody>
+          <a:bodyPr/>
+          <a:lstStyle/>
+          <a:p>
+            <a:pPr lvl="0"/>
+            <a:r>
+              <a:rPr lang="ja-JP" altLang="en-US" smtClean="0"/>
+              <a:t>マスター テキストの書式設定</a:t>
+            </a:r>
+          </a:p>
+          <a:p>
+            <a:pPr lvl="1"/>
+            <a:r>
+              <a:rPr lang="ja-JP" altLang="en-US" smtClean="0"/>
+              <a:t>第 </a:t>
+            </a:r>
+            <a:r>
+              <a:rPr lang="en-US" altLang="ja-JP" smtClean="0"/>
+              <a:t>2 </a:t>
+            </a:r>
+            <a:r>
+              <a:rPr lang="ja-JP" altLang="en-US" smtClean="0"/>
+              <a:t>レベル</a:t>
+            </a:r>
+          </a:p>
+          <a:p>
+            <a:pPr lvl="2"/>
+            <a:r>
+              <a:rPr lang="ja-JP" altLang="en-US" smtClean="0"/>
+              <a:t>第 </a:t>
+            </a:r>
+            <a:r>
+              <a:rPr lang="en-US" altLang="ja-JP" smtClean="0"/>
+              <a:t>3 </a:t>
+            </a:r>
+            <a:r>
+              <a:rPr lang="ja-JP" altLang="en-US" smtClean="0"/>
+              <a:t>レベル</a:t>
+            </a:r>
+          </a:p>
+          <a:p>
+            <a:pPr lvl="3"/>
+            <a:r>
+              <a:rPr lang="ja-JP" altLang="en-US" smtClean="0"/>
+              <a:t>第 </a:t>
+            </a:r>
+            <a:r>
+              <a:rPr lang="en-US" altLang="ja-JP" smtClean="0"/>
+              <a:t>4 </a:t>
+            </a:r>
+            <a:r>
+              <a:rPr lang="ja-JP" altLang="en-US" smtClean="0"/>
+              <a:t>レベル</a:t>
+            </a:r>
+          </a:p>
+          <a:p>
+            <a:pPr lvl="4"/>
+            <a:r>
+              <a:rPr lang="ja-JP" altLang="en-US" smtClean="0"/>
+              <a:t>第 </a:t>
+            </a:r>
+            <a:r>
+              <a:rPr lang="en-US" altLang="ja-JP" smtClean="0"/>
+              <a:t>5 </a:t>
+            </a:r>
+            <a:r>
+              <a:rPr lang="ja-JP" altLang="en-US" smtClean="0"/>
+              <a:t>レベル</a:t>
+            </a:r>
+            <a:endParaRPr lang="en-US" dirty="0"/>
+          </a:p>
+        </p:txBody>
+      </p:sp>
+      <p:sp>
+        <p:nvSpPr>
+          <p:cNvPr id="4" name="Date Placeholder 3"/>
+          <p:cNvSpPr>
+            <a:spLocks noGrp="1"/>
+          </p:cNvSpPr>
+          <p:nvPr>
+            <p:ph type="dt" sz="half" idx="10"/>
+          </p:nvPr>
+        </p:nvSpPr>
+        <p:spPr/>
+        <p:txBody>
+          <a:bodyPr/>
+          <a:lstStyle/>
+          <a:p>
+            <a:fld id="{62594B83-F026-4CB8-8905-CA1C93615FC3}" type="datetime1">
               <a:rPr kumimoji="1" lang="ja-JP" altLang="en-US" smtClean="0"/>
-              <a:t>マスター タイトルの書式設定</a:t>
-            </a:r>
-            <a:endParaRPr kumimoji="1" lang="ja-JP" altLang="en-US"/>
-          </a:p>
-        </p:txBody>
-      </p:sp>
-      <p:sp>
-        <p:nvSpPr>
-          <p:cNvPr id="3" name="コンテンツ プレースホルダー 2"/>
-          <p:cNvSpPr>
-            <a:spLocks noGrp="1"/>
-          </p:cNvSpPr>
-          <p:nvPr>
-            <p:ph idx="1"/>
-          </p:nvPr>
-        </p:nvSpPr>
-        <p:spPr/>
-        <p:txBody>
-          <a:bodyPr/>
-          <a:lstStyle/>
-          <a:p>
-            <a:pPr lvl="0"/>
-            <a:r>
-              <a:rPr kumimoji="1" lang="ja-JP" altLang="en-US" smtClean="0"/>
-              <a:t>マスター テキストの書式設定</a:t>
-            </a:r>
-          </a:p>
-          <a:p>
-            <a:pPr lvl="1"/>
-            <a:r>
-              <a:rPr kumimoji="1" lang="ja-JP" altLang="en-US" smtClean="0"/>
-              <a:t>第 </a:t>
-            </a:r>
-            <a:r>
-              <a:rPr kumimoji="1" lang="en-US" altLang="ja-JP" smtClean="0"/>
-              <a:t>2 </a:t>
-            </a:r>
-            <a:r>
-              <a:rPr kumimoji="1" lang="ja-JP" altLang="en-US" smtClean="0"/>
-              <a:t>レベル</a:t>
-            </a:r>
-          </a:p>
-          <a:p>
-            <a:pPr lvl="2"/>
-            <a:r>
-              <a:rPr kumimoji="1" lang="ja-JP" altLang="en-US" smtClean="0"/>
-              <a:t>第 </a:t>
-            </a:r>
-            <a:r>
-              <a:rPr kumimoji="1" lang="en-US" altLang="ja-JP" smtClean="0"/>
-              <a:t>3 </a:t>
-            </a:r>
-            <a:r>
-              <a:rPr kumimoji="1" lang="ja-JP" altLang="en-US" smtClean="0"/>
-              <a:t>レベル</a:t>
-            </a:r>
-          </a:p>
-          <a:p>
-            <a:pPr lvl="3"/>
-            <a:r>
-              <a:rPr kumimoji="1" lang="ja-JP" altLang="en-US" smtClean="0"/>
-              <a:t>第 </a:t>
-            </a:r>
-            <a:r>
-              <a:rPr kumimoji="1" lang="en-US" altLang="ja-JP" smtClean="0"/>
-              <a:t>4 </a:t>
-            </a:r>
-            <a:r>
-              <a:rPr kumimoji="1" lang="ja-JP" altLang="en-US" smtClean="0"/>
-              <a:t>レベル</a:t>
-            </a:r>
-          </a:p>
-          <a:p>
-            <a:pPr lvl="4"/>
-            <a:r>
-              <a:rPr kumimoji="1" lang="ja-JP" altLang="en-US" smtClean="0"/>
-              <a:t>第 </a:t>
-            </a:r>
-            <a:r>
-              <a:rPr kumimoji="1" lang="en-US" altLang="ja-JP" smtClean="0"/>
-              <a:t>5 </a:t>
-            </a:r>
-            <a:r>
-              <a:rPr kumimoji="1" lang="ja-JP" altLang="en-US" smtClean="0"/>
-              <a:t>レベル</a:t>
-            </a:r>
-            <a:endParaRPr kumimoji="1" lang="ja-JP" altLang="en-US"/>
-          </a:p>
-        </p:txBody>
-      </p:sp>
-      <p:sp>
-        <p:nvSpPr>
-          <p:cNvPr id="4" name="日付プレースホルダー 3"/>
-          <p:cNvSpPr>
-            <a:spLocks noGrp="1"/>
-          </p:cNvSpPr>
-          <p:nvPr>
-            <p:ph type="dt" sz="half" idx="10"/>
-          </p:nvPr>
-        </p:nvSpPr>
-        <p:spPr/>
-        <p:txBody>
-          <a:bodyPr/>
-          <a:lstStyle/>
-          <a:p>
-            <a:fld id="{FC2F16D9-2339-4F18-BEF6-7AD53DCFB88A}" type="datetime1">
-              <a:rPr kumimoji="1" lang="ja-JP" altLang="en-US" smtClean="0"/>
-              <a:t>2021/4/30</a:t>
+              <a:t>2021/7/2</a:t>
             </a:fld>
             <a:endParaRPr kumimoji="1" lang="ja-JP" altLang="en-US"/>
           </a:p>
@@ -1272,7 +1274,7 @@
       </p:sp>
       <p:sp>
         <p:nvSpPr>
-          <p:cNvPr id="5" name="フッター プレースホルダー 4"/>
+          <p:cNvPr id="5" name="Footer Placeholder 4"/>
           <p:cNvSpPr>
             <a:spLocks noGrp="1"/>
           </p:cNvSpPr>
@@ -1291,7 +1293,7 @@
       </p:sp>
       <p:sp>
         <p:nvSpPr>
-          <p:cNvPr id="6" name="スライド番号プレースホルダー 5"/>
+          <p:cNvPr id="6" name="Slide Number Placeholder 5"/>
           <p:cNvSpPr>
             <a:spLocks noGrp="1"/>
           </p:cNvSpPr>
@@ -1304,7 +1306,7 @@
           <a:bodyPr/>
           <a:lstStyle/>
           <a:p>
-            <a:fld id="{77022724-7A88-4190-89E1-23935288E045}" type="slidenum">
+            <a:fld id="{4A32CB03-0843-4AF8-BFB2-C9917854BC7E}" type="slidenum">
               <a:rPr kumimoji="1" lang="ja-JP" altLang="en-US" smtClean="0"/>
               <a:t>‹#›</a:t>
             </a:fld>
@@ -1315,7 +1317,7 @@
     </p:spTree>
     <p:extLst>
       <p:ext uri="{BB962C8B-B14F-4D97-AF65-F5344CB8AC3E}">
-        <p14:creationId xmlns:p14="http://schemas.microsoft.com/office/powerpoint/2010/main" val="3148703282"/>
+        <p14:creationId xmlns:p14="http://schemas.microsoft.com/office/powerpoint/2010/main" val="469336699"/>
       </p:ext>
     </p:extLst>
   </p:cSld>
@@ -1344,7 +1346,7 @@
       </p:grpSpPr>
       <p:sp>
         <p:nvSpPr>
-          <p:cNvPr id="2" name="タイトル 1"/>
+          <p:cNvPr id="2" name="Title 1"/>
           <p:cNvSpPr>
             <a:spLocks noGrp="1"/>
           </p:cNvSpPr>
@@ -1354,8 +1356,8 @@
         </p:nvSpPr>
         <p:spPr>
           <a:xfrm>
-            <a:off x="831850" y="1709738"/>
-            <a:ext cx="10515600" cy="2852737"/>
+            <a:off x="623888" y="1709739"/>
+            <a:ext cx="7886700" cy="2852737"/>
           </a:xfrm>
         </p:spPr>
         <p:txBody>
@@ -1367,16 +1369,16 @@
           </a:lstStyle>
           <a:p>
             <a:r>
-              <a:rPr kumimoji="1" lang="ja-JP" altLang="en-US" smtClean="0"/>
+              <a:rPr lang="ja-JP" altLang="en-US" smtClean="0"/>
               <a:t>マスター タイトルの書式設定</a:t>
             </a:r>
-            <a:endParaRPr kumimoji="1" lang="ja-JP" altLang="en-US"/>
-          </a:p>
-        </p:txBody>
-      </p:sp>
-      <p:sp>
-        <p:nvSpPr>
-          <p:cNvPr id="3" name="テキスト プレースホルダー 2"/>
+            <a:endParaRPr lang="en-US" dirty="0"/>
+          </a:p>
+        </p:txBody>
+      </p:sp>
+      <p:sp>
+        <p:nvSpPr>
+          <p:cNvPr id="3" name="Text Placeholder 2"/>
           <p:cNvSpPr>
             <a:spLocks noGrp="1"/>
           </p:cNvSpPr>
@@ -1386,8 +1388,8 @@
         </p:nvSpPr>
         <p:spPr>
           <a:xfrm>
-            <a:off x="831850" y="4589463"/>
-            <a:ext cx="10515600" cy="1500187"/>
+            <a:off x="623888" y="4589464"/>
+            <a:ext cx="7886700" cy="1500187"/>
           </a:xfrm>
         </p:spPr>
         <p:txBody>
@@ -1397,9 +1399,7 @@
               <a:buNone/>
               <a:defRPr sz="2400">
                 <a:solidFill>
-                  <a:schemeClr val="tx1">
-                    <a:tint val="75000"/>
-                  </a:schemeClr>
+                  <a:schemeClr val="tx1"/>
                 </a:solidFill>
               </a:defRPr>
             </a:lvl1pPr>
@@ -1487,30 +1487,30 @@
           <a:p>
             <a:pPr lvl="0"/>
             <a:r>
+              <a:rPr lang="ja-JP" altLang="en-US" smtClean="0"/>
+              <a:t>マスター テキストの書式設定</a:t>
+            </a:r>
+          </a:p>
+        </p:txBody>
+      </p:sp>
+      <p:sp>
+        <p:nvSpPr>
+          <p:cNvPr id="4" name="Date Placeholder 3"/>
+          <p:cNvSpPr>
+            <a:spLocks noGrp="1"/>
+          </p:cNvSpPr>
+          <p:nvPr>
+            <p:ph type="dt" sz="half" idx="10"/>
+          </p:nvPr>
+        </p:nvSpPr>
+        <p:spPr/>
+        <p:txBody>
+          <a:bodyPr/>
+          <a:lstStyle/>
+          <a:p>
+            <a:fld id="{C788FC87-6CF2-4F9F-B6E0-63B89DBB0743}" type="datetime1">
               <a:rPr kumimoji="1" lang="ja-JP" altLang="en-US" smtClean="0"/>
-              <a:t>マスター テキストの書式設定</a:t>
-            </a:r>
-          </a:p>
-        </p:txBody>
-      </p:sp>
-      <p:sp>
-        <p:nvSpPr>
-          <p:cNvPr id="4" name="日付プレースホルダー 3"/>
-          <p:cNvSpPr>
-            <a:spLocks noGrp="1"/>
-          </p:cNvSpPr>
-          <p:nvPr>
-            <p:ph type="dt" sz="half" idx="10"/>
-          </p:nvPr>
-        </p:nvSpPr>
-        <p:spPr/>
-        <p:txBody>
-          <a:bodyPr/>
-          <a:lstStyle/>
-          <a:p>
-            <a:fld id="{4A89C407-964A-45C8-BD4E-552E58D16A0D}" type="datetime1">
-              <a:rPr kumimoji="1" lang="ja-JP" altLang="en-US" smtClean="0"/>
-              <a:t>2021/4/30</a:t>
+              <a:t>2021/7/2</a:t>
             </a:fld>
             <a:endParaRPr kumimoji="1" lang="ja-JP" altLang="en-US"/>
           </a:p>
@@ -1518,7 +1518,7 @@
       </p:sp>
       <p:sp>
         <p:nvSpPr>
-          <p:cNvPr id="5" name="フッター プレースホルダー 4"/>
+          <p:cNvPr id="5" name="Footer Placeholder 4"/>
           <p:cNvSpPr>
             <a:spLocks noGrp="1"/>
           </p:cNvSpPr>
@@ -1537,7 +1537,7 @@
       </p:sp>
       <p:sp>
         <p:nvSpPr>
-          <p:cNvPr id="6" name="スライド番号プレースホルダー 5"/>
+          <p:cNvPr id="6" name="Slide Number Placeholder 5"/>
           <p:cNvSpPr>
             <a:spLocks noGrp="1"/>
           </p:cNvSpPr>
@@ -1550,7 +1550,7 @@
           <a:bodyPr/>
           <a:lstStyle/>
           <a:p>
-            <a:fld id="{77022724-7A88-4190-89E1-23935288E045}" type="slidenum">
+            <a:fld id="{4A32CB03-0843-4AF8-BFB2-C9917854BC7E}" type="slidenum">
               <a:rPr kumimoji="1" lang="ja-JP" altLang="en-US" smtClean="0"/>
               <a:t>‹#›</a:t>
             </a:fld>
@@ -1561,7 +1561,7 @@
     </p:spTree>
     <p:extLst>
       <p:ext uri="{BB962C8B-B14F-4D97-AF65-F5344CB8AC3E}">
-        <p14:creationId xmlns:p14="http://schemas.microsoft.com/office/powerpoint/2010/main" val="1544650393"/>
+        <p14:creationId xmlns:p14="http://schemas.microsoft.com/office/powerpoint/2010/main" val="2168288890"/>
       </p:ext>
     </p:extLst>
   </p:cSld>
@@ -1590,7 +1590,7 @@
       </p:grpSpPr>
       <p:sp>
         <p:nvSpPr>
-          <p:cNvPr id="2" name="タイトル 1"/>
+          <p:cNvPr id="2" name="Title 1"/>
           <p:cNvSpPr>
             <a:spLocks noGrp="1"/>
           </p:cNvSpPr>
@@ -1604,16 +1604,16 @@
           <a:lstStyle/>
           <a:p>
             <a:r>
-              <a:rPr kumimoji="1" lang="ja-JP" altLang="en-US" smtClean="0"/>
+              <a:rPr lang="ja-JP" altLang="en-US" smtClean="0"/>
               <a:t>マスター タイトルの書式設定</a:t>
             </a:r>
-            <a:endParaRPr kumimoji="1" lang="ja-JP" altLang="en-US"/>
-          </a:p>
-        </p:txBody>
-      </p:sp>
-      <p:sp>
-        <p:nvSpPr>
-          <p:cNvPr id="3" name="コンテンツ プレースホルダー 2"/>
+            <a:endParaRPr lang="en-US" dirty="0"/>
+          </a:p>
+        </p:txBody>
+      </p:sp>
+      <p:sp>
+        <p:nvSpPr>
+          <p:cNvPr id="3" name="Content Placeholder 2"/>
           <p:cNvSpPr>
             <a:spLocks noGrp="1"/>
           </p:cNvSpPr>
@@ -1623,8 +1623,8 @@
         </p:nvSpPr>
         <p:spPr>
           <a:xfrm>
-            <a:off x="838200" y="1825625"/>
-            <a:ext cx="5181600" cy="4351338"/>
+            <a:off x="628650" y="1825625"/>
+            <a:ext cx="3886200" cy="4351338"/>
           </a:xfrm>
         </p:spPr>
         <p:txBody>
@@ -1633,76 +1633,76 @@
           <a:p>
             <a:pPr lvl="0"/>
             <a:r>
-              <a:rPr kumimoji="1" lang="ja-JP" altLang="en-US" smtClean="0"/>
+              <a:rPr lang="ja-JP" altLang="en-US" smtClean="0"/>
               <a:t>マスター テキストの書式設定</a:t>
             </a:r>
           </a:p>
           <a:p>
             <a:pPr lvl="1"/>
             <a:r>
-              <a:rPr kumimoji="1" lang="ja-JP" altLang="en-US" smtClean="0"/>
+              <a:rPr lang="ja-JP" altLang="en-US" smtClean="0"/>
               <a:t>第 </a:t>
             </a:r>
             <a:r>
-              <a:rPr kumimoji="1" lang="en-US" altLang="ja-JP" smtClean="0"/>
+              <a:rPr lang="en-US" altLang="ja-JP" smtClean="0"/>
               <a:t>2 </a:t>
             </a:r>
             <a:r>
-              <a:rPr kumimoji="1" lang="ja-JP" altLang="en-US" smtClean="0"/>
+              <a:rPr lang="ja-JP" altLang="en-US" smtClean="0"/>
               <a:t>レベル</a:t>
             </a:r>
           </a:p>
           <a:p>
             <a:pPr lvl="2"/>
             <a:r>
-              <a:rPr kumimoji="1" lang="ja-JP" altLang="en-US" smtClean="0"/>
+              <a:rPr lang="ja-JP" altLang="en-US" smtClean="0"/>
               <a:t>第 </a:t>
             </a:r>
             <a:r>
-              <a:rPr kumimoji="1" lang="en-US" altLang="ja-JP" smtClean="0"/>
+              <a:rPr lang="en-US" altLang="ja-JP" smtClean="0"/>
               <a:t>3 </a:t>
             </a:r>
             <a:r>
-              <a:rPr kumimoji="1" lang="ja-JP" altLang="en-US" smtClean="0"/>
+              <a:rPr lang="ja-JP" altLang="en-US" smtClean="0"/>
               <a:t>レベル</a:t>
             </a:r>
           </a:p>
           <a:p>
             <a:pPr lvl="3"/>
             <a:r>
-              <a:rPr kumimoji="1" lang="ja-JP" altLang="en-US" smtClean="0"/>
+              <a:rPr lang="ja-JP" altLang="en-US" smtClean="0"/>
               <a:t>第 </a:t>
             </a:r>
             <a:r>
-              <a:rPr kumimoji="1" lang="en-US" altLang="ja-JP" smtClean="0"/>
+              <a:rPr lang="en-US" altLang="ja-JP" smtClean="0"/>
               <a:t>4 </a:t>
             </a:r>
             <a:r>
-              <a:rPr kumimoji="1" lang="ja-JP" altLang="en-US" smtClean="0"/>
+              <a:rPr lang="ja-JP" altLang="en-US" smtClean="0"/>
               <a:t>レベル</a:t>
             </a:r>
           </a:p>
           <a:p>
             <a:pPr lvl="4"/>
             <a:r>
-              <a:rPr kumimoji="1" lang="ja-JP" altLang="en-US" smtClean="0"/>
+              <a:rPr lang="ja-JP" altLang="en-US" smtClean="0"/>
               <a:t>第 </a:t>
             </a:r>
             <a:r>
-              <a:rPr kumimoji="1" lang="en-US" altLang="ja-JP" smtClean="0"/>
+              <a:rPr lang="en-US" altLang="ja-JP" smtClean="0"/>
               <a:t>5 </a:t>
             </a:r>
             <a:r>
-              <a:rPr kumimoji="1" lang="ja-JP" altLang="en-US" smtClean="0"/>
+              <a:rPr lang="ja-JP" altLang="en-US" smtClean="0"/>
               <a:t>レベル</a:t>
             </a:r>
-            <a:endParaRPr kumimoji="1" lang="ja-JP" altLang="en-US"/>
-          </a:p>
-        </p:txBody>
-      </p:sp>
-      <p:sp>
-        <p:nvSpPr>
-          <p:cNvPr id="4" name="コンテンツ プレースホルダー 3"/>
+            <a:endParaRPr lang="en-US" dirty="0"/>
+          </a:p>
+        </p:txBody>
+      </p:sp>
+      <p:sp>
+        <p:nvSpPr>
+          <p:cNvPr id="4" name="Content Placeholder 3"/>
           <p:cNvSpPr>
             <a:spLocks noGrp="1"/>
           </p:cNvSpPr>
@@ -1712,8 +1712,8 @@
         </p:nvSpPr>
         <p:spPr>
           <a:xfrm>
-            <a:off x="6172200" y="1825625"/>
-            <a:ext cx="5181600" cy="4351338"/>
+            <a:off x="4629150" y="1825625"/>
+            <a:ext cx="3886200" cy="4351338"/>
           </a:xfrm>
         </p:spPr>
         <p:txBody>
@@ -1722,91 +1722,91 @@
           <a:p>
             <a:pPr lvl="0"/>
             <a:r>
+              <a:rPr lang="ja-JP" altLang="en-US" smtClean="0"/>
+              <a:t>マスター テキストの書式設定</a:t>
+            </a:r>
+          </a:p>
+          <a:p>
+            <a:pPr lvl="1"/>
+            <a:r>
+              <a:rPr lang="ja-JP" altLang="en-US" smtClean="0"/>
+              <a:t>第 </a:t>
+            </a:r>
+            <a:r>
+              <a:rPr lang="en-US" altLang="ja-JP" smtClean="0"/>
+              <a:t>2 </a:t>
+            </a:r>
+            <a:r>
+              <a:rPr lang="ja-JP" altLang="en-US" smtClean="0"/>
+              <a:t>レベル</a:t>
+            </a:r>
+          </a:p>
+          <a:p>
+            <a:pPr lvl="2"/>
+            <a:r>
+              <a:rPr lang="ja-JP" altLang="en-US" smtClean="0"/>
+              <a:t>第 </a:t>
+            </a:r>
+            <a:r>
+              <a:rPr lang="en-US" altLang="ja-JP" smtClean="0"/>
+              <a:t>3 </a:t>
+            </a:r>
+            <a:r>
+              <a:rPr lang="ja-JP" altLang="en-US" smtClean="0"/>
+              <a:t>レベル</a:t>
+            </a:r>
+          </a:p>
+          <a:p>
+            <a:pPr lvl="3"/>
+            <a:r>
+              <a:rPr lang="ja-JP" altLang="en-US" smtClean="0"/>
+              <a:t>第 </a:t>
+            </a:r>
+            <a:r>
+              <a:rPr lang="en-US" altLang="ja-JP" smtClean="0"/>
+              <a:t>4 </a:t>
+            </a:r>
+            <a:r>
+              <a:rPr lang="ja-JP" altLang="en-US" smtClean="0"/>
+              <a:t>レベル</a:t>
+            </a:r>
+          </a:p>
+          <a:p>
+            <a:pPr lvl="4"/>
+            <a:r>
+              <a:rPr lang="ja-JP" altLang="en-US" smtClean="0"/>
+              <a:t>第 </a:t>
+            </a:r>
+            <a:r>
+              <a:rPr lang="en-US" altLang="ja-JP" smtClean="0"/>
+              <a:t>5 </a:t>
+            </a:r>
+            <a:r>
+              <a:rPr lang="ja-JP" altLang="en-US" smtClean="0"/>
+              <a:t>レベル</a:t>
+            </a:r>
+            <a:endParaRPr lang="en-US" dirty="0"/>
+          </a:p>
+        </p:txBody>
+      </p:sp>
+      <p:sp>
+        <p:nvSpPr>
+          <p:cNvPr id="5" name="Date Placeholder 4"/>
+          <p:cNvSpPr>
+            <a:spLocks noGrp="1"/>
+          </p:cNvSpPr>
+          <p:nvPr>
+            <p:ph type="dt" sz="half" idx="10"/>
+          </p:nvPr>
+        </p:nvSpPr>
+        <p:spPr/>
+        <p:txBody>
+          <a:bodyPr/>
+          <a:lstStyle/>
+          <a:p>
+            <a:fld id="{5E3CE0AD-2171-4734-A0AC-662511549EC1}" type="datetime1">
               <a:rPr kumimoji="1" lang="ja-JP" altLang="en-US" smtClean="0"/>
-              <a:t>マスター テキストの書式設定</a:t>
-            </a:r>
-          </a:p>
-          <a:p>
-            <a:pPr lvl="1"/>
-            <a:r>
-              <a:rPr kumimoji="1" lang="ja-JP" altLang="en-US" smtClean="0"/>
-              <a:t>第 </a:t>
-            </a:r>
-            <a:r>
-              <a:rPr kumimoji="1" lang="en-US" altLang="ja-JP" smtClean="0"/>
-              <a:t>2 </a:t>
-            </a:r>
-            <a:r>
-              <a:rPr kumimoji="1" lang="ja-JP" altLang="en-US" smtClean="0"/>
-              <a:t>レベル</a:t>
-            </a:r>
-          </a:p>
-          <a:p>
-            <a:pPr lvl="2"/>
-            <a:r>
-              <a:rPr kumimoji="1" lang="ja-JP" altLang="en-US" smtClean="0"/>
-              <a:t>第 </a:t>
-            </a:r>
-            <a:r>
-              <a:rPr kumimoji="1" lang="en-US" altLang="ja-JP" smtClean="0"/>
-              <a:t>3 </a:t>
-            </a:r>
-            <a:r>
-              <a:rPr kumimoji="1" lang="ja-JP" altLang="en-US" smtClean="0"/>
-              <a:t>レベル</a:t>
-            </a:r>
-          </a:p>
-          <a:p>
-            <a:pPr lvl="3"/>
-            <a:r>
-              <a:rPr kumimoji="1" lang="ja-JP" altLang="en-US" smtClean="0"/>
-              <a:t>第 </a:t>
-            </a:r>
-            <a:r>
-              <a:rPr kumimoji="1" lang="en-US" altLang="ja-JP" smtClean="0"/>
-              <a:t>4 </a:t>
-            </a:r>
-            <a:r>
-              <a:rPr kumimoji="1" lang="ja-JP" altLang="en-US" smtClean="0"/>
-              <a:t>レベル</a:t>
-            </a:r>
-          </a:p>
-          <a:p>
-            <a:pPr lvl="4"/>
-            <a:r>
-              <a:rPr kumimoji="1" lang="ja-JP" altLang="en-US" smtClean="0"/>
-              <a:t>第 </a:t>
-            </a:r>
-            <a:r>
-              <a:rPr kumimoji="1" lang="en-US" altLang="ja-JP" smtClean="0"/>
-              <a:t>5 </a:t>
-            </a:r>
-            <a:r>
-              <a:rPr kumimoji="1" lang="ja-JP" altLang="en-US" smtClean="0"/>
-              <a:t>レベル</a:t>
-            </a:r>
-            <a:endParaRPr kumimoji="1" lang="ja-JP" altLang="en-US"/>
-          </a:p>
-        </p:txBody>
-      </p:sp>
-      <p:sp>
-        <p:nvSpPr>
-          <p:cNvPr id="5" name="日付プレースホルダー 4"/>
-          <p:cNvSpPr>
-            <a:spLocks noGrp="1"/>
-          </p:cNvSpPr>
-          <p:nvPr>
-            <p:ph type="dt" sz="half" idx="10"/>
-          </p:nvPr>
-        </p:nvSpPr>
-        <p:spPr/>
-        <p:txBody>
-          <a:bodyPr/>
-          <a:lstStyle/>
-          <a:p>
-            <a:fld id="{C7614128-8D73-4430-ACE9-070253C9091F}" type="datetime1">
-              <a:rPr kumimoji="1" lang="ja-JP" altLang="en-US" smtClean="0"/>
-              <a:t>2021/4/30</a:t>
+              <a:t>2021/7/2</a:t>
             </a:fld>
             <a:endParaRPr kumimoji="1" lang="ja-JP" altLang="en-US"/>
           </a:p>
@@ -1814,7 +1814,7 @@
       </p:sp>
       <p:sp>
         <p:nvSpPr>
-          <p:cNvPr id="6" name="フッター プレースホルダー 5"/>
+          <p:cNvPr id="6" name="Footer Placeholder 5"/>
           <p:cNvSpPr>
             <a:spLocks noGrp="1"/>
           </p:cNvSpPr>
@@ -1833,7 +1833,7 @@
       </p:sp>
       <p:sp>
         <p:nvSpPr>
-          <p:cNvPr id="7" name="スライド番号プレースホルダー 6"/>
+          <p:cNvPr id="7" name="Slide Number Placeholder 6"/>
           <p:cNvSpPr>
             <a:spLocks noGrp="1"/>
           </p:cNvSpPr>
@@ -1846,7 +1846,7 @@
           <a:bodyPr/>
           <a:lstStyle/>
           <a:p>
-            <a:fld id="{77022724-7A88-4190-89E1-23935288E045}" type="slidenum">
+            <a:fld id="{4A32CB03-0843-4AF8-BFB2-C9917854BC7E}" type="slidenum">
               <a:rPr kumimoji="1" lang="ja-JP" altLang="en-US" smtClean="0"/>
               <a:t>‹#›</a:t>
             </a:fld>
@@ -1857,7 +1857,7 @@
     </p:spTree>
     <p:extLst>
       <p:ext uri="{BB962C8B-B14F-4D97-AF65-F5344CB8AC3E}">
-        <p14:creationId xmlns:p14="http://schemas.microsoft.com/office/powerpoint/2010/main" val="3117517757"/>
+        <p14:creationId xmlns:p14="http://schemas.microsoft.com/office/powerpoint/2010/main" val="1301542684"/>
       </p:ext>
     </p:extLst>
   </p:cSld>
@@ -1886,7 +1886,7 @@
       </p:grpSpPr>
       <p:sp>
         <p:nvSpPr>
-          <p:cNvPr id="2" name="タイトル 1"/>
+          <p:cNvPr id="2" name="Title 1"/>
           <p:cNvSpPr>
             <a:spLocks noGrp="1"/>
           </p:cNvSpPr>
@@ -1896,8 +1896,8 @@
         </p:nvSpPr>
         <p:spPr>
           <a:xfrm>
-            <a:off x="839788" y="365125"/>
-            <a:ext cx="10515600" cy="1325563"/>
+            <a:off x="629841" y="365126"/>
+            <a:ext cx="7886700" cy="1325563"/>
           </a:xfrm>
         </p:spPr>
         <p:txBody>
@@ -1905,16 +1905,16 @@
           <a:lstStyle/>
           <a:p>
             <a:r>
-              <a:rPr kumimoji="1" lang="ja-JP" altLang="en-US" smtClean="0"/>
+              <a:rPr lang="ja-JP" altLang="en-US" smtClean="0"/>
               <a:t>マスター タイトルの書式設定</a:t>
             </a:r>
-            <a:endParaRPr kumimoji="1" lang="ja-JP" altLang="en-US"/>
-          </a:p>
-        </p:txBody>
-      </p:sp>
-      <p:sp>
-        <p:nvSpPr>
-          <p:cNvPr id="3" name="テキスト プレースホルダー 2"/>
+            <a:endParaRPr lang="en-US" dirty="0"/>
+          </a:p>
+        </p:txBody>
+      </p:sp>
+      <p:sp>
+        <p:nvSpPr>
+          <p:cNvPr id="3" name="Text Placeholder 2"/>
           <p:cNvSpPr>
             <a:spLocks noGrp="1"/>
           </p:cNvSpPr>
@@ -1924,8 +1924,8 @@
         </p:nvSpPr>
         <p:spPr>
           <a:xfrm>
-            <a:off x="839788" y="1681163"/>
-            <a:ext cx="5157787" cy="823912"/>
+            <a:off x="629842" y="1681163"/>
+            <a:ext cx="3868340" cy="823912"/>
           </a:xfrm>
         </p:spPr>
         <p:txBody>
@@ -1971,7 +1971,7 @@
           <a:p>
             <a:pPr lvl="0"/>
             <a:r>
-              <a:rPr kumimoji="1" lang="ja-JP" altLang="en-US" smtClean="0"/>
+              <a:rPr lang="ja-JP" altLang="en-US" smtClean="0"/>
               <a:t>マスター テキストの書式設定</a:t>
             </a:r>
           </a:p>
@@ -1979,7 +1979,7 @@
       </p:sp>
       <p:sp>
         <p:nvSpPr>
-          <p:cNvPr id="4" name="コンテンツ プレースホルダー 3"/>
+          <p:cNvPr id="4" name="Content Placeholder 3"/>
           <p:cNvSpPr>
             <a:spLocks noGrp="1"/>
           </p:cNvSpPr>
@@ -1989,8 +1989,8 @@
         </p:nvSpPr>
         <p:spPr>
           <a:xfrm>
-            <a:off x="839788" y="2505075"/>
-            <a:ext cx="5157787" cy="3684588"/>
+            <a:off x="629842" y="2505075"/>
+            <a:ext cx="3868340" cy="3684588"/>
           </a:xfrm>
         </p:spPr>
         <p:txBody>
@@ -1999,76 +1999,76 @@
           <a:p>
             <a:pPr lvl="0"/>
             <a:r>
-              <a:rPr kumimoji="1" lang="ja-JP" altLang="en-US" smtClean="0"/>
+              <a:rPr lang="ja-JP" altLang="en-US" smtClean="0"/>
               <a:t>マスター テキストの書式設定</a:t>
             </a:r>
           </a:p>
           <a:p>
             <a:pPr lvl="1"/>
             <a:r>
-              <a:rPr kumimoji="1" lang="ja-JP" altLang="en-US" smtClean="0"/>
+              <a:rPr lang="ja-JP" altLang="en-US" smtClean="0"/>
               <a:t>第 </a:t>
             </a:r>
             <a:r>
-              <a:rPr kumimoji="1" lang="en-US" altLang="ja-JP" smtClean="0"/>
+              <a:rPr lang="en-US" altLang="ja-JP" smtClean="0"/>
               <a:t>2 </a:t>
             </a:r>
             <a:r>
-              <a:rPr kumimoji="1" lang="ja-JP" altLang="en-US" smtClean="0"/>
+              <a:rPr lang="ja-JP" altLang="en-US" smtClean="0"/>
               <a:t>レベル</a:t>
             </a:r>
           </a:p>
           <a:p>
             <a:pPr lvl="2"/>
             <a:r>
-              <a:rPr kumimoji="1" lang="ja-JP" altLang="en-US" smtClean="0"/>
+              <a:rPr lang="ja-JP" altLang="en-US" smtClean="0"/>
               <a:t>第 </a:t>
             </a:r>
             <a:r>
-              <a:rPr kumimoji="1" lang="en-US" altLang="ja-JP" smtClean="0"/>
+              <a:rPr lang="en-US" altLang="ja-JP" smtClean="0"/>
               <a:t>3 </a:t>
             </a:r>
             <a:r>
-              <a:rPr kumimoji="1" lang="ja-JP" altLang="en-US" smtClean="0"/>
+              <a:rPr lang="ja-JP" altLang="en-US" smtClean="0"/>
               <a:t>レベル</a:t>
             </a:r>
           </a:p>
           <a:p>
             <a:pPr lvl="3"/>
             <a:r>
-              <a:rPr kumimoji="1" lang="ja-JP" altLang="en-US" smtClean="0"/>
+              <a:rPr lang="ja-JP" altLang="en-US" smtClean="0"/>
               <a:t>第 </a:t>
             </a:r>
             <a:r>
-              <a:rPr kumimoji="1" lang="en-US" altLang="ja-JP" smtClean="0"/>
+              <a:rPr lang="en-US" altLang="ja-JP" smtClean="0"/>
               <a:t>4 </a:t>
             </a:r>
             <a:r>
-              <a:rPr kumimoji="1" lang="ja-JP" altLang="en-US" smtClean="0"/>
+              <a:rPr lang="ja-JP" altLang="en-US" smtClean="0"/>
               <a:t>レベル</a:t>
             </a:r>
           </a:p>
           <a:p>
             <a:pPr lvl="4"/>
             <a:r>
-              <a:rPr kumimoji="1" lang="ja-JP" altLang="en-US" smtClean="0"/>
+              <a:rPr lang="ja-JP" altLang="en-US" smtClean="0"/>
               <a:t>第 </a:t>
             </a:r>
             <a:r>
-              <a:rPr kumimoji="1" lang="en-US" altLang="ja-JP" smtClean="0"/>
+              <a:rPr lang="en-US" altLang="ja-JP" smtClean="0"/>
               <a:t>5 </a:t>
             </a:r>
             <a:r>
-              <a:rPr kumimoji="1" lang="ja-JP" altLang="en-US" smtClean="0"/>
+              <a:rPr lang="ja-JP" altLang="en-US" smtClean="0"/>
               <a:t>レベル</a:t>
             </a:r>
-            <a:endParaRPr kumimoji="1" lang="ja-JP" altLang="en-US"/>
-          </a:p>
-        </p:txBody>
-      </p:sp>
-      <p:sp>
-        <p:nvSpPr>
-          <p:cNvPr id="5" name="テキスト プレースホルダー 4"/>
+            <a:endParaRPr lang="en-US" dirty="0"/>
+          </a:p>
+        </p:txBody>
+      </p:sp>
+      <p:sp>
+        <p:nvSpPr>
+          <p:cNvPr id="5" name="Text Placeholder 4"/>
           <p:cNvSpPr>
             <a:spLocks noGrp="1"/>
           </p:cNvSpPr>
@@ -2078,8 +2078,8 @@
         </p:nvSpPr>
         <p:spPr>
           <a:xfrm>
-            <a:off x="6172200" y="1681163"/>
-            <a:ext cx="5183188" cy="823912"/>
+            <a:off x="4629150" y="1681163"/>
+            <a:ext cx="3887391" cy="823912"/>
           </a:xfrm>
         </p:spPr>
         <p:txBody>
@@ -2125,7 +2125,7 @@
           <a:p>
             <a:pPr lvl="0"/>
             <a:r>
-              <a:rPr kumimoji="1" lang="ja-JP" altLang="en-US" smtClean="0"/>
+              <a:rPr lang="ja-JP" altLang="en-US" smtClean="0"/>
               <a:t>マスター テキストの書式設定</a:t>
             </a:r>
           </a:p>
@@ -2133,7 +2133,7 @@
       </p:sp>
       <p:sp>
         <p:nvSpPr>
-          <p:cNvPr id="6" name="コンテンツ プレースホルダー 5"/>
+          <p:cNvPr id="6" name="Content Placeholder 5"/>
           <p:cNvSpPr>
             <a:spLocks noGrp="1"/>
           </p:cNvSpPr>
@@ -2143,8 +2143,8 @@
         </p:nvSpPr>
         <p:spPr>
           <a:xfrm>
-            <a:off x="6172200" y="2505075"/>
-            <a:ext cx="5183188" cy="3684588"/>
+            <a:off x="4629150" y="2505075"/>
+            <a:ext cx="3887391" cy="3684588"/>
           </a:xfrm>
         </p:spPr>
         <p:txBody>
@@ -2153,91 +2153,91 @@
           <a:p>
             <a:pPr lvl="0"/>
             <a:r>
+              <a:rPr lang="ja-JP" altLang="en-US" smtClean="0"/>
+              <a:t>マスター テキストの書式設定</a:t>
+            </a:r>
+          </a:p>
+          <a:p>
+            <a:pPr lvl="1"/>
+            <a:r>
+              <a:rPr lang="ja-JP" altLang="en-US" smtClean="0"/>
+              <a:t>第 </a:t>
+            </a:r>
+            <a:r>
+              <a:rPr lang="en-US" altLang="ja-JP" smtClean="0"/>
+              <a:t>2 </a:t>
+            </a:r>
+            <a:r>
+              <a:rPr lang="ja-JP" altLang="en-US" smtClean="0"/>
+              <a:t>レベル</a:t>
+            </a:r>
+          </a:p>
+          <a:p>
+            <a:pPr lvl="2"/>
+            <a:r>
+              <a:rPr lang="ja-JP" altLang="en-US" smtClean="0"/>
+              <a:t>第 </a:t>
+            </a:r>
+            <a:r>
+              <a:rPr lang="en-US" altLang="ja-JP" smtClean="0"/>
+              <a:t>3 </a:t>
+            </a:r>
+            <a:r>
+              <a:rPr lang="ja-JP" altLang="en-US" smtClean="0"/>
+              <a:t>レベル</a:t>
+            </a:r>
+          </a:p>
+          <a:p>
+            <a:pPr lvl="3"/>
+            <a:r>
+              <a:rPr lang="ja-JP" altLang="en-US" smtClean="0"/>
+              <a:t>第 </a:t>
+            </a:r>
+            <a:r>
+              <a:rPr lang="en-US" altLang="ja-JP" smtClean="0"/>
+              <a:t>4 </a:t>
+            </a:r>
+            <a:r>
+              <a:rPr lang="ja-JP" altLang="en-US" smtClean="0"/>
+              <a:t>レベル</a:t>
+            </a:r>
+          </a:p>
+          <a:p>
+            <a:pPr lvl="4"/>
+            <a:r>
+              <a:rPr lang="ja-JP" altLang="en-US" smtClean="0"/>
+              <a:t>第 </a:t>
+            </a:r>
+            <a:r>
+              <a:rPr lang="en-US" altLang="ja-JP" smtClean="0"/>
+              <a:t>5 </a:t>
+            </a:r>
+            <a:r>
+              <a:rPr lang="ja-JP" altLang="en-US" smtClean="0"/>
+              <a:t>レベル</a:t>
+            </a:r>
+            <a:endParaRPr lang="en-US" dirty="0"/>
+          </a:p>
+        </p:txBody>
+      </p:sp>
+      <p:sp>
+        <p:nvSpPr>
+          <p:cNvPr id="7" name="Date Placeholder 6"/>
+          <p:cNvSpPr>
+            <a:spLocks noGrp="1"/>
+          </p:cNvSpPr>
+          <p:nvPr>
+            <p:ph type="dt" sz="half" idx="10"/>
+          </p:nvPr>
+        </p:nvSpPr>
+        <p:spPr/>
+        <p:txBody>
+          <a:bodyPr/>
+          <a:lstStyle/>
+          <a:p>
+            <a:fld id="{80544D4F-1AD2-4A36-B800-B99208B8C9BA}" type="datetime1">
               <a:rPr kumimoji="1" lang="ja-JP" altLang="en-US" smtClean="0"/>
-              <a:t>マスター テキストの書式設定</a:t>
-            </a:r>
-          </a:p>
-          <a:p>
-            <a:pPr lvl="1"/>
-            <a:r>
-              <a:rPr kumimoji="1" lang="ja-JP" altLang="en-US" smtClean="0"/>
-              <a:t>第 </a:t>
-            </a:r>
-            <a:r>
-              <a:rPr kumimoji="1" lang="en-US" altLang="ja-JP" smtClean="0"/>
-              <a:t>2 </a:t>
-            </a:r>
-            <a:r>
-              <a:rPr kumimoji="1" lang="ja-JP" altLang="en-US" smtClean="0"/>
-              <a:t>レベル</a:t>
-            </a:r>
-          </a:p>
-          <a:p>
-            <a:pPr lvl="2"/>
-            <a:r>
-              <a:rPr kumimoji="1" lang="ja-JP" altLang="en-US" smtClean="0"/>
-              <a:t>第 </a:t>
-            </a:r>
-            <a:r>
-              <a:rPr kumimoji="1" lang="en-US" altLang="ja-JP" smtClean="0"/>
-              <a:t>3 </a:t>
-            </a:r>
-            <a:r>
-              <a:rPr kumimoji="1" lang="ja-JP" altLang="en-US" smtClean="0"/>
-              <a:t>レベル</a:t>
-            </a:r>
-          </a:p>
-          <a:p>
-            <a:pPr lvl="3"/>
-            <a:r>
-              <a:rPr kumimoji="1" lang="ja-JP" altLang="en-US" smtClean="0"/>
-              <a:t>第 </a:t>
-            </a:r>
-            <a:r>
-              <a:rPr kumimoji="1" lang="en-US" altLang="ja-JP" smtClean="0"/>
-              <a:t>4 </a:t>
-            </a:r>
-            <a:r>
-              <a:rPr kumimoji="1" lang="ja-JP" altLang="en-US" smtClean="0"/>
-              <a:t>レベル</a:t>
-            </a:r>
-          </a:p>
-          <a:p>
-            <a:pPr lvl="4"/>
-            <a:r>
-              <a:rPr kumimoji="1" lang="ja-JP" altLang="en-US" smtClean="0"/>
-              <a:t>第 </a:t>
-            </a:r>
-            <a:r>
-              <a:rPr kumimoji="1" lang="en-US" altLang="ja-JP" smtClean="0"/>
-              <a:t>5 </a:t>
-            </a:r>
-            <a:r>
-              <a:rPr kumimoji="1" lang="ja-JP" altLang="en-US" smtClean="0"/>
-              <a:t>レベル</a:t>
-            </a:r>
-            <a:endParaRPr kumimoji="1" lang="ja-JP" altLang="en-US"/>
-          </a:p>
-        </p:txBody>
-      </p:sp>
-      <p:sp>
-        <p:nvSpPr>
-          <p:cNvPr id="7" name="日付プレースホルダー 6"/>
-          <p:cNvSpPr>
-            <a:spLocks noGrp="1"/>
-          </p:cNvSpPr>
-          <p:nvPr>
-            <p:ph type="dt" sz="half" idx="10"/>
-          </p:nvPr>
-        </p:nvSpPr>
-        <p:spPr/>
-        <p:txBody>
-          <a:bodyPr/>
-          <a:lstStyle/>
-          <a:p>
-            <a:fld id="{7253D107-5692-4F8C-A5AE-1B448AD39535}" type="datetime1">
-              <a:rPr kumimoji="1" lang="ja-JP" altLang="en-US" smtClean="0"/>
-              <a:t>2021/4/30</a:t>
+              <a:t>2021/7/2</a:t>
             </a:fld>
             <a:endParaRPr kumimoji="1" lang="ja-JP" altLang="en-US"/>
           </a:p>
@@ -2245,7 +2245,7 @@
       </p:sp>
       <p:sp>
         <p:nvSpPr>
-          <p:cNvPr id="8" name="フッター プレースホルダー 7"/>
+          <p:cNvPr id="8" name="Footer Placeholder 7"/>
           <p:cNvSpPr>
             <a:spLocks noGrp="1"/>
           </p:cNvSpPr>
@@ -2264,7 +2264,7 @@
       </p:sp>
       <p:sp>
         <p:nvSpPr>
-          <p:cNvPr id="9" name="スライド番号プレースホルダー 8"/>
+          <p:cNvPr id="9" name="Slide Number Placeholder 8"/>
           <p:cNvSpPr>
             <a:spLocks noGrp="1"/>
           </p:cNvSpPr>
@@ -2277,7 +2277,7 @@
           <a:bodyPr/>
           <a:lstStyle/>
           <a:p>
-            <a:fld id="{77022724-7A88-4190-89E1-23935288E045}" type="slidenum">
+            <a:fld id="{4A32CB03-0843-4AF8-BFB2-C9917854BC7E}" type="slidenum">
               <a:rPr kumimoji="1" lang="ja-JP" altLang="en-US" smtClean="0"/>
               <a:t>‹#›</a:t>
             </a:fld>
@@ -2288,7 +2288,7 @@
     </p:spTree>
     <p:extLst>
       <p:ext uri="{BB962C8B-B14F-4D97-AF65-F5344CB8AC3E}">
-        <p14:creationId xmlns:p14="http://schemas.microsoft.com/office/powerpoint/2010/main" val="2115623734"/>
+        <p14:creationId xmlns:p14="http://schemas.microsoft.com/office/powerpoint/2010/main" val="1742235083"/>
       </p:ext>
     </p:extLst>
   </p:cSld>
@@ -2317,7 +2317,7 @@
       </p:grpSpPr>
       <p:sp>
         <p:nvSpPr>
-          <p:cNvPr id="2" name="タイトル 1"/>
+          <p:cNvPr id="2" name="Title 1"/>
           <p:cNvSpPr>
             <a:spLocks noGrp="1"/>
           </p:cNvSpPr>
@@ -2331,31 +2331,31 @@
           <a:lstStyle/>
           <a:p>
             <a:r>
+              <a:rPr lang="ja-JP" altLang="en-US" smtClean="0"/>
+              <a:t>マスター タイトルの書式設定</a:t>
+            </a:r>
+            <a:endParaRPr lang="en-US" dirty="0"/>
+          </a:p>
+        </p:txBody>
+      </p:sp>
+      <p:sp>
+        <p:nvSpPr>
+          <p:cNvPr id="3" name="Date Placeholder 2"/>
+          <p:cNvSpPr>
+            <a:spLocks noGrp="1"/>
+          </p:cNvSpPr>
+          <p:nvPr>
+            <p:ph type="dt" sz="half" idx="10"/>
+          </p:nvPr>
+        </p:nvSpPr>
+        <p:spPr/>
+        <p:txBody>
+          <a:bodyPr/>
+          <a:lstStyle/>
+          <a:p>
+            <a:fld id="{3867E348-314D-465D-84AA-31D1BF6D1272}" type="datetime1">
               <a:rPr kumimoji="1" lang="ja-JP" altLang="en-US" smtClean="0"/>
-              <a:t>マスター タイトルの書式設定</a:t>
-            </a:r>
-            <a:endParaRPr kumimoji="1" lang="ja-JP" altLang="en-US"/>
-          </a:p>
-        </p:txBody>
-      </p:sp>
-      <p:sp>
-        <p:nvSpPr>
-          <p:cNvPr id="3" name="日付プレースホルダー 2"/>
-          <p:cNvSpPr>
-            <a:spLocks noGrp="1"/>
-          </p:cNvSpPr>
-          <p:nvPr>
-            <p:ph type="dt" sz="half" idx="10"/>
-          </p:nvPr>
-        </p:nvSpPr>
-        <p:spPr/>
-        <p:txBody>
-          <a:bodyPr/>
-          <a:lstStyle/>
-          <a:p>
-            <a:fld id="{2689F468-FEC5-406F-AE08-A6A13A80FCE4}" type="datetime1">
-              <a:rPr kumimoji="1" lang="ja-JP" altLang="en-US" smtClean="0"/>
-              <a:t>2021/4/30</a:t>
+              <a:t>2021/7/2</a:t>
             </a:fld>
             <a:endParaRPr kumimoji="1" lang="ja-JP" altLang="en-US"/>
           </a:p>
@@ -2363,7 +2363,7 @@
       </p:sp>
       <p:sp>
         <p:nvSpPr>
-          <p:cNvPr id="4" name="フッター プレースホルダー 3"/>
+          <p:cNvPr id="4" name="Footer Placeholder 3"/>
           <p:cNvSpPr>
             <a:spLocks noGrp="1"/>
           </p:cNvSpPr>
@@ -2382,7 +2382,7 @@
       </p:sp>
       <p:sp>
         <p:nvSpPr>
-          <p:cNvPr id="5" name="スライド番号プレースホルダー 4"/>
+          <p:cNvPr id="5" name="Slide Number Placeholder 4"/>
           <p:cNvSpPr>
             <a:spLocks noGrp="1"/>
           </p:cNvSpPr>
@@ -2395,7 +2395,7 @@
           <a:bodyPr/>
           <a:lstStyle/>
           <a:p>
-            <a:fld id="{77022724-7A88-4190-89E1-23935288E045}" type="slidenum">
+            <a:fld id="{4A32CB03-0843-4AF8-BFB2-C9917854BC7E}" type="slidenum">
               <a:rPr kumimoji="1" lang="ja-JP" altLang="en-US" smtClean="0"/>
               <a:t>‹#›</a:t>
             </a:fld>
@@ -2406,7 +2406,7 @@
     </p:spTree>
     <p:extLst>
       <p:ext uri="{BB962C8B-B14F-4D97-AF65-F5344CB8AC3E}">
-        <p14:creationId xmlns:p14="http://schemas.microsoft.com/office/powerpoint/2010/main" val="62280982"/>
+        <p14:creationId xmlns:p14="http://schemas.microsoft.com/office/powerpoint/2010/main" val="1482394979"/>
       </p:ext>
     </p:extLst>
   </p:cSld>
@@ -2435,7 +2435,7 @@
       </p:grpSpPr>
       <p:sp>
         <p:nvSpPr>
-          <p:cNvPr id="2" name="日付プレースホルダー 1"/>
+          <p:cNvPr id="2" name="Date Placeholder 1"/>
           <p:cNvSpPr>
             <a:spLocks noGrp="1"/>
           </p:cNvSpPr>
@@ -2448,9 +2448,9 @@
           <a:bodyPr/>
           <a:lstStyle/>
           <a:p>
-            <a:fld id="{FB6880D1-3D31-4293-82E3-22BFFCF45AA4}" type="datetime1">
+            <a:fld id="{0504E9A7-4A17-4848-A233-45BE7F03BE87}" type="datetime1">
               <a:rPr kumimoji="1" lang="ja-JP" altLang="en-US" smtClean="0"/>
-              <a:t>2021/4/30</a:t>
+              <a:t>2021/7/2</a:t>
             </a:fld>
             <a:endParaRPr kumimoji="1" lang="ja-JP" altLang="en-US"/>
           </a:p>
@@ -2458,7 +2458,7 @@
       </p:sp>
       <p:sp>
         <p:nvSpPr>
-          <p:cNvPr id="3" name="フッター プレースホルダー 2"/>
+          <p:cNvPr id="3" name="Footer Placeholder 2"/>
           <p:cNvSpPr>
             <a:spLocks noGrp="1"/>
           </p:cNvSpPr>
@@ -2477,7 +2477,7 @@
       </p:sp>
       <p:sp>
         <p:nvSpPr>
-          <p:cNvPr id="4" name="スライド番号プレースホルダー 3"/>
+          <p:cNvPr id="4" name="Slide Number Placeholder 3"/>
           <p:cNvSpPr>
             <a:spLocks noGrp="1"/>
           </p:cNvSpPr>
@@ -2490,7 +2490,7 @@
           <a:bodyPr/>
           <a:lstStyle/>
           <a:p>
-            <a:fld id="{77022724-7A88-4190-89E1-23935288E045}" type="slidenum">
+            <a:fld id="{4A32CB03-0843-4AF8-BFB2-C9917854BC7E}" type="slidenum">
               <a:rPr kumimoji="1" lang="ja-JP" altLang="en-US" smtClean="0"/>
               <a:t>‹#›</a:t>
             </a:fld>
@@ -2501,7 +2501,7 @@
     </p:spTree>
     <p:extLst>
       <p:ext uri="{BB962C8B-B14F-4D97-AF65-F5344CB8AC3E}">
-        <p14:creationId xmlns:p14="http://schemas.microsoft.com/office/powerpoint/2010/main" val="3534100946"/>
+        <p14:creationId xmlns:p14="http://schemas.microsoft.com/office/powerpoint/2010/main" val="238325986"/>
       </p:ext>
     </p:extLst>
   </p:cSld>
@@ -2530,7 +2530,7 @@
       </p:grpSpPr>
       <p:sp>
         <p:nvSpPr>
-          <p:cNvPr id="2" name="タイトル 1"/>
+          <p:cNvPr id="2" name="Title 1"/>
           <p:cNvSpPr>
             <a:spLocks noGrp="1"/>
           </p:cNvSpPr>
@@ -2540,8 +2540,8 @@
         </p:nvSpPr>
         <p:spPr>
           <a:xfrm>
-            <a:off x="839788" y="457200"/>
-            <a:ext cx="3932237" cy="1600200"/>
+            <a:off x="629841" y="457200"/>
+            <a:ext cx="2949178" cy="1600200"/>
           </a:xfrm>
         </p:spPr>
         <p:txBody>
@@ -2553,16 +2553,16 @@
           </a:lstStyle>
           <a:p>
             <a:r>
-              <a:rPr kumimoji="1" lang="ja-JP" altLang="en-US" smtClean="0"/>
+              <a:rPr lang="ja-JP" altLang="en-US" smtClean="0"/>
               <a:t>マスター タイトルの書式設定</a:t>
             </a:r>
-            <a:endParaRPr kumimoji="1" lang="ja-JP" altLang="en-US"/>
-          </a:p>
-        </p:txBody>
-      </p:sp>
-      <p:sp>
-        <p:nvSpPr>
-          <p:cNvPr id="3" name="コンテンツ プレースホルダー 2"/>
+            <a:endParaRPr lang="en-US" dirty="0"/>
+          </a:p>
+        </p:txBody>
+      </p:sp>
+      <p:sp>
+        <p:nvSpPr>
+          <p:cNvPr id="3" name="Content Placeholder 2"/>
           <p:cNvSpPr>
             <a:spLocks noGrp="1"/>
           </p:cNvSpPr>
@@ -2572,8 +2572,8 @@
         </p:nvSpPr>
         <p:spPr>
           <a:xfrm>
-            <a:off x="5183188" y="987425"/>
-            <a:ext cx="6172200" cy="4873625"/>
+            <a:off x="3887391" y="987426"/>
+            <a:ext cx="4629150" cy="4873625"/>
           </a:xfrm>
         </p:spPr>
         <p:txBody>
@@ -2610,76 +2610,76 @@
           <a:p>
             <a:pPr lvl="0"/>
             <a:r>
-              <a:rPr kumimoji="1" lang="ja-JP" altLang="en-US" smtClean="0"/>
+              <a:rPr lang="ja-JP" altLang="en-US" smtClean="0"/>
               <a:t>マスター テキストの書式設定</a:t>
             </a:r>
           </a:p>
           <a:p>
             <a:pPr lvl="1"/>
             <a:r>
-              <a:rPr kumimoji="1" lang="ja-JP" altLang="en-US" smtClean="0"/>
+              <a:rPr lang="ja-JP" altLang="en-US" smtClean="0"/>
               <a:t>第 </a:t>
             </a:r>
             <a:r>
-              <a:rPr kumimoji="1" lang="en-US" altLang="ja-JP" smtClean="0"/>
+              <a:rPr lang="en-US" altLang="ja-JP" smtClean="0"/>
               <a:t>2 </a:t>
             </a:r>
             <a:r>
-              <a:rPr kumimoji="1" lang="ja-JP" altLang="en-US" smtClean="0"/>
+              <a:rPr lang="ja-JP" altLang="en-US" smtClean="0"/>
               <a:t>レベル</a:t>
             </a:r>
           </a:p>
           <a:p>
             <a:pPr lvl="2"/>
             <a:r>
-              <a:rPr kumimoji="1" lang="ja-JP" altLang="en-US" smtClean="0"/>
+              <a:rPr lang="ja-JP" altLang="en-US" smtClean="0"/>
               <a:t>第 </a:t>
             </a:r>
             <a:r>
-              <a:rPr kumimoji="1" lang="en-US" altLang="ja-JP" smtClean="0"/>
+              <a:rPr lang="en-US" altLang="ja-JP" smtClean="0"/>
               <a:t>3 </a:t>
             </a:r>
             <a:r>
-              <a:rPr kumimoji="1" lang="ja-JP" altLang="en-US" smtClean="0"/>
+              <a:rPr lang="ja-JP" altLang="en-US" smtClean="0"/>
               <a:t>レベル</a:t>
             </a:r>
           </a:p>
           <a:p>
             <a:pPr lvl="3"/>
             <a:r>
-              <a:rPr kumimoji="1" lang="ja-JP" altLang="en-US" smtClean="0"/>
+              <a:rPr lang="ja-JP" altLang="en-US" smtClean="0"/>
               <a:t>第 </a:t>
             </a:r>
             <a:r>
-              <a:rPr kumimoji="1" lang="en-US" altLang="ja-JP" smtClean="0"/>
+              <a:rPr lang="en-US" altLang="ja-JP" smtClean="0"/>
               <a:t>4 </a:t>
             </a:r>
             <a:r>
-              <a:rPr kumimoji="1" lang="ja-JP" altLang="en-US" smtClean="0"/>
+              <a:rPr lang="ja-JP" altLang="en-US" smtClean="0"/>
               <a:t>レベル</a:t>
             </a:r>
           </a:p>
           <a:p>
             <a:pPr lvl="4"/>
             <a:r>
-              <a:rPr kumimoji="1" lang="ja-JP" altLang="en-US" smtClean="0"/>
+              <a:rPr lang="ja-JP" altLang="en-US" smtClean="0"/>
               <a:t>第 </a:t>
             </a:r>
             <a:r>
-              <a:rPr kumimoji="1" lang="en-US" altLang="ja-JP" smtClean="0"/>
+              <a:rPr lang="en-US" altLang="ja-JP" smtClean="0"/>
               <a:t>5 </a:t>
             </a:r>
             <a:r>
-              <a:rPr kumimoji="1" lang="ja-JP" altLang="en-US" smtClean="0"/>
+              <a:rPr lang="ja-JP" altLang="en-US" smtClean="0"/>
               <a:t>レベル</a:t>
             </a:r>
-            <a:endParaRPr kumimoji="1" lang="ja-JP" altLang="en-US"/>
-          </a:p>
-        </p:txBody>
-      </p:sp>
-      <p:sp>
-        <p:nvSpPr>
-          <p:cNvPr id="4" name="テキスト プレースホルダー 3"/>
+            <a:endParaRPr lang="en-US" dirty="0"/>
+          </a:p>
+        </p:txBody>
+      </p:sp>
+      <p:sp>
+        <p:nvSpPr>
+          <p:cNvPr id="4" name="Text Placeholder 3"/>
           <p:cNvSpPr>
             <a:spLocks noGrp="1"/>
           </p:cNvSpPr>
@@ -2689,8 +2689,8 @@
         </p:nvSpPr>
         <p:spPr>
           <a:xfrm>
-            <a:off x="839788" y="2057400"/>
-            <a:ext cx="3932237" cy="3811588"/>
+            <a:off x="629841" y="2057400"/>
+            <a:ext cx="2949178" cy="3811588"/>
           </a:xfrm>
         </p:spPr>
         <p:txBody>
@@ -2736,30 +2736,30 @@
           <a:p>
             <a:pPr lvl="0"/>
             <a:r>
+              <a:rPr lang="ja-JP" altLang="en-US" smtClean="0"/>
+              <a:t>マスター テキストの書式設定</a:t>
+            </a:r>
+          </a:p>
+        </p:txBody>
+      </p:sp>
+      <p:sp>
+        <p:nvSpPr>
+          <p:cNvPr id="5" name="Date Placeholder 4"/>
+          <p:cNvSpPr>
+            <a:spLocks noGrp="1"/>
+          </p:cNvSpPr>
+          <p:nvPr>
+            <p:ph type="dt" sz="half" idx="10"/>
+          </p:nvPr>
+        </p:nvSpPr>
+        <p:spPr/>
+        <p:txBody>
+          <a:bodyPr/>
+          <a:lstStyle/>
+          <a:p>
+            <a:fld id="{24FF13B5-8080-4369-B18E-A47C7DC1EF3C}" type="datetime1">
               <a:rPr kumimoji="1" lang="ja-JP" altLang="en-US" smtClean="0"/>
-              <a:t>マスター テキストの書式設定</a:t>
-            </a:r>
-          </a:p>
-        </p:txBody>
-      </p:sp>
-      <p:sp>
-        <p:nvSpPr>
-          <p:cNvPr id="5" name="日付プレースホルダー 4"/>
-          <p:cNvSpPr>
-            <a:spLocks noGrp="1"/>
-          </p:cNvSpPr>
-          <p:nvPr>
-            <p:ph type="dt" sz="half" idx="10"/>
-          </p:nvPr>
-        </p:nvSpPr>
-        <p:spPr/>
-        <p:txBody>
-          <a:bodyPr/>
-          <a:lstStyle/>
-          <a:p>
-            <a:fld id="{DF84CE36-3F8D-4EB7-9049-1B785D0F5DF6}" type="datetime1">
-              <a:rPr kumimoji="1" lang="ja-JP" altLang="en-US" smtClean="0"/>
-              <a:t>2021/4/30</a:t>
+              <a:t>2021/7/2</a:t>
             </a:fld>
             <a:endParaRPr kumimoji="1" lang="ja-JP" altLang="en-US"/>
           </a:p>
@@ -2767,7 +2767,7 @@
       </p:sp>
       <p:sp>
         <p:nvSpPr>
-          <p:cNvPr id="6" name="フッター プレースホルダー 5"/>
+          <p:cNvPr id="6" name="Footer Placeholder 5"/>
           <p:cNvSpPr>
             <a:spLocks noGrp="1"/>
           </p:cNvSpPr>
@@ -2786,7 +2786,7 @@
       </p:sp>
       <p:sp>
         <p:nvSpPr>
-          <p:cNvPr id="7" name="スライド番号プレースホルダー 6"/>
+          <p:cNvPr id="7" name="Slide Number Placeholder 6"/>
           <p:cNvSpPr>
             <a:spLocks noGrp="1"/>
           </p:cNvSpPr>
@@ -2799,7 +2799,7 @@
           <a:bodyPr/>
           <a:lstStyle/>
           <a:p>
-            <a:fld id="{77022724-7A88-4190-89E1-23935288E045}" type="slidenum">
+            <a:fld id="{4A32CB03-0843-4AF8-BFB2-C9917854BC7E}" type="slidenum">
               <a:rPr kumimoji="1" lang="ja-JP" altLang="en-US" smtClean="0"/>
               <a:t>‹#›</a:t>
             </a:fld>
@@ -2810,7 +2810,7 @@
     </p:spTree>
     <p:extLst>
       <p:ext uri="{BB962C8B-B14F-4D97-AF65-F5344CB8AC3E}">
-        <p14:creationId xmlns:p14="http://schemas.microsoft.com/office/powerpoint/2010/main" val="576972588"/>
+        <p14:creationId xmlns:p14="http://schemas.microsoft.com/office/powerpoint/2010/main" val="4168409583"/>
       </p:ext>
     </p:extLst>
   </p:cSld>
@@ -2839,7 +2839,7 @@
       </p:grpSpPr>
       <p:sp>
         <p:nvSpPr>
-          <p:cNvPr id="2" name="タイトル 1"/>
+          <p:cNvPr id="2" name="Title 1"/>
           <p:cNvSpPr>
             <a:spLocks noGrp="1"/>
           </p:cNvSpPr>
@@ -2849,8 +2849,8 @@
         </p:nvSpPr>
         <p:spPr>
           <a:xfrm>
-            <a:off x="839788" y="457200"/>
-            <a:ext cx="3932237" cy="1600200"/>
+            <a:off x="629841" y="457200"/>
+            <a:ext cx="2949178" cy="1600200"/>
           </a:xfrm>
         </p:spPr>
         <p:txBody>
@@ -2862,18 +2862,18 @@
           </a:lstStyle>
           <a:p>
             <a:r>
-              <a:rPr kumimoji="1" lang="ja-JP" altLang="en-US" smtClean="0"/>
+              <a:rPr lang="ja-JP" altLang="en-US" smtClean="0"/>
               <a:t>マスター タイトルの書式設定</a:t>
             </a:r>
-            <a:endParaRPr kumimoji="1" lang="ja-JP" altLang="en-US"/>
-          </a:p>
-        </p:txBody>
-      </p:sp>
-      <p:sp>
-        <p:nvSpPr>
-          <p:cNvPr id="3" name="図プレースホルダー 2"/>
-          <p:cNvSpPr>
-            <a:spLocks noGrp="1"/>
+            <a:endParaRPr lang="en-US" dirty="0"/>
+          </a:p>
+        </p:txBody>
+      </p:sp>
+      <p:sp>
+        <p:nvSpPr>
+          <p:cNvPr id="3" name="Picture Placeholder 2"/>
+          <p:cNvSpPr>
+            <a:spLocks noGrp="1" noChangeAspect="1"/>
           </p:cNvSpPr>
           <p:nvPr>
             <p:ph type="pic" idx="1"/>
@@ -2881,12 +2881,12 @@
         </p:nvSpPr>
         <p:spPr>
           <a:xfrm>
-            <a:off x="5183188" y="987425"/>
-            <a:ext cx="6172200" cy="4873625"/>
+            <a:off x="3887391" y="987426"/>
+            <a:ext cx="4629150" cy="4873625"/>
           </a:xfrm>
         </p:spPr>
         <p:txBody>
-          <a:bodyPr/>
+          <a:bodyPr anchor="t"/>
           <a:lstStyle>
             <a:lvl1pPr marL="0" indent="0">
               <a:buNone/>
@@ -2926,13 +2926,17 @@
             </a:lvl9pPr>
           </a:lstStyle>
           <a:p>
-            <a:endParaRPr kumimoji="1" lang="ja-JP" altLang="en-US"/>
-          </a:p>
-        </p:txBody>
-      </p:sp>
-      <p:sp>
-        <p:nvSpPr>
-          <p:cNvPr id="4" name="テキスト プレースホルダー 3"/>
+            <a:r>
+              <a:rPr lang="ja-JP" altLang="en-US" smtClean="0"/>
+              <a:t>図を追加</a:t>
+            </a:r>
+            <a:endParaRPr lang="en-US" dirty="0"/>
+          </a:p>
+        </p:txBody>
+      </p:sp>
+      <p:sp>
+        <p:nvSpPr>
+          <p:cNvPr id="4" name="Text Placeholder 3"/>
           <p:cNvSpPr>
             <a:spLocks noGrp="1"/>
           </p:cNvSpPr>
@@ -2942,8 +2946,8 @@
         </p:nvSpPr>
         <p:spPr>
           <a:xfrm>
-            <a:off x="839788" y="2057400"/>
-            <a:ext cx="3932237" cy="3811588"/>
+            <a:off x="629841" y="2057400"/>
+            <a:ext cx="2949178" cy="3811588"/>
           </a:xfrm>
         </p:spPr>
         <p:txBody>
@@ -2989,30 +2993,30 @@
           <a:p>
             <a:pPr lvl="0"/>
             <a:r>
+              <a:rPr lang="ja-JP" altLang="en-US" smtClean="0"/>
+              <a:t>マスター テキストの書式設定</a:t>
+            </a:r>
+          </a:p>
+        </p:txBody>
+      </p:sp>
+      <p:sp>
+        <p:nvSpPr>
+          <p:cNvPr id="5" name="Date Placeholder 4"/>
+          <p:cNvSpPr>
+            <a:spLocks noGrp="1"/>
+          </p:cNvSpPr>
+          <p:nvPr>
+            <p:ph type="dt" sz="half" idx="10"/>
+          </p:nvPr>
+        </p:nvSpPr>
+        <p:spPr/>
+        <p:txBody>
+          <a:bodyPr/>
+          <a:lstStyle/>
+          <a:p>
+            <a:fld id="{CE6ABB78-4FBA-43B9-8ECE-65353FBA2DF2}" type="datetime1">
               <a:rPr kumimoji="1" lang="ja-JP" altLang="en-US" smtClean="0"/>
-              <a:t>マスター テキストの書式設定</a:t>
-            </a:r>
-          </a:p>
-        </p:txBody>
-      </p:sp>
-      <p:sp>
-        <p:nvSpPr>
-          <p:cNvPr id="5" name="日付プレースホルダー 4"/>
-          <p:cNvSpPr>
-            <a:spLocks noGrp="1"/>
-          </p:cNvSpPr>
-          <p:nvPr>
-            <p:ph type="dt" sz="half" idx="10"/>
-          </p:nvPr>
-        </p:nvSpPr>
-        <p:spPr/>
-        <p:txBody>
-          <a:bodyPr/>
-          <a:lstStyle/>
-          <a:p>
-            <a:fld id="{46495BBD-A901-4F4F-B3C5-58F8DAC0E3FC}" type="datetime1">
-              <a:rPr kumimoji="1" lang="ja-JP" altLang="en-US" smtClean="0"/>
-              <a:t>2021/4/30</a:t>
+              <a:t>2021/7/2</a:t>
             </a:fld>
             <a:endParaRPr kumimoji="1" lang="ja-JP" altLang="en-US"/>
           </a:p>
@@ -3020,7 +3024,7 @@
       </p:sp>
       <p:sp>
         <p:nvSpPr>
-          <p:cNvPr id="6" name="フッター プレースホルダー 5"/>
+          <p:cNvPr id="6" name="Footer Placeholder 5"/>
           <p:cNvSpPr>
             <a:spLocks noGrp="1"/>
           </p:cNvSpPr>
@@ -3039,7 +3043,7 @@
       </p:sp>
       <p:sp>
         <p:nvSpPr>
-          <p:cNvPr id="7" name="スライド番号プレースホルダー 6"/>
+          <p:cNvPr id="7" name="Slide Number Placeholder 6"/>
           <p:cNvSpPr>
             <a:spLocks noGrp="1"/>
           </p:cNvSpPr>
@@ -3052,7 +3056,7 @@
           <a:bodyPr/>
           <a:lstStyle/>
           <a:p>
-            <a:fld id="{77022724-7A88-4190-89E1-23935288E045}" type="slidenum">
+            <a:fld id="{4A32CB03-0843-4AF8-BFB2-C9917854BC7E}" type="slidenum">
               <a:rPr kumimoji="1" lang="ja-JP" altLang="en-US" smtClean="0"/>
               <a:t>‹#›</a:t>
             </a:fld>
@@ -3063,7 +3067,7 @@
     </p:spTree>
     <p:extLst>
       <p:ext uri="{BB962C8B-B14F-4D97-AF65-F5344CB8AC3E}">
-        <p14:creationId xmlns:p14="http://schemas.microsoft.com/office/powerpoint/2010/main" val="3232930411"/>
+        <p14:creationId xmlns:p14="http://schemas.microsoft.com/office/powerpoint/2010/main" val="2145541608"/>
       </p:ext>
     </p:extLst>
   </p:cSld>
@@ -3097,7 +3101,7 @@
       </p:grpSpPr>
       <p:sp>
         <p:nvSpPr>
-          <p:cNvPr id="2" name="タイトル プレースホルダー 1"/>
+          <p:cNvPr id="2" name="Title Placeholder 1"/>
           <p:cNvSpPr>
             <a:spLocks noGrp="1"/>
           </p:cNvSpPr>
@@ -3107,8 +3111,8 @@
         </p:nvSpPr>
         <p:spPr>
           <a:xfrm>
-            <a:off x="838200" y="365125"/>
-            <a:ext cx="10515600" cy="1325563"/>
+            <a:off x="628650" y="365126"/>
+            <a:ext cx="7886700" cy="1325563"/>
           </a:xfrm>
           <a:prstGeom prst="rect">
             <a:avLst/>
@@ -3121,16 +3125,16 @@
           <a:lstStyle/>
           <a:p>
             <a:r>
-              <a:rPr kumimoji="1" lang="ja-JP" altLang="en-US" smtClean="0"/>
+              <a:rPr lang="ja-JP" altLang="en-US" smtClean="0"/>
               <a:t>マスター タイトルの書式設定</a:t>
             </a:r>
-            <a:endParaRPr kumimoji="1" lang="ja-JP" altLang="en-US"/>
-          </a:p>
-        </p:txBody>
-      </p:sp>
-      <p:sp>
-        <p:nvSpPr>
-          <p:cNvPr id="3" name="テキスト プレースホルダー 2"/>
+            <a:endParaRPr lang="en-US" dirty="0"/>
+          </a:p>
+        </p:txBody>
+      </p:sp>
+      <p:sp>
+        <p:nvSpPr>
+          <p:cNvPr id="3" name="Text Placeholder 2"/>
           <p:cNvSpPr>
             <a:spLocks noGrp="1"/>
           </p:cNvSpPr>
@@ -3140,8 +3144,8 @@
         </p:nvSpPr>
         <p:spPr>
           <a:xfrm>
-            <a:off x="838200" y="1825625"/>
-            <a:ext cx="10515600" cy="4351338"/>
+            <a:off x="628650" y="1825625"/>
+            <a:ext cx="7886700" cy="4351338"/>
           </a:xfrm>
           <a:prstGeom prst="rect">
             <a:avLst/>
@@ -3155,76 +3159,76 @@
           <a:p>
             <a:pPr lvl="0"/>
             <a:r>
-              <a:rPr kumimoji="1" lang="ja-JP" altLang="en-US" smtClean="0"/>
+              <a:rPr lang="ja-JP" altLang="en-US" smtClean="0"/>
               <a:t>マスター テキストの書式設定</a:t>
             </a:r>
           </a:p>
           <a:p>
             <a:pPr lvl="1"/>
             <a:r>
-              <a:rPr kumimoji="1" lang="ja-JP" altLang="en-US" smtClean="0"/>
+              <a:rPr lang="ja-JP" altLang="en-US" smtClean="0"/>
               <a:t>第 </a:t>
             </a:r>
             <a:r>
-              <a:rPr kumimoji="1" lang="en-US" altLang="ja-JP" smtClean="0"/>
+              <a:rPr lang="en-US" altLang="ja-JP" smtClean="0"/>
               <a:t>2 </a:t>
             </a:r>
             <a:r>
-              <a:rPr kumimoji="1" lang="ja-JP" altLang="en-US" smtClean="0"/>
+              <a:rPr lang="ja-JP" altLang="en-US" smtClean="0"/>
               <a:t>レベル</a:t>
             </a:r>
           </a:p>
           <a:p>
             <a:pPr lvl="2"/>
             <a:r>
-              <a:rPr kumimoji="1" lang="ja-JP" altLang="en-US" smtClean="0"/>
+              <a:rPr lang="ja-JP" altLang="en-US" smtClean="0"/>
               <a:t>第 </a:t>
             </a:r>
             <a:r>
-              <a:rPr kumimoji="1" lang="en-US" altLang="ja-JP" smtClean="0"/>
+              <a:rPr lang="en-US" altLang="ja-JP" smtClean="0"/>
               <a:t>3 </a:t>
             </a:r>
             <a:r>
-              <a:rPr kumimoji="1" lang="ja-JP" altLang="en-US" smtClean="0"/>
+              <a:rPr lang="ja-JP" altLang="en-US" smtClean="0"/>
               <a:t>レベル</a:t>
             </a:r>
           </a:p>
           <a:p>
             <a:pPr lvl="3"/>
             <a:r>
-              <a:rPr kumimoji="1" lang="ja-JP" altLang="en-US" smtClean="0"/>
+              <a:rPr lang="ja-JP" altLang="en-US" smtClean="0"/>
               <a:t>第 </a:t>
             </a:r>
             <a:r>
-              <a:rPr kumimoji="1" lang="en-US" altLang="ja-JP" smtClean="0"/>
+              <a:rPr lang="en-US" altLang="ja-JP" smtClean="0"/>
               <a:t>4 </a:t>
             </a:r>
             <a:r>
-              <a:rPr kumimoji="1" lang="ja-JP" altLang="en-US" smtClean="0"/>
+              <a:rPr lang="ja-JP" altLang="en-US" smtClean="0"/>
               <a:t>レベル</a:t>
             </a:r>
           </a:p>
           <a:p>
             <a:pPr lvl="4"/>
             <a:r>
-              <a:rPr kumimoji="1" lang="ja-JP" altLang="en-US" smtClean="0"/>
+              <a:rPr lang="ja-JP" altLang="en-US" smtClean="0"/>
               <a:t>第 </a:t>
             </a:r>
             <a:r>
-              <a:rPr kumimoji="1" lang="en-US" altLang="ja-JP" smtClean="0"/>
+              <a:rPr lang="en-US" altLang="ja-JP" smtClean="0"/>
               <a:t>5 </a:t>
             </a:r>
             <a:r>
-              <a:rPr kumimoji="1" lang="ja-JP" altLang="en-US" smtClean="0"/>
+              <a:rPr lang="ja-JP" altLang="en-US" smtClean="0"/>
               <a:t>レベル</a:t>
             </a:r>
-            <a:endParaRPr kumimoji="1" lang="ja-JP" altLang="en-US"/>
-          </a:p>
-        </p:txBody>
-      </p:sp>
-      <p:sp>
-        <p:nvSpPr>
-          <p:cNvPr id="4" name="日付プレースホルダー 3"/>
+            <a:endParaRPr lang="en-US" dirty="0"/>
+          </a:p>
+        </p:txBody>
+      </p:sp>
+      <p:sp>
+        <p:nvSpPr>
+          <p:cNvPr id="4" name="Date Placeholder 3"/>
           <p:cNvSpPr>
             <a:spLocks noGrp="1"/>
           </p:cNvSpPr>
@@ -3234,8 +3238,8 @@
         </p:nvSpPr>
         <p:spPr>
           <a:xfrm>
-            <a:off x="838200" y="6356350"/>
-            <a:ext cx="2743200" cy="365125"/>
+            <a:off x="628650" y="6356351"/>
+            <a:ext cx="2057400" cy="365125"/>
           </a:xfrm>
           <a:prstGeom prst="rect">
             <a:avLst/>
@@ -3255,9 +3259,9 @@
             </a:lvl1pPr>
           </a:lstStyle>
           <a:p>
-            <a:fld id="{DE95AE2F-41B9-4508-88EF-08E0CC830764}" type="datetime1">
+            <a:fld id="{25B2B056-B4AA-4D55-9226-508BBA0DE7B1}" type="datetime1">
               <a:rPr kumimoji="1" lang="ja-JP" altLang="en-US" smtClean="0"/>
-              <a:t>2021/4/30</a:t>
+              <a:t>2021/7/2</a:t>
             </a:fld>
             <a:endParaRPr kumimoji="1" lang="ja-JP" altLang="en-US"/>
           </a:p>
@@ -3265,7 +3269,7 @@
       </p:sp>
       <p:sp>
         <p:nvSpPr>
-          <p:cNvPr id="5" name="フッター プレースホルダー 4"/>
+          <p:cNvPr id="5" name="Footer Placeholder 4"/>
           <p:cNvSpPr>
             <a:spLocks noGrp="1"/>
           </p:cNvSpPr>
@@ -3275,8 +3279,8 @@
         </p:nvSpPr>
         <p:spPr>
           <a:xfrm>
-            <a:off x="4038600" y="6356350"/>
-            <a:ext cx="4114800" cy="365125"/>
+            <a:off x="3028950" y="6356351"/>
+            <a:ext cx="3086100" cy="365125"/>
           </a:xfrm>
           <a:prstGeom prst="rect">
             <a:avLst/>
@@ -3302,7 +3306,7 @@
       </p:sp>
       <p:sp>
         <p:nvSpPr>
-          <p:cNvPr id="6" name="スライド番号プレースホルダー 5"/>
+          <p:cNvPr id="6" name="Slide Number Placeholder 5"/>
           <p:cNvSpPr>
             <a:spLocks noGrp="1"/>
           </p:cNvSpPr>
@@ -3312,8 +3316,8 @@
         </p:nvSpPr>
         <p:spPr>
           <a:xfrm>
-            <a:off x="8610600" y="6356350"/>
-            <a:ext cx="2743200" cy="365125"/>
+            <a:off x="6457950" y="6356351"/>
+            <a:ext cx="2057400" cy="365125"/>
           </a:xfrm>
           <a:prstGeom prst="rect">
             <a:avLst/>
@@ -3333,7 +3337,7 @@
             </a:lvl1pPr>
           </a:lstStyle>
           <a:p>
-            <a:fld id="{77022724-7A88-4190-89E1-23935288E045}" type="slidenum">
+            <a:fld id="{4A32CB03-0843-4AF8-BFB2-C9917854BC7E}" type="slidenum">
               <a:rPr kumimoji="1" lang="ja-JP" altLang="en-US" smtClean="0"/>
               <a:t>‹#›</a:t>
             </a:fld>
@@ -3344,23 +3348,23 @@
     </p:spTree>
     <p:extLst>
       <p:ext uri="{BB962C8B-B14F-4D97-AF65-F5344CB8AC3E}">
-        <p14:creationId xmlns:p14="http://schemas.microsoft.com/office/powerpoint/2010/main" val="1523007814"/>
+        <p14:creationId xmlns:p14="http://schemas.microsoft.com/office/powerpoint/2010/main" val="811788725"/>
       </p:ext>
     </p:extLst>
   </p:cSld>
   <p:clrMap bg1="lt1" tx1="dk1" bg2="lt2" tx2="dk2" accent1="accent1" accent2="accent2" accent3="accent3" accent4="accent4" accent5="accent5" accent6="accent6" hlink="hlink" folHlink="folHlink"/>
   <p:sldLayoutIdLst>
-    <p:sldLayoutId id="2147483649" r:id="rId1"/>
-    <p:sldLayoutId id="2147483650" r:id="rId2"/>
-    <p:sldLayoutId id="2147483651" r:id="rId3"/>
-    <p:sldLayoutId id="2147483652" r:id="rId4"/>
-    <p:sldLayoutId id="2147483653" r:id="rId5"/>
-    <p:sldLayoutId id="2147483654" r:id="rId6"/>
-    <p:sldLayoutId id="2147483655" r:id="rId7"/>
-    <p:sldLayoutId id="2147483656" r:id="rId8"/>
-    <p:sldLayoutId id="2147483657" r:id="rId9"/>
-    <p:sldLayoutId id="2147483658" r:id="rId10"/>
-    <p:sldLayoutId id="2147483659" r:id="rId11"/>
+    <p:sldLayoutId id="2147483661" r:id="rId1"/>
+    <p:sldLayoutId id="2147483662" r:id="rId2"/>
+    <p:sldLayoutId id="2147483663" r:id="rId3"/>
+    <p:sldLayoutId id="2147483664" r:id="rId4"/>
+    <p:sldLayoutId id="2147483665" r:id="rId5"/>
+    <p:sldLayoutId id="2147483666" r:id="rId6"/>
+    <p:sldLayoutId id="2147483667" r:id="rId7"/>
+    <p:sldLayoutId id="2147483668" r:id="rId8"/>
+    <p:sldLayoutId id="2147483669" r:id="rId9"/>
+    <p:sldLayoutId id="2147483670" r:id="rId10"/>
+    <p:sldLayoutId id="2147483671" r:id="rId11"/>
   </p:sldLayoutIdLst>
   <p:hf hdr="0" ftr="0" dt="0"/>
   <p:txStyles>
@@ -3549,7 +3553,7 @@
     </p:bodyStyle>
     <p:otherStyle>
       <a:defPPr>
-        <a:defRPr lang="ja-JP"/>
+        <a:defRPr lang="en-US"/>
       </a:defPPr>
       <a:lvl1pPr marL="0" algn="l" defTabSz="914400" rtl="0" eaLnBrk="1" latinLnBrk="0" hangingPunct="1">
         <a:defRPr kumimoji="1" sz="1800" kern="1200">
@@ -3673,48 +3677,59 @@
             <p:ph type="ctrTitle"/>
           </p:nvPr>
         </p:nvSpPr>
-        <p:spPr/>
+        <p:spPr>
+          <a:xfrm>
+            <a:off x="1015551" y="2481933"/>
+            <a:ext cx="6858000" cy="1790700"/>
+          </a:xfrm>
+        </p:spPr>
+        <p:txBody>
+          <a:bodyPr>
+            <a:normAutofit fontScale="90000"/>
+          </a:bodyPr>
+          <a:lstStyle/>
+          <a:p>
+            <a:r>
+              <a:rPr lang="ja-JP" altLang="en-US" dirty="0" smtClean="0"/>
+              <a:t>ブロックプログラミングを用いたプログラムの論理的思考・コーディングを身に着けるための研究</a:t>
+            </a:r>
+            <a:endParaRPr kumimoji="1" lang="ja-JP" altLang="en-US" dirty="0"/>
+          </a:p>
+        </p:txBody>
+      </p:sp>
+      <p:sp>
+        <p:nvSpPr>
+          <p:cNvPr id="3" name="サブタイトル 2"/>
+          <p:cNvSpPr>
+            <a:spLocks noGrp="1"/>
+          </p:cNvSpPr>
+          <p:nvPr>
+            <p:ph type="subTitle" idx="1"/>
+          </p:nvPr>
+        </p:nvSpPr>
+        <p:spPr>
+          <a:xfrm>
+            <a:off x="1015551" y="4382700"/>
+            <a:ext cx="6858000" cy="1241823"/>
+          </a:xfrm>
+        </p:spPr>
         <p:txBody>
           <a:bodyPr/>
           <a:lstStyle/>
           <a:p>
             <a:r>
               <a:rPr kumimoji="1" lang="ja-JP" altLang="en-US" dirty="0" smtClean="0"/>
-              <a:t>卒業研究内容案</a:t>
-            </a:r>
-            <a:endParaRPr kumimoji="1" lang="ja-JP" altLang="en-US" dirty="0"/>
-          </a:p>
-        </p:txBody>
-      </p:sp>
-      <p:sp>
-        <p:nvSpPr>
-          <p:cNvPr id="3" name="サブタイトル 2"/>
-          <p:cNvSpPr>
-            <a:spLocks noGrp="1"/>
-          </p:cNvSpPr>
-          <p:nvPr>
-            <p:ph type="subTitle" idx="1"/>
-          </p:nvPr>
-        </p:nvSpPr>
-        <p:spPr/>
-        <p:txBody>
-          <a:bodyPr/>
-          <a:lstStyle/>
-          <a:p>
+              <a:t>学籍番号：</a:t>
+            </a:r>
             <a:r>
               <a:rPr kumimoji="1" lang="en-US" altLang="ja-JP" dirty="0" smtClean="0"/>
               <a:t>1821121</a:t>
             </a:r>
-            <a:r>
-              <a:rPr kumimoji="1" lang="ja-JP" altLang="en-US" dirty="0" smtClean="0"/>
-              <a:t> 島岡慎也</a:t>
-            </a:r>
-            <a:endParaRPr kumimoji="1" lang="en-US" altLang="ja-JP" dirty="0" smtClean="0"/>
-          </a:p>
-          <a:p>
-            <a:r>
-              <a:rPr lang="en-US" altLang="ja-JP" dirty="0" smtClean="0"/>
-              <a:t>2021/04/16</a:t>
+          </a:p>
+          <a:p>
+            <a:r>
+              <a:rPr lang="ja-JP" altLang="en-US" dirty="0" smtClean="0"/>
+              <a:t>氏名：島岡慎也</a:t>
             </a:r>
             <a:endParaRPr kumimoji="1" lang="ja-JP" altLang="en-US" dirty="0"/>
           </a:p>
@@ -3736,17 +3751,17 @@
           <a:lstStyle/>
           <a:p>
             <a:fld id="{77022724-7A88-4190-89E1-23935288E045}" type="slidenum">
-              <a:rPr kumimoji="1" lang="ja-JP" altLang="en-US" smtClean="0"/>
+              <a:rPr kumimoji="1" lang="ja-JP" altLang="en-US" sz="2400" smtClean="0"/>
               <a:t>1</a:t>
             </a:fld>
-            <a:endParaRPr kumimoji="1" lang="ja-JP" altLang="en-US"/>
+            <a:endParaRPr kumimoji="1" lang="ja-JP" altLang="en-US" sz="2400" dirty="0"/>
           </a:p>
         </p:txBody>
       </p:sp>
     </p:spTree>
     <p:extLst>
       <p:ext uri="{BB962C8B-B14F-4D97-AF65-F5344CB8AC3E}">
-        <p14:creationId xmlns:p14="http://schemas.microsoft.com/office/powerpoint/2010/main" val="4210017903"/>
+        <p14:creationId xmlns:p14="http://schemas.microsoft.com/office/powerpoint/2010/main" val="3218976117"/>
       </p:ext>
     </p:extLst>
   </p:cSld>
@@ -3796,8 +3811,78 @@
           <a:lstStyle/>
           <a:p>
             <a:r>
+              <a:rPr lang="en-US" altLang="ja-JP" dirty="0" smtClean="0"/>
+              <a:t>Node.js</a:t>
+            </a:r>
+            <a:r>
+              <a:rPr lang="ja-JP" altLang="en-US" dirty="0" smtClean="0"/>
+              <a:t>について</a:t>
+            </a:r>
+            <a:endParaRPr kumimoji="1" lang="ja-JP" altLang="en-US" dirty="0"/>
+          </a:p>
+        </p:txBody>
+      </p:sp>
+      <p:sp>
+        <p:nvSpPr>
+          <p:cNvPr id="3" name="コンテンツ プレースホルダー 2"/>
+          <p:cNvSpPr>
+            <a:spLocks noGrp="1"/>
+          </p:cNvSpPr>
+          <p:nvPr>
+            <p:ph idx="1"/>
+          </p:nvPr>
+        </p:nvSpPr>
+        <p:spPr/>
+        <p:txBody>
+          <a:bodyPr/>
+          <a:lstStyle/>
+          <a:p>
+            <a:r>
+              <a:rPr kumimoji="1" lang="en-US" altLang="ja-JP" dirty="0" err="1" smtClean="0"/>
+              <a:t>Blockly</a:t>
+            </a:r>
+            <a:r>
+              <a:rPr lang="ja-JP" altLang="en-US" dirty="0"/>
+              <a:t>で</a:t>
+            </a:r>
+            <a:r>
+              <a:rPr lang="ja-JP" altLang="en-US" dirty="0" smtClean="0"/>
+              <a:t>は、</a:t>
+            </a:r>
+            <a:r>
+              <a:rPr kumimoji="1" lang="en-US" altLang="ja-JP" dirty="0" smtClean="0"/>
+              <a:t>Node</a:t>
+            </a:r>
+            <a:r>
+              <a:rPr lang="en-US" altLang="ja-JP" dirty="0" smtClean="0"/>
+              <a:t>.js</a:t>
+            </a:r>
+            <a:r>
+              <a:rPr lang="ja-JP" altLang="en-US" dirty="0" smtClean="0"/>
+              <a:t>を利用してコードの実行をしているように思えたが、実際には</a:t>
+            </a:r>
+            <a:r>
+              <a:rPr lang="en-US" altLang="ja-JP" dirty="0" err="1" smtClean="0"/>
+              <a:t>npm</a:t>
+            </a:r>
+            <a:r>
+              <a:rPr lang="ja-JP" altLang="en-US" dirty="0" smtClean="0"/>
+              <a:t>というパッケージ管理のために利用しているだけで、サーバとして利用しているわけでは</a:t>
+            </a:r>
+            <a:r>
+              <a:rPr lang="ja-JP" altLang="en-US" dirty="0"/>
+              <a:t>ないように</a:t>
+            </a:r>
+            <a:r>
+              <a:rPr lang="ja-JP" altLang="en-US" dirty="0" smtClean="0"/>
+              <a:t>も見える</a:t>
+            </a:r>
+            <a:endParaRPr lang="en-US" altLang="ja-JP" dirty="0" smtClean="0"/>
+          </a:p>
+          <a:p>
+            <a:r>
               <a:rPr kumimoji="1" lang="ja-JP" altLang="en-US" dirty="0" smtClean="0"/>
-              <a:t>概要</a:t>
+              <a:t>あまり理解できていないため、公式の情報を見直したい</a:t>
             </a:r>
             <a:endParaRPr kumimoji="1" lang="ja-JP" altLang="en-US" dirty="0"/>
           </a:p>
@@ -3805,373 +3890,7 @@
       </p:sp>
       <p:sp>
         <p:nvSpPr>
-          <p:cNvPr id="4" name="正方形/長方形 3"/>
-          <p:cNvSpPr/>
-          <p:nvPr/>
-        </p:nvSpPr>
-        <p:spPr>
-          <a:xfrm>
-            <a:off x="687824" y="1610315"/>
-            <a:ext cx="4839036" cy="5025154"/>
-          </a:xfrm>
-          <a:prstGeom prst="rect">
-            <a:avLst/>
-          </a:prstGeom>
-        </p:spPr>
-        <p:style>
-          <a:lnRef idx="2">
-            <a:schemeClr val="dk1"/>
-          </a:lnRef>
-          <a:fillRef idx="1">
-            <a:schemeClr val="lt1"/>
-          </a:fillRef>
-          <a:effectRef idx="0">
-            <a:schemeClr val="dk1"/>
-          </a:effectRef>
-          <a:fontRef idx="minor">
-            <a:schemeClr val="dk1"/>
-          </a:fontRef>
-        </p:style>
-        <p:txBody>
-          <a:bodyPr rtlCol="0" anchor="ctr"/>
-          <a:lstStyle/>
-          <a:p>
-            <a:pPr algn="ctr"/>
-            <a:endParaRPr kumimoji="1" lang="ja-JP" altLang="en-US"/>
-          </a:p>
-        </p:txBody>
-      </p:sp>
-      <p:sp>
-        <p:nvSpPr>
-          <p:cNvPr id="5" name="正方形/長方形 4"/>
-          <p:cNvSpPr/>
-          <p:nvPr/>
-        </p:nvSpPr>
-        <p:spPr>
-          <a:xfrm>
-            <a:off x="1788339" y="2306230"/>
-            <a:ext cx="2638004" cy="1197621"/>
-          </a:xfrm>
-          <a:prstGeom prst="rect">
-            <a:avLst/>
-          </a:prstGeom>
-        </p:spPr>
-        <p:style>
-          <a:lnRef idx="2">
-            <a:schemeClr val="dk1"/>
-          </a:lnRef>
-          <a:fillRef idx="1">
-            <a:schemeClr val="lt1"/>
-          </a:fillRef>
-          <a:effectRef idx="0">
-            <a:schemeClr val="dk1"/>
-          </a:effectRef>
-          <a:fontRef idx="minor">
-            <a:schemeClr val="dk1"/>
-          </a:fontRef>
-        </p:style>
-        <p:txBody>
-          <a:bodyPr rtlCol="0" anchor="ctr"/>
-          <a:lstStyle/>
-          <a:p>
-            <a:pPr algn="ctr"/>
-            <a:r>
-              <a:rPr kumimoji="1" lang="ja-JP" altLang="en-US" dirty="0" smtClean="0"/>
-              <a:t>最初はパーを出す</a:t>
-            </a:r>
-            <a:endParaRPr kumimoji="1" lang="ja-JP" altLang="en-US" dirty="0"/>
-          </a:p>
-        </p:txBody>
-      </p:sp>
-      <p:sp>
-        <p:nvSpPr>
-          <p:cNvPr id="6" name="下矢印 5"/>
-          <p:cNvSpPr/>
-          <p:nvPr/>
-        </p:nvSpPr>
-        <p:spPr>
-          <a:xfrm>
-            <a:off x="2767477" y="3681876"/>
-            <a:ext cx="671639" cy="639271"/>
-          </a:xfrm>
-          <a:prstGeom prst="downArrow">
-            <a:avLst/>
-          </a:prstGeom>
-        </p:spPr>
-        <p:style>
-          <a:lnRef idx="2">
-            <a:schemeClr val="dk1">
-              <a:shade val="50000"/>
-            </a:schemeClr>
-          </a:lnRef>
-          <a:fillRef idx="1">
-            <a:schemeClr val="dk1"/>
-          </a:fillRef>
-          <a:effectRef idx="0">
-            <a:schemeClr val="dk1"/>
-          </a:effectRef>
-          <a:fontRef idx="minor">
-            <a:schemeClr val="lt1"/>
-          </a:fontRef>
-        </p:style>
-        <p:txBody>
-          <a:bodyPr rtlCol="0" anchor="ctr"/>
-          <a:lstStyle/>
-          <a:p>
-            <a:pPr algn="ctr"/>
-            <a:endParaRPr kumimoji="1" lang="ja-JP" altLang="en-US"/>
-          </a:p>
-        </p:txBody>
-      </p:sp>
-      <p:sp>
-        <p:nvSpPr>
-          <p:cNvPr id="7" name="正方形/長方形 6"/>
-          <p:cNvSpPr/>
-          <p:nvPr/>
-        </p:nvSpPr>
-        <p:spPr>
-          <a:xfrm>
-            <a:off x="1784294" y="4499172"/>
-            <a:ext cx="2638004" cy="1197621"/>
-          </a:xfrm>
-          <a:prstGeom prst="rect">
-            <a:avLst/>
-          </a:prstGeom>
-        </p:spPr>
-        <p:style>
-          <a:lnRef idx="2">
-            <a:schemeClr val="dk1"/>
-          </a:lnRef>
-          <a:fillRef idx="1">
-            <a:schemeClr val="lt1"/>
-          </a:fillRef>
-          <a:effectRef idx="0">
-            <a:schemeClr val="dk1"/>
-          </a:effectRef>
-          <a:fontRef idx="minor">
-            <a:schemeClr val="dk1"/>
-          </a:fontRef>
-        </p:style>
-        <p:txBody>
-          <a:bodyPr rtlCol="0" anchor="ctr"/>
-          <a:lstStyle/>
-          <a:p>
-            <a:pPr algn="ctr"/>
-            <a:r>
-              <a:rPr lang="ja-JP" altLang="en-US" dirty="0"/>
-              <a:t>相手</a:t>
-            </a:r>
-            <a:r>
-              <a:rPr lang="ja-JP" altLang="en-US" dirty="0" smtClean="0"/>
-              <a:t>が前回パーを出したら</a:t>
-            </a:r>
-            <a:r>
-              <a:rPr lang="ja-JP" altLang="en-US" dirty="0"/>
-              <a:t>チョキ</a:t>
-            </a:r>
-            <a:r>
-              <a:rPr kumimoji="1" lang="ja-JP" altLang="en-US" dirty="0" smtClean="0"/>
-              <a:t>を出す</a:t>
-            </a:r>
-            <a:endParaRPr kumimoji="1" lang="ja-JP" altLang="en-US" dirty="0"/>
-          </a:p>
-        </p:txBody>
-      </p:sp>
-      <p:sp>
-        <p:nvSpPr>
-          <p:cNvPr id="8" name="正方形/長方形 7"/>
-          <p:cNvSpPr/>
-          <p:nvPr/>
-        </p:nvSpPr>
-        <p:spPr>
-          <a:xfrm>
-            <a:off x="6501951" y="1610315"/>
-            <a:ext cx="4839036" cy="4912412"/>
-          </a:xfrm>
-          <a:prstGeom prst="rect">
-            <a:avLst/>
-          </a:prstGeom>
-        </p:spPr>
-        <p:style>
-          <a:lnRef idx="2">
-            <a:schemeClr val="dk1"/>
-          </a:lnRef>
-          <a:fillRef idx="1">
-            <a:schemeClr val="lt1"/>
-          </a:fillRef>
-          <a:effectRef idx="0">
-            <a:schemeClr val="dk1"/>
-          </a:effectRef>
-          <a:fontRef idx="minor">
-            <a:schemeClr val="dk1"/>
-          </a:fontRef>
-        </p:style>
-        <p:txBody>
-          <a:bodyPr rtlCol="0" anchor="ctr"/>
-          <a:lstStyle/>
-          <a:p>
-            <a:endParaRPr lang="en-US" altLang="ja-JP" dirty="0" smtClean="0"/>
-          </a:p>
-          <a:p>
-            <a:r>
-              <a:rPr lang="en-US" altLang="ja-JP" dirty="0" smtClean="0"/>
-              <a:t>If(</a:t>
-            </a:r>
-            <a:r>
-              <a:rPr lang="en-US" altLang="ja-JP" dirty="0" err="1" smtClean="0"/>
-              <a:t>senseki</a:t>
-            </a:r>
-            <a:r>
-              <a:rPr lang="en-US" altLang="ja-JP" dirty="0" smtClean="0"/>
-              <a:t> ==0)</a:t>
-            </a:r>
-            <a:r>
-              <a:rPr lang="ja-JP" altLang="en-US" dirty="0" smtClean="0"/>
-              <a:t> </a:t>
-            </a:r>
-            <a:r>
-              <a:rPr lang="en-US" altLang="ja-JP" dirty="0" smtClean="0"/>
-              <a:t>pa</a:t>
-            </a:r>
-          </a:p>
-          <a:p>
-            <a:r>
-              <a:rPr lang="en-US" altLang="ja-JP" dirty="0" smtClean="0"/>
-              <a:t>//</a:t>
-            </a:r>
-            <a:r>
-              <a:rPr lang="en-US" altLang="ja-JP" dirty="0" err="1" smtClean="0"/>
-              <a:t>senseki</a:t>
-            </a:r>
-            <a:r>
-              <a:rPr lang="en-US" altLang="ja-JP" dirty="0" smtClean="0"/>
-              <a:t> </a:t>
-            </a:r>
-            <a:r>
-              <a:rPr lang="ja-JP" altLang="en-US" dirty="0" smtClean="0"/>
-              <a:t>は相手との戦績</a:t>
-            </a:r>
-            <a:endParaRPr lang="en-US" altLang="ja-JP" dirty="0" smtClean="0"/>
-          </a:p>
-          <a:p>
-            <a:r>
-              <a:rPr lang="en-US" altLang="ja-JP" dirty="0" smtClean="0"/>
-              <a:t>//pa </a:t>
-            </a:r>
-            <a:r>
-              <a:rPr lang="ja-JP" altLang="en-US" dirty="0" smtClean="0"/>
-              <a:t>は次にパーを出す</a:t>
-            </a:r>
-            <a:endParaRPr lang="en-US" altLang="ja-JP" dirty="0" smtClean="0"/>
-          </a:p>
-          <a:p>
-            <a:endParaRPr lang="en-US" altLang="ja-JP" dirty="0"/>
-          </a:p>
-          <a:p>
-            <a:r>
-              <a:rPr lang="en-US" altLang="ja-JP" dirty="0" smtClean="0"/>
-              <a:t>If(</a:t>
-            </a:r>
-            <a:r>
-              <a:rPr lang="en-US" altLang="ja-JP" dirty="0" err="1" smtClean="0"/>
-              <a:t>zenkai</a:t>
-            </a:r>
-            <a:r>
-              <a:rPr lang="en-US" altLang="ja-JP" dirty="0" smtClean="0"/>
-              <a:t> == pa) </a:t>
-            </a:r>
-            <a:r>
-              <a:rPr lang="en-US" altLang="ja-JP" dirty="0" err="1" smtClean="0"/>
-              <a:t>choki</a:t>
-            </a:r>
-            <a:endParaRPr lang="en-US" altLang="ja-JP" dirty="0" smtClean="0"/>
-          </a:p>
-          <a:p>
-            <a:r>
-              <a:rPr lang="en-US" altLang="ja-JP" dirty="0" smtClean="0"/>
-              <a:t>//</a:t>
-            </a:r>
-            <a:r>
-              <a:rPr lang="en-US" altLang="ja-JP" dirty="0" err="1" smtClean="0"/>
-              <a:t>zenkai</a:t>
-            </a:r>
-            <a:r>
-              <a:rPr lang="en-US" altLang="ja-JP" dirty="0" smtClean="0"/>
-              <a:t> </a:t>
-            </a:r>
-            <a:r>
-              <a:rPr lang="ja-JP" altLang="en-US" dirty="0" smtClean="0"/>
-              <a:t>は戦績がある場合に相手の手</a:t>
-            </a:r>
-            <a:endParaRPr lang="en-US" altLang="ja-JP" dirty="0" smtClean="0"/>
-          </a:p>
-          <a:p>
-            <a:r>
-              <a:rPr lang="en-US" altLang="ja-JP" dirty="0" smtClean="0"/>
-              <a:t>//</a:t>
-            </a:r>
-            <a:r>
-              <a:rPr lang="en-US" altLang="ja-JP" dirty="0" err="1" smtClean="0"/>
-              <a:t>choki</a:t>
-            </a:r>
-            <a:r>
-              <a:rPr lang="en-US" altLang="ja-JP" dirty="0" smtClean="0"/>
-              <a:t> </a:t>
-            </a:r>
-            <a:r>
-              <a:rPr lang="ja-JP" altLang="en-US" dirty="0" smtClean="0"/>
-              <a:t>は次にチョキを出す</a:t>
-            </a:r>
-            <a:endParaRPr lang="en-US" altLang="ja-JP" dirty="0"/>
-          </a:p>
-        </p:txBody>
-      </p:sp>
-      <p:sp>
-        <p:nvSpPr>
-          <p:cNvPr id="9" name="左右矢印 8"/>
-          <p:cNvSpPr/>
-          <p:nvPr/>
-        </p:nvSpPr>
-        <p:spPr>
-          <a:xfrm>
-            <a:off x="5563274" y="4001511"/>
-            <a:ext cx="902263" cy="614994"/>
-          </a:xfrm>
-          <a:prstGeom prst="leftRightArrow">
-            <a:avLst>
-              <a:gd name="adj1" fmla="val 3419"/>
-              <a:gd name="adj2" fmla="val 50000"/>
-            </a:avLst>
-          </a:prstGeom>
-        </p:spPr>
-        <p:style>
-          <a:lnRef idx="2">
-            <a:schemeClr val="dk1">
-              <a:shade val="50000"/>
-            </a:schemeClr>
-          </a:lnRef>
-          <a:fillRef idx="1">
-            <a:schemeClr val="dk1"/>
-          </a:fillRef>
-          <a:effectRef idx="0">
-            <a:schemeClr val="dk1"/>
-          </a:effectRef>
-          <a:fontRef idx="minor">
-            <a:schemeClr val="lt1"/>
-          </a:fontRef>
-        </p:style>
-        <p:txBody>
-          <a:bodyPr rtlCol="0" anchor="ctr"/>
-          <a:lstStyle/>
-          <a:p>
-            <a:pPr algn="ctr"/>
-            <a:endParaRPr kumimoji="1" lang="ja-JP" altLang="en-US"/>
-          </a:p>
-        </p:txBody>
-      </p:sp>
-      <p:sp>
-        <p:nvSpPr>
-          <p:cNvPr id="3" name="スライド番号プレースホルダー 2"/>
+          <p:cNvPr id="4" name="スライド番号プレースホルダー 3"/>
           <p:cNvSpPr>
             <a:spLocks noGrp="1"/>
           </p:cNvSpPr>
@@ -4184,7 +3903,7 @@
           <a:bodyPr/>
           <a:lstStyle/>
           <a:p>
-            <a:fld id="{77022724-7A88-4190-89E1-23935288E045}" type="slidenum">
+            <a:fld id="{4A32CB03-0843-4AF8-BFB2-C9917854BC7E}" type="slidenum">
               <a:rPr kumimoji="1" lang="ja-JP" altLang="en-US" smtClean="0"/>
               <a:t>10</a:t>
             </a:fld>
@@ -4195,20 +3914,13 @@
     </p:spTree>
     <p:extLst>
       <p:ext uri="{BB962C8B-B14F-4D97-AF65-F5344CB8AC3E}">
-        <p14:creationId xmlns:p14="http://schemas.microsoft.com/office/powerpoint/2010/main" val="4281366460"/>
+        <p14:creationId xmlns:p14="http://schemas.microsoft.com/office/powerpoint/2010/main" val="3535867368"/>
       </p:ext>
     </p:extLst>
   </p:cSld>
   <p:clrMapOvr>
     <a:masterClrMapping/>
   </p:clrMapOvr>
-  <p:timing>
-    <p:tnLst>
-      <p:par>
-        <p:cTn id="1" dur="indefinite" restart="never" nodeType="tmRoot"/>
-      </p:par>
-    </p:tnLst>
-  </p:timing>
 </p:sld>
 </file>
 
@@ -4245,195 +3957,88 @@
           <a:lstStyle/>
           <a:p>
             <a:r>
+              <a:rPr lang="en-US" altLang="ja-JP" dirty="0" err="1" smtClean="0"/>
+              <a:t>Node_modules</a:t>
+            </a:r>
+            <a:r>
+              <a:rPr lang="en-US" altLang="ja-JP" dirty="0" smtClean="0"/>
+              <a:t> install</a:t>
+            </a:r>
+            <a:endParaRPr kumimoji="1" lang="ja-JP" altLang="en-US" dirty="0"/>
+          </a:p>
+        </p:txBody>
+      </p:sp>
+      <p:sp>
+        <p:nvSpPr>
+          <p:cNvPr id="3" name="コンテンツ プレースホルダー 2"/>
+          <p:cNvSpPr>
+            <a:spLocks noGrp="1"/>
+          </p:cNvSpPr>
+          <p:nvPr>
+            <p:ph idx="1"/>
+          </p:nvPr>
+        </p:nvSpPr>
+        <p:spPr/>
+        <p:txBody>
+          <a:bodyPr/>
+          <a:lstStyle/>
+          <a:p>
+            <a:r>
+              <a:rPr lang="en-US" altLang="ja-JP" dirty="0" err="1" smtClean="0"/>
+              <a:t>Blockly</a:t>
+            </a:r>
+            <a:r>
+              <a:rPr lang="ja-JP" altLang="en-US" dirty="0" smtClean="0"/>
+              <a:t>公式によって用意されているモジュールのインストール</a:t>
+            </a:r>
+            <a:endParaRPr lang="en-US" altLang="ja-JP" dirty="0" smtClean="0"/>
+          </a:p>
+          <a:p>
+            <a:r>
               <a:rPr kumimoji="1" lang="ja-JP" altLang="en-US" dirty="0" smtClean="0"/>
-              <a:t>課題</a:t>
+              <a:t>方法</a:t>
+            </a:r>
+            <a:r>
+              <a:rPr kumimoji="1" lang="ja-JP" altLang="en-US" dirty="0" smtClean="0"/>
+              <a:t>：</a:t>
             </a:r>
             <a:r>
               <a:rPr lang="ja-JP" altLang="en-US" dirty="0" smtClean="0"/>
-              <a:t>と解決方法案</a:t>
+              <a:t>コマンドプロンプトにて</a:t>
+            </a:r>
+            <a:r>
+              <a:rPr kumimoji="1" lang="ja-JP" altLang="en-US" dirty="0" smtClean="0"/>
+              <a:t>実行</a:t>
+            </a:r>
+            <a:r>
+              <a:rPr kumimoji="1" lang="ja-JP" altLang="en-US" dirty="0" smtClean="0"/>
+              <a:t>したい</a:t>
             </a:r>
             <a:r>
               <a:rPr kumimoji="1" lang="en-US" altLang="ja-JP" dirty="0" smtClean="0"/>
-              <a:t>	</a:t>
-            </a:r>
-            <a:endParaRPr kumimoji="1" lang="ja-JP" altLang="en-US" dirty="0"/>
-          </a:p>
-        </p:txBody>
-      </p:sp>
-      <p:sp>
-        <p:nvSpPr>
-          <p:cNvPr id="3" name="コンテンツ プレースホルダー 2"/>
-          <p:cNvSpPr>
-            <a:spLocks noGrp="1"/>
-          </p:cNvSpPr>
-          <p:nvPr>
-            <p:ph idx="1"/>
-          </p:nvPr>
-        </p:nvSpPr>
-        <p:spPr/>
-        <p:txBody>
-          <a:bodyPr>
-            <a:normAutofit fontScale="85000" lnSpcReduction="20000"/>
-          </a:bodyPr>
-          <a:lstStyle/>
-          <a:p>
+              <a:t>JSON</a:t>
+            </a:r>
             <a:r>
               <a:rPr kumimoji="1" lang="ja-JP" altLang="en-US" dirty="0" smtClean="0"/>
-              <a:t>セキュリティ面</a:t>
+              <a:t>ファイルの場所に移動して</a:t>
+            </a:r>
+            <a:r>
+              <a:rPr kumimoji="1" lang="en-US" altLang="ja-JP" dirty="0" err="1" smtClean="0"/>
+              <a:t>npm</a:t>
+            </a:r>
+            <a:r>
+              <a:rPr kumimoji="1" lang="en-US" altLang="ja-JP" dirty="0" smtClean="0"/>
+              <a:t> install</a:t>
+            </a:r>
+            <a:r>
+              <a:rPr kumimoji="1" lang="ja-JP" altLang="en-US" dirty="0" smtClean="0"/>
+              <a:t>を実行</a:t>
             </a:r>
             <a:endParaRPr kumimoji="1" lang="en-US" altLang="ja-JP" dirty="0" smtClean="0"/>
           </a:p>
           <a:p>
-            <a:pPr lvl="1"/>
-            <a:r>
-              <a:rPr kumimoji="1" lang="ja-JP" altLang="en-US" dirty="0" smtClean="0"/>
-              <a:t>ユーザの個人情報</a:t>
-            </a:r>
-            <a:endParaRPr lang="en-US" altLang="ja-JP" dirty="0"/>
-          </a:p>
-          <a:p>
-            <a:pPr lvl="1">
-              <a:buFont typeface="Wingdings" panose="05000000000000000000" pitchFamily="2" charset="2"/>
-              <a:buChar char="u"/>
-            </a:pPr>
-            <a:r>
-              <a:rPr kumimoji="1" lang="ja-JP" altLang="en-US" dirty="0" smtClean="0"/>
-              <a:t>登録情報を保存するファイルの位置をユーザが直接参照できない位置に保存する</a:t>
-            </a:r>
-            <a:endParaRPr kumimoji="1" lang="en-US" altLang="ja-JP" dirty="0" smtClean="0"/>
-          </a:p>
-          <a:p>
-            <a:pPr lvl="1"/>
-            <a:r>
-              <a:rPr lang="ja-JP" altLang="en-US" dirty="0" smtClean="0"/>
-              <a:t>運営側の秘密にする情報</a:t>
-            </a:r>
-            <a:endParaRPr lang="en-US" altLang="ja-JP" dirty="0" smtClean="0"/>
-          </a:p>
-          <a:p>
-            <a:pPr lvl="2"/>
-            <a:r>
-              <a:rPr kumimoji="1" lang="ja-JP" altLang="en-US" dirty="0"/>
-              <a:t>運営側</a:t>
-            </a:r>
-            <a:r>
-              <a:rPr kumimoji="1" lang="ja-JP" altLang="en-US" dirty="0" smtClean="0"/>
-              <a:t>の個人情報</a:t>
-            </a:r>
-            <a:endParaRPr kumimoji="1" lang="en-US" altLang="ja-JP" dirty="0" smtClean="0"/>
-          </a:p>
-          <a:p>
-            <a:pPr lvl="2">
-              <a:buFont typeface="Wingdings" panose="05000000000000000000" pitchFamily="2" charset="2"/>
-              <a:buChar char="u"/>
-            </a:pPr>
-            <a:r>
-              <a:rPr lang="ja-JP" altLang="en-US" dirty="0"/>
-              <a:t>管理して</a:t>
-            </a:r>
-            <a:r>
-              <a:rPr lang="ja-JP" altLang="en-US" dirty="0" smtClean="0"/>
-              <a:t>いるサーバの場所（あまりばれないほうがいい？）</a:t>
-            </a:r>
-            <a:endParaRPr lang="en-US" altLang="ja-JP" dirty="0" smtClean="0"/>
-          </a:p>
-          <a:p>
-            <a:pPr lvl="2">
-              <a:buFont typeface="Wingdings" panose="05000000000000000000" pitchFamily="2" charset="2"/>
-              <a:buChar char="u"/>
-            </a:pPr>
-            <a:r>
-              <a:rPr kumimoji="1" lang="ja-JP" altLang="en-US" dirty="0" smtClean="0"/>
-              <a:t>管理者の名前（公表しても問題ない？）</a:t>
-            </a:r>
-            <a:endParaRPr lang="en-US" altLang="ja-JP" dirty="0"/>
-          </a:p>
-          <a:p>
-            <a:r>
-              <a:rPr lang="ja-JP" altLang="en-US" dirty="0" smtClean="0"/>
-              <a:t>ユーザが最低限利用する関数名</a:t>
-            </a:r>
-            <a:endParaRPr lang="en-US" altLang="ja-JP" dirty="0"/>
-          </a:p>
-          <a:p>
-            <a:pPr lvl="1">
-              <a:buFont typeface="Wingdings" panose="05000000000000000000" pitchFamily="2" charset="2"/>
-              <a:buChar char="u"/>
-            </a:pPr>
-            <a:r>
-              <a:rPr lang="ja-JP" altLang="en-US" dirty="0" smtClean="0"/>
-              <a:t>じゃんけん（の場合）で利用する必要がある関数（グー、チョキ、パー）</a:t>
-            </a:r>
-            <a:endParaRPr lang="en-US" altLang="ja-JP" dirty="0" smtClean="0"/>
-          </a:p>
-          <a:p>
-            <a:pPr lvl="1">
-              <a:buFont typeface="Wingdings" panose="05000000000000000000" pitchFamily="2" charset="2"/>
-              <a:buChar char="u"/>
-            </a:pPr>
-            <a:r>
-              <a:rPr lang="ja-JP" altLang="en-US" dirty="0"/>
-              <a:t>以前まで</a:t>
-            </a:r>
-            <a:r>
-              <a:rPr lang="ja-JP" altLang="en-US" dirty="0" smtClean="0"/>
-              <a:t>の手を見る関数</a:t>
-            </a:r>
-            <a:endParaRPr lang="en-US" altLang="ja-JP" dirty="0" smtClean="0"/>
-          </a:p>
-          <a:p>
-            <a:pPr lvl="1">
-              <a:buFont typeface="Wingdings" panose="05000000000000000000" pitchFamily="2" charset="2"/>
-              <a:buChar char="u"/>
-            </a:pPr>
-            <a:r>
-              <a:rPr lang="ja-JP" altLang="en-US" dirty="0" smtClean="0"/>
-              <a:t>勝敗をみる関数</a:t>
-            </a:r>
-            <a:endParaRPr lang="en-US" altLang="ja-JP" dirty="0" smtClean="0"/>
-          </a:p>
-          <a:p>
-            <a:pPr lvl="1"/>
-            <a:r>
-              <a:rPr lang="ja-JP" altLang="en-US" dirty="0" smtClean="0"/>
-              <a:t>ユーザに利用させない</a:t>
-            </a:r>
-            <a:endParaRPr lang="en-US" altLang="ja-JP" dirty="0" smtClean="0"/>
-          </a:p>
-          <a:p>
-            <a:pPr lvl="1">
-              <a:buFont typeface="Wingdings" panose="05000000000000000000" pitchFamily="2" charset="2"/>
-              <a:buChar char="u"/>
-            </a:pPr>
-            <a:r>
-              <a:rPr lang="en-US" altLang="ja-JP" dirty="0"/>
-              <a:t>OS</a:t>
-            </a:r>
-            <a:r>
-              <a:rPr lang="ja-JP" altLang="en-US" dirty="0"/>
-              <a:t>に関する動作をおこす</a:t>
-            </a:r>
-            <a:r>
-              <a:rPr lang="ja-JP" altLang="en-US" dirty="0" smtClean="0"/>
-              <a:t>関数</a:t>
-            </a:r>
-            <a:endParaRPr lang="en-US" altLang="ja-JP" dirty="0" smtClean="0"/>
-          </a:p>
-          <a:p>
-            <a:pPr lvl="1">
-              <a:buFont typeface="Wingdings" panose="05000000000000000000" pitchFamily="2" charset="2"/>
-              <a:buChar char="u"/>
-            </a:pPr>
-            <a:r>
-              <a:rPr lang="ja-JP" altLang="en-US" dirty="0" smtClean="0"/>
-              <a:t>命名の際になど利用できない文字の指定</a:t>
-            </a:r>
-            <a:endParaRPr lang="en-US" altLang="ja-JP" dirty="0"/>
-          </a:p>
-          <a:p>
-            <a:pPr lvl="1">
-              <a:buFont typeface="Wingdings" panose="05000000000000000000" pitchFamily="2" charset="2"/>
-              <a:buChar char="u"/>
+            <a:pPr marL="0" indent="0">
+              <a:buNone/>
             </a:pPr>
             <a:endParaRPr lang="en-US" altLang="ja-JP" dirty="0"/>
           </a:p>
@@ -4454,31 +4059,24 @@
           <a:bodyPr/>
           <a:lstStyle/>
           <a:p>
-            <a:fld id="{77022724-7A88-4190-89E1-23935288E045}" type="slidenum">
-              <a:rPr kumimoji="1" lang="ja-JP" altLang="en-US" smtClean="0"/>
+            <a:fld id="{4A32CB03-0843-4AF8-BFB2-C9917854BC7E}" type="slidenum">
+              <a:rPr kumimoji="1" lang="ja-JP" altLang="en-US" sz="2800" smtClean="0"/>
               <a:t>11</a:t>
             </a:fld>
-            <a:endParaRPr kumimoji="1" lang="ja-JP" altLang="en-US"/>
+            <a:endParaRPr kumimoji="1" lang="ja-JP" altLang="en-US" sz="2800" dirty="0"/>
           </a:p>
         </p:txBody>
       </p:sp>
     </p:spTree>
     <p:extLst>
       <p:ext uri="{BB962C8B-B14F-4D97-AF65-F5344CB8AC3E}">
-        <p14:creationId xmlns:p14="http://schemas.microsoft.com/office/powerpoint/2010/main" val="520338680"/>
+        <p14:creationId xmlns:p14="http://schemas.microsoft.com/office/powerpoint/2010/main" val="2182324898"/>
       </p:ext>
     </p:extLst>
   </p:cSld>
   <p:clrMapOvr>
     <a:masterClrMapping/>
   </p:clrMapOvr>
-  <p:timing>
-    <p:tnLst>
-      <p:par>
-        <p:cTn id="1" dur="indefinite" restart="never" nodeType="tmRoot"/>
-      </p:par>
-    </p:tnLst>
-  </p:timing>
 </p:sld>
 </file>
 
@@ -4515,16 +4113,12 @@
           <a:lstStyle/>
           <a:p>
             <a:r>
-              <a:rPr kumimoji="1" lang="ja-JP" altLang="en-US" dirty="0" smtClean="0"/>
-              <a:t>課題</a:t>
-            </a:r>
-            <a:r>
-              <a:rPr lang="ja-JP" altLang="en-US" dirty="0" smtClean="0"/>
-              <a:t>と解決方法案</a:t>
-            </a:r>
-            <a:r>
-              <a:rPr kumimoji="1" lang="en-US" altLang="ja-JP" dirty="0" smtClean="0"/>
-              <a:t>	</a:t>
+              <a:rPr lang="en-US" altLang="ja-JP" dirty="0" err="1"/>
+              <a:t>Node_modules</a:t>
+            </a:r>
+            <a:r>
+              <a:rPr lang="en-US" altLang="ja-JP" dirty="0"/>
+              <a:t> install</a:t>
             </a:r>
             <a:endParaRPr kumimoji="1" lang="ja-JP" altLang="en-US" dirty="0"/>
           </a:p>
@@ -4532,76 +4126,6 @@
       </p:sp>
       <p:sp>
         <p:nvSpPr>
-          <p:cNvPr id="3" name="コンテンツ プレースホルダー 2"/>
-          <p:cNvSpPr>
-            <a:spLocks noGrp="1"/>
-          </p:cNvSpPr>
-          <p:nvPr>
-            <p:ph idx="1"/>
-          </p:nvPr>
-        </p:nvSpPr>
-        <p:spPr/>
-        <p:txBody>
-          <a:bodyPr>
-            <a:normAutofit/>
-          </a:bodyPr>
-          <a:lstStyle/>
-          <a:p>
-            <a:endParaRPr lang="en-US" altLang="ja-JP" dirty="0" smtClean="0"/>
-          </a:p>
-          <a:p>
-            <a:endParaRPr lang="en-US" altLang="ja-JP" dirty="0"/>
-          </a:p>
-          <a:p>
-            <a:r>
-              <a:rPr lang="ja-JP" altLang="en-US" dirty="0" smtClean="0"/>
-              <a:t>利用</a:t>
-            </a:r>
-            <a:r>
-              <a:rPr lang="ja-JP" altLang="en-US" dirty="0"/>
-              <a:t>す</a:t>
-            </a:r>
-            <a:r>
-              <a:rPr lang="ja-JP" altLang="en-US" dirty="0" smtClean="0"/>
-              <a:t>るプログラミング言語</a:t>
-            </a:r>
-            <a:endParaRPr lang="en-US" altLang="ja-JP" dirty="0" smtClean="0"/>
-          </a:p>
-          <a:p>
-            <a:pPr lvl="1"/>
-            <a:r>
-              <a:rPr kumimoji="1" lang="en-US" altLang="ja-JP" dirty="0" err="1" smtClean="0"/>
-              <a:t>Javascript</a:t>
-            </a:r>
-            <a:endParaRPr kumimoji="1" lang="en-US" altLang="ja-JP" dirty="0" smtClean="0"/>
-          </a:p>
-          <a:p>
-            <a:pPr lvl="1"/>
-            <a:r>
-              <a:rPr lang="en-US" altLang="ja-JP" dirty="0" smtClean="0"/>
-              <a:t>SQL</a:t>
-            </a:r>
-          </a:p>
-          <a:p>
-            <a:pPr lvl="1"/>
-            <a:r>
-              <a:rPr lang="en-US" altLang="ja-JP" dirty="0" smtClean="0"/>
-              <a:t>C(</a:t>
-            </a:r>
-            <a:r>
-              <a:rPr lang="ja-JP" altLang="en-US" dirty="0" smtClean="0"/>
-              <a:t>なんでも対応できそう）</a:t>
-            </a:r>
-            <a:endParaRPr lang="en-US" altLang="ja-JP" dirty="0" smtClean="0"/>
-          </a:p>
-          <a:p>
-            <a:pPr lvl="1"/>
-            <a:endParaRPr kumimoji="1" lang="en-US" altLang="ja-JP" dirty="0" smtClean="0"/>
-          </a:p>
-        </p:txBody>
-      </p:sp>
-      <p:sp>
-        <p:nvSpPr>
           <p:cNvPr id="4" name="スライド番号プレースホルダー 3"/>
           <p:cNvSpPr>
             <a:spLocks noGrp="1"/>
@@ -4615,7 +4139,7 @@
           <a:bodyPr/>
           <a:lstStyle/>
           <a:p>
-            <a:fld id="{77022724-7A88-4190-89E1-23935288E045}" type="slidenum">
+            <a:fld id="{4A32CB03-0843-4AF8-BFB2-C9917854BC7E}" type="slidenum">
               <a:rPr kumimoji="1" lang="ja-JP" altLang="en-US" smtClean="0"/>
               <a:t>12</a:t>
             </a:fld>
@@ -4623,23 +4147,40 @@
           </a:p>
         </p:txBody>
       </p:sp>
+      <p:pic>
+        <p:nvPicPr>
+          <p:cNvPr id="5" name="図 4"/>
+          <p:cNvPicPr>
+            <a:picLocks noChangeAspect="1"/>
+          </p:cNvPicPr>
+          <p:nvPr/>
+        </p:nvPicPr>
+        <p:blipFill>
+          <a:blip r:embed="rId2"/>
+          <a:stretch>
+            <a:fillRect/>
+          </a:stretch>
+        </p:blipFill>
+        <p:spPr>
+          <a:xfrm>
+            <a:off x="628650" y="2176758"/>
+            <a:ext cx="7970195" cy="2031100"/>
+          </a:xfrm>
+          <a:prstGeom prst="rect">
+            <a:avLst/>
+          </a:prstGeom>
+        </p:spPr>
+      </p:pic>
     </p:spTree>
     <p:extLst>
       <p:ext uri="{BB962C8B-B14F-4D97-AF65-F5344CB8AC3E}">
-        <p14:creationId xmlns:p14="http://schemas.microsoft.com/office/powerpoint/2010/main" val="4198881976"/>
+        <p14:creationId xmlns:p14="http://schemas.microsoft.com/office/powerpoint/2010/main" val="2400612885"/>
       </p:ext>
     </p:extLst>
   </p:cSld>
   <p:clrMapOvr>
     <a:masterClrMapping/>
   </p:clrMapOvr>
-  <p:timing>
-    <p:tnLst>
-      <p:par>
-        <p:cTn id="1" dur="indefinite" restart="never" nodeType="tmRoot"/>
-      </p:par>
-    </p:tnLst>
-  </p:timing>
 </p:sld>
 </file>
 
@@ -4667,38 +4208,95 @@
             <a:spLocks noGrp="1"/>
           </p:cNvSpPr>
           <p:nvPr>
-            <p:ph type="ctrTitle"/>
-          </p:nvPr>
-        </p:nvSpPr>
-        <p:spPr/>
-        <p:txBody>
-          <a:bodyPr/>
-          <a:lstStyle/>
-          <a:p>
+            <p:ph type="title"/>
+          </p:nvPr>
+        </p:nvSpPr>
+        <p:spPr/>
+        <p:txBody>
+          <a:bodyPr/>
+          <a:lstStyle/>
+          <a:p>
+            <a:r>
+              <a:rPr kumimoji="1" lang="en-US" altLang="ja-JP" dirty="0" smtClean="0"/>
+              <a:t>Generator</a:t>
+            </a:r>
+            <a:endParaRPr kumimoji="1" lang="ja-JP" altLang="en-US" dirty="0"/>
+          </a:p>
+        </p:txBody>
+      </p:sp>
+      <p:sp>
+        <p:nvSpPr>
+          <p:cNvPr id="3" name="コンテンツ プレースホルダー 2"/>
+          <p:cNvSpPr>
+            <a:spLocks noGrp="1"/>
+          </p:cNvSpPr>
+          <p:nvPr>
+            <p:ph idx="1"/>
+          </p:nvPr>
+        </p:nvSpPr>
+        <p:spPr/>
+        <p:txBody>
+          <a:bodyPr/>
+          <a:lstStyle/>
+          <a:p>
+            <a:r>
+              <a:rPr kumimoji="1" lang="ja-JP" altLang="en-US" dirty="0" smtClean="0"/>
+              <a:t>ブロックからコードに変換するための生成器</a:t>
+            </a:r>
+            <a:endParaRPr lang="en-US" altLang="ja-JP" dirty="0"/>
+          </a:p>
+          <a:p>
+            <a:r>
+              <a:rPr lang="en-US" altLang="ja-JP" dirty="0" err="1" smtClean="0"/>
+              <a:t>Blockly</a:t>
+            </a:r>
             <a:r>
               <a:rPr lang="ja-JP" altLang="en-US" dirty="0" smtClean="0"/>
-              <a:t>案２</a:t>
-            </a:r>
-            <a:endParaRPr kumimoji="1" lang="ja-JP" altLang="en-US" dirty="0"/>
-          </a:p>
-        </p:txBody>
-      </p:sp>
-      <p:sp>
-        <p:nvSpPr>
-          <p:cNvPr id="3" name="サブタイトル 2"/>
-          <p:cNvSpPr>
-            <a:spLocks noGrp="1"/>
-          </p:cNvSpPr>
-          <p:nvPr>
-            <p:ph type="subTitle" idx="1"/>
-          </p:nvPr>
-        </p:nvSpPr>
-        <p:spPr/>
-        <p:txBody>
-          <a:bodyPr/>
-          <a:lstStyle/>
-          <a:p>
-            <a:endParaRPr kumimoji="1" lang="ja-JP" altLang="en-US"/>
+              <a:t>で利用できる言語</a:t>
+            </a:r>
+            <a:endParaRPr lang="en-US" altLang="ja-JP" dirty="0" smtClean="0"/>
+          </a:p>
+          <a:p>
+            <a:pPr lvl="1"/>
+            <a:r>
+              <a:rPr kumimoji="1" lang="en-US" altLang="ja-JP" dirty="0" smtClean="0"/>
+              <a:t>JavaScript</a:t>
+            </a:r>
+          </a:p>
+          <a:p>
+            <a:pPr lvl="1"/>
+            <a:r>
+              <a:rPr lang="en-US" altLang="ja-JP" dirty="0" smtClean="0"/>
+              <a:t>Python</a:t>
+            </a:r>
+          </a:p>
+          <a:p>
+            <a:pPr lvl="1"/>
+            <a:r>
+              <a:rPr kumimoji="1" lang="en-US" altLang="ja-JP" dirty="0" smtClean="0"/>
+              <a:t>PHP</a:t>
+            </a:r>
+          </a:p>
+          <a:p>
+            <a:pPr lvl="1"/>
+            <a:r>
+              <a:rPr lang="en-US" altLang="ja-JP" dirty="0" err="1" smtClean="0"/>
+              <a:t>Lua</a:t>
+            </a:r>
+            <a:endParaRPr lang="en-US" altLang="ja-JP" dirty="0" smtClean="0"/>
+          </a:p>
+          <a:p>
+            <a:pPr lvl="1"/>
+            <a:r>
+              <a:rPr kumimoji="1" lang="en-US" altLang="ja-JP" dirty="0" smtClean="0"/>
+              <a:t>Dart</a:t>
+            </a:r>
+          </a:p>
+          <a:p>
+            <a:pPr marL="457200" lvl="1" indent="0">
+              <a:buNone/>
+            </a:pPr>
+            <a:endParaRPr kumimoji="1" lang="en-US" altLang="ja-JP" dirty="0" smtClean="0"/>
           </a:p>
         </p:txBody>
       </p:sp>
@@ -4717,7 +4315,7 @@
           <a:bodyPr/>
           <a:lstStyle/>
           <a:p>
-            <a:fld id="{77022724-7A88-4190-89E1-23935288E045}" type="slidenum">
+            <a:fld id="{4A32CB03-0843-4AF8-BFB2-C9917854BC7E}" type="slidenum">
               <a:rPr kumimoji="1" lang="ja-JP" altLang="en-US" smtClean="0"/>
               <a:t>13</a:t>
             </a:fld>
@@ -4728,20 +4326,13 @@
     </p:spTree>
     <p:extLst>
       <p:ext uri="{BB962C8B-B14F-4D97-AF65-F5344CB8AC3E}">
-        <p14:creationId xmlns:p14="http://schemas.microsoft.com/office/powerpoint/2010/main" val="1333936825"/>
+        <p14:creationId xmlns:p14="http://schemas.microsoft.com/office/powerpoint/2010/main" val="559910476"/>
       </p:ext>
     </p:extLst>
   </p:cSld>
   <p:clrMapOvr>
     <a:masterClrMapping/>
   </p:clrMapOvr>
-  <p:timing>
-    <p:tnLst>
-      <p:par>
-        <p:cTn id="1" dur="indefinite" restart="never" nodeType="tmRoot"/>
-      </p:par>
-    </p:tnLst>
-  </p:timing>
 </p:sld>
 </file>
 
@@ -4772,14 +4363,19 @@
             <p:ph type="title"/>
           </p:nvPr>
         </p:nvSpPr>
-        <p:spPr/>
-        <p:txBody>
-          <a:bodyPr/>
-          <a:lstStyle/>
-          <a:p>
-            <a:r>
-              <a:rPr kumimoji="1" lang="ja-JP" altLang="en-US" dirty="0" smtClean="0"/>
-              <a:t>概要</a:t>
+        <p:spPr>
+          <a:xfrm>
+            <a:off x="644834" y="365126"/>
+            <a:ext cx="7886700" cy="1325563"/>
+          </a:xfrm>
+        </p:spPr>
+        <p:txBody>
+          <a:bodyPr/>
+          <a:lstStyle/>
+          <a:p>
+            <a:r>
+              <a:rPr kumimoji="1" lang="en-US" altLang="ja-JP" dirty="0" err="1" smtClean="0"/>
+              <a:t>Lua</a:t>
             </a:r>
             <a:endParaRPr kumimoji="1" lang="ja-JP" altLang="en-US" dirty="0"/>
           </a:p>
@@ -4798,142 +4394,170 @@
         <p:spPr/>
         <p:txBody>
           <a:bodyPr>
-            <a:normAutofit fontScale="62500" lnSpcReduction="20000"/>
+            <a:normAutofit fontScale="70000" lnSpcReduction="20000"/>
           </a:bodyPr>
           <a:lstStyle/>
           <a:p>
-            <a:r>
-              <a:rPr kumimoji="1" lang="ja-JP" altLang="en-US" dirty="0" smtClean="0"/>
-              <a:t>本または著者を推薦するプログラム</a:t>
-            </a:r>
+            <a:pPr marL="0" indent="0">
+              <a:buNone/>
+            </a:pPr>
+            <a:r>
+              <a:rPr lang="en-US" altLang="ja-JP" dirty="0" err="1"/>
+              <a:t>Lua</a:t>
+            </a:r>
+            <a:r>
+              <a:rPr lang="ja-JP" altLang="en-US" dirty="0"/>
+              <a:t>（ルア）はスクリプト言語およびその処理系の実装で、主にリオデジャネイロ・カトリカ大学（英語版）のコンピュータ科学科 </a:t>
+            </a:r>
+            <a:r>
+              <a:rPr lang="en-US" altLang="ja-JP" dirty="0"/>
+              <a:t>(Department of Computer Science) </a:t>
+            </a:r>
+            <a:r>
+              <a:rPr lang="ja-JP" altLang="en-US" dirty="0"/>
+              <a:t>および</a:t>
+            </a:r>
+            <a:r>
+              <a:rPr lang="en-US" altLang="ja-JP" dirty="0"/>
+              <a:t>/</a:t>
+            </a:r>
+            <a:r>
+              <a:rPr lang="ja-JP" altLang="en-US" dirty="0"/>
+              <a:t>または同大学附属研究所の</a:t>
+            </a:r>
+            <a:r>
+              <a:rPr lang="en-US" altLang="ja-JP" dirty="0" err="1" smtClean="0"/>
+              <a:t>Tecgraf</a:t>
+            </a:r>
+            <a:r>
+              <a:rPr lang="en-US" altLang="ja-JP" dirty="0" smtClean="0"/>
+              <a:t>/PUC-Rio</a:t>
+            </a:r>
+            <a:r>
+              <a:rPr lang="ja-JP" altLang="en-US" dirty="0" smtClean="0"/>
+              <a:t>に</a:t>
+            </a:r>
+            <a:r>
+              <a:rPr lang="ja-JP" altLang="en-US" dirty="0"/>
+              <a:t>所属する、</a:t>
+            </a:r>
+            <a:r>
+              <a:rPr lang="en-US" altLang="ja-JP" dirty="0"/>
+              <a:t>Roberto </a:t>
+            </a:r>
+            <a:r>
+              <a:rPr lang="en-US" altLang="ja-JP" dirty="0" err="1"/>
+              <a:t>Ierusalimschy</a:t>
+            </a:r>
+            <a:r>
+              <a:rPr lang="ja-JP" altLang="en-US" dirty="0" err="1"/>
+              <a:t>、</a:t>
+            </a:r>
+            <a:r>
+              <a:rPr lang="en-US" altLang="ja-JP" dirty="0" err="1"/>
+              <a:t>Waldemar</a:t>
+            </a:r>
+            <a:r>
+              <a:rPr lang="en-US" altLang="ja-JP" dirty="0"/>
+              <a:t> </a:t>
+            </a:r>
+            <a:r>
+              <a:rPr lang="en-US" altLang="ja-JP" dirty="0" err="1" smtClean="0"/>
+              <a:t>Celes</a:t>
+            </a:r>
+            <a:r>
+              <a:rPr lang="ja-JP" altLang="en-US" dirty="0" err="1" smtClean="0"/>
+              <a:t>、</a:t>
+            </a:r>
+            <a:r>
+              <a:rPr lang="en-US" altLang="ja-JP" dirty="0"/>
+              <a:t>Luiz Henrique de </a:t>
+            </a:r>
+            <a:r>
+              <a:rPr lang="en-US" altLang="ja-JP" dirty="0" err="1" smtClean="0"/>
+              <a:t>Figueiredo</a:t>
+            </a:r>
+            <a:r>
+              <a:rPr lang="ja-JP" altLang="en-US" dirty="0" err="1" smtClean="0"/>
+              <a:t>らに</a:t>
+            </a:r>
+            <a:r>
+              <a:rPr lang="ja-JP" altLang="en-US" dirty="0"/>
+              <a:t>よって設計開発</a:t>
+            </a:r>
+            <a:r>
+              <a:rPr lang="ja-JP" altLang="en-US" dirty="0" smtClean="0"/>
+              <a:t>された。</a:t>
+            </a:r>
+            <a:endParaRPr lang="ja-JP" altLang="en-US" dirty="0"/>
+          </a:p>
+          <a:p>
+            <a:pPr marL="0" indent="0">
+              <a:buNone/>
+            </a:pPr>
+            <a:endParaRPr lang="ja-JP" altLang="en-US" dirty="0"/>
+          </a:p>
+          <a:p>
+            <a:pPr marL="0" indent="0">
+              <a:buNone/>
+            </a:pPr>
+            <a:r>
+              <a:rPr lang="ja-JP" altLang="en-US" dirty="0"/>
+              <a:t>手続き型言語として、またプロトタイプベースのオブジェクト指向言語としても利用することができ、関数型言語、データ駆動型としての要素も併せ持っている。</a:t>
+            </a:r>
+          </a:p>
+          <a:p>
+            <a:pPr marL="0" indent="0">
+              <a:buNone/>
+            </a:pPr>
+            <a:endParaRPr lang="ja-JP" altLang="en-US" dirty="0"/>
+          </a:p>
+          <a:p>
+            <a:pPr marL="0" indent="0">
+              <a:buNone/>
+            </a:pPr>
+            <a:r>
+              <a:rPr lang="en-US" altLang="ja-JP" dirty="0" err="1"/>
+              <a:t>Lua</a:t>
+            </a:r>
+            <a:r>
+              <a:rPr lang="ja-JP" altLang="en-US" dirty="0"/>
+              <a:t>という名前は、ポルトガル語の「月」に由来する</a:t>
+            </a:r>
+            <a:r>
+              <a:rPr lang="ja-JP" altLang="en-US" dirty="0" smtClean="0"/>
+              <a:t>。</a:t>
+            </a:r>
+            <a:endParaRPr lang="en-US" altLang="ja-JP" dirty="0" smtClean="0"/>
+          </a:p>
+          <a:p>
+            <a:pPr marL="0" indent="0">
+              <a:buNone/>
+            </a:pPr>
             <a:endParaRPr kumimoji="1" lang="en-US" altLang="ja-JP" dirty="0" smtClean="0"/>
           </a:p>
           <a:p>
-            <a:r>
-              <a:rPr kumimoji="1" lang="ja-JP" altLang="en-US" dirty="0" smtClean="0"/>
-              <a:t>これまでの読書履歴や好きな著者の情報などから</a:t>
-            </a:r>
+            <a:pPr marL="0" indent="0">
+              <a:buNone/>
+            </a:pPr>
             <a:r>
               <a:rPr lang="ja-JP" altLang="en-US" dirty="0"/>
-              <a:t>情報</a:t>
+              <a:t>引用</a:t>
             </a:r>
             <a:r>
               <a:rPr lang="ja-JP" altLang="en-US" dirty="0" smtClean="0"/>
-              <a:t>を推薦</a:t>
-            </a:r>
-            <a:endParaRPr lang="en-US" altLang="ja-JP" dirty="0" smtClean="0"/>
+              <a:t>：</a:t>
+            </a:r>
+            <a:endParaRPr kumimoji="1" lang="en-US" altLang="ja-JP" dirty="0"/>
           </a:p>
           <a:p>
             <a:pPr marL="0" indent="0">
               <a:buNone/>
             </a:pPr>
-            <a:endParaRPr lang="en-US" altLang="ja-JP" dirty="0" smtClean="0"/>
-          </a:p>
-          <a:p>
-            <a:r>
-              <a:rPr lang="ja-JP" altLang="en-US" dirty="0" smtClean="0"/>
-              <a:t>課題</a:t>
-            </a:r>
-            <a:endParaRPr lang="en-US" altLang="ja-JP" dirty="0"/>
-          </a:p>
-          <a:p>
-            <a:r>
-              <a:rPr lang="ja-JP" altLang="en-US" dirty="0" smtClean="0"/>
-              <a:t>内容レベルでの理解は難しい（</a:t>
-            </a:r>
-            <a:r>
-              <a:rPr lang="en-US" altLang="ja-JP" dirty="0" smtClean="0"/>
-              <a:t>DL</a:t>
-            </a:r>
-            <a:r>
-              <a:rPr lang="ja-JP" altLang="en-US" dirty="0" smtClean="0"/>
-              <a:t>で進んでいる？</a:t>
-            </a:r>
-            <a:endParaRPr lang="en-US" altLang="ja-JP" dirty="0" smtClean="0"/>
-          </a:p>
-          <a:p>
-            <a:r>
-              <a:rPr lang="ja-JP" altLang="en-US" dirty="0"/>
-              <a:t>好みと</a:t>
-            </a:r>
-            <a:r>
-              <a:rPr lang="ja-JP" altLang="en-US" dirty="0" smtClean="0"/>
-              <a:t>ずれ（ユーザベクトルと本の特徴ベクトルとのマッチング</a:t>
-            </a:r>
-            <a:endParaRPr lang="en-US" altLang="ja-JP" dirty="0" smtClean="0"/>
-          </a:p>
-          <a:p>
-            <a:r>
-              <a:rPr kumimoji="1" lang="ja-JP" altLang="en-US" dirty="0" smtClean="0"/>
-              <a:t>推薦する時期、タイミング（</a:t>
-            </a:r>
-            <a:endParaRPr kumimoji="1" lang="en-US" altLang="ja-JP" dirty="0" smtClean="0"/>
-          </a:p>
-          <a:p>
-            <a:pPr marL="0" indent="0">
-              <a:buNone/>
-            </a:pPr>
-            <a:r>
-              <a:rPr kumimoji="1" lang="ja-JP" altLang="en-US" dirty="0" smtClean="0"/>
-              <a:t>夏に雪山推薦は意味ない？</a:t>
-            </a:r>
-            <a:endParaRPr kumimoji="1" lang="en-US" altLang="ja-JP" dirty="0" smtClean="0"/>
-          </a:p>
-          <a:p>
-            <a:pPr marL="0" indent="0">
-              <a:buNone/>
-            </a:pPr>
-            <a:r>
-              <a:rPr kumimoji="1" lang="ja-JP" altLang="en-US" dirty="0" smtClean="0"/>
-              <a:t>著者に飽きがくる場合</a:t>
-            </a:r>
-            <a:endParaRPr kumimoji="1" lang="en-US" altLang="ja-JP" dirty="0" smtClean="0"/>
-          </a:p>
-          <a:p>
-            <a:pPr marL="0" indent="0">
-              <a:buNone/>
-            </a:pPr>
-            <a:r>
-              <a:rPr lang="ja-JP" altLang="en-US" dirty="0" smtClean="0"/>
-              <a:t>毎日牛丼は飽きる</a:t>
-            </a:r>
-            <a:endParaRPr lang="en-US" altLang="ja-JP" dirty="0" smtClean="0"/>
-          </a:p>
-          <a:p>
-            <a:pPr marL="0" indent="0">
-              <a:buNone/>
-            </a:pPr>
-            <a:r>
-              <a:rPr kumimoji="1" lang="ja-JP" altLang="en-US" dirty="0" smtClean="0"/>
-              <a:t>一度推薦された内容</a:t>
-            </a:r>
-            <a:r>
-              <a:rPr lang="ja-JP" altLang="en-US" dirty="0" smtClean="0"/>
-              <a:t>は不要になる場合がある</a:t>
-            </a:r>
-            <a:endParaRPr lang="en-US" altLang="ja-JP" dirty="0" smtClean="0"/>
-          </a:p>
-          <a:p>
-            <a:pPr marL="0" indent="0">
-              <a:buNone/>
-            </a:pPr>
-            <a:r>
-              <a:rPr kumimoji="1" lang="ja-JP" altLang="en-US" dirty="0" smtClean="0"/>
-              <a:t>コナン→金田一は連続して来られてもうれしくない場合</a:t>
-            </a:r>
-            <a:endParaRPr kumimoji="1" lang="en-US" altLang="ja-JP" dirty="0" smtClean="0"/>
-          </a:p>
-          <a:p>
-            <a:pPr marL="0" indent="0">
-              <a:buNone/>
-            </a:pPr>
-            <a:r>
-              <a:rPr kumimoji="1" lang="ja-JP" altLang="en-US" dirty="0" smtClean="0"/>
-              <a:t>コナン１巻→２巻</a:t>
-            </a:r>
-            <a:endParaRPr kumimoji="1" lang="en-US" altLang="ja-JP" dirty="0" smtClean="0"/>
-          </a:p>
-          <a:p>
+            <a:r>
+              <a:rPr lang="en-US" altLang="ja-JP" dirty="0"/>
+              <a:t>https://ja.wikipedia.org/wiki/Lua</a:t>
+            </a:r>
             <a:endParaRPr kumimoji="1" lang="ja-JP" altLang="en-US" dirty="0"/>
           </a:p>
         </p:txBody>
@@ -4953,7 +4577,7 @@
           <a:bodyPr/>
           <a:lstStyle/>
           <a:p>
-            <a:fld id="{77022724-7A88-4190-89E1-23935288E045}" type="slidenum">
+            <a:fld id="{4A32CB03-0843-4AF8-BFB2-C9917854BC7E}" type="slidenum">
               <a:rPr kumimoji="1" lang="ja-JP" altLang="en-US" smtClean="0"/>
               <a:t>14</a:t>
             </a:fld>
@@ -4964,20 +4588,13 @@
     </p:spTree>
     <p:extLst>
       <p:ext uri="{BB962C8B-B14F-4D97-AF65-F5344CB8AC3E}">
-        <p14:creationId xmlns:p14="http://schemas.microsoft.com/office/powerpoint/2010/main" val="791603525"/>
+        <p14:creationId xmlns:p14="http://schemas.microsoft.com/office/powerpoint/2010/main" val="843265026"/>
       </p:ext>
     </p:extLst>
   </p:cSld>
   <p:clrMapOvr>
     <a:masterClrMapping/>
   </p:clrMapOvr>
-  <p:timing>
-    <p:tnLst>
-      <p:par>
-        <p:cTn id="1" dur="indefinite" restart="never" nodeType="tmRoot"/>
-      </p:par>
-    </p:tnLst>
-  </p:timing>
 </p:sld>
 </file>
 
@@ -5000,7 +4617,172 @@
       </p:grpSpPr>
       <p:sp>
         <p:nvSpPr>
-          <p:cNvPr id="2" name="スライド番号プレースホルダー 1"/>
+          <p:cNvPr id="2" name="タイトル 1"/>
+          <p:cNvSpPr>
+            <a:spLocks noGrp="1"/>
+          </p:cNvSpPr>
+          <p:nvPr>
+            <p:ph type="title"/>
+          </p:nvPr>
+        </p:nvSpPr>
+        <p:spPr/>
+        <p:txBody>
+          <a:bodyPr/>
+          <a:lstStyle/>
+          <a:p>
+            <a:r>
+              <a:rPr kumimoji="1" lang="en-US" altLang="ja-JP" dirty="0" smtClean="0"/>
+              <a:t>Dart</a:t>
+            </a:r>
+            <a:endParaRPr kumimoji="1" lang="ja-JP" altLang="en-US" dirty="0"/>
+          </a:p>
+        </p:txBody>
+      </p:sp>
+      <p:sp>
+        <p:nvSpPr>
+          <p:cNvPr id="3" name="コンテンツ プレースホルダー 2"/>
+          <p:cNvSpPr>
+            <a:spLocks noGrp="1"/>
+          </p:cNvSpPr>
+          <p:nvPr>
+            <p:ph idx="1"/>
+          </p:nvPr>
+        </p:nvSpPr>
+        <p:spPr/>
+        <p:txBody>
+          <a:bodyPr>
+            <a:normAutofit lnSpcReduction="10000"/>
+          </a:bodyPr>
+          <a:lstStyle/>
+          <a:p>
+            <a:pPr marL="0" indent="0">
+              <a:buNone/>
+            </a:pPr>
+            <a:r>
+              <a:rPr lang="en-US" altLang="ja-JP" dirty="0"/>
+              <a:t>Dart</a:t>
+            </a:r>
+            <a:r>
+              <a:rPr lang="ja-JP" altLang="en-US" dirty="0"/>
+              <a:t>（ダートもしくはダーツ。当初は </a:t>
+            </a:r>
+            <a:r>
+              <a:rPr lang="en-US" altLang="ja-JP" dirty="0"/>
+              <a:t>Dash </a:t>
+            </a:r>
+            <a:r>
+              <a:rPr lang="ja-JP" altLang="en-US" dirty="0"/>
+              <a:t>と呼ばれていた）は</a:t>
+            </a:r>
+            <a:r>
+              <a:rPr lang="en-US" altLang="ja-JP" dirty="0"/>
+              <a:t>Google</a:t>
+            </a:r>
+            <a:r>
+              <a:rPr lang="ja-JP" altLang="en-US" dirty="0"/>
+              <a:t>によって開発されたウェブ向けのプログラミング言語である。</a:t>
+            </a:r>
+            <a:r>
+              <a:rPr lang="en-US" altLang="ja-JP" dirty="0"/>
+              <a:t>2011</a:t>
+            </a:r>
+            <a:r>
+              <a:rPr lang="ja-JP" altLang="en-US" dirty="0"/>
+              <a:t>年</a:t>
+            </a:r>
+            <a:r>
+              <a:rPr lang="en-US" altLang="ja-JP" dirty="0"/>
+              <a:t>10</a:t>
+            </a:r>
+            <a:r>
+              <a:rPr lang="ja-JP" altLang="en-US" dirty="0"/>
+              <a:t>月</a:t>
+            </a:r>
+            <a:r>
+              <a:rPr lang="en-US" altLang="ja-JP" dirty="0"/>
+              <a:t>10</a:t>
+            </a:r>
+            <a:r>
+              <a:rPr lang="ja-JP" altLang="en-US" dirty="0"/>
+              <a:t>日 </a:t>
+            </a:r>
+            <a:r>
+              <a:rPr lang="en-US" altLang="ja-JP" dirty="0"/>
+              <a:t>- 12</a:t>
+            </a:r>
+            <a:r>
+              <a:rPr lang="ja-JP" altLang="en-US" dirty="0"/>
+              <a:t>日に開催された デンマークのオーフスで開催された「</a:t>
+            </a:r>
+            <a:r>
+              <a:rPr lang="en-US" altLang="ja-JP" dirty="0"/>
+              <a:t>GOTO</a:t>
+            </a:r>
+            <a:r>
+              <a:rPr lang="ja-JP" altLang="en-US" dirty="0"/>
+              <a:t>カンファレンス</a:t>
+            </a:r>
+            <a:r>
+              <a:rPr lang="ja-JP" altLang="en-US" dirty="0" smtClean="0"/>
+              <a:t>」で</a:t>
+            </a:r>
+            <a:r>
+              <a:rPr lang="ja-JP" altLang="en-US" dirty="0"/>
+              <a:t>公開</a:t>
+            </a:r>
+            <a:r>
+              <a:rPr lang="ja-JP" altLang="en-US" dirty="0" smtClean="0"/>
+              <a:t>された。</a:t>
+            </a:r>
+            <a:r>
+              <a:rPr lang="ja-JP" altLang="en-US" dirty="0"/>
+              <a:t>この言語は、ウェブブラウザ組み込みのスクリプト言語である</a:t>
+            </a:r>
+            <a:r>
+              <a:rPr lang="en-US" altLang="ja-JP" dirty="0"/>
+              <a:t>JavaScript</a:t>
+            </a:r>
+            <a:r>
+              <a:rPr lang="ja-JP" altLang="en-US" dirty="0"/>
+              <a:t>の代替となることを目的に作られた</a:t>
+            </a:r>
+            <a:r>
+              <a:rPr lang="ja-JP" altLang="en-US" dirty="0" smtClean="0"/>
+              <a:t>。</a:t>
+            </a:r>
+            <a:endParaRPr lang="en-US" altLang="ja-JP" dirty="0"/>
+          </a:p>
+          <a:p>
+            <a:pPr marL="0" indent="0">
+              <a:buNone/>
+            </a:pPr>
+            <a:endParaRPr kumimoji="1" lang="en-US" altLang="ja-JP" dirty="0" smtClean="0"/>
+          </a:p>
+          <a:p>
+            <a:pPr marL="0" indent="0">
+              <a:buNone/>
+            </a:pPr>
+            <a:r>
+              <a:rPr kumimoji="1" lang="ja-JP" altLang="en-US" dirty="0" smtClean="0"/>
+              <a:t>引用：</a:t>
+            </a:r>
+            <a:endParaRPr kumimoji="1" lang="en-US" altLang="ja-JP" dirty="0" smtClean="0"/>
+          </a:p>
+          <a:p>
+            <a:pPr marL="0" indent="0">
+              <a:buNone/>
+            </a:pPr>
+            <a:r>
+              <a:rPr lang="en-US" altLang="ja-JP" dirty="0"/>
+              <a:t>https://ja.wikipedia.org/wiki/Dart</a:t>
+            </a:r>
+            <a:endParaRPr kumimoji="1" lang="ja-JP" altLang="en-US" dirty="0"/>
+          </a:p>
+        </p:txBody>
+      </p:sp>
+      <p:sp>
+        <p:nvSpPr>
+          <p:cNvPr id="4" name="スライド番号プレースホルダー 3"/>
           <p:cNvSpPr>
             <a:spLocks noGrp="1"/>
           </p:cNvSpPr>
@@ -5013,7 +4795,7 @@
           <a:bodyPr/>
           <a:lstStyle/>
           <a:p>
-            <a:fld id="{77022724-7A88-4190-89E1-23935288E045}" type="slidenum">
+            <a:fld id="{4A32CB03-0843-4AF8-BFB2-C9917854BC7E}" type="slidenum">
               <a:rPr kumimoji="1" lang="ja-JP" altLang="en-US" smtClean="0"/>
               <a:t>15</a:t>
             </a:fld>
@@ -5024,7 +4806,7 @@
     </p:spTree>
     <p:extLst>
       <p:ext uri="{BB962C8B-B14F-4D97-AF65-F5344CB8AC3E}">
-        <p14:creationId xmlns:p14="http://schemas.microsoft.com/office/powerpoint/2010/main" val="1588653151"/>
+        <p14:creationId xmlns:p14="http://schemas.microsoft.com/office/powerpoint/2010/main" val="3121424104"/>
       </p:ext>
     </p:extLst>
   </p:cSld>
@@ -5058,38 +4840,112 @@
             <a:spLocks noGrp="1"/>
           </p:cNvSpPr>
           <p:nvPr>
-            <p:ph type="ctrTitle"/>
-          </p:nvPr>
-        </p:nvSpPr>
-        <p:spPr/>
-        <p:txBody>
-          <a:bodyPr/>
-          <a:lstStyle/>
-          <a:p>
+            <p:ph type="title"/>
+          </p:nvPr>
+        </p:nvSpPr>
+        <p:spPr/>
+        <p:txBody>
+          <a:bodyPr/>
+          <a:lstStyle/>
+          <a:p>
+            <a:r>
+              <a:rPr kumimoji="1" lang="en-US" altLang="ja-JP" dirty="0" smtClean="0"/>
+              <a:t>Generator</a:t>
+            </a:r>
+            <a:endParaRPr kumimoji="1" lang="ja-JP" altLang="en-US" dirty="0"/>
+          </a:p>
+        </p:txBody>
+      </p:sp>
+      <p:sp>
+        <p:nvSpPr>
+          <p:cNvPr id="3" name="コンテンツ プレースホルダー 2"/>
+          <p:cNvSpPr>
+            <a:spLocks noGrp="1"/>
+          </p:cNvSpPr>
+          <p:nvPr>
+            <p:ph idx="1"/>
+          </p:nvPr>
+        </p:nvSpPr>
+        <p:spPr/>
+        <p:txBody>
+          <a:bodyPr>
+            <a:normAutofit/>
+          </a:bodyPr>
+          <a:lstStyle/>
+          <a:p>
+            <a:r>
+              <a:rPr kumimoji="1" lang="en-US" altLang="ja-JP" dirty="0" smtClean="0"/>
+              <a:t>Generator</a:t>
+            </a:r>
             <a:r>
               <a:rPr kumimoji="1" lang="ja-JP" altLang="en-US" dirty="0" smtClean="0"/>
-              <a:t>卒研テーマ、タイトル</a:t>
-            </a:r>
-            <a:endParaRPr kumimoji="1" lang="ja-JP" altLang="en-US" dirty="0"/>
-          </a:p>
-        </p:txBody>
-      </p:sp>
-      <p:sp>
-        <p:nvSpPr>
-          <p:cNvPr id="3" name="サブタイトル 2"/>
-          <p:cNvSpPr>
-            <a:spLocks noGrp="1"/>
-          </p:cNvSpPr>
-          <p:nvPr>
-            <p:ph type="subTitle" idx="1"/>
-          </p:nvPr>
-        </p:nvSpPr>
-        <p:spPr/>
-        <p:txBody>
-          <a:bodyPr/>
-          <a:lstStyle/>
-          <a:p>
-            <a:endParaRPr kumimoji="1" lang="ja-JP" altLang="en-US"/>
+              <a:t>を利用する際には、前のスライドの通りに実行し、</a:t>
+            </a:r>
+            <a:r>
+              <a:rPr kumimoji="1" lang="en-US" altLang="ja-JP" dirty="0" err="1" smtClean="0"/>
+              <a:t>Node_modules</a:t>
+            </a:r>
+            <a:r>
+              <a:rPr kumimoji="1" lang="ja-JP" altLang="en-US" dirty="0" smtClean="0"/>
+              <a:t>内のファイルを呼び出す</a:t>
+            </a:r>
+            <a:endParaRPr kumimoji="1" lang="en-US" altLang="ja-JP" dirty="0" smtClean="0"/>
+          </a:p>
+          <a:p>
+            <a:r>
+              <a:rPr lang="en-US" altLang="ja-JP" dirty="0"/>
+              <a:t>h</a:t>
+            </a:r>
+            <a:r>
+              <a:rPr lang="en-US" altLang="ja-JP" dirty="0" smtClean="0"/>
+              <a:t>tml</a:t>
+            </a:r>
+            <a:r>
+              <a:rPr lang="ja-JP" altLang="en-US" dirty="0" smtClean="0"/>
+              <a:t>ファイル内で、</a:t>
+            </a:r>
+            <a:r>
+              <a:rPr lang="en-US" altLang="ja-JP" dirty="0" smtClean="0"/>
+              <a:t>script</a:t>
+            </a:r>
+            <a:r>
+              <a:rPr lang="ja-JP" altLang="en-US" dirty="0" smtClean="0"/>
+              <a:t>で呼び出し</a:t>
+            </a:r>
+            <a:endParaRPr lang="en-US" altLang="ja-JP" dirty="0" smtClean="0"/>
+          </a:p>
+          <a:p>
+            <a:r>
+              <a:rPr lang="en-US" altLang="ja-JP" dirty="0"/>
+              <a:t> </a:t>
+            </a:r>
+            <a:r>
+              <a:rPr lang="en-US" altLang="ja-JP" dirty="0" err="1"/>
+              <a:t>var</a:t>
+            </a:r>
+            <a:r>
+              <a:rPr lang="en-US" altLang="ja-JP" dirty="0"/>
+              <a:t> code = </a:t>
+            </a:r>
+            <a:r>
+              <a:rPr lang="en-US" altLang="ja-JP" dirty="0" err="1"/>
+              <a:t>Blockly.JavaScript.workspaceToCode</a:t>
+            </a:r>
+            <a:r>
+              <a:rPr lang="en-US" altLang="ja-JP" dirty="0"/>
+              <a:t>(</a:t>
+            </a:r>
+            <a:r>
+              <a:rPr lang="en-US" altLang="ja-JP" dirty="0" err="1"/>
+              <a:t>demoWorkspace</a:t>
+            </a:r>
+            <a:r>
+              <a:rPr lang="en-US" altLang="ja-JP" dirty="0" smtClean="0"/>
+              <a:t>);</a:t>
+            </a:r>
+          </a:p>
+          <a:p>
+            <a:endParaRPr lang="en-US" altLang="ja-JP" dirty="0"/>
           </a:p>
         </p:txBody>
       </p:sp>
@@ -5108,7 +4964,7 @@
           <a:bodyPr/>
           <a:lstStyle/>
           <a:p>
-            <a:fld id="{77022724-7A88-4190-89E1-23935288E045}" type="slidenum">
+            <a:fld id="{4A32CB03-0843-4AF8-BFB2-C9917854BC7E}" type="slidenum">
               <a:rPr kumimoji="1" lang="ja-JP" altLang="en-US" smtClean="0"/>
               <a:t>16</a:t>
             </a:fld>
@@ -5119,7 +4975,7 @@
     </p:spTree>
     <p:extLst>
       <p:ext uri="{BB962C8B-B14F-4D97-AF65-F5344CB8AC3E}">
-        <p14:creationId xmlns:p14="http://schemas.microsoft.com/office/powerpoint/2010/main" val="674813856"/>
+        <p14:creationId xmlns:p14="http://schemas.microsoft.com/office/powerpoint/2010/main" val="2142560469"/>
       </p:ext>
     </p:extLst>
   </p:cSld>
@@ -5153,19 +5009,21 @@
             <a:spLocks noGrp="1"/>
           </p:cNvSpPr>
           <p:nvPr>
-            <p:ph type="ctrTitle"/>
-          </p:nvPr>
-        </p:nvSpPr>
-        <p:spPr/>
-        <p:txBody>
-          <a:bodyPr>
-            <a:normAutofit fontScale="90000"/>
-          </a:bodyPr>
-          <a:lstStyle/>
-          <a:p>
-            <a:r>
-              <a:rPr lang="ja-JP" altLang="en-US" dirty="0" smtClean="0"/>
-              <a:t>ブロックプログラミングを用いたプログラムの論理的思考・コーディングを身に着けるための研究</a:t>
+            <p:ph type="title"/>
+          </p:nvPr>
+        </p:nvSpPr>
+        <p:spPr/>
+        <p:txBody>
+          <a:bodyPr/>
+          <a:lstStyle/>
+          <a:p>
+            <a:r>
+              <a:rPr kumimoji="1" lang="en-US" altLang="ja-JP" dirty="0" err="1" smtClean="0"/>
+              <a:t>Genearator</a:t>
+            </a:r>
+            <a:r>
+              <a:rPr kumimoji="1" lang="ja-JP" altLang="en-US" dirty="0" smtClean="0"/>
+              <a:t>の実行テスト</a:t>
             </a:r>
             <a:endParaRPr kumimoji="1" lang="ja-JP" altLang="en-US" dirty="0"/>
           </a:p>
@@ -5173,39 +5031,6 @@
       </p:sp>
       <p:sp>
         <p:nvSpPr>
-          <p:cNvPr id="3" name="サブタイトル 2"/>
-          <p:cNvSpPr>
-            <a:spLocks noGrp="1"/>
-          </p:cNvSpPr>
-          <p:nvPr>
-            <p:ph type="subTitle" idx="1"/>
-          </p:nvPr>
-        </p:nvSpPr>
-        <p:spPr/>
-        <p:txBody>
-          <a:bodyPr/>
-          <a:lstStyle/>
-          <a:p>
-            <a:r>
-              <a:rPr kumimoji="1" lang="ja-JP" altLang="en-US" dirty="0" smtClean="0"/>
-              <a:t>学籍番号：</a:t>
-            </a:r>
-            <a:r>
-              <a:rPr kumimoji="1" lang="en-US" altLang="ja-JP" dirty="0" smtClean="0"/>
-              <a:t>1821121</a:t>
-            </a:r>
-          </a:p>
-          <a:p>
-            <a:r>
-              <a:rPr lang="ja-JP" altLang="en-US" dirty="0" smtClean="0"/>
-              <a:t>氏名：島岡慎也</a:t>
-            </a:r>
-            <a:endParaRPr kumimoji="1" lang="ja-JP" altLang="en-US" dirty="0"/>
-          </a:p>
-        </p:txBody>
-      </p:sp>
-      <p:sp>
-        <p:nvSpPr>
           <p:cNvPr id="4" name="スライド番号プレースホルダー 3"/>
           <p:cNvSpPr>
             <a:spLocks noGrp="1"/>
@@ -5219,18 +5044,42 @@
           <a:bodyPr/>
           <a:lstStyle/>
           <a:p>
-            <a:fld id="{77022724-7A88-4190-89E1-23935288E045}" type="slidenum">
-              <a:rPr kumimoji="1" lang="ja-JP" altLang="en-US" smtClean="0"/>
+            <a:fld id="{4A32CB03-0843-4AF8-BFB2-C9917854BC7E}" type="slidenum">
+              <a:rPr kumimoji="1" lang="ja-JP" altLang="en-US" sz="2800" smtClean="0"/>
               <a:t>17</a:t>
             </a:fld>
-            <a:endParaRPr kumimoji="1" lang="ja-JP" altLang="en-US"/>
-          </a:p>
-        </p:txBody>
-      </p:sp>
+            <a:endParaRPr kumimoji="1" lang="ja-JP" altLang="en-US" dirty="0"/>
+          </a:p>
+        </p:txBody>
+      </p:sp>
+      <p:pic>
+        <p:nvPicPr>
+          <p:cNvPr id="3" name="図 2"/>
+          <p:cNvPicPr>
+            <a:picLocks noChangeAspect="1"/>
+          </p:cNvPicPr>
+          <p:nvPr/>
+        </p:nvPicPr>
+        <p:blipFill>
+          <a:blip r:embed="rId2"/>
+          <a:stretch>
+            <a:fillRect/>
+          </a:stretch>
+        </p:blipFill>
+        <p:spPr>
+          <a:xfrm>
+            <a:off x="1141095" y="1690689"/>
+            <a:ext cx="5647905" cy="3900141"/>
+          </a:xfrm>
+          <a:prstGeom prst="rect">
+            <a:avLst/>
+          </a:prstGeom>
+        </p:spPr>
+      </p:pic>
     </p:spTree>
     <p:extLst>
       <p:ext uri="{BB962C8B-B14F-4D97-AF65-F5344CB8AC3E}">
-        <p14:creationId xmlns:p14="http://schemas.microsoft.com/office/powerpoint/2010/main" val="2164638367"/>
+        <p14:creationId xmlns:p14="http://schemas.microsoft.com/office/powerpoint/2010/main" val="4257970129"/>
       </p:ext>
     </p:extLst>
   </p:cSld>
@@ -5273,76 +5122,68 @@
           <a:lstStyle/>
           <a:p>
             <a:r>
+              <a:rPr lang="en-US" altLang="ja-JP" dirty="0" err="1"/>
+              <a:t>Genearator</a:t>
+            </a:r>
+            <a:r>
+              <a:rPr lang="ja-JP" altLang="en-US" dirty="0"/>
+              <a:t>の実行テスト</a:t>
+            </a:r>
+            <a:endParaRPr kumimoji="1" lang="ja-JP" altLang="en-US" dirty="0"/>
+          </a:p>
+        </p:txBody>
+      </p:sp>
+      <p:sp>
+        <p:nvSpPr>
+          <p:cNvPr id="3" name="コンテンツ プレースホルダー 2"/>
+          <p:cNvSpPr>
+            <a:spLocks noGrp="1"/>
+          </p:cNvSpPr>
+          <p:nvPr>
+            <p:ph idx="1"/>
+          </p:nvPr>
+        </p:nvSpPr>
+        <p:spPr/>
+        <p:txBody>
+          <a:bodyPr/>
+          <a:lstStyle/>
+          <a:p>
+            <a:r>
               <a:rPr kumimoji="1" lang="ja-JP" altLang="en-US" dirty="0" smtClean="0"/>
-              <a:t>関連研究</a:t>
-            </a:r>
-            <a:endParaRPr kumimoji="1" lang="ja-JP" altLang="en-US" dirty="0"/>
-          </a:p>
-        </p:txBody>
-      </p:sp>
-      <p:sp>
-        <p:nvSpPr>
-          <p:cNvPr id="3" name="正方形/長方形 2"/>
-          <p:cNvSpPr/>
-          <p:nvPr/>
-        </p:nvSpPr>
-        <p:spPr>
-          <a:xfrm>
-            <a:off x="838199" y="1768647"/>
-            <a:ext cx="7401233" cy="3139321"/>
-          </a:xfrm>
-          <a:prstGeom prst="rect">
-            <a:avLst/>
-          </a:prstGeom>
-        </p:spPr>
-        <p:txBody>
-          <a:bodyPr wrap="square">
-            <a:spAutoFit/>
-          </a:bodyPr>
-          <a:lstStyle/>
-          <a:p>
-            <a:r>
-              <a:rPr lang="ja-JP" altLang="en-US" dirty="0"/>
-              <a:t>ブロックプログラミング環境を用いた プログラム入力補助機能の提案 山本 大地</a:t>
-            </a:r>
-            <a:r>
-              <a:rPr lang="en-US" altLang="ja-JP" dirty="0"/>
-              <a:t>1 </a:t>
-            </a:r>
-            <a:r>
-              <a:rPr lang="ja-JP" altLang="en-US" dirty="0"/>
-              <a:t>本多 佑希</a:t>
-            </a:r>
-            <a:r>
-              <a:rPr lang="en-US" altLang="ja-JP" dirty="0"/>
-              <a:t>1 </a:t>
-            </a:r>
-            <a:r>
-              <a:rPr lang="ja-JP" altLang="en-US" dirty="0"/>
-              <a:t>島袋 舞子</a:t>
-            </a:r>
-            <a:r>
-              <a:rPr lang="en-US" altLang="ja-JP" dirty="0"/>
-              <a:t>1 </a:t>
-            </a:r>
-            <a:r>
-              <a:rPr lang="ja-JP" altLang="en-US" dirty="0"/>
-              <a:t>兼宗 進</a:t>
+              <a:t>図のようにブロックを組み合わせ、左側の</a:t>
+            </a:r>
+            <a:r>
+              <a:rPr kumimoji="1" lang="en-US" altLang="ja-JP" dirty="0" smtClean="0"/>
+              <a:t>Show </a:t>
+            </a:r>
+            <a:r>
+              <a:rPr kumimoji="1" lang="en-US" altLang="ja-JP" dirty="0" err="1" smtClean="0"/>
+              <a:t>javascript</a:t>
+            </a:r>
+            <a:r>
+              <a:rPr kumimoji="1" lang="ja-JP" altLang="en-US" dirty="0" smtClean="0"/>
+              <a:t>を押すと、ブロックからコードを生成する</a:t>
+            </a:r>
+            <a:r>
+              <a:rPr lang="ja-JP" altLang="en-US" dirty="0" smtClean="0"/>
+              <a:t>（ブロックに対応したコードを表示する）</a:t>
+            </a:r>
+            <a:endParaRPr lang="en-US" altLang="ja-JP" dirty="0" smtClean="0"/>
+          </a:p>
+          <a:p>
+            <a:r>
+              <a:rPr lang="ja-JP" altLang="en-US" dirty="0" smtClean="0"/>
+              <a:t>右側の</a:t>
             </a:r>
             <a:r>
               <a:rPr lang="en-US" altLang="ja-JP" dirty="0" smtClean="0"/>
-              <a:t>1</a:t>
-            </a:r>
-          </a:p>
-          <a:p>
-            <a:endParaRPr lang="en-US" altLang="ja-JP" dirty="0" smtClean="0"/>
-          </a:p>
-          <a:p>
-            <a:r>
-              <a:rPr lang="ja-JP" altLang="en-US" dirty="0"/>
-              <a:t>初学者のプログラミングの入力を補助することを目的とし、教育用プログラミング言語「ドリトル」のプログラムをブロックの命令を組み合わせることで作成できるプログラミング環境を提案する。提案する環境では、プログラムの作成をブロックで行うことで、キーボードによる入力を不要にした。また、ブロックで作成したプログラムをテキストへと変換し、編集できるようにすることで、同一言語で入力方式をブロックからテキストへとシームレスに移行できるようにした。本稿では、開発したプログラミング環境の概要を報告する。</a:t>
-            </a:r>
-            <a:endParaRPr lang="ja-JP" altLang="en-US" dirty="0"/>
+              <a:t>Run JavaScript</a:t>
+            </a:r>
+            <a:r>
+              <a:rPr lang="ja-JP" altLang="en-US" dirty="0" smtClean="0"/>
+              <a:t>を押すと、コードを実行する</a:t>
+            </a:r>
+            <a:endParaRPr kumimoji="1" lang="en-US" altLang="ja-JP" dirty="0" smtClean="0"/>
           </a:p>
         </p:txBody>
       </p:sp>
@@ -5361,18 +5202,18 @@
           <a:bodyPr/>
           <a:lstStyle/>
           <a:p>
-            <a:fld id="{77022724-7A88-4190-89E1-23935288E045}" type="slidenum">
-              <a:rPr kumimoji="1" lang="ja-JP" altLang="en-US" smtClean="0"/>
+            <a:fld id="{4A32CB03-0843-4AF8-BFB2-C9917854BC7E}" type="slidenum">
+              <a:rPr kumimoji="1" lang="ja-JP" altLang="en-US" sz="2800" smtClean="0"/>
               <a:t>18</a:t>
             </a:fld>
-            <a:endParaRPr kumimoji="1" lang="ja-JP" altLang="en-US"/>
+            <a:endParaRPr kumimoji="1" lang="ja-JP" altLang="en-US" sz="2800" dirty="0"/>
           </a:p>
         </p:txBody>
       </p:sp>
     </p:spTree>
     <p:extLst>
       <p:ext uri="{BB962C8B-B14F-4D97-AF65-F5344CB8AC3E}">
-        <p14:creationId xmlns:p14="http://schemas.microsoft.com/office/powerpoint/2010/main" val="3007721490"/>
+        <p14:creationId xmlns:p14="http://schemas.microsoft.com/office/powerpoint/2010/main" val="2997179172"/>
       </p:ext>
     </p:extLst>
   </p:cSld>
@@ -5415,236 +5256,61 @@
           <a:lstStyle/>
           <a:p>
             <a:r>
+              <a:rPr lang="ja-JP" altLang="en-US" dirty="0"/>
+              <a:t>正誤</a:t>
+            </a:r>
+            <a:r>
+              <a:rPr lang="ja-JP" altLang="en-US" dirty="0" smtClean="0"/>
+              <a:t>を判定するプログラム</a:t>
+            </a:r>
+            <a:endParaRPr kumimoji="1" lang="ja-JP" altLang="en-US" dirty="0"/>
+          </a:p>
+        </p:txBody>
+      </p:sp>
+      <p:sp>
+        <p:nvSpPr>
+          <p:cNvPr id="3" name="コンテンツ プレースホルダー 2"/>
+          <p:cNvSpPr>
+            <a:spLocks noGrp="1"/>
+          </p:cNvSpPr>
+          <p:nvPr>
+            <p:ph idx="1"/>
+          </p:nvPr>
+        </p:nvSpPr>
+        <p:spPr/>
+        <p:txBody>
+          <a:bodyPr/>
+          <a:lstStyle/>
+          <a:p>
+            <a:r>
               <a:rPr kumimoji="1" lang="ja-JP" altLang="en-US" dirty="0" smtClean="0"/>
-              <a:t>関連研究</a:t>
-            </a:r>
+              <a:t>事前に用意した解答例と、</a:t>
+            </a:r>
+            <a:r>
+              <a:rPr kumimoji="1" lang="en-US" altLang="ja-JP" dirty="0" err="1" smtClean="0"/>
+              <a:t>Generater</a:t>
+            </a:r>
+            <a:r>
+              <a:rPr kumimoji="1" lang="ja-JP" altLang="en-US" dirty="0" smtClean="0"/>
+              <a:t>によって作成されたコードが等しいか</a:t>
+            </a:r>
+            <a:r>
+              <a:rPr kumimoji="1" lang="ja-JP" altLang="en-US" dirty="0" smtClean="0"/>
+              <a:t>どうか（完全一致）を</a:t>
+            </a:r>
+            <a:r>
+              <a:rPr kumimoji="1" lang="ja-JP" altLang="en-US" dirty="0" smtClean="0"/>
+              <a:t>判定するサンプルプログラムを作成した</a:t>
+            </a:r>
+            <a:endParaRPr kumimoji="1" lang="en-US" altLang="ja-JP" dirty="0" smtClean="0"/>
+          </a:p>
+          <a:p>
             <a:endParaRPr kumimoji="1" lang="ja-JP" altLang="en-US" dirty="0"/>
           </a:p>
         </p:txBody>
       </p:sp>
       <p:sp>
         <p:nvSpPr>
-          <p:cNvPr id="3" name="正方形/長方形 2"/>
-          <p:cNvSpPr/>
-          <p:nvPr/>
-        </p:nvSpPr>
-        <p:spPr>
-          <a:xfrm>
-            <a:off x="943896" y="1690688"/>
-            <a:ext cx="8268929" cy="4247317"/>
-          </a:xfrm>
-          <a:prstGeom prst="rect">
-            <a:avLst/>
-          </a:prstGeom>
-        </p:spPr>
-        <p:txBody>
-          <a:bodyPr wrap="square">
-            <a:spAutoFit/>
-          </a:bodyPr>
-          <a:lstStyle/>
-          <a:p>
-            <a:r>
-              <a:rPr lang="ja-JP" altLang="en-US" b="1" dirty="0">
-                <a:solidFill>
-                  <a:srgbClr val="000000"/>
-                </a:solidFill>
-                <a:latin typeface="ヒラギノ角ゴ Pro W3"/>
-              </a:rPr>
-              <a:t>アルゴリズム的思考法に関する学習を取り入れた</a:t>
-            </a:r>
-            <a:r>
-              <a:rPr lang="en-US" altLang="ja-JP" b="1" dirty="0">
-                <a:solidFill>
-                  <a:srgbClr val="000000"/>
-                </a:solidFill>
-                <a:latin typeface="ヒラギノ角ゴ Pro W3"/>
-              </a:rPr>
-              <a:t>C</a:t>
-            </a:r>
-            <a:r>
-              <a:rPr lang="ja-JP" altLang="en-US" b="1" dirty="0">
-                <a:solidFill>
-                  <a:srgbClr val="000000"/>
-                </a:solidFill>
-                <a:latin typeface="ヒラギノ角ゴ Pro W3"/>
-              </a:rPr>
-              <a:t>言語によるプログラミング教育の実践と評価 </a:t>
-            </a:r>
-            <a:r>
-              <a:rPr lang="en-US" altLang="ja-JP" b="1" dirty="0">
-                <a:solidFill>
-                  <a:srgbClr val="000000"/>
-                </a:solidFill>
-                <a:latin typeface="ヒラギノ角ゴ Pro W3"/>
-              </a:rPr>
-              <a:t>: 2010</a:t>
-            </a:r>
-            <a:r>
-              <a:rPr lang="ja-JP" altLang="en-US" b="1" dirty="0">
-                <a:solidFill>
-                  <a:srgbClr val="000000"/>
-                </a:solidFill>
-                <a:latin typeface="ヒラギノ角ゴ Pro W3"/>
-              </a:rPr>
-              <a:t>年度から</a:t>
-            </a:r>
-            <a:r>
-              <a:rPr lang="en-US" altLang="ja-JP" b="1" dirty="0">
-                <a:solidFill>
-                  <a:srgbClr val="000000"/>
-                </a:solidFill>
-                <a:latin typeface="ヒラギノ角ゴ Pro W3"/>
-              </a:rPr>
-              <a:t>2013</a:t>
-            </a:r>
-            <a:r>
-              <a:rPr lang="ja-JP" altLang="en-US" b="1" dirty="0">
-                <a:solidFill>
-                  <a:srgbClr val="000000"/>
-                </a:solidFill>
-                <a:latin typeface="ヒラギノ角ゴ Pro W3"/>
-              </a:rPr>
-              <a:t>年度の</a:t>
-            </a:r>
-            <a:r>
-              <a:rPr lang="en-US" altLang="ja-JP" b="1" dirty="0">
-                <a:solidFill>
-                  <a:srgbClr val="000000"/>
-                </a:solidFill>
-                <a:latin typeface="ヒラギノ角ゴ Pro W3"/>
-              </a:rPr>
-              <a:t>4</a:t>
-            </a:r>
-            <a:r>
-              <a:rPr lang="ja-JP" altLang="en-US" b="1" dirty="0">
-                <a:solidFill>
-                  <a:srgbClr val="000000"/>
-                </a:solidFill>
-                <a:latin typeface="ヒラギノ角ゴ Pro W3"/>
-              </a:rPr>
-              <a:t>年間の実践</a:t>
-            </a:r>
-            <a:r>
-              <a:rPr lang="ja-JP" altLang="en-US" b="1" dirty="0" smtClean="0">
-                <a:solidFill>
-                  <a:srgbClr val="000000"/>
-                </a:solidFill>
-                <a:latin typeface="ヒラギノ角ゴ Pro W3"/>
-              </a:rPr>
-              <a:t>より</a:t>
-            </a:r>
-            <a:endParaRPr lang="en-US" altLang="ja-JP" b="1" dirty="0" smtClean="0">
-              <a:solidFill>
-                <a:srgbClr val="000000"/>
-              </a:solidFill>
-              <a:latin typeface="ヒラギノ角ゴ Pro W3"/>
-            </a:endParaRPr>
-          </a:p>
-          <a:p>
-            <a:r>
-              <a:rPr lang="zh-TW" altLang="en-US" dirty="0"/>
-              <a:t>萱津 理佳</a:t>
-            </a:r>
-            <a:r>
-              <a:rPr lang="en-US" altLang="zh-TW" dirty="0"/>
-              <a:t>, </a:t>
-            </a:r>
-            <a:r>
-              <a:rPr lang="zh-TW" altLang="en-US" dirty="0"/>
-              <a:t>香山 瑞穂</a:t>
-            </a:r>
-            <a:r>
-              <a:rPr lang="en-US" altLang="zh-TW" dirty="0"/>
-              <a:t>, </a:t>
-            </a:r>
-            <a:r>
-              <a:rPr lang="zh-TW" altLang="en-US" dirty="0"/>
-              <a:t>國宗 永佳</a:t>
-            </a:r>
-            <a:r>
-              <a:rPr lang="en-US" altLang="zh-TW" dirty="0"/>
-              <a:t>, </a:t>
-            </a:r>
-            <a:r>
-              <a:rPr lang="zh-TW" altLang="en-US" dirty="0"/>
-              <a:t>永井 孝</a:t>
-            </a:r>
-            <a:r>
-              <a:rPr lang="en-US" altLang="zh-TW" dirty="0"/>
-              <a:t>, </a:t>
-            </a:r>
-            <a:r>
-              <a:rPr lang="zh-TW" altLang="en-US" dirty="0"/>
-              <a:t>不破 </a:t>
-            </a:r>
-            <a:r>
-              <a:rPr lang="zh-TW" altLang="en-US" dirty="0" smtClean="0"/>
-              <a:t>泰</a:t>
-            </a:r>
-            <a:endParaRPr lang="en-US" altLang="zh-TW" dirty="0" smtClean="0"/>
-          </a:p>
-          <a:p>
-            <a:endParaRPr lang="en-US" altLang="ja-JP" b="1" i="0" dirty="0">
-              <a:solidFill>
-                <a:srgbClr val="000000"/>
-              </a:solidFill>
-              <a:effectLst/>
-              <a:latin typeface="ヒラギノ角ゴ Pro W3"/>
-            </a:endParaRPr>
-          </a:p>
-          <a:p>
-            <a:r>
-              <a:rPr lang="en-US" altLang="ja-JP" dirty="0"/>
-              <a:t>C</a:t>
-            </a:r>
-            <a:r>
-              <a:rPr lang="ja-JP" altLang="en-US" dirty="0"/>
-              <a:t>言語によるプログラミング教育において，アルゴリズムを考える力を養い，プログラム作成に必要な十分なスキルを身につけさせることを目的とし，アルゴリズム的思考法に関する学習を取り入れた。本研究では，思考したアルゴリズムの外化にあたり，表現変換の負荷を減らすため，グラフィカルなインタフェースによりアルゴリズムを組み立てるビジュアル・ブロック・プログラミング可能なアルゴリズム学習向け</a:t>
-            </a:r>
-            <a:r>
-              <a:rPr lang="en-US" altLang="ja-JP" dirty="0"/>
-              <a:t>Web</a:t>
-            </a:r>
-            <a:r>
-              <a:rPr lang="ja-JP" altLang="en-US" dirty="0"/>
-              <a:t>ツールを利用した。本論文では，ツールを利用した授業の概要及び</a:t>
-            </a:r>
-            <a:r>
-              <a:rPr lang="en-US" altLang="ja-JP" dirty="0"/>
-              <a:t>2010</a:t>
-            </a:r>
-            <a:r>
-              <a:rPr lang="ja-JP" altLang="en-US" dirty="0"/>
-              <a:t>年度から</a:t>
-            </a:r>
-            <a:r>
-              <a:rPr lang="en-US" altLang="ja-JP" dirty="0"/>
-              <a:t>2013</a:t>
-            </a:r>
-            <a:r>
-              <a:rPr lang="ja-JP" altLang="en-US" dirty="0"/>
-              <a:t>年度の</a:t>
-            </a:r>
-            <a:r>
-              <a:rPr lang="en-US" altLang="ja-JP" dirty="0"/>
-              <a:t>4</a:t>
-            </a:r>
-            <a:r>
-              <a:rPr lang="ja-JP" altLang="en-US" dirty="0"/>
-              <a:t>年間の実践について報告する。また，学習導入の効果を評価するため，アルゴリズム的思考能力およびプログラミング能力について本学習の導入前の受講生との比較を行った。プログラミング学習の初期段階でのアルゴリズム的思考法の導入がプログラミング学習において効果的であることが明らかとなった。</a:t>
-            </a:r>
-            <a:endParaRPr lang="ja-JP" altLang="en-US" b="1" i="0" dirty="0">
-              <a:solidFill>
-                <a:srgbClr val="000000"/>
-              </a:solidFill>
-              <a:effectLst/>
-              <a:latin typeface="ヒラギノ角ゴ Pro W3"/>
-            </a:endParaRPr>
-          </a:p>
-        </p:txBody>
-      </p:sp>
-      <p:sp>
-        <p:nvSpPr>
           <p:cNvPr id="4" name="スライド番号プレースホルダー 3"/>
           <p:cNvSpPr>
             <a:spLocks noGrp="1"/>
@@ -5658,7 +5324,7 @@
           <a:bodyPr/>
           <a:lstStyle/>
           <a:p>
-            <a:fld id="{77022724-7A88-4190-89E1-23935288E045}" type="slidenum">
+            <a:fld id="{4A32CB03-0843-4AF8-BFB2-C9917854BC7E}" type="slidenum">
               <a:rPr kumimoji="1" lang="ja-JP" altLang="en-US" smtClean="0"/>
               <a:t>19</a:t>
             </a:fld>
@@ -5669,7 +5335,7 @@
     </p:spTree>
     <p:extLst>
       <p:ext uri="{BB962C8B-B14F-4D97-AF65-F5344CB8AC3E}">
-        <p14:creationId xmlns:p14="http://schemas.microsoft.com/office/powerpoint/2010/main" val="1766333393"/>
+        <p14:creationId xmlns:p14="http://schemas.microsoft.com/office/powerpoint/2010/main" val="2287831747"/>
       </p:ext>
     </p:extLst>
   </p:cSld>
@@ -5703,44 +5369,95 @@
             <a:spLocks noGrp="1"/>
           </p:cNvSpPr>
           <p:nvPr>
-            <p:ph type="ctrTitle"/>
-          </p:nvPr>
-        </p:nvSpPr>
-        <p:spPr/>
-        <p:txBody>
-          <a:bodyPr>
-            <a:normAutofit/>
-          </a:bodyPr>
-          <a:lstStyle/>
-          <a:p>
+            <p:ph type="title"/>
+          </p:nvPr>
+        </p:nvSpPr>
+        <p:spPr/>
+        <p:txBody>
+          <a:bodyPr/>
+          <a:lstStyle/>
+          <a:p>
+            <a:r>
+              <a:rPr lang="ja-JP" altLang="en-US" dirty="0" smtClean="0"/>
+              <a:t>今週の進捗</a:t>
+            </a:r>
+            <a:endParaRPr kumimoji="1" lang="ja-JP" altLang="en-US" dirty="0"/>
+          </a:p>
+        </p:txBody>
+      </p:sp>
+      <p:sp>
+        <p:nvSpPr>
+          <p:cNvPr id="3" name="コンテンツ プレースホルダー 2"/>
+          <p:cNvSpPr>
+            <a:spLocks noGrp="1"/>
+          </p:cNvSpPr>
+          <p:nvPr>
+            <p:ph idx="1"/>
+          </p:nvPr>
+        </p:nvSpPr>
+        <p:spPr/>
+        <p:txBody>
+          <a:bodyPr/>
+          <a:lstStyle/>
+          <a:p>
+            <a:r>
+              <a:rPr lang="en-US" altLang="ja-JP" dirty="0" err="1" smtClean="0"/>
+              <a:t>Lua,Dart</a:t>
+            </a:r>
+            <a:r>
+              <a:rPr lang="ja-JP" altLang="en-US" dirty="0" smtClean="0"/>
+              <a:t>の説明スライドの追加</a:t>
+            </a:r>
+            <a:endParaRPr lang="en-US" altLang="ja-JP" dirty="0" smtClean="0"/>
+          </a:p>
+          <a:p>
+            <a:r>
+              <a:rPr kumimoji="1" lang="en-US" altLang="ja-JP" dirty="0" smtClean="0"/>
+              <a:t>JavaScript</a:t>
+            </a:r>
+            <a:r>
+              <a:rPr lang="ja-JP" altLang="en-US" dirty="0"/>
+              <a:t>の</a:t>
+            </a:r>
             <a:r>
               <a:rPr kumimoji="1" lang="ja-JP" altLang="en-US" dirty="0" smtClean="0"/>
-              <a:t>案</a:t>
+              <a:t>デバッグを</a:t>
+            </a:r>
+            <a:r>
+              <a:rPr lang="ja-JP" altLang="en-US" dirty="0" smtClean="0"/>
+              <a:t>する環境を作成した</a:t>
+            </a:r>
+            <a:endParaRPr lang="en-US" altLang="ja-JP" dirty="0" smtClean="0"/>
+          </a:p>
+          <a:p>
+            <a:pPr lvl="1"/>
+            <a:r>
+              <a:rPr kumimoji="1" lang="en-US" altLang="ja-JP" dirty="0" err="1" smtClean="0"/>
+              <a:t>VSCode</a:t>
+            </a:r>
+            <a:r>
+              <a:rPr kumimoji="1" lang="ja-JP" altLang="en-US" dirty="0" smtClean="0"/>
+              <a:t>＋</a:t>
             </a:r>
             <a:r>
               <a:rPr kumimoji="1" lang="en-US" altLang="ja-JP" dirty="0" smtClean="0"/>
-              <a:t>Ⅰ</a:t>
-            </a:r>
-            <a:endParaRPr kumimoji="1" lang="ja-JP" altLang="en-US" dirty="0"/>
-          </a:p>
-        </p:txBody>
-      </p:sp>
-      <p:sp>
-        <p:nvSpPr>
-          <p:cNvPr id="3" name="サブタイトル 2"/>
-          <p:cNvSpPr>
-            <a:spLocks noGrp="1"/>
-          </p:cNvSpPr>
-          <p:nvPr>
-            <p:ph type="subTitle" idx="1"/>
-          </p:nvPr>
-        </p:nvSpPr>
-        <p:spPr/>
-        <p:txBody>
-          <a:bodyPr/>
-          <a:lstStyle/>
-          <a:p>
-            <a:endParaRPr kumimoji="1" lang="ja-JP" altLang="en-US"/>
+              <a:t>Live server</a:t>
+            </a:r>
+            <a:r>
+              <a:rPr kumimoji="1" lang="ja-JP" altLang="en-US" dirty="0" smtClean="0"/>
+              <a:t>＋</a:t>
+            </a:r>
+            <a:r>
+              <a:rPr lang="en-US" altLang="ja-JP" dirty="0"/>
+              <a:t>Debugger </a:t>
+            </a:r>
+            <a:r>
+              <a:rPr lang="en-US" altLang="ja-JP" dirty="0" smtClean="0"/>
+              <a:t>for Chrome</a:t>
+            </a:r>
+          </a:p>
+          <a:p>
+            <a:endParaRPr kumimoji="1" lang="en-US" altLang="ja-JP" dirty="0" smtClean="0"/>
           </a:p>
         </p:txBody>
       </p:sp>
@@ -5759,31 +5476,24 @@
           <a:bodyPr/>
           <a:lstStyle/>
           <a:p>
-            <a:fld id="{77022724-7A88-4190-89E1-23935288E045}" type="slidenum">
-              <a:rPr kumimoji="1" lang="ja-JP" altLang="en-US" smtClean="0"/>
+            <a:fld id="{4A32CB03-0843-4AF8-BFB2-C9917854BC7E}" type="slidenum">
+              <a:rPr kumimoji="1" lang="ja-JP" altLang="en-US" sz="2800" smtClean="0"/>
               <a:t>2</a:t>
             </a:fld>
-            <a:endParaRPr kumimoji="1" lang="ja-JP" altLang="en-US"/>
+            <a:endParaRPr kumimoji="1" lang="ja-JP" altLang="en-US" dirty="0"/>
           </a:p>
         </p:txBody>
       </p:sp>
     </p:spTree>
     <p:extLst>
       <p:ext uri="{BB962C8B-B14F-4D97-AF65-F5344CB8AC3E}">
-        <p14:creationId xmlns:p14="http://schemas.microsoft.com/office/powerpoint/2010/main" val="340692987"/>
+        <p14:creationId xmlns:p14="http://schemas.microsoft.com/office/powerpoint/2010/main" val="3564727157"/>
       </p:ext>
     </p:extLst>
   </p:cSld>
   <p:clrMapOvr>
     <a:masterClrMapping/>
   </p:clrMapOvr>
-  <p:timing>
-    <p:tnLst>
-      <p:par>
-        <p:cTn id="1" dur="indefinite" restart="never" nodeType="tmRoot"/>
-      </p:par>
-    </p:tnLst>
-  </p:timing>
 </p:sld>
 </file>
 
@@ -5804,169 +5514,88 @@
           <a:chExt cx="0" cy="0"/>
         </a:xfrm>
       </p:grpSpPr>
-      <p:graphicFrame>
-        <p:nvGraphicFramePr>
-          <p:cNvPr id="3" name="表 2"/>
-          <p:cNvGraphicFramePr>
-            <a:graphicFrameLocks noGrp="1"/>
-          </p:cNvGraphicFramePr>
-          <p:nvPr>
-            <p:extLst>
-              <p:ext uri="{D42A27DB-BD31-4B8C-83A1-F6EECF244321}">
-                <p14:modId xmlns:p14="http://schemas.microsoft.com/office/powerpoint/2010/main" val="2897956266"/>
-              </p:ext>
-            </p:extLst>
-          </p:nvPr>
-        </p:nvGraphicFramePr>
-        <p:xfrm>
-          <a:off x="1805859" y="2049781"/>
-          <a:ext cx="8128000" cy="3383280"/>
-        </p:xfrm>
-        <a:graphic>
-          <a:graphicData uri="http://schemas.openxmlformats.org/drawingml/2006/table">
-            <a:tbl>
-              <a:tblPr firstRow="1" bandRow="1">
-                <a:tableStyleId>{2D5ABB26-0587-4C30-8999-92F81FD0307C}</a:tableStyleId>
-              </a:tblPr>
-              <a:tblGrid>
-                <a:gridCol w="8128000">
-                  <a:extLst>
-                    <a:ext uri="{9D8B030D-6E8A-4147-A177-3AD203B41FA5}">
-                      <a16:colId xmlns:a16="http://schemas.microsoft.com/office/drawing/2014/main" val="4266980549"/>
-                    </a:ext>
-                  </a:extLst>
-                </a:gridCol>
-              </a:tblGrid>
-              <a:tr h="370840">
-                <a:tc>
-                  <a:txBody>
-                    <a:bodyPr/>
-                    <a:lstStyle/>
-                    <a:p>
-                      <a:r>
-                        <a:rPr lang="ja-JP" altLang="en-US" dirty="0" smtClean="0"/>
-                        <a:t>ブロックプログラミングと呼ばれる，繰り返し，条件分岐などの命令ブロックを組み合わせてプログラムを完成させることで，プログラミング的な論理的思考を養う手法が注目されている．本研究では，ブロックプログラミングにより論理的思考を練習しながら，従来の</a:t>
-                      </a:r>
-                      <a:r>
-                        <a:rPr lang="en-US" altLang="ja-JP" dirty="0" smtClean="0"/>
-                        <a:t>C</a:t>
-                      </a:r>
-                      <a:r>
-                        <a:rPr lang="ja-JP" altLang="en-US" dirty="0" err="1" smtClean="0"/>
-                        <a:t>，</a:t>
-                      </a:r>
-                      <a:r>
-                        <a:rPr lang="en-US" altLang="ja-JP" dirty="0" err="1" smtClean="0"/>
-                        <a:t>Pyhon</a:t>
-                      </a:r>
-                      <a:r>
-                        <a:rPr lang="ja-JP" altLang="en-US" dirty="0" err="1" smtClean="0"/>
-                        <a:t>，</a:t>
-                      </a:r>
-                      <a:r>
-                        <a:rPr lang="en-US" altLang="ja-JP" dirty="0" smtClean="0"/>
-                        <a:t>Java</a:t>
-                      </a:r>
-                      <a:r>
-                        <a:rPr lang="ja-JP" altLang="en-US" dirty="0" smtClean="0"/>
-                        <a:t>などのプログラミング言語を用いたコーディングによるプログラミングの学習を行える学習環境の実現を目的とする．本研究では，特に命令ブロックを組み合わせて完成させたプログラムから，学習者のプログラミング学習レベルに応じて，</a:t>
-                      </a:r>
-                      <a:r>
-                        <a:rPr lang="en-US" altLang="ja-JP" dirty="0" smtClean="0"/>
-                        <a:t>C</a:t>
-                      </a:r>
-                      <a:r>
-                        <a:rPr lang="ja-JP" altLang="en-US" dirty="0" err="1" smtClean="0"/>
-                        <a:t>，</a:t>
-                      </a:r>
-                      <a:r>
-                        <a:rPr lang="en-US" altLang="ja-JP" dirty="0" err="1" smtClean="0"/>
-                        <a:t>Pyhon</a:t>
-                      </a:r>
-                      <a:r>
-                        <a:rPr lang="ja-JP" altLang="en-US" dirty="0" err="1" smtClean="0"/>
-                        <a:t>，</a:t>
-                      </a:r>
-                      <a:r>
-                        <a:rPr lang="en-US" altLang="ja-JP" dirty="0" smtClean="0"/>
-                        <a:t>Java</a:t>
-                      </a:r>
-                      <a:r>
-                        <a:rPr lang="ja-JP" altLang="en-US" dirty="0" smtClean="0"/>
-                        <a:t>などのソースコードを穴埋め形式など未完成の状態で生成する基本アルゴリズムの設計と開発を行う．これにより，ブロックプログラミングの次のステップとして，無理なくコーディングによるプログラミングを学習するための基礎力を養うための問題生成が可能となる．本研究では，プロトタイプを用いた実証実験により，提案システムの実現可能性を評価する．</a:t>
-                      </a:r>
-                      <a:endParaRPr kumimoji="1" lang="ja-JP" altLang="en-US" dirty="0"/>
-                    </a:p>
-                  </a:txBody>
-                  <a:tcPr/>
-                </a:tc>
-                <a:extLst>
-                  <a:ext uri="{0D108BD9-81ED-4DB2-BD59-A6C34878D82A}">
-                    <a16:rowId xmlns:a16="http://schemas.microsoft.com/office/drawing/2014/main" val="291656707"/>
-                  </a:ext>
-                </a:extLst>
-              </a:tr>
-            </a:tbl>
-          </a:graphicData>
-        </a:graphic>
-      </p:graphicFrame>
-      <p:sp>
-        <p:nvSpPr>
-          <p:cNvPr id="4" name="テキスト ボックス 3"/>
-          <p:cNvSpPr txBox="1"/>
+      <p:sp>
+        <p:nvSpPr>
+          <p:cNvPr id="2" name="タイトル 1"/>
+          <p:cNvSpPr>
+            <a:spLocks noGrp="1"/>
+          </p:cNvSpPr>
+          <p:nvPr>
+            <p:ph type="title"/>
+          </p:nvPr>
+        </p:nvSpPr>
+        <p:spPr/>
+        <p:txBody>
+          <a:bodyPr/>
+          <a:lstStyle/>
+          <a:p>
+            <a:r>
+              <a:rPr lang="ja-JP" altLang="en-US" dirty="0"/>
+              <a:t>正誤</a:t>
+            </a:r>
+            <a:r>
+              <a:rPr lang="ja-JP" altLang="en-US" dirty="0" smtClean="0"/>
+              <a:t>判定</a:t>
+            </a:r>
+            <a:r>
+              <a:rPr kumimoji="1" lang="ja-JP" altLang="en-US" dirty="0" smtClean="0"/>
+              <a:t>デモ</a:t>
+            </a:r>
+            <a:endParaRPr kumimoji="1" lang="ja-JP" altLang="en-US" dirty="0"/>
+          </a:p>
+        </p:txBody>
+      </p:sp>
+      <p:sp>
+        <p:nvSpPr>
+          <p:cNvPr id="4" name="スライド番号プレースホルダー 3"/>
+          <p:cNvSpPr>
+            <a:spLocks noGrp="1"/>
+          </p:cNvSpPr>
+          <p:nvPr>
+            <p:ph type="sldNum" sz="quarter" idx="12"/>
+          </p:nvPr>
+        </p:nvSpPr>
+        <p:spPr/>
+        <p:txBody>
+          <a:bodyPr/>
+          <a:lstStyle/>
+          <a:p>
+            <a:fld id="{4A32CB03-0843-4AF8-BFB2-C9917854BC7E}" type="slidenum">
+              <a:rPr kumimoji="1" lang="ja-JP" altLang="en-US" smtClean="0"/>
+              <a:t>20</a:t>
+            </a:fld>
+            <a:endParaRPr kumimoji="1" lang="ja-JP" altLang="en-US"/>
+          </a:p>
+        </p:txBody>
+      </p:sp>
+      <p:pic>
+        <p:nvPicPr>
+          <p:cNvPr id="5" name="図 4"/>
+          <p:cNvPicPr>
+            <a:picLocks noChangeAspect="1"/>
+          </p:cNvPicPr>
           <p:nvPr/>
-        </p:nvSpPr>
+        </p:nvPicPr>
+        <p:blipFill>
+          <a:blip r:embed="rId2"/>
+          <a:stretch>
+            <a:fillRect/>
+          </a:stretch>
+        </p:blipFill>
         <p:spPr>
           <a:xfrm>
-            <a:off x="983226" y="668593"/>
-            <a:ext cx="9252155" cy="584775"/>
+            <a:off x="207586" y="2087744"/>
+            <a:ext cx="8844617" cy="4378340"/>
           </a:xfrm>
           <a:prstGeom prst="rect">
             <a:avLst/>
           </a:prstGeom>
-          <a:noFill/>
         </p:spPr>
-        <p:txBody>
-          <a:bodyPr wrap="square" rtlCol="0">
-            <a:spAutoFit/>
-          </a:bodyPr>
-          <a:lstStyle/>
-          <a:p>
-            <a:r>
-              <a:rPr kumimoji="1" lang="ja-JP" altLang="en-US" sz="3200" dirty="0" smtClean="0"/>
-              <a:t>鷹野教授よりいただいた文章</a:t>
-            </a:r>
-            <a:endParaRPr kumimoji="1" lang="ja-JP" altLang="en-US" sz="3200" dirty="0"/>
-          </a:p>
-        </p:txBody>
-      </p:sp>
-      <p:sp>
-        <p:nvSpPr>
-          <p:cNvPr id="6" name="スライド番号プレースホルダー 5"/>
-          <p:cNvSpPr>
-            <a:spLocks noGrp="1"/>
-          </p:cNvSpPr>
-          <p:nvPr>
-            <p:ph type="sldNum" sz="quarter" idx="12"/>
-          </p:nvPr>
-        </p:nvSpPr>
-        <p:spPr/>
-        <p:txBody>
-          <a:bodyPr/>
-          <a:lstStyle/>
-          <a:p>
-            <a:fld id="{77022724-7A88-4190-89E1-23935288E045}" type="slidenum">
-              <a:rPr kumimoji="1" lang="ja-JP" altLang="en-US" smtClean="0"/>
-              <a:t>20</a:t>
-            </a:fld>
-            <a:endParaRPr kumimoji="1" lang="ja-JP" altLang="en-US"/>
-          </a:p>
-        </p:txBody>
-      </p:sp>
+      </p:pic>
     </p:spTree>
     <p:extLst>
       <p:ext uri="{BB962C8B-B14F-4D97-AF65-F5344CB8AC3E}">
-        <p14:creationId xmlns:p14="http://schemas.microsoft.com/office/powerpoint/2010/main" val="2774960130"/>
+        <p14:creationId xmlns:p14="http://schemas.microsoft.com/office/powerpoint/2010/main" val="1473290671"/>
       </p:ext>
     </p:extLst>
   </p:cSld>
@@ -5995,143 +5624,121 @@
       </p:grpSpPr>
       <p:sp>
         <p:nvSpPr>
-          <p:cNvPr id="4" name="テキスト ボックス 3"/>
-          <p:cNvSpPr txBox="1"/>
-          <p:nvPr/>
+          <p:cNvPr id="2" name="タイトル 1"/>
+          <p:cNvSpPr>
+            <a:spLocks noGrp="1"/>
+          </p:cNvSpPr>
+          <p:nvPr>
+            <p:ph type="title"/>
+          </p:nvPr>
+        </p:nvSpPr>
+        <p:spPr/>
+        <p:txBody>
+          <a:bodyPr/>
+          <a:lstStyle/>
+          <a:p>
+            <a:r>
+              <a:rPr kumimoji="1" lang="ja-JP" altLang="en-US" dirty="0" smtClean="0"/>
+              <a:t>正誤判定デモ</a:t>
+            </a:r>
+            <a:r>
+              <a:rPr kumimoji="1" lang="ja-JP" altLang="en-US" dirty="0" smtClean="0"/>
+              <a:t>問題点</a:t>
+            </a:r>
+            <a:endParaRPr kumimoji="1" lang="ja-JP" altLang="en-US" dirty="0"/>
+          </a:p>
+        </p:txBody>
+      </p:sp>
+      <p:sp>
+        <p:nvSpPr>
+          <p:cNvPr id="3" name="コンテンツ プレースホルダー 2"/>
+          <p:cNvSpPr>
+            <a:spLocks noGrp="1"/>
+          </p:cNvSpPr>
+          <p:nvPr>
+            <p:ph idx="1"/>
+          </p:nvPr>
         </p:nvSpPr>
         <p:spPr>
           <a:xfrm>
-            <a:off x="983226" y="668593"/>
-            <a:ext cx="9252155" cy="584775"/>
+            <a:off x="628650" y="1847851"/>
+            <a:ext cx="7886700" cy="4351338"/>
           </a:xfrm>
-          <a:prstGeom prst="rect">
-            <a:avLst/>
-          </a:prstGeom>
-          <a:noFill/>
         </p:spPr>
         <p:txBody>
-          <a:bodyPr wrap="square" rtlCol="0">
-            <a:spAutoFit/>
+          <a:bodyPr>
+            <a:normAutofit/>
           </a:bodyPr>
           <a:lstStyle/>
           <a:p>
             <a:r>
-              <a:rPr kumimoji="1" lang="ja-JP" altLang="en-US" sz="3200" dirty="0" smtClean="0"/>
-              <a:t>鷹野教授よりいただいた文章</a:t>
-            </a:r>
-            <a:endParaRPr kumimoji="1" lang="ja-JP" altLang="en-US" sz="3200" dirty="0"/>
-          </a:p>
-        </p:txBody>
-      </p:sp>
-      <p:graphicFrame>
-        <p:nvGraphicFramePr>
-          <p:cNvPr id="5" name="表 4"/>
-          <p:cNvGraphicFramePr>
-            <a:graphicFrameLocks noGrp="1"/>
-          </p:cNvGraphicFramePr>
-          <p:nvPr>
-            <p:extLst>
-              <p:ext uri="{D42A27DB-BD31-4B8C-83A1-F6EECF244321}">
-                <p14:modId xmlns:p14="http://schemas.microsoft.com/office/powerpoint/2010/main" val="1579973527"/>
-              </p:ext>
-            </p:extLst>
-          </p:nvPr>
-        </p:nvGraphicFramePr>
-        <p:xfrm>
-          <a:off x="1545303" y="2617292"/>
-          <a:ext cx="8128000" cy="2834640"/>
-        </p:xfrm>
-        <a:graphic>
-          <a:graphicData uri="http://schemas.openxmlformats.org/drawingml/2006/table">
-            <a:tbl>
-              <a:tblPr firstRow="1" bandRow="1">
-                <a:tableStyleId>{2D5ABB26-0587-4C30-8999-92F81FD0307C}</a:tableStyleId>
-              </a:tblPr>
-              <a:tblGrid>
-                <a:gridCol w="8128000">
-                  <a:extLst>
-                    <a:ext uri="{9D8B030D-6E8A-4147-A177-3AD203B41FA5}">
-                      <a16:colId xmlns:a16="http://schemas.microsoft.com/office/drawing/2014/main" val="3476954846"/>
-                    </a:ext>
-                  </a:extLst>
-                </a:gridCol>
-              </a:tblGrid>
-              <a:tr h="370840">
-                <a:tc>
-                  <a:txBody>
-                    <a:bodyPr/>
-                    <a:lstStyle/>
-                    <a:p>
-                      <a:r>
-                        <a:rPr lang="ja-JP" altLang="en-US" dirty="0" smtClean="0"/>
-                        <a:t>島岡氏の卒業研究は，ブロックプログラミング学習と呼ばれる手法によりプログラミングに必要な論理的思考を練習しながら，</a:t>
-                      </a:r>
-                      <a:r>
-                        <a:rPr lang="en-US" altLang="ja-JP" dirty="0" smtClean="0"/>
-                        <a:t>C</a:t>
-                      </a:r>
-                      <a:r>
-                        <a:rPr lang="ja-JP" altLang="en-US" dirty="0" err="1" smtClean="0"/>
-                        <a:t>，</a:t>
-                      </a:r>
-                      <a:r>
-                        <a:rPr lang="en-US" altLang="ja-JP" dirty="0" smtClean="0"/>
-                        <a:t>Python</a:t>
-                      </a:r>
-                      <a:r>
-                        <a:rPr lang="ja-JP" altLang="en-US" dirty="0" err="1" smtClean="0"/>
-                        <a:t>，</a:t>
-                      </a:r>
-                      <a:r>
-                        <a:rPr lang="en-US" altLang="ja-JP" dirty="0" smtClean="0"/>
-                        <a:t>Java</a:t>
-                      </a:r>
-                      <a:r>
-                        <a:rPr lang="ja-JP" altLang="en-US" dirty="0" smtClean="0"/>
-                        <a:t>などのプログラム言語を用いたコーディング学習を行える学習環境の提供を目的とする．このために，ブロックプログラミングにより命令ブロックを組み合わせて完成させたプログラムから，学習者のプログラミング学習レベルに応じて，</a:t>
-                      </a:r>
-                      <a:r>
-                        <a:rPr lang="en-US" altLang="ja-JP" dirty="0" smtClean="0"/>
-                        <a:t>C</a:t>
-                      </a:r>
-                      <a:r>
-                        <a:rPr lang="ja-JP" altLang="en-US" dirty="0" err="1" smtClean="0"/>
-                        <a:t>，</a:t>
-                      </a:r>
-                      <a:r>
-                        <a:rPr lang="en-US" altLang="ja-JP" dirty="0" smtClean="0"/>
-                        <a:t>Python</a:t>
-                      </a:r>
-                      <a:r>
-                        <a:rPr lang="ja-JP" altLang="en-US" dirty="0" err="1" smtClean="0"/>
-                        <a:t>，</a:t>
-                      </a:r>
-                      <a:r>
-                        <a:rPr lang="en-US" altLang="ja-JP" dirty="0" smtClean="0"/>
-                        <a:t>Java</a:t>
-                      </a:r>
-                      <a:r>
-                        <a:rPr lang="ja-JP" altLang="en-US" dirty="0" smtClean="0"/>
-                        <a:t>などのソースコードを穴埋め形式など未完成の状態で生成する基本アルゴリズムの設計と開発を行う．これにより，コーディングによるプログラミング学習をする際の基礎力を養うための問題生成が可能となる．本研究ではさらに，プロトタイプを用いた実証実験により，提案システムの実現可能性を評価する．</a:t>
-                      </a:r>
-                      <a:endParaRPr kumimoji="1" lang="ja-JP" altLang="en-US" dirty="0"/>
-                    </a:p>
-                  </a:txBody>
-                  <a:tcPr/>
-                </a:tc>
-                <a:extLst>
-                  <a:ext uri="{0D108BD9-81ED-4DB2-BD59-A6C34878D82A}">
-                    <a16:rowId xmlns:a16="http://schemas.microsoft.com/office/drawing/2014/main" val="644139704"/>
-                  </a:ext>
-                </a:extLst>
-              </a:tr>
-            </a:tbl>
-          </a:graphicData>
-        </a:graphic>
-      </p:graphicFrame>
-      <p:sp>
-        <p:nvSpPr>
-          <p:cNvPr id="2" name="スライド番号プレースホルダー 1"/>
+              <a:rPr kumimoji="1" lang="ja-JP" altLang="en-US" dirty="0" smtClean="0"/>
+              <a:t>押さなきゃいけないボタンが</a:t>
+            </a:r>
+            <a:r>
+              <a:rPr kumimoji="1" lang="ja-JP" altLang="en-US" dirty="0" smtClean="0"/>
+              <a:t>多い</a:t>
+            </a:r>
+            <a:endParaRPr kumimoji="1" lang="en-US" altLang="ja-JP" dirty="0"/>
+          </a:p>
+          <a:p>
+            <a:r>
+              <a:rPr kumimoji="1" lang="ja-JP" altLang="en-US" dirty="0" smtClean="0"/>
+              <a:t>現在</a:t>
+            </a:r>
+            <a:r>
+              <a:rPr kumimoji="1" lang="en-US" altLang="ja-JP" dirty="0" smtClean="0"/>
+              <a:t>Python</a:t>
+            </a:r>
+            <a:r>
+              <a:rPr lang="ja-JP" altLang="en-US" dirty="0" smtClean="0"/>
+              <a:t>にしか対応させていない</a:t>
+            </a:r>
+            <a:endParaRPr lang="en-US" altLang="ja-JP" dirty="0" smtClean="0"/>
+          </a:p>
+          <a:p>
+            <a:pPr lvl="1"/>
+            <a:r>
+              <a:rPr lang="ja-JP" altLang="en-US" dirty="0"/>
+              <a:t>次回</a:t>
+            </a:r>
+            <a:r>
+              <a:rPr lang="ja-JP" altLang="en-US" dirty="0" smtClean="0"/>
+              <a:t>以降対応</a:t>
+            </a:r>
+            <a:r>
+              <a:rPr lang="ja-JP" altLang="en-US" dirty="0" smtClean="0"/>
+              <a:t>予定</a:t>
+            </a:r>
+            <a:endParaRPr kumimoji="1" lang="en-US" altLang="ja-JP" dirty="0"/>
+          </a:p>
+          <a:p>
+            <a:r>
+              <a:rPr lang="ja-JP" altLang="en-US" dirty="0" smtClean="0"/>
+              <a:t>問題文をもっと</a:t>
+            </a:r>
+            <a:r>
+              <a:rPr lang="ja-JP" altLang="en-US" dirty="0"/>
+              <a:t>用意</a:t>
+            </a:r>
+            <a:r>
+              <a:rPr lang="ja-JP" altLang="en-US" dirty="0" smtClean="0"/>
+              <a:t>する</a:t>
+            </a:r>
+            <a:endParaRPr kumimoji="1" lang="en-US" altLang="ja-JP" dirty="0"/>
+          </a:p>
+          <a:p>
+            <a:r>
+              <a:rPr kumimoji="1" lang="ja-JP" altLang="en-US" dirty="0" smtClean="0"/>
+              <a:t>完全一致でないと正解とならない</a:t>
+            </a:r>
+            <a:endParaRPr kumimoji="1" lang="en-US" altLang="ja-JP" dirty="0" smtClean="0"/>
+          </a:p>
+        </p:txBody>
+      </p:sp>
+      <p:sp>
+        <p:nvSpPr>
+          <p:cNvPr id="4" name="スライド番号プレースホルダー 3"/>
           <p:cNvSpPr>
             <a:spLocks noGrp="1"/>
           </p:cNvSpPr>
@@ -6144,7 +5751,7 @@
           <a:bodyPr/>
           <a:lstStyle/>
           <a:p>
-            <a:fld id="{77022724-7A88-4190-89E1-23935288E045}" type="slidenum">
+            <a:fld id="{4A32CB03-0843-4AF8-BFB2-C9917854BC7E}" type="slidenum">
               <a:rPr kumimoji="1" lang="ja-JP" altLang="en-US" smtClean="0"/>
               <a:t>21</a:t>
             </a:fld>
@@ -6155,7 +5762,413 @@
     </p:spTree>
     <p:extLst>
       <p:ext uri="{BB962C8B-B14F-4D97-AF65-F5344CB8AC3E}">
-        <p14:creationId xmlns:p14="http://schemas.microsoft.com/office/powerpoint/2010/main" val="3317402979"/>
+        <p14:creationId xmlns:p14="http://schemas.microsoft.com/office/powerpoint/2010/main" val="3023583998"/>
+      </p:ext>
+    </p:extLst>
+  </p:cSld>
+  <p:clrMapOvr>
+    <a:masterClrMapping/>
+  </p:clrMapOvr>
+</p:sld>
+</file>
+
+<file path=ppt/slides/slide22.xml><?xml version="1.0" encoding="utf-8"?>
+<p:sld xmlns:a="http://schemas.openxmlformats.org/drawingml/2006/main" xmlns:r="http://schemas.openxmlformats.org/officeDocument/2006/relationships" xmlns:p="http://schemas.openxmlformats.org/presentationml/2006/main">
+  <p:cSld>
+    <p:spTree>
+      <p:nvGrpSpPr>
+        <p:cNvPr id="1" name=""/>
+        <p:cNvGrpSpPr/>
+        <p:nvPr/>
+      </p:nvGrpSpPr>
+      <p:grpSpPr>
+        <a:xfrm>
+          <a:off x="0" y="0"/>
+          <a:ext cx="0" cy="0"/>
+          <a:chOff x="0" y="0"/>
+          <a:chExt cx="0" cy="0"/>
+        </a:xfrm>
+      </p:grpSpPr>
+      <p:sp>
+        <p:nvSpPr>
+          <p:cNvPr id="2" name="タイトル 1"/>
+          <p:cNvSpPr>
+            <a:spLocks noGrp="1"/>
+          </p:cNvSpPr>
+          <p:nvPr>
+            <p:ph type="title"/>
+          </p:nvPr>
+        </p:nvSpPr>
+        <p:spPr/>
+        <p:txBody>
+          <a:bodyPr/>
+          <a:lstStyle/>
+          <a:p>
+            <a:r>
+              <a:rPr kumimoji="1" lang="ja-JP" altLang="en-US" dirty="0" smtClean="0"/>
+              <a:t>先週いただいた質問</a:t>
+            </a:r>
+            <a:endParaRPr kumimoji="1" lang="ja-JP" altLang="en-US" dirty="0"/>
+          </a:p>
+        </p:txBody>
+      </p:sp>
+      <p:sp>
+        <p:nvSpPr>
+          <p:cNvPr id="3" name="コンテンツ プレースホルダー 2"/>
+          <p:cNvSpPr>
+            <a:spLocks noGrp="1"/>
+          </p:cNvSpPr>
+          <p:nvPr>
+            <p:ph idx="1"/>
+          </p:nvPr>
+        </p:nvSpPr>
+        <p:spPr/>
+        <p:txBody>
+          <a:bodyPr>
+            <a:normAutofit fontScale="92500" lnSpcReduction="20000"/>
+          </a:bodyPr>
+          <a:lstStyle/>
+          <a:p>
+            <a:r>
+              <a:rPr kumimoji="1" lang="ja-JP" altLang="en-US" dirty="0" smtClean="0"/>
+              <a:t>なぜコードが</a:t>
+            </a:r>
+            <a:r>
+              <a:rPr kumimoji="1" lang="ja-JP" altLang="en-US" dirty="0" smtClean="0"/>
+              <a:t>必要なのか、ブロックなどビジュアルプログラミングではいけない理由</a:t>
+            </a:r>
+            <a:endParaRPr kumimoji="1" lang="en-US" altLang="ja-JP" dirty="0" smtClean="0"/>
+          </a:p>
+          <a:p>
+            <a:endParaRPr lang="en-US" altLang="ja-JP" dirty="0"/>
+          </a:p>
+          <a:p>
+            <a:r>
+              <a:rPr lang="en-US" altLang="ja-JP" dirty="0" err="1" smtClean="0"/>
+              <a:t>Blockly</a:t>
+            </a:r>
+            <a:r>
+              <a:rPr lang="ja-JP" altLang="en-US" dirty="0" smtClean="0"/>
+              <a:t>に着目した理由</a:t>
+            </a:r>
+            <a:endParaRPr kumimoji="1" lang="en-US" altLang="ja-JP" dirty="0" smtClean="0"/>
+          </a:p>
+          <a:p>
+            <a:endParaRPr lang="en-US" altLang="ja-JP" dirty="0"/>
+          </a:p>
+          <a:p>
+            <a:r>
+              <a:rPr kumimoji="1" lang="en-US" altLang="ja-JP" dirty="0" smtClean="0"/>
+              <a:t>C</a:t>
+            </a:r>
+            <a:r>
+              <a:rPr kumimoji="1" lang="ja-JP" altLang="en-US" dirty="0" smtClean="0"/>
+              <a:t>の文法は書き方がわかるが</a:t>
+            </a:r>
+            <a:r>
+              <a:rPr kumimoji="1" lang="en-US" altLang="ja-JP" dirty="0" smtClean="0"/>
+              <a:t>Python</a:t>
+            </a:r>
+            <a:r>
+              <a:rPr kumimoji="1" lang="ja-JP" altLang="en-US" dirty="0" smtClean="0"/>
+              <a:t>の文法は</a:t>
+            </a:r>
+            <a:r>
+              <a:rPr kumimoji="1" lang="ja-JP" altLang="en-US" dirty="0" smtClean="0"/>
+              <a:t>わからない</a:t>
+            </a:r>
+            <a:r>
+              <a:rPr lang="ja-JP" altLang="en-US" dirty="0" smtClean="0"/>
+              <a:t>場合などに利用できるか</a:t>
+            </a:r>
+            <a:endParaRPr lang="en-US" altLang="ja-JP" dirty="0"/>
+          </a:p>
+          <a:p>
+            <a:r>
+              <a:rPr kumimoji="1" lang="en-US" altLang="ja-JP" dirty="0" smtClean="0"/>
+              <a:t>Python</a:t>
+            </a:r>
+            <a:r>
+              <a:rPr kumimoji="1" lang="ja-JP" altLang="en-US" dirty="0" smtClean="0"/>
+              <a:t>　→　</a:t>
+            </a:r>
+            <a:r>
+              <a:rPr kumimoji="1" lang="en-US" altLang="ja-JP" dirty="0" smtClean="0"/>
+              <a:t>Block</a:t>
+            </a:r>
+          </a:p>
+          <a:p>
+            <a:r>
+              <a:rPr lang="en-US" altLang="ja-JP" dirty="0" smtClean="0"/>
+              <a:t>Python</a:t>
+            </a:r>
+            <a:r>
+              <a:rPr lang="ja-JP" altLang="en-US" dirty="0" smtClean="0"/>
+              <a:t>　→　</a:t>
+            </a:r>
+            <a:r>
+              <a:rPr lang="en-US" altLang="ja-JP" dirty="0" smtClean="0"/>
+              <a:t>JavaScript</a:t>
+            </a:r>
+            <a:r>
+              <a:rPr lang="ja-JP" altLang="en-US" dirty="0" smtClean="0"/>
+              <a:t>　</a:t>
+            </a:r>
+            <a:endParaRPr lang="en-US" altLang="ja-JP" dirty="0" smtClean="0"/>
+          </a:p>
+          <a:p>
+            <a:r>
+              <a:rPr kumimoji="1" lang="ja-JP" altLang="en-US" dirty="0"/>
+              <a:t>など</a:t>
+            </a:r>
+            <a:r>
+              <a:rPr kumimoji="1" lang="ja-JP" altLang="en-US" dirty="0" smtClean="0"/>
+              <a:t>の移行ができるの</a:t>
+            </a:r>
+            <a:r>
+              <a:rPr kumimoji="1" lang="ja-JP" altLang="en-US" dirty="0" smtClean="0"/>
+              <a:t>か</a:t>
+            </a:r>
+            <a:endParaRPr kumimoji="1" lang="en-US" altLang="ja-JP" dirty="0" smtClean="0"/>
+          </a:p>
+          <a:p>
+            <a:pPr lvl="1"/>
+            <a:r>
+              <a:rPr lang="ja-JP" altLang="en-US" dirty="0" smtClean="0"/>
+              <a:t>出来なさそう（次スライド）</a:t>
+            </a:r>
+            <a:endParaRPr kumimoji="1" lang="en-US" altLang="ja-JP" dirty="0" smtClean="0"/>
+          </a:p>
+          <a:p>
+            <a:endParaRPr kumimoji="1" lang="ja-JP" altLang="en-US" dirty="0"/>
+          </a:p>
+        </p:txBody>
+      </p:sp>
+      <p:sp>
+        <p:nvSpPr>
+          <p:cNvPr id="4" name="スライド番号プレースホルダー 3"/>
+          <p:cNvSpPr>
+            <a:spLocks noGrp="1"/>
+          </p:cNvSpPr>
+          <p:nvPr>
+            <p:ph type="sldNum" sz="quarter" idx="12"/>
+          </p:nvPr>
+        </p:nvSpPr>
+        <p:spPr/>
+        <p:txBody>
+          <a:bodyPr/>
+          <a:lstStyle/>
+          <a:p>
+            <a:fld id="{4A32CB03-0843-4AF8-BFB2-C9917854BC7E}" type="slidenum">
+              <a:rPr kumimoji="1" lang="ja-JP" altLang="en-US" smtClean="0"/>
+              <a:t>22</a:t>
+            </a:fld>
+            <a:endParaRPr kumimoji="1" lang="ja-JP" altLang="en-US"/>
+          </a:p>
+        </p:txBody>
+      </p:sp>
+    </p:spTree>
+    <p:extLst>
+      <p:ext uri="{BB962C8B-B14F-4D97-AF65-F5344CB8AC3E}">
+        <p14:creationId xmlns:p14="http://schemas.microsoft.com/office/powerpoint/2010/main" val="3877753447"/>
+      </p:ext>
+    </p:extLst>
+  </p:cSld>
+  <p:clrMapOvr>
+    <a:masterClrMapping/>
+  </p:clrMapOvr>
+</p:sld>
+</file>
+
+<file path=ppt/slides/slide23.xml><?xml version="1.0" encoding="utf-8"?>
+<p:sld xmlns:a="http://schemas.openxmlformats.org/drawingml/2006/main" xmlns:r="http://schemas.openxmlformats.org/officeDocument/2006/relationships" xmlns:p="http://schemas.openxmlformats.org/presentationml/2006/main">
+  <p:cSld>
+    <p:spTree>
+      <p:nvGrpSpPr>
+        <p:cNvPr id="1" name=""/>
+        <p:cNvGrpSpPr/>
+        <p:nvPr/>
+      </p:nvGrpSpPr>
+      <p:grpSpPr>
+        <a:xfrm>
+          <a:off x="0" y="0"/>
+          <a:ext cx="0" cy="0"/>
+          <a:chOff x="0" y="0"/>
+          <a:chExt cx="0" cy="0"/>
+        </a:xfrm>
+      </p:grpSpPr>
+      <p:sp>
+        <p:nvSpPr>
+          <p:cNvPr id="2" name="タイトル 1"/>
+          <p:cNvSpPr>
+            <a:spLocks noGrp="1"/>
+          </p:cNvSpPr>
+          <p:nvPr>
+            <p:ph type="title"/>
+          </p:nvPr>
+        </p:nvSpPr>
+        <p:spPr/>
+        <p:txBody>
+          <a:bodyPr/>
+          <a:lstStyle/>
+          <a:p>
+            <a:r>
+              <a:rPr kumimoji="1" lang="en-US" altLang="ja-JP" dirty="0" err="1" smtClean="0"/>
+              <a:t>Blockly</a:t>
+            </a:r>
+            <a:r>
+              <a:rPr kumimoji="1" lang="ja-JP" altLang="en-US" dirty="0" smtClean="0"/>
+              <a:t>で可能な変換</a:t>
+            </a:r>
+            <a:endParaRPr kumimoji="1" lang="ja-JP" altLang="en-US" dirty="0"/>
+          </a:p>
+        </p:txBody>
+      </p:sp>
+      <p:sp>
+        <p:nvSpPr>
+          <p:cNvPr id="3" name="コンテンツ プレースホルダー 2"/>
+          <p:cNvSpPr>
+            <a:spLocks noGrp="1"/>
+          </p:cNvSpPr>
+          <p:nvPr>
+            <p:ph idx="1"/>
+          </p:nvPr>
+        </p:nvSpPr>
+        <p:spPr/>
+        <p:txBody>
+          <a:bodyPr/>
+          <a:lstStyle/>
+          <a:p>
+            <a:r>
+              <a:rPr lang="en-US" altLang="ja-JP" dirty="0"/>
+              <a:t>Block</a:t>
+            </a:r>
+            <a:r>
+              <a:rPr lang="ja-JP" altLang="en-US" dirty="0"/>
+              <a:t>→</a:t>
+            </a:r>
+            <a:r>
+              <a:rPr lang="en-US" altLang="ja-JP" dirty="0" smtClean="0"/>
+              <a:t>XML</a:t>
+            </a:r>
+            <a:endParaRPr kumimoji="1" lang="en-US" altLang="ja-JP" dirty="0" smtClean="0"/>
+          </a:p>
+          <a:p>
+            <a:r>
+              <a:rPr kumimoji="1" lang="en-US" altLang="ja-JP" dirty="0" smtClean="0"/>
+              <a:t>XML</a:t>
+            </a:r>
+            <a:r>
+              <a:rPr kumimoji="1" lang="ja-JP" altLang="en-US" dirty="0" smtClean="0"/>
+              <a:t>→</a:t>
+            </a:r>
+            <a:r>
+              <a:rPr kumimoji="1" lang="en-US" altLang="ja-JP" dirty="0" smtClean="0"/>
+              <a:t>Block</a:t>
+            </a:r>
+          </a:p>
+          <a:p>
+            <a:r>
+              <a:rPr kumimoji="1" lang="en-US" altLang="ja-JP" dirty="0" smtClean="0"/>
+              <a:t>XML</a:t>
+            </a:r>
+            <a:r>
+              <a:rPr kumimoji="1" lang="ja-JP" altLang="en-US" dirty="0" smtClean="0"/>
+              <a:t>→</a:t>
+            </a:r>
+            <a:r>
+              <a:rPr kumimoji="1" lang="en-US" altLang="ja-JP" dirty="0" smtClean="0"/>
+              <a:t>Python</a:t>
+            </a:r>
+          </a:p>
+          <a:p>
+            <a:r>
+              <a:rPr lang="en-US" altLang="ja-JP" dirty="0" smtClean="0"/>
+              <a:t>XML</a:t>
+            </a:r>
+            <a:r>
+              <a:rPr lang="ja-JP" altLang="en-US" dirty="0" smtClean="0"/>
+              <a:t>→</a:t>
+            </a:r>
+            <a:r>
+              <a:rPr lang="en-US" altLang="ja-JP" dirty="0" err="1" smtClean="0"/>
+              <a:t>Javascript</a:t>
+            </a:r>
+            <a:endParaRPr lang="en-US" altLang="ja-JP" dirty="0" smtClean="0"/>
+          </a:p>
+          <a:p>
+            <a:r>
+              <a:rPr kumimoji="1" lang="en-US" altLang="ja-JP" dirty="0" smtClean="0"/>
+              <a:t>XML</a:t>
+            </a:r>
+            <a:r>
+              <a:rPr kumimoji="1" lang="ja-JP" altLang="en-US" dirty="0" smtClean="0"/>
+              <a:t>→</a:t>
+            </a:r>
+            <a:r>
+              <a:rPr kumimoji="1" lang="en-US" altLang="ja-JP" dirty="0" err="1" smtClean="0"/>
+              <a:t>Lua</a:t>
+            </a:r>
+            <a:endParaRPr kumimoji="1" lang="en-US" altLang="ja-JP" dirty="0" smtClean="0"/>
+          </a:p>
+          <a:p>
+            <a:r>
+              <a:rPr lang="en-US" altLang="ja-JP" dirty="0" smtClean="0"/>
+              <a:t>XML</a:t>
+            </a:r>
+            <a:r>
+              <a:rPr lang="ja-JP" altLang="en-US" dirty="0" smtClean="0"/>
+              <a:t>→</a:t>
+            </a:r>
+            <a:r>
+              <a:rPr lang="en-US" altLang="ja-JP" dirty="0" smtClean="0"/>
+              <a:t>Python</a:t>
+            </a:r>
+          </a:p>
+          <a:p>
+            <a:r>
+              <a:rPr kumimoji="1" lang="en-US" altLang="ja-JP" dirty="0" smtClean="0"/>
+              <a:t>XML</a:t>
+            </a:r>
+            <a:r>
+              <a:rPr kumimoji="1" lang="ja-JP" altLang="en-US" dirty="0" smtClean="0"/>
+              <a:t>→</a:t>
+            </a:r>
+            <a:r>
+              <a:rPr kumimoji="1" lang="en-US" altLang="ja-JP" dirty="0" smtClean="0"/>
+              <a:t>PHP</a:t>
+            </a:r>
+            <a:endParaRPr kumimoji="1" lang="ja-JP" altLang="en-US" dirty="0"/>
+          </a:p>
+        </p:txBody>
+      </p:sp>
+      <p:sp>
+        <p:nvSpPr>
+          <p:cNvPr id="4" name="スライド番号プレースホルダー 3"/>
+          <p:cNvSpPr>
+            <a:spLocks noGrp="1"/>
+          </p:cNvSpPr>
+          <p:nvPr>
+            <p:ph type="sldNum" sz="quarter" idx="12"/>
+          </p:nvPr>
+        </p:nvSpPr>
+        <p:spPr/>
+        <p:txBody>
+          <a:bodyPr/>
+          <a:lstStyle/>
+          <a:p>
+            <a:fld id="{4A32CB03-0843-4AF8-BFB2-C9917854BC7E}" type="slidenum">
+              <a:rPr kumimoji="1" lang="ja-JP" altLang="en-US" smtClean="0"/>
+              <a:t>23</a:t>
+            </a:fld>
+            <a:endParaRPr kumimoji="1" lang="ja-JP" altLang="en-US"/>
+          </a:p>
+        </p:txBody>
+      </p:sp>
+    </p:spTree>
+    <p:extLst>
+      <p:ext uri="{BB962C8B-B14F-4D97-AF65-F5344CB8AC3E}">
+        <p14:creationId xmlns:p14="http://schemas.microsoft.com/office/powerpoint/2010/main" val="760486253"/>
       </p:ext>
     </p:extLst>
   </p:cSld>
@@ -6199,7 +6212,7 @@
           <a:p>
             <a:r>
               <a:rPr kumimoji="1" lang="ja-JP" altLang="en-US" dirty="0" smtClean="0"/>
-              <a:t>概要</a:t>
+              <a:t>ブロックプログラミングとは何か</a:t>
             </a:r>
             <a:endParaRPr kumimoji="1" lang="ja-JP" altLang="en-US" dirty="0"/>
           </a:p>
@@ -6207,138 +6220,6 @@
       </p:sp>
       <p:sp>
         <p:nvSpPr>
-          <p:cNvPr id="3" name="コンテンツ プレースホルダー 2"/>
-          <p:cNvSpPr>
-            <a:spLocks noGrp="1"/>
-          </p:cNvSpPr>
-          <p:nvPr>
-            <p:ph idx="1"/>
-          </p:nvPr>
-        </p:nvSpPr>
-        <p:spPr/>
-        <p:txBody>
-          <a:bodyPr>
-            <a:normAutofit fontScale="77500" lnSpcReduction="20000"/>
-          </a:bodyPr>
-          <a:lstStyle/>
-          <a:p>
-            <a:r>
-              <a:rPr lang="ja-JP" altLang="en-US" dirty="0" smtClean="0"/>
-              <a:t>じゃんけんをする人口無能または人工知能を作成する</a:t>
-            </a:r>
-            <a:endParaRPr lang="en-US" altLang="ja-JP" dirty="0" smtClean="0"/>
-          </a:p>
-          <a:p>
-            <a:pPr marL="0" indent="0">
-              <a:buNone/>
-            </a:pPr>
-            <a:r>
-              <a:rPr lang="ja-JP" altLang="en-US" dirty="0" smtClean="0"/>
-              <a:t>　・発展してオセロなど</a:t>
-            </a:r>
-            <a:endParaRPr lang="ja-JP" altLang="en-US" dirty="0"/>
-          </a:p>
-          <a:p>
-            <a:endParaRPr lang="ja-JP" altLang="en-US" dirty="0"/>
-          </a:p>
-          <a:p>
-            <a:r>
-              <a:rPr lang="ja-JP" altLang="en-US" dirty="0" smtClean="0"/>
-              <a:t>対人戦</a:t>
-            </a:r>
-            <a:endParaRPr lang="ja-JP" altLang="en-US" dirty="0"/>
-          </a:p>
-          <a:p>
-            <a:r>
-              <a:rPr lang="ja-JP" altLang="en-US" dirty="0"/>
-              <a:t>　→可能であれば</a:t>
-            </a:r>
-            <a:r>
-              <a:rPr lang="en-US" altLang="ja-JP" dirty="0"/>
-              <a:t>UI</a:t>
-            </a:r>
-            <a:r>
-              <a:rPr lang="ja-JP" altLang="en-US" dirty="0"/>
-              <a:t>ブラウザは</a:t>
-            </a:r>
-            <a:r>
-              <a:rPr lang="en-US" altLang="ja-JP" dirty="0"/>
-              <a:t>WEB</a:t>
-            </a:r>
-            <a:r>
-              <a:rPr lang="ja-JP" altLang="en-US" dirty="0"/>
-              <a:t>上で完結</a:t>
-            </a:r>
-          </a:p>
-          <a:p>
-            <a:r>
-              <a:rPr lang="ja-JP" altLang="en-US" dirty="0"/>
-              <a:t>　→小学校などはアプリのインストールなどは規制がかかる可能性</a:t>
-            </a:r>
-          </a:p>
-          <a:p>
-            <a:r>
-              <a:rPr lang="ja-JP" altLang="en-US" dirty="0" smtClean="0"/>
-              <a:t>戦績</a:t>
-            </a:r>
-            <a:r>
-              <a:rPr lang="ja-JP" altLang="en-US" dirty="0"/>
-              <a:t>を記録する</a:t>
-            </a:r>
-          </a:p>
-          <a:p>
-            <a:r>
-              <a:rPr lang="ja-JP" altLang="en-US" dirty="0"/>
-              <a:t>　→データベース</a:t>
-            </a:r>
-          </a:p>
-          <a:p>
-            <a:r>
-              <a:rPr lang="ja-JP" altLang="en-US" dirty="0" smtClean="0"/>
-              <a:t>何</a:t>
-            </a:r>
-            <a:r>
-              <a:rPr lang="ja-JP" altLang="en-US" dirty="0"/>
-              <a:t>か戦略的な方式を考えさせる、その戦略をプログラムに落とし込ませる</a:t>
-            </a:r>
-          </a:p>
-          <a:p>
-            <a:r>
-              <a:rPr lang="ja-JP" altLang="en-US" dirty="0"/>
-              <a:t>　</a:t>
-            </a:r>
-            <a:r>
-              <a:rPr lang="ja-JP" altLang="en-US" dirty="0" smtClean="0"/>
-              <a:t>ブロックプログラミング</a:t>
-            </a:r>
-            <a:endParaRPr lang="ja-JP" altLang="en-US" dirty="0"/>
-          </a:p>
-          <a:p>
-            <a:r>
-              <a:rPr lang="ja-JP" altLang="en-US" dirty="0"/>
-              <a:t>　</a:t>
-            </a:r>
-            <a:r>
-              <a:rPr lang="ja-JP" altLang="en-US" dirty="0" smtClean="0"/>
-              <a:t>プログラミング</a:t>
-            </a:r>
-            <a:endParaRPr lang="ja-JP" altLang="en-US" dirty="0"/>
-          </a:p>
-          <a:p>
-            <a:r>
-              <a:rPr lang="ja-JP" altLang="en-US" dirty="0"/>
-              <a:t>　→社会</a:t>
-            </a:r>
-            <a:r>
-              <a:rPr lang="ja-JP" altLang="en-US" dirty="0" smtClean="0"/>
-              <a:t>貢献</a:t>
-            </a:r>
-            <a:endParaRPr lang="ja-JP" altLang="en-US" dirty="0"/>
-          </a:p>
-        </p:txBody>
-      </p:sp>
-      <p:sp>
-        <p:nvSpPr>
           <p:cNvPr id="4" name="スライド番号プレースホルダー 3"/>
           <p:cNvSpPr>
             <a:spLocks noGrp="1"/>
@@ -6352,31 +6233,78 @@
           <a:bodyPr/>
           <a:lstStyle/>
           <a:p>
-            <a:fld id="{77022724-7A88-4190-89E1-23935288E045}" type="slidenum">
-              <a:rPr kumimoji="1" lang="ja-JP" altLang="en-US" smtClean="0"/>
+            <a:fld id="{4A32CB03-0843-4AF8-BFB2-C9917854BC7E}" type="slidenum">
+              <a:rPr kumimoji="1" lang="ja-JP" altLang="en-US" sz="2400" smtClean="0"/>
               <a:t>3</a:t>
             </a:fld>
-            <a:endParaRPr kumimoji="1" lang="ja-JP" altLang="en-US"/>
+            <a:endParaRPr kumimoji="1" lang="ja-JP" altLang="en-US" sz="2400" dirty="0"/>
+          </a:p>
+        </p:txBody>
+      </p:sp>
+      <p:pic>
+        <p:nvPicPr>
+          <p:cNvPr id="6" name="図 5"/>
+          <p:cNvPicPr>
+            <a:picLocks noChangeAspect="1"/>
+          </p:cNvPicPr>
+          <p:nvPr/>
+        </p:nvPicPr>
+        <p:blipFill>
+          <a:blip r:embed="rId2"/>
+          <a:stretch>
+            <a:fillRect/>
+          </a:stretch>
+        </p:blipFill>
+        <p:spPr>
+          <a:xfrm>
+            <a:off x="1169330" y="2495902"/>
+            <a:ext cx="6929652" cy="3860449"/>
+          </a:xfrm>
+          <a:prstGeom prst="rect">
+            <a:avLst/>
+          </a:prstGeom>
+        </p:spPr>
+      </p:pic>
+      <p:sp>
+        <p:nvSpPr>
+          <p:cNvPr id="7" name="テキスト ボックス 6"/>
+          <p:cNvSpPr txBox="1"/>
+          <p:nvPr/>
+        </p:nvSpPr>
+        <p:spPr>
+          <a:xfrm>
+            <a:off x="751959" y="1980429"/>
+            <a:ext cx="8392041" cy="400110"/>
+          </a:xfrm>
+          <a:prstGeom prst="rect">
+            <a:avLst/>
+          </a:prstGeom>
+          <a:noFill/>
+        </p:spPr>
+        <p:txBody>
+          <a:bodyPr wrap="none" rtlCol="0">
+            <a:spAutoFit/>
+          </a:bodyPr>
+          <a:lstStyle/>
+          <a:p>
+            <a:r>
+              <a:rPr kumimoji="1" lang="ja-JP" altLang="en-US" sz="2000" dirty="0" smtClean="0"/>
+              <a:t>命令を埋め込まれたブロックを組み合わせるプログラミング手法のこと</a:t>
+            </a:r>
+            <a:endParaRPr kumimoji="1" lang="ja-JP" altLang="en-US" sz="2000" dirty="0"/>
           </a:p>
         </p:txBody>
       </p:sp>
     </p:spTree>
     <p:extLst>
       <p:ext uri="{BB962C8B-B14F-4D97-AF65-F5344CB8AC3E}">
-        <p14:creationId xmlns:p14="http://schemas.microsoft.com/office/powerpoint/2010/main" val="2719996926"/>
+        <p14:creationId xmlns:p14="http://schemas.microsoft.com/office/powerpoint/2010/main" val="1081448831"/>
       </p:ext>
     </p:extLst>
   </p:cSld>
   <p:clrMapOvr>
     <a:masterClrMapping/>
   </p:clrMapOvr>
-  <p:timing>
-    <p:tnLst>
-      <p:par>
-        <p:cTn id="1" dur="indefinite" restart="never" nodeType="tmRoot"/>
-      </p:par>
-    </p:tnLst>
-  </p:timing>
 </p:sld>
 </file>
 
@@ -6414,7 +6342,7 @@
           <a:p>
             <a:r>
               <a:rPr kumimoji="1" lang="ja-JP" altLang="en-US" dirty="0" smtClean="0"/>
-              <a:t>概要</a:t>
+              <a:t>研究背景</a:t>
             </a:r>
             <a:endParaRPr kumimoji="1" lang="ja-JP" altLang="en-US" dirty="0"/>
           </a:p>
@@ -6435,34 +6363,19 @@
           <a:bodyPr/>
           <a:lstStyle/>
           <a:p>
-            <a:endParaRPr lang="ja-JP" altLang="en-US" dirty="0" smtClean="0"/>
-          </a:p>
-          <a:p>
             <a:r>
               <a:rPr lang="ja-JP" altLang="en-US" dirty="0" smtClean="0"/>
-              <a:t>必修となるプログラミングに慣れるために、小学生から高校生までをメインターゲット</a:t>
-            </a:r>
-          </a:p>
-          <a:p>
+              <a:t>必修化</a:t>
+            </a:r>
+            <a:r>
+              <a:rPr lang="ja-JP" altLang="en-US" dirty="0"/>
+              <a:t>となって</a:t>
+            </a:r>
             <a:r>
               <a:rPr lang="ja-JP" altLang="en-US" dirty="0" smtClean="0"/>
-              <a:t>基礎となる形をいくつか用意</a:t>
-            </a:r>
-          </a:p>
-          <a:p>
-            <a:r>
-              <a:rPr lang="ja-JP" altLang="en-US" dirty="0" smtClean="0"/>
-              <a:t>それを組み合わせることでも対戦可能（？）</a:t>
-            </a:r>
-          </a:p>
-          <a:p>
-            <a:r>
-              <a:rPr lang="ja-JP" altLang="en-US" dirty="0" smtClean="0"/>
-              <a:t>個人で戦略を考える能力、それを形にする能力を養う</a:t>
-            </a:r>
-          </a:p>
-          <a:p>
-            <a:endParaRPr kumimoji="1" lang="ja-JP" altLang="en-US" dirty="0"/>
+              <a:t>いくプログラミングについて、中高生が勉強するために、教科書を読むだけでは難しい方が考えられる。そのような方が実際にプログラミングに触れてみれるような環境を作成したい</a:t>
+            </a:r>
+            <a:endParaRPr lang="en-US" altLang="ja-JP" dirty="0" smtClean="0"/>
           </a:p>
         </p:txBody>
       </p:sp>
@@ -6481,31 +6394,24 @@
           <a:bodyPr/>
           <a:lstStyle/>
           <a:p>
-            <a:fld id="{77022724-7A88-4190-89E1-23935288E045}" type="slidenum">
-              <a:rPr kumimoji="1" lang="ja-JP" altLang="en-US" smtClean="0"/>
+            <a:fld id="{4A32CB03-0843-4AF8-BFB2-C9917854BC7E}" type="slidenum">
+              <a:rPr kumimoji="1" lang="ja-JP" altLang="en-US" sz="2800" smtClean="0"/>
               <a:t>4</a:t>
             </a:fld>
-            <a:endParaRPr kumimoji="1" lang="ja-JP" altLang="en-US"/>
+            <a:endParaRPr kumimoji="1" lang="ja-JP" altLang="en-US" sz="2800" dirty="0"/>
           </a:p>
         </p:txBody>
       </p:sp>
     </p:spTree>
     <p:extLst>
       <p:ext uri="{BB962C8B-B14F-4D97-AF65-F5344CB8AC3E}">
-        <p14:creationId xmlns:p14="http://schemas.microsoft.com/office/powerpoint/2010/main" val="311686997"/>
+        <p14:creationId xmlns:p14="http://schemas.microsoft.com/office/powerpoint/2010/main" val="1938097084"/>
       </p:ext>
     </p:extLst>
   </p:cSld>
   <p:clrMapOvr>
     <a:masterClrMapping/>
   </p:clrMapOvr>
-  <p:timing>
-    <p:tnLst>
-      <p:par>
-        <p:cTn id="1" dur="indefinite" restart="never" nodeType="tmRoot"/>
-      </p:par>
-    </p:tnLst>
-  </p:timing>
 </p:sld>
 </file>
 
@@ -6543,7 +6449,7 @@
           <a:p>
             <a:r>
               <a:rPr kumimoji="1" lang="ja-JP" altLang="en-US" dirty="0" smtClean="0"/>
-              <a:t>概要</a:t>
+              <a:t>提案内容</a:t>
             </a:r>
             <a:endParaRPr kumimoji="1" lang="ja-JP" altLang="en-US" dirty="0"/>
           </a:p>
@@ -6561,115 +6467,43 @@
         </p:nvSpPr>
         <p:spPr/>
         <p:txBody>
-          <a:bodyPr/>
-          <a:lstStyle/>
-          <a:p>
-            <a:r>
-              <a:rPr kumimoji="1" lang="en-US" altLang="ja-JP" dirty="0" smtClean="0"/>
-              <a:t>DB</a:t>
-            </a:r>
-            <a:r>
-              <a:rPr kumimoji="1" lang="ja-JP" altLang="en-US" dirty="0" smtClean="0"/>
-              <a:t>に記録する情報</a:t>
-            </a:r>
-            <a:endParaRPr kumimoji="1" lang="en-US" altLang="ja-JP" dirty="0" smtClean="0"/>
-          </a:p>
-          <a:p>
-            <a:pPr marL="0" indent="0">
-              <a:buNone/>
-            </a:pPr>
+          <a:bodyPr>
+            <a:normAutofit/>
+          </a:bodyPr>
+          <a:lstStyle/>
+          <a:p>
             <a:r>
               <a:rPr lang="ja-JP" altLang="en-US" dirty="0"/>
-              <a:t>　</a:t>
+              <a:t>直観的に理解のしやすいブロックプログラミングにより、プログラミングの論理的思考を身に</a:t>
             </a:r>
             <a:r>
               <a:rPr lang="ja-JP" altLang="en-US" dirty="0" smtClean="0"/>
-              <a:t>・組み込むプログラムへのパス</a:t>
-            </a:r>
-            <a:endParaRPr kumimoji="1" lang="en-US" altLang="ja-JP" dirty="0" smtClean="0"/>
-          </a:p>
-          <a:p>
-            <a:pPr marL="0" indent="0">
-              <a:buNone/>
-            </a:pPr>
+              <a:t>着けられるシステムを提案する</a:t>
+            </a:r>
+            <a:endParaRPr lang="en-US" altLang="ja-JP" dirty="0" smtClean="0"/>
+          </a:p>
+          <a:p>
+            <a:r>
+              <a:rPr lang="ja-JP" altLang="en-US" dirty="0" smtClean="0"/>
+              <a:t>ブロックプログラミングからブロックリーによるコードへの変換を利用し、プログラミング言語への理解を深められるシステムを提案</a:t>
+            </a:r>
+            <a:endParaRPr lang="en-US" altLang="ja-JP" dirty="0" smtClean="0"/>
+          </a:p>
+          <a:p>
             <a:r>
               <a:rPr lang="ja-JP" altLang="en-US" dirty="0"/>
-              <a:t>　</a:t>
+              <a:t>穴埋め</a:t>
             </a:r>
             <a:r>
               <a:rPr lang="ja-JP" altLang="en-US" dirty="0" smtClean="0"/>
-              <a:t>・これまでの対戦履歴</a:t>
+              <a:t>問題などを利用し、よりプログラミングにユーザが慣れていける環境を提案</a:t>
             </a:r>
             <a:endParaRPr lang="en-US" altLang="ja-JP" dirty="0" smtClean="0"/>
           </a:p>
           <a:p>
-            <a:pPr marL="0" indent="0">
-              <a:buNone/>
-            </a:pPr>
-            <a:r>
-              <a:rPr lang="ja-JP" altLang="en-US" dirty="0"/>
-              <a:t>　</a:t>
-            </a:r>
-            <a:r>
-              <a:rPr lang="ja-JP" altLang="en-US" dirty="0" smtClean="0"/>
-              <a:t>　・誰と何戦何勝何敗何引き分け</a:t>
-            </a:r>
-            <a:endParaRPr lang="en-US" altLang="ja-JP" dirty="0" smtClean="0"/>
-          </a:p>
-          <a:p>
-            <a:pPr marL="0" indent="0">
-              <a:buNone/>
-            </a:pPr>
-            <a:r>
-              <a:rPr kumimoji="1" lang="ja-JP" altLang="en-US" dirty="0"/>
-              <a:t>　</a:t>
-            </a:r>
-            <a:r>
-              <a:rPr kumimoji="1" lang="ja-JP" altLang="en-US" dirty="0" smtClean="0"/>
-              <a:t>・これまでの勝敗情報</a:t>
-            </a:r>
-            <a:endParaRPr kumimoji="1" lang="en-US" altLang="ja-JP" dirty="0" smtClean="0"/>
-          </a:p>
-          <a:p>
-            <a:pPr marL="0" indent="0">
-              <a:buNone/>
-            </a:pPr>
-            <a:r>
-              <a:rPr lang="ja-JP" altLang="en-US" dirty="0"/>
-              <a:t>　</a:t>
-            </a:r>
-            <a:r>
-              <a:rPr lang="ja-JP" altLang="en-US" dirty="0" smtClean="0"/>
-              <a:t>　・</a:t>
-            </a:r>
-            <a:r>
-              <a:rPr kumimoji="1" lang="ja-JP" altLang="en-US" dirty="0" smtClean="0"/>
-              <a:t>グーチョキパーでの勝率</a:t>
-            </a:r>
-            <a:endParaRPr kumimoji="1" lang="en-US" altLang="ja-JP" dirty="0" smtClean="0"/>
-          </a:p>
-          <a:p>
-            <a:pPr marL="0" indent="0">
-              <a:buNone/>
-            </a:pPr>
-            <a:r>
-              <a:rPr lang="ja-JP" altLang="en-US" dirty="0"/>
-              <a:t>　</a:t>
-            </a:r>
-            <a:r>
-              <a:rPr lang="ja-JP" altLang="en-US" dirty="0" smtClean="0"/>
-              <a:t>　・前回までに出した手と勝敗</a:t>
-            </a:r>
-            <a:endParaRPr kumimoji="1" lang="en-US" altLang="ja-JP" dirty="0" smtClean="0"/>
-          </a:p>
-          <a:p>
-            <a:pPr marL="0" indent="0">
-              <a:buNone/>
-            </a:pPr>
-            <a:r>
-              <a:rPr lang="ja-JP" altLang="en-US" dirty="0"/>
-              <a:t>　</a:t>
-            </a:r>
+            <a:endParaRPr kumimoji="1" lang="en-US" altLang="ja-JP" dirty="0"/>
+          </a:p>
+          <a:p>
             <a:endParaRPr kumimoji="1" lang="ja-JP" altLang="en-US" dirty="0"/>
           </a:p>
         </p:txBody>
@@ -6689,31 +6523,24 @@
           <a:bodyPr/>
           <a:lstStyle/>
           <a:p>
-            <a:fld id="{77022724-7A88-4190-89E1-23935288E045}" type="slidenum">
-              <a:rPr kumimoji="1" lang="ja-JP" altLang="en-US" smtClean="0"/>
+            <a:fld id="{4A32CB03-0843-4AF8-BFB2-C9917854BC7E}" type="slidenum">
+              <a:rPr kumimoji="1" lang="ja-JP" altLang="en-US" sz="2800" smtClean="0"/>
               <a:t>5</a:t>
             </a:fld>
-            <a:endParaRPr kumimoji="1" lang="ja-JP" altLang="en-US"/>
+            <a:endParaRPr kumimoji="1" lang="ja-JP" altLang="en-US" sz="2800" dirty="0"/>
           </a:p>
         </p:txBody>
       </p:sp>
     </p:spTree>
     <p:extLst>
       <p:ext uri="{BB962C8B-B14F-4D97-AF65-F5344CB8AC3E}">
-        <p14:creationId xmlns:p14="http://schemas.microsoft.com/office/powerpoint/2010/main" val="574305258"/>
+        <p14:creationId xmlns:p14="http://schemas.microsoft.com/office/powerpoint/2010/main" val="354179094"/>
       </p:ext>
     </p:extLst>
   </p:cSld>
   <p:clrMapOvr>
     <a:masterClrMapping/>
   </p:clrMapOvr>
-  <p:timing>
-    <p:tnLst>
-      <p:par>
-        <p:cTn id="1" dur="indefinite" restart="never" nodeType="tmRoot"/>
-      </p:par>
-    </p:tnLst>
-  </p:timing>
 </p:sld>
 </file>
 
@@ -6751,7 +6578,7 @@
           <a:p>
             <a:r>
               <a:rPr kumimoji="1" lang="ja-JP" altLang="en-US" dirty="0" smtClean="0"/>
-              <a:t>概要</a:t>
+              <a:t>研究動機</a:t>
             </a:r>
             <a:endParaRPr kumimoji="1" lang="ja-JP" altLang="en-US" dirty="0"/>
           </a:p>
@@ -6773,37 +6600,40 @@
           <a:lstStyle/>
           <a:p>
             <a:r>
+              <a:rPr kumimoji="1" lang="en-US" altLang="ja-JP" dirty="0" err="1" smtClean="0"/>
+              <a:t>Blockly</a:t>
+            </a:r>
+            <a:r>
+              <a:rPr lang="ja-JP" altLang="en-US" dirty="0"/>
+              <a:t>に</a:t>
+            </a:r>
+            <a:r>
+              <a:rPr lang="ja-JP" altLang="en-US" dirty="0" smtClean="0"/>
+              <a:t>よるブロックプログラムとプログラミング言語によるコーディングへの変換により、学習環境を作成</a:t>
+            </a:r>
+            <a:endParaRPr lang="en-US" altLang="ja-JP" dirty="0" smtClean="0"/>
+          </a:p>
+          <a:p>
+            <a:pPr marL="0" indent="0">
+              <a:buNone/>
+            </a:pPr>
+            <a:endParaRPr lang="en-US" altLang="ja-JP" dirty="0" smtClean="0"/>
+          </a:p>
+          <a:p>
+            <a:r>
               <a:rPr kumimoji="1" lang="ja-JP" altLang="en-US" dirty="0" smtClean="0"/>
-              <a:t>サーバに保存する情報</a:t>
+              <a:t>穴埋め問題にするアルゴリズム</a:t>
+            </a:r>
+            <a:r>
+              <a:rPr lang="ja-JP" altLang="en-US" dirty="0" smtClean="0"/>
+              <a:t>を提案することで学習の幅を広げる</a:t>
             </a:r>
             <a:endParaRPr kumimoji="1" lang="en-US" altLang="ja-JP" dirty="0" smtClean="0"/>
           </a:p>
           <a:p>
-            <a:pPr marL="0" indent="0">
-              <a:buNone/>
-            </a:pPr>
-            <a:r>
-              <a:rPr lang="ja-JP" altLang="en-US" dirty="0"/>
-              <a:t>　</a:t>
-            </a:r>
-            <a:r>
-              <a:rPr lang="ja-JP" altLang="en-US" dirty="0" smtClean="0"/>
-              <a:t>・組み込むプログラム</a:t>
-            </a:r>
-            <a:endParaRPr lang="en-US" altLang="ja-JP" dirty="0" smtClean="0"/>
-          </a:p>
-          <a:p>
-            <a:pPr marL="0" indent="0">
-              <a:buNone/>
-            </a:pPr>
-            <a:r>
-              <a:rPr kumimoji="1" lang="ja-JP" altLang="en-US" dirty="0"/>
-              <a:t>　</a:t>
-            </a:r>
-            <a:r>
-              <a:rPr kumimoji="1" lang="ja-JP" altLang="en-US" dirty="0" smtClean="0"/>
-              <a:t>・ユーザデータ</a:t>
-            </a:r>
+            <a:endParaRPr lang="en-US" altLang="ja-JP" dirty="0"/>
+          </a:p>
+          <a:p>
             <a:endParaRPr kumimoji="1" lang="ja-JP" altLang="en-US" dirty="0"/>
           </a:p>
         </p:txBody>
@@ -6823,31 +6653,24 @@
           <a:bodyPr/>
           <a:lstStyle/>
           <a:p>
-            <a:fld id="{77022724-7A88-4190-89E1-23935288E045}" type="slidenum">
-              <a:rPr kumimoji="1" lang="ja-JP" altLang="en-US" smtClean="0"/>
+            <a:fld id="{4A32CB03-0843-4AF8-BFB2-C9917854BC7E}" type="slidenum">
+              <a:rPr kumimoji="1" lang="ja-JP" altLang="en-US" sz="2400" smtClean="0"/>
               <a:t>6</a:t>
             </a:fld>
-            <a:endParaRPr kumimoji="1" lang="ja-JP" altLang="en-US"/>
+            <a:endParaRPr kumimoji="1" lang="ja-JP" altLang="en-US" sz="2400" dirty="0"/>
           </a:p>
         </p:txBody>
       </p:sp>
     </p:spTree>
     <p:extLst>
       <p:ext uri="{BB962C8B-B14F-4D97-AF65-F5344CB8AC3E}">
-        <p14:creationId xmlns:p14="http://schemas.microsoft.com/office/powerpoint/2010/main" val="415145052"/>
+        <p14:creationId xmlns:p14="http://schemas.microsoft.com/office/powerpoint/2010/main" val="1632152331"/>
       </p:ext>
     </p:extLst>
   </p:cSld>
   <p:clrMapOvr>
     <a:masterClrMapping/>
   </p:clrMapOvr>
-  <p:timing>
-    <p:tnLst>
-      <p:par>
-        <p:cTn id="1" dur="indefinite" restart="never" nodeType="tmRoot"/>
-      </p:par>
-    </p:tnLst>
-  </p:timing>
 </p:sld>
 </file>
 
@@ -6885,7 +6708,7 @@
           <a:p>
             <a:r>
               <a:rPr kumimoji="1" lang="ja-JP" altLang="en-US" dirty="0" smtClean="0"/>
-              <a:t>概要</a:t>
+              <a:t>研究課題について</a:t>
             </a:r>
             <a:endParaRPr kumimoji="1" lang="ja-JP" altLang="en-US" dirty="0"/>
           </a:p>
@@ -6893,308 +6716,74 @@
       </p:sp>
       <p:sp>
         <p:nvSpPr>
-          <p:cNvPr id="4" name="正方形/長方形 3"/>
-          <p:cNvSpPr/>
-          <p:nvPr/>
-        </p:nvSpPr>
-        <p:spPr>
-          <a:xfrm>
-            <a:off x="687824" y="1610315"/>
-            <a:ext cx="10454910" cy="5025154"/>
-          </a:xfrm>
-          <a:prstGeom prst="rect">
-            <a:avLst/>
-          </a:prstGeom>
-        </p:spPr>
-        <p:style>
-          <a:lnRef idx="2">
-            <a:schemeClr val="dk1"/>
-          </a:lnRef>
-          <a:fillRef idx="1">
-            <a:schemeClr val="lt1"/>
-          </a:fillRef>
-          <a:effectRef idx="0">
-            <a:schemeClr val="dk1"/>
-          </a:effectRef>
-          <a:fontRef idx="minor">
-            <a:schemeClr val="dk1"/>
-          </a:fontRef>
-        </p:style>
-        <p:txBody>
-          <a:bodyPr rtlCol="0" anchor="ctr"/>
-          <a:lstStyle/>
-          <a:p>
-            <a:pPr algn="ctr"/>
-            <a:endParaRPr kumimoji="1" lang="ja-JP" altLang="en-US"/>
-          </a:p>
-        </p:txBody>
-      </p:sp>
-      <p:sp>
-        <p:nvSpPr>
-          <p:cNvPr id="5" name="正方形/長方形 4"/>
-          <p:cNvSpPr/>
-          <p:nvPr/>
-        </p:nvSpPr>
-        <p:spPr>
-          <a:xfrm>
-            <a:off x="1917812" y="2176758"/>
-            <a:ext cx="3212538" cy="3447207"/>
-          </a:xfrm>
-          <a:prstGeom prst="rect">
-            <a:avLst/>
-          </a:prstGeom>
-        </p:spPr>
-        <p:style>
-          <a:lnRef idx="2">
-            <a:schemeClr val="dk1"/>
-          </a:lnRef>
-          <a:fillRef idx="1">
-            <a:schemeClr val="lt1"/>
-          </a:fillRef>
-          <a:effectRef idx="0">
-            <a:schemeClr val="dk1"/>
-          </a:effectRef>
-          <a:fontRef idx="minor">
-            <a:schemeClr val="dk1"/>
-          </a:fontRef>
-        </p:style>
-        <p:txBody>
-          <a:bodyPr rtlCol="0" anchor="ctr"/>
-          <a:lstStyle/>
-          <a:p>
-            <a:pPr algn="ctr"/>
+          <p:cNvPr id="3" name="コンテンツ プレースホルダー 2"/>
+          <p:cNvSpPr>
+            <a:spLocks noGrp="1"/>
+          </p:cNvSpPr>
+          <p:nvPr>
+            <p:ph idx="1"/>
+          </p:nvPr>
+        </p:nvSpPr>
+        <p:spPr/>
+        <p:txBody>
+          <a:bodyPr>
+            <a:normAutofit lnSpcReduction="10000"/>
+          </a:bodyPr>
+          <a:lstStyle/>
+          <a:p>
+            <a:r>
+              <a:rPr kumimoji="1" lang="ja-JP" altLang="en-US" dirty="0" smtClean="0"/>
+              <a:t>現在ブロックプログラムからプログラミング言語に変換の原理を理解し、自分で扱えるようにする</a:t>
+            </a:r>
             <a:endParaRPr kumimoji="1" lang="en-US" altLang="ja-JP" dirty="0" smtClean="0"/>
           </a:p>
           <a:p>
-            <a:pPr algn="ctr"/>
-            <a:endParaRPr lang="en-US" altLang="ja-JP" dirty="0"/>
-          </a:p>
-          <a:p>
-            <a:pPr algn="ctr"/>
+            <a:pPr lvl="1"/>
+            <a:r>
+              <a:rPr lang="ja-JP" altLang="en-US" dirty="0" smtClean="0"/>
+              <a:t>言語ジェネレータというものがブロックリーでは用意されているので、勉強する</a:t>
+            </a:r>
             <a:endParaRPr kumimoji="1" lang="en-US" altLang="ja-JP" dirty="0" smtClean="0"/>
           </a:p>
           <a:p>
-            <a:pPr algn="ctr"/>
-            <a:endParaRPr lang="en-US" altLang="ja-JP" dirty="0"/>
-          </a:p>
-          <a:p>
-            <a:pPr algn="ctr"/>
+            <a:pPr lvl="1"/>
             <a:endParaRPr kumimoji="1" lang="en-US" altLang="ja-JP" dirty="0" smtClean="0"/>
           </a:p>
           <a:p>
-            <a:pPr algn="ctr"/>
-            <a:endParaRPr lang="en-US" altLang="ja-JP" dirty="0"/>
-          </a:p>
-          <a:p>
-            <a:pPr algn="ctr"/>
+            <a:r>
+              <a:rPr lang="ja-JP" altLang="en-US" dirty="0" smtClean="0"/>
+              <a:t>穴埋めにするアルゴリズムの考案</a:t>
+            </a:r>
+            <a:r>
+              <a:rPr kumimoji="1" lang="ja-JP" altLang="en-US" dirty="0" smtClean="0"/>
+              <a:t>関数名、変数名などを優先的に穴埋めにしたいと考えている</a:t>
+            </a:r>
             <a:endParaRPr kumimoji="1" lang="en-US" altLang="ja-JP" dirty="0" smtClean="0"/>
           </a:p>
           <a:p>
+            <a:pPr lvl="1"/>
+            <a:r>
+              <a:rPr kumimoji="1" lang="ja-JP" altLang="en-US" dirty="0" smtClean="0"/>
+              <a:t>どの部分が穴埋めにしたい部分なのかを判断する方法を思いついていない</a:t>
+            </a:r>
+            <a:endParaRPr kumimoji="1" lang="en-US" altLang="ja-JP" dirty="0" smtClean="0"/>
+          </a:p>
+          <a:p>
+            <a:pPr lvl="1"/>
             <a:r>
               <a:rPr lang="ja-JP" altLang="en-US" dirty="0" smtClean="0"/>
-              <a:t>戦績</a:t>
+              <a:t>一部のプログラミングをランダムに抜いて、その部分を穴埋め</a:t>
             </a:r>
             <a:endParaRPr lang="en-US" altLang="ja-JP" dirty="0" smtClean="0"/>
           </a:p>
           <a:p>
-            <a:r>
-              <a:rPr lang="ja-JP" altLang="en-US" dirty="0" smtClean="0"/>
-              <a:t>勝利１　敗北２ 引き分け３</a:t>
-            </a:r>
             <a:endParaRPr lang="en-US" altLang="ja-JP" dirty="0" smtClean="0"/>
           </a:p>
         </p:txBody>
       </p:sp>
       <p:sp>
         <p:nvSpPr>
-          <p:cNvPr id="6" name="正方形/長方形 5"/>
-          <p:cNvSpPr/>
-          <p:nvPr/>
-        </p:nvSpPr>
-        <p:spPr>
-          <a:xfrm>
-            <a:off x="6852605" y="2176758"/>
-            <a:ext cx="3212538" cy="3447207"/>
-          </a:xfrm>
-          <a:prstGeom prst="rect">
-            <a:avLst/>
-          </a:prstGeom>
-        </p:spPr>
-        <p:style>
-          <a:lnRef idx="2">
-            <a:schemeClr val="dk1"/>
-          </a:lnRef>
-          <a:fillRef idx="1">
-            <a:schemeClr val="lt1"/>
-          </a:fillRef>
-          <a:effectRef idx="0">
-            <a:schemeClr val="dk1"/>
-          </a:effectRef>
-          <a:fontRef idx="minor">
-            <a:schemeClr val="dk1"/>
-          </a:fontRef>
-        </p:style>
-        <p:txBody>
-          <a:bodyPr rtlCol="0" anchor="ctr"/>
-          <a:lstStyle/>
-          <a:p>
-            <a:endParaRPr kumimoji="1" lang="en-US" altLang="ja-JP" dirty="0" smtClean="0"/>
-          </a:p>
-          <a:p>
-            <a:endParaRPr lang="en-US" altLang="ja-JP" dirty="0"/>
-          </a:p>
-          <a:p>
-            <a:endParaRPr kumimoji="1" lang="en-US" altLang="ja-JP" dirty="0" smtClean="0"/>
-          </a:p>
-          <a:p>
-            <a:endParaRPr lang="en-US" altLang="ja-JP" dirty="0"/>
-          </a:p>
-          <a:p>
-            <a:endParaRPr kumimoji="1" lang="en-US" altLang="ja-JP" dirty="0" smtClean="0"/>
-          </a:p>
-          <a:p>
-            <a:endParaRPr lang="en-US" altLang="ja-JP" dirty="0"/>
-          </a:p>
-          <a:p>
-            <a:endParaRPr kumimoji="1" lang="en-US" altLang="ja-JP" dirty="0" smtClean="0"/>
-          </a:p>
-          <a:p>
-            <a:r>
-              <a:rPr kumimoji="1" lang="ja-JP" altLang="en-US" dirty="0" smtClean="0"/>
-              <a:t>戦績</a:t>
-            </a:r>
-            <a:endParaRPr kumimoji="1" lang="en-US" altLang="ja-JP" dirty="0" smtClean="0"/>
-          </a:p>
-          <a:p>
-            <a:r>
-              <a:rPr kumimoji="1" lang="ja-JP" altLang="en-US" dirty="0" smtClean="0"/>
-              <a:t>勝利２　敗北１ 引き分け３</a:t>
-            </a:r>
-            <a:endParaRPr kumimoji="1" lang="ja-JP" altLang="en-US" dirty="0"/>
-          </a:p>
-        </p:txBody>
-      </p:sp>
-      <p:sp>
-        <p:nvSpPr>
-          <p:cNvPr id="7" name="正方形/長方形 6"/>
-          <p:cNvSpPr/>
-          <p:nvPr/>
-        </p:nvSpPr>
-        <p:spPr>
-          <a:xfrm>
-            <a:off x="2482906" y="2345343"/>
-            <a:ext cx="1983898" cy="2129553"/>
-          </a:xfrm>
-          <a:prstGeom prst="rect">
-            <a:avLst/>
-          </a:prstGeom>
-        </p:spPr>
-        <p:style>
-          <a:lnRef idx="2">
-            <a:schemeClr val="dk1"/>
-          </a:lnRef>
-          <a:fillRef idx="1">
-            <a:schemeClr val="lt1"/>
-          </a:fillRef>
-          <a:effectRef idx="0">
-            <a:schemeClr val="dk1"/>
-          </a:effectRef>
-          <a:fontRef idx="minor">
-            <a:schemeClr val="dk1"/>
-          </a:fontRef>
-        </p:style>
-        <p:txBody>
-          <a:bodyPr rtlCol="0" anchor="ctr"/>
-          <a:lstStyle/>
-          <a:p>
-            <a:pPr algn="ctr"/>
-            <a:r>
-              <a:rPr kumimoji="1" lang="ja-JP" altLang="en-US" dirty="0" smtClean="0"/>
-              <a:t>グー</a:t>
-            </a:r>
-            <a:endParaRPr kumimoji="1" lang="ja-JP" altLang="en-US" dirty="0"/>
-          </a:p>
-        </p:txBody>
-      </p:sp>
-      <p:sp>
-        <p:nvSpPr>
-          <p:cNvPr id="8" name="正方形/長方形 7"/>
-          <p:cNvSpPr/>
-          <p:nvPr/>
-        </p:nvSpPr>
-        <p:spPr>
-          <a:xfrm>
-            <a:off x="7466925" y="2345343"/>
-            <a:ext cx="1983898" cy="2129553"/>
-          </a:xfrm>
-          <a:prstGeom prst="rect">
-            <a:avLst/>
-          </a:prstGeom>
-        </p:spPr>
-        <p:style>
-          <a:lnRef idx="2">
-            <a:schemeClr val="dk1"/>
-          </a:lnRef>
-          <a:fillRef idx="1">
-            <a:schemeClr val="lt1"/>
-          </a:fillRef>
-          <a:effectRef idx="0">
-            <a:schemeClr val="dk1"/>
-          </a:effectRef>
-          <a:fontRef idx="minor">
-            <a:schemeClr val="dk1"/>
-          </a:fontRef>
-        </p:style>
-        <p:txBody>
-          <a:bodyPr rtlCol="0" anchor="ctr"/>
-          <a:lstStyle/>
-          <a:p>
-            <a:pPr algn="ctr"/>
-            <a:r>
-              <a:rPr kumimoji="1" lang="ja-JP" altLang="en-US" dirty="0" smtClean="0"/>
-              <a:t>チョキ</a:t>
-            </a:r>
-            <a:endParaRPr kumimoji="1" lang="ja-JP" altLang="en-US" dirty="0"/>
-          </a:p>
-        </p:txBody>
-      </p:sp>
-      <p:sp>
-        <p:nvSpPr>
-          <p:cNvPr id="3" name="テキスト ボックス 2"/>
-          <p:cNvSpPr txBox="1"/>
-          <p:nvPr/>
-        </p:nvSpPr>
-        <p:spPr>
-          <a:xfrm>
-            <a:off x="838200" y="1642442"/>
-            <a:ext cx="3139709" cy="369332"/>
-          </a:xfrm>
-          <a:prstGeom prst="rect">
-            <a:avLst/>
-          </a:prstGeom>
-          <a:noFill/>
-        </p:spPr>
-        <p:txBody>
-          <a:bodyPr wrap="square" rtlCol="0">
-            <a:spAutoFit/>
-          </a:bodyPr>
-          <a:lstStyle/>
-          <a:p>
-            <a:r>
-              <a:rPr kumimoji="1" lang="en-US" altLang="ja-JP" dirty="0" smtClean="0"/>
-              <a:t>WEB</a:t>
-            </a:r>
-            <a:r>
-              <a:rPr kumimoji="1" lang="ja-JP" altLang="en-US" dirty="0" smtClean="0"/>
-              <a:t>ブラウザ</a:t>
-            </a:r>
-            <a:endParaRPr kumimoji="1" lang="ja-JP" altLang="en-US" dirty="0"/>
-          </a:p>
-        </p:txBody>
-      </p:sp>
-      <p:sp>
-        <p:nvSpPr>
-          <p:cNvPr id="9" name="スライド番号プレースホルダー 8"/>
+          <p:cNvPr id="4" name="スライド番号プレースホルダー 3"/>
           <p:cNvSpPr>
             <a:spLocks noGrp="1"/>
           </p:cNvSpPr>
@@ -7207,18 +6796,18 @@
           <a:bodyPr/>
           <a:lstStyle/>
           <a:p>
-            <a:fld id="{77022724-7A88-4190-89E1-23935288E045}" type="slidenum">
-              <a:rPr kumimoji="1" lang="ja-JP" altLang="en-US" smtClean="0"/>
+            <a:fld id="{010A43D1-8C5F-4BB5-96AD-6A66B588192F}" type="slidenum">
+              <a:rPr kumimoji="1" lang="ja-JP" altLang="en-US" sz="2400" smtClean="0"/>
               <a:t>7</a:t>
             </a:fld>
-            <a:endParaRPr kumimoji="1" lang="ja-JP" altLang="en-US"/>
+            <a:endParaRPr kumimoji="1" lang="ja-JP" altLang="en-US" sz="2400" dirty="0"/>
           </a:p>
         </p:txBody>
       </p:sp>
     </p:spTree>
     <p:extLst>
       <p:ext uri="{BB962C8B-B14F-4D97-AF65-F5344CB8AC3E}">
-        <p14:creationId xmlns:p14="http://schemas.microsoft.com/office/powerpoint/2010/main" val="4145951717"/>
+        <p14:creationId xmlns:p14="http://schemas.microsoft.com/office/powerpoint/2010/main" val="4275672017"/>
       </p:ext>
     </p:extLst>
   </p:cSld>
@@ -7268,8 +6857,8 @@
           <a:lstStyle/>
           <a:p>
             <a:r>
-              <a:rPr kumimoji="1" lang="ja-JP" altLang="en-US" dirty="0" smtClean="0"/>
-              <a:t>概要</a:t>
+              <a:rPr kumimoji="1" lang="en-US" altLang="ja-JP" dirty="0" smtClean="0"/>
+              <a:t>Node.js</a:t>
             </a:r>
             <a:endParaRPr kumimoji="1" lang="ja-JP" altLang="en-US" dirty="0"/>
           </a:p>
@@ -7277,79 +6866,111 @@
       </p:sp>
       <p:sp>
         <p:nvSpPr>
-          <p:cNvPr id="4" name="正方形/長方形 3"/>
-          <p:cNvSpPr/>
-          <p:nvPr/>
-        </p:nvSpPr>
-        <p:spPr>
-          <a:xfrm>
-            <a:off x="687824" y="1610315"/>
-            <a:ext cx="4839036" cy="5025154"/>
-          </a:xfrm>
-          <a:prstGeom prst="rect">
-            <a:avLst/>
-          </a:prstGeom>
-        </p:spPr>
-        <p:style>
-          <a:lnRef idx="2">
-            <a:schemeClr val="dk1"/>
-          </a:lnRef>
-          <a:fillRef idx="1">
-            <a:schemeClr val="lt1"/>
-          </a:fillRef>
-          <a:effectRef idx="0">
-            <a:schemeClr val="dk1"/>
-          </a:effectRef>
-          <a:fontRef idx="minor">
-            <a:schemeClr val="dk1"/>
-          </a:fontRef>
-        </p:style>
-        <p:txBody>
-          <a:bodyPr rtlCol="0" anchor="ctr"/>
-          <a:lstStyle/>
-          <a:p>
-            <a:pPr algn="ctr"/>
-            <a:endParaRPr kumimoji="1" lang="ja-JP" altLang="en-US"/>
-          </a:p>
-        </p:txBody>
-      </p:sp>
-      <p:sp>
-        <p:nvSpPr>
-          <p:cNvPr id="5" name="正方形/長方形 4"/>
-          <p:cNvSpPr/>
-          <p:nvPr/>
-        </p:nvSpPr>
-        <p:spPr>
-          <a:xfrm>
-            <a:off x="1788339" y="2306230"/>
-            <a:ext cx="2638004" cy="1197621"/>
-          </a:xfrm>
-          <a:prstGeom prst="rect">
-            <a:avLst/>
-          </a:prstGeom>
-        </p:spPr>
-        <p:style>
-          <a:lnRef idx="2">
-            <a:schemeClr val="dk1"/>
-          </a:lnRef>
-          <a:fillRef idx="1">
-            <a:schemeClr val="lt1"/>
-          </a:fillRef>
-          <a:effectRef idx="0">
-            <a:schemeClr val="dk1"/>
-          </a:effectRef>
-          <a:fontRef idx="minor">
-            <a:schemeClr val="dk1"/>
-          </a:fontRef>
-        </p:style>
-        <p:txBody>
-          <a:bodyPr rtlCol="0" anchor="ctr"/>
-          <a:lstStyle/>
-          <a:p>
-            <a:pPr algn="ctr"/>
-            <a:r>
-              <a:rPr kumimoji="1" lang="ja-JP" altLang="en-US" dirty="0" smtClean="0"/>
-              <a:t>最初はパーを出す</a:t>
+          <p:cNvPr id="3" name="コンテンツ プレースホルダー 2"/>
+          <p:cNvSpPr>
+            <a:spLocks noGrp="1"/>
+          </p:cNvSpPr>
+          <p:nvPr>
+            <p:ph idx="1"/>
+          </p:nvPr>
+        </p:nvSpPr>
+        <p:spPr/>
+        <p:txBody>
+          <a:bodyPr/>
+          <a:lstStyle/>
+          <a:p>
+            <a:pPr marL="0" indent="0">
+              <a:buNone/>
+            </a:pPr>
+            <a:r>
+              <a:rPr lang="en-US" altLang="ja-JP" dirty="0"/>
+              <a:t>Node.js</a:t>
+            </a:r>
+            <a:r>
+              <a:rPr lang="ja-JP" altLang="en-US" dirty="0"/>
+              <a:t>（ノード・ジェイエス） は</a:t>
+            </a:r>
+            <a:r>
+              <a:rPr lang="en-US" altLang="ja-JP" dirty="0"/>
+              <a:t>V8 JavaScript</a:t>
+            </a:r>
+            <a:r>
+              <a:rPr lang="ja-JP" altLang="en-US" dirty="0"/>
+              <a:t>エンジン上に構築された</a:t>
+            </a:r>
+            <a:r>
+              <a:rPr lang="en-US" altLang="ja-JP" dirty="0"/>
+              <a:t>JavaScript</a:t>
+            </a:r>
+            <a:r>
+              <a:rPr lang="ja-JP" altLang="en-US" dirty="0"/>
+              <a:t>実行環境の</a:t>
+            </a:r>
+            <a:r>
+              <a:rPr lang="en-US" altLang="ja-JP" dirty="0"/>
+              <a:t>1</a:t>
+            </a:r>
+            <a:r>
+              <a:rPr lang="ja-JP" altLang="en-US" dirty="0"/>
+              <a:t>つで</a:t>
+            </a:r>
+            <a:r>
+              <a:rPr lang="ja-JP" altLang="en-US" dirty="0" smtClean="0"/>
+              <a:t>ある。</a:t>
+            </a:r>
+            <a:r>
+              <a:rPr lang="ja-JP" altLang="en-US" dirty="0"/>
+              <a:t>イベント化された入出力を扱うサーバサイド</a:t>
+            </a:r>
+            <a:r>
+              <a:rPr lang="en-US" altLang="ja-JP" dirty="0"/>
+              <a:t>JavaScript</a:t>
+            </a:r>
+            <a:r>
+              <a:rPr lang="ja-JP" altLang="en-US" dirty="0"/>
+              <a:t>環境であり、</a:t>
+            </a:r>
+            <a:r>
+              <a:rPr lang="en-US" altLang="ja-JP" dirty="0"/>
+              <a:t>Web</a:t>
+            </a:r>
+            <a:r>
+              <a:rPr lang="ja-JP" altLang="en-US" dirty="0"/>
+              <a:t>サーバなどのスケーラブルなネットワークプログラムの記述を意図して</a:t>
+            </a:r>
+            <a:r>
+              <a:rPr lang="ja-JP" altLang="en-US" dirty="0" smtClean="0"/>
+              <a:t>いる。</a:t>
+            </a:r>
+            <a:endParaRPr lang="en-US" altLang="ja-JP" dirty="0" smtClean="0"/>
+          </a:p>
+          <a:p>
+            <a:pPr marL="0" indent="0">
+              <a:buNone/>
+            </a:pPr>
+            <a:endParaRPr kumimoji="1" lang="en-US" altLang="ja-JP" dirty="0" smtClean="0"/>
+          </a:p>
+          <a:p>
+            <a:pPr marL="0" indent="0">
+              <a:buNone/>
+            </a:pPr>
+            <a:r>
+              <a:rPr lang="ja-JP" altLang="en-US" dirty="0"/>
+              <a:t>引用</a:t>
+            </a:r>
+            <a:r>
+              <a:rPr lang="ja-JP" altLang="en-US" dirty="0" smtClean="0"/>
+              <a:t>：</a:t>
+            </a:r>
+            <a:endParaRPr kumimoji="1" lang="en-US" altLang="ja-JP" dirty="0"/>
+          </a:p>
+          <a:p>
+            <a:pPr marL="0" indent="0">
+              <a:buNone/>
+            </a:pPr>
+            <a:r>
+              <a:rPr lang="en-US" altLang="ja-JP" dirty="0"/>
+              <a:t>https://ja.wikipedia.org/wiki/Node.js</a:t>
             </a:r>
             <a:endParaRPr kumimoji="1" lang="ja-JP" altLang="en-US" dirty="0"/>
           </a:p>
@@ -7357,261 +6978,7 @@
       </p:sp>
       <p:sp>
         <p:nvSpPr>
-          <p:cNvPr id="6" name="下矢印 5"/>
-          <p:cNvSpPr/>
-          <p:nvPr/>
-        </p:nvSpPr>
-        <p:spPr>
-          <a:xfrm>
-            <a:off x="2767477" y="3681876"/>
-            <a:ext cx="671639" cy="639271"/>
-          </a:xfrm>
-          <a:prstGeom prst="downArrow">
-            <a:avLst/>
-          </a:prstGeom>
-        </p:spPr>
-        <p:style>
-          <a:lnRef idx="2">
-            <a:schemeClr val="dk1">
-              <a:shade val="50000"/>
-            </a:schemeClr>
-          </a:lnRef>
-          <a:fillRef idx="1">
-            <a:schemeClr val="dk1"/>
-          </a:fillRef>
-          <a:effectRef idx="0">
-            <a:schemeClr val="dk1"/>
-          </a:effectRef>
-          <a:fontRef idx="minor">
-            <a:schemeClr val="lt1"/>
-          </a:fontRef>
-        </p:style>
-        <p:txBody>
-          <a:bodyPr rtlCol="0" anchor="ctr"/>
-          <a:lstStyle/>
-          <a:p>
-            <a:pPr algn="ctr"/>
-            <a:endParaRPr kumimoji="1" lang="ja-JP" altLang="en-US"/>
-          </a:p>
-        </p:txBody>
-      </p:sp>
-      <p:sp>
-        <p:nvSpPr>
-          <p:cNvPr id="7" name="正方形/長方形 6"/>
-          <p:cNvSpPr/>
-          <p:nvPr/>
-        </p:nvSpPr>
-        <p:spPr>
-          <a:xfrm>
-            <a:off x="1784294" y="4499172"/>
-            <a:ext cx="2638004" cy="1197621"/>
-          </a:xfrm>
-          <a:prstGeom prst="rect">
-            <a:avLst/>
-          </a:prstGeom>
-        </p:spPr>
-        <p:style>
-          <a:lnRef idx="2">
-            <a:schemeClr val="dk1"/>
-          </a:lnRef>
-          <a:fillRef idx="1">
-            <a:schemeClr val="lt1"/>
-          </a:fillRef>
-          <a:effectRef idx="0">
-            <a:schemeClr val="dk1"/>
-          </a:effectRef>
-          <a:fontRef idx="minor">
-            <a:schemeClr val="dk1"/>
-          </a:fontRef>
-        </p:style>
-        <p:txBody>
-          <a:bodyPr rtlCol="0" anchor="ctr"/>
-          <a:lstStyle/>
-          <a:p>
-            <a:pPr algn="ctr"/>
-            <a:r>
-              <a:rPr lang="ja-JP" altLang="en-US" dirty="0"/>
-              <a:t>相手</a:t>
-            </a:r>
-            <a:r>
-              <a:rPr lang="ja-JP" altLang="en-US" dirty="0" smtClean="0"/>
-              <a:t>が前回パーを出したら</a:t>
-            </a:r>
-            <a:r>
-              <a:rPr lang="ja-JP" altLang="en-US" dirty="0"/>
-              <a:t>チョキ</a:t>
-            </a:r>
-            <a:r>
-              <a:rPr kumimoji="1" lang="ja-JP" altLang="en-US" dirty="0" smtClean="0"/>
-              <a:t>を出す</a:t>
-            </a:r>
-            <a:endParaRPr kumimoji="1" lang="ja-JP" altLang="en-US" dirty="0"/>
-          </a:p>
-        </p:txBody>
-      </p:sp>
-      <p:sp>
-        <p:nvSpPr>
-          <p:cNvPr id="8" name="正方形/長方形 7"/>
-          <p:cNvSpPr/>
-          <p:nvPr/>
-        </p:nvSpPr>
-        <p:spPr>
-          <a:xfrm>
-            <a:off x="6501951" y="1650229"/>
-            <a:ext cx="4839036" cy="4912412"/>
-          </a:xfrm>
-          <a:prstGeom prst="rect">
-            <a:avLst/>
-          </a:prstGeom>
-        </p:spPr>
-        <p:style>
-          <a:lnRef idx="2">
-            <a:schemeClr val="dk1"/>
-          </a:lnRef>
-          <a:fillRef idx="1">
-            <a:schemeClr val="lt1"/>
-          </a:fillRef>
-          <a:effectRef idx="0">
-            <a:schemeClr val="dk1"/>
-          </a:effectRef>
-          <a:fontRef idx="minor">
-            <a:schemeClr val="dk1"/>
-          </a:fontRef>
-        </p:style>
-        <p:txBody>
-          <a:bodyPr rtlCol="0" anchor="ctr"/>
-          <a:lstStyle/>
-          <a:p>
-            <a:endParaRPr lang="en-US" altLang="ja-JP" dirty="0"/>
-          </a:p>
-        </p:txBody>
-      </p:sp>
-      <p:sp>
-        <p:nvSpPr>
-          <p:cNvPr id="9" name="左右矢印 8"/>
-          <p:cNvSpPr/>
-          <p:nvPr/>
-        </p:nvSpPr>
-        <p:spPr>
-          <a:xfrm>
-            <a:off x="5563274" y="4001511"/>
-            <a:ext cx="902263" cy="614994"/>
-          </a:xfrm>
-          <a:prstGeom prst="leftRightArrow">
-            <a:avLst>
-              <a:gd name="adj1" fmla="val 3419"/>
-              <a:gd name="adj2" fmla="val 50000"/>
-            </a:avLst>
-          </a:prstGeom>
-        </p:spPr>
-        <p:style>
-          <a:lnRef idx="2">
-            <a:schemeClr val="dk1">
-              <a:shade val="50000"/>
-            </a:schemeClr>
-          </a:lnRef>
-          <a:fillRef idx="1">
-            <a:schemeClr val="dk1"/>
-          </a:fillRef>
-          <a:effectRef idx="0">
-            <a:schemeClr val="dk1"/>
-          </a:effectRef>
-          <a:fontRef idx="minor">
-            <a:schemeClr val="lt1"/>
-          </a:fontRef>
-        </p:style>
-        <p:txBody>
-          <a:bodyPr rtlCol="0" anchor="ctr"/>
-          <a:lstStyle/>
-          <a:p>
-            <a:pPr algn="ctr"/>
-            <a:endParaRPr kumimoji="1" lang="ja-JP" altLang="en-US"/>
-          </a:p>
-        </p:txBody>
-      </p:sp>
-      <p:sp>
-        <p:nvSpPr>
-          <p:cNvPr id="10" name="正方形/長方形 9"/>
-          <p:cNvSpPr/>
-          <p:nvPr/>
-        </p:nvSpPr>
-        <p:spPr>
-          <a:xfrm>
-            <a:off x="7582572" y="2303715"/>
-            <a:ext cx="1739787" cy="922492"/>
-          </a:xfrm>
-          <a:prstGeom prst="rect">
-            <a:avLst/>
-          </a:prstGeom>
-        </p:spPr>
-        <p:style>
-          <a:lnRef idx="2">
-            <a:schemeClr val="dk1"/>
-          </a:lnRef>
-          <a:fillRef idx="1">
-            <a:schemeClr val="lt1"/>
-          </a:fillRef>
-          <a:effectRef idx="0">
-            <a:schemeClr val="dk1"/>
-          </a:effectRef>
-          <a:fontRef idx="minor">
-            <a:schemeClr val="dk1"/>
-          </a:fontRef>
-        </p:style>
-        <p:txBody>
-          <a:bodyPr rtlCol="0" anchor="ctr"/>
-          <a:lstStyle/>
-          <a:p>
-            <a:pPr algn="ctr"/>
-            <a:r>
-              <a:rPr kumimoji="1" lang="en-US" altLang="ja-JP" dirty="0" smtClean="0"/>
-              <a:t>pa</a:t>
-            </a:r>
-            <a:endParaRPr kumimoji="1" lang="ja-JP" altLang="en-US" dirty="0"/>
-          </a:p>
-        </p:txBody>
-      </p:sp>
-      <p:sp>
-        <p:nvSpPr>
-          <p:cNvPr id="11" name="正方形/長方形 10"/>
-          <p:cNvSpPr/>
-          <p:nvPr/>
-        </p:nvSpPr>
-        <p:spPr>
-          <a:xfrm>
-            <a:off x="7582573" y="4433178"/>
-            <a:ext cx="1739787" cy="922492"/>
-          </a:xfrm>
-          <a:prstGeom prst="rect">
-            <a:avLst/>
-          </a:prstGeom>
-        </p:spPr>
-        <p:style>
-          <a:lnRef idx="2">
-            <a:schemeClr val="dk1"/>
-          </a:lnRef>
-          <a:fillRef idx="1">
-            <a:schemeClr val="lt1"/>
-          </a:fillRef>
-          <a:effectRef idx="0">
-            <a:schemeClr val="dk1"/>
-          </a:effectRef>
-          <a:fontRef idx="minor">
-            <a:schemeClr val="dk1"/>
-          </a:fontRef>
-        </p:style>
-        <p:txBody>
-          <a:bodyPr rtlCol="0" anchor="ctr"/>
-          <a:lstStyle/>
-          <a:p>
-            <a:pPr algn="ctr"/>
-            <a:endParaRPr kumimoji="1" lang="ja-JP" altLang="en-US"/>
-          </a:p>
-        </p:txBody>
-      </p:sp>
-      <p:sp>
-        <p:nvSpPr>
-          <p:cNvPr id="3" name="スライド番号プレースホルダー 2"/>
+          <p:cNvPr id="4" name="スライド番号プレースホルダー 3"/>
           <p:cNvSpPr>
             <a:spLocks noGrp="1"/>
           </p:cNvSpPr>
@@ -7624,7 +6991,7 @@
           <a:bodyPr/>
           <a:lstStyle/>
           <a:p>
-            <a:fld id="{77022724-7A88-4190-89E1-23935288E045}" type="slidenum">
+            <a:fld id="{4A32CB03-0843-4AF8-BFB2-C9917854BC7E}" type="slidenum">
               <a:rPr kumimoji="1" lang="ja-JP" altLang="en-US" smtClean="0"/>
               <a:t>8</a:t>
             </a:fld>
@@ -7635,20 +7002,13 @@
     </p:spTree>
     <p:extLst>
       <p:ext uri="{BB962C8B-B14F-4D97-AF65-F5344CB8AC3E}">
-        <p14:creationId xmlns:p14="http://schemas.microsoft.com/office/powerpoint/2010/main" val="2592236630"/>
+        <p14:creationId xmlns:p14="http://schemas.microsoft.com/office/powerpoint/2010/main" val="4200382121"/>
       </p:ext>
     </p:extLst>
   </p:cSld>
   <p:clrMapOvr>
     <a:masterClrMapping/>
   </p:clrMapOvr>
-  <p:timing>
-    <p:tnLst>
-      <p:par>
-        <p:cTn id="1" dur="indefinite" restart="never" nodeType="tmRoot"/>
-      </p:par>
-    </p:tnLst>
-  </p:timing>
 </p:sld>
 </file>
 
@@ -7685,8 +7045,12 @@
           <a:lstStyle/>
           <a:p>
             <a:r>
+              <a:rPr lang="ja-JP" altLang="en-US" dirty="0" smtClean="0"/>
+              <a:t>システム構成図</a:t>
+            </a:r>
+            <a:r>
               <a:rPr kumimoji="1" lang="ja-JP" altLang="en-US" dirty="0" smtClean="0"/>
-              <a:t>概要</a:t>
+              <a:t>（予想図）</a:t>
             </a:r>
             <a:endParaRPr kumimoji="1" lang="ja-JP" altLang="en-US" dirty="0"/>
           </a:p>
@@ -7694,14 +7058,37 @@
       </p:sp>
       <p:sp>
         <p:nvSpPr>
-          <p:cNvPr id="8" name="正方形/長方形 7"/>
+          <p:cNvPr id="3" name="スライド番号プレースホルダー 2"/>
+          <p:cNvSpPr>
+            <a:spLocks noGrp="1"/>
+          </p:cNvSpPr>
+          <p:nvPr>
+            <p:ph type="sldNum" sz="quarter" idx="12"/>
+          </p:nvPr>
+        </p:nvSpPr>
+        <p:spPr/>
+        <p:txBody>
+          <a:bodyPr/>
+          <a:lstStyle/>
+          <a:p>
+            <a:fld id="{4A32CB03-0843-4AF8-BFB2-C9917854BC7E}" type="slidenum">
+              <a:rPr kumimoji="1" lang="ja-JP" altLang="en-US" smtClean="0"/>
+              <a:t>9</a:t>
+            </a:fld>
+            <a:endParaRPr kumimoji="1" lang="ja-JP" altLang="en-US"/>
+          </a:p>
+        </p:txBody>
+      </p:sp>
+      <p:sp>
+        <p:nvSpPr>
+          <p:cNvPr id="4" name="正方形/長方形 3"/>
           <p:cNvSpPr/>
           <p:nvPr/>
         </p:nvSpPr>
         <p:spPr>
           <a:xfrm>
-            <a:off x="736710" y="1670459"/>
-            <a:ext cx="4839036" cy="4912412"/>
+            <a:off x="2233402" y="2147945"/>
+            <a:ext cx="1893536" cy="1189529"/>
           </a:xfrm>
           <a:prstGeom prst="rect">
             <a:avLst/>
@@ -7725,63 +7112,25 @@
           <a:bodyPr rtlCol="0" anchor="ctr"/>
           <a:lstStyle/>
           <a:p>
-            <a:endParaRPr lang="en-US" altLang="ja-JP" dirty="0"/>
-          </a:p>
-        </p:txBody>
-      </p:sp>
-      <p:sp>
-        <p:nvSpPr>
-          <p:cNvPr id="9" name="左右矢印 8"/>
+            <a:pPr algn="ctr"/>
+            <a:r>
+              <a:rPr kumimoji="1" lang="en-US" altLang="ja-JP" sz="2800" dirty="0" err="1" smtClean="0"/>
+              <a:t>Blockly</a:t>
+            </a:r>
+            <a:endParaRPr kumimoji="1" lang="ja-JP" altLang="en-US" sz="2800" dirty="0"/>
+          </a:p>
+        </p:txBody>
+      </p:sp>
+      <p:sp>
+        <p:nvSpPr>
+          <p:cNvPr id="5" name="正方形/長方形 4"/>
           <p:cNvSpPr/>
           <p:nvPr/>
         </p:nvSpPr>
         <p:spPr>
           <a:xfrm>
-            <a:off x="5563274" y="4001511"/>
-            <a:ext cx="902263" cy="614994"/>
-          </a:xfrm>
-          <a:prstGeom prst="leftRightArrow">
-            <a:avLst>
-              <a:gd name="adj1" fmla="val 3419"/>
-              <a:gd name="adj2" fmla="val 50000"/>
-            </a:avLst>
-          </a:prstGeom>
-        </p:spPr>
-        <p:style>
-          <a:lnRef idx="2">
-            <a:schemeClr val="dk1">
-              <a:shade val="50000"/>
-            </a:schemeClr>
-          </a:lnRef>
-          <a:fillRef idx="1">
-            <a:schemeClr val="dk1"/>
-          </a:fillRef>
-          <a:effectRef idx="0">
-            <a:schemeClr val="dk1"/>
-          </a:effectRef>
-          <a:fontRef idx="minor">
-            <a:schemeClr val="lt1"/>
-          </a:fontRef>
-        </p:style>
-        <p:txBody>
-          <a:bodyPr rtlCol="0" anchor="ctr"/>
-          <a:lstStyle/>
-          <a:p>
-            <a:pPr algn="ctr"/>
-            <a:endParaRPr kumimoji="1" lang="ja-JP" altLang="en-US"/>
-          </a:p>
-        </p:txBody>
-      </p:sp>
-      <p:sp>
-        <p:nvSpPr>
-          <p:cNvPr id="10" name="正方形/長方形 9"/>
-          <p:cNvSpPr/>
-          <p:nvPr/>
-        </p:nvSpPr>
-        <p:spPr>
-          <a:xfrm>
-            <a:off x="1817331" y="2323945"/>
-            <a:ext cx="1739787" cy="922492"/>
+            <a:off x="3437267" y="5449566"/>
+            <a:ext cx="1893536" cy="1189529"/>
           </a:xfrm>
           <a:prstGeom prst="rect">
             <a:avLst/>
@@ -7807,38 +7156,23 @@
           <a:p>
             <a:pPr algn="ctr"/>
             <a:r>
-              <a:rPr kumimoji="1" lang="en-US" altLang="ja-JP" dirty="0" smtClean="0"/>
-              <a:t>If(</a:t>
-            </a:r>
-            <a:r>
-              <a:rPr kumimoji="1" lang="en-US" altLang="ja-JP" dirty="0" err="1" smtClean="0"/>
-              <a:t>senseki</a:t>
-            </a:r>
-            <a:r>
-              <a:rPr kumimoji="1" lang="en-US" altLang="ja-JP" dirty="0" smtClean="0"/>
-              <a:t>)</a:t>
-            </a:r>
-          </a:p>
-          <a:p>
-            <a:pPr algn="ctr"/>
-            <a:r>
-              <a:rPr kumimoji="1" lang="en-US" altLang="ja-JP" dirty="0" smtClean="0"/>
-              <a:t>pa</a:t>
-            </a:r>
-            <a:endParaRPr kumimoji="1" lang="ja-JP" altLang="en-US" dirty="0"/>
-          </a:p>
-        </p:txBody>
-      </p:sp>
-      <p:sp>
-        <p:nvSpPr>
-          <p:cNvPr id="11" name="正方形/長方形 10"/>
+              <a:rPr kumimoji="1" lang="en-US" altLang="ja-JP" sz="2800" dirty="0"/>
+              <a:t>Node.js</a:t>
+            </a:r>
+            <a:endParaRPr kumimoji="1" lang="ja-JP" altLang="en-US" sz="2800" dirty="0"/>
+          </a:p>
+        </p:txBody>
+      </p:sp>
+      <p:sp>
+        <p:nvSpPr>
+          <p:cNvPr id="6" name="正方形/長方形 5"/>
           <p:cNvSpPr/>
           <p:nvPr/>
         </p:nvSpPr>
         <p:spPr>
           <a:xfrm>
-            <a:off x="1817332" y="4453408"/>
-            <a:ext cx="1739787" cy="922492"/>
+            <a:off x="5593114" y="2793264"/>
+            <a:ext cx="1893536" cy="1189529"/>
           </a:xfrm>
           <a:prstGeom prst="rect">
             <a:avLst/>
@@ -7864,38 +7198,23 @@
           <a:p>
             <a:pPr algn="ctr"/>
             <a:r>
-              <a:rPr kumimoji="1" lang="en-US" altLang="ja-JP" dirty="0" smtClean="0"/>
-              <a:t>If(</a:t>
-            </a:r>
-            <a:r>
-              <a:rPr kumimoji="1" lang="en-US" altLang="ja-JP" dirty="0" err="1" smtClean="0"/>
-              <a:t>zenkai</a:t>
-            </a:r>
-            <a:r>
-              <a:rPr kumimoji="1" lang="en-US" altLang="ja-JP" dirty="0" smtClean="0"/>
-              <a:t>)</a:t>
-            </a:r>
-          </a:p>
-          <a:p>
-            <a:pPr algn="ctr"/>
-            <a:r>
-              <a:rPr lang="en-US" altLang="ja-JP" dirty="0" err="1" smtClean="0"/>
-              <a:t>choki</a:t>
-            </a:r>
-            <a:endParaRPr kumimoji="1" lang="ja-JP" altLang="en-US" dirty="0"/>
-          </a:p>
-        </p:txBody>
-      </p:sp>
-      <p:sp>
-        <p:nvSpPr>
-          <p:cNvPr id="12" name="正方形/長方形 11"/>
+              <a:rPr kumimoji="1" lang="en-US" altLang="ja-JP" sz="2800" dirty="0" smtClean="0"/>
+              <a:t>PHP</a:t>
+            </a:r>
+            <a:endParaRPr kumimoji="1" lang="ja-JP" altLang="en-US" sz="2800" dirty="0"/>
+          </a:p>
+        </p:txBody>
+      </p:sp>
+      <p:sp>
+        <p:nvSpPr>
+          <p:cNvPr id="7" name="正方形/長方形 6"/>
           <p:cNvSpPr/>
           <p:nvPr/>
         </p:nvSpPr>
         <p:spPr>
           <a:xfrm>
-            <a:off x="6286245" y="1690688"/>
-            <a:ext cx="4839036" cy="4912412"/>
+            <a:off x="5593114" y="1603735"/>
+            <a:ext cx="1893536" cy="1189529"/>
           </a:xfrm>
           <a:prstGeom prst="rect">
             <a:avLst/>
@@ -7919,249 +7238,290 @@
           <a:bodyPr rtlCol="0" anchor="ctr"/>
           <a:lstStyle/>
           <a:p>
-            <a:endParaRPr lang="en-US" altLang="ja-JP" dirty="0" smtClean="0"/>
-          </a:p>
-          <a:p>
-            <a:r>
-              <a:rPr lang="en-US" altLang="ja-JP" dirty="0" smtClean="0"/>
-              <a:t>If(</a:t>
-            </a:r>
-            <a:r>
-              <a:rPr lang="en-US" altLang="ja-JP" dirty="0" err="1" smtClean="0"/>
-              <a:t>senseki</a:t>
-            </a:r>
-            <a:r>
-              <a:rPr lang="en-US" altLang="ja-JP" dirty="0" smtClean="0"/>
-              <a:t> ==0)</a:t>
-            </a:r>
-            <a:r>
-              <a:rPr lang="ja-JP" altLang="en-US" dirty="0" smtClean="0"/>
-              <a:t> </a:t>
-            </a:r>
-            <a:r>
-              <a:rPr lang="en-US" altLang="ja-JP" dirty="0" smtClean="0"/>
-              <a:t>pa</a:t>
-            </a:r>
-          </a:p>
-          <a:p>
-            <a:r>
-              <a:rPr lang="en-US" altLang="ja-JP" dirty="0" smtClean="0"/>
-              <a:t>//</a:t>
-            </a:r>
-            <a:r>
-              <a:rPr lang="en-US" altLang="ja-JP" dirty="0" err="1" smtClean="0"/>
-              <a:t>senseki</a:t>
-            </a:r>
-            <a:r>
-              <a:rPr lang="en-US" altLang="ja-JP" dirty="0" smtClean="0"/>
-              <a:t> </a:t>
-            </a:r>
-            <a:r>
-              <a:rPr lang="ja-JP" altLang="en-US" dirty="0" smtClean="0"/>
-              <a:t>は相手との戦績</a:t>
-            </a:r>
-            <a:endParaRPr lang="en-US" altLang="ja-JP" dirty="0" smtClean="0"/>
-          </a:p>
-          <a:p>
-            <a:r>
-              <a:rPr lang="en-US" altLang="ja-JP" dirty="0" smtClean="0"/>
-              <a:t>//pa </a:t>
-            </a:r>
-            <a:r>
-              <a:rPr lang="ja-JP" altLang="en-US" dirty="0" smtClean="0"/>
-              <a:t>は次にパーを出す</a:t>
-            </a:r>
-            <a:endParaRPr lang="en-US" altLang="ja-JP" dirty="0" smtClean="0"/>
-          </a:p>
-          <a:p>
-            <a:endParaRPr lang="en-US" altLang="ja-JP" dirty="0"/>
-          </a:p>
-          <a:p>
-            <a:r>
-              <a:rPr lang="en-US" altLang="ja-JP" dirty="0" smtClean="0"/>
-              <a:t>If(</a:t>
-            </a:r>
-            <a:r>
-              <a:rPr lang="en-US" altLang="ja-JP" dirty="0" err="1" smtClean="0"/>
-              <a:t>zenkai</a:t>
-            </a:r>
-            <a:r>
-              <a:rPr lang="en-US" altLang="ja-JP" dirty="0" smtClean="0"/>
-              <a:t> == pa) </a:t>
-            </a:r>
-            <a:r>
-              <a:rPr lang="en-US" altLang="ja-JP" dirty="0" err="1" smtClean="0"/>
-              <a:t>choki</a:t>
-            </a:r>
-            <a:endParaRPr lang="en-US" altLang="ja-JP" dirty="0" smtClean="0"/>
-          </a:p>
-          <a:p>
-            <a:r>
-              <a:rPr lang="en-US" altLang="ja-JP" dirty="0" smtClean="0"/>
-              <a:t>//</a:t>
-            </a:r>
-            <a:r>
-              <a:rPr lang="en-US" altLang="ja-JP" dirty="0" err="1" smtClean="0"/>
-              <a:t>zenkai</a:t>
-            </a:r>
-            <a:r>
-              <a:rPr lang="en-US" altLang="ja-JP" dirty="0" smtClean="0"/>
-              <a:t> </a:t>
-            </a:r>
-            <a:r>
-              <a:rPr lang="ja-JP" altLang="en-US" dirty="0" smtClean="0"/>
-              <a:t>は戦績がある場合に相手の手</a:t>
-            </a:r>
-            <a:endParaRPr lang="en-US" altLang="ja-JP" dirty="0" smtClean="0"/>
-          </a:p>
-          <a:p>
-            <a:r>
-              <a:rPr lang="en-US" altLang="ja-JP" dirty="0" smtClean="0"/>
-              <a:t>//</a:t>
-            </a:r>
-            <a:r>
-              <a:rPr lang="en-US" altLang="ja-JP" dirty="0" err="1" smtClean="0"/>
-              <a:t>choki</a:t>
-            </a:r>
-            <a:r>
-              <a:rPr lang="en-US" altLang="ja-JP" dirty="0" smtClean="0"/>
-              <a:t> </a:t>
-            </a:r>
-            <a:r>
-              <a:rPr lang="ja-JP" altLang="en-US" dirty="0" smtClean="0"/>
-              <a:t>は次にチョキを出す</a:t>
-            </a:r>
-            <a:endParaRPr lang="en-US" altLang="ja-JP" dirty="0"/>
-          </a:p>
-        </p:txBody>
-      </p:sp>
-      <p:sp>
-        <p:nvSpPr>
-          <p:cNvPr id="3" name="正方形/長方形 2"/>
+            <a:pPr algn="ctr"/>
+            <a:r>
+              <a:rPr kumimoji="1" lang="en-US" altLang="ja-JP" sz="2800" dirty="0"/>
+              <a:t>Python</a:t>
+            </a:r>
+            <a:endParaRPr kumimoji="1" lang="ja-JP" altLang="en-US" sz="2800" dirty="0"/>
+          </a:p>
+        </p:txBody>
+      </p:sp>
+      <p:cxnSp>
+        <p:nvCxnSpPr>
+          <p:cNvPr id="9" name="直線コネクタ 8"/>
+          <p:cNvCxnSpPr/>
+          <p:nvPr/>
+        </p:nvCxnSpPr>
+        <p:spPr>
+          <a:xfrm flipV="1">
+            <a:off x="628650" y="4256411"/>
+            <a:ext cx="7827527" cy="1"/>
+          </a:xfrm>
+          <a:prstGeom prst="line">
+            <a:avLst/>
+          </a:prstGeom>
+        </p:spPr>
+        <p:style>
+          <a:lnRef idx="3">
+            <a:schemeClr val="dk1"/>
+          </a:lnRef>
+          <a:fillRef idx="0">
+            <a:schemeClr val="dk1"/>
+          </a:fillRef>
+          <a:effectRef idx="2">
+            <a:schemeClr val="dk1"/>
+          </a:effectRef>
+          <a:fontRef idx="minor">
+            <a:schemeClr val="tx1"/>
+          </a:fontRef>
+        </p:style>
+      </p:cxnSp>
+      <p:sp>
+        <p:nvSpPr>
+          <p:cNvPr id="12" name="テキスト ボックス 11"/>
+          <p:cNvSpPr txBox="1"/>
+          <p:nvPr/>
+        </p:nvSpPr>
+        <p:spPr>
+          <a:xfrm>
+            <a:off x="242761" y="3627010"/>
+            <a:ext cx="2492990" cy="400110"/>
+          </a:xfrm>
+          <a:prstGeom prst="rect">
+            <a:avLst/>
+          </a:prstGeom>
+          <a:noFill/>
+        </p:spPr>
+        <p:txBody>
+          <a:bodyPr wrap="none" rtlCol="0">
+            <a:spAutoFit/>
+          </a:bodyPr>
+          <a:lstStyle/>
+          <a:p>
+            <a:r>
+              <a:rPr kumimoji="1" lang="ja-JP" altLang="en-US" sz="2000" dirty="0" smtClean="0"/>
+              <a:t>クライアントサイド</a:t>
+            </a:r>
+            <a:endParaRPr kumimoji="1" lang="ja-JP" altLang="en-US" sz="2000" dirty="0"/>
+          </a:p>
+        </p:txBody>
+      </p:sp>
+      <p:sp>
+        <p:nvSpPr>
+          <p:cNvPr id="13" name="テキスト ボックス 12"/>
+          <p:cNvSpPr txBox="1"/>
+          <p:nvPr/>
+        </p:nvSpPr>
+        <p:spPr>
+          <a:xfrm>
+            <a:off x="242761" y="4507942"/>
+            <a:ext cx="1723549" cy="400110"/>
+          </a:xfrm>
+          <a:prstGeom prst="rect">
+            <a:avLst/>
+          </a:prstGeom>
+          <a:noFill/>
+        </p:spPr>
+        <p:txBody>
+          <a:bodyPr wrap="none" rtlCol="0">
+            <a:spAutoFit/>
+          </a:bodyPr>
+          <a:lstStyle/>
+          <a:p>
+            <a:r>
+              <a:rPr kumimoji="1" lang="ja-JP" altLang="en-US" sz="2000" dirty="0" smtClean="0"/>
+              <a:t>サーバサイド</a:t>
+            </a:r>
+            <a:endParaRPr kumimoji="1" lang="ja-JP" altLang="en-US" sz="2000" dirty="0"/>
+          </a:p>
+        </p:txBody>
+      </p:sp>
+      <p:cxnSp>
+        <p:nvCxnSpPr>
+          <p:cNvPr id="15" name="カギ線コネクタ 14"/>
+          <p:cNvCxnSpPr/>
+          <p:nvPr/>
+        </p:nvCxnSpPr>
+        <p:spPr>
+          <a:xfrm rot="5400000">
+            <a:off x="4883184" y="4135156"/>
+            <a:ext cx="1285786" cy="1069714"/>
+          </a:xfrm>
+          <a:prstGeom prst="bentConnector3">
+            <a:avLst>
+              <a:gd name="adj1" fmla="val 50000"/>
+            </a:avLst>
+          </a:prstGeom>
+          <a:ln>
+            <a:solidFill>
+              <a:srgbClr val="FF0000"/>
+            </a:solidFill>
+            <a:headEnd type="triangle"/>
+            <a:tailEnd type="triangle"/>
+          </a:ln>
+        </p:spPr>
+        <p:style>
+          <a:lnRef idx="3">
+            <a:schemeClr val="accent2"/>
+          </a:lnRef>
+          <a:fillRef idx="0">
+            <a:schemeClr val="accent2"/>
+          </a:fillRef>
+          <a:effectRef idx="2">
+            <a:schemeClr val="accent2"/>
+          </a:effectRef>
+          <a:fontRef idx="minor">
+            <a:schemeClr val="tx1"/>
+          </a:fontRef>
+        </p:style>
+      </p:cxnSp>
+      <p:cxnSp>
+        <p:nvCxnSpPr>
+          <p:cNvPr id="28" name="直線矢印コネクタ 27"/>
+          <p:cNvCxnSpPr/>
+          <p:nvPr/>
+        </p:nvCxnSpPr>
+        <p:spPr>
+          <a:xfrm flipH="1">
+            <a:off x="3641416" y="3524986"/>
+            <a:ext cx="13594" cy="1726745"/>
+          </a:xfrm>
+          <a:prstGeom prst="straightConnector1">
+            <a:avLst/>
+          </a:prstGeom>
+          <a:ln>
+            <a:solidFill>
+              <a:srgbClr val="FF0000"/>
+            </a:solidFill>
+            <a:headEnd type="triangle"/>
+            <a:tailEnd type="triangle"/>
+          </a:ln>
+        </p:spPr>
+        <p:style>
+          <a:lnRef idx="3">
+            <a:schemeClr val="accent1"/>
+          </a:lnRef>
+          <a:fillRef idx="0">
+            <a:schemeClr val="accent1"/>
+          </a:fillRef>
+          <a:effectRef idx="2">
+            <a:schemeClr val="accent1"/>
+          </a:effectRef>
+          <a:fontRef idx="minor">
+            <a:schemeClr val="tx1"/>
+          </a:fontRef>
+        </p:style>
+      </p:cxnSp>
+      <p:sp>
+        <p:nvSpPr>
+          <p:cNvPr id="29" name="正方形/長方形 28"/>
           <p:cNvSpPr/>
           <p:nvPr/>
         </p:nvSpPr>
         <p:spPr>
           <a:xfrm>
-            <a:off x="6639178" y="3246437"/>
-            <a:ext cx="790647" cy="330009"/>
+            <a:off x="3614550" y="4413754"/>
+            <a:ext cx="1419235" cy="461665"/>
           </a:xfrm>
           <a:prstGeom prst="rect">
             <a:avLst/>
           </a:prstGeom>
         </p:spPr>
+        <p:txBody>
+          <a:bodyPr wrap="none">
+            <a:spAutoFit/>
+          </a:bodyPr>
+          <a:lstStyle/>
+          <a:p>
+            <a:r>
+              <a:rPr kumimoji="1" lang="en-US" altLang="ja-JP" sz="2400" dirty="0"/>
+              <a:t>JavaScript</a:t>
+            </a:r>
+            <a:endParaRPr kumimoji="1" lang="ja-JP" altLang="en-US" dirty="0"/>
+          </a:p>
+        </p:txBody>
+      </p:sp>
+      <p:cxnSp>
+        <p:nvCxnSpPr>
+          <p:cNvPr id="33" name="直線矢印コネクタ 32"/>
+          <p:cNvCxnSpPr/>
+          <p:nvPr/>
+        </p:nvCxnSpPr>
+        <p:spPr>
+          <a:xfrm flipH="1">
+            <a:off x="4324167" y="2793264"/>
+            <a:ext cx="1201910" cy="0"/>
+          </a:xfrm>
+          <a:prstGeom prst="straightConnector1">
+            <a:avLst/>
+          </a:prstGeom>
+          <a:ln>
+            <a:tailEnd type="triangle"/>
+          </a:ln>
+        </p:spPr>
         <p:style>
-          <a:lnRef idx="2">
-            <a:schemeClr val="accent1">
-              <a:shade val="50000"/>
-            </a:schemeClr>
+          <a:lnRef idx="3">
+            <a:schemeClr val="accent1"/>
           </a:lnRef>
-          <a:fillRef idx="1">
+          <a:fillRef idx="0">
             <a:schemeClr val="accent1"/>
           </a:fillRef>
-          <a:effectRef idx="0">
+          <a:effectRef idx="2">
             <a:schemeClr val="accent1"/>
           </a:effectRef>
           <a:fontRef idx="minor">
-            <a:schemeClr val="lt1"/>
+            <a:schemeClr val="tx1"/>
           </a:fontRef>
         </p:style>
-        <p:txBody>
-          <a:bodyPr rtlCol="0" anchor="ctr"/>
-          <a:lstStyle/>
-          <a:p>
-            <a:pPr algn="ctr"/>
-            <a:endParaRPr kumimoji="1" lang="ja-JP" altLang="en-US"/>
-          </a:p>
-        </p:txBody>
-      </p:sp>
-      <p:sp>
-        <p:nvSpPr>
-          <p:cNvPr id="13" name="正方形/長方形 12"/>
-          <p:cNvSpPr/>
+      </p:cxnSp>
+      <p:sp>
+        <p:nvSpPr>
+          <p:cNvPr id="34" name="テキスト ボックス 33"/>
+          <p:cNvSpPr txBox="1"/>
           <p:nvPr/>
         </p:nvSpPr>
         <p:spPr>
           <a:xfrm>
-            <a:off x="6578447" y="4368238"/>
-            <a:ext cx="790647" cy="330009"/>
+            <a:off x="4324167" y="2435703"/>
+            <a:ext cx="877163" cy="369332"/>
           </a:xfrm>
           <a:prstGeom prst="rect">
             <a:avLst/>
           </a:prstGeom>
+          <a:noFill/>
         </p:spPr>
-        <p:style>
-          <a:lnRef idx="2">
-            <a:schemeClr val="accent1">
-              <a:shade val="50000"/>
-            </a:schemeClr>
-          </a:lnRef>
-          <a:fillRef idx="1">
-            <a:schemeClr val="accent1"/>
-          </a:fillRef>
-          <a:effectRef idx="0">
-            <a:schemeClr val="accent1"/>
-          </a:effectRef>
-          <a:fontRef idx="minor">
-            <a:schemeClr val="lt1"/>
-          </a:fontRef>
-        </p:style>
-        <p:txBody>
-          <a:bodyPr rtlCol="0" anchor="ctr"/>
-          <a:lstStyle/>
-          <a:p>
-            <a:pPr algn="ctr"/>
-            <a:endParaRPr kumimoji="1" lang="ja-JP" altLang="en-US"/>
-          </a:p>
-        </p:txBody>
-      </p:sp>
-      <p:sp>
-        <p:nvSpPr>
-          <p:cNvPr id="4" name="スライド番号プレースホルダー 3"/>
-          <p:cNvSpPr>
-            <a:spLocks noGrp="1"/>
-          </p:cNvSpPr>
-          <p:nvPr>
-            <p:ph type="sldNum" sz="quarter" idx="12"/>
-          </p:nvPr>
-        </p:nvSpPr>
-        <p:spPr/>
-        <p:txBody>
-          <a:bodyPr/>
-          <a:lstStyle/>
-          <a:p>
-            <a:fld id="{77022724-7A88-4190-89E1-23935288E045}" type="slidenum">
-              <a:rPr kumimoji="1" lang="ja-JP" altLang="en-US" smtClean="0"/>
-              <a:t>9</a:t>
-            </a:fld>
-            <a:endParaRPr kumimoji="1" lang="ja-JP" altLang="en-US"/>
+        <p:txBody>
+          <a:bodyPr wrap="none" rtlCol="0">
+            <a:spAutoFit/>
+          </a:bodyPr>
+          <a:lstStyle/>
+          <a:p>
+            <a:r>
+              <a:rPr kumimoji="1" lang="ja-JP" altLang="en-US" dirty="0" smtClean="0"/>
+              <a:t>データ</a:t>
+            </a:r>
+            <a:endParaRPr kumimoji="1" lang="ja-JP" altLang="en-US" dirty="0"/>
           </a:p>
         </p:txBody>
       </p:sp>
     </p:spTree>
     <p:extLst>
       <p:ext uri="{BB962C8B-B14F-4D97-AF65-F5344CB8AC3E}">
-        <p14:creationId xmlns:p14="http://schemas.microsoft.com/office/powerpoint/2010/main" val="3511282919"/>
+        <p14:creationId xmlns:p14="http://schemas.microsoft.com/office/powerpoint/2010/main" val="109026630"/>
       </p:ext>
     </p:extLst>
   </p:cSld>
   <p:clrMapOvr>
     <a:masterClrMapping/>
   </p:clrMapOvr>
-  <p:timing>
-    <p:tnLst>
-      <p:par>
-        <p:cTn id="1" dur="indefinite" restart="never" nodeType="tmRoot"/>
-      </p:par>
-    </p:tnLst>
-  </p:timing>
 </p:sld>
 </file>
 
 <file path=ppt/theme/theme1.xml><?xml version="1.0" encoding="utf-8"?>
 <a:theme xmlns:a="http://schemas.openxmlformats.org/drawingml/2006/main" name="Office テーマ">
   <a:themeElements>
-    <a:clrScheme name="Office">
+    <a:clrScheme name="Office テーマ">
       <a:dk1>
         <a:sysClr val="windowText" lastClr="000000"/>
       </a:dk1>
@@ -8199,9 +7559,9 @@
         <a:srgbClr val="954F72"/>
       </a:folHlink>
     </a:clrScheme>
-    <a:fontScheme name="Office">
+    <a:fontScheme name="Office テーマ">
       <a:majorFont>
-        <a:latin typeface="游ゴシック Light" panose="020F0302020204030204"/>
+        <a:latin typeface="Calibri Light" panose="020F0302020204030204"/>
         <a:ea typeface=""/>
         <a:cs typeface=""/>
         <a:font script="Jpan" typeface="游ゴシック Light"/>
@@ -8236,7 +7596,7 @@
         <a:font script="Geor" typeface="Sylfaen"/>
       </a:majorFont>
       <a:minorFont>
-        <a:latin typeface="游ゴシック" panose="020F0502020204030204"/>
+        <a:latin typeface="Calibri" panose="020F0502020204030204"/>
         <a:ea typeface=""/>
         <a:cs typeface=""/>
         <a:font script="Jpan" typeface="游ゴシック"/>
@@ -8271,7 +7631,7 @@
         <a:font script="Geor" typeface="Sylfaen"/>
       </a:minorFont>
     </a:fontScheme>
-    <a:fmtScheme name="Office">
+    <a:fmtScheme name="Office テーマ">
       <a:fillStyleLst>
         <a:solidFill>
           <a:schemeClr val="phClr"/>

--- a/1821121_shimaoka_sotsuken.pptx
+++ b/1821121_shimaoka_sotsuken.pptx
@@ -28,9 +28,9 @@
     <p:sldId id="275" r:id="rId19"/>
     <p:sldId id="281" r:id="rId20"/>
     <p:sldId id="282" r:id="rId21"/>
-    <p:sldId id="283" r:id="rId22"/>
-    <p:sldId id="284" r:id="rId23"/>
-    <p:sldId id="287" r:id="rId24"/>
+    <p:sldId id="290" r:id="rId22"/>
+    <p:sldId id="289" r:id="rId23"/>
+    <p:sldId id="291" r:id="rId24"/>
   </p:sldIdLst>
   <p:sldSz cx="9144000" cy="6858000" type="screen4x3"/>
   <p:notesSz cx="6858000" cy="9144000"/>
@@ -219,7 +219,7 @@
           <a:p>
             <a:fld id="{FE6A3D4C-FB20-486F-A33D-02A27AB85120}" type="datetimeFigureOut">
               <a:rPr kumimoji="1" lang="ja-JP" altLang="en-US" smtClean="0"/>
-              <a:t>2021/7/2</a:t>
+              <a:t>2021/7/9</a:t>
             </a:fld>
             <a:endParaRPr kumimoji="1" lang="ja-JP" altLang="en-US"/>
           </a:p>
@@ -650,7 +650,7 @@
           <a:p>
             <a:fld id="{8C6C7C5F-18F5-4B54-8C42-F854729B27DF}" type="datetime1">
               <a:rPr kumimoji="1" lang="ja-JP" altLang="en-US" smtClean="0"/>
-              <a:t>2021/7/2</a:t>
+              <a:t>2021/7/9</a:t>
             </a:fld>
             <a:endParaRPr kumimoji="1" lang="ja-JP" altLang="en-US"/>
           </a:p>
@@ -852,7 +852,7 @@
           <a:p>
             <a:fld id="{8FA047B7-BB2C-4D3A-A8E4-BCCEB512AAAF}" type="datetime1">
               <a:rPr kumimoji="1" lang="ja-JP" altLang="en-US" smtClean="0"/>
-              <a:t>2021/7/2</a:t>
+              <a:t>2021/7/9</a:t>
             </a:fld>
             <a:endParaRPr kumimoji="1" lang="ja-JP" altLang="en-US"/>
           </a:p>
@@ -1064,7 +1064,7 @@
           <a:p>
             <a:fld id="{CF80C22C-2AF0-4F0A-AD7C-41D0B891B7A9}" type="datetime1">
               <a:rPr kumimoji="1" lang="ja-JP" altLang="en-US" smtClean="0"/>
-              <a:t>2021/7/2</a:t>
+              <a:t>2021/7/9</a:t>
             </a:fld>
             <a:endParaRPr kumimoji="1" lang="ja-JP" altLang="en-US"/>
           </a:p>
@@ -1266,7 +1266,7 @@
           <a:p>
             <a:fld id="{62594B83-F026-4CB8-8905-CA1C93615FC3}" type="datetime1">
               <a:rPr kumimoji="1" lang="ja-JP" altLang="en-US" smtClean="0"/>
-              <a:t>2021/7/2</a:t>
+              <a:t>2021/7/9</a:t>
             </a:fld>
             <a:endParaRPr kumimoji="1" lang="ja-JP" altLang="en-US"/>
           </a:p>
@@ -1510,7 +1510,7 @@
           <a:p>
             <a:fld id="{C788FC87-6CF2-4F9F-B6E0-63B89DBB0743}" type="datetime1">
               <a:rPr kumimoji="1" lang="ja-JP" altLang="en-US" smtClean="0"/>
-              <a:t>2021/7/2</a:t>
+              <a:t>2021/7/9</a:t>
             </a:fld>
             <a:endParaRPr kumimoji="1" lang="ja-JP" altLang="en-US"/>
           </a:p>
@@ -1806,7 +1806,7 @@
           <a:p>
             <a:fld id="{5E3CE0AD-2171-4734-A0AC-662511549EC1}" type="datetime1">
               <a:rPr kumimoji="1" lang="ja-JP" altLang="en-US" smtClean="0"/>
-              <a:t>2021/7/2</a:t>
+              <a:t>2021/7/9</a:t>
             </a:fld>
             <a:endParaRPr kumimoji="1" lang="ja-JP" altLang="en-US"/>
           </a:p>
@@ -2237,7 +2237,7 @@
           <a:p>
             <a:fld id="{80544D4F-1AD2-4A36-B800-B99208B8C9BA}" type="datetime1">
               <a:rPr kumimoji="1" lang="ja-JP" altLang="en-US" smtClean="0"/>
-              <a:t>2021/7/2</a:t>
+              <a:t>2021/7/9</a:t>
             </a:fld>
             <a:endParaRPr kumimoji="1" lang="ja-JP" altLang="en-US"/>
           </a:p>
@@ -2355,7 +2355,7 @@
           <a:p>
             <a:fld id="{3867E348-314D-465D-84AA-31D1BF6D1272}" type="datetime1">
               <a:rPr kumimoji="1" lang="ja-JP" altLang="en-US" smtClean="0"/>
-              <a:t>2021/7/2</a:t>
+              <a:t>2021/7/9</a:t>
             </a:fld>
             <a:endParaRPr kumimoji="1" lang="ja-JP" altLang="en-US"/>
           </a:p>
@@ -2450,7 +2450,7 @@
           <a:p>
             <a:fld id="{0504E9A7-4A17-4848-A233-45BE7F03BE87}" type="datetime1">
               <a:rPr kumimoji="1" lang="ja-JP" altLang="en-US" smtClean="0"/>
-              <a:t>2021/7/2</a:t>
+              <a:t>2021/7/9</a:t>
             </a:fld>
             <a:endParaRPr kumimoji="1" lang="ja-JP" altLang="en-US"/>
           </a:p>
@@ -2759,7 +2759,7 @@
           <a:p>
             <a:fld id="{24FF13B5-8080-4369-B18E-A47C7DC1EF3C}" type="datetime1">
               <a:rPr kumimoji="1" lang="ja-JP" altLang="en-US" smtClean="0"/>
-              <a:t>2021/7/2</a:t>
+              <a:t>2021/7/9</a:t>
             </a:fld>
             <a:endParaRPr kumimoji="1" lang="ja-JP" altLang="en-US"/>
           </a:p>
@@ -3016,7 +3016,7 @@
           <a:p>
             <a:fld id="{CE6ABB78-4FBA-43B9-8ECE-65353FBA2DF2}" type="datetime1">
               <a:rPr kumimoji="1" lang="ja-JP" altLang="en-US" smtClean="0"/>
-              <a:t>2021/7/2</a:t>
+              <a:t>2021/7/9</a:t>
             </a:fld>
             <a:endParaRPr kumimoji="1" lang="ja-JP" altLang="en-US"/>
           </a:p>
@@ -3261,7 +3261,7 @@
           <a:p>
             <a:fld id="{25B2B056-B4AA-4D55-9226-508BBA0DE7B1}" type="datetime1">
               <a:rPr kumimoji="1" lang="ja-JP" altLang="en-US" smtClean="0"/>
-              <a:t>2021/7/2</a:t>
+              <a:t>2021/7/9</a:t>
             </a:fld>
             <a:endParaRPr kumimoji="1" lang="ja-JP" altLang="en-US"/>
           </a:p>
@@ -3996,11 +3996,7 @@
           <a:p>
             <a:r>
               <a:rPr kumimoji="1" lang="ja-JP" altLang="en-US" dirty="0" smtClean="0"/>
-              <a:t>方法</a:t>
-            </a:r>
-            <a:r>
-              <a:rPr kumimoji="1" lang="ja-JP" altLang="en-US" dirty="0" smtClean="0"/>
-              <a:t>：</a:t>
+              <a:t>方法：</a:t>
             </a:r>
             <a:r>
               <a:rPr lang="ja-JP" altLang="en-US" dirty="0" smtClean="0"/>
@@ -4008,11 +4004,7 @@
             </a:r>
             <a:r>
               <a:rPr kumimoji="1" lang="ja-JP" altLang="en-US" dirty="0" smtClean="0"/>
-              <a:t>実行</a:t>
-            </a:r>
-            <a:r>
-              <a:rPr kumimoji="1" lang="ja-JP" altLang="en-US" dirty="0" smtClean="0"/>
-              <a:t>したい</a:t>
+              <a:t>実行したい</a:t>
             </a:r>
             <a:r>
               <a:rPr kumimoji="1" lang="en-US" altLang="ja-JP" dirty="0" smtClean="0"/>
@@ -5292,15 +5284,7 @@
             </a:r>
             <a:r>
               <a:rPr kumimoji="1" lang="ja-JP" altLang="en-US" dirty="0" smtClean="0"/>
-              <a:t>によって作成されたコードが等しいか</a:t>
-            </a:r>
-            <a:r>
-              <a:rPr kumimoji="1" lang="ja-JP" altLang="en-US" dirty="0" smtClean="0"/>
-              <a:t>どうか（完全一致）を</a:t>
-            </a:r>
-            <a:r>
-              <a:rPr kumimoji="1" lang="ja-JP" altLang="en-US" dirty="0" smtClean="0"/>
-              <a:t>判定するサンプルプログラムを作成した</a:t>
+              <a:t>によって作成されたコードが等しいかどうか（完全一致）を判定するサンプルプログラムを作成した</a:t>
             </a:r>
             <a:endParaRPr kumimoji="1" lang="en-US" altLang="ja-JP" dirty="0" smtClean="0"/>
           </a:p>
@@ -5401,62 +5385,26 @@
           <a:lstStyle/>
           <a:p>
             <a:r>
-              <a:rPr lang="en-US" altLang="ja-JP" dirty="0" err="1" smtClean="0"/>
-              <a:t>Lua,Dart</a:t>
+              <a:rPr kumimoji="1" lang="ja-JP" altLang="en-US" dirty="0" smtClean="0"/>
+              <a:t>問題を穴あき？ に変更するプログラムを作成した</a:t>
+            </a:r>
+            <a:endParaRPr kumimoji="1" lang="en-US" altLang="ja-JP" dirty="0" smtClean="0"/>
+          </a:p>
+          <a:p>
+            <a:r>
+              <a:rPr lang="ja-JP" altLang="en-US" dirty="0"/>
+              <a:t>しかし</a:t>
             </a:r>
             <a:r>
               <a:rPr lang="ja-JP" altLang="en-US" dirty="0" smtClean="0"/>
-              <a:t>の説明スライドの追加</a:t>
-            </a:r>
-            <a:endParaRPr lang="en-US" altLang="ja-JP" dirty="0" smtClean="0"/>
-          </a:p>
-          <a:p>
-            <a:r>
-              <a:rPr kumimoji="1" lang="en-US" altLang="ja-JP" dirty="0" smtClean="0"/>
-              <a:t>JavaScript</a:t>
-            </a:r>
-            <a:r>
-              <a:rPr lang="ja-JP" altLang="en-US" dirty="0"/>
-              <a:t>の</a:t>
-            </a:r>
-            <a:r>
-              <a:rPr kumimoji="1" lang="ja-JP" altLang="en-US" dirty="0" smtClean="0"/>
-              <a:t>デバッグを</a:t>
-            </a:r>
-            <a:r>
-              <a:rPr lang="ja-JP" altLang="en-US" dirty="0" smtClean="0"/>
-              <a:t>する環境を作成した</a:t>
-            </a:r>
-            <a:endParaRPr lang="en-US" altLang="ja-JP" dirty="0" smtClean="0"/>
-          </a:p>
-          <a:p>
-            <a:pPr lvl="1"/>
-            <a:r>
-              <a:rPr kumimoji="1" lang="en-US" altLang="ja-JP" dirty="0" err="1" smtClean="0"/>
-              <a:t>VSCode</a:t>
-            </a:r>
-            <a:r>
-              <a:rPr kumimoji="1" lang="ja-JP" altLang="en-US" dirty="0" smtClean="0"/>
-              <a:t>＋</a:t>
-            </a:r>
-            <a:r>
-              <a:rPr kumimoji="1" lang="en-US" altLang="ja-JP" dirty="0" smtClean="0"/>
-              <a:t>Live server</a:t>
-            </a:r>
-            <a:r>
-              <a:rPr kumimoji="1" lang="ja-JP" altLang="en-US" dirty="0" smtClean="0"/>
-              <a:t>＋</a:t>
-            </a:r>
-            <a:r>
-              <a:rPr lang="en-US" altLang="ja-JP" dirty="0"/>
-              <a:t>Debugger </a:t>
-            </a:r>
-            <a:r>
-              <a:rPr lang="en-US" altLang="ja-JP" dirty="0" smtClean="0"/>
-              <a:t>for Chrome</a:t>
-            </a:r>
-          </a:p>
-          <a:p>
+              <a:t>、問題点があり、このままでは使えないため、来週はこの問題点を解決したい</a:t>
+            </a:r>
+            <a:endParaRPr kumimoji="1" lang="en-US" altLang="ja-JP" dirty="0" smtClean="0"/>
+          </a:p>
+          <a:p>
+            <a:pPr marL="0" indent="0">
+              <a:buNone/>
+            </a:pPr>
             <a:endParaRPr kumimoji="1" lang="en-US" altLang="ja-JP" dirty="0" smtClean="0"/>
           </a:p>
         </p:txBody>
@@ -5639,11 +5587,7 @@
           <a:p>
             <a:r>
               <a:rPr kumimoji="1" lang="ja-JP" altLang="en-US" dirty="0" smtClean="0"/>
-              <a:t>正誤判定デモ</a:t>
-            </a:r>
-            <a:r>
-              <a:rPr kumimoji="1" lang="ja-JP" altLang="en-US" dirty="0" smtClean="0"/>
-              <a:t>問題点</a:t>
+              <a:t>穴あき問題を作成する</a:t>
             </a:r>
             <a:endParaRPr kumimoji="1" lang="ja-JP" altLang="en-US" dirty="0"/>
           </a:p>
@@ -5659,80 +5603,12 @@
             <p:ph idx="1"/>
           </p:nvPr>
         </p:nvSpPr>
-        <p:spPr>
-          <a:xfrm>
-            <a:off x="628650" y="1847851"/>
-            <a:ext cx="7886700" cy="4351338"/>
-          </a:xfrm>
-        </p:spPr>
-        <p:txBody>
-          <a:bodyPr>
-            <a:normAutofit/>
-          </a:bodyPr>
-          <a:lstStyle/>
-          <a:p>
-            <a:r>
-              <a:rPr kumimoji="1" lang="ja-JP" altLang="en-US" dirty="0" smtClean="0"/>
-              <a:t>押さなきゃいけないボタンが</a:t>
-            </a:r>
-            <a:r>
-              <a:rPr kumimoji="1" lang="ja-JP" altLang="en-US" dirty="0" smtClean="0"/>
-              <a:t>多い</a:t>
-            </a:r>
-            <a:endParaRPr kumimoji="1" lang="en-US" altLang="ja-JP" dirty="0"/>
-          </a:p>
-          <a:p>
-            <a:r>
-              <a:rPr kumimoji="1" lang="ja-JP" altLang="en-US" dirty="0" smtClean="0"/>
-              <a:t>現在</a:t>
-            </a:r>
-            <a:r>
-              <a:rPr kumimoji="1" lang="en-US" altLang="ja-JP" dirty="0" smtClean="0"/>
-              <a:t>Python</a:t>
-            </a:r>
-            <a:r>
-              <a:rPr lang="ja-JP" altLang="en-US" dirty="0" smtClean="0"/>
-              <a:t>にしか対応させていない</a:t>
-            </a:r>
-            <a:endParaRPr lang="en-US" altLang="ja-JP" dirty="0" smtClean="0"/>
-          </a:p>
-          <a:p>
-            <a:pPr lvl="1"/>
-            <a:r>
-              <a:rPr lang="ja-JP" altLang="en-US" dirty="0"/>
-              <a:t>次回</a:t>
-            </a:r>
-            <a:r>
-              <a:rPr lang="ja-JP" altLang="en-US" dirty="0" smtClean="0"/>
-              <a:t>以降対応</a:t>
-            </a:r>
-            <a:r>
-              <a:rPr lang="ja-JP" altLang="en-US" dirty="0" smtClean="0"/>
-              <a:t>予定</a:t>
-            </a:r>
-            <a:endParaRPr kumimoji="1" lang="en-US" altLang="ja-JP" dirty="0"/>
-          </a:p>
-          <a:p>
-            <a:r>
-              <a:rPr lang="ja-JP" altLang="en-US" dirty="0" smtClean="0"/>
-              <a:t>問題文をもっと</a:t>
-            </a:r>
-            <a:r>
-              <a:rPr lang="ja-JP" altLang="en-US" dirty="0"/>
-              <a:t>用意</a:t>
-            </a:r>
-            <a:r>
-              <a:rPr lang="ja-JP" altLang="en-US" dirty="0" smtClean="0"/>
-              <a:t>する</a:t>
-            </a:r>
-            <a:endParaRPr kumimoji="1" lang="en-US" altLang="ja-JP" dirty="0"/>
-          </a:p>
-          <a:p>
-            <a:r>
-              <a:rPr kumimoji="1" lang="ja-JP" altLang="en-US" dirty="0" smtClean="0"/>
-              <a:t>完全一致でないと正解とならない</a:t>
-            </a:r>
-            <a:endParaRPr kumimoji="1" lang="en-US" altLang="ja-JP" dirty="0" smtClean="0"/>
+        <p:spPr/>
+        <p:txBody>
+          <a:bodyPr/>
+          <a:lstStyle/>
+          <a:p>
+            <a:endParaRPr kumimoji="1" lang="ja-JP" altLang="en-US" dirty="0"/>
           </a:p>
         </p:txBody>
       </p:sp>
@@ -5759,10 +5635,34 @@
           </a:p>
         </p:txBody>
       </p:sp>
+      <p:pic>
+        <p:nvPicPr>
+          <p:cNvPr id="5" name="図 4"/>
+          <p:cNvPicPr>
+            <a:picLocks noChangeAspect="1"/>
+          </p:cNvPicPr>
+          <p:nvPr/>
+        </p:nvPicPr>
+        <p:blipFill>
+          <a:blip r:embed="rId2"/>
+          <a:stretch>
+            <a:fillRect/>
+          </a:stretch>
+        </p:blipFill>
+        <p:spPr>
+          <a:xfrm>
+            <a:off x="472810" y="1825625"/>
+            <a:ext cx="8612668" cy="4243402"/>
+          </a:xfrm>
+          <a:prstGeom prst="rect">
+            <a:avLst/>
+          </a:prstGeom>
+        </p:spPr>
+      </p:pic>
     </p:spTree>
     <p:extLst>
       <p:ext uri="{BB962C8B-B14F-4D97-AF65-F5344CB8AC3E}">
-        <p14:creationId xmlns:p14="http://schemas.microsoft.com/office/powerpoint/2010/main" val="3023583998"/>
+        <p14:creationId xmlns:p14="http://schemas.microsoft.com/office/powerpoint/2010/main" val="4017269996"/>
       </p:ext>
     </p:extLst>
   </p:cSld>
@@ -5806,7 +5706,7 @@
           <a:p>
             <a:r>
               <a:rPr kumimoji="1" lang="ja-JP" altLang="en-US" dirty="0" smtClean="0"/>
-              <a:t>先週いただいた質問</a:t>
+              <a:t>穴あき問題の作成</a:t>
             </a:r>
             <a:endParaRPr kumimoji="1" lang="ja-JP" altLang="en-US" dirty="0"/>
           </a:p>
@@ -5824,123 +5724,63 @@
         </p:nvSpPr>
         <p:spPr/>
         <p:txBody>
-          <a:bodyPr>
-            <a:normAutofit fontScale="92500" lnSpcReduction="20000"/>
-          </a:bodyPr>
-          <a:lstStyle/>
-          <a:p>
-            <a:r>
-              <a:rPr kumimoji="1" lang="ja-JP" altLang="en-US" dirty="0" smtClean="0"/>
-              <a:t>なぜコードが</a:t>
-            </a:r>
-            <a:r>
-              <a:rPr kumimoji="1" lang="ja-JP" altLang="en-US" dirty="0" smtClean="0"/>
-              <a:t>必要なのか、ブロックなどビジュアルプログラミングではいけない理由</a:t>
-            </a:r>
-            <a:endParaRPr kumimoji="1" lang="en-US" altLang="ja-JP" dirty="0" smtClean="0"/>
-          </a:p>
-          <a:p>
-            <a:endParaRPr lang="en-US" altLang="ja-JP" dirty="0"/>
-          </a:p>
-          <a:p>
-            <a:r>
-              <a:rPr lang="en-US" altLang="ja-JP" dirty="0" err="1" smtClean="0"/>
-              <a:t>Blockly</a:t>
-            </a:r>
+          <a:bodyPr/>
+          <a:lstStyle/>
+          <a:p>
             <a:r>
               <a:rPr lang="ja-JP" altLang="en-US" dirty="0" smtClean="0"/>
-              <a:t>に着目した理由</a:t>
-            </a:r>
-            <a:endParaRPr kumimoji="1" lang="en-US" altLang="ja-JP" dirty="0" smtClean="0"/>
-          </a:p>
-          <a:p>
-            <a:endParaRPr lang="en-US" altLang="ja-JP" dirty="0"/>
-          </a:p>
-          <a:p>
-            <a:r>
-              <a:rPr kumimoji="1" lang="en-US" altLang="ja-JP" dirty="0" smtClean="0"/>
-              <a:t>C</a:t>
-            </a:r>
-            <a:r>
-              <a:rPr kumimoji="1" lang="ja-JP" altLang="en-US" dirty="0" smtClean="0"/>
-              <a:t>の文法は書き方がわかるが</a:t>
-            </a:r>
-            <a:r>
-              <a:rPr kumimoji="1" lang="en-US" altLang="ja-JP" dirty="0" smtClean="0"/>
-              <a:t>Python</a:t>
-            </a:r>
-            <a:r>
-              <a:rPr kumimoji="1" lang="ja-JP" altLang="en-US" dirty="0" smtClean="0"/>
-              <a:t>の文法は</a:t>
-            </a:r>
-            <a:r>
-              <a:rPr kumimoji="1" lang="ja-JP" altLang="en-US" dirty="0" smtClean="0"/>
-              <a:t>わからない</a:t>
+              <a:t>画面（</a:t>
+            </a:r>
+            <a:r>
+              <a:rPr lang="en-US" altLang="ja-JP" dirty="0" smtClean="0"/>
+              <a:t>7/9</a:t>
             </a:r>
             <a:r>
               <a:rPr lang="ja-JP" altLang="en-US" dirty="0" smtClean="0"/>
-              <a:t>場合などに利用できるか</a:t>
-            </a:r>
-            <a:endParaRPr lang="en-US" altLang="ja-JP" dirty="0"/>
-          </a:p>
-          <a:p>
-            <a:r>
-              <a:rPr kumimoji="1" lang="en-US" altLang="ja-JP" dirty="0" smtClean="0"/>
-              <a:t>Python</a:t>
-            </a:r>
-            <a:r>
-              <a:rPr kumimoji="1" lang="ja-JP" altLang="en-US" dirty="0" smtClean="0"/>
-              <a:t>　→　</a:t>
-            </a:r>
-            <a:r>
-              <a:rPr kumimoji="1" lang="en-US" altLang="ja-JP" dirty="0" smtClean="0"/>
-              <a:t>Block</a:t>
-            </a:r>
-          </a:p>
-          <a:p>
+              <a:t>時点）の</a:t>
+            </a:r>
             <a:r>
               <a:rPr lang="en-US" altLang="ja-JP" dirty="0" smtClean="0"/>
-              <a:t>Python</a:t>
+              <a:t>question2</a:t>
             </a:r>
             <a:r>
               <a:rPr lang="ja-JP" altLang="en-US" dirty="0" smtClean="0"/>
-              <a:t>　→　</a:t>
-            </a:r>
+              <a:t>のボタンを押すとランダムで一か所を隠す</a:t>
+            </a:r>
+            <a:endParaRPr lang="en-US" altLang="ja-JP" dirty="0" smtClean="0"/>
+          </a:p>
+          <a:p>
+            <a:r>
+              <a:rPr lang="ja-JP" altLang="en-US" dirty="0"/>
+              <a:t>複</a:t>
+            </a:r>
+            <a:r>
+              <a:rPr lang="ja-JP" altLang="en-US" dirty="0" smtClean="0"/>
+              <a:t>数回押した場合は場所が変わる（隠れる場所は一か所）</a:t>
+            </a:r>
+            <a:endParaRPr lang="en-US" altLang="ja-JP" dirty="0" smtClean="0"/>
+          </a:p>
+          <a:p>
+            <a:r>
+              <a:rPr lang="ja-JP" altLang="en-US" dirty="0"/>
+              <a:t>これ</a:t>
+            </a:r>
+            <a:r>
+              <a:rPr lang="ja-JP" altLang="en-US" dirty="0" smtClean="0"/>
+              <a:t>はプログラムを変えれば複数個所を隠すことも可能</a:t>
+            </a:r>
+            <a:endParaRPr lang="en-US" altLang="ja-JP" dirty="0" smtClean="0"/>
+          </a:p>
+          <a:p>
             <a:r>
               <a:rPr lang="en-US" altLang="ja-JP" dirty="0" smtClean="0"/>
-              <a:t>JavaScript</a:t>
+              <a:t>Question1</a:t>
             </a:r>
             <a:r>
               <a:rPr lang="ja-JP" altLang="en-US" dirty="0" smtClean="0"/>
-              <a:t>　</a:t>
+              <a:t>のボタンを押すと隠れていない状態のコードを表示</a:t>
             </a:r>
             <a:endParaRPr lang="en-US" altLang="ja-JP" dirty="0" smtClean="0"/>
-          </a:p>
-          <a:p>
-            <a:r>
-              <a:rPr kumimoji="1" lang="ja-JP" altLang="en-US" dirty="0"/>
-              <a:t>など</a:t>
-            </a:r>
-            <a:r>
-              <a:rPr kumimoji="1" lang="ja-JP" altLang="en-US" dirty="0" smtClean="0"/>
-              <a:t>の移行ができるの</a:t>
-            </a:r>
-            <a:r>
-              <a:rPr kumimoji="1" lang="ja-JP" altLang="en-US" dirty="0" smtClean="0"/>
-              <a:t>か</a:t>
-            </a:r>
-            <a:endParaRPr kumimoji="1" lang="en-US" altLang="ja-JP" dirty="0" smtClean="0"/>
-          </a:p>
-          <a:p>
-            <a:pPr lvl="1"/>
-            <a:r>
-              <a:rPr lang="ja-JP" altLang="en-US" dirty="0" smtClean="0"/>
-              <a:t>出来なさそう（次スライド）</a:t>
-            </a:r>
-            <a:endParaRPr kumimoji="1" lang="en-US" altLang="ja-JP" dirty="0" smtClean="0"/>
-          </a:p>
-          <a:p>
-            <a:endParaRPr kumimoji="1" lang="ja-JP" altLang="en-US" dirty="0"/>
           </a:p>
         </p:txBody>
       </p:sp>
@@ -5970,7 +5810,7 @@
     </p:spTree>
     <p:extLst>
       <p:ext uri="{BB962C8B-B14F-4D97-AF65-F5344CB8AC3E}">
-        <p14:creationId xmlns:p14="http://schemas.microsoft.com/office/powerpoint/2010/main" val="3877753447"/>
+        <p14:creationId xmlns:p14="http://schemas.microsoft.com/office/powerpoint/2010/main" val="755709697"/>
       </p:ext>
     </p:extLst>
   </p:cSld>
@@ -6013,12 +5853,8 @@
           <a:lstStyle/>
           <a:p>
             <a:r>
-              <a:rPr kumimoji="1" lang="en-US" altLang="ja-JP" dirty="0" err="1" smtClean="0"/>
-              <a:t>Blockly</a:t>
-            </a:r>
-            <a:r>
               <a:rPr kumimoji="1" lang="ja-JP" altLang="en-US" dirty="0" smtClean="0"/>
-              <a:t>で可能な変換</a:t>
+              <a:t>穴あき問題作成の問題点</a:t>
             </a:r>
             <a:endParaRPr kumimoji="1" lang="ja-JP" altLang="en-US" dirty="0"/>
           </a:p>
@@ -6034,110 +5870,133 @@
             <p:ph idx="1"/>
           </p:nvPr>
         </p:nvSpPr>
-        <p:spPr/>
-        <p:txBody>
-          <a:bodyPr/>
-          <a:lstStyle/>
-          <a:p>
+        <p:spPr>
+          <a:xfrm>
+            <a:off x="628650" y="1825625"/>
+            <a:ext cx="8135024" cy="4351338"/>
+          </a:xfrm>
+        </p:spPr>
+        <p:txBody>
+          <a:bodyPr>
+            <a:normAutofit fontScale="85000" lnSpcReduction="20000"/>
+          </a:bodyPr>
+          <a:lstStyle/>
+          <a:p>
+            <a:pPr marL="0" indent="0">
+              <a:buNone/>
+            </a:pPr>
+            <a:r>
+              <a:rPr lang="ja-JP" altLang="en-US" dirty="0"/>
+              <a:t>現在の問題点：</a:t>
+            </a:r>
+          </a:p>
+          <a:p>
+            <a:pPr marL="0" indent="0">
+              <a:buNone/>
+            </a:pPr>
+            <a:r>
+              <a:rPr lang="ja-JP" altLang="en-US" dirty="0" smtClean="0"/>
+              <a:t>    現在</a:t>
+            </a:r>
+            <a:r>
+              <a:rPr lang="ja-JP" altLang="en-US" dirty="0"/>
+              <a:t>半角スペースを区切り文字として文字列を配列に変換している関係上、改行では区切られない</a:t>
+            </a:r>
+          </a:p>
+          <a:p>
+            <a:pPr marL="0" indent="0">
+              <a:buNone/>
+            </a:pPr>
+            <a:r>
+              <a:rPr lang="ja-JP" altLang="en-US" dirty="0"/>
+              <a:t>    →例えば</a:t>
+            </a:r>
             <a:r>
               <a:rPr lang="en-US" altLang="ja-JP" dirty="0"/>
-              <a:t>Block</a:t>
+              <a:t>else:</a:t>
             </a:r>
             <a:r>
               <a:rPr lang="ja-JP" altLang="en-US" dirty="0"/>
-              <a:t>→</a:t>
-            </a:r>
-            <a:r>
-              <a:rPr lang="en-US" altLang="ja-JP" dirty="0" smtClean="0"/>
-              <a:t>XML</a:t>
-            </a:r>
-            <a:endParaRPr kumimoji="1" lang="en-US" altLang="ja-JP" dirty="0" smtClean="0"/>
-          </a:p>
-          <a:p>
-            <a:r>
-              <a:rPr kumimoji="1" lang="en-US" altLang="ja-JP" dirty="0" smtClean="0"/>
-              <a:t>XML</a:t>
-            </a:r>
-            <a:r>
-              <a:rPr kumimoji="1" lang="ja-JP" altLang="en-US" dirty="0" smtClean="0"/>
-              <a:t>→</a:t>
-            </a:r>
-            <a:r>
-              <a:rPr kumimoji="1" lang="en-US" altLang="ja-JP" dirty="0" smtClean="0"/>
-              <a:t>Block</a:t>
-            </a:r>
-          </a:p>
-          <a:p>
-            <a:r>
-              <a:rPr kumimoji="1" lang="en-US" altLang="ja-JP" dirty="0" smtClean="0"/>
-              <a:t>XML</a:t>
-            </a:r>
-            <a:r>
-              <a:rPr kumimoji="1" lang="ja-JP" altLang="en-US" dirty="0" smtClean="0"/>
-              <a:t>→</a:t>
-            </a:r>
-            <a:r>
-              <a:rPr kumimoji="1" lang="en-US" altLang="ja-JP" dirty="0" smtClean="0"/>
-              <a:t>Python</a:t>
-            </a:r>
-          </a:p>
-          <a:p>
-            <a:r>
-              <a:rPr lang="en-US" altLang="ja-JP" dirty="0" smtClean="0"/>
-              <a:t>XML</a:t>
-            </a:r>
-            <a:r>
-              <a:rPr lang="ja-JP" altLang="en-US" dirty="0" smtClean="0"/>
-              <a:t>→</a:t>
-            </a:r>
-            <a:r>
-              <a:rPr lang="en-US" altLang="ja-JP" dirty="0" err="1" smtClean="0"/>
-              <a:t>Javascript</a:t>
-            </a:r>
-            <a:endParaRPr lang="en-US" altLang="ja-JP" dirty="0" smtClean="0"/>
-          </a:p>
-          <a:p>
-            <a:r>
-              <a:rPr kumimoji="1" lang="en-US" altLang="ja-JP" dirty="0" smtClean="0"/>
-              <a:t>XML</a:t>
-            </a:r>
-            <a:r>
-              <a:rPr kumimoji="1" lang="ja-JP" altLang="en-US" dirty="0" smtClean="0"/>
-              <a:t>→</a:t>
-            </a:r>
-            <a:r>
-              <a:rPr kumimoji="1" lang="en-US" altLang="ja-JP" dirty="0" err="1" smtClean="0"/>
-              <a:t>Lua</a:t>
-            </a:r>
-            <a:endParaRPr kumimoji="1" lang="en-US" altLang="ja-JP" dirty="0" smtClean="0"/>
-          </a:p>
-          <a:p>
-            <a:r>
-              <a:rPr lang="en-US" altLang="ja-JP" dirty="0" smtClean="0"/>
-              <a:t>XML</a:t>
-            </a:r>
-            <a:r>
-              <a:rPr lang="ja-JP" altLang="en-US" dirty="0" smtClean="0"/>
-              <a:t>→</a:t>
-            </a:r>
-            <a:r>
-              <a:rPr lang="en-US" altLang="ja-JP" dirty="0" smtClean="0"/>
-              <a:t>Python</a:t>
-            </a:r>
-          </a:p>
-          <a:p>
-            <a:r>
-              <a:rPr kumimoji="1" lang="en-US" altLang="ja-JP" dirty="0" smtClean="0"/>
-              <a:t>XML</a:t>
-            </a:r>
-            <a:r>
-              <a:rPr kumimoji="1" lang="ja-JP" altLang="en-US" dirty="0" smtClean="0"/>
-              <a:t>→</a:t>
-            </a:r>
-            <a:r>
-              <a:rPr kumimoji="1" lang="en-US" altLang="ja-JP" dirty="0" smtClean="0"/>
-              <a:t>PHP</a:t>
-            </a:r>
+              <a:t>などの次に改行し、次の行で書き始めた最後の単語までを一つとして分かれている</a:t>
+            </a:r>
+          </a:p>
+          <a:p>
+            <a:pPr marL="0" indent="0">
+              <a:buNone/>
+            </a:pPr>
+            <a:r>
+              <a:rPr lang="ja-JP" altLang="en-US" dirty="0"/>
+              <a:t>    →改行を区切り文字として含めるとインデントが消える</a:t>
+            </a:r>
+          </a:p>
+          <a:p>
+            <a:pPr marL="0" indent="0">
+              <a:buNone/>
+            </a:pPr>
+            <a:r>
+              <a:rPr lang="ja-JP" altLang="en-US" dirty="0"/>
+              <a:t>    </a:t>
+            </a:r>
+            <a:r>
+              <a:rPr lang="en-US" altLang="ja-JP" dirty="0"/>
+              <a:t>print()</a:t>
+            </a:r>
+            <a:r>
+              <a:rPr lang="ja-JP" altLang="en-US" dirty="0" err="1"/>
+              <a:t>のように</a:t>
+            </a:r>
+            <a:r>
+              <a:rPr lang="ja-JP" altLang="en-US" dirty="0"/>
+              <a:t>関数が含まれる場合に、</a:t>
+            </a:r>
+            <a:r>
+              <a:rPr lang="en-US" altLang="ja-JP" dirty="0"/>
+              <a:t>print("hello world")</a:t>
+            </a:r>
+            <a:r>
+              <a:rPr lang="ja-JP" altLang="en-US" dirty="0"/>
+              <a:t>の”</a:t>
+            </a:r>
+            <a:r>
+              <a:rPr lang="en-US" altLang="ja-JP" dirty="0"/>
+              <a:t>print("hello”</a:t>
+            </a:r>
+            <a:r>
+              <a:rPr lang="ja-JP" altLang="en-US" dirty="0" err="1"/>
+              <a:t>までを</a:t>
+            </a:r>
+            <a:r>
+              <a:rPr lang="ja-JP" altLang="en-US" dirty="0"/>
+              <a:t>単語として認識している</a:t>
+            </a:r>
+          </a:p>
+          <a:p>
+            <a:pPr marL="0" indent="0">
+              <a:buNone/>
+            </a:pPr>
+            <a:r>
+              <a:rPr lang="ja-JP" altLang="en-US" dirty="0"/>
+              <a:t>    →穴埋めを生成するにあたって、</a:t>
+            </a:r>
+            <a:r>
+              <a:rPr lang="en-US" altLang="ja-JP" dirty="0"/>
+              <a:t>()</a:t>
+            </a:r>
+            <a:r>
+              <a:rPr lang="ja-JP" altLang="en-US" dirty="0"/>
+              <a:t>などを認識して区切りたい</a:t>
+            </a:r>
+          </a:p>
+          <a:p>
+            <a:pPr marL="0" indent="0">
+              <a:buNone/>
+            </a:pPr>
+            <a:r>
+              <a:rPr lang="ja-JP" altLang="en-US" dirty="0"/>
+              <a:t>    →（）は配列（文章）に残しておきたい</a:t>
+            </a:r>
+          </a:p>
+          <a:p>
             <a:endParaRPr kumimoji="1" lang="ja-JP" altLang="en-US" dirty="0"/>
           </a:p>
         </p:txBody>
@@ -6168,7 +6027,7 @@
     </p:spTree>
     <p:extLst>
       <p:ext uri="{BB962C8B-B14F-4D97-AF65-F5344CB8AC3E}">
-        <p14:creationId xmlns:p14="http://schemas.microsoft.com/office/powerpoint/2010/main" val="760486253"/>
+        <p14:creationId xmlns:p14="http://schemas.microsoft.com/office/powerpoint/2010/main" val="2927240973"/>
       </p:ext>
     </p:extLst>
   </p:cSld>
@@ -6257,7 +6116,7 @@
         </p:blipFill>
         <p:spPr>
           <a:xfrm>
-            <a:off x="1169330" y="2495902"/>
+            <a:off x="1169330" y="2592109"/>
             <a:ext cx="6929652" cy="3860449"/>
           </a:xfrm>
           <a:prstGeom prst="rect">
@@ -6274,7 +6133,7 @@
         <p:spPr>
           <a:xfrm>
             <a:off x="751959" y="1980429"/>
-            <a:ext cx="8392041" cy="400110"/>
+            <a:ext cx="8392041" cy="707886"/>
           </a:xfrm>
           <a:prstGeom prst="rect">
             <a:avLst/>
@@ -6286,6 +6145,13 @@
             <a:spAutoFit/>
           </a:bodyPr>
           <a:lstStyle/>
+          <a:p>
+            <a:r>
+              <a:rPr kumimoji="1" lang="ja-JP" altLang="en-US" sz="2000" dirty="0" smtClean="0"/>
+              <a:t>ビジュアルプログラミングとも呼ばれる</a:t>
+            </a:r>
+            <a:endParaRPr kumimoji="1" lang="en-US" altLang="ja-JP" sz="2000" dirty="0" smtClean="0"/>
+          </a:p>
           <a:p>
             <a:r>
               <a:rPr kumimoji="1" lang="ja-JP" altLang="en-US" sz="2000" dirty="0" smtClean="0"/>

--- a/1821121_shimaoka_sotsuken.pptx
+++ b/1821121_shimaoka_sotsuken.pptx
@@ -5993,8 +5993,17 @@
             </a:pPr>
             <a:r>
               <a:rPr lang="ja-JP" altLang="en-US" dirty="0"/>
-              <a:t>    →（）は配列（文章）に残しておきたい</a:t>
-            </a:r>
+              <a:t>    →（）は配列（文章）に</a:t>
+            </a:r>
+            <a:r>
+              <a:rPr lang="ja-JP" altLang="en-US"/>
+              <a:t>残して</a:t>
+            </a:r>
+            <a:r>
+              <a:rPr lang="ja-JP" altLang="en-US" smtClean="0"/>
+              <a:t>おきたい</a:t>
+            </a:r>
+            <a:endParaRPr lang="ja-JP" altLang="en-US" dirty="0"/>
           </a:p>
           <a:p>
             <a:endParaRPr kumimoji="1" lang="ja-JP" altLang="en-US" dirty="0"/>

--- a/1821121_shimaoka_sotsuken.pptx
+++ b/1821121_shimaoka_sotsuken.pptx
@@ -5,32 +5,34 @@
     <p:sldMasterId id="2147483660" r:id="rId1"/>
   </p:sldMasterIdLst>
   <p:notesMasterIdLst>
-    <p:notesMasterId r:id="rId25"/>
+    <p:notesMasterId r:id="rId27"/>
   </p:notesMasterIdLst>
   <p:sldIdLst>
     <p:sldId id="257" r:id="rId2"/>
     <p:sldId id="272" r:id="rId3"/>
-    <p:sldId id="265" r:id="rId4"/>
-    <p:sldId id="271" r:id="rId5"/>
-    <p:sldId id="270" r:id="rId6"/>
-    <p:sldId id="263" r:id="rId7"/>
-    <p:sldId id="269" r:id="rId8"/>
-    <p:sldId id="279" r:id="rId9"/>
-    <p:sldId id="280" r:id="rId10"/>
-    <p:sldId id="288" r:id="rId11"/>
-    <p:sldId id="273" r:id="rId12"/>
-    <p:sldId id="278" r:id="rId13"/>
-    <p:sldId id="276" r:id="rId14"/>
-    <p:sldId id="285" r:id="rId15"/>
-    <p:sldId id="286" r:id="rId16"/>
-    <p:sldId id="277" r:id="rId17"/>
-    <p:sldId id="274" r:id="rId18"/>
-    <p:sldId id="275" r:id="rId19"/>
-    <p:sldId id="281" r:id="rId20"/>
-    <p:sldId id="282" r:id="rId21"/>
-    <p:sldId id="290" r:id="rId22"/>
-    <p:sldId id="289" r:id="rId23"/>
-    <p:sldId id="291" r:id="rId24"/>
+    <p:sldId id="292" r:id="rId4"/>
+    <p:sldId id="293" r:id="rId5"/>
+    <p:sldId id="265" r:id="rId6"/>
+    <p:sldId id="271" r:id="rId7"/>
+    <p:sldId id="270" r:id="rId8"/>
+    <p:sldId id="263" r:id="rId9"/>
+    <p:sldId id="269" r:id="rId10"/>
+    <p:sldId id="279" r:id="rId11"/>
+    <p:sldId id="280" r:id="rId12"/>
+    <p:sldId id="288" r:id="rId13"/>
+    <p:sldId id="273" r:id="rId14"/>
+    <p:sldId id="278" r:id="rId15"/>
+    <p:sldId id="276" r:id="rId16"/>
+    <p:sldId id="285" r:id="rId17"/>
+    <p:sldId id="286" r:id="rId18"/>
+    <p:sldId id="277" r:id="rId19"/>
+    <p:sldId id="274" r:id="rId20"/>
+    <p:sldId id="275" r:id="rId21"/>
+    <p:sldId id="281" r:id="rId22"/>
+    <p:sldId id="282" r:id="rId23"/>
+    <p:sldId id="290" r:id="rId24"/>
+    <p:sldId id="289" r:id="rId25"/>
+    <p:sldId id="291" r:id="rId26"/>
   </p:sldIdLst>
   <p:sldSz cx="9144000" cy="6858000" type="screen4x3"/>
   <p:notesSz cx="6858000" cy="9144000"/>
@@ -219,7 +221,7 @@
           <a:p>
             <a:fld id="{FE6A3D4C-FB20-486F-A33D-02A27AB85120}" type="datetimeFigureOut">
               <a:rPr kumimoji="1" lang="ja-JP" altLang="en-US" smtClean="0"/>
-              <a:t>2021/7/9</a:t>
+              <a:t>2021/9/24</a:t>
             </a:fld>
             <a:endParaRPr kumimoji="1" lang="ja-JP" altLang="en-US"/>
           </a:p>
@@ -650,7 +652,7 @@
           <a:p>
             <a:fld id="{8C6C7C5F-18F5-4B54-8C42-F854729B27DF}" type="datetime1">
               <a:rPr kumimoji="1" lang="ja-JP" altLang="en-US" smtClean="0"/>
-              <a:t>2021/7/9</a:t>
+              <a:t>2021/9/24</a:t>
             </a:fld>
             <a:endParaRPr kumimoji="1" lang="ja-JP" altLang="en-US"/>
           </a:p>
@@ -852,7 +854,7 @@
           <a:p>
             <a:fld id="{8FA047B7-BB2C-4D3A-A8E4-BCCEB512AAAF}" type="datetime1">
               <a:rPr kumimoji="1" lang="ja-JP" altLang="en-US" smtClean="0"/>
-              <a:t>2021/7/9</a:t>
+              <a:t>2021/9/24</a:t>
             </a:fld>
             <a:endParaRPr kumimoji="1" lang="ja-JP" altLang="en-US"/>
           </a:p>
@@ -1064,7 +1066,7 @@
           <a:p>
             <a:fld id="{CF80C22C-2AF0-4F0A-AD7C-41D0B891B7A9}" type="datetime1">
               <a:rPr kumimoji="1" lang="ja-JP" altLang="en-US" smtClean="0"/>
-              <a:t>2021/7/9</a:t>
+              <a:t>2021/9/24</a:t>
             </a:fld>
             <a:endParaRPr kumimoji="1" lang="ja-JP" altLang="en-US"/>
           </a:p>
@@ -1266,7 +1268,7 @@
           <a:p>
             <a:fld id="{62594B83-F026-4CB8-8905-CA1C93615FC3}" type="datetime1">
               <a:rPr kumimoji="1" lang="ja-JP" altLang="en-US" smtClean="0"/>
-              <a:t>2021/7/9</a:t>
+              <a:t>2021/9/24</a:t>
             </a:fld>
             <a:endParaRPr kumimoji="1" lang="ja-JP" altLang="en-US"/>
           </a:p>
@@ -1510,7 +1512,7 @@
           <a:p>
             <a:fld id="{C788FC87-6CF2-4F9F-B6E0-63B89DBB0743}" type="datetime1">
               <a:rPr kumimoji="1" lang="ja-JP" altLang="en-US" smtClean="0"/>
-              <a:t>2021/7/9</a:t>
+              <a:t>2021/9/24</a:t>
             </a:fld>
             <a:endParaRPr kumimoji="1" lang="ja-JP" altLang="en-US"/>
           </a:p>
@@ -1806,7 +1808,7 @@
           <a:p>
             <a:fld id="{5E3CE0AD-2171-4734-A0AC-662511549EC1}" type="datetime1">
               <a:rPr kumimoji="1" lang="ja-JP" altLang="en-US" smtClean="0"/>
-              <a:t>2021/7/9</a:t>
+              <a:t>2021/9/24</a:t>
             </a:fld>
             <a:endParaRPr kumimoji="1" lang="ja-JP" altLang="en-US"/>
           </a:p>
@@ -2237,7 +2239,7 @@
           <a:p>
             <a:fld id="{80544D4F-1AD2-4A36-B800-B99208B8C9BA}" type="datetime1">
               <a:rPr kumimoji="1" lang="ja-JP" altLang="en-US" smtClean="0"/>
-              <a:t>2021/7/9</a:t>
+              <a:t>2021/9/24</a:t>
             </a:fld>
             <a:endParaRPr kumimoji="1" lang="ja-JP" altLang="en-US"/>
           </a:p>
@@ -2355,7 +2357,7 @@
           <a:p>
             <a:fld id="{3867E348-314D-465D-84AA-31D1BF6D1272}" type="datetime1">
               <a:rPr kumimoji="1" lang="ja-JP" altLang="en-US" smtClean="0"/>
-              <a:t>2021/7/9</a:t>
+              <a:t>2021/9/24</a:t>
             </a:fld>
             <a:endParaRPr kumimoji="1" lang="ja-JP" altLang="en-US"/>
           </a:p>
@@ -2450,7 +2452,7 @@
           <a:p>
             <a:fld id="{0504E9A7-4A17-4848-A233-45BE7F03BE87}" type="datetime1">
               <a:rPr kumimoji="1" lang="ja-JP" altLang="en-US" smtClean="0"/>
-              <a:t>2021/7/9</a:t>
+              <a:t>2021/9/24</a:t>
             </a:fld>
             <a:endParaRPr kumimoji="1" lang="ja-JP" altLang="en-US"/>
           </a:p>
@@ -2759,7 +2761,7 @@
           <a:p>
             <a:fld id="{24FF13B5-8080-4369-B18E-A47C7DC1EF3C}" type="datetime1">
               <a:rPr kumimoji="1" lang="ja-JP" altLang="en-US" smtClean="0"/>
-              <a:t>2021/7/9</a:t>
+              <a:t>2021/9/24</a:t>
             </a:fld>
             <a:endParaRPr kumimoji="1" lang="ja-JP" altLang="en-US"/>
           </a:p>
@@ -3016,7 +3018,7 @@
           <a:p>
             <a:fld id="{CE6ABB78-4FBA-43B9-8ECE-65353FBA2DF2}" type="datetime1">
               <a:rPr kumimoji="1" lang="ja-JP" altLang="en-US" smtClean="0"/>
-              <a:t>2021/7/9</a:t>
+              <a:t>2021/9/24</a:t>
             </a:fld>
             <a:endParaRPr kumimoji="1" lang="ja-JP" altLang="en-US"/>
           </a:p>
@@ -3261,7 +3263,7 @@
           <a:p>
             <a:fld id="{25B2B056-B4AA-4D55-9226-508BBA0DE7B1}" type="datetime1">
               <a:rPr kumimoji="1" lang="ja-JP" altLang="en-US" smtClean="0"/>
-              <a:t>2021/7/9</a:t>
+              <a:t>2021/9/24</a:t>
             </a:fld>
             <a:endParaRPr kumimoji="1" lang="ja-JP" altLang="en-US"/>
           </a:p>
@@ -3811,78 +3813,120 @@
           <a:lstStyle/>
           <a:p>
             <a:r>
-              <a:rPr lang="en-US" altLang="ja-JP" dirty="0" smtClean="0"/>
+              <a:rPr kumimoji="1" lang="en-US" altLang="ja-JP" dirty="0" smtClean="0"/>
               <a:t>Node.js</a:t>
             </a:r>
+            <a:endParaRPr kumimoji="1" lang="ja-JP" altLang="en-US" dirty="0"/>
+          </a:p>
+        </p:txBody>
+      </p:sp>
+      <p:sp>
+        <p:nvSpPr>
+          <p:cNvPr id="3" name="コンテンツ プレースホルダー 2"/>
+          <p:cNvSpPr>
+            <a:spLocks noGrp="1"/>
+          </p:cNvSpPr>
+          <p:nvPr>
+            <p:ph idx="1"/>
+          </p:nvPr>
+        </p:nvSpPr>
+        <p:spPr/>
+        <p:txBody>
+          <a:bodyPr/>
+          <a:lstStyle/>
+          <a:p>
+            <a:pPr marL="0" indent="0">
+              <a:buNone/>
+            </a:pPr>
+            <a:r>
+              <a:rPr lang="en-US" altLang="ja-JP" dirty="0"/>
+              <a:t>Node.js</a:t>
+            </a:r>
+            <a:r>
+              <a:rPr lang="ja-JP" altLang="en-US" dirty="0"/>
+              <a:t>（ノード・ジェイエス） は</a:t>
+            </a:r>
+            <a:r>
+              <a:rPr lang="en-US" altLang="ja-JP" dirty="0"/>
+              <a:t>V8 JavaScript</a:t>
+            </a:r>
+            <a:r>
+              <a:rPr lang="ja-JP" altLang="en-US" dirty="0"/>
+              <a:t>エンジン上に構築された</a:t>
+            </a:r>
+            <a:r>
+              <a:rPr lang="en-US" altLang="ja-JP" dirty="0"/>
+              <a:t>JavaScript</a:t>
+            </a:r>
+            <a:r>
+              <a:rPr lang="ja-JP" altLang="en-US" dirty="0"/>
+              <a:t>実行環境の</a:t>
+            </a:r>
+            <a:r>
+              <a:rPr lang="en-US" altLang="ja-JP" dirty="0"/>
+              <a:t>1</a:t>
+            </a:r>
+            <a:r>
+              <a:rPr lang="ja-JP" altLang="en-US" dirty="0"/>
+              <a:t>つで</a:t>
+            </a:r>
             <a:r>
               <a:rPr lang="ja-JP" altLang="en-US" dirty="0" smtClean="0"/>
-              <a:t>について</a:t>
-            </a:r>
-            <a:endParaRPr kumimoji="1" lang="ja-JP" altLang="en-US" dirty="0"/>
-          </a:p>
-        </p:txBody>
-      </p:sp>
-      <p:sp>
-        <p:nvSpPr>
-          <p:cNvPr id="3" name="コンテンツ プレースホルダー 2"/>
-          <p:cNvSpPr>
-            <a:spLocks noGrp="1"/>
-          </p:cNvSpPr>
-          <p:nvPr>
-            <p:ph idx="1"/>
-          </p:nvPr>
-        </p:nvSpPr>
-        <p:spPr/>
-        <p:txBody>
-          <a:bodyPr/>
-          <a:lstStyle/>
-          <a:p>
-            <a:r>
-              <a:rPr kumimoji="1" lang="en-US" altLang="ja-JP" dirty="0" err="1" smtClean="0"/>
-              <a:t>Blockly</a:t>
+              <a:t>ある。</a:t>
             </a:r>
             <a:r>
               <a:rPr lang="ja-JP" altLang="en-US" dirty="0"/>
-              <a:t>で</a:t>
+              <a:t>イベント化された入出力を扱うサーバサイド</a:t>
+            </a:r>
+            <a:r>
+              <a:rPr lang="en-US" altLang="ja-JP" dirty="0"/>
+              <a:t>JavaScript</a:t>
+            </a:r>
+            <a:r>
+              <a:rPr lang="ja-JP" altLang="en-US" dirty="0"/>
+              <a:t>環境であり、</a:t>
+            </a:r>
+            <a:r>
+              <a:rPr lang="en-US" altLang="ja-JP" dirty="0"/>
+              <a:t>Web</a:t>
+            </a:r>
+            <a:r>
+              <a:rPr lang="ja-JP" altLang="en-US" dirty="0"/>
+              <a:t>サーバなどのスケーラブルなネットワークプログラムの記述を意図して</a:t>
             </a:r>
             <a:r>
               <a:rPr lang="ja-JP" altLang="en-US" dirty="0" smtClean="0"/>
-              <a:t>は、</a:t>
-            </a:r>
-            <a:r>
-              <a:rPr kumimoji="1" lang="en-US" altLang="ja-JP" dirty="0" smtClean="0"/>
-              <a:t>Node</a:t>
-            </a:r>
-            <a:r>
-              <a:rPr lang="en-US" altLang="ja-JP" dirty="0" smtClean="0"/>
-              <a:t>.js</a:t>
+              <a:t>いる。</a:t>
+            </a:r>
+            <a:endParaRPr lang="en-US" altLang="ja-JP" dirty="0" smtClean="0"/>
+          </a:p>
+          <a:p>
+            <a:pPr marL="0" indent="0">
+              <a:buNone/>
+            </a:pPr>
+            <a:endParaRPr kumimoji="1" lang="en-US" altLang="ja-JP" dirty="0" smtClean="0"/>
+          </a:p>
+          <a:p>
+            <a:pPr marL="0" indent="0">
+              <a:buNone/>
+            </a:pPr>
+            <a:r>
+              <a:rPr lang="ja-JP" altLang="en-US" dirty="0"/>
+              <a:t>引用</a:t>
             </a:r>
             <a:r>
               <a:rPr lang="ja-JP" altLang="en-US" dirty="0" smtClean="0"/>
-              <a:t>を利用してコードの実行をしているように思えたが、実際には</a:t>
-            </a:r>
-            <a:r>
-              <a:rPr lang="en-US" altLang="ja-JP" dirty="0" err="1" smtClean="0"/>
-              <a:t>npm</a:t>
-            </a:r>
-            <a:r>
-              <a:rPr lang="ja-JP" altLang="en-US" dirty="0" smtClean="0"/>
-              <a:t>というパッケージ管理のために利用しているだけで、サーバとして利用しているわけでは</a:t>
-            </a:r>
-            <a:r>
-              <a:rPr lang="ja-JP" altLang="en-US" dirty="0"/>
-              <a:t>ないように</a:t>
-            </a:r>
-            <a:r>
-              <a:rPr lang="ja-JP" altLang="en-US" dirty="0" smtClean="0"/>
-              <a:t>も見える</a:t>
-            </a:r>
-            <a:endParaRPr lang="en-US" altLang="ja-JP" dirty="0" smtClean="0"/>
-          </a:p>
-          <a:p>
-            <a:r>
-              <a:rPr kumimoji="1" lang="ja-JP" altLang="en-US" dirty="0" smtClean="0"/>
-              <a:t>あまり理解できていないため、公式の情報を見直したい</a:t>
+              <a:t>：</a:t>
+            </a:r>
+            <a:endParaRPr kumimoji="1" lang="en-US" altLang="ja-JP" dirty="0"/>
+          </a:p>
+          <a:p>
+            <a:pPr marL="0" indent="0">
+              <a:buNone/>
+            </a:pPr>
+            <a:r>
+              <a:rPr lang="en-US" altLang="ja-JP" dirty="0"/>
+              <a:t>https://ja.wikipedia.org/wiki/Node.js</a:t>
             </a:r>
             <a:endParaRPr kumimoji="1" lang="ja-JP" altLang="en-US" dirty="0"/>
           </a:p>
@@ -3914,7 +3958,7 @@
     </p:spTree>
     <p:extLst>
       <p:ext uri="{BB962C8B-B14F-4D97-AF65-F5344CB8AC3E}">
-        <p14:creationId xmlns:p14="http://schemas.microsoft.com/office/powerpoint/2010/main" val="3535867368"/>
+        <p14:creationId xmlns:p14="http://schemas.microsoft.com/office/powerpoint/2010/main" val="4200382121"/>
       </p:ext>
     </p:extLst>
   </p:cSld>
@@ -3957,12 +4001,12 @@
           <a:lstStyle/>
           <a:p>
             <a:r>
-              <a:rPr lang="en-US" altLang="ja-JP" dirty="0" err="1" smtClean="0"/>
-              <a:t>Node_modules</a:t>
-            </a:r>
-            <a:r>
-              <a:rPr lang="en-US" altLang="ja-JP" dirty="0" smtClean="0"/>
-              <a:t> install</a:t>
+              <a:rPr lang="ja-JP" altLang="en-US" dirty="0" smtClean="0"/>
+              <a:t>システム構成図</a:t>
+            </a:r>
+            <a:r>
+              <a:rPr kumimoji="1" lang="ja-JP" altLang="en-US" dirty="0" smtClean="0"/>
+              <a:t>（予想図）</a:t>
             </a:r>
             <a:endParaRPr kumimoji="1" lang="ja-JP" altLang="en-US" dirty="0"/>
           </a:p>
@@ -3970,155 +4014,7 @@
       </p:sp>
       <p:sp>
         <p:nvSpPr>
-          <p:cNvPr id="3" name="コンテンツ プレースホルダー 2"/>
-          <p:cNvSpPr>
-            <a:spLocks noGrp="1"/>
-          </p:cNvSpPr>
-          <p:nvPr>
-            <p:ph idx="1"/>
-          </p:nvPr>
-        </p:nvSpPr>
-        <p:spPr/>
-        <p:txBody>
-          <a:bodyPr/>
-          <a:lstStyle/>
-          <a:p>
-            <a:r>
-              <a:rPr lang="en-US" altLang="ja-JP" dirty="0" err="1" smtClean="0"/>
-              <a:t>Blockly</a:t>
-            </a:r>
-            <a:r>
-              <a:rPr lang="ja-JP" altLang="en-US" dirty="0" smtClean="0"/>
-              <a:t>公式によって用意されているモジュールのインストール</a:t>
-            </a:r>
-            <a:endParaRPr lang="en-US" altLang="ja-JP" dirty="0" smtClean="0"/>
-          </a:p>
-          <a:p>
-            <a:r>
-              <a:rPr kumimoji="1" lang="ja-JP" altLang="en-US" dirty="0" smtClean="0"/>
-              <a:t>方法：</a:t>
-            </a:r>
-            <a:r>
-              <a:rPr lang="ja-JP" altLang="en-US" dirty="0" smtClean="0"/>
-              <a:t>コマンドプロンプトにて</a:t>
-            </a:r>
-            <a:r>
-              <a:rPr kumimoji="1" lang="ja-JP" altLang="en-US" dirty="0" smtClean="0"/>
-              <a:t>実行したい</a:t>
-            </a:r>
-            <a:r>
-              <a:rPr kumimoji="1" lang="en-US" altLang="ja-JP" dirty="0" smtClean="0"/>
-              <a:t>JSON</a:t>
-            </a:r>
-            <a:r>
-              <a:rPr kumimoji="1" lang="ja-JP" altLang="en-US" dirty="0" smtClean="0"/>
-              <a:t>ファイルの場所に移動して</a:t>
-            </a:r>
-            <a:r>
-              <a:rPr kumimoji="1" lang="en-US" altLang="ja-JP" dirty="0" err="1" smtClean="0"/>
-              <a:t>npm</a:t>
-            </a:r>
-            <a:r>
-              <a:rPr kumimoji="1" lang="en-US" altLang="ja-JP" dirty="0" smtClean="0"/>
-              <a:t> install</a:t>
-            </a:r>
-            <a:r>
-              <a:rPr kumimoji="1" lang="ja-JP" altLang="en-US" dirty="0" smtClean="0"/>
-              <a:t>を実行</a:t>
-            </a:r>
-            <a:endParaRPr kumimoji="1" lang="en-US" altLang="ja-JP" dirty="0" smtClean="0"/>
-          </a:p>
-          <a:p>
-            <a:pPr marL="0" indent="0">
-              <a:buNone/>
-            </a:pPr>
-            <a:endParaRPr lang="en-US" altLang="ja-JP" dirty="0"/>
-          </a:p>
-        </p:txBody>
-      </p:sp>
-      <p:sp>
-        <p:nvSpPr>
-          <p:cNvPr id="4" name="スライド番号プレースホルダー 3"/>
-          <p:cNvSpPr>
-            <a:spLocks noGrp="1"/>
-          </p:cNvSpPr>
-          <p:nvPr>
-            <p:ph type="sldNum" sz="quarter" idx="12"/>
-          </p:nvPr>
-        </p:nvSpPr>
-        <p:spPr/>
-        <p:txBody>
-          <a:bodyPr/>
-          <a:lstStyle/>
-          <a:p>
-            <a:fld id="{4A32CB03-0843-4AF8-BFB2-C9917854BC7E}" type="slidenum">
-              <a:rPr kumimoji="1" lang="ja-JP" altLang="en-US" sz="2800" smtClean="0"/>
-              <a:t>11</a:t>
-            </a:fld>
-            <a:endParaRPr kumimoji="1" lang="ja-JP" altLang="en-US" sz="2800" dirty="0"/>
-          </a:p>
-        </p:txBody>
-      </p:sp>
-    </p:spTree>
-    <p:extLst>
-      <p:ext uri="{BB962C8B-B14F-4D97-AF65-F5344CB8AC3E}">
-        <p14:creationId xmlns:p14="http://schemas.microsoft.com/office/powerpoint/2010/main" val="2182324898"/>
-      </p:ext>
-    </p:extLst>
-  </p:cSld>
-  <p:clrMapOvr>
-    <a:masterClrMapping/>
-  </p:clrMapOvr>
-</p:sld>
-</file>
-
-<file path=ppt/slides/slide12.xml><?xml version="1.0" encoding="utf-8"?>
-<p:sld xmlns:a="http://schemas.openxmlformats.org/drawingml/2006/main" xmlns:r="http://schemas.openxmlformats.org/officeDocument/2006/relationships" xmlns:p="http://schemas.openxmlformats.org/presentationml/2006/main">
-  <p:cSld>
-    <p:spTree>
-      <p:nvGrpSpPr>
-        <p:cNvPr id="1" name=""/>
-        <p:cNvGrpSpPr/>
-        <p:nvPr/>
-      </p:nvGrpSpPr>
-      <p:grpSpPr>
-        <a:xfrm>
-          <a:off x="0" y="0"/>
-          <a:ext cx="0" cy="0"/>
-          <a:chOff x="0" y="0"/>
-          <a:chExt cx="0" cy="0"/>
-        </a:xfrm>
-      </p:grpSpPr>
-      <p:sp>
-        <p:nvSpPr>
-          <p:cNvPr id="2" name="タイトル 1"/>
-          <p:cNvSpPr>
-            <a:spLocks noGrp="1"/>
-          </p:cNvSpPr>
-          <p:nvPr>
-            <p:ph type="title"/>
-          </p:nvPr>
-        </p:nvSpPr>
-        <p:spPr/>
-        <p:txBody>
-          <a:bodyPr/>
-          <a:lstStyle/>
-          <a:p>
-            <a:r>
-              <a:rPr lang="en-US" altLang="ja-JP" dirty="0" err="1"/>
-              <a:t>Node_modules</a:t>
-            </a:r>
-            <a:r>
-              <a:rPr lang="en-US" altLang="ja-JP" dirty="0"/>
-              <a:t> install</a:t>
-            </a:r>
-            <a:endParaRPr kumimoji="1" lang="ja-JP" altLang="en-US" dirty="0"/>
-          </a:p>
-        </p:txBody>
-      </p:sp>
-      <p:sp>
-        <p:nvSpPr>
-          <p:cNvPr id="4" name="スライド番号プレースホルダー 3"/>
+          <p:cNvPr id="3" name="スライド番号プレースホルダー 2"/>
           <p:cNvSpPr>
             <a:spLocks noGrp="1"/>
           </p:cNvSpPr>
@@ -4133,2822 +4029,7 @@
           <a:p>
             <a:fld id="{4A32CB03-0843-4AF8-BFB2-C9917854BC7E}" type="slidenum">
               <a:rPr kumimoji="1" lang="ja-JP" altLang="en-US" smtClean="0"/>
-              <a:t>12</a:t>
-            </a:fld>
-            <a:endParaRPr kumimoji="1" lang="ja-JP" altLang="en-US"/>
-          </a:p>
-        </p:txBody>
-      </p:sp>
-      <p:pic>
-        <p:nvPicPr>
-          <p:cNvPr id="5" name="図 4"/>
-          <p:cNvPicPr>
-            <a:picLocks noChangeAspect="1"/>
-          </p:cNvPicPr>
-          <p:nvPr/>
-        </p:nvPicPr>
-        <p:blipFill>
-          <a:blip r:embed="rId2"/>
-          <a:stretch>
-            <a:fillRect/>
-          </a:stretch>
-        </p:blipFill>
-        <p:spPr>
-          <a:xfrm>
-            <a:off x="628650" y="2176758"/>
-            <a:ext cx="7970195" cy="2031100"/>
-          </a:xfrm>
-          <a:prstGeom prst="rect">
-            <a:avLst/>
-          </a:prstGeom>
-        </p:spPr>
-      </p:pic>
-    </p:spTree>
-    <p:extLst>
-      <p:ext uri="{BB962C8B-B14F-4D97-AF65-F5344CB8AC3E}">
-        <p14:creationId xmlns:p14="http://schemas.microsoft.com/office/powerpoint/2010/main" val="2400612885"/>
-      </p:ext>
-    </p:extLst>
-  </p:cSld>
-  <p:clrMapOvr>
-    <a:masterClrMapping/>
-  </p:clrMapOvr>
-</p:sld>
-</file>
-
-<file path=ppt/slides/slide13.xml><?xml version="1.0" encoding="utf-8"?>
-<p:sld xmlns:a="http://schemas.openxmlformats.org/drawingml/2006/main" xmlns:r="http://schemas.openxmlformats.org/officeDocument/2006/relationships" xmlns:p="http://schemas.openxmlformats.org/presentationml/2006/main">
-  <p:cSld>
-    <p:spTree>
-      <p:nvGrpSpPr>
-        <p:cNvPr id="1" name=""/>
-        <p:cNvGrpSpPr/>
-        <p:nvPr/>
-      </p:nvGrpSpPr>
-      <p:grpSpPr>
-        <a:xfrm>
-          <a:off x="0" y="0"/>
-          <a:ext cx="0" cy="0"/>
-          <a:chOff x="0" y="0"/>
-          <a:chExt cx="0" cy="0"/>
-        </a:xfrm>
-      </p:grpSpPr>
-      <p:sp>
-        <p:nvSpPr>
-          <p:cNvPr id="2" name="タイトル 1"/>
-          <p:cNvSpPr>
-            <a:spLocks noGrp="1"/>
-          </p:cNvSpPr>
-          <p:nvPr>
-            <p:ph type="title"/>
-          </p:nvPr>
-        </p:nvSpPr>
-        <p:spPr/>
-        <p:txBody>
-          <a:bodyPr/>
-          <a:lstStyle/>
-          <a:p>
-            <a:r>
-              <a:rPr kumimoji="1" lang="en-US" altLang="ja-JP" dirty="0" smtClean="0"/>
-              <a:t>Generator</a:t>
-            </a:r>
-            <a:endParaRPr kumimoji="1" lang="ja-JP" altLang="en-US" dirty="0"/>
-          </a:p>
-        </p:txBody>
-      </p:sp>
-      <p:sp>
-        <p:nvSpPr>
-          <p:cNvPr id="3" name="コンテンツ プレースホルダー 2"/>
-          <p:cNvSpPr>
-            <a:spLocks noGrp="1"/>
-          </p:cNvSpPr>
-          <p:nvPr>
-            <p:ph idx="1"/>
-          </p:nvPr>
-        </p:nvSpPr>
-        <p:spPr/>
-        <p:txBody>
-          <a:bodyPr/>
-          <a:lstStyle/>
-          <a:p>
-            <a:r>
-              <a:rPr kumimoji="1" lang="ja-JP" altLang="en-US" dirty="0" smtClean="0"/>
-              <a:t>ブロックからコードに変換するための生成器</a:t>
-            </a:r>
-            <a:endParaRPr lang="en-US" altLang="ja-JP" dirty="0"/>
-          </a:p>
-          <a:p>
-            <a:r>
-              <a:rPr lang="en-US" altLang="ja-JP" dirty="0" err="1" smtClean="0"/>
-              <a:t>Blockly</a:t>
-            </a:r>
-            <a:r>
-              <a:rPr lang="ja-JP" altLang="en-US" dirty="0" smtClean="0"/>
-              <a:t>で利用できる言語</a:t>
-            </a:r>
-            <a:endParaRPr lang="en-US" altLang="ja-JP" dirty="0" smtClean="0"/>
-          </a:p>
-          <a:p>
-            <a:pPr lvl="1"/>
-            <a:r>
-              <a:rPr kumimoji="1" lang="en-US" altLang="ja-JP" dirty="0" smtClean="0"/>
-              <a:t>JavaScript</a:t>
-            </a:r>
-          </a:p>
-          <a:p>
-            <a:pPr lvl="1"/>
-            <a:r>
-              <a:rPr lang="en-US" altLang="ja-JP" dirty="0" smtClean="0"/>
-              <a:t>Python</a:t>
-            </a:r>
-          </a:p>
-          <a:p>
-            <a:pPr lvl="1"/>
-            <a:r>
-              <a:rPr kumimoji="1" lang="en-US" altLang="ja-JP" dirty="0" smtClean="0"/>
-              <a:t>PHP</a:t>
-            </a:r>
-          </a:p>
-          <a:p>
-            <a:pPr lvl="1"/>
-            <a:r>
-              <a:rPr lang="en-US" altLang="ja-JP" dirty="0" err="1" smtClean="0"/>
-              <a:t>Lua</a:t>
-            </a:r>
-            <a:endParaRPr lang="en-US" altLang="ja-JP" dirty="0" smtClean="0"/>
-          </a:p>
-          <a:p>
-            <a:pPr lvl="1"/>
-            <a:r>
-              <a:rPr kumimoji="1" lang="en-US" altLang="ja-JP" dirty="0" smtClean="0"/>
-              <a:t>Dart</a:t>
-            </a:r>
-          </a:p>
-          <a:p>
-            <a:pPr marL="457200" lvl="1" indent="0">
-              <a:buNone/>
-            </a:pPr>
-            <a:endParaRPr kumimoji="1" lang="en-US" altLang="ja-JP" dirty="0" smtClean="0"/>
-          </a:p>
-        </p:txBody>
-      </p:sp>
-      <p:sp>
-        <p:nvSpPr>
-          <p:cNvPr id="4" name="スライド番号プレースホルダー 3"/>
-          <p:cNvSpPr>
-            <a:spLocks noGrp="1"/>
-          </p:cNvSpPr>
-          <p:nvPr>
-            <p:ph type="sldNum" sz="quarter" idx="12"/>
-          </p:nvPr>
-        </p:nvSpPr>
-        <p:spPr/>
-        <p:txBody>
-          <a:bodyPr/>
-          <a:lstStyle/>
-          <a:p>
-            <a:fld id="{4A32CB03-0843-4AF8-BFB2-C9917854BC7E}" type="slidenum">
-              <a:rPr kumimoji="1" lang="ja-JP" altLang="en-US" smtClean="0"/>
-              <a:t>13</a:t>
-            </a:fld>
-            <a:endParaRPr kumimoji="1" lang="ja-JP" altLang="en-US"/>
-          </a:p>
-        </p:txBody>
-      </p:sp>
-    </p:spTree>
-    <p:extLst>
-      <p:ext uri="{BB962C8B-B14F-4D97-AF65-F5344CB8AC3E}">
-        <p14:creationId xmlns:p14="http://schemas.microsoft.com/office/powerpoint/2010/main" val="559910476"/>
-      </p:ext>
-    </p:extLst>
-  </p:cSld>
-  <p:clrMapOvr>
-    <a:masterClrMapping/>
-  </p:clrMapOvr>
-</p:sld>
-</file>
-
-<file path=ppt/slides/slide14.xml><?xml version="1.0" encoding="utf-8"?>
-<p:sld xmlns:a="http://schemas.openxmlformats.org/drawingml/2006/main" xmlns:r="http://schemas.openxmlformats.org/officeDocument/2006/relationships" xmlns:p="http://schemas.openxmlformats.org/presentationml/2006/main">
-  <p:cSld>
-    <p:spTree>
-      <p:nvGrpSpPr>
-        <p:cNvPr id="1" name=""/>
-        <p:cNvGrpSpPr/>
-        <p:nvPr/>
-      </p:nvGrpSpPr>
-      <p:grpSpPr>
-        <a:xfrm>
-          <a:off x="0" y="0"/>
-          <a:ext cx="0" cy="0"/>
-          <a:chOff x="0" y="0"/>
-          <a:chExt cx="0" cy="0"/>
-        </a:xfrm>
-      </p:grpSpPr>
-      <p:sp>
-        <p:nvSpPr>
-          <p:cNvPr id="2" name="タイトル 1"/>
-          <p:cNvSpPr>
-            <a:spLocks noGrp="1"/>
-          </p:cNvSpPr>
-          <p:nvPr>
-            <p:ph type="title"/>
-          </p:nvPr>
-        </p:nvSpPr>
-        <p:spPr>
-          <a:xfrm>
-            <a:off x="644834" y="365126"/>
-            <a:ext cx="7886700" cy="1325563"/>
-          </a:xfrm>
-        </p:spPr>
-        <p:txBody>
-          <a:bodyPr/>
-          <a:lstStyle/>
-          <a:p>
-            <a:r>
-              <a:rPr kumimoji="1" lang="en-US" altLang="ja-JP" dirty="0" err="1" smtClean="0"/>
-              <a:t>Lua</a:t>
-            </a:r>
-            <a:endParaRPr kumimoji="1" lang="ja-JP" altLang="en-US" dirty="0"/>
-          </a:p>
-        </p:txBody>
-      </p:sp>
-      <p:sp>
-        <p:nvSpPr>
-          <p:cNvPr id="3" name="コンテンツ プレースホルダー 2"/>
-          <p:cNvSpPr>
-            <a:spLocks noGrp="1"/>
-          </p:cNvSpPr>
-          <p:nvPr>
-            <p:ph idx="1"/>
-          </p:nvPr>
-        </p:nvSpPr>
-        <p:spPr/>
-        <p:txBody>
-          <a:bodyPr>
-            <a:normAutofit fontScale="70000" lnSpcReduction="20000"/>
-          </a:bodyPr>
-          <a:lstStyle/>
-          <a:p>
-            <a:pPr marL="0" indent="0">
-              <a:buNone/>
-            </a:pPr>
-            <a:r>
-              <a:rPr lang="en-US" altLang="ja-JP" dirty="0" err="1"/>
-              <a:t>Lua</a:t>
-            </a:r>
-            <a:r>
-              <a:rPr lang="ja-JP" altLang="en-US" dirty="0"/>
-              <a:t>（ルア）はスクリプト言語およびその処理系の実装で、主にリオデジャネイロ・カトリカ大学（英語版）のコンピュータ科学科 </a:t>
-            </a:r>
-            <a:r>
-              <a:rPr lang="en-US" altLang="ja-JP" dirty="0"/>
-              <a:t>(Department of Computer Science) </a:t>
-            </a:r>
-            <a:r>
-              <a:rPr lang="ja-JP" altLang="en-US" dirty="0"/>
-              <a:t>および</a:t>
-            </a:r>
-            <a:r>
-              <a:rPr lang="en-US" altLang="ja-JP" dirty="0"/>
-              <a:t>/</a:t>
-            </a:r>
-            <a:r>
-              <a:rPr lang="ja-JP" altLang="en-US" dirty="0"/>
-              <a:t>または同大学附属研究所の</a:t>
-            </a:r>
-            <a:r>
-              <a:rPr lang="en-US" altLang="ja-JP" dirty="0" err="1" smtClean="0"/>
-              <a:t>Tecgraf</a:t>
-            </a:r>
-            <a:r>
-              <a:rPr lang="en-US" altLang="ja-JP" dirty="0" smtClean="0"/>
-              <a:t>/PUC-Rio</a:t>
-            </a:r>
-            <a:r>
-              <a:rPr lang="ja-JP" altLang="en-US" dirty="0" smtClean="0"/>
-              <a:t>に</a:t>
-            </a:r>
-            <a:r>
-              <a:rPr lang="ja-JP" altLang="en-US" dirty="0"/>
-              <a:t>所属する、</a:t>
-            </a:r>
-            <a:r>
-              <a:rPr lang="en-US" altLang="ja-JP" dirty="0"/>
-              <a:t>Roberto </a:t>
-            </a:r>
-            <a:r>
-              <a:rPr lang="en-US" altLang="ja-JP" dirty="0" err="1"/>
-              <a:t>Ierusalimschy</a:t>
-            </a:r>
-            <a:r>
-              <a:rPr lang="ja-JP" altLang="en-US" dirty="0" err="1"/>
-              <a:t>、</a:t>
-            </a:r>
-            <a:r>
-              <a:rPr lang="en-US" altLang="ja-JP" dirty="0" err="1"/>
-              <a:t>Waldemar</a:t>
-            </a:r>
-            <a:r>
-              <a:rPr lang="en-US" altLang="ja-JP" dirty="0"/>
-              <a:t> </a:t>
-            </a:r>
-            <a:r>
-              <a:rPr lang="en-US" altLang="ja-JP" dirty="0" err="1" smtClean="0"/>
-              <a:t>Celes</a:t>
-            </a:r>
-            <a:r>
-              <a:rPr lang="ja-JP" altLang="en-US" dirty="0" err="1" smtClean="0"/>
-              <a:t>、</a:t>
-            </a:r>
-            <a:r>
-              <a:rPr lang="en-US" altLang="ja-JP" dirty="0"/>
-              <a:t>Luiz Henrique de </a:t>
-            </a:r>
-            <a:r>
-              <a:rPr lang="en-US" altLang="ja-JP" dirty="0" err="1" smtClean="0"/>
-              <a:t>Figueiredo</a:t>
-            </a:r>
-            <a:r>
-              <a:rPr lang="ja-JP" altLang="en-US" dirty="0" err="1" smtClean="0"/>
-              <a:t>らに</a:t>
-            </a:r>
-            <a:r>
-              <a:rPr lang="ja-JP" altLang="en-US" dirty="0"/>
-              <a:t>よって設計開発</a:t>
-            </a:r>
-            <a:r>
-              <a:rPr lang="ja-JP" altLang="en-US" dirty="0" smtClean="0"/>
-              <a:t>された。</a:t>
-            </a:r>
-            <a:endParaRPr lang="ja-JP" altLang="en-US" dirty="0"/>
-          </a:p>
-          <a:p>
-            <a:pPr marL="0" indent="0">
-              <a:buNone/>
-            </a:pPr>
-            <a:endParaRPr lang="ja-JP" altLang="en-US" dirty="0"/>
-          </a:p>
-          <a:p>
-            <a:pPr marL="0" indent="0">
-              <a:buNone/>
-            </a:pPr>
-            <a:r>
-              <a:rPr lang="ja-JP" altLang="en-US" dirty="0"/>
-              <a:t>手続き型言語として、またプロトタイプベースのオブジェクト指向言語としても利用することができ、関数型言語、データ駆動型としての要素も併せ持っている。</a:t>
-            </a:r>
-          </a:p>
-          <a:p>
-            <a:pPr marL="0" indent="0">
-              <a:buNone/>
-            </a:pPr>
-            <a:endParaRPr lang="ja-JP" altLang="en-US" dirty="0"/>
-          </a:p>
-          <a:p>
-            <a:pPr marL="0" indent="0">
-              <a:buNone/>
-            </a:pPr>
-            <a:r>
-              <a:rPr lang="en-US" altLang="ja-JP" dirty="0" err="1"/>
-              <a:t>Lua</a:t>
-            </a:r>
-            <a:r>
-              <a:rPr lang="ja-JP" altLang="en-US" dirty="0"/>
-              <a:t>という名前は、ポルトガル語の「月」に由来する</a:t>
-            </a:r>
-            <a:r>
-              <a:rPr lang="ja-JP" altLang="en-US" dirty="0" smtClean="0"/>
-              <a:t>。</a:t>
-            </a:r>
-            <a:endParaRPr lang="en-US" altLang="ja-JP" dirty="0" smtClean="0"/>
-          </a:p>
-          <a:p>
-            <a:pPr marL="0" indent="0">
-              <a:buNone/>
-            </a:pPr>
-            <a:endParaRPr kumimoji="1" lang="en-US" altLang="ja-JP" dirty="0" smtClean="0"/>
-          </a:p>
-          <a:p>
-            <a:pPr marL="0" indent="0">
-              <a:buNone/>
-            </a:pPr>
-            <a:r>
-              <a:rPr lang="ja-JP" altLang="en-US" dirty="0"/>
-              <a:t>引用</a:t>
-            </a:r>
-            <a:r>
-              <a:rPr lang="ja-JP" altLang="en-US" dirty="0" smtClean="0"/>
-              <a:t>：</a:t>
-            </a:r>
-            <a:endParaRPr kumimoji="1" lang="en-US" altLang="ja-JP" dirty="0"/>
-          </a:p>
-          <a:p>
-            <a:pPr marL="0" indent="0">
-              <a:buNone/>
-            </a:pPr>
-            <a:r>
-              <a:rPr lang="en-US" altLang="ja-JP" dirty="0"/>
-              <a:t>https://ja.wikipedia.org/wiki/Lua</a:t>
-            </a:r>
-            <a:endParaRPr kumimoji="1" lang="ja-JP" altLang="en-US" dirty="0"/>
-          </a:p>
-        </p:txBody>
-      </p:sp>
-      <p:sp>
-        <p:nvSpPr>
-          <p:cNvPr id="4" name="スライド番号プレースホルダー 3"/>
-          <p:cNvSpPr>
-            <a:spLocks noGrp="1"/>
-          </p:cNvSpPr>
-          <p:nvPr>
-            <p:ph type="sldNum" sz="quarter" idx="12"/>
-          </p:nvPr>
-        </p:nvSpPr>
-        <p:spPr/>
-        <p:txBody>
-          <a:bodyPr/>
-          <a:lstStyle/>
-          <a:p>
-            <a:fld id="{4A32CB03-0843-4AF8-BFB2-C9917854BC7E}" type="slidenum">
-              <a:rPr kumimoji="1" lang="ja-JP" altLang="en-US" smtClean="0"/>
-              <a:t>14</a:t>
-            </a:fld>
-            <a:endParaRPr kumimoji="1" lang="ja-JP" altLang="en-US"/>
-          </a:p>
-        </p:txBody>
-      </p:sp>
-    </p:spTree>
-    <p:extLst>
-      <p:ext uri="{BB962C8B-B14F-4D97-AF65-F5344CB8AC3E}">
-        <p14:creationId xmlns:p14="http://schemas.microsoft.com/office/powerpoint/2010/main" val="843265026"/>
-      </p:ext>
-    </p:extLst>
-  </p:cSld>
-  <p:clrMapOvr>
-    <a:masterClrMapping/>
-  </p:clrMapOvr>
-</p:sld>
-</file>
-
-<file path=ppt/slides/slide15.xml><?xml version="1.0" encoding="utf-8"?>
-<p:sld xmlns:a="http://schemas.openxmlformats.org/drawingml/2006/main" xmlns:r="http://schemas.openxmlformats.org/officeDocument/2006/relationships" xmlns:p="http://schemas.openxmlformats.org/presentationml/2006/main">
-  <p:cSld>
-    <p:spTree>
-      <p:nvGrpSpPr>
-        <p:cNvPr id="1" name=""/>
-        <p:cNvGrpSpPr/>
-        <p:nvPr/>
-      </p:nvGrpSpPr>
-      <p:grpSpPr>
-        <a:xfrm>
-          <a:off x="0" y="0"/>
-          <a:ext cx="0" cy="0"/>
-          <a:chOff x="0" y="0"/>
-          <a:chExt cx="0" cy="0"/>
-        </a:xfrm>
-      </p:grpSpPr>
-      <p:sp>
-        <p:nvSpPr>
-          <p:cNvPr id="2" name="タイトル 1"/>
-          <p:cNvSpPr>
-            <a:spLocks noGrp="1"/>
-          </p:cNvSpPr>
-          <p:nvPr>
-            <p:ph type="title"/>
-          </p:nvPr>
-        </p:nvSpPr>
-        <p:spPr/>
-        <p:txBody>
-          <a:bodyPr/>
-          <a:lstStyle/>
-          <a:p>
-            <a:r>
-              <a:rPr kumimoji="1" lang="en-US" altLang="ja-JP" dirty="0" smtClean="0"/>
-              <a:t>Dart</a:t>
-            </a:r>
-            <a:endParaRPr kumimoji="1" lang="ja-JP" altLang="en-US" dirty="0"/>
-          </a:p>
-        </p:txBody>
-      </p:sp>
-      <p:sp>
-        <p:nvSpPr>
-          <p:cNvPr id="3" name="コンテンツ プレースホルダー 2"/>
-          <p:cNvSpPr>
-            <a:spLocks noGrp="1"/>
-          </p:cNvSpPr>
-          <p:nvPr>
-            <p:ph idx="1"/>
-          </p:nvPr>
-        </p:nvSpPr>
-        <p:spPr/>
-        <p:txBody>
-          <a:bodyPr>
-            <a:normAutofit lnSpcReduction="10000"/>
-          </a:bodyPr>
-          <a:lstStyle/>
-          <a:p>
-            <a:pPr marL="0" indent="0">
-              <a:buNone/>
-            </a:pPr>
-            <a:r>
-              <a:rPr lang="en-US" altLang="ja-JP" dirty="0"/>
-              <a:t>Dart</a:t>
-            </a:r>
-            <a:r>
-              <a:rPr lang="ja-JP" altLang="en-US" dirty="0"/>
-              <a:t>（ダートもしくはダーツ。当初は </a:t>
-            </a:r>
-            <a:r>
-              <a:rPr lang="en-US" altLang="ja-JP" dirty="0"/>
-              <a:t>Dash </a:t>
-            </a:r>
-            <a:r>
-              <a:rPr lang="ja-JP" altLang="en-US" dirty="0"/>
-              <a:t>と呼ばれていた）は</a:t>
-            </a:r>
-            <a:r>
-              <a:rPr lang="en-US" altLang="ja-JP" dirty="0"/>
-              <a:t>Google</a:t>
-            </a:r>
-            <a:r>
-              <a:rPr lang="ja-JP" altLang="en-US" dirty="0"/>
-              <a:t>によって開発されたウェブ向けのプログラミング言語である。</a:t>
-            </a:r>
-            <a:r>
-              <a:rPr lang="en-US" altLang="ja-JP" dirty="0"/>
-              <a:t>2011</a:t>
-            </a:r>
-            <a:r>
-              <a:rPr lang="ja-JP" altLang="en-US" dirty="0"/>
-              <a:t>年</a:t>
-            </a:r>
-            <a:r>
-              <a:rPr lang="en-US" altLang="ja-JP" dirty="0"/>
-              <a:t>10</a:t>
-            </a:r>
-            <a:r>
-              <a:rPr lang="ja-JP" altLang="en-US" dirty="0"/>
-              <a:t>月</a:t>
-            </a:r>
-            <a:r>
-              <a:rPr lang="en-US" altLang="ja-JP" dirty="0"/>
-              <a:t>10</a:t>
-            </a:r>
-            <a:r>
-              <a:rPr lang="ja-JP" altLang="en-US" dirty="0"/>
-              <a:t>日 </a:t>
-            </a:r>
-            <a:r>
-              <a:rPr lang="en-US" altLang="ja-JP" dirty="0"/>
-              <a:t>- 12</a:t>
-            </a:r>
-            <a:r>
-              <a:rPr lang="ja-JP" altLang="en-US" dirty="0"/>
-              <a:t>日に開催された デンマークのオーフスで開催された「</a:t>
-            </a:r>
-            <a:r>
-              <a:rPr lang="en-US" altLang="ja-JP" dirty="0"/>
-              <a:t>GOTO</a:t>
-            </a:r>
-            <a:r>
-              <a:rPr lang="ja-JP" altLang="en-US" dirty="0"/>
-              <a:t>カンファレンス</a:t>
-            </a:r>
-            <a:r>
-              <a:rPr lang="ja-JP" altLang="en-US" dirty="0" smtClean="0"/>
-              <a:t>」で</a:t>
-            </a:r>
-            <a:r>
-              <a:rPr lang="ja-JP" altLang="en-US" dirty="0"/>
-              <a:t>公開</a:t>
-            </a:r>
-            <a:r>
-              <a:rPr lang="ja-JP" altLang="en-US" dirty="0" smtClean="0"/>
-              <a:t>された。</a:t>
-            </a:r>
-            <a:r>
-              <a:rPr lang="ja-JP" altLang="en-US" dirty="0"/>
-              <a:t>この言語は、ウェブブラウザ組み込みのスクリプト言語である</a:t>
-            </a:r>
-            <a:r>
-              <a:rPr lang="en-US" altLang="ja-JP" dirty="0"/>
-              <a:t>JavaScript</a:t>
-            </a:r>
-            <a:r>
-              <a:rPr lang="ja-JP" altLang="en-US" dirty="0"/>
-              <a:t>の代替となることを目的に作られた</a:t>
-            </a:r>
-            <a:r>
-              <a:rPr lang="ja-JP" altLang="en-US" dirty="0" smtClean="0"/>
-              <a:t>。</a:t>
-            </a:r>
-            <a:endParaRPr lang="en-US" altLang="ja-JP" dirty="0"/>
-          </a:p>
-          <a:p>
-            <a:pPr marL="0" indent="0">
-              <a:buNone/>
-            </a:pPr>
-            <a:endParaRPr kumimoji="1" lang="en-US" altLang="ja-JP" dirty="0" smtClean="0"/>
-          </a:p>
-          <a:p>
-            <a:pPr marL="0" indent="0">
-              <a:buNone/>
-            </a:pPr>
-            <a:r>
-              <a:rPr kumimoji="1" lang="ja-JP" altLang="en-US" dirty="0" smtClean="0"/>
-              <a:t>引用：</a:t>
-            </a:r>
-            <a:endParaRPr kumimoji="1" lang="en-US" altLang="ja-JP" dirty="0" smtClean="0"/>
-          </a:p>
-          <a:p>
-            <a:pPr marL="0" indent="0">
-              <a:buNone/>
-            </a:pPr>
-            <a:r>
-              <a:rPr lang="en-US" altLang="ja-JP" dirty="0"/>
-              <a:t>https://ja.wikipedia.org/wiki/Dart</a:t>
-            </a:r>
-            <a:endParaRPr kumimoji="1" lang="ja-JP" altLang="en-US" dirty="0"/>
-          </a:p>
-        </p:txBody>
-      </p:sp>
-      <p:sp>
-        <p:nvSpPr>
-          <p:cNvPr id="4" name="スライド番号プレースホルダー 3"/>
-          <p:cNvSpPr>
-            <a:spLocks noGrp="1"/>
-          </p:cNvSpPr>
-          <p:nvPr>
-            <p:ph type="sldNum" sz="quarter" idx="12"/>
-          </p:nvPr>
-        </p:nvSpPr>
-        <p:spPr/>
-        <p:txBody>
-          <a:bodyPr/>
-          <a:lstStyle/>
-          <a:p>
-            <a:fld id="{4A32CB03-0843-4AF8-BFB2-C9917854BC7E}" type="slidenum">
-              <a:rPr kumimoji="1" lang="ja-JP" altLang="en-US" smtClean="0"/>
-              <a:t>15</a:t>
-            </a:fld>
-            <a:endParaRPr kumimoji="1" lang="ja-JP" altLang="en-US"/>
-          </a:p>
-        </p:txBody>
-      </p:sp>
-    </p:spTree>
-    <p:extLst>
-      <p:ext uri="{BB962C8B-B14F-4D97-AF65-F5344CB8AC3E}">
-        <p14:creationId xmlns:p14="http://schemas.microsoft.com/office/powerpoint/2010/main" val="3121424104"/>
-      </p:ext>
-    </p:extLst>
-  </p:cSld>
-  <p:clrMapOvr>
-    <a:masterClrMapping/>
-  </p:clrMapOvr>
-</p:sld>
-</file>
-
-<file path=ppt/slides/slide16.xml><?xml version="1.0" encoding="utf-8"?>
-<p:sld xmlns:a="http://schemas.openxmlformats.org/drawingml/2006/main" xmlns:r="http://schemas.openxmlformats.org/officeDocument/2006/relationships" xmlns:p="http://schemas.openxmlformats.org/presentationml/2006/main">
-  <p:cSld>
-    <p:spTree>
-      <p:nvGrpSpPr>
-        <p:cNvPr id="1" name=""/>
-        <p:cNvGrpSpPr/>
-        <p:nvPr/>
-      </p:nvGrpSpPr>
-      <p:grpSpPr>
-        <a:xfrm>
-          <a:off x="0" y="0"/>
-          <a:ext cx="0" cy="0"/>
-          <a:chOff x="0" y="0"/>
-          <a:chExt cx="0" cy="0"/>
-        </a:xfrm>
-      </p:grpSpPr>
-      <p:sp>
-        <p:nvSpPr>
-          <p:cNvPr id="2" name="タイトル 1"/>
-          <p:cNvSpPr>
-            <a:spLocks noGrp="1"/>
-          </p:cNvSpPr>
-          <p:nvPr>
-            <p:ph type="title"/>
-          </p:nvPr>
-        </p:nvSpPr>
-        <p:spPr/>
-        <p:txBody>
-          <a:bodyPr/>
-          <a:lstStyle/>
-          <a:p>
-            <a:r>
-              <a:rPr kumimoji="1" lang="en-US" altLang="ja-JP" dirty="0" smtClean="0"/>
-              <a:t>Generator</a:t>
-            </a:r>
-            <a:endParaRPr kumimoji="1" lang="ja-JP" altLang="en-US" dirty="0"/>
-          </a:p>
-        </p:txBody>
-      </p:sp>
-      <p:sp>
-        <p:nvSpPr>
-          <p:cNvPr id="3" name="コンテンツ プレースホルダー 2"/>
-          <p:cNvSpPr>
-            <a:spLocks noGrp="1"/>
-          </p:cNvSpPr>
-          <p:nvPr>
-            <p:ph idx="1"/>
-          </p:nvPr>
-        </p:nvSpPr>
-        <p:spPr/>
-        <p:txBody>
-          <a:bodyPr>
-            <a:normAutofit/>
-          </a:bodyPr>
-          <a:lstStyle/>
-          <a:p>
-            <a:r>
-              <a:rPr kumimoji="1" lang="en-US" altLang="ja-JP" dirty="0" smtClean="0"/>
-              <a:t>Generator</a:t>
-            </a:r>
-            <a:r>
-              <a:rPr kumimoji="1" lang="ja-JP" altLang="en-US" dirty="0" smtClean="0"/>
-              <a:t>を利用する際には、前のスライドの通りに実行し、</a:t>
-            </a:r>
-            <a:r>
-              <a:rPr kumimoji="1" lang="en-US" altLang="ja-JP" dirty="0" err="1" smtClean="0"/>
-              <a:t>Node_modules</a:t>
-            </a:r>
-            <a:r>
-              <a:rPr kumimoji="1" lang="ja-JP" altLang="en-US" dirty="0" smtClean="0"/>
-              <a:t>内のファイルを呼び出す</a:t>
-            </a:r>
-            <a:endParaRPr kumimoji="1" lang="en-US" altLang="ja-JP" dirty="0" smtClean="0"/>
-          </a:p>
-          <a:p>
-            <a:r>
-              <a:rPr lang="en-US" altLang="ja-JP" dirty="0"/>
-              <a:t>h</a:t>
-            </a:r>
-            <a:r>
-              <a:rPr lang="en-US" altLang="ja-JP" dirty="0" smtClean="0"/>
-              <a:t>tml</a:t>
-            </a:r>
-            <a:r>
-              <a:rPr lang="ja-JP" altLang="en-US" dirty="0" smtClean="0"/>
-              <a:t>ファイル内で、</a:t>
-            </a:r>
-            <a:r>
-              <a:rPr lang="en-US" altLang="ja-JP" dirty="0" smtClean="0"/>
-              <a:t>script</a:t>
-            </a:r>
-            <a:r>
-              <a:rPr lang="ja-JP" altLang="en-US" dirty="0" smtClean="0"/>
-              <a:t>で呼び出し</a:t>
-            </a:r>
-            <a:endParaRPr lang="en-US" altLang="ja-JP" dirty="0" smtClean="0"/>
-          </a:p>
-          <a:p>
-            <a:r>
-              <a:rPr lang="en-US" altLang="ja-JP" dirty="0"/>
-              <a:t> </a:t>
-            </a:r>
-            <a:r>
-              <a:rPr lang="en-US" altLang="ja-JP" dirty="0" err="1"/>
-              <a:t>var</a:t>
-            </a:r>
-            <a:r>
-              <a:rPr lang="en-US" altLang="ja-JP" dirty="0"/>
-              <a:t> code = </a:t>
-            </a:r>
-            <a:r>
-              <a:rPr lang="en-US" altLang="ja-JP" dirty="0" err="1"/>
-              <a:t>Blockly.JavaScript.workspaceToCode</a:t>
-            </a:r>
-            <a:r>
-              <a:rPr lang="en-US" altLang="ja-JP" dirty="0"/>
-              <a:t>(</a:t>
-            </a:r>
-            <a:r>
-              <a:rPr lang="en-US" altLang="ja-JP" dirty="0" err="1"/>
-              <a:t>demoWorkspace</a:t>
-            </a:r>
-            <a:r>
-              <a:rPr lang="en-US" altLang="ja-JP" dirty="0" smtClean="0"/>
-              <a:t>);</a:t>
-            </a:r>
-          </a:p>
-          <a:p>
-            <a:endParaRPr lang="en-US" altLang="ja-JP" dirty="0"/>
-          </a:p>
-        </p:txBody>
-      </p:sp>
-      <p:sp>
-        <p:nvSpPr>
-          <p:cNvPr id="4" name="スライド番号プレースホルダー 3"/>
-          <p:cNvSpPr>
-            <a:spLocks noGrp="1"/>
-          </p:cNvSpPr>
-          <p:nvPr>
-            <p:ph type="sldNum" sz="quarter" idx="12"/>
-          </p:nvPr>
-        </p:nvSpPr>
-        <p:spPr/>
-        <p:txBody>
-          <a:bodyPr/>
-          <a:lstStyle/>
-          <a:p>
-            <a:fld id="{4A32CB03-0843-4AF8-BFB2-C9917854BC7E}" type="slidenum">
-              <a:rPr kumimoji="1" lang="ja-JP" altLang="en-US" smtClean="0"/>
-              <a:t>16</a:t>
-            </a:fld>
-            <a:endParaRPr kumimoji="1" lang="ja-JP" altLang="en-US"/>
-          </a:p>
-        </p:txBody>
-      </p:sp>
-    </p:spTree>
-    <p:extLst>
-      <p:ext uri="{BB962C8B-B14F-4D97-AF65-F5344CB8AC3E}">
-        <p14:creationId xmlns:p14="http://schemas.microsoft.com/office/powerpoint/2010/main" val="2142560469"/>
-      </p:ext>
-    </p:extLst>
-  </p:cSld>
-  <p:clrMapOvr>
-    <a:masterClrMapping/>
-  </p:clrMapOvr>
-</p:sld>
-</file>
-
-<file path=ppt/slides/slide17.xml><?xml version="1.0" encoding="utf-8"?>
-<p:sld xmlns:a="http://schemas.openxmlformats.org/drawingml/2006/main" xmlns:r="http://schemas.openxmlformats.org/officeDocument/2006/relationships" xmlns:p="http://schemas.openxmlformats.org/presentationml/2006/main">
-  <p:cSld>
-    <p:spTree>
-      <p:nvGrpSpPr>
-        <p:cNvPr id="1" name=""/>
-        <p:cNvGrpSpPr/>
-        <p:nvPr/>
-      </p:nvGrpSpPr>
-      <p:grpSpPr>
-        <a:xfrm>
-          <a:off x="0" y="0"/>
-          <a:ext cx="0" cy="0"/>
-          <a:chOff x="0" y="0"/>
-          <a:chExt cx="0" cy="0"/>
-        </a:xfrm>
-      </p:grpSpPr>
-      <p:sp>
-        <p:nvSpPr>
-          <p:cNvPr id="2" name="タイトル 1"/>
-          <p:cNvSpPr>
-            <a:spLocks noGrp="1"/>
-          </p:cNvSpPr>
-          <p:nvPr>
-            <p:ph type="title"/>
-          </p:nvPr>
-        </p:nvSpPr>
-        <p:spPr/>
-        <p:txBody>
-          <a:bodyPr/>
-          <a:lstStyle/>
-          <a:p>
-            <a:r>
-              <a:rPr kumimoji="1" lang="en-US" altLang="ja-JP" dirty="0" err="1" smtClean="0"/>
-              <a:t>Genearator</a:t>
-            </a:r>
-            <a:r>
-              <a:rPr kumimoji="1" lang="ja-JP" altLang="en-US" dirty="0" smtClean="0"/>
-              <a:t>の実行テスト</a:t>
-            </a:r>
-            <a:endParaRPr kumimoji="1" lang="ja-JP" altLang="en-US" dirty="0"/>
-          </a:p>
-        </p:txBody>
-      </p:sp>
-      <p:sp>
-        <p:nvSpPr>
-          <p:cNvPr id="4" name="スライド番号プレースホルダー 3"/>
-          <p:cNvSpPr>
-            <a:spLocks noGrp="1"/>
-          </p:cNvSpPr>
-          <p:nvPr>
-            <p:ph type="sldNum" sz="quarter" idx="12"/>
-          </p:nvPr>
-        </p:nvSpPr>
-        <p:spPr/>
-        <p:txBody>
-          <a:bodyPr/>
-          <a:lstStyle/>
-          <a:p>
-            <a:fld id="{4A32CB03-0843-4AF8-BFB2-C9917854BC7E}" type="slidenum">
-              <a:rPr kumimoji="1" lang="ja-JP" altLang="en-US" sz="2800" smtClean="0"/>
-              <a:t>17</a:t>
-            </a:fld>
-            <a:endParaRPr kumimoji="1" lang="ja-JP" altLang="en-US" dirty="0"/>
-          </a:p>
-        </p:txBody>
-      </p:sp>
-      <p:pic>
-        <p:nvPicPr>
-          <p:cNvPr id="3" name="図 2"/>
-          <p:cNvPicPr>
-            <a:picLocks noChangeAspect="1"/>
-          </p:cNvPicPr>
-          <p:nvPr/>
-        </p:nvPicPr>
-        <p:blipFill>
-          <a:blip r:embed="rId2"/>
-          <a:stretch>
-            <a:fillRect/>
-          </a:stretch>
-        </p:blipFill>
-        <p:spPr>
-          <a:xfrm>
-            <a:off x="1141095" y="1690689"/>
-            <a:ext cx="5647905" cy="3900141"/>
-          </a:xfrm>
-          <a:prstGeom prst="rect">
-            <a:avLst/>
-          </a:prstGeom>
-        </p:spPr>
-      </p:pic>
-    </p:spTree>
-    <p:extLst>
-      <p:ext uri="{BB962C8B-B14F-4D97-AF65-F5344CB8AC3E}">
-        <p14:creationId xmlns:p14="http://schemas.microsoft.com/office/powerpoint/2010/main" val="4257970129"/>
-      </p:ext>
-    </p:extLst>
-  </p:cSld>
-  <p:clrMapOvr>
-    <a:masterClrMapping/>
-  </p:clrMapOvr>
-</p:sld>
-</file>
-
-<file path=ppt/slides/slide18.xml><?xml version="1.0" encoding="utf-8"?>
-<p:sld xmlns:a="http://schemas.openxmlformats.org/drawingml/2006/main" xmlns:r="http://schemas.openxmlformats.org/officeDocument/2006/relationships" xmlns:p="http://schemas.openxmlformats.org/presentationml/2006/main">
-  <p:cSld>
-    <p:spTree>
-      <p:nvGrpSpPr>
-        <p:cNvPr id="1" name=""/>
-        <p:cNvGrpSpPr/>
-        <p:nvPr/>
-      </p:nvGrpSpPr>
-      <p:grpSpPr>
-        <a:xfrm>
-          <a:off x="0" y="0"/>
-          <a:ext cx="0" cy="0"/>
-          <a:chOff x="0" y="0"/>
-          <a:chExt cx="0" cy="0"/>
-        </a:xfrm>
-      </p:grpSpPr>
-      <p:sp>
-        <p:nvSpPr>
-          <p:cNvPr id="2" name="タイトル 1"/>
-          <p:cNvSpPr>
-            <a:spLocks noGrp="1"/>
-          </p:cNvSpPr>
-          <p:nvPr>
-            <p:ph type="title"/>
-          </p:nvPr>
-        </p:nvSpPr>
-        <p:spPr/>
-        <p:txBody>
-          <a:bodyPr/>
-          <a:lstStyle/>
-          <a:p>
-            <a:r>
-              <a:rPr lang="en-US" altLang="ja-JP" dirty="0" err="1"/>
-              <a:t>Genearator</a:t>
-            </a:r>
-            <a:r>
-              <a:rPr lang="ja-JP" altLang="en-US" dirty="0"/>
-              <a:t>の実行テスト</a:t>
-            </a:r>
-            <a:endParaRPr kumimoji="1" lang="ja-JP" altLang="en-US" dirty="0"/>
-          </a:p>
-        </p:txBody>
-      </p:sp>
-      <p:sp>
-        <p:nvSpPr>
-          <p:cNvPr id="3" name="コンテンツ プレースホルダー 2"/>
-          <p:cNvSpPr>
-            <a:spLocks noGrp="1"/>
-          </p:cNvSpPr>
-          <p:nvPr>
-            <p:ph idx="1"/>
-          </p:nvPr>
-        </p:nvSpPr>
-        <p:spPr/>
-        <p:txBody>
-          <a:bodyPr/>
-          <a:lstStyle/>
-          <a:p>
-            <a:r>
-              <a:rPr kumimoji="1" lang="ja-JP" altLang="en-US" dirty="0" smtClean="0"/>
-              <a:t>図のようにブロックを組み合わせ、左側の</a:t>
-            </a:r>
-            <a:r>
-              <a:rPr kumimoji="1" lang="en-US" altLang="ja-JP" dirty="0" smtClean="0"/>
-              <a:t>Show </a:t>
-            </a:r>
-            <a:r>
-              <a:rPr kumimoji="1" lang="en-US" altLang="ja-JP" dirty="0" err="1" smtClean="0"/>
-              <a:t>javascript</a:t>
-            </a:r>
-            <a:r>
-              <a:rPr kumimoji="1" lang="ja-JP" altLang="en-US" dirty="0" smtClean="0"/>
-              <a:t>を押すと、ブロックからコードを生成する</a:t>
-            </a:r>
-            <a:r>
-              <a:rPr lang="ja-JP" altLang="en-US" dirty="0" smtClean="0"/>
-              <a:t>（ブロックに対応したコードを表示する）</a:t>
-            </a:r>
-            <a:endParaRPr lang="en-US" altLang="ja-JP" dirty="0" smtClean="0"/>
-          </a:p>
-          <a:p>
-            <a:r>
-              <a:rPr lang="ja-JP" altLang="en-US" dirty="0" smtClean="0"/>
-              <a:t>右側の</a:t>
-            </a:r>
-            <a:r>
-              <a:rPr lang="en-US" altLang="ja-JP" dirty="0" smtClean="0"/>
-              <a:t>Run JavaScript</a:t>
-            </a:r>
-            <a:r>
-              <a:rPr lang="ja-JP" altLang="en-US" dirty="0" smtClean="0"/>
-              <a:t>を押すと、コードを実行する</a:t>
-            </a:r>
-            <a:endParaRPr kumimoji="1" lang="en-US" altLang="ja-JP" dirty="0" smtClean="0"/>
-          </a:p>
-        </p:txBody>
-      </p:sp>
-      <p:sp>
-        <p:nvSpPr>
-          <p:cNvPr id="4" name="スライド番号プレースホルダー 3"/>
-          <p:cNvSpPr>
-            <a:spLocks noGrp="1"/>
-          </p:cNvSpPr>
-          <p:nvPr>
-            <p:ph type="sldNum" sz="quarter" idx="12"/>
-          </p:nvPr>
-        </p:nvSpPr>
-        <p:spPr/>
-        <p:txBody>
-          <a:bodyPr/>
-          <a:lstStyle/>
-          <a:p>
-            <a:fld id="{4A32CB03-0843-4AF8-BFB2-C9917854BC7E}" type="slidenum">
-              <a:rPr kumimoji="1" lang="ja-JP" altLang="en-US" sz="2800" smtClean="0"/>
-              <a:t>18</a:t>
-            </a:fld>
-            <a:endParaRPr kumimoji="1" lang="ja-JP" altLang="en-US" sz="2800" dirty="0"/>
-          </a:p>
-        </p:txBody>
-      </p:sp>
-    </p:spTree>
-    <p:extLst>
-      <p:ext uri="{BB962C8B-B14F-4D97-AF65-F5344CB8AC3E}">
-        <p14:creationId xmlns:p14="http://schemas.microsoft.com/office/powerpoint/2010/main" val="2997179172"/>
-      </p:ext>
-    </p:extLst>
-  </p:cSld>
-  <p:clrMapOvr>
-    <a:masterClrMapping/>
-  </p:clrMapOvr>
-</p:sld>
-</file>
-
-<file path=ppt/slides/slide19.xml><?xml version="1.0" encoding="utf-8"?>
-<p:sld xmlns:a="http://schemas.openxmlformats.org/drawingml/2006/main" xmlns:r="http://schemas.openxmlformats.org/officeDocument/2006/relationships" xmlns:p="http://schemas.openxmlformats.org/presentationml/2006/main">
-  <p:cSld>
-    <p:spTree>
-      <p:nvGrpSpPr>
-        <p:cNvPr id="1" name=""/>
-        <p:cNvGrpSpPr/>
-        <p:nvPr/>
-      </p:nvGrpSpPr>
-      <p:grpSpPr>
-        <a:xfrm>
-          <a:off x="0" y="0"/>
-          <a:ext cx="0" cy="0"/>
-          <a:chOff x="0" y="0"/>
-          <a:chExt cx="0" cy="0"/>
-        </a:xfrm>
-      </p:grpSpPr>
-      <p:sp>
-        <p:nvSpPr>
-          <p:cNvPr id="2" name="タイトル 1"/>
-          <p:cNvSpPr>
-            <a:spLocks noGrp="1"/>
-          </p:cNvSpPr>
-          <p:nvPr>
-            <p:ph type="title"/>
-          </p:nvPr>
-        </p:nvSpPr>
-        <p:spPr/>
-        <p:txBody>
-          <a:bodyPr/>
-          <a:lstStyle/>
-          <a:p>
-            <a:r>
-              <a:rPr lang="ja-JP" altLang="en-US" dirty="0"/>
-              <a:t>正誤</a:t>
-            </a:r>
-            <a:r>
-              <a:rPr lang="ja-JP" altLang="en-US" dirty="0" smtClean="0"/>
-              <a:t>を判定するプログラム</a:t>
-            </a:r>
-            <a:endParaRPr kumimoji="1" lang="ja-JP" altLang="en-US" dirty="0"/>
-          </a:p>
-        </p:txBody>
-      </p:sp>
-      <p:sp>
-        <p:nvSpPr>
-          <p:cNvPr id="3" name="コンテンツ プレースホルダー 2"/>
-          <p:cNvSpPr>
-            <a:spLocks noGrp="1"/>
-          </p:cNvSpPr>
-          <p:nvPr>
-            <p:ph idx="1"/>
-          </p:nvPr>
-        </p:nvSpPr>
-        <p:spPr/>
-        <p:txBody>
-          <a:bodyPr/>
-          <a:lstStyle/>
-          <a:p>
-            <a:r>
-              <a:rPr kumimoji="1" lang="ja-JP" altLang="en-US" dirty="0" smtClean="0"/>
-              <a:t>事前に用意した解答例と、</a:t>
-            </a:r>
-            <a:r>
-              <a:rPr kumimoji="1" lang="en-US" altLang="ja-JP" dirty="0" err="1" smtClean="0"/>
-              <a:t>Generater</a:t>
-            </a:r>
-            <a:r>
-              <a:rPr kumimoji="1" lang="ja-JP" altLang="en-US" dirty="0" smtClean="0"/>
-              <a:t>によって作成されたコードが等しいかどうか（完全一致）を判定するサンプルプログラムを作成した</a:t>
-            </a:r>
-            <a:endParaRPr kumimoji="1" lang="en-US" altLang="ja-JP" dirty="0" smtClean="0"/>
-          </a:p>
-          <a:p>
-            <a:endParaRPr kumimoji="1" lang="ja-JP" altLang="en-US" dirty="0"/>
-          </a:p>
-        </p:txBody>
-      </p:sp>
-      <p:sp>
-        <p:nvSpPr>
-          <p:cNvPr id="4" name="スライド番号プレースホルダー 3"/>
-          <p:cNvSpPr>
-            <a:spLocks noGrp="1"/>
-          </p:cNvSpPr>
-          <p:nvPr>
-            <p:ph type="sldNum" sz="quarter" idx="12"/>
-          </p:nvPr>
-        </p:nvSpPr>
-        <p:spPr/>
-        <p:txBody>
-          <a:bodyPr/>
-          <a:lstStyle/>
-          <a:p>
-            <a:fld id="{4A32CB03-0843-4AF8-BFB2-C9917854BC7E}" type="slidenum">
-              <a:rPr kumimoji="1" lang="ja-JP" altLang="en-US" smtClean="0"/>
-              <a:t>19</a:t>
-            </a:fld>
-            <a:endParaRPr kumimoji="1" lang="ja-JP" altLang="en-US"/>
-          </a:p>
-        </p:txBody>
-      </p:sp>
-    </p:spTree>
-    <p:extLst>
-      <p:ext uri="{BB962C8B-B14F-4D97-AF65-F5344CB8AC3E}">
-        <p14:creationId xmlns:p14="http://schemas.microsoft.com/office/powerpoint/2010/main" val="2287831747"/>
-      </p:ext>
-    </p:extLst>
-  </p:cSld>
-  <p:clrMapOvr>
-    <a:masterClrMapping/>
-  </p:clrMapOvr>
-</p:sld>
-</file>
-
-<file path=ppt/slides/slide2.xml><?xml version="1.0" encoding="utf-8"?>
-<p:sld xmlns:a="http://schemas.openxmlformats.org/drawingml/2006/main" xmlns:r="http://schemas.openxmlformats.org/officeDocument/2006/relationships" xmlns:p="http://schemas.openxmlformats.org/presentationml/2006/main">
-  <p:cSld>
-    <p:spTree>
-      <p:nvGrpSpPr>
-        <p:cNvPr id="1" name=""/>
-        <p:cNvGrpSpPr/>
-        <p:nvPr/>
-      </p:nvGrpSpPr>
-      <p:grpSpPr>
-        <a:xfrm>
-          <a:off x="0" y="0"/>
-          <a:ext cx="0" cy="0"/>
-          <a:chOff x="0" y="0"/>
-          <a:chExt cx="0" cy="0"/>
-        </a:xfrm>
-      </p:grpSpPr>
-      <p:sp>
-        <p:nvSpPr>
-          <p:cNvPr id="2" name="タイトル 1"/>
-          <p:cNvSpPr>
-            <a:spLocks noGrp="1"/>
-          </p:cNvSpPr>
-          <p:nvPr>
-            <p:ph type="title"/>
-          </p:nvPr>
-        </p:nvSpPr>
-        <p:spPr/>
-        <p:txBody>
-          <a:bodyPr/>
-          <a:lstStyle/>
-          <a:p>
-            <a:r>
-              <a:rPr lang="ja-JP" altLang="en-US" dirty="0" smtClean="0"/>
-              <a:t>今週の進捗</a:t>
-            </a:r>
-            <a:endParaRPr kumimoji="1" lang="ja-JP" altLang="en-US" dirty="0"/>
-          </a:p>
-        </p:txBody>
-      </p:sp>
-      <p:sp>
-        <p:nvSpPr>
-          <p:cNvPr id="3" name="コンテンツ プレースホルダー 2"/>
-          <p:cNvSpPr>
-            <a:spLocks noGrp="1"/>
-          </p:cNvSpPr>
-          <p:nvPr>
-            <p:ph idx="1"/>
-          </p:nvPr>
-        </p:nvSpPr>
-        <p:spPr/>
-        <p:txBody>
-          <a:bodyPr/>
-          <a:lstStyle/>
-          <a:p>
-            <a:r>
-              <a:rPr kumimoji="1" lang="ja-JP" altLang="en-US" dirty="0" smtClean="0"/>
-              <a:t>問題を穴あき？ に変更するプログラムを作成した</a:t>
-            </a:r>
-            <a:endParaRPr kumimoji="1" lang="en-US" altLang="ja-JP" dirty="0" smtClean="0"/>
-          </a:p>
-          <a:p>
-            <a:r>
-              <a:rPr lang="ja-JP" altLang="en-US" dirty="0"/>
-              <a:t>しかし</a:t>
-            </a:r>
-            <a:r>
-              <a:rPr lang="ja-JP" altLang="en-US" dirty="0" smtClean="0"/>
-              <a:t>、問題点があり、このままでは使えないため、来週はこの問題点を解決したい</a:t>
-            </a:r>
-            <a:endParaRPr kumimoji="1" lang="en-US" altLang="ja-JP" dirty="0" smtClean="0"/>
-          </a:p>
-          <a:p>
-            <a:pPr marL="0" indent="0">
-              <a:buNone/>
-            </a:pPr>
-            <a:endParaRPr kumimoji="1" lang="en-US" altLang="ja-JP" dirty="0" smtClean="0"/>
-          </a:p>
-        </p:txBody>
-      </p:sp>
-      <p:sp>
-        <p:nvSpPr>
-          <p:cNvPr id="4" name="スライド番号プレースホルダー 3"/>
-          <p:cNvSpPr>
-            <a:spLocks noGrp="1"/>
-          </p:cNvSpPr>
-          <p:nvPr>
-            <p:ph type="sldNum" sz="quarter" idx="12"/>
-          </p:nvPr>
-        </p:nvSpPr>
-        <p:spPr/>
-        <p:txBody>
-          <a:bodyPr/>
-          <a:lstStyle/>
-          <a:p>
-            <a:fld id="{4A32CB03-0843-4AF8-BFB2-C9917854BC7E}" type="slidenum">
-              <a:rPr kumimoji="1" lang="ja-JP" altLang="en-US" sz="2800" smtClean="0"/>
-              <a:t>2</a:t>
-            </a:fld>
-            <a:endParaRPr kumimoji="1" lang="ja-JP" altLang="en-US" dirty="0"/>
-          </a:p>
-        </p:txBody>
-      </p:sp>
-    </p:spTree>
-    <p:extLst>
-      <p:ext uri="{BB962C8B-B14F-4D97-AF65-F5344CB8AC3E}">
-        <p14:creationId xmlns:p14="http://schemas.microsoft.com/office/powerpoint/2010/main" val="3564727157"/>
-      </p:ext>
-    </p:extLst>
-  </p:cSld>
-  <p:clrMapOvr>
-    <a:masterClrMapping/>
-  </p:clrMapOvr>
-</p:sld>
-</file>
-
-<file path=ppt/slides/slide20.xml><?xml version="1.0" encoding="utf-8"?>
-<p:sld xmlns:a="http://schemas.openxmlformats.org/drawingml/2006/main" xmlns:r="http://schemas.openxmlformats.org/officeDocument/2006/relationships" xmlns:p="http://schemas.openxmlformats.org/presentationml/2006/main">
-  <p:cSld>
-    <p:spTree>
-      <p:nvGrpSpPr>
-        <p:cNvPr id="1" name=""/>
-        <p:cNvGrpSpPr/>
-        <p:nvPr/>
-      </p:nvGrpSpPr>
-      <p:grpSpPr>
-        <a:xfrm>
-          <a:off x="0" y="0"/>
-          <a:ext cx="0" cy="0"/>
-          <a:chOff x="0" y="0"/>
-          <a:chExt cx="0" cy="0"/>
-        </a:xfrm>
-      </p:grpSpPr>
-      <p:sp>
-        <p:nvSpPr>
-          <p:cNvPr id="2" name="タイトル 1"/>
-          <p:cNvSpPr>
-            <a:spLocks noGrp="1"/>
-          </p:cNvSpPr>
-          <p:nvPr>
-            <p:ph type="title"/>
-          </p:nvPr>
-        </p:nvSpPr>
-        <p:spPr/>
-        <p:txBody>
-          <a:bodyPr/>
-          <a:lstStyle/>
-          <a:p>
-            <a:r>
-              <a:rPr lang="ja-JP" altLang="en-US" dirty="0"/>
-              <a:t>正誤</a:t>
-            </a:r>
-            <a:r>
-              <a:rPr lang="ja-JP" altLang="en-US" dirty="0" smtClean="0"/>
-              <a:t>判定</a:t>
-            </a:r>
-            <a:r>
-              <a:rPr kumimoji="1" lang="ja-JP" altLang="en-US" dirty="0" smtClean="0"/>
-              <a:t>デモ</a:t>
-            </a:r>
-            <a:endParaRPr kumimoji="1" lang="ja-JP" altLang="en-US" dirty="0"/>
-          </a:p>
-        </p:txBody>
-      </p:sp>
-      <p:sp>
-        <p:nvSpPr>
-          <p:cNvPr id="4" name="スライド番号プレースホルダー 3"/>
-          <p:cNvSpPr>
-            <a:spLocks noGrp="1"/>
-          </p:cNvSpPr>
-          <p:nvPr>
-            <p:ph type="sldNum" sz="quarter" idx="12"/>
-          </p:nvPr>
-        </p:nvSpPr>
-        <p:spPr/>
-        <p:txBody>
-          <a:bodyPr/>
-          <a:lstStyle/>
-          <a:p>
-            <a:fld id="{4A32CB03-0843-4AF8-BFB2-C9917854BC7E}" type="slidenum">
-              <a:rPr kumimoji="1" lang="ja-JP" altLang="en-US" smtClean="0"/>
-              <a:t>20</a:t>
-            </a:fld>
-            <a:endParaRPr kumimoji="1" lang="ja-JP" altLang="en-US"/>
-          </a:p>
-        </p:txBody>
-      </p:sp>
-      <p:pic>
-        <p:nvPicPr>
-          <p:cNvPr id="5" name="図 4"/>
-          <p:cNvPicPr>
-            <a:picLocks noChangeAspect="1"/>
-          </p:cNvPicPr>
-          <p:nvPr/>
-        </p:nvPicPr>
-        <p:blipFill>
-          <a:blip r:embed="rId2"/>
-          <a:stretch>
-            <a:fillRect/>
-          </a:stretch>
-        </p:blipFill>
-        <p:spPr>
-          <a:xfrm>
-            <a:off x="207586" y="2087744"/>
-            <a:ext cx="8844617" cy="4378340"/>
-          </a:xfrm>
-          <a:prstGeom prst="rect">
-            <a:avLst/>
-          </a:prstGeom>
-        </p:spPr>
-      </p:pic>
-    </p:spTree>
-    <p:extLst>
-      <p:ext uri="{BB962C8B-B14F-4D97-AF65-F5344CB8AC3E}">
-        <p14:creationId xmlns:p14="http://schemas.microsoft.com/office/powerpoint/2010/main" val="1473290671"/>
-      </p:ext>
-    </p:extLst>
-  </p:cSld>
-  <p:clrMapOvr>
-    <a:masterClrMapping/>
-  </p:clrMapOvr>
-</p:sld>
-</file>
-
-<file path=ppt/slides/slide21.xml><?xml version="1.0" encoding="utf-8"?>
-<p:sld xmlns:a="http://schemas.openxmlformats.org/drawingml/2006/main" xmlns:r="http://schemas.openxmlformats.org/officeDocument/2006/relationships" xmlns:p="http://schemas.openxmlformats.org/presentationml/2006/main">
-  <p:cSld>
-    <p:spTree>
-      <p:nvGrpSpPr>
-        <p:cNvPr id="1" name=""/>
-        <p:cNvGrpSpPr/>
-        <p:nvPr/>
-      </p:nvGrpSpPr>
-      <p:grpSpPr>
-        <a:xfrm>
-          <a:off x="0" y="0"/>
-          <a:ext cx="0" cy="0"/>
-          <a:chOff x="0" y="0"/>
-          <a:chExt cx="0" cy="0"/>
-        </a:xfrm>
-      </p:grpSpPr>
-      <p:sp>
-        <p:nvSpPr>
-          <p:cNvPr id="2" name="タイトル 1"/>
-          <p:cNvSpPr>
-            <a:spLocks noGrp="1"/>
-          </p:cNvSpPr>
-          <p:nvPr>
-            <p:ph type="title"/>
-          </p:nvPr>
-        </p:nvSpPr>
-        <p:spPr/>
-        <p:txBody>
-          <a:bodyPr/>
-          <a:lstStyle/>
-          <a:p>
-            <a:r>
-              <a:rPr kumimoji="1" lang="ja-JP" altLang="en-US" dirty="0" smtClean="0"/>
-              <a:t>穴あき問題を作成する</a:t>
-            </a:r>
-            <a:endParaRPr kumimoji="1" lang="ja-JP" altLang="en-US" dirty="0"/>
-          </a:p>
-        </p:txBody>
-      </p:sp>
-      <p:sp>
-        <p:nvSpPr>
-          <p:cNvPr id="3" name="コンテンツ プレースホルダー 2"/>
-          <p:cNvSpPr>
-            <a:spLocks noGrp="1"/>
-          </p:cNvSpPr>
-          <p:nvPr>
-            <p:ph idx="1"/>
-          </p:nvPr>
-        </p:nvSpPr>
-        <p:spPr/>
-        <p:txBody>
-          <a:bodyPr/>
-          <a:lstStyle/>
-          <a:p>
-            <a:endParaRPr kumimoji="1" lang="ja-JP" altLang="en-US" dirty="0"/>
-          </a:p>
-        </p:txBody>
-      </p:sp>
-      <p:sp>
-        <p:nvSpPr>
-          <p:cNvPr id="4" name="スライド番号プレースホルダー 3"/>
-          <p:cNvSpPr>
-            <a:spLocks noGrp="1"/>
-          </p:cNvSpPr>
-          <p:nvPr>
-            <p:ph type="sldNum" sz="quarter" idx="12"/>
-          </p:nvPr>
-        </p:nvSpPr>
-        <p:spPr/>
-        <p:txBody>
-          <a:bodyPr/>
-          <a:lstStyle/>
-          <a:p>
-            <a:fld id="{4A32CB03-0843-4AF8-BFB2-C9917854BC7E}" type="slidenum">
-              <a:rPr kumimoji="1" lang="ja-JP" altLang="en-US" smtClean="0"/>
-              <a:t>21</a:t>
-            </a:fld>
-            <a:endParaRPr kumimoji="1" lang="ja-JP" altLang="en-US"/>
-          </a:p>
-        </p:txBody>
-      </p:sp>
-      <p:pic>
-        <p:nvPicPr>
-          <p:cNvPr id="5" name="図 4"/>
-          <p:cNvPicPr>
-            <a:picLocks noChangeAspect="1"/>
-          </p:cNvPicPr>
-          <p:nvPr/>
-        </p:nvPicPr>
-        <p:blipFill>
-          <a:blip r:embed="rId2"/>
-          <a:stretch>
-            <a:fillRect/>
-          </a:stretch>
-        </p:blipFill>
-        <p:spPr>
-          <a:xfrm>
-            <a:off x="472810" y="1825625"/>
-            <a:ext cx="8612668" cy="4243402"/>
-          </a:xfrm>
-          <a:prstGeom prst="rect">
-            <a:avLst/>
-          </a:prstGeom>
-        </p:spPr>
-      </p:pic>
-    </p:spTree>
-    <p:extLst>
-      <p:ext uri="{BB962C8B-B14F-4D97-AF65-F5344CB8AC3E}">
-        <p14:creationId xmlns:p14="http://schemas.microsoft.com/office/powerpoint/2010/main" val="4017269996"/>
-      </p:ext>
-    </p:extLst>
-  </p:cSld>
-  <p:clrMapOvr>
-    <a:masterClrMapping/>
-  </p:clrMapOvr>
-</p:sld>
-</file>
-
-<file path=ppt/slides/slide22.xml><?xml version="1.0" encoding="utf-8"?>
-<p:sld xmlns:a="http://schemas.openxmlformats.org/drawingml/2006/main" xmlns:r="http://schemas.openxmlformats.org/officeDocument/2006/relationships" xmlns:p="http://schemas.openxmlformats.org/presentationml/2006/main">
-  <p:cSld>
-    <p:spTree>
-      <p:nvGrpSpPr>
-        <p:cNvPr id="1" name=""/>
-        <p:cNvGrpSpPr/>
-        <p:nvPr/>
-      </p:nvGrpSpPr>
-      <p:grpSpPr>
-        <a:xfrm>
-          <a:off x="0" y="0"/>
-          <a:ext cx="0" cy="0"/>
-          <a:chOff x="0" y="0"/>
-          <a:chExt cx="0" cy="0"/>
-        </a:xfrm>
-      </p:grpSpPr>
-      <p:sp>
-        <p:nvSpPr>
-          <p:cNvPr id="2" name="タイトル 1"/>
-          <p:cNvSpPr>
-            <a:spLocks noGrp="1"/>
-          </p:cNvSpPr>
-          <p:nvPr>
-            <p:ph type="title"/>
-          </p:nvPr>
-        </p:nvSpPr>
-        <p:spPr/>
-        <p:txBody>
-          <a:bodyPr/>
-          <a:lstStyle/>
-          <a:p>
-            <a:r>
-              <a:rPr kumimoji="1" lang="ja-JP" altLang="en-US" dirty="0" smtClean="0"/>
-              <a:t>穴あき問題の作成</a:t>
-            </a:r>
-            <a:endParaRPr kumimoji="1" lang="ja-JP" altLang="en-US" dirty="0"/>
-          </a:p>
-        </p:txBody>
-      </p:sp>
-      <p:sp>
-        <p:nvSpPr>
-          <p:cNvPr id="3" name="コンテンツ プレースホルダー 2"/>
-          <p:cNvSpPr>
-            <a:spLocks noGrp="1"/>
-          </p:cNvSpPr>
-          <p:nvPr>
-            <p:ph idx="1"/>
-          </p:nvPr>
-        </p:nvSpPr>
-        <p:spPr/>
-        <p:txBody>
-          <a:bodyPr/>
-          <a:lstStyle/>
-          <a:p>
-            <a:r>
-              <a:rPr lang="ja-JP" altLang="en-US" dirty="0" smtClean="0"/>
-              <a:t>画面（</a:t>
-            </a:r>
-            <a:r>
-              <a:rPr lang="en-US" altLang="ja-JP" dirty="0" smtClean="0"/>
-              <a:t>7/9</a:t>
-            </a:r>
-            <a:r>
-              <a:rPr lang="ja-JP" altLang="en-US" dirty="0" smtClean="0"/>
-              <a:t>時点）の</a:t>
-            </a:r>
-            <a:r>
-              <a:rPr lang="en-US" altLang="ja-JP" dirty="0" smtClean="0"/>
-              <a:t>question2</a:t>
-            </a:r>
-            <a:r>
-              <a:rPr lang="ja-JP" altLang="en-US" dirty="0" smtClean="0"/>
-              <a:t>のボタンを押すとランダムで一か所を隠す</a:t>
-            </a:r>
-            <a:endParaRPr lang="en-US" altLang="ja-JP" dirty="0" smtClean="0"/>
-          </a:p>
-          <a:p>
-            <a:r>
-              <a:rPr lang="ja-JP" altLang="en-US" dirty="0"/>
-              <a:t>複</a:t>
-            </a:r>
-            <a:r>
-              <a:rPr lang="ja-JP" altLang="en-US" dirty="0" smtClean="0"/>
-              <a:t>数回押した場合は場所が変わる（隠れる場所は一か所）</a:t>
-            </a:r>
-            <a:endParaRPr lang="en-US" altLang="ja-JP" dirty="0" smtClean="0"/>
-          </a:p>
-          <a:p>
-            <a:r>
-              <a:rPr lang="ja-JP" altLang="en-US" dirty="0"/>
-              <a:t>これ</a:t>
-            </a:r>
-            <a:r>
-              <a:rPr lang="ja-JP" altLang="en-US" dirty="0" smtClean="0"/>
-              <a:t>はプログラムを変えれば複数個所を隠すことも可能</a:t>
-            </a:r>
-            <a:endParaRPr lang="en-US" altLang="ja-JP" dirty="0" smtClean="0"/>
-          </a:p>
-          <a:p>
-            <a:r>
-              <a:rPr lang="en-US" altLang="ja-JP" dirty="0" smtClean="0"/>
-              <a:t>Question1</a:t>
-            </a:r>
-            <a:r>
-              <a:rPr lang="ja-JP" altLang="en-US" dirty="0" smtClean="0"/>
-              <a:t>のボタンを押すと隠れていない状態のコードを表示</a:t>
-            </a:r>
-            <a:endParaRPr lang="en-US" altLang="ja-JP" dirty="0" smtClean="0"/>
-          </a:p>
-        </p:txBody>
-      </p:sp>
-      <p:sp>
-        <p:nvSpPr>
-          <p:cNvPr id="4" name="スライド番号プレースホルダー 3"/>
-          <p:cNvSpPr>
-            <a:spLocks noGrp="1"/>
-          </p:cNvSpPr>
-          <p:nvPr>
-            <p:ph type="sldNum" sz="quarter" idx="12"/>
-          </p:nvPr>
-        </p:nvSpPr>
-        <p:spPr/>
-        <p:txBody>
-          <a:bodyPr/>
-          <a:lstStyle/>
-          <a:p>
-            <a:fld id="{4A32CB03-0843-4AF8-BFB2-C9917854BC7E}" type="slidenum">
-              <a:rPr kumimoji="1" lang="ja-JP" altLang="en-US" smtClean="0"/>
-              <a:t>22</a:t>
-            </a:fld>
-            <a:endParaRPr kumimoji="1" lang="ja-JP" altLang="en-US"/>
-          </a:p>
-        </p:txBody>
-      </p:sp>
-    </p:spTree>
-    <p:extLst>
-      <p:ext uri="{BB962C8B-B14F-4D97-AF65-F5344CB8AC3E}">
-        <p14:creationId xmlns:p14="http://schemas.microsoft.com/office/powerpoint/2010/main" val="755709697"/>
-      </p:ext>
-    </p:extLst>
-  </p:cSld>
-  <p:clrMapOvr>
-    <a:masterClrMapping/>
-  </p:clrMapOvr>
-</p:sld>
-</file>
-
-<file path=ppt/slides/slide23.xml><?xml version="1.0" encoding="utf-8"?>
-<p:sld xmlns:a="http://schemas.openxmlformats.org/drawingml/2006/main" xmlns:r="http://schemas.openxmlformats.org/officeDocument/2006/relationships" xmlns:p="http://schemas.openxmlformats.org/presentationml/2006/main">
-  <p:cSld>
-    <p:spTree>
-      <p:nvGrpSpPr>
-        <p:cNvPr id="1" name=""/>
-        <p:cNvGrpSpPr/>
-        <p:nvPr/>
-      </p:nvGrpSpPr>
-      <p:grpSpPr>
-        <a:xfrm>
-          <a:off x="0" y="0"/>
-          <a:ext cx="0" cy="0"/>
-          <a:chOff x="0" y="0"/>
-          <a:chExt cx="0" cy="0"/>
-        </a:xfrm>
-      </p:grpSpPr>
-      <p:sp>
-        <p:nvSpPr>
-          <p:cNvPr id="2" name="タイトル 1"/>
-          <p:cNvSpPr>
-            <a:spLocks noGrp="1"/>
-          </p:cNvSpPr>
-          <p:nvPr>
-            <p:ph type="title"/>
-          </p:nvPr>
-        </p:nvSpPr>
-        <p:spPr/>
-        <p:txBody>
-          <a:bodyPr/>
-          <a:lstStyle/>
-          <a:p>
-            <a:r>
-              <a:rPr kumimoji="1" lang="ja-JP" altLang="en-US" dirty="0" smtClean="0"/>
-              <a:t>穴あき問題作成の問題点</a:t>
-            </a:r>
-            <a:endParaRPr kumimoji="1" lang="ja-JP" altLang="en-US" dirty="0"/>
-          </a:p>
-        </p:txBody>
-      </p:sp>
-      <p:sp>
-        <p:nvSpPr>
-          <p:cNvPr id="3" name="コンテンツ プレースホルダー 2"/>
-          <p:cNvSpPr>
-            <a:spLocks noGrp="1"/>
-          </p:cNvSpPr>
-          <p:nvPr>
-            <p:ph idx="1"/>
-          </p:nvPr>
-        </p:nvSpPr>
-        <p:spPr>
-          <a:xfrm>
-            <a:off x="628650" y="1825625"/>
-            <a:ext cx="8135024" cy="4351338"/>
-          </a:xfrm>
-        </p:spPr>
-        <p:txBody>
-          <a:bodyPr>
-            <a:normAutofit fontScale="85000" lnSpcReduction="20000"/>
-          </a:bodyPr>
-          <a:lstStyle/>
-          <a:p>
-            <a:pPr marL="0" indent="0">
-              <a:buNone/>
-            </a:pPr>
-            <a:r>
-              <a:rPr lang="ja-JP" altLang="en-US" dirty="0"/>
-              <a:t>現在の問題点：</a:t>
-            </a:r>
-          </a:p>
-          <a:p>
-            <a:pPr marL="0" indent="0">
-              <a:buNone/>
-            </a:pPr>
-            <a:r>
-              <a:rPr lang="ja-JP" altLang="en-US" dirty="0" smtClean="0"/>
-              <a:t>    現在</a:t>
-            </a:r>
-            <a:r>
-              <a:rPr lang="ja-JP" altLang="en-US" dirty="0"/>
-              <a:t>半角スペースを区切り文字として文字列を配列に変換している関係上、改行では区切られない</a:t>
-            </a:r>
-          </a:p>
-          <a:p>
-            <a:pPr marL="0" indent="0">
-              <a:buNone/>
-            </a:pPr>
-            <a:r>
-              <a:rPr lang="ja-JP" altLang="en-US" dirty="0"/>
-              <a:t>    →例えば</a:t>
-            </a:r>
-            <a:r>
-              <a:rPr lang="en-US" altLang="ja-JP" dirty="0"/>
-              <a:t>else:</a:t>
-            </a:r>
-            <a:r>
-              <a:rPr lang="ja-JP" altLang="en-US" dirty="0"/>
-              <a:t>などの次に改行し、次の行で書き始めた最後の単語までを一つとして分かれている</a:t>
-            </a:r>
-          </a:p>
-          <a:p>
-            <a:pPr marL="0" indent="0">
-              <a:buNone/>
-            </a:pPr>
-            <a:r>
-              <a:rPr lang="ja-JP" altLang="en-US" dirty="0"/>
-              <a:t>    →改行を区切り文字として含めるとインデントが消える</a:t>
-            </a:r>
-          </a:p>
-          <a:p>
-            <a:pPr marL="0" indent="0">
-              <a:buNone/>
-            </a:pPr>
-            <a:r>
-              <a:rPr lang="ja-JP" altLang="en-US" dirty="0"/>
-              <a:t>    </a:t>
-            </a:r>
-            <a:r>
-              <a:rPr lang="en-US" altLang="ja-JP" dirty="0"/>
-              <a:t>print()</a:t>
-            </a:r>
-            <a:r>
-              <a:rPr lang="ja-JP" altLang="en-US" dirty="0" err="1"/>
-              <a:t>のように</a:t>
-            </a:r>
-            <a:r>
-              <a:rPr lang="ja-JP" altLang="en-US" dirty="0"/>
-              <a:t>関数が含まれる場合に、</a:t>
-            </a:r>
-            <a:r>
-              <a:rPr lang="en-US" altLang="ja-JP" dirty="0"/>
-              <a:t>print("hello world")</a:t>
-            </a:r>
-            <a:r>
-              <a:rPr lang="ja-JP" altLang="en-US" dirty="0"/>
-              <a:t>の”</a:t>
-            </a:r>
-            <a:r>
-              <a:rPr lang="en-US" altLang="ja-JP" dirty="0"/>
-              <a:t>print("hello”</a:t>
-            </a:r>
-            <a:r>
-              <a:rPr lang="ja-JP" altLang="en-US" dirty="0" err="1"/>
-              <a:t>までを</a:t>
-            </a:r>
-            <a:r>
-              <a:rPr lang="ja-JP" altLang="en-US" dirty="0"/>
-              <a:t>単語として認識している</a:t>
-            </a:r>
-          </a:p>
-          <a:p>
-            <a:pPr marL="0" indent="0">
-              <a:buNone/>
-            </a:pPr>
-            <a:r>
-              <a:rPr lang="ja-JP" altLang="en-US" dirty="0"/>
-              <a:t>    →穴埋めを生成するにあたって、</a:t>
-            </a:r>
-            <a:r>
-              <a:rPr lang="en-US" altLang="ja-JP" dirty="0"/>
-              <a:t>()</a:t>
-            </a:r>
-            <a:r>
-              <a:rPr lang="ja-JP" altLang="en-US" dirty="0"/>
-              <a:t>などを認識して区切りたい</a:t>
-            </a:r>
-          </a:p>
-          <a:p>
-            <a:pPr marL="0" indent="0">
-              <a:buNone/>
-            </a:pPr>
-            <a:r>
-              <a:rPr lang="ja-JP" altLang="en-US" dirty="0"/>
-              <a:t>    →（）は配列（文章）に</a:t>
-            </a:r>
-            <a:r>
-              <a:rPr lang="ja-JP" altLang="en-US"/>
-              <a:t>残して</a:t>
-            </a:r>
-            <a:r>
-              <a:rPr lang="ja-JP" altLang="en-US" smtClean="0"/>
-              <a:t>おきたい</a:t>
-            </a:r>
-            <a:endParaRPr lang="ja-JP" altLang="en-US" dirty="0"/>
-          </a:p>
-          <a:p>
-            <a:endParaRPr kumimoji="1" lang="ja-JP" altLang="en-US" dirty="0"/>
-          </a:p>
-        </p:txBody>
-      </p:sp>
-      <p:sp>
-        <p:nvSpPr>
-          <p:cNvPr id="4" name="スライド番号プレースホルダー 3"/>
-          <p:cNvSpPr>
-            <a:spLocks noGrp="1"/>
-          </p:cNvSpPr>
-          <p:nvPr>
-            <p:ph type="sldNum" sz="quarter" idx="12"/>
-          </p:nvPr>
-        </p:nvSpPr>
-        <p:spPr/>
-        <p:txBody>
-          <a:bodyPr/>
-          <a:lstStyle/>
-          <a:p>
-            <a:fld id="{4A32CB03-0843-4AF8-BFB2-C9917854BC7E}" type="slidenum">
-              <a:rPr kumimoji="1" lang="ja-JP" altLang="en-US" smtClean="0"/>
-              <a:t>23</a:t>
-            </a:fld>
-            <a:endParaRPr kumimoji="1" lang="ja-JP" altLang="en-US"/>
-          </a:p>
-        </p:txBody>
-      </p:sp>
-    </p:spTree>
-    <p:extLst>
-      <p:ext uri="{BB962C8B-B14F-4D97-AF65-F5344CB8AC3E}">
-        <p14:creationId xmlns:p14="http://schemas.microsoft.com/office/powerpoint/2010/main" val="2927240973"/>
-      </p:ext>
-    </p:extLst>
-  </p:cSld>
-  <p:clrMapOvr>
-    <a:masterClrMapping/>
-  </p:clrMapOvr>
-</p:sld>
-</file>
-
-<file path=ppt/slides/slide3.xml><?xml version="1.0" encoding="utf-8"?>
-<p:sld xmlns:a="http://schemas.openxmlformats.org/drawingml/2006/main" xmlns:r="http://schemas.openxmlformats.org/officeDocument/2006/relationships" xmlns:p="http://schemas.openxmlformats.org/presentationml/2006/main">
-  <p:cSld>
-    <p:spTree>
-      <p:nvGrpSpPr>
-        <p:cNvPr id="1" name=""/>
-        <p:cNvGrpSpPr/>
-        <p:nvPr/>
-      </p:nvGrpSpPr>
-      <p:grpSpPr>
-        <a:xfrm>
-          <a:off x="0" y="0"/>
-          <a:ext cx="0" cy="0"/>
-          <a:chOff x="0" y="0"/>
-          <a:chExt cx="0" cy="0"/>
-        </a:xfrm>
-      </p:grpSpPr>
-      <p:sp>
-        <p:nvSpPr>
-          <p:cNvPr id="2" name="タイトル 1"/>
-          <p:cNvSpPr>
-            <a:spLocks noGrp="1"/>
-          </p:cNvSpPr>
-          <p:nvPr>
-            <p:ph type="title"/>
-          </p:nvPr>
-        </p:nvSpPr>
-        <p:spPr/>
-        <p:txBody>
-          <a:bodyPr/>
-          <a:lstStyle/>
-          <a:p>
-            <a:r>
-              <a:rPr kumimoji="1" lang="ja-JP" altLang="en-US" dirty="0" smtClean="0"/>
-              <a:t>ブロックプログラミングとは何か</a:t>
-            </a:r>
-            <a:endParaRPr kumimoji="1" lang="ja-JP" altLang="en-US" dirty="0"/>
-          </a:p>
-        </p:txBody>
-      </p:sp>
-      <p:sp>
-        <p:nvSpPr>
-          <p:cNvPr id="4" name="スライド番号プレースホルダー 3"/>
-          <p:cNvSpPr>
-            <a:spLocks noGrp="1"/>
-          </p:cNvSpPr>
-          <p:nvPr>
-            <p:ph type="sldNum" sz="quarter" idx="12"/>
-          </p:nvPr>
-        </p:nvSpPr>
-        <p:spPr/>
-        <p:txBody>
-          <a:bodyPr/>
-          <a:lstStyle/>
-          <a:p>
-            <a:fld id="{4A32CB03-0843-4AF8-BFB2-C9917854BC7E}" type="slidenum">
-              <a:rPr kumimoji="1" lang="ja-JP" altLang="en-US" sz="2400" smtClean="0"/>
-              <a:t>3</a:t>
-            </a:fld>
-            <a:endParaRPr kumimoji="1" lang="ja-JP" altLang="en-US" sz="2400" dirty="0"/>
-          </a:p>
-        </p:txBody>
-      </p:sp>
-      <p:pic>
-        <p:nvPicPr>
-          <p:cNvPr id="6" name="図 5"/>
-          <p:cNvPicPr>
-            <a:picLocks noChangeAspect="1"/>
-          </p:cNvPicPr>
-          <p:nvPr/>
-        </p:nvPicPr>
-        <p:blipFill>
-          <a:blip r:embed="rId2"/>
-          <a:stretch>
-            <a:fillRect/>
-          </a:stretch>
-        </p:blipFill>
-        <p:spPr>
-          <a:xfrm>
-            <a:off x="1169330" y="2592109"/>
-            <a:ext cx="6929652" cy="3860449"/>
-          </a:xfrm>
-          <a:prstGeom prst="rect">
-            <a:avLst/>
-          </a:prstGeom>
-        </p:spPr>
-      </p:pic>
-      <p:sp>
-        <p:nvSpPr>
-          <p:cNvPr id="7" name="テキスト ボックス 6"/>
-          <p:cNvSpPr txBox="1"/>
-          <p:nvPr/>
-        </p:nvSpPr>
-        <p:spPr>
-          <a:xfrm>
-            <a:off x="751959" y="1980429"/>
-            <a:ext cx="8392041" cy="707886"/>
-          </a:xfrm>
-          <a:prstGeom prst="rect">
-            <a:avLst/>
-          </a:prstGeom>
-          <a:noFill/>
-        </p:spPr>
-        <p:txBody>
-          <a:bodyPr wrap="none" rtlCol="0">
-            <a:spAutoFit/>
-          </a:bodyPr>
-          <a:lstStyle/>
-          <a:p>
-            <a:r>
-              <a:rPr kumimoji="1" lang="ja-JP" altLang="en-US" sz="2000" dirty="0" smtClean="0"/>
-              <a:t>ビジュアルプログラミングとも呼ばれる</a:t>
-            </a:r>
-            <a:endParaRPr kumimoji="1" lang="en-US" altLang="ja-JP" sz="2000" dirty="0" smtClean="0"/>
-          </a:p>
-          <a:p>
-            <a:r>
-              <a:rPr kumimoji="1" lang="ja-JP" altLang="en-US" sz="2000" dirty="0" smtClean="0"/>
-              <a:t>命令を埋め込まれたブロックを組み合わせるプログラミング手法のこと</a:t>
-            </a:r>
-            <a:endParaRPr kumimoji="1" lang="ja-JP" altLang="en-US" sz="2000" dirty="0"/>
-          </a:p>
-        </p:txBody>
-      </p:sp>
-    </p:spTree>
-    <p:extLst>
-      <p:ext uri="{BB962C8B-B14F-4D97-AF65-F5344CB8AC3E}">
-        <p14:creationId xmlns:p14="http://schemas.microsoft.com/office/powerpoint/2010/main" val="1081448831"/>
-      </p:ext>
-    </p:extLst>
-  </p:cSld>
-  <p:clrMapOvr>
-    <a:masterClrMapping/>
-  </p:clrMapOvr>
-</p:sld>
-</file>
-
-<file path=ppt/slides/slide4.xml><?xml version="1.0" encoding="utf-8"?>
-<p:sld xmlns:a="http://schemas.openxmlformats.org/drawingml/2006/main" xmlns:r="http://schemas.openxmlformats.org/officeDocument/2006/relationships" xmlns:p="http://schemas.openxmlformats.org/presentationml/2006/main">
-  <p:cSld>
-    <p:spTree>
-      <p:nvGrpSpPr>
-        <p:cNvPr id="1" name=""/>
-        <p:cNvGrpSpPr/>
-        <p:nvPr/>
-      </p:nvGrpSpPr>
-      <p:grpSpPr>
-        <a:xfrm>
-          <a:off x="0" y="0"/>
-          <a:ext cx="0" cy="0"/>
-          <a:chOff x="0" y="0"/>
-          <a:chExt cx="0" cy="0"/>
-        </a:xfrm>
-      </p:grpSpPr>
-      <p:sp>
-        <p:nvSpPr>
-          <p:cNvPr id="2" name="タイトル 1"/>
-          <p:cNvSpPr>
-            <a:spLocks noGrp="1"/>
-          </p:cNvSpPr>
-          <p:nvPr>
-            <p:ph type="title"/>
-          </p:nvPr>
-        </p:nvSpPr>
-        <p:spPr/>
-        <p:txBody>
-          <a:bodyPr/>
-          <a:lstStyle/>
-          <a:p>
-            <a:r>
-              <a:rPr kumimoji="1" lang="ja-JP" altLang="en-US" dirty="0" smtClean="0"/>
-              <a:t>研究背景</a:t>
-            </a:r>
-            <a:endParaRPr kumimoji="1" lang="ja-JP" altLang="en-US" dirty="0"/>
-          </a:p>
-        </p:txBody>
-      </p:sp>
-      <p:sp>
-        <p:nvSpPr>
-          <p:cNvPr id="3" name="コンテンツ プレースホルダー 2"/>
-          <p:cNvSpPr>
-            <a:spLocks noGrp="1"/>
-          </p:cNvSpPr>
-          <p:nvPr>
-            <p:ph idx="1"/>
-          </p:nvPr>
-        </p:nvSpPr>
-        <p:spPr/>
-        <p:txBody>
-          <a:bodyPr/>
-          <a:lstStyle/>
-          <a:p>
-            <a:r>
-              <a:rPr lang="ja-JP" altLang="en-US" dirty="0" smtClean="0"/>
-              <a:t>必修化</a:t>
-            </a:r>
-            <a:r>
-              <a:rPr lang="ja-JP" altLang="en-US" dirty="0"/>
-              <a:t>となって</a:t>
-            </a:r>
-            <a:r>
-              <a:rPr lang="ja-JP" altLang="en-US" dirty="0" smtClean="0"/>
-              <a:t>いくプログラミングについて、中高生が勉強するために、教科書を読むだけでは難しい方が考えられる。そのような方が実際にプログラミングに触れてみれるような環境を作成したい</a:t>
-            </a:r>
-            <a:endParaRPr lang="en-US" altLang="ja-JP" dirty="0" smtClean="0"/>
-          </a:p>
-        </p:txBody>
-      </p:sp>
-      <p:sp>
-        <p:nvSpPr>
-          <p:cNvPr id="4" name="スライド番号プレースホルダー 3"/>
-          <p:cNvSpPr>
-            <a:spLocks noGrp="1"/>
-          </p:cNvSpPr>
-          <p:nvPr>
-            <p:ph type="sldNum" sz="quarter" idx="12"/>
-          </p:nvPr>
-        </p:nvSpPr>
-        <p:spPr/>
-        <p:txBody>
-          <a:bodyPr/>
-          <a:lstStyle/>
-          <a:p>
-            <a:fld id="{4A32CB03-0843-4AF8-BFB2-C9917854BC7E}" type="slidenum">
-              <a:rPr kumimoji="1" lang="ja-JP" altLang="en-US" sz="2800" smtClean="0"/>
-              <a:t>4</a:t>
-            </a:fld>
-            <a:endParaRPr kumimoji="1" lang="ja-JP" altLang="en-US" sz="2800" dirty="0"/>
-          </a:p>
-        </p:txBody>
-      </p:sp>
-    </p:spTree>
-    <p:extLst>
-      <p:ext uri="{BB962C8B-B14F-4D97-AF65-F5344CB8AC3E}">
-        <p14:creationId xmlns:p14="http://schemas.microsoft.com/office/powerpoint/2010/main" val="1938097084"/>
-      </p:ext>
-    </p:extLst>
-  </p:cSld>
-  <p:clrMapOvr>
-    <a:masterClrMapping/>
-  </p:clrMapOvr>
-</p:sld>
-</file>
-
-<file path=ppt/slides/slide5.xml><?xml version="1.0" encoding="utf-8"?>
-<p:sld xmlns:a="http://schemas.openxmlformats.org/drawingml/2006/main" xmlns:r="http://schemas.openxmlformats.org/officeDocument/2006/relationships" xmlns:p="http://schemas.openxmlformats.org/presentationml/2006/main">
-  <p:cSld>
-    <p:spTree>
-      <p:nvGrpSpPr>
-        <p:cNvPr id="1" name=""/>
-        <p:cNvGrpSpPr/>
-        <p:nvPr/>
-      </p:nvGrpSpPr>
-      <p:grpSpPr>
-        <a:xfrm>
-          <a:off x="0" y="0"/>
-          <a:ext cx="0" cy="0"/>
-          <a:chOff x="0" y="0"/>
-          <a:chExt cx="0" cy="0"/>
-        </a:xfrm>
-      </p:grpSpPr>
-      <p:sp>
-        <p:nvSpPr>
-          <p:cNvPr id="2" name="タイトル 1"/>
-          <p:cNvSpPr>
-            <a:spLocks noGrp="1"/>
-          </p:cNvSpPr>
-          <p:nvPr>
-            <p:ph type="title"/>
-          </p:nvPr>
-        </p:nvSpPr>
-        <p:spPr/>
-        <p:txBody>
-          <a:bodyPr/>
-          <a:lstStyle/>
-          <a:p>
-            <a:r>
-              <a:rPr kumimoji="1" lang="ja-JP" altLang="en-US" dirty="0" smtClean="0"/>
-              <a:t>提案内容</a:t>
-            </a:r>
-            <a:endParaRPr kumimoji="1" lang="ja-JP" altLang="en-US" dirty="0"/>
-          </a:p>
-        </p:txBody>
-      </p:sp>
-      <p:sp>
-        <p:nvSpPr>
-          <p:cNvPr id="3" name="コンテンツ プレースホルダー 2"/>
-          <p:cNvSpPr>
-            <a:spLocks noGrp="1"/>
-          </p:cNvSpPr>
-          <p:nvPr>
-            <p:ph idx="1"/>
-          </p:nvPr>
-        </p:nvSpPr>
-        <p:spPr/>
-        <p:txBody>
-          <a:bodyPr>
-            <a:normAutofit/>
-          </a:bodyPr>
-          <a:lstStyle/>
-          <a:p>
-            <a:r>
-              <a:rPr lang="ja-JP" altLang="en-US" dirty="0"/>
-              <a:t>直観的に理解のしやすいブロックプログラミングにより、プログラミングの論理的思考を身に</a:t>
-            </a:r>
-            <a:r>
-              <a:rPr lang="ja-JP" altLang="en-US" dirty="0" smtClean="0"/>
-              <a:t>着けられるシステムを提案する</a:t>
-            </a:r>
-            <a:endParaRPr lang="en-US" altLang="ja-JP" dirty="0" smtClean="0"/>
-          </a:p>
-          <a:p>
-            <a:r>
-              <a:rPr lang="ja-JP" altLang="en-US" dirty="0" smtClean="0"/>
-              <a:t>ブロックプログラミングからブロックリーによるコードへの変換を利用し、プログラミング言語への理解を深められるシステムを提案</a:t>
-            </a:r>
-            <a:endParaRPr lang="en-US" altLang="ja-JP" dirty="0" smtClean="0"/>
-          </a:p>
-          <a:p>
-            <a:r>
-              <a:rPr lang="ja-JP" altLang="en-US" dirty="0"/>
-              <a:t>穴埋め</a:t>
-            </a:r>
-            <a:r>
-              <a:rPr lang="ja-JP" altLang="en-US" dirty="0" smtClean="0"/>
-              <a:t>問題などを利用し、よりプログラミングにユーザが慣れていける環境を提案</a:t>
-            </a:r>
-            <a:endParaRPr lang="en-US" altLang="ja-JP" dirty="0" smtClean="0"/>
-          </a:p>
-          <a:p>
-            <a:endParaRPr kumimoji="1" lang="en-US" altLang="ja-JP" dirty="0"/>
-          </a:p>
-          <a:p>
-            <a:endParaRPr kumimoji="1" lang="ja-JP" altLang="en-US" dirty="0"/>
-          </a:p>
-        </p:txBody>
-      </p:sp>
-      <p:sp>
-        <p:nvSpPr>
-          <p:cNvPr id="4" name="スライド番号プレースホルダー 3"/>
-          <p:cNvSpPr>
-            <a:spLocks noGrp="1"/>
-          </p:cNvSpPr>
-          <p:nvPr>
-            <p:ph type="sldNum" sz="quarter" idx="12"/>
-          </p:nvPr>
-        </p:nvSpPr>
-        <p:spPr/>
-        <p:txBody>
-          <a:bodyPr/>
-          <a:lstStyle/>
-          <a:p>
-            <a:fld id="{4A32CB03-0843-4AF8-BFB2-C9917854BC7E}" type="slidenum">
-              <a:rPr kumimoji="1" lang="ja-JP" altLang="en-US" sz="2800" smtClean="0"/>
-              <a:t>5</a:t>
-            </a:fld>
-            <a:endParaRPr kumimoji="1" lang="ja-JP" altLang="en-US" sz="2800" dirty="0"/>
-          </a:p>
-        </p:txBody>
-      </p:sp>
-    </p:spTree>
-    <p:extLst>
-      <p:ext uri="{BB962C8B-B14F-4D97-AF65-F5344CB8AC3E}">
-        <p14:creationId xmlns:p14="http://schemas.microsoft.com/office/powerpoint/2010/main" val="354179094"/>
-      </p:ext>
-    </p:extLst>
-  </p:cSld>
-  <p:clrMapOvr>
-    <a:masterClrMapping/>
-  </p:clrMapOvr>
-</p:sld>
-</file>
-
-<file path=ppt/slides/slide6.xml><?xml version="1.0" encoding="utf-8"?>
-<p:sld xmlns:a="http://schemas.openxmlformats.org/drawingml/2006/main" xmlns:r="http://schemas.openxmlformats.org/officeDocument/2006/relationships" xmlns:p="http://schemas.openxmlformats.org/presentationml/2006/main">
-  <p:cSld>
-    <p:spTree>
-      <p:nvGrpSpPr>
-        <p:cNvPr id="1" name=""/>
-        <p:cNvGrpSpPr/>
-        <p:nvPr/>
-      </p:nvGrpSpPr>
-      <p:grpSpPr>
-        <a:xfrm>
-          <a:off x="0" y="0"/>
-          <a:ext cx="0" cy="0"/>
-          <a:chOff x="0" y="0"/>
-          <a:chExt cx="0" cy="0"/>
-        </a:xfrm>
-      </p:grpSpPr>
-      <p:sp>
-        <p:nvSpPr>
-          <p:cNvPr id="2" name="タイトル 1"/>
-          <p:cNvSpPr>
-            <a:spLocks noGrp="1"/>
-          </p:cNvSpPr>
-          <p:nvPr>
-            <p:ph type="title"/>
-          </p:nvPr>
-        </p:nvSpPr>
-        <p:spPr/>
-        <p:txBody>
-          <a:bodyPr/>
-          <a:lstStyle/>
-          <a:p>
-            <a:r>
-              <a:rPr kumimoji="1" lang="ja-JP" altLang="en-US" dirty="0" smtClean="0"/>
-              <a:t>研究動機</a:t>
-            </a:r>
-            <a:endParaRPr kumimoji="1" lang="ja-JP" altLang="en-US" dirty="0"/>
-          </a:p>
-        </p:txBody>
-      </p:sp>
-      <p:sp>
-        <p:nvSpPr>
-          <p:cNvPr id="3" name="コンテンツ プレースホルダー 2"/>
-          <p:cNvSpPr>
-            <a:spLocks noGrp="1"/>
-          </p:cNvSpPr>
-          <p:nvPr>
-            <p:ph idx="1"/>
-          </p:nvPr>
-        </p:nvSpPr>
-        <p:spPr/>
-        <p:txBody>
-          <a:bodyPr/>
-          <a:lstStyle/>
-          <a:p>
-            <a:r>
-              <a:rPr kumimoji="1" lang="en-US" altLang="ja-JP" dirty="0" err="1" smtClean="0"/>
-              <a:t>Blockly</a:t>
-            </a:r>
-            <a:r>
-              <a:rPr lang="ja-JP" altLang="en-US" dirty="0"/>
-              <a:t>に</a:t>
-            </a:r>
-            <a:r>
-              <a:rPr lang="ja-JP" altLang="en-US" dirty="0" smtClean="0"/>
-              <a:t>よるブロックプログラムとプログラミング言語によるコーディングへの変換により、学習環境を作成</a:t>
-            </a:r>
-            <a:endParaRPr lang="en-US" altLang="ja-JP" dirty="0" smtClean="0"/>
-          </a:p>
-          <a:p>
-            <a:pPr marL="0" indent="0">
-              <a:buNone/>
-            </a:pPr>
-            <a:endParaRPr lang="en-US" altLang="ja-JP" dirty="0" smtClean="0"/>
-          </a:p>
-          <a:p>
-            <a:r>
-              <a:rPr kumimoji="1" lang="ja-JP" altLang="en-US" dirty="0" smtClean="0"/>
-              <a:t>穴埋め問題にするアルゴリズム</a:t>
-            </a:r>
-            <a:r>
-              <a:rPr lang="ja-JP" altLang="en-US" dirty="0" smtClean="0"/>
-              <a:t>を提案することで学習の幅を広げる</a:t>
-            </a:r>
-            <a:endParaRPr kumimoji="1" lang="en-US" altLang="ja-JP" dirty="0" smtClean="0"/>
-          </a:p>
-          <a:p>
-            <a:endParaRPr lang="en-US" altLang="ja-JP" dirty="0"/>
-          </a:p>
-          <a:p>
-            <a:endParaRPr kumimoji="1" lang="ja-JP" altLang="en-US" dirty="0"/>
-          </a:p>
-        </p:txBody>
-      </p:sp>
-      <p:sp>
-        <p:nvSpPr>
-          <p:cNvPr id="4" name="スライド番号プレースホルダー 3"/>
-          <p:cNvSpPr>
-            <a:spLocks noGrp="1"/>
-          </p:cNvSpPr>
-          <p:nvPr>
-            <p:ph type="sldNum" sz="quarter" idx="12"/>
-          </p:nvPr>
-        </p:nvSpPr>
-        <p:spPr/>
-        <p:txBody>
-          <a:bodyPr/>
-          <a:lstStyle/>
-          <a:p>
-            <a:fld id="{4A32CB03-0843-4AF8-BFB2-C9917854BC7E}" type="slidenum">
-              <a:rPr kumimoji="1" lang="ja-JP" altLang="en-US" sz="2400" smtClean="0"/>
-              <a:t>6</a:t>
-            </a:fld>
-            <a:endParaRPr kumimoji="1" lang="ja-JP" altLang="en-US" sz="2400" dirty="0"/>
-          </a:p>
-        </p:txBody>
-      </p:sp>
-    </p:spTree>
-    <p:extLst>
-      <p:ext uri="{BB962C8B-B14F-4D97-AF65-F5344CB8AC3E}">
-        <p14:creationId xmlns:p14="http://schemas.microsoft.com/office/powerpoint/2010/main" val="1632152331"/>
-      </p:ext>
-    </p:extLst>
-  </p:cSld>
-  <p:clrMapOvr>
-    <a:masterClrMapping/>
-  </p:clrMapOvr>
-</p:sld>
-</file>
-
-<file path=ppt/slides/slide7.xml><?xml version="1.0" encoding="utf-8"?>
-<p:sld xmlns:a="http://schemas.openxmlformats.org/drawingml/2006/main" xmlns:r="http://schemas.openxmlformats.org/officeDocument/2006/relationships" xmlns:p="http://schemas.openxmlformats.org/presentationml/2006/main">
-  <p:cSld>
-    <p:spTree>
-      <p:nvGrpSpPr>
-        <p:cNvPr id="1" name=""/>
-        <p:cNvGrpSpPr/>
-        <p:nvPr/>
-      </p:nvGrpSpPr>
-      <p:grpSpPr>
-        <a:xfrm>
-          <a:off x="0" y="0"/>
-          <a:ext cx="0" cy="0"/>
-          <a:chOff x="0" y="0"/>
-          <a:chExt cx="0" cy="0"/>
-        </a:xfrm>
-      </p:grpSpPr>
-      <p:sp>
-        <p:nvSpPr>
-          <p:cNvPr id="2" name="タイトル 1"/>
-          <p:cNvSpPr>
-            <a:spLocks noGrp="1"/>
-          </p:cNvSpPr>
-          <p:nvPr>
-            <p:ph type="title"/>
-          </p:nvPr>
-        </p:nvSpPr>
-        <p:spPr/>
-        <p:txBody>
-          <a:bodyPr/>
-          <a:lstStyle/>
-          <a:p>
-            <a:r>
-              <a:rPr kumimoji="1" lang="ja-JP" altLang="en-US" dirty="0" smtClean="0"/>
-              <a:t>研究課題について</a:t>
-            </a:r>
-            <a:endParaRPr kumimoji="1" lang="ja-JP" altLang="en-US" dirty="0"/>
-          </a:p>
-        </p:txBody>
-      </p:sp>
-      <p:sp>
-        <p:nvSpPr>
-          <p:cNvPr id="3" name="コンテンツ プレースホルダー 2"/>
-          <p:cNvSpPr>
-            <a:spLocks noGrp="1"/>
-          </p:cNvSpPr>
-          <p:nvPr>
-            <p:ph idx="1"/>
-          </p:nvPr>
-        </p:nvSpPr>
-        <p:spPr/>
-        <p:txBody>
-          <a:bodyPr>
-            <a:normAutofit lnSpcReduction="10000"/>
-          </a:bodyPr>
-          <a:lstStyle/>
-          <a:p>
-            <a:r>
-              <a:rPr kumimoji="1" lang="ja-JP" altLang="en-US" dirty="0" smtClean="0"/>
-              <a:t>現在ブロックプログラムからプログラミング言語に変換の原理を理解し、自分で扱えるようにする</a:t>
-            </a:r>
-            <a:endParaRPr kumimoji="1" lang="en-US" altLang="ja-JP" dirty="0" smtClean="0"/>
-          </a:p>
-          <a:p>
-            <a:pPr lvl="1"/>
-            <a:r>
-              <a:rPr lang="ja-JP" altLang="en-US" dirty="0" smtClean="0"/>
-              <a:t>言語ジェネレータというものがブロックリーでは用意されているので、勉強する</a:t>
-            </a:r>
-            <a:endParaRPr kumimoji="1" lang="en-US" altLang="ja-JP" dirty="0" smtClean="0"/>
-          </a:p>
-          <a:p>
-            <a:pPr lvl="1"/>
-            <a:endParaRPr kumimoji="1" lang="en-US" altLang="ja-JP" dirty="0" smtClean="0"/>
-          </a:p>
-          <a:p>
-            <a:r>
-              <a:rPr lang="ja-JP" altLang="en-US" dirty="0" smtClean="0"/>
-              <a:t>穴埋めにするアルゴリズムの考案</a:t>
-            </a:r>
-            <a:r>
-              <a:rPr kumimoji="1" lang="ja-JP" altLang="en-US" dirty="0" smtClean="0"/>
-              <a:t>関数名、変数名などを優先的に穴埋めにしたいと考えている</a:t>
-            </a:r>
-            <a:endParaRPr kumimoji="1" lang="en-US" altLang="ja-JP" dirty="0" smtClean="0"/>
-          </a:p>
-          <a:p>
-            <a:pPr lvl="1"/>
-            <a:r>
-              <a:rPr kumimoji="1" lang="ja-JP" altLang="en-US" dirty="0" smtClean="0"/>
-              <a:t>どの部分が穴埋めにしたい部分なのかを判断する方法を思いついていない</a:t>
-            </a:r>
-            <a:endParaRPr kumimoji="1" lang="en-US" altLang="ja-JP" dirty="0" smtClean="0"/>
-          </a:p>
-          <a:p>
-            <a:pPr lvl="1"/>
-            <a:r>
-              <a:rPr lang="ja-JP" altLang="en-US" dirty="0" smtClean="0"/>
-              <a:t>一部のプログラミングをランダムに抜いて、その部分を穴埋め</a:t>
-            </a:r>
-            <a:endParaRPr lang="en-US" altLang="ja-JP" dirty="0" smtClean="0"/>
-          </a:p>
-          <a:p>
-            <a:endParaRPr lang="en-US" altLang="ja-JP" dirty="0" smtClean="0"/>
-          </a:p>
-        </p:txBody>
-      </p:sp>
-      <p:sp>
-        <p:nvSpPr>
-          <p:cNvPr id="4" name="スライド番号プレースホルダー 3"/>
-          <p:cNvSpPr>
-            <a:spLocks noGrp="1"/>
-          </p:cNvSpPr>
-          <p:nvPr>
-            <p:ph type="sldNum" sz="quarter" idx="12"/>
-          </p:nvPr>
-        </p:nvSpPr>
-        <p:spPr/>
-        <p:txBody>
-          <a:bodyPr/>
-          <a:lstStyle/>
-          <a:p>
-            <a:fld id="{010A43D1-8C5F-4BB5-96AD-6A66B588192F}" type="slidenum">
-              <a:rPr kumimoji="1" lang="ja-JP" altLang="en-US" sz="2400" smtClean="0"/>
-              <a:t>7</a:t>
-            </a:fld>
-            <a:endParaRPr kumimoji="1" lang="ja-JP" altLang="en-US" sz="2400" dirty="0"/>
-          </a:p>
-        </p:txBody>
-      </p:sp>
-    </p:spTree>
-    <p:extLst>
-      <p:ext uri="{BB962C8B-B14F-4D97-AF65-F5344CB8AC3E}">
-        <p14:creationId xmlns:p14="http://schemas.microsoft.com/office/powerpoint/2010/main" val="4275672017"/>
-      </p:ext>
-    </p:extLst>
-  </p:cSld>
-  <p:clrMapOvr>
-    <a:masterClrMapping/>
-  </p:clrMapOvr>
-  <p:timing>
-    <p:tnLst>
-      <p:par>
-        <p:cTn id="1" dur="indefinite" restart="never" nodeType="tmRoot"/>
-      </p:par>
-    </p:tnLst>
-  </p:timing>
-</p:sld>
-</file>
-
-<file path=ppt/slides/slide8.xml><?xml version="1.0" encoding="utf-8"?>
-<p:sld xmlns:a="http://schemas.openxmlformats.org/drawingml/2006/main" xmlns:r="http://schemas.openxmlformats.org/officeDocument/2006/relationships" xmlns:p="http://schemas.openxmlformats.org/presentationml/2006/main">
-  <p:cSld>
-    <p:spTree>
-      <p:nvGrpSpPr>
-        <p:cNvPr id="1" name=""/>
-        <p:cNvGrpSpPr/>
-        <p:nvPr/>
-      </p:nvGrpSpPr>
-      <p:grpSpPr>
-        <a:xfrm>
-          <a:off x="0" y="0"/>
-          <a:ext cx="0" cy="0"/>
-          <a:chOff x="0" y="0"/>
-          <a:chExt cx="0" cy="0"/>
-        </a:xfrm>
-      </p:grpSpPr>
-      <p:sp>
-        <p:nvSpPr>
-          <p:cNvPr id="2" name="タイトル 1"/>
-          <p:cNvSpPr>
-            <a:spLocks noGrp="1"/>
-          </p:cNvSpPr>
-          <p:nvPr>
-            <p:ph type="title"/>
-          </p:nvPr>
-        </p:nvSpPr>
-        <p:spPr/>
-        <p:txBody>
-          <a:bodyPr/>
-          <a:lstStyle/>
-          <a:p>
-            <a:r>
-              <a:rPr kumimoji="1" lang="en-US" altLang="ja-JP" dirty="0" smtClean="0"/>
-              <a:t>Node.js</a:t>
-            </a:r>
-            <a:endParaRPr kumimoji="1" lang="ja-JP" altLang="en-US" dirty="0"/>
-          </a:p>
-        </p:txBody>
-      </p:sp>
-      <p:sp>
-        <p:nvSpPr>
-          <p:cNvPr id="3" name="コンテンツ プレースホルダー 2"/>
-          <p:cNvSpPr>
-            <a:spLocks noGrp="1"/>
-          </p:cNvSpPr>
-          <p:nvPr>
-            <p:ph idx="1"/>
-          </p:nvPr>
-        </p:nvSpPr>
-        <p:spPr/>
-        <p:txBody>
-          <a:bodyPr/>
-          <a:lstStyle/>
-          <a:p>
-            <a:pPr marL="0" indent="0">
-              <a:buNone/>
-            </a:pPr>
-            <a:r>
-              <a:rPr lang="en-US" altLang="ja-JP" dirty="0"/>
-              <a:t>Node.js</a:t>
-            </a:r>
-            <a:r>
-              <a:rPr lang="ja-JP" altLang="en-US" dirty="0"/>
-              <a:t>（ノード・ジェイエス） は</a:t>
-            </a:r>
-            <a:r>
-              <a:rPr lang="en-US" altLang="ja-JP" dirty="0"/>
-              <a:t>V8 JavaScript</a:t>
-            </a:r>
-            <a:r>
-              <a:rPr lang="ja-JP" altLang="en-US" dirty="0"/>
-              <a:t>エンジン上に構築された</a:t>
-            </a:r>
-            <a:r>
-              <a:rPr lang="en-US" altLang="ja-JP" dirty="0"/>
-              <a:t>JavaScript</a:t>
-            </a:r>
-            <a:r>
-              <a:rPr lang="ja-JP" altLang="en-US" dirty="0"/>
-              <a:t>実行環境の</a:t>
-            </a:r>
-            <a:r>
-              <a:rPr lang="en-US" altLang="ja-JP" dirty="0"/>
-              <a:t>1</a:t>
-            </a:r>
-            <a:r>
-              <a:rPr lang="ja-JP" altLang="en-US" dirty="0"/>
-              <a:t>つで</a:t>
-            </a:r>
-            <a:r>
-              <a:rPr lang="ja-JP" altLang="en-US" dirty="0" smtClean="0"/>
-              <a:t>ある。</a:t>
-            </a:r>
-            <a:r>
-              <a:rPr lang="ja-JP" altLang="en-US" dirty="0"/>
-              <a:t>イベント化された入出力を扱うサーバサイド</a:t>
-            </a:r>
-            <a:r>
-              <a:rPr lang="en-US" altLang="ja-JP" dirty="0"/>
-              <a:t>JavaScript</a:t>
-            </a:r>
-            <a:r>
-              <a:rPr lang="ja-JP" altLang="en-US" dirty="0"/>
-              <a:t>環境であり、</a:t>
-            </a:r>
-            <a:r>
-              <a:rPr lang="en-US" altLang="ja-JP" dirty="0"/>
-              <a:t>Web</a:t>
-            </a:r>
-            <a:r>
-              <a:rPr lang="ja-JP" altLang="en-US" dirty="0"/>
-              <a:t>サーバなどのスケーラブルなネットワークプログラムの記述を意図して</a:t>
-            </a:r>
-            <a:r>
-              <a:rPr lang="ja-JP" altLang="en-US" dirty="0" smtClean="0"/>
-              <a:t>いる。</a:t>
-            </a:r>
-            <a:endParaRPr lang="en-US" altLang="ja-JP" dirty="0" smtClean="0"/>
-          </a:p>
-          <a:p>
-            <a:pPr marL="0" indent="0">
-              <a:buNone/>
-            </a:pPr>
-            <a:endParaRPr kumimoji="1" lang="en-US" altLang="ja-JP" dirty="0" smtClean="0"/>
-          </a:p>
-          <a:p>
-            <a:pPr marL="0" indent="0">
-              <a:buNone/>
-            </a:pPr>
-            <a:r>
-              <a:rPr lang="ja-JP" altLang="en-US" dirty="0"/>
-              <a:t>引用</a:t>
-            </a:r>
-            <a:r>
-              <a:rPr lang="ja-JP" altLang="en-US" dirty="0" smtClean="0"/>
-              <a:t>：</a:t>
-            </a:r>
-            <a:endParaRPr kumimoji="1" lang="en-US" altLang="ja-JP" dirty="0"/>
-          </a:p>
-          <a:p>
-            <a:pPr marL="0" indent="0">
-              <a:buNone/>
-            </a:pPr>
-            <a:r>
-              <a:rPr lang="en-US" altLang="ja-JP" dirty="0"/>
-              <a:t>https://ja.wikipedia.org/wiki/Node.js</a:t>
-            </a:r>
-            <a:endParaRPr kumimoji="1" lang="ja-JP" altLang="en-US" dirty="0"/>
-          </a:p>
-        </p:txBody>
-      </p:sp>
-      <p:sp>
-        <p:nvSpPr>
-          <p:cNvPr id="4" name="スライド番号プレースホルダー 3"/>
-          <p:cNvSpPr>
-            <a:spLocks noGrp="1"/>
-          </p:cNvSpPr>
-          <p:nvPr>
-            <p:ph type="sldNum" sz="quarter" idx="12"/>
-          </p:nvPr>
-        </p:nvSpPr>
-        <p:spPr/>
-        <p:txBody>
-          <a:bodyPr/>
-          <a:lstStyle/>
-          <a:p>
-            <a:fld id="{4A32CB03-0843-4AF8-BFB2-C9917854BC7E}" type="slidenum">
-              <a:rPr kumimoji="1" lang="ja-JP" altLang="en-US" smtClean="0"/>
-              <a:t>8</a:t>
-            </a:fld>
-            <a:endParaRPr kumimoji="1" lang="ja-JP" altLang="en-US"/>
-          </a:p>
-        </p:txBody>
-      </p:sp>
-    </p:spTree>
-    <p:extLst>
-      <p:ext uri="{BB962C8B-B14F-4D97-AF65-F5344CB8AC3E}">
-        <p14:creationId xmlns:p14="http://schemas.microsoft.com/office/powerpoint/2010/main" val="4200382121"/>
-      </p:ext>
-    </p:extLst>
-  </p:cSld>
-  <p:clrMapOvr>
-    <a:masterClrMapping/>
-  </p:clrMapOvr>
-</p:sld>
-</file>
-
-<file path=ppt/slides/slide9.xml><?xml version="1.0" encoding="utf-8"?>
-<p:sld xmlns:a="http://schemas.openxmlformats.org/drawingml/2006/main" xmlns:r="http://schemas.openxmlformats.org/officeDocument/2006/relationships" xmlns:p="http://schemas.openxmlformats.org/presentationml/2006/main">
-  <p:cSld>
-    <p:spTree>
-      <p:nvGrpSpPr>
-        <p:cNvPr id="1" name=""/>
-        <p:cNvGrpSpPr/>
-        <p:nvPr/>
-      </p:nvGrpSpPr>
-      <p:grpSpPr>
-        <a:xfrm>
-          <a:off x="0" y="0"/>
-          <a:ext cx="0" cy="0"/>
-          <a:chOff x="0" y="0"/>
-          <a:chExt cx="0" cy="0"/>
-        </a:xfrm>
-      </p:grpSpPr>
-      <p:sp>
-        <p:nvSpPr>
-          <p:cNvPr id="2" name="タイトル 1"/>
-          <p:cNvSpPr>
-            <a:spLocks noGrp="1"/>
-          </p:cNvSpPr>
-          <p:nvPr>
-            <p:ph type="title"/>
-          </p:nvPr>
-        </p:nvSpPr>
-        <p:spPr/>
-        <p:txBody>
-          <a:bodyPr/>
-          <a:lstStyle/>
-          <a:p>
-            <a:r>
-              <a:rPr lang="ja-JP" altLang="en-US" dirty="0" smtClean="0"/>
-              <a:t>システム構成図</a:t>
-            </a:r>
-            <a:r>
-              <a:rPr kumimoji="1" lang="ja-JP" altLang="en-US" dirty="0" smtClean="0"/>
-              <a:t>（予想図）</a:t>
-            </a:r>
-            <a:endParaRPr kumimoji="1" lang="ja-JP" altLang="en-US" dirty="0"/>
-          </a:p>
-        </p:txBody>
-      </p:sp>
-      <p:sp>
-        <p:nvSpPr>
-          <p:cNvPr id="3" name="スライド番号プレースホルダー 2"/>
-          <p:cNvSpPr>
-            <a:spLocks noGrp="1"/>
-          </p:cNvSpPr>
-          <p:nvPr>
-            <p:ph type="sldNum" sz="quarter" idx="12"/>
-          </p:nvPr>
-        </p:nvSpPr>
-        <p:spPr/>
-        <p:txBody>
-          <a:bodyPr/>
-          <a:lstStyle/>
-          <a:p>
-            <a:fld id="{4A32CB03-0843-4AF8-BFB2-C9917854BC7E}" type="slidenum">
-              <a:rPr kumimoji="1" lang="ja-JP" altLang="en-US" smtClean="0"/>
-              <a:t>9</a:t>
+              <a:t>11</a:t>
             </a:fld>
             <a:endParaRPr kumimoji="1" lang="ja-JP" altLang="en-US"/>
           </a:p>
@@ -7390,6 +4471,3205 @@
   <p:clrMapOvr>
     <a:masterClrMapping/>
   </p:clrMapOvr>
+</p:sld>
+</file>
+
+<file path=ppt/slides/slide12.xml><?xml version="1.0" encoding="utf-8"?>
+<p:sld xmlns:a="http://schemas.openxmlformats.org/drawingml/2006/main" xmlns:r="http://schemas.openxmlformats.org/officeDocument/2006/relationships" xmlns:p="http://schemas.openxmlformats.org/presentationml/2006/main">
+  <p:cSld>
+    <p:spTree>
+      <p:nvGrpSpPr>
+        <p:cNvPr id="1" name=""/>
+        <p:cNvGrpSpPr/>
+        <p:nvPr/>
+      </p:nvGrpSpPr>
+      <p:grpSpPr>
+        <a:xfrm>
+          <a:off x="0" y="0"/>
+          <a:ext cx="0" cy="0"/>
+          <a:chOff x="0" y="0"/>
+          <a:chExt cx="0" cy="0"/>
+        </a:xfrm>
+      </p:grpSpPr>
+      <p:sp>
+        <p:nvSpPr>
+          <p:cNvPr id="2" name="タイトル 1"/>
+          <p:cNvSpPr>
+            <a:spLocks noGrp="1"/>
+          </p:cNvSpPr>
+          <p:nvPr>
+            <p:ph type="title"/>
+          </p:nvPr>
+        </p:nvSpPr>
+        <p:spPr/>
+        <p:txBody>
+          <a:bodyPr/>
+          <a:lstStyle/>
+          <a:p>
+            <a:r>
+              <a:rPr lang="en-US" altLang="ja-JP" dirty="0" smtClean="0"/>
+              <a:t>Node.js</a:t>
+            </a:r>
+            <a:r>
+              <a:rPr lang="ja-JP" altLang="en-US" dirty="0" smtClean="0"/>
+              <a:t>について</a:t>
+            </a:r>
+            <a:endParaRPr kumimoji="1" lang="ja-JP" altLang="en-US" dirty="0"/>
+          </a:p>
+        </p:txBody>
+      </p:sp>
+      <p:sp>
+        <p:nvSpPr>
+          <p:cNvPr id="3" name="コンテンツ プレースホルダー 2"/>
+          <p:cNvSpPr>
+            <a:spLocks noGrp="1"/>
+          </p:cNvSpPr>
+          <p:nvPr>
+            <p:ph idx="1"/>
+          </p:nvPr>
+        </p:nvSpPr>
+        <p:spPr/>
+        <p:txBody>
+          <a:bodyPr/>
+          <a:lstStyle/>
+          <a:p>
+            <a:r>
+              <a:rPr kumimoji="1" lang="en-US" altLang="ja-JP" dirty="0" err="1" smtClean="0"/>
+              <a:t>Blockly</a:t>
+            </a:r>
+            <a:r>
+              <a:rPr lang="ja-JP" altLang="en-US" dirty="0"/>
+              <a:t>で</a:t>
+            </a:r>
+            <a:r>
+              <a:rPr lang="ja-JP" altLang="en-US" dirty="0" smtClean="0"/>
+              <a:t>は、</a:t>
+            </a:r>
+            <a:r>
+              <a:rPr kumimoji="1" lang="en-US" altLang="ja-JP" dirty="0" smtClean="0"/>
+              <a:t>Node</a:t>
+            </a:r>
+            <a:r>
+              <a:rPr lang="en-US" altLang="ja-JP" dirty="0" smtClean="0"/>
+              <a:t>.js</a:t>
+            </a:r>
+            <a:r>
+              <a:rPr lang="ja-JP" altLang="en-US" dirty="0" smtClean="0"/>
+              <a:t>を利用してコードの実行をしているように思えたが、実際には</a:t>
+            </a:r>
+            <a:r>
+              <a:rPr lang="en-US" altLang="ja-JP" dirty="0" err="1" smtClean="0"/>
+              <a:t>npm</a:t>
+            </a:r>
+            <a:r>
+              <a:rPr lang="ja-JP" altLang="en-US" dirty="0" smtClean="0"/>
+              <a:t>というパッケージ管理のために利用しているだけで、サーバとして利用しているわけでは</a:t>
+            </a:r>
+            <a:r>
+              <a:rPr lang="ja-JP" altLang="en-US" dirty="0"/>
+              <a:t>ないように</a:t>
+            </a:r>
+            <a:r>
+              <a:rPr lang="ja-JP" altLang="en-US" dirty="0" smtClean="0"/>
+              <a:t>も見える</a:t>
+            </a:r>
+            <a:endParaRPr lang="en-US" altLang="ja-JP" dirty="0" smtClean="0"/>
+          </a:p>
+          <a:p>
+            <a:r>
+              <a:rPr kumimoji="1" lang="ja-JP" altLang="en-US" dirty="0" smtClean="0"/>
+              <a:t>あまり理解できていないため、公式の情報を見直したい</a:t>
+            </a:r>
+            <a:endParaRPr kumimoji="1" lang="ja-JP" altLang="en-US" dirty="0"/>
+          </a:p>
+        </p:txBody>
+      </p:sp>
+      <p:sp>
+        <p:nvSpPr>
+          <p:cNvPr id="4" name="スライド番号プレースホルダー 3"/>
+          <p:cNvSpPr>
+            <a:spLocks noGrp="1"/>
+          </p:cNvSpPr>
+          <p:nvPr>
+            <p:ph type="sldNum" sz="quarter" idx="12"/>
+          </p:nvPr>
+        </p:nvSpPr>
+        <p:spPr/>
+        <p:txBody>
+          <a:bodyPr/>
+          <a:lstStyle/>
+          <a:p>
+            <a:fld id="{4A32CB03-0843-4AF8-BFB2-C9917854BC7E}" type="slidenum">
+              <a:rPr kumimoji="1" lang="ja-JP" altLang="en-US" smtClean="0"/>
+              <a:t>12</a:t>
+            </a:fld>
+            <a:endParaRPr kumimoji="1" lang="ja-JP" altLang="en-US"/>
+          </a:p>
+        </p:txBody>
+      </p:sp>
+    </p:spTree>
+    <p:extLst>
+      <p:ext uri="{BB962C8B-B14F-4D97-AF65-F5344CB8AC3E}">
+        <p14:creationId xmlns:p14="http://schemas.microsoft.com/office/powerpoint/2010/main" val="3535867368"/>
+      </p:ext>
+    </p:extLst>
+  </p:cSld>
+  <p:clrMapOvr>
+    <a:masterClrMapping/>
+  </p:clrMapOvr>
+</p:sld>
+</file>
+
+<file path=ppt/slides/slide13.xml><?xml version="1.0" encoding="utf-8"?>
+<p:sld xmlns:a="http://schemas.openxmlformats.org/drawingml/2006/main" xmlns:r="http://schemas.openxmlformats.org/officeDocument/2006/relationships" xmlns:p="http://schemas.openxmlformats.org/presentationml/2006/main">
+  <p:cSld>
+    <p:spTree>
+      <p:nvGrpSpPr>
+        <p:cNvPr id="1" name=""/>
+        <p:cNvGrpSpPr/>
+        <p:nvPr/>
+      </p:nvGrpSpPr>
+      <p:grpSpPr>
+        <a:xfrm>
+          <a:off x="0" y="0"/>
+          <a:ext cx="0" cy="0"/>
+          <a:chOff x="0" y="0"/>
+          <a:chExt cx="0" cy="0"/>
+        </a:xfrm>
+      </p:grpSpPr>
+      <p:sp>
+        <p:nvSpPr>
+          <p:cNvPr id="2" name="タイトル 1"/>
+          <p:cNvSpPr>
+            <a:spLocks noGrp="1"/>
+          </p:cNvSpPr>
+          <p:nvPr>
+            <p:ph type="title"/>
+          </p:nvPr>
+        </p:nvSpPr>
+        <p:spPr/>
+        <p:txBody>
+          <a:bodyPr/>
+          <a:lstStyle/>
+          <a:p>
+            <a:r>
+              <a:rPr lang="en-US" altLang="ja-JP" dirty="0" err="1" smtClean="0"/>
+              <a:t>Node_modules</a:t>
+            </a:r>
+            <a:r>
+              <a:rPr lang="en-US" altLang="ja-JP" dirty="0" smtClean="0"/>
+              <a:t> install</a:t>
+            </a:r>
+            <a:endParaRPr kumimoji="1" lang="ja-JP" altLang="en-US" dirty="0"/>
+          </a:p>
+        </p:txBody>
+      </p:sp>
+      <p:sp>
+        <p:nvSpPr>
+          <p:cNvPr id="3" name="コンテンツ プレースホルダー 2"/>
+          <p:cNvSpPr>
+            <a:spLocks noGrp="1"/>
+          </p:cNvSpPr>
+          <p:nvPr>
+            <p:ph idx="1"/>
+          </p:nvPr>
+        </p:nvSpPr>
+        <p:spPr/>
+        <p:txBody>
+          <a:bodyPr/>
+          <a:lstStyle/>
+          <a:p>
+            <a:r>
+              <a:rPr lang="en-US" altLang="ja-JP" dirty="0" err="1" smtClean="0"/>
+              <a:t>Blockly</a:t>
+            </a:r>
+            <a:r>
+              <a:rPr lang="ja-JP" altLang="en-US" dirty="0" smtClean="0"/>
+              <a:t>公式によって用意されているモジュールのインストール</a:t>
+            </a:r>
+            <a:endParaRPr lang="en-US" altLang="ja-JP" dirty="0" smtClean="0"/>
+          </a:p>
+          <a:p>
+            <a:r>
+              <a:rPr kumimoji="1" lang="ja-JP" altLang="en-US" dirty="0" smtClean="0"/>
+              <a:t>方法：</a:t>
+            </a:r>
+            <a:r>
+              <a:rPr lang="ja-JP" altLang="en-US" dirty="0" smtClean="0"/>
+              <a:t>コマンドプロンプトにて</a:t>
+            </a:r>
+            <a:r>
+              <a:rPr kumimoji="1" lang="ja-JP" altLang="en-US" dirty="0" smtClean="0"/>
+              <a:t>実行したい</a:t>
+            </a:r>
+            <a:r>
+              <a:rPr kumimoji="1" lang="en-US" altLang="ja-JP" dirty="0" smtClean="0"/>
+              <a:t>JSON</a:t>
+            </a:r>
+            <a:r>
+              <a:rPr kumimoji="1" lang="ja-JP" altLang="en-US" dirty="0" smtClean="0"/>
+              <a:t>ファイルの場所に移動して</a:t>
+            </a:r>
+            <a:r>
+              <a:rPr kumimoji="1" lang="en-US" altLang="ja-JP" dirty="0" err="1" smtClean="0"/>
+              <a:t>npm</a:t>
+            </a:r>
+            <a:r>
+              <a:rPr kumimoji="1" lang="en-US" altLang="ja-JP" dirty="0" smtClean="0"/>
+              <a:t> install</a:t>
+            </a:r>
+            <a:r>
+              <a:rPr kumimoji="1" lang="ja-JP" altLang="en-US" dirty="0" smtClean="0"/>
+              <a:t>を実行</a:t>
+            </a:r>
+            <a:endParaRPr kumimoji="1" lang="en-US" altLang="ja-JP" dirty="0" smtClean="0"/>
+          </a:p>
+          <a:p>
+            <a:pPr marL="0" indent="0">
+              <a:buNone/>
+            </a:pPr>
+            <a:endParaRPr lang="en-US" altLang="ja-JP" dirty="0"/>
+          </a:p>
+        </p:txBody>
+      </p:sp>
+      <p:sp>
+        <p:nvSpPr>
+          <p:cNvPr id="4" name="スライド番号プレースホルダー 3"/>
+          <p:cNvSpPr>
+            <a:spLocks noGrp="1"/>
+          </p:cNvSpPr>
+          <p:nvPr>
+            <p:ph type="sldNum" sz="quarter" idx="12"/>
+          </p:nvPr>
+        </p:nvSpPr>
+        <p:spPr/>
+        <p:txBody>
+          <a:bodyPr/>
+          <a:lstStyle/>
+          <a:p>
+            <a:fld id="{4A32CB03-0843-4AF8-BFB2-C9917854BC7E}" type="slidenum">
+              <a:rPr kumimoji="1" lang="ja-JP" altLang="en-US" sz="2800" smtClean="0"/>
+              <a:t>13</a:t>
+            </a:fld>
+            <a:endParaRPr kumimoji="1" lang="ja-JP" altLang="en-US" sz="2800" dirty="0"/>
+          </a:p>
+        </p:txBody>
+      </p:sp>
+    </p:spTree>
+    <p:extLst>
+      <p:ext uri="{BB962C8B-B14F-4D97-AF65-F5344CB8AC3E}">
+        <p14:creationId xmlns:p14="http://schemas.microsoft.com/office/powerpoint/2010/main" val="2182324898"/>
+      </p:ext>
+    </p:extLst>
+  </p:cSld>
+  <p:clrMapOvr>
+    <a:masterClrMapping/>
+  </p:clrMapOvr>
+</p:sld>
+</file>
+
+<file path=ppt/slides/slide14.xml><?xml version="1.0" encoding="utf-8"?>
+<p:sld xmlns:a="http://schemas.openxmlformats.org/drawingml/2006/main" xmlns:r="http://schemas.openxmlformats.org/officeDocument/2006/relationships" xmlns:p="http://schemas.openxmlformats.org/presentationml/2006/main">
+  <p:cSld>
+    <p:spTree>
+      <p:nvGrpSpPr>
+        <p:cNvPr id="1" name=""/>
+        <p:cNvGrpSpPr/>
+        <p:nvPr/>
+      </p:nvGrpSpPr>
+      <p:grpSpPr>
+        <a:xfrm>
+          <a:off x="0" y="0"/>
+          <a:ext cx="0" cy="0"/>
+          <a:chOff x="0" y="0"/>
+          <a:chExt cx="0" cy="0"/>
+        </a:xfrm>
+      </p:grpSpPr>
+      <p:sp>
+        <p:nvSpPr>
+          <p:cNvPr id="2" name="タイトル 1"/>
+          <p:cNvSpPr>
+            <a:spLocks noGrp="1"/>
+          </p:cNvSpPr>
+          <p:nvPr>
+            <p:ph type="title"/>
+          </p:nvPr>
+        </p:nvSpPr>
+        <p:spPr/>
+        <p:txBody>
+          <a:bodyPr/>
+          <a:lstStyle/>
+          <a:p>
+            <a:r>
+              <a:rPr lang="en-US" altLang="ja-JP" dirty="0" err="1"/>
+              <a:t>Node_modules</a:t>
+            </a:r>
+            <a:r>
+              <a:rPr lang="en-US" altLang="ja-JP" dirty="0"/>
+              <a:t> install</a:t>
+            </a:r>
+            <a:endParaRPr kumimoji="1" lang="ja-JP" altLang="en-US" dirty="0"/>
+          </a:p>
+        </p:txBody>
+      </p:sp>
+      <p:sp>
+        <p:nvSpPr>
+          <p:cNvPr id="4" name="スライド番号プレースホルダー 3"/>
+          <p:cNvSpPr>
+            <a:spLocks noGrp="1"/>
+          </p:cNvSpPr>
+          <p:nvPr>
+            <p:ph type="sldNum" sz="quarter" idx="12"/>
+          </p:nvPr>
+        </p:nvSpPr>
+        <p:spPr/>
+        <p:txBody>
+          <a:bodyPr/>
+          <a:lstStyle/>
+          <a:p>
+            <a:fld id="{4A32CB03-0843-4AF8-BFB2-C9917854BC7E}" type="slidenum">
+              <a:rPr kumimoji="1" lang="ja-JP" altLang="en-US" smtClean="0"/>
+              <a:t>14</a:t>
+            </a:fld>
+            <a:endParaRPr kumimoji="1" lang="ja-JP" altLang="en-US"/>
+          </a:p>
+        </p:txBody>
+      </p:sp>
+      <p:pic>
+        <p:nvPicPr>
+          <p:cNvPr id="5" name="図 4"/>
+          <p:cNvPicPr>
+            <a:picLocks noChangeAspect="1"/>
+          </p:cNvPicPr>
+          <p:nvPr/>
+        </p:nvPicPr>
+        <p:blipFill>
+          <a:blip r:embed="rId2"/>
+          <a:stretch>
+            <a:fillRect/>
+          </a:stretch>
+        </p:blipFill>
+        <p:spPr>
+          <a:xfrm>
+            <a:off x="628650" y="2176758"/>
+            <a:ext cx="7970195" cy="2031100"/>
+          </a:xfrm>
+          <a:prstGeom prst="rect">
+            <a:avLst/>
+          </a:prstGeom>
+        </p:spPr>
+      </p:pic>
+    </p:spTree>
+    <p:extLst>
+      <p:ext uri="{BB962C8B-B14F-4D97-AF65-F5344CB8AC3E}">
+        <p14:creationId xmlns:p14="http://schemas.microsoft.com/office/powerpoint/2010/main" val="2400612885"/>
+      </p:ext>
+    </p:extLst>
+  </p:cSld>
+  <p:clrMapOvr>
+    <a:masterClrMapping/>
+  </p:clrMapOvr>
+</p:sld>
+</file>
+
+<file path=ppt/slides/slide15.xml><?xml version="1.0" encoding="utf-8"?>
+<p:sld xmlns:a="http://schemas.openxmlformats.org/drawingml/2006/main" xmlns:r="http://schemas.openxmlformats.org/officeDocument/2006/relationships" xmlns:p="http://schemas.openxmlformats.org/presentationml/2006/main">
+  <p:cSld>
+    <p:spTree>
+      <p:nvGrpSpPr>
+        <p:cNvPr id="1" name=""/>
+        <p:cNvGrpSpPr/>
+        <p:nvPr/>
+      </p:nvGrpSpPr>
+      <p:grpSpPr>
+        <a:xfrm>
+          <a:off x="0" y="0"/>
+          <a:ext cx="0" cy="0"/>
+          <a:chOff x="0" y="0"/>
+          <a:chExt cx="0" cy="0"/>
+        </a:xfrm>
+      </p:grpSpPr>
+      <p:sp>
+        <p:nvSpPr>
+          <p:cNvPr id="2" name="タイトル 1"/>
+          <p:cNvSpPr>
+            <a:spLocks noGrp="1"/>
+          </p:cNvSpPr>
+          <p:nvPr>
+            <p:ph type="title"/>
+          </p:nvPr>
+        </p:nvSpPr>
+        <p:spPr/>
+        <p:txBody>
+          <a:bodyPr/>
+          <a:lstStyle/>
+          <a:p>
+            <a:r>
+              <a:rPr kumimoji="1" lang="en-US" altLang="ja-JP" dirty="0" smtClean="0"/>
+              <a:t>Generator</a:t>
+            </a:r>
+            <a:endParaRPr kumimoji="1" lang="ja-JP" altLang="en-US" dirty="0"/>
+          </a:p>
+        </p:txBody>
+      </p:sp>
+      <p:sp>
+        <p:nvSpPr>
+          <p:cNvPr id="3" name="コンテンツ プレースホルダー 2"/>
+          <p:cNvSpPr>
+            <a:spLocks noGrp="1"/>
+          </p:cNvSpPr>
+          <p:nvPr>
+            <p:ph idx="1"/>
+          </p:nvPr>
+        </p:nvSpPr>
+        <p:spPr/>
+        <p:txBody>
+          <a:bodyPr/>
+          <a:lstStyle/>
+          <a:p>
+            <a:r>
+              <a:rPr kumimoji="1" lang="ja-JP" altLang="en-US" dirty="0" smtClean="0"/>
+              <a:t>ブロックからコードに変換するための生成器</a:t>
+            </a:r>
+            <a:endParaRPr lang="en-US" altLang="ja-JP" dirty="0"/>
+          </a:p>
+          <a:p>
+            <a:r>
+              <a:rPr lang="en-US" altLang="ja-JP" dirty="0" err="1" smtClean="0"/>
+              <a:t>Blockly</a:t>
+            </a:r>
+            <a:r>
+              <a:rPr lang="ja-JP" altLang="en-US" dirty="0" smtClean="0"/>
+              <a:t>で利用できる言語</a:t>
+            </a:r>
+            <a:endParaRPr lang="en-US" altLang="ja-JP" dirty="0" smtClean="0"/>
+          </a:p>
+          <a:p>
+            <a:pPr lvl="1"/>
+            <a:r>
+              <a:rPr kumimoji="1" lang="en-US" altLang="ja-JP" dirty="0" smtClean="0"/>
+              <a:t>JavaScript</a:t>
+            </a:r>
+          </a:p>
+          <a:p>
+            <a:pPr lvl="1"/>
+            <a:r>
+              <a:rPr lang="en-US" altLang="ja-JP" dirty="0" smtClean="0"/>
+              <a:t>Python</a:t>
+            </a:r>
+          </a:p>
+          <a:p>
+            <a:pPr lvl="1"/>
+            <a:r>
+              <a:rPr kumimoji="1" lang="en-US" altLang="ja-JP" dirty="0" smtClean="0"/>
+              <a:t>PHP</a:t>
+            </a:r>
+          </a:p>
+          <a:p>
+            <a:pPr lvl="1"/>
+            <a:r>
+              <a:rPr lang="en-US" altLang="ja-JP" dirty="0" err="1" smtClean="0"/>
+              <a:t>Lua</a:t>
+            </a:r>
+            <a:endParaRPr lang="en-US" altLang="ja-JP" dirty="0" smtClean="0"/>
+          </a:p>
+          <a:p>
+            <a:pPr lvl="1"/>
+            <a:r>
+              <a:rPr kumimoji="1" lang="en-US" altLang="ja-JP" dirty="0" smtClean="0"/>
+              <a:t>Dart</a:t>
+            </a:r>
+          </a:p>
+          <a:p>
+            <a:pPr marL="457200" lvl="1" indent="0">
+              <a:buNone/>
+            </a:pPr>
+            <a:endParaRPr kumimoji="1" lang="en-US" altLang="ja-JP" dirty="0" smtClean="0"/>
+          </a:p>
+        </p:txBody>
+      </p:sp>
+      <p:sp>
+        <p:nvSpPr>
+          <p:cNvPr id="4" name="スライド番号プレースホルダー 3"/>
+          <p:cNvSpPr>
+            <a:spLocks noGrp="1"/>
+          </p:cNvSpPr>
+          <p:nvPr>
+            <p:ph type="sldNum" sz="quarter" idx="12"/>
+          </p:nvPr>
+        </p:nvSpPr>
+        <p:spPr/>
+        <p:txBody>
+          <a:bodyPr/>
+          <a:lstStyle/>
+          <a:p>
+            <a:fld id="{4A32CB03-0843-4AF8-BFB2-C9917854BC7E}" type="slidenum">
+              <a:rPr kumimoji="1" lang="ja-JP" altLang="en-US" smtClean="0"/>
+              <a:t>15</a:t>
+            </a:fld>
+            <a:endParaRPr kumimoji="1" lang="ja-JP" altLang="en-US"/>
+          </a:p>
+        </p:txBody>
+      </p:sp>
+    </p:spTree>
+    <p:extLst>
+      <p:ext uri="{BB962C8B-B14F-4D97-AF65-F5344CB8AC3E}">
+        <p14:creationId xmlns:p14="http://schemas.microsoft.com/office/powerpoint/2010/main" val="559910476"/>
+      </p:ext>
+    </p:extLst>
+  </p:cSld>
+  <p:clrMapOvr>
+    <a:masterClrMapping/>
+  </p:clrMapOvr>
+</p:sld>
+</file>
+
+<file path=ppt/slides/slide16.xml><?xml version="1.0" encoding="utf-8"?>
+<p:sld xmlns:a="http://schemas.openxmlformats.org/drawingml/2006/main" xmlns:r="http://schemas.openxmlformats.org/officeDocument/2006/relationships" xmlns:p="http://schemas.openxmlformats.org/presentationml/2006/main">
+  <p:cSld>
+    <p:spTree>
+      <p:nvGrpSpPr>
+        <p:cNvPr id="1" name=""/>
+        <p:cNvGrpSpPr/>
+        <p:nvPr/>
+      </p:nvGrpSpPr>
+      <p:grpSpPr>
+        <a:xfrm>
+          <a:off x="0" y="0"/>
+          <a:ext cx="0" cy="0"/>
+          <a:chOff x="0" y="0"/>
+          <a:chExt cx="0" cy="0"/>
+        </a:xfrm>
+      </p:grpSpPr>
+      <p:sp>
+        <p:nvSpPr>
+          <p:cNvPr id="2" name="タイトル 1"/>
+          <p:cNvSpPr>
+            <a:spLocks noGrp="1"/>
+          </p:cNvSpPr>
+          <p:nvPr>
+            <p:ph type="title"/>
+          </p:nvPr>
+        </p:nvSpPr>
+        <p:spPr>
+          <a:xfrm>
+            <a:off x="644834" y="365126"/>
+            <a:ext cx="7886700" cy="1325563"/>
+          </a:xfrm>
+        </p:spPr>
+        <p:txBody>
+          <a:bodyPr/>
+          <a:lstStyle/>
+          <a:p>
+            <a:r>
+              <a:rPr kumimoji="1" lang="en-US" altLang="ja-JP" dirty="0" err="1" smtClean="0"/>
+              <a:t>Lua</a:t>
+            </a:r>
+            <a:endParaRPr kumimoji="1" lang="ja-JP" altLang="en-US" dirty="0"/>
+          </a:p>
+        </p:txBody>
+      </p:sp>
+      <p:sp>
+        <p:nvSpPr>
+          <p:cNvPr id="3" name="コンテンツ プレースホルダー 2"/>
+          <p:cNvSpPr>
+            <a:spLocks noGrp="1"/>
+          </p:cNvSpPr>
+          <p:nvPr>
+            <p:ph idx="1"/>
+          </p:nvPr>
+        </p:nvSpPr>
+        <p:spPr/>
+        <p:txBody>
+          <a:bodyPr>
+            <a:normAutofit fontScale="70000" lnSpcReduction="20000"/>
+          </a:bodyPr>
+          <a:lstStyle/>
+          <a:p>
+            <a:pPr marL="0" indent="0">
+              <a:buNone/>
+            </a:pPr>
+            <a:r>
+              <a:rPr lang="en-US" altLang="ja-JP" dirty="0" err="1"/>
+              <a:t>Lua</a:t>
+            </a:r>
+            <a:r>
+              <a:rPr lang="ja-JP" altLang="en-US" dirty="0"/>
+              <a:t>（ルア）はスクリプト言語およびその処理系の実装で、主にリオデジャネイロ・カトリカ大学（英語版）のコンピュータ科学科 </a:t>
+            </a:r>
+            <a:r>
+              <a:rPr lang="en-US" altLang="ja-JP" dirty="0"/>
+              <a:t>(Department of Computer Science) </a:t>
+            </a:r>
+            <a:r>
+              <a:rPr lang="ja-JP" altLang="en-US" dirty="0"/>
+              <a:t>および</a:t>
+            </a:r>
+            <a:r>
+              <a:rPr lang="en-US" altLang="ja-JP" dirty="0"/>
+              <a:t>/</a:t>
+            </a:r>
+            <a:r>
+              <a:rPr lang="ja-JP" altLang="en-US" dirty="0"/>
+              <a:t>または同大学附属研究所の</a:t>
+            </a:r>
+            <a:r>
+              <a:rPr lang="en-US" altLang="ja-JP" dirty="0" err="1" smtClean="0"/>
+              <a:t>Tecgraf</a:t>
+            </a:r>
+            <a:r>
+              <a:rPr lang="en-US" altLang="ja-JP" dirty="0" smtClean="0"/>
+              <a:t>/PUC-Rio</a:t>
+            </a:r>
+            <a:r>
+              <a:rPr lang="ja-JP" altLang="en-US" dirty="0" smtClean="0"/>
+              <a:t>に</a:t>
+            </a:r>
+            <a:r>
+              <a:rPr lang="ja-JP" altLang="en-US" dirty="0"/>
+              <a:t>所属する、</a:t>
+            </a:r>
+            <a:r>
+              <a:rPr lang="en-US" altLang="ja-JP" dirty="0"/>
+              <a:t>Roberto </a:t>
+            </a:r>
+            <a:r>
+              <a:rPr lang="en-US" altLang="ja-JP" dirty="0" err="1"/>
+              <a:t>Ierusalimschy</a:t>
+            </a:r>
+            <a:r>
+              <a:rPr lang="ja-JP" altLang="en-US" dirty="0" err="1"/>
+              <a:t>、</a:t>
+            </a:r>
+            <a:r>
+              <a:rPr lang="en-US" altLang="ja-JP" dirty="0" err="1"/>
+              <a:t>Waldemar</a:t>
+            </a:r>
+            <a:r>
+              <a:rPr lang="en-US" altLang="ja-JP" dirty="0"/>
+              <a:t> </a:t>
+            </a:r>
+            <a:r>
+              <a:rPr lang="en-US" altLang="ja-JP" dirty="0" err="1" smtClean="0"/>
+              <a:t>Celes</a:t>
+            </a:r>
+            <a:r>
+              <a:rPr lang="ja-JP" altLang="en-US" dirty="0" err="1" smtClean="0"/>
+              <a:t>、</a:t>
+            </a:r>
+            <a:r>
+              <a:rPr lang="en-US" altLang="ja-JP" dirty="0"/>
+              <a:t>Luiz Henrique de </a:t>
+            </a:r>
+            <a:r>
+              <a:rPr lang="en-US" altLang="ja-JP" dirty="0" err="1" smtClean="0"/>
+              <a:t>Figueiredo</a:t>
+            </a:r>
+            <a:r>
+              <a:rPr lang="ja-JP" altLang="en-US" dirty="0" err="1" smtClean="0"/>
+              <a:t>らに</a:t>
+            </a:r>
+            <a:r>
+              <a:rPr lang="ja-JP" altLang="en-US" dirty="0"/>
+              <a:t>よって設計開発</a:t>
+            </a:r>
+            <a:r>
+              <a:rPr lang="ja-JP" altLang="en-US" dirty="0" smtClean="0"/>
+              <a:t>された。</a:t>
+            </a:r>
+            <a:endParaRPr lang="ja-JP" altLang="en-US" dirty="0"/>
+          </a:p>
+          <a:p>
+            <a:pPr marL="0" indent="0">
+              <a:buNone/>
+            </a:pPr>
+            <a:endParaRPr lang="ja-JP" altLang="en-US" dirty="0"/>
+          </a:p>
+          <a:p>
+            <a:pPr marL="0" indent="0">
+              <a:buNone/>
+            </a:pPr>
+            <a:r>
+              <a:rPr lang="ja-JP" altLang="en-US" dirty="0"/>
+              <a:t>手続き型言語として、またプロトタイプベースのオブジェクト指向言語としても利用することができ、関数型言語、データ駆動型としての要素も併せ持っている。</a:t>
+            </a:r>
+          </a:p>
+          <a:p>
+            <a:pPr marL="0" indent="0">
+              <a:buNone/>
+            </a:pPr>
+            <a:endParaRPr lang="ja-JP" altLang="en-US" dirty="0"/>
+          </a:p>
+          <a:p>
+            <a:pPr marL="0" indent="0">
+              <a:buNone/>
+            </a:pPr>
+            <a:r>
+              <a:rPr lang="en-US" altLang="ja-JP" dirty="0" err="1"/>
+              <a:t>Lua</a:t>
+            </a:r>
+            <a:r>
+              <a:rPr lang="ja-JP" altLang="en-US" dirty="0"/>
+              <a:t>という名前は、ポルトガル語の「月」に由来する</a:t>
+            </a:r>
+            <a:r>
+              <a:rPr lang="ja-JP" altLang="en-US" dirty="0" smtClean="0"/>
+              <a:t>。</a:t>
+            </a:r>
+            <a:endParaRPr lang="en-US" altLang="ja-JP" dirty="0" smtClean="0"/>
+          </a:p>
+          <a:p>
+            <a:pPr marL="0" indent="0">
+              <a:buNone/>
+            </a:pPr>
+            <a:endParaRPr kumimoji="1" lang="en-US" altLang="ja-JP" dirty="0" smtClean="0"/>
+          </a:p>
+          <a:p>
+            <a:pPr marL="0" indent="0">
+              <a:buNone/>
+            </a:pPr>
+            <a:r>
+              <a:rPr lang="ja-JP" altLang="en-US" dirty="0"/>
+              <a:t>引用</a:t>
+            </a:r>
+            <a:r>
+              <a:rPr lang="ja-JP" altLang="en-US" dirty="0" smtClean="0"/>
+              <a:t>：</a:t>
+            </a:r>
+            <a:endParaRPr kumimoji="1" lang="en-US" altLang="ja-JP" dirty="0"/>
+          </a:p>
+          <a:p>
+            <a:pPr marL="0" indent="0">
+              <a:buNone/>
+            </a:pPr>
+            <a:r>
+              <a:rPr lang="en-US" altLang="ja-JP" dirty="0"/>
+              <a:t>https://ja.wikipedia.org/wiki/Lua</a:t>
+            </a:r>
+            <a:endParaRPr kumimoji="1" lang="ja-JP" altLang="en-US" dirty="0"/>
+          </a:p>
+        </p:txBody>
+      </p:sp>
+      <p:sp>
+        <p:nvSpPr>
+          <p:cNvPr id="4" name="スライド番号プレースホルダー 3"/>
+          <p:cNvSpPr>
+            <a:spLocks noGrp="1"/>
+          </p:cNvSpPr>
+          <p:nvPr>
+            <p:ph type="sldNum" sz="quarter" idx="12"/>
+          </p:nvPr>
+        </p:nvSpPr>
+        <p:spPr/>
+        <p:txBody>
+          <a:bodyPr/>
+          <a:lstStyle/>
+          <a:p>
+            <a:fld id="{4A32CB03-0843-4AF8-BFB2-C9917854BC7E}" type="slidenum">
+              <a:rPr kumimoji="1" lang="ja-JP" altLang="en-US" smtClean="0"/>
+              <a:t>16</a:t>
+            </a:fld>
+            <a:endParaRPr kumimoji="1" lang="ja-JP" altLang="en-US"/>
+          </a:p>
+        </p:txBody>
+      </p:sp>
+    </p:spTree>
+    <p:extLst>
+      <p:ext uri="{BB962C8B-B14F-4D97-AF65-F5344CB8AC3E}">
+        <p14:creationId xmlns:p14="http://schemas.microsoft.com/office/powerpoint/2010/main" val="843265026"/>
+      </p:ext>
+    </p:extLst>
+  </p:cSld>
+  <p:clrMapOvr>
+    <a:masterClrMapping/>
+  </p:clrMapOvr>
+</p:sld>
+</file>
+
+<file path=ppt/slides/slide17.xml><?xml version="1.0" encoding="utf-8"?>
+<p:sld xmlns:a="http://schemas.openxmlformats.org/drawingml/2006/main" xmlns:r="http://schemas.openxmlformats.org/officeDocument/2006/relationships" xmlns:p="http://schemas.openxmlformats.org/presentationml/2006/main">
+  <p:cSld>
+    <p:spTree>
+      <p:nvGrpSpPr>
+        <p:cNvPr id="1" name=""/>
+        <p:cNvGrpSpPr/>
+        <p:nvPr/>
+      </p:nvGrpSpPr>
+      <p:grpSpPr>
+        <a:xfrm>
+          <a:off x="0" y="0"/>
+          <a:ext cx="0" cy="0"/>
+          <a:chOff x="0" y="0"/>
+          <a:chExt cx="0" cy="0"/>
+        </a:xfrm>
+      </p:grpSpPr>
+      <p:sp>
+        <p:nvSpPr>
+          <p:cNvPr id="2" name="タイトル 1"/>
+          <p:cNvSpPr>
+            <a:spLocks noGrp="1"/>
+          </p:cNvSpPr>
+          <p:nvPr>
+            <p:ph type="title"/>
+          </p:nvPr>
+        </p:nvSpPr>
+        <p:spPr/>
+        <p:txBody>
+          <a:bodyPr/>
+          <a:lstStyle/>
+          <a:p>
+            <a:r>
+              <a:rPr kumimoji="1" lang="en-US" altLang="ja-JP" dirty="0" smtClean="0"/>
+              <a:t>Dart</a:t>
+            </a:r>
+            <a:endParaRPr kumimoji="1" lang="ja-JP" altLang="en-US" dirty="0"/>
+          </a:p>
+        </p:txBody>
+      </p:sp>
+      <p:sp>
+        <p:nvSpPr>
+          <p:cNvPr id="3" name="コンテンツ プレースホルダー 2"/>
+          <p:cNvSpPr>
+            <a:spLocks noGrp="1"/>
+          </p:cNvSpPr>
+          <p:nvPr>
+            <p:ph idx="1"/>
+          </p:nvPr>
+        </p:nvSpPr>
+        <p:spPr/>
+        <p:txBody>
+          <a:bodyPr>
+            <a:normAutofit lnSpcReduction="10000"/>
+          </a:bodyPr>
+          <a:lstStyle/>
+          <a:p>
+            <a:pPr marL="0" indent="0">
+              <a:buNone/>
+            </a:pPr>
+            <a:r>
+              <a:rPr lang="en-US" altLang="ja-JP" dirty="0"/>
+              <a:t>Dart</a:t>
+            </a:r>
+            <a:r>
+              <a:rPr lang="ja-JP" altLang="en-US" dirty="0"/>
+              <a:t>（ダートもしくはダーツ。当初は </a:t>
+            </a:r>
+            <a:r>
+              <a:rPr lang="en-US" altLang="ja-JP" dirty="0"/>
+              <a:t>Dash </a:t>
+            </a:r>
+            <a:r>
+              <a:rPr lang="ja-JP" altLang="en-US" dirty="0"/>
+              <a:t>と呼ばれていた）は</a:t>
+            </a:r>
+            <a:r>
+              <a:rPr lang="en-US" altLang="ja-JP" dirty="0"/>
+              <a:t>Google</a:t>
+            </a:r>
+            <a:r>
+              <a:rPr lang="ja-JP" altLang="en-US" dirty="0"/>
+              <a:t>によって開発されたウェブ向けのプログラミング言語である。</a:t>
+            </a:r>
+            <a:r>
+              <a:rPr lang="en-US" altLang="ja-JP" dirty="0"/>
+              <a:t>2011</a:t>
+            </a:r>
+            <a:r>
+              <a:rPr lang="ja-JP" altLang="en-US" dirty="0"/>
+              <a:t>年</a:t>
+            </a:r>
+            <a:r>
+              <a:rPr lang="en-US" altLang="ja-JP" dirty="0"/>
+              <a:t>10</a:t>
+            </a:r>
+            <a:r>
+              <a:rPr lang="ja-JP" altLang="en-US" dirty="0"/>
+              <a:t>月</a:t>
+            </a:r>
+            <a:r>
+              <a:rPr lang="en-US" altLang="ja-JP" dirty="0"/>
+              <a:t>10</a:t>
+            </a:r>
+            <a:r>
+              <a:rPr lang="ja-JP" altLang="en-US" dirty="0"/>
+              <a:t>日 </a:t>
+            </a:r>
+            <a:r>
+              <a:rPr lang="en-US" altLang="ja-JP" dirty="0"/>
+              <a:t>- 12</a:t>
+            </a:r>
+            <a:r>
+              <a:rPr lang="ja-JP" altLang="en-US" dirty="0"/>
+              <a:t>日に開催された デンマークのオーフスで開催された「</a:t>
+            </a:r>
+            <a:r>
+              <a:rPr lang="en-US" altLang="ja-JP" dirty="0"/>
+              <a:t>GOTO</a:t>
+            </a:r>
+            <a:r>
+              <a:rPr lang="ja-JP" altLang="en-US" dirty="0"/>
+              <a:t>カンファレンス</a:t>
+            </a:r>
+            <a:r>
+              <a:rPr lang="ja-JP" altLang="en-US" dirty="0" smtClean="0"/>
+              <a:t>」で</a:t>
+            </a:r>
+            <a:r>
+              <a:rPr lang="ja-JP" altLang="en-US" dirty="0"/>
+              <a:t>公開</a:t>
+            </a:r>
+            <a:r>
+              <a:rPr lang="ja-JP" altLang="en-US" dirty="0" smtClean="0"/>
+              <a:t>された。</a:t>
+            </a:r>
+            <a:r>
+              <a:rPr lang="ja-JP" altLang="en-US" dirty="0"/>
+              <a:t>この言語は、ウェブブラウザ組み込みのスクリプト言語である</a:t>
+            </a:r>
+            <a:r>
+              <a:rPr lang="en-US" altLang="ja-JP" dirty="0"/>
+              <a:t>JavaScript</a:t>
+            </a:r>
+            <a:r>
+              <a:rPr lang="ja-JP" altLang="en-US" dirty="0"/>
+              <a:t>の代替となることを目的に作られた</a:t>
+            </a:r>
+            <a:r>
+              <a:rPr lang="ja-JP" altLang="en-US" dirty="0" smtClean="0"/>
+              <a:t>。</a:t>
+            </a:r>
+            <a:endParaRPr lang="en-US" altLang="ja-JP" dirty="0"/>
+          </a:p>
+          <a:p>
+            <a:pPr marL="0" indent="0">
+              <a:buNone/>
+            </a:pPr>
+            <a:endParaRPr kumimoji="1" lang="en-US" altLang="ja-JP" dirty="0" smtClean="0"/>
+          </a:p>
+          <a:p>
+            <a:pPr marL="0" indent="0">
+              <a:buNone/>
+            </a:pPr>
+            <a:r>
+              <a:rPr kumimoji="1" lang="ja-JP" altLang="en-US" dirty="0" smtClean="0"/>
+              <a:t>引用：</a:t>
+            </a:r>
+            <a:endParaRPr kumimoji="1" lang="en-US" altLang="ja-JP" dirty="0" smtClean="0"/>
+          </a:p>
+          <a:p>
+            <a:pPr marL="0" indent="0">
+              <a:buNone/>
+            </a:pPr>
+            <a:r>
+              <a:rPr lang="en-US" altLang="ja-JP" dirty="0"/>
+              <a:t>https://ja.wikipedia.org/wiki/Dart</a:t>
+            </a:r>
+            <a:endParaRPr kumimoji="1" lang="ja-JP" altLang="en-US" dirty="0"/>
+          </a:p>
+        </p:txBody>
+      </p:sp>
+      <p:sp>
+        <p:nvSpPr>
+          <p:cNvPr id="4" name="スライド番号プレースホルダー 3"/>
+          <p:cNvSpPr>
+            <a:spLocks noGrp="1"/>
+          </p:cNvSpPr>
+          <p:nvPr>
+            <p:ph type="sldNum" sz="quarter" idx="12"/>
+          </p:nvPr>
+        </p:nvSpPr>
+        <p:spPr/>
+        <p:txBody>
+          <a:bodyPr/>
+          <a:lstStyle/>
+          <a:p>
+            <a:fld id="{4A32CB03-0843-4AF8-BFB2-C9917854BC7E}" type="slidenum">
+              <a:rPr kumimoji="1" lang="ja-JP" altLang="en-US" smtClean="0"/>
+              <a:t>17</a:t>
+            </a:fld>
+            <a:endParaRPr kumimoji="1" lang="ja-JP" altLang="en-US"/>
+          </a:p>
+        </p:txBody>
+      </p:sp>
+    </p:spTree>
+    <p:extLst>
+      <p:ext uri="{BB962C8B-B14F-4D97-AF65-F5344CB8AC3E}">
+        <p14:creationId xmlns:p14="http://schemas.microsoft.com/office/powerpoint/2010/main" val="3121424104"/>
+      </p:ext>
+    </p:extLst>
+  </p:cSld>
+  <p:clrMapOvr>
+    <a:masterClrMapping/>
+  </p:clrMapOvr>
+</p:sld>
+</file>
+
+<file path=ppt/slides/slide18.xml><?xml version="1.0" encoding="utf-8"?>
+<p:sld xmlns:a="http://schemas.openxmlformats.org/drawingml/2006/main" xmlns:r="http://schemas.openxmlformats.org/officeDocument/2006/relationships" xmlns:p="http://schemas.openxmlformats.org/presentationml/2006/main">
+  <p:cSld>
+    <p:spTree>
+      <p:nvGrpSpPr>
+        <p:cNvPr id="1" name=""/>
+        <p:cNvGrpSpPr/>
+        <p:nvPr/>
+      </p:nvGrpSpPr>
+      <p:grpSpPr>
+        <a:xfrm>
+          <a:off x="0" y="0"/>
+          <a:ext cx="0" cy="0"/>
+          <a:chOff x="0" y="0"/>
+          <a:chExt cx="0" cy="0"/>
+        </a:xfrm>
+      </p:grpSpPr>
+      <p:sp>
+        <p:nvSpPr>
+          <p:cNvPr id="2" name="タイトル 1"/>
+          <p:cNvSpPr>
+            <a:spLocks noGrp="1"/>
+          </p:cNvSpPr>
+          <p:nvPr>
+            <p:ph type="title"/>
+          </p:nvPr>
+        </p:nvSpPr>
+        <p:spPr/>
+        <p:txBody>
+          <a:bodyPr/>
+          <a:lstStyle/>
+          <a:p>
+            <a:r>
+              <a:rPr kumimoji="1" lang="en-US" altLang="ja-JP" dirty="0" smtClean="0"/>
+              <a:t>Generator</a:t>
+            </a:r>
+            <a:endParaRPr kumimoji="1" lang="ja-JP" altLang="en-US" dirty="0"/>
+          </a:p>
+        </p:txBody>
+      </p:sp>
+      <p:sp>
+        <p:nvSpPr>
+          <p:cNvPr id="3" name="コンテンツ プレースホルダー 2"/>
+          <p:cNvSpPr>
+            <a:spLocks noGrp="1"/>
+          </p:cNvSpPr>
+          <p:nvPr>
+            <p:ph idx="1"/>
+          </p:nvPr>
+        </p:nvSpPr>
+        <p:spPr/>
+        <p:txBody>
+          <a:bodyPr>
+            <a:normAutofit/>
+          </a:bodyPr>
+          <a:lstStyle/>
+          <a:p>
+            <a:r>
+              <a:rPr kumimoji="1" lang="en-US" altLang="ja-JP" dirty="0" smtClean="0"/>
+              <a:t>Generator</a:t>
+            </a:r>
+            <a:r>
+              <a:rPr kumimoji="1" lang="ja-JP" altLang="en-US" dirty="0" smtClean="0"/>
+              <a:t>を利用する際には、前のスライドの通りに実行し、</a:t>
+            </a:r>
+            <a:r>
+              <a:rPr kumimoji="1" lang="en-US" altLang="ja-JP" dirty="0" err="1" smtClean="0"/>
+              <a:t>Node_modules</a:t>
+            </a:r>
+            <a:r>
+              <a:rPr kumimoji="1" lang="ja-JP" altLang="en-US" dirty="0" smtClean="0"/>
+              <a:t>内のファイルを呼び出す</a:t>
+            </a:r>
+            <a:endParaRPr kumimoji="1" lang="en-US" altLang="ja-JP" dirty="0" smtClean="0"/>
+          </a:p>
+          <a:p>
+            <a:r>
+              <a:rPr lang="en-US" altLang="ja-JP" dirty="0"/>
+              <a:t>h</a:t>
+            </a:r>
+            <a:r>
+              <a:rPr lang="en-US" altLang="ja-JP" dirty="0" smtClean="0"/>
+              <a:t>tml</a:t>
+            </a:r>
+            <a:r>
+              <a:rPr lang="ja-JP" altLang="en-US" dirty="0" smtClean="0"/>
+              <a:t>ファイル内で、</a:t>
+            </a:r>
+            <a:r>
+              <a:rPr lang="en-US" altLang="ja-JP" dirty="0" smtClean="0"/>
+              <a:t>script</a:t>
+            </a:r>
+            <a:r>
+              <a:rPr lang="ja-JP" altLang="en-US" dirty="0" smtClean="0"/>
+              <a:t>で呼び出し</a:t>
+            </a:r>
+            <a:endParaRPr lang="en-US" altLang="ja-JP" dirty="0" smtClean="0"/>
+          </a:p>
+          <a:p>
+            <a:r>
+              <a:rPr lang="en-US" altLang="ja-JP" dirty="0"/>
+              <a:t> </a:t>
+            </a:r>
+            <a:r>
+              <a:rPr lang="en-US" altLang="ja-JP" dirty="0" err="1"/>
+              <a:t>var</a:t>
+            </a:r>
+            <a:r>
+              <a:rPr lang="en-US" altLang="ja-JP" dirty="0"/>
+              <a:t> code = </a:t>
+            </a:r>
+            <a:r>
+              <a:rPr lang="en-US" altLang="ja-JP" dirty="0" err="1"/>
+              <a:t>Blockly.JavaScript.workspaceToCode</a:t>
+            </a:r>
+            <a:r>
+              <a:rPr lang="en-US" altLang="ja-JP" dirty="0"/>
+              <a:t>(</a:t>
+            </a:r>
+            <a:r>
+              <a:rPr lang="en-US" altLang="ja-JP" dirty="0" err="1"/>
+              <a:t>demoWorkspace</a:t>
+            </a:r>
+            <a:r>
+              <a:rPr lang="en-US" altLang="ja-JP" dirty="0" smtClean="0"/>
+              <a:t>);</a:t>
+            </a:r>
+          </a:p>
+          <a:p>
+            <a:endParaRPr lang="en-US" altLang="ja-JP" dirty="0"/>
+          </a:p>
+        </p:txBody>
+      </p:sp>
+      <p:sp>
+        <p:nvSpPr>
+          <p:cNvPr id="4" name="スライド番号プレースホルダー 3"/>
+          <p:cNvSpPr>
+            <a:spLocks noGrp="1"/>
+          </p:cNvSpPr>
+          <p:nvPr>
+            <p:ph type="sldNum" sz="quarter" idx="12"/>
+          </p:nvPr>
+        </p:nvSpPr>
+        <p:spPr/>
+        <p:txBody>
+          <a:bodyPr/>
+          <a:lstStyle/>
+          <a:p>
+            <a:fld id="{4A32CB03-0843-4AF8-BFB2-C9917854BC7E}" type="slidenum">
+              <a:rPr kumimoji="1" lang="ja-JP" altLang="en-US" smtClean="0"/>
+              <a:t>18</a:t>
+            </a:fld>
+            <a:endParaRPr kumimoji="1" lang="ja-JP" altLang="en-US"/>
+          </a:p>
+        </p:txBody>
+      </p:sp>
+    </p:spTree>
+    <p:extLst>
+      <p:ext uri="{BB962C8B-B14F-4D97-AF65-F5344CB8AC3E}">
+        <p14:creationId xmlns:p14="http://schemas.microsoft.com/office/powerpoint/2010/main" val="2142560469"/>
+      </p:ext>
+    </p:extLst>
+  </p:cSld>
+  <p:clrMapOvr>
+    <a:masterClrMapping/>
+  </p:clrMapOvr>
+</p:sld>
+</file>
+
+<file path=ppt/slides/slide19.xml><?xml version="1.0" encoding="utf-8"?>
+<p:sld xmlns:a="http://schemas.openxmlformats.org/drawingml/2006/main" xmlns:r="http://schemas.openxmlformats.org/officeDocument/2006/relationships" xmlns:p="http://schemas.openxmlformats.org/presentationml/2006/main">
+  <p:cSld>
+    <p:spTree>
+      <p:nvGrpSpPr>
+        <p:cNvPr id="1" name=""/>
+        <p:cNvGrpSpPr/>
+        <p:nvPr/>
+      </p:nvGrpSpPr>
+      <p:grpSpPr>
+        <a:xfrm>
+          <a:off x="0" y="0"/>
+          <a:ext cx="0" cy="0"/>
+          <a:chOff x="0" y="0"/>
+          <a:chExt cx="0" cy="0"/>
+        </a:xfrm>
+      </p:grpSpPr>
+      <p:sp>
+        <p:nvSpPr>
+          <p:cNvPr id="2" name="タイトル 1"/>
+          <p:cNvSpPr>
+            <a:spLocks noGrp="1"/>
+          </p:cNvSpPr>
+          <p:nvPr>
+            <p:ph type="title"/>
+          </p:nvPr>
+        </p:nvSpPr>
+        <p:spPr/>
+        <p:txBody>
+          <a:bodyPr/>
+          <a:lstStyle/>
+          <a:p>
+            <a:r>
+              <a:rPr kumimoji="1" lang="en-US" altLang="ja-JP" dirty="0" err="1" smtClean="0"/>
+              <a:t>Genearator</a:t>
+            </a:r>
+            <a:r>
+              <a:rPr kumimoji="1" lang="ja-JP" altLang="en-US" dirty="0" smtClean="0"/>
+              <a:t>の実行テスト</a:t>
+            </a:r>
+            <a:endParaRPr kumimoji="1" lang="ja-JP" altLang="en-US" dirty="0"/>
+          </a:p>
+        </p:txBody>
+      </p:sp>
+      <p:sp>
+        <p:nvSpPr>
+          <p:cNvPr id="4" name="スライド番号プレースホルダー 3"/>
+          <p:cNvSpPr>
+            <a:spLocks noGrp="1"/>
+          </p:cNvSpPr>
+          <p:nvPr>
+            <p:ph type="sldNum" sz="quarter" idx="12"/>
+          </p:nvPr>
+        </p:nvSpPr>
+        <p:spPr/>
+        <p:txBody>
+          <a:bodyPr/>
+          <a:lstStyle/>
+          <a:p>
+            <a:fld id="{4A32CB03-0843-4AF8-BFB2-C9917854BC7E}" type="slidenum">
+              <a:rPr kumimoji="1" lang="ja-JP" altLang="en-US" sz="2800" smtClean="0"/>
+              <a:t>19</a:t>
+            </a:fld>
+            <a:endParaRPr kumimoji="1" lang="ja-JP" altLang="en-US" dirty="0"/>
+          </a:p>
+        </p:txBody>
+      </p:sp>
+      <p:pic>
+        <p:nvPicPr>
+          <p:cNvPr id="3" name="図 2"/>
+          <p:cNvPicPr>
+            <a:picLocks noChangeAspect="1"/>
+          </p:cNvPicPr>
+          <p:nvPr/>
+        </p:nvPicPr>
+        <p:blipFill>
+          <a:blip r:embed="rId2"/>
+          <a:stretch>
+            <a:fillRect/>
+          </a:stretch>
+        </p:blipFill>
+        <p:spPr>
+          <a:xfrm>
+            <a:off x="1141095" y="1690689"/>
+            <a:ext cx="5647905" cy="3900141"/>
+          </a:xfrm>
+          <a:prstGeom prst="rect">
+            <a:avLst/>
+          </a:prstGeom>
+        </p:spPr>
+      </p:pic>
+    </p:spTree>
+    <p:extLst>
+      <p:ext uri="{BB962C8B-B14F-4D97-AF65-F5344CB8AC3E}">
+        <p14:creationId xmlns:p14="http://schemas.microsoft.com/office/powerpoint/2010/main" val="4257970129"/>
+      </p:ext>
+    </p:extLst>
+  </p:cSld>
+  <p:clrMapOvr>
+    <a:masterClrMapping/>
+  </p:clrMapOvr>
+</p:sld>
+</file>
+
+<file path=ppt/slides/slide2.xml><?xml version="1.0" encoding="utf-8"?>
+<p:sld xmlns:a="http://schemas.openxmlformats.org/drawingml/2006/main" xmlns:r="http://schemas.openxmlformats.org/officeDocument/2006/relationships" xmlns:p="http://schemas.openxmlformats.org/presentationml/2006/main">
+  <p:cSld>
+    <p:spTree>
+      <p:nvGrpSpPr>
+        <p:cNvPr id="1" name=""/>
+        <p:cNvGrpSpPr/>
+        <p:nvPr/>
+      </p:nvGrpSpPr>
+      <p:grpSpPr>
+        <a:xfrm>
+          <a:off x="0" y="0"/>
+          <a:ext cx="0" cy="0"/>
+          <a:chOff x="0" y="0"/>
+          <a:chExt cx="0" cy="0"/>
+        </a:xfrm>
+      </p:grpSpPr>
+      <p:sp>
+        <p:nvSpPr>
+          <p:cNvPr id="2" name="タイトル 1"/>
+          <p:cNvSpPr>
+            <a:spLocks noGrp="1"/>
+          </p:cNvSpPr>
+          <p:nvPr>
+            <p:ph type="title"/>
+          </p:nvPr>
+        </p:nvSpPr>
+        <p:spPr/>
+        <p:txBody>
+          <a:bodyPr/>
+          <a:lstStyle/>
+          <a:p>
+            <a:r>
+              <a:rPr lang="ja-JP" altLang="en-US" dirty="0" smtClean="0"/>
+              <a:t>今週の進捗</a:t>
+            </a:r>
+            <a:endParaRPr kumimoji="1" lang="ja-JP" altLang="en-US" dirty="0"/>
+          </a:p>
+        </p:txBody>
+      </p:sp>
+      <p:sp>
+        <p:nvSpPr>
+          <p:cNvPr id="3" name="コンテンツ プレースホルダー 2"/>
+          <p:cNvSpPr>
+            <a:spLocks noGrp="1"/>
+          </p:cNvSpPr>
+          <p:nvPr>
+            <p:ph idx="1"/>
+          </p:nvPr>
+        </p:nvSpPr>
+        <p:spPr/>
+        <p:txBody>
+          <a:bodyPr/>
+          <a:lstStyle/>
+          <a:p>
+            <a:pPr marL="0" indent="0">
+              <a:buNone/>
+            </a:pPr>
+            <a:r>
+              <a:rPr kumimoji="1" lang="ja-JP" altLang="en-US" dirty="0" smtClean="0"/>
+              <a:t>選択肢から正誤を判定するプログラムを作成した</a:t>
+            </a:r>
+            <a:endParaRPr kumimoji="1" lang="en-US" altLang="ja-JP" dirty="0" smtClean="0"/>
+          </a:p>
+          <a:p>
+            <a:pPr marL="0" indent="0">
+              <a:buNone/>
+            </a:pPr>
+            <a:r>
+              <a:rPr lang="ja-JP" altLang="en-US" dirty="0" smtClean="0"/>
+              <a:t>今回作成したプログラムは文章、問題を事前に用意しているため、</a:t>
+            </a:r>
+            <a:r>
+              <a:rPr lang="en-US" altLang="ja-JP" dirty="0" err="1" smtClean="0"/>
+              <a:t>Blockly</a:t>
+            </a:r>
+            <a:r>
+              <a:rPr lang="ja-JP" altLang="en-US" dirty="0" smtClean="0"/>
+              <a:t>によって生成されたコードを利用して問題を作成できるかはわからない</a:t>
+            </a:r>
+            <a:endParaRPr kumimoji="1" lang="en-US" altLang="ja-JP" dirty="0" smtClean="0"/>
+          </a:p>
+        </p:txBody>
+      </p:sp>
+      <p:sp>
+        <p:nvSpPr>
+          <p:cNvPr id="4" name="スライド番号プレースホルダー 3"/>
+          <p:cNvSpPr>
+            <a:spLocks noGrp="1"/>
+          </p:cNvSpPr>
+          <p:nvPr>
+            <p:ph type="sldNum" sz="quarter" idx="12"/>
+          </p:nvPr>
+        </p:nvSpPr>
+        <p:spPr/>
+        <p:txBody>
+          <a:bodyPr/>
+          <a:lstStyle/>
+          <a:p>
+            <a:fld id="{4A32CB03-0843-4AF8-BFB2-C9917854BC7E}" type="slidenum">
+              <a:rPr kumimoji="1" lang="ja-JP" altLang="en-US" sz="2800" smtClean="0"/>
+              <a:t>2</a:t>
+            </a:fld>
+            <a:endParaRPr kumimoji="1" lang="ja-JP" altLang="en-US" dirty="0"/>
+          </a:p>
+        </p:txBody>
+      </p:sp>
+    </p:spTree>
+    <p:extLst>
+      <p:ext uri="{BB962C8B-B14F-4D97-AF65-F5344CB8AC3E}">
+        <p14:creationId xmlns:p14="http://schemas.microsoft.com/office/powerpoint/2010/main" val="3564727157"/>
+      </p:ext>
+    </p:extLst>
+  </p:cSld>
+  <p:clrMapOvr>
+    <a:masterClrMapping/>
+  </p:clrMapOvr>
+</p:sld>
+</file>
+
+<file path=ppt/slides/slide20.xml><?xml version="1.0" encoding="utf-8"?>
+<p:sld xmlns:a="http://schemas.openxmlformats.org/drawingml/2006/main" xmlns:r="http://schemas.openxmlformats.org/officeDocument/2006/relationships" xmlns:p="http://schemas.openxmlformats.org/presentationml/2006/main">
+  <p:cSld>
+    <p:spTree>
+      <p:nvGrpSpPr>
+        <p:cNvPr id="1" name=""/>
+        <p:cNvGrpSpPr/>
+        <p:nvPr/>
+      </p:nvGrpSpPr>
+      <p:grpSpPr>
+        <a:xfrm>
+          <a:off x="0" y="0"/>
+          <a:ext cx="0" cy="0"/>
+          <a:chOff x="0" y="0"/>
+          <a:chExt cx="0" cy="0"/>
+        </a:xfrm>
+      </p:grpSpPr>
+      <p:sp>
+        <p:nvSpPr>
+          <p:cNvPr id="2" name="タイトル 1"/>
+          <p:cNvSpPr>
+            <a:spLocks noGrp="1"/>
+          </p:cNvSpPr>
+          <p:nvPr>
+            <p:ph type="title"/>
+          </p:nvPr>
+        </p:nvSpPr>
+        <p:spPr/>
+        <p:txBody>
+          <a:bodyPr/>
+          <a:lstStyle/>
+          <a:p>
+            <a:r>
+              <a:rPr lang="en-US" altLang="ja-JP" dirty="0" err="1"/>
+              <a:t>Genearator</a:t>
+            </a:r>
+            <a:r>
+              <a:rPr lang="ja-JP" altLang="en-US" dirty="0"/>
+              <a:t>の実行テスト</a:t>
+            </a:r>
+            <a:endParaRPr kumimoji="1" lang="ja-JP" altLang="en-US" dirty="0"/>
+          </a:p>
+        </p:txBody>
+      </p:sp>
+      <p:sp>
+        <p:nvSpPr>
+          <p:cNvPr id="3" name="コンテンツ プレースホルダー 2"/>
+          <p:cNvSpPr>
+            <a:spLocks noGrp="1"/>
+          </p:cNvSpPr>
+          <p:nvPr>
+            <p:ph idx="1"/>
+          </p:nvPr>
+        </p:nvSpPr>
+        <p:spPr/>
+        <p:txBody>
+          <a:bodyPr/>
+          <a:lstStyle/>
+          <a:p>
+            <a:r>
+              <a:rPr kumimoji="1" lang="ja-JP" altLang="en-US" dirty="0" smtClean="0"/>
+              <a:t>図のようにブロックを組み合わせ、左側の</a:t>
+            </a:r>
+            <a:r>
+              <a:rPr kumimoji="1" lang="en-US" altLang="ja-JP" dirty="0" smtClean="0"/>
+              <a:t>Show </a:t>
+            </a:r>
+            <a:r>
+              <a:rPr kumimoji="1" lang="en-US" altLang="ja-JP" dirty="0" err="1" smtClean="0"/>
+              <a:t>javascript</a:t>
+            </a:r>
+            <a:r>
+              <a:rPr kumimoji="1" lang="ja-JP" altLang="en-US" dirty="0" smtClean="0"/>
+              <a:t>を押すと、ブロックからコードを生成する</a:t>
+            </a:r>
+            <a:r>
+              <a:rPr lang="ja-JP" altLang="en-US" dirty="0" smtClean="0"/>
+              <a:t>（ブロックに対応したコードを表示する）</a:t>
+            </a:r>
+            <a:endParaRPr lang="en-US" altLang="ja-JP" dirty="0" smtClean="0"/>
+          </a:p>
+          <a:p>
+            <a:r>
+              <a:rPr lang="ja-JP" altLang="en-US" dirty="0" smtClean="0"/>
+              <a:t>右側の</a:t>
+            </a:r>
+            <a:r>
+              <a:rPr lang="en-US" altLang="ja-JP" dirty="0" smtClean="0"/>
+              <a:t>Run JavaScript</a:t>
+            </a:r>
+            <a:r>
+              <a:rPr lang="ja-JP" altLang="en-US" dirty="0" smtClean="0"/>
+              <a:t>を押すと、コードを実行する</a:t>
+            </a:r>
+            <a:endParaRPr kumimoji="1" lang="en-US" altLang="ja-JP" dirty="0" smtClean="0"/>
+          </a:p>
+        </p:txBody>
+      </p:sp>
+      <p:sp>
+        <p:nvSpPr>
+          <p:cNvPr id="4" name="スライド番号プレースホルダー 3"/>
+          <p:cNvSpPr>
+            <a:spLocks noGrp="1"/>
+          </p:cNvSpPr>
+          <p:nvPr>
+            <p:ph type="sldNum" sz="quarter" idx="12"/>
+          </p:nvPr>
+        </p:nvSpPr>
+        <p:spPr/>
+        <p:txBody>
+          <a:bodyPr/>
+          <a:lstStyle/>
+          <a:p>
+            <a:fld id="{4A32CB03-0843-4AF8-BFB2-C9917854BC7E}" type="slidenum">
+              <a:rPr kumimoji="1" lang="ja-JP" altLang="en-US" sz="2800" smtClean="0"/>
+              <a:t>20</a:t>
+            </a:fld>
+            <a:endParaRPr kumimoji="1" lang="ja-JP" altLang="en-US" sz="2800" dirty="0"/>
+          </a:p>
+        </p:txBody>
+      </p:sp>
+    </p:spTree>
+    <p:extLst>
+      <p:ext uri="{BB962C8B-B14F-4D97-AF65-F5344CB8AC3E}">
+        <p14:creationId xmlns:p14="http://schemas.microsoft.com/office/powerpoint/2010/main" val="2997179172"/>
+      </p:ext>
+    </p:extLst>
+  </p:cSld>
+  <p:clrMapOvr>
+    <a:masterClrMapping/>
+  </p:clrMapOvr>
+</p:sld>
+</file>
+
+<file path=ppt/slides/slide21.xml><?xml version="1.0" encoding="utf-8"?>
+<p:sld xmlns:a="http://schemas.openxmlformats.org/drawingml/2006/main" xmlns:r="http://schemas.openxmlformats.org/officeDocument/2006/relationships" xmlns:p="http://schemas.openxmlformats.org/presentationml/2006/main">
+  <p:cSld>
+    <p:spTree>
+      <p:nvGrpSpPr>
+        <p:cNvPr id="1" name=""/>
+        <p:cNvGrpSpPr/>
+        <p:nvPr/>
+      </p:nvGrpSpPr>
+      <p:grpSpPr>
+        <a:xfrm>
+          <a:off x="0" y="0"/>
+          <a:ext cx="0" cy="0"/>
+          <a:chOff x="0" y="0"/>
+          <a:chExt cx="0" cy="0"/>
+        </a:xfrm>
+      </p:grpSpPr>
+      <p:sp>
+        <p:nvSpPr>
+          <p:cNvPr id="2" name="タイトル 1"/>
+          <p:cNvSpPr>
+            <a:spLocks noGrp="1"/>
+          </p:cNvSpPr>
+          <p:nvPr>
+            <p:ph type="title"/>
+          </p:nvPr>
+        </p:nvSpPr>
+        <p:spPr/>
+        <p:txBody>
+          <a:bodyPr/>
+          <a:lstStyle/>
+          <a:p>
+            <a:r>
+              <a:rPr lang="ja-JP" altLang="en-US" dirty="0"/>
+              <a:t>正誤</a:t>
+            </a:r>
+            <a:r>
+              <a:rPr lang="ja-JP" altLang="en-US" dirty="0" smtClean="0"/>
+              <a:t>を判定するプログラム</a:t>
+            </a:r>
+            <a:endParaRPr kumimoji="1" lang="ja-JP" altLang="en-US" dirty="0"/>
+          </a:p>
+        </p:txBody>
+      </p:sp>
+      <p:sp>
+        <p:nvSpPr>
+          <p:cNvPr id="3" name="コンテンツ プレースホルダー 2"/>
+          <p:cNvSpPr>
+            <a:spLocks noGrp="1"/>
+          </p:cNvSpPr>
+          <p:nvPr>
+            <p:ph idx="1"/>
+          </p:nvPr>
+        </p:nvSpPr>
+        <p:spPr/>
+        <p:txBody>
+          <a:bodyPr/>
+          <a:lstStyle/>
+          <a:p>
+            <a:r>
+              <a:rPr kumimoji="1" lang="ja-JP" altLang="en-US" dirty="0" smtClean="0"/>
+              <a:t>事前に用意した解答例と、</a:t>
+            </a:r>
+            <a:r>
+              <a:rPr kumimoji="1" lang="en-US" altLang="ja-JP" dirty="0" err="1" smtClean="0"/>
+              <a:t>Generater</a:t>
+            </a:r>
+            <a:r>
+              <a:rPr kumimoji="1" lang="ja-JP" altLang="en-US" dirty="0" smtClean="0"/>
+              <a:t>によって作成されたコードが等しいかどうか（完全一致）を判定するサンプルプログラムを作成した</a:t>
+            </a:r>
+            <a:endParaRPr kumimoji="1" lang="en-US" altLang="ja-JP" dirty="0" smtClean="0"/>
+          </a:p>
+          <a:p>
+            <a:endParaRPr kumimoji="1" lang="ja-JP" altLang="en-US" dirty="0"/>
+          </a:p>
+        </p:txBody>
+      </p:sp>
+      <p:sp>
+        <p:nvSpPr>
+          <p:cNvPr id="4" name="スライド番号プレースホルダー 3"/>
+          <p:cNvSpPr>
+            <a:spLocks noGrp="1"/>
+          </p:cNvSpPr>
+          <p:nvPr>
+            <p:ph type="sldNum" sz="quarter" idx="12"/>
+          </p:nvPr>
+        </p:nvSpPr>
+        <p:spPr/>
+        <p:txBody>
+          <a:bodyPr/>
+          <a:lstStyle/>
+          <a:p>
+            <a:fld id="{4A32CB03-0843-4AF8-BFB2-C9917854BC7E}" type="slidenum">
+              <a:rPr kumimoji="1" lang="ja-JP" altLang="en-US" smtClean="0"/>
+              <a:t>21</a:t>
+            </a:fld>
+            <a:endParaRPr kumimoji="1" lang="ja-JP" altLang="en-US"/>
+          </a:p>
+        </p:txBody>
+      </p:sp>
+    </p:spTree>
+    <p:extLst>
+      <p:ext uri="{BB962C8B-B14F-4D97-AF65-F5344CB8AC3E}">
+        <p14:creationId xmlns:p14="http://schemas.microsoft.com/office/powerpoint/2010/main" val="2287831747"/>
+      </p:ext>
+    </p:extLst>
+  </p:cSld>
+  <p:clrMapOvr>
+    <a:masterClrMapping/>
+  </p:clrMapOvr>
+</p:sld>
+</file>
+
+<file path=ppt/slides/slide22.xml><?xml version="1.0" encoding="utf-8"?>
+<p:sld xmlns:a="http://schemas.openxmlformats.org/drawingml/2006/main" xmlns:r="http://schemas.openxmlformats.org/officeDocument/2006/relationships" xmlns:p="http://schemas.openxmlformats.org/presentationml/2006/main">
+  <p:cSld>
+    <p:spTree>
+      <p:nvGrpSpPr>
+        <p:cNvPr id="1" name=""/>
+        <p:cNvGrpSpPr/>
+        <p:nvPr/>
+      </p:nvGrpSpPr>
+      <p:grpSpPr>
+        <a:xfrm>
+          <a:off x="0" y="0"/>
+          <a:ext cx="0" cy="0"/>
+          <a:chOff x="0" y="0"/>
+          <a:chExt cx="0" cy="0"/>
+        </a:xfrm>
+      </p:grpSpPr>
+      <p:sp>
+        <p:nvSpPr>
+          <p:cNvPr id="2" name="タイトル 1"/>
+          <p:cNvSpPr>
+            <a:spLocks noGrp="1"/>
+          </p:cNvSpPr>
+          <p:nvPr>
+            <p:ph type="title"/>
+          </p:nvPr>
+        </p:nvSpPr>
+        <p:spPr/>
+        <p:txBody>
+          <a:bodyPr/>
+          <a:lstStyle/>
+          <a:p>
+            <a:r>
+              <a:rPr lang="ja-JP" altLang="en-US" dirty="0"/>
+              <a:t>正誤</a:t>
+            </a:r>
+            <a:r>
+              <a:rPr lang="ja-JP" altLang="en-US" dirty="0" smtClean="0"/>
+              <a:t>判定</a:t>
+            </a:r>
+            <a:r>
+              <a:rPr kumimoji="1" lang="ja-JP" altLang="en-US" dirty="0" smtClean="0"/>
+              <a:t>デモ</a:t>
+            </a:r>
+            <a:endParaRPr kumimoji="1" lang="ja-JP" altLang="en-US" dirty="0"/>
+          </a:p>
+        </p:txBody>
+      </p:sp>
+      <p:sp>
+        <p:nvSpPr>
+          <p:cNvPr id="4" name="スライド番号プレースホルダー 3"/>
+          <p:cNvSpPr>
+            <a:spLocks noGrp="1"/>
+          </p:cNvSpPr>
+          <p:nvPr>
+            <p:ph type="sldNum" sz="quarter" idx="12"/>
+          </p:nvPr>
+        </p:nvSpPr>
+        <p:spPr/>
+        <p:txBody>
+          <a:bodyPr/>
+          <a:lstStyle/>
+          <a:p>
+            <a:fld id="{4A32CB03-0843-4AF8-BFB2-C9917854BC7E}" type="slidenum">
+              <a:rPr kumimoji="1" lang="ja-JP" altLang="en-US" smtClean="0"/>
+              <a:t>22</a:t>
+            </a:fld>
+            <a:endParaRPr kumimoji="1" lang="ja-JP" altLang="en-US"/>
+          </a:p>
+        </p:txBody>
+      </p:sp>
+      <p:pic>
+        <p:nvPicPr>
+          <p:cNvPr id="5" name="図 4"/>
+          <p:cNvPicPr>
+            <a:picLocks noChangeAspect="1"/>
+          </p:cNvPicPr>
+          <p:nvPr/>
+        </p:nvPicPr>
+        <p:blipFill>
+          <a:blip r:embed="rId2"/>
+          <a:stretch>
+            <a:fillRect/>
+          </a:stretch>
+        </p:blipFill>
+        <p:spPr>
+          <a:xfrm>
+            <a:off x="207586" y="2087744"/>
+            <a:ext cx="8844617" cy="4378340"/>
+          </a:xfrm>
+          <a:prstGeom prst="rect">
+            <a:avLst/>
+          </a:prstGeom>
+        </p:spPr>
+      </p:pic>
+    </p:spTree>
+    <p:extLst>
+      <p:ext uri="{BB962C8B-B14F-4D97-AF65-F5344CB8AC3E}">
+        <p14:creationId xmlns:p14="http://schemas.microsoft.com/office/powerpoint/2010/main" val="1473290671"/>
+      </p:ext>
+    </p:extLst>
+  </p:cSld>
+  <p:clrMapOvr>
+    <a:masterClrMapping/>
+  </p:clrMapOvr>
+</p:sld>
+</file>
+
+<file path=ppt/slides/slide23.xml><?xml version="1.0" encoding="utf-8"?>
+<p:sld xmlns:a="http://schemas.openxmlformats.org/drawingml/2006/main" xmlns:r="http://schemas.openxmlformats.org/officeDocument/2006/relationships" xmlns:p="http://schemas.openxmlformats.org/presentationml/2006/main">
+  <p:cSld>
+    <p:spTree>
+      <p:nvGrpSpPr>
+        <p:cNvPr id="1" name=""/>
+        <p:cNvGrpSpPr/>
+        <p:nvPr/>
+      </p:nvGrpSpPr>
+      <p:grpSpPr>
+        <a:xfrm>
+          <a:off x="0" y="0"/>
+          <a:ext cx="0" cy="0"/>
+          <a:chOff x="0" y="0"/>
+          <a:chExt cx="0" cy="0"/>
+        </a:xfrm>
+      </p:grpSpPr>
+      <p:sp>
+        <p:nvSpPr>
+          <p:cNvPr id="2" name="タイトル 1"/>
+          <p:cNvSpPr>
+            <a:spLocks noGrp="1"/>
+          </p:cNvSpPr>
+          <p:nvPr>
+            <p:ph type="title"/>
+          </p:nvPr>
+        </p:nvSpPr>
+        <p:spPr/>
+        <p:txBody>
+          <a:bodyPr/>
+          <a:lstStyle/>
+          <a:p>
+            <a:r>
+              <a:rPr kumimoji="1" lang="ja-JP" altLang="en-US" dirty="0" smtClean="0"/>
+              <a:t>穴あき問題を作成する</a:t>
+            </a:r>
+            <a:endParaRPr kumimoji="1" lang="ja-JP" altLang="en-US" dirty="0"/>
+          </a:p>
+        </p:txBody>
+      </p:sp>
+      <p:sp>
+        <p:nvSpPr>
+          <p:cNvPr id="3" name="コンテンツ プレースホルダー 2"/>
+          <p:cNvSpPr>
+            <a:spLocks noGrp="1"/>
+          </p:cNvSpPr>
+          <p:nvPr>
+            <p:ph idx="1"/>
+          </p:nvPr>
+        </p:nvSpPr>
+        <p:spPr/>
+        <p:txBody>
+          <a:bodyPr/>
+          <a:lstStyle/>
+          <a:p>
+            <a:endParaRPr kumimoji="1" lang="ja-JP" altLang="en-US" dirty="0"/>
+          </a:p>
+        </p:txBody>
+      </p:sp>
+      <p:sp>
+        <p:nvSpPr>
+          <p:cNvPr id="4" name="スライド番号プレースホルダー 3"/>
+          <p:cNvSpPr>
+            <a:spLocks noGrp="1"/>
+          </p:cNvSpPr>
+          <p:nvPr>
+            <p:ph type="sldNum" sz="quarter" idx="12"/>
+          </p:nvPr>
+        </p:nvSpPr>
+        <p:spPr/>
+        <p:txBody>
+          <a:bodyPr/>
+          <a:lstStyle/>
+          <a:p>
+            <a:fld id="{4A32CB03-0843-4AF8-BFB2-C9917854BC7E}" type="slidenum">
+              <a:rPr kumimoji="1" lang="ja-JP" altLang="en-US" smtClean="0"/>
+              <a:t>23</a:t>
+            </a:fld>
+            <a:endParaRPr kumimoji="1" lang="ja-JP" altLang="en-US"/>
+          </a:p>
+        </p:txBody>
+      </p:sp>
+      <p:pic>
+        <p:nvPicPr>
+          <p:cNvPr id="5" name="図 4"/>
+          <p:cNvPicPr>
+            <a:picLocks noChangeAspect="1"/>
+          </p:cNvPicPr>
+          <p:nvPr/>
+        </p:nvPicPr>
+        <p:blipFill>
+          <a:blip r:embed="rId2"/>
+          <a:stretch>
+            <a:fillRect/>
+          </a:stretch>
+        </p:blipFill>
+        <p:spPr>
+          <a:xfrm>
+            <a:off x="472810" y="1825625"/>
+            <a:ext cx="8612668" cy="4243402"/>
+          </a:xfrm>
+          <a:prstGeom prst="rect">
+            <a:avLst/>
+          </a:prstGeom>
+        </p:spPr>
+      </p:pic>
+    </p:spTree>
+    <p:extLst>
+      <p:ext uri="{BB962C8B-B14F-4D97-AF65-F5344CB8AC3E}">
+        <p14:creationId xmlns:p14="http://schemas.microsoft.com/office/powerpoint/2010/main" val="4017269996"/>
+      </p:ext>
+    </p:extLst>
+  </p:cSld>
+  <p:clrMapOvr>
+    <a:masterClrMapping/>
+  </p:clrMapOvr>
+</p:sld>
+</file>
+
+<file path=ppt/slides/slide24.xml><?xml version="1.0" encoding="utf-8"?>
+<p:sld xmlns:a="http://schemas.openxmlformats.org/drawingml/2006/main" xmlns:r="http://schemas.openxmlformats.org/officeDocument/2006/relationships" xmlns:p="http://schemas.openxmlformats.org/presentationml/2006/main">
+  <p:cSld>
+    <p:spTree>
+      <p:nvGrpSpPr>
+        <p:cNvPr id="1" name=""/>
+        <p:cNvGrpSpPr/>
+        <p:nvPr/>
+      </p:nvGrpSpPr>
+      <p:grpSpPr>
+        <a:xfrm>
+          <a:off x="0" y="0"/>
+          <a:ext cx="0" cy="0"/>
+          <a:chOff x="0" y="0"/>
+          <a:chExt cx="0" cy="0"/>
+        </a:xfrm>
+      </p:grpSpPr>
+      <p:sp>
+        <p:nvSpPr>
+          <p:cNvPr id="2" name="タイトル 1"/>
+          <p:cNvSpPr>
+            <a:spLocks noGrp="1"/>
+          </p:cNvSpPr>
+          <p:nvPr>
+            <p:ph type="title"/>
+          </p:nvPr>
+        </p:nvSpPr>
+        <p:spPr/>
+        <p:txBody>
+          <a:bodyPr/>
+          <a:lstStyle/>
+          <a:p>
+            <a:r>
+              <a:rPr kumimoji="1" lang="ja-JP" altLang="en-US" dirty="0" smtClean="0"/>
+              <a:t>穴あき問題の作成</a:t>
+            </a:r>
+            <a:endParaRPr kumimoji="1" lang="ja-JP" altLang="en-US" dirty="0"/>
+          </a:p>
+        </p:txBody>
+      </p:sp>
+      <p:sp>
+        <p:nvSpPr>
+          <p:cNvPr id="3" name="コンテンツ プレースホルダー 2"/>
+          <p:cNvSpPr>
+            <a:spLocks noGrp="1"/>
+          </p:cNvSpPr>
+          <p:nvPr>
+            <p:ph idx="1"/>
+          </p:nvPr>
+        </p:nvSpPr>
+        <p:spPr/>
+        <p:txBody>
+          <a:bodyPr/>
+          <a:lstStyle/>
+          <a:p>
+            <a:r>
+              <a:rPr lang="ja-JP" altLang="en-US" dirty="0" smtClean="0"/>
+              <a:t>画面（</a:t>
+            </a:r>
+            <a:r>
+              <a:rPr lang="en-US" altLang="ja-JP" dirty="0" smtClean="0"/>
+              <a:t>7/9</a:t>
+            </a:r>
+            <a:r>
+              <a:rPr lang="ja-JP" altLang="en-US" dirty="0" smtClean="0"/>
+              <a:t>時点）の</a:t>
+            </a:r>
+            <a:r>
+              <a:rPr lang="en-US" altLang="ja-JP" dirty="0" smtClean="0"/>
+              <a:t>question2</a:t>
+            </a:r>
+            <a:r>
+              <a:rPr lang="ja-JP" altLang="en-US" dirty="0" smtClean="0"/>
+              <a:t>のボタンを押すとランダムで一か所を隠す</a:t>
+            </a:r>
+            <a:endParaRPr lang="en-US" altLang="ja-JP" dirty="0" smtClean="0"/>
+          </a:p>
+          <a:p>
+            <a:r>
+              <a:rPr lang="ja-JP" altLang="en-US" dirty="0"/>
+              <a:t>複</a:t>
+            </a:r>
+            <a:r>
+              <a:rPr lang="ja-JP" altLang="en-US" dirty="0" smtClean="0"/>
+              <a:t>数回押した場合は場所が変わる（隠れる場所は一か所）</a:t>
+            </a:r>
+            <a:endParaRPr lang="en-US" altLang="ja-JP" dirty="0" smtClean="0"/>
+          </a:p>
+          <a:p>
+            <a:r>
+              <a:rPr lang="ja-JP" altLang="en-US" dirty="0"/>
+              <a:t>これ</a:t>
+            </a:r>
+            <a:r>
+              <a:rPr lang="ja-JP" altLang="en-US" dirty="0" smtClean="0"/>
+              <a:t>はプログラムを変えれば複数個所を隠すことも可能</a:t>
+            </a:r>
+            <a:endParaRPr lang="en-US" altLang="ja-JP" dirty="0" smtClean="0"/>
+          </a:p>
+          <a:p>
+            <a:r>
+              <a:rPr lang="en-US" altLang="ja-JP" dirty="0" smtClean="0"/>
+              <a:t>Question1</a:t>
+            </a:r>
+            <a:r>
+              <a:rPr lang="ja-JP" altLang="en-US" dirty="0" smtClean="0"/>
+              <a:t>のボタンを押すと隠れていない状態のコードを表示</a:t>
+            </a:r>
+            <a:endParaRPr lang="en-US" altLang="ja-JP" dirty="0" smtClean="0"/>
+          </a:p>
+        </p:txBody>
+      </p:sp>
+      <p:sp>
+        <p:nvSpPr>
+          <p:cNvPr id="4" name="スライド番号プレースホルダー 3"/>
+          <p:cNvSpPr>
+            <a:spLocks noGrp="1"/>
+          </p:cNvSpPr>
+          <p:nvPr>
+            <p:ph type="sldNum" sz="quarter" idx="12"/>
+          </p:nvPr>
+        </p:nvSpPr>
+        <p:spPr/>
+        <p:txBody>
+          <a:bodyPr/>
+          <a:lstStyle/>
+          <a:p>
+            <a:fld id="{4A32CB03-0843-4AF8-BFB2-C9917854BC7E}" type="slidenum">
+              <a:rPr kumimoji="1" lang="ja-JP" altLang="en-US" smtClean="0"/>
+              <a:t>24</a:t>
+            </a:fld>
+            <a:endParaRPr kumimoji="1" lang="ja-JP" altLang="en-US"/>
+          </a:p>
+        </p:txBody>
+      </p:sp>
+    </p:spTree>
+    <p:extLst>
+      <p:ext uri="{BB962C8B-B14F-4D97-AF65-F5344CB8AC3E}">
+        <p14:creationId xmlns:p14="http://schemas.microsoft.com/office/powerpoint/2010/main" val="755709697"/>
+      </p:ext>
+    </p:extLst>
+  </p:cSld>
+  <p:clrMapOvr>
+    <a:masterClrMapping/>
+  </p:clrMapOvr>
+</p:sld>
+</file>
+
+<file path=ppt/slides/slide25.xml><?xml version="1.0" encoding="utf-8"?>
+<p:sld xmlns:a="http://schemas.openxmlformats.org/drawingml/2006/main" xmlns:r="http://schemas.openxmlformats.org/officeDocument/2006/relationships" xmlns:p="http://schemas.openxmlformats.org/presentationml/2006/main">
+  <p:cSld>
+    <p:spTree>
+      <p:nvGrpSpPr>
+        <p:cNvPr id="1" name=""/>
+        <p:cNvGrpSpPr/>
+        <p:nvPr/>
+      </p:nvGrpSpPr>
+      <p:grpSpPr>
+        <a:xfrm>
+          <a:off x="0" y="0"/>
+          <a:ext cx="0" cy="0"/>
+          <a:chOff x="0" y="0"/>
+          <a:chExt cx="0" cy="0"/>
+        </a:xfrm>
+      </p:grpSpPr>
+      <p:sp>
+        <p:nvSpPr>
+          <p:cNvPr id="2" name="タイトル 1"/>
+          <p:cNvSpPr>
+            <a:spLocks noGrp="1"/>
+          </p:cNvSpPr>
+          <p:nvPr>
+            <p:ph type="title"/>
+          </p:nvPr>
+        </p:nvSpPr>
+        <p:spPr/>
+        <p:txBody>
+          <a:bodyPr/>
+          <a:lstStyle/>
+          <a:p>
+            <a:r>
+              <a:rPr kumimoji="1" lang="ja-JP" altLang="en-US" dirty="0" smtClean="0"/>
+              <a:t>穴あき問題作成の問題点</a:t>
+            </a:r>
+            <a:endParaRPr kumimoji="1" lang="ja-JP" altLang="en-US" dirty="0"/>
+          </a:p>
+        </p:txBody>
+      </p:sp>
+      <p:sp>
+        <p:nvSpPr>
+          <p:cNvPr id="3" name="コンテンツ プレースホルダー 2"/>
+          <p:cNvSpPr>
+            <a:spLocks noGrp="1"/>
+          </p:cNvSpPr>
+          <p:nvPr>
+            <p:ph idx="1"/>
+          </p:nvPr>
+        </p:nvSpPr>
+        <p:spPr>
+          <a:xfrm>
+            <a:off x="628650" y="1825625"/>
+            <a:ext cx="8135024" cy="4351338"/>
+          </a:xfrm>
+        </p:spPr>
+        <p:txBody>
+          <a:bodyPr>
+            <a:normAutofit fontScale="85000" lnSpcReduction="20000"/>
+          </a:bodyPr>
+          <a:lstStyle/>
+          <a:p>
+            <a:pPr marL="0" indent="0">
+              <a:buNone/>
+            </a:pPr>
+            <a:r>
+              <a:rPr lang="ja-JP" altLang="en-US" dirty="0"/>
+              <a:t>現在の問題点：</a:t>
+            </a:r>
+          </a:p>
+          <a:p>
+            <a:pPr marL="0" indent="0">
+              <a:buNone/>
+            </a:pPr>
+            <a:r>
+              <a:rPr lang="ja-JP" altLang="en-US" dirty="0" smtClean="0"/>
+              <a:t>    現在</a:t>
+            </a:r>
+            <a:r>
+              <a:rPr lang="ja-JP" altLang="en-US" dirty="0"/>
+              <a:t>半角スペースを区切り文字として文字列を配列に変換している関係上、改行では区切られない</a:t>
+            </a:r>
+          </a:p>
+          <a:p>
+            <a:pPr marL="0" indent="0">
+              <a:buNone/>
+            </a:pPr>
+            <a:r>
+              <a:rPr lang="ja-JP" altLang="en-US" dirty="0"/>
+              <a:t>    →例えば</a:t>
+            </a:r>
+            <a:r>
+              <a:rPr lang="en-US" altLang="ja-JP" dirty="0"/>
+              <a:t>else:</a:t>
+            </a:r>
+            <a:r>
+              <a:rPr lang="ja-JP" altLang="en-US" dirty="0"/>
+              <a:t>などの次に改行し、次の行で書き始めた最後の単語までを一つとして分かれている</a:t>
+            </a:r>
+          </a:p>
+          <a:p>
+            <a:pPr marL="0" indent="0">
+              <a:buNone/>
+            </a:pPr>
+            <a:r>
+              <a:rPr lang="ja-JP" altLang="en-US" dirty="0"/>
+              <a:t>    →改行を区切り文字として含めるとインデントが消える</a:t>
+            </a:r>
+          </a:p>
+          <a:p>
+            <a:pPr marL="0" indent="0">
+              <a:buNone/>
+            </a:pPr>
+            <a:r>
+              <a:rPr lang="ja-JP" altLang="en-US" dirty="0"/>
+              <a:t>    </a:t>
+            </a:r>
+            <a:r>
+              <a:rPr lang="en-US" altLang="ja-JP" dirty="0"/>
+              <a:t>print()</a:t>
+            </a:r>
+            <a:r>
+              <a:rPr lang="ja-JP" altLang="en-US" dirty="0" err="1"/>
+              <a:t>のように</a:t>
+            </a:r>
+            <a:r>
+              <a:rPr lang="ja-JP" altLang="en-US" dirty="0"/>
+              <a:t>関数が含まれる場合に、</a:t>
+            </a:r>
+            <a:r>
+              <a:rPr lang="en-US" altLang="ja-JP" dirty="0"/>
+              <a:t>print("hello world")</a:t>
+            </a:r>
+            <a:r>
+              <a:rPr lang="ja-JP" altLang="en-US" dirty="0"/>
+              <a:t>の”</a:t>
+            </a:r>
+            <a:r>
+              <a:rPr lang="en-US" altLang="ja-JP" dirty="0"/>
+              <a:t>print("hello”</a:t>
+            </a:r>
+            <a:r>
+              <a:rPr lang="ja-JP" altLang="en-US" dirty="0" err="1"/>
+              <a:t>までを</a:t>
+            </a:r>
+            <a:r>
+              <a:rPr lang="ja-JP" altLang="en-US" dirty="0"/>
+              <a:t>単語として認識している</a:t>
+            </a:r>
+          </a:p>
+          <a:p>
+            <a:pPr marL="0" indent="0">
+              <a:buNone/>
+            </a:pPr>
+            <a:r>
+              <a:rPr lang="ja-JP" altLang="en-US" dirty="0"/>
+              <a:t>    →穴埋めを生成するにあたって、</a:t>
+            </a:r>
+            <a:r>
+              <a:rPr lang="en-US" altLang="ja-JP" dirty="0"/>
+              <a:t>()</a:t>
+            </a:r>
+            <a:r>
+              <a:rPr lang="ja-JP" altLang="en-US" dirty="0"/>
+              <a:t>などを認識して区切りたい</a:t>
+            </a:r>
+          </a:p>
+          <a:p>
+            <a:pPr marL="0" indent="0">
+              <a:buNone/>
+            </a:pPr>
+            <a:r>
+              <a:rPr lang="ja-JP" altLang="en-US" dirty="0"/>
+              <a:t>    →（）は配列（文章）に</a:t>
+            </a:r>
+            <a:r>
+              <a:rPr lang="ja-JP" altLang="en-US"/>
+              <a:t>残して</a:t>
+            </a:r>
+            <a:r>
+              <a:rPr lang="ja-JP" altLang="en-US" smtClean="0"/>
+              <a:t>おきたい</a:t>
+            </a:r>
+            <a:endParaRPr lang="ja-JP" altLang="en-US" dirty="0"/>
+          </a:p>
+          <a:p>
+            <a:endParaRPr kumimoji="1" lang="ja-JP" altLang="en-US" dirty="0"/>
+          </a:p>
+        </p:txBody>
+      </p:sp>
+      <p:sp>
+        <p:nvSpPr>
+          <p:cNvPr id="4" name="スライド番号プレースホルダー 3"/>
+          <p:cNvSpPr>
+            <a:spLocks noGrp="1"/>
+          </p:cNvSpPr>
+          <p:nvPr>
+            <p:ph type="sldNum" sz="quarter" idx="12"/>
+          </p:nvPr>
+        </p:nvSpPr>
+        <p:spPr/>
+        <p:txBody>
+          <a:bodyPr/>
+          <a:lstStyle/>
+          <a:p>
+            <a:fld id="{4A32CB03-0843-4AF8-BFB2-C9917854BC7E}" type="slidenum">
+              <a:rPr kumimoji="1" lang="ja-JP" altLang="en-US" smtClean="0"/>
+              <a:t>25</a:t>
+            </a:fld>
+            <a:endParaRPr kumimoji="1" lang="ja-JP" altLang="en-US"/>
+          </a:p>
+        </p:txBody>
+      </p:sp>
+    </p:spTree>
+    <p:extLst>
+      <p:ext uri="{BB962C8B-B14F-4D97-AF65-F5344CB8AC3E}">
+        <p14:creationId xmlns:p14="http://schemas.microsoft.com/office/powerpoint/2010/main" val="2927240973"/>
+      </p:ext>
+    </p:extLst>
+  </p:cSld>
+  <p:clrMapOvr>
+    <a:masterClrMapping/>
+  </p:clrMapOvr>
+</p:sld>
+</file>
+
+<file path=ppt/slides/slide3.xml><?xml version="1.0" encoding="utf-8"?>
+<p:sld xmlns:a="http://schemas.openxmlformats.org/drawingml/2006/main" xmlns:r="http://schemas.openxmlformats.org/officeDocument/2006/relationships" xmlns:p="http://schemas.openxmlformats.org/presentationml/2006/main">
+  <p:cSld>
+    <p:spTree>
+      <p:nvGrpSpPr>
+        <p:cNvPr id="1" name=""/>
+        <p:cNvGrpSpPr/>
+        <p:nvPr/>
+      </p:nvGrpSpPr>
+      <p:grpSpPr>
+        <a:xfrm>
+          <a:off x="0" y="0"/>
+          <a:ext cx="0" cy="0"/>
+          <a:chOff x="0" y="0"/>
+          <a:chExt cx="0" cy="0"/>
+        </a:xfrm>
+      </p:grpSpPr>
+      <p:sp>
+        <p:nvSpPr>
+          <p:cNvPr id="2" name="タイトル 1"/>
+          <p:cNvSpPr>
+            <a:spLocks noGrp="1"/>
+          </p:cNvSpPr>
+          <p:nvPr>
+            <p:ph type="title"/>
+          </p:nvPr>
+        </p:nvSpPr>
+        <p:spPr/>
+        <p:txBody>
+          <a:bodyPr/>
+          <a:lstStyle/>
+          <a:p>
+            <a:r>
+              <a:rPr lang="ja-JP" altLang="en-US" dirty="0" smtClean="0"/>
+              <a:t>選択式から選んで正誤を判定するプログラム</a:t>
+            </a:r>
+            <a:endParaRPr kumimoji="1" lang="ja-JP" altLang="en-US" dirty="0"/>
+          </a:p>
+        </p:txBody>
+      </p:sp>
+      <p:sp>
+        <p:nvSpPr>
+          <p:cNvPr id="4" name="スライド番号プレースホルダー 3"/>
+          <p:cNvSpPr>
+            <a:spLocks noGrp="1"/>
+          </p:cNvSpPr>
+          <p:nvPr>
+            <p:ph type="sldNum" sz="quarter" idx="12"/>
+          </p:nvPr>
+        </p:nvSpPr>
+        <p:spPr/>
+        <p:txBody>
+          <a:bodyPr/>
+          <a:lstStyle/>
+          <a:p>
+            <a:fld id="{4A32CB03-0843-4AF8-BFB2-C9917854BC7E}" type="slidenum">
+              <a:rPr kumimoji="1" lang="ja-JP" altLang="en-US" smtClean="0"/>
+              <a:t>3</a:t>
+            </a:fld>
+            <a:endParaRPr kumimoji="1" lang="ja-JP" altLang="en-US"/>
+          </a:p>
+        </p:txBody>
+      </p:sp>
+      <p:pic>
+        <p:nvPicPr>
+          <p:cNvPr id="5" name="図 4"/>
+          <p:cNvPicPr>
+            <a:picLocks noChangeAspect="1"/>
+          </p:cNvPicPr>
+          <p:nvPr/>
+        </p:nvPicPr>
+        <p:blipFill>
+          <a:blip r:embed="rId2"/>
+          <a:stretch>
+            <a:fillRect/>
+          </a:stretch>
+        </p:blipFill>
+        <p:spPr>
+          <a:xfrm>
+            <a:off x="2797316" y="1808157"/>
+            <a:ext cx="2972306" cy="4730756"/>
+          </a:xfrm>
+          <a:prstGeom prst="rect">
+            <a:avLst/>
+          </a:prstGeom>
+        </p:spPr>
+      </p:pic>
+    </p:spTree>
+    <p:extLst>
+      <p:ext uri="{BB962C8B-B14F-4D97-AF65-F5344CB8AC3E}">
+        <p14:creationId xmlns:p14="http://schemas.microsoft.com/office/powerpoint/2010/main" val="1471446867"/>
+      </p:ext>
+    </p:extLst>
+  </p:cSld>
+  <p:clrMapOvr>
+    <a:masterClrMapping/>
+  </p:clrMapOvr>
+</p:sld>
+</file>
+
+<file path=ppt/slides/slide4.xml><?xml version="1.0" encoding="utf-8"?>
+<p:sld xmlns:a="http://schemas.openxmlformats.org/drawingml/2006/main" xmlns:r="http://schemas.openxmlformats.org/officeDocument/2006/relationships" xmlns:p="http://schemas.openxmlformats.org/presentationml/2006/main">
+  <p:cSld>
+    <p:spTree>
+      <p:nvGrpSpPr>
+        <p:cNvPr id="1" name=""/>
+        <p:cNvGrpSpPr/>
+        <p:nvPr/>
+      </p:nvGrpSpPr>
+      <p:grpSpPr>
+        <a:xfrm>
+          <a:off x="0" y="0"/>
+          <a:ext cx="0" cy="0"/>
+          <a:chOff x="0" y="0"/>
+          <a:chExt cx="0" cy="0"/>
+        </a:xfrm>
+      </p:grpSpPr>
+      <p:sp>
+        <p:nvSpPr>
+          <p:cNvPr id="2" name="タイトル 1"/>
+          <p:cNvSpPr>
+            <a:spLocks noGrp="1"/>
+          </p:cNvSpPr>
+          <p:nvPr>
+            <p:ph type="title"/>
+          </p:nvPr>
+        </p:nvSpPr>
+        <p:spPr/>
+        <p:txBody>
+          <a:bodyPr/>
+          <a:lstStyle/>
+          <a:p>
+            <a:r>
+              <a:rPr kumimoji="1" lang="ja-JP" altLang="en-US" dirty="0" smtClean="0"/>
+              <a:t>利用方法の模索</a:t>
+            </a:r>
+            <a:endParaRPr kumimoji="1" lang="ja-JP" altLang="en-US" dirty="0"/>
+          </a:p>
+        </p:txBody>
+      </p:sp>
+      <p:sp>
+        <p:nvSpPr>
+          <p:cNvPr id="3" name="コンテンツ プレースホルダー 2"/>
+          <p:cNvSpPr>
+            <a:spLocks noGrp="1"/>
+          </p:cNvSpPr>
+          <p:nvPr>
+            <p:ph idx="1"/>
+          </p:nvPr>
+        </p:nvSpPr>
+        <p:spPr/>
+        <p:txBody>
+          <a:bodyPr/>
+          <a:lstStyle/>
+          <a:p>
+            <a:r>
+              <a:rPr kumimoji="1" lang="en-US" altLang="ja-JP" dirty="0" err="1" smtClean="0"/>
+              <a:t>Blockly</a:t>
+            </a:r>
+            <a:r>
+              <a:rPr lang="ja-JP" altLang="en-US" dirty="0"/>
+              <a:t>に</a:t>
+            </a:r>
+            <a:r>
+              <a:rPr lang="ja-JP" altLang="en-US" dirty="0" smtClean="0"/>
+              <a:t>よって生成したコードは一つの文字列として利用できる、これを単語ごとに区切ることで、コードの一部を選択肢として利用できるかもしれない</a:t>
+            </a:r>
+            <a:endParaRPr lang="en-US" altLang="ja-JP" dirty="0" smtClean="0"/>
+          </a:p>
+          <a:p>
+            <a:pPr lvl="1"/>
+            <a:r>
+              <a:rPr kumimoji="1" lang="ja-JP" altLang="en-US" dirty="0" smtClean="0"/>
+              <a:t>文字列から単語として認識した</a:t>
+            </a:r>
+            <a:r>
+              <a:rPr kumimoji="1" lang="en-US" altLang="ja-JP" dirty="0" smtClean="0"/>
+              <a:t>”</a:t>
+            </a:r>
+            <a:r>
+              <a:rPr kumimoji="1" lang="en-US" altLang="ja-JP" dirty="0" err="1" smtClean="0"/>
+              <a:t>int</a:t>
+            </a:r>
+            <a:r>
+              <a:rPr kumimoji="1" lang="en-US" altLang="ja-JP" dirty="0" smtClean="0"/>
+              <a:t>”</a:t>
+            </a:r>
+            <a:r>
+              <a:rPr kumimoji="1" lang="ja-JP" altLang="en-US" dirty="0" smtClean="0"/>
+              <a:t>などの</a:t>
+            </a:r>
+            <a:r>
+              <a:rPr lang="ja-JP" altLang="en-US" dirty="0" smtClean="0"/>
+              <a:t>単語を</a:t>
+            </a:r>
+            <a:r>
+              <a:rPr lang="en-US" altLang="ja-JP" dirty="0" smtClean="0"/>
+              <a:t>html</a:t>
+            </a:r>
+            <a:r>
+              <a:rPr lang="ja-JP" altLang="en-US" dirty="0" smtClean="0"/>
+              <a:t>で利用できる文字列に変換するなど</a:t>
+            </a:r>
+            <a:endParaRPr lang="en-US" altLang="ja-JP" dirty="0" smtClean="0"/>
+          </a:p>
+          <a:p>
+            <a:r>
+              <a:rPr lang="ja-JP" altLang="en-US" dirty="0" smtClean="0"/>
+              <a:t>今回は</a:t>
+            </a:r>
+            <a:r>
+              <a:rPr lang="en-US" altLang="ja-JP" dirty="0" smtClean="0"/>
+              <a:t>html</a:t>
+            </a:r>
+            <a:r>
+              <a:rPr lang="ja-JP" altLang="en-US" dirty="0" smtClean="0"/>
+              <a:t>の</a:t>
+            </a:r>
+            <a:r>
+              <a:rPr lang="en-US" altLang="ja-JP" dirty="0" smtClean="0"/>
+              <a:t>select</a:t>
+            </a:r>
+            <a:r>
+              <a:rPr lang="ja-JP" altLang="en-US" dirty="0" smtClean="0"/>
+              <a:t>タグを使って選択肢を生成しているが、</a:t>
+            </a:r>
+            <a:r>
+              <a:rPr lang="en-US" altLang="ja-JP" dirty="0" err="1" smtClean="0"/>
+              <a:t>Javascript</a:t>
+            </a:r>
+            <a:r>
+              <a:rPr lang="ja-JP" altLang="en-US" smtClean="0"/>
+              <a:t>で選択肢の生成もできると、上の方法より簡単かもしれない</a:t>
+            </a:r>
+            <a:endParaRPr lang="en-US" altLang="ja-JP" smtClean="0"/>
+          </a:p>
+        </p:txBody>
+      </p:sp>
+      <p:sp>
+        <p:nvSpPr>
+          <p:cNvPr id="4" name="スライド番号プレースホルダー 3"/>
+          <p:cNvSpPr>
+            <a:spLocks noGrp="1"/>
+          </p:cNvSpPr>
+          <p:nvPr>
+            <p:ph type="sldNum" sz="quarter" idx="12"/>
+          </p:nvPr>
+        </p:nvSpPr>
+        <p:spPr/>
+        <p:txBody>
+          <a:bodyPr/>
+          <a:lstStyle/>
+          <a:p>
+            <a:fld id="{4A32CB03-0843-4AF8-BFB2-C9917854BC7E}" type="slidenum">
+              <a:rPr kumimoji="1" lang="ja-JP" altLang="en-US" smtClean="0"/>
+              <a:t>4</a:t>
+            </a:fld>
+            <a:endParaRPr kumimoji="1" lang="ja-JP" altLang="en-US"/>
+          </a:p>
+        </p:txBody>
+      </p:sp>
+    </p:spTree>
+    <p:extLst>
+      <p:ext uri="{BB962C8B-B14F-4D97-AF65-F5344CB8AC3E}">
+        <p14:creationId xmlns:p14="http://schemas.microsoft.com/office/powerpoint/2010/main" val="3837190238"/>
+      </p:ext>
+    </p:extLst>
+  </p:cSld>
+  <p:clrMapOvr>
+    <a:masterClrMapping/>
+  </p:clrMapOvr>
+</p:sld>
+</file>
+
+<file path=ppt/slides/slide5.xml><?xml version="1.0" encoding="utf-8"?>
+<p:sld xmlns:a="http://schemas.openxmlformats.org/drawingml/2006/main" xmlns:r="http://schemas.openxmlformats.org/officeDocument/2006/relationships" xmlns:p="http://schemas.openxmlformats.org/presentationml/2006/main">
+  <p:cSld>
+    <p:spTree>
+      <p:nvGrpSpPr>
+        <p:cNvPr id="1" name=""/>
+        <p:cNvGrpSpPr/>
+        <p:nvPr/>
+      </p:nvGrpSpPr>
+      <p:grpSpPr>
+        <a:xfrm>
+          <a:off x="0" y="0"/>
+          <a:ext cx="0" cy="0"/>
+          <a:chOff x="0" y="0"/>
+          <a:chExt cx="0" cy="0"/>
+        </a:xfrm>
+      </p:grpSpPr>
+      <p:sp>
+        <p:nvSpPr>
+          <p:cNvPr id="2" name="タイトル 1"/>
+          <p:cNvSpPr>
+            <a:spLocks noGrp="1"/>
+          </p:cNvSpPr>
+          <p:nvPr>
+            <p:ph type="title"/>
+          </p:nvPr>
+        </p:nvSpPr>
+        <p:spPr/>
+        <p:txBody>
+          <a:bodyPr/>
+          <a:lstStyle/>
+          <a:p>
+            <a:r>
+              <a:rPr kumimoji="1" lang="ja-JP" altLang="en-US" dirty="0" smtClean="0"/>
+              <a:t>ブロックプログラミングとは何か</a:t>
+            </a:r>
+            <a:endParaRPr kumimoji="1" lang="ja-JP" altLang="en-US" dirty="0"/>
+          </a:p>
+        </p:txBody>
+      </p:sp>
+      <p:sp>
+        <p:nvSpPr>
+          <p:cNvPr id="4" name="スライド番号プレースホルダー 3"/>
+          <p:cNvSpPr>
+            <a:spLocks noGrp="1"/>
+          </p:cNvSpPr>
+          <p:nvPr>
+            <p:ph type="sldNum" sz="quarter" idx="12"/>
+          </p:nvPr>
+        </p:nvSpPr>
+        <p:spPr/>
+        <p:txBody>
+          <a:bodyPr/>
+          <a:lstStyle/>
+          <a:p>
+            <a:fld id="{4A32CB03-0843-4AF8-BFB2-C9917854BC7E}" type="slidenum">
+              <a:rPr kumimoji="1" lang="ja-JP" altLang="en-US" sz="2400" smtClean="0"/>
+              <a:t>5</a:t>
+            </a:fld>
+            <a:endParaRPr kumimoji="1" lang="ja-JP" altLang="en-US" sz="2400" dirty="0"/>
+          </a:p>
+        </p:txBody>
+      </p:sp>
+      <p:pic>
+        <p:nvPicPr>
+          <p:cNvPr id="6" name="図 5"/>
+          <p:cNvPicPr>
+            <a:picLocks noChangeAspect="1"/>
+          </p:cNvPicPr>
+          <p:nvPr/>
+        </p:nvPicPr>
+        <p:blipFill>
+          <a:blip r:embed="rId2"/>
+          <a:stretch>
+            <a:fillRect/>
+          </a:stretch>
+        </p:blipFill>
+        <p:spPr>
+          <a:xfrm>
+            <a:off x="1169330" y="2592109"/>
+            <a:ext cx="6929652" cy="3860449"/>
+          </a:xfrm>
+          <a:prstGeom prst="rect">
+            <a:avLst/>
+          </a:prstGeom>
+        </p:spPr>
+      </p:pic>
+      <p:sp>
+        <p:nvSpPr>
+          <p:cNvPr id="7" name="テキスト ボックス 6"/>
+          <p:cNvSpPr txBox="1"/>
+          <p:nvPr/>
+        </p:nvSpPr>
+        <p:spPr>
+          <a:xfrm>
+            <a:off x="751959" y="1980429"/>
+            <a:ext cx="8392041" cy="707886"/>
+          </a:xfrm>
+          <a:prstGeom prst="rect">
+            <a:avLst/>
+          </a:prstGeom>
+          <a:noFill/>
+        </p:spPr>
+        <p:txBody>
+          <a:bodyPr wrap="none" rtlCol="0">
+            <a:spAutoFit/>
+          </a:bodyPr>
+          <a:lstStyle/>
+          <a:p>
+            <a:r>
+              <a:rPr kumimoji="1" lang="ja-JP" altLang="en-US" sz="2000" dirty="0" smtClean="0"/>
+              <a:t>ビジュアルプログラミングとも呼ばれる</a:t>
+            </a:r>
+            <a:endParaRPr kumimoji="1" lang="en-US" altLang="ja-JP" sz="2000" dirty="0" smtClean="0"/>
+          </a:p>
+          <a:p>
+            <a:r>
+              <a:rPr kumimoji="1" lang="ja-JP" altLang="en-US" sz="2000" dirty="0" smtClean="0"/>
+              <a:t>命令を埋め込まれたブロックを組み合わせるプログラミング手法のこと</a:t>
+            </a:r>
+            <a:endParaRPr kumimoji="1" lang="ja-JP" altLang="en-US" sz="2000" dirty="0"/>
+          </a:p>
+        </p:txBody>
+      </p:sp>
+    </p:spTree>
+    <p:extLst>
+      <p:ext uri="{BB962C8B-B14F-4D97-AF65-F5344CB8AC3E}">
+        <p14:creationId xmlns:p14="http://schemas.microsoft.com/office/powerpoint/2010/main" val="1081448831"/>
+      </p:ext>
+    </p:extLst>
+  </p:cSld>
+  <p:clrMapOvr>
+    <a:masterClrMapping/>
+  </p:clrMapOvr>
+</p:sld>
+</file>
+
+<file path=ppt/slides/slide6.xml><?xml version="1.0" encoding="utf-8"?>
+<p:sld xmlns:a="http://schemas.openxmlformats.org/drawingml/2006/main" xmlns:r="http://schemas.openxmlformats.org/officeDocument/2006/relationships" xmlns:p="http://schemas.openxmlformats.org/presentationml/2006/main">
+  <p:cSld>
+    <p:spTree>
+      <p:nvGrpSpPr>
+        <p:cNvPr id="1" name=""/>
+        <p:cNvGrpSpPr/>
+        <p:nvPr/>
+      </p:nvGrpSpPr>
+      <p:grpSpPr>
+        <a:xfrm>
+          <a:off x="0" y="0"/>
+          <a:ext cx="0" cy="0"/>
+          <a:chOff x="0" y="0"/>
+          <a:chExt cx="0" cy="0"/>
+        </a:xfrm>
+      </p:grpSpPr>
+      <p:sp>
+        <p:nvSpPr>
+          <p:cNvPr id="2" name="タイトル 1"/>
+          <p:cNvSpPr>
+            <a:spLocks noGrp="1"/>
+          </p:cNvSpPr>
+          <p:nvPr>
+            <p:ph type="title"/>
+          </p:nvPr>
+        </p:nvSpPr>
+        <p:spPr/>
+        <p:txBody>
+          <a:bodyPr/>
+          <a:lstStyle/>
+          <a:p>
+            <a:r>
+              <a:rPr kumimoji="1" lang="ja-JP" altLang="en-US" dirty="0" smtClean="0"/>
+              <a:t>研究背景</a:t>
+            </a:r>
+            <a:endParaRPr kumimoji="1" lang="ja-JP" altLang="en-US" dirty="0"/>
+          </a:p>
+        </p:txBody>
+      </p:sp>
+      <p:sp>
+        <p:nvSpPr>
+          <p:cNvPr id="3" name="コンテンツ プレースホルダー 2"/>
+          <p:cNvSpPr>
+            <a:spLocks noGrp="1"/>
+          </p:cNvSpPr>
+          <p:nvPr>
+            <p:ph idx="1"/>
+          </p:nvPr>
+        </p:nvSpPr>
+        <p:spPr/>
+        <p:txBody>
+          <a:bodyPr/>
+          <a:lstStyle/>
+          <a:p>
+            <a:r>
+              <a:rPr lang="ja-JP" altLang="en-US" dirty="0" smtClean="0"/>
+              <a:t>必修化</a:t>
+            </a:r>
+            <a:r>
+              <a:rPr lang="ja-JP" altLang="en-US" dirty="0"/>
+              <a:t>となって</a:t>
+            </a:r>
+            <a:r>
+              <a:rPr lang="ja-JP" altLang="en-US" dirty="0" smtClean="0"/>
+              <a:t>いくプログラミングについて、中高生が勉強するために、教科書を読むだけでは難しい方が考えられる。そのような方が実際にプログラミングに触れてみれるような環境を作成したい</a:t>
+            </a:r>
+            <a:endParaRPr lang="en-US" altLang="ja-JP" dirty="0" smtClean="0"/>
+          </a:p>
+        </p:txBody>
+      </p:sp>
+      <p:sp>
+        <p:nvSpPr>
+          <p:cNvPr id="4" name="スライド番号プレースホルダー 3"/>
+          <p:cNvSpPr>
+            <a:spLocks noGrp="1"/>
+          </p:cNvSpPr>
+          <p:nvPr>
+            <p:ph type="sldNum" sz="quarter" idx="12"/>
+          </p:nvPr>
+        </p:nvSpPr>
+        <p:spPr/>
+        <p:txBody>
+          <a:bodyPr/>
+          <a:lstStyle/>
+          <a:p>
+            <a:fld id="{4A32CB03-0843-4AF8-BFB2-C9917854BC7E}" type="slidenum">
+              <a:rPr kumimoji="1" lang="ja-JP" altLang="en-US" sz="2800" smtClean="0"/>
+              <a:t>6</a:t>
+            </a:fld>
+            <a:endParaRPr kumimoji="1" lang="ja-JP" altLang="en-US" sz="2800" dirty="0"/>
+          </a:p>
+        </p:txBody>
+      </p:sp>
+    </p:spTree>
+    <p:extLst>
+      <p:ext uri="{BB962C8B-B14F-4D97-AF65-F5344CB8AC3E}">
+        <p14:creationId xmlns:p14="http://schemas.microsoft.com/office/powerpoint/2010/main" val="1938097084"/>
+      </p:ext>
+    </p:extLst>
+  </p:cSld>
+  <p:clrMapOvr>
+    <a:masterClrMapping/>
+  </p:clrMapOvr>
+</p:sld>
+</file>
+
+<file path=ppt/slides/slide7.xml><?xml version="1.0" encoding="utf-8"?>
+<p:sld xmlns:a="http://schemas.openxmlformats.org/drawingml/2006/main" xmlns:r="http://schemas.openxmlformats.org/officeDocument/2006/relationships" xmlns:p="http://schemas.openxmlformats.org/presentationml/2006/main">
+  <p:cSld>
+    <p:spTree>
+      <p:nvGrpSpPr>
+        <p:cNvPr id="1" name=""/>
+        <p:cNvGrpSpPr/>
+        <p:nvPr/>
+      </p:nvGrpSpPr>
+      <p:grpSpPr>
+        <a:xfrm>
+          <a:off x="0" y="0"/>
+          <a:ext cx="0" cy="0"/>
+          <a:chOff x="0" y="0"/>
+          <a:chExt cx="0" cy="0"/>
+        </a:xfrm>
+      </p:grpSpPr>
+      <p:sp>
+        <p:nvSpPr>
+          <p:cNvPr id="2" name="タイトル 1"/>
+          <p:cNvSpPr>
+            <a:spLocks noGrp="1"/>
+          </p:cNvSpPr>
+          <p:nvPr>
+            <p:ph type="title"/>
+          </p:nvPr>
+        </p:nvSpPr>
+        <p:spPr/>
+        <p:txBody>
+          <a:bodyPr/>
+          <a:lstStyle/>
+          <a:p>
+            <a:r>
+              <a:rPr kumimoji="1" lang="ja-JP" altLang="en-US" dirty="0" smtClean="0"/>
+              <a:t>提案内容</a:t>
+            </a:r>
+            <a:endParaRPr kumimoji="1" lang="ja-JP" altLang="en-US" dirty="0"/>
+          </a:p>
+        </p:txBody>
+      </p:sp>
+      <p:sp>
+        <p:nvSpPr>
+          <p:cNvPr id="3" name="コンテンツ プレースホルダー 2"/>
+          <p:cNvSpPr>
+            <a:spLocks noGrp="1"/>
+          </p:cNvSpPr>
+          <p:nvPr>
+            <p:ph idx="1"/>
+          </p:nvPr>
+        </p:nvSpPr>
+        <p:spPr/>
+        <p:txBody>
+          <a:bodyPr>
+            <a:normAutofit/>
+          </a:bodyPr>
+          <a:lstStyle/>
+          <a:p>
+            <a:r>
+              <a:rPr lang="ja-JP" altLang="en-US" dirty="0"/>
+              <a:t>直観的に理解のしやすいブロックプログラミングにより、プログラミングの論理的思考を身に</a:t>
+            </a:r>
+            <a:r>
+              <a:rPr lang="ja-JP" altLang="en-US" dirty="0" smtClean="0"/>
+              <a:t>着けられるシステムを提案する</a:t>
+            </a:r>
+            <a:endParaRPr lang="en-US" altLang="ja-JP" dirty="0" smtClean="0"/>
+          </a:p>
+          <a:p>
+            <a:r>
+              <a:rPr lang="ja-JP" altLang="en-US" dirty="0" smtClean="0"/>
+              <a:t>ブロックプログラミングからブロックリーによるコードへの変換を利用し、プログラミング言語への理解を深められるシステムを提案</a:t>
+            </a:r>
+            <a:endParaRPr lang="en-US" altLang="ja-JP" dirty="0" smtClean="0"/>
+          </a:p>
+          <a:p>
+            <a:r>
+              <a:rPr lang="ja-JP" altLang="en-US" dirty="0"/>
+              <a:t>穴埋め</a:t>
+            </a:r>
+            <a:r>
+              <a:rPr lang="ja-JP" altLang="en-US" dirty="0" smtClean="0"/>
+              <a:t>問題などを利用し、よりプログラミングにユーザが慣れていける環境を提案</a:t>
+            </a:r>
+            <a:endParaRPr lang="en-US" altLang="ja-JP" dirty="0" smtClean="0"/>
+          </a:p>
+          <a:p>
+            <a:endParaRPr kumimoji="1" lang="en-US" altLang="ja-JP" dirty="0"/>
+          </a:p>
+          <a:p>
+            <a:endParaRPr kumimoji="1" lang="ja-JP" altLang="en-US" dirty="0"/>
+          </a:p>
+        </p:txBody>
+      </p:sp>
+      <p:sp>
+        <p:nvSpPr>
+          <p:cNvPr id="4" name="スライド番号プレースホルダー 3"/>
+          <p:cNvSpPr>
+            <a:spLocks noGrp="1"/>
+          </p:cNvSpPr>
+          <p:nvPr>
+            <p:ph type="sldNum" sz="quarter" idx="12"/>
+          </p:nvPr>
+        </p:nvSpPr>
+        <p:spPr/>
+        <p:txBody>
+          <a:bodyPr/>
+          <a:lstStyle/>
+          <a:p>
+            <a:fld id="{4A32CB03-0843-4AF8-BFB2-C9917854BC7E}" type="slidenum">
+              <a:rPr kumimoji="1" lang="ja-JP" altLang="en-US" sz="2800" smtClean="0"/>
+              <a:t>7</a:t>
+            </a:fld>
+            <a:endParaRPr kumimoji="1" lang="ja-JP" altLang="en-US" sz="2800" dirty="0"/>
+          </a:p>
+        </p:txBody>
+      </p:sp>
+    </p:spTree>
+    <p:extLst>
+      <p:ext uri="{BB962C8B-B14F-4D97-AF65-F5344CB8AC3E}">
+        <p14:creationId xmlns:p14="http://schemas.microsoft.com/office/powerpoint/2010/main" val="354179094"/>
+      </p:ext>
+    </p:extLst>
+  </p:cSld>
+  <p:clrMapOvr>
+    <a:masterClrMapping/>
+  </p:clrMapOvr>
+</p:sld>
+</file>
+
+<file path=ppt/slides/slide8.xml><?xml version="1.0" encoding="utf-8"?>
+<p:sld xmlns:a="http://schemas.openxmlformats.org/drawingml/2006/main" xmlns:r="http://schemas.openxmlformats.org/officeDocument/2006/relationships" xmlns:p="http://schemas.openxmlformats.org/presentationml/2006/main">
+  <p:cSld>
+    <p:spTree>
+      <p:nvGrpSpPr>
+        <p:cNvPr id="1" name=""/>
+        <p:cNvGrpSpPr/>
+        <p:nvPr/>
+      </p:nvGrpSpPr>
+      <p:grpSpPr>
+        <a:xfrm>
+          <a:off x="0" y="0"/>
+          <a:ext cx="0" cy="0"/>
+          <a:chOff x="0" y="0"/>
+          <a:chExt cx="0" cy="0"/>
+        </a:xfrm>
+      </p:grpSpPr>
+      <p:sp>
+        <p:nvSpPr>
+          <p:cNvPr id="2" name="タイトル 1"/>
+          <p:cNvSpPr>
+            <a:spLocks noGrp="1"/>
+          </p:cNvSpPr>
+          <p:nvPr>
+            <p:ph type="title"/>
+          </p:nvPr>
+        </p:nvSpPr>
+        <p:spPr/>
+        <p:txBody>
+          <a:bodyPr/>
+          <a:lstStyle/>
+          <a:p>
+            <a:r>
+              <a:rPr kumimoji="1" lang="ja-JP" altLang="en-US" dirty="0" smtClean="0"/>
+              <a:t>研究動機</a:t>
+            </a:r>
+            <a:endParaRPr kumimoji="1" lang="ja-JP" altLang="en-US" dirty="0"/>
+          </a:p>
+        </p:txBody>
+      </p:sp>
+      <p:sp>
+        <p:nvSpPr>
+          <p:cNvPr id="3" name="コンテンツ プレースホルダー 2"/>
+          <p:cNvSpPr>
+            <a:spLocks noGrp="1"/>
+          </p:cNvSpPr>
+          <p:nvPr>
+            <p:ph idx="1"/>
+          </p:nvPr>
+        </p:nvSpPr>
+        <p:spPr/>
+        <p:txBody>
+          <a:bodyPr/>
+          <a:lstStyle/>
+          <a:p>
+            <a:r>
+              <a:rPr kumimoji="1" lang="en-US" altLang="ja-JP" dirty="0" err="1" smtClean="0"/>
+              <a:t>Blockly</a:t>
+            </a:r>
+            <a:r>
+              <a:rPr lang="ja-JP" altLang="en-US" dirty="0"/>
+              <a:t>に</a:t>
+            </a:r>
+            <a:r>
+              <a:rPr lang="ja-JP" altLang="en-US" dirty="0" smtClean="0"/>
+              <a:t>よるブロックプログラムとプログラミング言語によるコーディングへの変換により、学習環境を作成</a:t>
+            </a:r>
+            <a:endParaRPr lang="en-US" altLang="ja-JP" dirty="0" smtClean="0"/>
+          </a:p>
+          <a:p>
+            <a:pPr marL="0" indent="0">
+              <a:buNone/>
+            </a:pPr>
+            <a:endParaRPr lang="en-US" altLang="ja-JP" dirty="0" smtClean="0"/>
+          </a:p>
+          <a:p>
+            <a:r>
+              <a:rPr kumimoji="1" lang="ja-JP" altLang="en-US" dirty="0" smtClean="0"/>
+              <a:t>穴埋め問題にするアルゴリズム</a:t>
+            </a:r>
+            <a:r>
+              <a:rPr lang="ja-JP" altLang="en-US" dirty="0" smtClean="0"/>
+              <a:t>を提案することで学習の幅を広げる</a:t>
+            </a:r>
+            <a:endParaRPr kumimoji="1" lang="en-US" altLang="ja-JP" dirty="0" smtClean="0"/>
+          </a:p>
+          <a:p>
+            <a:endParaRPr lang="en-US" altLang="ja-JP" dirty="0"/>
+          </a:p>
+          <a:p>
+            <a:endParaRPr kumimoji="1" lang="ja-JP" altLang="en-US" dirty="0"/>
+          </a:p>
+        </p:txBody>
+      </p:sp>
+      <p:sp>
+        <p:nvSpPr>
+          <p:cNvPr id="4" name="スライド番号プレースホルダー 3"/>
+          <p:cNvSpPr>
+            <a:spLocks noGrp="1"/>
+          </p:cNvSpPr>
+          <p:nvPr>
+            <p:ph type="sldNum" sz="quarter" idx="12"/>
+          </p:nvPr>
+        </p:nvSpPr>
+        <p:spPr/>
+        <p:txBody>
+          <a:bodyPr/>
+          <a:lstStyle/>
+          <a:p>
+            <a:fld id="{4A32CB03-0843-4AF8-BFB2-C9917854BC7E}" type="slidenum">
+              <a:rPr kumimoji="1" lang="ja-JP" altLang="en-US" sz="2400" smtClean="0"/>
+              <a:t>8</a:t>
+            </a:fld>
+            <a:endParaRPr kumimoji="1" lang="ja-JP" altLang="en-US" sz="2400" dirty="0"/>
+          </a:p>
+        </p:txBody>
+      </p:sp>
+    </p:spTree>
+    <p:extLst>
+      <p:ext uri="{BB962C8B-B14F-4D97-AF65-F5344CB8AC3E}">
+        <p14:creationId xmlns:p14="http://schemas.microsoft.com/office/powerpoint/2010/main" val="1632152331"/>
+      </p:ext>
+    </p:extLst>
+  </p:cSld>
+  <p:clrMapOvr>
+    <a:masterClrMapping/>
+  </p:clrMapOvr>
+</p:sld>
+</file>
+
+<file path=ppt/slides/slide9.xml><?xml version="1.0" encoding="utf-8"?>
+<p:sld xmlns:a="http://schemas.openxmlformats.org/drawingml/2006/main" xmlns:r="http://schemas.openxmlformats.org/officeDocument/2006/relationships" xmlns:p="http://schemas.openxmlformats.org/presentationml/2006/main">
+  <p:cSld>
+    <p:spTree>
+      <p:nvGrpSpPr>
+        <p:cNvPr id="1" name=""/>
+        <p:cNvGrpSpPr/>
+        <p:nvPr/>
+      </p:nvGrpSpPr>
+      <p:grpSpPr>
+        <a:xfrm>
+          <a:off x="0" y="0"/>
+          <a:ext cx="0" cy="0"/>
+          <a:chOff x="0" y="0"/>
+          <a:chExt cx="0" cy="0"/>
+        </a:xfrm>
+      </p:grpSpPr>
+      <p:sp>
+        <p:nvSpPr>
+          <p:cNvPr id="2" name="タイトル 1"/>
+          <p:cNvSpPr>
+            <a:spLocks noGrp="1"/>
+          </p:cNvSpPr>
+          <p:nvPr>
+            <p:ph type="title"/>
+          </p:nvPr>
+        </p:nvSpPr>
+        <p:spPr/>
+        <p:txBody>
+          <a:bodyPr/>
+          <a:lstStyle/>
+          <a:p>
+            <a:r>
+              <a:rPr kumimoji="1" lang="ja-JP" altLang="en-US" dirty="0" smtClean="0"/>
+              <a:t>研究課題について</a:t>
+            </a:r>
+            <a:endParaRPr kumimoji="1" lang="ja-JP" altLang="en-US" dirty="0"/>
+          </a:p>
+        </p:txBody>
+      </p:sp>
+      <p:sp>
+        <p:nvSpPr>
+          <p:cNvPr id="3" name="コンテンツ プレースホルダー 2"/>
+          <p:cNvSpPr>
+            <a:spLocks noGrp="1"/>
+          </p:cNvSpPr>
+          <p:nvPr>
+            <p:ph idx="1"/>
+          </p:nvPr>
+        </p:nvSpPr>
+        <p:spPr/>
+        <p:txBody>
+          <a:bodyPr>
+            <a:normAutofit lnSpcReduction="10000"/>
+          </a:bodyPr>
+          <a:lstStyle/>
+          <a:p>
+            <a:r>
+              <a:rPr kumimoji="1" lang="ja-JP" altLang="en-US" dirty="0" smtClean="0"/>
+              <a:t>現在ブロックプログラムからプログラミング言語に変換の原理を理解し、自分で扱えるようにする</a:t>
+            </a:r>
+            <a:endParaRPr kumimoji="1" lang="en-US" altLang="ja-JP" dirty="0" smtClean="0"/>
+          </a:p>
+          <a:p>
+            <a:pPr lvl="1"/>
+            <a:r>
+              <a:rPr lang="ja-JP" altLang="en-US" dirty="0" smtClean="0"/>
+              <a:t>言語ジェネレータというものがブロックリーでは用意されているので、勉強する</a:t>
+            </a:r>
+            <a:endParaRPr kumimoji="1" lang="en-US" altLang="ja-JP" dirty="0" smtClean="0"/>
+          </a:p>
+          <a:p>
+            <a:pPr lvl="1"/>
+            <a:endParaRPr kumimoji="1" lang="en-US" altLang="ja-JP" dirty="0" smtClean="0"/>
+          </a:p>
+          <a:p>
+            <a:r>
+              <a:rPr lang="ja-JP" altLang="en-US" dirty="0" smtClean="0"/>
+              <a:t>穴埋めにするアルゴリズムの考案</a:t>
+            </a:r>
+            <a:r>
+              <a:rPr kumimoji="1" lang="ja-JP" altLang="en-US" dirty="0" smtClean="0"/>
+              <a:t>関数名、変数名などを優先的に穴埋めにしたいと考えている</a:t>
+            </a:r>
+            <a:endParaRPr kumimoji="1" lang="en-US" altLang="ja-JP" dirty="0" smtClean="0"/>
+          </a:p>
+          <a:p>
+            <a:pPr lvl="1"/>
+            <a:r>
+              <a:rPr kumimoji="1" lang="ja-JP" altLang="en-US" dirty="0" smtClean="0"/>
+              <a:t>どの部分が穴埋めにしたい部分なのかを判断する方法を思いついていない</a:t>
+            </a:r>
+            <a:endParaRPr kumimoji="1" lang="en-US" altLang="ja-JP" dirty="0" smtClean="0"/>
+          </a:p>
+          <a:p>
+            <a:pPr lvl="1"/>
+            <a:r>
+              <a:rPr lang="ja-JP" altLang="en-US" dirty="0" smtClean="0"/>
+              <a:t>一部のプログラミングをランダムに抜いて、その部分を穴埋め</a:t>
+            </a:r>
+            <a:endParaRPr lang="en-US" altLang="ja-JP" dirty="0" smtClean="0"/>
+          </a:p>
+          <a:p>
+            <a:endParaRPr lang="en-US" altLang="ja-JP" dirty="0" smtClean="0"/>
+          </a:p>
+        </p:txBody>
+      </p:sp>
+      <p:sp>
+        <p:nvSpPr>
+          <p:cNvPr id="4" name="スライド番号プレースホルダー 3"/>
+          <p:cNvSpPr>
+            <a:spLocks noGrp="1"/>
+          </p:cNvSpPr>
+          <p:nvPr>
+            <p:ph type="sldNum" sz="quarter" idx="12"/>
+          </p:nvPr>
+        </p:nvSpPr>
+        <p:spPr/>
+        <p:txBody>
+          <a:bodyPr/>
+          <a:lstStyle/>
+          <a:p>
+            <a:fld id="{010A43D1-8C5F-4BB5-96AD-6A66B588192F}" type="slidenum">
+              <a:rPr kumimoji="1" lang="ja-JP" altLang="en-US" sz="2400" smtClean="0"/>
+              <a:t>9</a:t>
+            </a:fld>
+            <a:endParaRPr kumimoji="1" lang="ja-JP" altLang="en-US" sz="2400" dirty="0"/>
+          </a:p>
+        </p:txBody>
+      </p:sp>
+    </p:spTree>
+    <p:extLst>
+      <p:ext uri="{BB962C8B-B14F-4D97-AF65-F5344CB8AC3E}">
+        <p14:creationId xmlns:p14="http://schemas.microsoft.com/office/powerpoint/2010/main" val="4275672017"/>
+      </p:ext>
+    </p:extLst>
+  </p:cSld>
+  <p:clrMapOvr>
+    <a:masterClrMapping/>
+  </p:clrMapOvr>
+  <p:timing>
+    <p:tnLst>
+      <p:par>
+        <p:cTn id="1" dur="indefinite" restart="never" nodeType="tmRoot"/>
+      </p:par>
+    </p:tnLst>
+  </p:timing>
 </p:sld>
 </file>
 

--- a/1821121_shimaoka_sotsuken.pptx
+++ b/1821121_shimaoka_sotsuken.pptx
@@ -5,34 +5,35 @@
     <p:sldMasterId id="2147483660" r:id="rId1"/>
   </p:sldMasterIdLst>
   <p:notesMasterIdLst>
-    <p:notesMasterId r:id="rId27"/>
+    <p:notesMasterId r:id="rId28"/>
   </p:notesMasterIdLst>
   <p:sldIdLst>
     <p:sldId id="257" r:id="rId2"/>
     <p:sldId id="272" r:id="rId3"/>
     <p:sldId id="292" r:id="rId4"/>
     <p:sldId id="293" r:id="rId5"/>
-    <p:sldId id="265" r:id="rId6"/>
-    <p:sldId id="271" r:id="rId7"/>
-    <p:sldId id="270" r:id="rId8"/>
-    <p:sldId id="263" r:id="rId9"/>
-    <p:sldId id="269" r:id="rId10"/>
-    <p:sldId id="279" r:id="rId11"/>
-    <p:sldId id="280" r:id="rId12"/>
-    <p:sldId id="288" r:id="rId13"/>
-    <p:sldId id="273" r:id="rId14"/>
-    <p:sldId id="278" r:id="rId15"/>
-    <p:sldId id="276" r:id="rId16"/>
-    <p:sldId id="285" r:id="rId17"/>
-    <p:sldId id="286" r:id="rId18"/>
-    <p:sldId id="277" r:id="rId19"/>
-    <p:sldId id="274" r:id="rId20"/>
-    <p:sldId id="275" r:id="rId21"/>
-    <p:sldId id="281" r:id="rId22"/>
-    <p:sldId id="282" r:id="rId23"/>
-    <p:sldId id="290" r:id="rId24"/>
-    <p:sldId id="289" r:id="rId25"/>
-    <p:sldId id="291" r:id="rId26"/>
+    <p:sldId id="294" r:id="rId6"/>
+    <p:sldId id="265" r:id="rId7"/>
+    <p:sldId id="271" r:id="rId8"/>
+    <p:sldId id="270" r:id="rId9"/>
+    <p:sldId id="263" r:id="rId10"/>
+    <p:sldId id="269" r:id="rId11"/>
+    <p:sldId id="279" r:id="rId12"/>
+    <p:sldId id="280" r:id="rId13"/>
+    <p:sldId id="288" r:id="rId14"/>
+    <p:sldId id="273" r:id="rId15"/>
+    <p:sldId id="278" r:id="rId16"/>
+    <p:sldId id="276" r:id="rId17"/>
+    <p:sldId id="285" r:id="rId18"/>
+    <p:sldId id="286" r:id="rId19"/>
+    <p:sldId id="277" r:id="rId20"/>
+    <p:sldId id="274" r:id="rId21"/>
+    <p:sldId id="275" r:id="rId22"/>
+    <p:sldId id="281" r:id="rId23"/>
+    <p:sldId id="282" r:id="rId24"/>
+    <p:sldId id="290" r:id="rId25"/>
+    <p:sldId id="289" r:id="rId26"/>
+    <p:sldId id="291" r:id="rId27"/>
   </p:sldIdLst>
   <p:sldSz cx="9144000" cy="6858000" type="screen4x3"/>
   <p:notesSz cx="6858000" cy="9144000"/>
@@ -3813,8 +3814,8 @@
           <a:lstStyle/>
           <a:p>
             <a:r>
-              <a:rPr kumimoji="1" lang="en-US" altLang="ja-JP" dirty="0" smtClean="0"/>
-              <a:t>Node.js</a:t>
+              <a:rPr kumimoji="1" lang="ja-JP" altLang="en-US" dirty="0" smtClean="0"/>
+              <a:t>研究課題について</a:t>
             </a:r>
             <a:endParaRPr kumimoji="1" lang="ja-JP" altLang="en-US" dirty="0"/>
           </a:p>
@@ -3832,103 +3833,58 @@
         </p:nvSpPr>
         <p:spPr/>
         <p:txBody>
-          <a:bodyPr/>
-          <a:lstStyle/>
-          <a:p>
-            <a:pPr marL="0" indent="0">
-              <a:buNone/>
-            </a:pPr>
-            <a:r>
-              <a:rPr lang="en-US" altLang="ja-JP" dirty="0"/>
-              <a:t>Node.js</a:t>
-            </a:r>
-            <a:r>
-              <a:rPr lang="ja-JP" altLang="en-US" dirty="0"/>
-              <a:t>（ノード・ジェイエス） は</a:t>
-            </a:r>
-            <a:r>
-              <a:rPr lang="en-US" altLang="ja-JP" dirty="0"/>
-              <a:t>V8 JavaScript</a:t>
-            </a:r>
-            <a:r>
-              <a:rPr lang="ja-JP" altLang="en-US" dirty="0"/>
-              <a:t>エンジン上に構築された</a:t>
-            </a:r>
-            <a:r>
-              <a:rPr lang="en-US" altLang="ja-JP" dirty="0"/>
-              <a:t>JavaScript</a:t>
-            </a:r>
-            <a:r>
-              <a:rPr lang="ja-JP" altLang="en-US" dirty="0"/>
-              <a:t>実行環境の</a:t>
-            </a:r>
-            <a:r>
-              <a:rPr lang="en-US" altLang="ja-JP" dirty="0"/>
-              <a:t>1</a:t>
-            </a:r>
-            <a:r>
-              <a:rPr lang="ja-JP" altLang="en-US" dirty="0"/>
-              <a:t>つで</a:t>
-            </a:r>
+          <a:bodyPr>
+            <a:normAutofit lnSpcReduction="10000"/>
+          </a:bodyPr>
+          <a:lstStyle/>
+          <a:p>
+            <a:r>
+              <a:rPr kumimoji="1" lang="ja-JP" altLang="en-US" dirty="0" smtClean="0"/>
+              <a:t>現在ブロックプログラムからプログラミング言語に変換の原理を理解し、自分で扱えるようにする</a:t>
+            </a:r>
+            <a:endParaRPr kumimoji="1" lang="en-US" altLang="ja-JP" dirty="0" smtClean="0"/>
+          </a:p>
+          <a:p>
+            <a:pPr lvl="1"/>
             <a:r>
               <a:rPr lang="ja-JP" altLang="en-US" dirty="0" smtClean="0"/>
-              <a:t>ある。</a:t>
-            </a:r>
-            <a:r>
-              <a:rPr lang="ja-JP" altLang="en-US" dirty="0"/>
-              <a:t>イベント化された入出力を扱うサーバサイド</a:t>
-            </a:r>
-            <a:r>
-              <a:rPr lang="en-US" altLang="ja-JP" dirty="0"/>
-              <a:t>JavaScript</a:t>
-            </a:r>
-            <a:r>
-              <a:rPr lang="ja-JP" altLang="en-US" dirty="0"/>
-              <a:t>環境であり、</a:t>
-            </a:r>
-            <a:r>
-              <a:rPr lang="en-US" altLang="ja-JP" dirty="0"/>
-              <a:t>Web</a:t>
-            </a:r>
-            <a:r>
-              <a:rPr lang="ja-JP" altLang="en-US" dirty="0"/>
-              <a:t>サーバなどのスケーラブルなネットワークプログラムの記述を意図して</a:t>
-            </a:r>
+              <a:t>言語ジェネレータというものがブロックリーでは用意されているので、勉強する</a:t>
+            </a:r>
+            <a:endParaRPr kumimoji="1" lang="en-US" altLang="ja-JP" dirty="0" smtClean="0"/>
+          </a:p>
+          <a:p>
+            <a:pPr lvl="1"/>
+            <a:endParaRPr kumimoji="1" lang="en-US" altLang="ja-JP" dirty="0" smtClean="0"/>
+          </a:p>
+          <a:p>
             <a:r>
               <a:rPr lang="ja-JP" altLang="en-US" dirty="0" smtClean="0"/>
-              <a:t>いる。</a:t>
+              <a:t>穴埋めにするアルゴリズムの考案</a:t>
+            </a:r>
+            <a:r>
+              <a:rPr kumimoji="1" lang="ja-JP" altLang="en-US" dirty="0" smtClean="0"/>
+              <a:t>関数名、変数名などを優先的に穴埋めにしたいと考えている</a:t>
+            </a:r>
+            <a:endParaRPr kumimoji="1" lang="en-US" altLang="ja-JP" dirty="0" smtClean="0"/>
+          </a:p>
+          <a:p>
+            <a:pPr lvl="1"/>
+            <a:r>
+              <a:rPr kumimoji="1" lang="ja-JP" altLang="en-US" dirty="0" smtClean="0"/>
+              <a:t>どの部分が穴埋めにしたい部分なのかを判断する方法を思いついていない</a:t>
+            </a:r>
+            <a:endParaRPr kumimoji="1" lang="en-US" altLang="ja-JP" dirty="0" smtClean="0"/>
+          </a:p>
+          <a:p>
+            <a:pPr lvl="1"/>
+            <a:r>
+              <a:rPr lang="ja-JP" altLang="en-US" dirty="0" smtClean="0"/>
+              <a:t>一部のプログラミングをランダムに抜いて、その部分を穴埋め</a:t>
             </a:r>
             <a:endParaRPr lang="en-US" altLang="ja-JP" dirty="0" smtClean="0"/>
           </a:p>
           <a:p>
-            <a:pPr marL="0" indent="0">
-              <a:buNone/>
-            </a:pPr>
-            <a:endParaRPr kumimoji="1" lang="en-US" altLang="ja-JP" dirty="0" smtClean="0"/>
-          </a:p>
-          <a:p>
-            <a:pPr marL="0" indent="0">
-              <a:buNone/>
-            </a:pPr>
-            <a:r>
-              <a:rPr lang="ja-JP" altLang="en-US" dirty="0"/>
-              <a:t>引用</a:t>
-            </a:r>
-            <a:r>
-              <a:rPr lang="ja-JP" altLang="en-US" dirty="0" smtClean="0"/>
-              <a:t>：</a:t>
-            </a:r>
-            <a:endParaRPr kumimoji="1" lang="en-US" altLang="ja-JP" dirty="0"/>
-          </a:p>
-          <a:p>
-            <a:pPr marL="0" indent="0">
-              <a:buNone/>
-            </a:pPr>
-            <a:r>
-              <a:rPr lang="en-US" altLang="ja-JP" dirty="0"/>
-              <a:t>https://ja.wikipedia.org/wiki/Node.js</a:t>
-            </a:r>
-            <a:endParaRPr kumimoji="1" lang="ja-JP" altLang="en-US" dirty="0"/>
+            <a:endParaRPr lang="en-US" altLang="ja-JP" dirty="0" smtClean="0"/>
           </a:p>
         </p:txBody>
       </p:sp>
@@ -3947,24 +3903,31 @@
           <a:bodyPr/>
           <a:lstStyle/>
           <a:p>
-            <a:fld id="{4A32CB03-0843-4AF8-BFB2-C9917854BC7E}" type="slidenum">
-              <a:rPr kumimoji="1" lang="ja-JP" altLang="en-US" smtClean="0"/>
+            <a:fld id="{010A43D1-8C5F-4BB5-96AD-6A66B588192F}" type="slidenum">
+              <a:rPr kumimoji="1" lang="ja-JP" altLang="en-US" sz="2400" smtClean="0"/>
               <a:t>10</a:t>
             </a:fld>
-            <a:endParaRPr kumimoji="1" lang="ja-JP" altLang="en-US"/>
+            <a:endParaRPr kumimoji="1" lang="ja-JP" altLang="en-US" sz="2400" dirty="0"/>
           </a:p>
         </p:txBody>
       </p:sp>
     </p:spTree>
     <p:extLst>
       <p:ext uri="{BB962C8B-B14F-4D97-AF65-F5344CB8AC3E}">
-        <p14:creationId xmlns:p14="http://schemas.microsoft.com/office/powerpoint/2010/main" val="4200382121"/>
+        <p14:creationId xmlns:p14="http://schemas.microsoft.com/office/powerpoint/2010/main" val="4275672017"/>
       </p:ext>
     </p:extLst>
   </p:cSld>
   <p:clrMapOvr>
     <a:masterClrMapping/>
   </p:clrMapOvr>
+  <p:timing>
+    <p:tnLst>
+      <p:par>
+        <p:cTn id="1" dur="indefinite" restart="never" nodeType="tmRoot"/>
+      </p:par>
+    </p:tnLst>
+  </p:timing>
 </p:sld>
 </file>
 
@@ -4001,12 +3964,120 @@
           <a:lstStyle/>
           <a:p>
             <a:r>
+              <a:rPr kumimoji="1" lang="en-US" altLang="ja-JP" dirty="0" smtClean="0"/>
+              <a:t>Node.js</a:t>
+            </a:r>
+            <a:endParaRPr kumimoji="1" lang="ja-JP" altLang="en-US" dirty="0"/>
+          </a:p>
+        </p:txBody>
+      </p:sp>
+      <p:sp>
+        <p:nvSpPr>
+          <p:cNvPr id="3" name="コンテンツ プレースホルダー 2"/>
+          <p:cNvSpPr>
+            <a:spLocks noGrp="1"/>
+          </p:cNvSpPr>
+          <p:nvPr>
+            <p:ph idx="1"/>
+          </p:nvPr>
+        </p:nvSpPr>
+        <p:spPr/>
+        <p:txBody>
+          <a:bodyPr/>
+          <a:lstStyle/>
+          <a:p>
+            <a:pPr marL="0" indent="0">
+              <a:buNone/>
+            </a:pPr>
+            <a:r>
+              <a:rPr lang="en-US" altLang="ja-JP" dirty="0"/>
+              <a:t>Node.js</a:t>
+            </a:r>
+            <a:r>
+              <a:rPr lang="ja-JP" altLang="en-US" dirty="0"/>
+              <a:t>（ノード・ジェイエス） は</a:t>
+            </a:r>
+            <a:r>
+              <a:rPr lang="en-US" altLang="ja-JP" dirty="0"/>
+              <a:t>V8 JavaScript</a:t>
+            </a:r>
+            <a:r>
+              <a:rPr lang="ja-JP" altLang="en-US" dirty="0"/>
+              <a:t>エンジン上に構築された</a:t>
+            </a:r>
+            <a:r>
+              <a:rPr lang="en-US" altLang="ja-JP" dirty="0"/>
+              <a:t>JavaScript</a:t>
+            </a:r>
+            <a:r>
+              <a:rPr lang="ja-JP" altLang="en-US" dirty="0"/>
+              <a:t>実行環境の</a:t>
+            </a:r>
+            <a:r>
+              <a:rPr lang="en-US" altLang="ja-JP" dirty="0"/>
+              <a:t>1</a:t>
+            </a:r>
+            <a:r>
+              <a:rPr lang="ja-JP" altLang="en-US" dirty="0"/>
+              <a:t>つで</a:t>
+            </a:r>
+            <a:r>
               <a:rPr lang="ja-JP" altLang="en-US" dirty="0" smtClean="0"/>
-              <a:t>システム構成図</a:t>
-            </a:r>
-            <a:r>
-              <a:rPr kumimoji="1" lang="ja-JP" altLang="en-US" dirty="0" smtClean="0"/>
-              <a:t>（予想図）</a:t>
+              <a:t>ある。</a:t>
+            </a:r>
+            <a:r>
+              <a:rPr lang="ja-JP" altLang="en-US" dirty="0"/>
+              <a:t>イベント化された入出力を扱うサーバサイド</a:t>
+            </a:r>
+            <a:r>
+              <a:rPr lang="en-US" altLang="ja-JP" dirty="0"/>
+              <a:t>JavaScript</a:t>
+            </a:r>
+            <a:r>
+              <a:rPr lang="ja-JP" altLang="en-US" dirty="0"/>
+              <a:t>環境であり、</a:t>
+            </a:r>
+            <a:r>
+              <a:rPr lang="en-US" altLang="ja-JP" dirty="0"/>
+              <a:t>Web</a:t>
+            </a:r>
+            <a:r>
+              <a:rPr lang="ja-JP" altLang="en-US" dirty="0"/>
+              <a:t>サーバなどのスケーラブルなネットワークプログラムの記述を意図して</a:t>
+            </a:r>
+            <a:r>
+              <a:rPr lang="ja-JP" altLang="en-US" dirty="0" smtClean="0"/>
+              <a:t>いる。</a:t>
+            </a:r>
+            <a:endParaRPr lang="en-US" altLang="ja-JP" dirty="0" smtClean="0"/>
+          </a:p>
+          <a:p>
+            <a:pPr marL="0" indent="0">
+              <a:buNone/>
+            </a:pPr>
+            <a:endParaRPr kumimoji="1" lang="en-US" altLang="ja-JP" dirty="0" smtClean="0"/>
+          </a:p>
+          <a:p>
+            <a:pPr marL="0" indent="0">
+              <a:buNone/>
+            </a:pPr>
+            <a:r>
+              <a:rPr lang="ja-JP" altLang="en-US" dirty="0"/>
+              <a:t>引用</a:t>
+            </a:r>
+            <a:r>
+              <a:rPr lang="ja-JP" altLang="en-US" dirty="0" smtClean="0"/>
+              <a:t>：</a:t>
+            </a:r>
+            <a:endParaRPr kumimoji="1" lang="en-US" altLang="ja-JP" dirty="0"/>
+          </a:p>
+          <a:p>
+            <a:pPr marL="0" indent="0">
+              <a:buNone/>
+            </a:pPr>
+            <a:r>
+              <a:rPr lang="en-US" altLang="ja-JP" dirty="0"/>
+              <a:t>https://ja.wikipedia.org/wiki/Node.js</a:t>
             </a:r>
             <a:endParaRPr kumimoji="1" lang="ja-JP" altLang="en-US" dirty="0"/>
           </a:p>
@@ -4014,7 +4085,7 @@
       </p:sp>
       <p:sp>
         <p:nvSpPr>
-          <p:cNvPr id="3" name="スライド番号プレースホルダー 2"/>
+          <p:cNvPr id="4" name="スライド番号プレースホルダー 3"/>
           <p:cNvSpPr>
             <a:spLocks noGrp="1"/>
           </p:cNvSpPr>
@@ -4030,6 +4101,86 @@
             <a:fld id="{4A32CB03-0843-4AF8-BFB2-C9917854BC7E}" type="slidenum">
               <a:rPr kumimoji="1" lang="ja-JP" altLang="en-US" smtClean="0"/>
               <a:t>11</a:t>
+            </a:fld>
+            <a:endParaRPr kumimoji="1" lang="ja-JP" altLang="en-US"/>
+          </a:p>
+        </p:txBody>
+      </p:sp>
+    </p:spTree>
+    <p:extLst>
+      <p:ext uri="{BB962C8B-B14F-4D97-AF65-F5344CB8AC3E}">
+        <p14:creationId xmlns:p14="http://schemas.microsoft.com/office/powerpoint/2010/main" val="4200382121"/>
+      </p:ext>
+    </p:extLst>
+  </p:cSld>
+  <p:clrMapOvr>
+    <a:masterClrMapping/>
+  </p:clrMapOvr>
+</p:sld>
+</file>
+
+<file path=ppt/slides/slide12.xml><?xml version="1.0" encoding="utf-8"?>
+<p:sld xmlns:a="http://schemas.openxmlformats.org/drawingml/2006/main" xmlns:r="http://schemas.openxmlformats.org/officeDocument/2006/relationships" xmlns:p="http://schemas.openxmlformats.org/presentationml/2006/main">
+  <p:cSld>
+    <p:spTree>
+      <p:nvGrpSpPr>
+        <p:cNvPr id="1" name=""/>
+        <p:cNvGrpSpPr/>
+        <p:nvPr/>
+      </p:nvGrpSpPr>
+      <p:grpSpPr>
+        <a:xfrm>
+          <a:off x="0" y="0"/>
+          <a:ext cx="0" cy="0"/>
+          <a:chOff x="0" y="0"/>
+          <a:chExt cx="0" cy="0"/>
+        </a:xfrm>
+      </p:grpSpPr>
+      <p:sp>
+        <p:nvSpPr>
+          <p:cNvPr id="2" name="タイトル 1"/>
+          <p:cNvSpPr>
+            <a:spLocks noGrp="1"/>
+          </p:cNvSpPr>
+          <p:nvPr>
+            <p:ph type="title"/>
+          </p:nvPr>
+        </p:nvSpPr>
+        <p:spPr/>
+        <p:txBody>
+          <a:bodyPr/>
+          <a:lstStyle/>
+          <a:p>
+            <a:r>
+              <a:rPr lang="ja-JP" altLang="en-US" dirty="0" smtClean="0"/>
+              <a:t>システム構成図</a:t>
+            </a:r>
+            <a:r>
+              <a:rPr kumimoji="1" lang="ja-JP" altLang="en-US" dirty="0" smtClean="0"/>
+              <a:t>（予想図）</a:t>
+            </a:r>
+            <a:endParaRPr kumimoji="1" lang="ja-JP" altLang="en-US" dirty="0"/>
+          </a:p>
+        </p:txBody>
+      </p:sp>
+      <p:sp>
+        <p:nvSpPr>
+          <p:cNvPr id="3" name="スライド番号プレースホルダー 2"/>
+          <p:cNvSpPr>
+            <a:spLocks noGrp="1"/>
+          </p:cNvSpPr>
+          <p:nvPr>
+            <p:ph type="sldNum" sz="quarter" idx="12"/>
+          </p:nvPr>
+        </p:nvSpPr>
+        <p:spPr/>
+        <p:txBody>
+          <a:bodyPr/>
+          <a:lstStyle/>
+          <a:p>
+            <a:fld id="{4A32CB03-0843-4AF8-BFB2-C9917854BC7E}" type="slidenum">
+              <a:rPr kumimoji="1" lang="ja-JP" altLang="en-US" smtClean="0"/>
+              <a:t>12</a:t>
             </a:fld>
             <a:endParaRPr kumimoji="1" lang="ja-JP" altLang="en-US"/>
           </a:p>
@@ -4474,152 +4625,6 @@
 </p:sld>
 </file>
 
-<file path=ppt/slides/slide12.xml><?xml version="1.0" encoding="utf-8"?>
-<p:sld xmlns:a="http://schemas.openxmlformats.org/drawingml/2006/main" xmlns:r="http://schemas.openxmlformats.org/officeDocument/2006/relationships" xmlns:p="http://schemas.openxmlformats.org/presentationml/2006/main">
-  <p:cSld>
-    <p:spTree>
-      <p:nvGrpSpPr>
-        <p:cNvPr id="1" name=""/>
-        <p:cNvGrpSpPr/>
-        <p:nvPr/>
-      </p:nvGrpSpPr>
-      <p:grpSpPr>
-        <a:xfrm>
-          <a:off x="0" y="0"/>
-          <a:ext cx="0" cy="0"/>
-          <a:chOff x="0" y="0"/>
-          <a:chExt cx="0" cy="0"/>
-        </a:xfrm>
-      </p:grpSpPr>
-      <p:sp>
-        <p:nvSpPr>
-          <p:cNvPr id="2" name="タイトル 1"/>
-          <p:cNvSpPr>
-            <a:spLocks noGrp="1"/>
-          </p:cNvSpPr>
-          <p:nvPr>
-            <p:ph type="title"/>
-          </p:nvPr>
-        </p:nvSpPr>
-        <p:spPr/>
-        <p:txBody>
-          <a:bodyPr/>
-          <a:lstStyle/>
-          <a:p>
-            <a:r>
-              <a:rPr lang="en-US" altLang="ja-JP" dirty="0" smtClean="0"/>
-              <a:t>Node.js</a:t>
-            </a:r>
-            <a:r>
-              <a:rPr lang="ja-JP" altLang="en-US" dirty="0" smtClean="0"/>
-              <a:t>について</a:t>
-            </a:r>
-            <a:endParaRPr kumimoji="1" lang="ja-JP" altLang="en-US" dirty="0"/>
-          </a:p>
-        </p:txBody>
-      </p:sp>
-      <p:sp>
-        <p:nvSpPr>
-          <p:cNvPr id="3" name="コンテンツ プレースホルダー 2"/>
-          <p:cNvSpPr>
-            <a:spLocks noGrp="1"/>
-          </p:cNvSpPr>
-          <p:nvPr>
-            <p:ph idx="1"/>
-          </p:nvPr>
-        </p:nvSpPr>
-        <p:spPr/>
-        <p:txBody>
-          <a:bodyPr/>
-          <a:lstStyle/>
-          <a:p>
-            <a:r>
-              <a:rPr kumimoji="1" lang="en-US" altLang="ja-JP" dirty="0" err="1" smtClean="0"/>
-              <a:t>Blockly</a:t>
-            </a:r>
-            <a:r>
-              <a:rPr lang="ja-JP" altLang="en-US" dirty="0"/>
-              <a:t>で</a:t>
-            </a:r>
-            <a:r>
-              <a:rPr lang="ja-JP" altLang="en-US" dirty="0" smtClean="0"/>
-              <a:t>は、</a:t>
-            </a:r>
-            <a:r>
-              <a:rPr kumimoji="1" lang="en-US" altLang="ja-JP" dirty="0" smtClean="0"/>
-              <a:t>Node</a:t>
-            </a:r>
-            <a:r>
-              <a:rPr lang="en-US" altLang="ja-JP" dirty="0" smtClean="0"/>
-              <a:t>.js</a:t>
-            </a:r>
-            <a:r>
-              <a:rPr lang="ja-JP" altLang="en-US" dirty="0" smtClean="0"/>
-              <a:t>を利用してコードの実行をしているように思えたが、実際には</a:t>
-            </a:r>
-            <a:r>
-              <a:rPr lang="en-US" altLang="ja-JP" dirty="0" err="1" smtClean="0"/>
-              <a:t>npm</a:t>
-            </a:r>
-            <a:r>
-              <a:rPr lang="ja-JP" altLang="en-US" dirty="0" smtClean="0"/>
-              <a:t>というパッケージ管理のために利用しているだけで、サーバとして利用しているわけでは</a:t>
-            </a:r>
-            <a:r>
-              <a:rPr lang="ja-JP" altLang="en-US" dirty="0"/>
-              <a:t>ないように</a:t>
-            </a:r>
-            <a:r>
-              <a:rPr lang="ja-JP" altLang="en-US" dirty="0" smtClean="0"/>
-              <a:t>も見える</a:t>
-            </a:r>
-            <a:endParaRPr lang="en-US" altLang="ja-JP" dirty="0" smtClean="0"/>
-          </a:p>
-          <a:p>
-            <a:r>
-              <a:rPr kumimoji="1" lang="ja-JP" altLang="en-US" dirty="0" smtClean="0"/>
-              <a:t>あまり理解できていないため、公式の情報を見直したい</a:t>
-            </a:r>
-            <a:endParaRPr kumimoji="1" lang="ja-JP" altLang="en-US" dirty="0"/>
-          </a:p>
-        </p:txBody>
-      </p:sp>
-      <p:sp>
-        <p:nvSpPr>
-          <p:cNvPr id="4" name="スライド番号プレースホルダー 3"/>
-          <p:cNvSpPr>
-            <a:spLocks noGrp="1"/>
-          </p:cNvSpPr>
-          <p:nvPr>
-            <p:ph type="sldNum" sz="quarter" idx="12"/>
-          </p:nvPr>
-        </p:nvSpPr>
-        <p:spPr/>
-        <p:txBody>
-          <a:bodyPr/>
-          <a:lstStyle/>
-          <a:p>
-            <a:fld id="{4A32CB03-0843-4AF8-BFB2-C9917854BC7E}" type="slidenum">
-              <a:rPr kumimoji="1" lang="ja-JP" altLang="en-US" smtClean="0"/>
-              <a:t>12</a:t>
-            </a:fld>
-            <a:endParaRPr kumimoji="1" lang="ja-JP" altLang="en-US"/>
-          </a:p>
-        </p:txBody>
-      </p:sp>
-    </p:spTree>
-    <p:extLst>
-      <p:ext uri="{BB962C8B-B14F-4D97-AF65-F5344CB8AC3E}">
-        <p14:creationId xmlns:p14="http://schemas.microsoft.com/office/powerpoint/2010/main" val="3535867368"/>
-      </p:ext>
-    </p:extLst>
-  </p:cSld>
-  <p:clrMapOvr>
-    <a:masterClrMapping/>
-  </p:clrMapOvr>
-</p:sld>
-</file>
-
 <file path=ppt/slides/slide13.xml><?xml version="1.0" encoding="utf-8"?>
 <p:sld xmlns:a="http://schemas.openxmlformats.org/drawingml/2006/main" xmlns:r="http://schemas.openxmlformats.org/officeDocument/2006/relationships" xmlns:p="http://schemas.openxmlformats.org/presentationml/2006/main">
   <p:cSld>
@@ -4653,12 +4658,78 @@
           <a:lstStyle/>
           <a:p>
             <a:r>
+              <a:rPr lang="en-US" altLang="ja-JP" dirty="0" smtClean="0"/>
+              <a:t>Node.js</a:t>
+            </a:r>
+            <a:r>
+              <a:rPr lang="ja-JP" altLang="en-US" dirty="0" smtClean="0"/>
+              <a:t>について</a:t>
+            </a:r>
+            <a:endParaRPr kumimoji="1" lang="ja-JP" altLang="en-US" dirty="0"/>
+          </a:p>
+        </p:txBody>
+      </p:sp>
+      <p:sp>
+        <p:nvSpPr>
+          <p:cNvPr id="3" name="コンテンツ プレースホルダー 2"/>
+          <p:cNvSpPr>
+            <a:spLocks noGrp="1"/>
+          </p:cNvSpPr>
+          <p:nvPr>
+            <p:ph idx="1"/>
+          </p:nvPr>
+        </p:nvSpPr>
+        <p:spPr/>
+        <p:txBody>
+          <a:bodyPr/>
+          <a:lstStyle/>
+          <a:p>
+            <a:r>
+              <a:rPr kumimoji="1" lang="en-US" altLang="ja-JP" dirty="0" err="1" smtClean="0"/>
+              <a:t>Blockly</a:t>
+            </a:r>
+            <a:r>
+              <a:rPr lang="ja-JP" altLang="en-US" dirty="0"/>
+              <a:t>で</a:t>
+            </a:r>
+            <a:r>
+              <a:rPr lang="ja-JP" altLang="en-US" dirty="0" smtClean="0"/>
+              <a:t>は、</a:t>
+            </a:r>
+            <a:r>
+              <a:rPr kumimoji="1" lang="en-US" altLang="ja-JP" dirty="0" smtClean="0"/>
+              <a:t>Node</a:t>
+            </a:r>
+            <a:r>
+              <a:rPr lang="en-US" altLang="ja-JP" dirty="0" smtClean="0"/>
+              <a:t>.js</a:t>
+            </a:r>
+            <a:r>
+              <a:rPr lang="ja-JP" altLang="en-US" dirty="0" smtClean="0"/>
+              <a:t>を利用してコードの実行をしているように思えたが、実際には</a:t>
+            </a:r>
+            <a:r>
               <a:rPr lang="en-US" altLang="ja-JP" dirty="0" err="1" smtClean="0"/>
-              <a:t>Node_modules</a:t>
-            </a:r>
-            <a:r>
-              <a:rPr lang="en-US" altLang="ja-JP" dirty="0" smtClean="0"/>
-              <a:t> install</a:t>
+              <a:t>npm</a:t>
+            </a:r>
+            <a:r>
+              <a:rPr lang="ja-JP" altLang="en-US" dirty="0" smtClean="0"/>
+              <a:t>というパッケージ管理のために利用しているだけで、サーバとして利用しているわけでは</a:t>
+            </a:r>
+            <a:r>
+              <a:rPr lang="ja-JP" altLang="en-US" dirty="0"/>
+              <a:t>ないように</a:t>
+            </a:r>
+            <a:r>
+              <a:rPr lang="ja-JP" altLang="en-US" dirty="0" smtClean="0"/>
+              <a:t>も見える</a:t>
+            </a:r>
+            <a:endParaRPr lang="en-US" altLang="ja-JP" dirty="0" smtClean="0"/>
+          </a:p>
+          <a:p>
+            <a:r>
+              <a:rPr kumimoji="1" lang="ja-JP" altLang="en-US" dirty="0" smtClean="0"/>
+              <a:t>あまり理解できていないため、公式の情報を見直したい</a:t>
             </a:r>
             <a:endParaRPr kumimoji="1" lang="ja-JP" altLang="en-US" dirty="0"/>
           </a:p>
@@ -4666,74 +4737,6 @@
       </p:sp>
       <p:sp>
         <p:nvSpPr>
-          <p:cNvPr id="3" name="コンテンツ プレースホルダー 2"/>
-          <p:cNvSpPr>
-            <a:spLocks noGrp="1"/>
-          </p:cNvSpPr>
-          <p:nvPr>
-            <p:ph idx="1"/>
-          </p:nvPr>
-        </p:nvSpPr>
-        <p:spPr/>
-        <p:txBody>
-          <a:bodyPr/>
-          <a:lstStyle/>
-          <a:p>
-            <a:r>
-              <a:rPr lang="en-US" altLang="ja-JP" dirty="0" err="1" smtClean="0"/>
-              <a:t>Blockly</a:t>
-            </a:r>
-            <a:r>
-              <a:rPr lang="ja-JP" altLang="en-US" dirty="0" smtClean="0"/>
-              <a:t>公式によって用意されているモジュールのインストール</a:t>
-            </a:r>
-            <a:endParaRPr lang="en-US" altLang="ja-JP" dirty="0" smtClean="0"/>
-          </a:p>
-          <a:p>
-            <a:r>
-              <a:rPr kumimoji="1" lang="ja-JP" altLang="en-US" dirty="0" smtClean="0"/>
-              <a:t>方法：</a:t>
-            </a:r>
-            <a:r>
-              <a:rPr lang="ja-JP" altLang="en-US" dirty="0" smtClean="0"/>
-              <a:t>コマンドプロンプトにて</a:t>
-            </a:r>
-            <a:r>
-              <a:rPr kumimoji="1" lang="ja-JP" altLang="en-US" dirty="0" smtClean="0"/>
-              <a:t>実行したい</a:t>
-            </a:r>
-            <a:r>
-              <a:rPr kumimoji="1" lang="en-US" altLang="ja-JP" dirty="0" smtClean="0"/>
-              <a:t>JSON</a:t>
-            </a:r>
-            <a:r>
-              <a:rPr kumimoji="1" lang="ja-JP" altLang="en-US" dirty="0" smtClean="0"/>
-              <a:t>ファイルの場所に移動して</a:t>
-            </a:r>
-            <a:r>
-              <a:rPr kumimoji="1" lang="en-US" altLang="ja-JP" dirty="0" err="1" smtClean="0"/>
-              <a:t>npm</a:t>
-            </a:r>
-            <a:r>
-              <a:rPr kumimoji="1" lang="en-US" altLang="ja-JP" dirty="0" smtClean="0"/>
-              <a:t> install</a:t>
-            </a:r>
-            <a:r>
-              <a:rPr kumimoji="1" lang="ja-JP" altLang="en-US" dirty="0" smtClean="0"/>
-              <a:t>を実行</a:t>
-            </a:r>
-            <a:endParaRPr kumimoji="1" lang="en-US" altLang="ja-JP" dirty="0" smtClean="0"/>
-          </a:p>
-          <a:p>
-            <a:pPr marL="0" indent="0">
-              <a:buNone/>
-            </a:pPr>
-            <a:endParaRPr lang="en-US" altLang="ja-JP" dirty="0"/>
-          </a:p>
-        </p:txBody>
-      </p:sp>
-      <p:sp>
-        <p:nvSpPr>
           <p:cNvPr id="4" name="スライド番号プレースホルダー 3"/>
           <p:cNvSpPr>
             <a:spLocks noGrp="1"/>
@@ -4748,17 +4751,17 @@
           <a:lstStyle/>
           <a:p>
             <a:fld id="{4A32CB03-0843-4AF8-BFB2-C9917854BC7E}" type="slidenum">
-              <a:rPr kumimoji="1" lang="ja-JP" altLang="en-US" sz="2800" smtClean="0"/>
+              <a:rPr kumimoji="1" lang="ja-JP" altLang="en-US" smtClean="0"/>
               <a:t>13</a:t>
             </a:fld>
-            <a:endParaRPr kumimoji="1" lang="ja-JP" altLang="en-US" sz="2800" dirty="0"/>
+            <a:endParaRPr kumimoji="1" lang="ja-JP" altLang="en-US"/>
           </a:p>
         </p:txBody>
       </p:sp>
     </p:spTree>
     <p:extLst>
       <p:ext uri="{BB962C8B-B14F-4D97-AF65-F5344CB8AC3E}">
-        <p14:creationId xmlns:p14="http://schemas.microsoft.com/office/powerpoint/2010/main" val="2182324898"/>
+        <p14:creationId xmlns:p14="http://schemas.microsoft.com/office/powerpoint/2010/main" val="3535867368"/>
       </p:ext>
     </p:extLst>
   </p:cSld>
@@ -4801,6 +4804,154 @@
           <a:lstStyle/>
           <a:p>
             <a:r>
+              <a:rPr lang="en-US" altLang="ja-JP" dirty="0" err="1" smtClean="0"/>
+              <a:t>Node_modules</a:t>
+            </a:r>
+            <a:r>
+              <a:rPr lang="en-US" altLang="ja-JP" dirty="0" smtClean="0"/>
+              <a:t> install</a:t>
+            </a:r>
+            <a:endParaRPr kumimoji="1" lang="ja-JP" altLang="en-US" dirty="0"/>
+          </a:p>
+        </p:txBody>
+      </p:sp>
+      <p:sp>
+        <p:nvSpPr>
+          <p:cNvPr id="3" name="コンテンツ プレースホルダー 2"/>
+          <p:cNvSpPr>
+            <a:spLocks noGrp="1"/>
+          </p:cNvSpPr>
+          <p:nvPr>
+            <p:ph idx="1"/>
+          </p:nvPr>
+        </p:nvSpPr>
+        <p:spPr/>
+        <p:txBody>
+          <a:bodyPr/>
+          <a:lstStyle/>
+          <a:p>
+            <a:r>
+              <a:rPr lang="en-US" altLang="ja-JP" dirty="0" err="1" smtClean="0"/>
+              <a:t>Blockly</a:t>
+            </a:r>
+            <a:r>
+              <a:rPr lang="ja-JP" altLang="en-US" dirty="0" smtClean="0"/>
+              <a:t>公式によって用意されているモジュールのインストール</a:t>
+            </a:r>
+            <a:endParaRPr lang="en-US" altLang="ja-JP" dirty="0" smtClean="0"/>
+          </a:p>
+          <a:p>
+            <a:r>
+              <a:rPr kumimoji="1" lang="ja-JP" altLang="en-US" dirty="0" smtClean="0"/>
+              <a:t>方法：</a:t>
+            </a:r>
+            <a:r>
+              <a:rPr lang="ja-JP" altLang="en-US" dirty="0" smtClean="0"/>
+              <a:t>コマンドプロンプトにて</a:t>
+            </a:r>
+            <a:r>
+              <a:rPr kumimoji="1" lang="ja-JP" altLang="en-US" dirty="0" smtClean="0"/>
+              <a:t>実行したい</a:t>
+            </a:r>
+            <a:r>
+              <a:rPr kumimoji="1" lang="en-US" altLang="ja-JP" dirty="0" smtClean="0"/>
+              <a:t>JSON</a:t>
+            </a:r>
+            <a:r>
+              <a:rPr kumimoji="1" lang="ja-JP" altLang="en-US" dirty="0" smtClean="0"/>
+              <a:t>ファイルの場所に移動して</a:t>
+            </a:r>
+            <a:r>
+              <a:rPr kumimoji="1" lang="en-US" altLang="ja-JP" dirty="0" err="1" smtClean="0"/>
+              <a:t>npm</a:t>
+            </a:r>
+            <a:r>
+              <a:rPr kumimoji="1" lang="en-US" altLang="ja-JP" dirty="0" smtClean="0"/>
+              <a:t> install</a:t>
+            </a:r>
+            <a:r>
+              <a:rPr kumimoji="1" lang="ja-JP" altLang="en-US" dirty="0" smtClean="0"/>
+              <a:t>を実行</a:t>
+            </a:r>
+            <a:endParaRPr kumimoji="1" lang="en-US" altLang="ja-JP" dirty="0" smtClean="0"/>
+          </a:p>
+          <a:p>
+            <a:pPr marL="0" indent="0">
+              <a:buNone/>
+            </a:pPr>
+            <a:endParaRPr lang="en-US" altLang="ja-JP" dirty="0"/>
+          </a:p>
+        </p:txBody>
+      </p:sp>
+      <p:sp>
+        <p:nvSpPr>
+          <p:cNvPr id="4" name="スライド番号プレースホルダー 3"/>
+          <p:cNvSpPr>
+            <a:spLocks noGrp="1"/>
+          </p:cNvSpPr>
+          <p:nvPr>
+            <p:ph type="sldNum" sz="quarter" idx="12"/>
+          </p:nvPr>
+        </p:nvSpPr>
+        <p:spPr/>
+        <p:txBody>
+          <a:bodyPr/>
+          <a:lstStyle/>
+          <a:p>
+            <a:fld id="{4A32CB03-0843-4AF8-BFB2-C9917854BC7E}" type="slidenum">
+              <a:rPr kumimoji="1" lang="ja-JP" altLang="en-US" sz="2800" smtClean="0"/>
+              <a:t>14</a:t>
+            </a:fld>
+            <a:endParaRPr kumimoji="1" lang="ja-JP" altLang="en-US" sz="2800" dirty="0"/>
+          </a:p>
+        </p:txBody>
+      </p:sp>
+    </p:spTree>
+    <p:extLst>
+      <p:ext uri="{BB962C8B-B14F-4D97-AF65-F5344CB8AC3E}">
+        <p14:creationId xmlns:p14="http://schemas.microsoft.com/office/powerpoint/2010/main" val="2182324898"/>
+      </p:ext>
+    </p:extLst>
+  </p:cSld>
+  <p:clrMapOvr>
+    <a:masterClrMapping/>
+  </p:clrMapOvr>
+</p:sld>
+</file>
+
+<file path=ppt/slides/slide15.xml><?xml version="1.0" encoding="utf-8"?>
+<p:sld xmlns:a="http://schemas.openxmlformats.org/drawingml/2006/main" xmlns:r="http://schemas.openxmlformats.org/officeDocument/2006/relationships" xmlns:p="http://schemas.openxmlformats.org/presentationml/2006/main">
+  <p:cSld>
+    <p:spTree>
+      <p:nvGrpSpPr>
+        <p:cNvPr id="1" name=""/>
+        <p:cNvGrpSpPr/>
+        <p:nvPr/>
+      </p:nvGrpSpPr>
+      <p:grpSpPr>
+        <a:xfrm>
+          <a:off x="0" y="0"/>
+          <a:ext cx="0" cy="0"/>
+          <a:chOff x="0" y="0"/>
+          <a:chExt cx="0" cy="0"/>
+        </a:xfrm>
+      </p:grpSpPr>
+      <p:sp>
+        <p:nvSpPr>
+          <p:cNvPr id="2" name="タイトル 1"/>
+          <p:cNvSpPr>
+            <a:spLocks noGrp="1"/>
+          </p:cNvSpPr>
+          <p:nvPr>
+            <p:ph type="title"/>
+          </p:nvPr>
+        </p:nvSpPr>
+        <p:spPr/>
+        <p:txBody>
+          <a:bodyPr/>
+          <a:lstStyle/>
+          <a:p>
+            <a:r>
               <a:rPr lang="en-US" altLang="ja-JP" dirty="0" err="1"/>
               <a:t>Node_modules</a:t>
             </a:r>
@@ -4829,7 +4980,7 @@
           <a:p>
             <a:fld id="{4A32CB03-0843-4AF8-BFB2-C9917854BC7E}" type="slidenum">
               <a:rPr kumimoji="1" lang="ja-JP" altLang="en-US" smtClean="0"/>
-              <a:t>14</a:t>
+              <a:t>15</a:t>
             </a:fld>
             <a:endParaRPr kumimoji="1" lang="ja-JP" altLang="en-US"/>
           </a:p>
@@ -4872,158 +5023,6 @@
 </p:sld>
 </file>
 
-<file path=ppt/slides/slide15.xml><?xml version="1.0" encoding="utf-8"?>
-<p:sld xmlns:a="http://schemas.openxmlformats.org/drawingml/2006/main" xmlns:r="http://schemas.openxmlformats.org/officeDocument/2006/relationships" xmlns:p="http://schemas.openxmlformats.org/presentationml/2006/main">
-  <p:cSld>
-    <p:spTree>
-      <p:nvGrpSpPr>
-        <p:cNvPr id="1" name=""/>
-        <p:cNvGrpSpPr/>
-        <p:nvPr/>
-      </p:nvGrpSpPr>
-      <p:grpSpPr>
-        <a:xfrm>
-          <a:off x="0" y="0"/>
-          <a:ext cx="0" cy="0"/>
-          <a:chOff x="0" y="0"/>
-          <a:chExt cx="0" cy="0"/>
-        </a:xfrm>
-      </p:grpSpPr>
-      <p:sp>
-        <p:nvSpPr>
-          <p:cNvPr id="2" name="タイトル 1"/>
-          <p:cNvSpPr>
-            <a:spLocks noGrp="1"/>
-          </p:cNvSpPr>
-          <p:nvPr>
-            <p:ph type="title"/>
-          </p:nvPr>
-        </p:nvSpPr>
-        <p:spPr/>
-        <p:txBody>
-          <a:bodyPr/>
-          <a:lstStyle/>
-          <a:p>
-            <a:r>
-              <a:rPr kumimoji="1" lang="en-US" altLang="ja-JP" dirty="0" smtClean="0"/>
-              <a:t>Generator</a:t>
-            </a:r>
-            <a:endParaRPr kumimoji="1" lang="ja-JP" altLang="en-US" dirty="0"/>
-          </a:p>
-        </p:txBody>
-      </p:sp>
-      <p:sp>
-        <p:nvSpPr>
-          <p:cNvPr id="3" name="コンテンツ プレースホルダー 2"/>
-          <p:cNvSpPr>
-            <a:spLocks noGrp="1"/>
-          </p:cNvSpPr>
-          <p:nvPr>
-            <p:ph idx="1"/>
-          </p:nvPr>
-        </p:nvSpPr>
-        <p:spPr/>
-        <p:txBody>
-          <a:bodyPr/>
-          <a:lstStyle/>
-          <a:p>
-            <a:r>
-              <a:rPr kumimoji="1" lang="ja-JP" altLang="en-US" dirty="0" smtClean="0"/>
-              <a:t>ブロックからコードに変換するための生成器</a:t>
-            </a:r>
-            <a:endParaRPr lang="en-US" altLang="ja-JP" dirty="0"/>
-          </a:p>
-          <a:p>
-            <a:r>
-              <a:rPr lang="en-US" altLang="ja-JP" dirty="0" err="1" smtClean="0"/>
-              <a:t>Blockly</a:t>
-            </a:r>
-            <a:r>
-              <a:rPr lang="ja-JP" altLang="en-US" dirty="0" smtClean="0"/>
-              <a:t>で利用できる言語</a:t>
-            </a:r>
-            <a:endParaRPr lang="en-US" altLang="ja-JP" dirty="0" smtClean="0"/>
-          </a:p>
-          <a:p>
-            <a:pPr lvl="1"/>
-            <a:r>
-              <a:rPr kumimoji="1" lang="en-US" altLang="ja-JP" dirty="0" smtClean="0"/>
-              <a:t>JavaScript</a:t>
-            </a:r>
-          </a:p>
-          <a:p>
-            <a:pPr lvl="1"/>
-            <a:r>
-              <a:rPr lang="en-US" altLang="ja-JP" dirty="0" smtClean="0"/>
-              <a:t>Python</a:t>
-            </a:r>
-          </a:p>
-          <a:p>
-            <a:pPr lvl="1"/>
-            <a:r>
-              <a:rPr kumimoji="1" lang="en-US" altLang="ja-JP" dirty="0" smtClean="0"/>
-              <a:t>PHP</a:t>
-            </a:r>
-          </a:p>
-          <a:p>
-            <a:pPr lvl="1"/>
-            <a:r>
-              <a:rPr lang="en-US" altLang="ja-JP" dirty="0" err="1" smtClean="0"/>
-              <a:t>Lua</a:t>
-            </a:r>
-            <a:endParaRPr lang="en-US" altLang="ja-JP" dirty="0" smtClean="0"/>
-          </a:p>
-          <a:p>
-            <a:pPr lvl="1"/>
-            <a:r>
-              <a:rPr kumimoji="1" lang="en-US" altLang="ja-JP" dirty="0" smtClean="0"/>
-              <a:t>Dart</a:t>
-            </a:r>
-          </a:p>
-          <a:p>
-            <a:pPr marL="457200" lvl="1" indent="0">
-              <a:buNone/>
-            </a:pPr>
-            <a:endParaRPr kumimoji="1" lang="en-US" altLang="ja-JP" dirty="0" smtClean="0"/>
-          </a:p>
-        </p:txBody>
-      </p:sp>
-      <p:sp>
-        <p:nvSpPr>
-          <p:cNvPr id="4" name="スライド番号プレースホルダー 3"/>
-          <p:cNvSpPr>
-            <a:spLocks noGrp="1"/>
-          </p:cNvSpPr>
-          <p:nvPr>
-            <p:ph type="sldNum" sz="quarter" idx="12"/>
-          </p:nvPr>
-        </p:nvSpPr>
-        <p:spPr/>
-        <p:txBody>
-          <a:bodyPr/>
-          <a:lstStyle/>
-          <a:p>
-            <a:fld id="{4A32CB03-0843-4AF8-BFB2-C9917854BC7E}" type="slidenum">
-              <a:rPr kumimoji="1" lang="ja-JP" altLang="en-US" smtClean="0"/>
-              <a:t>15</a:t>
-            </a:fld>
-            <a:endParaRPr kumimoji="1" lang="ja-JP" altLang="en-US"/>
-          </a:p>
-        </p:txBody>
-      </p:sp>
-    </p:spTree>
-    <p:extLst>
-      <p:ext uri="{BB962C8B-B14F-4D97-AF65-F5344CB8AC3E}">
-        <p14:creationId xmlns:p14="http://schemas.microsoft.com/office/powerpoint/2010/main" val="559910476"/>
-      </p:ext>
-    </p:extLst>
-  </p:cSld>
-  <p:clrMapOvr>
-    <a:masterClrMapping/>
-  </p:clrMapOvr>
-</p:sld>
-</file>
-
 <file path=ppt/slides/slide16.xml><?xml version="1.0" encoding="utf-8"?>
 <p:sld xmlns:a="http://schemas.openxmlformats.org/drawingml/2006/main" xmlns:r="http://schemas.openxmlformats.org/officeDocument/2006/relationships" xmlns:p="http://schemas.openxmlformats.org/presentationml/2006/main">
   <p:cSld>
@@ -5051,202 +5050,92 @@
             <p:ph type="title"/>
           </p:nvPr>
         </p:nvSpPr>
-        <p:spPr>
-          <a:xfrm>
-            <a:off x="644834" y="365126"/>
-            <a:ext cx="7886700" cy="1325563"/>
-          </a:xfrm>
-        </p:spPr>
-        <p:txBody>
-          <a:bodyPr/>
-          <a:lstStyle/>
-          <a:p>
-            <a:r>
-              <a:rPr kumimoji="1" lang="en-US" altLang="ja-JP" dirty="0" err="1" smtClean="0"/>
+        <p:spPr/>
+        <p:txBody>
+          <a:bodyPr/>
+          <a:lstStyle/>
+          <a:p>
+            <a:r>
+              <a:rPr kumimoji="1" lang="en-US" altLang="ja-JP" dirty="0" smtClean="0"/>
+              <a:t>Generator</a:t>
+            </a:r>
+            <a:endParaRPr kumimoji="1" lang="ja-JP" altLang="en-US" dirty="0"/>
+          </a:p>
+        </p:txBody>
+      </p:sp>
+      <p:sp>
+        <p:nvSpPr>
+          <p:cNvPr id="3" name="コンテンツ プレースホルダー 2"/>
+          <p:cNvSpPr>
+            <a:spLocks noGrp="1"/>
+          </p:cNvSpPr>
+          <p:nvPr>
+            <p:ph idx="1"/>
+          </p:nvPr>
+        </p:nvSpPr>
+        <p:spPr/>
+        <p:txBody>
+          <a:bodyPr/>
+          <a:lstStyle/>
+          <a:p>
+            <a:r>
+              <a:rPr kumimoji="1" lang="ja-JP" altLang="en-US" dirty="0" smtClean="0"/>
+              <a:t>ブロックからコードに変換するための生成器</a:t>
+            </a:r>
+            <a:endParaRPr lang="en-US" altLang="ja-JP" dirty="0"/>
+          </a:p>
+          <a:p>
+            <a:r>
+              <a:rPr lang="en-US" altLang="ja-JP" dirty="0" err="1" smtClean="0"/>
+              <a:t>Blockly</a:t>
+            </a:r>
+            <a:r>
+              <a:rPr lang="ja-JP" altLang="en-US" dirty="0" smtClean="0"/>
+              <a:t>で利用できる言語</a:t>
+            </a:r>
+            <a:endParaRPr lang="en-US" altLang="ja-JP" dirty="0" smtClean="0"/>
+          </a:p>
+          <a:p>
+            <a:pPr lvl="1"/>
+            <a:r>
+              <a:rPr kumimoji="1" lang="en-US" altLang="ja-JP" dirty="0" smtClean="0"/>
+              <a:t>JavaScript</a:t>
+            </a:r>
+          </a:p>
+          <a:p>
+            <a:pPr lvl="1"/>
+            <a:r>
+              <a:rPr lang="en-US" altLang="ja-JP" dirty="0" smtClean="0"/>
+              <a:t>Python</a:t>
+            </a:r>
+          </a:p>
+          <a:p>
+            <a:pPr lvl="1"/>
+            <a:r>
+              <a:rPr kumimoji="1" lang="en-US" altLang="ja-JP" dirty="0" smtClean="0"/>
+              <a:t>PHP</a:t>
+            </a:r>
+          </a:p>
+          <a:p>
+            <a:pPr lvl="1"/>
+            <a:r>
+              <a:rPr lang="en-US" altLang="ja-JP" dirty="0" err="1" smtClean="0"/>
               <a:t>Lua</a:t>
             </a:r>
-            <a:endParaRPr kumimoji="1" lang="ja-JP" altLang="en-US" dirty="0"/>
-          </a:p>
-        </p:txBody>
-      </p:sp>
-      <p:sp>
-        <p:nvSpPr>
-          <p:cNvPr id="3" name="コンテンツ プレースホルダー 2"/>
-          <p:cNvSpPr>
-            <a:spLocks noGrp="1"/>
-          </p:cNvSpPr>
-          <p:nvPr>
-            <p:ph idx="1"/>
-          </p:nvPr>
-        </p:nvSpPr>
-        <p:spPr/>
-        <p:txBody>
-          <a:bodyPr>
-            <a:normAutofit fontScale="70000" lnSpcReduction="20000"/>
-          </a:bodyPr>
-          <a:lstStyle/>
-          <a:p>
-            <a:pPr marL="0" indent="0">
-              <a:buNone/>
-            </a:pPr>
-            <a:r>
-              <a:rPr lang="en-US" altLang="ja-JP" dirty="0" err="1"/>
-              <a:t>Lua</a:t>
-            </a:r>
-            <a:r>
-              <a:rPr lang="ja-JP" altLang="en-US" dirty="0"/>
-              <a:t>（ルア）はスクリプト言語およびその処理系の実装で、主にリオデジャネイロ・カトリカ大学（英語版）のコンピュータ科学科 </a:t>
-            </a:r>
-            <a:r>
-              <a:rPr lang="en-US" altLang="ja-JP" dirty="0"/>
-              <a:t>(Department of Computer Science) </a:t>
-            </a:r>
-            <a:r>
-              <a:rPr lang="ja-JP" altLang="en-US" dirty="0"/>
-              <a:t>および</a:t>
-            </a:r>
-            <a:r>
-              <a:rPr lang="en-US" altLang="ja-JP" dirty="0"/>
-              <a:t>/</a:t>
-            </a:r>
-            <a:r>
-              <a:rPr lang="ja-JP" altLang="en-US" dirty="0"/>
-              <a:t>または同大学附属研究所の</a:t>
-            </a:r>
-            <a:r>
-              <a:rPr lang="en-US" altLang="ja-JP" dirty="0" err="1" smtClean="0"/>
-              <a:t>Tecgraf</a:t>
-            </a:r>
-            <a:r>
-              <a:rPr lang="en-US" altLang="ja-JP" dirty="0" smtClean="0"/>
-              <a:t>/PUC-Rio</a:t>
-            </a:r>
-            <a:r>
-              <a:rPr lang="ja-JP" altLang="en-US" dirty="0" smtClean="0"/>
-              <a:t>に</a:t>
-            </a:r>
-            <a:r>
-              <a:rPr lang="ja-JP" altLang="en-US" dirty="0"/>
-              <a:t>所属する、</a:t>
-            </a:r>
-            <a:r>
-              <a:rPr lang="en-US" altLang="ja-JP" dirty="0"/>
-              <a:t>Roberto </a:t>
-            </a:r>
-            <a:r>
-              <a:rPr lang="en-US" altLang="ja-JP" dirty="0" err="1"/>
-              <a:t>Ierusalimschy</a:t>
-            </a:r>
-            <a:r>
-              <a:rPr lang="ja-JP" altLang="en-US" dirty="0" err="1"/>
-              <a:t>、</a:t>
-            </a:r>
-            <a:r>
-              <a:rPr lang="en-US" altLang="ja-JP" dirty="0" err="1"/>
-              <a:t>Waldemar</a:t>
-            </a:r>
-            <a:r>
-              <a:rPr lang="en-US" altLang="ja-JP" dirty="0"/>
-              <a:t> </a:t>
-            </a:r>
-            <a:r>
-              <a:rPr lang="en-US" altLang="ja-JP" dirty="0" err="1" smtClean="0"/>
-              <a:t>Celes</a:t>
-            </a:r>
-            <a:r>
-              <a:rPr lang="ja-JP" altLang="en-US" dirty="0" err="1" smtClean="0"/>
-              <a:t>、</a:t>
-            </a:r>
-            <a:r>
-              <a:rPr lang="en-US" altLang="ja-JP" dirty="0"/>
-              <a:t>Luiz Henrique de </a:t>
-            </a:r>
-            <a:r>
-              <a:rPr lang="en-US" altLang="ja-JP" dirty="0" err="1" smtClean="0"/>
-              <a:t>Figueiredo</a:t>
-            </a:r>
-            <a:r>
-              <a:rPr lang="ja-JP" altLang="en-US" dirty="0" err="1" smtClean="0"/>
-              <a:t>らに</a:t>
-            </a:r>
-            <a:r>
-              <a:rPr lang="ja-JP" altLang="en-US" dirty="0"/>
-              <a:t>よって設計開発</a:t>
-            </a:r>
-            <a:r>
-              <a:rPr lang="ja-JP" altLang="en-US" dirty="0" smtClean="0"/>
-              <a:t>された。</a:t>
-            </a:r>
-            <a:endParaRPr lang="ja-JP" altLang="en-US" dirty="0"/>
-          </a:p>
-          <a:p>
-            <a:pPr marL="0" indent="0">
-              <a:buNone/>
-            </a:pPr>
-            <a:endParaRPr lang="ja-JP" altLang="en-US" dirty="0"/>
-          </a:p>
-          <a:p>
-            <a:pPr marL="0" indent="0">
-              <a:buNone/>
-            </a:pPr>
-            <a:r>
-              <a:rPr lang="ja-JP" altLang="en-US" dirty="0"/>
-              <a:t>手続き型言語として、またプロトタイプベースのオブジェクト指向言語としても利用することができ、関数型言語、データ駆動型としての要素も併せ持っている。</a:t>
-            </a:r>
-          </a:p>
-          <a:p>
-            <a:pPr marL="0" indent="0">
-              <a:buNone/>
-            </a:pPr>
-            <a:endParaRPr lang="ja-JP" altLang="en-US" dirty="0"/>
-          </a:p>
-          <a:p>
-            <a:pPr marL="0" indent="0">
-              <a:buNone/>
-            </a:pPr>
-            <a:r>
-              <a:rPr lang="en-US" altLang="ja-JP" dirty="0" err="1"/>
-              <a:t>Lua</a:t>
-            </a:r>
-            <a:r>
-              <a:rPr lang="ja-JP" altLang="en-US" dirty="0"/>
-              <a:t>という名前は、ポルトガル語の「月」に由来する</a:t>
-            </a:r>
-            <a:r>
-              <a:rPr lang="ja-JP" altLang="en-US" dirty="0" smtClean="0"/>
-              <a:t>。</a:t>
-            </a:r>
             <a:endParaRPr lang="en-US" altLang="ja-JP" dirty="0" smtClean="0"/>
           </a:p>
           <a:p>
-            <a:pPr marL="0" indent="0">
+            <a:pPr lvl="1"/>
+            <a:r>
+              <a:rPr kumimoji="1" lang="en-US" altLang="ja-JP" dirty="0" smtClean="0"/>
+              <a:t>Dart</a:t>
+            </a:r>
+          </a:p>
+          <a:p>
+            <a:pPr marL="457200" lvl="1" indent="0">
               <a:buNone/>
             </a:pPr>
             <a:endParaRPr kumimoji="1" lang="en-US" altLang="ja-JP" dirty="0" smtClean="0"/>
-          </a:p>
-          <a:p>
-            <a:pPr marL="0" indent="0">
-              <a:buNone/>
-            </a:pPr>
-            <a:r>
-              <a:rPr lang="ja-JP" altLang="en-US" dirty="0"/>
-              <a:t>引用</a:t>
-            </a:r>
-            <a:r>
-              <a:rPr lang="ja-JP" altLang="en-US" dirty="0" smtClean="0"/>
-              <a:t>：</a:t>
-            </a:r>
-            <a:endParaRPr kumimoji="1" lang="en-US" altLang="ja-JP" dirty="0"/>
-          </a:p>
-          <a:p>
-            <a:pPr marL="0" indent="0">
-              <a:buNone/>
-            </a:pPr>
-            <a:r>
-              <a:rPr lang="en-US" altLang="ja-JP" dirty="0"/>
-              <a:t>https://ja.wikipedia.org/wiki/Lua</a:t>
-            </a:r>
-            <a:endParaRPr kumimoji="1" lang="ja-JP" altLang="en-US" dirty="0"/>
           </a:p>
         </p:txBody>
       </p:sp>
@@ -5276,7 +5165,7 @@
     </p:spTree>
     <p:extLst>
       <p:ext uri="{BB962C8B-B14F-4D97-AF65-F5344CB8AC3E}">
-        <p14:creationId xmlns:p14="http://schemas.microsoft.com/office/powerpoint/2010/main" val="843265026"/>
+        <p14:creationId xmlns:p14="http://schemas.microsoft.com/office/powerpoint/2010/main" val="559910476"/>
       </p:ext>
     </p:extLst>
   </p:cSld>
@@ -5313,14 +5202,19 @@
             <p:ph type="title"/>
           </p:nvPr>
         </p:nvSpPr>
-        <p:spPr/>
-        <p:txBody>
-          <a:bodyPr/>
-          <a:lstStyle/>
-          <a:p>
-            <a:r>
-              <a:rPr kumimoji="1" lang="en-US" altLang="ja-JP" dirty="0" smtClean="0"/>
-              <a:t>Dart</a:t>
+        <p:spPr>
+          <a:xfrm>
+            <a:off x="644834" y="365126"/>
+            <a:ext cx="7886700" cy="1325563"/>
+          </a:xfrm>
+        </p:spPr>
+        <p:txBody>
+          <a:bodyPr/>
+          <a:lstStyle/>
+          <a:p>
+            <a:r>
+              <a:rPr kumimoji="1" lang="en-US" altLang="ja-JP" dirty="0" err="1" smtClean="0"/>
+              <a:t>Lua</a:t>
             </a:r>
             <a:endParaRPr kumimoji="1" lang="ja-JP" altLang="en-US" dirty="0"/>
           </a:p>
@@ -5339,7 +5233,7 @@
         <p:spPr/>
         <p:txBody>
           <a:bodyPr>
-            <a:normAutofit lnSpcReduction="10000"/>
+            <a:normAutofit fontScale="70000" lnSpcReduction="20000"/>
           </a:bodyPr>
           <a:lstStyle/>
           <a:p>
@@ -5347,98 +5241,133 @@
               <a:buNone/>
             </a:pPr>
             <a:r>
+              <a:rPr lang="en-US" altLang="ja-JP" dirty="0" err="1"/>
+              <a:t>Lua</a:t>
+            </a:r>
+            <a:r>
+              <a:rPr lang="ja-JP" altLang="en-US" dirty="0"/>
+              <a:t>（ルア）はスクリプト言語およびその処理系の実装で、主にリオデジャネイロ・カトリカ大学（英語版）のコンピュータ科学科 </a:t>
+            </a:r>
+            <a:r>
               <a:rPr lang="en-US" altLang="ja-JP" dirty="0"/>
-              <a:t>Dart</a:t>
+              <a:t>(Department of Computer Science) </a:t>
             </a:r>
             <a:r>
               <a:rPr lang="ja-JP" altLang="en-US" dirty="0"/>
-              <a:t>（ダートもしくはダーツ。当初は </a:t>
+              <a:t>および</a:t>
             </a:r>
             <a:r>
               <a:rPr lang="en-US" altLang="ja-JP" dirty="0"/>
-              <a:t>Dash </a:t>
+              <a:t>/</a:t>
             </a:r>
             <a:r>
               <a:rPr lang="ja-JP" altLang="en-US" dirty="0"/>
-              <a:t>と呼ばれていた）は</a:t>
+              <a:t>または同大学附属研究所の</a:t>
+            </a:r>
+            <a:r>
+              <a:rPr lang="en-US" altLang="ja-JP" dirty="0" err="1" smtClean="0"/>
+              <a:t>Tecgraf</a:t>
+            </a:r>
+            <a:r>
+              <a:rPr lang="en-US" altLang="ja-JP" dirty="0" smtClean="0"/>
+              <a:t>/PUC-Rio</a:t>
+            </a:r>
+            <a:r>
+              <a:rPr lang="ja-JP" altLang="en-US" dirty="0" smtClean="0"/>
+              <a:t>に</a:t>
+            </a:r>
+            <a:r>
+              <a:rPr lang="ja-JP" altLang="en-US" dirty="0"/>
+              <a:t>所属する、</a:t>
             </a:r>
             <a:r>
               <a:rPr lang="en-US" altLang="ja-JP" dirty="0"/>
-              <a:t>Google</a:t>
+              <a:t>Roberto </a:t>
+            </a:r>
+            <a:r>
+              <a:rPr lang="en-US" altLang="ja-JP" dirty="0" err="1"/>
+              <a:t>Ierusalimschy</a:t>
+            </a:r>
+            <a:r>
+              <a:rPr lang="ja-JP" altLang="en-US" dirty="0" err="1"/>
+              <a:t>、</a:t>
+            </a:r>
+            <a:r>
+              <a:rPr lang="en-US" altLang="ja-JP" dirty="0" err="1"/>
+              <a:t>Waldemar</a:t>
+            </a:r>
+            <a:r>
+              <a:rPr lang="en-US" altLang="ja-JP" dirty="0"/>
+              <a:t> </a:t>
+            </a:r>
+            <a:r>
+              <a:rPr lang="en-US" altLang="ja-JP" dirty="0" err="1" smtClean="0"/>
+              <a:t>Celes</a:t>
+            </a:r>
+            <a:r>
+              <a:rPr lang="ja-JP" altLang="en-US" dirty="0" err="1" smtClean="0"/>
+              <a:t>、</a:t>
+            </a:r>
+            <a:r>
+              <a:rPr lang="en-US" altLang="ja-JP" dirty="0"/>
+              <a:t>Luiz Henrique de </a:t>
+            </a:r>
+            <a:r>
+              <a:rPr lang="en-US" altLang="ja-JP" dirty="0" err="1" smtClean="0"/>
+              <a:t>Figueiredo</a:t>
+            </a:r>
+            <a:r>
+              <a:rPr lang="ja-JP" altLang="en-US" dirty="0" err="1" smtClean="0"/>
+              <a:t>らに</a:t>
             </a:r>
             <a:r>
               <a:rPr lang="ja-JP" altLang="en-US" dirty="0"/>
-              <a:t>によって開発されたウェブ向けのプログラミング言語である。</a:t>
-            </a:r>
-            <a:r>
-              <a:rPr lang="en-US" altLang="ja-JP" dirty="0"/>
-              <a:t>2011</a:t>
-            </a:r>
-            <a:r>
-              <a:rPr lang="ja-JP" altLang="en-US" dirty="0"/>
-              <a:t>年</a:t>
-            </a:r>
-            <a:r>
-              <a:rPr lang="en-US" altLang="ja-JP" dirty="0"/>
-              <a:t>10</a:t>
-            </a:r>
-            <a:r>
-              <a:rPr lang="ja-JP" altLang="en-US" dirty="0"/>
-              <a:t>月</a:t>
-            </a:r>
-            <a:r>
-              <a:rPr lang="en-US" altLang="ja-JP" dirty="0"/>
-              <a:t>10</a:t>
-            </a:r>
-            <a:r>
-              <a:rPr lang="ja-JP" altLang="en-US" dirty="0"/>
-              <a:t>日 </a:t>
-            </a:r>
-            <a:r>
-              <a:rPr lang="en-US" altLang="ja-JP" dirty="0"/>
-              <a:t>- 12</a:t>
-            </a:r>
-            <a:r>
-              <a:rPr lang="ja-JP" altLang="en-US" dirty="0"/>
-              <a:t>日に開催された デンマークのオーフスで開催された「</a:t>
-            </a:r>
-            <a:r>
-              <a:rPr lang="en-US" altLang="ja-JP" dirty="0"/>
-              <a:t>GOTO</a:t>
-            </a:r>
-            <a:r>
-              <a:rPr lang="ja-JP" altLang="en-US" dirty="0"/>
-              <a:t>カンファレンス</a:t>
-            </a:r>
-            <a:r>
-              <a:rPr lang="ja-JP" altLang="en-US" dirty="0" smtClean="0"/>
-              <a:t>」で</a:t>
-            </a:r>
-            <a:r>
-              <a:rPr lang="ja-JP" altLang="en-US" dirty="0"/>
-              <a:t>公開</a:t>
+              <a:t>よって設計開発</a:t>
             </a:r>
             <a:r>
               <a:rPr lang="ja-JP" altLang="en-US" dirty="0" smtClean="0"/>
               <a:t>された。</a:t>
             </a:r>
+            <a:endParaRPr lang="ja-JP" altLang="en-US" dirty="0"/>
+          </a:p>
+          <a:p>
+            <a:pPr marL="0" indent="0">
+              <a:buNone/>
+            </a:pPr>
+            <a:endParaRPr lang="ja-JP" altLang="en-US" dirty="0"/>
+          </a:p>
+          <a:p>
+            <a:pPr marL="0" indent="0">
+              <a:buNone/>
+            </a:pPr>
             <a:r>
               <a:rPr lang="ja-JP" altLang="en-US" dirty="0"/>
-              <a:t>この言語は、ウェブブラウザ組み込みのスクリプト言語である</a:t>
-            </a:r>
-            <a:r>
-              <a:rPr lang="en-US" altLang="ja-JP" dirty="0"/>
-              <a:t>JavaScript</a:t>
+              <a:t>手続き型言語として、またプロトタイプベースのオブジェクト指向言語としても利用することができ、関数型言語、データ駆動型としての要素も併せ持っている。</a:t>
+            </a:r>
+          </a:p>
+          <a:p>
+            <a:pPr marL="0" indent="0">
+              <a:buNone/>
+            </a:pPr>
+            <a:endParaRPr lang="ja-JP" altLang="en-US" dirty="0"/>
+          </a:p>
+          <a:p>
+            <a:pPr marL="0" indent="0">
+              <a:buNone/>
+            </a:pPr>
+            <a:r>
+              <a:rPr lang="en-US" altLang="ja-JP" dirty="0" err="1"/>
+              <a:t>Lua</a:t>
             </a:r>
             <a:r>
               <a:rPr lang="ja-JP" altLang="en-US" dirty="0"/>
-              <a:t>の代替となることを目的に作られた</a:t>
+              <a:t>という名前は、ポルトガル語の「月」に由来する</a:t>
             </a:r>
             <a:r>
               <a:rPr lang="ja-JP" altLang="en-US" dirty="0" smtClean="0"/>
               <a:t>。</a:t>
             </a:r>
-            <a:endParaRPr lang="en-US" altLang="ja-JP" dirty="0"/>
+            <a:endParaRPr lang="en-US" altLang="ja-JP" dirty="0" smtClean="0"/>
           </a:p>
           <a:p>
             <a:pPr marL="0" indent="0">
@@ -5451,10 +5380,14 @@
               <a:buNone/>
             </a:pPr>
             <a:r>
-              <a:rPr kumimoji="1" lang="ja-JP" altLang="en-US" dirty="0" smtClean="0"/>
-              <a:t>引用：</a:t>
-            </a:r>
-            <a:endParaRPr kumimoji="1" lang="en-US" altLang="ja-JP" dirty="0" smtClean="0"/>
+              <a:rPr lang="ja-JP" altLang="en-US" dirty="0"/>
+              <a:t>引用</a:t>
+            </a:r>
+            <a:r>
+              <a:rPr lang="ja-JP" altLang="en-US" dirty="0" smtClean="0"/>
+              <a:t>：</a:t>
+            </a:r>
+            <a:endParaRPr kumimoji="1" lang="en-US" altLang="ja-JP" dirty="0"/>
           </a:p>
           <a:p>
             <a:pPr marL="0" indent="0">
@@ -5462,7 +5395,7 @@
             </a:pPr>
             <a:r>
               <a:rPr lang="en-US" altLang="ja-JP" dirty="0"/>
-              <a:t>https://ja.wikipedia.org/wiki/Dart</a:t>
+              <a:t>https://ja.wikipedia.org/wiki/Lua</a:t>
             </a:r>
             <a:endParaRPr kumimoji="1" lang="ja-JP" altLang="en-US" dirty="0"/>
           </a:p>
@@ -5494,7 +5427,7 @@
     </p:spTree>
     <p:extLst>
       <p:ext uri="{BB962C8B-B14F-4D97-AF65-F5344CB8AC3E}">
-        <p14:creationId xmlns:p14="http://schemas.microsoft.com/office/powerpoint/2010/main" val="3121424104"/>
+        <p14:creationId xmlns:p14="http://schemas.microsoft.com/office/powerpoint/2010/main" val="843265026"/>
       </p:ext>
     </p:extLst>
   </p:cSld>
@@ -5538,7 +5471,7 @@
           <a:p>
             <a:r>
               <a:rPr kumimoji="1" lang="en-US" altLang="ja-JP" dirty="0" smtClean="0"/>
-              <a:t>Generator</a:t>
+              <a:t>Dart</a:t>
             </a:r>
             <a:endParaRPr kumimoji="1" lang="ja-JP" altLang="en-US" dirty="0"/>
           </a:p>
@@ -5557,83 +5490,132 @@
         <p:spPr/>
         <p:txBody>
           <a:bodyPr>
-            <a:normAutofit/>
+            <a:normAutofit lnSpcReduction="10000"/>
           </a:bodyPr>
           <a:lstStyle/>
           <a:p>
-            <a:r>
-              <a:rPr kumimoji="1" lang="en-US" altLang="ja-JP" dirty="0" smtClean="0"/>
-              <a:t>Generator</a:t>
-            </a:r>
+            <a:pPr marL="0" indent="0">
+              <a:buNone/>
+            </a:pPr>
+            <a:r>
+              <a:rPr lang="en-US" altLang="ja-JP" dirty="0"/>
+              <a:t>Dart</a:t>
+            </a:r>
+            <a:r>
+              <a:rPr lang="ja-JP" altLang="en-US" dirty="0"/>
+              <a:t>（ダートもしくはダーツ。当初は </a:t>
+            </a:r>
+            <a:r>
+              <a:rPr lang="en-US" altLang="ja-JP" dirty="0"/>
+              <a:t>Dash </a:t>
+            </a:r>
+            <a:r>
+              <a:rPr lang="ja-JP" altLang="en-US" dirty="0"/>
+              <a:t>と呼ばれていた）は</a:t>
+            </a:r>
+            <a:r>
+              <a:rPr lang="en-US" altLang="ja-JP" dirty="0"/>
+              <a:t>Google</a:t>
+            </a:r>
+            <a:r>
+              <a:rPr lang="ja-JP" altLang="en-US" dirty="0"/>
+              <a:t>によって開発されたウェブ向けのプログラミング言語である。</a:t>
+            </a:r>
+            <a:r>
+              <a:rPr lang="en-US" altLang="ja-JP" dirty="0"/>
+              <a:t>2011</a:t>
+            </a:r>
+            <a:r>
+              <a:rPr lang="ja-JP" altLang="en-US" dirty="0"/>
+              <a:t>年</a:t>
+            </a:r>
+            <a:r>
+              <a:rPr lang="en-US" altLang="ja-JP" dirty="0"/>
+              <a:t>10</a:t>
+            </a:r>
+            <a:r>
+              <a:rPr lang="ja-JP" altLang="en-US" dirty="0"/>
+              <a:t>月</a:t>
+            </a:r>
+            <a:r>
+              <a:rPr lang="en-US" altLang="ja-JP" dirty="0"/>
+              <a:t>10</a:t>
+            </a:r>
+            <a:r>
+              <a:rPr lang="ja-JP" altLang="en-US" dirty="0"/>
+              <a:t>日 </a:t>
+            </a:r>
+            <a:r>
+              <a:rPr lang="en-US" altLang="ja-JP" dirty="0"/>
+              <a:t>- 12</a:t>
+            </a:r>
+            <a:r>
+              <a:rPr lang="ja-JP" altLang="en-US" dirty="0"/>
+              <a:t>日に開催された デンマークのオーフスで開催された「</a:t>
+            </a:r>
+            <a:r>
+              <a:rPr lang="en-US" altLang="ja-JP" dirty="0"/>
+              <a:t>GOTO</a:t>
+            </a:r>
+            <a:r>
+              <a:rPr lang="ja-JP" altLang="en-US" dirty="0"/>
+              <a:t>カンファレンス</a:t>
+            </a:r>
+            <a:r>
+              <a:rPr lang="ja-JP" altLang="en-US" dirty="0" smtClean="0"/>
+              <a:t>」で</a:t>
+            </a:r>
+            <a:r>
+              <a:rPr lang="ja-JP" altLang="en-US" dirty="0"/>
+              <a:t>公開</a:t>
+            </a:r>
+            <a:r>
+              <a:rPr lang="ja-JP" altLang="en-US" dirty="0" smtClean="0"/>
+              <a:t>された。</a:t>
+            </a:r>
+            <a:r>
+              <a:rPr lang="ja-JP" altLang="en-US" dirty="0"/>
+              <a:t>この言語は、ウェブブラウザ組み込みのスクリプト言語である</a:t>
+            </a:r>
+            <a:r>
+              <a:rPr lang="en-US" altLang="ja-JP" dirty="0"/>
+              <a:t>JavaScript</a:t>
+            </a:r>
+            <a:r>
+              <a:rPr lang="ja-JP" altLang="en-US" dirty="0"/>
+              <a:t>の代替となることを目的に作られた</a:t>
+            </a:r>
+            <a:r>
+              <a:rPr lang="ja-JP" altLang="en-US" dirty="0" smtClean="0"/>
+              <a:t>。</a:t>
+            </a:r>
+            <a:endParaRPr lang="en-US" altLang="ja-JP" dirty="0"/>
+          </a:p>
+          <a:p>
+            <a:pPr marL="0" indent="0">
+              <a:buNone/>
+            </a:pPr>
+            <a:endParaRPr kumimoji="1" lang="en-US" altLang="ja-JP" dirty="0" smtClean="0"/>
+          </a:p>
+          <a:p>
+            <a:pPr marL="0" indent="0">
+              <a:buNone/>
+            </a:pPr>
             <a:r>
               <a:rPr kumimoji="1" lang="ja-JP" altLang="en-US" dirty="0" smtClean="0"/>
-              <a:t>を利用する際には、前のスライドの通りに実行し、</a:t>
-            </a:r>
-            <a:r>
-              <a:rPr kumimoji="1" lang="en-US" altLang="ja-JP" dirty="0" err="1" smtClean="0"/>
-              <a:t>Node_modules</a:t>
-            </a:r>
-            <a:r>
-              <a:rPr kumimoji="1" lang="ja-JP" altLang="en-US" dirty="0" smtClean="0"/>
-              <a:t>内のファイルを呼び出す</a:t>
+              <a:t>引用：</a:t>
             </a:r>
             <a:endParaRPr kumimoji="1" lang="en-US" altLang="ja-JP" dirty="0" smtClean="0"/>
           </a:p>
           <a:p>
+            <a:pPr marL="0" indent="0">
+              <a:buNone/>
+            </a:pPr>
             <a:r>
               <a:rPr lang="en-US" altLang="ja-JP" dirty="0"/>
-              <a:t>h</a:t>
-            </a:r>
-            <a:r>
-              <a:rPr lang="en-US" altLang="ja-JP" dirty="0" smtClean="0"/>
-              <a:t>tml</a:t>
-            </a:r>
-            <a:r>
-              <a:rPr lang="ja-JP" altLang="en-US" dirty="0" smtClean="0"/>
-              <a:t>ファイル内で、</a:t>
-            </a:r>
-            <a:r>
-              <a:rPr lang="en-US" altLang="ja-JP" dirty="0" smtClean="0"/>
-              <a:t>script</a:t>
-            </a:r>
-            <a:r>
-              <a:rPr lang="ja-JP" altLang="en-US" dirty="0" smtClean="0"/>
-              <a:t>で呼び出し</a:t>
-            </a:r>
-            <a:endParaRPr lang="en-US" altLang="ja-JP" dirty="0" smtClean="0"/>
-          </a:p>
-          <a:p>
-            <a:r>
-              <a:rPr lang="en-US" altLang="ja-JP" dirty="0"/>
-              <a:t> </a:t>
-            </a:r>
-            <a:r>
-              <a:rPr lang="en-US" altLang="ja-JP" dirty="0" err="1"/>
-              <a:t>var</a:t>
-            </a:r>
-            <a:r>
-              <a:rPr lang="en-US" altLang="ja-JP" dirty="0"/>
-              <a:t> code = </a:t>
-            </a:r>
-            <a:r>
-              <a:rPr lang="en-US" altLang="ja-JP" dirty="0" err="1"/>
-              <a:t>Blockly.JavaScript.workspaceToCode</a:t>
-            </a:r>
-            <a:r>
-              <a:rPr lang="en-US" altLang="ja-JP" dirty="0"/>
-              <a:t>(</a:t>
-            </a:r>
-            <a:r>
-              <a:rPr lang="en-US" altLang="ja-JP" dirty="0" err="1"/>
-              <a:t>demoWorkspace</a:t>
-            </a:r>
-            <a:r>
-              <a:rPr lang="en-US" altLang="ja-JP" dirty="0" smtClean="0"/>
-              <a:t>);</a:t>
-            </a:r>
-          </a:p>
-          <a:p>
-            <a:endParaRPr lang="en-US" altLang="ja-JP" dirty="0"/>
+              <a:t>https://ja.wikipedia.org/wiki/Dart</a:t>
+            </a:r>
+            <a:endParaRPr kumimoji="1" lang="ja-JP" altLang="en-US" dirty="0"/>
           </a:p>
         </p:txBody>
       </p:sp>
@@ -5663,7 +5645,7 @@
     </p:spTree>
     <p:extLst>
       <p:ext uri="{BB962C8B-B14F-4D97-AF65-F5344CB8AC3E}">
-        <p14:creationId xmlns:p14="http://schemas.microsoft.com/office/powerpoint/2010/main" val="2142560469"/>
+        <p14:creationId xmlns:p14="http://schemas.microsoft.com/office/powerpoint/2010/main" val="3121424104"/>
       </p:ext>
     </p:extLst>
   </p:cSld>
@@ -5706,6 +5688,295 @@
           <a:lstStyle/>
           <a:p>
             <a:r>
+              <a:rPr kumimoji="1" lang="en-US" altLang="ja-JP" dirty="0" smtClean="0"/>
+              <a:t>Generator</a:t>
+            </a:r>
+            <a:endParaRPr kumimoji="1" lang="ja-JP" altLang="en-US" dirty="0"/>
+          </a:p>
+        </p:txBody>
+      </p:sp>
+      <p:sp>
+        <p:nvSpPr>
+          <p:cNvPr id="3" name="コンテンツ プレースホルダー 2"/>
+          <p:cNvSpPr>
+            <a:spLocks noGrp="1"/>
+          </p:cNvSpPr>
+          <p:nvPr>
+            <p:ph idx="1"/>
+          </p:nvPr>
+        </p:nvSpPr>
+        <p:spPr/>
+        <p:txBody>
+          <a:bodyPr>
+            <a:normAutofit/>
+          </a:bodyPr>
+          <a:lstStyle/>
+          <a:p>
+            <a:r>
+              <a:rPr kumimoji="1" lang="en-US" altLang="ja-JP" dirty="0" smtClean="0"/>
+              <a:t>Generator</a:t>
+            </a:r>
+            <a:r>
+              <a:rPr kumimoji="1" lang="ja-JP" altLang="en-US" dirty="0" smtClean="0"/>
+              <a:t>を利用する際には、前のスライドの通りに実行し、</a:t>
+            </a:r>
+            <a:r>
+              <a:rPr kumimoji="1" lang="en-US" altLang="ja-JP" dirty="0" err="1" smtClean="0"/>
+              <a:t>Node_modules</a:t>
+            </a:r>
+            <a:r>
+              <a:rPr kumimoji="1" lang="ja-JP" altLang="en-US" dirty="0" smtClean="0"/>
+              <a:t>内のファイルを呼び出す</a:t>
+            </a:r>
+            <a:endParaRPr kumimoji="1" lang="en-US" altLang="ja-JP" dirty="0" smtClean="0"/>
+          </a:p>
+          <a:p>
+            <a:r>
+              <a:rPr lang="en-US" altLang="ja-JP" dirty="0"/>
+              <a:t>h</a:t>
+            </a:r>
+            <a:r>
+              <a:rPr lang="en-US" altLang="ja-JP" dirty="0" smtClean="0"/>
+              <a:t>tml</a:t>
+            </a:r>
+            <a:r>
+              <a:rPr lang="ja-JP" altLang="en-US" dirty="0" smtClean="0"/>
+              <a:t>ファイル内で、</a:t>
+            </a:r>
+            <a:r>
+              <a:rPr lang="en-US" altLang="ja-JP" dirty="0" smtClean="0"/>
+              <a:t>script</a:t>
+            </a:r>
+            <a:r>
+              <a:rPr lang="ja-JP" altLang="en-US" dirty="0" smtClean="0"/>
+              <a:t>で呼び出し</a:t>
+            </a:r>
+            <a:endParaRPr lang="en-US" altLang="ja-JP" dirty="0" smtClean="0"/>
+          </a:p>
+          <a:p>
+            <a:r>
+              <a:rPr lang="en-US" altLang="ja-JP" dirty="0"/>
+              <a:t> </a:t>
+            </a:r>
+            <a:r>
+              <a:rPr lang="en-US" altLang="ja-JP" dirty="0" err="1"/>
+              <a:t>var</a:t>
+            </a:r>
+            <a:r>
+              <a:rPr lang="en-US" altLang="ja-JP" dirty="0"/>
+              <a:t> code = </a:t>
+            </a:r>
+            <a:r>
+              <a:rPr lang="en-US" altLang="ja-JP" dirty="0" err="1"/>
+              <a:t>Blockly.JavaScript.workspaceToCode</a:t>
+            </a:r>
+            <a:r>
+              <a:rPr lang="en-US" altLang="ja-JP" dirty="0"/>
+              <a:t>(</a:t>
+            </a:r>
+            <a:r>
+              <a:rPr lang="en-US" altLang="ja-JP" dirty="0" err="1"/>
+              <a:t>demoWorkspace</a:t>
+            </a:r>
+            <a:r>
+              <a:rPr lang="en-US" altLang="ja-JP" dirty="0" smtClean="0"/>
+              <a:t>);</a:t>
+            </a:r>
+          </a:p>
+          <a:p>
+            <a:endParaRPr lang="en-US" altLang="ja-JP" dirty="0"/>
+          </a:p>
+        </p:txBody>
+      </p:sp>
+      <p:sp>
+        <p:nvSpPr>
+          <p:cNvPr id="4" name="スライド番号プレースホルダー 3"/>
+          <p:cNvSpPr>
+            <a:spLocks noGrp="1"/>
+          </p:cNvSpPr>
+          <p:nvPr>
+            <p:ph type="sldNum" sz="quarter" idx="12"/>
+          </p:nvPr>
+        </p:nvSpPr>
+        <p:spPr/>
+        <p:txBody>
+          <a:bodyPr/>
+          <a:lstStyle/>
+          <a:p>
+            <a:fld id="{4A32CB03-0843-4AF8-BFB2-C9917854BC7E}" type="slidenum">
+              <a:rPr kumimoji="1" lang="ja-JP" altLang="en-US" smtClean="0"/>
+              <a:t>19</a:t>
+            </a:fld>
+            <a:endParaRPr kumimoji="1" lang="ja-JP" altLang="en-US"/>
+          </a:p>
+        </p:txBody>
+      </p:sp>
+    </p:spTree>
+    <p:extLst>
+      <p:ext uri="{BB962C8B-B14F-4D97-AF65-F5344CB8AC3E}">
+        <p14:creationId xmlns:p14="http://schemas.microsoft.com/office/powerpoint/2010/main" val="2142560469"/>
+      </p:ext>
+    </p:extLst>
+  </p:cSld>
+  <p:clrMapOvr>
+    <a:masterClrMapping/>
+  </p:clrMapOvr>
+</p:sld>
+</file>
+
+<file path=ppt/slides/slide2.xml><?xml version="1.0" encoding="utf-8"?>
+<p:sld xmlns:a="http://schemas.openxmlformats.org/drawingml/2006/main" xmlns:r="http://schemas.openxmlformats.org/officeDocument/2006/relationships" xmlns:p="http://schemas.openxmlformats.org/presentationml/2006/main">
+  <p:cSld>
+    <p:spTree>
+      <p:nvGrpSpPr>
+        <p:cNvPr id="1" name=""/>
+        <p:cNvGrpSpPr/>
+        <p:nvPr/>
+      </p:nvGrpSpPr>
+      <p:grpSpPr>
+        <a:xfrm>
+          <a:off x="0" y="0"/>
+          <a:ext cx="0" cy="0"/>
+          <a:chOff x="0" y="0"/>
+          <a:chExt cx="0" cy="0"/>
+        </a:xfrm>
+      </p:grpSpPr>
+      <p:sp>
+        <p:nvSpPr>
+          <p:cNvPr id="2" name="タイトル 1"/>
+          <p:cNvSpPr>
+            <a:spLocks noGrp="1"/>
+          </p:cNvSpPr>
+          <p:nvPr>
+            <p:ph type="title"/>
+          </p:nvPr>
+        </p:nvSpPr>
+        <p:spPr/>
+        <p:txBody>
+          <a:bodyPr/>
+          <a:lstStyle/>
+          <a:p>
+            <a:r>
+              <a:rPr lang="ja-JP" altLang="en-US" dirty="0" smtClean="0"/>
+              <a:t>今週の進捗</a:t>
+            </a:r>
+            <a:endParaRPr kumimoji="1" lang="ja-JP" altLang="en-US" dirty="0"/>
+          </a:p>
+        </p:txBody>
+      </p:sp>
+      <p:sp>
+        <p:nvSpPr>
+          <p:cNvPr id="3" name="コンテンツ プレースホルダー 2"/>
+          <p:cNvSpPr>
+            <a:spLocks noGrp="1"/>
+          </p:cNvSpPr>
+          <p:nvPr>
+            <p:ph idx="1"/>
+          </p:nvPr>
+        </p:nvSpPr>
+        <p:spPr/>
+        <p:txBody>
+          <a:bodyPr/>
+          <a:lstStyle/>
+          <a:p>
+            <a:pPr marL="0" indent="0">
+              <a:buNone/>
+            </a:pPr>
+            <a:r>
+              <a:rPr kumimoji="1" lang="ja-JP" altLang="en-US" dirty="0" smtClean="0"/>
+              <a:t>選択肢から正誤を判定するプログラムを作成した</a:t>
+            </a:r>
+            <a:endParaRPr kumimoji="1" lang="en-US" altLang="ja-JP" dirty="0" smtClean="0"/>
+          </a:p>
+          <a:p>
+            <a:pPr marL="0" indent="0">
+              <a:buNone/>
+            </a:pPr>
+            <a:r>
+              <a:rPr lang="ja-JP" altLang="en-US" dirty="0" smtClean="0"/>
+              <a:t>今回作成したプログラムは文章、問題を事前に用意しているため、</a:t>
+            </a:r>
+            <a:r>
+              <a:rPr lang="en-US" altLang="ja-JP" dirty="0" err="1" smtClean="0"/>
+              <a:t>Blockly</a:t>
+            </a:r>
+            <a:r>
+              <a:rPr lang="ja-JP" altLang="en-US" dirty="0" smtClean="0"/>
+              <a:t>によって生成されたコードを利用して問題を生成する場合の表示方法が決まっていない</a:t>
+            </a:r>
+            <a:endParaRPr kumimoji="1" lang="en-US" altLang="ja-JP" dirty="0" smtClean="0"/>
+          </a:p>
+        </p:txBody>
+      </p:sp>
+      <p:sp>
+        <p:nvSpPr>
+          <p:cNvPr id="4" name="スライド番号プレースホルダー 3"/>
+          <p:cNvSpPr>
+            <a:spLocks noGrp="1"/>
+          </p:cNvSpPr>
+          <p:nvPr>
+            <p:ph type="sldNum" sz="quarter" idx="12"/>
+          </p:nvPr>
+        </p:nvSpPr>
+        <p:spPr/>
+        <p:txBody>
+          <a:bodyPr/>
+          <a:lstStyle/>
+          <a:p>
+            <a:fld id="{4A32CB03-0843-4AF8-BFB2-C9917854BC7E}" type="slidenum">
+              <a:rPr kumimoji="1" lang="ja-JP" altLang="en-US" sz="2800" smtClean="0"/>
+              <a:t>2</a:t>
+            </a:fld>
+            <a:endParaRPr kumimoji="1" lang="ja-JP" altLang="en-US" dirty="0"/>
+          </a:p>
+        </p:txBody>
+      </p:sp>
+    </p:spTree>
+    <p:extLst>
+      <p:ext uri="{BB962C8B-B14F-4D97-AF65-F5344CB8AC3E}">
+        <p14:creationId xmlns:p14="http://schemas.microsoft.com/office/powerpoint/2010/main" val="3564727157"/>
+      </p:ext>
+    </p:extLst>
+  </p:cSld>
+  <p:clrMapOvr>
+    <a:masterClrMapping/>
+  </p:clrMapOvr>
+</p:sld>
+</file>
+
+<file path=ppt/slides/slide20.xml><?xml version="1.0" encoding="utf-8"?>
+<p:sld xmlns:a="http://schemas.openxmlformats.org/drawingml/2006/main" xmlns:r="http://schemas.openxmlformats.org/officeDocument/2006/relationships" xmlns:p="http://schemas.openxmlformats.org/presentationml/2006/main">
+  <p:cSld>
+    <p:spTree>
+      <p:nvGrpSpPr>
+        <p:cNvPr id="1" name=""/>
+        <p:cNvGrpSpPr/>
+        <p:nvPr/>
+      </p:nvGrpSpPr>
+      <p:grpSpPr>
+        <a:xfrm>
+          <a:off x="0" y="0"/>
+          <a:ext cx="0" cy="0"/>
+          <a:chOff x="0" y="0"/>
+          <a:chExt cx="0" cy="0"/>
+        </a:xfrm>
+      </p:grpSpPr>
+      <p:sp>
+        <p:nvSpPr>
+          <p:cNvPr id="2" name="タイトル 1"/>
+          <p:cNvSpPr>
+            <a:spLocks noGrp="1"/>
+          </p:cNvSpPr>
+          <p:nvPr>
+            <p:ph type="title"/>
+          </p:nvPr>
+        </p:nvSpPr>
+        <p:spPr/>
+        <p:txBody>
+          <a:bodyPr/>
+          <a:lstStyle/>
+          <a:p>
+            <a:r>
               <a:rPr kumimoji="1" lang="en-US" altLang="ja-JP" dirty="0" err="1" smtClean="0"/>
               <a:t>Genearator</a:t>
             </a:r>
@@ -5734,7 +6005,7 @@
           <a:p>
             <a:fld id="{4A32CB03-0843-4AF8-BFB2-C9917854BC7E}" type="slidenum">
               <a:rPr kumimoji="1" lang="ja-JP" altLang="en-US" sz="2800" smtClean="0"/>
-              <a:t>19</a:t>
+              <a:t>20</a:t>
             </a:fld>
             <a:endParaRPr kumimoji="1" lang="ja-JP" altLang="en-US" dirty="0"/>
           </a:p>
@@ -5777,260 +6048,6 @@
 </p:sld>
 </file>
 
-<file path=ppt/slides/slide2.xml><?xml version="1.0" encoding="utf-8"?>
-<p:sld xmlns:a="http://schemas.openxmlformats.org/drawingml/2006/main" xmlns:r="http://schemas.openxmlformats.org/officeDocument/2006/relationships" xmlns:p="http://schemas.openxmlformats.org/presentationml/2006/main">
-  <p:cSld>
-    <p:spTree>
-      <p:nvGrpSpPr>
-        <p:cNvPr id="1" name=""/>
-        <p:cNvGrpSpPr/>
-        <p:nvPr/>
-      </p:nvGrpSpPr>
-      <p:grpSpPr>
-        <a:xfrm>
-          <a:off x="0" y="0"/>
-          <a:ext cx="0" cy="0"/>
-          <a:chOff x="0" y="0"/>
-          <a:chExt cx="0" cy="0"/>
-        </a:xfrm>
-      </p:grpSpPr>
-      <p:sp>
-        <p:nvSpPr>
-          <p:cNvPr id="2" name="タイトル 1"/>
-          <p:cNvSpPr>
-            <a:spLocks noGrp="1"/>
-          </p:cNvSpPr>
-          <p:nvPr>
-            <p:ph type="title"/>
-          </p:nvPr>
-        </p:nvSpPr>
-        <p:spPr/>
-        <p:txBody>
-          <a:bodyPr/>
-          <a:lstStyle/>
-          <a:p>
-            <a:r>
-              <a:rPr lang="ja-JP" altLang="en-US" dirty="0" smtClean="0"/>
-              <a:t>今週の進捗</a:t>
-            </a:r>
-            <a:endParaRPr kumimoji="1" lang="ja-JP" altLang="en-US" dirty="0"/>
-          </a:p>
-        </p:txBody>
-      </p:sp>
-      <p:sp>
-        <p:nvSpPr>
-          <p:cNvPr id="3" name="コンテンツ プレースホルダー 2"/>
-          <p:cNvSpPr>
-            <a:spLocks noGrp="1"/>
-          </p:cNvSpPr>
-          <p:nvPr>
-            <p:ph idx="1"/>
-          </p:nvPr>
-        </p:nvSpPr>
-        <p:spPr/>
-        <p:txBody>
-          <a:bodyPr/>
-          <a:lstStyle/>
-          <a:p>
-            <a:pPr marL="0" indent="0">
-              <a:buNone/>
-            </a:pPr>
-            <a:r>
-              <a:rPr kumimoji="1" lang="ja-JP" altLang="en-US" dirty="0" smtClean="0"/>
-              <a:t>選択肢から正誤を判定するプログラムを作成した</a:t>
-            </a:r>
-            <a:endParaRPr kumimoji="1" lang="en-US" altLang="ja-JP" dirty="0" smtClean="0"/>
-          </a:p>
-          <a:p>
-            <a:pPr marL="0" indent="0">
-              <a:buNone/>
-            </a:pPr>
-            <a:r>
-              <a:rPr lang="ja-JP" altLang="en-US" dirty="0" smtClean="0"/>
-              <a:t>今回作成したプログラムは文章、問題を事前に用意しているため、</a:t>
-            </a:r>
-            <a:r>
-              <a:rPr lang="en-US" altLang="ja-JP" dirty="0" err="1" smtClean="0"/>
-              <a:t>Blockly</a:t>
-            </a:r>
-            <a:r>
-              <a:rPr lang="ja-JP" altLang="en-US" dirty="0" smtClean="0"/>
-              <a:t>によって生成されたコードを利用して問題を作成できるかはわからない</a:t>
-            </a:r>
-            <a:endParaRPr kumimoji="1" lang="en-US" altLang="ja-JP" dirty="0" smtClean="0"/>
-          </a:p>
-        </p:txBody>
-      </p:sp>
-      <p:sp>
-        <p:nvSpPr>
-          <p:cNvPr id="4" name="スライド番号プレースホルダー 3"/>
-          <p:cNvSpPr>
-            <a:spLocks noGrp="1"/>
-          </p:cNvSpPr>
-          <p:nvPr>
-            <p:ph type="sldNum" sz="quarter" idx="12"/>
-          </p:nvPr>
-        </p:nvSpPr>
-        <p:spPr/>
-        <p:txBody>
-          <a:bodyPr/>
-          <a:lstStyle/>
-          <a:p>
-            <a:fld id="{4A32CB03-0843-4AF8-BFB2-C9917854BC7E}" type="slidenum">
-              <a:rPr kumimoji="1" lang="ja-JP" altLang="en-US" sz="2800" smtClean="0"/>
-              <a:t>2</a:t>
-            </a:fld>
-            <a:endParaRPr kumimoji="1" lang="ja-JP" altLang="en-US" dirty="0"/>
-          </a:p>
-        </p:txBody>
-      </p:sp>
-    </p:spTree>
-    <p:extLst>
-      <p:ext uri="{BB962C8B-B14F-4D97-AF65-F5344CB8AC3E}">
-        <p14:creationId xmlns:p14="http://schemas.microsoft.com/office/powerpoint/2010/main" val="3564727157"/>
-      </p:ext>
-    </p:extLst>
-  </p:cSld>
-  <p:clrMapOvr>
-    <a:masterClrMapping/>
-  </p:clrMapOvr>
-</p:sld>
-</file>
-
-<file path=ppt/slides/slide20.xml><?xml version="1.0" encoding="utf-8"?>
-<p:sld xmlns:a="http://schemas.openxmlformats.org/drawingml/2006/main" xmlns:r="http://schemas.openxmlformats.org/officeDocument/2006/relationships" xmlns:p="http://schemas.openxmlformats.org/presentationml/2006/main">
-  <p:cSld>
-    <p:spTree>
-      <p:nvGrpSpPr>
-        <p:cNvPr id="1" name=""/>
-        <p:cNvGrpSpPr/>
-        <p:nvPr/>
-      </p:nvGrpSpPr>
-      <p:grpSpPr>
-        <a:xfrm>
-          <a:off x="0" y="0"/>
-          <a:ext cx="0" cy="0"/>
-          <a:chOff x="0" y="0"/>
-          <a:chExt cx="0" cy="0"/>
-        </a:xfrm>
-      </p:grpSpPr>
-      <p:sp>
-        <p:nvSpPr>
-          <p:cNvPr id="2" name="タイトル 1"/>
-          <p:cNvSpPr>
-            <a:spLocks noGrp="1"/>
-          </p:cNvSpPr>
-          <p:nvPr>
-            <p:ph type="title"/>
-          </p:nvPr>
-        </p:nvSpPr>
-        <p:spPr/>
-        <p:txBody>
-          <a:bodyPr/>
-          <a:lstStyle/>
-          <a:p>
-            <a:r>
-              <a:rPr lang="en-US" altLang="ja-JP" dirty="0" err="1"/>
-              <a:t>Genearator</a:t>
-            </a:r>
-            <a:r>
-              <a:rPr lang="ja-JP" altLang="en-US" dirty="0"/>
-              <a:t>の実行テスト</a:t>
-            </a:r>
-            <a:endParaRPr kumimoji="1" lang="ja-JP" altLang="en-US" dirty="0"/>
-          </a:p>
-        </p:txBody>
-      </p:sp>
-      <p:sp>
-        <p:nvSpPr>
-          <p:cNvPr id="3" name="コンテンツ プレースホルダー 2"/>
-          <p:cNvSpPr>
-            <a:spLocks noGrp="1"/>
-          </p:cNvSpPr>
-          <p:nvPr>
-            <p:ph idx="1"/>
-          </p:nvPr>
-        </p:nvSpPr>
-        <p:spPr/>
-        <p:txBody>
-          <a:bodyPr/>
-          <a:lstStyle/>
-          <a:p>
-            <a:r>
-              <a:rPr kumimoji="1" lang="ja-JP" altLang="en-US" dirty="0" smtClean="0"/>
-              <a:t>図のようにブロックを組み合わせ、左側の</a:t>
-            </a:r>
-            <a:r>
-              <a:rPr kumimoji="1" lang="en-US" altLang="ja-JP" dirty="0" smtClean="0"/>
-              <a:t>Show </a:t>
-            </a:r>
-            <a:r>
-              <a:rPr kumimoji="1" lang="en-US" altLang="ja-JP" dirty="0" err="1" smtClean="0"/>
-              <a:t>javascript</a:t>
-            </a:r>
-            <a:r>
-              <a:rPr kumimoji="1" lang="ja-JP" altLang="en-US" dirty="0" smtClean="0"/>
-              <a:t>を押すと、ブロックからコードを生成する</a:t>
-            </a:r>
-            <a:r>
-              <a:rPr lang="ja-JP" altLang="en-US" dirty="0" smtClean="0"/>
-              <a:t>（ブロックに対応したコードを表示する）</a:t>
-            </a:r>
-            <a:endParaRPr lang="en-US" altLang="ja-JP" dirty="0" smtClean="0"/>
-          </a:p>
-          <a:p>
-            <a:r>
-              <a:rPr lang="ja-JP" altLang="en-US" dirty="0" smtClean="0"/>
-              <a:t>右側の</a:t>
-            </a:r>
-            <a:r>
-              <a:rPr lang="en-US" altLang="ja-JP" dirty="0" smtClean="0"/>
-              <a:t>Run JavaScript</a:t>
-            </a:r>
-            <a:r>
-              <a:rPr lang="ja-JP" altLang="en-US" dirty="0" smtClean="0"/>
-              <a:t>を押すと、コードを実行する</a:t>
-            </a:r>
-            <a:endParaRPr kumimoji="1" lang="en-US" altLang="ja-JP" dirty="0" smtClean="0"/>
-          </a:p>
-        </p:txBody>
-      </p:sp>
-      <p:sp>
-        <p:nvSpPr>
-          <p:cNvPr id="4" name="スライド番号プレースホルダー 3"/>
-          <p:cNvSpPr>
-            <a:spLocks noGrp="1"/>
-          </p:cNvSpPr>
-          <p:nvPr>
-            <p:ph type="sldNum" sz="quarter" idx="12"/>
-          </p:nvPr>
-        </p:nvSpPr>
-        <p:spPr/>
-        <p:txBody>
-          <a:bodyPr/>
-          <a:lstStyle/>
-          <a:p>
-            <a:fld id="{4A32CB03-0843-4AF8-BFB2-C9917854BC7E}" type="slidenum">
-              <a:rPr kumimoji="1" lang="ja-JP" altLang="en-US" sz="2800" smtClean="0"/>
-              <a:t>20</a:t>
-            </a:fld>
-            <a:endParaRPr kumimoji="1" lang="ja-JP" altLang="en-US" sz="2800" dirty="0"/>
-          </a:p>
-        </p:txBody>
-      </p:sp>
-    </p:spTree>
-    <p:extLst>
-      <p:ext uri="{BB962C8B-B14F-4D97-AF65-F5344CB8AC3E}">
-        <p14:creationId xmlns:p14="http://schemas.microsoft.com/office/powerpoint/2010/main" val="2997179172"/>
-      </p:ext>
-    </p:extLst>
-  </p:cSld>
-  <p:clrMapOvr>
-    <a:masterClrMapping/>
-  </p:clrMapOvr>
-</p:sld>
-</file>
-
 <file path=ppt/slides/slide21.xml><?xml version="1.0" encoding="utf-8"?>
 <p:sld xmlns:a="http://schemas.openxmlformats.org/drawingml/2006/main" xmlns:r="http://schemas.openxmlformats.org/officeDocument/2006/relationships" xmlns:p="http://schemas.openxmlformats.org/presentationml/2006/main">
   <p:cSld>
@@ -6064,49 +6081,69 @@
           <a:lstStyle/>
           <a:p>
             <a:r>
+              <a:rPr lang="en-US" altLang="ja-JP" dirty="0" err="1"/>
+              <a:t>Genearator</a:t>
+            </a:r>
+            <a:r>
               <a:rPr lang="ja-JP" altLang="en-US" dirty="0"/>
-              <a:t>正誤</a:t>
+              <a:t>の実行テスト</a:t>
+            </a:r>
+            <a:endParaRPr kumimoji="1" lang="ja-JP" altLang="en-US" dirty="0"/>
+          </a:p>
+        </p:txBody>
+      </p:sp>
+      <p:sp>
+        <p:nvSpPr>
+          <p:cNvPr id="3" name="コンテンツ プレースホルダー 2"/>
+          <p:cNvSpPr>
+            <a:spLocks noGrp="1"/>
+          </p:cNvSpPr>
+          <p:nvPr>
+            <p:ph idx="1"/>
+          </p:nvPr>
+        </p:nvSpPr>
+        <p:spPr/>
+        <p:txBody>
+          <a:bodyPr/>
+          <a:lstStyle/>
+          <a:p>
+            <a:r>
+              <a:rPr kumimoji="1" lang="ja-JP" altLang="en-US" dirty="0" smtClean="0"/>
+              <a:t>図のようにブロックを組み合わせ、左側の</a:t>
+            </a:r>
+            <a:r>
+              <a:rPr kumimoji="1" lang="en-US" altLang="ja-JP" dirty="0" smtClean="0"/>
+              <a:t>Show </a:t>
+            </a:r>
+            <a:r>
+              <a:rPr kumimoji="1" lang="en-US" altLang="ja-JP" dirty="0" err="1" smtClean="0"/>
+              <a:t>javascript</a:t>
+            </a:r>
+            <a:r>
+              <a:rPr kumimoji="1" lang="ja-JP" altLang="en-US" dirty="0" smtClean="0"/>
+              <a:t>を押すと、ブロックからコードを生成する</a:t>
             </a:r>
             <a:r>
               <a:rPr lang="ja-JP" altLang="en-US" dirty="0" smtClean="0"/>
-              <a:t>を判定するプログラム</a:t>
-            </a:r>
-            <a:endParaRPr kumimoji="1" lang="ja-JP" altLang="en-US" dirty="0"/>
-          </a:p>
-        </p:txBody>
-      </p:sp>
-      <p:sp>
-        <p:nvSpPr>
-          <p:cNvPr id="3" name="コンテンツ プレースホルダー 2"/>
-          <p:cNvSpPr>
-            <a:spLocks noGrp="1"/>
-          </p:cNvSpPr>
-          <p:nvPr>
-            <p:ph idx="1"/>
-          </p:nvPr>
-        </p:nvSpPr>
-        <p:spPr/>
-        <p:txBody>
-          <a:bodyPr/>
-          <a:lstStyle/>
-          <a:p>
-            <a:r>
-              <a:rPr kumimoji="1" lang="ja-JP" altLang="en-US" dirty="0" smtClean="0"/>
-              <a:t>事前に用意した解答例と、</a:t>
-            </a:r>
-            <a:r>
-              <a:rPr kumimoji="1" lang="en-US" altLang="ja-JP" dirty="0" err="1" smtClean="0"/>
-              <a:t>Generater</a:t>
-            </a:r>
-            <a:r>
-              <a:rPr kumimoji="1" lang="ja-JP" altLang="en-US" dirty="0" smtClean="0"/>
-              <a:t>によって作成されたコードが等しいかどうか（完全一致）を判定するサンプルプログラムを作成した</a:t>
+              <a:t>（ブロックに対応したコードを表示する）</a:t>
+            </a:r>
+            <a:endParaRPr lang="en-US" altLang="ja-JP" dirty="0" smtClean="0"/>
+          </a:p>
+          <a:p>
+            <a:r>
+              <a:rPr lang="ja-JP" altLang="en-US" dirty="0" smtClean="0"/>
+              <a:t>右側の</a:t>
+            </a:r>
+            <a:r>
+              <a:rPr lang="en-US" altLang="ja-JP" dirty="0" smtClean="0"/>
+              <a:t>Run JavaScript</a:t>
+            </a:r>
+            <a:r>
+              <a:rPr lang="ja-JP" altLang="en-US" dirty="0" smtClean="0"/>
+              <a:t>を押すと、コードを実行する</a:t>
             </a:r>
             <a:endParaRPr kumimoji="1" lang="en-US" altLang="ja-JP" dirty="0" smtClean="0"/>
           </a:p>
-          <a:p>
-            <a:endParaRPr kumimoji="1" lang="ja-JP" altLang="en-US" dirty="0"/>
-          </a:p>
         </p:txBody>
       </p:sp>
       <p:sp>
@@ -6125,17 +6162,17 @@
           <a:lstStyle/>
           <a:p>
             <a:fld id="{4A32CB03-0843-4AF8-BFB2-C9917854BC7E}" type="slidenum">
-              <a:rPr kumimoji="1" lang="ja-JP" altLang="en-US" smtClean="0"/>
+              <a:rPr kumimoji="1" lang="ja-JP" altLang="en-US" sz="2800" smtClean="0"/>
               <a:t>21</a:t>
             </a:fld>
-            <a:endParaRPr kumimoji="1" lang="ja-JP" altLang="en-US"/>
+            <a:endParaRPr kumimoji="1" lang="ja-JP" altLang="en-US" sz="2800" dirty="0"/>
           </a:p>
         </p:txBody>
       </p:sp>
     </p:spTree>
     <p:extLst>
       <p:ext uri="{BB962C8B-B14F-4D97-AF65-F5344CB8AC3E}">
-        <p14:creationId xmlns:p14="http://schemas.microsoft.com/office/powerpoint/2010/main" val="2287831747"/>
+        <p14:creationId xmlns:p14="http://schemas.microsoft.com/office/powerpoint/2010/main" val="2997179172"/>
       </p:ext>
     </p:extLst>
   </p:cSld>
@@ -6183,12 +6220,42 @@
             </a:r>
             <a:r>
               <a:rPr lang="ja-JP" altLang="en-US" dirty="0" smtClean="0"/>
-              <a:t>判定</a:t>
-            </a:r>
+              <a:t>を判定するプログラム</a:t>
+            </a:r>
+            <a:endParaRPr kumimoji="1" lang="ja-JP" altLang="en-US" dirty="0"/>
+          </a:p>
+        </p:txBody>
+      </p:sp>
+      <p:sp>
+        <p:nvSpPr>
+          <p:cNvPr id="3" name="コンテンツ プレースホルダー 2"/>
+          <p:cNvSpPr>
+            <a:spLocks noGrp="1"/>
+          </p:cNvSpPr>
+          <p:nvPr>
+            <p:ph idx="1"/>
+          </p:nvPr>
+        </p:nvSpPr>
+        <p:spPr/>
+        <p:txBody>
+          <a:bodyPr/>
+          <a:lstStyle/>
+          <a:p>
             <a:r>
               <a:rPr kumimoji="1" lang="ja-JP" altLang="en-US" dirty="0" smtClean="0"/>
-              <a:t>デモ</a:t>
-            </a:r>
+              <a:t>事前に用意した解答例と、</a:t>
+            </a:r>
+            <a:r>
+              <a:rPr kumimoji="1" lang="en-US" altLang="ja-JP" dirty="0" err="1" smtClean="0"/>
+              <a:t>Generater</a:t>
+            </a:r>
+            <a:r>
+              <a:rPr kumimoji="1" lang="ja-JP" altLang="en-US" dirty="0" smtClean="0"/>
+              <a:t>によって作成されたコードが等しいかどうか（完全一致）を判定するサンプルプログラムを作成した</a:t>
+            </a:r>
+            <a:endParaRPr kumimoji="1" lang="en-US" altLang="ja-JP" dirty="0" smtClean="0"/>
+          </a:p>
+          <a:p>
             <a:endParaRPr kumimoji="1" lang="ja-JP" altLang="en-US" dirty="0"/>
           </a:p>
         </p:txBody>
@@ -6211,6 +6278,90 @@
             <a:fld id="{4A32CB03-0843-4AF8-BFB2-C9917854BC7E}" type="slidenum">
               <a:rPr kumimoji="1" lang="ja-JP" altLang="en-US" smtClean="0"/>
               <a:t>22</a:t>
+            </a:fld>
+            <a:endParaRPr kumimoji="1" lang="ja-JP" altLang="en-US"/>
+          </a:p>
+        </p:txBody>
+      </p:sp>
+    </p:spTree>
+    <p:extLst>
+      <p:ext uri="{BB962C8B-B14F-4D97-AF65-F5344CB8AC3E}">
+        <p14:creationId xmlns:p14="http://schemas.microsoft.com/office/powerpoint/2010/main" val="2287831747"/>
+      </p:ext>
+    </p:extLst>
+  </p:cSld>
+  <p:clrMapOvr>
+    <a:masterClrMapping/>
+  </p:clrMapOvr>
+</p:sld>
+</file>
+
+<file path=ppt/slides/slide23.xml><?xml version="1.0" encoding="utf-8"?>
+<p:sld xmlns:a="http://schemas.openxmlformats.org/drawingml/2006/main" xmlns:r="http://schemas.openxmlformats.org/officeDocument/2006/relationships" xmlns:p="http://schemas.openxmlformats.org/presentationml/2006/main">
+  <p:cSld>
+    <p:spTree>
+      <p:nvGrpSpPr>
+        <p:cNvPr id="1" name=""/>
+        <p:cNvGrpSpPr/>
+        <p:nvPr/>
+      </p:nvGrpSpPr>
+      <p:grpSpPr>
+        <a:xfrm>
+          <a:off x="0" y="0"/>
+          <a:ext cx="0" cy="0"/>
+          <a:chOff x="0" y="0"/>
+          <a:chExt cx="0" cy="0"/>
+        </a:xfrm>
+      </p:grpSpPr>
+      <p:sp>
+        <p:nvSpPr>
+          <p:cNvPr id="2" name="タイトル 1"/>
+          <p:cNvSpPr>
+            <a:spLocks noGrp="1"/>
+          </p:cNvSpPr>
+          <p:nvPr>
+            <p:ph type="title"/>
+          </p:nvPr>
+        </p:nvSpPr>
+        <p:spPr/>
+        <p:txBody>
+          <a:bodyPr/>
+          <a:lstStyle/>
+          <a:p>
+            <a:r>
+              <a:rPr lang="ja-JP" altLang="en-US" dirty="0"/>
+              <a:t>正誤</a:t>
+            </a:r>
+            <a:r>
+              <a:rPr lang="ja-JP" altLang="en-US" dirty="0" smtClean="0"/>
+              <a:t>判定</a:t>
+            </a:r>
+            <a:r>
+              <a:rPr kumimoji="1" lang="ja-JP" altLang="en-US" dirty="0" smtClean="0"/>
+              <a:t>デモ</a:t>
+            </a:r>
+            <a:endParaRPr kumimoji="1" lang="ja-JP" altLang="en-US" dirty="0"/>
+          </a:p>
+        </p:txBody>
+      </p:sp>
+      <p:sp>
+        <p:nvSpPr>
+          <p:cNvPr id="4" name="スライド番号プレースホルダー 3"/>
+          <p:cNvSpPr>
+            <a:spLocks noGrp="1"/>
+          </p:cNvSpPr>
+          <p:nvPr>
+            <p:ph type="sldNum" sz="quarter" idx="12"/>
+          </p:nvPr>
+        </p:nvSpPr>
+        <p:spPr/>
+        <p:txBody>
+          <a:bodyPr/>
+          <a:lstStyle/>
+          <a:p>
+            <a:fld id="{4A32CB03-0843-4AF8-BFB2-C9917854BC7E}" type="slidenum">
+              <a:rPr kumimoji="1" lang="ja-JP" altLang="en-US" smtClean="0"/>
+              <a:t>23</a:t>
             </a:fld>
             <a:endParaRPr kumimoji="1" lang="ja-JP" altLang="en-US"/>
           </a:p>
@@ -6253,7 +6404,7 @@
 </p:sld>
 </file>
 
-<file path=ppt/slides/slide23.xml><?xml version="1.0" encoding="utf-8"?>
+<file path=ppt/slides/slide24.xml><?xml version="1.0" encoding="utf-8"?>
 <p:sld xmlns:a="http://schemas.openxmlformats.org/drawingml/2006/main" xmlns:r="http://schemas.openxmlformats.org/officeDocument/2006/relationships" xmlns:p="http://schemas.openxmlformats.org/presentationml/2006/main">
   <p:cSld>
     <p:spTree>
@@ -6329,7 +6480,7 @@
           <a:p>
             <a:fld id="{4A32CB03-0843-4AF8-BFB2-C9917854BC7E}" type="slidenum">
               <a:rPr kumimoji="1" lang="ja-JP" altLang="en-US" smtClean="0"/>
-              <a:t>23</a:t>
+              <a:t>24</a:t>
             </a:fld>
             <a:endParaRPr kumimoji="1" lang="ja-JP" altLang="en-US"/>
           </a:p>
@@ -6372,154 +6523,6 @@
 </p:sld>
 </file>
 
-<file path=ppt/slides/slide24.xml><?xml version="1.0" encoding="utf-8"?>
-<p:sld xmlns:a="http://schemas.openxmlformats.org/drawingml/2006/main" xmlns:r="http://schemas.openxmlformats.org/officeDocument/2006/relationships" xmlns:p="http://schemas.openxmlformats.org/presentationml/2006/main">
-  <p:cSld>
-    <p:spTree>
-      <p:nvGrpSpPr>
-        <p:cNvPr id="1" name=""/>
-        <p:cNvGrpSpPr/>
-        <p:nvPr/>
-      </p:nvGrpSpPr>
-      <p:grpSpPr>
-        <a:xfrm>
-          <a:off x="0" y="0"/>
-          <a:ext cx="0" cy="0"/>
-          <a:chOff x="0" y="0"/>
-          <a:chExt cx="0" cy="0"/>
-        </a:xfrm>
-      </p:grpSpPr>
-      <p:sp>
-        <p:nvSpPr>
-          <p:cNvPr id="2" name="タイトル 1"/>
-          <p:cNvSpPr>
-            <a:spLocks noGrp="1"/>
-          </p:cNvSpPr>
-          <p:nvPr>
-            <p:ph type="title"/>
-          </p:nvPr>
-        </p:nvSpPr>
-        <p:spPr/>
-        <p:txBody>
-          <a:bodyPr/>
-          <a:lstStyle/>
-          <a:p>
-            <a:r>
-              <a:rPr kumimoji="1" lang="ja-JP" altLang="en-US" dirty="0" smtClean="0"/>
-              <a:t>穴あき問題の作成</a:t>
-            </a:r>
-            <a:endParaRPr kumimoji="1" lang="ja-JP" altLang="en-US" dirty="0"/>
-          </a:p>
-        </p:txBody>
-      </p:sp>
-      <p:sp>
-        <p:nvSpPr>
-          <p:cNvPr id="3" name="コンテンツ プレースホルダー 2"/>
-          <p:cNvSpPr>
-            <a:spLocks noGrp="1"/>
-          </p:cNvSpPr>
-          <p:nvPr>
-            <p:ph idx="1"/>
-          </p:nvPr>
-        </p:nvSpPr>
-        <p:spPr/>
-        <p:txBody>
-          <a:bodyPr/>
-          <a:lstStyle/>
-          <a:p>
-            <a:r>
-              <a:rPr lang="ja-JP" altLang="en-US" dirty="0" smtClean="0"/>
-              <a:t>画面（</a:t>
-            </a:r>
-            <a:r>
-              <a:rPr lang="en-US" altLang="ja-JP" dirty="0" smtClean="0"/>
-              <a:t>7/9</a:t>
-            </a:r>
-            <a:r>
-              <a:rPr lang="ja-JP" altLang="en-US" dirty="0" smtClean="0"/>
-              <a:t>時点）の</a:t>
-            </a:r>
-            <a:r>
-              <a:rPr lang="en-US" altLang="ja-JP" dirty="0" smtClean="0"/>
-              <a:t>question2</a:t>
-            </a:r>
-            <a:r>
-              <a:rPr lang="ja-JP" altLang="en-US" dirty="0" smtClean="0"/>
-              <a:t>のボタンを押すとランダムで一か所を隠す</a:t>
-            </a:r>
-            <a:endParaRPr lang="en-US" altLang="ja-JP" dirty="0" smtClean="0"/>
-          </a:p>
-          <a:p>
-            <a:r>
-              <a:rPr lang="ja-JP" altLang="en-US" dirty="0"/>
-              <a:t>複</a:t>
-            </a:r>
-            <a:r>
-              <a:rPr lang="ja-JP" altLang="en-US" dirty="0" smtClean="0"/>
-              <a:t>数回押した場合は場所が変わる（隠れる場所は一か所）</a:t>
-            </a:r>
-            <a:endParaRPr lang="en-US" altLang="ja-JP" dirty="0" smtClean="0"/>
-          </a:p>
-          <a:p>
-            <a:r>
-              <a:rPr lang="ja-JP" altLang="en-US" dirty="0"/>
-              <a:t>これ</a:t>
-            </a:r>
-            <a:r>
-              <a:rPr lang="ja-JP" altLang="en-US" dirty="0" smtClean="0"/>
-              <a:t>はプログラムを変えれば複数個所を隠すことも可能</a:t>
-            </a:r>
-            <a:endParaRPr lang="en-US" altLang="ja-JP" dirty="0" smtClean="0"/>
-          </a:p>
-          <a:p>
-            <a:r>
-              <a:rPr lang="en-US" altLang="ja-JP" dirty="0" smtClean="0"/>
-              <a:t>Question1</a:t>
-            </a:r>
-            <a:r>
-              <a:rPr lang="ja-JP" altLang="en-US" dirty="0" smtClean="0"/>
-              <a:t>のボタンを押すと隠れていない状態のコードを表示</a:t>
-            </a:r>
-            <a:endParaRPr lang="en-US" altLang="ja-JP" dirty="0" smtClean="0"/>
-          </a:p>
-        </p:txBody>
-      </p:sp>
-      <p:sp>
-        <p:nvSpPr>
-          <p:cNvPr id="4" name="スライド番号プレースホルダー 3"/>
-          <p:cNvSpPr>
-            <a:spLocks noGrp="1"/>
-          </p:cNvSpPr>
-          <p:nvPr>
-            <p:ph type="sldNum" sz="quarter" idx="12"/>
-          </p:nvPr>
-        </p:nvSpPr>
-        <p:spPr/>
-        <p:txBody>
-          <a:bodyPr/>
-          <a:lstStyle/>
-          <a:p>
-            <a:fld id="{4A32CB03-0843-4AF8-BFB2-C9917854BC7E}" type="slidenum">
-              <a:rPr kumimoji="1" lang="ja-JP" altLang="en-US" smtClean="0"/>
-              <a:t>24</a:t>
-            </a:fld>
-            <a:endParaRPr kumimoji="1" lang="ja-JP" altLang="en-US"/>
-          </a:p>
-        </p:txBody>
-      </p:sp>
-    </p:spTree>
-    <p:extLst>
-      <p:ext uri="{BB962C8B-B14F-4D97-AF65-F5344CB8AC3E}">
-        <p14:creationId xmlns:p14="http://schemas.microsoft.com/office/powerpoint/2010/main" val="755709697"/>
-      </p:ext>
-    </p:extLst>
-  </p:cSld>
-  <p:clrMapOvr>
-    <a:masterClrMapping/>
-  </p:clrMapOvr>
-</p:sld>
-</file>
-
 <file path=ppt/slides/slide25.xml><?xml version="1.0" encoding="utf-8"?>
 <p:sld xmlns:a="http://schemas.openxmlformats.org/drawingml/2006/main" xmlns:r="http://schemas.openxmlformats.org/officeDocument/2006/relationships" xmlns:p="http://schemas.openxmlformats.org/presentationml/2006/main">
   <p:cSld>
@@ -6554,6 +6557,154 @@
           <a:p>
             <a:r>
               <a:rPr kumimoji="1" lang="ja-JP" altLang="en-US" dirty="0" smtClean="0"/>
+              <a:t>穴あき問題の作成</a:t>
+            </a:r>
+            <a:endParaRPr kumimoji="1" lang="ja-JP" altLang="en-US" dirty="0"/>
+          </a:p>
+        </p:txBody>
+      </p:sp>
+      <p:sp>
+        <p:nvSpPr>
+          <p:cNvPr id="3" name="コンテンツ プレースホルダー 2"/>
+          <p:cNvSpPr>
+            <a:spLocks noGrp="1"/>
+          </p:cNvSpPr>
+          <p:nvPr>
+            <p:ph idx="1"/>
+          </p:nvPr>
+        </p:nvSpPr>
+        <p:spPr/>
+        <p:txBody>
+          <a:bodyPr/>
+          <a:lstStyle/>
+          <a:p>
+            <a:r>
+              <a:rPr lang="ja-JP" altLang="en-US" dirty="0" smtClean="0"/>
+              <a:t>画面（</a:t>
+            </a:r>
+            <a:r>
+              <a:rPr lang="en-US" altLang="ja-JP" dirty="0" smtClean="0"/>
+              <a:t>7/9</a:t>
+            </a:r>
+            <a:r>
+              <a:rPr lang="ja-JP" altLang="en-US" dirty="0" smtClean="0"/>
+              <a:t>時点）の</a:t>
+            </a:r>
+            <a:r>
+              <a:rPr lang="en-US" altLang="ja-JP" dirty="0" smtClean="0"/>
+              <a:t>question2</a:t>
+            </a:r>
+            <a:r>
+              <a:rPr lang="ja-JP" altLang="en-US" dirty="0" smtClean="0"/>
+              <a:t>のボタンを押すとランダムで一か所を隠す</a:t>
+            </a:r>
+            <a:endParaRPr lang="en-US" altLang="ja-JP" dirty="0" smtClean="0"/>
+          </a:p>
+          <a:p>
+            <a:r>
+              <a:rPr lang="ja-JP" altLang="en-US" dirty="0"/>
+              <a:t>複</a:t>
+            </a:r>
+            <a:r>
+              <a:rPr lang="ja-JP" altLang="en-US" dirty="0" smtClean="0"/>
+              <a:t>数回押した場合は場所が変わる（隠れる場所は一か所）</a:t>
+            </a:r>
+            <a:endParaRPr lang="en-US" altLang="ja-JP" dirty="0" smtClean="0"/>
+          </a:p>
+          <a:p>
+            <a:r>
+              <a:rPr lang="ja-JP" altLang="en-US" dirty="0"/>
+              <a:t>これ</a:t>
+            </a:r>
+            <a:r>
+              <a:rPr lang="ja-JP" altLang="en-US" dirty="0" smtClean="0"/>
+              <a:t>はプログラムを変えれば複数個所を隠すことも可能</a:t>
+            </a:r>
+            <a:endParaRPr lang="en-US" altLang="ja-JP" dirty="0" smtClean="0"/>
+          </a:p>
+          <a:p>
+            <a:r>
+              <a:rPr lang="en-US" altLang="ja-JP" dirty="0" smtClean="0"/>
+              <a:t>Question1</a:t>
+            </a:r>
+            <a:r>
+              <a:rPr lang="ja-JP" altLang="en-US" dirty="0" smtClean="0"/>
+              <a:t>のボタンを押すと隠れていない状態のコードを表示</a:t>
+            </a:r>
+            <a:endParaRPr lang="en-US" altLang="ja-JP" dirty="0" smtClean="0"/>
+          </a:p>
+        </p:txBody>
+      </p:sp>
+      <p:sp>
+        <p:nvSpPr>
+          <p:cNvPr id="4" name="スライド番号プレースホルダー 3"/>
+          <p:cNvSpPr>
+            <a:spLocks noGrp="1"/>
+          </p:cNvSpPr>
+          <p:nvPr>
+            <p:ph type="sldNum" sz="quarter" idx="12"/>
+          </p:nvPr>
+        </p:nvSpPr>
+        <p:spPr/>
+        <p:txBody>
+          <a:bodyPr/>
+          <a:lstStyle/>
+          <a:p>
+            <a:fld id="{4A32CB03-0843-4AF8-BFB2-C9917854BC7E}" type="slidenum">
+              <a:rPr kumimoji="1" lang="ja-JP" altLang="en-US" smtClean="0"/>
+              <a:t>25</a:t>
+            </a:fld>
+            <a:endParaRPr kumimoji="1" lang="ja-JP" altLang="en-US"/>
+          </a:p>
+        </p:txBody>
+      </p:sp>
+    </p:spTree>
+    <p:extLst>
+      <p:ext uri="{BB962C8B-B14F-4D97-AF65-F5344CB8AC3E}">
+        <p14:creationId xmlns:p14="http://schemas.microsoft.com/office/powerpoint/2010/main" val="755709697"/>
+      </p:ext>
+    </p:extLst>
+  </p:cSld>
+  <p:clrMapOvr>
+    <a:masterClrMapping/>
+  </p:clrMapOvr>
+</p:sld>
+</file>
+
+<file path=ppt/slides/slide26.xml><?xml version="1.0" encoding="utf-8"?>
+<p:sld xmlns:a="http://schemas.openxmlformats.org/drawingml/2006/main" xmlns:r="http://schemas.openxmlformats.org/officeDocument/2006/relationships" xmlns:p="http://schemas.openxmlformats.org/presentationml/2006/main">
+  <p:cSld>
+    <p:spTree>
+      <p:nvGrpSpPr>
+        <p:cNvPr id="1" name=""/>
+        <p:cNvGrpSpPr/>
+        <p:nvPr/>
+      </p:nvGrpSpPr>
+      <p:grpSpPr>
+        <a:xfrm>
+          <a:off x="0" y="0"/>
+          <a:ext cx="0" cy="0"/>
+          <a:chOff x="0" y="0"/>
+          <a:chExt cx="0" cy="0"/>
+        </a:xfrm>
+      </p:grpSpPr>
+      <p:sp>
+        <p:nvSpPr>
+          <p:cNvPr id="2" name="タイトル 1"/>
+          <p:cNvSpPr>
+            <a:spLocks noGrp="1"/>
+          </p:cNvSpPr>
+          <p:nvPr>
+            <p:ph type="title"/>
+          </p:nvPr>
+        </p:nvSpPr>
+        <p:spPr/>
+        <p:txBody>
+          <a:bodyPr/>
+          <a:lstStyle/>
+          <a:p>
+            <a:r>
+              <a:rPr kumimoji="1" lang="ja-JP" altLang="en-US" dirty="0" smtClean="0"/>
               <a:t>穴あき問題作成の問題点</a:t>
             </a:r>
             <a:endParaRPr kumimoji="1" lang="ja-JP" altLang="en-US" dirty="0"/>
@@ -6727,7 +6878,7 @@
           <a:p>
             <a:fld id="{4A32CB03-0843-4AF8-BFB2-C9917854BC7E}" type="slidenum">
               <a:rPr kumimoji="1" lang="ja-JP" altLang="en-US" smtClean="0"/>
-              <a:t>25</a:t>
+              <a:t>26</a:t>
             </a:fld>
             <a:endParaRPr kumimoji="1" lang="ja-JP" altLang="en-US"/>
           </a:p>
@@ -6977,10 +7128,10 @@
               <a:t>Javascript</a:t>
             </a:r>
             <a:r>
-              <a:rPr lang="ja-JP" altLang="en-US" smtClean="0"/>
-              <a:t>で選択肢の生成もできると、上の方法より簡単かもしれない</a:t>
-            </a:r>
-            <a:endParaRPr lang="en-US" altLang="ja-JP" smtClean="0"/>
+              <a:rPr lang="ja-JP" altLang="en-US" dirty="0" smtClean="0"/>
+              <a:t>で選択肢の生成もできると、上の方法に利用できるかもしれない</a:t>
+            </a:r>
+            <a:endParaRPr lang="en-US" altLang="ja-JP" dirty="0" smtClean="0"/>
           </a:p>
         </p:txBody>
       </p:sp>
@@ -7053,8 +7204,12 @@
           <a:lstStyle/>
           <a:p>
             <a:r>
+              <a:rPr kumimoji="1" lang="en-US" altLang="ja-JP" dirty="0" err="1" smtClean="0"/>
+              <a:t>selectbox</a:t>
+            </a:r>
+            <a:r>
               <a:rPr kumimoji="1" lang="ja-JP" altLang="en-US" dirty="0" smtClean="0"/>
-              <a:t>ブロックプログラミングとは何か</a:t>
+              <a:t>の選択肢の生成</a:t>
             </a:r>
             <a:endParaRPr kumimoji="1" lang="ja-JP" altLang="en-US" dirty="0"/>
           </a:p>
@@ -7062,6 +7217,55 @@
       </p:sp>
       <p:sp>
         <p:nvSpPr>
+          <p:cNvPr id="3" name="コンテンツ プレースホルダー 2"/>
+          <p:cNvSpPr>
+            <a:spLocks noGrp="1"/>
+          </p:cNvSpPr>
+          <p:nvPr>
+            <p:ph idx="1"/>
+          </p:nvPr>
+        </p:nvSpPr>
+        <p:spPr/>
+        <p:txBody>
+          <a:bodyPr/>
+          <a:lstStyle/>
+          <a:p>
+            <a:r>
+              <a:rPr lang="ja-JP" altLang="en-US" dirty="0" smtClean="0"/>
+              <a:t>上記スライドでは問題文も選択肢も静的に決定されているが、</a:t>
+            </a:r>
+            <a:r>
+              <a:rPr lang="en-US" altLang="ja-JP" dirty="0" err="1" smtClean="0"/>
+              <a:t>Javascript</a:t>
+            </a:r>
+            <a:r>
+              <a:rPr lang="ja-JP" altLang="en-US" dirty="0" smtClean="0"/>
+              <a:t>を用いることで動的に内容を設定できるらしい</a:t>
+            </a:r>
+            <a:endParaRPr lang="en-US" altLang="ja-JP" dirty="0" smtClean="0"/>
+          </a:p>
+          <a:p>
+            <a:r>
+              <a:rPr kumimoji="1" lang="ja-JP" altLang="en-US" dirty="0" smtClean="0"/>
+              <a:t>セレクトボックス</a:t>
+            </a:r>
+            <a:r>
+              <a:rPr lang="ja-JP" altLang="en-US" dirty="0"/>
+              <a:t>自体</a:t>
+            </a:r>
+            <a:r>
+              <a:rPr kumimoji="1" lang="ja-JP" altLang="en-US" dirty="0" smtClean="0"/>
+              <a:t>を生成することもどうやら可能らしい</a:t>
+            </a:r>
+            <a:endParaRPr kumimoji="1" lang="en-US" altLang="ja-JP" dirty="0" smtClean="0"/>
+          </a:p>
+          <a:p>
+            <a:endParaRPr kumimoji="1" lang="ja-JP" altLang="en-US" dirty="0"/>
+          </a:p>
+        </p:txBody>
+      </p:sp>
+      <p:sp>
+        <p:nvSpPr>
           <p:cNvPr id="4" name="スライド番号プレースホルダー 3"/>
           <p:cNvSpPr>
             <a:spLocks noGrp="1"/>
@@ -7076,78 +7280,17 @@
           <a:lstStyle/>
           <a:p>
             <a:fld id="{4A32CB03-0843-4AF8-BFB2-C9917854BC7E}" type="slidenum">
-              <a:rPr kumimoji="1" lang="ja-JP" altLang="en-US" sz="2400" smtClean="0"/>
+              <a:rPr kumimoji="1" lang="ja-JP" altLang="en-US" smtClean="0"/>
               <a:t>5</a:t>
             </a:fld>
-            <a:endParaRPr kumimoji="1" lang="ja-JP" altLang="en-US" sz="2400" dirty="0"/>
-          </a:p>
-        </p:txBody>
-      </p:sp>
-      <p:pic>
-        <p:nvPicPr>
-          <p:cNvPr id="6" name="図 5"/>
-          <p:cNvPicPr>
-            <a:picLocks noChangeAspect="1"/>
-          </p:cNvPicPr>
-          <p:nvPr/>
-        </p:nvPicPr>
-        <p:blipFill>
-          <a:blip r:embed="rId2"/>
-          <a:stretch>
-            <a:fillRect/>
-          </a:stretch>
-        </p:blipFill>
-        <p:spPr>
-          <a:xfrm>
-            <a:off x="1169330" y="2592109"/>
-            <a:ext cx="6929652" cy="3860449"/>
-          </a:xfrm>
-          <a:prstGeom prst="rect">
-            <a:avLst/>
-          </a:prstGeom>
-        </p:spPr>
-      </p:pic>
-      <p:sp>
-        <p:nvSpPr>
-          <p:cNvPr id="7" name="テキスト ボックス 6"/>
-          <p:cNvSpPr txBox="1"/>
-          <p:nvPr/>
-        </p:nvSpPr>
-        <p:spPr>
-          <a:xfrm>
-            <a:off x="751959" y="1980429"/>
-            <a:ext cx="8392041" cy="707886"/>
-          </a:xfrm>
-          <a:prstGeom prst="rect">
-            <a:avLst/>
-          </a:prstGeom>
-          <a:noFill/>
-        </p:spPr>
-        <p:txBody>
-          <a:bodyPr wrap="none" rtlCol="0">
-            <a:spAutoFit/>
-          </a:bodyPr>
-          <a:lstStyle/>
-          <a:p>
-            <a:r>
-              <a:rPr kumimoji="1" lang="ja-JP" altLang="en-US" sz="2000" dirty="0" smtClean="0"/>
-              <a:t>ビジュアルプログラミングとも呼ばれる</a:t>
-            </a:r>
-            <a:endParaRPr kumimoji="1" lang="en-US" altLang="ja-JP" sz="2000" dirty="0" smtClean="0"/>
-          </a:p>
-          <a:p>
-            <a:r>
-              <a:rPr kumimoji="1" lang="ja-JP" altLang="en-US" sz="2000" dirty="0" smtClean="0"/>
-              <a:t>命令を埋め込まれたブロックを組み合わせるプログラミング手法のこと</a:t>
-            </a:r>
-            <a:endParaRPr kumimoji="1" lang="ja-JP" altLang="en-US" sz="2000" dirty="0"/>
+            <a:endParaRPr kumimoji="1" lang="ja-JP" altLang="en-US"/>
           </a:p>
         </p:txBody>
       </p:sp>
     </p:spTree>
     <p:extLst>
       <p:ext uri="{BB962C8B-B14F-4D97-AF65-F5344CB8AC3E}">
-        <p14:creationId xmlns:p14="http://schemas.microsoft.com/office/powerpoint/2010/main" val="1081448831"/>
+        <p14:creationId xmlns:p14="http://schemas.microsoft.com/office/powerpoint/2010/main" val="3172470415"/>
       </p:ext>
     </p:extLst>
   </p:cSld>
@@ -7191,7 +7334,7 @@
           <a:p>
             <a:r>
               <a:rPr kumimoji="1" lang="ja-JP" altLang="en-US" dirty="0" smtClean="0"/>
-              <a:t>研究背景</a:t>
+              <a:t>ブロックプログラミングとは何か</a:t>
             </a:r>
             <a:endParaRPr kumimoji="1" lang="ja-JP" altLang="en-US" dirty="0"/>
           </a:p>
@@ -7199,37 +7342,6 @@
       </p:sp>
       <p:sp>
         <p:nvSpPr>
-          <p:cNvPr id="3" name="コンテンツ プレースホルダー 2"/>
-          <p:cNvSpPr>
-            <a:spLocks noGrp="1"/>
-          </p:cNvSpPr>
-          <p:nvPr>
-            <p:ph idx="1"/>
-          </p:nvPr>
-        </p:nvSpPr>
-        <p:spPr/>
-        <p:txBody>
-          <a:bodyPr/>
-          <a:lstStyle/>
-          <a:p>
-            <a:r>
-              <a:rPr lang="ja-JP" altLang="en-US" dirty="0" smtClean="0"/>
-              <a:t>必修化</a:t>
-            </a:r>
-            <a:r>
-              <a:rPr lang="ja-JP" altLang="en-US" dirty="0"/>
-              <a:t>となって</a:t>
-            </a:r>
-            <a:r>
-              <a:rPr lang="ja-JP" altLang="en-US" dirty="0" smtClean="0"/>
-              <a:t>いくプログラミングについて、中高生が勉強するために、教科書を読むだけでは難しい方が考えられる。そのような方が実際にプログラミングに触れてみれるような環境を作成したい</a:t>
-            </a:r>
-            <a:endParaRPr lang="en-US" altLang="ja-JP" dirty="0" smtClean="0"/>
-          </a:p>
-        </p:txBody>
-      </p:sp>
-      <p:sp>
-        <p:nvSpPr>
           <p:cNvPr id="4" name="スライド番号プレースホルダー 3"/>
           <p:cNvSpPr>
             <a:spLocks noGrp="1"/>
@@ -7244,17 +7356,78 @@
           <a:lstStyle/>
           <a:p>
             <a:fld id="{4A32CB03-0843-4AF8-BFB2-C9917854BC7E}" type="slidenum">
-              <a:rPr kumimoji="1" lang="ja-JP" altLang="en-US" sz="2800" smtClean="0"/>
+              <a:rPr kumimoji="1" lang="ja-JP" altLang="en-US" sz="2400" smtClean="0"/>
               <a:t>6</a:t>
             </a:fld>
-            <a:endParaRPr kumimoji="1" lang="ja-JP" altLang="en-US" sz="2800" dirty="0"/>
+            <a:endParaRPr kumimoji="1" lang="ja-JP" altLang="en-US" sz="2400" dirty="0"/>
+          </a:p>
+        </p:txBody>
+      </p:sp>
+      <p:pic>
+        <p:nvPicPr>
+          <p:cNvPr id="6" name="図 5"/>
+          <p:cNvPicPr>
+            <a:picLocks noChangeAspect="1"/>
+          </p:cNvPicPr>
+          <p:nvPr/>
+        </p:nvPicPr>
+        <p:blipFill>
+          <a:blip r:embed="rId2"/>
+          <a:stretch>
+            <a:fillRect/>
+          </a:stretch>
+        </p:blipFill>
+        <p:spPr>
+          <a:xfrm>
+            <a:off x="1169330" y="2592109"/>
+            <a:ext cx="6929652" cy="3860449"/>
+          </a:xfrm>
+          <a:prstGeom prst="rect">
+            <a:avLst/>
+          </a:prstGeom>
+        </p:spPr>
+      </p:pic>
+      <p:sp>
+        <p:nvSpPr>
+          <p:cNvPr id="7" name="テキスト ボックス 6"/>
+          <p:cNvSpPr txBox="1"/>
+          <p:nvPr/>
+        </p:nvSpPr>
+        <p:spPr>
+          <a:xfrm>
+            <a:off x="751959" y="1980429"/>
+            <a:ext cx="8392041" cy="707886"/>
+          </a:xfrm>
+          <a:prstGeom prst="rect">
+            <a:avLst/>
+          </a:prstGeom>
+          <a:noFill/>
+        </p:spPr>
+        <p:txBody>
+          <a:bodyPr wrap="none" rtlCol="0">
+            <a:spAutoFit/>
+          </a:bodyPr>
+          <a:lstStyle/>
+          <a:p>
+            <a:r>
+              <a:rPr kumimoji="1" lang="ja-JP" altLang="en-US" sz="2000" dirty="0" smtClean="0"/>
+              <a:t>ビジュアルプログラミングとも呼ばれる</a:t>
+            </a:r>
+            <a:endParaRPr kumimoji="1" lang="en-US" altLang="ja-JP" sz="2000" dirty="0" smtClean="0"/>
+          </a:p>
+          <a:p>
+            <a:r>
+              <a:rPr kumimoji="1" lang="ja-JP" altLang="en-US" sz="2000" dirty="0" smtClean="0"/>
+              <a:t>命令を埋め込まれたブロックを組み合わせるプログラミング手法のこと</a:t>
+            </a:r>
+            <a:endParaRPr kumimoji="1" lang="ja-JP" altLang="en-US" sz="2000" dirty="0"/>
           </a:p>
         </p:txBody>
       </p:sp>
     </p:spTree>
     <p:extLst>
       <p:ext uri="{BB962C8B-B14F-4D97-AF65-F5344CB8AC3E}">
-        <p14:creationId xmlns:p14="http://schemas.microsoft.com/office/powerpoint/2010/main" val="1938097084"/>
+        <p14:creationId xmlns:p14="http://schemas.microsoft.com/office/powerpoint/2010/main" val="1081448831"/>
       </p:ext>
     </p:extLst>
   </p:cSld>
@@ -7298,7 +7471,7 @@
           <a:p>
             <a:r>
               <a:rPr kumimoji="1" lang="ja-JP" altLang="en-US" dirty="0" smtClean="0"/>
-              <a:t>提案内容</a:t>
+              <a:t>研究背景</a:t>
             </a:r>
             <a:endParaRPr kumimoji="1" lang="ja-JP" altLang="en-US" dirty="0"/>
           </a:p>
@@ -7316,44 +7489,22 @@
         </p:nvSpPr>
         <p:spPr/>
         <p:txBody>
-          <a:bodyPr>
-            <a:normAutofit/>
-          </a:bodyPr>
-          <a:lstStyle/>
-          <a:p>
+          <a:bodyPr/>
+          <a:lstStyle/>
+          <a:p>
+            <a:r>
+              <a:rPr lang="ja-JP" altLang="en-US" dirty="0" smtClean="0"/>
+              <a:t>必修化</a:t>
+            </a:r>
             <a:r>
               <a:rPr lang="ja-JP" altLang="en-US" dirty="0"/>
-              <a:t>直観的に理解のしやすいブロックプログラミングにより、プログラミングの論理的思考を身に</a:t>
+              <a:t>となって</a:t>
             </a:r>
             <a:r>
               <a:rPr lang="ja-JP" altLang="en-US" dirty="0" smtClean="0"/>
-              <a:t>着けられるシステムを提案する</a:t>
+              <a:t>いくプログラミングについて、中高生が勉強するために、教科書を読むだけでは難しい方が考えられる。そのような方が実際にプログラミングに触れてみれるような環境を作成したい</a:t>
             </a:r>
             <a:endParaRPr lang="en-US" altLang="ja-JP" dirty="0" smtClean="0"/>
-          </a:p>
-          <a:p>
-            <a:r>
-              <a:rPr lang="ja-JP" altLang="en-US" dirty="0" smtClean="0"/>
-              <a:t>ブロックプログラミングからブロックリーによるコードへの変換を利用し、プログラミング言語への理解を深められるシステムを提案</a:t>
-            </a:r>
-            <a:endParaRPr lang="en-US" altLang="ja-JP" dirty="0" smtClean="0"/>
-          </a:p>
-          <a:p>
-            <a:r>
-              <a:rPr lang="ja-JP" altLang="en-US" dirty="0"/>
-              <a:t>穴埋め</a:t>
-            </a:r>
-            <a:r>
-              <a:rPr lang="ja-JP" altLang="en-US" dirty="0" smtClean="0"/>
-              <a:t>問題などを利用し、よりプログラミングにユーザが慣れていける環境を提案</a:t>
-            </a:r>
-            <a:endParaRPr lang="en-US" altLang="ja-JP" dirty="0" smtClean="0"/>
-          </a:p>
-          <a:p>
-            <a:endParaRPr kumimoji="1" lang="en-US" altLang="ja-JP" dirty="0"/>
-          </a:p>
-          <a:p>
-            <a:endParaRPr kumimoji="1" lang="ja-JP" altLang="en-US" dirty="0"/>
           </a:p>
         </p:txBody>
       </p:sp>
@@ -7383,7 +7534,7 @@
     </p:spTree>
     <p:extLst>
       <p:ext uri="{BB962C8B-B14F-4D97-AF65-F5344CB8AC3E}">
-        <p14:creationId xmlns:p14="http://schemas.microsoft.com/office/powerpoint/2010/main" val="354179094"/>
+        <p14:creationId xmlns:p14="http://schemas.microsoft.com/office/powerpoint/2010/main" val="1938097084"/>
       </p:ext>
     </p:extLst>
   </p:cSld>
@@ -7427,7 +7578,7 @@
           <a:p>
             <a:r>
               <a:rPr kumimoji="1" lang="ja-JP" altLang="en-US" dirty="0" smtClean="0"/>
-              <a:t>研究動機</a:t>
+              <a:t>提案内容</a:t>
             </a:r>
             <a:endParaRPr kumimoji="1" lang="ja-JP" altLang="en-US" dirty="0"/>
           </a:p>
@@ -7445,42 +7596,41 @@
         </p:nvSpPr>
         <p:spPr/>
         <p:txBody>
-          <a:bodyPr/>
-          <a:lstStyle/>
-          <a:p>
-            <a:r>
-              <a:rPr kumimoji="1" lang="en-US" altLang="ja-JP" dirty="0" err="1" smtClean="0"/>
-              <a:t>Blockly</a:t>
-            </a:r>
+          <a:bodyPr>
+            <a:normAutofit/>
+          </a:bodyPr>
+          <a:lstStyle/>
+          <a:p>
             <a:r>
               <a:rPr lang="ja-JP" altLang="en-US" dirty="0"/>
-              <a:t>に</a:t>
+              <a:t>直観的に理解のしやすいブロックプログラミングにより、プログラミングの論理的思考を身に</a:t>
             </a:r>
             <a:r>
               <a:rPr lang="ja-JP" altLang="en-US" dirty="0" smtClean="0"/>
-              <a:t>よるブロックプログラムとプログラミング言語によるコーディングへの変換により、学習環境を作成</a:t>
+              <a:t>着けられるシステムを提案する</a:t>
             </a:r>
             <a:endParaRPr lang="en-US" altLang="ja-JP" dirty="0" smtClean="0"/>
           </a:p>
           <a:p>
-            <a:pPr marL="0" indent="0">
-              <a:buNone/>
-            </a:pPr>
+            <a:r>
+              <a:rPr lang="ja-JP" altLang="en-US" dirty="0" smtClean="0"/>
+              <a:t>ブロックプログラミングからブロックリーによるコードへの変換を利用し、プログラミング言語への理解を深められるシステムを提案</a:t>
+            </a:r>
             <a:endParaRPr lang="en-US" altLang="ja-JP" dirty="0" smtClean="0"/>
           </a:p>
           <a:p>
             <a:r>
-              <a:rPr kumimoji="1" lang="ja-JP" altLang="en-US" dirty="0" smtClean="0"/>
-              <a:t>穴埋め問題にするアルゴリズム</a:t>
+              <a:rPr lang="ja-JP" altLang="en-US" dirty="0"/>
+              <a:t>穴埋め</a:t>
             </a:r>
             <a:r>
               <a:rPr lang="ja-JP" altLang="en-US" dirty="0" smtClean="0"/>
-              <a:t>を提案することで学習の幅を広げる</a:t>
-            </a:r>
-            <a:endParaRPr kumimoji="1" lang="en-US" altLang="ja-JP" dirty="0" smtClean="0"/>
-          </a:p>
-          <a:p>
-            <a:endParaRPr lang="en-US" altLang="ja-JP" dirty="0"/>
+              <a:t>問題などを利用し、よりプログラミングにユーザが慣れていける環境を提案</a:t>
+            </a:r>
+            <a:endParaRPr lang="en-US" altLang="ja-JP" dirty="0" smtClean="0"/>
+          </a:p>
+          <a:p>
+            <a:endParaRPr kumimoji="1" lang="en-US" altLang="ja-JP" dirty="0"/>
           </a:p>
           <a:p>
             <a:endParaRPr kumimoji="1" lang="ja-JP" altLang="en-US" dirty="0"/>
@@ -7503,17 +7653,17 @@
           <a:lstStyle/>
           <a:p>
             <a:fld id="{4A32CB03-0843-4AF8-BFB2-C9917854BC7E}" type="slidenum">
-              <a:rPr kumimoji="1" lang="ja-JP" altLang="en-US" sz="2400" smtClean="0"/>
+              <a:rPr kumimoji="1" lang="ja-JP" altLang="en-US" sz="2800" smtClean="0"/>
               <a:t>8</a:t>
             </a:fld>
-            <a:endParaRPr kumimoji="1" lang="ja-JP" altLang="en-US" sz="2400" dirty="0"/>
+            <a:endParaRPr kumimoji="1" lang="ja-JP" altLang="en-US" sz="2800" dirty="0"/>
           </a:p>
         </p:txBody>
       </p:sp>
     </p:spTree>
     <p:extLst>
       <p:ext uri="{BB962C8B-B14F-4D97-AF65-F5344CB8AC3E}">
-        <p14:creationId xmlns:p14="http://schemas.microsoft.com/office/powerpoint/2010/main" val="1632152331"/>
+        <p14:creationId xmlns:p14="http://schemas.microsoft.com/office/powerpoint/2010/main" val="354179094"/>
       </p:ext>
     </p:extLst>
   </p:cSld>
@@ -7557,7 +7707,7 @@
           <a:p>
             <a:r>
               <a:rPr kumimoji="1" lang="ja-JP" altLang="en-US" dirty="0" smtClean="0"/>
-              <a:t>研究課題について</a:t>
+              <a:t>研究動機</a:t>
             </a:r>
             <a:endParaRPr kumimoji="1" lang="ja-JP" altLang="en-US" dirty="0"/>
           </a:p>
@@ -7575,58 +7725,45 @@
         </p:nvSpPr>
         <p:spPr/>
         <p:txBody>
-          <a:bodyPr>
-            <a:normAutofit lnSpcReduction="10000"/>
-          </a:bodyPr>
-          <a:lstStyle/>
+          <a:bodyPr/>
+          <a:lstStyle/>
+          <a:p>
+            <a:r>
+              <a:rPr kumimoji="1" lang="en-US" altLang="ja-JP" dirty="0" err="1" smtClean="0"/>
+              <a:t>Blockly</a:t>
+            </a:r>
+            <a:r>
+              <a:rPr lang="ja-JP" altLang="en-US" dirty="0"/>
+              <a:t>に</a:t>
+            </a:r>
+            <a:r>
+              <a:rPr lang="ja-JP" altLang="en-US" dirty="0" smtClean="0"/>
+              <a:t>よるブロックプログラムとプログラミング言語によるコーディングへの変換により、学習環境を作成</a:t>
+            </a:r>
+            <a:endParaRPr lang="en-US" altLang="ja-JP" dirty="0" smtClean="0"/>
+          </a:p>
+          <a:p>
+            <a:pPr marL="0" indent="0">
+              <a:buNone/>
+            </a:pPr>
+            <a:endParaRPr lang="en-US" altLang="ja-JP" dirty="0" smtClean="0"/>
+          </a:p>
           <a:p>
             <a:r>
               <a:rPr kumimoji="1" lang="ja-JP" altLang="en-US" dirty="0" smtClean="0"/>
-              <a:t>現在ブロックプログラムからプログラミング言語に変換の原理を理解し、自分で扱えるようにする</a:t>
+              <a:t>穴埋め問題にするアルゴリズム</a:t>
+            </a:r>
+            <a:r>
+              <a:rPr lang="ja-JP" altLang="en-US" dirty="0" smtClean="0"/>
+              <a:t>を提案することで学習の幅を広げる</a:t>
             </a:r>
             <a:endParaRPr kumimoji="1" lang="en-US" altLang="ja-JP" dirty="0" smtClean="0"/>
           </a:p>
           <a:p>
-            <a:pPr lvl="1"/>
-            <a:r>
-              <a:rPr lang="ja-JP" altLang="en-US" dirty="0" smtClean="0"/>
-              <a:t>言語ジェネレータというものがブロックリーでは用意されているので、勉強する</a:t>
-            </a:r>
-            <a:endParaRPr kumimoji="1" lang="en-US" altLang="ja-JP" dirty="0" smtClean="0"/>
-          </a:p>
-          <a:p>
-            <a:pPr lvl="1"/>
-            <a:endParaRPr kumimoji="1" lang="en-US" altLang="ja-JP" dirty="0" smtClean="0"/>
-          </a:p>
-          <a:p>
-            <a:r>
-              <a:rPr lang="ja-JP" altLang="en-US" dirty="0" smtClean="0"/>
-              <a:t>穴埋めにするアルゴリズムの考案</a:t>
-            </a:r>
-            <a:r>
-              <a:rPr kumimoji="1" lang="ja-JP" altLang="en-US" dirty="0" smtClean="0"/>
-              <a:t>関数名、変数名などを優先的に穴埋めにしたいと考えている</a:t>
-            </a:r>
-            <a:endParaRPr kumimoji="1" lang="en-US" altLang="ja-JP" dirty="0" smtClean="0"/>
-          </a:p>
-          <a:p>
-            <a:pPr lvl="1"/>
-            <a:r>
-              <a:rPr kumimoji="1" lang="ja-JP" altLang="en-US" dirty="0" smtClean="0"/>
-              <a:t>どの部分が穴埋めにしたい部分なのかを判断する方法を思いついていない</a:t>
-            </a:r>
-            <a:endParaRPr kumimoji="1" lang="en-US" altLang="ja-JP" dirty="0" smtClean="0"/>
-          </a:p>
-          <a:p>
-            <a:pPr lvl="1"/>
-            <a:r>
-              <a:rPr lang="ja-JP" altLang="en-US" dirty="0" smtClean="0"/>
-              <a:t>一部のプログラミングをランダムに抜いて、その部分を穴埋め</a:t>
-            </a:r>
-            <a:endParaRPr lang="en-US" altLang="ja-JP" dirty="0" smtClean="0"/>
-          </a:p>
-          <a:p>
-            <a:endParaRPr lang="en-US" altLang="ja-JP" dirty="0" smtClean="0"/>
+            <a:endParaRPr lang="en-US" altLang="ja-JP" dirty="0"/>
+          </a:p>
+          <a:p>
+            <a:endParaRPr kumimoji="1" lang="ja-JP" altLang="en-US" dirty="0"/>
           </a:p>
         </p:txBody>
       </p:sp>
@@ -7645,7 +7782,7 @@
           <a:bodyPr/>
           <a:lstStyle/>
           <a:p>
-            <a:fld id="{010A43D1-8C5F-4BB5-96AD-6A66B588192F}" type="slidenum">
+            <a:fld id="{4A32CB03-0843-4AF8-BFB2-C9917854BC7E}" type="slidenum">
               <a:rPr kumimoji="1" lang="ja-JP" altLang="en-US" sz="2400" smtClean="0"/>
               <a:t>9</a:t>
             </a:fld>
@@ -7656,20 +7793,13 @@
     </p:spTree>
     <p:extLst>
       <p:ext uri="{BB962C8B-B14F-4D97-AF65-F5344CB8AC3E}">
-        <p14:creationId xmlns:p14="http://schemas.microsoft.com/office/powerpoint/2010/main" val="4275672017"/>
+        <p14:creationId xmlns:p14="http://schemas.microsoft.com/office/powerpoint/2010/main" val="1632152331"/>
       </p:ext>
     </p:extLst>
   </p:cSld>
   <p:clrMapOvr>
     <a:masterClrMapping/>
   </p:clrMapOvr>
-  <p:timing>
-    <p:tnLst>
-      <p:par>
-        <p:cTn id="1" dur="indefinite" restart="never" nodeType="tmRoot"/>
-      </p:par>
-    </p:tnLst>
-  </p:timing>
 </p:sld>
 </file>
 

--- a/1821121_shimaoka_sotsuken.pptx
+++ b/1821121_shimaoka_sotsuken.pptx
@@ -5,14 +5,14 @@
     <p:sldMasterId id="2147483660" r:id="rId1"/>
   </p:sldMasterIdLst>
   <p:notesMasterIdLst>
-    <p:notesMasterId r:id="rId28"/>
+    <p:notesMasterId r:id="rId32"/>
   </p:notesMasterIdLst>
   <p:sldIdLst>
     <p:sldId id="257" r:id="rId2"/>
-    <p:sldId id="272" r:id="rId3"/>
-    <p:sldId id="292" r:id="rId4"/>
-    <p:sldId id="293" r:id="rId5"/>
-    <p:sldId id="294" r:id="rId6"/>
+    <p:sldId id="295" r:id="rId3"/>
+    <p:sldId id="296" r:id="rId4"/>
+    <p:sldId id="297" r:id="rId5"/>
+    <p:sldId id="298" r:id="rId6"/>
     <p:sldId id="265" r:id="rId7"/>
     <p:sldId id="271" r:id="rId8"/>
     <p:sldId id="270" r:id="rId9"/>
@@ -34,6 +34,10 @@
     <p:sldId id="290" r:id="rId25"/>
     <p:sldId id="289" r:id="rId26"/>
     <p:sldId id="291" r:id="rId27"/>
+    <p:sldId id="272" r:id="rId28"/>
+    <p:sldId id="292" r:id="rId29"/>
+    <p:sldId id="293" r:id="rId30"/>
+    <p:sldId id="294" r:id="rId31"/>
   </p:sldIdLst>
   <p:sldSz cx="9144000" cy="6858000" type="screen4x3"/>
   <p:notesSz cx="6858000" cy="9144000"/>
@@ -222,7 +226,7 @@
           <a:p>
             <a:fld id="{FE6A3D4C-FB20-486F-A33D-02A27AB85120}" type="datetimeFigureOut">
               <a:rPr kumimoji="1" lang="ja-JP" altLang="en-US" smtClean="0"/>
-              <a:t>2021/9/24</a:t>
+              <a:t>2021/10/4</a:t>
             </a:fld>
             <a:endParaRPr kumimoji="1" lang="ja-JP" altLang="en-US"/>
           </a:p>
@@ -522,6 +526,359 @@
 </p:notesMaster>
 </file>
 
+<file path=ppt/notesSlides/notesSlide1.xml><?xml version="1.0" encoding="utf-8"?>
+<p:notes xmlns:a="http://schemas.openxmlformats.org/drawingml/2006/main" xmlns:r="http://schemas.openxmlformats.org/officeDocument/2006/relationships" xmlns:p="http://schemas.openxmlformats.org/presentationml/2006/main">
+  <p:cSld>
+    <p:spTree>
+      <p:nvGrpSpPr>
+        <p:cNvPr id="1" name=""/>
+        <p:cNvGrpSpPr/>
+        <p:nvPr/>
+      </p:nvGrpSpPr>
+      <p:grpSpPr>
+        <a:xfrm>
+          <a:off x="0" y="0"/>
+          <a:ext cx="0" cy="0"/>
+          <a:chOff x="0" y="0"/>
+          <a:chExt cx="0" cy="0"/>
+        </a:xfrm>
+      </p:grpSpPr>
+      <p:sp>
+        <p:nvSpPr>
+          <p:cNvPr id="2" name="スライド イメージ プレースホルダー 1"/>
+          <p:cNvSpPr>
+            <a:spLocks noGrp="1" noRot="1" noChangeAspect="1"/>
+          </p:cNvSpPr>
+          <p:nvPr>
+            <p:ph type="sldImg"/>
+          </p:nvPr>
+        </p:nvSpPr>
+        <p:spPr/>
+      </p:sp>
+      <p:sp>
+        <p:nvSpPr>
+          <p:cNvPr id="3" name="ノート プレースホルダー 2"/>
+          <p:cNvSpPr>
+            <a:spLocks noGrp="1"/>
+          </p:cNvSpPr>
+          <p:nvPr>
+            <p:ph type="body" idx="1"/>
+          </p:nvPr>
+        </p:nvSpPr>
+        <p:spPr/>
+        <p:txBody>
+          <a:bodyPr/>
+          <a:lstStyle/>
+          <a:p>
+            <a:pPr marL="0" marR="0" lvl="0" indent="0" algn="l" defTabSz="914400" rtl="0" eaLnBrk="1" fontAlgn="auto" latinLnBrk="0" hangingPunct="1">
+              <a:lnSpc>
+                <a:spcPct val="100000"/>
+              </a:lnSpc>
+              <a:spcBef>
+                <a:spcPts val="0"/>
+              </a:spcBef>
+              <a:spcAft>
+                <a:spcPts val="0"/>
+              </a:spcAft>
+              <a:buClrTx/>
+              <a:buSzTx/>
+              <a:buFontTx/>
+              <a:buNone/>
+              <a:tabLst/>
+              <a:defRPr/>
+            </a:pPr>
+            <a:r>
+              <a:rPr lang="ja-JP" altLang="en-US" dirty="0" smtClean="0"/>
+              <a:t>必修化となっていくプログラミングについて、中高生が勉強するために、教科書を読むだけでは難しい方が考えられる。そのような方が実際にプログラミングに触れてみれるような環境を作成したい</a:t>
+            </a:r>
+            <a:endParaRPr lang="en-US" altLang="ja-JP" dirty="0" smtClean="0"/>
+          </a:p>
+          <a:p>
+            <a:endParaRPr kumimoji="1" lang="ja-JP" altLang="en-US" dirty="0"/>
+          </a:p>
+        </p:txBody>
+      </p:sp>
+      <p:sp>
+        <p:nvSpPr>
+          <p:cNvPr id="4" name="スライド番号プレースホルダー 3"/>
+          <p:cNvSpPr>
+            <a:spLocks noGrp="1"/>
+          </p:cNvSpPr>
+          <p:nvPr>
+            <p:ph type="sldNum" sz="quarter" idx="10"/>
+          </p:nvPr>
+        </p:nvSpPr>
+        <p:spPr/>
+        <p:txBody>
+          <a:bodyPr/>
+          <a:lstStyle/>
+          <a:p>
+            <a:fld id="{47905BA8-D78C-4C59-98CB-0E1E713D5795}" type="slidenum">
+              <a:rPr kumimoji="1" lang="ja-JP" altLang="en-US" smtClean="0"/>
+              <a:t>7</a:t>
+            </a:fld>
+            <a:endParaRPr kumimoji="1" lang="ja-JP" altLang="en-US"/>
+          </a:p>
+        </p:txBody>
+      </p:sp>
+    </p:spTree>
+    <p:extLst>
+      <p:ext uri="{BB962C8B-B14F-4D97-AF65-F5344CB8AC3E}">
+        <p14:creationId xmlns:p14="http://schemas.microsoft.com/office/powerpoint/2010/main" val="638475634"/>
+      </p:ext>
+    </p:extLst>
+  </p:cSld>
+  <p:clrMapOvr>
+    <a:masterClrMapping/>
+  </p:clrMapOvr>
+</p:notes>
+</file>
+
+<file path=ppt/notesSlides/notesSlide2.xml><?xml version="1.0" encoding="utf-8"?>
+<p:notes xmlns:a="http://schemas.openxmlformats.org/drawingml/2006/main" xmlns:r="http://schemas.openxmlformats.org/officeDocument/2006/relationships" xmlns:p="http://schemas.openxmlformats.org/presentationml/2006/main">
+  <p:cSld>
+    <p:spTree>
+      <p:nvGrpSpPr>
+        <p:cNvPr id="1" name=""/>
+        <p:cNvGrpSpPr/>
+        <p:nvPr/>
+      </p:nvGrpSpPr>
+      <p:grpSpPr>
+        <a:xfrm>
+          <a:off x="0" y="0"/>
+          <a:ext cx="0" cy="0"/>
+          <a:chOff x="0" y="0"/>
+          <a:chExt cx="0" cy="0"/>
+        </a:xfrm>
+      </p:grpSpPr>
+      <p:sp>
+        <p:nvSpPr>
+          <p:cNvPr id="2" name="スライド イメージ プレースホルダー 1"/>
+          <p:cNvSpPr>
+            <a:spLocks noGrp="1" noRot="1" noChangeAspect="1"/>
+          </p:cNvSpPr>
+          <p:nvPr>
+            <p:ph type="sldImg"/>
+          </p:nvPr>
+        </p:nvSpPr>
+        <p:spPr/>
+      </p:sp>
+      <p:sp>
+        <p:nvSpPr>
+          <p:cNvPr id="3" name="ノート プレースホルダー 2"/>
+          <p:cNvSpPr>
+            <a:spLocks noGrp="1"/>
+          </p:cNvSpPr>
+          <p:nvPr>
+            <p:ph type="body" idx="1"/>
+          </p:nvPr>
+        </p:nvSpPr>
+        <p:spPr/>
+        <p:txBody>
+          <a:bodyPr/>
+          <a:lstStyle/>
+          <a:p>
+            <a:r>
+              <a:rPr kumimoji="1" lang="en-US" altLang="ja-JP" dirty="0" err="1" smtClean="0"/>
+              <a:t>Blockly</a:t>
+            </a:r>
+            <a:r>
+              <a:rPr lang="ja-JP" altLang="en-US" dirty="0" smtClean="0"/>
+              <a:t>によるブロックプログラムとプログラミング言語によるコーディングへの変換により、学習環境を作成</a:t>
+            </a:r>
+            <a:endParaRPr lang="en-US" altLang="ja-JP" dirty="0" smtClean="0"/>
+          </a:p>
+          <a:p>
+            <a:pPr marL="0" indent="0">
+              <a:buNone/>
+            </a:pPr>
+            <a:endParaRPr lang="en-US" altLang="ja-JP" dirty="0" smtClean="0"/>
+          </a:p>
+          <a:p>
+            <a:r>
+              <a:rPr kumimoji="1" lang="ja-JP" altLang="en-US" dirty="0" smtClean="0"/>
+              <a:t>穴埋め問題にするアルゴリズム</a:t>
+            </a:r>
+            <a:r>
+              <a:rPr lang="ja-JP" altLang="en-US" dirty="0" smtClean="0"/>
+              <a:t>を提案することで学習の幅を広げる</a:t>
+            </a:r>
+            <a:endParaRPr kumimoji="1" lang="en-US" altLang="ja-JP" dirty="0" smtClean="0"/>
+          </a:p>
+          <a:p>
+            <a:endParaRPr kumimoji="1" lang="ja-JP" altLang="en-US" dirty="0"/>
+          </a:p>
+        </p:txBody>
+      </p:sp>
+      <p:sp>
+        <p:nvSpPr>
+          <p:cNvPr id="4" name="スライド番号プレースホルダー 3"/>
+          <p:cNvSpPr>
+            <a:spLocks noGrp="1"/>
+          </p:cNvSpPr>
+          <p:nvPr>
+            <p:ph type="sldNum" sz="quarter" idx="10"/>
+          </p:nvPr>
+        </p:nvSpPr>
+        <p:spPr/>
+        <p:txBody>
+          <a:bodyPr/>
+          <a:lstStyle/>
+          <a:p>
+            <a:fld id="{47905BA8-D78C-4C59-98CB-0E1E713D5795}" type="slidenum">
+              <a:rPr kumimoji="1" lang="ja-JP" altLang="en-US" smtClean="0"/>
+              <a:t>9</a:t>
+            </a:fld>
+            <a:endParaRPr kumimoji="1" lang="ja-JP" altLang="en-US"/>
+          </a:p>
+        </p:txBody>
+      </p:sp>
+    </p:spTree>
+    <p:extLst>
+      <p:ext uri="{BB962C8B-B14F-4D97-AF65-F5344CB8AC3E}">
+        <p14:creationId xmlns:p14="http://schemas.microsoft.com/office/powerpoint/2010/main" val="2776696390"/>
+      </p:ext>
+    </p:extLst>
+  </p:cSld>
+  <p:clrMapOvr>
+    <a:masterClrMapping/>
+  </p:clrMapOvr>
+</p:notes>
+</file>
+
+<file path=ppt/notesSlides/notesSlide3.xml><?xml version="1.0" encoding="utf-8"?>
+<p:notes xmlns:a="http://schemas.openxmlformats.org/drawingml/2006/main" xmlns:r="http://schemas.openxmlformats.org/officeDocument/2006/relationships" xmlns:p="http://schemas.openxmlformats.org/presentationml/2006/main">
+  <p:cSld>
+    <p:spTree>
+      <p:nvGrpSpPr>
+        <p:cNvPr id="1" name=""/>
+        <p:cNvGrpSpPr/>
+        <p:nvPr/>
+      </p:nvGrpSpPr>
+      <p:grpSpPr>
+        <a:xfrm>
+          <a:off x="0" y="0"/>
+          <a:ext cx="0" cy="0"/>
+          <a:chOff x="0" y="0"/>
+          <a:chExt cx="0" cy="0"/>
+        </a:xfrm>
+      </p:grpSpPr>
+      <p:sp>
+        <p:nvSpPr>
+          <p:cNvPr id="2" name="スライド イメージ プレースホルダー 1"/>
+          <p:cNvSpPr>
+            <a:spLocks noGrp="1" noRot="1" noChangeAspect="1"/>
+          </p:cNvSpPr>
+          <p:nvPr>
+            <p:ph type="sldImg"/>
+          </p:nvPr>
+        </p:nvSpPr>
+        <p:spPr/>
+      </p:sp>
+      <p:sp>
+        <p:nvSpPr>
+          <p:cNvPr id="3" name="ノート プレースホルダー 2"/>
+          <p:cNvSpPr>
+            <a:spLocks noGrp="1"/>
+          </p:cNvSpPr>
+          <p:nvPr>
+            <p:ph type="body" idx="1"/>
+          </p:nvPr>
+        </p:nvSpPr>
+        <p:spPr/>
+        <p:txBody>
+          <a:bodyPr/>
+          <a:lstStyle/>
+          <a:p>
+            <a:r>
+              <a:rPr kumimoji="1" lang="ja-JP" altLang="en-US" dirty="0" smtClean="0"/>
+              <a:t>現在ブロックプログラムからプログラミング言語に変換の原理を理解し、自分で扱えるようにする</a:t>
+            </a:r>
+            <a:endParaRPr kumimoji="1" lang="en-US" altLang="ja-JP" dirty="0" smtClean="0"/>
+          </a:p>
+          <a:p>
+            <a:pPr lvl="1"/>
+            <a:r>
+              <a:rPr lang="ja-JP" altLang="en-US" dirty="0" smtClean="0"/>
+              <a:t>言語ジェネレータというものがブロックリーでは用意されているので、勉強する</a:t>
+            </a:r>
+            <a:endParaRPr kumimoji="1" lang="en-US" altLang="ja-JP" dirty="0" smtClean="0"/>
+          </a:p>
+          <a:p>
+            <a:pPr lvl="1"/>
+            <a:endParaRPr kumimoji="1" lang="en-US" altLang="ja-JP" dirty="0" smtClean="0"/>
+          </a:p>
+          <a:p>
+            <a:r>
+              <a:rPr lang="ja-JP" altLang="en-US" dirty="0" smtClean="0"/>
+              <a:t>穴埋めにするアルゴリズムの考案</a:t>
+            </a:r>
+            <a:r>
+              <a:rPr kumimoji="1" lang="ja-JP" altLang="en-US" dirty="0" smtClean="0"/>
+              <a:t>関数名、変数名などを優先的に穴埋めにしたいと考えている</a:t>
+            </a:r>
+            <a:endParaRPr kumimoji="1" lang="en-US" altLang="ja-JP" dirty="0" smtClean="0"/>
+          </a:p>
+          <a:p>
+            <a:pPr lvl="1"/>
+            <a:r>
+              <a:rPr kumimoji="1" lang="ja-JP" altLang="en-US" dirty="0" smtClean="0"/>
+              <a:t>どの部分が穴埋めにしたい部分なのかを判断する方法を思いついていない</a:t>
+            </a:r>
+            <a:endParaRPr kumimoji="1" lang="en-US" altLang="ja-JP" dirty="0" smtClean="0"/>
+          </a:p>
+          <a:p>
+            <a:pPr lvl="1"/>
+            <a:r>
+              <a:rPr lang="ja-JP" altLang="en-US" dirty="0" smtClean="0"/>
+              <a:t>一部のプログラミングをランダムに抜いて、その部分を穴埋め</a:t>
+            </a:r>
+            <a:endParaRPr lang="en-US" altLang="ja-JP" dirty="0" smtClean="0"/>
+          </a:p>
+          <a:p>
+            <a:endParaRPr lang="en-US" altLang="ja-JP" dirty="0" smtClean="0"/>
+          </a:p>
+          <a:p>
+            <a:endParaRPr kumimoji="1" lang="ja-JP" altLang="en-US" dirty="0"/>
+          </a:p>
+        </p:txBody>
+      </p:sp>
+      <p:sp>
+        <p:nvSpPr>
+          <p:cNvPr id="4" name="スライド番号プレースホルダー 3"/>
+          <p:cNvSpPr>
+            <a:spLocks noGrp="1"/>
+          </p:cNvSpPr>
+          <p:nvPr>
+            <p:ph type="sldNum" sz="quarter" idx="10"/>
+          </p:nvPr>
+        </p:nvSpPr>
+        <p:spPr/>
+        <p:txBody>
+          <a:bodyPr/>
+          <a:lstStyle/>
+          <a:p>
+            <a:fld id="{47905BA8-D78C-4C59-98CB-0E1E713D5795}" type="slidenum">
+              <a:rPr kumimoji="1" lang="ja-JP" altLang="en-US" smtClean="0"/>
+              <a:t>10</a:t>
+            </a:fld>
+            <a:endParaRPr kumimoji="1" lang="ja-JP" altLang="en-US"/>
+          </a:p>
+        </p:txBody>
+      </p:sp>
+    </p:spTree>
+    <p:extLst>
+      <p:ext uri="{BB962C8B-B14F-4D97-AF65-F5344CB8AC3E}">
+        <p14:creationId xmlns:p14="http://schemas.microsoft.com/office/powerpoint/2010/main" val="3773121134"/>
+      </p:ext>
+    </p:extLst>
+  </p:cSld>
+  <p:clrMapOvr>
+    <a:masterClrMapping/>
+  </p:clrMapOvr>
+</p:notes>
+</file>
+
 <file path=ppt/slideLayouts/slideLayout1.xml><?xml version="1.0" encoding="utf-8"?>
 <p:sldLayout xmlns:a="http://schemas.openxmlformats.org/drawingml/2006/main" xmlns:r="http://schemas.openxmlformats.org/officeDocument/2006/relationships" xmlns:p="http://schemas.openxmlformats.org/presentationml/2006/main" type="title" preserve="1">
   <p:cSld name="タイトル スライド">
@@ -653,7 +1010,7 @@
           <a:p>
             <a:fld id="{8C6C7C5F-18F5-4B54-8C42-F854729B27DF}" type="datetime1">
               <a:rPr kumimoji="1" lang="ja-JP" altLang="en-US" smtClean="0"/>
-              <a:t>2021/9/24</a:t>
+              <a:t>2021/10/4</a:t>
             </a:fld>
             <a:endParaRPr kumimoji="1" lang="ja-JP" altLang="en-US"/>
           </a:p>
@@ -855,7 +1212,7 @@
           <a:p>
             <a:fld id="{8FA047B7-BB2C-4D3A-A8E4-BCCEB512AAAF}" type="datetime1">
               <a:rPr kumimoji="1" lang="ja-JP" altLang="en-US" smtClean="0"/>
-              <a:t>2021/9/24</a:t>
+              <a:t>2021/10/4</a:t>
             </a:fld>
             <a:endParaRPr kumimoji="1" lang="ja-JP" altLang="en-US"/>
           </a:p>
@@ -1067,7 +1424,7 @@
           <a:p>
             <a:fld id="{CF80C22C-2AF0-4F0A-AD7C-41D0B891B7A9}" type="datetime1">
               <a:rPr kumimoji="1" lang="ja-JP" altLang="en-US" smtClean="0"/>
-              <a:t>2021/9/24</a:t>
+              <a:t>2021/10/4</a:t>
             </a:fld>
             <a:endParaRPr kumimoji="1" lang="ja-JP" altLang="en-US"/>
           </a:p>
@@ -1269,7 +1626,7 @@
           <a:p>
             <a:fld id="{62594B83-F026-4CB8-8905-CA1C93615FC3}" type="datetime1">
               <a:rPr kumimoji="1" lang="ja-JP" altLang="en-US" smtClean="0"/>
-              <a:t>2021/9/24</a:t>
+              <a:t>2021/10/4</a:t>
             </a:fld>
             <a:endParaRPr kumimoji="1" lang="ja-JP" altLang="en-US"/>
           </a:p>
@@ -1513,7 +1870,7 @@
           <a:p>
             <a:fld id="{C788FC87-6CF2-4F9F-B6E0-63B89DBB0743}" type="datetime1">
               <a:rPr kumimoji="1" lang="ja-JP" altLang="en-US" smtClean="0"/>
-              <a:t>2021/9/24</a:t>
+              <a:t>2021/10/4</a:t>
             </a:fld>
             <a:endParaRPr kumimoji="1" lang="ja-JP" altLang="en-US"/>
           </a:p>
@@ -1809,7 +2166,7 @@
           <a:p>
             <a:fld id="{5E3CE0AD-2171-4734-A0AC-662511549EC1}" type="datetime1">
               <a:rPr kumimoji="1" lang="ja-JP" altLang="en-US" smtClean="0"/>
-              <a:t>2021/9/24</a:t>
+              <a:t>2021/10/4</a:t>
             </a:fld>
             <a:endParaRPr kumimoji="1" lang="ja-JP" altLang="en-US"/>
           </a:p>
@@ -2240,7 +2597,7 @@
           <a:p>
             <a:fld id="{80544D4F-1AD2-4A36-B800-B99208B8C9BA}" type="datetime1">
               <a:rPr kumimoji="1" lang="ja-JP" altLang="en-US" smtClean="0"/>
-              <a:t>2021/9/24</a:t>
+              <a:t>2021/10/4</a:t>
             </a:fld>
             <a:endParaRPr kumimoji="1" lang="ja-JP" altLang="en-US"/>
           </a:p>
@@ -2358,7 +2715,7 @@
           <a:p>
             <a:fld id="{3867E348-314D-465D-84AA-31D1BF6D1272}" type="datetime1">
               <a:rPr kumimoji="1" lang="ja-JP" altLang="en-US" smtClean="0"/>
-              <a:t>2021/9/24</a:t>
+              <a:t>2021/10/4</a:t>
             </a:fld>
             <a:endParaRPr kumimoji="1" lang="ja-JP" altLang="en-US"/>
           </a:p>
@@ -2453,7 +2810,7 @@
           <a:p>
             <a:fld id="{0504E9A7-4A17-4848-A233-45BE7F03BE87}" type="datetime1">
               <a:rPr kumimoji="1" lang="ja-JP" altLang="en-US" smtClean="0"/>
-              <a:t>2021/9/24</a:t>
+              <a:t>2021/10/4</a:t>
             </a:fld>
             <a:endParaRPr kumimoji="1" lang="ja-JP" altLang="en-US"/>
           </a:p>
@@ -2762,7 +3119,7 @@
           <a:p>
             <a:fld id="{24FF13B5-8080-4369-B18E-A47C7DC1EF3C}" type="datetime1">
               <a:rPr kumimoji="1" lang="ja-JP" altLang="en-US" smtClean="0"/>
-              <a:t>2021/9/24</a:t>
+              <a:t>2021/10/4</a:t>
             </a:fld>
             <a:endParaRPr kumimoji="1" lang="ja-JP" altLang="en-US"/>
           </a:p>
@@ -3019,7 +3376,7 @@
           <a:p>
             <a:fld id="{CE6ABB78-4FBA-43B9-8ECE-65353FBA2DF2}" type="datetime1">
               <a:rPr kumimoji="1" lang="ja-JP" altLang="en-US" smtClean="0"/>
-              <a:t>2021/9/24</a:t>
+              <a:t>2021/10/4</a:t>
             </a:fld>
             <a:endParaRPr kumimoji="1" lang="ja-JP" altLang="en-US"/>
           </a:p>
@@ -3264,7 +3621,7 @@
           <a:p>
             <a:fld id="{25B2B056-B4AA-4D55-9226-508BBA0DE7B1}" type="datetime1">
               <a:rPr kumimoji="1" lang="ja-JP" altLang="en-US" smtClean="0"/>
-              <a:t>2021/9/24</a:t>
+              <a:t>2021/10/4</a:t>
             </a:fld>
             <a:endParaRPr kumimoji="1" lang="ja-JP" altLang="en-US"/>
           </a:p>
@@ -3688,15 +4045,30 @@
         </p:spPr>
         <p:txBody>
           <a:bodyPr>
-            <a:normAutofit fontScale="90000"/>
+            <a:noAutofit/>
           </a:bodyPr>
           <a:lstStyle/>
           <a:p>
             <a:r>
-              <a:rPr lang="ja-JP" altLang="en-US" dirty="0" smtClean="0"/>
-              <a:t>ブロックプログラミングを用いたプログラムの論理的思考・コーディングを身に着けるための研究</a:t>
-            </a:r>
-            <a:endParaRPr kumimoji="1" lang="ja-JP" altLang="en-US" dirty="0"/>
+              <a:rPr lang="ja-JP" altLang="en-US" sz="4400" dirty="0" smtClean="0"/>
+              <a:t>ブロックプログラミング</a:t>
+            </a:r>
+            <a:r>
+              <a:rPr lang="ja-JP" altLang="en-US" sz="4400" dirty="0"/>
+              <a:t>を用いた論理的思考と</a:t>
+            </a:r>
+            <a:r>
+              <a:rPr lang="en-US" altLang="ja-JP" sz="4400" dirty="0"/>
+              <a:t/>
+            </a:r>
+            <a:br>
+              <a:rPr lang="en-US" altLang="ja-JP" sz="4400" dirty="0"/>
+            </a:br>
+            <a:r>
+              <a:rPr lang="ja-JP" altLang="en-US" sz="4400" dirty="0"/>
+              <a:t>コーディングを身に着けるための学習環境</a:t>
+            </a:r>
+            <a:endParaRPr kumimoji="1" lang="ja-JP" altLang="en-US" sz="4400" dirty="0"/>
           </a:p>
         </p:txBody>
       </p:sp>
@@ -3834,57 +4206,58 @@
         <p:spPr/>
         <p:txBody>
           <a:bodyPr>
-            <a:normAutofit lnSpcReduction="10000"/>
+            <a:normAutofit/>
           </a:bodyPr>
           <a:lstStyle/>
           <a:p>
-            <a:r>
-              <a:rPr kumimoji="1" lang="ja-JP" altLang="en-US" dirty="0" smtClean="0"/>
-              <a:t>現在ブロックプログラムからプログラミング言語に変換の原理を理解し、自分で扱えるようにする</a:t>
-            </a:r>
-            <a:endParaRPr kumimoji="1" lang="en-US" altLang="ja-JP" dirty="0" smtClean="0"/>
-          </a:p>
-          <a:p>
-            <a:pPr lvl="1"/>
-            <a:r>
-              <a:rPr lang="ja-JP" altLang="en-US" dirty="0" smtClean="0"/>
-              <a:t>言語ジェネレータというものがブロックリーでは用意されているので、勉強する</a:t>
-            </a:r>
-            <a:endParaRPr kumimoji="1" lang="en-US" altLang="ja-JP" dirty="0" smtClean="0"/>
-          </a:p>
-          <a:p>
-            <a:pPr lvl="1"/>
-            <a:endParaRPr kumimoji="1" lang="en-US" altLang="ja-JP" dirty="0" smtClean="0"/>
-          </a:p>
-          <a:p>
-            <a:r>
-              <a:rPr lang="ja-JP" altLang="en-US" dirty="0" smtClean="0"/>
-              <a:t>穴埋めにするアルゴリズムの考案</a:t>
-            </a:r>
-            <a:r>
-              <a:rPr kumimoji="1" lang="ja-JP" altLang="en-US" dirty="0" smtClean="0"/>
-              <a:t>関数名、変数名などを優先的に穴埋めにしたいと考えている</a:t>
-            </a:r>
-            <a:endParaRPr kumimoji="1" lang="en-US" altLang="ja-JP" dirty="0" smtClean="0"/>
-          </a:p>
-          <a:p>
-            <a:pPr lvl="1"/>
-            <a:r>
-              <a:rPr kumimoji="1" lang="ja-JP" altLang="en-US" dirty="0" smtClean="0"/>
-              <a:t>どの部分が穴埋めにしたい部分なのかを判断する方法を思いついていない</a:t>
-            </a:r>
-            <a:endParaRPr kumimoji="1" lang="en-US" altLang="ja-JP" dirty="0" smtClean="0"/>
-          </a:p>
-          <a:p>
-            <a:pPr lvl="1"/>
-            <a:r>
-              <a:rPr lang="ja-JP" altLang="en-US" dirty="0" smtClean="0"/>
-              <a:t>一部のプログラミングをランダムに抜いて、その部分を穴埋め</a:t>
-            </a:r>
-            <a:endParaRPr lang="en-US" altLang="ja-JP" dirty="0" smtClean="0"/>
-          </a:p>
-          <a:p>
-            <a:endParaRPr lang="en-US" altLang="ja-JP" dirty="0" smtClean="0"/>
+            <a:pPr algn="just"/>
+            <a:r>
+              <a:rPr lang="ja-JP" altLang="en-US" dirty="0"/>
+              <a:t>論理的思考がすでに培われていることを前提として問題が提示される教育環境となっている．</a:t>
+            </a:r>
+            <a:endParaRPr lang="en-US" altLang="ja-JP" dirty="0"/>
+          </a:p>
+          <a:p>
+            <a:pPr lvl="1" algn="just">
+              <a:buFont typeface="Wingdings" panose="05000000000000000000" pitchFamily="2" charset="2"/>
+              <a:buChar char="Ø"/>
+            </a:pPr>
+            <a:r>
+              <a:rPr lang="ja-JP" altLang="en-US" dirty="0"/>
+              <a:t>学習者が論理的な思考をもって問題文を読み取ることができる必要がある．</a:t>
+            </a:r>
+            <a:endParaRPr lang="en-US" altLang="ja-JP" dirty="0"/>
+          </a:p>
+          <a:p>
+            <a:pPr algn="just"/>
+            <a:r>
+              <a:rPr lang="ja-JP" altLang="en-US" dirty="0"/>
+              <a:t>プログラミング言語における構文を理解するには，コーディング経験も重要</a:t>
+            </a:r>
+            <a:endParaRPr lang="en-US" altLang="ja-JP" dirty="0"/>
+          </a:p>
+          <a:p>
+            <a:pPr lvl="1" algn="just">
+              <a:buFont typeface="Wingdings" panose="05000000000000000000" pitchFamily="2" charset="2"/>
+              <a:buChar char="Ø"/>
+            </a:pPr>
+            <a:r>
+              <a:rPr lang="en-US" altLang="ja-JP" dirty="0" err="1"/>
+              <a:t>Blockly</a:t>
+            </a:r>
+            <a:r>
+              <a:rPr lang="ja-JP" altLang="en-US" dirty="0"/>
+              <a:t>によって生成されたコードを見るだけではなく</a:t>
+            </a:r>
+            <a:r>
+              <a:rPr lang="en-US" altLang="ja-JP" dirty="0"/>
+              <a:t>,</a:t>
+            </a:r>
+            <a:r>
+              <a:rPr lang="ja-JP" altLang="en-US" dirty="0"/>
+              <a:t>実際に学習者がコーディングする環境でないと，プログラミング言語の構文への理解の定着にはつながらない．</a:t>
+            </a:r>
+            <a:endParaRPr lang="en-US" altLang="ja-JP" dirty="0"/>
           </a:p>
         </p:txBody>
       </p:sp>
@@ -5858,7 +6231,7 @@
           <a:p>
             <a:r>
               <a:rPr lang="ja-JP" altLang="en-US" dirty="0" smtClean="0"/>
-              <a:t>今週の進捗</a:t>
+              <a:t>プログラム群をいくつか作成</a:t>
             </a:r>
             <a:endParaRPr kumimoji="1" lang="ja-JP" altLang="en-US" dirty="0"/>
           </a:p>
@@ -5879,32 +6252,65 @@
           <a:bodyPr/>
           <a:lstStyle/>
           <a:p>
-            <a:pPr marL="0" indent="0">
-              <a:buNone/>
-            </a:pPr>
+            <a:r>
+              <a:rPr kumimoji="1" lang="en-US" altLang="ja-JP" dirty="0" err="1" smtClean="0"/>
+              <a:t>Blockly</a:t>
+            </a:r>
             <a:r>
               <a:rPr kumimoji="1" lang="ja-JP" altLang="en-US" dirty="0" smtClean="0"/>
-              <a:t>選択肢から正誤を判定するプログラムを作成した</a:t>
+              <a:t>に組み込む用</a:t>
             </a:r>
             <a:endParaRPr kumimoji="1" lang="en-US" altLang="ja-JP" dirty="0" smtClean="0"/>
           </a:p>
           <a:p>
-            <a:pPr marL="0" indent="0">
-              <a:buNone/>
-            </a:pPr>
+            <a:pPr lvl="1"/>
+            <a:r>
+              <a:rPr kumimoji="1" lang="ja-JP" altLang="en-US" dirty="0" smtClean="0"/>
+              <a:t>タブクリックで</a:t>
+            </a:r>
+            <a:r>
+              <a:rPr kumimoji="1" lang="en-US" altLang="ja-JP" dirty="0" err="1" smtClean="0"/>
+              <a:t>Div</a:t>
+            </a:r>
+            <a:r>
+              <a:rPr kumimoji="1" lang="ja-JP" altLang="en-US" dirty="0" smtClean="0"/>
+              <a:t>を切り替えるプログラムを生成</a:t>
+            </a:r>
+            <a:endParaRPr kumimoji="1" lang="en-US" altLang="ja-JP" dirty="0" smtClean="0"/>
+          </a:p>
+          <a:p>
+            <a:pPr lvl="1"/>
+            <a:r>
+              <a:rPr kumimoji="1" lang="ja-JP" altLang="en-US" dirty="0" smtClean="0"/>
+              <a:t>セレクトボックスを</a:t>
+            </a:r>
+            <a:r>
+              <a:rPr kumimoji="1" lang="en-US" altLang="ja-JP" dirty="0" err="1" smtClean="0"/>
+              <a:t>Javascript</a:t>
+            </a:r>
+            <a:r>
+              <a:rPr lang="ja-JP" altLang="en-US" dirty="0" err="1" smtClean="0"/>
+              <a:t>にて</a:t>
+            </a:r>
             <a:r>
               <a:rPr lang="ja-JP" altLang="en-US" dirty="0" smtClean="0"/>
-              <a:t>今回作成したプログラムは文章、問題を事前に用意しているため、</a:t>
-            </a:r>
-            <a:r>
-              <a:rPr lang="en-US" altLang="ja-JP" dirty="0" err="1" smtClean="0"/>
+              <a:t>生成</a:t>
+            </a:r>
+            <a:endParaRPr lang="en-US" altLang="ja-JP" dirty="0" smtClean="0"/>
+          </a:p>
+          <a:p>
+            <a:endParaRPr kumimoji="1" lang="en-US" altLang="ja-JP" dirty="0"/>
+          </a:p>
+          <a:p>
+            <a:r>
+              <a:rPr kumimoji="1" lang="en-US" altLang="ja-JP" dirty="0" err="1" smtClean="0"/>
               <a:t>Blockly</a:t>
             </a:r>
             <a:r>
-              <a:rPr lang="ja-JP" altLang="en-US" dirty="0" smtClean="0"/>
-              <a:t>によって生成されたコードを利用して問題を生成する場合の表示方法が決まっていない</a:t>
-            </a:r>
-            <a:endParaRPr kumimoji="1" lang="en-US" altLang="ja-JP" dirty="0" smtClean="0"/>
+              <a:rPr kumimoji="1" lang="ja-JP" altLang="en-US" dirty="0" smtClean="0"/>
+              <a:t>の仕様をわかるために文字列の置換をするためのプログラムを用意し、圧縮されているファイルをデバッグの際に見やすいようにした</a:t>
+            </a:r>
+            <a:endParaRPr kumimoji="1" lang="ja-JP" altLang="en-US" dirty="0"/>
           </a:p>
         </p:txBody>
       </p:sp>
@@ -5924,17 +6330,17 @@
           <a:lstStyle/>
           <a:p>
             <a:fld id="{4A32CB03-0843-4AF8-BFB2-C9917854BC7E}" type="slidenum">
-              <a:rPr kumimoji="1" lang="ja-JP" altLang="en-US" sz="2800" smtClean="0"/>
+              <a:rPr kumimoji="1" lang="ja-JP" altLang="en-US" smtClean="0"/>
               <a:t>2</a:t>
             </a:fld>
-            <a:endParaRPr kumimoji="1" lang="ja-JP" altLang="en-US" dirty="0"/>
+            <a:endParaRPr kumimoji="1" lang="ja-JP" altLang="en-US"/>
           </a:p>
         </p:txBody>
       </p:sp>
     </p:spTree>
     <p:extLst>
       <p:ext uri="{BB962C8B-B14F-4D97-AF65-F5344CB8AC3E}">
-        <p14:creationId xmlns:p14="http://schemas.microsoft.com/office/powerpoint/2010/main" val="3564727157"/>
+        <p14:creationId xmlns:p14="http://schemas.microsoft.com/office/powerpoint/2010/main" val="3396706266"/>
       </p:ext>
     </p:extLst>
   </p:cSld>
@@ -6897,7 +7303,7 @@
 </p:sld>
 </file>
 
-<file path=ppt/slides/slide3.xml><?xml version="1.0" encoding="utf-8"?>
+<file path=ppt/slides/slide27.xml><?xml version="1.0" encoding="utf-8"?>
 <p:sld xmlns:a="http://schemas.openxmlformats.org/drawingml/2006/main" xmlns:r="http://schemas.openxmlformats.org/officeDocument/2006/relationships" xmlns:p="http://schemas.openxmlformats.org/presentationml/2006/main">
   <p:cSld>
     <p:spTree>
@@ -6930,6 +7336,156 @@
           <a:lstStyle/>
           <a:p>
             <a:r>
+              <a:rPr kumimoji="1" lang="ja-JP" altLang="en-US" dirty="0" smtClean="0"/>
+              <a:t>選択肢と正誤判定</a:t>
+            </a:r>
+            <a:endParaRPr kumimoji="1" lang="ja-JP" altLang="en-US" dirty="0"/>
+          </a:p>
+        </p:txBody>
+      </p:sp>
+      <p:sp>
+        <p:nvSpPr>
+          <p:cNvPr id="3" name="コンテンツ プレースホルダー 2"/>
+          <p:cNvSpPr>
+            <a:spLocks noGrp="1"/>
+          </p:cNvSpPr>
+          <p:nvPr>
+            <p:ph idx="1"/>
+          </p:nvPr>
+        </p:nvSpPr>
+        <p:spPr/>
+        <p:txBody>
+          <a:bodyPr/>
+          <a:lstStyle/>
+          <a:p>
+            <a:pPr marL="0" indent="0">
+              <a:buNone/>
+            </a:pPr>
+            <a:r>
+              <a:rPr kumimoji="1" lang="ja-JP" altLang="en-US" dirty="0" smtClean="0"/>
+              <a:t>選択肢から正誤を判定するプログラムを作成した</a:t>
+            </a:r>
+            <a:endParaRPr kumimoji="1" lang="en-US" altLang="ja-JP" dirty="0" smtClean="0"/>
+          </a:p>
+          <a:p>
+            <a:pPr marL="0" indent="0">
+              <a:buNone/>
+            </a:pPr>
+            <a:r>
+              <a:rPr lang="ja-JP" altLang="en-US" dirty="0" smtClean="0"/>
+              <a:t>今回作成したプログラムは文章、問題を事前に用意しているため、</a:t>
+            </a:r>
+            <a:r>
+              <a:rPr lang="en-US" altLang="ja-JP" dirty="0" err="1" smtClean="0"/>
+              <a:t>Blockly</a:t>
+            </a:r>
+            <a:r>
+              <a:rPr lang="ja-JP" altLang="en-US" dirty="0" smtClean="0"/>
+              <a:t>によって生成されたコードを利用して問題を生成する場合の表示方法が決まって</a:t>
+            </a:r>
+            <a:r>
+              <a:rPr lang="ja-JP" altLang="en-US" dirty="0" smtClean="0"/>
+              <a:t>いない</a:t>
+            </a:r>
+            <a:endParaRPr lang="en-US" altLang="ja-JP" dirty="0"/>
+          </a:p>
+          <a:p>
+            <a:pPr marL="0" indent="0">
+              <a:buNone/>
+            </a:pPr>
+            <a:endParaRPr kumimoji="1" lang="en-US" altLang="ja-JP" dirty="0" smtClean="0"/>
+          </a:p>
+          <a:p>
+            <a:pPr marL="0" indent="0">
+              <a:buNone/>
+            </a:pPr>
+            <a:r>
+              <a:rPr lang="en-US" altLang="ja-JP" dirty="0" err="1" smtClean="0"/>
+              <a:t>github</a:t>
+            </a:r>
+            <a:endParaRPr kumimoji="1" lang="en-US" altLang="ja-JP" dirty="0" smtClean="0"/>
+          </a:p>
+          <a:p>
+            <a:pPr marL="0" indent="0">
+              <a:buNone/>
+            </a:pPr>
+            <a:r>
+              <a:rPr lang="en-US" altLang="ja-JP" dirty="0" smtClean="0"/>
+              <a:t>Parts/test.html</a:t>
+            </a:r>
+            <a:endParaRPr kumimoji="1" lang="en-US" altLang="ja-JP" dirty="0" smtClean="0"/>
+          </a:p>
+        </p:txBody>
+      </p:sp>
+      <p:sp>
+        <p:nvSpPr>
+          <p:cNvPr id="4" name="スライド番号プレースホルダー 3"/>
+          <p:cNvSpPr>
+            <a:spLocks noGrp="1"/>
+          </p:cNvSpPr>
+          <p:nvPr>
+            <p:ph type="sldNum" sz="quarter" idx="12"/>
+          </p:nvPr>
+        </p:nvSpPr>
+        <p:spPr/>
+        <p:txBody>
+          <a:bodyPr/>
+          <a:lstStyle/>
+          <a:p>
+            <a:fld id="{4A32CB03-0843-4AF8-BFB2-C9917854BC7E}" type="slidenum">
+              <a:rPr kumimoji="1" lang="ja-JP" altLang="en-US" sz="2800" smtClean="0"/>
+              <a:t>27</a:t>
+            </a:fld>
+            <a:endParaRPr kumimoji="1" lang="ja-JP" altLang="en-US" dirty="0"/>
+          </a:p>
+        </p:txBody>
+      </p:sp>
+    </p:spTree>
+    <p:extLst>
+      <p:ext uri="{BB962C8B-B14F-4D97-AF65-F5344CB8AC3E}">
+        <p14:creationId xmlns:p14="http://schemas.microsoft.com/office/powerpoint/2010/main" val="3564727157"/>
+      </p:ext>
+    </p:extLst>
+  </p:cSld>
+  <p:clrMapOvr>
+    <a:masterClrMapping/>
+  </p:clrMapOvr>
+</p:sld>
+</file>
+
+<file path=ppt/slides/slide28.xml><?xml version="1.0" encoding="utf-8"?>
+<p:sld xmlns:a="http://schemas.openxmlformats.org/drawingml/2006/main" xmlns:r="http://schemas.openxmlformats.org/officeDocument/2006/relationships" xmlns:p="http://schemas.openxmlformats.org/presentationml/2006/main">
+  <p:cSld>
+    <p:spTree>
+      <p:nvGrpSpPr>
+        <p:cNvPr id="1" name=""/>
+        <p:cNvGrpSpPr/>
+        <p:nvPr/>
+      </p:nvGrpSpPr>
+      <p:grpSpPr>
+        <a:xfrm>
+          <a:off x="0" y="0"/>
+          <a:ext cx="0" cy="0"/>
+          <a:chOff x="0" y="0"/>
+          <a:chExt cx="0" cy="0"/>
+        </a:xfrm>
+      </p:grpSpPr>
+      <p:sp>
+        <p:nvSpPr>
+          <p:cNvPr id="2" name="タイトル 1"/>
+          <p:cNvSpPr>
+            <a:spLocks noGrp="1"/>
+          </p:cNvSpPr>
+          <p:nvPr>
+            <p:ph type="title"/>
+          </p:nvPr>
+        </p:nvSpPr>
+        <p:spPr/>
+        <p:txBody>
+          <a:bodyPr/>
+          <a:lstStyle/>
+          <a:p>
+            <a:r>
               <a:rPr lang="ja-JP" altLang="en-US" dirty="0" smtClean="0"/>
               <a:t>選択式から選んで正誤を判定するプログラム</a:t>
             </a:r>
@@ -6954,7 +7510,7 @@
           <a:p>
             <a:fld id="{4A32CB03-0843-4AF8-BFB2-C9917854BC7E}" type="slidenum">
               <a:rPr kumimoji="1" lang="ja-JP" altLang="en-US" smtClean="0"/>
-              <a:t>3</a:t>
+              <a:t>28</a:t>
             </a:fld>
             <a:endParaRPr kumimoji="1" lang="ja-JP" altLang="en-US"/>
           </a:p>
@@ -6997,6 +7553,461 @@
 </p:sld>
 </file>
 
+<file path=ppt/slides/slide29.xml><?xml version="1.0" encoding="utf-8"?>
+<p:sld xmlns:a="http://schemas.openxmlformats.org/drawingml/2006/main" xmlns:r="http://schemas.openxmlformats.org/officeDocument/2006/relationships" xmlns:p="http://schemas.openxmlformats.org/presentationml/2006/main">
+  <p:cSld>
+    <p:spTree>
+      <p:nvGrpSpPr>
+        <p:cNvPr id="1" name=""/>
+        <p:cNvGrpSpPr/>
+        <p:nvPr/>
+      </p:nvGrpSpPr>
+      <p:grpSpPr>
+        <a:xfrm>
+          <a:off x="0" y="0"/>
+          <a:ext cx="0" cy="0"/>
+          <a:chOff x="0" y="0"/>
+          <a:chExt cx="0" cy="0"/>
+        </a:xfrm>
+      </p:grpSpPr>
+      <p:sp>
+        <p:nvSpPr>
+          <p:cNvPr id="2" name="タイトル 1"/>
+          <p:cNvSpPr>
+            <a:spLocks noGrp="1"/>
+          </p:cNvSpPr>
+          <p:nvPr>
+            <p:ph type="title"/>
+          </p:nvPr>
+        </p:nvSpPr>
+        <p:spPr/>
+        <p:txBody>
+          <a:bodyPr/>
+          <a:lstStyle/>
+          <a:p>
+            <a:r>
+              <a:rPr kumimoji="1" lang="ja-JP" altLang="en-US" dirty="0" smtClean="0"/>
+              <a:t>利用方法の模索</a:t>
+            </a:r>
+            <a:endParaRPr kumimoji="1" lang="ja-JP" altLang="en-US" dirty="0"/>
+          </a:p>
+        </p:txBody>
+      </p:sp>
+      <p:sp>
+        <p:nvSpPr>
+          <p:cNvPr id="3" name="コンテンツ プレースホルダー 2"/>
+          <p:cNvSpPr>
+            <a:spLocks noGrp="1"/>
+          </p:cNvSpPr>
+          <p:nvPr>
+            <p:ph idx="1"/>
+          </p:nvPr>
+        </p:nvSpPr>
+        <p:spPr/>
+        <p:txBody>
+          <a:bodyPr/>
+          <a:lstStyle/>
+          <a:p>
+            <a:r>
+              <a:rPr kumimoji="1" lang="en-US" altLang="ja-JP" dirty="0" err="1" smtClean="0"/>
+              <a:t>Blockly</a:t>
+            </a:r>
+            <a:r>
+              <a:rPr lang="ja-JP" altLang="en-US" dirty="0"/>
+              <a:t>に</a:t>
+            </a:r>
+            <a:r>
+              <a:rPr lang="ja-JP" altLang="en-US" dirty="0" smtClean="0"/>
+              <a:t>よって生成したコードは一つの文字列として利用できる、これを単語ごとに区切ることで、コードの一部を選択肢として利用できるかもしれない</a:t>
+            </a:r>
+            <a:endParaRPr lang="en-US" altLang="ja-JP" dirty="0" smtClean="0"/>
+          </a:p>
+          <a:p>
+            <a:pPr lvl="1"/>
+            <a:r>
+              <a:rPr kumimoji="1" lang="ja-JP" altLang="en-US" dirty="0" smtClean="0"/>
+              <a:t>文字列から単語として認識した</a:t>
+            </a:r>
+            <a:r>
+              <a:rPr kumimoji="1" lang="en-US" altLang="ja-JP" dirty="0" smtClean="0"/>
+              <a:t>”</a:t>
+            </a:r>
+            <a:r>
+              <a:rPr kumimoji="1" lang="en-US" altLang="ja-JP" dirty="0" err="1" smtClean="0"/>
+              <a:t>int</a:t>
+            </a:r>
+            <a:r>
+              <a:rPr kumimoji="1" lang="en-US" altLang="ja-JP" dirty="0" smtClean="0"/>
+              <a:t>”</a:t>
+            </a:r>
+            <a:r>
+              <a:rPr kumimoji="1" lang="ja-JP" altLang="en-US" dirty="0" smtClean="0"/>
+              <a:t>などの</a:t>
+            </a:r>
+            <a:r>
+              <a:rPr lang="ja-JP" altLang="en-US" dirty="0" smtClean="0"/>
+              <a:t>単語を</a:t>
+            </a:r>
+            <a:r>
+              <a:rPr lang="en-US" altLang="ja-JP" dirty="0" smtClean="0"/>
+              <a:t>html</a:t>
+            </a:r>
+            <a:r>
+              <a:rPr lang="ja-JP" altLang="en-US" dirty="0" smtClean="0"/>
+              <a:t>で利用できる文字列に変換するなど</a:t>
+            </a:r>
+            <a:endParaRPr lang="en-US" altLang="ja-JP" dirty="0" smtClean="0"/>
+          </a:p>
+          <a:p>
+            <a:r>
+              <a:rPr lang="ja-JP" altLang="en-US" dirty="0" smtClean="0"/>
+              <a:t>今回は</a:t>
+            </a:r>
+            <a:r>
+              <a:rPr lang="en-US" altLang="ja-JP" dirty="0" smtClean="0"/>
+              <a:t>html</a:t>
+            </a:r>
+            <a:r>
+              <a:rPr lang="ja-JP" altLang="en-US" dirty="0" smtClean="0"/>
+              <a:t>の</a:t>
+            </a:r>
+            <a:r>
+              <a:rPr lang="en-US" altLang="ja-JP" dirty="0" smtClean="0"/>
+              <a:t>select</a:t>
+            </a:r>
+            <a:r>
+              <a:rPr lang="ja-JP" altLang="en-US" dirty="0" smtClean="0"/>
+              <a:t>タグを使って選択肢を生成しているが、</a:t>
+            </a:r>
+            <a:r>
+              <a:rPr lang="en-US" altLang="ja-JP" dirty="0" err="1" smtClean="0"/>
+              <a:t>Javascript</a:t>
+            </a:r>
+            <a:r>
+              <a:rPr lang="ja-JP" altLang="en-US" dirty="0" smtClean="0"/>
+              <a:t>で選択肢の生成もできると、上の方法に利用できるかもしれない</a:t>
+            </a:r>
+            <a:endParaRPr lang="en-US" altLang="ja-JP" dirty="0" smtClean="0"/>
+          </a:p>
+        </p:txBody>
+      </p:sp>
+      <p:sp>
+        <p:nvSpPr>
+          <p:cNvPr id="4" name="スライド番号プレースホルダー 3"/>
+          <p:cNvSpPr>
+            <a:spLocks noGrp="1"/>
+          </p:cNvSpPr>
+          <p:nvPr>
+            <p:ph type="sldNum" sz="quarter" idx="12"/>
+          </p:nvPr>
+        </p:nvSpPr>
+        <p:spPr/>
+        <p:txBody>
+          <a:bodyPr/>
+          <a:lstStyle/>
+          <a:p>
+            <a:fld id="{4A32CB03-0843-4AF8-BFB2-C9917854BC7E}" type="slidenum">
+              <a:rPr kumimoji="1" lang="ja-JP" altLang="en-US" smtClean="0"/>
+              <a:t>29</a:t>
+            </a:fld>
+            <a:endParaRPr kumimoji="1" lang="ja-JP" altLang="en-US"/>
+          </a:p>
+        </p:txBody>
+      </p:sp>
+    </p:spTree>
+    <p:extLst>
+      <p:ext uri="{BB962C8B-B14F-4D97-AF65-F5344CB8AC3E}">
+        <p14:creationId xmlns:p14="http://schemas.microsoft.com/office/powerpoint/2010/main" val="3837190238"/>
+      </p:ext>
+    </p:extLst>
+  </p:cSld>
+  <p:clrMapOvr>
+    <a:masterClrMapping/>
+  </p:clrMapOvr>
+</p:sld>
+</file>
+
+<file path=ppt/slides/slide3.xml><?xml version="1.0" encoding="utf-8"?>
+<p:sld xmlns:a="http://schemas.openxmlformats.org/drawingml/2006/main" xmlns:r="http://schemas.openxmlformats.org/officeDocument/2006/relationships" xmlns:p="http://schemas.openxmlformats.org/presentationml/2006/main">
+  <p:cSld>
+    <p:spTree>
+      <p:nvGrpSpPr>
+        <p:cNvPr id="1" name=""/>
+        <p:cNvGrpSpPr/>
+        <p:nvPr/>
+      </p:nvGrpSpPr>
+      <p:grpSpPr>
+        <a:xfrm>
+          <a:off x="0" y="0"/>
+          <a:ext cx="0" cy="0"/>
+          <a:chOff x="0" y="0"/>
+          <a:chExt cx="0" cy="0"/>
+        </a:xfrm>
+      </p:grpSpPr>
+      <p:sp>
+        <p:nvSpPr>
+          <p:cNvPr id="2" name="タイトル 1"/>
+          <p:cNvSpPr>
+            <a:spLocks noGrp="1"/>
+          </p:cNvSpPr>
+          <p:nvPr>
+            <p:ph type="title"/>
+          </p:nvPr>
+        </p:nvSpPr>
+        <p:spPr/>
+        <p:txBody>
+          <a:bodyPr/>
+          <a:lstStyle/>
+          <a:p>
+            <a:r>
+              <a:rPr lang="ja-JP" altLang="en-US" dirty="0" smtClean="0"/>
+              <a:t>現在の</a:t>
+            </a:r>
+            <a:r>
+              <a:rPr lang="en-US" altLang="ja-JP" dirty="0" smtClean="0"/>
+              <a:t>UI</a:t>
+            </a:r>
+            <a:r>
+              <a:rPr lang="ja-JP" altLang="en-US" dirty="0" smtClean="0"/>
+              <a:t>から変更したい</a:t>
+            </a:r>
+            <a:endParaRPr kumimoji="1" lang="ja-JP" altLang="en-US" dirty="0"/>
+          </a:p>
+        </p:txBody>
+      </p:sp>
+      <p:sp>
+        <p:nvSpPr>
+          <p:cNvPr id="3" name="コンテンツ プレースホルダー 2"/>
+          <p:cNvSpPr>
+            <a:spLocks noGrp="1"/>
+          </p:cNvSpPr>
+          <p:nvPr>
+            <p:ph idx="1"/>
+          </p:nvPr>
+        </p:nvSpPr>
+        <p:spPr/>
+        <p:txBody>
+          <a:bodyPr/>
+          <a:lstStyle/>
+          <a:p>
+            <a:pPr marL="0" indent="0">
+              <a:buNone/>
+            </a:pPr>
+            <a:r>
+              <a:rPr kumimoji="1" lang="ja-JP" altLang="en-US" dirty="0" smtClean="0"/>
+              <a:t>現在試験的に</a:t>
+            </a:r>
+            <a:endParaRPr kumimoji="1" lang="en-US" altLang="ja-JP" dirty="0" smtClean="0"/>
+          </a:p>
+          <a:p>
+            <a:r>
+              <a:rPr kumimoji="1" lang="ja-JP" altLang="en-US" dirty="0" smtClean="0"/>
+              <a:t>左側半分が</a:t>
+            </a:r>
+            <a:r>
+              <a:rPr kumimoji="1" lang="en-US" altLang="ja-JP" dirty="0" smtClean="0"/>
+              <a:t>Block</a:t>
+            </a:r>
+            <a:r>
+              <a:rPr kumimoji="1" lang="ja-JP" altLang="en-US" dirty="0" smtClean="0"/>
+              <a:t>を設置する場所</a:t>
+            </a:r>
+            <a:endParaRPr kumimoji="1" lang="en-US" altLang="ja-JP" dirty="0" smtClean="0"/>
+          </a:p>
+          <a:p>
+            <a:r>
+              <a:rPr lang="ja-JP" altLang="en-US" dirty="0" smtClean="0"/>
+              <a:t>右側上側が問題を用意する場所</a:t>
+            </a:r>
+            <a:endParaRPr lang="en-US" altLang="ja-JP" dirty="0" smtClean="0"/>
+          </a:p>
+          <a:p>
+            <a:r>
+              <a:rPr kumimoji="1" lang="ja-JP" altLang="en-US" dirty="0" smtClean="0"/>
+              <a:t>右側下側が解答を書く場所</a:t>
+            </a:r>
+            <a:endParaRPr kumimoji="1" lang="en-US" altLang="ja-JP" dirty="0" smtClean="0"/>
+          </a:p>
+          <a:p>
+            <a:pPr marL="0" indent="0">
+              <a:buNone/>
+            </a:pPr>
+            <a:r>
+              <a:rPr kumimoji="1" lang="ja-JP" altLang="en-US" dirty="0" smtClean="0"/>
+              <a:t>として、画面配置をしていた</a:t>
+            </a:r>
+            <a:endParaRPr kumimoji="1" lang="en-US" altLang="ja-JP" dirty="0" smtClean="0"/>
+          </a:p>
+          <a:p>
+            <a:endParaRPr kumimoji="1" lang="en-US" altLang="ja-JP" dirty="0" smtClean="0"/>
+          </a:p>
+        </p:txBody>
+      </p:sp>
+      <p:sp>
+        <p:nvSpPr>
+          <p:cNvPr id="4" name="スライド番号プレースホルダー 3"/>
+          <p:cNvSpPr>
+            <a:spLocks noGrp="1"/>
+          </p:cNvSpPr>
+          <p:nvPr>
+            <p:ph type="sldNum" sz="quarter" idx="12"/>
+          </p:nvPr>
+        </p:nvSpPr>
+        <p:spPr/>
+        <p:txBody>
+          <a:bodyPr/>
+          <a:lstStyle/>
+          <a:p>
+            <a:fld id="{4A32CB03-0843-4AF8-BFB2-C9917854BC7E}" type="slidenum">
+              <a:rPr kumimoji="1" lang="ja-JP" altLang="en-US" smtClean="0"/>
+              <a:t>3</a:t>
+            </a:fld>
+            <a:endParaRPr kumimoji="1" lang="ja-JP" altLang="en-US"/>
+          </a:p>
+        </p:txBody>
+      </p:sp>
+    </p:spTree>
+    <p:extLst>
+      <p:ext uri="{BB962C8B-B14F-4D97-AF65-F5344CB8AC3E}">
+        <p14:creationId xmlns:p14="http://schemas.microsoft.com/office/powerpoint/2010/main" val="3055970228"/>
+      </p:ext>
+    </p:extLst>
+  </p:cSld>
+  <p:clrMapOvr>
+    <a:masterClrMapping/>
+  </p:clrMapOvr>
+</p:sld>
+</file>
+
+<file path=ppt/slides/slide30.xml><?xml version="1.0" encoding="utf-8"?>
+<p:sld xmlns:a="http://schemas.openxmlformats.org/drawingml/2006/main" xmlns:r="http://schemas.openxmlformats.org/officeDocument/2006/relationships" xmlns:p="http://schemas.openxmlformats.org/presentationml/2006/main">
+  <p:cSld>
+    <p:spTree>
+      <p:nvGrpSpPr>
+        <p:cNvPr id="1" name=""/>
+        <p:cNvGrpSpPr/>
+        <p:nvPr/>
+      </p:nvGrpSpPr>
+      <p:grpSpPr>
+        <a:xfrm>
+          <a:off x="0" y="0"/>
+          <a:ext cx="0" cy="0"/>
+          <a:chOff x="0" y="0"/>
+          <a:chExt cx="0" cy="0"/>
+        </a:xfrm>
+      </p:grpSpPr>
+      <p:sp>
+        <p:nvSpPr>
+          <p:cNvPr id="2" name="タイトル 1"/>
+          <p:cNvSpPr>
+            <a:spLocks noGrp="1"/>
+          </p:cNvSpPr>
+          <p:nvPr>
+            <p:ph type="title"/>
+          </p:nvPr>
+        </p:nvSpPr>
+        <p:spPr/>
+        <p:txBody>
+          <a:bodyPr/>
+          <a:lstStyle/>
+          <a:p>
+            <a:r>
+              <a:rPr kumimoji="1" lang="en-US" altLang="ja-JP" dirty="0" err="1" smtClean="0"/>
+              <a:t>selectbox</a:t>
+            </a:r>
+            <a:r>
+              <a:rPr kumimoji="1" lang="ja-JP" altLang="en-US" dirty="0" smtClean="0"/>
+              <a:t>の選択肢の生成</a:t>
+            </a:r>
+            <a:endParaRPr kumimoji="1" lang="ja-JP" altLang="en-US" dirty="0"/>
+          </a:p>
+        </p:txBody>
+      </p:sp>
+      <p:sp>
+        <p:nvSpPr>
+          <p:cNvPr id="3" name="コンテンツ プレースホルダー 2"/>
+          <p:cNvSpPr>
+            <a:spLocks noGrp="1"/>
+          </p:cNvSpPr>
+          <p:nvPr>
+            <p:ph idx="1"/>
+          </p:nvPr>
+        </p:nvSpPr>
+        <p:spPr/>
+        <p:txBody>
+          <a:bodyPr/>
+          <a:lstStyle/>
+          <a:p>
+            <a:r>
+              <a:rPr lang="ja-JP" altLang="en-US" dirty="0" smtClean="0"/>
+              <a:t>上記スライドでは問題文も選択肢も静的に決定されているが、</a:t>
+            </a:r>
+            <a:r>
+              <a:rPr lang="en-US" altLang="ja-JP" dirty="0" err="1" smtClean="0"/>
+              <a:t>Javascript</a:t>
+            </a:r>
+            <a:r>
+              <a:rPr lang="ja-JP" altLang="en-US" dirty="0" smtClean="0"/>
+              <a:t>を用いることで動的に内容を設定できるらしい</a:t>
+            </a:r>
+            <a:endParaRPr lang="en-US" altLang="ja-JP" dirty="0" smtClean="0"/>
+          </a:p>
+          <a:p>
+            <a:r>
+              <a:rPr kumimoji="1" lang="ja-JP" altLang="en-US" dirty="0" smtClean="0"/>
+              <a:t>セレクトボックス</a:t>
+            </a:r>
+            <a:r>
+              <a:rPr lang="ja-JP" altLang="en-US" dirty="0"/>
+              <a:t>自体</a:t>
+            </a:r>
+            <a:r>
+              <a:rPr kumimoji="1" lang="ja-JP" altLang="en-US" dirty="0" smtClean="0"/>
+              <a:t>を生成することもどうやら可能らしい</a:t>
+            </a:r>
+            <a:endParaRPr kumimoji="1" lang="en-US" altLang="ja-JP" dirty="0" smtClean="0"/>
+          </a:p>
+          <a:p>
+            <a:endParaRPr kumimoji="1" lang="ja-JP" altLang="en-US" dirty="0"/>
+          </a:p>
+        </p:txBody>
+      </p:sp>
+      <p:sp>
+        <p:nvSpPr>
+          <p:cNvPr id="4" name="スライド番号プレースホルダー 3"/>
+          <p:cNvSpPr>
+            <a:spLocks noGrp="1"/>
+          </p:cNvSpPr>
+          <p:nvPr>
+            <p:ph type="sldNum" sz="quarter" idx="12"/>
+          </p:nvPr>
+        </p:nvSpPr>
+        <p:spPr/>
+        <p:txBody>
+          <a:bodyPr/>
+          <a:lstStyle/>
+          <a:p>
+            <a:fld id="{4A32CB03-0843-4AF8-BFB2-C9917854BC7E}" type="slidenum">
+              <a:rPr kumimoji="1" lang="ja-JP" altLang="en-US" smtClean="0"/>
+              <a:t>30</a:t>
+            </a:fld>
+            <a:endParaRPr kumimoji="1" lang="ja-JP" altLang="en-US"/>
+          </a:p>
+        </p:txBody>
+      </p:sp>
+    </p:spTree>
+    <p:extLst>
+      <p:ext uri="{BB962C8B-B14F-4D97-AF65-F5344CB8AC3E}">
+        <p14:creationId xmlns:p14="http://schemas.microsoft.com/office/powerpoint/2010/main" val="3172470415"/>
+      </p:ext>
+    </p:extLst>
+  </p:cSld>
+  <p:clrMapOvr>
+    <a:masterClrMapping/>
+  </p:clrMapOvr>
+</p:sld>
+</file>
+
 <file path=ppt/slides/slide4.xml><?xml version="1.0" encoding="utf-8"?>
 <p:sld xmlns:a="http://schemas.openxmlformats.org/drawingml/2006/main" xmlns:r="http://schemas.openxmlformats.org/officeDocument/2006/relationships" xmlns:p="http://schemas.openxmlformats.org/presentationml/2006/main">
   <p:cSld>
@@ -7031,110 +8042,40 @@
           <a:p>
             <a:r>
               <a:rPr kumimoji="1" lang="ja-JP" altLang="en-US" dirty="0" smtClean="0"/>
-              <a:t>利用方法の模索</a:t>
+              <a:t>現在の画面配置</a:t>
             </a:r>
             <a:endParaRPr kumimoji="1" lang="ja-JP" altLang="en-US" dirty="0"/>
           </a:p>
         </p:txBody>
       </p:sp>
-      <p:sp>
-        <p:nvSpPr>
-          <p:cNvPr id="3" name="コンテンツ プレースホルダー 2"/>
-          <p:cNvSpPr>
-            <a:spLocks noGrp="1"/>
-          </p:cNvSpPr>
+      <p:pic>
+        <p:nvPicPr>
+          <p:cNvPr id="5" name="コンテンツ プレースホルダー 4"/>
+          <p:cNvPicPr>
+            <a:picLocks noGrp="1" noChangeAspect="1"/>
+          </p:cNvPicPr>
           <p:nvPr>
             <p:ph idx="1"/>
           </p:nvPr>
-        </p:nvSpPr>
-        <p:spPr/>
-        <p:txBody>
-          <a:bodyPr/>
-          <a:lstStyle/>
-          <a:p>
-            <a:r>
-              <a:rPr kumimoji="1" lang="en-US" altLang="ja-JP" dirty="0" err="1" smtClean="0"/>
-              <a:t>Blockly</a:t>
-            </a:r>
-            <a:r>
-              <a:rPr lang="ja-JP" altLang="en-US" dirty="0"/>
-              <a:t>に</a:t>
-            </a:r>
-            <a:r>
-              <a:rPr lang="ja-JP" altLang="en-US" dirty="0" smtClean="0"/>
-              <a:t>よって生成したコードは一つの文字列として利用できる、これを単語ごとに区切ることで、コードの一部を選択肢として利用できるかもしれない</a:t>
-            </a:r>
-            <a:endParaRPr lang="en-US" altLang="ja-JP" dirty="0" smtClean="0"/>
-          </a:p>
-          <a:p>
-            <a:pPr lvl="1"/>
-            <a:r>
-              <a:rPr kumimoji="1" lang="ja-JP" altLang="en-US" dirty="0" smtClean="0"/>
-              <a:t>文字列から単語として認識した</a:t>
-            </a:r>
-            <a:r>
-              <a:rPr kumimoji="1" lang="en-US" altLang="ja-JP" dirty="0" smtClean="0"/>
-              <a:t>”</a:t>
-            </a:r>
-            <a:r>
-              <a:rPr kumimoji="1" lang="en-US" altLang="ja-JP" dirty="0" err="1" smtClean="0"/>
-              <a:t>int</a:t>
-            </a:r>
-            <a:r>
-              <a:rPr kumimoji="1" lang="en-US" altLang="ja-JP" dirty="0" smtClean="0"/>
-              <a:t>”</a:t>
-            </a:r>
-            <a:r>
-              <a:rPr kumimoji="1" lang="ja-JP" altLang="en-US" dirty="0" smtClean="0"/>
-              <a:t>などの</a:t>
-            </a:r>
-            <a:r>
-              <a:rPr lang="ja-JP" altLang="en-US" dirty="0" smtClean="0"/>
-              <a:t>単語を</a:t>
-            </a:r>
-            <a:r>
-              <a:rPr lang="en-US" altLang="ja-JP" dirty="0" smtClean="0"/>
-              <a:t>html</a:t>
-            </a:r>
-            <a:r>
-              <a:rPr lang="ja-JP" altLang="en-US" dirty="0" smtClean="0"/>
-              <a:t>で利用できる文字列に変換するなど</a:t>
-            </a:r>
-            <a:endParaRPr lang="en-US" altLang="ja-JP" dirty="0" smtClean="0"/>
-          </a:p>
-          <a:p>
-            <a:r>
-              <a:rPr lang="ja-JP" altLang="en-US" dirty="0" smtClean="0"/>
-              <a:t>今回は</a:t>
-            </a:r>
-            <a:r>
-              <a:rPr lang="en-US" altLang="ja-JP" dirty="0" smtClean="0"/>
-              <a:t>html</a:t>
-            </a:r>
-            <a:r>
-              <a:rPr lang="ja-JP" altLang="en-US" dirty="0" smtClean="0"/>
-              <a:t>の</a:t>
-            </a:r>
-            <a:r>
-              <a:rPr lang="en-US" altLang="ja-JP" dirty="0" smtClean="0"/>
-              <a:t>select</a:t>
-            </a:r>
-            <a:r>
-              <a:rPr lang="ja-JP" altLang="en-US" dirty="0" smtClean="0"/>
-              <a:t>タグを使って選択肢を生成しているが、</a:t>
-            </a:r>
-            <a:r>
-              <a:rPr lang="en-US" altLang="ja-JP" dirty="0" err="1" smtClean="0"/>
-              <a:t>Javascript</a:t>
-            </a:r>
-            <a:r>
-              <a:rPr lang="ja-JP" altLang="en-US" dirty="0" smtClean="0"/>
-              <a:t>で選択肢の生成もできると、上の方法に利用できるかもしれない</a:t>
-            </a:r>
-            <a:endParaRPr lang="en-US" altLang="ja-JP" dirty="0" smtClean="0"/>
-          </a:p>
-        </p:txBody>
-      </p:sp>
+        </p:nvPicPr>
+        <p:blipFill rotWithShape="1">
+          <a:blip r:embed="rId2" cstate="print">
+            <a:extLst>
+              <a:ext uri="{28A0092B-C50C-407E-A947-70E740481C1C}">
+                <a14:useLocalDpi xmlns:a14="http://schemas.microsoft.com/office/drawing/2010/main" val="0"/>
+              </a:ext>
+            </a:extLst>
+          </a:blip>
+          <a:srcRect t="10191" r="16728" b="17434"/>
+          <a:stretch/>
+        </p:blipFill>
+        <p:spPr>
+          <a:xfrm>
+            <a:off x="704144" y="2057400"/>
+            <a:ext cx="7671058" cy="3962399"/>
+          </a:xfrm>
+        </p:spPr>
+      </p:pic>
       <p:sp>
         <p:nvSpPr>
           <p:cNvPr id="4" name="スライド番号プレースホルダー 3"/>
@@ -7161,7 +8102,7 @@
     </p:spTree>
     <p:extLst>
       <p:ext uri="{BB962C8B-B14F-4D97-AF65-F5344CB8AC3E}">
-        <p14:creationId xmlns:p14="http://schemas.microsoft.com/office/powerpoint/2010/main" val="3837190238"/>
+        <p14:creationId xmlns:p14="http://schemas.microsoft.com/office/powerpoint/2010/main" val="2567153406"/>
       </p:ext>
     </p:extLst>
   </p:cSld>
@@ -7204,12 +8145,8 @@
           <a:lstStyle/>
           <a:p>
             <a:r>
-              <a:rPr kumimoji="1" lang="en-US" altLang="ja-JP" dirty="0" err="1" smtClean="0"/>
-              <a:t>selectbox</a:t>
-            </a:r>
-            <a:r>
               <a:rPr kumimoji="1" lang="ja-JP" altLang="en-US" dirty="0" smtClean="0"/>
-              <a:t>の選択肢の生成</a:t>
+              <a:t>変換後</a:t>
             </a:r>
             <a:endParaRPr kumimoji="1" lang="ja-JP" altLang="en-US" dirty="0"/>
           </a:p>
@@ -7231,35 +8168,38 @@
           <a:lstStyle/>
           <a:p>
             <a:r>
+              <a:rPr kumimoji="1" lang="ja-JP" altLang="en-US" dirty="0" smtClean="0"/>
+              <a:t>右側をスイッチ可能なひとつのエリアにする</a:t>
+            </a:r>
+            <a:endParaRPr kumimoji="1" lang="en-US" altLang="ja-JP" dirty="0" smtClean="0"/>
+          </a:p>
+          <a:p>
+            <a:endParaRPr lang="en-US" altLang="ja-JP" dirty="0"/>
+          </a:p>
+          <a:p>
+            <a:pPr marL="514350" indent="-514350">
+              <a:buFont typeface="+mj-lt"/>
+              <a:buAutoNum type="arabicPeriod"/>
+            </a:pPr>
+            <a:r>
+              <a:rPr lang="ja-JP" altLang="en-US" dirty="0"/>
+              <a:t>問題</a:t>
+            </a:r>
+            <a:r>
               <a:rPr lang="ja-JP" altLang="en-US" dirty="0" smtClean="0"/>
-              <a:t>上記スライドでは問題文も選択肢も静的に決定されているが、</a:t>
-            </a:r>
-            <a:r>
-              <a:rPr lang="en-US" altLang="ja-JP" dirty="0" err="1" smtClean="0"/>
-              <a:t>Javascript</a:t>
-            </a:r>
-            <a:r>
-              <a:rPr lang="ja-JP" altLang="en-US" dirty="0" smtClean="0"/>
-              <a:t>を用いることで動的に内容を設定できるらしい</a:t>
+              <a:t>を生成する場所</a:t>
             </a:r>
             <a:endParaRPr lang="en-US" altLang="ja-JP" dirty="0" smtClean="0"/>
           </a:p>
           <a:p>
+            <a:pPr marL="514350" indent="-514350">
+              <a:buFont typeface="+mj-lt"/>
+              <a:buAutoNum type="arabicPeriod"/>
+            </a:pPr>
             <a:r>
               <a:rPr kumimoji="1" lang="ja-JP" altLang="en-US" dirty="0" smtClean="0"/>
-              <a:t>セレクトボックス</a:t>
-            </a:r>
-            <a:r>
-              <a:rPr lang="ja-JP" altLang="en-US" dirty="0"/>
-              <a:t>自体</a:t>
-            </a:r>
-            <a:r>
-              <a:rPr kumimoji="1" lang="ja-JP" altLang="en-US" dirty="0" smtClean="0"/>
-              <a:t>を生成することもどうやら可能らしい</a:t>
-            </a:r>
-            <a:endParaRPr kumimoji="1" lang="en-US" altLang="ja-JP" dirty="0" smtClean="0"/>
-          </a:p>
-          <a:p>
+              <a:t>ブロックからコードを生成できる場所</a:t>
+            </a:r>
             <a:endParaRPr kumimoji="1" lang="ja-JP" altLang="en-US" dirty="0"/>
           </a:p>
         </p:txBody>
@@ -7290,7 +8230,7 @@
     </p:spTree>
     <p:extLst>
       <p:ext uri="{BB962C8B-B14F-4D97-AF65-F5344CB8AC3E}">
-        <p14:creationId xmlns:p14="http://schemas.microsoft.com/office/powerpoint/2010/main" val="3172470415"/>
+        <p14:creationId xmlns:p14="http://schemas.microsoft.com/office/powerpoint/2010/main" val="4109147071"/>
       </p:ext>
     </p:extLst>
   </p:cSld>
@@ -7492,19 +8432,32 @@
           <a:bodyPr/>
           <a:lstStyle/>
           <a:p>
-            <a:r>
-              <a:rPr lang="ja-JP" altLang="en-US" dirty="0" smtClean="0"/>
-              <a:t>必修化</a:t>
+            <a:pPr algn="just"/>
+            <a:r>
+              <a:rPr lang="en-US" altLang="ja-JP" dirty="0"/>
+              <a:t>2020</a:t>
             </a:r>
             <a:r>
               <a:rPr lang="ja-JP" altLang="en-US" dirty="0"/>
-              <a:t>となって</a:t>
-            </a:r>
-            <a:r>
-              <a:rPr lang="ja-JP" altLang="en-US" dirty="0" smtClean="0"/>
-              <a:t>いくプログラミングについて、中高生が勉強するために、教科書を読むだけでは難しい方が考えられる。そのような方が実際にプログラミングに触れてみれるような環境を作成したい</a:t>
-            </a:r>
-            <a:endParaRPr lang="en-US" altLang="ja-JP" dirty="0" smtClean="0"/>
+              <a:t>年以降小学校，中学校，高等学校にてプログラミング教育の必修が全面実施される．</a:t>
+            </a:r>
+            <a:endParaRPr lang="en-US" altLang="ja-JP" dirty="0"/>
+          </a:p>
+          <a:p>
+            <a:pPr algn="just"/>
+            <a:r>
+              <a:rPr lang="ja-JP" altLang="en-US" dirty="0"/>
+              <a:t>文部科学省の発表によると，プログラミング教育を必修とする目的は，現代社会で普遍的に求められる力としての論理的思考などを育むことである．</a:t>
+            </a:r>
+            <a:endParaRPr lang="en-US" altLang="ja-JP" dirty="0"/>
+          </a:p>
+          <a:p>
+            <a:pPr algn="just"/>
+            <a:r>
+              <a:rPr lang="ja-JP" altLang="en-US" dirty="0"/>
+              <a:t>論理的思考とは，「思考や論証の組み立て，思考の妥当性が保証される法則や形式」に則って思考を組み立てることとする．</a:t>
+            </a:r>
+            <a:endParaRPr lang="en-US" altLang="ja-JP" dirty="0"/>
           </a:p>
         </p:txBody>
       </p:sp>
@@ -7728,36 +8681,32 @@
           <a:bodyPr/>
           <a:lstStyle/>
           <a:p>
-            <a:r>
-              <a:rPr kumimoji="1" lang="en-US" altLang="ja-JP" dirty="0" err="1" smtClean="0"/>
+            <a:pPr algn="just"/>
+            <a:r>
+              <a:rPr lang="ja-JP" altLang="en-US" dirty="0"/>
+              <a:t>学習者が教科書を読み進めるだけではなく，プログラミングに実際に触れることで，論理的思考を身に着けられる環境を作成したいと考えた．</a:t>
+            </a:r>
+            <a:endParaRPr lang="en-US" altLang="ja-JP" dirty="0"/>
+          </a:p>
+          <a:p>
+            <a:pPr algn="just"/>
+            <a:r>
+              <a:rPr lang="ja-JP" altLang="en-US" dirty="0"/>
+              <a:t>ブロックプログラミングを用いることで，学習の初期段階でプログラム言語の構文への理解が浅い状態でもコードの実行が可能である．</a:t>
+            </a:r>
+            <a:endParaRPr lang="en-US" altLang="ja-JP" dirty="0"/>
+          </a:p>
+          <a:p>
+            <a:pPr algn="just"/>
+            <a:r>
+              <a:rPr lang="en-US" altLang="ja-JP" dirty="0" err="1"/>
               <a:t>Blockly</a:t>
             </a:r>
             <a:r>
               <a:rPr lang="ja-JP" altLang="en-US" dirty="0"/>
-              <a:t>に</a:t>
-            </a:r>
-            <a:r>
-              <a:rPr lang="ja-JP" altLang="en-US" dirty="0" smtClean="0"/>
-              <a:t>よるブロックプログラムとプログラミング言語によるコーディングへの変換により、学習環境を作成</a:t>
-            </a:r>
-            <a:endParaRPr lang="en-US" altLang="ja-JP" dirty="0" smtClean="0"/>
-          </a:p>
-          <a:p>
-            <a:pPr marL="0" indent="0">
-              <a:buNone/>
-            </a:pPr>
-            <a:endParaRPr lang="en-US" altLang="ja-JP" dirty="0" smtClean="0"/>
-          </a:p>
-          <a:p>
-            <a:r>
-              <a:rPr kumimoji="1" lang="ja-JP" altLang="en-US" dirty="0" smtClean="0"/>
-              <a:t>穴埋め問題にするアルゴリズム</a:t>
-            </a:r>
-            <a:r>
-              <a:rPr lang="ja-JP" altLang="en-US" dirty="0" smtClean="0"/>
-              <a:t>を提案することで学習の幅を広げる</a:t>
-            </a:r>
-            <a:endParaRPr kumimoji="1" lang="en-US" altLang="ja-JP" dirty="0" smtClean="0"/>
+              <a:t>のコードジェネレート機能を用いることで，プログラムの構文への理解につながる．</a:t>
+            </a:r>
+            <a:endParaRPr lang="en-US" altLang="ja-JP" dirty="0"/>
           </a:p>
           <a:p>
             <a:endParaRPr lang="en-US" altLang="ja-JP" dirty="0"/>

--- a/1821121_shimaoka_sotsuken.pptx
+++ b/1821121_shimaoka_sotsuken.pptx
@@ -5,7 +5,7 @@
     <p:sldMasterId id="2147483660" r:id="rId1"/>
   </p:sldMasterIdLst>
   <p:notesMasterIdLst>
-    <p:notesMasterId r:id="rId32"/>
+    <p:notesMasterId r:id="rId34"/>
   </p:notesMasterIdLst>
   <p:sldIdLst>
     <p:sldId id="257" r:id="rId2"/>
@@ -13,31 +13,33 @@
     <p:sldId id="296" r:id="rId4"/>
     <p:sldId id="297" r:id="rId5"/>
     <p:sldId id="298" r:id="rId6"/>
-    <p:sldId id="265" r:id="rId7"/>
-    <p:sldId id="271" r:id="rId8"/>
-    <p:sldId id="270" r:id="rId9"/>
-    <p:sldId id="263" r:id="rId10"/>
-    <p:sldId id="269" r:id="rId11"/>
-    <p:sldId id="279" r:id="rId12"/>
-    <p:sldId id="280" r:id="rId13"/>
-    <p:sldId id="288" r:id="rId14"/>
-    <p:sldId id="273" r:id="rId15"/>
-    <p:sldId id="278" r:id="rId16"/>
-    <p:sldId id="276" r:id="rId17"/>
-    <p:sldId id="285" r:id="rId18"/>
-    <p:sldId id="286" r:id="rId19"/>
-    <p:sldId id="277" r:id="rId20"/>
-    <p:sldId id="274" r:id="rId21"/>
-    <p:sldId id="275" r:id="rId22"/>
-    <p:sldId id="281" r:id="rId23"/>
-    <p:sldId id="282" r:id="rId24"/>
-    <p:sldId id="290" r:id="rId25"/>
-    <p:sldId id="289" r:id="rId26"/>
-    <p:sldId id="291" r:id="rId27"/>
-    <p:sldId id="272" r:id="rId28"/>
-    <p:sldId id="292" r:id="rId29"/>
-    <p:sldId id="293" r:id="rId30"/>
-    <p:sldId id="294" r:id="rId31"/>
+    <p:sldId id="299" r:id="rId7"/>
+    <p:sldId id="300" r:id="rId8"/>
+    <p:sldId id="265" r:id="rId9"/>
+    <p:sldId id="271" r:id="rId10"/>
+    <p:sldId id="270" r:id="rId11"/>
+    <p:sldId id="263" r:id="rId12"/>
+    <p:sldId id="269" r:id="rId13"/>
+    <p:sldId id="279" r:id="rId14"/>
+    <p:sldId id="280" r:id="rId15"/>
+    <p:sldId id="288" r:id="rId16"/>
+    <p:sldId id="273" r:id="rId17"/>
+    <p:sldId id="278" r:id="rId18"/>
+    <p:sldId id="276" r:id="rId19"/>
+    <p:sldId id="285" r:id="rId20"/>
+    <p:sldId id="286" r:id="rId21"/>
+    <p:sldId id="277" r:id="rId22"/>
+    <p:sldId id="274" r:id="rId23"/>
+    <p:sldId id="275" r:id="rId24"/>
+    <p:sldId id="281" r:id="rId25"/>
+    <p:sldId id="282" r:id="rId26"/>
+    <p:sldId id="290" r:id="rId27"/>
+    <p:sldId id="289" r:id="rId28"/>
+    <p:sldId id="291" r:id="rId29"/>
+    <p:sldId id="272" r:id="rId30"/>
+    <p:sldId id="292" r:id="rId31"/>
+    <p:sldId id="293" r:id="rId32"/>
+    <p:sldId id="294" r:id="rId33"/>
   </p:sldIdLst>
   <p:sldSz cx="9144000" cy="6858000" type="screen4x3"/>
   <p:notesSz cx="6858000" cy="9144000"/>
@@ -615,7 +617,7 @@
           <a:p>
             <a:fld id="{47905BA8-D78C-4C59-98CB-0E1E713D5795}" type="slidenum">
               <a:rPr kumimoji="1" lang="ja-JP" altLang="en-US" smtClean="0"/>
-              <a:t>7</a:t>
+              <a:t>9</a:t>
             </a:fld>
             <a:endParaRPr kumimoji="1" lang="ja-JP" altLang="en-US"/>
           </a:p>
@@ -727,7 +729,7 @@
           <a:p>
             <a:fld id="{47905BA8-D78C-4C59-98CB-0E1E713D5795}" type="slidenum">
               <a:rPr kumimoji="1" lang="ja-JP" altLang="en-US" smtClean="0"/>
-              <a:t>9</a:t>
+              <a:t>11</a:t>
             </a:fld>
             <a:endParaRPr kumimoji="1" lang="ja-JP" altLang="en-US"/>
           </a:p>
@@ -860,7 +862,7 @@
           <a:p>
             <a:fld id="{47905BA8-D78C-4C59-98CB-0E1E713D5795}" type="slidenum">
               <a:rPr kumimoji="1" lang="ja-JP" altLang="en-US" smtClean="0"/>
-              <a:t>10</a:t>
+              <a:t>12</a:t>
             </a:fld>
             <a:endParaRPr kumimoji="1" lang="ja-JP" altLang="en-US"/>
           </a:p>
@@ -4187,7 +4189,7 @@
           <a:p>
             <a:r>
               <a:rPr kumimoji="1" lang="ja-JP" altLang="en-US" dirty="0" smtClean="0"/>
-              <a:t>研究課題について</a:t>
+              <a:t>提案内容</a:t>
             </a:r>
             <a:endParaRPr kumimoji="1" lang="ja-JP" altLang="en-US" dirty="0"/>
           </a:p>
@@ -4210,54 +4212,39 @@
           </a:bodyPr>
           <a:lstStyle/>
           <a:p>
-            <a:pPr algn="just"/>
             <a:r>
               <a:rPr lang="ja-JP" altLang="en-US" dirty="0"/>
-              <a:t>論理的思考がすでに培われていることを前提として問題が提示される教育環境となっている．</a:t>
-            </a:r>
-            <a:endParaRPr lang="en-US" altLang="ja-JP" dirty="0"/>
-          </a:p>
-          <a:p>
-            <a:pPr lvl="1" algn="just">
-              <a:buFont typeface="Wingdings" panose="05000000000000000000" pitchFamily="2" charset="2"/>
-              <a:buChar char="Ø"/>
-            </a:pPr>
+              <a:t>直観的に理解のしやすいブロックプログラミングにより、プログラミングの論理的思考を身に</a:t>
+            </a:r>
+            <a:r>
+              <a:rPr lang="ja-JP" altLang="en-US" dirty="0" smtClean="0"/>
+              <a:t>着けられるシステムを提案する</a:t>
+            </a:r>
+            <a:endParaRPr lang="en-US" altLang="ja-JP" dirty="0" smtClean="0"/>
+          </a:p>
+          <a:p>
+            <a:r>
+              <a:rPr lang="ja-JP" altLang="en-US" dirty="0" smtClean="0"/>
+              <a:t>ブロックプログラミングからブロックリーによるコードへの変換を利用し、プログラミング言語への理解を深められるシステムを提案</a:t>
+            </a:r>
+            <a:endParaRPr lang="en-US" altLang="ja-JP" dirty="0" smtClean="0"/>
+          </a:p>
+          <a:p>
             <a:r>
               <a:rPr lang="ja-JP" altLang="en-US" dirty="0"/>
-              <a:t>学習者が論理的な思考をもって問題文を読み取ることができる必要がある．</a:t>
-            </a:r>
-            <a:endParaRPr lang="en-US" altLang="ja-JP" dirty="0"/>
-          </a:p>
-          <a:p>
-            <a:pPr algn="just"/>
-            <a:r>
-              <a:rPr lang="ja-JP" altLang="en-US" dirty="0"/>
-              <a:t>プログラミング言語における構文を理解するには，コーディング経験も重要</a:t>
-            </a:r>
-            <a:endParaRPr lang="en-US" altLang="ja-JP" dirty="0"/>
-          </a:p>
-          <a:p>
-            <a:pPr lvl="1" algn="just">
-              <a:buFont typeface="Wingdings" panose="05000000000000000000" pitchFamily="2" charset="2"/>
-              <a:buChar char="Ø"/>
-            </a:pPr>
-            <a:r>
-              <a:rPr lang="en-US" altLang="ja-JP" dirty="0" err="1"/>
-              <a:t>Blockly</a:t>
-            </a:r>
-            <a:r>
-              <a:rPr lang="ja-JP" altLang="en-US" dirty="0"/>
-              <a:t>によって生成されたコードを見るだけではなく</a:t>
-            </a:r>
-            <a:r>
-              <a:rPr lang="en-US" altLang="ja-JP" dirty="0"/>
-              <a:t>,</a:t>
-            </a:r>
-            <a:r>
-              <a:rPr lang="ja-JP" altLang="en-US" dirty="0"/>
-              <a:t>実際に学習者がコーディングする環境でないと，プログラミング言語の構文への理解の定着にはつながらない．</a:t>
-            </a:r>
-            <a:endParaRPr lang="en-US" altLang="ja-JP" dirty="0"/>
+              <a:t>穴埋め</a:t>
+            </a:r>
+            <a:r>
+              <a:rPr lang="ja-JP" altLang="en-US" dirty="0" smtClean="0"/>
+              <a:t>問題などを利用し、よりプログラミングにユーザが慣れていける環境を提案</a:t>
+            </a:r>
+            <a:endParaRPr lang="en-US" altLang="ja-JP" dirty="0" smtClean="0"/>
+          </a:p>
+          <a:p>
+            <a:endParaRPr kumimoji="1" lang="en-US" altLang="ja-JP" dirty="0"/>
+          </a:p>
+          <a:p>
+            <a:endParaRPr kumimoji="1" lang="ja-JP" altLang="en-US" dirty="0"/>
           </a:p>
         </p:txBody>
       </p:sp>
@@ -4276,31 +4263,24 @@
           <a:bodyPr/>
           <a:lstStyle/>
           <a:p>
-            <a:fld id="{010A43D1-8C5F-4BB5-96AD-6A66B588192F}" type="slidenum">
-              <a:rPr kumimoji="1" lang="ja-JP" altLang="en-US" sz="2400" smtClean="0"/>
+            <a:fld id="{4A32CB03-0843-4AF8-BFB2-C9917854BC7E}" type="slidenum">
+              <a:rPr kumimoji="1" lang="ja-JP" altLang="en-US" sz="2800" smtClean="0"/>
               <a:t>10</a:t>
             </a:fld>
-            <a:endParaRPr kumimoji="1" lang="ja-JP" altLang="en-US" sz="2400" dirty="0"/>
+            <a:endParaRPr kumimoji="1" lang="ja-JP" altLang="en-US" sz="2800" dirty="0"/>
           </a:p>
         </p:txBody>
       </p:sp>
     </p:spTree>
     <p:extLst>
       <p:ext uri="{BB962C8B-B14F-4D97-AF65-F5344CB8AC3E}">
-        <p14:creationId xmlns:p14="http://schemas.microsoft.com/office/powerpoint/2010/main" val="4275672017"/>
+        <p14:creationId xmlns:p14="http://schemas.microsoft.com/office/powerpoint/2010/main" val="354179094"/>
       </p:ext>
     </p:extLst>
   </p:cSld>
   <p:clrMapOvr>
     <a:masterClrMapping/>
   </p:clrMapOvr>
-  <p:timing>
-    <p:tnLst>
-      <p:par>
-        <p:cTn id="1" dur="indefinite" restart="never" nodeType="tmRoot"/>
-      </p:par>
-    </p:tnLst>
-  </p:timing>
 </p:sld>
 </file>
 
@@ -4337,8 +4317,8 @@
           <a:lstStyle/>
           <a:p>
             <a:r>
-              <a:rPr kumimoji="1" lang="en-US" altLang="ja-JP" dirty="0" smtClean="0"/>
-              <a:t>Node.js</a:t>
+              <a:rPr kumimoji="1" lang="ja-JP" altLang="en-US" dirty="0" smtClean="0"/>
+              <a:t>研究動機</a:t>
             </a:r>
             <a:endParaRPr kumimoji="1" lang="ja-JP" altLang="en-US" dirty="0"/>
           </a:p>
@@ -4359,99 +4339,37 @@
           <a:bodyPr/>
           <a:lstStyle/>
           <a:p>
-            <a:pPr marL="0" indent="0">
-              <a:buNone/>
-            </a:pPr>
-            <a:r>
-              <a:rPr lang="en-US" altLang="ja-JP" dirty="0"/>
-              <a:t>Node.js</a:t>
-            </a:r>
+            <a:pPr algn="just"/>
             <a:r>
               <a:rPr lang="ja-JP" altLang="en-US" dirty="0"/>
-              <a:t>（ノード・ジェイエス） は</a:t>
-            </a:r>
-            <a:r>
-              <a:rPr lang="en-US" altLang="ja-JP" dirty="0"/>
-              <a:t>V8 JavaScript</a:t>
-            </a:r>
+              <a:t>学習者が教科書を読み進めるだけではなく，プログラミングに実際に触れることで，論理的思考を身に着けられる環境を作成したいと考えた．</a:t>
+            </a:r>
+            <a:endParaRPr lang="en-US" altLang="ja-JP" dirty="0"/>
+          </a:p>
+          <a:p>
+            <a:pPr algn="just"/>
             <a:r>
               <a:rPr lang="ja-JP" altLang="en-US" dirty="0"/>
-              <a:t>エンジン上に構築された</a:t>
-            </a:r>
-            <a:r>
-              <a:rPr lang="en-US" altLang="ja-JP" dirty="0"/>
-              <a:t>JavaScript</a:t>
+              <a:t>ブロックプログラミングを用いることで，学習の初期段階でプログラム言語の構文への理解が浅い状態でもコードの実行が可能である．</a:t>
+            </a:r>
+            <a:endParaRPr lang="en-US" altLang="ja-JP" dirty="0"/>
+          </a:p>
+          <a:p>
+            <a:pPr algn="just"/>
+            <a:r>
+              <a:rPr lang="en-US" altLang="ja-JP" dirty="0" err="1"/>
+              <a:t>Blockly</a:t>
             </a:r>
             <a:r>
               <a:rPr lang="ja-JP" altLang="en-US" dirty="0"/>
-              <a:t>実行環境の</a:t>
-            </a:r>
-            <a:r>
-              <a:rPr lang="en-US" altLang="ja-JP" dirty="0"/>
-              <a:t>1</a:t>
-            </a:r>
-            <a:r>
-              <a:rPr lang="ja-JP" altLang="en-US" dirty="0"/>
-              <a:t>つで</a:t>
-            </a:r>
-            <a:r>
-              <a:rPr lang="ja-JP" altLang="en-US" dirty="0" smtClean="0"/>
-              <a:t>ある。</a:t>
-            </a:r>
-            <a:r>
-              <a:rPr lang="ja-JP" altLang="en-US" dirty="0"/>
-              <a:t>イベント化された入出力を扱うサーバサイド</a:t>
-            </a:r>
-            <a:r>
-              <a:rPr lang="en-US" altLang="ja-JP" dirty="0"/>
-              <a:t>JavaScript</a:t>
-            </a:r>
-            <a:r>
-              <a:rPr lang="ja-JP" altLang="en-US" dirty="0"/>
-              <a:t>環境であり、</a:t>
-            </a:r>
-            <a:r>
-              <a:rPr lang="en-US" altLang="ja-JP" dirty="0"/>
-              <a:t>Web</a:t>
-            </a:r>
-            <a:r>
-              <a:rPr lang="ja-JP" altLang="en-US" dirty="0"/>
-              <a:t>サーバなどのスケーラブルなネットワークプログラムの記述を意図して</a:t>
-            </a:r>
-            <a:r>
-              <a:rPr lang="ja-JP" altLang="en-US" dirty="0" smtClean="0"/>
-              <a:t>いる。</a:t>
-            </a:r>
-            <a:endParaRPr lang="en-US" altLang="ja-JP" dirty="0" smtClean="0"/>
-          </a:p>
-          <a:p>
-            <a:pPr marL="0" indent="0">
-              <a:buNone/>
-            </a:pPr>
-            <a:endParaRPr kumimoji="1" lang="en-US" altLang="ja-JP" dirty="0" smtClean="0"/>
-          </a:p>
-          <a:p>
-            <a:pPr marL="0" indent="0">
-              <a:buNone/>
-            </a:pPr>
-            <a:r>
-              <a:rPr lang="ja-JP" altLang="en-US" dirty="0"/>
-              <a:t>引用</a:t>
-            </a:r>
-            <a:r>
-              <a:rPr lang="ja-JP" altLang="en-US" dirty="0" smtClean="0"/>
-              <a:t>：</a:t>
-            </a:r>
-            <a:endParaRPr kumimoji="1" lang="en-US" altLang="ja-JP" dirty="0"/>
-          </a:p>
-          <a:p>
-            <a:pPr marL="0" indent="0">
-              <a:buNone/>
-            </a:pPr>
-            <a:r>
-              <a:rPr lang="en-US" altLang="ja-JP" dirty="0"/>
-              <a:t>https://ja.wikipedia.org/wiki/Node.js</a:t>
-            </a:r>
+              <a:t>のコードジェネレート機能を用いることで，プログラムの構文への理解につながる．</a:t>
+            </a:r>
+            <a:endParaRPr lang="en-US" altLang="ja-JP" dirty="0"/>
+          </a:p>
+          <a:p>
+            <a:endParaRPr lang="en-US" altLang="ja-JP" dirty="0"/>
+          </a:p>
+          <a:p>
             <a:endParaRPr kumimoji="1" lang="ja-JP" altLang="en-US" dirty="0"/>
           </a:p>
         </p:txBody>
@@ -4472,17 +4390,17 @@
           <a:lstStyle/>
           <a:p>
             <a:fld id="{4A32CB03-0843-4AF8-BFB2-C9917854BC7E}" type="slidenum">
-              <a:rPr kumimoji="1" lang="ja-JP" altLang="en-US" smtClean="0"/>
+              <a:rPr kumimoji="1" lang="ja-JP" altLang="en-US" sz="2400" smtClean="0"/>
               <a:t>11</a:t>
             </a:fld>
-            <a:endParaRPr kumimoji="1" lang="ja-JP" altLang="en-US"/>
+            <a:endParaRPr kumimoji="1" lang="ja-JP" altLang="en-US" sz="2400" dirty="0"/>
           </a:p>
         </p:txBody>
       </p:sp>
     </p:spTree>
     <p:extLst>
       <p:ext uri="{BB962C8B-B14F-4D97-AF65-F5344CB8AC3E}">
-        <p14:creationId xmlns:p14="http://schemas.microsoft.com/office/powerpoint/2010/main" val="4200382121"/>
+        <p14:creationId xmlns:p14="http://schemas.microsoft.com/office/powerpoint/2010/main" val="1632152331"/>
       </p:ext>
     </p:extLst>
   </p:cSld>
@@ -4525,6 +4443,345 @@
           <a:lstStyle/>
           <a:p>
             <a:r>
+              <a:rPr kumimoji="1" lang="ja-JP" altLang="en-US" dirty="0" smtClean="0"/>
+              <a:t>研究課題について</a:t>
+            </a:r>
+            <a:endParaRPr kumimoji="1" lang="ja-JP" altLang="en-US" dirty="0"/>
+          </a:p>
+        </p:txBody>
+      </p:sp>
+      <p:sp>
+        <p:nvSpPr>
+          <p:cNvPr id="3" name="コンテンツ プレースホルダー 2"/>
+          <p:cNvSpPr>
+            <a:spLocks noGrp="1"/>
+          </p:cNvSpPr>
+          <p:nvPr>
+            <p:ph idx="1"/>
+          </p:nvPr>
+        </p:nvSpPr>
+        <p:spPr/>
+        <p:txBody>
+          <a:bodyPr>
+            <a:normAutofit/>
+          </a:bodyPr>
+          <a:lstStyle/>
+          <a:p>
+            <a:pPr algn="just"/>
+            <a:r>
+              <a:rPr lang="ja-JP" altLang="en-US" dirty="0"/>
+              <a:t>論理的思考がすでに培われていることを前提として問題が提示される教育環境となっている．</a:t>
+            </a:r>
+            <a:endParaRPr lang="en-US" altLang="ja-JP" dirty="0"/>
+          </a:p>
+          <a:p>
+            <a:pPr lvl="1" algn="just">
+              <a:buFont typeface="Wingdings" panose="05000000000000000000" pitchFamily="2" charset="2"/>
+              <a:buChar char="Ø"/>
+            </a:pPr>
+            <a:r>
+              <a:rPr lang="ja-JP" altLang="en-US" dirty="0"/>
+              <a:t>学習者が論理的な思考をもって問題文を読み取ることができる必要がある．</a:t>
+            </a:r>
+            <a:endParaRPr lang="en-US" altLang="ja-JP" dirty="0"/>
+          </a:p>
+          <a:p>
+            <a:pPr algn="just"/>
+            <a:r>
+              <a:rPr lang="ja-JP" altLang="en-US" dirty="0"/>
+              <a:t>プログラミング言語における構文を理解するには，コーディング経験も重要</a:t>
+            </a:r>
+            <a:endParaRPr lang="en-US" altLang="ja-JP" dirty="0"/>
+          </a:p>
+          <a:p>
+            <a:pPr lvl="1" algn="just">
+              <a:buFont typeface="Wingdings" panose="05000000000000000000" pitchFamily="2" charset="2"/>
+              <a:buChar char="Ø"/>
+            </a:pPr>
+            <a:r>
+              <a:rPr lang="en-US" altLang="ja-JP" dirty="0" err="1"/>
+              <a:t>Blockly</a:t>
+            </a:r>
+            <a:r>
+              <a:rPr lang="ja-JP" altLang="en-US" dirty="0"/>
+              <a:t>によって生成されたコードを見るだけではなく</a:t>
+            </a:r>
+            <a:r>
+              <a:rPr lang="en-US" altLang="ja-JP" dirty="0"/>
+              <a:t>,</a:t>
+            </a:r>
+            <a:r>
+              <a:rPr lang="ja-JP" altLang="en-US" dirty="0"/>
+              <a:t>実際に学習者がコーディングする環境でないと，プログラミング言語の構文への理解の定着にはつながらない．</a:t>
+            </a:r>
+            <a:endParaRPr lang="en-US" altLang="ja-JP" dirty="0"/>
+          </a:p>
+        </p:txBody>
+      </p:sp>
+      <p:sp>
+        <p:nvSpPr>
+          <p:cNvPr id="4" name="スライド番号プレースホルダー 3"/>
+          <p:cNvSpPr>
+            <a:spLocks noGrp="1"/>
+          </p:cNvSpPr>
+          <p:nvPr>
+            <p:ph type="sldNum" sz="quarter" idx="12"/>
+          </p:nvPr>
+        </p:nvSpPr>
+        <p:spPr/>
+        <p:txBody>
+          <a:bodyPr/>
+          <a:lstStyle/>
+          <a:p>
+            <a:fld id="{010A43D1-8C5F-4BB5-96AD-6A66B588192F}" type="slidenum">
+              <a:rPr kumimoji="1" lang="ja-JP" altLang="en-US" sz="2400" smtClean="0"/>
+              <a:t>12</a:t>
+            </a:fld>
+            <a:endParaRPr kumimoji="1" lang="ja-JP" altLang="en-US" sz="2400" dirty="0"/>
+          </a:p>
+        </p:txBody>
+      </p:sp>
+    </p:spTree>
+    <p:extLst>
+      <p:ext uri="{BB962C8B-B14F-4D97-AF65-F5344CB8AC3E}">
+        <p14:creationId xmlns:p14="http://schemas.microsoft.com/office/powerpoint/2010/main" val="4275672017"/>
+      </p:ext>
+    </p:extLst>
+  </p:cSld>
+  <p:clrMapOvr>
+    <a:masterClrMapping/>
+  </p:clrMapOvr>
+  <p:timing>
+    <p:tnLst>
+      <p:par>
+        <p:cTn id="1" dur="indefinite" restart="never" nodeType="tmRoot"/>
+      </p:par>
+    </p:tnLst>
+  </p:timing>
+</p:sld>
+</file>
+
+<file path=ppt/slides/slide13.xml><?xml version="1.0" encoding="utf-8"?>
+<p:sld xmlns:a="http://schemas.openxmlformats.org/drawingml/2006/main" xmlns:r="http://schemas.openxmlformats.org/officeDocument/2006/relationships" xmlns:p="http://schemas.openxmlformats.org/presentationml/2006/main">
+  <p:cSld>
+    <p:spTree>
+      <p:nvGrpSpPr>
+        <p:cNvPr id="1" name=""/>
+        <p:cNvGrpSpPr/>
+        <p:nvPr/>
+      </p:nvGrpSpPr>
+      <p:grpSpPr>
+        <a:xfrm>
+          <a:off x="0" y="0"/>
+          <a:ext cx="0" cy="0"/>
+          <a:chOff x="0" y="0"/>
+          <a:chExt cx="0" cy="0"/>
+        </a:xfrm>
+      </p:grpSpPr>
+      <p:sp>
+        <p:nvSpPr>
+          <p:cNvPr id="2" name="タイトル 1"/>
+          <p:cNvSpPr>
+            <a:spLocks noGrp="1"/>
+          </p:cNvSpPr>
+          <p:nvPr>
+            <p:ph type="title"/>
+          </p:nvPr>
+        </p:nvSpPr>
+        <p:spPr/>
+        <p:txBody>
+          <a:bodyPr/>
+          <a:lstStyle/>
+          <a:p>
+            <a:r>
+              <a:rPr kumimoji="1" lang="en-US" altLang="ja-JP" dirty="0" smtClean="0"/>
+              <a:t>Node.js</a:t>
+            </a:r>
+            <a:endParaRPr kumimoji="1" lang="ja-JP" altLang="en-US" dirty="0"/>
+          </a:p>
+        </p:txBody>
+      </p:sp>
+      <p:sp>
+        <p:nvSpPr>
+          <p:cNvPr id="3" name="コンテンツ プレースホルダー 2"/>
+          <p:cNvSpPr>
+            <a:spLocks noGrp="1"/>
+          </p:cNvSpPr>
+          <p:nvPr>
+            <p:ph idx="1"/>
+          </p:nvPr>
+        </p:nvSpPr>
+        <p:spPr/>
+        <p:txBody>
+          <a:bodyPr/>
+          <a:lstStyle/>
+          <a:p>
+            <a:pPr marL="0" indent="0">
+              <a:buNone/>
+            </a:pPr>
+            <a:r>
+              <a:rPr lang="en-US" altLang="ja-JP" dirty="0"/>
+              <a:t>Node.js</a:t>
+            </a:r>
+            <a:r>
+              <a:rPr lang="ja-JP" altLang="en-US" dirty="0"/>
+              <a:t>（ノード・ジェイエス） は</a:t>
+            </a:r>
+            <a:r>
+              <a:rPr lang="en-US" altLang="ja-JP" dirty="0"/>
+              <a:t>V8 JavaScript</a:t>
+            </a:r>
+            <a:r>
+              <a:rPr lang="ja-JP" altLang="en-US" dirty="0"/>
+              <a:t>エンジン上に構築された</a:t>
+            </a:r>
+            <a:r>
+              <a:rPr lang="en-US" altLang="ja-JP" dirty="0"/>
+              <a:t>JavaScript</a:t>
+            </a:r>
+            <a:r>
+              <a:rPr lang="ja-JP" altLang="en-US" dirty="0"/>
+              <a:t>実行環境の</a:t>
+            </a:r>
+            <a:r>
+              <a:rPr lang="en-US" altLang="ja-JP" dirty="0"/>
+              <a:t>1</a:t>
+            </a:r>
+            <a:r>
+              <a:rPr lang="ja-JP" altLang="en-US" dirty="0"/>
+              <a:t>つで</a:t>
+            </a:r>
+            <a:r>
+              <a:rPr lang="ja-JP" altLang="en-US" dirty="0" smtClean="0"/>
+              <a:t>ある。</a:t>
+            </a:r>
+            <a:r>
+              <a:rPr lang="ja-JP" altLang="en-US" dirty="0"/>
+              <a:t>イベント化された入出力を扱うサーバサイド</a:t>
+            </a:r>
+            <a:r>
+              <a:rPr lang="en-US" altLang="ja-JP" dirty="0"/>
+              <a:t>JavaScript</a:t>
+            </a:r>
+            <a:r>
+              <a:rPr lang="ja-JP" altLang="en-US" dirty="0"/>
+              <a:t>環境であり、</a:t>
+            </a:r>
+            <a:r>
+              <a:rPr lang="en-US" altLang="ja-JP" dirty="0"/>
+              <a:t>Web</a:t>
+            </a:r>
+            <a:r>
+              <a:rPr lang="ja-JP" altLang="en-US" dirty="0"/>
+              <a:t>サーバなどのスケーラブルなネットワークプログラムの記述を意図して</a:t>
+            </a:r>
+            <a:r>
+              <a:rPr lang="ja-JP" altLang="en-US" dirty="0" smtClean="0"/>
+              <a:t>いる。</a:t>
+            </a:r>
+            <a:endParaRPr lang="en-US" altLang="ja-JP" dirty="0" smtClean="0"/>
+          </a:p>
+          <a:p>
+            <a:pPr marL="0" indent="0">
+              <a:buNone/>
+            </a:pPr>
+            <a:endParaRPr kumimoji="1" lang="en-US" altLang="ja-JP" dirty="0" smtClean="0"/>
+          </a:p>
+          <a:p>
+            <a:pPr marL="0" indent="0">
+              <a:buNone/>
+            </a:pPr>
+            <a:r>
+              <a:rPr lang="ja-JP" altLang="en-US" dirty="0"/>
+              <a:t>引用</a:t>
+            </a:r>
+            <a:r>
+              <a:rPr lang="ja-JP" altLang="en-US" dirty="0" smtClean="0"/>
+              <a:t>：</a:t>
+            </a:r>
+            <a:endParaRPr kumimoji="1" lang="en-US" altLang="ja-JP" dirty="0"/>
+          </a:p>
+          <a:p>
+            <a:pPr marL="0" indent="0">
+              <a:buNone/>
+            </a:pPr>
+            <a:r>
+              <a:rPr lang="en-US" altLang="ja-JP" dirty="0"/>
+              <a:t>https://ja.wikipedia.org/wiki/Node.js</a:t>
+            </a:r>
+            <a:endParaRPr kumimoji="1" lang="ja-JP" altLang="en-US" dirty="0"/>
+          </a:p>
+        </p:txBody>
+      </p:sp>
+      <p:sp>
+        <p:nvSpPr>
+          <p:cNvPr id="4" name="スライド番号プレースホルダー 3"/>
+          <p:cNvSpPr>
+            <a:spLocks noGrp="1"/>
+          </p:cNvSpPr>
+          <p:nvPr>
+            <p:ph type="sldNum" sz="quarter" idx="12"/>
+          </p:nvPr>
+        </p:nvSpPr>
+        <p:spPr/>
+        <p:txBody>
+          <a:bodyPr/>
+          <a:lstStyle/>
+          <a:p>
+            <a:fld id="{4A32CB03-0843-4AF8-BFB2-C9917854BC7E}" type="slidenum">
+              <a:rPr kumimoji="1" lang="ja-JP" altLang="en-US" smtClean="0"/>
+              <a:t>13</a:t>
+            </a:fld>
+            <a:endParaRPr kumimoji="1" lang="ja-JP" altLang="en-US"/>
+          </a:p>
+        </p:txBody>
+      </p:sp>
+    </p:spTree>
+    <p:extLst>
+      <p:ext uri="{BB962C8B-B14F-4D97-AF65-F5344CB8AC3E}">
+        <p14:creationId xmlns:p14="http://schemas.microsoft.com/office/powerpoint/2010/main" val="4200382121"/>
+      </p:ext>
+    </p:extLst>
+  </p:cSld>
+  <p:clrMapOvr>
+    <a:masterClrMapping/>
+  </p:clrMapOvr>
+</p:sld>
+</file>
+
+<file path=ppt/slides/slide14.xml><?xml version="1.0" encoding="utf-8"?>
+<p:sld xmlns:a="http://schemas.openxmlformats.org/drawingml/2006/main" xmlns:r="http://schemas.openxmlformats.org/officeDocument/2006/relationships" xmlns:p="http://schemas.openxmlformats.org/presentationml/2006/main">
+  <p:cSld>
+    <p:spTree>
+      <p:nvGrpSpPr>
+        <p:cNvPr id="1" name=""/>
+        <p:cNvGrpSpPr/>
+        <p:nvPr/>
+      </p:nvGrpSpPr>
+      <p:grpSpPr>
+        <a:xfrm>
+          <a:off x="0" y="0"/>
+          <a:ext cx="0" cy="0"/>
+          <a:chOff x="0" y="0"/>
+          <a:chExt cx="0" cy="0"/>
+        </a:xfrm>
+      </p:grpSpPr>
+      <p:sp>
+        <p:nvSpPr>
+          <p:cNvPr id="2" name="タイトル 1"/>
+          <p:cNvSpPr>
+            <a:spLocks noGrp="1"/>
+          </p:cNvSpPr>
+          <p:nvPr>
+            <p:ph type="title"/>
+          </p:nvPr>
+        </p:nvSpPr>
+        <p:spPr/>
+        <p:txBody>
+          <a:bodyPr/>
+          <a:lstStyle/>
+          <a:p>
+            <a:r>
               <a:rPr lang="ja-JP" altLang="en-US" dirty="0" smtClean="0"/>
               <a:t>システム構成図</a:t>
             </a:r>
@@ -4553,7 +4810,7 @@
           <a:p>
             <a:fld id="{4A32CB03-0843-4AF8-BFB2-C9917854BC7E}" type="slidenum">
               <a:rPr kumimoji="1" lang="ja-JP" altLang="en-US" smtClean="0"/>
-              <a:t>12</a:t>
+              <a:t>14</a:t>
             </a:fld>
             <a:endParaRPr kumimoji="1" lang="ja-JP" altLang="en-US"/>
           </a:p>
@@ -4998,300 +5255,6 @@
 </p:sld>
 </file>
 
-<file path=ppt/slides/slide13.xml><?xml version="1.0" encoding="utf-8"?>
-<p:sld xmlns:a="http://schemas.openxmlformats.org/drawingml/2006/main" xmlns:r="http://schemas.openxmlformats.org/officeDocument/2006/relationships" xmlns:p="http://schemas.openxmlformats.org/presentationml/2006/main">
-  <p:cSld>
-    <p:spTree>
-      <p:nvGrpSpPr>
-        <p:cNvPr id="1" name=""/>
-        <p:cNvGrpSpPr/>
-        <p:nvPr/>
-      </p:nvGrpSpPr>
-      <p:grpSpPr>
-        <a:xfrm>
-          <a:off x="0" y="0"/>
-          <a:ext cx="0" cy="0"/>
-          <a:chOff x="0" y="0"/>
-          <a:chExt cx="0" cy="0"/>
-        </a:xfrm>
-      </p:grpSpPr>
-      <p:sp>
-        <p:nvSpPr>
-          <p:cNvPr id="2" name="タイトル 1"/>
-          <p:cNvSpPr>
-            <a:spLocks noGrp="1"/>
-          </p:cNvSpPr>
-          <p:nvPr>
-            <p:ph type="title"/>
-          </p:nvPr>
-        </p:nvSpPr>
-        <p:spPr/>
-        <p:txBody>
-          <a:bodyPr/>
-          <a:lstStyle/>
-          <a:p>
-            <a:r>
-              <a:rPr lang="en-US" altLang="ja-JP" dirty="0" smtClean="0"/>
-              <a:t>Node.js</a:t>
-            </a:r>
-            <a:r>
-              <a:rPr lang="ja-JP" altLang="en-US" dirty="0" smtClean="0"/>
-              <a:t>について</a:t>
-            </a:r>
-            <a:endParaRPr kumimoji="1" lang="ja-JP" altLang="en-US" dirty="0"/>
-          </a:p>
-        </p:txBody>
-      </p:sp>
-      <p:sp>
-        <p:nvSpPr>
-          <p:cNvPr id="3" name="コンテンツ プレースホルダー 2"/>
-          <p:cNvSpPr>
-            <a:spLocks noGrp="1"/>
-          </p:cNvSpPr>
-          <p:nvPr>
-            <p:ph idx="1"/>
-          </p:nvPr>
-        </p:nvSpPr>
-        <p:spPr/>
-        <p:txBody>
-          <a:bodyPr/>
-          <a:lstStyle/>
-          <a:p>
-            <a:r>
-              <a:rPr kumimoji="1" lang="en-US" altLang="ja-JP" dirty="0" err="1" smtClean="0"/>
-              <a:t>Blockly</a:t>
-            </a:r>
-            <a:r>
-              <a:rPr lang="ja-JP" altLang="en-US" dirty="0"/>
-              <a:t>で</a:t>
-            </a:r>
-            <a:r>
-              <a:rPr lang="ja-JP" altLang="en-US" dirty="0" smtClean="0"/>
-              <a:t>は、</a:t>
-            </a:r>
-            <a:r>
-              <a:rPr kumimoji="1" lang="en-US" altLang="ja-JP" dirty="0" smtClean="0"/>
-              <a:t>Node</a:t>
-            </a:r>
-            <a:r>
-              <a:rPr lang="en-US" altLang="ja-JP" dirty="0" smtClean="0"/>
-              <a:t>.js</a:t>
-            </a:r>
-            <a:r>
-              <a:rPr lang="ja-JP" altLang="en-US" dirty="0" smtClean="0"/>
-              <a:t>を利用してコードの実行をしているように思えたが、実際には</a:t>
-            </a:r>
-            <a:r>
-              <a:rPr lang="en-US" altLang="ja-JP" dirty="0" err="1" smtClean="0"/>
-              <a:t>npm</a:t>
-            </a:r>
-            <a:r>
-              <a:rPr lang="ja-JP" altLang="en-US" dirty="0" smtClean="0"/>
-              <a:t>というパッケージ管理のために利用しているだけで、サーバとして利用しているわけでは</a:t>
-            </a:r>
-            <a:r>
-              <a:rPr lang="ja-JP" altLang="en-US" dirty="0"/>
-              <a:t>ないように</a:t>
-            </a:r>
-            <a:r>
-              <a:rPr lang="ja-JP" altLang="en-US" dirty="0" smtClean="0"/>
-              <a:t>も見える</a:t>
-            </a:r>
-            <a:endParaRPr lang="en-US" altLang="ja-JP" dirty="0" smtClean="0"/>
-          </a:p>
-          <a:p>
-            <a:r>
-              <a:rPr kumimoji="1" lang="ja-JP" altLang="en-US" dirty="0" smtClean="0"/>
-              <a:t>あまり理解できていないため、公式の情報を見直したい</a:t>
-            </a:r>
-            <a:endParaRPr kumimoji="1" lang="ja-JP" altLang="en-US" dirty="0"/>
-          </a:p>
-        </p:txBody>
-      </p:sp>
-      <p:sp>
-        <p:nvSpPr>
-          <p:cNvPr id="4" name="スライド番号プレースホルダー 3"/>
-          <p:cNvSpPr>
-            <a:spLocks noGrp="1"/>
-          </p:cNvSpPr>
-          <p:nvPr>
-            <p:ph type="sldNum" sz="quarter" idx="12"/>
-          </p:nvPr>
-        </p:nvSpPr>
-        <p:spPr/>
-        <p:txBody>
-          <a:bodyPr/>
-          <a:lstStyle/>
-          <a:p>
-            <a:fld id="{4A32CB03-0843-4AF8-BFB2-C9917854BC7E}" type="slidenum">
-              <a:rPr kumimoji="1" lang="ja-JP" altLang="en-US" smtClean="0"/>
-              <a:t>13</a:t>
-            </a:fld>
-            <a:endParaRPr kumimoji="1" lang="ja-JP" altLang="en-US"/>
-          </a:p>
-        </p:txBody>
-      </p:sp>
-    </p:spTree>
-    <p:extLst>
-      <p:ext uri="{BB962C8B-B14F-4D97-AF65-F5344CB8AC3E}">
-        <p14:creationId xmlns:p14="http://schemas.microsoft.com/office/powerpoint/2010/main" val="3535867368"/>
-      </p:ext>
-    </p:extLst>
-  </p:cSld>
-  <p:clrMapOvr>
-    <a:masterClrMapping/>
-  </p:clrMapOvr>
-</p:sld>
-</file>
-
-<file path=ppt/slides/slide14.xml><?xml version="1.0" encoding="utf-8"?>
-<p:sld xmlns:a="http://schemas.openxmlformats.org/drawingml/2006/main" xmlns:r="http://schemas.openxmlformats.org/officeDocument/2006/relationships" xmlns:p="http://schemas.openxmlformats.org/presentationml/2006/main">
-  <p:cSld>
-    <p:spTree>
-      <p:nvGrpSpPr>
-        <p:cNvPr id="1" name=""/>
-        <p:cNvGrpSpPr/>
-        <p:nvPr/>
-      </p:nvGrpSpPr>
-      <p:grpSpPr>
-        <a:xfrm>
-          <a:off x="0" y="0"/>
-          <a:ext cx="0" cy="0"/>
-          <a:chOff x="0" y="0"/>
-          <a:chExt cx="0" cy="0"/>
-        </a:xfrm>
-      </p:grpSpPr>
-      <p:sp>
-        <p:nvSpPr>
-          <p:cNvPr id="2" name="タイトル 1"/>
-          <p:cNvSpPr>
-            <a:spLocks noGrp="1"/>
-          </p:cNvSpPr>
-          <p:nvPr>
-            <p:ph type="title"/>
-          </p:nvPr>
-        </p:nvSpPr>
-        <p:spPr/>
-        <p:txBody>
-          <a:bodyPr/>
-          <a:lstStyle/>
-          <a:p>
-            <a:r>
-              <a:rPr lang="en-US" altLang="ja-JP" dirty="0" err="1" smtClean="0"/>
-              <a:t>Node_modules</a:t>
-            </a:r>
-            <a:r>
-              <a:rPr lang="en-US" altLang="ja-JP" dirty="0" smtClean="0"/>
-              <a:t> install</a:t>
-            </a:r>
-            <a:endParaRPr kumimoji="1" lang="ja-JP" altLang="en-US" dirty="0"/>
-          </a:p>
-        </p:txBody>
-      </p:sp>
-      <p:sp>
-        <p:nvSpPr>
-          <p:cNvPr id="3" name="コンテンツ プレースホルダー 2"/>
-          <p:cNvSpPr>
-            <a:spLocks noGrp="1"/>
-          </p:cNvSpPr>
-          <p:nvPr>
-            <p:ph idx="1"/>
-          </p:nvPr>
-        </p:nvSpPr>
-        <p:spPr/>
-        <p:txBody>
-          <a:bodyPr/>
-          <a:lstStyle/>
-          <a:p>
-            <a:r>
-              <a:rPr lang="en-US" altLang="ja-JP" dirty="0" err="1" smtClean="0"/>
-              <a:t>Blockly</a:t>
-            </a:r>
-            <a:r>
-              <a:rPr lang="ja-JP" altLang="en-US" dirty="0" smtClean="0"/>
-              <a:t>公式によって用意されているモジュールのインストール</a:t>
-            </a:r>
-            <a:endParaRPr lang="en-US" altLang="ja-JP" dirty="0" smtClean="0"/>
-          </a:p>
-          <a:p>
-            <a:r>
-              <a:rPr kumimoji="1" lang="ja-JP" altLang="en-US" dirty="0" smtClean="0"/>
-              <a:t>方法：</a:t>
-            </a:r>
-            <a:r>
-              <a:rPr lang="ja-JP" altLang="en-US" dirty="0" smtClean="0"/>
-              <a:t>コマンドプロンプトにて</a:t>
-            </a:r>
-            <a:r>
-              <a:rPr kumimoji="1" lang="ja-JP" altLang="en-US" dirty="0" smtClean="0"/>
-              <a:t>実行したい</a:t>
-            </a:r>
-            <a:r>
-              <a:rPr kumimoji="1" lang="en-US" altLang="ja-JP" dirty="0" smtClean="0"/>
-              <a:t>JSON</a:t>
-            </a:r>
-            <a:r>
-              <a:rPr kumimoji="1" lang="ja-JP" altLang="en-US" dirty="0" smtClean="0"/>
-              <a:t>ファイルの場所に移動して</a:t>
-            </a:r>
-            <a:r>
-              <a:rPr kumimoji="1" lang="en-US" altLang="ja-JP" dirty="0" err="1" smtClean="0"/>
-              <a:t>npm</a:t>
-            </a:r>
-            <a:r>
-              <a:rPr kumimoji="1" lang="en-US" altLang="ja-JP" dirty="0" smtClean="0"/>
-              <a:t> install</a:t>
-            </a:r>
-            <a:r>
-              <a:rPr kumimoji="1" lang="ja-JP" altLang="en-US" dirty="0" smtClean="0"/>
-              <a:t>を実行</a:t>
-            </a:r>
-            <a:endParaRPr kumimoji="1" lang="en-US" altLang="ja-JP" dirty="0" smtClean="0"/>
-          </a:p>
-          <a:p>
-            <a:pPr marL="0" indent="0">
-              <a:buNone/>
-            </a:pPr>
-            <a:endParaRPr lang="en-US" altLang="ja-JP" dirty="0"/>
-          </a:p>
-        </p:txBody>
-      </p:sp>
-      <p:sp>
-        <p:nvSpPr>
-          <p:cNvPr id="4" name="スライド番号プレースホルダー 3"/>
-          <p:cNvSpPr>
-            <a:spLocks noGrp="1"/>
-          </p:cNvSpPr>
-          <p:nvPr>
-            <p:ph type="sldNum" sz="quarter" idx="12"/>
-          </p:nvPr>
-        </p:nvSpPr>
-        <p:spPr/>
-        <p:txBody>
-          <a:bodyPr/>
-          <a:lstStyle/>
-          <a:p>
-            <a:fld id="{4A32CB03-0843-4AF8-BFB2-C9917854BC7E}" type="slidenum">
-              <a:rPr kumimoji="1" lang="ja-JP" altLang="en-US" sz="2800" smtClean="0"/>
-              <a:t>14</a:t>
-            </a:fld>
-            <a:endParaRPr kumimoji="1" lang="ja-JP" altLang="en-US" sz="2800" dirty="0"/>
-          </a:p>
-        </p:txBody>
-      </p:sp>
-    </p:spTree>
-    <p:extLst>
-      <p:ext uri="{BB962C8B-B14F-4D97-AF65-F5344CB8AC3E}">
-        <p14:creationId xmlns:p14="http://schemas.microsoft.com/office/powerpoint/2010/main" val="2182324898"/>
-      </p:ext>
-    </p:extLst>
-  </p:cSld>
-  <p:clrMapOvr>
-    <a:masterClrMapping/>
-  </p:clrMapOvr>
-</p:sld>
-</file>
-
 <file path=ppt/slides/slide15.xml><?xml version="1.0" encoding="utf-8"?>
 <p:sld xmlns:a="http://schemas.openxmlformats.org/drawingml/2006/main" xmlns:r="http://schemas.openxmlformats.org/officeDocument/2006/relationships" xmlns:p="http://schemas.openxmlformats.org/presentationml/2006/main">
   <p:cSld>
@@ -5325,12 +5288,78 @@
           <a:lstStyle/>
           <a:p>
             <a:r>
-              <a:rPr lang="en-US" altLang="ja-JP" dirty="0" err="1"/>
-              <a:t>Node_modules</a:t>
-            </a:r>
-            <a:r>
-              <a:rPr lang="en-US" altLang="ja-JP" dirty="0"/>
-              <a:t> install</a:t>
+              <a:rPr lang="en-US" altLang="ja-JP" dirty="0" smtClean="0"/>
+              <a:t>Node.js</a:t>
+            </a:r>
+            <a:r>
+              <a:rPr lang="ja-JP" altLang="en-US" dirty="0" smtClean="0"/>
+              <a:t>について</a:t>
+            </a:r>
+            <a:endParaRPr kumimoji="1" lang="ja-JP" altLang="en-US" dirty="0"/>
+          </a:p>
+        </p:txBody>
+      </p:sp>
+      <p:sp>
+        <p:nvSpPr>
+          <p:cNvPr id="3" name="コンテンツ プレースホルダー 2"/>
+          <p:cNvSpPr>
+            <a:spLocks noGrp="1"/>
+          </p:cNvSpPr>
+          <p:nvPr>
+            <p:ph idx="1"/>
+          </p:nvPr>
+        </p:nvSpPr>
+        <p:spPr/>
+        <p:txBody>
+          <a:bodyPr/>
+          <a:lstStyle/>
+          <a:p>
+            <a:r>
+              <a:rPr kumimoji="1" lang="en-US" altLang="ja-JP" dirty="0" err="1" smtClean="0"/>
+              <a:t>Blockly</a:t>
+            </a:r>
+            <a:r>
+              <a:rPr lang="ja-JP" altLang="en-US" dirty="0"/>
+              <a:t>で</a:t>
+            </a:r>
+            <a:r>
+              <a:rPr lang="ja-JP" altLang="en-US" dirty="0" smtClean="0"/>
+              <a:t>は、</a:t>
+            </a:r>
+            <a:r>
+              <a:rPr kumimoji="1" lang="en-US" altLang="ja-JP" dirty="0" smtClean="0"/>
+              <a:t>Node</a:t>
+            </a:r>
+            <a:r>
+              <a:rPr lang="en-US" altLang="ja-JP" dirty="0" smtClean="0"/>
+              <a:t>.js</a:t>
+            </a:r>
+            <a:r>
+              <a:rPr lang="ja-JP" altLang="en-US" dirty="0" smtClean="0"/>
+              <a:t>を利用してコードの実行をしているように思えたが、実際には</a:t>
+            </a:r>
+            <a:r>
+              <a:rPr lang="en-US" altLang="ja-JP" dirty="0" err="1" smtClean="0"/>
+              <a:t>npm</a:t>
+            </a:r>
+            <a:r>
+              <a:rPr lang="ja-JP" altLang="en-US" dirty="0" smtClean="0"/>
+              <a:t>というパッケージ管理のために利用しているだけで、サーバとして利用しているわけでは</a:t>
+            </a:r>
+            <a:r>
+              <a:rPr lang="ja-JP" altLang="en-US" dirty="0"/>
+              <a:t>ないように</a:t>
+            </a:r>
+            <a:r>
+              <a:rPr lang="ja-JP" altLang="en-US" dirty="0" smtClean="0"/>
+              <a:t>も見える</a:t>
+            </a:r>
+            <a:endParaRPr lang="en-US" altLang="ja-JP" dirty="0" smtClean="0"/>
+          </a:p>
+          <a:p>
+            <a:r>
+              <a:rPr kumimoji="1" lang="ja-JP" altLang="en-US" dirty="0" smtClean="0"/>
+              <a:t>あまり理解できていないため、公式の情報を見直したい</a:t>
             </a:r>
             <a:endParaRPr kumimoji="1" lang="ja-JP" altLang="en-US" dirty="0"/>
           </a:p>
@@ -5354,6 +5383,234 @@
             <a:fld id="{4A32CB03-0843-4AF8-BFB2-C9917854BC7E}" type="slidenum">
               <a:rPr kumimoji="1" lang="ja-JP" altLang="en-US" smtClean="0"/>
               <a:t>15</a:t>
+            </a:fld>
+            <a:endParaRPr kumimoji="1" lang="ja-JP" altLang="en-US"/>
+          </a:p>
+        </p:txBody>
+      </p:sp>
+    </p:spTree>
+    <p:extLst>
+      <p:ext uri="{BB962C8B-B14F-4D97-AF65-F5344CB8AC3E}">
+        <p14:creationId xmlns:p14="http://schemas.microsoft.com/office/powerpoint/2010/main" val="3535867368"/>
+      </p:ext>
+    </p:extLst>
+  </p:cSld>
+  <p:clrMapOvr>
+    <a:masterClrMapping/>
+  </p:clrMapOvr>
+</p:sld>
+</file>
+
+<file path=ppt/slides/slide16.xml><?xml version="1.0" encoding="utf-8"?>
+<p:sld xmlns:a="http://schemas.openxmlformats.org/drawingml/2006/main" xmlns:r="http://schemas.openxmlformats.org/officeDocument/2006/relationships" xmlns:p="http://schemas.openxmlformats.org/presentationml/2006/main">
+  <p:cSld>
+    <p:spTree>
+      <p:nvGrpSpPr>
+        <p:cNvPr id="1" name=""/>
+        <p:cNvGrpSpPr/>
+        <p:nvPr/>
+      </p:nvGrpSpPr>
+      <p:grpSpPr>
+        <a:xfrm>
+          <a:off x="0" y="0"/>
+          <a:ext cx="0" cy="0"/>
+          <a:chOff x="0" y="0"/>
+          <a:chExt cx="0" cy="0"/>
+        </a:xfrm>
+      </p:grpSpPr>
+      <p:sp>
+        <p:nvSpPr>
+          <p:cNvPr id="2" name="タイトル 1"/>
+          <p:cNvSpPr>
+            <a:spLocks noGrp="1"/>
+          </p:cNvSpPr>
+          <p:nvPr>
+            <p:ph type="title"/>
+          </p:nvPr>
+        </p:nvSpPr>
+        <p:spPr/>
+        <p:txBody>
+          <a:bodyPr/>
+          <a:lstStyle/>
+          <a:p>
+            <a:r>
+              <a:rPr lang="en-US" altLang="ja-JP" dirty="0" err="1" smtClean="0"/>
+              <a:t>Node_modules</a:t>
+            </a:r>
+            <a:r>
+              <a:rPr lang="en-US" altLang="ja-JP" dirty="0" smtClean="0"/>
+              <a:t> install</a:t>
+            </a:r>
+            <a:endParaRPr kumimoji="1" lang="ja-JP" altLang="en-US" dirty="0"/>
+          </a:p>
+        </p:txBody>
+      </p:sp>
+      <p:sp>
+        <p:nvSpPr>
+          <p:cNvPr id="3" name="コンテンツ プレースホルダー 2"/>
+          <p:cNvSpPr>
+            <a:spLocks noGrp="1"/>
+          </p:cNvSpPr>
+          <p:nvPr>
+            <p:ph idx="1"/>
+          </p:nvPr>
+        </p:nvSpPr>
+        <p:spPr/>
+        <p:txBody>
+          <a:bodyPr/>
+          <a:lstStyle/>
+          <a:p>
+            <a:r>
+              <a:rPr lang="en-US" altLang="ja-JP" dirty="0" err="1" smtClean="0"/>
+              <a:t>Blockly</a:t>
+            </a:r>
+            <a:r>
+              <a:rPr lang="ja-JP" altLang="en-US" dirty="0" smtClean="0"/>
+              <a:t>公式によって用意されているモジュールのインストール</a:t>
+            </a:r>
+            <a:endParaRPr lang="en-US" altLang="ja-JP" dirty="0" smtClean="0"/>
+          </a:p>
+          <a:p>
+            <a:r>
+              <a:rPr kumimoji="1" lang="ja-JP" altLang="en-US" dirty="0" smtClean="0"/>
+              <a:t>方法：</a:t>
+            </a:r>
+            <a:r>
+              <a:rPr lang="ja-JP" altLang="en-US" dirty="0" smtClean="0"/>
+              <a:t>コマンドプロンプトにて</a:t>
+            </a:r>
+            <a:r>
+              <a:rPr kumimoji="1" lang="ja-JP" altLang="en-US" dirty="0" smtClean="0"/>
+              <a:t>実行したい</a:t>
+            </a:r>
+            <a:r>
+              <a:rPr kumimoji="1" lang="en-US" altLang="ja-JP" dirty="0" smtClean="0"/>
+              <a:t>JSON</a:t>
+            </a:r>
+            <a:r>
+              <a:rPr kumimoji="1" lang="ja-JP" altLang="en-US" dirty="0" smtClean="0"/>
+              <a:t>ファイルの場所に移動して</a:t>
+            </a:r>
+            <a:r>
+              <a:rPr kumimoji="1" lang="en-US" altLang="ja-JP" dirty="0" err="1" smtClean="0"/>
+              <a:t>npm</a:t>
+            </a:r>
+            <a:r>
+              <a:rPr kumimoji="1" lang="en-US" altLang="ja-JP" dirty="0" smtClean="0"/>
+              <a:t> install</a:t>
+            </a:r>
+            <a:r>
+              <a:rPr kumimoji="1" lang="ja-JP" altLang="en-US" dirty="0" smtClean="0"/>
+              <a:t>を実行</a:t>
+            </a:r>
+            <a:endParaRPr kumimoji="1" lang="en-US" altLang="ja-JP" dirty="0" smtClean="0"/>
+          </a:p>
+          <a:p>
+            <a:pPr marL="0" indent="0">
+              <a:buNone/>
+            </a:pPr>
+            <a:endParaRPr lang="en-US" altLang="ja-JP" dirty="0"/>
+          </a:p>
+        </p:txBody>
+      </p:sp>
+      <p:sp>
+        <p:nvSpPr>
+          <p:cNvPr id="4" name="スライド番号プレースホルダー 3"/>
+          <p:cNvSpPr>
+            <a:spLocks noGrp="1"/>
+          </p:cNvSpPr>
+          <p:nvPr>
+            <p:ph type="sldNum" sz="quarter" idx="12"/>
+          </p:nvPr>
+        </p:nvSpPr>
+        <p:spPr/>
+        <p:txBody>
+          <a:bodyPr/>
+          <a:lstStyle/>
+          <a:p>
+            <a:fld id="{4A32CB03-0843-4AF8-BFB2-C9917854BC7E}" type="slidenum">
+              <a:rPr kumimoji="1" lang="ja-JP" altLang="en-US" sz="2800" smtClean="0"/>
+              <a:t>16</a:t>
+            </a:fld>
+            <a:endParaRPr kumimoji="1" lang="ja-JP" altLang="en-US" sz="2800" dirty="0"/>
+          </a:p>
+        </p:txBody>
+      </p:sp>
+    </p:spTree>
+    <p:extLst>
+      <p:ext uri="{BB962C8B-B14F-4D97-AF65-F5344CB8AC3E}">
+        <p14:creationId xmlns:p14="http://schemas.microsoft.com/office/powerpoint/2010/main" val="2182324898"/>
+      </p:ext>
+    </p:extLst>
+  </p:cSld>
+  <p:clrMapOvr>
+    <a:masterClrMapping/>
+  </p:clrMapOvr>
+</p:sld>
+</file>
+
+<file path=ppt/slides/slide17.xml><?xml version="1.0" encoding="utf-8"?>
+<p:sld xmlns:a="http://schemas.openxmlformats.org/drawingml/2006/main" xmlns:r="http://schemas.openxmlformats.org/officeDocument/2006/relationships" xmlns:p="http://schemas.openxmlformats.org/presentationml/2006/main">
+  <p:cSld>
+    <p:spTree>
+      <p:nvGrpSpPr>
+        <p:cNvPr id="1" name=""/>
+        <p:cNvGrpSpPr/>
+        <p:nvPr/>
+      </p:nvGrpSpPr>
+      <p:grpSpPr>
+        <a:xfrm>
+          <a:off x="0" y="0"/>
+          <a:ext cx="0" cy="0"/>
+          <a:chOff x="0" y="0"/>
+          <a:chExt cx="0" cy="0"/>
+        </a:xfrm>
+      </p:grpSpPr>
+      <p:sp>
+        <p:nvSpPr>
+          <p:cNvPr id="2" name="タイトル 1"/>
+          <p:cNvSpPr>
+            <a:spLocks noGrp="1"/>
+          </p:cNvSpPr>
+          <p:nvPr>
+            <p:ph type="title"/>
+          </p:nvPr>
+        </p:nvSpPr>
+        <p:spPr/>
+        <p:txBody>
+          <a:bodyPr/>
+          <a:lstStyle/>
+          <a:p>
+            <a:r>
+              <a:rPr lang="en-US" altLang="ja-JP" dirty="0" err="1"/>
+              <a:t>Node_modules</a:t>
+            </a:r>
+            <a:r>
+              <a:rPr lang="en-US" altLang="ja-JP" dirty="0"/>
+              <a:t> install</a:t>
+            </a:r>
+            <a:endParaRPr kumimoji="1" lang="ja-JP" altLang="en-US" dirty="0"/>
+          </a:p>
+        </p:txBody>
+      </p:sp>
+      <p:sp>
+        <p:nvSpPr>
+          <p:cNvPr id="4" name="スライド番号プレースホルダー 3"/>
+          <p:cNvSpPr>
+            <a:spLocks noGrp="1"/>
+          </p:cNvSpPr>
+          <p:nvPr>
+            <p:ph type="sldNum" sz="quarter" idx="12"/>
+          </p:nvPr>
+        </p:nvSpPr>
+        <p:spPr/>
+        <p:txBody>
+          <a:bodyPr/>
+          <a:lstStyle/>
+          <a:p>
+            <a:fld id="{4A32CB03-0843-4AF8-BFB2-C9917854BC7E}" type="slidenum">
+              <a:rPr kumimoji="1" lang="ja-JP" altLang="en-US" smtClean="0"/>
+              <a:t>17</a:t>
             </a:fld>
             <a:endParaRPr kumimoji="1" lang="ja-JP" altLang="en-US"/>
           </a:p>
@@ -5396,420 +5653,6 @@
 </p:sld>
 </file>
 
-<file path=ppt/slides/slide16.xml><?xml version="1.0" encoding="utf-8"?>
-<p:sld xmlns:a="http://schemas.openxmlformats.org/drawingml/2006/main" xmlns:r="http://schemas.openxmlformats.org/officeDocument/2006/relationships" xmlns:p="http://schemas.openxmlformats.org/presentationml/2006/main">
-  <p:cSld>
-    <p:spTree>
-      <p:nvGrpSpPr>
-        <p:cNvPr id="1" name=""/>
-        <p:cNvGrpSpPr/>
-        <p:nvPr/>
-      </p:nvGrpSpPr>
-      <p:grpSpPr>
-        <a:xfrm>
-          <a:off x="0" y="0"/>
-          <a:ext cx="0" cy="0"/>
-          <a:chOff x="0" y="0"/>
-          <a:chExt cx="0" cy="0"/>
-        </a:xfrm>
-      </p:grpSpPr>
-      <p:sp>
-        <p:nvSpPr>
-          <p:cNvPr id="2" name="タイトル 1"/>
-          <p:cNvSpPr>
-            <a:spLocks noGrp="1"/>
-          </p:cNvSpPr>
-          <p:nvPr>
-            <p:ph type="title"/>
-          </p:nvPr>
-        </p:nvSpPr>
-        <p:spPr/>
-        <p:txBody>
-          <a:bodyPr/>
-          <a:lstStyle/>
-          <a:p>
-            <a:r>
-              <a:rPr kumimoji="1" lang="en-US" altLang="ja-JP" dirty="0" smtClean="0"/>
-              <a:t>Generator</a:t>
-            </a:r>
-            <a:endParaRPr kumimoji="1" lang="ja-JP" altLang="en-US" dirty="0"/>
-          </a:p>
-        </p:txBody>
-      </p:sp>
-      <p:sp>
-        <p:nvSpPr>
-          <p:cNvPr id="3" name="コンテンツ プレースホルダー 2"/>
-          <p:cNvSpPr>
-            <a:spLocks noGrp="1"/>
-          </p:cNvSpPr>
-          <p:nvPr>
-            <p:ph idx="1"/>
-          </p:nvPr>
-        </p:nvSpPr>
-        <p:spPr/>
-        <p:txBody>
-          <a:bodyPr/>
-          <a:lstStyle/>
-          <a:p>
-            <a:r>
-              <a:rPr kumimoji="1" lang="ja-JP" altLang="en-US" dirty="0" smtClean="0"/>
-              <a:t>ブロックからコードに変換するための生成器</a:t>
-            </a:r>
-            <a:endParaRPr lang="en-US" altLang="ja-JP" dirty="0"/>
-          </a:p>
-          <a:p>
-            <a:r>
-              <a:rPr lang="en-US" altLang="ja-JP" dirty="0" err="1" smtClean="0"/>
-              <a:t>Blockly</a:t>
-            </a:r>
-            <a:r>
-              <a:rPr lang="ja-JP" altLang="en-US" dirty="0" smtClean="0"/>
-              <a:t>で利用できる言語</a:t>
-            </a:r>
-            <a:endParaRPr lang="en-US" altLang="ja-JP" dirty="0" smtClean="0"/>
-          </a:p>
-          <a:p>
-            <a:pPr lvl="1"/>
-            <a:r>
-              <a:rPr kumimoji="1" lang="en-US" altLang="ja-JP" dirty="0" smtClean="0"/>
-              <a:t>JavaScript</a:t>
-            </a:r>
-          </a:p>
-          <a:p>
-            <a:pPr lvl="1"/>
-            <a:r>
-              <a:rPr lang="en-US" altLang="ja-JP" dirty="0" smtClean="0"/>
-              <a:t>Python</a:t>
-            </a:r>
-          </a:p>
-          <a:p>
-            <a:pPr lvl="1"/>
-            <a:r>
-              <a:rPr kumimoji="1" lang="en-US" altLang="ja-JP" dirty="0" smtClean="0"/>
-              <a:t>PHP</a:t>
-            </a:r>
-          </a:p>
-          <a:p>
-            <a:pPr lvl="1"/>
-            <a:r>
-              <a:rPr lang="en-US" altLang="ja-JP" dirty="0" err="1" smtClean="0"/>
-              <a:t>Lua</a:t>
-            </a:r>
-            <a:endParaRPr lang="en-US" altLang="ja-JP" dirty="0" smtClean="0"/>
-          </a:p>
-          <a:p>
-            <a:pPr lvl="1"/>
-            <a:r>
-              <a:rPr kumimoji="1" lang="en-US" altLang="ja-JP" dirty="0" smtClean="0"/>
-              <a:t>Dart</a:t>
-            </a:r>
-          </a:p>
-          <a:p>
-            <a:pPr marL="457200" lvl="1" indent="0">
-              <a:buNone/>
-            </a:pPr>
-            <a:endParaRPr kumimoji="1" lang="en-US" altLang="ja-JP" dirty="0" smtClean="0"/>
-          </a:p>
-        </p:txBody>
-      </p:sp>
-      <p:sp>
-        <p:nvSpPr>
-          <p:cNvPr id="4" name="スライド番号プレースホルダー 3"/>
-          <p:cNvSpPr>
-            <a:spLocks noGrp="1"/>
-          </p:cNvSpPr>
-          <p:nvPr>
-            <p:ph type="sldNum" sz="quarter" idx="12"/>
-          </p:nvPr>
-        </p:nvSpPr>
-        <p:spPr/>
-        <p:txBody>
-          <a:bodyPr/>
-          <a:lstStyle/>
-          <a:p>
-            <a:fld id="{4A32CB03-0843-4AF8-BFB2-C9917854BC7E}" type="slidenum">
-              <a:rPr kumimoji="1" lang="ja-JP" altLang="en-US" smtClean="0"/>
-              <a:t>16</a:t>
-            </a:fld>
-            <a:endParaRPr kumimoji="1" lang="ja-JP" altLang="en-US"/>
-          </a:p>
-        </p:txBody>
-      </p:sp>
-    </p:spTree>
-    <p:extLst>
-      <p:ext uri="{BB962C8B-B14F-4D97-AF65-F5344CB8AC3E}">
-        <p14:creationId xmlns:p14="http://schemas.microsoft.com/office/powerpoint/2010/main" val="559910476"/>
-      </p:ext>
-    </p:extLst>
-  </p:cSld>
-  <p:clrMapOvr>
-    <a:masterClrMapping/>
-  </p:clrMapOvr>
-</p:sld>
-</file>
-
-<file path=ppt/slides/slide17.xml><?xml version="1.0" encoding="utf-8"?>
-<p:sld xmlns:a="http://schemas.openxmlformats.org/drawingml/2006/main" xmlns:r="http://schemas.openxmlformats.org/officeDocument/2006/relationships" xmlns:p="http://schemas.openxmlformats.org/presentationml/2006/main">
-  <p:cSld>
-    <p:spTree>
-      <p:nvGrpSpPr>
-        <p:cNvPr id="1" name=""/>
-        <p:cNvGrpSpPr/>
-        <p:nvPr/>
-      </p:nvGrpSpPr>
-      <p:grpSpPr>
-        <a:xfrm>
-          <a:off x="0" y="0"/>
-          <a:ext cx="0" cy="0"/>
-          <a:chOff x="0" y="0"/>
-          <a:chExt cx="0" cy="0"/>
-        </a:xfrm>
-      </p:grpSpPr>
-      <p:sp>
-        <p:nvSpPr>
-          <p:cNvPr id="2" name="タイトル 1"/>
-          <p:cNvSpPr>
-            <a:spLocks noGrp="1"/>
-          </p:cNvSpPr>
-          <p:nvPr>
-            <p:ph type="title"/>
-          </p:nvPr>
-        </p:nvSpPr>
-        <p:spPr>
-          <a:xfrm>
-            <a:off x="644834" y="365126"/>
-            <a:ext cx="7886700" cy="1325563"/>
-          </a:xfrm>
-        </p:spPr>
-        <p:txBody>
-          <a:bodyPr/>
-          <a:lstStyle/>
-          <a:p>
-            <a:r>
-              <a:rPr kumimoji="1" lang="en-US" altLang="ja-JP" dirty="0" err="1" smtClean="0"/>
-              <a:t>Lua</a:t>
-            </a:r>
-            <a:endParaRPr kumimoji="1" lang="ja-JP" altLang="en-US" dirty="0"/>
-          </a:p>
-        </p:txBody>
-      </p:sp>
-      <p:sp>
-        <p:nvSpPr>
-          <p:cNvPr id="3" name="コンテンツ プレースホルダー 2"/>
-          <p:cNvSpPr>
-            <a:spLocks noGrp="1"/>
-          </p:cNvSpPr>
-          <p:nvPr>
-            <p:ph idx="1"/>
-          </p:nvPr>
-        </p:nvSpPr>
-        <p:spPr/>
-        <p:txBody>
-          <a:bodyPr>
-            <a:normAutofit fontScale="70000" lnSpcReduction="20000"/>
-          </a:bodyPr>
-          <a:lstStyle/>
-          <a:p>
-            <a:pPr marL="0" indent="0">
-              <a:buNone/>
-            </a:pPr>
-            <a:r>
-              <a:rPr lang="en-US" altLang="ja-JP" dirty="0" err="1"/>
-              <a:t>Lua</a:t>
-            </a:r>
-            <a:r>
-              <a:rPr lang="ja-JP" altLang="en-US" dirty="0"/>
-              <a:t>（ルア）はスクリプト言語およびその処理系の実装で、主にリオデジャネイロ・カトリカ大学（英語版）のコンピュータ科学科 </a:t>
-            </a:r>
-            <a:r>
-              <a:rPr lang="en-US" altLang="ja-JP" dirty="0"/>
-              <a:t>(Department of Computer Science) </a:t>
-            </a:r>
-            <a:r>
-              <a:rPr lang="ja-JP" altLang="en-US" dirty="0"/>
-              <a:t>および</a:t>
-            </a:r>
-            <a:r>
-              <a:rPr lang="en-US" altLang="ja-JP" dirty="0"/>
-              <a:t>/</a:t>
-            </a:r>
-            <a:r>
-              <a:rPr lang="ja-JP" altLang="en-US" dirty="0"/>
-              <a:t>または同大学附属研究所の</a:t>
-            </a:r>
-            <a:r>
-              <a:rPr lang="en-US" altLang="ja-JP" dirty="0" err="1" smtClean="0"/>
-              <a:t>Tecgraf</a:t>
-            </a:r>
-            <a:r>
-              <a:rPr lang="en-US" altLang="ja-JP" dirty="0" smtClean="0"/>
-              <a:t>/PUC-Rio</a:t>
-            </a:r>
-            <a:r>
-              <a:rPr lang="ja-JP" altLang="en-US" dirty="0" smtClean="0"/>
-              <a:t>に</a:t>
-            </a:r>
-            <a:r>
-              <a:rPr lang="ja-JP" altLang="en-US" dirty="0"/>
-              <a:t>所属する、</a:t>
-            </a:r>
-            <a:r>
-              <a:rPr lang="en-US" altLang="ja-JP" dirty="0"/>
-              <a:t>Roberto </a:t>
-            </a:r>
-            <a:r>
-              <a:rPr lang="en-US" altLang="ja-JP" dirty="0" err="1"/>
-              <a:t>Ierusalimschy</a:t>
-            </a:r>
-            <a:r>
-              <a:rPr lang="ja-JP" altLang="en-US" dirty="0" err="1"/>
-              <a:t>、</a:t>
-            </a:r>
-            <a:r>
-              <a:rPr lang="en-US" altLang="ja-JP" dirty="0" err="1"/>
-              <a:t>Waldemar</a:t>
-            </a:r>
-            <a:r>
-              <a:rPr lang="en-US" altLang="ja-JP" dirty="0"/>
-              <a:t> </a:t>
-            </a:r>
-            <a:r>
-              <a:rPr lang="en-US" altLang="ja-JP" dirty="0" err="1" smtClean="0"/>
-              <a:t>Celes</a:t>
-            </a:r>
-            <a:r>
-              <a:rPr lang="ja-JP" altLang="en-US" dirty="0" err="1" smtClean="0"/>
-              <a:t>、</a:t>
-            </a:r>
-            <a:r>
-              <a:rPr lang="en-US" altLang="ja-JP" dirty="0"/>
-              <a:t>Luiz Henrique de </a:t>
-            </a:r>
-            <a:r>
-              <a:rPr lang="en-US" altLang="ja-JP" dirty="0" err="1" smtClean="0"/>
-              <a:t>Figueiredo</a:t>
-            </a:r>
-            <a:r>
-              <a:rPr lang="ja-JP" altLang="en-US" dirty="0" err="1" smtClean="0"/>
-              <a:t>らに</a:t>
-            </a:r>
-            <a:r>
-              <a:rPr lang="ja-JP" altLang="en-US" dirty="0"/>
-              <a:t>よって設計開発</a:t>
-            </a:r>
-            <a:r>
-              <a:rPr lang="ja-JP" altLang="en-US" dirty="0" smtClean="0"/>
-              <a:t>された。</a:t>
-            </a:r>
-            <a:endParaRPr lang="ja-JP" altLang="en-US" dirty="0"/>
-          </a:p>
-          <a:p>
-            <a:pPr marL="0" indent="0">
-              <a:buNone/>
-            </a:pPr>
-            <a:endParaRPr lang="ja-JP" altLang="en-US" dirty="0"/>
-          </a:p>
-          <a:p>
-            <a:pPr marL="0" indent="0">
-              <a:buNone/>
-            </a:pPr>
-            <a:r>
-              <a:rPr lang="ja-JP" altLang="en-US" dirty="0"/>
-              <a:t>手続き型言語として、またプロトタイプベースのオブジェクト指向言語としても利用することができ、関数型言語、データ駆動型としての要素も併せ持っている。</a:t>
-            </a:r>
-          </a:p>
-          <a:p>
-            <a:pPr marL="0" indent="0">
-              <a:buNone/>
-            </a:pPr>
-            <a:endParaRPr lang="ja-JP" altLang="en-US" dirty="0"/>
-          </a:p>
-          <a:p>
-            <a:pPr marL="0" indent="0">
-              <a:buNone/>
-            </a:pPr>
-            <a:r>
-              <a:rPr lang="en-US" altLang="ja-JP" dirty="0" err="1"/>
-              <a:t>Lua</a:t>
-            </a:r>
-            <a:r>
-              <a:rPr lang="ja-JP" altLang="en-US" dirty="0"/>
-              <a:t>という名前は、ポルトガル語の「月」に由来する</a:t>
-            </a:r>
-            <a:r>
-              <a:rPr lang="ja-JP" altLang="en-US" dirty="0" smtClean="0"/>
-              <a:t>。</a:t>
-            </a:r>
-            <a:endParaRPr lang="en-US" altLang="ja-JP" dirty="0" smtClean="0"/>
-          </a:p>
-          <a:p>
-            <a:pPr marL="0" indent="0">
-              <a:buNone/>
-            </a:pPr>
-            <a:endParaRPr kumimoji="1" lang="en-US" altLang="ja-JP" dirty="0" smtClean="0"/>
-          </a:p>
-          <a:p>
-            <a:pPr marL="0" indent="0">
-              <a:buNone/>
-            </a:pPr>
-            <a:r>
-              <a:rPr lang="ja-JP" altLang="en-US" dirty="0"/>
-              <a:t>引用</a:t>
-            </a:r>
-            <a:r>
-              <a:rPr lang="ja-JP" altLang="en-US" dirty="0" smtClean="0"/>
-              <a:t>：</a:t>
-            </a:r>
-            <a:endParaRPr kumimoji="1" lang="en-US" altLang="ja-JP" dirty="0"/>
-          </a:p>
-          <a:p>
-            <a:pPr marL="0" indent="0">
-              <a:buNone/>
-            </a:pPr>
-            <a:r>
-              <a:rPr lang="en-US" altLang="ja-JP" dirty="0"/>
-              <a:t>https://ja.wikipedia.org/wiki/Lua</a:t>
-            </a:r>
-            <a:endParaRPr kumimoji="1" lang="ja-JP" altLang="en-US" dirty="0"/>
-          </a:p>
-        </p:txBody>
-      </p:sp>
-      <p:sp>
-        <p:nvSpPr>
-          <p:cNvPr id="4" name="スライド番号プレースホルダー 3"/>
-          <p:cNvSpPr>
-            <a:spLocks noGrp="1"/>
-          </p:cNvSpPr>
-          <p:nvPr>
-            <p:ph type="sldNum" sz="quarter" idx="12"/>
-          </p:nvPr>
-        </p:nvSpPr>
-        <p:spPr/>
-        <p:txBody>
-          <a:bodyPr/>
-          <a:lstStyle/>
-          <a:p>
-            <a:fld id="{4A32CB03-0843-4AF8-BFB2-C9917854BC7E}" type="slidenum">
-              <a:rPr kumimoji="1" lang="ja-JP" altLang="en-US" smtClean="0"/>
-              <a:t>17</a:t>
-            </a:fld>
-            <a:endParaRPr kumimoji="1" lang="ja-JP" altLang="en-US"/>
-          </a:p>
-        </p:txBody>
-      </p:sp>
-    </p:spTree>
-    <p:extLst>
-      <p:ext uri="{BB962C8B-B14F-4D97-AF65-F5344CB8AC3E}">
-        <p14:creationId xmlns:p14="http://schemas.microsoft.com/office/powerpoint/2010/main" val="843265026"/>
-      </p:ext>
-    </p:extLst>
-  </p:cSld>
-  <p:clrMapOvr>
-    <a:masterClrMapping/>
-  </p:clrMapOvr>
-</p:sld>
-</file>
-
 <file path=ppt/slides/slide18.xml><?xml version="1.0" encoding="utf-8"?>
 <p:sld xmlns:a="http://schemas.openxmlformats.org/drawingml/2006/main" xmlns:r="http://schemas.openxmlformats.org/officeDocument/2006/relationships" xmlns:p="http://schemas.openxmlformats.org/presentationml/2006/main">
   <p:cSld>
@@ -5844,151 +5687,85 @@
           <a:p>
             <a:r>
               <a:rPr kumimoji="1" lang="en-US" altLang="ja-JP" dirty="0" smtClean="0"/>
+              <a:t>Generator</a:t>
+            </a:r>
+            <a:endParaRPr kumimoji="1" lang="ja-JP" altLang="en-US" dirty="0"/>
+          </a:p>
+        </p:txBody>
+      </p:sp>
+      <p:sp>
+        <p:nvSpPr>
+          <p:cNvPr id="3" name="コンテンツ プレースホルダー 2"/>
+          <p:cNvSpPr>
+            <a:spLocks noGrp="1"/>
+          </p:cNvSpPr>
+          <p:nvPr>
+            <p:ph idx="1"/>
+          </p:nvPr>
+        </p:nvSpPr>
+        <p:spPr/>
+        <p:txBody>
+          <a:bodyPr/>
+          <a:lstStyle/>
+          <a:p>
+            <a:r>
+              <a:rPr kumimoji="1" lang="ja-JP" altLang="en-US" dirty="0" smtClean="0"/>
+              <a:t>ブロックからコードに変換するための生成器</a:t>
+            </a:r>
+            <a:endParaRPr lang="en-US" altLang="ja-JP" dirty="0"/>
+          </a:p>
+          <a:p>
+            <a:r>
+              <a:rPr lang="en-US" altLang="ja-JP" dirty="0" err="1" smtClean="0"/>
+              <a:t>Blockly</a:t>
+            </a:r>
+            <a:r>
+              <a:rPr lang="ja-JP" altLang="en-US" dirty="0" smtClean="0"/>
+              <a:t>で利用できる言語</a:t>
+            </a:r>
+            <a:endParaRPr lang="en-US" altLang="ja-JP" dirty="0" smtClean="0"/>
+          </a:p>
+          <a:p>
+            <a:pPr lvl="1"/>
+            <a:r>
+              <a:rPr kumimoji="1" lang="en-US" altLang="ja-JP" dirty="0" smtClean="0"/>
+              <a:t>JavaScript</a:t>
+            </a:r>
+          </a:p>
+          <a:p>
+            <a:pPr lvl="1"/>
+            <a:r>
+              <a:rPr lang="en-US" altLang="ja-JP" dirty="0" smtClean="0"/>
+              <a:t>Python</a:t>
+            </a:r>
+          </a:p>
+          <a:p>
+            <a:pPr lvl="1"/>
+            <a:r>
+              <a:rPr kumimoji="1" lang="en-US" altLang="ja-JP" dirty="0" smtClean="0"/>
+              <a:t>PHP</a:t>
+            </a:r>
+          </a:p>
+          <a:p>
+            <a:pPr lvl="1"/>
+            <a:r>
+              <a:rPr lang="en-US" altLang="ja-JP" dirty="0" err="1" smtClean="0"/>
+              <a:t>Lua</a:t>
+            </a:r>
+            <a:endParaRPr lang="en-US" altLang="ja-JP" dirty="0" smtClean="0"/>
+          </a:p>
+          <a:p>
+            <a:pPr lvl="1"/>
+            <a:r>
+              <a:rPr kumimoji="1" lang="en-US" altLang="ja-JP" dirty="0" smtClean="0"/>
               <a:t>Dart</a:t>
             </a:r>
-            <a:endParaRPr kumimoji="1" lang="ja-JP" altLang="en-US" dirty="0"/>
-          </a:p>
-        </p:txBody>
-      </p:sp>
-      <p:sp>
-        <p:nvSpPr>
-          <p:cNvPr id="3" name="コンテンツ プレースホルダー 2"/>
-          <p:cNvSpPr>
-            <a:spLocks noGrp="1"/>
-          </p:cNvSpPr>
-          <p:nvPr>
-            <p:ph idx="1"/>
-          </p:nvPr>
-        </p:nvSpPr>
-        <p:spPr/>
-        <p:txBody>
-          <a:bodyPr>
-            <a:normAutofit lnSpcReduction="10000"/>
-          </a:bodyPr>
-          <a:lstStyle/>
-          <a:p>
-            <a:pPr marL="0" indent="0">
-              <a:buNone/>
-            </a:pPr>
-            <a:r>
-              <a:rPr lang="en-US" altLang="ja-JP" dirty="0"/>
-              <a:t>Dart</a:t>
-            </a:r>
-            <a:r>
-              <a:rPr lang="ja-JP" altLang="en-US" dirty="0"/>
-              <a:t>（ダートもしくはダーツ。当初は </a:t>
-            </a:r>
-            <a:r>
-              <a:rPr lang="en-US" altLang="ja-JP" dirty="0"/>
-              <a:t>Dash </a:t>
-            </a:r>
-            <a:r>
-              <a:rPr lang="ja-JP" altLang="en-US" dirty="0"/>
-              <a:t>と呼ばれていた）は</a:t>
-            </a:r>
-            <a:r>
-              <a:rPr lang="en-US" altLang="ja-JP" dirty="0"/>
-              <a:t>Google</a:t>
-            </a:r>
-            <a:r>
-              <a:rPr lang="ja-JP" altLang="en-US" dirty="0"/>
-              <a:t>によって開発されたウェブ向けのプログラミング言語である。</a:t>
-            </a:r>
-            <a:r>
-              <a:rPr lang="en-US" altLang="ja-JP" dirty="0"/>
-              <a:t>2011</a:t>
-            </a:r>
-            <a:r>
-              <a:rPr lang="ja-JP" altLang="en-US" dirty="0"/>
-              <a:t>年</a:t>
-            </a:r>
-            <a:r>
-              <a:rPr lang="en-US" altLang="ja-JP" dirty="0"/>
-              <a:t>10</a:t>
-            </a:r>
-            <a:r>
-              <a:rPr lang="ja-JP" altLang="en-US" dirty="0"/>
-              <a:t>月</a:t>
-            </a:r>
-            <a:r>
-              <a:rPr lang="en-US" altLang="ja-JP" dirty="0"/>
-              <a:t>10</a:t>
-            </a:r>
-            <a:r>
-              <a:rPr lang="ja-JP" altLang="en-US" dirty="0"/>
-              <a:t>日 </a:t>
-            </a:r>
-            <a:r>
-              <a:rPr lang="en-US" altLang="ja-JP" dirty="0"/>
-              <a:t>- 12</a:t>
-            </a:r>
-            <a:r>
-              <a:rPr lang="ja-JP" altLang="en-US" dirty="0"/>
-              <a:t>日に開催された デンマークのオーフスで開催された「</a:t>
-            </a:r>
-            <a:r>
-              <a:rPr lang="en-US" altLang="ja-JP" dirty="0"/>
-              <a:t>GOTO</a:t>
-            </a:r>
-            <a:r>
-              <a:rPr lang="ja-JP" altLang="en-US" dirty="0"/>
-              <a:t>カンファレンス</a:t>
-            </a:r>
-            <a:r>
-              <a:rPr lang="ja-JP" altLang="en-US" dirty="0" smtClean="0"/>
-              <a:t>」で</a:t>
-            </a:r>
-            <a:r>
-              <a:rPr lang="ja-JP" altLang="en-US" dirty="0"/>
-              <a:t>公開</a:t>
-            </a:r>
-            <a:r>
-              <a:rPr lang="ja-JP" altLang="en-US" dirty="0" smtClean="0"/>
-              <a:t>された。</a:t>
-            </a:r>
-            <a:r>
-              <a:rPr lang="ja-JP" altLang="en-US" dirty="0"/>
-              <a:t>この言語は、ウェブブラウザ組み込みのスクリプト言語である</a:t>
-            </a:r>
-            <a:r>
-              <a:rPr lang="en-US" altLang="ja-JP" dirty="0"/>
-              <a:t>JavaScript</a:t>
-            </a:r>
-            <a:r>
-              <a:rPr lang="ja-JP" altLang="en-US" dirty="0"/>
-              <a:t>の代替となることを目的に作られた</a:t>
-            </a:r>
-            <a:r>
-              <a:rPr lang="ja-JP" altLang="en-US" dirty="0" smtClean="0"/>
-              <a:t>。</a:t>
-            </a:r>
-            <a:endParaRPr lang="en-US" altLang="ja-JP" dirty="0"/>
-          </a:p>
-          <a:p>
-            <a:pPr marL="0" indent="0">
+          </a:p>
+          <a:p>
+            <a:pPr marL="457200" lvl="1" indent="0">
               <a:buNone/>
             </a:pPr>
             <a:endParaRPr kumimoji="1" lang="en-US" altLang="ja-JP" dirty="0" smtClean="0"/>
-          </a:p>
-          <a:p>
-            <a:pPr marL="0" indent="0">
-              <a:buNone/>
-            </a:pPr>
-            <a:r>
-              <a:rPr kumimoji="1" lang="ja-JP" altLang="en-US" dirty="0" smtClean="0"/>
-              <a:t>引用：</a:t>
-            </a:r>
-            <a:endParaRPr kumimoji="1" lang="en-US" altLang="ja-JP" dirty="0" smtClean="0"/>
-          </a:p>
-          <a:p>
-            <a:pPr marL="0" indent="0">
-              <a:buNone/>
-            </a:pPr>
-            <a:r>
-              <a:rPr lang="en-US" altLang="ja-JP" dirty="0"/>
-              <a:t>https://ja.wikipedia.org/wiki/Dart</a:t>
-            </a:r>
-            <a:endParaRPr kumimoji="1" lang="ja-JP" altLang="en-US" dirty="0"/>
           </a:p>
         </p:txBody>
       </p:sp>
@@ -6018,7 +5795,7 @@
     </p:spTree>
     <p:extLst>
       <p:ext uri="{BB962C8B-B14F-4D97-AF65-F5344CB8AC3E}">
-        <p14:creationId xmlns:p14="http://schemas.microsoft.com/office/powerpoint/2010/main" val="3121424104"/>
+        <p14:creationId xmlns:p14="http://schemas.microsoft.com/office/powerpoint/2010/main" val="559910476"/>
       </p:ext>
     </p:extLst>
   </p:cSld>
@@ -6055,14 +5832,19 @@
             <p:ph type="title"/>
           </p:nvPr>
         </p:nvSpPr>
-        <p:spPr/>
-        <p:txBody>
-          <a:bodyPr/>
-          <a:lstStyle/>
-          <a:p>
-            <a:r>
-              <a:rPr kumimoji="1" lang="en-US" altLang="ja-JP" dirty="0" smtClean="0"/>
-              <a:t>Generator</a:t>
+        <p:spPr>
+          <a:xfrm>
+            <a:off x="644834" y="365126"/>
+            <a:ext cx="7886700" cy="1325563"/>
+          </a:xfrm>
+        </p:spPr>
+        <p:txBody>
+          <a:bodyPr/>
+          <a:lstStyle/>
+          <a:p>
+            <a:r>
+              <a:rPr kumimoji="1" lang="en-US" altLang="ja-JP" dirty="0" err="1" smtClean="0"/>
+              <a:t>Lua</a:t>
             </a:r>
             <a:endParaRPr kumimoji="1" lang="ja-JP" altLang="en-US" dirty="0"/>
           </a:p>
@@ -6081,83 +5863,171 @@
         <p:spPr/>
         <p:txBody>
           <a:bodyPr>
-            <a:normAutofit/>
+            <a:normAutofit fontScale="70000" lnSpcReduction="20000"/>
           </a:bodyPr>
           <a:lstStyle/>
           <a:p>
-            <a:r>
-              <a:rPr kumimoji="1" lang="en-US" altLang="ja-JP" dirty="0" smtClean="0"/>
-              <a:t>Generator</a:t>
-            </a:r>
-            <a:r>
-              <a:rPr kumimoji="1" lang="ja-JP" altLang="en-US" dirty="0" smtClean="0"/>
-              <a:t>を利用する際には、前のスライドの通りに実行し、</a:t>
-            </a:r>
-            <a:r>
-              <a:rPr kumimoji="1" lang="en-US" altLang="ja-JP" dirty="0" err="1" smtClean="0"/>
-              <a:t>Node_modules</a:t>
-            </a:r>
-            <a:r>
-              <a:rPr kumimoji="1" lang="ja-JP" altLang="en-US" dirty="0" smtClean="0"/>
-              <a:t>内のファイルを呼び出す</a:t>
-            </a:r>
+            <a:pPr marL="0" indent="0">
+              <a:buNone/>
+            </a:pPr>
+            <a:r>
+              <a:rPr lang="en-US" altLang="ja-JP" dirty="0" err="1"/>
+              <a:t>Lua</a:t>
+            </a:r>
+            <a:r>
+              <a:rPr lang="ja-JP" altLang="en-US" dirty="0"/>
+              <a:t>（ルア）はスクリプト言語およびその処理系の実装で、主にリオデジャネイロ・カトリカ大学（英語版）のコンピュータ科学科 </a:t>
+            </a:r>
+            <a:r>
+              <a:rPr lang="en-US" altLang="ja-JP" dirty="0"/>
+              <a:t>(Department of Computer Science) </a:t>
+            </a:r>
+            <a:r>
+              <a:rPr lang="ja-JP" altLang="en-US" dirty="0"/>
+              <a:t>および</a:t>
+            </a:r>
+            <a:r>
+              <a:rPr lang="en-US" altLang="ja-JP" dirty="0"/>
+              <a:t>/</a:t>
+            </a:r>
+            <a:r>
+              <a:rPr lang="ja-JP" altLang="en-US" dirty="0"/>
+              <a:t>または同大学附属研究所の</a:t>
+            </a:r>
+            <a:r>
+              <a:rPr lang="en-US" altLang="ja-JP" dirty="0" err="1" smtClean="0"/>
+              <a:t>Tecgraf</a:t>
+            </a:r>
+            <a:r>
+              <a:rPr lang="en-US" altLang="ja-JP" dirty="0" smtClean="0"/>
+              <a:t>/PUC-Rio</a:t>
+            </a:r>
+            <a:r>
+              <a:rPr lang="ja-JP" altLang="en-US" dirty="0" smtClean="0"/>
+              <a:t>に</a:t>
+            </a:r>
+            <a:r>
+              <a:rPr lang="ja-JP" altLang="en-US" dirty="0"/>
+              <a:t>所属する、</a:t>
+            </a:r>
+            <a:r>
+              <a:rPr lang="en-US" altLang="ja-JP" dirty="0"/>
+              <a:t>Roberto </a:t>
+            </a:r>
+            <a:r>
+              <a:rPr lang="en-US" altLang="ja-JP" dirty="0" err="1"/>
+              <a:t>Ierusalimschy</a:t>
+            </a:r>
+            <a:r>
+              <a:rPr lang="ja-JP" altLang="en-US" dirty="0" err="1"/>
+              <a:t>、</a:t>
+            </a:r>
+            <a:r>
+              <a:rPr lang="en-US" altLang="ja-JP" dirty="0" err="1"/>
+              <a:t>Waldemar</a:t>
+            </a:r>
+            <a:r>
+              <a:rPr lang="en-US" altLang="ja-JP" dirty="0"/>
+              <a:t> </a:t>
+            </a:r>
+            <a:r>
+              <a:rPr lang="en-US" altLang="ja-JP" dirty="0" err="1" smtClean="0"/>
+              <a:t>Celes</a:t>
+            </a:r>
+            <a:r>
+              <a:rPr lang="ja-JP" altLang="en-US" dirty="0" err="1" smtClean="0"/>
+              <a:t>、</a:t>
+            </a:r>
+            <a:r>
+              <a:rPr lang="en-US" altLang="ja-JP" dirty="0"/>
+              <a:t>Luiz Henrique de </a:t>
+            </a:r>
+            <a:r>
+              <a:rPr lang="en-US" altLang="ja-JP" dirty="0" err="1" smtClean="0"/>
+              <a:t>Figueiredo</a:t>
+            </a:r>
+            <a:r>
+              <a:rPr lang="ja-JP" altLang="en-US" dirty="0" err="1" smtClean="0"/>
+              <a:t>らに</a:t>
+            </a:r>
+            <a:r>
+              <a:rPr lang="ja-JP" altLang="en-US" dirty="0"/>
+              <a:t>よって設計開発</a:t>
+            </a:r>
+            <a:r>
+              <a:rPr lang="ja-JP" altLang="en-US" dirty="0" smtClean="0"/>
+              <a:t>された。</a:t>
+            </a:r>
+            <a:endParaRPr lang="ja-JP" altLang="en-US" dirty="0"/>
+          </a:p>
+          <a:p>
+            <a:pPr marL="0" indent="0">
+              <a:buNone/>
+            </a:pPr>
+            <a:endParaRPr lang="ja-JP" altLang="en-US" dirty="0"/>
+          </a:p>
+          <a:p>
+            <a:pPr marL="0" indent="0">
+              <a:buNone/>
+            </a:pPr>
+            <a:r>
+              <a:rPr lang="ja-JP" altLang="en-US" dirty="0"/>
+              <a:t>手続き型言語として、またプロトタイプベースのオブジェクト指向言語としても利用することができ、関数型言語、データ駆動型としての要素も併せ持っている。</a:t>
+            </a:r>
+          </a:p>
+          <a:p>
+            <a:pPr marL="0" indent="0">
+              <a:buNone/>
+            </a:pPr>
+            <a:endParaRPr lang="ja-JP" altLang="en-US" dirty="0"/>
+          </a:p>
+          <a:p>
+            <a:pPr marL="0" indent="0">
+              <a:buNone/>
+            </a:pPr>
+            <a:r>
+              <a:rPr lang="en-US" altLang="ja-JP" dirty="0" err="1"/>
+              <a:t>Lua</a:t>
+            </a:r>
+            <a:r>
+              <a:rPr lang="ja-JP" altLang="en-US" dirty="0"/>
+              <a:t>という名前は、ポルトガル語の「月」に由来する</a:t>
+            </a:r>
+            <a:r>
+              <a:rPr lang="ja-JP" altLang="en-US" dirty="0" smtClean="0"/>
+              <a:t>。</a:t>
+            </a:r>
+            <a:endParaRPr lang="en-US" altLang="ja-JP" dirty="0" smtClean="0"/>
+          </a:p>
+          <a:p>
+            <a:pPr marL="0" indent="0">
+              <a:buNone/>
+            </a:pPr>
             <a:endParaRPr kumimoji="1" lang="en-US" altLang="ja-JP" dirty="0" smtClean="0"/>
           </a:p>
           <a:p>
+            <a:pPr marL="0" indent="0">
+              <a:buNone/>
+            </a:pPr>
+            <a:r>
+              <a:rPr lang="ja-JP" altLang="en-US" dirty="0"/>
+              <a:t>引用</a:t>
+            </a:r>
+            <a:r>
+              <a:rPr lang="ja-JP" altLang="en-US" dirty="0" smtClean="0"/>
+              <a:t>：</a:t>
+            </a:r>
+            <a:endParaRPr kumimoji="1" lang="en-US" altLang="ja-JP" dirty="0"/>
+          </a:p>
+          <a:p>
+            <a:pPr marL="0" indent="0">
+              <a:buNone/>
+            </a:pPr>
             <a:r>
               <a:rPr lang="en-US" altLang="ja-JP" dirty="0"/>
-              <a:t>h</a:t>
-            </a:r>
-            <a:r>
-              <a:rPr lang="en-US" altLang="ja-JP" dirty="0" smtClean="0"/>
-              <a:t>tml</a:t>
-            </a:r>
-            <a:r>
-              <a:rPr lang="ja-JP" altLang="en-US" dirty="0" smtClean="0"/>
-              <a:t>ファイル内で、</a:t>
-            </a:r>
-            <a:r>
-              <a:rPr lang="en-US" altLang="ja-JP" dirty="0" smtClean="0"/>
-              <a:t>script</a:t>
-            </a:r>
-            <a:r>
-              <a:rPr lang="ja-JP" altLang="en-US" dirty="0" smtClean="0"/>
-              <a:t>で呼び出し</a:t>
-            </a:r>
-            <a:endParaRPr lang="en-US" altLang="ja-JP" dirty="0" smtClean="0"/>
-          </a:p>
-          <a:p>
-            <a:r>
-              <a:rPr lang="en-US" altLang="ja-JP" dirty="0"/>
-              <a:t> </a:t>
-            </a:r>
-            <a:r>
-              <a:rPr lang="en-US" altLang="ja-JP" dirty="0" err="1"/>
-              <a:t>var</a:t>
-            </a:r>
-            <a:r>
-              <a:rPr lang="en-US" altLang="ja-JP" dirty="0"/>
-              <a:t> code = </a:t>
-            </a:r>
-            <a:r>
-              <a:rPr lang="en-US" altLang="ja-JP" dirty="0" err="1"/>
-              <a:t>Blockly.JavaScript.workspaceToCode</a:t>
-            </a:r>
-            <a:r>
-              <a:rPr lang="en-US" altLang="ja-JP" dirty="0"/>
-              <a:t>(</a:t>
-            </a:r>
-            <a:r>
-              <a:rPr lang="en-US" altLang="ja-JP" dirty="0" err="1"/>
-              <a:t>demoWorkspace</a:t>
-            </a:r>
-            <a:r>
-              <a:rPr lang="en-US" altLang="ja-JP" dirty="0" smtClean="0"/>
-              <a:t>);</a:t>
-            </a:r>
-          </a:p>
-          <a:p>
-            <a:endParaRPr lang="en-US" altLang="ja-JP" dirty="0"/>
+              <a:t>https://ja.wikipedia.org/wiki/Lua</a:t>
+            </a:r>
+            <a:endParaRPr kumimoji="1" lang="ja-JP" altLang="en-US" dirty="0"/>
           </a:p>
         </p:txBody>
       </p:sp>
@@ -6187,7 +6057,7 @@
     </p:spTree>
     <p:extLst>
       <p:ext uri="{BB962C8B-B14F-4D97-AF65-F5344CB8AC3E}">
-        <p14:creationId xmlns:p14="http://schemas.microsoft.com/office/powerpoint/2010/main" val="2142560469"/>
+        <p14:creationId xmlns:p14="http://schemas.microsoft.com/office/powerpoint/2010/main" val="843265026"/>
       </p:ext>
     </p:extLst>
   </p:cSld>
@@ -6383,6 +6253,393 @@
           <a:lstStyle/>
           <a:p>
             <a:r>
+              <a:rPr kumimoji="1" lang="en-US" altLang="ja-JP" dirty="0" smtClean="0"/>
+              <a:t>Dart</a:t>
+            </a:r>
+            <a:endParaRPr kumimoji="1" lang="ja-JP" altLang="en-US" dirty="0"/>
+          </a:p>
+        </p:txBody>
+      </p:sp>
+      <p:sp>
+        <p:nvSpPr>
+          <p:cNvPr id="3" name="コンテンツ プレースホルダー 2"/>
+          <p:cNvSpPr>
+            <a:spLocks noGrp="1"/>
+          </p:cNvSpPr>
+          <p:nvPr>
+            <p:ph idx="1"/>
+          </p:nvPr>
+        </p:nvSpPr>
+        <p:spPr/>
+        <p:txBody>
+          <a:bodyPr>
+            <a:normAutofit lnSpcReduction="10000"/>
+          </a:bodyPr>
+          <a:lstStyle/>
+          <a:p>
+            <a:pPr marL="0" indent="0">
+              <a:buNone/>
+            </a:pPr>
+            <a:r>
+              <a:rPr lang="en-US" altLang="ja-JP" dirty="0"/>
+              <a:t>Dart</a:t>
+            </a:r>
+            <a:r>
+              <a:rPr lang="ja-JP" altLang="en-US" dirty="0"/>
+              <a:t>（ダートもしくはダーツ。当初は </a:t>
+            </a:r>
+            <a:r>
+              <a:rPr lang="en-US" altLang="ja-JP" dirty="0"/>
+              <a:t>Dash </a:t>
+            </a:r>
+            <a:r>
+              <a:rPr lang="ja-JP" altLang="en-US" dirty="0"/>
+              <a:t>と呼ばれていた）は</a:t>
+            </a:r>
+            <a:r>
+              <a:rPr lang="en-US" altLang="ja-JP" dirty="0"/>
+              <a:t>Google</a:t>
+            </a:r>
+            <a:r>
+              <a:rPr lang="ja-JP" altLang="en-US" dirty="0"/>
+              <a:t>によって開発されたウェブ向けのプログラミング言語である。</a:t>
+            </a:r>
+            <a:r>
+              <a:rPr lang="en-US" altLang="ja-JP" dirty="0"/>
+              <a:t>2011</a:t>
+            </a:r>
+            <a:r>
+              <a:rPr lang="ja-JP" altLang="en-US" dirty="0"/>
+              <a:t>年</a:t>
+            </a:r>
+            <a:r>
+              <a:rPr lang="en-US" altLang="ja-JP" dirty="0"/>
+              <a:t>10</a:t>
+            </a:r>
+            <a:r>
+              <a:rPr lang="ja-JP" altLang="en-US" dirty="0"/>
+              <a:t>月</a:t>
+            </a:r>
+            <a:r>
+              <a:rPr lang="en-US" altLang="ja-JP" dirty="0"/>
+              <a:t>10</a:t>
+            </a:r>
+            <a:r>
+              <a:rPr lang="ja-JP" altLang="en-US" dirty="0"/>
+              <a:t>日 </a:t>
+            </a:r>
+            <a:r>
+              <a:rPr lang="en-US" altLang="ja-JP" dirty="0"/>
+              <a:t>- 12</a:t>
+            </a:r>
+            <a:r>
+              <a:rPr lang="ja-JP" altLang="en-US" dirty="0"/>
+              <a:t>日に開催された デンマークのオーフスで開催された「</a:t>
+            </a:r>
+            <a:r>
+              <a:rPr lang="en-US" altLang="ja-JP" dirty="0"/>
+              <a:t>GOTO</a:t>
+            </a:r>
+            <a:r>
+              <a:rPr lang="ja-JP" altLang="en-US" dirty="0"/>
+              <a:t>カンファレンス</a:t>
+            </a:r>
+            <a:r>
+              <a:rPr lang="ja-JP" altLang="en-US" dirty="0" smtClean="0"/>
+              <a:t>」で</a:t>
+            </a:r>
+            <a:r>
+              <a:rPr lang="ja-JP" altLang="en-US" dirty="0"/>
+              <a:t>公開</a:t>
+            </a:r>
+            <a:r>
+              <a:rPr lang="ja-JP" altLang="en-US" dirty="0" smtClean="0"/>
+              <a:t>された。</a:t>
+            </a:r>
+            <a:r>
+              <a:rPr lang="ja-JP" altLang="en-US" dirty="0"/>
+              <a:t>この言語は、ウェブブラウザ組み込みのスクリプト言語である</a:t>
+            </a:r>
+            <a:r>
+              <a:rPr lang="en-US" altLang="ja-JP" dirty="0"/>
+              <a:t>JavaScript</a:t>
+            </a:r>
+            <a:r>
+              <a:rPr lang="ja-JP" altLang="en-US" dirty="0"/>
+              <a:t>の代替となることを目的に作られた</a:t>
+            </a:r>
+            <a:r>
+              <a:rPr lang="ja-JP" altLang="en-US" dirty="0" smtClean="0"/>
+              <a:t>。</a:t>
+            </a:r>
+            <a:endParaRPr lang="en-US" altLang="ja-JP" dirty="0"/>
+          </a:p>
+          <a:p>
+            <a:pPr marL="0" indent="0">
+              <a:buNone/>
+            </a:pPr>
+            <a:endParaRPr kumimoji="1" lang="en-US" altLang="ja-JP" dirty="0" smtClean="0"/>
+          </a:p>
+          <a:p>
+            <a:pPr marL="0" indent="0">
+              <a:buNone/>
+            </a:pPr>
+            <a:r>
+              <a:rPr kumimoji="1" lang="ja-JP" altLang="en-US" dirty="0" smtClean="0"/>
+              <a:t>引用：</a:t>
+            </a:r>
+            <a:endParaRPr kumimoji="1" lang="en-US" altLang="ja-JP" dirty="0" smtClean="0"/>
+          </a:p>
+          <a:p>
+            <a:pPr marL="0" indent="0">
+              <a:buNone/>
+            </a:pPr>
+            <a:r>
+              <a:rPr lang="en-US" altLang="ja-JP" dirty="0"/>
+              <a:t>https://ja.wikipedia.org/wiki/Dart</a:t>
+            </a:r>
+            <a:endParaRPr kumimoji="1" lang="ja-JP" altLang="en-US" dirty="0"/>
+          </a:p>
+        </p:txBody>
+      </p:sp>
+      <p:sp>
+        <p:nvSpPr>
+          <p:cNvPr id="4" name="スライド番号プレースホルダー 3"/>
+          <p:cNvSpPr>
+            <a:spLocks noGrp="1"/>
+          </p:cNvSpPr>
+          <p:nvPr>
+            <p:ph type="sldNum" sz="quarter" idx="12"/>
+          </p:nvPr>
+        </p:nvSpPr>
+        <p:spPr/>
+        <p:txBody>
+          <a:bodyPr/>
+          <a:lstStyle/>
+          <a:p>
+            <a:fld id="{4A32CB03-0843-4AF8-BFB2-C9917854BC7E}" type="slidenum">
+              <a:rPr kumimoji="1" lang="ja-JP" altLang="en-US" smtClean="0"/>
+              <a:t>20</a:t>
+            </a:fld>
+            <a:endParaRPr kumimoji="1" lang="ja-JP" altLang="en-US"/>
+          </a:p>
+        </p:txBody>
+      </p:sp>
+    </p:spTree>
+    <p:extLst>
+      <p:ext uri="{BB962C8B-B14F-4D97-AF65-F5344CB8AC3E}">
+        <p14:creationId xmlns:p14="http://schemas.microsoft.com/office/powerpoint/2010/main" val="3121424104"/>
+      </p:ext>
+    </p:extLst>
+  </p:cSld>
+  <p:clrMapOvr>
+    <a:masterClrMapping/>
+  </p:clrMapOvr>
+</p:sld>
+</file>
+
+<file path=ppt/slides/slide21.xml><?xml version="1.0" encoding="utf-8"?>
+<p:sld xmlns:a="http://schemas.openxmlformats.org/drawingml/2006/main" xmlns:r="http://schemas.openxmlformats.org/officeDocument/2006/relationships" xmlns:p="http://schemas.openxmlformats.org/presentationml/2006/main">
+  <p:cSld>
+    <p:spTree>
+      <p:nvGrpSpPr>
+        <p:cNvPr id="1" name=""/>
+        <p:cNvGrpSpPr/>
+        <p:nvPr/>
+      </p:nvGrpSpPr>
+      <p:grpSpPr>
+        <a:xfrm>
+          <a:off x="0" y="0"/>
+          <a:ext cx="0" cy="0"/>
+          <a:chOff x="0" y="0"/>
+          <a:chExt cx="0" cy="0"/>
+        </a:xfrm>
+      </p:grpSpPr>
+      <p:sp>
+        <p:nvSpPr>
+          <p:cNvPr id="2" name="タイトル 1"/>
+          <p:cNvSpPr>
+            <a:spLocks noGrp="1"/>
+          </p:cNvSpPr>
+          <p:nvPr>
+            <p:ph type="title"/>
+          </p:nvPr>
+        </p:nvSpPr>
+        <p:spPr/>
+        <p:txBody>
+          <a:bodyPr/>
+          <a:lstStyle/>
+          <a:p>
+            <a:r>
+              <a:rPr kumimoji="1" lang="en-US" altLang="ja-JP" dirty="0" smtClean="0"/>
+              <a:t>Generator</a:t>
+            </a:r>
+            <a:endParaRPr kumimoji="1" lang="ja-JP" altLang="en-US" dirty="0"/>
+          </a:p>
+        </p:txBody>
+      </p:sp>
+      <p:sp>
+        <p:nvSpPr>
+          <p:cNvPr id="3" name="コンテンツ プレースホルダー 2"/>
+          <p:cNvSpPr>
+            <a:spLocks noGrp="1"/>
+          </p:cNvSpPr>
+          <p:nvPr>
+            <p:ph idx="1"/>
+          </p:nvPr>
+        </p:nvSpPr>
+        <p:spPr/>
+        <p:txBody>
+          <a:bodyPr>
+            <a:normAutofit/>
+          </a:bodyPr>
+          <a:lstStyle/>
+          <a:p>
+            <a:r>
+              <a:rPr kumimoji="1" lang="en-US" altLang="ja-JP" dirty="0" smtClean="0"/>
+              <a:t>Generator</a:t>
+            </a:r>
+            <a:r>
+              <a:rPr kumimoji="1" lang="ja-JP" altLang="en-US" dirty="0" smtClean="0"/>
+              <a:t>を利用する際には、前のスライドの通りに実行し、</a:t>
+            </a:r>
+            <a:r>
+              <a:rPr kumimoji="1" lang="en-US" altLang="ja-JP" dirty="0" err="1" smtClean="0"/>
+              <a:t>Node_modules</a:t>
+            </a:r>
+            <a:r>
+              <a:rPr kumimoji="1" lang="ja-JP" altLang="en-US" dirty="0" smtClean="0"/>
+              <a:t>内のファイルを呼び出す</a:t>
+            </a:r>
+            <a:endParaRPr kumimoji="1" lang="en-US" altLang="ja-JP" dirty="0" smtClean="0"/>
+          </a:p>
+          <a:p>
+            <a:r>
+              <a:rPr lang="en-US" altLang="ja-JP" dirty="0"/>
+              <a:t>h</a:t>
+            </a:r>
+            <a:r>
+              <a:rPr lang="en-US" altLang="ja-JP" dirty="0" smtClean="0"/>
+              <a:t>tml</a:t>
+            </a:r>
+            <a:r>
+              <a:rPr lang="ja-JP" altLang="en-US" dirty="0" smtClean="0"/>
+              <a:t>ファイル内で、</a:t>
+            </a:r>
+            <a:r>
+              <a:rPr lang="en-US" altLang="ja-JP" dirty="0" smtClean="0"/>
+              <a:t>script</a:t>
+            </a:r>
+            <a:r>
+              <a:rPr lang="ja-JP" altLang="en-US" dirty="0" smtClean="0"/>
+              <a:t>で呼び出し</a:t>
+            </a:r>
+            <a:endParaRPr lang="en-US" altLang="ja-JP" dirty="0" smtClean="0"/>
+          </a:p>
+          <a:p>
+            <a:r>
+              <a:rPr lang="en-US" altLang="ja-JP" dirty="0"/>
+              <a:t> </a:t>
+            </a:r>
+            <a:r>
+              <a:rPr lang="en-US" altLang="ja-JP" dirty="0" err="1"/>
+              <a:t>var</a:t>
+            </a:r>
+            <a:r>
+              <a:rPr lang="en-US" altLang="ja-JP" dirty="0"/>
+              <a:t> code = </a:t>
+            </a:r>
+            <a:r>
+              <a:rPr lang="en-US" altLang="ja-JP" dirty="0" err="1"/>
+              <a:t>Blockly.JavaScript.workspaceToCode</a:t>
+            </a:r>
+            <a:r>
+              <a:rPr lang="en-US" altLang="ja-JP" dirty="0"/>
+              <a:t>(</a:t>
+            </a:r>
+            <a:r>
+              <a:rPr lang="en-US" altLang="ja-JP" dirty="0" err="1"/>
+              <a:t>demoWorkspace</a:t>
+            </a:r>
+            <a:r>
+              <a:rPr lang="en-US" altLang="ja-JP" dirty="0" smtClean="0"/>
+              <a:t>);</a:t>
+            </a:r>
+          </a:p>
+          <a:p>
+            <a:endParaRPr lang="en-US" altLang="ja-JP" dirty="0"/>
+          </a:p>
+        </p:txBody>
+      </p:sp>
+      <p:sp>
+        <p:nvSpPr>
+          <p:cNvPr id="4" name="スライド番号プレースホルダー 3"/>
+          <p:cNvSpPr>
+            <a:spLocks noGrp="1"/>
+          </p:cNvSpPr>
+          <p:nvPr>
+            <p:ph type="sldNum" sz="quarter" idx="12"/>
+          </p:nvPr>
+        </p:nvSpPr>
+        <p:spPr/>
+        <p:txBody>
+          <a:bodyPr/>
+          <a:lstStyle/>
+          <a:p>
+            <a:fld id="{4A32CB03-0843-4AF8-BFB2-C9917854BC7E}" type="slidenum">
+              <a:rPr kumimoji="1" lang="ja-JP" altLang="en-US" smtClean="0"/>
+              <a:t>21</a:t>
+            </a:fld>
+            <a:endParaRPr kumimoji="1" lang="ja-JP" altLang="en-US"/>
+          </a:p>
+        </p:txBody>
+      </p:sp>
+    </p:spTree>
+    <p:extLst>
+      <p:ext uri="{BB962C8B-B14F-4D97-AF65-F5344CB8AC3E}">
+        <p14:creationId xmlns:p14="http://schemas.microsoft.com/office/powerpoint/2010/main" val="2142560469"/>
+      </p:ext>
+    </p:extLst>
+  </p:cSld>
+  <p:clrMapOvr>
+    <a:masterClrMapping/>
+  </p:clrMapOvr>
+</p:sld>
+</file>
+
+<file path=ppt/slides/slide22.xml><?xml version="1.0" encoding="utf-8"?>
+<p:sld xmlns:a="http://schemas.openxmlformats.org/drawingml/2006/main" xmlns:r="http://schemas.openxmlformats.org/officeDocument/2006/relationships" xmlns:p="http://schemas.openxmlformats.org/presentationml/2006/main">
+  <p:cSld>
+    <p:spTree>
+      <p:nvGrpSpPr>
+        <p:cNvPr id="1" name=""/>
+        <p:cNvGrpSpPr/>
+        <p:nvPr/>
+      </p:nvGrpSpPr>
+      <p:grpSpPr>
+        <a:xfrm>
+          <a:off x="0" y="0"/>
+          <a:ext cx="0" cy="0"/>
+          <a:chOff x="0" y="0"/>
+          <a:chExt cx="0" cy="0"/>
+        </a:xfrm>
+      </p:grpSpPr>
+      <p:sp>
+        <p:nvSpPr>
+          <p:cNvPr id="2" name="タイトル 1"/>
+          <p:cNvSpPr>
+            <a:spLocks noGrp="1"/>
+          </p:cNvSpPr>
+          <p:nvPr>
+            <p:ph type="title"/>
+          </p:nvPr>
+        </p:nvSpPr>
+        <p:spPr/>
+        <p:txBody>
+          <a:bodyPr/>
+          <a:lstStyle/>
+          <a:p>
+            <a:r>
               <a:rPr kumimoji="1" lang="en-US" altLang="ja-JP" dirty="0" err="1" smtClean="0"/>
               <a:t>Genearator</a:t>
             </a:r>
@@ -6411,7 +6668,7 @@
           <a:p>
             <a:fld id="{4A32CB03-0843-4AF8-BFB2-C9917854BC7E}" type="slidenum">
               <a:rPr kumimoji="1" lang="ja-JP" altLang="en-US" sz="2800" smtClean="0"/>
-              <a:t>20</a:t>
+              <a:t>22</a:t>
             </a:fld>
             <a:endParaRPr kumimoji="1" lang="ja-JP" altLang="en-US" dirty="0"/>
           </a:p>
@@ -6454,254 +6711,6 @@
 </p:sld>
 </file>
 
-<file path=ppt/slides/slide21.xml><?xml version="1.0" encoding="utf-8"?>
-<p:sld xmlns:a="http://schemas.openxmlformats.org/drawingml/2006/main" xmlns:r="http://schemas.openxmlformats.org/officeDocument/2006/relationships" xmlns:p="http://schemas.openxmlformats.org/presentationml/2006/main">
-  <p:cSld>
-    <p:spTree>
-      <p:nvGrpSpPr>
-        <p:cNvPr id="1" name=""/>
-        <p:cNvGrpSpPr/>
-        <p:nvPr/>
-      </p:nvGrpSpPr>
-      <p:grpSpPr>
-        <a:xfrm>
-          <a:off x="0" y="0"/>
-          <a:ext cx="0" cy="0"/>
-          <a:chOff x="0" y="0"/>
-          <a:chExt cx="0" cy="0"/>
-        </a:xfrm>
-      </p:grpSpPr>
-      <p:sp>
-        <p:nvSpPr>
-          <p:cNvPr id="2" name="タイトル 1"/>
-          <p:cNvSpPr>
-            <a:spLocks noGrp="1"/>
-          </p:cNvSpPr>
-          <p:nvPr>
-            <p:ph type="title"/>
-          </p:nvPr>
-        </p:nvSpPr>
-        <p:spPr/>
-        <p:txBody>
-          <a:bodyPr/>
-          <a:lstStyle/>
-          <a:p>
-            <a:r>
-              <a:rPr lang="en-US" altLang="ja-JP" dirty="0" err="1"/>
-              <a:t>Genearator</a:t>
-            </a:r>
-            <a:r>
-              <a:rPr lang="ja-JP" altLang="en-US" dirty="0"/>
-              <a:t>の実行テスト</a:t>
-            </a:r>
-            <a:endParaRPr kumimoji="1" lang="ja-JP" altLang="en-US" dirty="0"/>
-          </a:p>
-        </p:txBody>
-      </p:sp>
-      <p:sp>
-        <p:nvSpPr>
-          <p:cNvPr id="3" name="コンテンツ プレースホルダー 2"/>
-          <p:cNvSpPr>
-            <a:spLocks noGrp="1"/>
-          </p:cNvSpPr>
-          <p:nvPr>
-            <p:ph idx="1"/>
-          </p:nvPr>
-        </p:nvSpPr>
-        <p:spPr/>
-        <p:txBody>
-          <a:bodyPr/>
-          <a:lstStyle/>
-          <a:p>
-            <a:r>
-              <a:rPr kumimoji="1" lang="ja-JP" altLang="en-US" dirty="0" smtClean="0"/>
-              <a:t>図のようにブロックを組み合わせ、左側の</a:t>
-            </a:r>
-            <a:r>
-              <a:rPr kumimoji="1" lang="en-US" altLang="ja-JP" dirty="0" smtClean="0"/>
-              <a:t>Show </a:t>
-            </a:r>
-            <a:r>
-              <a:rPr kumimoji="1" lang="en-US" altLang="ja-JP" dirty="0" err="1" smtClean="0"/>
-              <a:t>javascript</a:t>
-            </a:r>
-            <a:r>
-              <a:rPr kumimoji="1" lang="ja-JP" altLang="en-US" dirty="0" smtClean="0"/>
-              <a:t>を押すと、ブロックからコードを生成する</a:t>
-            </a:r>
-            <a:r>
-              <a:rPr lang="ja-JP" altLang="en-US" dirty="0" smtClean="0"/>
-              <a:t>（ブロックに対応したコードを表示する）</a:t>
-            </a:r>
-            <a:endParaRPr lang="en-US" altLang="ja-JP" dirty="0" smtClean="0"/>
-          </a:p>
-          <a:p>
-            <a:r>
-              <a:rPr lang="ja-JP" altLang="en-US" dirty="0" smtClean="0"/>
-              <a:t>右側の</a:t>
-            </a:r>
-            <a:r>
-              <a:rPr lang="en-US" altLang="ja-JP" dirty="0" smtClean="0"/>
-              <a:t>Run JavaScript</a:t>
-            </a:r>
-            <a:r>
-              <a:rPr lang="ja-JP" altLang="en-US" dirty="0" smtClean="0"/>
-              <a:t>を押すと、コードを実行する</a:t>
-            </a:r>
-            <a:endParaRPr kumimoji="1" lang="en-US" altLang="ja-JP" dirty="0" smtClean="0"/>
-          </a:p>
-        </p:txBody>
-      </p:sp>
-      <p:sp>
-        <p:nvSpPr>
-          <p:cNvPr id="4" name="スライド番号プレースホルダー 3"/>
-          <p:cNvSpPr>
-            <a:spLocks noGrp="1"/>
-          </p:cNvSpPr>
-          <p:nvPr>
-            <p:ph type="sldNum" sz="quarter" idx="12"/>
-          </p:nvPr>
-        </p:nvSpPr>
-        <p:spPr/>
-        <p:txBody>
-          <a:bodyPr/>
-          <a:lstStyle/>
-          <a:p>
-            <a:fld id="{4A32CB03-0843-4AF8-BFB2-C9917854BC7E}" type="slidenum">
-              <a:rPr kumimoji="1" lang="ja-JP" altLang="en-US" sz="2800" smtClean="0"/>
-              <a:t>21</a:t>
-            </a:fld>
-            <a:endParaRPr kumimoji="1" lang="ja-JP" altLang="en-US" sz="2800" dirty="0"/>
-          </a:p>
-        </p:txBody>
-      </p:sp>
-    </p:spTree>
-    <p:extLst>
-      <p:ext uri="{BB962C8B-B14F-4D97-AF65-F5344CB8AC3E}">
-        <p14:creationId xmlns:p14="http://schemas.microsoft.com/office/powerpoint/2010/main" val="2997179172"/>
-      </p:ext>
-    </p:extLst>
-  </p:cSld>
-  <p:clrMapOvr>
-    <a:masterClrMapping/>
-  </p:clrMapOvr>
-</p:sld>
-</file>
-
-<file path=ppt/slides/slide22.xml><?xml version="1.0" encoding="utf-8"?>
-<p:sld xmlns:a="http://schemas.openxmlformats.org/drawingml/2006/main" xmlns:r="http://schemas.openxmlformats.org/officeDocument/2006/relationships" xmlns:p="http://schemas.openxmlformats.org/presentationml/2006/main">
-  <p:cSld>
-    <p:spTree>
-      <p:nvGrpSpPr>
-        <p:cNvPr id="1" name=""/>
-        <p:cNvGrpSpPr/>
-        <p:nvPr/>
-      </p:nvGrpSpPr>
-      <p:grpSpPr>
-        <a:xfrm>
-          <a:off x="0" y="0"/>
-          <a:ext cx="0" cy="0"/>
-          <a:chOff x="0" y="0"/>
-          <a:chExt cx="0" cy="0"/>
-        </a:xfrm>
-      </p:grpSpPr>
-      <p:sp>
-        <p:nvSpPr>
-          <p:cNvPr id="2" name="タイトル 1"/>
-          <p:cNvSpPr>
-            <a:spLocks noGrp="1"/>
-          </p:cNvSpPr>
-          <p:nvPr>
-            <p:ph type="title"/>
-          </p:nvPr>
-        </p:nvSpPr>
-        <p:spPr/>
-        <p:txBody>
-          <a:bodyPr/>
-          <a:lstStyle/>
-          <a:p>
-            <a:r>
-              <a:rPr lang="ja-JP" altLang="en-US" dirty="0"/>
-              <a:t>正誤</a:t>
-            </a:r>
-            <a:r>
-              <a:rPr lang="ja-JP" altLang="en-US" dirty="0" smtClean="0"/>
-              <a:t>を判定するプログラム</a:t>
-            </a:r>
-            <a:endParaRPr kumimoji="1" lang="ja-JP" altLang="en-US" dirty="0"/>
-          </a:p>
-        </p:txBody>
-      </p:sp>
-      <p:sp>
-        <p:nvSpPr>
-          <p:cNvPr id="3" name="コンテンツ プレースホルダー 2"/>
-          <p:cNvSpPr>
-            <a:spLocks noGrp="1"/>
-          </p:cNvSpPr>
-          <p:nvPr>
-            <p:ph idx="1"/>
-          </p:nvPr>
-        </p:nvSpPr>
-        <p:spPr/>
-        <p:txBody>
-          <a:bodyPr/>
-          <a:lstStyle/>
-          <a:p>
-            <a:r>
-              <a:rPr kumimoji="1" lang="ja-JP" altLang="en-US" dirty="0" smtClean="0"/>
-              <a:t>事前に用意した解答例と、</a:t>
-            </a:r>
-            <a:r>
-              <a:rPr kumimoji="1" lang="en-US" altLang="ja-JP" dirty="0" err="1" smtClean="0"/>
-              <a:t>Generater</a:t>
-            </a:r>
-            <a:r>
-              <a:rPr kumimoji="1" lang="ja-JP" altLang="en-US" dirty="0" smtClean="0"/>
-              <a:t>によって作成されたコードが等しいかどうか（完全一致）を判定するサンプルプログラムを作成した</a:t>
-            </a:r>
-            <a:endParaRPr kumimoji="1" lang="en-US" altLang="ja-JP" dirty="0" smtClean="0"/>
-          </a:p>
-          <a:p>
-            <a:endParaRPr kumimoji="1" lang="ja-JP" altLang="en-US" dirty="0"/>
-          </a:p>
-        </p:txBody>
-      </p:sp>
-      <p:sp>
-        <p:nvSpPr>
-          <p:cNvPr id="4" name="スライド番号プレースホルダー 3"/>
-          <p:cNvSpPr>
-            <a:spLocks noGrp="1"/>
-          </p:cNvSpPr>
-          <p:nvPr>
-            <p:ph type="sldNum" sz="quarter" idx="12"/>
-          </p:nvPr>
-        </p:nvSpPr>
-        <p:spPr/>
-        <p:txBody>
-          <a:bodyPr/>
-          <a:lstStyle/>
-          <a:p>
-            <a:fld id="{4A32CB03-0843-4AF8-BFB2-C9917854BC7E}" type="slidenum">
-              <a:rPr kumimoji="1" lang="ja-JP" altLang="en-US" smtClean="0"/>
-              <a:t>22</a:t>
-            </a:fld>
-            <a:endParaRPr kumimoji="1" lang="ja-JP" altLang="en-US"/>
-          </a:p>
-        </p:txBody>
-      </p:sp>
-    </p:spTree>
-    <p:extLst>
-      <p:ext uri="{BB962C8B-B14F-4D97-AF65-F5344CB8AC3E}">
-        <p14:creationId xmlns:p14="http://schemas.microsoft.com/office/powerpoint/2010/main" val="2287831747"/>
-      </p:ext>
-    </p:extLst>
-  </p:cSld>
-  <p:clrMapOvr>
-    <a:masterClrMapping/>
-  </p:clrMapOvr>
-</p:sld>
-</file>
-
 <file path=ppt/slides/slide23.xml><?xml version="1.0" encoding="utf-8"?>
 <p:sld xmlns:a="http://schemas.openxmlformats.org/drawingml/2006/main" xmlns:r="http://schemas.openxmlformats.org/officeDocument/2006/relationships" xmlns:p="http://schemas.openxmlformats.org/presentationml/2006/main">
   <p:cSld>
@@ -6735,11 +6744,259 @@
           <a:lstStyle/>
           <a:p>
             <a:r>
+              <a:rPr lang="en-US" altLang="ja-JP" dirty="0" err="1"/>
+              <a:t>Genearator</a:t>
+            </a:r>
+            <a:r>
+              <a:rPr lang="ja-JP" altLang="en-US" dirty="0"/>
+              <a:t>の実行テスト</a:t>
+            </a:r>
+            <a:endParaRPr kumimoji="1" lang="ja-JP" altLang="en-US" dirty="0"/>
+          </a:p>
+        </p:txBody>
+      </p:sp>
+      <p:sp>
+        <p:nvSpPr>
+          <p:cNvPr id="3" name="コンテンツ プレースホルダー 2"/>
+          <p:cNvSpPr>
+            <a:spLocks noGrp="1"/>
+          </p:cNvSpPr>
+          <p:nvPr>
+            <p:ph idx="1"/>
+          </p:nvPr>
+        </p:nvSpPr>
+        <p:spPr/>
+        <p:txBody>
+          <a:bodyPr/>
+          <a:lstStyle/>
+          <a:p>
+            <a:r>
+              <a:rPr kumimoji="1" lang="ja-JP" altLang="en-US" dirty="0" smtClean="0"/>
+              <a:t>図のようにブロックを組み合わせ、左側の</a:t>
+            </a:r>
+            <a:r>
+              <a:rPr kumimoji="1" lang="en-US" altLang="ja-JP" dirty="0" smtClean="0"/>
+              <a:t>Show </a:t>
+            </a:r>
+            <a:r>
+              <a:rPr kumimoji="1" lang="en-US" altLang="ja-JP" dirty="0" err="1" smtClean="0"/>
+              <a:t>javascript</a:t>
+            </a:r>
+            <a:r>
+              <a:rPr kumimoji="1" lang="ja-JP" altLang="en-US" dirty="0" smtClean="0"/>
+              <a:t>を押すと、ブロックからコードを生成する</a:t>
+            </a:r>
+            <a:r>
+              <a:rPr lang="ja-JP" altLang="en-US" dirty="0" smtClean="0"/>
+              <a:t>（ブロックに対応したコードを表示する）</a:t>
+            </a:r>
+            <a:endParaRPr lang="en-US" altLang="ja-JP" dirty="0" smtClean="0"/>
+          </a:p>
+          <a:p>
+            <a:r>
+              <a:rPr lang="ja-JP" altLang="en-US" dirty="0" smtClean="0"/>
+              <a:t>右側の</a:t>
+            </a:r>
+            <a:r>
+              <a:rPr lang="en-US" altLang="ja-JP" dirty="0" smtClean="0"/>
+              <a:t>Run JavaScript</a:t>
+            </a:r>
+            <a:r>
+              <a:rPr lang="ja-JP" altLang="en-US" dirty="0" smtClean="0"/>
+              <a:t>を押すと、コードを実行する</a:t>
+            </a:r>
+            <a:endParaRPr kumimoji="1" lang="en-US" altLang="ja-JP" dirty="0" smtClean="0"/>
+          </a:p>
+        </p:txBody>
+      </p:sp>
+      <p:sp>
+        <p:nvSpPr>
+          <p:cNvPr id="4" name="スライド番号プレースホルダー 3"/>
+          <p:cNvSpPr>
+            <a:spLocks noGrp="1"/>
+          </p:cNvSpPr>
+          <p:nvPr>
+            <p:ph type="sldNum" sz="quarter" idx="12"/>
+          </p:nvPr>
+        </p:nvSpPr>
+        <p:spPr/>
+        <p:txBody>
+          <a:bodyPr/>
+          <a:lstStyle/>
+          <a:p>
+            <a:fld id="{4A32CB03-0843-4AF8-BFB2-C9917854BC7E}" type="slidenum">
+              <a:rPr kumimoji="1" lang="ja-JP" altLang="en-US" sz="2800" smtClean="0"/>
+              <a:t>23</a:t>
+            </a:fld>
+            <a:endParaRPr kumimoji="1" lang="ja-JP" altLang="en-US" sz="2800" dirty="0"/>
+          </a:p>
+        </p:txBody>
+      </p:sp>
+    </p:spTree>
+    <p:extLst>
+      <p:ext uri="{BB962C8B-B14F-4D97-AF65-F5344CB8AC3E}">
+        <p14:creationId xmlns:p14="http://schemas.microsoft.com/office/powerpoint/2010/main" val="2997179172"/>
+      </p:ext>
+    </p:extLst>
+  </p:cSld>
+  <p:clrMapOvr>
+    <a:masterClrMapping/>
+  </p:clrMapOvr>
+</p:sld>
+</file>
+
+<file path=ppt/slides/slide24.xml><?xml version="1.0" encoding="utf-8"?>
+<p:sld xmlns:a="http://schemas.openxmlformats.org/drawingml/2006/main" xmlns:r="http://schemas.openxmlformats.org/officeDocument/2006/relationships" xmlns:p="http://schemas.openxmlformats.org/presentationml/2006/main">
+  <p:cSld>
+    <p:spTree>
+      <p:nvGrpSpPr>
+        <p:cNvPr id="1" name=""/>
+        <p:cNvGrpSpPr/>
+        <p:nvPr/>
+      </p:nvGrpSpPr>
+      <p:grpSpPr>
+        <a:xfrm>
+          <a:off x="0" y="0"/>
+          <a:ext cx="0" cy="0"/>
+          <a:chOff x="0" y="0"/>
+          <a:chExt cx="0" cy="0"/>
+        </a:xfrm>
+      </p:grpSpPr>
+      <p:sp>
+        <p:nvSpPr>
+          <p:cNvPr id="2" name="タイトル 1"/>
+          <p:cNvSpPr>
+            <a:spLocks noGrp="1"/>
+          </p:cNvSpPr>
+          <p:nvPr>
+            <p:ph type="title"/>
+          </p:nvPr>
+        </p:nvSpPr>
+        <p:spPr/>
+        <p:txBody>
+          <a:bodyPr/>
+          <a:lstStyle/>
+          <a:p>
+            <a:r>
               <a:rPr lang="ja-JP" altLang="en-US" dirty="0"/>
               <a:t>正誤</a:t>
             </a:r>
             <a:r>
               <a:rPr lang="ja-JP" altLang="en-US" dirty="0" smtClean="0"/>
+              <a:t>を判定するプログラム</a:t>
+            </a:r>
+            <a:endParaRPr kumimoji="1" lang="ja-JP" altLang="en-US" dirty="0"/>
+          </a:p>
+        </p:txBody>
+      </p:sp>
+      <p:sp>
+        <p:nvSpPr>
+          <p:cNvPr id="3" name="コンテンツ プレースホルダー 2"/>
+          <p:cNvSpPr>
+            <a:spLocks noGrp="1"/>
+          </p:cNvSpPr>
+          <p:nvPr>
+            <p:ph idx="1"/>
+          </p:nvPr>
+        </p:nvSpPr>
+        <p:spPr/>
+        <p:txBody>
+          <a:bodyPr/>
+          <a:lstStyle/>
+          <a:p>
+            <a:r>
+              <a:rPr kumimoji="1" lang="ja-JP" altLang="en-US" dirty="0" smtClean="0"/>
+              <a:t>事前に用意した解答例と、</a:t>
+            </a:r>
+            <a:r>
+              <a:rPr kumimoji="1" lang="en-US" altLang="ja-JP" dirty="0" err="1" smtClean="0"/>
+              <a:t>Generater</a:t>
+            </a:r>
+            <a:r>
+              <a:rPr kumimoji="1" lang="ja-JP" altLang="en-US" dirty="0" smtClean="0"/>
+              <a:t>によって作成されたコードが等しいかどうか（完全一致）を判定するサンプルプログラムを作成した</a:t>
+            </a:r>
+            <a:endParaRPr kumimoji="1" lang="en-US" altLang="ja-JP" dirty="0" smtClean="0"/>
+          </a:p>
+          <a:p>
+            <a:endParaRPr kumimoji="1" lang="ja-JP" altLang="en-US" dirty="0"/>
+          </a:p>
+        </p:txBody>
+      </p:sp>
+      <p:sp>
+        <p:nvSpPr>
+          <p:cNvPr id="4" name="スライド番号プレースホルダー 3"/>
+          <p:cNvSpPr>
+            <a:spLocks noGrp="1"/>
+          </p:cNvSpPr>
+          <p:nvPr>
+            <p:ph type="sldNum" sz="quarter" idx="12"/>
+          </p:nvPr>
+        </p:nvSpPr>
+        <p:spPr/>
+        <p:txBody>
+          <a:bodyPr/>
+          <a:lstStyle/>
+          <a:p>
+            <a:fld id="{4A32CB03-0843-4AF8-BFB2-C9917854BC7E}" type="slidenum">
+              <a:rPr kumimoji="1" lang="ja-JP" altLang="en-US" smtClean="0"/>
+              <a:t>24</a:t>
+            </a:fld>
+            <a:endParaRPr kumimoji="1" lang="ja-JP" altLang="en-US"/>
+          </a:p>
+        </p:txBody>
+      </p:sp>
+    </p:spTree>
+    <p:extLst>
+      <p:ext uri="{BB962C8B-B14F-4D97-AF65-F5344CB8AC3E}">
+        <p14:creationId xmlns:p14="http://schemas.microsoft.com/office/powerpoint/2010/main" val="2287831747"/>
+      </p:ext>
+    </p:extLst>
+  </p:cSld>
+  <p:clrMapOvr>
+    <a:masterClrMapping/>
+  </p:clrMapOvr>
+</p:sld>
+</file>
+
+<file path=ppt/slides/slide25.xml><?xml version="1.0" encoding="utf-8"?>
+<p:sld xmlns:a="http://schemas.openxmlformats.org/drawingml/2006/main" xmlns:r="http://schemas.openxmlformats.org/officeDocument/2006/relationships" xmlns:p="http://schemas.openxmlformats.org/presentationml/2006/main">
+  <p:cSld>
+    <p:spTree>
+      <p:nvGrpSpPr>
+        <p:cNvPr id="1" name=""/>
+        <p:cNvGrpSpPr/>
+        <p:nvPr/>
+      </p:nvGrpSpPr>
+      <p:grpSpPr>
+        <a:xfrm>
+          <a:off x="0" y="0"/>
+          <a:ext cx="0" cy="0"/>
+          <a:chOff x="0" y="0"/>
+          <a:chExt cx="0" cy="0"/>
+        </a:xfrm>
+      </p:grpSpPr>
+      <p:sp>
+        <p:nvSpPr>
+          <p:cNvPr id="2" name="タイトル 1"/>
+          <p:cNvSpPr>
+            <a:spLocks noGrp="1"/>
+          </p:cNvSpPr>
+          <p:nvPr>
+            <p:ph type="title"/>
+          </p:nvPr>
+        </p:nvSpPr>
+        <p:spPr/>
+        <p:txBody>
+          <a:bodyPr/>
+          <a:lstStyle/>
+          <a:p>
+            <a:r>
+              <a:rPr lang="ja-JP" altLang="en-US" dirty="0"/>
+              <a:t>正誤</a:t>
+            </a:r>
+            <a:r>
+              <a:rPr lang="ja-JP" altLang="en-US" dirty="0" smtClean="0"/>
               <a:t>判定</a:t>
             </a:r>
             <a:r>
@@ -6767,7 +7024,7 @@
           <a:p>
             <a:fld id="{4A32CB03-0843-4AF8-BFB2-C9917854BC7E}" type="slidenum">
               <a:rPr kumimoji="1" lang="ja-JP" altLang="en-US" smtClean="0"/>
-              <a:t>23</a:t>
+              <a:t>25</a:t>
             </a:fld>
             <a:endParaRPr kumimoji="1" lang="ja-JP" altLang="en-US"/>
           </a:p>
@@ -6810,7 +7067,7 @@
 </p:sld>
 </file>
 
-<file path=ppt/slides/slide24.xml><?xml version="1.0" encoding="utf-8"?>
+<file path=ppt/slides/slide26.xml><?xml version="1.0" encoding="utf-8"?>
 <p:sld xmlns:a="http://schemas.openxmlformats.org/drawingml/2006/main" xmlns:r="http://schemas.openxmlformats.org/officeDocument/2006/relationships" xmlns:p="http://schemas.openxmlformats.org/presentationml/2006/main">
   <p:cSld>
     <p:spTree>
@@ -6886,7 +7143,7 @@
           <a:p>
             <a:fld id="{4A32CB03-0843-4AF8-BFB2-C9917854BC7E}" type="slidenum">
               <a:rPr kumimoji="1" lang="ja-JP" altLang="en-US" smtClean="0"/>
-              <a:t>24</a:t>
+              <a:t>26</a:t>
             </a:fld>
             <a:endParaRPr kumimoji="1" lang="ja-JP" altLang="en-US"/>
           </a:p>
@@ -6929,380 +7186,6 @@
 </p:sld>
 </file>
 
-<file path=ppt/slides/slide25.xml><?xml version="1.0" encoding="utf-8"?>
-<p:sld xmlns:a="http://schemas.openxmlformats.org/drawingml/2006/main" xmlns:r="http://schemas.openxmlformats.org/officeDocument/2006/relationships" xmlns:p="http://schemas.openxmlformats.org/presentationml/2006/main">
-  <p:cSld>
-    <p:spTree>
-      <p:nvGrpSpPr>
-        <p:cNvPr id="1" name=""/>
-        <p:cNvGrpSpPr/>
-        <p:nvPr/>
-      </p:nvGrpSpPr>
-      <p:grpSpPr>
-        <a:xfrm>
-          <a:off x="0" y="0"/>
-          <a:ext cx="0" cy="0"/>
-          <a:chOff x="0" y="0"/>
-          <a:chExt cx="0" cy="0"/>
-        </a:xfrm>
-      </p:grpSpPr>
-      <p:sp>
-        <p:nvSpPr>
-          <p:cNvPr id="2" name="タイトル 1"/>
-          <p:cNvSpPr>
-            <a:spLocks noGrp="1"/>
-          </p:cNvSpPr>
-          <p:nvPr>
-            <p:ph type="title"/>
-          </p:nvPr>
-        </p:nvSpPr>
-        <p:spPr/>
-        <p:txBody>
-          <a:bodyPr/>
-          <a:lstStyle/>
-          <a:p>
-            <a:r>
-              <a:rPr kumimoji="1" lang="ja-JP" altLang="en-US" dirty="0" smtClean="0"/>
-              <a:t>穴あき問題の作成</a:t>
-            </a:r>
-            <a:endParaRPr kumimoji="1" lang="ja-JP" altLang="en-US" dirty="0"/>
-          </a:p>
-        </p:txBody>
-      </p:sp>
-      <p:sp>
-        <p:nvSpPr>
-          <p:cNvPr id="3" name="コンテンツ プレースホルダー 2"/>
-          <p:cNvSpPr>
-            <a:spLocks noGrp="1"/>
-          </p:cNvSpPr>
-          <p:nvPr>
-            <p:ph idx="1"/>
-          </p:nvPr>
-        </p:nvSpPr>
-        <p:spPr/>
-        <p:txBody>
-          <a:bodyPr/>
-          <a:lstStyle/>
-          <a:p>
-            <a:r>
-              <a:rPr lang="ja-JP" altLang="en-US" dirty="0" smtClean="0"/>
-              <a:t>画面（</a:t>
-            </a:r>
-            <a:r>
-              <a:rPr lang="en-US" altLang="ja-JP" dirty="0" smtClean="0"/>
-              <a:t>7/9</a:t>
-            </a:r>
-            <a:r>
-              <a:rPr lang="ja-JP" altLang="en-US" dirty="0" smtClean="0"/>
-              <a:t>時点）の</a:t>
-            </a:r>
-            <a:r>
-              <a:rPr lang="en-US" altLang="ja-JP" dirty="0" smtClean="0"/>
-              <a:t>question2</a:t>
-            </a:r>
-            <a:r>
-              <a:rPr lang="ja-JP" altLang="en-US" dirty="0" smtClean="0"/>
-              <a:t>のボタンを押すとランダムで一か所を隠す</a:t>
-            </a:r>
-            <a:endParaRPr lang="en-US" altLang="ja-JP" dirty="0" smtClean="0"/>
-          </a:p>
-          <a:p>
-            <a:r>
-              <a:rPr lang="ja-JP" altLang="en-US" dirty="0"/>
-              <a:t>複</a:t>
-            </a:r>
-            <a:r>
-              <a:rPr lang="ja-JP" altLang="en-US" dirty="0" smtClean="0"/>
-              <a:t>数回押した場合は場所が変わる（隠れる場所は一か所）</a:t>
-            </a:r>
-            <a:endParaRPr lang="en-US" altLang="ja-JP" dirty="0" smtClean="0"/>
-          </a:p>
-          <a:p>
-            <a:r>
-              <a:rPr lang="ja-JP" altLang="en-US" dirty="0"/>
-              <a:t>これ</a:t>
-            </a:r>
-            <a:r>
-              <a:rPr lang="ja-JP" altLang="en-US" dirty="0" smtClean="0"/>
-              <a:t>はプログラムを変えれば複数個所を隠すことも可能</a:t>
-            </a:r>
-            <a:endParaRPr lang="en-US" altLang="ja-JP" dirty="0" smtClean="0"/>
-          </a:p>
-          <a:p>
-            <a:r>
-              <a:rPr lang="en-US" altLang="ja-JP" dirty="0" smtClean="0"/>
-              <a:t>Question1</a:t>
-            </a:r>
-            <a:r>
-              <a:rPr lang="ja-JP" altLang="en-US" dirty="0" smtClean="0"/>
-              <a:t>のボタンを押すと隠れていない状態のコードを表示</a:t>
-            </a:r>
-            <a:endParaRPr lang="en-US" altLang="ja-JP" dirty="0" smtClean="0"/>
-          </a:p>
-        </p:txBody>
-      </p:sp>
-      <p:sp>
-        <p:nvSpPr>
-          <p:cNvPr id="4" name="スライド番号プレースホルダー 3"/>
-          <p:cNvSpPr>
-            <a:spLocks noGrp="1"/>
-          </p:cNvSpPr>
-          <p:nvPr>
-            <p:ph type="sldNum" sz="quarter" idx="12"/>
-          </p:nvPr>
-        </p:nvSpPr>
-        <p:spPr/>
-        <p:txBody>
-          <a:bodyPr/>
-          <a:lstStyle/>
-          <a:p>
-            <a:fld id="{4A32CB03-0843-4AF8-BFB2-C9917854BC7E}" type="slidenum">
-              <a:rPr kumimoji="1" lang="ja-JP" altLang="en-US" smtClean="0"/>
-              <a:t>25</a:t>
-            </a:fld>
-            <a:endParaRPr kumimoji="1" lang="ja-JP" altLang="en-US"/>
-          </a:p>
-        </p:txBody>
-      </p:sp>
-    </p:spTree>
-    <p:extLst>
-      <p:ext uri="{BB962C8B-B14F-4D97-AF65-F5344CB8AC3E}">
-        <p14:creationId xmlns:p14="http://schemas.microsoft.com/office/powerpoint/2010/main" val="755709697"/>
-      </p:ext>
-    </p:extLst>
-  </p:cSld>
-  <p:clrMapOvr>
-    <a:masterClrMapping/>
-  </p:clrMapOvr>
-</p:sld>
-</file>
-
-<file path=ppt/slides/slide26.xml><?xml version="1.0" encoding="utf-8"?>
-<p:sld xmlns:a="http://schemas.openxmlformats.org/drawingml/2006/main" xmlns:r="http://schemas.openxmlformats.org/officeDocument/2006/relationships" xmlns:p="http://schemas.openxmlformats.org/presentationml/2006/main">
-  <p:cSld>
-    <p:spTree>
-      <p:nvGrpSpPr>
-        <p:cNvPr id="1" name=""/>
-        <p:cNvGrpSpPr/>
-        <p:nvPr/>
-      </p:nvGrpSpPr>
-      <p:grpSpPr>
-        <a:xfrm>
-          <a:off x="0" y="0"/>
-          <a:ext cx="0" cy="0"/>
-          <a:chOff x="0" y="0"/>
-          <a:chExt cx="0" cy="0"/>
-        </a:xfrm>
-      </p:grpSpPr>
-      <p:sp>
-        <p:nvSpPr>
-          <p:cNvPr id="2" name="タイトル 1"/>
-          <p:cNvSpPr>
-            <a:spLocks noGrp="1"/>
-          </p:cNvSpPr>
-          <p:nvPr>
-            <p:ph type="title"/>
-          </p:nvPr>
-        </p:nvSpPr>
-        <p:spPr/>
-        <p:txBody>
-          <a:bodyPr/>
-          <a:lstStyle/>
-          <a:p>
-            <a:r>
-              <a:rPr kumimoji="1" lang="ja-JP" altLang="en-US" dirty="0" smtClean="0"/>
-              <a:t>穴あき問題作成の問題点</a:t>
-            </a:r>
-            <a:endParaRPr kumimoji="1" lang="ja-JP" altLang="en-US" dirty="0"/>
-          </a:p>
-        </p:txBody>
-      </p:sp>
-      <p:sp>
-        <p:nvSpPr>
-          <p:cNvPr id="3" name="コンテンツ プレースホルダー 2"/>
-          <p:cNvSpPr>
-            <a:spLocks noGrp="1"/>
-          </p:cNvSpPr>
-          <p:nvPr>
-            <p:ph idx="1"/>
-          </p:nvPr>
-        </p:nvSpPr>
-        <p:spPr>
-          <a:xfrm>
-            <a:off x="628650" y="1825625"/>
-            <a:ext cx="8135024" cy="4351338"/>
-          </a:xfrm>
-        </p:spPr>
-        <p:txBody>
-          <a:bodyPr>
-            <a:normAutofit fontScale="85000" lnSpcReduction="20000"/>
-          </a:bodyPr>
-          <a:lstStyle/>
-          <a:p>
-            <a:pPr marL="0" indent="0">
-              <a:buNone/>
-            </a:pPr>
-            <a:r>
-              <a:rPr lang="ja-JP" altLang="en-US" dirty="0"/>
-              <a:t>現在の問題点：</a:t>
-            </a:r>
-          </a:p>
-          <a:p>
-            <a:pPr marL="0" indent="0">
-              <a:buNone/>
-            </a:pPr>
-            <a:r>
-              <a:rPr lang="ja-JP" altLang="en-US" dirty="0" smtClean="0"/>
-              <a:t>    現在</a:t>
-            </a:r>
-            <a:r>
-              <a:rPr lang="ja-JP" altLang="en-US" dirty="0"/>
-              <a:t>半角スペースを区切り文字として文字列を配列に変換している関係上、改行では区切られない</a:t>
-            </a:r>
-          </a:p>
-          <a:p>
-            <a:pPr marL="0" indent="0">
-              <a:buNone/>
-            </a:pPr>
-            <a:r>
-              <a:rPr lang="ja-JP" altLang="en-US" dirty="0"/>
-              <a:t>    →例えば</a:t>
-            </a:r>
-            <a:r>
-              <a:rPr lang="en-US" altLang="ja-JP" dirty="0"/>
-              <a:t>else:</a:t>
-            </a:r>
-            <a:r>
-              <a:rPr lang="ja-JP" altLang="en-US" dirty="0"/>
-              <a:t>などの次に改行し、次の行で書き始めた最後の単語までを一つとして分かれている</a:t>
-            </a:r>
-          </a:p>
-          <a:p>
-            <a:pPr marL="0" indent="0">
-              <a:buNone/>
-            </a:pPr>
-            <a:r>
-              <a:rPr lang="ja-JP" altLang="en-US" dirty="0"/>
-              <a:t>    →改行を区切り文字として含めるとインデントが消える</a:t>
-            </a:r>
-          </a:p>
-          <a:p>
-            <a:pPr marL="0" indent="0">
-              <a:buNone/>
-            </a:pPr>
-            <a:r>
-              <a:rPr lang="ja-JP" altLang="en-US" dirty="0"/>
-              <a:t>    </a:t>
-            </a:r>
-            <a:r>
-              <a:rPr lang="en-US" altLang="ja-JP" dirty="0"/>
-              <a:t>print()</a:t>
-            </a:r>
-            <a:r>
-              <a:rPr lang="ja-JP" altLang="en-US" dirty="0" err="1"/>
-              <a:t>のように</a:t>
-            </a:r>
-            <a:r>
-              <a:rPr lang="ja-JP" altLang="en-US" dirty="0"/>
-              <a:t>関数が含まれる場合に、</a:t>
-            </a:r>
-            <a:r>
-              <a:rPr lang="en-US" altLang="ja-JP" dirty="0"/>
-              <a:t>print("hello world")</a:t>
-            </a:r>
-            <a:r>
-              <a:rPr lang="ja-JP" altLang="en-US" dirty="0"/>
-              <a:t>の”</a:t>
-            </a:r>
-            <a:r>
-              <a:rPr lang="en-US" altLang="ja-JP" dirty="0"/>
-              <a:t>print("hello”</a:t>
-            </a:r>
-            <a:r>
-              <a:rPr lang="ja-JP" altLang="en-US" dirty="0" err="1"/>
-              <a:t>までを</a:t>
-            </a:r>
-            <a:r>
-              <a:rPr lang="ja-JP" altLang="en-US" dirty="0"/>
-              <a:t>単語として認識している</a:t>
-            </a:r>
-          </a:p>
-          <a:p>
-            <a:pPr marL="0" indent="0">
-              <a:buNone/>
-            </a:pPr>
-            <a:r>
-              <a:rPr lang="ja-JP" altLang="en-US" dirty="0"/>
-              <a:t>    →穴埋めを生成するにあたって、</a:t>
-            </a:r>
-            <a:r>
-              <a:rPr lang="en-US" altLang="ja-JP" dirty="0"/>
-              <a:t>()</a:t>
-            </a:r>
-            <a:r>
-              <a:rPr lang="ja-JP" altLang="en-US" dirty="0"/>
-              <a:t>などを認識して区切りたい</a:t>
-            </a:r>
-          </a:p>
-          <a:p>
-            <a:pPr marL="0" indent="0">
-              <a:buNone/>
-            </a:pPr>
-            <a:r>
-              <a:rPr lang="ja-JP" altLang="en-US" dirty="0"/>
-              <a:t>    →（）は配列（文章）に</a:t>
-            </a:r>
-            <a:r>
-              <a:rPr lang="ja-JP" altLang="en-US"/>
-              <a:t>残して</a:t>
-            </a:r>
-            <a:r>
-              <a:rPr lang="ja-JP" altLang="en-US" smtClean="0"/>
-              <a:t>おきたい</a:t>
-            </a:r>
-            <a:endParaRPr lang="ja-JP" altLang="en-US" dirty="0"/>
-          </a:p>
-          <a:p>
-            <a:endParaRPr kumimoji="1" lang="ja-JP" altLang="en-US" dirty="0"/>
-          </a:p>
-        </p:txBody>
-      </p:sp>
-      <p:sp>
-        <p:nvSpPr>
-          <p:cNvPr id="4" name="スライド番号プレースホルダー 3"/>
-          <p:cNvSpPr>
-            <a:spLocks noGrp="1"/>
-          </p:cNvSpPr>
-          <p:nvPr>
-            <p:ph type="sldNum" sz="quarter" idx="12"/>
-          </p:nvPr>
-        </p:nvSpPr>
-        <p:spPr/>
-        <p:txBody>
-          <a:bodyPr/>
-          <a:lstStyle/>
-          <a:p>
-            <a:fld id="{4A32CB03-0843-4AF8-BFB2-C9917854BC7E}" type="slidenum">
-              <a:rPr kumimoji="1" lang="ja-JP" altLang="en-US" smtClean="0"/>
-              <a:t>26</a:t>
-            </a:fld>
-            <a:endParaRPr kumimoji="1" lang="ja-JP" altLang="en-US"/>
-          </a:p>
-        </p:txBody>
-      </p:sp>
-    </p:spTree>
-    <p:extLst>
-      <p:ext uri="{BB962C8B-B14F-4D97-AF65-F5344CB8AC3E}">
-        <p14:creationId xmlns:p14="http://schemas.microsoft.com/office/powerpoint/2010/main" val="2927240973"/>
-      </p:ext>
-    </p:extLst>
-  </p:cSld>
-  <p:clrMapOvr>
-    <a:masterClrMapping/>
-  </p:clrMapOvr>
-</p:sld>
-</file>
-
 <file path=ppt/slides/slide27.xml><?xml version="1.0" encoding="utf-8"?>
 <p:sld xmlns:a="http://schemas.openxmlformats.org/drawingml/2006/main" xmlns:r="http://schemas.openxmlformats.org/officeDocument/2006/relationships" xmlns:p="http://schemas.openxmlformats.org/presentationml/2006/main">
   <p:cSld>
@@ -7337,7 +7220,7 @@
           <a:p>
             <a:r>
               <a:rPr kumimoji="1" lang="ja-JP" altLang="en-US" dirty="0" smtClean="0"/>
-              <a:t>選択肢と正誤判定</a:t>
+              <a:t>穴あき問題の作成</a:t>
             </a:r>
             <a:endParaRPr kumimoji="1" lang="ja-JP" altLang="en-US" dirty="0"/>
           </a:p>
@@ -7358,62 +7241,60 @@
           <a:bodyPr/>
           <a:lstStyle/>
           <a:p>
-            <a:pPr marL="0" indent="0">
-              <a:buNone/>
-            </a:pPr>
-            <a:r>
-              <a:rPr kumimoji="1" lang="ja-JP" altLang="en-US" dirty="0" smtClean="0"/>
-              <a:t>選択肢から正誤を判定するプログラムを作成した</a:t>
-            </a:r>
-            <a:endParaRPr kumimoji="1" lang="en-US" altLang="ja-JP" dirty="0" smtClean="0"/>
-          </a:p>
-          <a:p>
-            <a:pPr marL="0" indent="0">
-              <a:buNone/>
-            </a:pPr>
             <a:r>
               <a:rPr lang="ja-JP" altLang="en-US" dirty="0" smtClean="0"/>
-              <a:t>今回作成したプログラムは文章、問題を事前に用意しているため、</a:t>
-            </a:r>
-            <a:r>
-              <a:rPr lang="en-US" altLang="ja-JP" dirty="0" err="1" smtClean="0"/>
-              <a:t>Blockly</a:t>
+              <a:t>画面（</a:t>
+            </a:r>
+            <a:r>
+              <a:rPr lang="en-US" altLang="ja-JP" dirty="0" smtClean="0"/>
+              <a:t>7/9</a:t>
             </a:r>
             <a:r>
               <a:rPr lang="ja-JP" altLang="en-US" dirty="0" smtClean="0"/>
-              <a:t>によって生成されたコードを利用して問題を生成する場合の表示方法が決まって</a:t>
+              <a:t>時点）の</a:t>
+            </a:r>
+            <a:r>
+              <a:rPr lang="en-US" altLang="ja-JP" dirty="0" smtClean="0"/>
+              <a:t>question2</a:t>
             </a:r>
             <a:r>
               <a:rPr lang="ja-JP" altLang="en-US" dirty="0" smtClean="0"/>
-              <a:t>いない</a:t>
-            </a:r>
-            <a:endParaRPr lang="en-US" altLang="ja-JP" dirty="0"/>
-          </a:p>
-          <a:p>
-            <a:pPr marL="0" indent="0">
-              <a:buNone/>
-            </a:pPr>
-            <a:endParaRPr kumimoji="1" lang="en-US" altLang="ja-JP" dirty="0" smtClean="0"/>
-          </a:p>
-          <a:p>
-            <a:pPr marL="0" indent="0">
-              <a:buNone/>
-            </a:pPr>
-            <a:r>
-              <a:rPr lang="en-US" altLang="ja-JP" dirty="0" err="1" smtClean="0"/>
-              <a:t>github</a:t>
-            </a:r>
-            <a:endParaRPr kumimoji="1" lang="en-US" altLang="ja-JP" dirty="0" smtClean="0"/>
-          </a:p>
-          <a:p>
-            <a:pPr marL="0" indent="0">
-              <a:buNone/>
-            </a:pPr>
+              <a:t>のボタンを押すとランダムで一か所を隠す</a:t>
+            </a:r>
+            <a:endParaRPr lang="en-US" altLang="ja-JP" dirty="0" smtClean="0"/>
+          </a:p>
+          <a:p>
+            <a:r>
+              <a:rPr lang="ja-JP" altLang="en-US" dirty="0"/>
+              <a:t>複</a:t>
+            </a:r>
+            <a:r>
+              <a:rPr lang="ja-JP" altLang="en-US" dirty="0" smtClean="0"/>
+              <a:t>数回押した場合は場所が変わる（隠れる場所は一か所）</a:t>
+            </a:r>
+            <a:endParaRPr lang="en-US" altLang="ja-JP" dirty="0" smtClean="0"/>
+          </a:p>
+          <a:p>
+            <a:r>
+              <a:rPr lang="ja-JP" altLang="en-US" dirty="0"/>
+              <a:t>これ</a:t>
+            </a:r>
+            <a:r>
+              <a:rPr lang="ja-JP" altLang="en-US" dirty="0" smtClean="0"/>
+              <a:t>はプログラムを変えれば複数個所を隠すことも可能</a:t>
+            </a:r>
+            <a:endParaRPr lang="en-US" altLang="ja-JP" dirty="0" smtClean="0"/>
+          </a:p>
+          <a:p>
             <a:r>
               <a:rPr lang="en-US" altLang="ja-JP" dirty="0" smtClean="0"/>
-              <a:t>Parts/test.html</a:t>
-            </a:r>
-            <a:endParaRPr kumimoji="1" lang="en-US" altLang="ja-JP" dirty="0" smtClean="0"/>
+              <a:t>Question1</a:t>
+            </a:r>
+            <a:r>
+              <a:rPr lang="ja-JP" altLang="en-US" dirty="0" smtClean="0"/>
+              <a:t>のボタンを押すと隠れていない状態のコードを表示</a:t>
+            </a:r>
+            <a:endParaRPr lang="en-US" altLang="ja-JP" dirty="0" smtClean="0"/>
           </a:p>
         </p:txBody>
       </p:sp>
@@ -7433,17 +7314,17 @@
           <a:lstStyle/>
           <a:p>
             <a:fld id="{4A32CB03-0843-4AF8-BFB2-C9917854BC7E}" type="slidenum">
-              <a:rPr kumimoji="1" lang="ja-JP" altLang="en-US" sz="2800" smtClean="0"/>
+              <a:rPr kumimoji="1" lang="ja-JP" altLang="en-US" smtClean="0"/>
               <a:t>27</a:t>
             </a:fld>
-            <a:endParaRPr kumimoji="1" lang="ja-JP" altLang="en-US" dirty="0"/>
+            <a:endParaRPr kumimoji="1" lang="ja-JP" altLang="en-US"/>
           </a:p>
         </p:txBody>
       </p:sp>
     </p:spTree>
     <p:extLst>
       <p:ext uri="{BB962C8B-B14F-4D97-AF65-F5344CB8AC3E}">
-        <p14:creationId xmlns:p14="http://schemas.microsoft.com/office/powerpoint/2010/main" val="3564727157"/>
+        <p14:creationId xmlns:p14="http://schemas.microsoft.com/office/powerpoint/2010/main" val="755709697"/>
       </p:ext>
     </p:extLst>
   </p:cSld>
@@ -7486,9 +7367,159 @@
           <a:lstStyle/>
           <a:p>
             <a:r>
+              <a:rPr kumimoji="1" lang="ja-JP" altLang="en-US" dirty="0" smtClean="0"/>
+              <a:t>穴あき問題作成の問題点</a:t>
+            </a:r>
+            <a:endParaRPr kumimoji="1" lang="ja-JP" altLang="en-US" dirty="0"/>
+          </a:p>
+        </p:txBody>
+      </p:sp>
+      <p:sp>
+        <p:nvSpPr>
+          <p:cNvPr id="3" name="コンテンツ プレースホルダー 2"/>
+          <p:cNvSpPr>
+            <a:spLocks noGrp="1"/>
+          </p:cNvSpPr>
+          <p:nvPr>
+            <p:ph idx="1"/>
+          </p:nvPr>
+        </p:nvSpPr>
+        <p:spPr>
+          <a:xfrm>
+            <a:off x="628650" y="1825625"/>
+            <a:ext cx="8135024" cy="4351338"/>
+          </a:xfrm>
+        </p:spPr>
+        <p:txBody>
+          <a:bodyPr>
+            <a:normAutofit fontScale="85000" lnSpcReduction="20000"/>
+          </a:bodyPr>
+          <a:lstStyle/>
+          <a:p>
+            <a:pPr marL="0" indent="0">
+              <a:buNone/>
+            </a:pPr>
+            <a:r>
+              <a:rPr lang="ja-JP" altLang="en-US" dirty="0"/>
+              <a:t>現在の問題点：</a:t>
+            </a:r>
+          </a:p>
+          <a:p>
+            <a:pPr marL="0" indent="0">
+              <a:buNone/>
+            </a:pPr>
+            <a:r>
               <a:rPr lang="ja-JP" altLang="en-US" dirty="0" smtClean="0"/>
-              <a:t>選択式から選んで正誤を判定するプログラム</a:t>
-            </a:r>
+              <a:t>    現在</a:t>
+            </a:r>
+            <a:r>
+              <a:rPr lang="ja-JP" altLang="en-US" dirty="0"/>
+              <a:t>半角スペースを区切り文字として文字列を配列に変換している関係上、改行では区切られない</a:t>
+            </a:r>
+          </a:p>
+          <a:p>
+            <a:pPr marL="0" indent="0">
+              <a:buNone/>
+            </a:pPr>
+            <a:r>
+              <a:rPr lang="ja-JP" altLang="en-US" dirty="0"/>
+              <a:t>    →例えば</a:t>
+            </a:r>
+            <a:r>
+              <a:rPr lang="en-US" altLang="ja-JP" dirty="0"/>
+              <a:t>else:</a:t>
+            </a:r>
+            <a:r>
+              <a:rPr lang="ja-JP" altLang="en-US" dirty="0"/>
+              <a:t>などの次に改行し、次の行で書き始めた最後の単語までを一つとして分かれている</a:t>
+            </a:r>
+          </a:p>
+          <a:p>
+            <a:pPr marL="0" indent="0">
+              <a:buNone/>
+            </a:pPr>
+            <a:r>
+              <a:rPr lang="ja-JP" altLang="en-US" dirty="0"/>
+              <a:t>    →改行を区切り文字として含めるとインデントが消える</a:t>
+            </a:r>
+          </a:p>
+          <a:p>
+            <a:pPr marL="0" indent="0">
+              <a:buNone/>
+            </a:pPr>
+            <a:r>
+              <a:rPr lang="ja-JP" altLang="en-US" dirty="0"/>
+              <a:t>    </a:t>
+            </a:r>
+            <a:r>
+              <a:rPr lang="en-US" altLang="ja-JP" dirty="0"/>
+              <a:t>print()</a:t>
+            </a:r>
+            <a:r>
+              <a:rPr lang="ja-JP" altLang="en-US" dirty="0" err="1"/>
+              <a:t>のように</a:t>
+            </a:r>
+            <a:r>
+              <a:rPr lang="ja-JP" altLang="en-US" dirty="0"/>
+              <a:t>関数が含まれる場合に、</a:t>
+            </a:r>
+            <a:r>
+              <a:rPr lang="en-US" altLang="ja-JP" dirty="0"/>
+              <a:t>print("hello world")</a:t>
+            </a:r>
+            <a:r>
+              <a:rPr lang="ja-JP" altLang="en-US" dirty="0"/>
+              <a:t>の”</a:t>
+            </a:r>
+            <a:r>
+              <a:rPr lang="en-US" altLang="ja-JP" dirty="0"/>
+              <a:t>print("hello”</a:t>
+            </a:r>
+            <a:r>
+              <a:rPr lang="ja-JP" altLang="en-US" dirty="0" err="1"/>
+              <a:t>までを</a:t>
+            </a:r>
+            <a:r>
+              <a:rPr lang="ja-JP" altLang="en-US" dirty="0"/>
+              <a:t>単語として認識している</a:t>
+            </a:r>
+          </a:p>
+          <a:p>
+            <a:pPr marL="0" indent="0">
+              <a:buNone/>
+            </a:pPr>
+            <a:r>
+              <a:rPr lang="ja-JP" altLang="en-US" dirty="0"/>
+              <a:t>    →穴埋めを生成するにあたって、</a:t>
+            </a:r>
+            <a:r>
+              <a:rPr lang="en-US" altLang="ja-JP" dirty="0"/>
+              <a:t>()</a:t>
+            </a:r>
+            <a:r>
+              <a:rPr lang="ja-JP" altLang="en-US" dirty="0"/>
+              <a:t>などを認識して区切りたい</a:t>
+            </a:r>
+          </a:p>
+          <a:p>
+            <a:pPr marL="0" indent="0">
+              <a:buNone/>
+            </a:pPr>
+            <a:r>
+              <a:rPr lang="ja-JP" altLang="en-US" dirty="0"/>
+              <a:t>    →（）は配列（文章）に</a:t>
+            </a:r>
+            <a:r>
+              <a:rPr lang="ja-JP" altLang="en-US"/>
+              <a:t>残して</a:t>
+            </a:r>
+            <a:r>
+              <a:rPr lang="ja-JP" altLang="en-US" smtClean="0"/>
+              <a:t>おきたい</a:t>
+            </a:r>
+            <a:endParaRPr lang="ja-JP" altLang="en-US" dirty="0"/>
+          </a:p>
+          <a:p>
             <a:endParaRPr kumimoji="1" lang="ja-JP" altLang="en-US" dirty="0"/>
           </a:p>
         </p:txBody>
@@ -7511,6 +7542,380 @@
             <a:fld id="{4A32CB03-0843-4AF8-BFB2-C9917854BC7E}" type="slidenum">
               <a:rPr kumimoji="1" lang="ja-JP" altLang="en-US" smtClean="0"/>
               <a:t>28</a:t>
+            </a:fld>
+            <a:endParaRPr kumimoji="1" lang="ja-JP" altLang="en-US"/>
+          </a:p>
+        </p:txBody>
+      </p:sp>
+    </p:spTree>
+    <p:extLst>
+      <p:ext uri="{BB962C8B-B14F-4D97-AF65-F5344CB8AC3E}">
+        <p14:creationId xmlns:p14="http://schemas.microsoft.com/office/powerpoint/2010/main" val="2927240973"/>
+      </p:ext>
+    </p:extLst>
+  </p:cSld>
+  <p:clrMapOvr>
+    <a:masterClrMapping/>
+  </p:clrMapOvr>
+</p:sld>
+</file>
+
+<file path=ppt/slides/slide29.xml><?xml version="1.0" encoding="utf-8"?>
+<p:sld xmlns:a="http://schemas.openxmlformats.org/drawingml/2006/main" xmlns:r="http://schemas.openxmlformats.org/officeDocument/2006/relationships" xmlns:p="http://schemas.openxmlformats.org/presentationml/2006/main">
+  <p:cSld>
+    <p:spTree>
+      <p:nvGrpSpPr>
+        <p:cNvPr id="1" name=""/>
+        <p:cNvGrpSpPr/>
+        <p:nvPr/>
+      </p:nvGrpSpPr>
+      <p:grpSpPr>
+        <a:xfrm>
+          <a:off x="0" y="0"/>
+          <a:ext cx="0" cy="0"/>
+          <a:chOff x="0" y="0"/>
+          <a:chExt cx="0" cy="0"/>
+        </a:xfrm>
+      </p:grpSpPr>
+      <p:sp>
+        <p:nvSpPr>
+          <p:cNvPr id="2" name="タイトル 1"/>
+          <p:cNvSpPr>
+            <a:spLocks noGrp="1"/>
+          </p:cNvSpPr>
+          <p:nvPr>
+            <p:ph type="title"/>
+          </p:nvPr>
+        </p:nvSpPr>
+        <p:spPr/>
+        <p:txBody>
+          <a:bodyPr/>
+          <a:lstStyle/>
+          <a:p>
+            <a:r>
+              <a:rPr kumimoji="1" lang="ja-JP" altLang="en-US" dirty="0" smtClean="0"/>
+              <a:t>選択肢と正誤判定</a:t>
+            </a:r>
+            <a:endParaRPr kumimoji="1" lang="ja-JP" altLang="en-US" dirty="0"/>
+          </a:p>
+        </p:txBody>
+      </p:sp>
+      <p:sp>
+        <p:nvSpPr>
+          <p:cNvPr id="3" name="コンテンツ プレースホルダー 2"/>
+          <p:cNvSpPr>
+            <a:spLocks noGrp="1"/>
+          </p:cNvSpPr>
+          <p:nvPr>
+            <p:ph idx="1"/>
+          </p:nvPr>
+        </p:nvSpPr>
+        <p:spPr/>
+        <p:txBody>
+          <a:bodyPr/>
+          <a:lstStyle/>
+          <a:p>
+            <a:pPr marL="0" indent="0">
+              <a:buNone/>
+            </a:pPr>
+            <a:r>
+              <a:rPr kumimoji="1" lang="ja-JP" altLang="en-US" dirty="0" smtClean="0"/>
+              <a:t>選択肢から正誤を判定するプログラムを作成した</a:t>
+            </a:r>
+            <a:endParaRPr kumimoji="1" lang="en-US" altLang="ja-JP" dirty="0" smtClean="0"/>
+          </a:p>
+          <a:p>
+            <a:pPr marL="0" indent="0">
+              <a:buNone/>
+            </a:pPr>
+            <a:r>
+              <a:rPr lang="ja-JP" altLang="en-US" dirty="0" smtClean="0"/>
+              <a:t>今回作成したプログラムは文章、問題を事前に用意しているため、</a:t>
+            </a:r>
+            <a:r>
+              <a:rPr lang="en-US" altLang="ja-JP" dirty="0" err="1" smtClean="0"/>
+              <a:t>Blockly</a:t>
+            </a:r>
+            <a:r>
+              <a:rPr lang="ja-JP" altLang="en-US" dirty="0" smtClean="0"/>
+              <a:t>によって生成されたコードを利用して問題を生成する場合の表示方法が決まっていない</a:t>
+            </a:r>
+            <a:endParaRPr lang="en-US" altLang="ja-JP" dirty="0"/>
+          </a:p>
+          <a:p>
+            <a:pPr marL="0" indent="0">
+              <a:buNone/>
+            </a:pPr>
+            <a:endParaRPr kumimoji="1" lang="en-US" altLang="ja-JP" dirty="0" smtClean="0"/>
+          </a:p>
+          <a:p>
+            <a:pPr marL="0" indent="0">
+              <a:buNone/>
+            </a:pPr>
+            <a:r>
+              <a:rPr lang="en-US" altLang="ja-JP" dirty="0" err="1" smtClean="0"/>
+              <a:t>github</a:t>
+            </a:r>
+            <a:endParaRPr kumimoji="1" lang="en-US" altLang="ja-JP" dirty="0" smtClean="0"/>
+          </a:p>
+          <a:p>
+            <a:pPr marL="0" indent="0">
+              <a:buNone/>
+            </a:pPr>
+            <a:r>
+              <a:rPr lang="en-US" altLang="ja-JP" dirty="0" smtClean="0"/>
+              <a:t>Parts/test.html</a:t>
+            </a:r>
+            <a:endParaRPr kumimoji="1" lang="en-US" altLang="ja-JP" dirty="0" smtClean="0"/>
+          </a:p>
+        </p:txBody>
+      </p:sp>
+      <p:sp>
+        <p:nvSpPr>
+          <p:cNvPr id="4" name="スライド番号プレースホルダー 3"/>
+          <p:cNvSpPr>
+            <a:spLocks noGrp="1"/>
+          </p:cNvSpPr>
+          <p:nvPr>
+            <p:ph type="sldNum" sz="quarter" idx="12"/>
+          </p:nvPr>
+        </p:nvSpPr>
+        <p:spPr/>
+        <p:txBody>
+          <a:bodyPr/>
+          <a:lstStyle/>
+          <a:p>
+            <a:fld id="{4A32CB03-0843-4AF8-BFB2-C9917854BC7E}" type="slidenum">
+              <a:rPr kumimoji="1" lang="ja-JP" altLang="en-US" sz="2800" smtClean="0"/>
+              <a:t>29</a:t>
+            </a:fld>
+            <a:endParaRPr kumimoji="1" lang="ja-JP" altLang="en-US" dirty="0"/>
+          </a:p>
+        </p:txBody>
+      </p:sp>
+    </p:spTree>
+    <p:extLst>
+      <p:ext uri="{BB962C8B-B14F-4D97-AF65-F5344CB8AC3E}">
+        <p14:creationId xmlns:p14="http://schemas.microsoft.com/office/powerpoint/2010/main" val="3564727157"/>
+      </p:ext>
+    </p:extLst>
+  </p:cSld>
+  <p:clrMapOvr>
+    <a:masterClrMapping/>
+  </p:clrMapOvr>
+</p:sld>
+</file>
+
+<file path=ppt/slides/slide3.xml><?xml version="1.0" encoding="utf-8"?>
+<p:sld xmlns:a="http://schemas.openxmlformats.org/drawingml/2006/main" xmlns:r="http://schemas.openxmlformats.org/officeDocument/2006/relationships" xmlns:p="http://schemas.openxmlformats.org/presentationml/2006/main">
+  <p:cSld>
+    <p:spTree>
+      <p:nvGrpSpPr>
+        <p:cNvPr id="1" name=""/>
+        <p:cNvGrpSpPr/>
+        <p:nvPr/>
+      </p:nvGrpSpPr>
+      <p:grpSpPr>
+        <a:xfrm>
+          <a:off x="0" y="0"/>
+          <a:ext cx="0" cy="0"/>
+          <a:chOff x="0" y="0"/>
+          <a:chExt cx="0" cy="0"/>
+        </a:xfrm>
+      </p:grpSpPr>
+      <p:sp>
+        <p:nvSpPr>
+          <p:cNvPr id="2" name="タイトル 1"/>
+          <p:cNvSpPr>
+            <a:spLocks noGrp="1"/>
+          </p:cNvSpPr>
+          <p:nvPr>
+            <p:ph type="title"/>
+          </p:nvPr>
+        </p:nvSpPr>
+        <p:spPr/>
+        <p:txBody>
+          <a:bodyPr/>
+          <a:lstStyle/>
+          <a:p>
+            <a:r>
+              <a:rPr lang="ja-JP" altLang="en-US" dirty="0" smtClean="0"/>
+              <a:t>現在の</a:t>
+            </a:r>
+            <a:r>
+              <a:rPr lang="en-US" altLang="ja-JP" dirty="0" smtClean="0"/>
+              <a:t>UI</a:t>
+            </a:r>
+            <a:r>
+              <a:rPr lang="ja-JP" altLang="en-US" dirty="0" smtClean="0"/>
+              <a:t>から変更したい</a:t>
+            </a:r>
+            <a:endParaRPr kumimoji="1" lang="ja-JP" altLang="en-US" dirty="0"/>
+          </a:p>
+        </p:txBody>
+      </p:sp>
+      <p:sp>
+        <p:nvSpPr>
+          <p:cNvPr id="3" name="コンテンツ プレースホルダー 2"/>
+          <p:cNvSpPr>
+            <a:spLocks noGrp="1"/>
+          </p:cNvSpPr>
+          <p:nvPr>
+            <p:ph idx="1"/>
+          </p:nvPr>
+        </p:nvSpPr>
+        <p:spPr/>
+        <p:txBody>
+          <a:bodyPr/>
+          <a:lstStyle/>
+          <a:p>
+            <a:pPr marL="0" indent="0">
+              <a:buNone/>
+            </a:pPr>
+            <a:r>
+              <a:rPr kumimoji="1" lang="ja-JP" altLang="en-US" dirty="0" smtClean="0"/>
+              <a:t>現在試験的に</a:t>
+            </a:r>
+            <a:endParaRPr kumimoji="1" lang="en-US" altLang="ja-JP" dirty="0" smtClean="0"/>
+          </a:p>
+          <a:p>
+            <a:r>
+              <a:rPr kumimoji="1" lang="ja-JP" altLang="en-US" dirty="0" smtClean="0"/>
+              <a:t>左側半分が</a:t>
+            </a:r>
+            <a:r>
+              <a:rPr kumimoji="1" lang="en-US" altLang="ja-JP" dirty="0" smtClean="0"/>
+              <a:t>Block</a:t>
+            </a:r>
+            <a:r>
+              <a:rPr kumimoji="1" lang="ja-JP" altLang="en-US" dirty="0" smtClean="0"/>
+              <a:t>を設置する場所</a:t>
+            </a:r>
+            <a:endParaRPr kumimoji="1" lang="en-US" altLang="ja-JP" dirty="0" smtClean="0"/>
+          </a:p>
+          <a:p>
+            <a:r>
+              <a:rPr lang="ja-JP" altLang="en-US" dirty="0" smtClean="0"/>
+              <a:t>右側上側が問題を用意する場所</a:t>
+            </a:r>
+            <a:endParaRPr lang="en-US" altLang="ja-JP" dirty="0" smtClean="0"/>
+          </a:p>
+          <a:p>
+            <a:r>
+              <a:rPr kumimoji="1" lang="ja-JP" altLang="en-US" dirty="0" smtClean="0"/>
+              <a:t>右側下側が解答を書く場所</a:t>
+            </a:r>
+            <a:endParaRPr kumimoji="1" lang="en-US" altLang="ja-JP" dirty="0" smtClean="0"/>
+          </a:p>
+          <a:p>
+            <a:pPr marL="0" indent="0">
+              <a:buNone/>
+            </a:pPr>
+            <a:r>
+              <a:rPr kumimoji="1" lang="ja-JP" altLang="en-US" dirty="0" smtClean="0"/>
+              <a:t>として、画面配置をしていた</a:t>
+            </a:r>
+            <a:endParaRPr kumimoji="1" lang="en-US" altLang="ja-JP" dirty="0" smtClean="0"/>
+          </a:p>
+          <a:p>
+            <a:endParaRPr kumimoji="1" lang="en-US" altLang="ja-JP" dirty="0" smtClean="0"/>
+          </a:p>
+        </p:txBody>
+      </p:sp>
+      <p:sp>
+        <p:nvSpPr>
+          <p:cNvPr id="4" name="スライド番号プレースホルダー 3"/>
+          <p:cNvSpPr>
+            <a:spLocks noGrp="1"/>
+          </p:cNvSpPr>
+          <p:nvPr>
+            <p:ph type="sldNum" sz="quarter" idx="12"/>
+          </p:nvPr>
+        </p:nvSpPr>
+        <p:spPr/>
+        <p:txBody>
+          <a:bodyPr/>
+          <a:lstStyle/>
+          <a:p>
+            <a:fld id="{4A32CB03-0843-4AF8-BFB2-C9917854BC7E}" type="slidenum">
+              <a:rPr kumimoji="1" lang="ja-JP" altLang="en-US" smtClean="0"/>
+              <a:t>3</a:t>
+            </a:fld>
+            <a:endParaRPr kumimoji="1" lang="ja-JP" altLang="en-US"/>
+          </a:p>
+        </p:txBody>
+      </p:sp>
+    </p:spTree>
+    <p:extLst>
+      <p:ext uri="{BB962C8B-B14F-4D97-AF65-F5344CB8AC3E}">
+        <p14:creationId xmlns:p14="http://schemas.microsoft.com/office/powerpoint/2010/main" val="3055970228"/>
+      </p:ext>
+    </p:extLst>
+  </p:cSld>
+  <p:clrMapOvr>
+    <a:masterClrMapping/>
+  </p:clrMapOvr>
+</p:sld>
+</file>
+
+<file path=ppt/slides/slide30.xml><?xml version="1.0" encoding="utf-8"?>
+<p:sld xmlns:a="http://schemas.openxmlformats.org/drawingml/2006/main" xmlns:r="http://schemas.openxmlformats.org/officeDocument/2006/relationships" xmlns:p="http://schemas.openxmlformats.org/presentationml/2006/main">
+  <p:cSld>
+    <p:spTree>
+      <p:nvGrpSpPr>
+        <p:cNvPr id="1" name=""/>
+        <p:cNvGrpSpPr/>
+        <p:nvPr/>
+      </p:nvGrpSpPr>
+      <p:grpSpPr>
+        <a:xfrm>
+          <a:off x="0" y="0"/>
+          <a:ext cx="0" cy="0"/>
+          <a:chOff x="0" y="0"/>
+          <a:chExt cx="0" cy="0"/>
+        </a:xfrm>
+      </p:grpSpPr>
+      <p:sp>
+        <p:nvSpPr>
+          <p:cNvPr id="2" name="タイトル 1"/>
+          <p:cNvSpPr>
+            <a:spLocks noGrp="1"/>
+          </p:cNvSpPr>
+          <p:nvPr>
+            <p:ph type="title"/>
+          </p:nvPr>
+        </p:nvSpPr>
+        <p:spPr/>
+        <p:txBody>
+          <a:bodyPr/>
+          <a:lstStyle/>
+          <a:p>
+            <a:r>
+              <a:rPr lang="ja-JP" altLang="en-US" dirty="0" smtClean="0"/>
+              <a:t>選択式から選んで正誤を判定するプログラム</a:t>
+            </a:r>
+            <a:endParaRPr kumimoji="1" lang="ja-JP" altLang="en-US" dirty="0"/>
+          </a:p>
+        </p:txBody>
+      </p:sp>
+      <p:sp>
+        <p:nvSpPr>
+          <p:cNvPr id="4" name="スライド番号プレースホルダー 3"/>
+          <p:cNvSpPr>
+            <a:spLocks noGrp="1"/>
+          </p:cNvSpPr>
+          <p:nvPr>
+            <p:ph type="sldNum" sz="quarter" idx="12"/>
+          </p:nvPr>
+        </p:nvSpPr>
+        <p:spPr/>
+        <p:txBody>
+          <a:bodyPr/>
+          <a:lstStyle/>
+          <a:p>
+            <a:fld id="{4A32CB03-0843-4AF8-BFB2-C9917854BC7E}" type="slidenum">
+              <a:rPr kumimoji="1" lang="ja-JP" altLang="en-US" smtClean="0"/>
+              <a:t>30</a:t>
             </a:fld>
             <a:endParaRPr kumimoji="1" lang="ja-JP" altLang="en-US"/>
           </a:p>
@@ -7553,7 +7958,7 @@
 </p:sld>
 </file>
 
-<file path=ppt/slides/slide29.xml><?xml version="1.0" encoding="utf-8"?>
+<file path=ppt/slides/slide31.xml><?xml version="1.0" encoding="utf-8"?>
 <p:sld xmlns:a="http://schemas.openxmlformats.org/drawingml/2006/main" xmlns:r="http://schemas.openxmlformats.org/officeDocument/2006/relationships" xmlns:p="http://schemas.openxmlformats.org/presentationml/2006/main">
   <p:cSld>
     <p:spTree>
@@ -7708,7 +8113,7 @@
           <a:p>
             <a:fld id="{4A32CB03-0843-4AF8-BFB2-C9917854BC7E}" type="slidenum">
               <a:rPr kumimoji="1" lang="ja-JP" altLang="en-US" smtClean="0"/>
-              <a:t>29</a:t>
+              <a:t>31</a:t>
             </a:fld>
             <a:endParaRPr kumimoji="1" lang="ja-JP" altLang="en-US"/>
           </a:p>
@@ -7727,7 +8132,7 @@
 </p:sld>
 </file>
 
-<file path=ppt/slides/slide3.xml><?xml version="1.0" encoding="utf-8"?>
+<file path=ppt/slides/slide32.xml><?xml version="1.0" encoding="utf-8"?>
 <p:sld xmlns:a="http://schemas.openxmlformats.org/drawingml/2006/main" xmlns:r="http://schemas.openxmlformats.org/officeDocument/2006/relationships" xmlns:p="http://schemas.openxmlformats.org/presentationml/2006/main">
   <p:cSld>
     <p:spTree>
@@ -7760,86 +8165,63 @@
           <a:lstStyle/>
           <a:p>
             <a:r>
+              <a:rPr kumimoji="1" lang="en-US" altLang="ja-JP" dirty="0" err="1" smtClean="0"/>
+              <a:t>selectbox</a:t>
+            </a:r>
+            <a:r>
+              <a:rPr kumimoji="1" lang="ja-JP" altLang="en-US" dirty="0" smtClean="0"/>
+              <a:t>の選択肢の生成</a:t>
+            </a:r>
+            <a:endParaRPr kumimoji="1" lang="ja-JP" altLang="en-US" dirty="0"/>
+          </a:p>
+        </p:txBody>
+      </p:sp>
+      <p:sp>
+        <p:nvSpPr>
+          <p:cNvPr id="3" name="コンテンツ プレースホルダー 2"/>
+          <p:cNvSpPr>
+            <a:spLocks noGrp="1"/>
+          </p:cNvSpPr>
+          <p:nvPr>
+            <p:ph idx="1"/>
+          </p:nvPr>
+        </p:nvSpPr>
+        <p:spPr/>
+        <p:txBody>
+          <a:bodyPr/>
+          <a:lstStyle/>
+          <a:p>
+            <a:r>
               <a:rPr lang="ja-JP" altLang="en-US" dirty="0" smtClean="0"/>
-              <a:t>現在の</a:t>
-            </a:r>
-            <a:r>
-              <a:rPr lang="en-US" altLang="ja-JP" dirty="0" smtClean="0"/>
-              <a:t>UI</a:t>
+              <a:t>上記スライドでは問題文も選択肢も静的に決定されているが、</a:t>
+            </a:r>
+            <a:r>
+              <a:rPr lang="en-US" altLang="ja-JP" dirty="0" err="1" smtClean="0"/>
+              <a:t>Javascript</a:t>
             </a:r>
             <a:r>
               <a:rPr lang="ja-JP" altLang="en-US" dirty="0" smtClean="0"/>
-              <a:t>から変更したい</a:t>
-            </a:r>
+              <a:t>を用いることで動的に内容を設定できるらしい</a:t>
+            </a:r>
+            <a:endParaRPr lang="en-US" altLang="ja-JP" dirty="0" smtClean="0"/>
+          </a:p>
+          <a:p>
+            <a:r>
+              <a:rPr kumimoji="1" lang="ja-JP" altLang="en-US" dirty="0" smtClean="0"/>
+              <a:t>セレクトボックス</a:t>
+            </a:r>
+            <a:r>
+              <a:rPr lang="ja-JP" altLang="en-US" dirty="0"/>
+              <a:t>自体</a:t>
+            </a:r>
+            <a:r>
+              <a:rPr kumimoji="1" lang="ja-JP" altLang="en-US" dirty="0" smtClean="0"/>
+              <a:t>を生成することもどうやら可能らしい</a:t>
+            </a:r>
+            <a:endParaRPr kumimoji="1" lang="en-US" altLang="ja-JP" dirty="0" smtClean="0"/>
+          </a:p>
+          <a:p>
             <a:endParaRPr kumimoji="1" lang="ja-JP" altLang="en-US" dirty="0"/>
-          </a:p>
-        </p:txBody>
-      </p:sp>
-      <p:sp>
-        <p:nvSpPr>
-          <p:cNvPr id="3" name="コンテンツ プレースホルダー 2"/>
-          <p:cNvSpPr>
-            <a:spLocks noGrp="1"/>
-          </p:cNvSpPr>
-          <p:nvPr>
-            <p:ph idx="1"/>
-          </p:nvPr>
-        </p:nvSpPr>
-        <p:spPr/>
-        <p:txBody>
-          <a:bodyPr/>
-          <a:lstStyle/>
-          <a:p>
-            <a:pPr marL="0" indent="0">
-              <a:buNone/>
-            </a:pPr>
-            <a:r>
-              <a:rPr kumimoji="1" lang="ja-JP" altLang="en-US" dirty="0" smtClean="0"/>
-              <a:t>現在試験的に</a:t>
-            </a:r>
-            <a:endParaRPr kumimoji="1" lang="en-US" altLang="ja-JP" dirty="0" smtClean="0"/>
-          </a:p>
-          <a:p>
-            <a:r>
-              <a:rPr kumimoji="1" lang="ja-JP" altLang="en-US" dirty="0" smtClean="0"/>
-              <a:t>左側半分が</a:t>
-            </a:r>
-            <a:r>
-              <a:rPr kumimoji="1" lang="en-US" altLang="ja-JP" dirty="0" smtClean="0"/>
-              <a:t>Block</a:t>
-            </a:r>
-            <a:r>
-              <a:rPr kumimoji="1" lang="ja-JP" altLang="en-US" dirty="0" smtClean="0"/>
-              <a:t>を設置する場所</a:t>
-            </a:r>
-            <a:endParaRPr kumimoji="1" lang="en-US" altLang="ja-JP" dirty="0" smtClean="0"/>
-          </a:p>
-          <a:p>
-            <a:r>
-              <a:rPr lang="ja-JP" altLang="en-US" dirty="0" smtClean="0"/>
-              <a:t>右側上側が問題を用意する場所</a:t>
-            </a:r>
-            <a:endParaRPr lang="en-US" altLang="ja-JP" dirty="0" smtClean="0"/>
-          </a:p>
-          <a:p>
-            <a:r>
-              <a:rPr kumimoji="1" lang="ja-JP" altLang="en-US" dirty="0" smtClean="0"/>
-              <a:t>右側下側が解答を書く場所</a:t>
-            </a:r>
-            <a:endParaRPr kumimoji="1" lang="en-US" altLang="ja-JP" dirty="0" smtClean="0"/>
-          </a:p>
-          <a:p>
-            <a:pPr marL="0" indent="0">
-              <a:buNone/>
-            </a:pPr>
-            <a:r>
-              <a:rPr kumimoji="1" lang="ja-JP" altLang="en-US" dirty="0" smtClean="0"/>
-              <a:t>として、画面配置をしていた</a:t>
-            </a:r>
-            <a:endParaRPr kumimoji="1" lang="en-US" altLang="ja-JP" dirty="0" smtClean="0"/>
-          </a:p>
-          <a:p>
-            <a:endParaRPr kumimoji="1" lang="en-US" altLang="ja-JP" dirty="0" smtClean="0"/>
           </a:p>
         </p:txBody>
       </p:sp>
@@ -7860,136 +8242,7 @@
           <a:p>
             <a:fld id="{4A32CB03-0843-4AF8-BFB2-C9917854BC7E}" type="slidenum">
               <a:rPr kumimoji="1" lang="ja-JP" altLang="en-US" smtClean="0"/>
-              <a:t>3</a:t>
-            </a:fld>
-            <a:endParaRPr kumimoji="1" lang="ja-JP" altLang="en-US"/>
-          </a:p>
-        </p:txBody>
-      </p:sp>
-    </p:spTree>
-    <p:extLst>
-      <p:ext uri="{BB962C8B-B14F-4D97-AF65-F5344CB8AC3E}">
-        <p14:creationId xmlns:p14="http://schemas.microsoft.com/office/powerpoint/2010/main" val="3055970228"/>
-      </p:ext>
-    </p:extLst>
-  </p:cSld>
-  <p:clrMapOvr>
-    <a:masterClrMapping/>
-  </p:clrMapOvr>
-</p:sld>
-</file>
-
-<file path=ppt/slides/slide30.xml><?xml version="1.0" encoding="utf-8"?>
-<p:sld xmlns:a="http://schemas.openxmlformats.org/drawingml/2006/main" xmlns:r="http://schemas.openxmlformats.org/officeDocument/2006/relationships" xmlns:p="http://schemas.openxmlformats.org/presentationml/2006/main">
-  <p:cSld>
-    <p:spTree>
-      <p:nvGrpSpPr>
-        <p:cNvPr id="1" name=""/>
-        <p:cNvGrpSpPr/>
-        <p:nvPr/>
-      </p:nvGrpSpPr>
-      <p:grpSpPr>
-        <a:xfrm>
-          <a:off x="0" y="0"/>
-          <a:ext cx="0" cy="0"/>
-          <a:chOff x="0" y="0"/>
-          <a:chExt cx="0" cy="0"/>
-        </a:xfrm>
-      </p:grpSpPr>
-      <p:sp>
-        <p:nvSpPr>
-          <p:cNvPr id="2" name="タイトル 1"/>
-          <p:cNvSpPr>
-            <a:spLocks noGrp="1"/>
-          </p:cNvSpPr>
-          <p:nvPr>
-            <p:ph type="title"/>
-          </p:nvPr>
-        </p:nvSpPr>
-        <p:spPr/>
-        <p:txBody>
-          <a:bodyPr/>
-          <a:lstStyle/>
-          <a:p>
-            <a:r>
-              <a:rPr kumimoji="1" lang="en-US" altLang="ja-JP" dirty="0" err="1" smtClean="0"/>
-              <a:t>selectbox</a:t>
-            </a:r>
-            <a:r>
-              <a:rPr kumimoji="1" lang="ja-JP" altLang="en-US" dirty="0" smtClean="0"/>
-              <a:t>の選択肢の生成</a:t>
-            </a:r>
-            <a:endParaRPr kumimoji="1" lang="ja-JP" altLang="en-US" dirty="0"/>
-          </a:p>
-        </p:txBody>
-      </p:sp>
-      <p:sp>
-        <p:nvSpPr>
-          <p:cNvPr id="3" name="コンテンツ プレースホルダー 2"/>
-          <p:cNvSpPr>
-            <a:spLocks noGrp="1"/>
-          </p:cNvSpPr>
-          <p:nvPr>
-            <p:ph idx="1"/>
-          </p:nvPr>
-        </p:nvSpPr>
-        <p:spPr/>
-        <p:txBody>
-          <a:bodyPr/>
-          <a:lstStyle/>
-          <a:p>
-            <a:r>
-              <a:rPr lang="ja-JP" altLang="en-US" dirty="0" smtClean="0"/>
-              <a:t>上記スライドでは問題文も選択肢も静的に決定されているが、</a:t>
-            </a:r>
-            <a:r>
-              <a:rPr lang="en-US" altLang="ja-JP" dirty="0" err="1" smtClean="0"/>
-              <a:t>Javascript</a:t>
-            </a:r>
-            <a:r>
-              <a:rPr lang="ja-JP" altLang="en-US" dirty="0" smtClean="0"/>
-              <a:t>を用いることで動的に内容を設定できるらしい</a:t>
-            </a:r>
-            <a:endParaRPr lang="en-US" altLang="ja-JP" dirty="0" smtClean="0"/>
-          </a:p>
-          <a:p>
-            <a:r>
-              <a:rPr kumimoji="1" lang="ja-JP" altLang="en-US" dirty="0" smtClean="0"/>
-              <a:t>セレクトボックス</a:t>
-            </a:r>
-            <a:r>
-              <a:rPr lang="ja-JP" altLang="en-US" dirty="0"/>
-              <a:t>自体</a:t>
-            </a:r>
-            <a:r>
-              <a:rPr kumimoji="1" lang="ja-JP" altLang="en-US" dirty="0" smtClean="0"/>
-              <a:t>を生成することもどうやら可能らしい</a:t>
-            </a:r>
-            <a:endParaRPr kumimoji="1" lang="en-US" altLang="ja-JP" dirty="0" smtClean="0"/>
-          </a:p>
-          <a:p>
-            <a:endParaRPr kumimoji="1" lang="ja-JP" altLang="en-US" dirty="0"/>
-          </a:p>
-        </p:txBody>
-      </p:sp>
-      <p:sp>
-        <p:nvSpPr>
-          <p:cNvPr id="4" name="スライド番号プレースホルダー 3"/>
-          <p:cNvSpPr>
-            <a:spLocks noGrp="1"/>
-          </p:cNvSpPr>
-          <p:nvPr>
-            <p:ph type="sldNum" sz="quarter" idx="12"/>
-          </p:nvPr>
-        </p:nvSpPr>
-        <p:spPr/>
-        <p:txBody>
-          <a:bodyPr/>
-          <a:lstStyle/>
-          <a:p>
-            <a:fld id="{4A32CB03-0843-4AF8-BFB2-C9917854BC7E}" type="slidenum">
-              <a:rPr kumimoji="1" lang="ja-JP" altLang="en-US" smtClean="0"/>
-              <a:t>30</a:t>
+              <a:t>32</a:t>
             </a:fld>
             <a:endParaRPr kumimoji="1" lang="ja-JP" altLang="en-US"/>
           </a:p>
@@ -8273,54 +8526,32 @@
           <a:lstStyle/>
           <a:p>
             <a:r>
-              <a:rPr kumimoji="1" lang="ja-JP" altLang="en-US" dirty="0" smtClean="0"/>
-              <a:t>ブロックプログラミングとは何か</a:t>
+              <a:rPr lang="ja-JP" altLang="en-US" dirty="0" smtClean="0"/>
+              <a:t>ただプログラムをあわせた</a:t>
             </a:r>
             <a:endParaRPr kumimoji="1" lang="ja-JP" altLang="en-US" dirty="0"/>
-          </a:p>
-        </p:txBody>
-      </p:sp>
-      <p:sp>
-        <p:nvSpPr>
-          <p:cNvPr id="4" name="スライド番号プレースホルダー 3"/>
-          <p:cNvSpPr>
-            <a:spLocks noGrp="1"/>
-          </p:cNvSpPr>
-          <p:nvPr>
-            <p:ph type="sldNum" sz="quarter" idx="12"/>
-          </p:nvPr>
-        </p:nvSpPr>
-        <p:spPr/>
-        <p:txBody>
-          <a:bodyPr/>
-          <a:lstStyle/>
-          <a:p>
-            <a:fld id="{4A32CB03-0843-4AF8-BFB2-C9917854BC7E}" type="slidenum">
-              <a:rPr kumimoji="1" lang="ja-JP" altLang="en-US" sz="2400" smtClean="0"/>
-              <a:t>6</a:t>
-            </a:fld>
-            <a:endParaRPr kumimoji="1" lang="ja-JP" altLang="en-US" sz="2400" dirty="0"/>
           </a:p>
         </p:txBody>
       </p:sp>
       <p:pic>
         <p:nvPicPr>
-          <p:cNvPr id="6" name="図 5"/>
+          <p:cNvPr id="5" name="コンテンツ プレースホルダー 4"/>
           <p:cNvPicPr>
-            <a:picLocks noChangeAspect="1"/>
+            <a:picLocks noGrp="1" noChangeAspect="1"/>
           </p:cNvPicPr>
-          <p:nvPr/>
+          <p:nvPr>
+            <p:ph idx="1"/>
+          </p:nvPr>
         </p:nvPicPr>
-        <p:blipFill>
+        <p:blipFill rotWithShape="1">
           <a:blip r:embed="rId2"/>
-          <a:stretch>
-            <a:fillRect/>
-          </a:stretch>
+          <a:srcRect t="14471"/>
+          <a:stretch/>
         </p:blipFill>
         <p:spPr>
           <a:xfrm>
-            <a:off x="1169330" y="2592109"/>
-            <a:ext cx="6929652" cy="3860449"/>
+            <a:off x="907715" y="2142067"/>
+            <a:ext cx="7328569" cy="4034896"/>
           </a:xfrm>
           <a:prstGeom prst="rect">
             <a:avLst/>
@@ -8329,45 +8560,31 @@
       </p:pic>
       <p:sp>
         <p:nvSpPr>
-          <p:cNvPr id="7" name="テキスト ボックス 6"/>
-          <p:cNvSpPr txBox="1"/>
-          <p:nvPr/>
-        </p:nvSpPr>
-        <p:spPr>
-          <a:xfrm>
-            <a:off x="751959" y="1980429"/>
-            <a:ext cx="8392041" cy="707886"/>
-          </a:xfrm>
-          <a:prstGeom prst="rect">
-            <a:avLst/>
-          </a:prstGeom>
-          <a:noFill/>
-        </p:spPr>
-        <p:txBody>
-          <a:bodyPr wrap="none" rtlCol="0">
-            <a:spAutoFit/>
-          </a:bodyPr>
-          <a:lstStyle/>
-          <a:p>
-            <a:r>
-              <a:rPr kumimoji="1" lang="ja-JP" altLang="en-US" sz="2000" dirty="0" smtClean="0"/>
-              <a:t>ビジュアルプログラミングとも呼ばれる</a:t>
-            </a:r>
-            <a:endParaRPr kumimoji="1" lang="en-US" altLang="ja-JP" sz="2000" dirty="0" smtClean="0"/>
-          </a:p>
-          <a:p>
-            <a:r>
-              <a:rPr kumimoji="1" lang="ja-JP" altLang="en-US" sz="2000" dirty="0" smtClean="0"/>
-              <a:t>命令を埋め込まれたブロックを組み合わせるプログラミング手法のこと</a:t>
-            </a:r>
-            <a:endParaRPr kumimoji="1" lang="ja-JP" altLang="en-US" sz="2000" dirty="0"/>
+          <p:cNvPr id="4" name="スライド番号プレースホルダー 3"/>
+          <p:cNvSpPr>
+            <a:spLocks noGrp="1"/>
+          </p:cNvSpPr>
+          <p:nvPr>
+            <p:ph type="sldNum" sz="quarter" idx="12"/>
+          </p:nvPr>
+        </p:nvSpPr>
+        <p:spPr/>
+        <p:txBody>
+          <a:bodyPr/>
+          <a:lstStyle/>
+          <a:p>
+            <a:fld id="{4A32CB03-0843-4AF8-BFB2-C9917854BC7E}" type="slidenum">
+              <a:rPr kumimoji="1" lang="ja-JP" altLang="en-US" smtClean="0"/>
+              <a:t>6</a:t>
+            </a:fld>
+            <a:endParaRPr kumimoji="1" lang="ja-JP" altLang="en-US"/>
           </a:p>
         </p:txBody>
       </p:sp>
     </p:spTree>
     <p:extLst>
       <p:ext uri="{BB962C8B-B14F-4D97-AF65-F5344CB8AC3E}">
-        <p14:creationId xmlns:p14="http://schemas.microsoft.com/office/powerpoint/2010/main" val="1081448831"/>
+        <p14:creationId xmlns:p14="http://schemas.microsoft.com/office/powerpoint/2010/main" val="974302438"/>
       </p:ext>
     </p:extLst>
   </p:cSld>
@@ -8411,7 +8628,7 @@
           <a:p>
             <a:r>
               <a:rPr kumimoji="1" lang="ja-JP" altLang="en-US" dirty="0" smtClean="0"/>
-              <a:t>研究背景</a:t>
+              <a:t>画面配置</a:t>
             </a:r>
             <a:endParaRPr kumimoji="1" lang="ja-JP" altLang="en-US" dirty="0"/>
           </a:p>
@@ -8432,32 +8649,52 @@
           <a:bodyPr/>
           <a:lstStyle/>
           <a:p>
-            <a:pPr algn="just"/>
-            <a:r>
-              <a:rPr lang="en-US" altLang="ja-JP" dirty="0"/>
-              <a:t>2020</a:t>
-            </a:r>
-            <a:r>
-              <a:rPr lang="ja-JP" altLang="en-US" dirty="0"/>
-              <a:t>年以降小学校，中学校，高等学校にてプログラミング教育の必修が全面実施される．</a:t>
+            <a:r>
+              <a:rPr kumimoji="1" lang="ja-JP" altLang="en-US" dirty="0" smtClean="0"/>
+              <a:t>タブをスイッチするプログラムを一度何も考えずにおいてみた</a:t>
+            </a:r>
+            <a:endParaRPr kumimoji="1" lang="en-US" altLang="ja-JP" dirty="0" smtClean="0"/>
+          </a:p>
+          <a:p>
+            <a:r>
+              <a:rPr lang="ja-JP" altLang="en-US" dirty="0" smtClean="0"/>
+              <a:t>どうしてか下の二つの</a:t>
+            </a:r>
+            <a:r>
+              <a:rPr lang="en-US" altLang="ja-JP" dirty="0" err="1" smtClean="0"/>
+              <a:t>textarea</a:t>
+            </a:r>
+            <a:r>
+              <a:rPr lang="ja-JP" altLang="en-US" dirty="0" smtClean="0"/>
+              <a:t>を消すとうまく機能しないため原因を探したいと思う</a:t>
             </a:r>
             <a:endParaRPr lang="en-US" altLang="ja-JP" dirty="0"/>
           </a:p>
           <a:p>
-            <a:pPr algn="just"/>
-            <a:r>
-              <a:rPr lang="ja-JP" altLang="en-US" dirty="0"/>
-              <a:t>文部科学省の発表によると，プログラミング教育を必修とする目的は，現代社会で普遍的に求められる力としての論理的思考などを育むことである．</a:t>
-            </a:r>
-            <a:endParaRPr lang="en-US" altLang="ja-JP" dirty="0"/>
-          </a:p>
-          <a:p>
-            <a:pPr algn="just"/>
-            <a:r>
-              <a:rPr lang="ja-JP" altLang="en-US" dirty="0"/>
-              <a:t>論理的思考とは，「思考や論証の組み立て，思考の妥当性が保証される法則や形式」に則って思考を組み立てることとする．</a:t>
-            </a:r>
-            <a:endParaRPr lang="en-US" altLang="ja-JP" dirty="0"/>
+            <a:r>
+              <a:rPr kumimoji="1" lang="ja-JP" altLang="en-US" dirty="0" smtClean="0"/>
+              <a:t>多分</a:t>
+            </a:r>
+            <a:r>
+              <a:rPr kumimoji="1" lang="en-US" altLang="ja-JP" dirty="0" err="1" smtClean="0"/>
+              <a:t>Javascript</a:t>
+            </a:r>
+            <a:r>
+              <a:rPr kumimoji="1" lang="ja-JP" altLang="en-US" dirty="0" smtClean="0"/>
+              <a:t>側で画面がロードされたときに</a:t>
+            </a:r>
+            <a:r>
+              <a:rPr kumimoji="1" lang="en-US" altLang="ja-JP" dirty="0" err="1" smtClean="0"/>
+              <a:t>textarea</a:t>
+            </a:r>
+            <a:r>
+              <a:rPr kumimoji="1" lang="ja-JP" altLang="en-US" dirty="0" smtClean="0"/>
+              <a:t>を呼ぶはずが、存在していなくてループしているとかが原因</a:t>
+            </a:r>
+            <a:endParaRPr kumimoji="1" lang="en-US" altLang="ja-JP" dirty="0" smtClean="0"/>
+          </a:p>
+          <a:p>
+            <a:endParaRPr kumimoji="1" lang="ja-JP" altLang="en-US" dirty="0"/>
           </a:p>
         </p:txBody>
       </p:sp>
@@ -8477,17 +8714,17 @@
           <a:lstStyle/>
           <a:p>
             <a:fld id="{4A32CB03-0843-4AF8-BFB2-C9917854BC7E}" type="slidenum">
-              <a:rPr kumimoji="1" lang="ja-JP" altLang="en-US" sz="2800" smtClean="0"/>
+              <a:rPr kumimoji="1" lang="ja-JP" altLang="en-US" smtClean="0"/>
               <a:t>7</a:t>
             </a:fld>
-            <a:endParaRPr kumimoji="1" lang="ja-JP" altLang="en-US" sz="2800" dirty="0"/>
+            <a:endParaRPr kumimoji="1" lang="ja-JP" altLang="en-US"/>
           </a:p>
         </p:txBody>
       </p:sp>
     </p:spTree>
     <p:extLst>
       <p:ext uri="{BB962C8B-B14F-4D97-AF65-F5344CB8AC3E}">
-        <p14:creationId xmlns:p14="http://schemas.microsoft.com/office/powerpoint/2010/main" val="1938097084"/>
+        <p14:creationId xmlns:p14="http://schemas.microsoft.com/office/powerpoint/2010/main" val="2725613017"/>
       </p:ext>
     </p:extLst>
   </p:cSld>
@@ -8531,7 +8768,7 @@
           <a:p>
             <a:r>
               <a:rPr kumimoji="1" lang="ja-JP" altLang="en-US" dirty="0" smtClean="0"/>
-              <a:t>提案内容</a:t>
+              <a:t>ブロックプログラミングとは何か</a:t>
             </a:r>
             <a:endParaRPr kumimoji="1" lang="ja-JP" altLang="en-US" dirty="0"/>
           </a:p>
@@ -8539,59 +8776,6 @@
       </p:sp>
       <p:sp>
         <p:nvSpPr>
-          <p:cNvPr id="3" name="コンテンツ プレースホルダー 2"/>
-          <p:cNvSpPr>
-            <a:spLocks noGrp="1"/>
-          </p:cNvSpPr>
-          <p:nvPr>
-            <p:ph idx="1"/>
-          </p:nvPr>
-        </p:nvSpPr>
-        <p:spPr/>
-        <p:txBody>
-          <a:bodyPr>
-            <a:normAutofit/>
-          </a:bodyPr>
-          <a:lstStyle/>
-          <a:p>
-            <a:r>
-              <a:rPr lang="ja-JP" altLang="en-US" dirty="0"/>
-              <a:t>直観的に理解のしやすいブロックプログラミングにより、プログラミングの論理的思考を身に</a:t>
-            </a:r>
-            <a:r>
-              <a:rPr lang="ja-JP" altLang="en-US" dirty="0" smtClean="0"/>
-              <a:t>着けられるシステムを提案する</a:t>
-            </a:r>
-            <a:endParaRPr lang="en-US" altLang="ja-JP" dirty="0" smtClean="0"/>
-          </a:p>
-          <a:p>
-            <a:r>
-              <a:rPr lang="ja-JP" altLang="en-US" dirty="0" smtClean="0"/>
-              <a:t>ブロックプログラミングからブロックリーによるコードへの変換を利用し、プログラミング言語への理解を深められるシステムを提案</a:t>
-            </a:r>
-            <a:endParaRPr lang="en-US" altLang="ja-JP" dirty="0" smtClean="0"/>
-          </a:p>
-          <a:p>
-            <a:r>
-              <a:rPr lang="ja-JP" altLang="en-US" dirty="0"/>
-              <a:t>穴埋め</a:t>
-            </a:r>
-            <a:r>
-              <a:rPr lang="ja-JP" altLang="en-US" dirty="0" smtClean="0"/>
-              <a:t>問題などを利用し、よりプログラミングにユーザが慣れていける環境を提案</a:t>
-            </a:r>
-            <a:endParaRPr lang="en-US" altLang="ja-JP" dirty="0" smtClean="0"/>
-          </a:p>
-          <a:p>
-            <a:endParaRPr kumimoji="1" lang="en-US" altLang="ja-JP" dirty="0"/>
-          </a:p>
-          <a:p>
-            <a:endParaRPr kumimoji="1" lang="ja-JP" altLang="en-US" dirty="0"/>
-          </a:p>
-        </p:txBody>
-      </p:sp>
-      <p:sp>
-        <p:nvSpPr>
           <p:cNvPr id="4" name="スライド番号プレースホルダー 3"/>
           <p:cNvSpPr>
             <a:spLocks noGrp="1"/>
@@ -8606,17 +8790,78 @@
           <a:lstStyle/>
           <a:p>
             <a:fld id="{4A32CB03-0843-4AF8-BFB2-C9917854BC7E}" type="slidenum">
-              <a:rPr kumimoji="1" lang="ja-JP" altLang="en-US" sz="2800" smtClean="0"/>
+              <a:rPr kumimoji="1" lang="ja-JP" altLang="en-US" sz="2400" smtClean="0"/>
               <a:t>8</a:t>
             </a:fld>
-            <a:endParaRPr kumimoji="1" lang="ja-JP" altLang="en-US" sz="2800" dirty="0"/>
+            <a:endParaRPr kumimoji="1" lang="ja-JP" altLang="en-US" sz="2400" dirty="0"/>
+          </a:p>
+        </p:txBody>
+      </p:sp>
+      <p:pic>
+        <p:nvPicPr>
+          <p:cNvPr id="6" name="図 5"/>
+          <p:cNvPicPr>
+            <a:picLocks noChangeAspect="1"/>
+          </p:cNvPicPr>
+          <p:nvPr/>
+        </p:nvPicPr>
+        <p:blipFill>
+          <a:blip r:embed="rId2"/>
+          <a:stretch>
+            <a:fillRect/>
+          </a:stretch>
+        </p:blipFill>
+        <p:spPr>
+          <a:xfrm>
+            <a:off x="1169330" y="2592109"/>
+            <a:ext cx="6929652" cy="3860449"/>
+          </a:xfrm>
+          <a:prstGeom prst="rect">
+            <a:avLst/>
+          </a:prstGeom>
+        </p:spPr>
+      </p:pic>
+      <p:sp>
+        <p:nvSpPr>
+          <p:cNvPr id="7" name="テキスト ボックス 6"/>
+          <p:cNvSpPr txBox="1"/>
+          <p:nvPr/>
+        </p:nvSpPr>
+        <p:spPr>
+          <a:xfrm>
+            <a:off x="751959" y="1980429"/>
+            <a:ext cx="8392041" cy="707886"/>
+          </a:xfrm>
+          <a:prstGeom prst="rect">
+            <a:avLst/>
+          </a:prstGeom>
+          <a:noFill/>
+        </p:spPr>
+        <p:txBody>
+          <a:bodyPr wrap="none" rtlCol="0">
+            <a:spAutoFit/>
+          </a:bodyPr>
+          <a:lstStyle/>
+          <a:p>
+            <a:r>
+              <a:rPr kumimoji="1" lang="ja-JP" altLang="en-US" sz="2000" dirty="0" smtClean="0"/>
+              <a:t>ビジュアルプログラミングとも呼ばれる</a:t>
+            </a:r>
+            <a:endParaRPr kumimoji="1" lang="en-US" altLang="ja-JP" sz="2000" dirty="0" smtClean="0"/>
+          </a:p>
+          <a:p>
+            <a:r>
+              <a:rPr kumimoji="1" lang="ja-JP" altLang="en-US" sz="2000" dirty="0" smtClean="0"/>
+              <a:t>命令を埋め込まれたブロックを組み合わせるプログラミング手法のこと</a:t>
+            </a:r>
+            <a:endParaRPr kumimoji="1" lang="ja-JP" altLang="en-US" sz="2000" dirty="0"/>
           </a:p>
         </p:txBody>
       </p:sp>
     </p:spTree>
     <p:extLst>
       <p:ext uri="{BB962C8B-B14F-4D97-AF65-F5344CB8AC3E}">
-        <p14:creationId xmlns:p14="http://schemas.microsoft.com/office/powerpoint/2010/main" val="354179094"/>
+        <p14:creationId xmlns:p14="http://schemas.microsoft.com/office/powerpoint/2010/main" val="1081448831"/>
       </p:ext>
     </p:extLst>
   </p:cSld>
@@ -8660,7 +8905,7 @@
           <a:p>
             <a:r>
               <a:rPr kumimoji="1" lang="ja-JP" altLang="en-US" dirty="0" smtClean="0"/>
-              <a:t>研究動機</a:t>
+              <a:t>研究背景</a:t>
             </a:r>
             <a:endParaRPr kumimoji="1" lang="ja-JP" altLang="en-US" dirty="0"/>
           </a:p>
@@ -8683,8 +8928,12 @@
           <a:p>
             <a:pPr algn="just"/>
             <a:r>
+              <a:rPr lang="en-US" altLang="ja-JP" dirty="0"/>
+              <a:t>2020</a:t>
+            </a:r>
+            <a:r>
               <a:rPr lang="ja-JP" altLang="en-US" dirty="0"/>
-              <a:t>学習者が教科書を読み進めるだけではなく，プログラミングに実際に触れることで，論理的思考を身に着けられる環境を作成したいと考えた．</a:t>
+              <a:t>年以降小学校，中学校，高等学校にてプログラミング教育の必修が全面実施される．</a:t>
             </a:r>
             <a:endParaRPr lang="en-US" altLang="ja-JP" dirty="0"/>
           </a:p>
@@ -8692,28 +8941,18 @@
             <a:pPr algn="just"/>
             <a:r>
               <a:rPr lang="ja-JP" altLang="en-US" dirty="0"/>
-              <a:t>ブロックプログラミングを用いることで，学習の初期段階でプログラム言語の構文への理解が浅い状態でもコードの実行が可能である．</a:t>
+              <a:t>文部科学省の発表によると，プログラミング教育を必修とする目的は，現代社会で普遍的に求められる力としての論理的思考などを育むことである．</a:t>
             </a:r>
             <a:endParaRPr lang="en-US" altLang="ja-JP" dirty="0"/>
           </a:p>
           <a:p>
             <a:pPr algn="just"/>
             <a:r>
-              <a:rPr lang="en-US" altLang="ja-JP" dirty="0" err="1"/>
-              <a:t>Blockly</a:t>
-            </a:r>
-            <a:r>
               <a:rPr lang="ja-JP" altLang="en-US" dirty="0"/>
-              <a:t>のコードジェネレート機能を用いることで，プログラムの構文への理解につながる．</a:t>
+              <a:t>論理的思考とは，「思考や論証の組み立て，思考の妥当性が保証される法則や形式」に則って思考を組み立てることとする．</a:t>
             </a:r>
             <a:endParaRPr lang="en-US" altLang="ja-JP" dirty="0"/>
           </a:p>
-          <a:p>
-            <a:endParaRPr lang="en-US" altLang="ja-JP" dirty="0"/>
-          </a:p>
-          <a:p>
-            <a:endParaRPr kumimoji="1" lang="ja-JP" altLang="en-US" dirty="0"/>
-          </a:p>
         </p:txBody>
       </p:sp>
       <p:sp>
@@ -8732,17 +8971,17 @@
           <a:lstStyle/>
           <a:p>
             <a:fld id="{4A32CB03-0843-4AF8-BFB2-C9917854BC7E}" type="slidenum">
-              <a:rPr kumimoji="1" lang="ja-JP" altLang="en-US" sz="2400" smtClean="0"/>
+              <a:rPr kumimoji="1" lang="ja-JP" altLang="en-US" sz="2800" smtClean="0"/>
               <a:t>9</a:t>
             </a:fld>
-            <a:endParaRPr kumimoji="1" lang="ja-JP" altLang="en-US" sz="2400" dirty="0"/>
+            <a:endParaRPr kumimoji="1" lang="ja-JP" altLang="en-US" sz="2800" dirty="0"/>
           </a:p>
         </p:txBody>
       </p:sp>
     </p:spTree>
     <p:extLst>
       <p:ext uri="{BB962C8B-B14F-4D97-AF65-F5344CB8AC3E}">
-        <p14:creationId xmlns:p14="http://schemas.microsoft.com/office/powerpoint/2010/main" val="1632152331"/>
+        <p14:creationId xmlns:p14="http://schemas.microsoft.com/office/powerpoint/2010/main" val="1938097084"/>
       </p:ext>
     </p:extLst>
   </p:cSld>

--- a/1821121_shimaoka_sotsuken.pptx
+++ b/1821121_shimaoka_sotsuken.pptx
@@ -5,41 +5,38 @@
     <p:sldMasterId id="2147483660" r:id="rId1"/>
   </p:sldMasterIdLst>
   <p:notesMasterIdLst>
-    <p:notesMasterId r:id="rId34"/>
+    <p:notesMasterId r:id="rId31"/>
   </p:notesMasterIdLst>
   <p:sldIdLst>
     <p:sldId id="257" r:id="rId2"/>
-    <p:sldId id="295" r:id="rId3"/>
-    <p:sldId id="296" r:id="rId4"/>
-    <p:sldId id="297" r:id="rId5"/>
-    <p:sldId id="298" r:id="rId6"/>
-    <p:sldId id="299" r:id="rId7"/>
-    <p:sldId id="300" r:id="rId8"/>
-    <p:sldId id="265" r:id="rId9"/>
-    <p:sldId id="271" r:id="rId10"/>
-    <p:sldId id="270" r:id="rId11"/>
-    <p:sldId id="263" r:id="rId12"/>
-    <p:sldId id="269" r:id="rId13"/>
-    <p:sldId id="279" r:id="rId14"/>
-    <p:sldId id="280" r:id="rId15"/>
-    <p:sldId id="288" r:id="rId16"/>
-    <p:sldId id="273" r:id="rId17"/>
-    <p:sldId id="278" r:id="rId18"/>
-    <p:sldId id="276" r:id="rId19"/>
-    <p:sldId id="285" r:id="rId20"/>
-    <p:sldId id="286" r:id="rId21"/>
-    <p:sldId id="277" r:id="rId22"/>
-    <p:sldId id="274" r:id="rId23"/>
-    <p:sldId id="275" r:id="rId24"/>
-    <p:sldId id="281" r:id="rId25"/>
-    <p:sldId id="282" r:id="rId26"/>
-    <p:sldId id="290" r:id="rId27"/>
-    <p:sldId id="289" r:id="rId28"/>
-    <p:sldId id="291" r:id="rId29"/>
-    <p:sldId id="272" r:id="rId30"/>
-    <p:sldId id="292" r:id="rId31"/>
-    <p:sldId id="293" r:id="rId32"/>
-    <p:sldId id="294" r:id="rId33"/>
+    <p:sldId id="265" r:id="rId3"/>
+    <p:sldId id="271" r:id="rId4"/>
+    <p:sldId id="270" r:id="rId5"/>
+    <p:sldId id="263" r:id="rId6"/>
+    <p:sldId id="269" r:id="rId7"/>
+    <p:sldId id="302" r:id="rId8"/>
+    <p:sldId id="279" r:id="rId9"/>
+    <p:sldId id="280" r:id="rId10"/>
+    <p:sldId id="288" r:id="rId11"/>
+    <p:sldId id="273" r:id="rId12"/>
+    <p:sldId id="278" r:id="rId13"/>
+    <p:sldId id="276" r:id="rId14"/>
+    <p:sldId id="285" r:id="rId15"/>
+    <p:sldId id="286" r:id="rId16"/>
+    <p:sldId id="277" r:id="rId17"/>
+    <p:sldId id="274" r:id="rId18"/>
+    <p:sldId id="275" r:id="rId19"/>
+    <p:sldId id="281" r:id="rId20"/>
+    <p:sldId id="282" r:id="rId21"/>
+    <p:sldId id="290" r:id="rId22"/>
+    <p:sldId id="272" r:id="rId23"/>
+    <p:sldId id="292" r:id="rId24"/>
+    <p:sldId id="293" r:id="rId25"/>
+    <p:sldId id="294" r:id="rId26"/>
+    <p:sldId id="295" r:id="rId27"/>
+    <p:sldId id="303" r:id="rId28"/>
+    <p:sldId id="304" r:id="rId29"/>
+    <p:sldId id="305" r:id="rId30"/>
   </p:sldIdLst>
   <p:sldSz cx="9144000" cy="6858000" type="screen4x3"/>
   <p:notesSz cx="6858000" cy="9144000"/>
@@ -228,7 +225,7 @@
           <a:p>
             <a:fld id="{FE6A3D4C-FB20-486F-A33D-02A27AB85120}" type="datetimeFigureOut">
               <a:rPr kumimoji="1" lang="ja-JP" altLang="en-US" smtClean="0"/>
-              <a:t>2021/10/4</a:t>
+              <a:t>2021/10/11</a:t>
             </a:fld>
             <a:endParaRPr kumimoji="1" lang="ja-JP" altLang="en-US"/>
           </a:p>
@@ -617,7 +614,7 @@
           <a:p>
             <a:fld id="{47905BA8-D78C-4C59-98CB-0E1E713D5795}" type="slidenum">
               <a:rPr kumimoji="1" lang="ja-JP" altLang="en-US" smtClean="0"/>
-              <a:t>9</a:t>
+              <a:t>3</a:t>
             </a:fld>
             <a:endParaRPr kumimoji="1" lang="ja-JP" altLang="en-US"/>
           </a:p>
@@ -729,7 +726,7 @@
           <a:p>
             <a:fld id="{47905BA8-D78C-4C59-98CB-0E1E713D5795}" type="slidenum">
               <a:rPr kumimoji="1" lang="ja-JP" altLang="en-US" smtClean="0"/>
-              <a:t>11</a:t>
+              <a:t>5</a:t>
             </a:fld>
             <a:endParaRPr kumimoji="1" lang="ja-JP" altLang="en-US"/>
           </a:p>
@@ -862,7 +859,7 @@
           <a:p>
             <a:fld id="{47905BA8-D78C-4C59-98CB-0E1E713D5795}" type="slidenum">
               <a:rPr kumimoji="1" lang="ja-JP" altLang="en-US" smtClean="0"/>
-              <a:t>12</a:t>
+              <a:t>6</a:t>
             </a:fld>
             <a:endParaRPr kumimoji="1" lang="ja-JP" altLang="en-US"/>
           </a:p>
@@ -872,6 +869,242 @@
     <p:extLst>
       <p:ext uri="{BB962C8B-B14F-4D97-AF65-F5344CB8AC3E}">
         <p14:creationId xmlns:p14="http://schemas.microsoft.com/office/powerpoint/2010/main" val="3773121134"/>
+      </p:ext>
+    </p:extLst>
+  </p:cSld>
+  <p:clrMapOvr>
+    <a:masterClrMapping/>
+  </p:clrMapOvr>
+</p:notes>
+</file>
+
+<file path=ppt/notesSlides/notesSlide4.xml><?xml version="1.0" encoding="utf-8"?>
+<p:notes xmlns:a="http://schemas.openxmlformats.org/drawingml/2006/main" xmlns:r="http://schemas.openxmlformats.org/officeDocument/2006/relationships" xmlns:p="http://schemas.openxmlformats.org/presentationml/2006/main">
+  <p:cSld>
+    <p:spTree>
+      <p:nvGrpSpPr>
+        <p:cNvPr id="1" name=""/>
+        <p:cNvGrpSpPr/>
+        <p:nvPr/>
+      </p:nvGrpSpPr>
+      <p:grpSpPr>
+        <a:xfrm>
+          <a:off x="0" y="0"/>
+          <a:ext cx="0" cy="0"/>
+          <a:chOff x="0" y="0"/>
+          <a:chExt cx="0" cy="0"/>
+        </a:xfrm>
+      </p:grpSpPr>
+      <p:sp>
+        <p:nvSpPr>
+          <p:cNvPr id="2" name="スライド イメージ プレースホルダー 1"/>
+          <p:cNvSpPr>
+            <a:spLocks noGrp="1" noRot="1" noChangeAspect="1"/>
+          </p:cNvSpPr>
+          <p:nvPr>
+            <p:ph type="sldImg"/>
+          </p:nvPr>
+        </p:nvSpPr>
+        <p:spPr/>
+      </p:sp>
+      <p:sp>
+        <p:nvSpPr>
+          <p:cNvPr id="3" name="ノート プレースホルダー 2"/>
+          <p:cNvSpPr>
+            <a:spLocks noGrp="1"/>
+          </p:cNvSpPr>
+          <p:nvPr>
+            <p:ph type="body" idx="1"/>
+          </p:nvPr>
+        </p:nvSpPr>
+        <p:spPr/>
+        <p:txBody>
+          <a:bodyPr/>
+          <a:lstStyle/>
+          <a:p>
+            <a:r>
+              <a:rPr kumimoji="1" lang="ja-JP" altLang="en-US" dirty="0" smtClean="0"/>
+              <a:t>問題を解くだけではユーザの学習が定着しない</a:t>
+            </a:r>
+            <a:endParaRPr kumimoji="1" lang="en-US" altLang="ja-JP" dirty="0" smtClean="0"/>
+          </a:p>
+          <a:p>
+            <a:r>
+              <a:rPr kumimoji="1" lang="ja-JP" altLang="en-US" dirty="0" smtClean="0"/>
+              <a:t>問題の中でも、自分が間違うような箇所はどういったところなのかプロファイル</a:t>
+            </a:r>
+            <a:endParaRPr kumimoji="1" lang="en-US" altLang="ja-JP" dirty="0" smtClean="0"/>
+          </a:p>
+          <a:p>
+            <a:endParaRPr kumimoji="1" lang="en-US" altLang="ja-JP" dirty="0" smtClean="0"/>
+          </a:p>
+          <a:p>
+            <a:r>
+              <a:rPr kumimoji="1" lang="ja-JP" altLang="en-US" dirty="0" smtClean="0"/>
+              <a:t>正答率</a:t>
+            </a:r>
+            <a:endParaRPr kumimoji="1" lang="en-US" altLang="ja-JP" dirty="0" smtClean="0"/>
+          </a:p>
+          <a:p>
+            <a:endParaRPr kumimoji="1" lang="en-US" altLang="ja-JP" dirty="0" smtClean="0"/>
+          </a:p>
+          <a:p>
+            <a:r>
+              <a:rPr kumimoji="1" lang="ja-JP" altLang="en-US" dirty="0" smtClean="0"/>
+              <a:t>苦手分野がわかるようになる</a:t>
+            </a:r>
+            <a:endParaRPr kumimoji="1" lang="ja-JP" altLang="en-US" dirty="0"/>
+          </a:p>
+        </p:txBody>
+      </p:sp>
+      <p:sp>
+        <p:nvSpPr>
+          <p:cNvPr id="4" name="スライド番号プレースホルダー 3"/>
+          <p:cNvSpPr>
+            <a:spLocks noGrp="1"/>
+          </p:cNvSpPr>
+          <p:nvPr>
+            <p:ph type="sldNum" sz="quarter" idx="10"/>
+          </p:nvPr>
+        </p:nvSpPr>
+        <p:spPr/>
+        <p:txBody>
+          <a:bodyPr/>
+          <a:lstStyle/>
+          <a:p>
+            <a:fld id="{47905BA8-D78C-4C59-98CB-0E1E713D5795}" type="slidenum">
+              <a:rPr kumimoji="1" lang="ja-JP" altLang="en-US" smtClean="0"/>
+              <a:t>7</a:t>
+            </a:fld>
+            <a:endParaRPr kumimoji="1" lang="ja-JP" altLang="en-US"/>
+          </a:p>
+        </p:txBody>
+      </p:sp>
+    </p:spTree>
+    <p:extLst>
+      <p:ext uri="{BB962C8B-B14F-4D97-AF65-F5344CB8AC3E}">
+        <p14:creationId xmlns:p14="http://schemas.microsoft.com/office/powerpoint/2010/main" val="3359282882"/>
+      </p:ext>
+    </p:extLst>
+  </p:cSld>
+  <p:clrMapOvr>
+    <a:masterClrMapping/>
+  </p:clrMapOvr>
+</p:notes>
+</file>
+
+<file path=ppt/notesSlides/notesSlide5.xml><?xml version="1.0" encoding="utf-8"?>
+<p:notes xmlns:a="http://schemas.openxmlformats.org/drawingml/2006/main" xmlns:r="http://schemas.openxmlformats.org/officeDocument/2006/relationships" xmlns:p="http://schemas.openxmlformats.org/presentationml/2006/main">
+  <p:cSld>
+    <p:spTree>
+      <p:nvGrpSpPr>
+        <p:cNvPr id="1" name=""/>
+        <p:cNvGrpSpPr/>
+        <p:nvPr/>
+      </p:nvGrpSpPr>
+      <p:grpSpPr>
+        <a:xfrm>
+          <a:off x="0" y="0"/>
+          <a:ext cx="0" cy="0"/>
+          <a:chOff x="0" y="0"/>
+          <a:chExt cx="0" cy="0"/>
+        </a:xfrm>
+      </p:grpSpPr>
+      <p:sp>
+        <p:nvSpPr>
+          <p:cNvPr id="2" name="スライド イメージ プレースホルダー 1"/>
+          <p:cNvSpPr>
+            <a:spLocks noGrp="1" noRot="1" noChangeAspect="1"/>
+          </p:cNvSpPr>
+          <p:nvPr>
+            <p:ph type="sldImg"/>
+          </p:nvPr>
+        </p:nvSpPr>
+        <p:spPr/>
+      </p:sp>
+      <p:sp>
+        <p:nvSpPr>
+          <p:cNvPr id="3" name="ノート プレースホルダー 2"/>
+          <p:cNvSpPr>
+            <a:spLocks noGrp="1"/>
+          </p:cNvSpPr>
+          <p:nvPr>
+            <p:ph type="body" idx="1"/>
+          </p:nvPr>
+        </p:nvSpPr>
+        <p:spPr/>
+        <p:txBody>
+          <a:bodyPr/>
+          <a:lstStyle/>
+          <a:p>
+            <a:r>
+              <a:rPr kumimoji="1" lang="en-US" altLang="ja-JP" dirty="0" err="1" smtClean="0"/>
+              <a:t>Blockly</a:t>
+            </a:r>
+            <a:r>
+              <a:rPr lang="ja-JP" altLang="en-US" dirty="0" smtClean="0"/>
+              <a:t>では、</a:t>
+            </a:r>
+            <a:r>
+              <a:rPr kumimoji="1" lang="en-US" altLang="ja-JP" dirty="0" smtClean="0"/>
+              <a:t>Node</a:t>
+            </a:r>
+            <a:r>
+              <a:rPr lang="en-US" altLang="ja-JP" dirty="0" smtClean="0"/>
+              <a:t>.js</a:t>
+            </a:r>
+            <a:r>
+              <a:rPr lang="ja-JP" altLang="en-US" dirty="0" smtClean="0"/>
+              <a:t>を利用してコードの実行をしているように思えたが、実際には</a:t>
+            </a:r>
+            <a:r>
+              <a:rPr lang="en-US" altLang="ja-JP" dirty="0" err="1" smtClean="0"/>
+              <a:t>npm</a:t>
+            </a:r>
+            <a:r>
+              <a:rPr lang="ja-JP" altLang="en-US" dirty="0" smtClean="0"/>
+              <a:t>というパッケージ管理のために利用しているだけで、サーバとして利用しているわけではないようにも見える</a:t>
+            </a:r>
+            <a:endParaRPr lang="en-US" altLang="ja-JP" dirty="0" smtClean="0"/>
+          </a:p>
+          <a:p>
+            <a:r>
+              <a:rPr kumimoji="1" lang="ja-JP" altLang="en-US" dirty="0" smtClean="0"/>
+              <a:t>あまり理解できていないため、公式の情報を見直したい</a:t>
+            </a:r>
+          </a:p>
+          <a:p>
+            <a:endParaRPr kumimoji="1" lang="ja-JP" altLang="en-US" dirty="0"/>
+          </a:p>
+        </p:txBody>
+      </p:sp>
+      <p:sp>
+        <p:nvSpPr>
+          <p:cNvPr id="4" name="スライド番号プレースホルダー 3"/>
+          <p:cNvSpPr>
+            <a:spLocks noGrp="1"/>
+          </p:cNvSpPr>
+          <p:nvPr>
+            <p:ph type="sldNum" sz="quarter" idx="10"/>
+          </p:nvPr>
+        </p:nvSpPr>
+        <p:spPr/>
+        <p:txBody>
+          <a:bodyPr/>
+          <a:lstStyle/>
+          <a:p>
+            <a:fld id="{47905BA8-D78C-4C59-98CB-0E1E713D5795}" type="slidenum">
+              <a:rPr kumimoji="1" lang="ja-JP" altLang="en-US" smtClean="0"/>
+              <a:t>10</a:t>
+            </a:fld>
+            <a:endParaRPr kumimoji="1" lang="ja-JP" altLang="en-US"/>
+          </a:p>
+        </p:txBody>
+      </p:sp>
+    </p:spTree>
+    <p:extLst>
+      <p:ext uri="{BB962C8B-B14F-4D97-AF65-F5344CB8AC3E}">
+        <p14:creationId xmlns:p14="http://schemas.microsoft.com/office/powerpoint/2010/main" val="1798499662"/>
       </p:ext>
     </p:extLst>
   </p:cSld>
@@ -1012,7 +1245,7 @@
           <a:p>
             <a:fld id="{8C6C7C5F-18F5-4B54-8C42-F854729B27DF}" type="datetime1">
               <a:rPr kumimoji="1" lang="ja-JP" altLang="en-US" smtClean="0"/>
-              <a:t>2021/10/4</a:t>
+              <a:t>2021/10/11</a:t>
             </a:fld>
             <a:endParaRPr kumimoji="1" lang="ja-JP" altLang="en-US"/>
           </a:p>
@@ -1214,7 +1447,7 @@
           <a:p>
             <a:fld id="{8FA047B7-BB2C-4D3A-A8E4-BCCEB512AAAF}" type="datetime1">
               <a:rPr kumimoji="1" lang="ja-JP" altLang="en-US" smtClean="0"/>
-              <a:t>2021/10/4</a:t>
+              <a:t>2021/10/11</a:t>
             </a:fld>
             <a:endParaRPr kumimoji="1" lang="ja-JP" altLang="en-US"/>
           </a:p>
@@ -1426,7 +1659,7 @@
           <a:p>
             <a:fld id="{CF80C22C-2AF0-4F0A-AD7C-41D0B891B7A9}" type="datetime1">
               <a:rPr kumimoji="1" lang="ja-JP" altLang="en-US" smtClean="0"/>
-              <a:t>2021/10/4</a:t>
+              <a:t>2021/10/11</a:t>
             </a:fld>
             <a:endParaRPr kumimoji="1" lang="ja-JP" altLang="en-US"/>
           </a:p>
@@ -1628,7 +1861,7 @@
           <a:p>
             <a:fld id="{62594B83-F026-4CB8-8905-CA1C93615FC3}" type="datetime1">
               <a:rPr kumimoji="1" lang="ja-JP" altLang="en-US" smtClean="0"/>
-              <a:t>2021/10/4</a:t>
+              <a:t>2021/10/11</a:t>
             </a:fld>
             <a:endParaRPr kumimoji="1" lang="ja-JP" altLang="en-US"/>
           </a:p>
@@ -1872,7 +2105,7 @@
           <a:p>
             <a:fld id="{C788FC87-6CF2-4F9F-B6E0-63B89DBB0743}" type="datetime1">
               <a:rPr kumimoji="1" lang="ja-JP" altLang="en-US" smtClean="0"/>
-              <a:t>2021/10/4</a:t>
+              <a:t>2021/10/11</a:t>
             </a:fld>
             <a:endParaRPr kumimoji="1" lang="ja-JP" altLang="en-US"/>
           </a:p>
@@ -2168,7 +2401,7 @@
           <a:p>
             <a:fld id="{5E3CE0AD-2171-4734-A0AC-662511549EC1}" type="datetime1">
               <a:rPr kumimoji="1" lang="ja-JP" altLang="en-US" smtClean="0"/>
-              <a:t>2021/10/4</a:t>
+              <a:t>2021/10/11</a:t>
             </a:fld>
             <a:endParaRPr kumimoji="1" lang="ja-JP" altLang="en-US"/>
           </a:p>
@@ -2599,7 +2832,7 @@
           <a:p>
             <a:fld id="{80544D4F-1AD2-4A36-B800-B99208B8C9BA}" type="datetime1">
               <a:rPr kumimoji="1" lang="ja-JP" altLang="en-US" smtClean="0"/>
-              <a:t>2021/10/4</a:t>
+              <a:t>2021/10/11</a:t>
             </a:fld>
             <a:endParaRPr kumimoji="1" lang="ja-JP" altLang="en-US"/>
           </a:p>
@@ -2717,7 +2950,7 @@
           <a:p>
             <a:fld id="{3867E348-314D-465D-84AA-31D1BF6D1272}" type="datetime1">
               <a:rPr kumimoji="1" lang="ja-JP" altLang="en-US" smtClean="0"/>
-              <a:t>2021/10/4</a:t>
+              <a:t>2021/10/11</a:t>
             </a:fld>
             <a:endParaRPr kumimoji="1" lang="ja-JP" altLang="en-US"/>
           </a:p>
@@ -2812,7 +3045,7 @@
           <a:p>
             <a:fld id="{0504E9A7-4A17-4848-A233-45BE7F03BE87}" type="datetime1">
               <a:rPr kumimoji="1" lang="ja-JP" altLang="en-US" smtClean="0"/>
-              <a:t>2021/10/4</a:t>
+              <a:t>2021/10/11</a:t>
             </a:fld>
             <a:endParaRPr kumimoji="1" lang="ja-JP" altLang="en-US"/>
           </a:p>
@@ -3121,7 +3354,7 @@
           <a:p>
             <a:fld id="{24FF13B5-8080-4369-B18E-A47C7DC1EF3C}" type="datetime1">
               <a:rPr kumimoji="1" lang="ja-JP" altLang="en-US" smtClean="0"/>
-              <a:t>2021/10/4</a:t>
+              <a:t>2021/10/11</a:t>
             </a:fld>
             <a:endParaRPr kumimoji="1" lang="ja-JP" altLang="en-US"/>
           </a:p>
@@ -3378,7 +3611,7 @@
           <a:p>
             <a:fld id="{CE6ABB78-4FBA-43B9-8ECE-65353FBA2DF2}" type="datetime1">
               <a:rPr kumimoji="1" lang="ja-JP" altLang="en-US" smtClean="0"/>
-              <a:t>2021/10/4</a:t>
+              <a:t>2021/10/11</a:t>
             </a:fld>
             <a:endParaRPr kumimoji="1" lang="ja-JP" altLang="en-US"/>
           </a:p>
@@ -3623,7 +3856,7 @@
           <a:p>
             <a:fld id="{25B2B056-B4AA-4D55-9226-508BBA0DE7B1}" type="datetime1">
               <a:rPr kumimoji="1" lang="ja-JP" altLang="en-US" smtClean="0"/>
-              <a:t>2021/10/4</a:t>
+              <a:t>2021/10/11</a:t>
             </a:fld>
             <a:endParaRPr kumimoji="1" lang="ja-JP" altLang="en-US"/>
           </a:p>
@@ -4188,8 +4421,12 @@
           <a:lstStyle/>
           <a:p>
             <a:r>
-              <a:rPr kumimoji="1" lang="ja-JP" altLang="en-US" dirty="0" smtClean="0"/>
-              <a:t>提案内容</a:t>
+              <a:rPr lang="en-US" altLang="ja-JP" dirty="0" smtClean="0"/>
+              <a:t>Node.js</a:t>
+            </a:r>
+            <a:r>
+              <a:rPr lang="ja-JP" altLang="en-US" dirty="0" smtClean="0"/>
+              <a:t>について</a:t>
             </a:r>
             <a:endParaRPr kumimoji="1" lang="ja-JP" altLang="en-US" dirty="0"/>
           </a:p>
@@ -4207,43 +4444,61 @@
         </p:nvSpPr>
         <p:spPr/>
         <p:txBody>
-          <a:bodyPr>
-            <a:normAutofit/>
-          </a:bodyPr>
-          <a:lstStyle/>
-          <a:p>
+          <a:bodyPr/>
+          <a:lstStyle/>
+          <a:p>
+            <a:r>
+              <a:rPr kumimoji="1" lang="en-US" altLang="ja-JP" dirty="0" err="1" smtClean="0"/>
+              <a:t>Blockly</a:t>
+            </a:r>
             <a:r>
               <a:rPr lang="ja-JP" altLang="en-US" dirty="0"/>
-              <a:t>直観的に理解のしやすいブロックプログラミングにより、プログラミングの論理的思考を身に</a:t>
+              <a:t>で</a:t>
             </a:r>
             <a:r>
               <a:rPr lang="ja-JP" altLang="en-US" dirty="0" smtClean="0"/>
-              <a:t>着けられるシステムを提案する</a:t>
-            </a:r>
-            <a:endParaRPr lang="en-US" altLang="ja-JP" dirty="0" smtClean="0"/>
-          </a:p>
-          <a:p>
+              <a:t>は</a:t>
+            </a:r>
             <a:r>
               <a:rPr lang="ja-JP" altLang="en-US" dirty="0" smtClean="0"/>
-              <a:t>ブロックプログラミングからブロックリーによるコードへの変換を利用し、プログラミング言語への理解を深められるシステムを提案</a:t>
-            </a:r>
-            <a:endParaRPr lang="en-US" altLang="ja-JP" dirty="0" smtClean="0"/>
-          </a:p>
-          <a:p>
-            <a:r>
-              <a:rPr lang="ja-JP" altLang="en-US" dirty="0"/>
-              <a:t>穴埋め</a:t>
+              <a:t>、</a:t>
+            </a:r>
+            <a:r>
+              <a:rPr lang="en-US" altLang="ja-JP" dirty="0" smtClean="0"/>
+              <a:t>Node </a:t>
+            </a:r>
+            <a:r>
+              <a:rPr lang="en-US" altLang="ja-JP" dirty="0"/>
+              <a:t>Package Manager</a:t>
             </a:r>
             <a:r>
               <a:rPr lang="ja-JP" altLang="en-US" dirty="0" smtClean="0"/>
-              <a:t>問題などを利用し、よりプログラミングにユーザが慣れていける環境を提案</a:t>
-            </a:r>
-            <a:endParaRPr lang="en-US" altLang="ja-JP" dirty="0" smtClean="0"/>
-          </a:p>
-          <a:p>
-            <a:endParaRPr kumimoji="1" lang="en-US" altLang="ja-JP" dirty="0"/>
-          </a:p>
-          <a:p>
+              <a:t>と</a:t>
+            </a:r>
+            <a:r>
+              <a:rPr lang="ja-JP" altLang="en-US" dirty="0" smtClean="0"/>
+              <a:t>いうパッケージ管理のため</a:t>
+            </a:r>
+            <a:r>
+              <a:rPr lang="ja-JP" altLang="en-US" dirty="0" smtClean="0"/>
+              <a:t>に</a:t>
+            </a:r>
+            <a:r>
+              <a:rPr lang="en-US" altLang="ja-JP" dirty="0" smtClean="0"/>
+              <a:t>Node.js</a:t>
+            </a:r>
+            <a:r>
+              <a:rPr lang="ja-JP" altLang="en-US" dirty="0" smtClean="0"/>
+              <a:t>を利用</a:t>
+            </a:r>
+            <a:r>
+              <a:rPr lang="ja-JP" altLang="en-US" dirty="0" smtClean="0"/>
+              <a:t>して</a:t>
+            </a:r>
+            <a:r>
+              <a:rPr lang="ja-JP" altLang="en-US" dirty="0" smtClean="0"/>
+              <a:t>いる</a:t>
+            </a:r>
             <a:endParaRPr kumimoji="1" lang="ja-JP" altLang="en-US" dirty="0"/>
           </a:p>
         </p:txBody>
@@ -4264,23 +4519,30 @@
           <a:lstStyle/>
           <a:p>
             <a:fld id="{4A32CB03-0843-4AF8-BFB2-C9917854BC7E}" type="slidenum">
-              <a:rPr kumimoji="1" lang="ja-JP" altLang="en-US" sz="2800" smtClean="0"/>
+              <a:rPr kumimoji="1" lang="ja-JP" altLang="en-US" smtClean="0"/>
               <a:t>10</a:t>
             </a:fld>
-            <a:endParaRPr kumimoji="1" lang="ja-JP" altLang="en-US" sz="2800" dirty="0"/>
+            <a:endParaRPr kumimoji="1" lang="ja-JP" altLang="en-US"/>
           </a:p>
         </p:txBody>
       </p:sp>
     </p:spTree>
     <p:extLst>
       <p:ext uri="{BB962C8B-B14F-4D97-AF65-F5344CB8AC3E}">
-        <p14:creationId xmlns:p14="http://schemas.microsoft.com/office/powerpoint/2010/main" val="354179094"/>
+        <p14:creationId xmlns:p14="http://schemas.microsoft.com/office/powerpoint/2010/main" val="3535867368"/>
       </p:ext>
     </p:extLst>
   </p:cSld>
   <p:clrMapOvr>
     <a:masterClrMapping/>
   </p:clrMapOvr>
+  <p:timing>
+    <p:tnLst>
+      <p:par>
+        <p:cTn id="1" dur="indefinite" restart="never" nodeType="tmRoot"/>
+      </p:par>
+    </p:tnLst>
+  </p:timing>
 </p:sld>
 </file>
 
@@ -4317,61 +4579,83 @@
           <a:lstStyle/>
           <a:p>
             <a:r>
+              <a:rPr lang="en-US" altLang="ja-JP" dirty="0" err="1" smtClean="0"/>
+              <a:t>Node_modules</a:t>
+            </a:r>
+            <a:r>
+              <a:rPr lang="en-US" altLang="ja-JP" dirty="0" smtClean="0"/>
+              <a:t> install</a:t>
+            </a:r>
+            <a:endParaRPr kumimoji="1" lang="ja-JP" altLang="en-US" dirty="0"/>
+          </a:p>
+        </p:txBody>
+      </p:sp>
+      <p:sp>
+        <p:nvSpPr>
+          <p:cNvPr id="3" name="コンテンツ プレースホルダー 2"/>
+          <p:cNvSpPr>
+            <a:spLocks noGrp="1"/>
+          </p:cNvSpPr>
+          <p:nvPr>
+            <p:ph idx="1"/>
+          </p:nvPr>
+        </p:nvSpPr>
+        <p:spPr/>
+        <p:txBody>
+          <a:bodyPr/>
+          <a:lstStyle/>
+          <a:p>
+            <a:r>
+              <a:rPr lang="en-US" altLang="ja-JP" dirty="0" err="1" smtClean="0"/>
+              <a:t>Blockly</a:t>
+            </a:r>
+            <a:r>
+              <a:rPr lang="ja-JP" altLang="en-US" dirty="0" smtClean="0"/>
+              <a:t>公式によって用意されているモジュールのインストール</a:t>
+            </a:r>
+            <a:endParaRPr lang="en-US" altLang="ja-JP" dirty="0" smtClean="0"/>
+          </a:p>
+          <a:p>
+            <a:r>
               <a:rPr kumimoji="1" lang="ja-JP" altLang="en-US" dirty="0" smtClean="0"/>
-              <a:t>研究動機</a:t>
-            </a:r>
-            <a:endParaRPr kumimoji="1" lang="ja-JP" altLang="en-US" dirty="0"/>
-          </a:p>
-        </p:txBody>
-      </p:sp>
-      <p:sp>
-        <p:nvSpPr>
-          <p:cNvPr id="3" name="コンテンツ プレースホルダー 2"/>
-          <p:cNvSpPr>
-            <a:spLocks noGrp="1"/>
-          </p:cNvSpPr>
-          <p:nvPr>
-            <p:ph idx="1"/>
-          </p:nvPr>
-        </p:nvSpPr>
-        <p:spPr/>
-        <p:txBody>
-          <a:bodyPr/>
-          <a:lstStyle/>
-          <a:p>
-            <a:pPr algn="just"/>
-            <a:r>
-              <a:rPr lang="ja-JP" altLang="en-US" dirty="0"/>
-              <a:t>学習者が教科書を読み進めるだけではなく，プログラミングに実際に触れることで，論理的思考を身に着けられる環境を作成したいと考えた．</a:t>
-            </a:r>
+              <a:t>方法：</a:t>
+            </a:r>
+            <a:r>
+              <a:rPr lang="ja-JP" altLang="en-US" dirty="0" smtClean="0"/>
+              <a:t>コマンドプロンプトにて</a:t>
+            </a:r>
+            <a:r>
+              <a:rPr kumimoji="1" lang="ja-JP" altLang="en-US" dirty="0" smtClean="0"/>
+              <a:t>実行したい</a:t>
+            </a:r>
+            <a:r>
+              <a:rPr kumimoji="1" lang="en-US" altLang="ja-JP" dirty="0" smtClean="0"/>
+              <a:t>JSON</a:t>
+            </a:r>
+            <a:r>
+              <a:rPr kumimoji="1" lang="ja-JP" altLang="en-US" dirty="0" smtClean="0"/>
+              <a:t>ファイルの場所に移動して</a:t>
+            </a:r>
+            <a:r>
+              <a:rPr kumimoji="1" lang="en-US" altLang="ja-JP" dirty="0" err="1" smtClean="0"/>
+              <a:t>npm</a:t>
+            </a:r>
+            <a:r>
+              <a:rPr kumimoji="1" lang="en-US" altLang="ja-JP" dirty="0" smtClean="0"/>
+              <a:t> install</a:t>
+            </a:r>
+            <a:r>
+              <a:rPr kumimoji="1" lang="ja-JP" altLang="en-US" dirty="0" smtClean="0"/>
+              <a:t>を実行</a:t>
+            </a:r>
+            <a:endParaRPr kumimoji="1" lang="en-US" altLang="ja-JP" dirty="0" smtClean="0"/>
+          </a:p>
+          <a:p>
+            <a:pPr marL="0" indent="0">
+              <a:buNone/>
+            </a:pPr>
             <a:endParaRPr lang="en-US" altLang="ja-JP" dirty="0"/>
           </a:p>
-          <a:p>
-            <a:pPr algn="just"/>
-            <a:r>
-              <a:rPr lang="ja-JP" altLang="en-US" dirty="0"/>
-              <a:t>ブロックプログラミングを用いることで，学習の初期段階でプログラム言語の構文への理解が浅い状態でもコードの実行が可能である．</a:t>
-            </a:r>
-            <a:endParaRPr lang="en-US" altLang="ja-JP" dirty="0"/>
-          </a:p>
-          <a:p>
-            <a:pPr algn="just"/>
-            <a:r>
-              <a:rPr lang="en-US" altLang="ja-JP" dirty="0" err="1"/>
-              <a:t>Blockly</a:t>
-            </a:r>
-            <a:r>
-              <a:rPr lang="ja-JP" altLang="en-US" dirty="0"/>
-              <a:t>のコードジェネレート機能を用いることで，プログラムの構文への理解につながる．</a:t>
-            </a:r>
-            <a:endParaRPr lang="en-US" altLang="ja-JP" dirty="0"/>
-          </a:p>
-          <a:p>
-            <a:endParaRPr lang="en-US" altLang="ja-JP" dirty="0"/>
-          </a:p>
-          <a:p>
-            <a:endParaRPr kumimoji="1" lang="ja-JP" altLang="en-US" dirty="0"/>
-          </a:p>
         </p:txBody>
       </p:sp>
       <p:sp>
@@ -4390,23 +4674,30 @@
           <a:lstStyle/>
           <a:p>
             <a:fld id="{4A32CB03-0843-4AF8-BFB2-C9917854BC7E}" type="slidenum">
-              <a:rPr kumimoji="1" lang="ja-JP" altLang="en-US" sz="2400" smtClean="0"/>
+              <a:rPr kumimoji="1" lang="ja-JP" altLang="en-US" sz="2800" smtClean="0"/>
               <a:t>11</a:t>
             </a:fld>
-            <a:endParaRPr kumimoji="1" lang="ja-JP" altLang="en-US" sz="2400" dirty="0"/>
+            <a:endParaRPr kumimoji="1" lang="ja-JP" altLang="en-US" sz="2800" dirty="0"/>
           </a:p>
         </p:txBody>
       </p:sp>
     </p:spTree>
     <p:extLst>
       <p:ext uri="{BB962C8B-B14F-4D97-AF65-F5344CB8AC3E}">
-        <p14:creationId xmlns:p14="http://schemas.microsoft.com/office/powerpoint/2010/main" val="1632152331"/>
+        <p14:creationId xmlns:p14="http://schemas.microsoft.com/office/powerpoint/2010/main" val="2182324898"/>
       </p:ext>
     </p:extLst>
   </p:cSld>
   <p:clrMapOvr>
     <a:masterClrMapping/>
   </p:clrMapOvr>
+  <p:timing>
+    <p:tnLst>
+      <p:par>
+        <p:cTn id="1" dur="indefinite" restart="never" nodeType="tmRoot"/>
+      </p:par>
+    </p:tnLst>
+  </p:timing>
 </p:sld>
 </file>
 
@@ -4443,8 +4734,12 @@
           <a:lstStyle/>
           <a:p>
             <a:r>
-              <a:rPr kumimoji="1" lang="ja-JP" altLang="en-US" dirty="0" smtClean="0"/>
-              <a:t>研究課題について</a:t>
+              <a:rPr lang="en-US" altLang="ja-JP" dirty="0" err="1"/>
+              <a:t>Node_modules</a:t>
+            </a:r>
+            <a:r>
+              <a:rPr lang="en-US" altLang="ja-JP" dirty="0"/>
+              <a:t> install</a:t>
             </a:r>
             <a:endParaRPr kumimoji="1" lang="ja-JP" altLang="en-US" dirty="0"/>
           </a:p>
@@ -4452,74 +4747,6 @@
       </p:sp>
       <p:sp>
         <p:nvSpPr>
-          <p:cNvPr id="3" name="コンテンツ プレースホルダー 2"/>
-          <p:cNvSpPr>
-            <a:spLocks noGrp="1"/>
-          </p:cNvSpPr>
-          <p:nvPr>
-            <p:ph idx="1"/>
-          </p:nvPr>
-        </p:nvSpPr>
-        <p:spPr/>
-        <p:txBody>
-          <a:bodyPr>
-            <a:normAutofit/>
-          </a:bodyPr>
-          <a:lstStyle/>
-          <a:p>
-            <a:pPr algn="just"/>
-            <a:r>
-              <a:rPr lang="ja-JP" altLang="en-US" dirty="0"/>
-              <a:t>論理的思考がすでに培われていることを前提として問題が提示される教育環境となっている．</a:t>
-            </a:r>
-            <a:endParaRPr lang="en-US" altLang="ja-JP" dirty="0"/>
-          </a:p>
-          <a:p>
-            <a:pPr lvl="1" algn="just">
-              <a:buFont typeface="Wingdings" panose="05000000000000000000" pitchFamily="2" charset="2"/>
-              <a:buChar char="Ø"/>
-            </a:pPr>
-            <a:r>
-              <a:rPr lang="ja-JP" altLang="en-US" dirty="0"/>
-              <a:t>学習者が論理的な思考をもって問題文を読み取ることができる必要がある．</a:t>
-            </a:r>
-            <a:endParaRPr lang="en-US" altLang="ja-JP" dirty="0"/>
-          </a:p>
-          <a:p>
-            <a:pPr algn="just"/>
-            <a:r>
-              <a:rPr lang="ja-JP" altLang="en-US" dirty="0"/>
-              <a:t>プログラミング言語における構文を理解するには，コーディング経験も重要</a:t>
-            </a:r>
-            <a:endParaRPr lang="en-US" altLang="ja-JP" dirty="0"/>
-          </a:p>
-          <a:p>
-            <a:pPr lvl="1" algn="just">
-              <a:buFont typeface="Wingdings" panose="05000000000000000000" pitchFamily="2" charset="2"/>
-              <a:buChar char="Ø"/>
-            </a:pPr>
-            <a:r>
-              <a:rPr lang="en-US" altLang="ja-JP" dirty="0" err="1"/>
-              <a:t>Blockly</a:t>
-            </a:r>
-            <a:r>
-              <a:rPr lang="ja-JP" altLang="en-US" dirty="0"/>
-              <a:t>によって生成されたコードを見るだけではなく</a:t>
-            </a:r>
-            <a:r>
-              <a:rPr lang="en-US" altLang="ja-JP" dirty="0"/>
-              <a:t>,</a:t>
-            </a:r>
-            <a:r>
-              <a:rPr lang="ja-JP" altLang="en-US" dirty="0"/>
-              <a:t>実際に学習者がコーディングする環境でないと，プログラミング言語の構文への理解の定着にはつながらない．</a:t>
-            </a:r>
-            <a:endParaRPr lang="en-US" altLang="ja-JP" dirty="0"/>
-          </a:p>
-        </p:txBody>
-      </p:sp>
-      <p:sp>
-        <p:nvSpPr>
           <p:cNvPr id="4" name="スライド番号プレースホルダー 3"/>
           <p:cNvSpPr>
             <a:spLocks noGrp="1"/>
@@ -4533,18 +4760,42 @@
           <a:bodyPr/>
           <a:lstStyle/>
           <a:p>
-            <a:fld id="{010A43D1-8C5F-4BB5-96AD-6A66B588192F}" type="slidenum">
-              <a:rPr kumimoji="1" lang="ja-JP" altLang="en-US" sz="2400" smtClean="0"/>
+            <a:fld id="{4A32CB03-0843-4AF8-BFB2-C9917854BC7E}" type="slidenum">
+              <a:rPr kumimoji="1" lang="ja-JP" altLang="en-US" smtClean="0"/>
               <a:t>12</a:t>
             </a:fld>
-            <a:endParaRPr kumimoji="1" lang="ja-JP" altLang="en-US" sz="2400" dirty="0"/>
-          </a:p>
-        </p:txBody>
-      </p:sp>
+            <a:endParaRPr kumimoji="1" lang="ja-JP" altLang="en-US"/>
+          </a:p>
+        </p:txBody>
+      </p:sp>
+      <p:pic>
+        <p:nvPicPr>
+          <p:cNvPr id="5" name="図 4"/>
+          <p:cNvPicPr>
+            <a:picLocks noChangeAspect="1"/>
+          </p:cNvPicPr>
+          <p:nvPr/>
+        </p:nvPicPr>
+        <p:blipFill>
+          <a:blip r:embed="rId2"/>
+          <a:stretch>
+            <a:fillRect/>
+          </a:stretch>
+        </p:blipFill>
+        <p:spPr>
+          <a:xfrm>
+            <a:off x="628650" y="2176758"/>
+            <a:ext cx="7970195" cy="2031100"/>
+          </a:xfrm>
+          <a:prstGeom prst="rect">
+            <a:avLst/>
+          </a:prstGeom>
+        </p:spPr>
+      </p:pic>
     </p:spTree>
     <p:extLst>
       <p:ext uri="{BB962C8B-B14F-4D97-AF65-F5344CB8AC3E}">
-        <p14:creationId xmlns:p14="http://schemas.microsoft.com/office/powerpoint/2010/main" val="4275672017"/>
+        <p14:creationId xmlns:p14="http://schemas.microsoft.com/office/powerpoint/2010/main" val="2400612885"/>
       </p:ext>
     </p:extLst>
   </p:cSld>
@@ -4595,7 +4846,7 @@
           <a:p>
             <a:r>
               <a:rPr kumimoji="1" lang="en-US" altLang="ja-JP" dirty="0" smtClean="0"/>
-              <a:t>Node.js</a:t>
+              <a:t>Generator</a:t>
             </a:r>
             <a:endParaRPr kumimoji="1" lang="ja-JP" altLang="en-US" dirty="0"/>
           </a:p>
@@ -4616,100 +4867,64 @@
           <a:bodyPr/>
           <a:lstStyle/>
           <a:p>
-            <a:pPr marL="0" indent="0">
-              <a:buNone/>
-            </a:pPr>
-            <a:r>
-              <a:rPr lang="en-US" altLang="ja-JP" dirty="0"/>
-              <a:t>Node.js</a:t>
-            </a:r>
-            <a:r>
-              <a:rPr lang="ja-JP" altLang="en-US" dirty="0"/>
-              <a:t>（ノード・ジェイエス） は</a:t>
-            </a:r>
-            <a:r>
-              <a:rPr lang="en-US" altLang="ja-JP" dirty="0"/>
-              <a:t>V8 JavaScript</a:t>
-            </a:r>
-            <a:r>
-              <a:rPr lang="ja-JP" altLang="en-US" dirty="0"/>
-              <a:t>エンジン上に構築された</a:t>
-            </a:r>
-            <a:r>
-              <a:rPr lang="en-US" altLang="ja-JP" dirty="0"/>
+            <a:r>
+              <a:rPr kumimoji="1" lang="ja-JP" altLang="en-US" dirty="0" smtClean="0"/>
+              <a:t>ブロックからコードに変換するための生成器</a:t>
+            </a:r>
+            <a:endParaRPr lang="en-US" altLang="ja-JP" dirty="0"/>
+          </a:p>
+          <a:p>
+            <a:r>
+              <a:rPr lang="en-US" altLang="ja-JP" dirty="0" err="1" smtClean="0"/>
+              <a:t>Blockly</a:t>
+            </a:r>
+            <a:r>
+              <a:rPr lang="ja-JP" altLang="en-US" dirty="0" smtClean="0"/>
+              <a:t>で利用できる言語</a:t>
+            </a:r>
+            <a:endParaRPr lang="en-US" altLang="ja-JP" dirty="0" smtClean="0"/>
+          </a:p>
+          <a:p>
+            <a:pPr lvl="1"/>
+            <a:r>
+              <a:rPr kumimoji="1" lang="en-US" altLang="ja-JP" dirty="0" smtClean="0"/>
               <a:t>JavaScript</a:t>
             </a:r>
-            <a:r>
-              <a:rPr lang="ja-JP" altLang="en-US" dirty="0"/>
-              <a:t>実行環境の</a:t>
-            </a:r>
-            <a:r>
-              <a:rPr lang="en-US" altLang="ja-JP" dirty="0"/>
-              <a:t>1</a:t>
-            </a:r>
-            <a:r>
-              <a:rPr lang="ja-JP" altLang="en-US" dirty="0"/>
-              <a:t>つで</a:t>
-            </a:r>
-            <a:r>
-              <a:rPr lang="ja-JP" altLang="en-US" dirty="0" smtClean="0"/>
-              <a:t>ある。</a:t>
-            </a:r>
-            <a:r>
-              <a:rPr lang="ja-JP" altLang="en-US" dirty="0"/>
-              <a:t>イベント化された入出力を扱うサーバサイド</a:t>
-            </a:r>
-            <a:r>
-              <a:rPr lang="en-US" altLang="ja-JP" dirty="0"/>
-              <a:t>JavaScript</a:t>
-            </a:r>
-            <a:r>
-              <a:rPr lang="ja-JP" altLang="en-US" dirty="0"/>
-              <a:t>環境であり、</a:t>
-            </a:r>
-            <a:r>
-              <a:rPr lang="en-US" altLang="ja-JP" dirty="0"/>
-              <a:t>Web</a:t>
-            </a:r>
-            <a:r>
-              <a:rPr lang="ja-JP" altLang="en-US" dirty="0"/>
-              <a:t>サーバなどのスケーラブルなネットワークプログラムの記述を意図して</a:t>
-            </a:r>
-            <a:r>
-              <a:rPr lang="ja-JP" altLang="en-US" dirty="0" smtClean="0"/>
-              <a:t>いる。</a:t>
+          </a:p>
+          <a:p>
+            <a:pPr lvl="1"/>
+            <a:r>
+              <a:rPr lang="en-US" altLang="ja-JP" dirty="0" smtClean="0"/>
+              <a:t>Python</a:t>
+            </a:r>
+          </a:p>
+          <a:p>
+            <a:pPr lvl="1"/>
+            <a:r>
+              <a:rPr kumimoji="1" lang="en-US" altLang="ja-JP" dirty="0" smtClean="0"/>
+              <a:t>PHP</a:t>
+            </a:r>
+          </a:p>
+          <a:p>
+            <a:pPr lvl="1"/>
+            <a:r>
+              <a:rPr lang="en-US" altLang="ja-JP" dirty="0" err="1" smtClean="0"/>
+              <a:t>Lua</a:t>
             </a:r>
             <a:endParaRPr lang="en-US" altLang="ja-JP" dirty="0" smtClean="0"/>
           </a:p>
           <a:p>
-            <a:pPr marL="0" indent="0">
+            <a:pPr lvl="1"/>
+            <a:r>
+              <a:rPr kumimoji="1" lang="en-US" altLang="ja-JP" dirty="0" smtClean="0"/>
+              <a:t>Dart</a:t>
+            </a:r>
+          </a:p>
+          <a:p>
+            <a:pPr marL="457200" lvl="1" indent="0">
               <a:buNone/>
             </a:pPr>
             <a:endParaRPr kumimoji="1" lang="en-US" altLang="ja-JP" dirty="0" smtClean="0"/>
-          </a:p>
-          <a:p>
-            <a:pPr marL="0" indent="0">
-              <a:buNone/>
-            </a:pPr>
-            <a:r>
-              <a:rPr lang="ja-JP" altLang="en-US" dirty="0"/>
-              <a:t>引用</a:t>
-            </a:r>
-            <a:r>
-              <a:rPr lang="ja-JP" altLang="en-US" dirty="0" smtClean="0"/>
-              <a:t>：</a:t>
-            </a:r>
-            <a:endParaRPr kumimoji="1" lang="en-US" altLang="ja-JP" dirty="0"/>
-          </a:p>
-          <a:p>
-            <a:pPr marL="0" indent="0">
-              <a:buNone/>
-            </a:pPr>
-            <a:r>
-              <a:rPr lang="en-US" altLang="ja-JP" dirty="0"/>
-              <a:t>https://ja.wikipedia.org/wiki/Node.js</a:t>
-            </a:r>
-            <a:endParaRPr kumimoji="1" lang="ja-JP" altLang="en-US" dirty="0"/>
           </a:p>
         </p:txBody>
       </p:sp>
@@ -4739,13 +4954,20 @@
     </p:spTree>
     <p:extLst>
       <p:ext uri="{BB962C8B-B14F-4D97-AF65-F5344CB8AC3E}">
-        <p14:creationId xmlns:p14="http://schemas.microsoft.com/office/powerpoint/2010/main" val="4200382121"/>
+        <p14:creationId xmlns:p14="http://schemas.microsoft.com/office/powerpoint/2010/main" val="559910476"/>
       </p:ext>
     </p:extLst>
   </p:cSld>
   <p:clrMapOvr>
     <a:masterClrMapping/>
   </p:clrMapOvr>
+  <p:timing>
+    <p:tnLst>
+      <p:par>
+        <p:cTn id="1" dur="indefinite" restart="never" nodeType="tmRoot"/>
+      </p:par>
+    </p:tnLst>
+  </p:timing>
 </p:sld>
 </file>
 
@@ -4776,18 +4998,200 @@
             <p:ph type="title"/>
           </p:nvPr>
         </p:nvSpPr>
-        <p:spPr/>
-        <p:txBody>
-          <a:bodyPr/>
-          <a:lstStyle/>
-          <a:p>
+        <p:spPr>
+          <a:xfrm>
+            <a:off x="644834" y="365126"/>
+            <a:ext cx="7886700" cy="1325563"/>
+          </a:xfrm>
+        </p:spPr>
+        <p:txBody>
+          <a:bodyPr/>
+          <a:lstStyle/>
+          <a:p>
+            <a:r>
+              <a:rPr kumimoji="1" lang="en-US" altLang="ja-JP" dirty="0" err="1" smtClean="0"/>
+              <a:t>Lua</a:t>
+            </a:r>
+            <a:endParaRPr kumimoji="1" lang="ja-JP" altLang="en-US" dirty="0"/>
+          </a:p>
+        </p:txBody>
+      </p:sp>
+      <p:sp>
+        <p:nvSpPr>
+          <p:cNvPr id="3" name="コンテンツ プレースホルダー 2"/>
+          <p:cNvSpPr>
+            <a:spLocks noGrp="1"/>
+          </p:cNvSpPr>
+          <p:nvPr>
+            <p:ph idx="1"/>
+          </p:nvPr>
+        </p:nvSpPr>
+        <p:spPr/>
+        <p:txBody>
+          <a:bodyPr>
+            <a:normAutofit fontScale="70000" lnSpcReduction="20000"/>
+          </a:bodyPr>
+          <a:lstStyle/>
+          <a:p>
+            <a:pPr marL="0" indent="0">
+              <a:buNone/>
+            </a:pPr>
+            <a:r>
+              <a:rPr lang="en-US" altLang="ja-JP" dirty="0" err="1"/>
+              <a:t>Lua</a:t>
+            </a:r>
+            <a:r>
+              <a:rPr lang="ja-JP" altLang="en-US" dirty="0"/>
+              <a:t>（ルア）はスクリプト言語およびその処理系の実装で、主にリオデジャネイロ・カトリカ大学（英語版）のコンピュータ科学科 </a:t>
+            </a:r>
+            <a:r>
+              <a:rPr lang="en-US" altLang="ja-JP" dirty="0"/>
+              <a:t>(Department of Computer Science) </a:t>
+            </a:r>
+            <a:r>
+              <a:rPr lang="ja-JP" altLang="en-US" dirty="0"/>
+              <a:t>および</a:t>
+            </a:r>
+            <a:r>
+              <a:rPr lang="en-US" altLang="ja-JP" dirty="0"/>
+              <a:t>/</a:t>
+            </a:r>
+            <a:r>
+              <a:rPr lang="ja-JP" altLang="en-US" dirty="0"/>
+              <a:t>または同大学附属研究所の</a:t>
+            </a:r>
+            <a:r>
+              <a:rPr lang="en-US" altLang="ja-JP" dirty="0" err="1" smtClean="0"/>
+              <a:t>Tecgraf</a:t>
+            </a:r>
+            <a:r>
+              <a:rPr lang="en-US" altLang="ja-JP" dirty="0" smtClean="0"/>
+              <a:t>/PUC-Rio</a:t>
+            </a:r>
             <a:r>
               <a:rPr lang="ja-JP" altLang="en-US" dirty="0" smtClean="0"/>
-              <a:t>システム構成図</a:t>
-            </a:r>
-            <a:r>
-              <a:rPr kumimoji="1" lang="ja-JP" altLang="en-US" dirty="0" smtClean="0"/>
-              <a:t>（予想図）</a:t>
+              <a:t>に</a:t>
+            </a:r>
+            <a:r>
+              <a:rPr lang="ja-JP" altLang="en-US" dirty="0"/>
+              <a:t>所属する、</a:t>
+            </a:r>
+            <a:r>
+              <a:rPr lang="en-US" altLang="ja-JP" dirty="0"/>
+              <a:t>Roberto </a:t>
+            </a:r>
+            <a:r>
+              <a:rPr lang="en-US" altLang="ja-JP" dirty="0" err="1"/>
+              <a:t>Ierusalimschy</a:t>
+            </a:r>
+            <a:r>
+              <a:rPr lang="ja-JP" altLang="en-US" dirty="0" err="1"/>
+              <a:t>、</a:t>
+            </a:r>
+            <a:r>
+              <a:rPr lang="en-US" altLang="ja-JP" dirty="0" err="1"/>
+              <a:t>Waldemar</a:t>
+            </a:r>
+            <a:r>
+              <a:rPr lang="en-US" altLang="ja-JP" dirty="0"/>
+              <a:t> </a:t>
+            </a:r>
+            <a:r>
+              <a:rPr lang="en-US" altLang="ja-JP" dirty="0" err="1" smtClean="0"/>
+              <a:t>Celes</a:t>
+            </a:r>
+            <a:r>
+              <a:rPr lang="ja-JP" altLang="en-US" dirty="0" err="1" smtClean="0"/>
+              <a:t>、</a:t>
+            </a:r>
+            <a:r>
+              <a:rPr lang="en-US" altLang="ja-JP" dirty="0"/>
+              <a:t>Luiz Henrique de </a:t>
+            </a:r>
+            <a:r>
+              <a:rPr lang="en-US" altLang="ja-JP" dirty="0" err="1" smtClean="0"/>
+              <a:t>Figueiredo</a:t>
+            </a:r>
+            <a:r>
+              <a:rPr lang="ja-JP" altLang="en-US" dirty="0" err="1" smtClean="0"/>
+              <a:t>らに</a:t>
+            </a:r>
+            <a:r>
+              <a:rPr lang="ja-JP" altLang="en-US" dirty="0"/>
+              <a:t>よって設計開発</a:t>
+            </a:r>
+            <a:r>
+              <a:rPr lang="ja-JP" altLang="en-US" dirty="0" smtClean="0"/>
+              <a:t>された。</a:t>
+            </a:r>
+            <a:endParaRPr lang="ja-JP" altLang="en-US" dirty="0"/>
+          </a:p>
+          <a:p>
+            <a:pPr marL="0" indent="0">
+              <a:buNone/>
+            </a:pPr>
+            <a:endParaRPr lang="ja-JP" altLang="en-US" dirty="0"/>
+          </a:p>
+          <a:p>
+            <a:pPr marL="0" indent="0">
+              <a:buNone/>
+            </a:pPr>
+            <a:r>
+              <a:rPr lang="ja-JP" altLang="en-US" dirty="0"/>
+              <a:t>手続き型言語として、またプロトタイプベースのオブジェクト指向言語としても利用することができ、関数型言語、データ駆動型としての要素も併せ持っている。</a:t>
+            </a:r>
+          </a:p>
+          <a:p>
+            <a:pPr marL="0" indent="0">
+              <a:buNone/>
+            </a:pPr>
+            <a:endParaRPr lang="ja-JP" altLang="en-US" dirty="0"/>
+          </a:p>
+          <a:p>
+            <a:pPr marL="0" indent="0">
+              <a:buNone/>
+            </a:pPr>
+            <a:r>
+              <a:rPr lang="en-US" altLang="ja-JP" dirty="0" err="1"/>
+              <a:t>Lua</a:t>
+            </a:r>
+            <a:r>
+              <a:rPr lang="ja-JP" altLang="en-US" dirty="0"/>
+              <a:t>という名前は、ポルトガル語の「月」に由来する</a:t>
+            </a:r>
+            <a:r>
+              <a:rPr lang="ja-JP" altLang="en-US" dirty="0" smtClean="0"/>
+              <a:t>。</a:t>
+            </a:r>
+            <a:endParaRPr lang="en-US" altLang="ja-JP" dirty="0" smtClean="0"/>
+          </a:p>
+          <a:p>
+            <a:pPr marL="0" indent="0">
+              <a:buNone/>
+            </a:pPr>
+            <a:endParaRPr kumimoji="1" lang="en-US" altLang="ja-JP" dirty="0" smtClean="0"/>
+          </a:p>
+          <a:p>
+            <a:pPr marL="0" indent="0">
+              <a:buNone/>
+            </a:pPr>
+            <a:r>
+              <a:rPr lang="ja-JP" altLang="en-US" dirty="0"/>
+              <a:t>引用</a:t>
+            </a:r>
+            <a:r>
+              <a:rPr lang="ja-JP" altLang="en-US" dirty="0" smtClean="0"/>
+              <a:t>：</a:t>
+            </a:r>
+            <a:endParaRPr kumimoji="1" lang="en-US" altLang="ja-JP" dirty="0"/>
+          </a:p>
+          <a:p>
+            <a:pPr marL="0" indent="0">
+              <a:buNone/>
+            </a:pPr>
+            <a:r>
+              <a:rPr lang="en-US" altLang="ja-JP" dirty="0"/>
+              <a:t>https://ja.wikipedia.org/wiki/Lua</a:t>
             </a:r>
             <a:endParaRPr kumimoji="1" lang="ja-JP" altLang="en-US" dirty="0"/>
           </a:p>
@@ -4795,7 +5199,7 @@
       </p:sp>
       <p:sp>
         <p:nvSpPr>
-          <p:cNvPr id="3" name="スライド番号プレースホルダー 2"/>
+          <p:cNvPr id="4" name="スライド番号プレースホルダー 3"/>
           <p:cNvSpPr>
             <a:spLocks noGrp="1"/>
           </p:cNvSpPr>
@@ -4811,6 +5215,3381 @@
             <a:fld id="{4A32CB03-0843-4AF8-BFB2-C9917854BC7E}" type="slidenum">
               <a:rPr kumimoji="1" lang="ja-JP" altLang="en-US" smtClean="0"/>
               <a:t>14</a:t>
+            </a:fld>
+            <a:endParaRPr kumimoji="1" lang="ja-JP" altLang="en-US"/>
+          </a:p>
+        </p:txBody>
+      </p:sp>
+    </p:spTree>
+    <p:extLst>
+      <p:ext uri="{BB962C8B-B14F-4D97-AF65-F5344CB8AC3E}">
+        <p14:creationId xmlns:p14="http://schemas.microsoft.com/office/powerpoint/2010/main" val="843265026"/>
+      </p:ext>
+    </p:extLst>
+  </p:cSld>
+  <p:clrMapOvr>
+    <a:masterClrMapping/>
+  </p:clrMapOvr>
+  <p:timing>
+    <p:tnLst>
+      <p:par>
+        <p:cTn id="1" dur="indefinite" restart="never" nodeType="tmRoot"/>
+      </p:par>
+    </p:tnLst>
+  </p:timing>
+</p:sld>
+</file>
+
+<file path=ppt/slides/slide15.xml><?xml version="1.0" encoding="utf-8"?>
+<p:sld xmlns:a="http://schemas.openxmlformats.org/drawingml/2006/main" xmlns:r="http://schemas.openxmlformats.org/officeDocument/2006/relationships" xmlns:p="http://schemas.openxmlformats.org/presentationml/2006/main">
+  <p:cSld>
+    <p:spTree>
+      <p:nvGrpSpPr>
+        <p:cNvPr id="1" name=""/>
+        <p:cNvGrpSpPr/>
+        <p:nvPr/>
+      </p:nvGrpSpPr>
+      <p:grpSpPr>
+        <a:xfrm>
+          <a:off x="0" y="0"/>
+          <a:ext cx="0" cy="0"/>
+          <a:chOff x="0" y="0"/>
+          <a:chExt cx="0" cy="0"/>
+        </a:xfrm>
+      </p:grpSpPr>
+      <p:sp>
+        <p:nvSpPr>
+          <p:cNvPr id="2" name="タイトル 1"/>
+          <p:cNvSpPr>
+            <a:spLocks noGrp="1"/>
+          </p:cNvSpPr>
+          <p:nvPr>
+            <p:ph type="title"/>
+          </p:nvPr>
+        </p:nvSpPr>
+        <p:spPr/>
+        <p:txBody>
+          <a:bodyPr/>
+          <a:lstStyle/>
+          <a:p>
+            <a:r>
+              <a:rPr kumimoji="1" lang="en-US" altLang="ja-JP" dirty="0" smtClean="0"/>
+              <a:t>Dart</a:t>
+            </a:r>
+            <a:endParaRPr kumimoji="1" lang="ja-JP" altLang="en-US" dirty="0"/>
+          </a:p>
+        </p:txBody>
+      </p:sp>
+      <p:sp>
+        <p:nvSpPr>
+          <p:cNvPr id="3" name="コンテンツ プレースホルダー 2"/>
+          <p:cNvSpPr>
+            <a:spLocks noGrp="1"/>
+          </p:cNvSpPr>
+          <p:nvPr>
+            <p:ph idx="1"/>
+          </p:nvPr>
+        </p:nvSpPr>
+        <p:spPr/>
+        <p:txBody>
+          <a:bodyPr>
+            <a:normAutofit lnSpcReduction="10000"/>
+          </a:bodyPr>
+          <a:lstStyle/>
+          <a:p>
+            <a:pPr marL="0" indent="0">
+              <a:buNone/>
+            </a:pPr>
+            <a:r>
+              <a:rPr lang="en-US" altLang="ja-JP" dirty="0"/>
+              <a:t>Dart</a:t>
+            </a:r>
+            <a:r>
+              <a:rPr lang="ja-JP" altLang="en-US" dirty="0"/>
+              <a:t>（ダートもしくはダーツ。当初は </a:t>
+            </a:r>
+            <a:r>
+              <a:rPr lang="en-US" altLang="ja-JP" dirty="0"/>
+              <a:t>Dash </a:t>
+            </a:r>
+            <a:r>
+              <a:rPr lang="ja-JP" altLang="en-US" dirty="0"/>
+              <a:t>と呼ばれていた）は</a:t>
+            </a:r>
+            <a:r>
+              <a:rPr lang="en-US" altLang="ja-JP" dirty="0"/>
+              <a:t>Google</a:t>
+            </a:r>
+            <a:r>
+              <a:rPr lang="ja-JP" altLang="en-US" dirty="0"/>
+              <a:t>によって開発されたウェブ向けのプログラミング言語である。</a:t>
+            </a:r>
+            <a:r>
+              <a:rPr lang="en-US" altLang="ja-JP" dirty="0"/>
+              <a:t>2011</a:t>
+            </a:r>
+            <a:r>
+              <a:rPr lang="ja-JP" altLang="en-US" dirty="0"/>
+              <a:t>年</a:t>
+            </a:r>
+            <a:r>
+              <a:rPr lang="en-US" altLang="ja-JP" dirty="0"/>
+              <a:t>10</a:t>
+            </a:r>
+            <a:r>
+              <a:rPr lang="ja-JP" altLang="en-US" dirty="0"/>
+              <a:t>月</a:t>
+            </a:r>
+            <a:r>
+              <a:rPr lang="en-US" altLang="ja-JP" dirty="0"/>
+              <a:t>10</a:t>
+            </a:r>
+            <a:r>
+              <a:rPr lang="ja-JP" altLang="en-US" dirty="0"/>
+              <a:t>日 </a:t>
+            </a:r>
+            <a:r>
+              <a:rPr lang="en-US" altLang="ja-JP" dirty="0"/>
+              <a:t>- 12</a:t>
+            </a:r>
+            <a:r>
+              <a:rPr lang="ja-JP" altLang="en-US" dirty="0"/>
+              <a:t>日に開催された デンマークのオーフスで開催された「</a:t>
+            </a:r>
+            <a:r>
+              <a:rPr lang="en-US" altLang="ja-JP" dirty="0"/>
+              <a:t>GOTO</a:t>
+            </a:r>
+            <a:r>
+              <a:rPr lang="ja-JP" altLang="en-US" dirty="0"/>
+              <a:t>カンファレンス</a:t>
+            </a:r>
+            <a:r>
+              <a:rPr lang="ja-JP" altLang="en-US" dirty="0" smtClean="0"/>
+              <a:t>」で</a:t>
+            </a:r>
+            <a:r>
+              <a:rPr lang="ja-JP" altLang="en-US" dirty="0"/>
+              <a:t>公開</a:t>
+            </a:r>
+            <a:r>
+              <a:rPr lang="ja-JP" altLang="en-US" dirty="0" smtClean="0"/>
+              <a:t>された。</a:t>
+            </a:r>
+            <a:r>
+              <a:rPr lang="ja-JP" altLang="en-US" dirty="0"/>
+              <a:t>この言語は、ウェブブラウザ組み込みのスクリプト言語である</a:t>
+            </a:r>
+            <a:r>
+              <a:rPr lang="en-US" altLang="ja-JP" dirty="0"/>
+              <a:t>JavaScript</a:t>
+            </a:r>
+            <a:r>
+              <a:rPr lang="ja-JP" altLang="en-US" dirty="0"/>
+              <a:t>の代替となることを目的に作られた</a:t>
+            </a:r>
+            <a:r>
+              <a:rPr lang="ja-JP" altLang="en-US" dirty="0" smtClean="0"/>
+              <a:t>。</a:t>
+            </a:r>
+            <a:endParaRPr lang="en-US" altLang="ja-JP" dirty="0"/>
+          </a:p>
+          <a:p>
+            <a:pPr marL="0" indent="0">
+              <a:buNone/>
+            </a:pPr>
+            <a:endParaRPr kumimoji="1" lang="en-US" altLang="ja-JP" dirty="0" smtClean="0"/>
+          </a:p>
+          <a:p>
+            <a:pPr marL="0" indent="0">
+              <a:buNone/>
+            </a:pPr>
+            <a:r>
+              <a:rPr kumimoji="1" lang="ja-JP" altLang="en-US" dirty="0" smtClean="0"/>
+              <a:t>引用：</a:t>
+            </a:r>
+            <a:endParaRPr kumimoji="1" lang="en-US" altLang="ja-JP" dirty="0" smtClean="0"/>
+          </a:p>
+          <a:p>
+            <a:pPr marL="0" indent="0">
+              <a:buNone/>
+            </a:pPr>
+            <a:r>
+              <a:rPr lang="en-US" altLang="ja-JP" dirty="0"/>
+              <a:t>https://ja.wikipedia.org/wiki/Dart</a:t>
+            </a:r>
+            <a:endParaRPr kumimoji="1" lang="ja-JP" altLang="en-US" dirty="0"/>
+          </a:p>
+        </p:txBody>
+      </p:sp>
+      <p:sp>
+        <p:nvSpPr>
+          <p:cNvPr id="4" name="スライド番号プレースホルダー 3"/>
+          <p:cNvSpPr>
+            <a:spLocks noGrp="1"/>
+          </p:cNvSpPr>
+          <p:nvPr>
+            <p:ph type="sldNum" sz="quarter" idx="12"/>
+          </p:nvPr>
+        </p:nvSpPr>
+        <p:spPr/>
+        <p:txBody>
+          <a:bodyPr/>
+          <a:lstStyle/>
+          <a:p>
+            <a:fld id="{4A32CB03-0843-4AF8-BFB2-C9917854BC7E}" type="slidenum">
+              <a:rPr kumimoji="1" lang="ja-JP" altLang="en-US" smtClean="0"/>
+              <a:t>15</a:t>
+            </a:fld>
+            <a:endParaRPr kumimoji="1" lang="ja-JP" altLang="en-US"/>
+          </a:p>
+        </p:txBody>
+      </p:sp>
+    </p:spTree>
+    <p:extLst>
+      <p:ext uri="{BB962C8B-B14F-4D97-AF65-F5344CB8AC3E}">
+        <p14:creationId xmlns:p14="http://schemas.microsoft.com/office/powerpoint/2010/main" val="3121424104"/>
+      </p:ext>
+    </p:extLst>
+  </p:cSld>
+  <p:clrMapOvr>
+    <a:masterClrMapping/>
+  </p:clrMapOvr>
+  <p:timing>
+    <p:tnLst>
+      <p:par>
+        <p:cTn id="1" dur="indefinite" restart="never" nodeType="tmRoot"/>
+      </p:par>
+    </p:tnLst>
+  </p:timing>
+</p:sld>
+</file>
+
+<file path=ppt/slides/slide16.xml><?xml version="1.0" encoding="utf-8"?>
+<p:sld xmlns:a="http://schemas.openxmlformats.org/drawingml/2006/main" xmlns:r="http://schemas.openxmlformats.org/officeDocument/2006/relationships" xmlns:p="http://schemas.openxmlformats.org/presentationml/2006/main">
+  <p:cSld>
+    <p:spTree>
+      <p:nvGrpSpPr>
+        <p:cNvPr id="1" name=""/>
+        <p:cNvGrpSpPr/>
+        <p:nvPr/>
+      </p:nvGrpSpPr>
+      <p:grpSpPr>
+        <a:xfrm>
+          <a:off x="0" y="0"/>
+          <a:ext cx="0" cy="0"/>
+          <a:chOff x="0" y="0"/>
+          <a:chExt cx="0" cy="0"/>
+        </a:xfrm>
+      </p:grpSpPr>
+      <p:sp>
+        <p:nvSpPr>
+          <p:cNvPr id="2" name="タイトル 1"/>
+          <p:cNvSpPr>
+            <a:spLocks noGrp="1"/>
+          </p:cNvSpPr>
+          <p:nvPr>
+            <p:ph type="title"/>
+          </p:nvPr>
+        </p:nvSpPr>
+        <p:spPr/>
+        <p:txBody>
+          <a:bodyPr/>
+          <a:lstStyle/>
+          <a:p>
+            <a:r>
+              <a:rPr kumimoji="1" lang="en-US" altLang="ja-JP" dirty="0" smtClean="0"/>
+              <a:t>Generator</a:t>
+            </a:r>
+            <a:endParaRPr kumimoji="1" lang="ja-JP" altLang="en-US" dirty="0"/>
+          </a:p>
+        </p:txBody>
+      </p:sp>
+      <p:sp>
+        <p:nvSpPr>
+          <p:cNvPr id="3" name="コンテンツ プレースホルダー 2"/>
+          <p:cNvSpPr>
+            <a:spLocks noGrp="1"/>
+          </p:cNvSpPr>
+          <p:nvPr>
+            <p:ph idx="1"/>
+          </p:nvPr>
+        </p:nvSpPr>
+        <p:spPr/>
+        <p:txBody>
+          <a:bodyPr>
+            <a:normAutofit/>
+          </a:bodyPr>
+          <a:lstStyle/>
+          <a:p>
+            <a:r>
+              <a:rPr kumimoji="1" lang="en-US" altLang="ja-JP" dirty="0" smtClean="0"/>
+              <a:t>Generator</a:t>
+            </a:r>
+            <a:r>
+              <a:rPr kumimoji="1" lang="ja-JP" altLang="en-US" dirty="0" smtClean="0"/>
+              <a:t>を利用する際には、前のスライドの通りに実行し、</a:t>
+            </a:r>
+            <a:r>
+              <a:rPr kumimoji="1" lang="en-US" altLang="ja-JP" dirty="0" err="1" smtClean="0"/>
+              <a:t>Node_modules</a:t>
+            </a:r>
+            <a:r>
+              <a:rPr kumimoji="1" lang="ja-JP" altLang="en-US" dirty="0" smtClean="0"/>
+              <a:t>内のファイルを呼び出す</a:t>
+            </a:r>
+            <a:endParaRPr kumimoji="1" lang="en-US" altLang="ja-JP" dirty="0" smtClean="0"/>
+          </a:p>
+          <a:p>
+            <a:r>
+              <a:rPr lang="en-US" altLang="ja-JP" dirty="0"/>
+              <a:t>h</a:t>
+            </a:r>
+            <a:r>
+              <a:rPr lang="en-US" altLang="ja-JP" dirty="0" smtClean="0"/>
+              <a:t>tml</a:t>
+            </a:r>
+            <a:r>
+              <a:rPr lang="ja-JP" altLang="en-US" dirty="0" smtClean="0"/>
+              <a:t>ファイル内で、</a:t>
+            </a:r>
+            <a:r>
+              <a:rPr lang="en-US" altLang="ja-JP" dirty="0" smtClean="0"/>
+              <a:t>script</a:t>
+            </a:r>
+            <a:r>
+              <a:rPr lang="ja-JP" altLang="en-US" dirty="0" smtClean="0"/>
+              <a:t>で呼び出し</a:t>
+            </a:r>
+            <a:endParaRPr lang="en-US" altLang="ja-JP" dirty="0" smtClean="0"/>
+          </a:p>
+          <a:p>
+            <a:r>
+              <a:rPr lang="en-US" altLang="ja-JP" dirty="0"/>
+              <a:t> </a:t>
+            </a:r>
+            <a:r>
+              <a:rPr lang="en-US" altLang="ja-JP" dirty="0" err="1"/>
+              <a:t>var</a:t>
+            </a:r>
+            <a:r>
+              <a:rPr lang="en-US" altLang="ja-JP" dirty="0"/>
+              <a:t> code = </a:t>
+            </a:r>
+            <a:r>
+              <a:rPr lang="en-US" altLang="ja-JP" dirty="0" err="1"/>
+              <a:t>Blockly.JavaScript.workspaceToCode</a:t>
+            </a:r>
+            <a:r>
+              <a:rPr lang="en-US" altLang="ja-JP" dirty="0"/>
+              <a:t>(</a:t>
+            </a:r>
+            <a:r>
+              <a:rPr lang="en-US" altLang="ja-JP" dirty="0" err="1"/>
+              <a:t>demoWorkspace</a:t>
+            </a:r>
+            <a:r>
+              <a:rPr lang="en-US" altLang="ja-JP" dirty="0" smtClean="0"/>
+              <a:t>);</a:t>
+            </a:r>
+          </a:p>
+          <a:p>
+            <a:endParaRPr lang="en-US" altLang="ja-JP" dirty="0"/>
+          </a:p>
+        </p:txBody>
+      </p:sp>
+      <p:sp>
+        <p:nvSpPr>
+          <p:cNvPr id="4" name="スライド番号プレースホルダー 3"/>
+          <p:cNvSpPr>
+            <a:spLocks noGrp="1"/>
+          </p:cNvSpPr>
+          <p:nvPr>
+            <p:ph type="sldNum" sz="quarter" idx="12"/>
+          </p:nvPr>
+        </p:nvSpPr>
+        <p:spPr/>
+        <p:txBody>
+          <a:bodyPr/>
+          <a:lstStyle/>
+          <a:p>
+            <a:fld id="{4A32CB03-0843-4AF8-BFB2-C9917854BC7E}" type="slidenum">
+              <a:rPr kumimoji="1" lang="ja-JP" altLang="en-US" smtClean="0"/>
+              <a:t>16</a:t>
+            </a:fld>
+            <a:endParaRPr kumimoji="1" lang="ja-JP" altLang="en-US"/>
+          </a:p>
+        </p:txBody>
+      </p:sp>
+    </p:spTree>
+    <p:extLst>
+      <p:ext uri="{BB962C8B-B14F-4D97-AF65-F5344CB8AC3E}">
+        <p14:creationId xmlns:p14="http://schemas.microsoft.com/office/powerpoint/2010/main" val="2142560469"/>
+      </p:ext>
+    </p:extLst>
+  </p:cSld>
+  <p:clrMapOvr>
+    <a:masterClrMapping/>
+  </p:clrMapOvr>
+  <p:timing>
+    <p:tnLst>
+      <p:par>
+        <p:cTn id="1" dur="indefinite" restart="never" nodeType="tmRoot"/>
+      </p:par>
+    </p:tnLst>
+  </p:timing>
+</p:sld>
+</file>
+
+<file path=ppt/slides/slide17.xml><?xml version="1.0" encoding="utf-8"?>
+<p:sld xmlns:a="http://schemas.openxmlformats.org/drawingml/2006/main" xmlns:r="http://schemas.openxmlformats.org/officeDocument/2006/relationships" xmlns:p="http://schemas.openxmlformats.org/presentationml/2006/main">
+  <p:cSld>
+    <p:spTree>
+      <p:nvGrpSpPr>
+        <p:cNvPr id="1" name=""/>
+        <p:cNvGrpSpPr/>
+        <p:nvPr/>
+      </p:nvGrpSpPr>
+      <p:grpSpPr>
+        <a:xfrm>
+          <a:off x="0" y="0"/>
+          <a:ext cx="0" cy="0"/>
+          <a:chOff x="0" y="0"/>
+          <a:chExt cx="0" cy="0"/>
+        </a:xfrm>
+      </p:grpSpPr>
+      <p:sp>
+        <p:nvSpPr>
+          <p:cNvPr id="2" name="タイトル 1"/>
+          <p:cNvSpPr>
+            <a:spLocks noGrp="1"/>
+          </p:cNvSpPr>
+          <p:nvPr>
+            <p:ph type="title"/>
+          </p:nvPr>
+        </p:nvSpPr>
+        <p:spPr/>
+        <p:txBody>
+          <a:bodyPr/>
+          <a:lstStyle/>
+          <a:p>
+            <a:r>
+              <a:rPr kumimoji="1" lang="en-US" altLang="ja-JP" dirty="0" err="1" smtClean="0"/>
+              <a:t>Genearator</a:t>
+            </a:r>
+            <a:r>
+              <a:rPr kumimoji="1" lang="ja-JP" altLang="en-US" dirty="0" smtClean="0"/>
+              <a:t>の実行テスト</a:t>
+            </a:r>
+            <a:endParaRPr kumimoji="1" lang="ja-JP" altLang="en-US" dirty="0"/>
+          </a:p>
+        </p:txBody>
+      </p:sp>
+      <p:sp>
+        <p:nvSpPr>
+          <p:cNvPr id="4" name="スライド番号プレースホルダー 3"/>
+          <p:cNvSpPr>
+            <a:spLocks noGrp="1"/>
+          </p:cNvSpPr>
+          <p:nvPr>
+            <p:ph type="sldNum" sz="quarter" idx="12"/>
+          </p:nvPr>
+        </p:nvSpPr>
+        <p:spPr/>
+        <p:txBody>
+          <a:bodyPr/>
+          <a:lstStyle/>
+          <a:p>
+            <a:fld id="{4A32CB03-0843-4AF8-BFB2-C9917854BC7E}" type="slidenum">
+              <a:rPr kumimoji="1" lang="ja-JP" altLang="en-US" sz="2800" smtClean="0"/>
+              <a:t>17</a:t>
+            </a:fld>
+            <a:endParaRPr kumimoji="1" lang="ja-JP" altLang="en-US" dirty="0"/>
+          </a:p>
+        </p:txBody>
+      </p:sp>
+      <p:pic>
+        <p:nvPicPr>
+          <p:cNvPr id="3" name="図 2"/>
+          <p:cNvPicPr>
+            <a:picLocks noChangeAspect="1"/>
+          </p:cNvPicPr>
+          <p:nvPr/>
+        </p:nvPicPr>
+        <p:blipFill>
+          <a:blip r:embed="rId2"/>
+          <a:stretch>
+            <a:fillRect/>
+          </a:stretch>
+        </p:blipFill>
+        <p:spPr>
+          <a:xfrm>
+            <a:off x="1141095" y="1690689"/>
+            <a:ext cx="5647905" cy="3900141"/>
+          </a:xfrm>
+          <a:prstGeom prst="rect">
+            <a:avLst/>
+          </a:prstGeom>
+        </p:spPr>
+      </p:pic>
+    </p:spTree>
+    <p:extLst>
+      <p:ext uri="{BB962C8B-B14F-4D97-AF65-F5344CB8AC3E}">
+        <p14:creationId xmlns:p14="http://schemas.microsoft.com/office/powerpoint/2010/main" val="4257970129"/>
+      </p:ext>
+    </p:extLst>
+  </p:cSld>
+  <p:clrMapOvr>
+    <a:masterClrMapping/>
+  </p:clrMapOvr>
+  <p:timing>
+    <p:tnLst>
+      <p:par>
+        <p:cTn id="1" dur="indefinite" restart="never" nodeType="tmRoot"/>
+      </p:par>
+    </p:tnLst>
+  </p:timing>
+</p:sld>
+</file>
+
+<file path=ppt/slides/slide18.xml><?xml version="1.0" encoding="utf-8"?>
+<p:sld xmlns:a="http://schemas.openxmlformats.org/drawingml/2006/main" xmlns:r="http://schemas.openxmlformats.org/officeDocument/2006/relationships" xmlns:p="http://schemas.openxmlformats.org/presentationml/2006/main">
+  <p:cSld>
+    <p:spTree>
+      <p:nvGrpSpPr>
+        <p:cNvPr id="1" name=""/>
+        <p:cNvGrpSpPr/>
+        <p:nvPr/>
+      </p:nvGrpSpPr>
+      <p:grpSpPr>
+        <a:xfrm>
+          <a:off x="0" y="0"/>
+          <a:ext cx="0" cy="0"/>
+          <a:chOff x="0" y="0"/>
+          <a:chExt cx="0" cy="0"/>
+        </a:xfrm>
+      </p:grpSpPr>
+      <p:sp>
+        <p:nvSpPr>
+          <p:cNvPr id="2" name="タイトル 1"/>
+          <p:cNvSpPr>
+            <a:spLocks noGrp="1"/>
+          </p:cNvSpPr>
+          <p:nvPr>
+            <p:ph type="title"/>
+          </p:nvPr>
+        </p:nvSpPr>
+        <p:spPr/>
+        <p:txBody>
+          <a:bodyPr/>
+          <a:lstStyle/>
+          <a:p>
+            <a:r>
+              <a:rPr lang="en-US" altLang="ja-JP" dirty="0" err="1"/>
+              <a:t>Genearator</a:t>
+            </a:r>
+            <a:r>
+              <a:rPr lang="ja-JP" altLang="en-US" dirty="0"/>
+              <a:t>の実行テスト</a:t>
+            </a:r>
+            <a:endParaRPr kumimoji="1" lang="ja-JP" altLang="en-US" dirty="0"/>
+          </a:p>
+        </p:txBody>
+      </p:sp>
+      <p:sp>
+        <p:nvSpPr>
+          <p:cNvPr id="3" name="コンテンツ プレースホルダー 2"/>
+          <p:cNvSpPr>
+            <a:spLocks noGrp="1"/>
+          </p:cNvSpPr>
+          <p:nvPr>
+            <p:ph idx="1"/>
+          </p:nvPr>
+        </p:nvSpPr>
+        <p:spPr/>
+        <p:txBody>
+          <a:bodyPr/>
+          <a:lstStyle/>
+          <a:p>
+            <a:r>
+              <a:rPr kumimoji="1" lang="ja-JP" altLang="en-US" dirty="0" smtClean="0"/>
+              <a:t>図のようにブロックを組み合わせ、左側の</a:t>
+            </a:r>
+            <a:r>
+              <a:rPr kumimoji="1" lang="en-US" altLang="ja-JP" dirty="0" smtClean="0"/>
+              <a:t>Show </a:t>
+            </a:r>
+            <a:r>
+              <a:rPr kumimoji="1" lang="en-US" altLang="ja-JP" dirty="0" err="1" smtClean="0"/>
+              <a:t>javascript</a:t>
+            </a:r>
+            <a:r>
+              <a:rPr kumimoji="1" lang="ja-JP" altLang="en-US" dirty="0" smtClean="0"/>
+              <a:t>を押すと、ブロックからコードを生成する</a:t>
+            </a:r>
+            <a:r>
+              <a:rPr lang="ja-JP" altLang="en-US" dirty="0" smtClean="0"/>
+              <a:t>（ブロックに対応したコードを表示する）</a:t>
+            </a:r>
+            <a:endParaRPr lang="en-US" altLang="ja-JP" dirty="0" smtClean="0"/>
+          </a:p>
+          <a:p>
+            <a:r>
+              <a:rPr lang="ja-JP" altLang="en-US" dirty="0" smtClean="0"/>
+              <a:t>右側の</a:t>
+            </a:r>
+            <a:r>
+              <a:rPr lang="en-US" altLang="ja-JP" dirty="0" smtClean="0"/>
+              <a:t>Run JavaScript</a:t>
+            </a:r>
+            <a:r>
+              <a:rPr lang="ja-JP" altLang="en-US" dirty="0" smtClean="0"/>
+              <a:t>を押すと、コードを実行する</a:t>
+            </a:r>
+            <a:endParaRPr kumimoji="1" lang="en-US" altLang="ja-JP" dirty="0" smtClean="0"/>
+          </a:p>
+        </p:txBody>
+      </p:sp>
+      <p:sp>
+        <p:nvSpPr>
+          <p:cNvPr id="4" name="スライド番号プレースホルダー 3"/>
+          <p:cNvSpPr>
+            <a:spLocks noGrp="1"/>
+          </p:cNvSpPr>
+          <p:nvPr>
+            <p:ph type="sldNum" sz="quarter" idx="12"/>
+          </p:nvPr>
+        </p:nvSpPr>
+        <p:spPr/>
+        <p:txBody>
+          <a:bodyPr/>
+          <a:lstStyle/>
+          <a:p>
+            <a:fld id="{4A32CB03-0843-4AF8-BFB2-C9917854BC7E}" type="slidenum">
+              <a:rPr kumimoji="1" lang="ja-JP" altLang="en-US" sz="2800" smtClean="0"/>
+              <a:t>18</a:t>
+            </a:fld>
+            <a:endParaRPr kumimoji="1" lang="ja-JP" altLang="en-US" sz="2800" dirty="0"/>
+          </a:p>
+        </p:txBody>
+      </p:sp>
+    </p:spTree>
+    <p:extLst>
+      <p:ext uri="{BB962C8B-B14F-4D97-AF65-F5344CB8AC3E}">
+        <p14:creationId xmlns:p14="http://schemas.microsoft.com/office/powerpoint/2010/main" val="2997179172"/>
+      </p:ext>
+    </p:extLst>
+  </p:cSld>
+  <p:clrMapOvr>
+    <a:masterClrMapping/>
+  </p:clrMapOvr>
+  <p:timing>
+    <p:tnLst>
+      <p:par>
+        <p:cTn id="1" dur="indefinite" restart="never" nodeType="tmRoot"/>
+      </p:par>
+    </p:tnLst>
+  </p:timing>
+</p:sld>
+</file>
+
+<file path=ppt/slides/slide19.xml><?xml version="1.0" encoding="utf-8"?>
+<p:sld xmlns:a="http://schemas.openxmlformats.org/drawingml/2006/main" xmlns:r="http://schemas.openxmlformats.org/officeDocument/2006/relationships" xmlns:p="http://schemas.openxmlformats.org/presentationml/2006/main">
+  <p:cSld>
+    <p:spTree>
+      <p:nvGrpSpPr>
+        <p:cNvPr id="1" name=""/>
+        <p:cNvGrpSpPr/>
+        <p:nvPr/>
+      </p:nvGrpSpPr>
+      <p:grpSpPr>
+        <a:xfrm>
+          <a:off x="0" y="0"/>
+          <a:ext cx="0" cy="0"/>
+          <a:chOff x="0" y="0"/>
+          <a:chExt cx="0" cy="0"/>
+        </a:xfrm>
+      </p:grpSpPr>
+      <p:sp>
+        <p:nvSpPr>
+          <p:cNvPr id="2" name="タイトル 1"/>
+          <p:cNvSpPr>
+            <a:spLocks noGrp="1"/>
+          </p:cNvSpPr>
+          <p:nvPr>
+            <p:ph type="title"/>
+          </p:nvPr>
+        </p:nvSpPr>
+        <p:spPr/>
+        <p:txBody>
+          <a:bodyPr/>
+          <a:lstStyle/>
+          <a:p>
+            <a:r>
+              <a:rPr lang="ja-JP" altLang="en-US" dirty="0"/>
+              <a:t>正誤</a:t>
+            </a:r>
+            <a:r>
+              <a:rPr lang="ja-JP" altLang="en-US" dirty="0" smtClean="0"/>
+              <a:t>を判定するプログラム</a:t>
+            </a:r>
+            <a:endParaRPr kumimoji="1" lang="ja-JP" altLang="en-US" dirty="0"/>
+          </a:p>
+        </p:txBody>
+      </p:sp>
+      <p:sp>
+        <p:nvSpPr>
+          <p:cNvPr id="3" name="コンテンツ プレースホルダー 2"/>
+          <p:cNvSpPr>
+            <a:spLocks noGrp="1"/>
+          </p:cNvSpPr>
+          <p:nvPr>
+            <p:ph idx="1"/>
+          </p:nvPr>
+        </p:nvSpPr>
+        <p:spPr/>
+        <p:txBody>
+          <a:bodyPr/>
+          <a:lstStyle/>
+          <a:p>
+            <a:r>
+              <a:rPr kumimoji="1" lang="ja-JP" altLang="en-US" dirty="0" smtClean="0"/>
+              <a:t>事前に用意した解答例と、</a:t>
+            </a:r>
+            <a:r>
+              <a:rPr kumimoji="1" lang="en-US" altLang="ja-JP" dirty="0" err="1" smtClean="0"/>
+              <a:t>Generater</a:t>
+            </a:r>
+            <a:r>
+              <a:rPr kumimoji="1" lang="ja-JP" altLang="en-US" dirty="0" smtClean="0"/>
+              <a:t>によって作成されたコードが等しいかどうか（完全一致）を判定するサンプルプログラムを作成した</a:t>
+            </a:r>
+            <a:endParaRPr kumimoji="1" lang="en-US" altLang="ja-JP" dirty="0" smtClean="0"/>
+          </a:p>
+          <a:p>
+            <a:endParaRPr kumimoji="1" lang="ja-JP" altLang="en-US" dirty="0"/>
+          </a:p>
+        </p:txBody>
+      </p:sp>
+      <p:sp>
+        <p:nvSpPr>
+          <p:cNvPr id="4" name="スライド番号プレースホルダー 3"/>
+          <p:cNvSpPr>
+            <a:spLocks noGrp="1"/>
+          </p:cNvSpPr>
+          <p:nvPr>
+            <p:ph type="sldNum" sz="quarter" idx="12"/>
+          </p:nvPr>
+        </p:nvSpPr>
+        <p:spPr/>
+        <p:txBody>
+          <a:bodyPr/>
+          <a:lstStyle/>
+          <a:p>
+            <a:fld id="{4A32CB03-0843-4AF8-BFB2-C9917854BC7E}" type="slidenum">
+              <a:rPr kumimoji="1" lang="ja-JP" altLang="en-US" smtClean="0"/>
+              <a:t>19</a:t>
+            </a:fld>
+            <a:endParaRPr kumimoji="1" lang="ja-JP" altLang="en-US"/>
+          </a:p>
+        </p:txBody>
+      </p:sp>
+    </p:spTree>
+    <p:extLst>
+      <p:ext uri="{BB962C8B-B14F-4D97-AF65-F5344CB8AC3E}">
+        <p14:creationId xmlns:p14="http://schemas.microsoft.com/office/powerpoint/2010/main" val="2287831747"/>
+      </p:ext>
+    </p:extLst>
+  </p:cSld>
+  <p:clrMapOvr>
+    <a:masterClrMapping/>
+  </p:clrMapOvr>
+  <p:timing>
+    <p:tnLst>
+      <p:par>
+        <p:cTn id="1" dur="indefinite" restart="never" nodeType="tmRoot"/>
+      </p:par>
+    </p:tnLst>
+  </p:timing>
+</p:sld>
+</file>
+
+<file path=ppt/slides/slide2.xml><?xml version="1.0" encoding="utf-8"?>
+<p:sld xmlns:a="http://schemas.openxmlformats.org/drawingml/2006/main" xmlns:r="http://schemas.openxmlformats.org/officeDocument/2006/relationships" xmlns:p="http://schemas.openxmlformats.org/presentationml/2006/main">
+  <p:cSld>
+    <p:spTree>
+      <p:nvGrpSpPr>
+        <p:cNvPr id="1" name=""/>
+        <p:cNvGrpSpPr/>
+        <p:nvPr/>
+      </p:nvGrpSpPr>
+      <p:grpSpPr>
+        <a:xfrm>
+          <a:off x="0" y="0"/>
+          <a:ext cx="0" cy="0"/>
+          <a:chOff x="0" y="0"/>
+          <a:chExt cx="0" cy="0"/>
+        </a:xfrm>
+      </p:grpSpPr>
+      <p:sp>
+        <p:nvSpPr>
+          <p:cNvPr id="2" name="タイトル 1"/>
+          <p:cNvSpPr>
+            <a:spLocks noGrp="1"/>
+          </p:cNvSpPr>
+          <p:nvPr>
+            <p:ph type="title"/>
+          </p:nvPr>
+        </p:nvSpPr>
+        <p:spPr/>
+        <p:txBody>
+          <a:bodyPr/>
+          <a:lstStyle/>
+          <a:p>
+            <a:r>
+              <a:rPr kumimoji="1" lang="ja-JP" altLang="en-US" dirty="0" smtClean="0"/>
+              <a:t>ブロックプログラミングとは何か</a:t>
+            </a:r>
+            <a:endParaRPr kumimoji="1" lang="ja-JP" altLang="en-US" dirty="0"/>
+          </a:p>
+        </p:txBody>
+      </p:sp>
+      <p:sp>
+        <p:nvSpPr>
+          <p:cNvPr id="4" name="スライド番号プレースホルダー 3"/>
+          <p:cNvSpPr>
+            <a:spLocks noGrp="1"/>
+          </p:cNvSpPr>
+          <p:nvPr>
+            <p:ph type="sldNum" sz="quarter" idx="12"/>
+          </p:nvPr>
+        </p:nvSpPr>
+        <p:spPr/>
+        <p:txBody>
+          <a:bodyPr/>
+          <a:lstStyle/>
+          <a:p>
+            <a:fld id="{4A32CB03-0843-4AF8-BFB2-C9917854BC7E}" type="slidenum">
+              <a:rPr kumimoji="1" lang="ja-JP" altLang="en-US" sz="2400" smtClean="0"/>
+              <a:t>2</a:t>
+            </a:fld>
+            <a:endParaRPr kumimoji="1" lang="ja-JP" altLang="en-US" sz="2400" dirty="0"/>
+          </a:p>
+        </p:txBody>
+      </p:sp>
+      <p:pic>
+        <p:nvPicPr>
+          <p:cNvPr id="6" name="図 5"/>
+          <p:cNvPicPr>
+            <a:picLocks noChangeAspect="1"/>
+          </p:cNvPicPr>
+          <p:nvPr/>
+        </p:nvPicPr>
+        <p:blipFill>
+          <a:blip r:embed="rId2"/>
+          <a:stretch>
+            <a:fillRect/>
+          </a:stretch>
+        </p:blipFill>
+        <p:spPr>
+          <a:xfrm>
+            <a:off x="1169330" y="2592109"/>
+            <a:ext cx="6929652" cy="3860449"/>
+          </a:xfrm>
+          <a:prstGeom prst="rect">
+            <a:avLst/>
+          </a:prstGeom>
+        </p:spPr>
+      </p:pic>
+      <p:sp>
+        <p:nvSpPr>
+          <p:cNvPr id="7" name="テキスト ボックス 6"/>
+          <p:cNvSpPr txBox="1"/>
+          <p:nvPr/>
+        </p:nvSpPr>
+        <p:spPr>
+          <a:xfrm>
+            <a:off x="751959" y="1980429"/>
+            <a:ext cx="8392041" cy="707886"/>
+          </a:xfrm>
+          <a:prstGeom prst="rect">
+            <a:avLst/>
+          </a:prstGeom>
+          <a:noFill/>
+        </p:spPr>
+        <p:txBody>
+          <a:bodyPr wrap="none" rtlCol="0">
+            <a:spAutoFit/>
+          </a:bodyPr>
+          <a:lstStyle/>
+          <a:p>
+            <a:r>
+              <a:rPr kumimoji="1" lang="ja-JP" altLang="en-US" sz="2000" dirty="0" smtClean="0"/>
+              <a:t>ビジュアルプログラミングとも呼ばれる</a:t>
+            </a:r>
+            <a:endParaRPr kumimoji="1" lang="en-US" altLang="ja-JP" sz="2000" dirty="0" smtClean="0"/>
+          </a:p>
+          <a:p>
+            <a:r>
+              <a:rPr kumimoji="1" lang="ja-JP" altLang="en-US" sz="2000" dirty="0" smtClean="0"/>
+              <a:t>命令を埋め込まれたブロックを組み合わせるプログラミング手法のこと</a:t>
+            </a:r>
+            <a:endParaRPr kumimoji="1" lang="ja-JP" altLang="en-US" sz="2000" dirty="0"/>
+          </a:p>
+        </p:txBody>
+      </p:sp>
+    </p:spTree>
+    <p:extLst>
+      <p:ext uri="{BB962C8B-B14F-4D97-AF65-F5344CB8AC3E}">
+        <p14:creationId xmlns:p14="http://schemas.microsoft.com/office/powerpoint/2010/main" val="1081448831"/>
+      </p:ext>
+    </p:extLst>
+  </p:cSld>
+  <p:clrMapOvr>
+    <a:masterClrMapping/>
+  </p:clrMapOvr>
+</p:sld>
+</file>
+
+<file path=ppt/slides/slide20.xml><?xml version="1.0" encoding="utf-8"?>
+<p:sld xmlns:a="http://schemas.openxmlformats.org/drawingml/2006/main" xmlns:r="http://schemas.openxmlformats.org/officeDocument/2006/relationships" xmlns:p="http://schemas.openxmlformats.org/presentationml/2006/main">
+  <p:cSld>
+    <p:spTree>
+      <p:nvGrpSpPr>
+        <p:cNvPr id="1" name=""/>
+        <p:cNvGrpSpPr/>
+        <p:nvPr/>
+      </p:nvGrpSpPr>
+      <p:grpSpPr>
+        <a:xfrm>
+          <a:off x="0" y="0"/>
+          <a:ext cx="0" cy="0"/>
+          <a:chOff x="0" y="0"/>
+          <a:chExt cx="0" cy="0"/>
+        </a:xfrm>
+      </p:grpSpPr>
+      <p:sp>
+        <p:nvSpPr>
+          <p:cNvPr id="2" name="タイトル 1"/>
+          <p:cNvSpPr>
+            <a:spLocks noGrp="1"/>
+          </p:cNvSpPr>
+          <p:nvPr>
+            <p:ph type="title"/>
+          </p:nvPr>
+        </p:nvSpPr>
+        <p:spPr/>
+        <p:txBody>
+          <a:bodyPr/>
+          <a:lstStyle/>
+          <a:p>
+            <a:r>
+              <a:rPr lang="ja-JP" altLang="en-US" dirty="0"/>
+              <a:t>正誤</a:t>
+            </a:r>
+            <a:r>
+              <a:rPr lang="ja-JP" altLang="en-US" dirty="0" smtClean="0"/>
+              <a:t>判定</a:t>
+            </a:r>
+            <a:r>
+              <a:rPr kumimoji="1" lang="ja-JP" altLang="en-US" dirty="0" smtClean="0"/>
+              <a:t>デモ１</a:t>
+            </a:r>
+            <a:endParaRPr kumimoji="1" lang="ja-JP" altLang="en-US" dirty="0"/>
+          </a:p>
+        </p:txBody>
+      </p:sp>
+      <p:sp>
+        <p:nvSpPr>
+          <p:cNvPr id="4" name="スライド番号プレースホルダー 3"/>
+          <p:cNvSpPr>
+            <a:spLocks noGrp="1"/>
+          </p:cNvSpPr>
+          <p:nvPr>
+            <p:ph type="sldNum" sz="quarter" idx="12"/>
+          </p:nvPr>
+        </p:nvSpPr>
+        <p:spPr/>
+        <p:txBody>
+          <a:bodyPr/>
+          <a:lstStyle/>
+          <a:p>
+            <a:fld id="{4A32CB03-0843-4AF8-BFB2-C9917854BC7E}" type="slidenum">
+              <a:rPr kumimoji="1" lang="ja-JP" altLang="en-US" smtClean="0"/>
+              <a:t>20</a:t>
+            </a:fld>
+            <a:endParaRPr kumimoji="1" lang="ja-JP" altLang="en-US"/>
+          </a:p>
+        </p:txBody>
+      </p:sp>
+      <p:pic>
+        <p:nvPicPr>
+          <p:cNvPr id="5" name="図 4"/>
+          <p:cNvPicPr>
+            <a:picLocks noChangeAspect="1"/>
+          </p:cNvPicPr>
+          <p:nvPr/>
+        </p:nvPicPr>
+        <p:blipFill>
+          <a:blip r:embed="rId2"/>
+          <a:stretch>
+            <a:fillRect/>
+          </a:stretch>
+        </p:blipFill>
+        <p:spPr>
+          <a:xfrm>
+            <a:off x="207586" y="2087744"/>
+            <a:ext cx="8844617" cy="4378340"/>
+          </a:xfrm>
+          <a:prstGeom prst="rect">
+            <a:avLst/>
+          </a:prstGeom>
+        </p:spPr>
+      </p:pic>
+    </p:spTree>
+    <p:extLst>
+      <p:ext uri="{BB962C8B-B14F-4D97-AF65-F5344CB8AC3E}">
+        <p14:creationId xmlns:p14="http://schemas.microsoft.com/office/powerpoint/2010/main" val="1473290671"/>
+      </p:ext>
+    </p:extLst>
+  </p:cSld>
+  <p:clrMapOvr>
+    <a:masterClrMapping/>
+  </p:clrMapOvr>
+  <p:timing>
+    <p:tnLst>
+      <p:par>
+        <p:cTn id="1" dur="indefinite" restart="never" nodeType="tmRoot"/>
+      </p:par>
+    </p:tnLst>
+  </p:timing>
+</p:sld>
+</file>
+
+<file path=ppt/slides/slide21.xml><?xml version="1.0" encoding="utf-8"?>
+<p:sld xmlns:a="http://schemas.openxmlformats.org/drawingml/2006/main" xmlns:r="http://schemas.openxmlformats.org/officeDocument/2006/relationships" xmlns:p="http://schemas.openxmlformats.org/presentationml/2006/main">
+  <p:cSld>
+    <p:spTree>
+      <p:nvGrpSpPr>
+        <p:cNvPr id="1" name=""/>
+        <p:cNvGrpSpPr/>
+        <p:nvPr/>
+      </p:nvGrpSpPr>
+      <p:grpSpPr>
+        <a:xfrm>
+          <a:off x="0" y="0"/>
+          <a:ext cx="0" cy="0"/>
+          <a:chOff x="0" y="0"/>
+          <a:chExt cx="0" cy="0"/>
+        </a:xfrm>
+      </p:grpSpPr>
+      <p:sp>
+        <p:nvSpPr>
+          <p:cNvPr id="2" name="タイトル 1"/>
+          <p:cNvSpPr>
+            <a:spLocks noGrp="1"/>
+          </p:cNvSpPr>
+          <p:nvPr>
+            <p:ph type="title"/>
+          </p:nvPr>
+        </p:nvSpPr>
+        <p:spPr/>
+        <p:txBody>
+          <a:bodyPr/>
+          <a:lstStyle/>
+          <a:p>
+            <a:r>
+              <a:rPr kumimoji="1" lang="ja-JP" altLang="en-US" dirty="0" smtClean="0"/>
+              <a:t>穴あき問題を作成する</a:t>
+            </a:r>
+            <a:endParaRPr kumimoji="1" lang="ja-JP" altLang="en-US" dirty="0"/>
+          </a:p>
+        </p:txBody>
+      </p:sp>
+      <p:sp>
+        <p:nvSpPr>
+          <p:cNvPr id="3" name="コンテンツ プレースホルダー 2"/>
+          <p:cNvSpPr>
+            <a:spLocks noGrp="1"/>
+          </p:cNvSpPr>
+          <p:nvPr>
+            <p:ph idx="1"/>
+          </p:nvPr>
+        </p:nvSpPr>
+        <p:spPr/>
+        <p:txBody>
+          <a:bodyPr/>
+          <a:lstStyle/>
+          <a:p>
+            <a:endParaRPr kumimoji="1" lang="ja-JP" altLang="en-US" dirty="0"/>
+          </a:p>
+        </p:txBody>
+      </p:sp>
+      <p:sp>
+        <p:nvSpPr>
+          <p:cNvPr id="4" name="スライド番号プレースホルダー 3"/>
+          <p:cNvSpPr>
+            <a:spLocks noGrp="1"/>
+          </p:cNvSpPr>
+          <p:nvPr>
+            <p:ph type="sldNum" sz="quarter" idx="12"/>
+          </p:nvPr>
+        </p:nvSpPr>
+        <p:spPr/>
+        <p:txBody>
+          <a:bodyPr/>
+          <a:lstStyle/>
+          <a:p>
+            <a:fld id="{4A32CB03-0843-4AF8-BFB2-C9917854BC7E}" type="slidenum">
+              <a:rPr kumimoji="1" lang="ja-JP" altLang="en-US" smtClean="0"/>
+              <a:t>21</a:t>
+            </a:fld>
+            <a:endParaRPr kumimoji="1" lang="ja-JP" altLang="en-US"/>
+          </a:p>
+        </p:txBody>
+      </p:sp>
+      <p:pic>
+        <p:nvPicPr>
+          <p:cNvPr id="5" name="図 4"/>
+          <p:cNvPicPr>
+            <a:picLocks noChangeAspect="1"/>
+          </p:cNvPicPr>
+          <p:nvPr/>
+        </p:nvPicPr>
+        <p:blipFill>
+          <a:blip r:embed="rId2"/>
+          <a:stretch>
+            <a:fillRect/>
+          </a:stretch>
+        </p:blipFill>
+        <p:spPr>
+          <a:xfrm>
+            <a:off x="472810" y="1825625"/>
+            <a:ext cx="8612668" cy="4243402"/>
+          </a:xfrm>
+          <a:prstGeom prst="rect">
+            <a:avLst/>
+          </a:prstGeom>
+        </p:spPr>
+      </p:pic>
+    </p:spTree>
+    <p:extLst>
+      <p:ext uri="{BB962C8B-B14F-4D97-AF65-F5344CB8AC3E}">
+        <p14:creationId xmlns:p14="http://schemas.microsoft.com/office/powerpoint/2010/main" val="4017269996"/>
+      </p:ext>
+    </p:extLst>
+  </p:cSld>
+  <p:clrMapOvr>
+    <a:masterClrMapping/>
+  </p:clrMapOvr>
+  <p:timing>
+    <p:tnLst>
+      <p:par>
+        <p:cTn id="1" dur="indefinite" restart="never" nodeType="tmRoot"/>
+      </p:par>
+    </p:tnLst>
+  </p:timing>
+</p:sld>
+</file>
+
+<file path=ppt/slides/slide22.xml><?xml version="1.0" encoding="utf-8"?>
+<p:sld xmlns:a="http://schemas.openxmlformats.org/drawingml/2006/main" xmlns:r="http://schemas.openxmlformats.org/officeDocument/2006/relationships" xmlns:p="http://schemas.openxmlformats.org/presentationml/2006/main">
+  <p:cSld>
+    <p:spTree>
+      <p:nvGrpSpPr>
+        <p:cNvPr id="1" name=""/>
+        <p:cNvGrpSpPr/>
+        <p:nvPr/>
+      </p:nvGrpSpPr>
+      <p:grpSpPr>
+        <a:xfrm>
+          <a:off x="0" y="0"/>
+          <a:ext cx="0" cy="0"/>
+          <a:chOff x="0" y="0"/>
+          <a:chExt cx="0" cy="0"/>
+        </a:xfrm>
+      </p:grpSpPr>
+      <p:sp>
+        <p:nvSpPr>
+          <p:cNvPr id="2" name="タイトル 1"/>
+          <p:cNvSpPr>
+            <a:spLocks noGrp="1"/>
+          </p:cNvSpPr>
+          <p:nvPr>
+            <p:ph type="title"/>
+          </p:nvPr>
+        </p:nvSpPr>
+        <p:spPr/>
+        <p:txBody>
+          <a:bodyPr/>
+          <a:lstStyle/>
+          <a:p>
+            <a:r>
+              <a:rPr kumimoji="1" lang="ja-JP" altLang="en-US" dirty="0" smtClean="0"/>
+              <a:t>選択肢と正誤判定</a:t>
+            </a:r>
+            <a:endParaRPr kumimoji="1" lang="ja-JP" altLang="en-US" dirty="0"/>
+          </a:p>
+        </p:txBody>
+      </p:sp>
+      <p:sp>
+        <p:nvSpPr>
+          <p:cNvPr id="3" name="コンテンツ プレースホルダー 2"/>
+          <p:cNvSpPr>
+            <a:spLocks noGrp="1"/>
+          </p:cNvSpPr>
+          <p:nvPr>
+            <p:ph idx="1"/>
+          </p:nvPr>
+        </p:nvSpPr>
+        <p:spPr/>
+        <p:txBody>
+          <a:bodyPr/>
+          <a:lstStyle/>
+          <a:p>
+            <a:pPr marL="0" indent="0">
+              <a:buNone/>
+            </a:pPr>
+            <a:r>
+              <a:rPr kumimoji="1" lang="ja-JP" altLang="en-US" dirty="0" smtClean="0"/>
+              <a:t>選択肢から正誤を判定するプログラムを作成した</a:t>
+            </a:r>
+            <a:endParaRPr kumimoji="1" lang="en-US" altLang="ja-JP" dirty="0" smtClean="0"/>
+          </a:p>
+          <a:p>
+            <a:pPr marL="0" indent="0">
+              <a:buNone/>
+            </a:pPr>
+            <a:r>
+              <a:rPr lang="ja-JP" altLang="en-US" dirty="0" smtClean="0"/>
+              <a:t>今回作成したプログラムは文章、問題を事前に用意しているため、</a:t>
+            </a:r>
+            <a:r>
+              <a:rPr lang="en-US" altLang="ja-JP" dirty="0" err="1" smtClean="0"/>
+              <a:t>Blockly</a:t>
+            </a:r>
+            <a:r>
+              <a:rPr lang="ja-JP" altLang="en-US" dirty="0" smtClean="0"/>
+              <a:t>によって生成されたコードを利用して問題を生成する場合の表示方法が決まっていない</a:t>
+            </a:r>
+            <a:endParaRPr lang="en-US" altLang="ja-JP" dirty="0"/>
+          </a:p>
+          <a:p>
+            <a:pPr marL="0" indent="0">
+              <a:buNone/>
+            </a:pPr>
+            <a:endParaRPr kumimoji="1" lang="en-US" altLang="ja-JP" dirty="0" smtClean="0"/>
+          </a:p>
+          <a:p>
+            <a:pPr marL="0" indent="0">
+              <a:buNone/>
+            </a:pPr>
+            <a:r>
+              <a:rPr lang="en-US" altLang="ja-JP" dirty="0" err="1" smtClean="0"/>
+              <a:t>github</a:t>
+            </a:r>
+            <a:endParaRPr kumimoji="1" lang="en-US" altLang="ja-JP" dirty="0" smtClean="0"/>
+          </a:p>
+          <a:p>
+            <a:pPr marL="0" indent="0">
+              <a:buNone/>
+            </a:pPr>
+            <a:r>
+              <a:rPr lang="en-US" altLang="ja-JP" dirty="0"/>
+              <a:t>p</a:t>
+            </a:r>
+            <a:r>
+              <a:rPr lang="en-US" altLang="ja-JP" dirty="0" smtClean="0"/>
+              <a:t>rogram/question</a:t>
+            </a:r>
+            <a:r>
+              <a:rPr lang="en-US" altLang="ja-JP" dirty="0" smtClean="0"/>
+              <a:t>/test.html</a:t>
+            </a:r>
+            <a:endParaRPr kumimoji="1" lang="en-US" altLang="ja-JP" dirty="0" smtClean="0"/>
+          </a:p>
+        </p:txBody>
+      </p:sp>
+      <p:sp>
+        <p:nvSpPr>
+          <p:cNvPr id="4" name="スライド番号プレースホルダー 3"/>
+          <p:cNvSpPr>
+            <a:spLocks noGrp="1"/>
+          </p:cNvSpPr>
+          <p:nvPr>
+            <p:ph type="sldNum" sz="quarter" idx="12"/>
+          </p:nvPr>
+        </p:nvSpPr>
+        <p:spPr/>
+        <p:txBody>
+          <a:bodyPr/>
+          <a:lstStyle/>
+          <a:p>
+            <a:fld id="{4A32CB03-0843-4AF8-BFB2-C9917854BC7E}" type="slidenum">
+              <a:rPr kumimoji="1" lang="ja-JP" altLang="en-US" sz="2800" smtClean="0"/>
+              <a:t>22</a:t>
+            </a:fld>
+            <a:endParaRPr kumimoji="1" lang="ja-JP" altLang="en-US" dirty="0"/>
+          </a:p>
+        </p:txBody>
+      </p:sp>
+    </p:spTree>
+    <p:extLst>
+      <p:ext uri="{BB962C8B-B14F-4D97-AF65-F5344CB8AC3E}">
+        <p14:creationId xmlns:p14="http://schemas.microsoft.com/office/powerpoint/2010/main" val="3564727157"/>
+      </p:ext>
+    </p:extLst>
+  </p:cSld>
+  <p:clrMapOvr>
+    <a:masterClrMapping/>
+  </p:clrMapOvr>
+  <p:timing>
+    <p:tnLst>
+      <p:par>
+        <p:cTn id="1" dur="indefinite" restart="never" nodeType="tmRoot"/>
+      </p:par>
+    </p:tnLst>
+  </p:timing>
+</p:sld>
+</file>
+
+<file path=ppt/slides/slide23.xml><?xml version="1.0" encoding="utf-8"?>
+<p:sld xmlns:a="http://schemas.openxmlformats.org/drawingml/2006/main" xmlns:r="http://schemas.openxmlformats.org/officeDocument/2006/relationships" xmlns:p="http://schemas.openxmlformats.org/presentationml/2006/main">
+  <p:cSld>
+    <p:spTree>
+      <p:nvGrpSpPr>
+        <p:cNvPr id="1" name=""/>
+        <p:cNvGrpSpPr/>
+        <p:nvPr/>
+      </p:nvGrpSpPr>
+      <p:grpSpPr>
+        <a:xfrm>
+          <a:off x="0" y="0"/>
+          <a:ext cx="0" cy="0"/>
+          <a:chOff x="0" y="0"/>
+          <a:chExt cx="0" cy="0"/>
+        </a:xfrm>
+      </p:grpSpPr>
+      <p:sp>
+        <p:nvSpPr>
+          <p:cNvPr id="2" name="タイトル 1"/>
+          <p:cNvSpPr>
+            <a:spLocks noGrp="1"/>
+          </p:cNvSpPr>
+          <p:nvPr>
+            <p:ph type="title"/>
+          </p:nvPr>
+        </p:nvSpPr>
+        <p:spPr/>
+        <p:txBody>
+          <a:bodyPr/>
+          <a:lstStyle/>
+          <a:p>
+            <a:r>
+              <a:rPr lang="ja-JP" altLang="en-US" dirty="0" smtClean="0"/>
+              <a:t>選択式から選んで正誤を判定するプログラム</a:t>
+            </a:r>
+            <a:endParaRPr kumimoji="1" lang="ja-JP" altLang="en-US" dirty="0"/>
+          </a:p>
+        </p:txBody>
+      </p:sp>
+      <p:sp>
+        <p:nvSpPr>
+          <p:cNvPr id="4" name="スライド番号プレースホルダー 3"/>
+          <p:cNvSpPr>
+            <a:spLocks noGrp="1"/>
+          </p:cNvSpPr>
+          <p:nvPr>
+            <p:ph type="sldNum" sz="quarter" idx="12"/>
+          </p:nvPr>
+        </p:nvSpPr>
+        <p:spPr/>
+        <p:txBody>
+          <a:bodyPr/>
+          <a:lstStyle/>
+          <a:p>
+            <a:fld id="{4A32CB03-0843-4AF8-BFB2-C9917854BC7E}" type="slidenum">
+              <a:rPr kumimoji="1" lang="ja-JP" altLang="en-US" smtClean="0"/>
+              <a:t>23</a:t>
+            </a:fld>
+            <a:endParaRPr kumimoji="1" lang="ja-JP" altLang="en-US"/>
+          </a:p>
+        </p:txBody>
+      </p:sp>
+      <p:pic>
+        <p:nvPicPr>
+          <p:cNvPr id="5" name="図 4"/>
+          <p:cNvPicPr>
+            <a:picLocks noChangeAspect="1"/>
+          </p:cNvPicPr>
+          <p:nvPr/>
+        </p:nvPicPr>
+        <p:blipFill>
+          <a:blip r:embed="rId2"/>
+          <a:stretch>
+            <a:fillRect/>
+          </a:stretch>
+        </p:blipFill>
+        <p:spPr>
+          <a:xfrm>
+            <a:off x="2797316" y="1808157"/>
+            <a:ext cx="2972306" cy="4730756"/>
+          </a:xfrm>
+          <a:prstGeom prst="rect">
+            <a:avLst/>
+          </a:prstGeom>
+        </p:spPr>
+      </p:pic>
+    </p:spTree>
+    <p:extLst>
+      <p:ext uri="{BB962C8B-B14F-4D97-AF65-F5344CB8AC3E}">
+        <p14:creationId xmlns:p14="http://schemas.microsoft.com/office/powerpoint/2010/main" val="1471446867"/>
+      </p:ext>
+    </p:extLst>
+  </p:cSld>
+  <p:clrMapOvr>
+    <a:masterClrMapping/>
+  </p:clrMapOvr>
+  <p:timing>
+    <p:tnLst>
+      <p:par>
+        <p:cTn id="1" dur="indefinite" restart="never" nodeType="tmRoot"/>
+      </p:par>
+    </p:tnLst>
+  </p:timing>
+</p:sld>
+</file>
+
+<file path=ppt/slides/slide24.xml><?xml version="1.0" encoding="utf-8"?>
+<p:sld xmlns:a="http://schemas.openxmlformats.org/drawingml/2006/main" xmlns:r="http://schemas.openxmlformats.org/officeDocument/2006/relationships" xmlns:p="http://schemas.openxmlformats.org/presentationml/2006/main">
+  <p:cSld>
+    <p:spTree>
+      <p:nvGrpSpPr>
+        <p:cNvPr id="1" name=""/>
+        <p:cNvGrpSpPr/>
+        <p:nvPr/>
+      </p:nvGrpSpPr>
+      <p:grpSpPr>
+        <a:xfrm>
+          <a:off x="0" y="0"/>
+          <a:ext cx="0" cy="0"/>
+          <a:chOff x="0" y="0"/>
+          <a:chExt cx="0" cy="0"/>
+        </a:xfrm>
+      </p:grpSpPr>
+      <p:sp>
+        <p:nvSpPr>
+          <p:cNvPr id="2" name="タイトル 1"/>
+          <p:cNvSpPr>
+            <a:spLocks noGrp="1"/>
+          </p:cNvSpPr>
+          <p:nvPr>
+            <p:ph type="title"/>
+          </p:nvPr>
+        </p:nvSpPr>
+        <p:spPr/>
+        <p:txBody>
+          <a:bodyPr/>
+          <a:lstStyle/>
+          <a:p>
+            <a:r>
+              <a:rPr kumimoji="1" lang="ja-JP" altLang="en-US" dirty="0" smtClean="0"/>
+              <a:t>利用方法の模索</a:t>
+            </a:r>
+            <a:endParaRPr kumimoji="1" lang="ja-JP" altLang="en-US" dirty="0"/>
+          </a:p>
+        </p:txBody>
+      </p:sp>
+      <p:sp>
+        <p:nvSpPr>
+          <p:cNvPr id="3" name="コンテンツ プレースホルダー 2"/>
+          <p:cNvSpPr>
+            <a:spLocks noGrp="1"/>
+          </p:cNvSpPr>
+          <p:nvPr>
+            <p:ph idx="1"/>
+          </p:nvPr>
+        </p:nvSpPr>
+        <p:spPr/>
+        <p:txBody>
+          <a:bodyPr/>
+          <a:lstStyle/>
+          <a:p>
+            <a:r>
+              <a:rPr kumimoji="1" lang="en-US" altLang="ja-JP" dirty="0" err="1" smtClean="0"/>
+              <a:t>Blockly</a:t>
+            </a:r>
+            <a:r>
+              <a:rPr lang="ja-JP" altLang="en-US" dirty="0"/>
+              <a:t>に</a:t>
+            </a:r>
+            <a:r>
+              <a:rPr lang="ja-JP" altLang="en-US" dirty="0" smtClean="0"/>
+              <a:t>よって生成したコードは一つの文字列として利用できる、これを単語ごとに区切ることで、コードの一部を選択肢として利用できるかもしれない</a:t>
+            </a:r>
+            <a:endParaRPr lang="en-US" altLang="ja-JP" dirty="0" smtClean="0"/>
+          </a:p>
+          <a:p>
+            <a:pPr lvl="1"/>
+            <a:r>
+              <a:rPr kumimoji="1" lang="ja-JP" altLang="en-US" dirty="0" smtClean="0"/>
+              <a:t>文字列から単語として認識した</a:t>
+            </a:r>
+            <a:r>
+              <a:rPr kumimoji="1" lang="en-US" altLang="ja-JP" dirty="0" smtClean="0"/>
+              <a:t>”</a:t>
+            </a:r>
+            <a:r>
+              <a:rPr kumimoji="1" lang="en-US" altLang="ja-JP" dirty="0" err="1" smtClean="0"/>
+              <a:t>int</a:t>
+            </a:r>
+            <a:r>
+              <a:rPr kumimoji="1" lang="en-US" altLang="ja-JP" dirty="0" smtClean="0"/>
+              <a:t>”</a:t>
+            </a:r>
+            <a:r>
+              <a:rPr kumimoji="1" lang="ja-JP" altLang="en-US" dirty="0" smtClean="0"/>
+              <a:t>などの</a:t>
+            </a:r>
+            <a:r>
+              <a:rPr lang="ja-JP" altLang="en-US" dirty="0" smtClean="0"/>
+              <a:t>単語を</a:t>
+            </a:r>
+            <a:r>
+              <a:rPr lang="en-US" altLang="ja-JP" dirty="0" smtClean="0"/>
+              <a:t>html</a:t>
+            </a:r>
+            <a:r>
+              <a:rPr lang="ja-JP" altLang="en-US" dirty="0" smtClean="0"/>
+              <a:t>で利用できる文字列に変換するなど</a:t>
+            </a:r>
+            <a:endParaRPr lang="en-US" altLang="ja-JP" dirty="0" smtClean="0"/>
+          </a:p>
+          <a:p>
+            <a:r>
+              <a:rPr lang="ja-JP" altLang="en-US" dirty="0" smtClean="0"/>
+              <a:t>今回は</a:t>
+            </a:r>
+            <a:r>
+              <a:rPr lang="en-US" altLang="ja-JP" dirty="0" smtClean="0"/>
+              <a:t>html</a:t>
+            </a:r>
+            <a:r>
+              <a:rPr lang="ja-JP" altLang="en-US" dirty="0" smtClean="0"/>
+              <a:t>の</a:t>
+            </a:r>
+            <a:r>
+              <a:rPr lang="en-US" altLang="ja-JP" dirty="0" smtClean="0"/>
+              <a:t>select</a:t>
+            </a:r>
+            <a:r>
+              <a:rPr lang="ja-JP" altLang="en-US" dirty="0" smtClean="0"/>
+              <a:t>タグを使って選択肢を生成しているが、</a:t>
+            </a:r>
+            <a:r>
+              <a:rPr lang="en-US" altLang="ja-JP" dirty="0" err="1" smtClean="0"/>
+              <a:t>Javascript</a:t>
+            </a:r>
+            <a:r>
+              <a:rPr lang="ja-JP" altLang="en-US" dirty="0" smtClean="0"/>
+              <a:t>で選択肢の生成もできると、上の方法に利用できるかもしれない</a:t>
+            </a:r>
+            <a:endParaRPr lang="en-US" altLang="ja-JP" dirty="0" smtClean="0"/>
+          </a:p>
+        </p:txBody>
+      </p:sp>
+      <p:sp>
+        <p:nvSpPr>
+          <p:cNvPr id="4" name="スライド番号プレースホルダー 3"/>
+          <p:cNvSpPr>
+            <a:spLocks noGrp="1"/>
+          </p:cNvSpPr>
+          <p:nvPr>
+            <p:ph type="sldNum" sz="quarter" idx="12"/>
+          </p:nvPr>
+        </p:nvSpPr>
+        <p:spPr/>
+        <p:txBody>
+          <a:bodyPr/>
+          <a:lstStyle/>
+          <a:p>
+            <a:fld id="{4A32CB03-0843-4AF8-BFB2-C9917854BC7E}" type="slidenum">
+              <a:rPr kumimoji="1" lang="ja-JP" altLang="en-US" smtClean="0"/>
+              <a:t>24</a:t>
+            </a:fld>
+            <a:endParaRPr kumimoji="1" lang="ja-JP" altLang="en-US"/>
+          </a:p>
+        </p:txBody>
+      </p:sp>
+    </p:spTree>
+    <p:extLst>
+      <p:ext uri="{BB962C8B-B14F-4D97-AF65-F5344CB8AC3E}">
+        <p14:creationId xmlns:p14="http://schemas.microsoft.com/office/powerpoint/2010/main" val="3837190238"/>
+      </p:ext>
+    </p:extLst>
+  </p:cSld>
+  <p:clrMapOvr>
+    <a:masterClrMapping/>
+  </p:clrMapOvr>
+  <p:timing>
+    <p:tnLst>
+      <p:par>
+        <p:cTn id="1" dur="indefinite" restart="never" nodeType="tmRoot"/>
+      </p:par>
+    </p:tnLst>
+  </p:timing>
+</p:sld>
+</file>
+
+<file path=ppt/slides/slide25.xml><?xml version="1.0" encoding="utf-8"?>
+<p:sld xmlns:a="http://schemas.openxmlformats.org/drawingml/2006/main" xmlns:r="http://schemas.openxmlformats.org/officeDocument/2006/relationships" xmlns:p="http://schemas.openxmlformats.org/presentationml/2006/main">
+  <p:cSld>
+    <p:spTree>
+      <p:nvGrpSpPr>
+        <p:cNvPr id="1" name=""/>
+        <p:cNvGrpSpPr/>
+        <p:nvPr/>
+      </p:nvGrpSpPr>
+      <p:grpSpPr>
+        <a:xfrm>
+          <a:off x="0" y="0"/>
+          <a:ext cx="0" cy="0"/>
+          <a:chOff x="0" y="0"/>
+          <a:chExt cx="0" cy="0"/>
+        </a:xfrm>
+      </p:grpSpPr>
+      <p:sp>
+        <p:nvSpPr>
+          <p:cNvPr id="2" name="タイトル 1"/>
+          <p:cNvSpPr>
+            <a:spLocks noGrp="1"/>
+          </p:cNvSpPr>
+          <p:nvPr>
+            <p:ph type="title"/>
+          </p:nvPr>
+        </p:nvSpPr>
+        <p:spPr/>
+        <p:txBody>
+          <a:bodyPr/>
+          <a:lstStyle/>
+          <a:p>
+            <a:r>
+              <a:rPr kumimoji="1" lang="en-US" altLang="ja-JP" dirty="0" err="1" smtClean="0"/>
+              <a:t>selectbox</a:t>
+            </a:r>
+            <a:r>
+              <a:rPr kumimoji="1" lang="ja-JP" altLang="en-US" dirty="0" smtClean="0"/>
+              <a:t>の選択肢の生成</a:t>
+            </a:r>
+            <a:endParaRPr kumimoji="1" lang="ja-JP" altLang="en-US" dirty="0"/>
+          </a:p>
+        </p:txBody>
+      </p:sp>
+      <p:sp>
+        <p:nvSpPr>
+          <p:cNvPr id="3" name="コンテンツ プレースホルダー 2"/>
+          <p:cNvSpPr>
+            <a:spLocks noGrp="1"/>
+          </p:cNvSpPr>
+          <p:nvPr>
+            <p:ph idx="1"/>
+          </p:nvPr>
+        </p:nvSpPr>
+        <p:spPr/>
+        <p:txBody>
+          <a:bodyPr/>
+          <a:lstStyle/>
+          <a:p>
+            <a:r>
+              <a:rPr lang="ja-JP" altLang="en-US" dirty="0" smtClean="0"/>
+              <a:t>上記スライドでは問題文も選択肢も静的に決定されているが、</a:t>
+            </a:r>
+            <a:r>
+              <a:rPr lang="en-US" altLang="ja-JP" dirty="0" err="1" smtClean="0"/>
+              <a:t>Javascript</a:t>
+            </a:r>
+            <a:r>
+              <a:rPr lang="ja-JP" altLang="en-US" dirty="0" smtClean="0"/>
+              <a:t>を用いることで動的に内容を設定できるらしい</a:t>
+            </a:r>
+            <a:endParaRPr lang="en-US" altLang="ja-JP" dirty="0" smtClean="0"/>
+          </a:p>
+          <a:p>
+            <a:r>
+              <a:rPr kumimoji="1" lang="ja-JP" altLang="en-US" dirty="0" smtClean="0"/>
+              <a:t>セレクトボックス</a:t>
+            </a:r>
+            <a:r>
+              <a:rPr lang="ja-JP" altLang="en-US" dirty="0"/>
+              <a:t>自体</a:t>
+            </a:r>
+            <a:r>
+              <a:rPr kumimoji="1" lang="ja-JP" altLang="en-US" dirty="0" smtClean="0"/>
+              <a:t>を生成することもどうやら可能らしい</a:t>
+            </a:r>
+            <a:endParaRPr kumimoji="1" lang="en-US" altLang="ja-JP" dirty="0" smtClean="0"/>
+          </a:p>
+          <a:p>
+            <a:endParaRPr kumimoji="1" lang="ja-JP" altLang="en-US" dirty="0"/>
+          </a:p>
+        </p:txBody>
+      </p:sp>
+      <p:sp>
+        <p:nvSpPr>
+          <p:cNvPr id="4" name="スライド番号プレースホルダー 3"/>
+          <p:cNvSpPr>
+            <a:spLocks noGrp="1"/>
+          </p:cNvSpPr>
+          <p:nvPr>
+            <p:ph type="sldNum" sz="quarter" idx="12"/>
+          </p:nvPr>
+        </p:nvSpPr>
+        <p:spPr/>
+        <p:txBody>
+          <a:bodyPr/>
+          <a:lstStyle/>
+          <a:p>
+            <a:fld id="{4A32CB03-0843-4AF8-BFB2-C9917854BC7E}" type="slidenum">
+              <a:rPr kumimoji="1" lang="ja-JP" altLang="en-US" smtClean="0"/>
+              <a:t>25</a:t>
+            </a:fld>
+            <a:endParaRPr kumimoji="1" lang="ja-JP" altLang="en-US"/>
+          </a:p>
+        </p:txBody>
+      </p:sp>
+    </p:spTree>
+    <p:extLst>
+      <p:ext uri="{BB962C8B-B14F-4D97-AF65-F5344CB8AC3E}">
+        <p14:creationId xmlns:p14="http://schemas.microsoft.com/office/powerpoint/2010/main" val="3172470415"/>
+      </p:ext>
+    </p:extLst>
+  </p:cSld>
+  <p:clrMapOvr>
+    <a:masterClrMapping/>
+  </p:clrMapOvr>
+  <p:timing>
+    <p:tnLst>
+      <p:par>
+        <p:cTn id="1" dur="indefinite" restart="never" nodeType="tmRoot"/>
+      </p:par>
+    </p:tnLst>
+  </p:timing>
+</p:sld>
+</file>
+
+<file path=ppt/slides/slide26.xml><?xml version="1.0" encoding="utf-8"?>
+<p:sld xmlns:a="http://schemas.openxmlformats.org/drawingml/2006/main" xmlns:r="http://schemas.openxmlformats.org/officeDocument/2006/relationships" xmlns:p="http://schemas.openxmlformats.org/presentationml/2006/main">
+  <p:cSld>
+    <p:spTree>
+      <p:nvGrpSpPr>
+        <p:cNvPr id="1" name=""/>
+        <p:cNvGrpSpPr/>
+        <p:nvPr/>
+      </p:nvGrpSpPr>
+      <p:grpSpPr>
+        <a:xfrm>
+          <a:off x="0" y="0"/>
+          <a:ext cx="0" cy="0"/>
+          <a:chOff x="0" y="0"/>
+          <a:chExt cx="0" cy="0"/>
+        </a:xfrm>
+      </p:grpSpPr>
+      <p:sp>
+        <p:nvSpPr>
+          <p:cNvPr id="2" name="タイトル 1"/>
+          <p:cNvSpPr>
+            <a:spLocks noGrp="1"/>
+          </p:cNvSpPr>
+          <p:nvPr>
+            <p:ph type="title"/>
+          </p:nvPr>
+        </p:nvSpPr>
+        <p:spPr/>
+        <p:txBody>
+          <a:bodyPr/>
+          <a:lstStyle/>
+          <a:p>
+            <a:r>
+              <a:rPr lang="ja-JP" altLang="en-US" dirty="0" smtClean="0"/>
+              <a:t>プログラム群をいくつか作成</a:t>
+            </a:r>
+            <a:endParaRPr kumimoji="1" lang="ja-JP" altLang="en-US" dirty="0"/>
+          </a:p>
+        </p:txBody>
+      </p:sp>
+      <p:sp>
+        <p:nvSpPr>
+          <p:cNvPr id="3" name="コンテンツ プレースホルダー 2"/>
+          <p:cNvSpPr>
+            <a:spLocks noGrp="1"/>
+          </p:cNvSpPr>
+          <p:nvPr>
+            <p:ph idx="1"/>
+          </p:nvPr>
+        </p:nvSpPr>
+        <p:spPr/>
+        <p:txBody>
+          <a:bodyPr/>
+          <a:lstStyle/>
+          <a:p>
+            <a:r>
+              <a:rPr kumimoji="1" lang="en-US" altLang="ja-JP" dirty="0" err="1" smtClean="0"/>
+              <a:t>Blockly</a:t>
+            </a:r>
+            <a:r>
+              <a:rPr kumimoji="1" lang="ja-JP" altLang="en-US" dirty="0" smtClean="0"/>
+              <a:t>に組み込む用</a:t>
+            </a:r>
+            <a:endParaRPr kumimoji="1" lang="en-US" altLang="ja-JP" dirty="0" smtClean="0"/>
+          </a:p>
+          <a:p>
+            <a:pPr lvl="1"/>
+            <a:r>
+              <a:rPr kumimoji="1" lang="ja-JP" altLang="en-US" dirty="0" smtClean="0"/>
+              <a:t>タブクリックで</a:t>
+            </a:r>
+            <a:r>
+              <a:rPr kumimoji="1" lang="en-US" altLang="ja-JP" dirty="0" err="1" smtClean="0"/>
+              <a:t>Div</a:t>
+            </a:r>
+            <a:r>
+              <a:rPr kumimoji="1" lang="ja-JP" altLang="en-US" dirty="0" smtClean="0"/>
+              <a:t>を切り替えるプログラムを生成</a:t>
+            </a:r>
+            <a:endParaRPr kumimoji="1" lang="en-US" altLang="ja-JP" dirty="0" smtClean="0"/>
+          </a:p>
+          <a:p>
+            <a:pPr lvl="1"/>
+            <a:r>
+              <a:rPr kumimoji="1" lang="ja-JP" altLang="en-US" dirty="0" smtClean="0"/>
+              <a:t>セレクトボックスを</a:t>
+            </a:r>
+            <a:r>
+              <a:rPr kumimoji="1" lang="en-US" altLang="ja-JP" dirty="0" err="1" smtClean="0"/>
+              <a:t>Javascript</a:t>
+            </a:r>
+            <a:r>
+              <a:rPr lang="ja-JP" altLang="en-US" dirty="0" err="1" smtClean="0"/>
+              <a:t>にて</a:t>
+            </a:r>
+            <a:r>
+              <a:rPr lang="ja-JP" altLang="en-US" dirty="0" smtClean="0"/>
+              <a:t>生成</a:t>
+            </a:r>
+            <a:endParaRPr lang="en-US" altLang="ja-JP" dirty="0" smtClean="0"/>
+          </a:p>
+          <a:p>
+            <a:endParaRPr kumimoji="1" lang="en-US" altLang="ja-JP" dirty="0"/>
+          </a:p>
+          <a:p>
+            <a:r>
+              <a:rPr kumimoji="1" lang="en-US" altLang="ja-JP" dirty="0" err="1" smtClean="0"/>
+              <a:t>Blockly</a:t>
+            </a:r>
+            <a:r>
+              <a:rPr kumimoji="1" lang="ja-JP" altLang="en-US" dirty="0" smtClean="0"/>
+              <a:t>の仕様をわかるために文字列の置換をするためのプログラムを用意し、圧縮されているファイルをデバッグの際に見やすいようにした</a:t>
+            </a:r>
+            <a:endParaRPr kumimoji="1" lang="ja-JP" altLang="en-US" dirty="0"/>
+          </a:p>
+        </p:txBody>
+      </p:sp>
+      <p:sp>
+        <p:nvSpPr>
+          <p:cNvPr id="4" name="スライド番号プレースホルダー 3"/>
+          <p:cNvSpPr>
+            <a:spLocks noGrp="1"/>
+          </p:cNvSpPr>
+          <p:nvPr>
+            <p:ph type="sldNum" sz="quarter" idx="12"/>
+          </p:nvPr>
+        </p:nvSpPr>
+        <p:spPr/>
+        <p:txBody>
+          <a:bodyPr/>
+          <a:lstStyle/>
+          <a:p>
+            <a:fld id="{4A32CB03-0843-4AF8-BFB2-C9917854BC7E}" type="slidenum">
+              <a:rPr kumimoji="1" lang="ja-JP" altLang="en-US" smtClean="0"/>
+              <a:t>26</a:t>
+            </a:fld>
+            <a:endParaRPr kumimoji="1" lang="ja-JP" altLang="en-US"/>
+          </a:p>
+        </p:txBody>
+      </p:sp>
+    </p:spTree>
+    <p:extLst>
+      <p:ext uri="{BB962C8B-B14F-4D97-AF65-F5344CB8AC3E}">
+        <p14:creationId xmlns:p14="http://schemas.microsoft.com/office/powerpoint/2010/main" val="3396706266"/>
+      </p:ext>
+    </p:extLst>
+  </p:cSld>
+  <p:clrMapOvr>
+    <a:masterClrMapping/>
+  </p:clrMapOvr>
+  <p:timing>
+    <p:tnLst>
+      <p:par>
+        <p:cTn id="1" dur="indefinite" restart="never" nodeType="tmRoot"/>
+      </p:par>
+    </p:tnLst>
+  </p:timing>
+</p:sld>
+</file>
+
+<file path=ppt/slides/slide27.xml><?xml version="1.0" encoding="utf-8"?>
+<p:sld xmlns:a="http://schemas.openxmlformats.org/drawingml/2006/main" xmlns:r="http://schemas.openxmlformats.org/officeDocument/2006/relationships" xmlns:p="http://schemas.openxmlformats.org/presentationml/2006/main">
+  <p:cSld>
+    <p:spTree>
+      <p:nvGrpSpPr>
+        <p:cNvPr id="1" name=""/>
+        <p:cNvGrpSpPr/>
+        <p:nvPr/>
+      </p:nvGrpSpPr>
+      <p:grpSpPr>
+        <a:xfrm>
+          <a:off x="0" y="0"/>
+          <a:ext cx="0" cy="0"/>
+          <a:chOff x="0" y="0"/>
+          <a:chExt cx="0" cy="0"/>
+        </a:xfrm>
+      </p:grpSpPr>
+      <p:sp>
+        <p:nvSpPr>
+          <p:cNvPr id="2" name="タイトル 1"/>
+          <p:cNvSpPr>
+            <a:spLocks noGrp="1"/>
+          </p:cNvSpPr>
+          <p:nvPr>
+            <p:ph type="title"/>
+          </p:nvPr>
+        </p:nvSpPr>
+        <p:spPr/>
+        <p:txBody>
+          <a:bodyPr/>
+          <a:lstStyle/>
+          <a:p>
+            <a:r>
+              <a:rPr lang="en-US" altLang="ja-JP" dirty="0" smtClean="0"/>
+              <a:t>UI</a:t>
+            </a:r>
+            <a:endParaRPr kumimoji="1" lang="ja-JP" altLang="en-US" dirty="0"/>
+          </a:p>
+        </p:txBody>
+      </p:sp>
+      <p:pic>
+        <p:nvPicPr>
+          <p:cNvPr id="5" name="コンテンツ プレースホルダー 4"/>
+          <p:cNvPicPr>
+            <a:picLocks noGrp="1" noChangeAspect="1"/>
+          </p:cNvPicPr>
+          <p:nvPr>
+            <p:ph idx="1"/>
+          </p:nvPr>
+        </p:nvPicPr>
+        <p:blipFill rotWithShape="1">
+          <a:blip r:embed="rId2"/>
+          <a:srcRect t="15781" b="16452"/>
+          <a:stretch/>
+        </p:blipFill>
+        <p:spPr>
+          <a:xfrm>
+            <a:off x="101600" y="1913661"/>
+            <a:ext cx="9042400" cy="4307819"/>
+          </a:xfrm>
+          <a:prstGeom prst="rect">
+            <a:avLst/>
+          </a:prstGeom>
+        </p:spPr>
+      </p:pic>
+      <p:sp>
+        <p:nvSpPr>
+          <p:cNvPr id="4" name="スライド番号プレースホルダー 3"/>
+          <p:cNvSpPr>
+            <a:spLocks noGrp="1"/>
+          </p:cNvSpPr>
+          <p:nvPr>
+            <p:ph type="sldNum" sz="quarter" idx="12"/>
+          </p:nvPr>
+        </p:nvSpPr>
+        <p:spPr/>
+        <p:txBody>
+          <a:bodyPr/>
+          <a:lstStyle/>
+          <a:p>
+            <a:fld id="{4A32CB03-0843-4AF8-BFB2-C9917854BC7E}" type="slidenum">
+              <a:rPr kumimoji="1" lang="ja-JP" altLang="en-US" smtClean="0"/>
+              <a:t>27</a:t>
+            </a:fld>
+            <a:endParaRPr kumimoji="1" lang="ja-JP" altLang="en-US"/>
+          </a:p>
+        </p:txBody>
+      </p:sp>
+    </p:spTree>
+    <p:extLst>
+      <p:ext uri="{BB962C8B-B14F-4D97-AF65-F5344CB8AC3E}">
+        <p14:creationId xmlns:p14="http://schemas.microsoft.com/office/powerpoint/2010/main" val="1728103694"/>
+      </p:ext>
+    </p:extLst>
+  </p:cSld>
+  <p:clrMapOvr>
+    <a:masterClrMapping/>
+  </p:clrMapOvr>
+</p:sld>
+</file>
+
+<file path=ppt/slides/slide28.xml><?xml version="1.0" encoding="utf-8"?>
+<p:sld xmlns:a="http://schemas.openxmlformats.org/drawingml/2006/main" xmlns:r="http://schemas.openxmlformats.org/officeDocument/2006/relationships" xmlns:p="http://schemas.openxmlformats.org/presentationml/2006/main">
+  <p:cSld>
+    <p:spTree>
+      <p:nvGrpSpPr>
+        <p:cNvPr id="1" name=""/>
+        <p:cNvGrpSpPr/>
+        <p:nvPr/>
+      </p:nvGrpSpPr>
+      <p:grpSpPr>
+        <a:xfrm>
+          <a:off x="0" y="0"/>
+          <a:ext cx="0" cy="0"/>
+          <a:chOff x="0" y="0"/>
+          <a:chExt cx="0" cy="0"/>
+        </a:xfrm>
+      </p:grpSpPr>
+      <p:sp>
+        <p:nvSpPr>
+          <p:cNvPr id="2" name="タイトル 1"/>
+          <p:cNvSpPr>
+            <a:spLocks noGrp="1"/>
+          </p:cNvSpPr>
+          <p:nvPr>
+            <p:ph type="title"/>
+          </p:nvPr>
+        </p:nvSpPr>
+        <p:spPr/>
+        <p:txBody>
+          <a:bodyPr/>
+          <a:lstStyle/>
+          <a:p>
+            <a:r>
+              <a:rPr kumimoji="1" lang="ja-JP" altLang="en-US" dirty="0" smtClean="0"/>
+              <a:t>タブについて</a:t>
+            </a:r>
+            <a:endParaRPr kumimoji="1" lang="ja-JP" altLang="en-US" dirty="0"/>
+          </a:p>
+        </p:txBody>
+      </p:sp>
+      <p:sp>
+        <p:nvSpPr>
+          <p:cNvPr id="3" name="コンテンツ プレースホルダー 2"/>
+          <p:cNvSpPr>
+            <a:spLocks noGrp="1"/>
+          </p:cNvSpPr>
+          <p:nvPr>
+            <p:ph idx="1"/>
+          </p:nvPr>
+        </p:nvSpPr>
+        <p:spPr/>
+        <p:txBody>
+          <a:bodyPr/>
+          <a:lstStyle/>
+          <a:p>
+            <a:r>
+              <a:rPr kumimoji="1" lang="ja-JP" altLang="en-US" dirty="0" smtClean="0"/>
+              <a:t>現在</a:t>
+            </a:r>
+            <a:r>
+              <a:rPr kumimoji="1" lang="en-US" altLang="ja-JP" dirty="0" smtClean="0"/>
+              <a:t>Question,</a:t>
+            </a:r>
+            <a:r>
+              <a:rPr kumimoji="1" lang="ja-JP" altLang="en-US" dirty="0" smtClean="0"/>
+              <a:t> </a:t>
+            </a:r>
+            <a:r>
+              <a:rPr kumimoji="1" lang="en-US" altLang="ja-JP" dirty="0" smtClean="0"/>
+              <a:t>output, test</a:t>
+            </a:r>
+            <a:r>
+              <a:rPr lang="ja-JP" altLang="en-US" dirty="0"/>
+              <a:t> </a:t>
+            </a:r>
+            <a:r>
+              <a:rPr lang="ja-JP" altLang="en-US" dirty="0" smtClean="0"/>
+              <a:t>という３つのタブがあり</a:t>
+            </a:r>
+            <a:r>
+              <a:rPr lang="en-US" altLang="ja-JP" dirty="0" smtClean="0"/>
+              <a:t>,</a:t>
+            </a:r>
+            <a:r>
+              <a:rPr lang="ja-JP" altLang="en-US" dirty="0" smtClean="0"/>
+              <a:t> これらを移動しながら作業する予定</a:t>
+            </a:r>
+            <a:endParaRPr lang="en-US" altLang="ja-JP" dirty="0" smtClean="0"/>
+          </a:p>
+          <a:p>
+            <a:endParaRPr kumimoji="1" lang="en-US" altLang="ja-JP" dirty="0" smtClean="0"/>
+          </a:p>
+          <a:p>
+            <a:r>
+              <a:rPr kumimoji="1" lang="en-US" altLang="ja-JP" dirty="0" smtClean="0"/>
+              <a:t>Question</a:t>
+            </a:r>
+            <a:r>
+              <a:rPr lang="ja-JP" altLang="en-US" dirty="0" smtClean="0"/>
+              <a:t>タブは</a:t>
+            </a:r>
+            <a:r>
+              <a:rPr lang="en-US" altLang="ja-JP" dirty="0" smtClean="0"/>
+              <a:t>, </a:t>
+            </a:r>
+            <a:r>
+              <a:rPr lang="ja-JP" altLang="en-US" dirty="0" smtClean="0"/>
+              <a:t>問題文を表示する</a:t>
+            </a:r>
+            <a:endParaRPr lang="en-US" altLang="ja-JP" dirty="0" smtClean="0"/>
+          </a:p>
+          <a:p>
+            <a:r>
+              <a:rPr lang="en-US" altLang="ja-JP" dirty="0" smtClean="0"/>
+              <a:t>output</a:t>
+            </a:r>
+            <a:r>
+              <a:rPr kumimoji="1" lang="ja-JP" altLang="en-US" dirty="0" smtClean="0"/>
+              <a:t>タブは</a:t>
+            </a:r>
+            <a:r>
+              <a:rPr kumimoji="1" lang="en-US" altLang="ja-JP" dirty="0" smtClean="0"/>
+              <a:t>,</a:t>
+            </a:r>
+            <a:r>
+              <a:rPr lang="ja-JP" altLang="en-US" dirty="0" smtClean="0"/>
+              <a:t>  ブロックから生成されたコードを表示する</a:t>
+            </a:r>
+            <a:endParaRPr lang="en-US" altLang="ja-JP" dirty="0" smtClean="0"/>
+          </a:p>
+          <a:p>
+            <a:r>
+              <a:rPr kumimoji="1" lang="en-US" altLang="ja-JP" dirty="0" smtClean="0"/>
+              <a:t>test</a:t>
+            </a:r>
+            <a:r>
+              <a:rPr kumimoji="1" lang="ja-JP" altLang="en-US" dirty="0" smtClean="0"/>
+              <a:t>タブは</a:t>
+            </a:r>
+            <a:r>
+              <a:rPr lang="en-US" altLang="ja-JP" dirty="0" smtClean="0"/>
+              <a:t>, </a:t>
+            </a:r>
+            <a:r>
+              <a:rPr lang="ja-JP" altLang="en-US" dirty="0" smtClean="0"/>
+              <a:t>正誤判定の</a:t>
+            </a:r>
+            <a:r>
+              <a:rPr lang="ja-JP" altLang="en-US" dirty="0"/>
+              <a:t>問題</a:t>
+            </a:r>
+            <a:r>
+              <a:rPr lang="ja-JP" altLang="en-US" dirty="0" smtClean="0"/>
+              <a:t>を表示する</a:t>
+            </a:r>
+            <a:endParaRPr kumimoji="1" lang="ja-JP" altLang="en-US" dirty="0"/>
+          </a:p>
+        </p:txBody>
+      </p:sp>
+      <p:sp>
+        <p:nvSpPr>
+          <p:cNvPr id="4" name="スライド番号プレースホルダー 3"/>
+          <p:cNvSpPr>
+            <a:spLocks noGrp="1"/>
+          </p:cNvSpPr>
+          <p:nvPr>
+            <p:ph type="sldNum" sz="quarter" idx="12"/>
+          </p:nvPr>
+        </p:nvSpPr>
+        <p:spPr/>
+        <p:txBody>
+          <a:bodyPr/>
+          <a:lstStyle/>
+          <a:p>
+            <a:fld id="{4A32CB03-0843-4AF8-BFB2-C9917854BC7E}" type="slidenum">
+              <a:rPr kumimoji="1" lang="ja-JP" altLang="en-US" smtClean="0"/>
+              <a:t>28</a:t>
+            </a:fld>
+            <a:endParaRPr kumimoji="1" lang="ja-JP" altLang="en-US"/>
+          </a:p>
+        </p:txBody>
+      </p:sp>
+    </p:spTree>
+    <p:extLst>
+      <p:ext uri="{BB962C8B-B14F-4D97-AF65-F5344CB8AC3E}">
+        <p14:creationId xmlns:p14="http://schemas.microsoft.com/office/powerpoint/2010/main" val="3374960464"/>
+      </p:ext>
+    </p:extLst>
+  </p:cSld>
+  <p:clrMapOvr>
+    <a:masterClrMapping/>
+  </p:clrMapOvr>
+</p:sld>
+</file>
+
+<file path=ppt/slides/slide29.xml><?xml version="1.0" encoding="utf-8"?>
+<p:sld xmlns:a="http://schemas.openxmlformats.org/drawingml/2006/main" xmlns:r="http://schemas.openxmlformats.org/officeDocument/2006/relationships" xmlns:p="http://schemas.openxmlformats.org/presentationml/2006/main">
+  <p:cSld>
+    <p:spTree>
+      <p:nvGrpSpPr>
+        <p:cNvPr id="1" name=""/>
+        <p:cNvGrpSpPr/>
+        <p:nvPr/>
+      </p:nvGrpSpPr>
+      <p:grpSpPr>
+        <a:xfrm>
+          <a:off x="0" y="0"/>
+          <a:ext cx="0" cy="0"/>
+          <a:chOff x="0" y="0"/>
+          <a:chExt cx="0" cy="0"/>
+        </a:xfrm>
+      </p:grpSpPr>
+      <p:sp>
+        <p:nvSpPr>
+          <p:cNvPr id="2" name="タイトル 1"/>
+          <p:cNvSpPr>
+            <a:spLocks noGrp="1"/>
+          </p:cNvSpPr>
+          <p:nvPr>
+            <p:ph type="title"/>
+          </p:nvPr>
+        </p:nvSpPr>
+        <p:spPr/>
+        <p:txBody>
+          <a:bodyPr/>
+          <a:lstStyle/>
+          <a:p>
+            <a:r>
+              <a:rPr lang="ja-JP" altLang="en-US" dirty="0" smtClean="0"/>
+              <a:t>今後について</a:t>
+            </a:r>
+            <a:endParaRPr kumimoji="1" lang="ja-JP" altLang="en-US" dirty="0"/>
+          </a:p>
+        </p:txBody>
+      </p:sp>
+      <p:sp>
+        <p:nvSpPr>
+          <p:cNvPr id="3" name="コンテンツ プレースホルダー 2"/>
+          <p:cNvSpPr>
+            <a:spLocks noGrp="1"/>
+          </p:cNvSpPr>
+          <p:nvPr>
+            <p:ph idx="1"/>
+          </p:nvPr>
+        </p:nvSpPr>
+        <p:spPr/>
+        <p:txBody>
+          <a:bodyPr>
+            <a:normAutofit fontScale="70000" lnSpcReduction="20000"/>
+          </a:bodyPr>
+          <a:lstStyle/>
+          <a:p>
+            <a:r>
+              <a:rPr kumimoji="1" lang="ja-JP" altLang="en-US" dirty="0" smtClean="0"/>
+              <a:t>タブの枠のサイズなどが正確でないなので</a:t>
+            </a:r>
+            <a:r>
+              <a:rPr kumimoji="1" lang="en-US" altLang="ja-JP" dirty="0" err="1" smtClean="0"/>
+              <a:t>css</a:t>
+            </a:r>
+            <a:r>
+              <a:rPr lang="ja-JP" altLang="en-US" dirty="0"/>
+              <a:t>を</a:t>
+            </a:r>
+            <a:r>
+              <a:rPr kumimoji="1" lang="ja-JP" altLang="en-US" dirty="0" smtClean="0"/>
+              <a:t>かく</a:t>
+            </a:r>
+            <a:endParaRPr kumimoji="1" lang="en-US" altLang="ja-JP" dirty="0" smtClean="0"/>
+          </a:p>
+          <a:p>
+            <a:r>
+              <a:rPr kumimoji="1" lang="ja-JP" altLang="en-US" dirty="0" smtClean="0"/>
+              <a:t>問題にたいして、正解となるブロックを表示できるようにしたい</a:t>
+            </a:r>
+            <a:endParaRPr kumimoji="1" lang="en-US" altLang="ja-JP" dirty="0" smtClean="0"/>
+          </a:p>
+          <a:p>
+            <a:endParaRPr kumimoji="1" lang="en-US" altLang="ja-JP" dirty="0" smtClean="0"/>
+          </a:p>
+          <a:p>
+            <a:r>
+              <a:rPr lang="en-US" altLang="ja-JP" dirty="0" smtClean="0"/>
+              <a:t>DB</a:t>
+            </a:r>
+            <a:r>
+              <a:rPr lang="ja-JP" altLang="en-US" dirty="0" smtClean="0"/>
+              <a:t>と連携して問題を生成する方法を考えていない</a:t>
+            </a:r>
+            <a:endParaRPr lang="en-US" altLang="ja-JP" dirty="0" smtClean="0"/>
+          </a:p>
+          <a:p>
+            <a:pPr lvl="1"/>
+            <a:r>
+              <a:rPr lang="ja-JP" altLang="en-US" dirty="0" smtClean="0"/>
+              <a:t>まずは問題の解答だけ</a:t>
+            </a:r>
+            <a:r>
+              <a:rPr lang="en-US" altLang="ja-JP" dirty="0" smtClean="0"/>
+              <a:t>DB</a:t>
+            </a:r>
+            <a:r>
+              <a:rPr lang="ja-JP" altLang="en-US" dirty="0" err="1" smtClean="0"/>
+              <a:t>に保</a:t>
+            </a:r>
+            <a:r>
+              <a:rPr lang="ja-JP" altLang="en-US" dirty="0" smtClean="0"/>
+              <a:t>存するなど作成したい</a:t>
+            </a:r>
+            <a:endParaRPr lang="en-US" altLang="ja-JP" dirty="0" smtClean="0"/>
+          </a:p>
+          <a:p>
+            <a:r>
+              <a:rPr lang="ja-JP" altLang="en-US" dirty="0" smtClean="0"/>
+              <a:t>もし連携する場合、どういった情報を</a:t>
+            </a:r>
+            <a:r>
+              <a:rPr lang="en-US" altLang="ja-JP" dirty="0" smtClean="0"/>
+              <a:t>DB</a:t>
+            </a:r>
+            <a:r>
+              <a:rPr lang="ja-JP" altLang="en-US" dirty="0" err="1" smtClean="0"/>
+              <a:t>に保</a:t>
+            </a:r>
+            <a:r>
+              <a:rPr lang="ja-JP" altLang="en-US" dirty="0" smtClean="0"/>
+              <a:t>存するのか</a:t>
+            </a:r>
+            <a:endParaRPr lang="en-US" altLang="ja-JP" dirty="0" smtClean="0"/>
+          </a:p>
+          <a:p>
+            <a:pPr lvl="1"/>
+            <a:r>
+              <a:rPr lang="ja-JP" altLang="en-US" dirty="0" smtClean="0"/>
+              <a:t>問題の解答</a:t>
+            </a:r>
+            <a:endParaRPr lang="en-US" altLang="ja-JP" dirty="0" smtClean="0"/>
+          </a:p>
+          <a:p>
+            <a:pPr lvl="1"/>
+            <a:r>
+              <a:rPr lang="ja-JP" altLang="en-US" dirty="0" smtClean="0"/>
+              <a:t>問題の選択肢</a:t>
+            </a:r>
+            <a:endParaRPr lang="en-US" altLang="ja-JP" dirty="0" smtClean="0"/>
+          </a:p>
+          <a:p>
+            <a:pPr lvl="2"/>
+            <a:r>
+              <a:rPr lang="ja-JP" altLang="en-US" dirty="0" smtClean="0"/>
+              <a:t>事前に決めておくのかどうか</a:t>
+            </a:r>
+            <a:endParaRPr lang="en-US" altLang="ja-JP" dirty="0" smtClean="0"/>
+          </a:p>
+          <a:p>
+            <a:endParaRPr kumimoji="1" lang="en-US" altLang="ja-JP" dirty="0" smtClean="0"/>
+          </a:p>
+          <a:p>
+            <a:r>
+              <a:rPr kumimoji="1" lang="ja-JP" altLang="en-US" dirty="0" smtClean="0"/>
+              <a:t>問題の位置を自動生成する方法を考えていない（これは自動生成せず、事前に指定した場所だけでもいいのか考え中）</a:t>
+            </a:r>
+            <a:endParaRPr kumimoji="1" lang="en-US" altLang="ja-JP" dirty="0" smtClean="0"/>
+          </a:p>
+          <a:p>
+            <a:r>
+              <a:rPr lang="ja-JP" altLang="en-US" dirty="0" smtClean="0"/>
+              <a:t>問題の内容が自動で変更されるようにするのか考え中</a:t>
+            </a:r>
+            <a:endParaRPr kumimoji="1" lang="en-US" altLang="ja-JP" dirty="0" smtClean="0"/>
+          </a:p>
+          <a:p>
+            <a:endParaRPr lang="en-US" altLang="ja-JP" dirty="0"/>
+          </a:p>
+          <a:p>
+            <a:pPr marL="0" indent="0">
+              <a:buNone/>
+            </a:pPr>
+            <a:endParaRPr kumimoji="1" lang="ja-JP" altLang="en-US" dirty="0"/>
+          </a:p>
+        </p:txBody>
+      </p:sp>
+      <p:sp>
+        <p:nvSpPr>
+          <p:cNvPr id="4" name="スライド番号プレースホルダー 3"/>
+          <p:cNvSpPr>
+            <a:spLocks noGrp="1"/>
+          </p:cNvSpPr>
+          <p:nvPr>
+            <p:ph type="sldNum" sz="quarter" idx="12"/>
+          </p:nvPr>
+        </p:nvSpPr>
+        <p:spPr/>
+        <p:txBody>
+          <a:bodyPr/>
+          <a:lstStyle/>
+          <a:p>
+            <a:fld id="{4A32CB03-0843-4AF8-BFB2-C9917854BC7E}" type="slidenum">
+              <a:rPr kumimoji="1" lang="ja-JP" altLang="en-US" smtClean="0"/>
+              <a:t>29</a:t>
+            </a:fld>
+            <a:endParaRPr kumimoji="1" lang="ja-JP" altLang="en-US"/>
+          </a:p>
+        </p:txBody>
+      </p:sp>
+    </p:spTree>
+    <p:extLst>
+      <p:ext uri="{BB962C8B-B14F-4D97-AF65-F5344CB8AC3E}">
+        <p14:creationId xmlns:p14="http://schemas.microsoft.com/office/powerpoint/2010/main" val="3804189039"/>
+      </p:ext>
+    </p:extLst>
+  </p:cSld>
+  <p:clrMapOvr>
+    <a:masterClrMapping/>
+  </p:clrMapOvr>
+</p:sld>
+</file>
+
+<file path=ppt/slides/slide3.xml><?xml version="1.0" encoding="utf-8"?>
+<p:sld xmlns:a="http://schemas.openxmlformats.org/drawingml/2006/main" xmlns:r="http://schemas.openxmlformats.org/officeDocument/2006/relationships" xmlns:p="http://schemas.openxmlformats.org/presentationml/2006/main">
+  <p:cSld>
+    <p:spTree>
+      <p:nvGrpSpPr>
+        <p:cNvPr id="1" name=""/>
+        <p:cNvGrpSpPr/>
+        <p:nvPr/>
+      </p:nvGrpSpPr>
+      <p:grpSpPr>
+        <a:xfrm>
+          <a:off x="0" y="0"/>
+          <a:ext cx="0" cy="0"/>
+          <a:chOff x="0" y="0"/>
+          <a:chExt cx="0" cy="0"/>
+        </a:xfrm>
+      </p:grpSpPr>
+      <p:sp>
+        <p:nvSpPr>
+          <p:cNvPr id="2" name="タイトル 1"/>
+          <p:cNvSpPr>
+            <a:spLocks noGrp="1"/>
+          </p:cNvSpPr>
+          <p:nvPr>
+            <p:ph type="title"/>
+          </p:nvPr>
+        </p:nvSpPr>
+        <p:spPr/>
+        <p:txBody>
+          <a:bodyPr/>
+          <a:lstStyle/>
+          <a:p>
+            <a:r>
+              <a:rPr kumimoji="1" lang="ja-JP" altLang="en-US" dirty="0" smtClean="0"/>
+              <a:t>研究背景</a:t>
+            </a:r>
+            <a:endParaRPr kumimoji="1" lang="ja-JP" altLang="en-US" dirty="0"/>
+          </a:p>
+        </p:txBody>
+      </p:sp>
+      <p:sp>
+        <p:nvSpPr>
+          <p:cNvPr id="3" name="コンテンツ プレースホルダー 2"/>
+          <p:cNvSpPr>
+            <a:spLocks noGrp="1"/>
+          </p:cNvSpPr>
+          <p:nvPr>
+            <p:ph idx="1"/>
+          </p:nvPr>
+        </p:nvSpPr>
+        <p:spPr/>
+        <p:txBody>
+          <a:bodyPr/>
+          <a:lstStyle/>
+          <a:p>
+            <a:pPr algn="just"/>
+            <a:r>
+              <a:rPr lang="en-US" altLang="ja-JP" dirty="0"/>
+              <a:t>2020</a:t>
+            </a:r>
+            <a:r>
+              <a:rPr lang="ja-JP" altLang="en-US" dirty="0"/>
+              <a:t>年以降小学校，中学校，高等学校にてプログラミング教育の必修が全面実施される．</a:t>
+            </a:r>
+            <a:endParaRPr lang="en-US" altLang="ja-JP" dirty="0"/>
+          </a:p>
+          <a:p>
+            <a:pPr algn="just"/>
+            <a:r>
+              <a:rPr lang="ja-JP" altLang="en-US" dirty="0"/>
+              <a:t>文部科学省の発表によると，プログラミング教育を必修とする目的は，現代社会で普遍的に求められる力としての論理的思考などを育むことである．</a:t>
+            </a:r>
+            <a:endParaRPr lang="en-US" altLang="ja-JP" dirty="0"/>
+          </a:p>
+          <a:p>
+            <a:pPr algn="just"/>
+            <a:r>
+              <a:rPr lang="ja-JP" altLang="en-US" dirty="0"/>
+              <a:t>論理的思考とは，「思考や論証の組み立て，思考の妥当性が保証される法則や形式」に則って思考を組み立てることとする．</a:t>
+            </a:r>
+            <a:endParaRPr lang="en-US" altLang="ja-JP" dirty="0"/>
+          </a:p>
+        </p:txBody>
+      </p:sp>
+      <p:sp>
+        <p:nvSpPr>
+          <p:cNvPr id="4" name="スライド番号プレースホルダー 3"/>
+          <p:cNvSpPr>
+            <a:spLocks noGrp="1"/>
+          </p:cNvSpPr>
+          <p:nvPr>
+            <p:ph type="sldNum" sz="quarter" idx="12"/>
+          </p:nvPr>
+        </p:nvSpPr>
+        <p:spPr/>
+        <p:txBody>
+          <a:bodyPr/>
+          <a:lstStyle/>
+          <a:p>
+            <a:fld id="{4A32CB03-0843-4AF8-BFB2-C9917854BC7E}" type="slidenum">
+              <a:rPr kumimoji="1" lang="ja-JP" altLang="en-US" sz="2800" smtClean="0"/>
+              <a:t>3</a:t>
+            </a:fld>
+            <a:endParaRPr kumimoji="1" lang="ja-JP" altLang="en-US" sz="2800" dirty="0"/>
+          </a:p>
+        </p:txBody>
+      </p:sp>
+    </p:spTree>
+    <p:extLst>
+      <p:ext uri="{BB962C8B-B14F-4D97-AF65-F5344CB8AC3E}">
+        <p14:creationId xmlns:p14="http://schemas.microsoft.com/office/powerpoint/2010/main" val="1938097084"/>
+      </p:ext>
+    </p:extLst>
+  </p:cSld>
+  <p:clrMapOvr>
+    <a:masterClrMapping/>
+  </p:clrMapOvr>
+  <p:timing>
+    <p:tnLst>
+      <p:par>
+        <p:cTn id="1" dur="indefinite" restart="never" nodeType="tmRoot"/>
+      </p:par>
+    </p:tnLst>
+  </p:timing>
+</p:sld>
+</file>
+
+<file path=ppt/slides/slide4.xml><?xml version="1.0" encoding="utf-8"?>
+<p:sld xmlns:a="http://schemas.openxmlformats.org/drawingml/2006/main" xmlns:r="http://schemas.openxmlformats.org/officeDocument/2006/relationships" xmlns:p="http://schemas.openxmlformats.org/presentationml/2006/main">
+  <p:cSld>
+    <p:spTree>
+      <p:nvGrpSpPr>
+        <p:cNvPr id="1" name=""/>
+        <p:cNvGrpSpPr/>
+        <p:nvPr/>
+      </p:nvGrpSpPr>
+      <p:grpSpPr>
+        <a:xfrm>
+          <a:off x="0" y="0"/>
+          <a:ext cx="0" cy="0"/>
+          <a:chOff x="0" y="0"/>
+          <a:chExt cx="0" cy="0"/>
+        </a:xfrm>
+      </p:grpSpPr>
+      <p:sp>
+        <p:nvSpPr>
+          <p:cNvPr id="2" name="タイトル 1"/>
+          <p:cNvSpPr>
+            <a:spLocks noGrp="1"/>
+          </p:cNvSpPr>
+          <p:nvPr>
+            <p:ph type="title"/>
+          </p:nvPr>
+        </p:nvSpPr>
+        <p:spPr/>
+        <p:txBody>
+          <a:bodyPr/>
+          <a:lstStyle/>
+          <a:p>
+            <a:r>
+              <a:rPr kumimoji="1" lang="ja-JP" altLang="en-US" dirty="0" smtClean="0"/>
+              <a:t>提案内容</a:t>
+            </a:r>
+            <a:endParaRPr kumimoji="1" lang="ja-JP" altLang="en-US" dirty="0"/>
+          </a:p>
+        </p:txBody>
+      </p:sp>
+      <p:sp>
+        <p:nvSpPr>
+          <p:cNvPr id="3" name="コンテンツ プレースホルダー 2"/>
+          <p:cNvSpPr>
+            <a:spLocks noGrp="1"/>
+          </p:cNvSpPr>
+          <p:nvPr>
+            <p:ph idx="1"/>
+          </p:nvPr>
+        </p:nvSpPr>
+        <p:spPr/>
+        <p:txBody>
+          <a:bodyPr>
+            <a:normAutofit/>
+          </a:bodyPr>
+          <a:lstStyle/>
+          <a:p>
+            <a:r>
+              <a:rPr lang="ja-JP" altLang="en-US" dirty="0"/>
+              <a:t>直観的に理解のしやすいブロックプログラミングにより、プログラミングの論理的思考を身に</a:t>
+            </a:r>
+            <a:r>
+              <a:rPr lang="ja-JP" altLang="en-US" dirty="0" smtClean="0"/>
+              <a:t>着けられるシステムを提案する</a:t>
+            </a:r>
+            <a:endParaRPr lang="en-US" altLang="ja-JP" dirty="0" smtClean="0"/>
+          </a:p>
+          <a:p>
+            <a:r>
+              <a:rPr lang="ja-JP" altLang="en-US" dirty="0" smtClean="0"/>
+              <a:t>ブロックプログラミングからブロックリーによるコードへの変換を利用し、プログラミング言語への理解を深められるシステムを提案</a:t>
+            </a:r>
+            <a:endParaRPr lang="en-US" altLang="ja-JP" dirty="0" smtClean="0"/>
+          </a:p>
+          <a:p>
+            <a:r>
+              <a:rPr lang="ja-JP" altLang="en-US" dirty="0"/>
+              <a:t>穴埋め</a:t>
+            </a:r>
+            <a:r>
+              <a:rPr lang="ja-JP" altLang="en-US" dirty="0" smtClean="0"/>
+              <a:t>問題などを利用し、よりプログラミングにユーザが慣れていける環境を提案</a:t>
+            </a:r>
+            <a:endParaRPr lang="en-US" altLang="ja-JP" dirty="0" smtClean="0"/>
+          </a:p>
+          <a:p>
+            <a:endParaRPr kumimoji="1" lang="en-US" altLang="ja-JP" dirty="0"/>
+          </a:p>
+          <a:p>
+            <a:endParaRPr kumimoji="1" lang="ja-JP" altLang="en-US" dirty="0"/>
+          </a:p>
+        </p:txBody>
+      </p:sp>
+      <p:sp>
+        <p:nvSpPr>
+          <p:cNvPr id="4" name="スライド番号プレースホルダー 3"/>
+          <p:cNvSpPr>
+            <a:spLocks noGrp="1"/>
+          </p:cNvSpPr>
+          <p:nvPr>
+            <p:ph type="sldNum" sz="quarter" idx="12"/>
+          </p:nvPr>
+        </p:nvSpPr>
+        <p:spPr/>
+        <p:txBody>
+          <a:bodyPr/>
+          <a:lstStyle/>
+          <a:p>
+            <a:fld id="{4A32CB03-0843-4AF8-BFB2-C9917854BC7E}" type="slidenum">
+              <a:rPr kumimoji="1" lang="ja-JP" altLang="en-US" sz="2800" smtClean="0"/>
+              <a:t>4</a:t>
+            </a:fld>
+            <a:endParaRPr kumimoji="1" lang="ja-JP" altLang="en-US" sz="2800" dirty="0"/>
+          </a:p>
+        </p:txBody>
+      </p:sp>
+    </p:spTree>
+    <p:extLst>
+      <p:ext uri="{BB962C8B-B14F-4D97-AF65-F5344CB8AC3E}">
+        <p14:creationId xmlns:p14="http://schemas.microsoft.com/office/powerpoint/2010/main" val="354179094"/>
+      </p:ext>
+    </p:extLst>
+  </p:cSld>
+  <p:clrMapOvr>
+    <a:masterClrMapping/>
+  </p:clrMapOvr>
+  <p:timing>
+    <p:tnLst>
+      <p:par>
+        <p:cTn id="1" dur="indefinite" restart="never" nodeType="tmRoot"/>
+      </p:par>
+    </p:tnLst>
+  </p:timing>
+</p:sld>
+</file>
+
+<file path=ppt/slides/slide5.xml><?xml version="1.0" encoding="utf-8"?>
+<p:sld xmlns:a="http://schemas.openxmlformats.org/drawingml/2006/main" xmlns:r="http://schemas.openxmlformats.org/officeDocument/2006/relationships" xmlns:p="http://schemas.openxmlformats.org/presentationml/2006/main">
+  <p:cSld>
+    <p:spTree>
+      <p:nvGrpSpPr>
+        <p:cNvPr id="1" name=""/>
+        <p:cNvGrpSpPr/>
+        <p:nvPr/>
+      </p:nvGrpSpPr>
+      <p:grpSpPr>
+        <a:xfrm>
+          <a:off x="0" y="0"/>
+          <a:ext cx="0" cy="0"/>
+          <a:chOff x="0" y="0"/>
+          <a:chExt cx="0" cy="0"/>
+        </a:xfrm>
+      </p:grpSpPr>
+      <p:sp>
+        <p:nvSpPr>
+          <p:cNvPr id="2" name="タイトル 1"/>
+          <p:cNvSpPr>
+            <a:spLocks noGrp="1"/>
+          </p:cNvSpPr>
+          <p:nvPr>
+            <p:ph type="title"/>
+          </p:nvPr>
+        </p:nvSpPr>
+        <p:spPr/>
+        <p:txBody>
+          <a:bodyPr/>
+          <a:lstStyle/>
+          <a:p>
+            <a:r>
+              <a:rPr kumimoji="1" lang="ja-JP" altLang="en-US" dirty="0" smtClean="0"/>
+              <a:t>研究動機</a:t>
+            </a:r>
+            <a:endParaRPr kumimoji="1" lang="ja-JP" altLang="en-US" dirty="0"/>
+          </a:p>
+        </p:txBody>
+      </p:sp>
+      <p:sp>
+        <p:nvSpPr>
+          <p:cNvPr id="3" name="コンテンツ プレースホルダー 2"/>
+          <p:cNvSpPr>
+            <a:spLocks noGrp="1"/>
+          </p:cNvSpPr>
+          <p:nvPr>
+            <p:ph idx="1"/>
+          </p:nvPr>
+        </p:nvSpPr>
+        <p:spPr/>
+        <p:txBody>
+          <a:bodyPr/>
+          <a:lstStyle/>
+          <a:p>
+            <a:pPr algn="just"/>
+            <a:r>
+              <a:rPr lang="ja-JP" altLang="en-US" dirty="0"/>
+              <a:t>学習者が教科書を読み進めるだけではなく，プログラミングに実際に触れることで，論理的思考を身に着けられる環境を作成したいと考えた．</a:t>
+            </a:r>
+            <a:endParaRPr lang="en-US" altLang="ja-JP" dirty="0"/>
+          </a:p>
+          <a:p>
+            <a:pPr algn="just"/>
+            <a:r>
+              <a:rPr lang="ja-JP" altLang="en-US" dirty="0"/>
+              <a:t>ブロックプログラミングを用いることで，学習の初期段階でプログラム言語の構文への理解が浅い状態でもコードの実行が可能である．</a:t>
+            </a:r>
+            <a:endParaRPr lang="en-US" altLang="ja-JP" dirty="0"/>
+          </a:p>
+          <a:p>
+            <a:pPr algn="just"/>
+            <a:r>
+              <a:rPr lang="en-US" altLang="ja-JP" dirty="0" err="1"/>
+              <a:t>Blockly</a:t>
+            </a:r>
+            <a:r>
+              <a:rPr lang="ja-JP" altLang="en-US" dirty="0"/>
+              <a:t>のコードジェネレート機能を用いることで，プログラムの構文への理解につながる．</a:t>
+            </a:r>
+            <a:endParaRPr lang="en-US" altLang="ja-JP" dirty="0"/>
+          </a:p>
+          <a:p>
+            <a:endParaRPr lang="en-US" altLang="ja-JP" dirty="0"/>
+          </a:p>
+          <a:p>
+            <a:endParaRPr kumimoji="1" lang="ja-JP" altLang="en-US" dirty="0"/>
+          </a:p>
+        </p:txBody>
+      </p:sp>
+      <p:sp>
+        <p:nvSpPr>
+          <p:cNvPr id="4" name="スライド番号プレースホルダー 3"/>
+          <p:cNvSpPr>
+            <a:spLocks noGrp="1"/>
+          </p:cNvSpPr>
+          <p:nvPr>
+            <p:ph type="sldNum" sz="quarter" idx="12"/>
+          </p:nvPr>
+        </p:nvSpPr>
+        <p:spPr/>
+        <p:txBody>
+          <a:bodyPr/>
+          <a:lstStyle/>
+          <a:p>
+            <a:fld id="{4A32CB03-0843-4AF8-BFB2-C9917854BC7E}" type="slidenum">
+              <a:rPr kumimoji="1" lang="ja-JP" altLang="en-US" sz="2400" smtClean="0"/>
+              <a:t>5</a:t>
+            </a:fld>
+            <a:endParaRPr kumimoji="1" lang="ja-JP" altLang="en-US" sz="2400" dirty="0"/>
+          </a:p>
+        </p:txBody>
+      </p:sp>
+    </p:spTree>
+    <p:extLst>
+      <p:ext uri="{BB962C8B-B14F-4D97-AF65-F5344CB8AC3E}">
+        <p14:creationId xmlns:p14="http://schemas.microsoft.com/office/powerpoint/2010/main" val="1632152331"/>
+      </p:ext>
+    </p:extLst>
+  </p:cSld>
+  <p:clrMapOvr>
+    <a:masterClrMapping/>
+  </p:clrMapOvr>
+  <p:timing>
+    <p:tnLst>
+      <p:par>
+        <p:cTn id="1" dur="indefinite" restart="never" nodeType="tmRoot"/>
+      </p:par>
+    </p:tnLst>
+  </p:timing>
+</p:sld>
+</file>
+
+<file path=ppt/slides/slide6.xml><?xml version="1.0" encoding="utf-8"?>
+<p:sld xmlns:a="http://schemas.openxmlformats.org/drawingml/2006/main" xmlns:r="http://schemas.openxmlformats.org/officeDocument/2006/relationships" xmlns:p="http://schemas.openxmlformats.org/presentationml/2006/main">
+  <p:cSld>
+    <p:spTree>
+      <p:nvGrpSpPr>
+        <p:cNvPr id="1" name=""/>
+        <p:cNvGrpSpPr/>
+        <p:nvPr/>
+      </p:nvGrpSpPr>
+      <p:grpSpPr>
+        <a:xfrm>
+          <a:off x="0" y="0"/>
+          <a:ext cx="0" cy="0"/>
+          <a:chOff x="0" y="0"/>
+          <a:chExt cx="0" cy="0"/>
+        </a:xfrm>
+      </p:grpSpPr>
+      <p:sp>
+        <p:nvSpPr>
+          <p:cNvPr id="2" name="タイトル 1"/>
+          <p:cNvSpPr>
+            <a:spLocks noGrp="1"/>
+          </p:cNvSpPr>
+          <p:nvPr>
+            <p:ph type="title"/>
+          </p:nvPr>
+        </p:nvSpPr>
+        <p:spPr/>
+        <p:txBody>
+          <a:bodyPr/>
+          <a:lstStyle/>
+          <a:p>
+            <a:r>
+              <a:rPr kumimoji="1" lang="ja-JP" altLang="en-US" dirty="0" smtClean="0"/>
+              <a:t>研究課題について</a:t>
+            </a:r>
+            <a:endParaRPr kumimoji="1" lang="ja-JP" altLang="en-US" dirty="0"/>
+          </a:p>
+        </p:txBody>
+      </p:sp>
+      <p:sp>
+        <p:nvSpPr>
+          <p:cNvPr id="3" name="コンテンツ プレースホルダー 2"/>
+          <p:cNvSpPr>
+            <a:spLocks noGrp="1"/>
+          </p:cNvSpPr>
+          <p:nvPr>
+            <p:ph idx="1"/>
+          </p:nvPr>
+        </p:nvSpPr>
+        <p:spPr/>
+        <p:txBody>
+          <a:bodyPr>
+            <a:normAutofit/>
+          </a:bodyPr>
+          <a:lstStyle/>
+          <a:p>
+            <a:pPr algn="just"/>
+            <a:r>
+              <a:rPr lang="ja-JP" altLang="en-US" dirty="0"/>
+              <a:t>論理的思考がすでに培われていることを前提として問題が提示される教育環境となっている．</a:t>
+            </a:r>
+            <a:endParaRPr lang="en-US" altLang="ja-JP" dirty="0"/>
+          </a:p>
+          <a:p>
+            <a:pPr lvl="1" algn="just">
+              <a:buFont typeface="Wingdings" panose="05000000000000000000" pitchFamily="2" charset="2"/>
+              <a:buChar char="Ø"/>
+            </a:pPr>
+            <a:r>
+              <a:rPr lang="ja-JP" altLang="en-US" dirty="0"/>
+              <a:t>学習者が論理的な思考をもって問題文を読み取ることができる必要がある．</a:t>
+            </a:r>
+            <a:endParaRPr lang="en-US" altLang="ja-JP" dirty="0"/>
+          </a:p>
+          <a:p>
+            <a:pPr algn="just"/>
+            <a:r>
+              <a:rPr lang="ja-JP" altLang="en-US" dirty="0"/>
+              <a:t>プログラミング言語における構文を理解するには，コーディング経験も重要</a:t>
+            </a:r>
+            <a:endParaRPr lang="en-US" altLang="ja-JP" dirty="0"/>
+          </a:p>
+          <a:p>
+            <a:pPr lvl="1" algn="just">
+              <a:buFont typeface="Wingdings" panose="05000000000000000000" pitchFamily="2" charset="2"/>
+              <a:buChar char="Ø"/>
+            </a:pPr>
+            <a:r>
+              <a:rPr lang="en-US" altLang="ja-JP" dirty="0" err="1"/>
+              <a:t>Blockly</a:t>
+            </a:r>
+            <a:r>
+              <a:rPr lang="ja-JP" altLang="en-US" dirty="0"/>
+              <a:t>によって生成されたコードを見るだけではなく</a:t>
+            </a:r>
+            <a:r>
+              <a:rPr lang="en-US" altLang="ja-JP" dirty="0"/>
+              <a:t>,</a:t>
+            </a:r>
+            <a:r>
+              <a:rPr lang="ja-JP" altLang="en-US" dirty="0"/>
+              <a:t>実際に学習者がコーディングする環境でないと，プログラミング言語の構文への理解の定着にはつながらない．</a:t>
+            </a:r>
+            <a:endParaRPr lang="en-US" altLang="ja-JP" dirty="0"/>
+          </a:p>
+        </p:txBody>
+      </p:sp>
+      <p:sp>
+        <p:nvSpPr>
+          <p:cNvPr id="4" name="スライド番号プレースホルダー 3"/>
+          <p:cNvSpPr>
+            <a:spLocks noGrp="1"/>
+          </p:cNvSpPr>
+          <p:nvPr>
+            <p:ph type="sldNum" sz="quarter" idx="12"/>
+          </p:nvPr>
+        </p:nvSpPr>
+        <p:spPr/>
+        <p:txBody>
+          <a:bodyPr/>
+          <a:lstStyle/>
+          <a:p>
+            <a:fld id="{010A43D1-8C5F-4BB5-96AD-6A66B588192F}" type="slidenum">
+              <a:rPr kumimoji="1" lang="ja-JP" altLang="en-US" sz="2400" smtClean="0"/>
+              <a:t>6</a:t>
+            </a:fld>
+            <a:endParaRPr kumimoji="1" lang="ja-JP" altLang="en-US" sz="2400" dirty="0"/>
+          </a:p>
+        </p:txBody>
+      </p:sp>
+    </p:spTree>
+    <p:extLst>
+      <p:ext uri="{BB962C8B-B14F-4D97-AF65-F5344CB8AC3E}">
+        <p14:creationId xmlns:p14="http://schemas.microsoft.com/office/powerpoint/2010/main" val="4275672017"/>
+      </p:ext>
+    </p:extLst>
+  </p:cSld>
+  <p:clrMapOvr>
+    <a:masterClrMapping/>
+  </p:clrMapOvr>
+  <p:timing>
+    <p:tnLst>
+      <p:par>
+        <p:cTn id="1" dur="indefinite" restart="never" nodeType="tmRoot"/>
+      </p:par>
+    </p:tnLst>
+  </p:timing>
+</p:sld>
+</file>
+
+<file path=ppt/slides/slide7.xml><?xml version="1.0" encoding="utf-8"?>
+<p:sld xmlns:a="http://schemas.openxmlformats.org/drawingml/2006/main" xmlns:r="http://schemas.openxmlformats.org/officeDocument/2006/relationships" xmlns:p="http://schemas.openxmlformats.org/presentationml/2006/main">
+  <p:cSld>
+    <p:spTree>
+      <p:nvGrpSpPr>
+        <p:cNvPr id="1" name=""/>
+        <p:cNvGrpSpPr/>
+        <p:nvPr/>
+      </p:nvGrpSpPr>
+      <p:grpSpPr>
+        <a:xfrm>
+          <a:off x="0" y="0"/>
+          <a:ext cx="0" cy="0"/>
+          <a:chOff x="0" y="0"/>
+          <a:chExt cx="0" cy="0"/>
+        </a:xfrm>
+      </p:grpSpPr>
+      <p:sp>
+        <p:nvSpPr>
+          <p:cNvPr id="2" name="タイトル 1"/>
+          <p:cNvSpPr>
+            <a:spLocks noGrp="1"/>
+          </p:cNvSpPr>
+          <p:nvPr>
+            <p:ph type="title"/>
+          </p:nvPr>
+        </p:nvSpPr>
+        <p:spPr/>
+        <p:txBody>
+          <a:bodyPr/>
+          <a:lstStyle/>
+          <a:p>
+            <a:r>
+              <a:rPr kumimoji="1" lang="ja-JP" altLang="en-US" dirty="0" smtClean="0"/>
+              <a:t>解決すべき課題</a:t>
+            </a:r>
+            <a:endParaRPr kumimoji="1" lang="ja-JP" altLang="en-US" dirty="0"/>
+          </a:p>
+        </p:txBody>
+      </p:sp>
+      <p:sp>
+        <p:nvSpPr>
+          <p:cNvPr id="3" name="コンテンツ プレースホルダー 2"/>
+          <p:cNvSpPr>
+            <a:spLocks noGrp="1"/>
+          </p:cNvSpPr>
+          <p:nvPr>
+            <p:ph idx="1"/>
+          </p:nvPr>
+        </p:nvSpPr>
+        <p:spPr/>
+        <p:txBody>
+          <a:bodyPr/>
+          <a:lstStyle/>
+          <a:p>
+            <a:r>
+              <a:rPr kumimoji="1" lang="ja-JP" altLang="en-US" dirty="0" smtClean="0"/>
+              <a:t>コードを生成する機能は</a:t>
+            </a:r>
+            <a:r>
+              <a:rPr kumimoji="1" lang="en-US" altLang="ja-JP" dirty="0" err="1" smtClean="0"/>
+              <a:t>Blockly</a:t>
+            </a:r>
+            <a:r>
+              <a:rPr kumimoji="1" lang="ja-JP" altLang="en-US" dirty="0" smtClean="0"/>
+              <a:t>サポートされる</a:t>
+            </a:r>
+            <a:endParaRPr kumimoji="1" lang="en-US" altLang="ja-JP" dirty="0" smtClean="0"/>
+          </a:p>
+          <a:p>
+            <a:endParaRPr kumimoji="1" lang="en-US" altLang="ja-JP" dirty="0" smtClean="0"/>
+          </a:p>
+          <a:p>
+            <a:r>
+              <a:rPr lang="ja-JP" altLang="en-US" dirty="0" smtClean="0"/>
+              <a:t>生成されたコードからどのように学習者に提示するのか</a:t>
+            </a:r>
+            <a:endParaRPr lang="en-US" altLang="ja-JP" dirty="0" smtClean="0"/>
+          </a:p>
+          <a:p>
+            <a:r>
+              <a:rPr kumimoji="1" lang="ja-JP" altLang="en-US" dirty="0" smtClean="0"/>
+              <a:t>穴埋め問題の自動生成、選択肢の内容</a:t>
+            </a:r>
+            <a:endParaRPr kumimoji="1" lang="en-US" altLang="ja-JP" dirty="0" smtClean="0"/>
+          </a:p>
+          <a:p>
+            <a:endParaRPr kumimoji="1" lang="en-US" altLang="ja-JP" dirty="0" smtClean="0"/>
+          </a:p>
+          <a:p>
+            <a:endParaRPr kumimoji="1" lang="ja-JP" altLang="en-US" dirty="0"/>
+          </a:p>
+        </p:txBody>
+      </p:sp>
+      <p:sp>
+        <p:nvSpPr>
+          <p:cNvPr id="4" name="スライド番号プレースホルダー 3"/>
+          <p:cNvSpPr>
+            <a:spLocks noGrp="1"/>
+          </p:cNvSpPr>
+          <p:nvPr>
+            <p:ph type="sldNum" sz="quarter" idx="12"/>
+          </p:nvPr>
+        </p:nvSpPr>
+        <p:spPr/>
+        <p:txBody>
+          <a:bodyPr/>
+          <a:lstStyle/>
+          <a:p>
+            <a:fld id="{4A32CB03-0843-4AF8-BFB2-C9917854BC7E}" type="slidenum">
+              <a:rPr kumimoji="1" lang="ja-JP" altLang="en-US" smtClean="0"/>
+              <a:t>7</a:t>
+            </a:fld>
+            <a:endParaRPr kumimoji="1" lang="ja-JP" altLang="en-US"/>
+          </a:p>
+        </p:txBody>
+      </p:sp>
+    </p:spTree>
+    <p:extLst>
+      <p:ext uri="{BB962C8B-B14F-4D97-AF65-F5344CB8AC3E}">
+        <p14:creationId xmlns:p14="http://schemas.microsoft.com/office/powerpoint/2010/main" val="2187274504"/>
+      </p:ext>
+    </p:extLst>
+  </p:cSld>
+  <p:clrMapOvr>
+    <a:masterClrMapping/>
+  </p:clrMapOvr>
+</p:sld>
+</file>
+
+<file path=ppt/slides/slide8.xml><?xml version="1.0" encoding="utf-8"?>
+<p:sld xmlns:a="http://schemas.openxmlformats.org/drawingml/2006/main" xmlns:r="http://schemas.openxmlformats.org/officeDocument/2006/relationships" xmlns:p="http://schemas.openxmlformats.org/presentationml/2006/main">
+  <p:cSld>
+    <p:spTree>
+      <p:nvGrpSpPr>
+        <p:cNvPr id="1" name=""/>
+        <p:cNvGrpSpPr/>
+        <p:nvPr/>
+      </p:nvGrpSpPr>
+      <p:grpSpPr>
+        <a:xfrm>
+          <a:off x="0" y="0"/>
+          <a:ext cx="0" cy="0"/>
+          <a:chOff x="0" y="0"/>
+          <a:chExt cx="0" cy="0"/>
+        </a:xfrm>
+      </p:grpSpPr>
+      <p:sp>
+        <p:nvSpPr>
+          <p:cNvPr id="2" name="タイトル 1"/>
+          <p:cNvSpPr>
+            <a:spLocks noGrp="1"/>
+          </p:cNvSpPr>
+          <p:nvPr>
+            <p:ph type="title"/>
+          </p:nvPr>
+        </p:nvSpPr>
+        <p:spPr/>
+        <p:txBody>
+          <a:bodyPr/>
+          <a:lstStyle/>
+          <a:p>
+            <a:r>
+              <a:rPr kumimoji="1" lang="en-US" altLang="ja-JP" dirty="0" smtClean="0"/>
+              <a:t>Node.js</a:t>
+            </a:r>
+            <a:endParaRPr kumimoji="1" lang="ja-JP" altLang="en-US" dirty="0"/>
+          </a:p>
+        </p:txBody>
+      </p:sp>
+      <p:sp>
+        <p:nvSpPr>
+          <p:cNvPr id="3" name="コンテンツ プレースホルダー 2"/>
+          <p:cNvSpPr>
+            <a:spLocks noGrp="1"/>
+          </p:cNvSpPr>
+          <p:nvPr>
+            <p:ph idx="1"/>
+          </p:nvPr>
+        </p:nvSpPr>
+        <p:spPr/>
+        <p:txBody>
+          <a:bodyPr/>
+          <a:lstStyle/>
+          <a:p>
+            <a:pPr marL="0" indent="0">
+              <a:buNone/>
+            </a:pPr>
+            <a:r>
+              <a:rPr lang="en-US" altLang="ja-JP" dirty="0"/>
+              <a:t>Node.js</a:t>
+            </a:r>
+            <a:r>
+              <a:rPr lang="ja-JP" altLang="en-US" dirty="0"/>
+              <a:t>（ノード・ジェイエス） は</a:t>
+            </a:r>
+            <a:r>
+              <a:rPr lang="en-US" altLang="ja-JP" dirty="0"/>
+              <a:t>V8 JavaScript</a:t>
+            </a:r>
+            <a:r>
+              <a:rPr lang="ja-JP" altLang="en-US" dirty="0"/>
+              <a:t>エンジン上に構築された</a:t>
+            </a:r>
+            <a:r>
+              <a:rPr lang="en-US" altLang="ja-JP" dirty="0"/>
+              <a:t>JavaScript</a:t>
+            </a:r>
+            <a:r>
+              <a:rPr lang="ja-JP" altLang="en-US" dirty="0"/>
+              <a:t>実行環境の</a:t>
+            </a:r>
+            <a:r>
+              <a:rPr lang="en-US" altLang="ja-JP" dirty="0"/>
+              <a:t>1</a:t>
+            </a:r>
+            <a:r>
+              <a:rPr lang="ja-JP" altLang="en-US" dirty="0"/>
+              <a:t>つで</a:t>
+            </a:r>
+            <a:r>
+              <a:rPr lang="ja-JP" altLang="en-US" dirty="0" smtClean="0"/>
+              <a:t>ある。</a:t>
+            </a:r>
+            <a:r>
+              <a:rPr lang="ja-JP" altLang="en-US" dirty="0"/>
+              <a:t>イベント化された入出力を扱うサーバサイド</a:t>
+            </a:r>
+            <a:r>
+              <a:rPr lang="en-US" altLang="ja-JP" dirty="0"/>
+              <a:t>JavaScript</a:t>
+            </a:r>
+            <a:r>
+              <a:rPr lang="ja-JP" altLang="en-US" dirty="0"/>
+              <a:t>環境であり、</a:t>
+            </a:r>
+            <a:r>
+              <a:rPr lang="en-US" altLang="ja-JP" dirty="0"/>
+              <a:t>Web</a:t>
+            </a:r>
+            <a:r>
+              <a:rPr lang="ja-JP" altLang="en-US" dirty="0"/>
+              <a:t>サーバなどのスケーラブルなネットワークプログラムの記述を意図して</a:t>
+            </a:r>
+            <a:r>
+              <a:rPr lang="ja-JP" altLang="en-US" dirty="0" smtClean="0"/>
+              <a:t>いる。</a:t>
+            </a:r>
+            <a:endParaRPr lang="en-US" altLang="ja-JP" dirty="0" smtClean="0"/>
+          </a:p>
+          <a:p>
+            <a:pPr marL="0" indent="0">
+              <a:buNone/>
+            </a:pPr>
+            <a:endParaRPr kumimoji="1" lang="en-US" altLang="ja-JP" dirty="0" smtClean="0"/>
+          </a:p>
+          <a:p>
+            <a:pPr marL="0" indent="0">
+              <a:buNone/>
+            </a:pPr>
+            <a:r>
+              <a:rPr lang="ja-JP" altLang="en-US" dirty="0"/>
+              <a:t>引用</a:t>
+            </a:r>
+            <a:r>
+              <a:rPr lang="ja-JP" altLang="en-US" dirty="0" smtClean="0"/>
+              <a:t>：</a:t>
+            </a:r>
+            <a:endParaRPr kumimoji="1" lang="en-US" altLang="ja-JP" dirty="0"/>
+          </a:p>
+          <a:p>
+            <a:pPr marL="0" indent="0">
+              <a:buNone/>
+            </a:pPr>
+            <a:r>
+              <a:rPr lang="en-US" altLang="ja-JP" dirty="0"/>
+              <a:t>https://ja.wikipedia.org/wiki/Node.js</a:t>
+            </a:r>
+            <a:endParaRPr kumimoji="1" lang="ja-JP" altLang="en-US" dirty="0"/>
+          </a:p>
+        </p:txBody>
+      </p:sp>
+      <p:sp>
+        <p:nvSpPr>
+          <p:cNvPr id="4" name="スライド番号プレースホルダー 3"/>
+          <p:cNvSpPr>
+            <a:spLocks noGrp="1"/>
+          </p:cNvSpPr>
+          <p:nvPr>
+            <p:ph type="sldNum" sz="quarter" idx="12"/>
+          </p:nvPr>
+        </p:nvSpPr>
+        <p:spPr/>
+        <p:txBody>
+          <a:bodyPr/>
+          <a:lstStyle/>
+          <a:p>
+            <a:fld id="{4A32CB03-0843-4AF8-BFB2-C9917854BC7E}" type="slidenum">
+              <a:rPr kumimoji="1" lang="ja-JP" altLang="en-US" smtClean="0"/>
+              <a:t>8</a:t>
+            </a:fld>
+            <a:endParaRPr kumimoji="1" lang="ja-JP" altLang="en-US"/>
+          </a:p>
+        </p:txBody>
+      </p:sp>
+    </p:spTree>
+    <p:extLst>
+      <p:ext uri="{BB962C8B-B14F-4D97-AF65-F5344CB8AC3E}">
+        <p14:creationId xmlns:p14="http://schemas.microsoft.com/office/powerpoint/2010/main" val="4200382121"/>
+      </p:ext>
+    </p:extLst>
+  </p:cSld>
+  <p:clrMapOvr>
+    <a:masterClrMapping/>
+  </p:clrMapOvr>
+  <p:timing>
+    <p:tnLst>
+      <p:par>
+        <p:cTn id="1" dur="indefinite" restart="never" nodeType="tmRoot"/>
+      </p:par>
+    </p:tnLst>
+  </p:timing>
+</p:sld>
+</file>
+
+<file path=ppt/slides/slide9.xml><?xml version="1.0" encoding="utf-8"?>
+<p:sld xmlns:a="http://schemas.openxmlformats.org/drawingml/2006/main" xmlns:r="http://schemas.openxmlformats.org/officeDocument/2006/relationships" xmlns:p="http://schemas.openxmlformats.org/presentationml/2006/main">
+  <p:cSld>
+    <p:spTree>
+      <p:nvGrpSpPr>
+        <p:cNvPr id="1" name=""/>
+        <p:cNvGrpSpPr/>
+        <p:nvPr/>
+      </p:nvGrpSpPr>
+      <p:grpSpPr>
+        <a:xfrm>
+          <a:off x="0" y="0"/>
+          <a:ext cx="0" cy="0"/>
+          <a:chOff x="0" y="0"/>
+          <a:chExt cx="0" cy="0"/>
+        </a:xfrm>
+      </p:grpSpPr>
+      <p:sp>
+        <p:nvSpPr>
+          <p:cNvPr id="2" name="タイトル 1"/>
+          <p:cNvSpPr>
+            <a:spLocks noGrp="1"/>
+          </p:cNvSpPr>
+          <p:nvPr>
+            <p:ph type="title"/>
+          </p:nvPr>
+        </p:nvSpPr>
+        <p:spPr/>
+        <p:txBody>
+          <a:bodyPr/>
+          <a:lstStyle/>
+          <a:p>
+            <a:r>
+              <a:rPr lang="ja-JP" altLang="en-US" dirty="0" smtClean="0"/>
+              <a:t>システム構成図</a:t>
+            </a:r>
+            <a:r>
+              <a:rPr kumimoji="1" lang="ja-JP" altLang="en-US" dirty="0" smtClean="0"/>
+              <a:t>（予想図）</a:t>
+            </a:r>
+            <a:endParaRPr kumimoji="1" lang="ja-JP" altLang="en-US" dirty="0"/>
+          </a:p>
+        </p:txBody>
+      </p:sp>
+      <p:sp>
+        <p:nvSpPr>
+          <p:cNvPr id="3" name="スライド番号プレースホルダー 2"/>
+          <p:cNvSpPr>
+            <a:spLocks noGrp="1"/>
+          </p:cNvSpPr>
+          <p:nvPr>
+            <p:ph type="sldNum" sz="quarter" idx="12"/>
+          </p:nvPr>
+        </p:nvSpPr>
+        <p:spPr/>
+        <p:txBody>
+          <a:bodyPr/>
+          <a:lstStyle/>
+          <a:p>
+            <a:fld id="{4A32CB03-0843-4AF8-BFB2-C9917854BC7E}" type="slidenum">
+              <a:rPr kumimoji="1" lang="ja-JP" altLang="en-US" smtClean="0"/>
+              <a:t>9</a:t>
             </a:fld>
             <a:endParaRPr kumimoji="1" lang="ja-JP" altLang="en-US"/>
           </a:p>
@@ -5252,3742 +9031,13 @@
   <p:clrMapOvr>
     <a:masterClrMapping/>
   </p:clrMapOvr>
-</p:sld>
-</file>
-
-<file path=ppt/slides/slide15.xml><?xml version="1.0" encoding="utf-8"?>
-<p:sld xmlns:a="http://schemas.openxmlformats.org/drawingml/2006/main" xmlns:r="http://schemas.openxmlformats.org/officeDocument/2006/relationships" xmlns:p="http://schemas.openxmlformats.org/presentationml/2006/main">
-  <p:cSld>
-    <p:spTree>
-      <p:nvGrpSpPr>
-        <p:cNvPr id="1" name=""/>
-        <p:cNvGrpSpPr/>
-        <p:nvPr/>
-      </p:nvGrpSpPr>
-      <p:grpSpPr>
-        <a:xfrm>
-          <a:off x="0" y="0"/>
-          <a:ext cx="0" cy="0"/>
-          <a:chOff x="0" y="0"/>
-          <a:chExt cx="0" cy="0"/>
-        </a:xfrm>
-      </p:grpSpPr>
-      <p:sp>
-        <p:nvSpPr>
-          <p:cNvPr id="2" name="タイトル 1"/>
-          <p:cNvSpPr>
-            <a:spLocks noGrp="1"/>
-          </p:cNvSpPr>
-          <p:nvPr>
-            <p:ph type="title"/>
-          </p:nvPr>
-        </p:nvSpPr>
-        <p:spPr/>
-        <p:txBody>
-          <a:bodyPr/>
-          <a:lstStyle/>
-          <a:p>
-            <a:r>
-              <a:rPr lang="en-US" altLang="ja-JP" dirty="0" smtClean="0"/>
-              <a:t>Node.js</a:t>
-            </a:r>
-            <a:r>
-              <a:rPr lang="ja-JP" altLang="en-US" dirty="0" smtClean="0"/>
-              <a:t>について</a:t>
-            </a:r>
-            <a:endParaRPr kumimoji="1" lang="ja-JP" altLang="en-US" dirty="0"/>
-          </a:p>
-        </p:txBody>
-      </p:sp>
-      <p:sp>
-        <p:nvSpPr>
-          <p:cNvPr id="3" name="コンテンツ プレースホルダー 2"/>
-          <p:cNvSpPr>
-            <a:spLocks noGrp="1"/>
-          </p:cNvSpPr>
-          <p:nvPr>
-            <p:ph idx="1"/>
-          </p:nvPr>
-        </p:nvSpPr>
-        <p:spPr/>
-        <p:txBody>
-          <a:bodyPr/>
-          <a:lstStyle/>
-          <a:p>
-            <a:r>
-              <a:rPr kumimoji="1" lang="en-US" altLang="ja-JP" dirty="0" err="1" smtClean="0"/>
-              <a:t>Blockly</a:t>
-            </a:r>
-            <a:r>
-              <a:rPr lang="ja-JP" altLang="en-US" dirty="0"/>
-              <a:t>で</a:t>
-            </a:r>
-            <a:r>
-              <a:rPr lang="ja-JP" altLang="en-US" dirty="0" smtClean="0"/>
-              <a:t>は、</a:t>
-            </a:r>
-            <a:r>
-              <a:rPr kumimoji="1" lang="en-US" altLang="ja-JP" dirty="0" smtClean="0"/>
-              <a:t>Node</a:t>
-            </a:r>
-            <a:r>
-              <a:rPr lang="en-US" altLang="ja-JP" dirty="0" smtClean="0"/>
-              <a:t>.js</a:t>
-            </a:r>
-            <a:r>
-              <a:rPr lang="ja-JP" altLang="en-US" dirty="0" smtClean="0"/>
-              <a:t>を利用してコードの実行をしているように思えたが、実際には</a:t>
-            </a:r>
-            <a:r>
-              <a:rPr lang="en-US" altLang="ja-JP" dirty="0" err="1" smtClean="0"/>
-              <a:t>npm</a:t>
-            </a:r>
-            <a:r>
-              <a:rPr lang="ja-JP" altLang="en-US" dirty="0" smtClean="0"/>
-              <a:t>というパッケージ管理のために利用しているだけで、サーバとして利用しているわけでは</a:t>
-            </a:r>
-            <a:r>
-              <a:rPr lang="ja-JP" altLang="en-US" dirty="0"/>
-              <a:t>ないように</a:t>
-            </a:r>
-            <a:r>
-              <a:rPr lang="ja-JP" altLang="en-US" dirty="0" smtClean="0"/>
-              <a:t>も見える</a:t>
-            </a:r>
-            <a:endParaRPr lang="en-US" altLang="ja-JP" dirty="0" smtClean="0"/>
-          </a:p>
-          <a:p>
-            <a:r>
-              <a:rPr kumimoji="1" lang="ja-JP" altLang="en-US" dirty="0" smtClean="0"/>
-              <a:t>あまり理解できていないため、公式の情報を見直したい</a:t>
-            </a:r>
-            <a:endParaRPr kumimoji="1" lang="ja-JP" altLang="en-US" dirty="0"/>
-          </a:p>
-        </p:txBody>
-      </p:sp>
-      <p:sp>
-        <p:nvSpPr>
-          <p:cNvPr id="4" name="スライド番号プレースホルダー 3"/>
-          <p:cNvSpPr>
-            <a:spLocks noGrp="1"/>
-          </p:cNvSpPr>
-          <p:nvPr>
-            <p:ph type="sldNum" sz="quarter" idx="12"/>
-          </p:nvPr>
-        </p:nvSpPr>
-        <p:spPr/>
-        <p:txBody>
-          <a:bodyPr/>
-          <a:lstStyle/>
-          <a:p>
-            <a:fld id="{4A32CB03-0843-4AF8-BFB2-C9917854BC7E}" type="slidenum">
-              <a:rPr kumimoji="1" lang="ja-JP" altLang="en-US" smtClean="0"/>
-              <a:t>15</a:t>
-            </a:fld>
-            <a:endParaRPr kumimoji="1" lang="ja-JP" altLang="en-US"/>
-          </a:p>
-        </p:txBody>
-      </p:sp>
-    </p:spTree>
-    <p:extLst>
-      <p:ext uri="{BB962C8B-B14F-4D97-AF65-F5344CB8AC3E}">
-        <p14:creationId xmlns:p14="http://schemas.microsoft.com/office/powerpoint/2010/main" val="3535867368"/>
-      </p:ext>
-    </p:extLst>
-  </p:cSld>
-  <p:clrMapOvr>
-    <a:masterClrMapping/>
-  </p:clrMapOvr>
-</p:sld>
-</file>
-
-<file path=ppt/slides/slide16.xml><?xml version="1.0" encoding="utf-8"?>
-<p:sld xmlns:a="http://schemas.openxmlformats.org/drawingml/2006/main" xmlns:r="http://schemas.openxmlformats.org/officeDocument/2006/relationships" xmlns:p="http://schemas.openxmlformats.org/presentationml/2006/main">
-  <p:cSld>
-    <p:spTree>
-      <p:nvGrpSpPr>
-        <p:cNvPr id="1" name=""/>
-        <p:cNvGrpSpPr/>
-        <p:nvPr/>
-      </p:nvGrpSpPr>
-      <p:grpSpPr>
-        <a:xfrm>
-          <a:off x="0" y="0"/>
-          <a:ext cx="0" cy="0"/>
-          <a:chOff x="0" y="0"/>
-          <a:chExt cx="0" cy="0"/>
-        </a:xfrm>
-      </p:grpSpPr>
-      <p:sp>
-        <p:nvSpPr>
-          <p:cNvPr id="2" name="タイトル 1"/>
-          <p:cNvSpPr>
-            <a:spLocks noGrp="1"/>
-          </p:cNvSpPr>
-          <p:nvPr>
-            <p:ph type="title"/>
-          </p:nvPr>
-        </p:nvSpPr>
-        <p:spPr/>
-        <p:txBody>
-          <a:bodyPr/>
-          <a:lstStyle/>
-          <a:p>
-            <a:r>
-              <a:rPr lang="en-US" altLang="ja-JP" dirty="0" err="1" smtClean="0"/>
-              <a:t>Node_modules</a:t>
-            </a:r>
-            <a:r>
-              <a:rPr lang="en-US" altLang="ja-JP" dirty="0" smtClean="0"/>
-              <a:t> install</a:t>
-            </a:r>
-            <a:endParaRPr kumimoji="1" lang="ja-JP" altLang="en-US" dirty="0"/>
-          </a:p>
-        </p:txBody>
-      </p:sp>
-      <p:sp>
-        <p:nvSpPr>
-          <p:cNvPr id="3" name="コンテンツ プレースホルダー 2"/>
-          <p:cNvSpPr>
-            <a:spLocks noGrp="1"/>
-          </p:cNvSpPr>
-          <p:nvPr>
-            <p:ph idx="1"/>
-          </p:nvPr>
-        </p:nvSpPr>
-        <p:spPr/>
-        <p:txBody>
-          <a:bodyPr/>
-          <a:lstStyle/>
-          <a:p>
-            <a:r>
-              <a:rPr lang="en-US" altLang="ja-JP" dirty="0" err="1" smtClean="0"/>
-              <a:t>Blockly</a:t>
-            </a:r>
-            <a:r>
-              <a:rPr lang="ja-JP" altLang="en-US" dirty="0" smtClean="0"/>
-              <a:t>公式によって用意されているモジュールのインストール</a:t>
-            </a:r>
-            <a:endParaRPr lang="en-US" altLang="ja-JP" dirty="0" smtClean="0"/>
-          </a:p>
-          <a:p>
-            <a:r>
-              <a:rPr kumimoji="1" lang="ja-JP" altLang="en-US" dirty="0" smtClean="0"/>
-              <a:t>方法：</a:t>
-            </a:r>
-            <a:r>
-              <a:rPr lang="ja-JP" altLang="en-US" dirty="0" smtClean="0"/>
-              <a:t>コマンドプロンプトにて</a:t>
-            </a:r>
-            <a:r>
-              <a:rPr kumimoji="1" lang="ja-JP" altLang="en-US" dirty="0" smtClean="0"/>
-              <a:t>実行したい</a:t>
-            </a:r>
-            <a:r>
-              <a:rPr kumimoji="1" lang="en-US" altLang="ja-JP" dirty="0" smtClean="0"/>
-              <a:t>JSON</a:t>
-            </a:r>
-            <a:r>
-              <a:rPr kumimoji="1" lang="ja-JP" altLang="en-US" dirty="0" smtClean="0"/>
-              <a:t>ファイルの場所に移動して</a:t>
-            </a:r>
-            <a:r>
-              <a:rPr kumimoji="1" lang="en-US" altLang="ja-JP" dirty="0" err="1" smtClean="0"/>
-              <a:t>npm</a:t>
-            </a:r>
-            <a:r>
-              <a:rPr kumimoji="1" lang="en-US" altLang="ja-JP" dirty="0" smtClean="0"/>
-              <a:t> install</a:t>
-            </a:r>
-            <a:r>
-              <a:rPr kumimoji="1" lang="ja-JP" altLang="en-US" dirty="0" smtClean="0"/>
-              <a:t>を実行</a:t>
-            </a:r>
-            <a:endParaRPr kumimoji="1" lang="en-US" altLang="ja-JP" dirty="0" smtClean="0"/>
-          </a:p>
-          <a:p>
-            <a:pPr marL="0" indent="0">
-              <a:buNone/>
-            </a:pPr>
-            <a:endParaRPr lang="en-US" altLang="ja-JP" dirty="0"/>
-          </a:p>
-        </p:txBody>
-      </p:sp>
-      <p:sp>
-        <p:nvSpPr>
-          <p:cNvPr id="4" name="スライド番号プレースホルダー 3"/>
-          <p:cNvSpPr>
-            <a:spLocks noGrp="1"/>
-          </p:cNvSpPr>
-          <p:nvPr>
-            <p:ph type="sldNum" sz="quarter" idx="12"/>
-          </p:nvPr>
-        </p:nvSpPr>
-        <p:spPr/>
-        <p:txBody>
-          <a:bodyPr/>
-          <a:lstStyle/>
-          <a:p>
-            <a:fld id="{4A32CB03-0843-4AF8-BFB2-C9917854BC7E}" type="slidenum">
-              <a:rPr kumimoji="1" lang="ja-JP" altLang="en-US" sz="2800" smtClean="0"/>
-              <a:t>16</a:t>
-            </a:fld>
-            <a:endParaRPr kumimoji="1" lang="ja-JP" altLang="en-US" sz="2800" dirty="0"/>
-          </a:p>
-        </p:txBody>
-      </p:sp>
-    </p:spTree>
-    <p:extLst>
-      <p:ext uri="{BB962C8B-B14F-4D97-AF65-F5344CB8AC3E}">
-        <p14:creationId xmlns:p14="http://schemas.microsoft.com/office/powerpoint/2010/main" val="2182324898"/>
-      </p:ext>
-    </p:extLst>
-  </p:cSld>
-  <p:clrMapOvr>
-    <a:masterClrMapping/>
-  </p:clrMapOvr>
-</p:sld>
-</file>
-
-<file path=ppt/slides/slide17.xml><?xml version="1.0" encoding="utf-8"?>
-<p:sld xmlns:a="http://schemas.openxmlformats.org/drawingml/2006/main" xmlns:r="http://schemas.openxmlformats.org/officeDocument/2006/relationships" xmlns:p="http://schemas.openxmlformats.org/presentationml/2006/main">
-  <p:cSld>
-    <p:spTree>
-      <p:nvGrpSpPr>
-        <p:cNvPr id="1" name=""/>
-        <p:cNvGrpSpPr/>
-        <p:nvPr/>
-      </p:nvGrpSpPr>
-      <p:grpSpPr>
-        <a:xfrm>
-          <a:off x="0" y="0"/>
-          <a:ext cx="0" cy="0"/>
-          <a:chOff x="0" y="0"/>
-          <a:chExt cx="0" cy="0"/>
-        </a:xfrm>
-      </p:grpSpPr>
-      <p:sp>
-        <p:nvSpPr>
-          <p:cNvPr id="2" name="タイトル 1"/>
-          <p:cNvSpPr>
-            <a:spLocks noGrp="1"/>
-          </p:cNvSpPr>
-          <p:nvPr>
-            <p:ph type="title"/>
-          </p:nvPr>
-        </p:nvSpPr>
-        <p:spPr/>
-        <p:txBody>
-          <a:bodyPr/>
-          <a:lstStyle/>
-          <a:p>
-            <a:r>
-              <a:rPr lang="en-US" altLang="ja-JP" dirty="0" err="1"/>
-              <a:t>Node_modules</a:t>
-            </a:r>
-            <a:r>
-              <a:rPr lang="en-US" altLang="ja-JP" dirty="0"/>
-              <a:t> install</a:t>
-            </a:r>
-            <a:endParaRPr kumimoji="1" lang="ja-JP" altLang="en-US" dirty="0"/>
-          </a:p>
-        </p:txBody>
-      </p:sp>
-      <p:sp>
-        <p:nvSpPr>
-          <p:cNvPr id="4" name="スライド番号プレースホルダー 3"/>
-          <p:cNvSpPr>
-            <a:spLocks noGrp="1"/>
-          </p:cNvSpPr>
-          <p:nvPr>
-            <p:ph type="sldNum" sz="quarter" idx="12"/>
-          </p:nvPr>
-        </p:nvSpPr>
-        <p:spPr/>
-        <p:txBody>
-          <a:bodyPr/>
-          <a:lstStyle/>
-          <a:p>
-            <a:fld id="{4A32CB03-0843-4AF8-BFB2-C9917854BC7E}" type="slidenum">
-              <a:rPr kumimoji="1" lang="ja-JP" altLang="en-US" smtClean="0"/>
-              <a:t>17</a:t>
-            </a:fld>
-            <a:endParaRPr kumimoji="1" lang="ja-JP" altLang="en-US"/>
-          </a:p>
-        </p:txBody>
-      </p:sp>
-      <p:pic>
-        <p:nvPicPr>
-          <p:cNvPr id="5" name="図 4"/>
-          <p:cNvPicPr>
-            <a:picLocks noChangeAspect="1"/>
-          </p:cNvPicPr>
-          <p:nvPr/>
-        </p:nvPicPr>
-        <p:blipFill>
-          <a:blip r:embed="rId2"/>
-          <a:stretch>
-            <a:fillRect/>
-          </a:stretch>
-        </p:blipFill>
-        <p:spPr>
-          <a:xfrm>
-            <a:off x="628650" y="2176758"/>
-            <a:ext cx="7970195" cy="2031100"/>
-          </a:xfrm>
-          <a:prstGeom prst="rect">
-            <a:avLst/>
-          </a:prstGeom>
-        </p:spPr>
-      </p:pic>
-    </p:spTree>
-    <p:extLst>
-      <p:ext uri="{BB962C8B-B14F-4D97-AF65-F5344CB8AC3E}">
-        <p14:creationId xmlns:p14="http://schemas.microsoft.com/office/powerpoint/2010/main" val="2400612885"/>
-      </p:ext>
-    </p:extLst>
-  </p:cSld>
-  <p:clrMapOvr>
-    <a:masterClrMapping/>
-  </p:clrMapOvr>
-</p:sld>
-</file>
-
-<file path=ppt/slides/slide18.xml><?xml version="1.0" encoding="utf-8"?>
-<p:sld xmlns:a="http://schemas.openxmlformats.org/drawingml/2006/main" xmlns:r="http://schemas.openxmlformats.org/officeDocument/2006/relationships" xmlns:p="http://schemas.openxmlformats.org/presentationml/2006/main">
-  <p:cSld>
-    <p:spTree>
-      <p:nvGrpSpPr>
-        <p:cNvPr id="1" name=""/>
-        <p:cNvGrpSpPr/>
-        <p:nvPr/>
-      </p:nvGrpSpPr>
-      <p:grpSpPr>
-        <a:xfrm>
-          <a:off x="0" y="0"/>
-          <a:ext cx="0" cy="0"/>
-          <a:chOff x="0" y="0"/>
-          <a:chExt cx="0" cy="0"/>
-        </a:xfrm>
-      </p:grpSpPr>
-      <p:sp>
-        <p:nvSpPr>
-          <p:cNvPr id="2" name="タイトル 1"/>
-          <p:cNvSpPr>
-            <a:spLocks noGrp="1"/>
-          </p:cNvSpPr>
-          <p:nvPr>
-            <p:ph type="title"/>
-          </p:nvPr>
-        </p:nvSpPr>
-        <p:spPr/>
-        <p:txBody>
-          <a:bodyPr/>
-          <a:lstStyle/>
-          <a:p>
-            <a:r>
-              <a:rPr kumimoji="1" lang="en-US" altLang="ja-JP" dirty="0" smtClean="0"/>
-              <a:t>Generator</a:t>
-            </a:r>
-            <a:endParaRPr kumimoji="1" lang="ja-JP" altLang="en-US" dirty="0"/>
-          </a:p>
-        </p:txBody>
-      </p:sp>
-      <p:sp>
-        <p:nvSpPr>
-          <p:cNvPr id="3" name="コンテンツ プレースホルダー 2"/>
-          <p:cNvSpPr>
-            <a:spLocks noGrp="1"/>
-          </p:cNvSpPr>
-          <p:nvPr>
-            <p:ph idx="1"/>
-          </p:nvPr>
-        </p:nvSpPr>
-        <p:spPr/>
-        <p:txBody>
-          <a:bodyPr/>
-          <a:lstStyle/>
-          <a:p>
-            <a:r>
-              <a:rPr kumimoji="1" lang="ja-JP" altLang="en-US" dirty="0" smtClean="0"/>
-              <a:t>ブロックからコードに変換するための生成器</a:t>
-            </a:r>
-            <a:endParaRPr lang="en-US" altLang="ja-JP" dirty="0"/>
-          </a:p>
-          <a:p>
-            <a:r>
-              <a:rPr lang="en-US" altLang="ja-JP" dirty="0" err="1" smtClean="0"/>
-              <a:t>Blockly</a:t>
-            </a:r>
-            <a:r>
-              <a:rPr lang="ja-JP" altLang="en-US" dirty="0" smtClean="0"/>
-              <a:t>で利用できる言語</a:t>
-            </a:r>
-            <a:endParaRPr lang="en-US" altLang="ja-JP" dirty="0" smtClean="0"/>
-          </a:p>
-          <a:p>
-            <a:pPr lvl="1"/>
-            <a:r>
-              <a:rPr kumimoji="1" lang="en-US" altLang="ja-JP" dirty="0" smtClean="0"/>
-              <a:t>JavaScript</a:t>
-            </a:r>
-          </a:p>
-          <a:p>
-            <a:pPr lvl="1"/>
-            <a:r>
-              <a:rPr lang="en-US" altLang="ja-JP" dirty="0" smtClean="0"/>
-              <a:t>Python</a:t>
-            </a:r>
-          </a:p>
-          <a:p>
-            <a:pPr lvl="1"/>
-            <a:r>
-              <a:rPr kumimoji="1" lang="en-US" altLang="ja-JP" dirty="0" smtClean="0"/>
-              <a:t>PHP</a:t>
-            </a:r>
-          </a:p>
-          <a:p>
-            <a:pPr lvl="1"/>
-            <a:r>
-              <a:rPr lang="en-US" altLang="ja-JP" dirty="0" err="1" smtClean="0"/>
-              <a:t>Lua</a:t>
-            </a:r>
-            <a:endParaRPr lang="en-US" altLang="ja-JP" dirty="0" smtClean="0"/>
-          </a:p>
-          <a:p>
-            <a:pPr lvl="1"/>
-            <a:r>
-              <a:rPr kumimoji="1" lang="en-US" altLang="ja-JP" dirty="0" smtClean="0"/>
-              <a:t>Dart</a:t>
-            </a:r>
-          </a:p>
-          <a:p>
-            <a:pPr marL="457200" lvl="1" indent="0">
-              <a:buNone/>
-            </a:pPr>
-            <a:endParaRPr kumimoji="1" lang="en-US" altLang="ja-JP" dirty="0" smtClean="0"/>
-          </a:p>
-        </p:txBody>
-      </p:sp>
-      <p:sp>
-        <p:nvSpPr>
-          <p:cNvPr id="4" name="スライド番号プレースホルダー 3"/>
-          <p:cNvSpPr>
-            <a:spLocks noGrp="1"/>
-          </p:cNvSpPr>
-          <p:nvPr>
-            <p:ph type="sldNum" sz="quarter" idx="12"/>
-          </p:nvPr>
-        </p:nvSpPr>
-        <p:spPr/>
-        <p:txBody>
-          <a:bodyPr/>
-          <a:lstStyle/>
-          <a:p>
-            <a:fld id="{4A32CB03-0843-4AF8-BFB2-C9917854BC7E}" type="slidenum">
-              <a:rPr kumimoji="1" lang="ja-JP" altLang="en-US" smtClean="0"/>
-              <a:t>18</a:t>
-            </a:fld>
-            <a:endParaRPr kumimoji="1" lang="ja-JP" altLang="en-US"/>
-          </a:p>
-        </p:txBody>
-      </p:sp>
-    </p:spTree>
-    <p:extLst>
-      <p:ext uri="{BB962C8B-B14F-4D97-AF65-F5344CB8AC3E}">
-        <p14:creationId xmlns:p14="http://schemas.microsoft.com/office/powerpoint/2010/main" val="559910476"/>
-      </p:ext>
-    </p:extLst>
-  </p:cSld>
-  <p:clrMapOvr>
-    <a:masterClrMapping/>
-  </p:clrMapOvr>
-</p:sld>
-</file>
-
-<file path=ppt/slides/slide19.xml><?xml version="1.0" encoding="utf-8"?>
-<p:sld xmlns:a="http://schemas.openxmlformats.org/drawingml/2006/main" xmlns:r="http://schemas.openxmlformats.org/officeDocument/2006/relationships" xmlns:p="http://schemas.openxmlformats.org/presentationml/2006/main">
-  <p:cSld>
-    <p:spTree>
-      <p:nvGrpSpPr>
-        <p:cNvPr id="1" name=""/>
-        <p:cNvGrpSpPr/>
-        <p:nvPr/>
-      </p:nvGrpSpPr>
-      <p:grpSpPr>
-        <a:xfrm>
-          <a:off x="0" y="0"/>
-          <a:ext cx="0" cy="0"/>
-          <a:chOff x="0" y="0"/>
-          <a:chExt cx="0" cy="0"/>
-        </a:xfrm>
-      </p:grpSpPr>
-      <p:sp>
-        <p:nvSpPr>
-          <p:cNvPr id="2" name="タイトル 1"/>
-          <p:cNvSpPr>
-            <a:spLocks noGrp="1"/>
-          </p:cNvSpPr>
-          <p:nvPr>
-            <p:ph type="title"/>
-          </p:nvPr>
-        </p:nvSpPr>
-        <p:spPr>
-          <a:xfrm>
-            <a:off x="644834" y="365126"/>
-            <a:ext cx="7886700" cy="1325563"/>
-          </a:xfrm>
-        </p:spPr>
-        <p:txBody>
-          <a:bodyPr/>
-          <a:lstStyle/>
-          <a:p>
-            <a:r>
-              <a:rPr kumimoji="1" lang="en-US" altLang="ja-JP" dirty="0" err="1" smtClean="0"/>
-              <a:t>Lua</a:t>
-            </a:r>
-            <a:endParaRPr kumimoji="1" lang="ja-JP" altLang="en-US" dirty="0"/>
-          </a:p>
-        </p:txBody>
-      </p:sp>
-      <p:sp>
-        <p:nvSpPr>
-          <p:cNvPr id="3" name="コンテンツ プレースホルダー 2"/>
-          <p:cNvSpPr>
-            <a:spLocks noGrp="1"/>
-          </p:cNvSpPr>
-          <p:nvPr>
-            <p:ph idx="1"/>
-          </p:nvPr>
-        </p:nvSpPr>
-        <p:spPr/>
-        <p:txBody>
-          <a:bodyPr>
-            <a:normAutofit fontScale="70000" lnSpcReduction="20000"/>
-          </a:bodyPr>
-          <a:lstStyle/>
-          <a:p>
-            <a:pPr marL="0" indent="0">
-              <a:buNone/>
-            </a:pPr>
-            <a:r>
-              <a:rPr lang="en-US" altLang="ja-JP" dirty="0" err="1"/>
-              <a:t>Lua</a:t>
-            </a:r>
-            <a:r>
-              <a:rPr lang="ja-JP" altLang="en-US" dirty="0"/>
-              <a:t>（ルア）はスクリプト言語およびその処理系の実装で、主にリオデジャネイロ・カトリカ大学（英語版）のコンピュータ科学科 </a:t>
-            </a:r>
-            <a:r>
-              <a:rPr lang="en-US" altLang="ja-JP" dirty="0"/>
-              <a:t>(Department of Computer Science) </a:t>
-            </a:r>
-            <a:r>
-              <a:rPr lang="ja-JP" altLang="en-US" dirty="0"/>
-              <a:t>および</a:t>
-            </a:r>
-            <a:r>
-              <a:rPr lang="en-US" altLang="ja-JP" dirty="0"/>
-              <a:t>/</a:t>
-            </a:r>
-            <a:r>
-              <a:rPr lang="ja-JP" altLang="en-US" dirty="0"/>
-              <a:t>または同大学附属研究所の</a:t>
-            </a:r>
-            <a:r>
-              <a:rPr lang="en-US" altLang="ja-JP" dirty="0" err="1" smtClean="0"/>
-              <a:t>Tecgraf</a:t>
-            </a:r>
-            <a:r>
-              <a:rPr lang="en-US" altLang="ja-JP" dirty="0" smtClean="0"/>
-              <a:t>/PUC-Rio</a:t>
-            </a:r>
-            <a:r>
-              <a:rPr lang="ja-JP" altLang="en-US" dirty="0" smtClean="0"/>
-              <a:t>に</a:t>
-            </a:r>
-            <a:r>
-              <a:rPr lang="ja-JP" altLang="en-US" dirty="0"/>
-              <a:t>所属する、</a:t>
-            </a:r>
-            <a:r>
-              <a:rPr lang="en-US" altLang="ja-JP" dirty="0"/>
-              <a:t>Roberto </a:t>
-            </a:r>
-            <a:r>
-              <a:rPr lang="en-US" altLang="ja-JP" dirty="0" err="1"/>
-              <a:t>Ierusalimschy</a:t>
-            </a:r>
-            <a:r>
-              <a:rPr lang="ja-JP" altLang="en-US" dirty="0" err="1"/>
-              <a:t>、</a:t>
-            </a:r>
-            <a:r>
-              <a:rPr lang="en-US" altLang="ja-JP" dirty="0" err="1"/>
-              <a:t>Waldemar</a:t>
-            </a:r>
-            <a:r>
-              <a:rPr lang="en-US" altLang="ja-JP" dirty="0"/>
-              <a:t> </a:t>
-            </a:r>
-            <a:r>
-              <a:rPr lang="en-US" altLang="ja-JP" dirty="0" err="1" smtClean="0"/>
-              <a:t>Celes</a:t>
-            </a:r>
-            <a:r>
-              <a:rPr lang="ja-JP" altLang="en-US" dirty="0" err="1" smtClean="0"/>
-              <a:t>、</a:t>
-            </a:r>
-            <a:r>
-              <a:rPr lang="en-US" altLang="ja-JP" dirty="0"/>
-              <a:t>Luiz Henrique de </a:t>
-            </a:r>
-            <a:r>
-              <a:rPr lang="en-US" altLang="ja-JP" dirty="0" err="1" smtClean="0"/>
-              <a:t>Figueiredo</a:t>
-            </a:r>
-            <a:r>
-              <a:rPr lang="ja-JP" altLang="en-US" dirty="0" err="1" smtClean="0"/>
-              <a:t>らに</a:t>
-            </a:r>
-            <a:r>
-              <a:rPr lang="ja-JP" altLang="en-US" dirty="0"/>
-              <a:t>よって設計開発</a:t>
-            </a:r>
-            <a:r>
-              <a:rPr lang="ja-JP" altLang="en-US" dirty="0" smtClean="0"/>
-              <a:t>された。</a:t>
-            </a:r>
-            <a:endParaRPr lang="ja-JP" altLang="en-US" dirty="0"/>
-          </a:p>
-          <a:p>
-            <a:pPr marL="0" indent="0">
-              <a:buNone/>
-            </a:pPr>
-            <a:endParaRPr lang="ja-JP" altLang="en-US" dirty="0"/>
-          </a:p>
-          <a:p>
-            <a:pPr marL="0" indent="0">
-              <a:buNone/>
-            </a:pPr>
-            <a:r>
-              <a:rPr lang="ja-JP" altLang="en-US" dirty="0"/>
-              <a:t>手続き型言語として、またプロトタイプベースのオブジェクト指向言語としても利用することができ、関数型言語、データ駆動型としての要素も併せ持っている。</a:t>
-            </a:r>
-          </a:p>
-          <a:p>
-            <a:pPr marL="0" indent="0">
-              <a:buNone/>
-            </a:pPr>
-            <a:endParaRPr lang="ja-JP" altLang="en-US" dirty="0"/>
-          </a:p>
-          <a:p>
-            <a:pPr marL="0" indent="0">
-              <a:buNone/>
-            </a:pPr>
-            <a:r>
-              <a:rPr lang="en-US" altLang="ja-JP" dirty="0" err="1"/>
-              <a:t>Lua</a:t>
-            </a:r>
-            <a:r>
-              <a:rPr lang="ja-JP" altLang="en-US" dirty="0"/>
-              <a:t>という名前は、ポルトガル語の「月」に由来する</a:t>
-            </a:r>
-            <a:r>
-              <a:rPr lang="ja-JP" altLang="en-US" dirty="0" smtClean="0"/>
-              <a:t>。</a:t>
-            </a:r>
-            <a:endParaRPr lang="en-US" altLang="ja-JP" dirty="0" smtClean="0"/>
-          </a:p>
-          <a:p>
-            <a:pPr marL="0" indent="0">
-              <a:buNone/>
-            </a:pPr>
-            <a:endParaRPr kumimoji="1" lang="en-US" altLang="ja-JP" dirty="0" smtClean="0"/>
-          </a:p>
-          <a:p>
-            <a:pPr marL="0" indent="0">
-              <a:buNone/>
-            </a:pPr>
-            <a:r>
-              <a:rPr lang="ja-JP" altLang="en-US" dirty="0"/>
-              <a:t>引用</a:t>
-            </a:r>
-            <a:r>
-              <a:rPr lang="ja-JP" altLang="en-US" dirty="0" smtClean="0"/>
-              <a:t>：</a:t>
-            </a:r>
-            <a:endParaRPr kumimoji="1" lang="en-US" altLang="ja-JP" dirty="0"/>
-          </a:p>
-          <a:p>
-            <a:pPr marL="0" indent="0">
-              <a:buNone/>
-            </a:pPr>
-            <a:r>
-              <a:rPr lang="en-US" altLang="ja-JP" dirty="0"/>
-              <a:t>https://ja.wikipedia.org/wiki/Lua</a:t>
-            </a:r>
-            <a:endParaRPr kumimoji="1" lang="ja-JP" altLang="en-US" dirty="0"/>
-          </a:p>
-        </p:txBody>
-      </p:sp>
-      <p:sp>
-        <p:nvSpPr>
-          <p:cNvPr id="4" name="スライド番号プレースホルダー 3"/>
-          <p:cNvSpPr>
-            <a:spLocks noGrp="1"/>
-          </p:cNvSpPr>
-          <p:nvPr>
-            <p:ph type="sldNum" sz="quarter" idx="12"/>
-          </p:nvPr>
-        </p:nvSpPr>
-        <p:spPr/>
-        <p:txBody>
-          <a:bodyPr/>
-          <a:lstStyle/>
-          <a:p>
-            <a:fld id="{4A32CB03-0843-4AF8-BFB2-C9917854BC7E}" type="slidenum">
-              <a:rPr kumimoji="1" lang="ja-JP" altLang="en-US" smtClean="0"/>
-              <a:t>19</a:t>
-            </a:fld>
-            <a:endParaRPr kumimoji="1" lang="ja-JP" altLang="en-US"/>
-          </a:p>
-        </p:txBody>
-      </p:sp>
-    </p:spTree>
-    <p:extLst>
-      <p:ext uri="{BB962C8B-B14F-4D97-AF65-F5344CB8AC3E}">
-        <p14:creationId xmlns:p14="http://schemas.microsoft.com/office/powerpoint/2010/main" val="843265026"/>
-      </p:ext>
-    </p:extLst>
-  </p:cSld>
-  <p:clrMapOvr>
-    <a:masterClrMapping/>
-  </p:clrMapOvr>
-</p:sld>
-</file>
-
-<file path=ppt/slides/slide2.xml><?xml version="1.0" encoding="utf-8"?>
-<p:sld xmlns:a="http://schemas.openxmlformats.org/drawingml/2006/main" xmlns:r="http://schemas.openxmlformats.org/officeDocument/2006/relationships" xmlns:p="http://schemas.openxmlformats.org/presentationml/2006/main">
-  <p:cSld>
-    <p:spTree>
-      <p:nvGrpSpPr>
-        <p:cNvPr id="1" name=""/>
-        <p:cNvGrpSpPr/>
-        <p:nvPr/>
-      </p:nvGrpSpPr>
-      <p:grpSpPr>
-        <a:xfrm>
-          <a:off x="0" y="0"/>
-          <a:ext cx="0" cy="0"/>
-          <a:chOff x="0" y="0"/>
-          <a:chExt cx="0" cy="0"/>
-        </a:xfrm>
-      </p:grpSpPr>
-      <p:sp>
-        <p:nvSpPr>
-          <p:cNvPr id="2" name="タイトル 1"/>
-          <p:cNvSpPr>
-            <a:spLocks noGrp="1"/>
-          </p:cNvSpPr>
-          <p:nvPr>
-            <p:ph type="title"/>
-          </p:nvPr>
-        </p:nvSpPr>
-        <p:spPr/>
-        <p:txBody>
-          <a:bodyPr/>
-          <a:lstStyle/>
-          <a:p>
-            <a:r>
-              <a:rPr lang="ja-JP" altLang="en-US" dirty="0" smtClean="0"/>
-              <a:t>プログラム群をいくつか作成</a:t>
-            </a:r>
-            <a:endParaRPr kumimoji="1" lang="ja-JP" altLang="en-US" dirty="0"/>
-          </a:p>
-        </p:txBody>
-      </p:sp>
-      <p:sp>
-        <p:nvSpPr>
-          <p:cNvPr id="3" name="コンテンツ プレースホルダー 2"/>
-          <p:cNvSpPr>
-            <a:spLocks noGrp="1"/>
-          </p:cNvSpPr>
-          <p:nvPr>
-            <p:ph idx="1"/>
-          </p:nvPr>
-        </p:nvSpPr>
-        <p:spPr/>
-        <p:txBody>
-          <a:bodyPr/>
-          <a:lstStyle/>
-          <a:p>
-            <a:r>
-              <a:rPr kumimoji="1" lang="en-US" altLang="ja-JP" dirty="0" err="1" smtClean="0"/>
-              <a:t>Blockly</a:t>
-            </a:r>
-            <a:r>
-              <a:rPr kumimoji="1" lang="ja-JP" altLang="en-US" dirty="0" smtClean="0"/>
-              <a:t>に組み込む用</a:t>
-            </a:r>
-            <a:endParaRPr kumimoji="1" lang="en-US" altLang="ja-JP" dirty="0" smtClean="0"/>
-          </a:p>
-          <a:p>
-            <a:pPr lvl="1"/>
-            <a:r>
-              <a:rPr kumimoji="1" lang="ja-JP" altLang="en-US" dirty="0" smtClean="0"/>
-              <a:t>タブクリックで</a:t>
-            </a:r>
-            <a:r>
-              <a:rPr kumimoji="1" lang="en-US" altLang="ja-JP" dirty="0" err="1" smtClean="0"/>
-              <a:t>Div</a:t>
-            </a:r>
-            <a:r>
-              <a:rPr kumimoji="1" lang="ja-JP" altLang="en-US" dirty="0" smtClean="0"/>
-              <a:t>を切り替えるプログラムを生成</a:t>
-            </a:r>
-            <a:endParaRPr kumimoji="1" lang="en-US" altLang="ja-JP" dirty="0" smtClean="0"/>
-          </a:p>
-          <a:p>
-            <a:pPr lvl="1"/>
-            <a:r>
-              <a:rPr kumimoji="1" lang="ja-JP" altLang="en-US" dirty="0" smtClean="0"/>
-              <a:t>セレクトボックスを</a:t>
-            </a:r>
-            <a:r>
-              <a:rPr kumimoji="1" lang="en-US" altLang="ja-JP" dirty="0" err="1" smtClean="0"/>
-              <a:t>Javascript</a:t>
-            </a:r>
-            <a:r>
-              <a:rPr lang="ja-JP" altLang="en-US" dirty="0" err="1" smtClean="0"/>
-              <a:t>にて</a:t>
-            </a:r>
-            <a:r>
-              <a:rPr lang="ja-JP" altLang="en-US" dirty="0" smtClean="0"/>
-              <a:t>生成</a:t>
-            </a:r>
-            <a:endParaRPr lang="en-US" altLang="ja-JP" dirty="0" smtClean="0"/>
-          </a:p>
-          <a:p>
-            <a:endParaRPr kumimoji="1" lang="en-US" altLang="ja-JP" dirty="0"/>
-          </a:p>
-          <a:p>
-            <a:r>
-              <a:rPr kumimoji="1" lang="en-US" altLang="ja-JP" dirty="0" err="1" smtClean="0"/>
-              <a:t>Blockly</a:t>
-            </a:r>
-            <a:r>
-              <a:rPr kumimoji="1" lang="ja-JP" altLang="en-US" dirty="0" smtClean="0"/>
-              <a:t>の仕様をわかるために文字列の置換をするためのプログラムを用意し、圧縮されているファイルをデバッグの際に見やすいようにした</a:t>
-            </a:r>
-            <a:endParaRPr kumimoji="1" lang="ja-JP" altLang="en-US" dirty="0"/>
-          </a:p>
-        </p:txBody>
-      </p:sp>
-      <p:sp>
-        <p:nvSpPr>
-          <p:cNvPr id="4" name="スライド番号プレースホルダー 3"/>
-          <p:cNvSpPr>
-            <a:spLocks noGrp="1"/>
-          </p:cNvSpPr>
-          <p:nvPr>
-            <p:ph type="sldNum" sz="quarter" idx="12"/>
-          </p:nvPr>
-        </p:nvSpPr>
-        <p:spPr/>
-        <p:txBody>
-          <a:bodyPr/>
-          <a:lstStyle/>
-          <a:p>
-            <a:fld id="{4A32CB03-0843-4AF8-BFB2-C9917854BC7E}" type="slidenum">
-              <a:rPr kumimoji="1" lang="ja-JP" altLang="en-US" smtClean="0"/>
-              <a:t>2</a:t>
-            </a:fld>
-            <a:endParaRPr kumimoji="1" lang="ja-JP" altLang="en-US"/>
-          </a:p>
-        </p:txBody>
-      </p:sp>
-    </p:spTree>
-    <p:extLst>
-      <p:ext uri="{BB962C8B-B14F-4D97-AF65-F5344CB8AC3E}">
-        <p14:creationId xmlns:p14="http://schemas.microsoft.com/office/powerpoint/2010/main" val="3396706266"/>
-      </p:ext>
-    </p:extLst>
-  </p:cSld>
-  <p:clrMapOvr>
-    <a:masterClrMapping/>
-  </p:clrMapOvr>
-</p:sld>
-</file>
-
-<file path=ppt/slides/slide20.xml><?xml version="1.0" encoding="utf-8"?>
-<p:sld xmlns:a="http://schemas.openxmlformats.org/drawingml/2006/main" xmlns:r="http://schemas.openxmlformats.org/officeDocument/2006/relationships" xmlns:p="http://schemas.openxmlformats.org/presentationml/2006/main">
-  <p:cSld>
-    <p:spTree>
-      <p:nvGrpSpPr>
-        <p:cNvPr id="1" name=""/>
-        <p:cNvGrpSpPr/>
-        <p:nvPr/>
-      </p:nvGrpSpPr>
-      <p:grpSpPr>
-        <a:xfrm>
-          <a:off x="0" y="0"/>
-          <a:ext cx="0" cy="0"/>
-          <a:chOff x="0" y="0"/>
-          <a:chExt cx="0" cy="0"/>
-        </a:xfrm>
-      </p:grpSpPr>
-      <p:sp>
-        <p:nvSpPr>
-          <p:cNvPr id="2" name="タイトル 1"/>
-          <p:cNvSpPr>
-            <a:spLocks noGrp="1"/>
-          </p:cNvSpPr>
-          <p:nvPr>
-            <p:ph type="title"/>
-          </p:nvPr>
-        </p:nvSpPr>
-        <p:spPr/>
-        <p:txBody>
-          <a:bodyPr/>
-          <a:lstStyle/>
-          <a:p>
-            <a:r>
-              <a:rPr kumimoji="1" lang="en-US" altLang="ja-JP" dirty="0" smtClean="0"/>
-              <a:t>Dart</a:t>
-            </a:r>
-            <a:endParaRPr kumimoji="1" lang="ja-JP" altLang="en-US" dirty="0"/>
-          </a:p>
-        </p:txBody>
-      </p:sp>
-      <p:sp>
-        <p:nvSpPr>
-          <p:cNvPr id="3" name="コンテンツ プレースホルダー 2"/>
-          <p:cNvSpPr>
-            <a:spLocks noGrp="1"/>
-          </p:cNvSpPr>
-          <p:nvPr>
-            <p:ph idx="1"/>
-          </p:nvPr>
-        </p:nvSpPr>
-        <p:spPr/>
-        <p:txBody>
-          <a:bodyPr>
-            <a:normAutofit lnSpcReduction="10000"/>
-          </a:bodyPr>
-          <a:lstStyle/>
-          <a:p>
-            <a:pPr marL="0" indent="0">
-              <a:buNone/>
-            </a:pPr>
-            <a:r>
-              <a:rPr lang="en-US" altLang="ja-JP" dirty="0"/>
-              <a:t>Dart</a:t>
-            </a:r>
-            <a:r>
-              <a:rPr lang="ja-JP" altLang="en-US" dirty="0"/>
-              <a:t>（ダートもしくはダーツ。当初は </a:t>
-            </a:r>
-            <a:r>
-              <a:rPr lang="en-US" altLang="ja-JP" dirty="0"/>
-              <a:t>Dash </a:t>
-            </a:r>
-            <a:r>
-              <a:rPr lang="ja-JP" altLang="en-US" dirty="0"/>
-              <a:t>と呼ばれていた）は</a:t>
-            </a:r>
-            <a:r>
-              <a:rPr lang="en-US" altLang="ja-JP" dirty="0"/>
-              <a:t>Google</a:t>
-            </a:r>
-            <a:r>
-              <a:rPr lang="ja-JP" altLang="en-US" dirty="0"/>
-              <a:t>によって開発されたウェブ向けのプログラミング言語である。</a:t>
-            </a:r>
-            <a:r>
-              <a:rPr lang="en-US" altLang="ja-JP" dirty="0"/>
-              <a:t>2011</a:t>
-            </a:r>
-            <a:r>
-              <a:rPr lang="ja-JP" altLang="en-US" dirty="0"/>
-              <a:t>年</a:t>
-            </a:r>
-            <a:r>
-              <a:rPr lang="en-US" altLang="ja-JP" dirty="0"/>
-              <a:t>10</a:t>
-            </a:r>
-            <a:r>
-              <a:rPr lang="ja-JP" altLang="en-US" dirty="0"/>
-              <a:t>月</a:t>
-            </a:r>
-            <a:r>
-              <a:rPr lang="en-US" altLang="ja-JP" dirty="0"/>
-              <a:t>10</a:t>
-            </a:r>
-            <a:r>
-              <a:rPr lang="ja-JP" altLang="en-US" dirty="0"/>
-              <a:t>日 </a:t>
-            </a:r>
-            <a:r>
-              <a:rPr lang="en-US" altLang="ja-JP" dirty="0"/>
-              <a:t>- 12</a:t>
-            </a:r>
-            <a:r>
-              <a:rPr lang="ja-JP" altLang="en-US" dirty="0"/>
-              <a:t>日に開催された デンマークのオーフスで開催された「</a:t>
-            </a:r>
-            <a:r>
-              <a:rPr lang="en-US" altLang="ja-JP" dirty="0"/>
-              <a:t>GOTO</a:t>
-            </a:r>
-            <a:r>
-              <a:rPr lang="ja-JP" altLang="en-US" dirty="0"/>
-              <a:t>カンファレンス</a:t>
-            </a:r>
-            <a:r>
-              <a:rPr lang="ja-JP" altLang="en-US" dirty="0" smtClean="0"/>
-              <a:t>」で</a:t>
-            </a:r>
-            <a:r>
-              <a:rPr lang="ja-JP" altLang="en-US" dirty="0"/>
-              <a:t>公開</a:t>
-            </a:r>
-            <a:r>
-              <a:rPr lang="ja-JP" altLang="en-US" dirty="0" smtClean="0"/>
-              <a:t>された。</a:t>
-            </a:r>
-            <a:r>
-              <a:rPr lang="ja-JP" altLang="en-US" dirty="0"/>
-              <a:t>この言語は、ウェブブラウザ組み込みのスクリプト言語である</a:t>
-            </a:r>
-            <a:r>
-              <a:rPr lang="en-US" altLang="ja-JP" dirty="0"/>
-              <a:t>JavaScript</a:t>
-            </a:r>
-            <a:r>
-              <a:rPr lang="ja-JP" altLang="en-US" dirty="0"/>
-              <a:t>の代替となることを目的に作られた</a:t>
-            </a:r>
-            <a:r>
-              <a:rPr lang="ja-JP" altLang="en-US" dirty="0" smtClean="0"/>
-              <a:t>。</a:t>
-            </a:r>
-            <a:endParaRPr lang="en-US" altLang="ja-JP" dirty="0"/>
-          </a:p>
-          <a:p>
-            <a:pPr marL="0" indent="0">
-              <a:buNone/>
-            </a:pPr>
-            <a:endParaRPr kumimoji="1" lang="en-US" altLang="ja-JP" dirty="0" smtClean="0"/>
-          </a:p>
-          <a:p>
-            <a:pPr marL="0" indent="0">
-              <a:buNone/>
-            </a:pPr>
-            <a:r>
-              <a:rPr kumimoji="1" lang="ja-JP" altLang="en-US" dirty="0" smtClean="0"/>
-              <a:t>引用：</a:t>
-            </a:r>
-            <a:endParaRPr kumimoji="1" lang="en-US" altLang="ja-JP" dirty="0" smtClean="0"/>
-          </a:p>
-          <a:p>
-            <a:pPr marL="0" indent="0">
-              <a:buNone/>
-            </a:pPr>
-            <a:r>
-              <a:rPr lang="en-US" altLang="ja-JP" dirty="0"/>
-              <a:t>https://ja.wikipedia.org/wiki/Dart</a:t>
-            </a:r>
-            <a:endParaRPr kumimoji="1" lang="ja-JP" altLang="en-US" dirty="0"/>
-          </a:p>
-        </p:txBody>
-      </p:sp>
-      <p:sp>
-        <p:nvSpPr>
-          <p:cNvPr id="4" name="スライド番号プレースホルダー 3"/>
-          <p:cNvSpPr>
-            <a:spLocks noGrp="1"/>
-          </p:cNvSpPr>
-          <p:nvPr>
-            <p:ph type="sldNum" sz="quarter" idx="12"/>
-          </p:nvPr>
-        </p:nvSpPr>
-        <p:spPr/>
-        <p:txBody>
-          <a:bodyPr/>
-          <a:lstStyle/>
-          <a:p>
-            <a:fld id="{4A32CB03-0843-4AF8-BFB2-C9917854BC7E}" type="slidenum">
-              <a:rPr kumimoji="1" lang="ja-JP" altLang="en-US" smtClean="0"/>
-              <a:t>20</a:t>
-            </a:fld>
-            <a:endParaRPr kumimoji="1" lang="ja-JP" altLang="en-US"/>
-          </a:p>
-        </p:txBody>
-      </p:sp>
-    </p:spTree>
-    <p:extLst>
-      <p:ext uri="{BB962C8B-B14F-4D97-AF65-F5344CB8AC3E}">
-        <p14:creationId xmlns:p14="http://schemas.microsoft.com/office/powerpoint/2010/main" val="3121424104"/>
-      </p:ext>
-    </p:extLst>
-  </p:cSld>
-  <p:clrMapOvr>
-    <a:masterClrMapping/>
-  </p:clrMapOvr>
-</p:sld>
-</file>
-
-<file path=ppt/slides/slide21.xml><?xml version="1.0" encoding="utf-8"?>
-<p:sld xmlns:a="http://schemas.openxmlformats.org/drawingml/2006/main" xmlns:r="http://schemas.openxmlformats.org/officeDocument/2006/relationships" xmlns:p="http://schemas.openxmlformats.org/presentationml/2006/main">
-  <p:cSld>
-    <p:spTree>
-      <p:nvGrpSpPr>
-        <p:cNvPr id="1" name=""/>
-        <p:cNvGrpSpPr/>
-        <p:nvPr/>
-      </p:nvGrpSpPr>
-      <p:grpSpPr>
-        <a:xfrm>
-          <a:off x="0" y="0"/>
-          <a:ext cx="0" cy="0"/>
-          <a:chOff x="0" y="0"/>
-          <a:chExt cx="0" cy="0"/>
-        </a:xfrm>
-      </p:grpSpPr>
-      <p:sp>
-        <p:nvSpPr>
-          <p:cNvPr id="2" name="タイトル 1"/>
-          <p:cNvSpPr>
-            <a:spLocks noGrp="1"/>
-          </p:cNvSpPr>
-          <p:nvPr>
-            <p:ph type="title"/>
-          </p:nvPr>
-        </p:nvSpPr>
-        <p:spPr/>
-        <p:txBody>
-          <a:bodyPr/>
-          <a:lstStyle/>
-          <a:p>
-            <a:r>
-              <a:rPr kumimoji="1" lang="en-US" altLang="ja-JP" dirty="0" smtClean="0"/>
-              <a:t>Generator</a:t>
-            </a:r>
-            <a:endParaRPr kumimoji="1" lang="ja-JP" altLang="en-US" dirty="0"/>
-          </a:p>
-        </p:txBody>
-      </p:sp>
-      <p:sp>
-        <p:nvSpPr>
-          <p:cNvPr id="3" name="コンテンツ プレースホルダー 2"/>
-          <p:cNvSpPr>
-            <a:spLocks noGrp="1"/>
-          </p:cNvSpPr>
-          <p:nvPr>
-            <p:ph idx="1"/>
-          </p:nvPr>
-        </p:nvSpPr>
-        <p:spPr/>
-        <p:txBody>
-          <a:bodyPr>
-            <a:normAutofit/>
-          </a:bodyPr>
-          <a:lstStyle/>
-          <a:p>
-            <a:r>
-              <a:rPr kumimoji="1" lang="en-US" altLang="ja-JP" dirty="0" smtClean="0"/>
-              <a:t>Generator</a:t>
-            </a:r>
-            <a:r>
-              <a:rPr kumimoji="1" lang="ja-JP" altLang="en-US" dirty="0" smtClean="0"/>
-              <a:t>を利用する際には、前のスライドの通りに実行し、</a:t>
-            </a:r>
-            <a:r>
-              <a:rPr kumimoji="1" lang="en-US" altLang="ja-JP" dirty="0" err="1" smtClean="0"/>
-              <a:t>Node_modules</a:t>
-            </a:r>
-            <a:r>
-              <a:rPr kumimoji="1" lang="ja-JP" altLang="en-US" dirty="0" smtClean="0"/>
-              <a:t>内のファイルを呼び出す</a:t>
-            </a:r>
-            <a:endParaRPr kumimoji="1" lang="en-US" altLang="ja-JP" dirty="0" smtClean="0"/>
-          </a:p>
-          <a:p>
-            <a:r>
-              <a:rPr lang="en-US" altLang="ja-JP" dirty="0"/>
-              <a:t>h</a:t>
-            </a:r>
-            <a:r>
-              <a:rPr lang="en-US" altLang="ja-JP" dirty="0" smtClean="0"/>
-              <a:t>tml</a:t>
-            </a:r>
-            <a:r>
-              <a:rPr lang="ja-JP" altLang="en-US" dirty="0" smtClean="0"/>
-              <a:t>ファイル内で、</a:t>
-            </a:r>
-            <a:r>
-              <a:rPr lang="en-US" altLang="ja-JP" dirty="0" smtClean="0"/>
-              <a:t>script</a:t>
-            </a:r>
-            <a:r>
-              <a:rPr lang="ja-JP" altLang="en-US" dirty="0" smtClean="0"/>
-              <a:t>で呼び出し</a:t>
-            </a:r>
-            <a:endParaRPr lang="en-US" altLang="ja-JP" dirty="0" smtClean="0"/>
-          </a:p>
-          <a:p>
-            <a:r>
-              <a:rPr lang="en-US" altLang="ja-JP" dirty="0"/>
-              <a:t> </a:t>
-            </a:r>
-            <a:r>
-              <a:rPr lang="en-US" altLang="ja-JP" dirty="0" err="1"/>
-              <a:t>var</a:t>
-            </a:r>
-            <a:r>
-              <a:rPr lang="en-US" altLang="ja-JP" dirty="0"/>
-              <a:t> code = </a:t>
-            </a:r>
-            <a:r>
-              <a:rPr lang="en-US" altLang="ja-JP" dirty="0" err="1"/>
-              <a:t>Blockly.JavaScript.workspaceToCode</a:t>
-            </a:r>
-            <a:r>
-              <a:rPr lang="en-US" altLang="ja-JP" dirty="0"/>
-              <a:t>(</a:t>
-            </a:r>
-            <a:r>
-              <a:rPr lang="en-US" altLang="ja-JP" dirty="0" err="1"/>
-              <a:t>demoWorkspace</a:t>
-            </a:r>
-            <a:r>
-              <a:rPr lang="en-US" altLang="ja-JP" dirty="0" smtClean="0"/>
-              <a:t>);</a:t>
-            </a:r>
-          </a:p>
-          <a:p>
-            <a:endParaRPr lang="en-US" altLang="ja-JP" dirty="0"/>
-          </a:p>
-        </p:txBody>
-      </p:sp>
-      <p:sp>
-        <p:nvSpPr>
-          <p:cNvPr id="4" name="スライド番号プレースホルダー 3"/>
-          <p:cNvSpPr>
-            <a:spLocks noGrp="1"/>
-          </p:cNvSpPr>
-          <p:nvPr>
-            <p:ph type="sldNum" sz="quarter" idx="12"/>
-          </p:nvPr>
-        </p:nvSpPr>
-        <p:spPr/>
-        <p:txBody>
-          <a:bodyPr/>
-          <a:lstStyle/>
-          <a:p>
-            <a:fld id="{4A32CB03-0843-4AF8-BFB2-C9917854BC7E}" type="slidenum">
-              <a:rPr kumimoji="1" lang="ja-JP" altLang="en-US" smtClean="0"/>
-              <a:t>21</a:t>
-            </a:fld>
-            <a:endParaRPr kumimoji="1" lang="ja-JP" altLang="en-US"/>
-          </a:p>
-        </p:txBody>
-      </p:sp>
-    </p:spTree>
-    <p:extLst>
-      <p:ext uri="{BB962C8B-B14F-4D97-AF65-F5344CB8AC3E}">
-        <p14:creationId xmlns:p14="http://schemas.microsoft.com/office/powerpoint/2010/main" val="2142560469"/>
-      </p:ext>
-    </p:extLst>
-  </p:cSld>
-  <p:clrMapOvr>
-    <a:masterClrMapping/>
-  </p:clrMapOvr>
-</p:sld>
-</file>
-
-<file path=ppt/slides/slide22.xml><?xml version="1.0" encoding="utf-8"?>
-<p:sld xmlns:a="http://schemas.openxmlformats.org/drawingml/2006/main" xmlns:r="http://schemas.openxmlformats.org/officeDocument/2006/relationships" xmlns:p="http://schemas.openxmlformats.org/presentationml/2006/main">
-  <p:cSld>
-    <p:spTree>
-      <p:nvGrpSpPr>
-        <p:cNvPr id="1" name=""/>
-        <p:cNvGrpSpPr/>
-        <p:nvPr/>
-      </p:nvGrpSpPr>
-      <p:grpSpPr>
-        <a:xfrm>
-          <a:off x="0" y="0"/>
-          <a:ext cx="0" cy="0"/>
-          <a:chOff x="0" y="0"/>
-          <a:chExt cx="0" cy="0"/>
-        </a:xfrm>
-      </p:grpSpPr>
-      <p:sp>
-        <p:nvSpPr>
-          <p:cNvPr id="2" name="タイトル 1"/>
-          <p:cNvSpPr>
-            <a:spLocks noGrp="1"/>
-          </p:cNvSpPr>
-          <p:nvPr>
-            <p:ph type="title"/>
-          </p:nvPr>
-        </p:nvSpPr>
-        <p:spPr/>
-        <p:txBody>
-          <a:bodyPr/>
-          <a:lstStyle/>
-          <a:p>
-            <a:r>
-              <a:rPr kumimoji="1" lang="en-US" altLang="ja-JP" dirty="0" err="1" smtClean="0"/>
-              <a:t>Genearator</a:t>
-            </a:r>
-            <a:r>
-              <a:rPr kumimoji="1" lang="ja-JP" altLang="en-US" dirty="0" smtClean="0"/>
-              <a:t>の実行テスト</a:t>
-            </a:r>
-            <a:endParaRPr kumimoji="1" lang="ja-JP" altLang="en-US" dirty="0"/>
-          </a:p>
-        </p:txBody>
-      </p:sp>
-      <p:sp>
-        <p:nvSpPr>
-          <p:cNvPr id="4" name="スライド番号プレースホルダー 3"/>
-          <p:cNvSpPr>
-            <a:spLocks noGrp="1"/>
-          </p:cNvSpPr>
-          <p:nvPr>
-            <p:ph type="sldNum" sz="quarter" idx="12"/>
-          </p:nvPr>
-        </p:nvSpPr>
-        <p:spPr/>
-        <p:txBody>
-          <a:bodyPr/>
-          <a:lstStyle/>
-          <a:p>
-            <a:fld id="{4A32CB03-0843-4AF8-BFB2-C9917854BC7E}" type="slidenum">
-              <a:rPr kumimoji="1" lang="ja-JP" altLang="en-US" sz="2800" smtClean="0"/>
-              <a:t>22</a:t>
-            </a:fld>
-            <a:endParaRPr kumimoji="1" lang="ja-JP" altLang="en-US" dirty="0"/>
-          </a:p>
-        </p:txBody>
-      </p:sp>
-      <p:pic>
-        <p:nvPicPr>
-          <p:cNvPr id="3" name="図 2"/>
-          <p:cNvPicPr>
-            <a:picLocks noChangeAspect="1"/>
-          </p:cNvPicPr>
-          <p:nvPr/>
-        </p:nvPicPr>
-        <p:blipFill>
-          <a:blip r:embed="rId2"/>
-          <a:stretch>
-            <a:fillRect/>
-          </a:stretch>
-        </p:blipFill>
-        <p:spPr>
-          <a:xfrm>
-            <a:off x="1141095" y="1690689"/>
-            <a:ext cx="5647905" cy="3900141"/>
-          </a:xfrm>
-          <a:prstGeom prst="rect">
-            <a:avLst/>
-          </a:prstGeom>
-        </p:spPr>
-      </p:pic>
-    </p:spTree>
-    <p:extLst>
-      <p:ext uri="{BB962C8B-B14F-4D97-AF65-F5344CB8AC3E}">
-        <p14:creationId xmlns:p14="http://schemas.microsoft.com/office/powerpoint/2010/main" val="4257970129"/>
-      </p:ext>
-    </p:extLst>
-  </p:cSld>
-  <p:clrMapOvr>
-    <a:masterClrMapping/>
-  </p:clrMapOvr>
-</p:sld>
-</file>
-
-<file path=ppt/slides/slide23.xml><?xml version="1.0" encoding="utf-8"?>
-<p:sld xmlns:a="http://schemas.openxmlformats.org/drawingml/2006/main" xmlns:r="http://schemas.openxmlformats.org/officeDocument/2006/relationships" xmlns:p="http://schemas.openxmlformats.org/presentationml/2006/main">
-  <p:cSld>
-    <p:spTree>
-      <p:nvGrpSpPr>
-        <p:cNvPr id="1" name=""/>
-        <p:cNvGrpSpPr/>
-        <p:nvPr/>
-      </p:nvGrpSpPr>
-      <p:grpSpPr>
-        <a:xfrm>
-          <a:off x="0" y="0"/>
-          <a:ext cx="0" cy="0"/>
-          <a:chOff x="0" y="0"/>
-          <a:chExt cx="0" cy="0"/>
-        </a:xfrm>
-      </p:grpSpPr>
-      <p:sp>
-        <p:nvSpPr>
-          <p:cNvPr id="2" name="タイトル 1"/>
-          <p:cNvSpPr>
-            <a:spLocks noGrp="1"/>
-          </p:cNvSpPr>
-          <p:nvPr>
-            <p:ph type="title"/>
-          </p:nvPr>
-        </p:nvSpPr>
-        <p:spPr/>
-        <p:txBody>
-          <a:bodyPr/>
-          <a:lstStyle/>
-          <a:p>
-            <a:r>
-              <a:rPr lang="en-US" altLang="ja-JP" dirty="0" err="1"/>
-              <a:t>Genearator</a:t>
-            </a:r>
-            <a:r>
-              <a:rPr lang="ja-JP" altLang="en-US" dirty="0"/>
-              <a:t>の実行テスト</a:t>
-            </a:r>
-            <a:endParaRPr kumimoji="1" lang="ja-JP" altLang="en-US" dirty="0"/>
-          </a:p>
-        </p:txBody>
-      </p:sp>
-      <p:sp>
-        <p:nvSpPr>
-          <p:cNvPr id="3" name="コンテンツ プレースホルダー 2"/>
-          <p:cNvSpPr>
-            <a:spLocks noGrp="1"/>
-          </p:cNvSpPr>
-          <p:nvPr>
-            <p:ph idx="1"/>
-          </p:nvPr>
-        </p:nvSpPr>
-        <p:spPr/>
-        <p:txBody>
-          <a:bodyPr/>
-          <a:lstStyle/>
-          <a:p>
-            <a:r>
-              <a:rPr kumimoji="1" lang="ja-JP" altLang="en-US" dirty="0" smtClean="0"/>
-              <a:t>図のようにブロックを組み合わせ、左側の</a:t>
-            </a:r>
-            <a:r>
-              <a:rPr kumimoji="1" lang="en-US" altLang="ja-JP" dirty="0" smtClean="0"/>
-              <a:t>Show </a:t>
-            </a:r>
-            <a:r>
-              <a:rPr kumimoji="1" lang="en-US" altLang="ja-JP" dirty="0" err="1" smtClean="0"/>
-              <a:t>javascript</a:t>
-            </a:r>
-            <a:r>
-              <a:rPr kumimoji="1" lang="ja-JP" altLang="en-US" dirty="0" smtClean="0"/>
-              <a:t>を押すと、ブロックからコードを生成する</a:t>
-            </a:r>
-            <a:r>
-              <a:rPr lang="ja-JP" altLang="en-US" dirty="0" smtClean="0"/>
-              <a:t>（ブロックに対応したコードを表示する）</a:t>
-            </a:r>
-            <a:endParaRPr lang="en-US" altLang="ja-JP" dirty="0" smtClean="0"/>
-          </a:p>
-          <a:p>
-            <a:r>
-              <a:rPr lang="ja-JP" altLang="en-US" dirty="0" smtClean="0"/>
-              <a:t>右側の</a:t>
-            </a:r>
-            <a:r>
-              <a:rPr lang="en-US" altLang="ja-JP" dirty="0" smtClean="0"/>
-              <a:t>Run JavaScript</a:t>
-            </a:r>
-            <a:r>
-              <a:rPr lang="ja-JP" altLang="en-US" dirty="0" smtClean="0"/>
-              <a:t>を押すと、コードを実行する</a:t>
-            </a:r>
-            <a:endParaRPr kumimoji="1" lang="en-US" altLang="ja-JP" dirty="0" smtClean="0"/>
-          </a:p>
-        </p:txBody>
-      </p:sp>
-      <p:sp>
-        <p:nvSpPr>
-          <p:cNvPr id="4" name="スライド番号プレースホルダー 3"/>
-          <p:cNvSpPr>
-            <a:spLocks noGrp="1"/>
-          </p:cNvSpPr>
-          <p:nvPr>
-            <p:ph type="sldNum" sz="quarter" idx="12"/>
-          </p:nvPr>
-        </p:nvSpPr>
-        <p:spPr/>
-        <p:txBody>
-          <a:bodyPr/>
-          <a:lstStyle/>
-          <a:p>
-            <a:fld id="{4A32CB03-0843-4AF8-BFB2-C9917854BC7E}" type="slidenum">
-              <a:rPr kumimoji="1" lang="ja-JP" altLang="en-US" sz="2800" smtClean="0"/>
-              <a:t>23</a:t>
-            </a:fld>
-            <a:endParaRPr kumimoji="1" lang="ja-JP" altLang="en-US" sz="2800" dirty="0"/>
-          </a:p>
-        </p:txBody>
-      </p:sp>
-    </p:spTree>
-    <p:extLst>
-      <p:ext uri="{BB962C8B-B14F-4D97-AF65-F5344CB8AC3E}">
-        <p14:creationId xmlns:p14="http://schemas.microsoft.com/office/powerpoint/2010/main" val="2997179172"/>
-      </p:ext>
-    </p:extLst>
-  </p:cSld>
-  <p:clrMapOvr>
-    <a:masterClrMapping/>
-  </p:clrMapOvr>
-</p:sld>
-</file>
-
-<file path=ppt/slides/slide24.xml><?xml version="1.0" encoding="utf-8"?>
-<p:sld xmlns:a="http://schemas.openxmlformats.org/drawingml/2006/main" xmlns:r="http://schemas.openxmlformats.org/officeDocument/2006/relationships" xmlns:p="http://schemas.openxmlformats.org/presentationml/2006/main">
-  <p:cSld>
-    <p:spTree>
-      <p:nvGrpSpPr>
-        <p:cNvPr id="1" name=""/>
-        <p:cNvGrpSpPr/>
-        <p:nvPr/>
-      </p:nvGrpSpPr>
-      <p:grpSpPr>
-        <a:xfrm>
-          <a:off x="0" y="0"/>
-          <a:ext cx="0" cy="0"/>
-          <a:chOff x="0" y="0"/>
-          <a:chExt cx="0" cy="0"/>
-        </a:xfrm>
-      </p:grpSpPr>
-      <p:sp>
-        <p:nvSpPr>
-          <p:cNvPr id="2" name="タイトル 1"/>
-          <p:cNvSpPr>
-            <a:spLocks noGrp="1"/>
-          </p:cNvSpPr>
-          <p:nvPr>
-            <p:ph type="title"/>
-          </p:nvPr>
-        </p:nvSpPr>
-        <p:spPr/>
-        <p:txBody>
-          <a:bodyPr/>
-          <a:lstStyle/>
-          <a:p>
-            <a:r>
-              <a:rPr lang="ja-JP" altLang="en-US" dirty="0"/>
-              <a:t>正誤</a:t>
-            </a:r>
-            <a:r>
-              <a:rPr lang="ja-JP" altLang="en-US" dirty="0" smtClean="0"/>
-              <a:t>を判定するプログラム</a:t>
-            </a:r>
-            <a:endParaRPr kumimoji="1" lang="ja-JP" altLang="en-US" dirty="0"/>
-          </a:p>
-        </p:txBody>
-      </p:sp>
-      <p:sp>
-        <p:nvSpPr>
-          <p:cNvPr id="3" name="コンテンツ プレースホルダー 2"/>
-          <p:cNvSpPr>
-            <a:spLocks noGrp="1"/>
-          </p:cNvSpPr>
-          <p:nvPr>
-            <p:ph idx="1"/>
-          </p:nvPr>
-        </p:nvSpPr>
-        <p:spPr/>
-        <p:txBody>
-          <a:bodyPr/>
-          <a:lstStyle/>
-          <a:p>
-            <a:r>
-              <a:rPr kumimoji="1" lang="ja-JP" altLang="en-US" dirty="0" smtClean="0"/>
-              <a:t>事前に用意した解答例と、</a:t>
-            </a:r>
-            <a:r>
-              <a:rPr kumimoji="1" lang="en-US" altLang="ja-JP" dirty="0" err="1" smtClean="0"/>
-              <a:t>Generater</a:t>
-            </a:r>
-            <a:r>
-              <a:rPr kumimoji="1" lang="ja-JP" altLang="en-US" dirty="0" smtClean="0"/>
-              <a:t>によって作成されたコードが等しいかどうか（完全一致）を判定するサンプルプログラムを作成した</a:t>
-            </a:r>
-            <a:endParaRPr kumimoji="1" lang="en-US" altLang="ja-JP" dirty="0" smtClean="0"/>
-          </a:p>
-          <a:p>
-            <a:endParaRPr kumimoji="1" lang="ja-JP" altLang="en-US" dirty="0"/>
-          </a:p>
-        </p:txBody>
-      </p:sp>
-      <p:sp>
-        <p:nvSpPr>
-          <p:cNvPr id="4" name="スライド番号プレースホルダー 3"/>
-          <p:cNvSpPr>
-            <a:spLocks noGrp="1"/>
-          </p:cNvSpPr>
-          <p:nvPr>
-            <p:ph type="sldNum" sz="quarter" idx="12"/>
-          </p:nvPr>
-        </p:nvSpPr>
-        <p:spPr/>
-        <p:txBody>
-          <a:bodyPr/>
-          <a:lstStyle/>
-          <a:p>
-            <a:fld id="{4A32CB03-0843-4AF8-BFB2-C9917854BC7E}" type="slidenum">
-              <a:rPr kumimoji="1" lang="ja-JP" altLang="en-US" smtClean="0"/>
-              <a:t>24</a:t>
-            </a:fld>
-            <a:endParaRPr kumimoji="1" lang="ja-JP" altLang="en-US"/>
-          </a:p>
-        </p:txBody>
-      </p:sp>
-    </p:spTree>
-    <p:extLst>
-      <p:ext uri="{BB962C8B-B14F-4D97-AF65-F5344CB8AC3E}">
-        <p14:creationId xmlns:p14="http://schemas.microsoft.com/office/powerpoint/2010/main" val="2287831747"/>
-      </p:ext>
-    </p:extLst>
-  </p:cSld>
-  <p:clrMapOvr>
-    <a:masterClrMapping/>
-  </p:clrMapOvr>
-</p:sld>
-</file>
-
-<file path=ppt/slides/slide25.xml><?xml version="1.0" encoding="utf-8"?>
-<p:sld xmlns:a="http://schemas.openxmlformats.org/drawingml/2006/main" xmlns:r="http://schemas.openxmlformats.org/officeDocument/2006/relationships" xmlns:p="http://schemas.openxmlformats.org/presentationml/2006/main">
-  <p:cSld>
-    <p:spTree>
-      <p:nvGrpSpPr>
-        <p:cNvPr id="1" name=""/>
-        <p:cNvGrpSpPr/>
-        <p:nvPr/>
-      </p:nvGrpSpPr>
-      <p:grpSpPr>
-        <a:xfrm>
-          <a:off x="0" y="0"/>
-          <a:ext cx="0" cy="0"/>
-          <a:chOff x="0" y="0"/>
-          <a:chExt cx="0" cy="0"/>
-        </a:xfrm>
-      </p:grpSpPr>
-      <p:sp>
-        <p:nvSpPr>
-          <p:cNvPr id="2" name="タイトル 1"/>
-          <p:cNvSpPr>
-            <a:spLocks noGrp="1"/>
-          </p:cNvSpPr>
-          <p:nvPr>
-            <p:ph type="title"/>
-          </p:nvPr>
-        </p:nvSpPr>
-        <p:spPr/>
-        <p:txBody>
-          <a:bodyPr/>
-          <a:lstStyle/>
-          <a:p>
-            <a:r>
-              <a:rPr lang="ja-JP" altLang="en-US" dirty="0"/>
-              <a:t>正誤</a:t>
-            </a:r>
-            <a:r>
-              <a:rPr lang="ja-JP" altLang="en-US" dirty="0" smtClean="0"/>
-              <a:t>判定</a:t>
-            </a:r>
-            <a:r>
-              <a:rPr kumimoji="1" lang="ja-JP" altLang="en-US" dirty="0" smtClean="0"/>
-              <a:t>デモ</a:t>
-            </a:r>
-            <a:endParaRPr kumimoji="1" lang="ja-JP" altLang="en-US" dirty="0"/>
-          </a:p>
-        </p:txBody>
-      </p:sp>
-      <p:sp>
-        <p:nvSpPr>
-          <p:cNvPr id="4" name="スライド番号プレースホルダー 3"/>
-          <p:cNvSpPr>
-            <a:spLocks noGrp="1"/>
-          </p:cNvSpPr>
-          <p:nvPr>
-            <p:ph type="sldNum" sz="quarter" idx="12"/>
-          </p:nvPr>
-        </p:nvSpPr>
-        <p:spPr/>
-        <p:txBody>
-          <a:bodyPr/>
-          <a:lstStyle/>
-          <a:p>
-            <a:fld id="{4A32CB03-0843-4AF8-BFB2-C9917854BC7E}" type="slidenum">
-              <a:rPr kumimoji="1" lang="ja-JP" altLang="en-US" smtClean="0"/>
-              <a:t>25</a:t>
-            </a:fld>
-            <a:endParaRPr kumimoji="1" lang="ja-JP" altLang="en-US"/>
-          </a:p>
-        </p:txBody>
-      </p:sp>
-      <p:pic>
-        <p:nvPicPr>
-          <p:cNvPr id="5" name="図 4"/>
-          <p:cNvPicPr>
-            <a:picLocks noChangeAspect="1"/>
-          </p:cNvPicPr>
-          <p:nvPr/>
-        </p:nvPicPr>
-        <p:blipFill>
-          <a:blip r:embed="rId2"/>
-          <a:stretch>
-            <a:fillRect/>
-          </a:stretch>
-        </p:blipFill>
-        <p:spPr>
-          <a:xfrm>
-            <a:off x="207586" y="2087744"/>
-            <a:ext cx="8844617" cy="4378340"/>
-          </a:xfrm>
-          <a:prstGeom prst="rect">
-            <a:avLst/>
-          </a:prstGeom>
-        </p:spPr>
-      </p:pic>
-    </p:spTree>
-    <p:extLst>
-      <p:ext uri="{BB962C8B-B14F-4D97-AF65-F5344CB8AC3E}">
-        <p14:creationId xmlns:p14="http://schemas.microsoft.com/office/powerpoint/2010/main" val="1473290671"/>
-      </p:ext>
-    </p:extLst>
-  </p:cSld>
-  <p:clrMapOvr>
-    <a:masterClrMapping/>
-  </p:clrMapOvr>
-</p:sld>
-</file>
-
-<file path=ppt/slides/slide26.xml><?xml version="1.0" encoding="utf-8"?>
-<p:sld xmlns:a="http://schemas.openxmlformats.org/drawingml/2006/main" xmlns:r="http://schemas.openxmlformats.org/officeDocument/2006/relationships" xmlns:p="http://schemas.openxmlformats.org/presentationml/2006/main">
-  <p:cSld>
-    <p:spTree>
-      <p:nvGrpSpPr>
-        <p:cNvPr id="1" name=""/>
-        <p:cNvGrpSpPr/>
-        <p:nvPr/>
-      </p:nvGrpSpPr>
-      <p:grpSpPr>
-        <a:xfrm>
-          <a:off x="0" y="0"/>
-          <a:ext cx="0" cy="0"/>
-          <a:chOff x="0" y="0"/>
-          <a:chExt cx="0" cy="0"/>
-        </a:xfrm>
-      </p:grpSpPr>
-      <p:sp>
-        <p:nvSpPr>
-          <p:cNvPr id="2" name="タイトル 1"/>
-          <p:cNvSpPr>
-            <a:spLocks noGrp="1"/>
-          </p:cNvSpPr>
-          <p:nvPr>
-            <p:ph type="title"/>
-          </p:nvPr>
-        </p:nvSpPr>
-        <p:spPr/>
-        <p:txBody>
-          <a:bodyPr/>
-          <a:lstStyle/>
-          <a:p>
-            <a:r>
-              <a:rPr kumimoji="1" lang="ja-JP" altLang="en-US" dirty="0" smtClean="0"/>
-              <a:t>穴あき問題を作成する</a:t>
-            </a:r>
-            <a:endParaRPr kumimoji="1" lang="ja-JP" altLang="en-US" dirty="0"/>
-          </a:p>
-        </p:txBody>
-      </p:sp>
-      <p:sp>
-        <p:nvSpPr>
-          <p:cNvPr id="3" name="コンテンツ プレースホルダー 2"/>
-          <p:cNvSpPr>
-            <a:spLocks noGrp="1"/>
-          </p:cNvSpPr>
-          <p:nvPr>
-            <p:ph idx="1"/>
-          </p:nvPr>
-        </p:nvSpPr>
-        <p:spPr/>
-        <p:txBody>
-          <a:bodyPr/>
-          <a:lstStyle/>
-          <a:p>
-            <a:endParaRPr kumimoji="1" lang="ja-JP" altLang="en-US" dirty="0"/>
-          </a:p>
-        </p:txBody>
-      </p:sp>
-      <p:sp>
-        <p:nvSpPr>
-          <p:cNvPr id="4" name="スライド番号プレースホルダー 3"/>
-          <p:cNvSpPr>
-            <a:spLocks noGrp="1"/>
-          </p:cNvSpPr>
-          <p:nvPr>
-            <p:ph type="sldNum" sz="quarter" idx="12"/>
-          </p:nvPr>
-        </p:nvSpPr>
-        <p:spPr/>
-        <p:txBody>
-          <a:bodyPr/>
-          <a:lstStyle/>
-          <a:p>
-            <a:fld id="{4A32CB03-0843-4AF8-BFB2-C9917854BC7E}" type="slidenum">
-              <a:rPr kumimoji="1" lang="ja-JP" altLang="en-US" smtClean="0"/>
-              <a:t>26</a:t>
-            </a:fld>
-            <a:endParaRPr kumimoji="1" lang="ja-JP" altLang="en-US"/>
-          </a:p>
-        </p:txBody>
-      </p:sp>
-      <p:pic>
-        <p:nvPicPr>
-          <p:cNvPr id="5" name="図 4"/>
-          <p:cNvPicPr>
-            <a:picLocks noChangeAspect="1"/>
-          </p:cNvPicPr>
-          <p:nvPr/>
-        </p:nvPicPr>
-        <p:blipFill>
-          <a:blip r:embed="rId2"/>
-          <a:stretch>
-            <a:fillRect/>
-          </a:stretch>
-        </p:blipFill>
-        <p:spPr>
-          <a:xfrm>
-            <a:off x="472810" y="1825625"/>
-            <a:ext cx="8612668" cy="4243402"/>
-          </a:xfrm>
-          <a:prstGeom prst="rect">
-            <a:avLst/>
-          </a:prstGeom>
-        </p:spPr>
-      </p:pic>
-    </p:spTree>
-    <p:extLst>
-      <p:ext uri="{BB962C8B-B14F-4D97-AF65-F5344CB8AC3E}">
-        <p14:creationId xmlns:p14="http://schemas.microsoft.com/office/powerpoint/2010/main" val="4017269996"/>
-      </p:ext>
-    </p:extLst>
-  </p:cSld>
-  <p:clrMapOvr>
-    <a:masterClrMapping/>
-  </p:clrMapOvr>
-</p:sld>
-</file>
-
-<file path=ppt/slides/slide27.xml><?xml version="1.0" encoding="utf-8"?>
-<p:sld xmlns:a="http://schemas.openxmlformats.org/drawingml/2006/main" xmlns:r="http://schemas.openxmlformats.org/officeDocument/2006/relationships" xmlns:p="http://schemas.openxmlformats.org/presentationml/2006/main">
-  <p:cSld>
-    <p:spTree>
-      <p:nvGrpSpPr>
-        <p:cNvPr id="1" name=""/>
-        <p:cNvGrpSpPr/>
-        <p:nvPr/>
-      </p:nvGrpSpPr>
-      <p:grpSpPr>
-        <a:xfrm>
-          <a:off x="0" y="0"/>
-          <a:ext cx="0" cy="0"/>
-          <a:chOff x="0" y="0"/>
-          <a:chExt cx="0" cy="0"/>
-        </a:xfrm>
-      </p:grpSpPr>
-      <p:sp>
-        <p:nvSpPr>
-          <p:cNvPr id="2" name="タイトル 1"/>
-          <p:cNvSpPr>
-            <a:spLocks noGrp="1"/>
-          </p:cNvSpPr>
-          <p:nvPr>
-            <p:ph type="title"/>
-          </p:nvPr>
-        </p:nvSpPr>
-        <p:spPr/>
-        <p:txBody>
-          <a:bodyPr/>
-          <a:lstStyle/>
-          <a:p>
-            <a:r>
-              <a:rPr kumimoji="1" lang="ja-JP" altLang="en-US" dirty="0" smtClean="0"/>
-              <a:t>穴あき問題の作成</a:t>
-            </a:r>
-            <a:endParaRPr kumimoji="1" lang="ja-JP" altLang="en-US" dirty="0"/>
-          </a:p>
-        </p:txBody>
-      </p:sp>
-      <p:sp>
-        <p:nvSpPr>
-          <p:cNvPr id="3" name="コンテンツ プレースホルダー 2"/>
-          <p:cNvSpPr>
-            <a:spLocks noGrp="1"/>
-          </p:cNvSpPr>
-          <p:nvPr>
-            <p:ph idx="1"/>
-          </p:nvPr>
-        </p:nvSpPr>
-        <p:spPr/>
-        <p:txBody>
-          <a:bodyPr/>
-          <a:lstStyle/>
-          <a:p>
-            <a:r>
-              <a:rPr lang="ja-JP" altLang="en-US" dirty="0" smtClean="0"/>
-              <a:t>画面（</a:t>
-            </a:r>
-            <a:r>
-              <a:rPr lang="en-US" altLang="ja-JP" dirty="0" smtClean="0"/>
-              <a:t>7/9</a:t>
-            </a:r>
-            <a:r>
-              <a:rPr lang="ja-JP" altLang="en-US" dirty="0" smtClean="0"/>
-              <a:t>時点）の</a:t>
-            </a:r>
-            <a:r>
-              <a:rPr lang="en-US" altLang="ja-JP" dirty="0" smtClean="0"/>
-              <a:t>question2</a:t>
-            </a:r>
-            <a:r>
-              <a:rPr lang="ja-JP" altLang="en-US" dirty="0" smtClean="0"/>
-              <a:t>のボタンを押すとランダムで一か所を隠す</a:t>
-            </a:r>
-            <a:endParaRPr lang="en-US" altLang="ja-JP" dirty="0" smtClean="0"/>
-          </a:p>
-          <a:p>
-            <a:r>
-              <a:rPr lang="ja-JP" altLang="en-US" dirty="0"/>
-              <a:t>複</a:t>
-            </a:r>
-            <a:r>
-              <a:rPr lang="ja-JP" altLang="en-US" dirty="0" smtClean="0"/>
-              <a:t>数回押した場合は場所が変わる（隠れる場所は一か所）</a:t>
-            </a:r>
-            <a:endParaRPr lang="en-US" altLang="ja-JP" dirty="0" smtClean="0"/>
-          </a:p>
-          <a:p>
-            <a:r>
-              <a:rPr lang="ja-JP" altLang="en-US" dirty="0"/>
-              <a:t>これ</a:t>
-            </a:r>
-            <a:r>
-              <a:rPr lang="ja-JP" altLang="en-US" dirty="0" smtClean="0"/>
-              <a:t>はプログラムを変えれば複数個所を隠すことも可能</a:t>
-            </a:r>
-            <a:endParaRPr lang="en-US" altLang="ja-JP" dirty="0" smtClean="0"/>
-          </a:p>
-          <a:p>
-            <a:r>
-              <a:rPr lang="en-US" altLang="ja-JP" dirty="0" smtClean="0"/>
-              <a:t>Question1</a:t>
-            </a:r>
-            <a:r>
-              <a:rPr lang="ja-JP" altLang="en-US" dirty="0" smtClean="0"/>
-              <a:t>のボタンを押すと隠れていない状態のコードを表示</a:t>
-            </a:r>
-            <a:endParaRPr lang="en-US" altLang="ja-JP" dirty="0" smtClean="0"/>
-          </a:p>
-        </p:txBody>
-      </p:sp>
-      <p:sp>
-        <p:nvSpPr>
-          <p:cNvPr id="4" name="スライド番号プレースホルダー 3"/>
-          <p:cNvSpPr>
-            <a:spLocks noGrp="1"/>
-          </p:cNvSpPr>
-          <p:nvPr>
-            <p:ph type="sldNum" sz="quarter" idx="12"/>
-          </p:nvPr>
-        </p:nvSpPr>
-        <p:spPr/>
-        <p:txBody>
-          <a:bodyPr/>
-          <a:lstStyle/>
-          <a:p>
-            <a:fld id="{4A32CB03-0843-4AF8-BFB2-C9917854BC7E}" type="slidenum">
-              <a:rPr kumimoji="1" lang="ja-JP" altLang="en-US" smtClean="0"/>
-              <a:t>27</a:t>
-            </a:fld>
-            <a:endParaRPr kumimoji="1" lang="ja-JP" altLang="en-US"/>
-          </a:p>
-        </p:txBody>
-      </p:sp>
-    </p:spTree>
-    <p:extLst>
-      <p:ext uri="{BB962C8B-B14F-4D97-AF65-F5344CB8AC3E}">
-        <p14:creationId xmlns:p14="http://schemas.microsoft.com/office/powerpoint/2010/main" val="755709697"/>
-      </p:ext>
-    </p:extLst>
-  </p:cSld>
-  <p:clrMapOvr>
-    <a:masterClrMapping/>
-  </p:clrMapOvr>
-</p:sld>
-</file>
-
-<file path=ppt/slides/slide28.xml><?xml version="1.0" encoding="utf-8"?>
-<p:sld xmlns:a="http://schemas.openxmlformats.org/drawingml/2006/main" xmlns:r="http://schemas.openxmlformats.org/officeDocument/2006/relationships" xmlns:p="http://schemas.openxmlformats.org/presentationml/2006/main">
-  <p:cSld>
-    <p:spTree>
-      <p:nvGrpSpPr>
-        <p:cNvPr id="1" name=""/>
-        <p:cNvGrpSpPr/>
-        <p:nvPr/>
-      </p:nvGrpSpPr>
-      <p:grpSpPr>
-        <a:xfrm>
-          <a:off x="0" y="0"/>
-          <a:ext cx="0" cy="0"/>
-          <a:chOff x="0" y="0"/>
-          <a:chExt cx="0" cy="0"/>
-        </a:xfrm>
-      </p:grpSpPr>
-      <p:sp>
-        <p:nvSpPr>
-          <p:cNvPr id="2" name="タイトル 1"/>
-          <p:cNvSpPr>
-            <a:spLocks noGrp="1"/>
-          </p:cNvSpPr>
-          <p:nvPr>
-            <p:ph type="title"/>
-          </p:nvPr>
-        </p:nvSpPr>
-        <p:spPr/>
-        <p:txBody>
-          <a:bodyPr/>
-          <a:lstStyle/>
-          <a:p>
-            <a:r>
-              <a:rPr kumimoji="1" lang="ja-JP" altLang="en-US" dirty="0" smtClean="0"/>
-              <a:t>穴あき問題作成の問題点</a:t>
-            </a:r>
-            <a:endParaRPr kumimoji="1" lang="ja-JP" altLang="en-US" dirty="0"/>
-          </a:p>
-        </p:txBody>
-      </p:sp>
-      <p:sp>
-        <p:nvSpPr>
-          <p:cNvPr id="3" name="コンテンツ プレースホルダー 2"/>
-          <p:cNvSpPr>
-            <a:spLocks noGrp="1"/>
-          </p:cNvSpPr>
-          <p:nvPr>
-            <p:ph idx="1"/>
-          </p:nvPr>
-        </p:nvSpPr>
-        <p:spPr>
-          <a:xfrm>
-            <a:off x="628650" y="1825625"/>
-            <a:ext cx="8135024" cy="4351338"/>
-          </a:xfrm>
-        </p:spPr>
-        <p:txBody>
-          <a:bodyPr>
-            <a:normAutofit fontScale="85000" lnSpcReduction="20000"/>
-          </a:bodyPr>
-          <a:lstStyle/>
-          <a:p>
-            <a:pPr marL="0" indent="0">
-              <a:buNone/>
-            </a:pPr>
-            <a:r>
-              <a:rPr lang="ja-JP" altLang="en-US" dirty="0"/>
-              <a:t>現在の問題点：</a:t>
-            </a:r>
-          </a:p>
-          <a:p>
-            <a:pPr marL="0" indent="0">
-              <a:buNone/>
-            </a:pPr>
-            <a:r>
-              <a:rPr lang="ja-JP" altLang="en-US" dirty="0" smtClean="0"/>
-              <a:t>    現在</a:t>
-            </a:r>
-            <a:r>
-              <a:rPr lang="ja-JP" altLang="en-US" dirty="0"/>
-              <a:t>半角スペースを区切り文字として文字列を配列に変換している関係上、改行では区切られない</a:t>
-            </a:r>
-          </a:p>
-          <a:p>
-            <a:pPr marL="0" indent="0">
-              <a:buNone/>
-            </a:pPr>
-            <a:r>
-              <a:rPr lang="ja-JP" altLang="en-US" dirty="0"/>
-              <a:t>    →例えば</a:t>
-            </a:r>
-            <a:r>
-              <a:rPr lang="en-US" altLang="ja-JP" dirty="0"/>
-              <a:t>else:</a:t>
-            </a:r>
-            <a:r>
-              <a:rPr lang="ja-JP" altLang="en-US" dirty="0"/>
-              <a:t>などの次に改行し、次の行で書き始めた最後の単語までを一つとして分かれている</a:t>
-            </a:r>
-          </a:p>
-          <a:p>
-            <a:pPr marL="0" indent="0">
-              <a:buNone/>
-            </a:pPr>
-            <a:r>
-              <a:rPr lang="ja-JP" altLang="en-US" dirty="0"/>
-              <a:t>    →改行を区切り文字として含めるとインデントが消える</a:t>
-            </a:r>
-          </a:p>
-          <a:p>
-            <a:pPr marL="0" indent="0">
-              <a:buNone/>
-            </a:pPr>
-            <a:r>
-              <a:rPr lang="ja-JP" altLang="en-US" dirty="0"/>
-              <a:t>    </a:t>
-            </a:r>
-            <a:r>
-              <a:rPr lang="en-US" altLang="ja-JP" dirty="0"/>
-              <a:t>print()</a:t>
-            </a:r>
-            <a:r>
-              <a:rPr lang="ja-JP" altLang="en-US" dirty="0" err="1"/>
-              <a:t>のように</a:t>
-            </a:r>
-            <a:r>
-              <a:rPr lang="ja-JP" altLang="en-US" dirty="0"/>
-              <a:t>関数が含まれる場合に、</a:t>
-            </a:r>
-            <a:r>
-              <a:rPr lang="en-US" altLang="ja-JP" dirty="0"/>
-              <a:t>print("hello world")</a:t>
-            </a:r>
-            <a:r>
-              <a:rPr lang="ja-JP" altLang="en-US" dirty="0"/>
-              <a:t>の”</a:t>
-            </a:r>
-            <a:r>
-              <a:rPr lang="en-US" altLang="ja-JP" dirty="0"/>
-              <a:t>print("hello”</a:t>
-            </a:r>
-            <a:r>
-              <a:rPr lang="ja-JP" altLang="en-US" dirty="0" err="1"/>
-              <a:t>までを</a:t>
-            </a:r>
-            <a:r>
-              <a:rPr lang="ja-JP" altLang="en-US" dirty="0"/>
-              <a:t>単語として認識している</a:t>
-            </a:r>
-          </a:p>
-          <a:p>
-            <a:pPr marL="0" indent="0">
-              <a:buNone/>
-            </a:pPr>
-            <a:r>
-              <a:rPr lang="ja-JP" altLang="en-US" dirty="0"/>
-              <a:t>    →穴埋めを生成するにあたって、</a:t>
-            </a:r>
-            <a:r>
-              <a:rPr lang="en-US" altLang="ja-JP" dirty="0"/>
-              <a:t>()</a:t>
-            </a:r>
-            <a:r>
-              <a:rPr lang="ja-JP" altLang="en-US" dirty="0"/>
-              <a:t>などを認識して区切りたい</a:t>
-            </a:r>
-          </a:p>
-          <a:p>
-            <a:pPr marL="0" indent="0">
-              <a:buNone/>
-            </a:pPr>
-            <a:r>
-              <a:rPr lang="ja-JP" altLang="en-US" dirty="0"/>
-              <a:t>    →（）は配列（文章）に</a:t>
-            </a:r>
-            <a:r>
-              <a:rPr lang="ja-JP" altLang="en-US"/>
-              <a:t>残して</a:t>
-            </a:r>
-            <a:r>
-              <a:rPr lang="ja-JP" altLang="en-US" smtClean="0"/>
-              <a:t>おきたい</a:t>
-            </a:r>
-            <a:endParaRPr lang="ja-JP" altLang="en-US" dirty="0"/>
-          </a:p>
-          <a:p>
-            <a:endParaRPr kumimoji="1" lang="ja-JP" altLang="en-US" dirty="0"/>
-          </a:p>
-        </p:txBody>
-      </p:sp>
-      <p:sp>
-        <p:nvSpPr>
-          <p:cNvPr id="4" name="スライド番号プレースホルダー 3"/>
-          <p:cNvSpPr>
-            <a:spLocks noGrp="1"/>
-          </p:cNvSpPr>
-          <p:nvPr>
-            <p:ph type="sldNum" sz="quarter" idx="12"/>
-          </p:nvPr>
-        </p:nvSpPr>
-        <p:spPr/>
-        <p:txBody>
-          <a:bodyPr/>
-          <a:lstStyle/>
-          <a:p>
-            <a:fld id="{4A32CB03-0843-4AF8-BFB2-C9917854BC7E}" type="slidenum">
-              <a:rPr kumimoji="1" lang="ja-JP" altLang="en-US" smtClean="0"/>
-              <a:t>28</a:t>
-            </a:fld>
-            <a:endParaRPr kumimoji="1" lang="ja-JP" altLang="en-US"/>
-          </a:p>
-        </p:txBody>
-      </p:sp>
-    </p:spTree>
-    <p:extLst>
-      <p:ext uri="{BB962C8B-B14F-4D97-AF65-F5344CB8AC3E}">
-        <p14:creationId xmlns:p14="http://schemas.microsoft.com/office/powerpoint/2010/main" val="2927240973"/>
-      </p:ext>
-    </p:extLst>
-  </p:cSld>
-  <p:clrMapOvr>
-    <a:masterClrMapping/>
-  </p:clrMapOvr>
-</p:sld>
-</file>
-
-<file path=ppt/slides/slide29.xml><?xml version="1.0" encoding="utf-8"?>
-<p:sld xmlns:a="http://schemas.openxmlformats.org/drawingml/2006/main" xmlns:r="http://schemas.openxmlformats.org/officeDocument/2006/relationships" xmlns:p="http://schemas.openxmlformats.org/presentationml/2006/main">
-  <p:cSld>
-    <p:spTree>
-      <p:nvGrpSpPr>
-        <p:cNvPr id="1" name=""/>
-        <p:cNvGrpSpPr/>
-        <p:nvPr/>
-      </p:nvGrpSpPr>
-      <p:grpSpPr>
-        <a:xfrm>
-          <a:off x="0" y="0"/>
-          <a:ext cx="0" cy="0"/>
-          <a:chOff x="0" y="0"/>
-          <a:chExt cx="0" cy="0"/>
-        </a:xfrm>
-      </p:grpSpPr>
-      <p:sp>
-        <p:nvSpPr>
-          <p:cNvPr id="2" name="タイトル 1"/>
-          <p:cNvSpPr>
-            <a:spLocks noGrp="1"/>
-          </p:cNvSpPr>
-          <p:nvPr>
-            <p:ph type="title"/>
-          </p:nvPr>
-        </p:nvSpPr>
-        <p:spPr/>
-        <p:txBody>
-          <a:bodyPr/>
-          <a:lstStyle/>
-          <a:p>
-            <a:r>
-              <a:rPr kumimoji="1" lang="ja-JP" altLang="en-US" dirty="0" smtClean="0"/>
-              <a:t>選択肢と正誤判定</a:t>
-            </a:r>
-            <a:endParaRPr kumimoji="1" lang="ja-JP" altLang="en-US" dirty="0"/>
-          </a:p>
-        </p:txBody>
-      </p:sp>
-      <p:sp>
-        <p:nvSpPr>
-          <p:cNvPr id="3" name="コンテンツ プレースホルダー 2"/>
-          <p:cNvSpPr>
-            <a:spLocks noGrp="1"/>
-          </p:cNvSpPr>
-          <p:nvPr>
-            <p:ph idx="1"/>
-          </p:nvPr>
-        </p:nvSpPr>
-        <p:spPr/>
-        <p:txBody>
-          <a:bodyPr/>
-          <a:lstStyle/>
-          <a:p>
-            <a:pPr marL="0" indent="0">
-              <a:buNone/>
-            </a:pPr>
-            <a:r>
-              <a:rPr kumimoji="1" lang="ja-JP" altLang="en-US" dirty="0" smtClean="0"/>
-              <a:t>選択肢から正誤を判定するプログラムを作成した</a:t>
-            </a:r>
-            <a:endParaRPr kumimoji="1" lang="en-US" altLang="ja-JP" dirty="0" smtClean="0"/>
-          </a:p>
-          <a:p>
-            <a:pPr marL="0" indent="0">
-              <a:buNone/>
-            </a:pPr>
-            <a:r>
-              <a:rPr lang="ja-JP" altLang="en-US" dirty="0" smtClean="0"/>
-              <a:t>今回作成したプログラムは文章、問題を事前に用意しているため、</a:t>
-            </a:r>
-            <a:r>
-              <a:rPr lang="en-US" altLang="ja-JP" dirty="0" err="1" smtClean="0"/>
-              <a:t>Blockly</a:t>
-            </a:r>
-            <a:r>
-              <a:rPr lang="ja-JP" altLang="en-US" dirty="0" smtClean="0"/>
-              <a:t>によって生成されたコードを利用して問題を生成する場合の表示方法が決まっていない</a:t>
-            </a:r>
-            <a:endParaRPr lang="en-US" altLang="ja-JP" dirty="0"/>
-          </a:p>
-          <a:p>
-            <a:pPr marL="0" indent="0">
-              <a:buNone/>
-            </a:pPr>
-            <a:endParaRPr kumimoji="1" lang="en-US" altLang="ja-JP" dirty="0" smtClean="0"/>
-          </a:p>
-          <a:p>
-            <a:pPr marL="0" indent="0">
-              <a:buNone/>
-            </a:pPr>
-            <a:r>
-              <a:rPr lang="en-US" altLang="ja-JP" dirty="0" err="1" smtClean="0"/>
-              <a:t>github</a:t>
-            </a:r>
-            <a:endParaRPr kumimoji="1" lang="en-US" altLang="ja-JP" dirty="0" smtClean="0"/>
-          </a:p>
-          <a:p>
-            <a:pPr marL="0" indent="0">
-              <a:buNone/>
-            </a:pPr>
-            <a:r>
-              <a:rPr lang="en-US" altLang="ja-JP" dirty="0" smtClean="0"/>
-              <a:t>Parts/test.html</a:t>
-            </a:r>
-            <a:endParaRPr kumimoji="1" lang="en-US" altLang="ja-JP" dirty="0" smtClean="0"/>
-          </a:p>
-        </p:txBody>
-      </p:sp>
-      <p:sp>
-        <p:nvSpPr>
-          <p:cNvPr id="4" name="スライド番号プレースホルダー 3"/>
-          <p:cNvSpPr>
-            <a:spLocks noGrp="1"/>
-          </p:cNvSpPr>
-          <p:nvPr>
-            <p:ph type="sldNum" sz="quarter" idx="12"/>
-          </p:nvPr>
-        </p:nvSpPr>
-        <p:spPr/>
-        <p:txBody>
-          <a:bodyPr/>
-          <a:lstStyle/>
-          <a:p>
-            <a:fld id="{4A32CB03-0843-4AF8-BFB2-C9917854BC7E}" type="slidenum">
-              <a:rPr kumimoji="1" lang="ja-JP" altLang="en-US" sz="2800" smtClean="0"/>
-              <a:t>29</a:t>
-            </a:fld>
-            <a:endParaRPr kumimoji="1" lang="ja-JP" altLang="en-US" dirty="0"/>
-          </a:p>
-        </p:txBody>
-      </p:sp>
-    </p:spTree>
-    <p:extLst>
-      <p:ext uri="{BB962C8B-B14F-4D97-AF65-F5344CB8AC3E}">
-        <p14:creationId xmlns:p14="http://schemas.microsoft.com/office/powerpoint/2010/main" val="3564727157"/>
-      </p:ext>
-    </p:extLst>
-  </p:cSld>
-  <p:clrMapOvr>
-    <a:masterClrMapping/>
-  </p:clrMapOvr>
-</p:sld>
-</file>
-
-<file path=ppt/slides/slide3.xml><?xml version="1.0" encoding="utf-8"?>
-<p:sld xmlns:a="http://schemas.openxmlformats.org/drawingml/2006/main" xmlns:r="http://schemas.openxmlformats.org/officeDocument/2006/relationships" xmlns:p="http://schemas.openxmlformats.org/presentationml/2006/main">
-  <p:cSld>
-    <p:spTree>
-      <p:nvGrpSpPr>
-        <p:cNvPr id="1" name=""/>
-        <p:cNvGrpSpPr/>
-        <p:nvPr/>
-      </p:nvGrpSpPr>
-      <p:grpSpPr>
-        <a:xfrm>
-          <a:off x="0" y="0"/>
-          <a:ext cx="0" cy="0"/>
-          <a:chOff x="0" y="0"/>
-          <a:chExt cx="0" cy="0"/>
-        </a:xfrm>
-      </p:grpSpPr>
-      <p:sp>
-        <p:nvSpPr>
-          <p:cNvPr id="2" name="タイトル 1"/>
-          <p:cNvSpPr>
-            <a:spLocks noGrp="1"/>
-          </p:cNvSpPr>
-          <p:nvPr>
-            <p:ph type="title"/>
-          </p:nvPr>
-        </p:nvSpPr>
-        <p:spPr/>
-        <p:txBody>
-          <a:bodyPr/>
-          <a:lstStyle/>
-          <a:p>
-            <a:r>
-              <a:rPr lang="ja-JP" altLang="en-US" dirty="0" smtClean="0"/>
-              <a:t>現在の</a:t>
-            </a:r>
-            <a:r>
-              <a:rPr lang="en-US" altLang="ja-JP" dirty="0" smtClean="0"/>
-              <a:t>UI</a:t>
-            </a:r>
-            <a:r>
-              <a:rPr lang="ja-JP" altLang="en-US" dirty="0" smtClean="0"/>
-              <a:t>から変更したい</a:t>
-            </a:r>
-            <a:endParaRPr kumimoji="1" lang="ja-JP" altLang="en-US" dirty="0"/>
-          </a:p>
-        </p:txBody>
-      </p:sp>
-      <p:sp>
-        <p:nvSpPr>
-          <p:cNvPr id="3" name="コンテンツ プレースホルダー 2"/>
-          <p:cNvSpPr>
-            <a:spLocks noGrp="1"/>
-          </p:cNvSpPr>
-          <p:nvPr>
-            <p:ph idx="1"/>
-          </p:nvPr>
-        </p:nvSpPr>
-        <p:spPr/>
-        <p:txBody>
-          <a:bodyPr/>
-          <a:lstStyle/>
-          <a:p>
-            <a:pPr marL="0" indent="0">
-              <a:buNone/>
-            </a:pPr>
-            <a:r>
-              <a:rPr kumimoji="1" lang="ja-JP" altLang="en-US" dirty="0" smtClean="0"/>
-              <a:t>現在試験的に</a:t>
-            </a:r>
-            <a:endParaRPr kumimoji="1" lang="en-US" altLang="ja-JP" dirty="0" smtClean="0"/>
-          </a:p>
-          <a:p>
-            <a:r>
-              <a:rPr kumimoji="1" lang="ja-JP" altLang="en-US" dirty="0" smtClean="0"/>
-              <a:t>左側半分が</a:t>
-            </a:r>
-            <a:r>
-              <a:rPr kumimoji="1" lang="en-US" altLang="ja-JP" dirty="0" smtClean="0"/>
-              <a:t>Block</a:t>
-            </a:r>
-            <a:r>
-              <a:rPr kumimoji="1" lang="ja-JP" altLang="en-US" dirty="0" smtClean="0"/>
-              <a:t>を設置する場所</a:t>
-            </a:r>
-            <a:endParaRPr kumimoji="1" lang="en-US" altLang="ja-JP" dirty="0" smtClean="0"/>
-          </a:p>
-          <a:p>
-            <a:r>
-              <a:rPr lang="ja-JP" altLang="en-US" dirty="0" smtClean="0"/>
-              <a:t>右側上側が問題を用意する場所</a:t>
-            </a:r>
-            <a:endParaRPr lang="en-US" altLang="ja-JP" dirty="0" smtClean="0"/>
-          </a:p>
-          <a:p>
-            <a:r>
-              <a:rPr kumimoji="1" lang="ja-JP" altLang="en-US" dirty="0" smtClean="0"/>
-              <a:t>右側下側が解答を書く場所</a:t>
-            </a:r>
-            <a:endParaRPr kumimoji="1" lang="en-US" altLang="ja-JP" dirty="0" smtClean="0"/>
-          </a:p>
-          <a:p>
-            <a:pPr marL="0" indent="0">
-              <a:buNone/>
-            </a:pPr>
-            <a:r>
-              <a:rPr kumimoji="1" lang="ja-JP" altLang="en-US" dirty="0" smtClean="0"/>
-              <a:t>として、画面配置をしていた</a:t>
-            </a:r>
-            <a:endParaRPr kumimoji="1" lang="en-US" altLang="ja-JP" dirty="0" smtClean="0"/>
-          </a:p>
-          <a:p>
-            <a:endParaRPr kumimoji="1" lang="en-US" altLang="ja-JP" dirty="0" smtClean="0"/>
-          </a:p>
-        </p:txBody>
-      </p:sp>
-      <p:sp>
-        <p:nvSpPr>
-          <p:cNvPr id="4" name="スライド番号プレースホルダー 3"/>
-          <p:cNvSpPr>
-            <a:spLocks noGrp="1"/>
-          </p:cNvSpPr>
-          <p:nvPr>
-            <p:ph type="sldNum" sz="quarter" idx="12"/>
-          </p:nvPr>
-        </p:nvSpPr>
-        <p:spPr/>
-        <p:txBody>
-          <a:bodyPr/>
-          <a:lstStyle/>
-          <a:p>
-            <a:fld id="{4A32CB03-0843-4AF8-BFB2-C9917854BC7E}" type="slidenum">
-              <a:rPr kumimoji="1" lang="ja-JP" altLang="en-US" smtClean="0"/>
-              <a:t>3</a:t>
-            </a:fld>
-            <a:endParaRPr kumimoji="1" lang="ja-JP" altLang="en-US"/>
-          </a:p>
-        </p:txBody>
-      </p:sp>
-    </p:spTree>
-    <p:extLst>
-      <p:ext uri="{BB962C8B-B14F-4D97-AF65-F5344CB8AC3E}">
-        <p14:creationId xmlns:p14="http://schemas.microsoft.com/office/powerpoint/2010/main" val="3055970228"/>
-      </p:ext>
-    </p:extLst>
-  </p:cSld>
-  <p:clrMapOvr>
-    <a:masterClrMapping/>
-  </p:clrMapOvr>
-</p:sld>
-</file>
-
-<file path=ppt/slides/slide30.xml><?xml version="1.0" encoding="utf-8"?>
-<p:sld xmlns:a="http://schemas.openxmlformats.org/drawingml/2006/main" xmlns:r="http://schemas.openxmlformats.org/officeDocument/2006/relationships" xmlns:p="http://schemas.openxmlformats.org/presentationml/2006/main">
-  <p:cSld>
-    <p:spTree>
-      <p:nvGrpSpPr>
-        <p:cNvPr id="1" name=""/>
-        <p:cNvGrpSpPr/>
-        <p:nvPr/>
-      </p:nvGrpSpPr>
-      <p:grpSpPr>
-        <a:xfrm>
-          <a:off x="0" y="0"/>
-          <a:ext cx="0" cy="0"/>
-          <a:chOff x="0" y="0"/>
-          <a:chExt cx="0" cy="0"/>
-        </a:xfrm>
-      </p:grpSpPr>
-      <p:sp>
-        <p:nvSpPr>
-          <p:cNvPr id="2" name="タイトル 1"/>
-          <p:cNvSpPr>
-            <a:spLocks noGrp="1"/>
-          </p:cNvSpPr>
-          <p:nvPr>
-            <p:ph type="title"/>
-          </p:nvPr>
-        </p:nvSpPr>
-        <p:spPr/>
-        <p:txBody>
-          <a:bodyPr/>
-          <a:lstStyle/>
-          <a:p>
-            <a:r>
-              <a:rPr lang="ja-JP" altLang="en-US" dirty="0" smtClean="0"/>
-              <a:t>選択式から選んで正誤を判定するプログラム</a:t>
-            </a:r>
-            <a:endParaRPr kumimoji="1" lang="ja-JP" altLang="en-US" dirty="0"/>
-          </a:p>
-        </p:txBody>
-      </p:sp>
-      <p:sp>
-        <p:nvSpPr>
-          <p:cNvPr id="4" name="スライド番号プレースホルダー 3"/>
-          <p:cNvSpPr>
-            <a:spLocks noGrp="1"/>
-          </p:cNvSpPr>
-          <p:nvPr>
-            <p:ph type="sldNum" sz="quarter" idx="12"/>
-          </p:nvPr>
-        </p:nvSpPr>
-        <p:spPr/>
-        <p:txBody>
-          <a:bodyPr/>
-          <a:lstStyle/>
-          <a:p>
-            <a:fld id="{4A32CB03-0843-4AF8-BFB2-C9917854BC7E}" type="slidenum">
-              <a:rPr kumimoji="1" lang="ja-JP" altLang="en-US" smtClean="0"/>
-              <a:t>30</a:t>
-            </a:fld>
-            <a:endParaRPr kumimoji="1" lang="ja-JP" altLang="en-US"/>
-          </a:p>
-        </p:txBody>
-      </p:sp>
-      <p:pic>
-        <p:nvPicPr>
-          <p:cNvPr id="5" name="図 4"/>
-          <p:cNvPicPr>
-            <a:picLocks noChangeAspect="1"/>
-          </p:cNvPicPr>
-          <p:nvPr/>
-        </p:nvPicPr>
-        <p:blipFill>
-          <a:blip r:embed="rId2"/>
-          <a:stretch>
-            <a:fillRect/>
-          </a:stretch>
-        </p:blipFill>
-        <p:spPr>
-          <a:xfrm>
-            <a:off x="2797316" y="1808157"/>
-            <a:ext cx="2972306" cy="4730756"/>
-          </a:xfrm>
-          <a:prstGeom prst="rect">
-            <a:avLst/>
-          </a:prstGeom>
-        </p:spPr>
-      </p:pic>
-    </p:spTree>
-    <p:extLst>
-      <p:ext uri="{BB962C8B-B14F-4D97-AF65-F5344CB8AC3E}">
-        <p14:creationId xmlns:p14="http://schemas.microsoft.com/office/powerpoint/2010/main" val="1471446867"/>
-      </p:ext>
-    </p:extLst>
-  </p:cSld>
-  <p:clrMapOvr>
-    <a:masterClrMapping/>
-  </p:clrMapOvr>
-</p:sld>
-</file>
-
-<file path=ppt/slides/slide31.xml><?xml version="1.0" encoding="utf-8"?>
-<p:sld xmlns:a="http://schemas.openxmlformats.org/drawingml/2006/main" xmlns:r="http://schemas.openxmlformats.org/officeDocument/2006/relationships" xmlns:p="http://schemas.openxmlformats.org/presentationml/2006/main">
-  <p:cSld>
-    <p:spTree>
-      <p:nvGrpSpPr>
-        <p:cNvPr id="1" name=""/>
-        <p:cNvGrpSpPr/>
-        <p:nvPr/>
-      </p:nvGrpSpPr>
-      <p:grpSpPr>
-        <a:xfrm>
-          <a:off x="0" y="0"/>
-          <a:ext cx="0" cy="0"/>
-          <a:chOff x="0" y="0"/>
-          <a:chExt cx="0" cy="0"/>
-        </a:xfrm>
-      </p:grpSpPr>
-      <p:sp>
-        <p:nvSpPr>
-          <p:cNvPr id="2" name="タイトル 1"/>
-          <p:cNvSpPr>
-            <a:spLocks noGrp="1"/>
-          </p:cNvSpPr>
-          <p:nvPr>
-            <p:ph type="title"/>
-          </p:nvPr>
-        </p:nvSpPr>
-        <p:spPr/>
-        <p:txBody>
-          <a:bodyPr/>
-          <a:lstStyle/>
-          <a:p>
-            <a:r>
-              <a:rPr kumimoji="1" lang="ja-JP" altLang="en-US" dirty="0" smtClean="0"/>
-              <a:t>利用方法の模索</a:t>
-            </a:r>
-            <a:endParaRPr kumimoji="1" lang="ja-JP" altLang="en-US" dirty="0"/>
-          </a:p>
-        </p:txBody>
-      </p:sp>
-      <p:sp>
-        <p:nvSpPr>
-          <p:cNvPr id="3" name="コンテンツ プレースホルダー 2"/>
-          <p:cNvSpPr>
-            <a:spLocks noGrp="1"/>
-          </p:cNvSpPr>
-          <p:nvPr>
-            <p:ph idx="1"/>
-          </p:nvPr>
-        </p:nvSpPr>
-        <p:spPr/>
-        <p:txBody>
-          <a:bodyPr/>
-          <a:lstStyle/>
-          <a:p>
-            <a:r>
-              <a:rPr kumimoji="1" lang="en-US" altLang="ja-JP" dirty="0" err="1" smtClean="0"/>
-              <a:t>Blockly</a:t>
-            </a:r>
-            <a:r>
-              <a:rPr lang="ja-JP" altLang="en-US" dirty="0"/>
-              <a:t>に</a:t>
-            </a:r>
-            <a:r>
-              <a:rPr lang="ja-JP" altLang="en-US" dirty="0" smtClean="0"/>
-              <a:t>よって生成したコードは一つの文字列として利用できる、これを単語ごとに区切ることで、コードの一部を選択肢として利用できるかもしれない</a:t>
-            </a:r>
-            <a:endParaRPr lang="en-US" altLang="ja-JP" dirty="0" smtClean="0"/>
-          </a:p>
-          <a:p>
-            <a:pPr lvl="1"/>
-            <a:r>
-              <a:rPr kumimoji="1" lang="ja-JP" altLang="en-US" dirty="0" smtClean="0"/>
-              <a:t>文字列から単語として認識した</a:t>
-            </a:r>
-            <a:r>
-              <a:rPr kumimoji="1" lang="en-US" altLang="ja-JP" dirty="0" smtClean="0"/>
-              <a:t>”</a:t>
-            </a:r>
-            <a:r>
-              <a:rPr kumimoji="1" lang="en-US" altLang="ja-JP" dirty="0" err="1" smtClean="0"/>
-              <a:t>int</a:t>
-            </a:r>
-            <a:r>
-              <a:rPr kumimoji="1" lang="en-US" altLang="ja-JP" dirty="0" smtClean="0"/>
-              <a:t>”</a:t>
-            </a:r>
-            <a:r>
-              <a:rPr kumimoji="1" lang="ja-JP" altLang="en-US" dirty="0" smtClean="0"/>
-              <a:t>などの</a:t>
-            </a:r>
-            <a:r>
-              <a:rPr lang="ja-JP" altLang="en-US" dirty="0" smtClean="0"/>
-              <a:t>単語を</a:t>
-            </a:r>
-            <a:r>
-              <a:rPr lang="en-US" altLang="ja-JP" dirty="0" smtClean="0"/>
-              <a:t>html</a:t>
-            </a:r>
-            <a:r>
-              <a:rPr lang="ja-JP" altLang="en-US" dirty="0" smtClean="0"/>
-              <a:t>で利用できる文字列に変換するなど</a:t>
-            </a:r>
-            <a:endParaRPr lang="en-US" altLang="ja-JP" dirty="0" smtClean="0"/>
-          </a:p>
-          <a:p>
-            <a:r>
-              <a:rPr lang="ja-JP" altLang="en-US" dirty="0" smtClean="0"/>
-              <a:t>今回は</a:t>
-            </a:r>
-            <a:r>
-              <a:rPr lang="en-US" altLang="ja-JP" dirty="0" smtClean="0"/>
-              <a:t>html</a:t>
-            </a:r>
-            <a:r>
-              <a:rPr lang="ja-JP" altLang="en-US" dirty="0" smtClean="0"/>
-              <a:t>の</a:t>
-            </a:r>
-            <a:r>
-              <a:rPr lang="en-US" altLang="ja-JP" dirty="0" smtClean="0"/>
-              <a:t>select</a:t>
-            </a:r>
-            <a:r>
-              <a:rPr lang="ja-JP" altLang="en-US" dirty="0" smtClean="0"/>
-              <a:t>タグを使って選択肢を生成しているが、</a:t>
-            </a:r>
-            <a:r>
-              <a:rPr lang="en-US" altLang="ja-JP" dirty="0" err="1" smtClean="0"/>
-              <a:t>Javascript</a:t>
-            </a:r>
-            <a:r>
-              <a:rPr lang="ja-JP" altLang="en-US" dirty="0" smtClean="0"/>
-              <a:t>で選択肢の生成もできると、上の方法に利用できるかもしれない</a:t>
-            </a:r>
-            <a:endParaRPr lang="en-US" altLang="ja-JP" dirty="0" smtClean="0"/>
-          </a:p>
-        </p:txBody>
-      </p:sp>
-      <p:sp>
-        <p:nvSpPr>
-          <p:cNvPr id="4" name="スライド番号プレースホルダー 3"/>
-          <p:cNvSpPr>
-            <a:spLocks noGrp="1"/>
-          </p:cNvSpPr>
-          <p:nvPr>
-            <p:ph type="sldNum" sz="quarter" idx="12"/>
-          </p:nvPr>
-        </p:nvSpPr>
-        <p:spPr/>
-        <p:txBody>
-          <a:bodyPr/>
-          <a:lstStyle/>
-          <a:p>
-            <a:fld id="{4A32CB03-0843-4AF8-BFB2-C9917854BC7E}" type="slidenum">
-              <a:rPr kumimoji="1" lang="ja-JP" altLang="en-US" smtClean="0"/>
-              <a:t>31</a:t>
-            </a:fld>
-            <a:endParaRPr kumimoji="1" lang="ja-JP" altLang="en-US"/>
-          </a:p>
-        </p:txBody>
-      </p:sp>
-    </p:spTree>
-    <p:extLst>
-      <p:ext uri="{BB962C8B-B14F-4D97-AF65-F5344CB8AC3E}">
-        <p14:creationId xmlns:p14="http://schemas.microsoft.com/office/powerpoint/2010/main" val="3837190238"/>
-      </p:ext>
-    </p:extLst>
-  </p:cSld>
-  <p:clrMapOvr>
-    <a:masterClrMapping/>
-  </p:clrMapOvr>
-</p:sld>
-</file>
-
-<file path=ppt/slides/slide32.xml><?xml version="1.0" encoding="utf-8"?>
-<p:sld xmlns:a="http://schemas.openxmlformats.org/drawingml/2006/main" xmlns:r="http://schemas.openxmlformats.org/officeDocument/2006/relationships" xmlns:p="http://schemas.openxmlformats.org/presentationml/2006/main">
-  <p:cSld>
-    <p:spTree>
-      <p:nvGrpSpPr>
-        <p:cNvPr id="1" name=""/>
-        <p:cNvGrpSpPr/>
-        <p:nvPr/>
-      </p:nvGrpSpPr>
-      <p:grpSpPr>
-        <a:xfrm>
-          <a:off x="0" y="0"/>
-          <a:ext cx="0" cy="0"/>
-          <a:chOff x="0" y="0"/>
-          <a:chExt cx="0" cy="0"/>
-        </a:xfrm>
-      </p:grpSpPr>
-      <p:sp>
-        <p:nvSpPr>
-          <p:cNvPr id="2" name="タイトル 1"/>
-          <p:cNvSpPr>
-            <a:spLocks noGrp="1"/>
-          </p:cNvSpPr>
-          <p:nvPr>
-            <p:ph type="title"/>
-          </p:nvPr>
-        </p:nvSpPr>
-        <p:spPr/>
-        <p:txBody>
-          <a:bodyPr/>
-          <a:lstStyle/>
-          <a:p>
-            <a:r>
-              <a:rPr kumimoji="1" lang="en-US" altLang="ja-JP" dirty="0" err="1" smtClean="0"/>
-              <a:t>selectbox</a:t>
-            </a:r>
-            <a:r>
-              <a:rPr kumimoji="1" lang="ja-JP" altLang="en-US" dirty="0" smtClean="0"/>
-              <a:t>の選択肢の生成</a:t>
-            </a:r>
-            <a:endParaRPr kumimoji="1" lang="ja-JP" altLang="en-US" dirty="0"/>
-          </a:p>
-        </p:txBody>
-      </p:sp>
-      <p:sp>
-        <p:nvSpPr>
-          <p:cNvPr id="3" name="コンテンツ プレースホルダー 2"/>
-          <p:cNvSpPr>
-            <a:spLocks noGrp="1"/>
-          </p:cNvSpPr>
-          <p:nvPr>
-            <p:ph idx="1"/>
-          </p:nvPr>
-        </p:nvSpPr>
-        <p:spPr/>
-        <p:txBody>
-          <a:bodyPr/>
-          <a:lstStyle/>
-          <a:p>
-            <a:r>
-              <a:rPr lang="ja-JP" altLang="en-US" dirty="0" smtClean="0"/>
-              <a:t>上記スライドでは問題文も選択肢も静的に決定されているが、</a:t>
-            </a:r>
-            <a:r>
-              <a:rPr lang="en-US" altLang="ja-JP" dirty="0" err="1" smtClean="0"/>
-              <a:t>Javascript</a:t>
-            </a:r>
-            <a:r>
-              <a:rPr lang="ja-JP" altLang="en-US" dirty="0" smtClean="0"/>
-              <a:t>を用いることで動的に内容を設定できるらしい</a:t>
-            </a:r>
-            <a:endParaRPr lang="en-US" altLang="ja-JP" dirty="0" smtClean="0"/>
-          </a:p>
-          <a:p>
-            <a:r>
-              <a:rPr kumimoji="1" lang="ja-JP" altLang="en-US" dirty="0" smtClean="0"/>
-              <a:t>セレクトボックス</a:t>
-            </a:r>
-            <a:r>
-              <a:rPr lang="ja-JP" altLang="en-US" dirty="0"/>
-              <a:t>自体</a:t>
-            </a:r>
-            <a:r>
-              <a:rPr kumimoji="1" lang="ja-JP" altLang="en-US" dirty="0" smtClean="0"/>
-              <a:t>を生成することもどうやら可能らしい</a:t>
-            </a:r>
-            <a:endParaRPr kumimoji="1" lang="en-US" altLang="ja-JP" dirty="0" smtClean="0"/>
-          </a:p>
-          <a:p>
-            <a:endParaRPr kumimoji="1" lang="ja-JP" altLang="en-US" dirty="0"/>
-          </a:p>
-        </p:txBody>
-      </p:sp>
-      <p:sp>
-        <p:nvSpPr>
-          <p:cNvPr id="4" name="スライド番号プレースホルダー 3"/>
-          <p:cNvSpPr>
-            <a:spLocks noGrp="1"/>
-          </p:cNvSpPr>
-          <p:nvPr>
-            <p:ph type="sldNum" sz="quarter" idx="12"/>
-          </p:nvPr>
-        </p:nvSpPr>
-        <p:spPr/>
-        <p:txBody>
-          <a:bodyPr/>
-          <a:lstStyle/>
-          <a:p>
-            <a:fld id="{4A32CB03-0843-4AF8-BFB2-C9917854BC7E}" type="slidenum">
-              <a:rPr kumimoji="1" lang="ja-JP" altLang="en-US" smtClean="0"/>
-              <a:t>32</a:t>
-            </a:fld>
-            <a:endParaRPr kumimoji="1" lang="ja-JP" altLang="en-US"/>
-          </a:p>
-        </p:txBody>
-      </p:sp>
-    </p:spTree>
-    <p:extLst>
-      <p:ext uri="{BB962C8B-B14F-4D97-AF65-F5344CB8AC3E}">
-        <p14:creationId xmlns:p14="http://schemas.microsoft.com/office/powerpoint/2010/main" val="3172470415"/>
-      </p:ext>
-    </p:extLst>
-  </p:cSld>
-  <p:clrMapOvr>
-    <a:masterClrMapping/>
-  </p:clrMapOvr>
-</p:sld>
-</file>
-
-<file path=ppt/slides/slide4.xml><?xml version="1.0" encoding="utf-8"?>
-<p:sld xmlns:a="http://schemas.openxmlformats.org/drawingml/2006/main" xmlns:r="http://schemas.openxmlformats.org/officeDocument/2006/relationships" xmlns:p="http://schemas.openxmlformats.org/presentationml/2006/main">
-  <p:cSld>
-    <p:spTree>
-      <p:nvGrpSpPr>
-        <p:cNvPr id="1" name=""/>
-        <p:cNvGrpSpPr/>
-        <p:nvPr/>
-      </p:nvGrpSpPr>
-      <p:grpSpPr>
-        <a:xfrm>
-          <a:off x="0" y="0"/>
-          <a:ext cx="0" cy="0"/>
-          <a:chOff x="0" y="0"/>
-          <a:chExt cx="0" cy="0"/>
-        </a:xfrm>
-      </p:grpSpPr>
-      <p:sp>
-        <p:nvSpPr>
-          <p:cNvPr id="2" name="タイトル 1"/>
-          <p:cNvSpPr>
-            <a:spLocks noGrp="1"/>
-          </p:cNvSpPr>
-          <p:nvPr>
-            <p:ph type="title"/>
-          </p:nvPr>
-        </p:nvSpPr>
-        <p:spPr/>
-        <p:txBody>
-          <a:bodyPr/>
-          <a:lstStyle/>
-          <a:p>
-            <a:r>
-              <a:rPr kumimoji="1" lang="ja-JP" altLang="en-US" dirty="0" smtClean="0"/>
-              <a:t>現在の画面配置</a:t>
-            </a:r>
-            <a:endParaRPr kumimoji="1" lang="ja-JP" altLang="en-US" dirty="0"/>
-          </a:p>
-        </p:txBody>
-      </p:sp>
-      <p:pic>
-        <p:nvPicPr>
-          <p:cNvPr id="5" name="コンテンツ プレースホルダー 4"/>
-          <p:cNvPicPr>
-            <a:picLocks noGrp="1" noChangeAspect="1"/>
-          </p:cNvPicPr>
-          <p:nvPr>
-            <p:ph idx="1"/>
-          </p:nvPr>
-        </p:nvPicPr>
-        <p:blipFill rotWithShape="1">
-          <a:blip r:embed="rId2" cstate="print">
-            <a:extLst>
-              <a:ext uri="{28A0092B-C50C-407E-A947-70E740481C1C}">
-                <a14:useLocalDpi xmlns:a14="http://schemas.microsoft.com/office/drawing/2010/main" val="0"/>
-              </a:ext>
-            </a:extLst>
-          </a:blip>
-          <a:srcRect t="10191" r="16728" b="17434"/>
-          <a:stretch/>
-        </p:blipFill>
-        <p:spPr>
-          <a:xfrm>
-            <a:off x="704144" y="2057400"/>
-            <a:ext cx="7671058" cy="3962399"/>
-          </a:xfrm>
-        </p:spPr>
-      </p:pic>
-      <p:sp>
-        <p:nvSpPr>
-          <p:cNvPr id="4" name="スライド番号プレースホルダー 3"/>
-          <p:cNvSpPr>
-            <a:spLocks noGrp="1"/>
-          </p:cNvSpPr>
-          <p:nvPr>
-            <p:ph type="sldNum" sz="quarter" idx="12"/>
-          </p:nvPr>
-        </p:nvSpPr>
-        <p:spPr/>
-        <p:txBody>
-          <a:bodyPr/>
-          <a:lstStyle/>
-          <a:p>
-            <a:fld id="{4A32CB03-0843-4AF8-BFB2-C9917854BC7E}" type="slidenum">
-              <a:rPr kumimoji="1" lang="ja-JP" altLang="en-US" smtClean="0"/>
-              <a:t>4</a:t>
-            </a:fld>
-            <a:endParaRPr kumimoji="1" lang="ja-JP" altLang="en-US"/>
-          </a:p>
-        </p:txBody>
-      </p:sp>
-    </p:spTree>
-    <p:extLst>
-      <p:ext uri="{BB962C8B-B14F-4D97-AF65-F5344CB8AC3E}">
-        <p14:creationId xmlns:p14="http://schemas.microsoft.com/office/powerpoint/2010/main" val="2567153406"/>
-      </p:ext>
-    </p:extLst>
-  </p:cSld>
-  <p:clrMapOvr>
-    <a:masterClrMapping/>
-  </p:clrMapOvr>
-</p:sld>
-</file>
-
-<file path=ppt/slides/slide5.xml><?xml version="1.0" encoding="utf-8"?>
-<p:sld xmlns:a="http://schemas.openxmlformats.org/drawingml/2006/main" xmlns:r="http://schemas.openxmlformats.org/officeDocument/2006/relationships" xmlns:p="http://schemas.openxmlformats.org/presentationml/2006/main">
-  <p:cSld>
-    <p:spTree>
-      <p:nvGrpSpPr>
-        <p:cNvPr id="1" name=""/>
-        <p:cNvGrpSpPr/>
-        <p:nvPr/>
-      </p:nvGrpSpPr>
-      <p:grpSpPr>
-        <a:xfrm>
-          <a:off x="0" y="0"/>
-          <a:ext cx="0" cy="0"/>
-          <a:chOff x="0" y="0"/>
-          <a:chExt cx="0" cy="0"/>
-        </a:xfrm>
-      </p:grpSpPr>
-      <p:sp>
-        <p:nvSpPr>
-          <p:cNvPr id="2" name="タイトル 1"/>
-          <p:cNvSpPr>
-            <a:spLocks noGrp="1"/>
-          </p:cNvSpPr>
-          <p:nvPr>
-            <p:ph type="title"/>
-          </p:nvPr>
-        </p:nvSpPr>
-        <p:spPr/>
-        <p:txBody>
-          <a:bodyPr/>
-          <a:lstStyle/>
-          <a:p>
-            <a:r>
-              <a:rPr kumimoji="1" lang="ja-JP" altLang="en-US" dirty="0" smtClean="0"/>
-              <a:t>変換後</a:t>
-            </a:r>
-            <a:endParaRPr kumimoji="1" lang="ja-JP" altLang="en-US" dirty="0"/>
-          </a:p>
-        </p:txBody>
-      </p:sp>
-      <p:sp>
-        <p:nvSpPr>
-          <p:cNvPr id="3" name="コンテンツ プレースホルダー 2"/>
-          <p:cNvSpPr>
-            <a:spLocks noGrp="1"/>
-          </p:cNvSpPr>
-          <p:nvPr>
-            <p:ph idx="1"/>
-          </p:nvPr>
-        </p:nvSpPr>
-        <p:spPr/>
-        <p:txBody>
-          <a:bodyPr/>
-          <a:lstStyle/>
-          <a:p>
-            <a:r>
-              <a:rPr kumimoji="1" lang="ja-JP" altLang="en-US" dirty="0" smtClean="0"/>
-              <a:t>右側をスイッチ可能なひとつのエリアにする</a:t>
-            </a:r>
-            <a:endParaRPr kumimoji="1" lang="en-US" altLang="ja-JP" dirty="0" smtClean="0"/>
-          </a:p>
-          <a:p>
-            <a:endParaRPr lang="en-US" altLang="ja-JP" dirty="0"/>
-          </a:p>
-          <a:p>
-            <a:pPr marL="514350" indent="-514350">
-              <a:buFont typeface="+mj-lt"/>
-              <a:buAutoNum type="arabicPeriod"/>
-            </a:pPr>
-            <a:r>
-              <a:rPr lang="ja-JP" altLang="en-US" dirty="0"/>
-              <a:t>問題</a:t>
-            </a:r>
-            <a:r>
-              <a:rPr lang="ja-JP" altLang="en-US" dirty="0" smtClean="0"/>
-              <a:t>を生成する場所</a:t>
-            </a:r>
-            <a:endParaRPr lang="en-US" altLang="ja-JP" dirty="0" smtClean="0"/>
-          </a:p>
-          <a:p>
-            <a:pPr marL="514350" indent="-514350">
-              <a:buFont typeface="+mj-lt"/>
-              <a:buAutoNum type="arabicPeriod"/>
-            </a:pPr>
-            <a:r>
-              <a:rPr kumimoji="1" lang="ja-JP" altLang="en-US" dirty="0" smtClean="0"/>
-              <a:t>ブロックからコードを生成できる場所</a:t>
-            </a:r>
-            <a:endParaRPr kumimoji="1" lang="ja-JP" altLang="en-US" dirty="0"/>
-          </a:p>
-        </p:txBody>
-      </p:sp>
-      <p:sp>
-        <p:nvSpPr>
-          <p:cNvPr id="4" name="スライド番号プレースホルダー 3"/>
-          <p:cNvSpPr>
-            <a:spLocks noGrp="1"/>
-          </p:cNvSpPr>
-          <p:nvPr>
-            <p:ph type="sldNum" sz="quarter" idx="12"/>
-          </p:nvPr>
-        </p:nvSpPr>
-        <p:spPr/>
-        <p:txBody>
-          <a:bodyPr/>
-          <a:lstStyle/>
-          <a:p>
-            <a:fld id="{4A32CB03-0843-4AF8-BFB2-C9917854BC7E}" type="slidenum">
-              <a:rPr kumimoji="1" lang="ja-JP" altLang="en-US" smtClean="0"/>
-              <a:t>5</a:t>
-            </a:fld>
-            <a:endParaRPr kumimoji="1" lang="ja-JP" altLang="en-US"/>
-          </a:p>
-        </p:txBody>
-      </p:sp>
-    </p:spTree>
-    <p:extLst>
-      <p:ext uri="{BB962C8B-B14F-4D97-AF65-F5344CB8AC3E}">
-        <p14:creationId xmlns:p14="http://schemas.microsoft.com/office/powerpoint/2010/main" val="4109147071"/>
-      </p:ext>
-    </p:extLst>
-  </p:cSld>
-  <p:clrMapOvr>
-    <a:masterClrMapping/>
-  </p:clrMapOvr>
-</p:sld>
-</file>
-
-<file path=ppt/slides/slide6.xml><?xml version="1.0" encoding="utf-8"?>
-<p:sld xmlns:a="http://schemas.openxmlformats.org/drawingml/2006/main" xmlns:r="http://schemas.openxmlformats.org/officeDocument/2006/relationships" xmlns:p="http://schemas.openxmlformats.org/presentationml/2006/main">
-  <p:cSld>
-    <p:spTree>
-      <p:nvGrpSpPr>
-        <p:cNvPr id="1" name=""/>
-        <p:cNvGrpSpPr/>
-        <p:nvPr/>
-      </p:nvGrpSpPr>
-      <p:grpSpPr>
-        <a:xfrm>
-          <a:off x="0" y="0"/>
-          <a:ext cx="0" cy="0"/>
-          <a:chOff x="0" y="0"/>
-          <a:chExt cx="0" cy="0"/>
-        </a:xfrm>
-      </p:grpSpPr>
-      <p:sp>
-        <p:nvSpPr>
-          <p:cNvPr id="2" name="タイトル 1"/>
-          <p:cNvSpPr>
-            <a:spLocks noGrp="1"/>
-          </p:cNvSpPr>
-          <p:nvPr>
-            <p:ph type="title"/>
-          </p:nvPr>
-        </p:nvSpPr>
-        <p:spPr/>
-        <p:txBody>
-          <a:bodyPr/>
-          <a:lstStyle/>
-          <a:p>
-            <a:r>
-              <a:rPr lang="ja-JP" altLang="en-US" dirty="0" smtClean="0"/>
-              <a:t>ただプログラムをあわせた</a:t>
-            </a:r>
-            <a:endParaRPr kumimoji="1" lang="ja-JP" altLang="en-US" dirty="0"/>
-          </a:p>
-        </p:txBody>
-      </p:sp>
-      <p:pic>
-        <p:nvPicPr>
-          <p:cNvPr id="5" name="コンテンツ プレースホルダー 4"/>
-          <p:cNvPicPr>
-            <a:picLocks noGrp="1" noChangeAspect="1"/>
-          </p:cNvPicPr>
-          <p:nvPr>
-            <p:ph idx="1"/>
-          </p:nvPr>
-        </p:nvPicPr>
-        <p:blipFill rotWithShape="1">
-          <a:blip r:embed="rId2"/>
-          <a:srcRect t="14471"/>
-          <a:stretch/>
-        </p:blipFill>
-        <p:spPr>
-          <a:xfrm>
-            <a:off x="907715" y="2142067"/>
-            <a:ext cx="7328569" cy="4034896"/>
-          </a:xfrm>
-          <a:prstGeom prst="rect">
-            <a:avLst/>
-          </a:prstGeom>
-        </p:spPr>
-      </p:pic>
-      <p:sp>
-        <p:nvSpPr>
-          <p:cNvPr id="4" name="スライド番号プレースホルダー 3"/>
-          <p:cNvSpPr>
-            <a:spLocks noGrp="1"/>
-          </p:cNvSpPr>
-          <p:nvPr>
-            <p:ph type="sldNum" sz="quarter" idx="12"/>
-          </p:nvPr>
-        </p:nvSpPr>
-        <p:spPr/>
-        <p:txBody>
-          <a:bodyPr/>
-          <a:lstStyle/>
-          <a:p>
-            <a:fld id="{4A32CB03-0843-4AF8-BFB2-C9917854BC7E}" type="slidenum">
-              <a:rPr kumimoji="1" lang="ja-JP" altLang="en-US" smtClean="0"/>
-              <a:t>6</a:t>
-            </a:fld>
-            <a:endParaRPr kumimoji="1" lang="ja-JP" altLang="en-US"/>
-          </a:p>
-        </p:txBody>
-      </p:sp>
-    </p:spTree>
-    <p:extLst>
-      <p:ext uri="{BB962C8B-B14F-4D97-AF65-F5344CB8AC3E}">
-        <p14:creationId xmlns:p14="http://schemas.microsoft.com/office/powerpoint/2010/main" val="974302438"/>
-      </p:ext>
-    </p:extLst>
-  </p:cSld>
-  <p:clrMapOvr>
-    <a:masterClrMapping/>
-  </p:clrMapOvr>
-</p:sld>
-</file>
-
-<file path=ppt/slides/slide7.xml><?xml version="1.0" encoding="utf-8"?>
-<p:sld xmlns:a="http://schemas.openxmlformats.org/drawingml/2006/main" xmlns:r="http://schemas.openxmlformats.org/officeDocument/2006/relationships" xmlns:p="http://schemas.openxmlformats.org/presentationml/2006/main">
-  <p:cSld>
-    <p:spTree>
-      <p:nvGrpSpPr>
-        <p:cNvPr id="1" name=""/>
-        <p:cNvGrpSpPr/>
-        <p:nvPr/>
-      </p:nvGrpSpPr>
-      <p:grpSpPr>
-        <a:xfrm>
-          <a:off x="0" y="0"/>
-          <a:ext cx="0" cy="0"/>
-          <a:chOff x="0" y="0"/>
-          <a:chExt cx="0" cy="0"/>
-        </a:xfrm>
-      </p:grpSpPr>
-      <p:sp>
-        <p:nvSpPr>
-          <p:cNvPr id="2" name="タイトル 1"/>
-          <p:cNvSpPr>
-            <a:spLocks noGrp="1"/>
-          </p:cNvSpPr>
-          <p:nvPr>
-            <p:ph type="title"/>
-          </p:nvPr>
-        </p:nvSpPr>
-        <p:spPr/>
-        <p:txBody>
-          <a:bodyPr/>
-          <a:lstStyle/>
-          <a:p>
-            <a:r>
-              <a:rPr kumimoji="1" lang="ja-JP" altLang="en-US" dirty="0" smtClean="0"/>
-              <a:t>画面配置</a:t>
-            </a:r>
-            <a:endParaRPr kumimoji="1" lang="ja-JP" altLang="en-US" dirty="0"/>
-          </a:p>
-        </p:txBody>
-      </p:sp>
-      <p:sp>
-        <p:nvSpPr>
-          <p:cNvPr id="3" name="コンテンツ プレースホルダー 2"/>
-          <p:cNvSpPr>
-            <a:spLocks noGrp="1"/>
-          </p:cNvSpPr>
-          <p:nvPr>
-            <p:ph idx="1"/>
-          </p:nvPr>
-        </p:nvSpPr>
-        <p:spPr/>
-        <p:txBody>
-          <a:bodyPr/>
-          <a:lstStyle/>
-          <a:p>
-            <a:r>
-              <a:rPr kumimoji="1" lang="ja-JP" altLang="en-US" dirty="0" smtClean="0"/>
-              <a:t>タブをスイッチするプログラムを一度何も考えずにおいてみた</a:t>
-            </a:r>
-            <a:endParaRPr kumimoji="1" lang="en-US" altLang="ja-JP" dirty="0" smtClean="0"/>
-          </a:p>
-          <a:p>
-            <a:r>
-              <a:rPr lang="ja-JP" altLang="en-US" dirty="0" smtClean="0"/>
-              <a:t>どうしてか下の二つの</a:t>
-            </a:r>
-            <a:r>
-              <a:rPr lang="en-US" altLang="ja-JP" dirty="0" err="1" smtClean="0"/>
-              <a:t>textarea</a:t>
-            </a:r>
-            <a:r>
-              <a:rPr lang="ja-JP" altLang="en-US" dirty="0" smtClean="0"/>
-              <a:t>を消すとうまく機能しないため原因を探したいと思う</a:t>
-            </a:r>
-            <a:endParaRPr lang="en-US" altLang="ja-JP" dirty="0"/>
-          </a:p>
-          <a:p>
-            <a:r>
-              <a:rPr kumimoji="1" lang="ja-JP" altLang="en-US" dirty="0" smtClean="0"/>
-              <a:t>多分</a:t>
-            </a:r>
-            <a:r>
-              <a:rPr kumimoji="1" lang="en-US" altLang="ja-JP" dirty="0" err="1" smtClean="0"/>
-              <a:t>Javascript</a:t>
-            </a:r>
-            <a:r>
-              <a:rPr kumimoji="1" lang="ja-JP" altLang="en-US" dirty="0" smtClean="0"/>
-              <a:t>側で画面がロードされたときに</a:t>
-            </a:r>
-            <a:r>
-              <a:rPr kumimoji="1" lang="en-US" altLang="ja-JP" dirty="0" err="1" smtClean="0"/>
-              <a:t>textarea</a:t>
-            </a:r>
-            <a:r>
-              <a:rPr kumimoji="1" lang="ja-JP" altLang="en-US" dirty="0" smtClean="0"/>
-              <a:t>を呼ぶはずが、存在していなくてループしているとかが原因</a:t>
-            </a:r>
-            <a:endParaRPr kumimoji="1" lang="en-US" altLang="ja-JP" dirty="0" smtClean="0"/>
-          </a:p>
-          <a:p>
-            <a:endParaRPr kumimoji="1" lang="ja-JP" altLang="en-US" dirty="0"/>
-          </a:p>
-        </p:txBody>
-      </p:sp>
-      <p:sp>
-        <p:nvSpPr>
-          <p:cNvPr id="4" name="スライド番号プレースホルダー 3"/>
-          <p:cNvSpPr>
-            <a:spLocks noGrp="1"/>
-          </p:cNvSpPr>
-          <p:nvPr>
-            <p:ph type="sldNum" sz="quarter" idx="12"/>
-          </p:nvPr>
-        </p:nvSpPr>
-        <p:spPr/>
-        <p:txBody>
-          <a:bodyPr/>
-          <a:lstStyle/>
-          <a:p>
-            <a:fld id="{4A32CB03-0843-4AF8-BFB2-C9917854BC7E}" type="slidenum">
-              <a:rPr kumimoji="1" lang="ja-JP" altLang="en-US" smtClean="0"/>
-              <a:t>7</a:t>
-            </a:fld>
-            <a:endParaRPr kumimoji="1" lang="ja-JP" altLang="en-US"/>
-          </a:p>
-        </p:txBody>
-      </p:sp>
-    </p:spTree>
-    <p:extLst>
-      <p:ext uri="{BB962C8B-B14F-4D97-AF65-F5344CB8AC3E}">
-        <p14:creationId xmlns:p14="http://schemas.microsoft.com/office/powerpoint/2010/main" val="2725613017"/>
-      </p:ext>
-    </p:extLst>
-  </p:cSld>
-  <p:clrMapOvr>
-    <a:masterClrMapping/>
-  </p:clrMapOvr>
-</p:sld>
-</file>
-
-<file path=ppt/slides/slide8.xml><?xml version="1.0" encoding="utf-8"?>
-<p:sld xmlns:a="http://schemas.openxmlformats.org/drawingml/2006/main" xmlns:r="http://schemas.openxmlformats.org/officeDocument/2006/relationships" xmlns:p="http://schemas.openxmlformats.org/presentationml/2006/main">
-  <p:cSld>
-    <p:spTree>
-      <p:nvGrpSpPr>
-        <p:cNvPr id="1" name=""/>
-        <p:cNvGrpSpPr/>
-        <p:nvPr/>
-      </p:nvGrpSpPr>
-      <p:grpSpPr>
-        <a:xfrm>
-          <a:off x="0" y="0"/>
-          <a:ext cx="0" cy="0"/>
-          <a:chOff x="0" y="0"/>
-          <a:chExt cx="0" cy="0"/>
-        </a:xfrm>
-      </p:grpSpPr>
-      <p:sp>
-        <p:nvSpPr>
-          <p:cNvPr id="2" name="タイトル 1"/>
-          <p:cNvSpPr>
-            <a:spLocks noGrp="1"/>
-          </p:cNvSpPr>
-          <p:nvPr>
-            <p:ph type="title"/>
-          </p:nvPr>
-        </p:nvSpPr>
-        <p:spPr/>
-        <p:txBody>
-          <a:bodyPr/>
-          <a:lstStyle/>
-          <a:p>
-            <a:r>
-              <a:rPr kumimoji="1" lang="ja-JP" altLang="en-US" dirty="0" smtClean="0"/>
-              <a:t>ブロックプログラミングとは何か</a:t>
-            </a:r>
-            <a:endParaRPr kumimoji="1" lang="ja-JP" altLang="en-US" dirty="0"/>
-          </a:p>
-        </p:txBody>
-      </p:sp>
-      <p:sp>
-        <p:nvSpPr>
-          <p:cNvPr id="4" name="スライド番号プレースホルダー 3"/>
-          <p:cNvSpPr>
-            <a:spLocks noGrp="1"/>
-          </p:cNvSpPr>
-          <p:nvPr>
-            <p:ph type="sldNum" sz="quarter" idx="12"/>
-          </p:nvPr>
-        </p:nvSpPr>
-        <p:spPr/>
-        <p:txBody>
-          <a:bodyPr/>
-          <a:lstStyle/>
-          <a:p>
-            <a:fld id="{4A32CB03-0843-4AF8-BFB2-C9917854BC7E}" type="slidenum">
-              <a:rPr kumimoji="1" lang="ja-JP" altLang="en-US" sz="2400" smtClean="0"/>
-              <a:t>8</a:t>
-            </a:fld>
-            <a:endParaRPr kumimoji="1" lang="ja-JP" altLang="en-US" sz="2400" dirty="0"/>
-          </a:p>
-        </p:txBody>
-      </p:sp>
-      <p:pic>
-        <p:nvPicPr>
-          <p:cNvPr id="6" name="図 5"/>
-          <p:cNvPicPr>
-            <a:picLocks noChangeAspect="1"/>
-          </p:cNvPicPr>
-          <p:nvPr/>
-        </p:nvPicPr>
-        <p:blipFill>
-          <a:blip r:embed="rId2"/>
-          <a:stretch>
-            <a:fillRect/>
-          </a:stretch>
-        </p:blipFill>
-        <p:spPr>
-          <a:xfrm>
-            <a:off x="1169330" y="2592109"/>
-            <a:ext cx="6929652" cy="3860449"/>
-          </a:xfrm>
-          <a:prstGeom prst="rect">
-            <a:avLst/>
-          </a:prstGeom>
-        </p:spPr>
-      </p:pic>
-      <p:sp>
-        <p:nvSpPr>
-          <p:cNvPr id="7" name="テキスト ボックス 6"/>
-          <p:cNvSpPr txBox="1"/>
-          <p:nvPr/>
-        </p:nvSpPr>
-        <p:spPr>
-          <a:xfrm>
-            <a:off x="751959" y="1980429"/>
-            <a:ext cx="8392041" cy="707886"/>
-          </a:xfrm>
-          <a:prstGeom prst="rect">
-            <a:avLst/>
-          </a:prstGeom>
-          <a:noFill/>
-        </p:spPr>
-        <p:txBody>
-          <a:bodyPr wrap="none" rtlCol="0">
-            <a:spAutoFit/>
-          </a:bodyPr>
-          <a:lstStyle/>
-          <a:p>
-            <a:r>
-              <a:rPr kumimoji="1" lang="ja-JP" altLang="en-US" sz="2000" dirty="0" smtClean="0"/>
-              <a:t>ビジュアルプログラミングとも呼ばれる</a:t>
-            </a:r>
-            <a:endParaRPr kumimoji="1" lang="en-US" altLang="ja-JP" sz="2000" dirty="0" smtClean="0"/>
-          </a:p>
-          <a:p>
-            <a:r>
-              <a:rPr kumimoji="1" lang="ja-JP" altLang="en-US" sz="2000" dirty="0" smtClean="0"/>
-              <a:t>命令を埋め込まれたブロックを組み合わせるプログラミング手法のこと</a:t>
-            </a:r>
-            <a:endParaRPr kumimoji="1" lang="ja-JP" altLang="en-US" sz="2000" dirty="0"/>
-          </a:p>
-        </p:txBody>
-      </p:sp>
-    </p:spTree>
-    <p:extLst>
-      <p:ext uri="{BB962C8B-B14F-4D97-AF65-F5344CB8AC3E}">
-        <p14:creationId xmlns:p14="http://schemas.microsoft.com/office/powerpoint/2010/main" val="1081448831"/>
-      </p:ext>
-    </p:extLst>
-  </p:cSld>
-  <p:clrMapOvr>
-    <a:masterClrMapping/>
-  </p:clrMapOvr>
-</p:sld>
-</file>
-
-<file path=ppt/slides/slide9.xml><?xml version="1.0" encoding="utf-8"?>
-<p:sld xmlns:a="http://schemas.openxmlformats.org/drawingml/2006/main" xmlns:r="http://schemas.openxmlformats.org/officeDocument/2006/relationships" xmlns:p="http://schemas.openxmlformats.org/presentationml/2006/main">
-  <p:cSld>
-    <p:spTree>
-      <p:nvGrpSpPr>
-        <p:cNvPr id="1" name=""/>
-        <p:cNvGrpSpPr/>
-        <p:nvPr/>
-      </p:nvGrpSpPr>
-      <p:grpSpPr>
-        <a:xfrm>
-          <a:off x="0" y="0"/>
-          <a:ext cx="0" cy="0"/>
-          <a:chOff x="0" y="0"/>
-          <a:chExt cx="0" cy="0"/>
-        </a:xfrm>
-      </p:grpSpPr>
-      <p:sp>
-        <p:nvSpPr>
-          <p:cNvPr id="2" name="タイトル 1"/>
-          <p:cNvSpPr>
-            <a:spLocks noGrp="1"/>
-          </p:cNvSpPr>
-          <p:nvPr>
-            <p:ph type="title"/>
-          </p:nvPr>
-        </p:nvSpPr>
-        <p:spPr/>
-        <p:txBody>
-          <a:bodyPr/>
-          <a:lstStyle/>
-          <a:p>
-            <a:r>
-              <a:rPr kumimoji="1" lang="ja-JP" altLang="en-US" dirty="0" smtClean="0"/>
-              <a:t>研究背景</a:t>
-            </a:r>
-            <a:endParaRPr kumimoji="1" lang="ja-JP" altLang="en-US" dirty="0"/>
-          </a:p>
-        </p:txBody>
-      </p:sp>
-      <p:sp>
-        <p:nvSpPr>
-          <p:cNvPr id="3" name="コンテンツ プレースホルダー 2"/>
-          <p:cNvSpPr>
-            <a:spLocks noGrp="1"/>
-          </p:cNvSpPr>
-          <p:nvPr>
-            <p:ph idx="1"/>
-          </p:nvPr>
-        </p:nvSpPr>
-        <p:spPr/>
-        <p:txBody>
-          <a:bodyPr/>
-          <a:lstStyle/>
-          <a:p>
-            <a:pPr algn="just"/>
-            <a:r>
-              <a:rPr lang="en-US" altLang="ja-JP" dirty="0"/>
-              <a:t>2020</a:t>
-            </a:r>
-            <a:r>
-              <a:rPr lang="ja-JP" altLang="en-US" dirty="0"/>
-              <a:t>年以降小学校，中学校，高等学校にてプログラミング教育の必修が全面実施される．</a:t>
-            </a:r>
-            <a:endParaRPr lang="en-US" altLang="ja-JP" dirty="0"/>
-          </a:p>
-          <a:p>
-            <a:pPr algn="just"/>
-            <a:r>
-              <a:rPr lang="ja-JP" altLang="en-US" dirty="0"/>
-              <a:t>文部科学省の発表によると，プログラミング教育を必修とする目的は，現代社会で普遍的に求められる力としての論理的思考などを育むことである．</a:t>
-            </a:r>
-            <a:endParaRPr lang="en-US" altLang="ja-JP" dirty="0"/>
-          </a:p>
-          <a:p>
-            <a:pPr algn="just"/>
-            <a:r>
-              <a:rPr lang="ja-JP" altLang="en-US" dirty="0"/>
-              <a:t>論理的思考とは，「思考や論証の組み立て，思考の妥当性が保証される法則や形式」に則って思考を組み立てることとする．</a:t>
-            </a:r>
-            <a:endParaRPr lang="en-US" altLang="ja-JP" dirty="0"/>
-          </a:p>
-        </p:txBody>
-      </p:sp>
-      <p:sp>
-        <p:nvSpPr>
-          <p:cNvPr id="4" name="スライド番号プレースホルダー 3"/>
-          <p:cNvSpPr>
-            <a:spLocks noGrp="1"/>
-          </p:cNvSpPr>
-          <p:nvPr>
-            <p:ph type="sldNum" sz="quarter" idx="12"/>
-          </p:nvPr>
-        </p:nvSpPr>
-        <p:spPr/>
-        <p:txBody>
-          <a:bodyPr/>
-          <a:lstStyle/>
-          <a:p>
-            <a:fld id="{4A32CB03-0843-4AF8-BFB2-C9917854BC7E}" type="slidenum">
-              <a:rPr kumimoji="1" lang="ja-JP" altLang="en-US" sz="2800" smtClean="0"/>
-              <a:t>9</a:t>
-            </a:fld>
-            <a:endParaRPr kumimoji="1" lang="ja-JP" altLang="en-US" sz="2800" dirty="0"/>
-          </a:p>
-        </p:txBody>
-      </p:sp>
-    </p:spTree>
-    <p:extLst>
-      <p:ext uri="{BB962C8B-B14F-4D97-AF65-F5344CB8AC3E}">
-        <p14:creationId xmlns:p14="http://schemas.microsoft.com/office/powerpoint/2010/main" val="1938097084"/>
-      </p:ext>
-    </p:extLst>
-  </p:cSld>
-  <p:clrMapOvr>
-    <a:masterClrMapping/>
-  </p:clrMapOvr>
+  <p:timing>
+    <p:tnLst>
+      <p:par>
+        <p:cTn id="1" dur="indefinite" restart="never" nodeType="tmRoot"/>
+      </p:par>
+    </p:tnLst>
+  </p:timing>
 </p:sld>
 </file>
 

--- a/1821121_shimaoka_sotsuken.pptx
+++ b/1821121_shimaoka_sotsuken.pptx
@@ -5,38 +5,39 @@
     <p:sldMasterId id="2147483660" r:id="rId1"/>
   </p:sldMasterIdLst>
   <p:notesMasterIdLst>
-    <p:notesMasterId r:id="rId31"/>
+    <p:notesMasterId r:id="rId32"/>
   </p:notesMasterIdLst>
   <p:sldIdLst>
-    <p:sldId id="257" r:id="rId2"/>
-    <p:sldId id="265" r:id="rId3"/>
-    <p:sldId id="271" r:id="rId4"/>
-    <p:sldId id="270" r:id="rId5"/>
-    <p:sldId id="263" r:id="rId6"/>
-    <p:sldId id="269" r:id="rId7"/>
-    <p:sldId id="302" r:id="rId8"/>
-    <p:sldId id="279" r:id="rId9"/>
-    <p:sldId id="280" r:id="rId10"/>
-    <p:sldId id="288" r:id="rId11"/>
-    <p:sldId id="273" r:id="rId12"/>
-    <p:sldId id="278" r:id="rId13"/>
-    <p:sldId id="276" r:id="rId14"/>
-    <p:sldId id="285" r:id="rId15"/>
-    <p:sldId id="286" r:id="rId16"/>
-    <p:sldId id="277" r:id="rId17"/>
-    <p:sldId id="274" r:id="rId18"/>
-    <p:sldId id="275" r:id="rId19"/>
-    <p:sldId id="281" r:id="rId20"/>
-    <p:sldId id="282" r:id="rId21"/>
-    <p:sldId id="290" r:id="rId22"/>
-    <p:sldId id="272" r:id="rId23"/>
-    <p:sldId id="292" r:id="rId24"/>
-    <p:sldId id="293" r:id="rId25"/>
-    <p:sldId id="294" r:id="rId26"/>
-    <p:sldId id="295" r:id="rId27"/>
-    <p:sldId id="303" r:id="rId28"/>
-    <p:sldId id="304" r:id="rId29"/>
-    <p:sldId id="305" r:id="rId30"/>
+    <p:sldId id="309" r:id="rId2"/>
+    <p:sldId id="257" r:id="rId3"/>
+    <p:sldId id="265" r:id="rId4"/>
+    <p:sldId id="271" r:id="rId5"/>
+    <p:sldId id="270" r:id="rId6"/>
+    <p:sldId id="263" r:id="rId7"/>
+    <p:sldId id="269" r:id="rId8"/>
+    <p:sldId id="302" r:id="rId9"/>
+    <p:sldId id="279" r:id="rId10"/>
+    <p:sldId id="280" r:id="rId11"/>
+    <p:sldId id="288" r:id="rId12"/>
+    <p:sldId id="273" r:id="rId13"/>
+    <p:sldId id="278" r:id="rId14"/>
+    <p:sldId id="276" r:id="rId15"/>
+    <p:sldId id="285" r:id="rId16"/>
+    <p:sldId id="286" r:id="rId17"/>
+    <p:sldId id="277" r:id="rId18"/>
+    <p:sldId id="274" r:id="rId19"/>
+    <p:sldId id="275" r:id="rId20"/>
+    <p:sldId id="281" r:id="rId21"/>
+    <p:sldId id="282" r:id="rId22"/>
+    <p:sldId id="290" r:id="rId23"/>
+    <p:sldId id="272" r:id="rId24"/>
+    <p:sldId id="292" r:id="rId25"/>
+    <p:sldId id="293" r:id="rId26"/>
+    <p:sldId id="294" r:id="rId27"/>
+    <p:sldId id="295" r:id="rId28"/>
+    <p:sldId id="303" r:id="rId29"/>
+    <p:sldId id="304" r:id="rId30"/>
+    <p:sldId id="305" r:id="rId31"/>
   </p:sldIdLst>
   <p:sldSz cx="9144000" cy="6858000" type="screen4x3"/>
   <p:notesSz cx="6858000" cy="9144000"/>
@@ -614,7 +615,7 @@
           <a:p>
             <a:fld id="{47905BA8-D78C-4C59-98CB-0E1E713D5795}" type="slidenum">
               <a:rPr kumimoji="1" lang="ja-JP" altLang="en-US" smtClean="0"/>
-              <a:t>3</a:t>
+              <a:t>4</a:t>
             </a:fld>
             <a:endParaRPr kumimoji="1" lang="ja-JP" altLang="en-US"/>
           </a:p>
@@ -726,7 +727,7 @@
           <a:p>
             <a:fld id="{47905BA8-D78C-4C59-98CB-0E1E713D5795}" type="slidenum">
               <a:rPr kumimoji="1" lang="ja-JP" altLang="en-US" smtClean="0"/>
-              <a:t>5</a:t>
+              <a:t>6</a:t>
             </a:fld>
             <a:endParaRPr kumimoji="1" lang="ja-JP" altLang="en-US"/>
           </a:p>
@@ -859,7 +860,7 @@
           <a:p>
             <a:fld id="{47905BA8-D78C-4C59-98CB-0E1E713D5795}" type="slidenum">
               <a:rPr kumimoji="1" lang="ja-JP" altLang="en-US" smtClean="0"/>
-              <a:t>6</a:t>
+              <a:t>7</a:t>
             </a:fld>
             <a:endParaRPr kumimoji="1" lang="ja-JP" altLang="en-US"/>
           </a:p>
@@ -974,7 +975,7 @@
           <a:p>
             <a:fld id="{47905BA8-D78C-4C59-98CB-0E1E713D5795}" type="slidenum">
               <a:rPr kumimoji="1" lang="ja-JP" altLang="en-US" smtClean="0"/>
-              <a:t>7</a:t>
+              <a:t>8</a:t>
             </a:fld>
             <a:endParaRPr kumimoji="1" lang="ja-JP" altLang="en-US"/>
           </a:p>
@@ -1095,7 +1096,7 @@
           <a:p>
             <a:fld id="{47905BA8-D78C-4C59-98CB-0E1E713D5795}" type="slidenum">
               <a:rPr kumimoji="1" lang="ja-JP" altLang="en-US" smtClean="0"/>
-              <a:t>10</a:t>
+              <a:t>11</a:t>
             </a:fld>
             <a:endParaRPr kumimoji="1" lang="ja-JP" altLang="en-US"/>
           </a:p>
@@ -4269,77 +4270,96 @@
             <a:spLocks noGrp="1"/>
           </p:cNvSpPr>
           <p:nvPr>
-            <p:ph type="ctrTitle"/>
-          </p:nvPr>
-        </p:nvSpPr>
-        <p:spPr>
-          <a:xfrm>
-            <a:off x="1015551" y="2481933"/>
-            <a:ext cx="6858000" cy="1790700"/>
-          </a:xfrm>
-        </p:spPr>
-        <p:txBody>
-          <a:bodyPr>
-            <a:noAutofit/>
-          </a:bodyPr>
-          <a:lstStyle/>
-          <a:p>
-            <a:r>
-              <a:rPr lang="ja-JP" altLang="en-US" sz="4400" dirty="0" smtClean="0"/>
-              <a:t>ブロックプログラミング</a:t>
-            </a:r>
-            <a:r>
-              <a:rPr lang="ja-JP" altLang="en-US" sz="4400" dirty="0"/>
-              <a:t>を用いた論理的思考と</a:t>
-            </a:r>
-            <a:r>
-              <a:rPr lang="en-US" altLang="ja-JP" sz="4400" dirty="0"/>
-              <a:t/>
-            </a:r>
-            <a:br>
-              <a:rPr lang="en-US" altLang="ja-JP" sz="4400" dirty="0"/>
-            </a:br>
-            <a:r>
-              <a:rPr lang="ja-JP" altLang="en-US" sz="4400" dirty="0"/>
-              <a:t>コーディングを身に着けるための学習環境</a:t>
-            </a:r>
-            <a:endParaRPr kumimoji="1" lang="ja-JP" altLang="en-US" sz="4400" dirty="0"/>
-          </a:p>
-        </p:txBody>
-      </p:sp>
-      <p:sp>
-        <p:nvSpPr>
-          <p:cNvPr id="3" name="サブタイトル 2"/>
-          <p:cNvSpPr>
-            <a:spLocks noGrp="1"/>
-          </p:cNvSpPr>
-          <p:nvPr>
-            <p:ph type="subTitle" idx="1"/>
-          </p:nvPr>
-        </p:nvSpPr>
-        <p:spPr>
-          <a:xfrm>
-            <a:off x="1015551" y="4382700"/>
-            <a:ext cx="6858000" cy="1241823"/>
-          </a:xfrm>
-        </p:spPr>
-        <p:txBody>
-          <a:bodyPr/>
-          <a:lstStyle/>
-          <a:p>
+            <p:ph type="title"/>
+          </p:nvPr>
+        </p:nvSpPr>
+        <p:spPr/>
+        <p:txBody>
+          <a:bodyPr/>
+          <a:lstStyle/>
+          <a:p>
+            <a:endParaRPr kumimoji="1" lang="ja-JP" altLang="en-US"/>
+          </a:p>
+        </p:txBody>
+      </p:sp>
+      <p:sp>
+        <p:nvSpPr>
+          <p:cNvPr id="3" name="コンテンツ プレースホルダー 2"/>
+          <p:cNvSpPr>
+            <a:spLocks noGrp="1"/>
+          </p:cNvSpPr>
+          <p:nvPr>
+            <p:ph idx="1"/>
+          </p:nvPr>
+        </p:nvSpPr>
+        <p:spPr/>
+        <p:txBody>
+          <a:bodyPr/>
+          <a:lstStyle/>
+          <a:p>
+            <a:r>
+              <a:rPr kumimoji="1" lang="en-US" altLang="ja-JP" dirty="0" smtClean="0"/>
+              <a:t>If else  while</a:t>
+            </a:r>
+          </a:p>
+          <a:p>
+            <a:r>
+              <a:rPr lang="en-US" altLang="ja-JP" dirty="0" smtClean="0"/>
+              <a:t>Word</a:t>
+            </a:r>
+            <a:r>
+              <a:rPr kumimoji="1" lang="en-US" altLang="ja-JP" dirty="0" smtClean="0"/>
+              <a:t>2vec</a:t>
+            </a:r>
             <a:r>
               <a:rPr kumimoji="1" lang="ja-JP" altLang="en-US" dirty="0" smtClean="0"/>
-              <a:t>学籍番号：</a:t>
-            </a:r>
+              <a:t>で似たような言葉</a:t>
+            </a:r>
+            <a:endParaRPr kumimoji="1" lang="en-US" altLang="ja-JP" dirty="0" smtClean="0"/>
+          </a:p>
+          <a:p>
+            <a:r>
+              <a:rPr lang="ja-JP" altLang="en-US" dirty="0"/>
+              <a:t>似たよう</a:t>
+            </a:r>
+            <a:r>
+              <a:rPr lang="ja-JP" altLang="en-US" dirty="0" smtClean="0"/>
+              <a:t>な数字</a:t>
+            </a:r>
+            <a:endParaRPr lang="en-US" altLang="ja-JP" dirty="0" smtClean="0"/>
+          </a:p>
+          <a:p>
+            <a:endParaRPr kumimoji="1" lang="en-US" altLang="ja-JP" dirty="0" smtClean="0"/>
+          </a:p>
+          <a:p>
+            <a:r>
+              <a:rPr lang="ja-JP" altLang="en-US" dirty="0"/>
+              <a:t>似た関数</a:t>
+            </a:r>
+            <a:r>
+              <a:rPr lang="ja-JP" altLang="en-US" dirty="0" smtClean="0"/>
+              <a:t>をリスト</a:t>
+            </a:r>
+            <a:endParaRPr lang="en-US" altLang="ja-JP" dirty="0" smtClean="0"/>
+          </a:p>
+          <a:p>
+            <a:endParaRPr kumimoji="1" lang="en-US" altLang="ja-JP" dirty="0"/>
+          </a:p>
+          <a:p>
+            <a:r>
+              <a:rPr kumimoji="1" lang="ja-JP" altLang="en-US" dirty="0" smtClean="0"/>
+              <a:t>ある程度決め打ちでもいい</a:t>
+            </a:r>
+            <a:endParaRPr kumimoji="1" lang="en-US" altLang="ja-JP" dirty="0" smtClean="0"/>
+          </a:p>
+          <a:p>
             <a:r>
               <a:rPr kumimoji="1" lang="en-US" altLang="ja-JP" dirty="0" smtClean="0"/>
-              <a:t>1821121</a:t>
-            </a:r>
-          </a:p>
-          <a:p>
-            <a:r>
-              <a:rPr lang="ja-JP" altLang="en-US" dirty="0" smtClean="0"/>
-              <a:t>氏名：島岡慎也</a:t>
+              <a:t>for</a:t>
+            </a:r>
+            <a:r>
+              <a:rPr kumimoji="1" lang="ja-JP" altLang="en-US" dirty="0" smtClean="0"/>
+              <a:t>が正答だから似たようなもの</a:t>
             </a:r>
             <a:endParaRPr kumimoji="1" lang="ja-JP" altLang="en-US" dirty="0"/>
           </a:p>
@@ -4360,31 +4380,24 @@
           <a:bodyPr/>
           <a:lstStyle/>
           <a:p>
-            <a:fld id="{77022724-7A88-4190-89E1-23935288E045}" type="slidenum">
-              <a:rPr kumimoji="1" lang="ja-JP" altLang="en-US" sz="2400" smtClean="0"/>
+            <a:fld id="{4A32CB03-0843-4AF8-BFB2-C9917854BC7E}" type="slidenum">
+              <a:rPr kumimoji="1" lang="ja-JP" altLang="en-US" smtClean="0"/>
               <a:t>1</a:t>
             </a:fld>
-            <a:endParaRPr kumimoji="1" lang="ja-JP" altLang="en-US" sz="2400" dirty="0"/>
+            <a:endParaRPr kumimoji="1" lang="ja-JP" altLang="en-US"/>
           </a:p>
         </p:txBody>
       </p:sp>
     </p:spTree>
     <p:extLst>
       <p:ext uri="{BB962C8B-B14F-4D97-AF65-F5344CB8AC3E}">
-        <p14:creationId xmlns:p14="http://schemas.microsoft.com/office/powerpoint/2010/main" val="3218976117"/>
+        <p14:creationId xmlns:p14="http://schemas.microsoft.com/office/powerpoint/2010/main" val="1990968273"/>
       </p:ext>
     </p:extLst>
   </p:cSld>
   <p:clrMapOvr>
     <a:masterClrMapping/>
   </p:clrMapOvr>
-  <p:timing>
-    <p:tnLst>
-      <p:par>
-        <p:cTn id="1" dur="indefinite" restart="never" nodeType="tmRoot"/>
-      </p:par>
-    </p:tnLst>
-  </p:timing>
 </p:sld>
 </file>
 
@@ -4421,12 +4434,12 @@
           <a:lstStyle/>
           <a:p>
             <a:r>
-              <a:rPr lang="en-US" altLang="ja-JP" dirty="0" smtClean="0"/>
-              <a:t>Node.js</a:t>
-            </a:r>
-            <a:r>
               <a:rPr lang="ja-JP" altLang="en-US" dirty="0" smtClean="0"/>
-              <a:t>について</a:t>
+              <a:t>システム構成図</a:t>
+            </a:r>
+            <a:r>
+              <a:rPr kumimoji="1" lang="ja-JP" altLang="en-US" dirty="0" smtClean="0"/>
+              <a:t>（予想図）</a:t>
             </a:r>
             <a:endParaRPr kumimoji="1" lang="ja-JP" altLang="en-US" dirty="0"/>
           </a:p>
@@ -4434,78 +4447,7 @@
       </p:sp>
       <p:sp>
         <p:nvSpPr>
-          <p:cNvPr id="3" name="コンテンツ プレースホルダー 2"/>
-          <p:cNvSpPr>
-            <a:spLocks noGrp="1"/>
-          </p:cNvSpPr>
-          <p:nvPr>
-            <p:ph idx="1"/>
-          </p:nvPr>
-        </p:nvSpPr>
-        <p:spPr/>
-        <p:txBody>
-          <a:bodyPr/>
-          <a:lstStyle/>
-          <a:p>
-            <a:r>
-              <a:rPr kumimoji="1" lang="en-US" altLang="ja-JP" dirty="0" err="1" smtClean="0"/>
-              <a:t>Blockly</a:t>
-            </a:r>
-            <a:r>
-              <a:rPr lang="ja-JP" altLang="en-US" dirty="0"/>
-              <a:t>で</a:t>
-            </a:r>
-            <a:r>
-              <a:rPr lang="ja-JP" altLang="en-US" dirty="0" smtClean="0"/>
-              <a:t>は</a:t>
-            </a:r>
-            <a:r>
-              <a:rPr lang="ja-JP" altLang="en-US" dirty="0" smtClean="0"/>
-              <a:t>、</a:t>
-            </a:r>
-            <a:r>
-              <a:rPr lang="en-US" altLang="ja-JP" dirty="0" smtClean="0"/>
-              <a:t>Node </a:t>
-            </a:r>
-            <a:r>
-              <a:rPr lang="en-US" altLang="ja-JP" dirty="0"/>
-              <a:t>Package Manager</a:t>
-            </a:r>
-            <a:r>
-              <a:rPr lang="ja-JP" altLang="en-US" dirty="0" smtClean="0"/>
-              <a:t>と</a:t>
-            </a:r>
-            <a:r>
-              <a:rPr lang="ja-JP" altLang="en-US" dirty="0" smtClean="0"/>
-              <a:t>いうパッケージ管理のため</a:t>
-            </a:r>
-            <a:r>
-              <a:rPr lang="ja-JP" altLang="en-US" dirty="0" smtClean="0"/>
-              <a:t>に</a:t>
-            </a:r>
-            <a:r>
-              <a:rPr lang="en-US" altLang="ja-JP" dirty="0" smtClean="0"/>
-              <a:t>Node.js</a:t>
-            </a:r>
-            <a:r>
-              <a:rPr lang="ja-JP" altLang="en-US" dirty="0" smtClean="0"/>
-              <a:t>を利用</a:t>
-            </a:r>
-            <a:r>
-              <a:rPr lang="ja-JP" altLang="en-US" dirty="0" smtClean="0"/>
-              <a:t>して</a:t>
-            </a:r>
-            <a:r>
-              <a:rPr lang="ja-JP" altLang="en-US" dirty="0" smtClean="0"/>
-              <a:t>いる</a:t>
-            </a:r>
-            <a:endParaRPr kumimoji="1" lang="ja-JP" altLang="en-US" dirty="0"/>
-          </a:p>
-        </p:txBody>
-      </p:sp>
-      <p:sp>
-        <p:nvSpPr>
-          <p:cNvPr id="4" name="スライド番号プレースホルダー 3"/>
+          <p:cNvPr id="3" name="スライド番号プレースホルダー 2"/>
           <p:cNvSpPr>
             <a:spLocks noGrp="1"/>
           </p:cNvSpPr>
@@ -4521,4075 +4463,6 @@
             <a:fld id="{4A32CB03-0843-4AF8-BFB2-C9917854BC7E}" type="slidenum">
               <a:rPr kumimoji="1" lang="ja-JP" altLang="en-US" smtClean="0"/>
               <a:t>10</a:t>
-            </a:fld>
-            <a:endParaRPr kumimoji="1" lang="ja-JP" altLang="en-US"/>
-          </a:p>
-        </p:txBody>
-      </p:sp>
-    </p:spTree>
-    <p:extLst>
-      <p:ext uri="{BB962C8B-B14F-4D97-AF65-F5344CB8AC3E}">
-        <p14:creationId xmlns:p14="http://schemas.microsoft.com/office/powerpoint/2010/main" val="3535867368"/>
-      </p:ext>
-    </p:extLst>
-  </p:cSld>
-  <p:clrMapOvr>
-    <a:masterClrMapping/>
-  </p:clrMapOvr>
-  <p:timing>
-    <p:tnLst>
-      <p:par>
-        <p:cTn id="1" dur="indefinite" restart="never" nodeType="tmRoot"/>
-      </p:par>
-    </p:tnLst>
-  </p:timing>
-</p:sld>
-</file>
-
-<file path=ppt/slides/slide11.xml><?xml version="1.0" encoding="utf-8"?>
-<p:sld xmlns:a="http://schemas.openxmlformats.org/drawingml/2006/main" xmlns:r="http://schemas.openxmlformats.org/officeDocument/2006/relationships" xmlns:p="http://schemas.openxmlformats.org/presentationml/2006/main">
-  <p:cSld>
-    <p:spTree>
-      <p:nvGrpSpPr>
-        <p:cNvPr id="1" name=""/>
-        <p:cNvGrpSpPr/>
-        <p:nvPr/>
-      </p:nvGrpSpPr>
-      <p:grpSpPr>
-        <a:xfrm>
-          <a:off x="0" y="0"/>
-          <a:ext cx="0" cy="0"/>
-          <a:chOff x="0" y="0"/>
-          <a:chExt cx="0" cy="0"/>
-        </a:xfrm>
-      </p:grpSpPr>
-      <p:sp>
-        <p:nvSpPr>
-          <p:cNvPr id="2" name="タイトル 1"/>
-          <p:cNvSpPr>
-            <a:spLocks noGrp="1"/>
-          </p:cNvSpPr>
-          <p:nvPr>
-            <p:ph type="title"/>
-          </p:nvPr>
-        </p:nvSpPr>
-        <p:spPr/>
-        <p:txBody>
-          <a:bodyPr/>
-          <a:lstStyle/>
-          <a:p>
-            <a:r>
-              <a:rPr lang="en-US" altLang="ja-JP" dirty="0" err="1" smtClean="0"/>
-              <a:t>Node_modules</a:t>
-            </a:r>
-            <a:r>
-              <a:rPr lang="en-US" altLang="ja-JP" dirty="0" smtClean="0"/>
-              <a:t> install</a:t>
-            </a:r>
-            <a:endParaRPr kumimoji="1" lang="ja-JP" altLang="en-US" dirty="0"/>
-          </a:p>
-        </p:txBody>
-      </p:sp>
-      <p:sp>
-        <p:nvSpPr>
-          <p:cNvPr id="3" name="コンテンツ プレースホルダー 2"/>
-          <p:cNvSpPr>
-            <a:spLocks noGrp="1"/>
-          </p:cNvSpPr>
-          <p:nvPr>
-            <p:ph idx="1"/>
-          </p:nvPr>
-        </p:nvSpPr>
-        <p:spPr/>
-        <p:txBody>
-          <a:bodyPr/>
-          <a:lstStyle/>
-          <a:p>
-            <a:r>
-              <a:rPr lang="en-US" altLang="ja-JP" dirty="0" err="1" smtClean="0"/>
-              <a:t>Blockly</a:t>
-            </a:r>
-            <a:r>
-              <a:rPr lang="ja-JP" altLang="en-US" dirty="0" smtClean="0"/>
-              <a:t>公式によって用意されているモジュールのインストール</a:t>
-            </a:r>
-            <a:endParaRPr lang="en-US" altLang="ja-JP" dirty="0" smtClean="0"/>
-          </a:p>
-          <a:p>
-            <a:r>
-              <a:rPr kumimoji="1" lang="ja-JP" altLang="en-US" dirty="0" smtClean="0"/>
-              <a:t>方法：</a:t>
-            </a:r>
-            <a:r>
-              <a:rPr lang="ja-JP" altLang="en-US" dirty="0" smtClean="0"/>
-              <a:t>コマンドプロンプトにて</a:t>
-            </a:r>
-            <a:r>
-              <a:rPr kumimoji="1" lang="ja-JP" altLang="en-US" dirty="0" smtClean="0"/>
-              <a:t>実行したい</a:t>
-            </a:r>
-            <a:r>
-              <a:rPr kumimoji="1" lang="en-US" altLang="ja-JP" dirty="0" smtClean="0"/>
-              <a:t>JSON</a:t>
-            </a:r>
-            <a:r>
-              <a:rPr kumimoji="1" lang="ja-JP" altLang="en-US" dirty="0" smtClean="0"/>
-              <a:t>ファイルの場所に移動して</a:t>
-            </a:r>
-            <a:r>
-              <a:rPr kumimoji="1" lang="en-US" altLang="ja-JP" dirty="0" err="1" smtClean="0"/>
-              <a:t>npm</a:t>
-            </a:r>
-            <a:r>
-              <a:rPr kumimoji="1" lang="en-US" altLang="ja-JP" dirty="0" smtClean="0"/>
-              <a:t> install</a:t>
-            </a:r>
-            <a:r>
-              <a:rPr kumimoji="1" lang="ja-JP" altLang="en-US" dirty="0" smtClean="0"/>
-              <a:t>を実行</a:t>
-            </a:r>
-            <a:endParaRPr kumimoji="1" lang="en-US" altLang="ja-JP" dirty="0" smtClean="0"/>
-          </a:p>
-          <a:p>
-            <a:pPr marL="0" indent="0">
-              <a:buNone/>
-            </a:pPr>
-            <a:endParaRPr lang="en-US" altLang="ja-JP" dirty="0"/>
-          </a:p>
-        </p:txBody>
-      </p:sp>
-      <p:sp>
-        <p:nvSpPr>
-          <p:cNvPr id="4" name="スライド番号プレースホルダー 3"/>
-          <p:cNvSpPr>
-            <a:spLocks noGrp="1"/>
-          </p:cNvSpPr>
-          <p:nvPr>
-            <p:ph type="sldNum" sz="quarter" idx="12"/>
-          </p:nvPr>
-        </p:nvSpPr>
-        <p:spPr/>
-        <p:txBody>
-          <a:bodyPr/>
-          <a:lstStyle/>
-          <a:p>
-            <a:fld id="{4A32CB03-0843-4AF8-BFB2-C9917854BC7E}" type="slidenum">
-              <a:rPr kumimoji="1" lang="ja-JP" altLang="en-US" sz="2800" smtClean="0"/>
-              <a:t>11</a:t>
-            </a:fld>
-            <a:endParaRPr kumimoji="1" lang="ja-JP" altLang="en-US" sz="2800" dirty="0"/>
-          </a:p>
-        </p:txBody>
-      </p:sp>
-    </p:spTree>
-    <p:extLst>
-      <p:ext uri="{BB962C8B-B14F-4D97-AF65-F5344CB8AC3E}">
-        <p14:creationId xmlns:p14="http://schemas.microsoft.com/office/powerpoint/2010/main" val="2182324898"/>
-      </p:ext>
-    </p:extLst>
-  </p:cSld>
-  <p:clrMapOvr>
-    <a:masterClrMapping/>
-  </p:clrMapOvr>
-  <p:timing>
-    <p:tnLst>
-      <p:par>
-        <p:cTn id="1" dur="indefinite" restart="never" nodeType="tmRoot"/>
-      </p:par>
-    </p:tnLst>
-  </p:timing>
-</p:sld>
-</file>
-
-<file path=ppt/slides/slide12.xml><?xml version="1.0" encoding="utf-8"?>
-<p:sld xmlns:a="http://schemas.openxmlformats.org/drawingml/2006/main" xmlns:r="http://schemas.openxmlformats.org/officeDocument/2006/relationships" xmlns:p="http://schemas.openxmlformats.org/presentationml/2006/main">
-  <p:cSld>
-    <p:spTree>
-      <p:nvGrpSpPr>
-        <p:cNvPr id="1" name=""/>
-        <p:cNvGrpSpPr/>
-        <p:nvPr/>
-      </p:nvGrpSpPr>
-      <p:grpSpPr>
-        <a:xfrm>
-          <a:off x="0" y="0"/>
-          <a:ext cx="0" cy="0"/>
-          <a:chOff x="0" y="0"/>
-          <a:chExt cx="0" cy="0"/>
-        </a:xfrm>
-      </p:grpSpPr>
-      <p:sp>
-        <p:nvSpPr>
-          <p:cNvPr id="2" name="タイトル 1"/>
-          <p:cNvSpPr>
-            <a:spLocks noGrp="1"/>
-          </p:cNvSpPr>
-          <p:nvPr>
-            <p:ph type="title"/>
-          </p:nvPr>
-        </p:nvSpPr>
-        <p:spPr/>
-        <p:txBody>
-          <a:bodyPr/>
-          <a:lstStyle/>
-          <a:p>
-            <a:r>
-              <a:rPr lang="en-US" altLang="ja-JP" dirty="0" err="1"/>
-              <a:t>Node_modules</a:t>
-            </a:r>
-            <a:r>
-              <a:rPr lang="en-US" altLang="ja-JP" dirty="0"/>
-              <a:t> install</a:t>
-            </a:r>
-            <a:endParaRPr kumimoji="1" lang="ja-JP" altLang="en-US" dirty="0"/>
-          </a:p>
-        </p:txBody>
-      </p:sp>
-      <p:sp>
-        <p:nvSpPr>
-          <p:cNvPr id="4" name="スライド番号プレースホルダー 3"/>
-          <p:cNvSpPr>
-            <a:spLocks noGrp="1"/>
-          </p:cNvSpPr>
-          <p:nvPr>
-            <p:ph type="sldNum" sz="quarter" idx="12"/>
-          </p:nvPr>
-        </p:nvSpPr>
-        <p:spPr/>
-        <p:txBody>
-          <a:bodyPr/>
-          <a:lstStyle/>
-          <a:p>
-            <a:fld id="{4A32CB03-0843-4AF8-BFB2-C9917854BC7E}" type="slidenum">
-              <a:rPr kumimoji="1" lang="ja-JP" altLang="en-US" smtClean="0"/>
-              <a:t>12</a:t>
-            </a:fld>
-            <a:endParaRPr kumimoji="1" lang="ja-JP" altLang="en-US"/>
-          </a:p>
-        </p:txBody>
-      </p:sp>
-      <p:pic>
-        <p:nvPicPr>
-          <p:cNvPr id="5" name="図 4"/>
-          <p:cNvPicPr>
-            <a:picLocks noChangeAspect="1"/>
-          </p:cNvPicPr>
-          <p:nvPr/>
-        </p:nvPicPr>
-        <p:blipFill>
-          <a:blip r:embed="rId2"/>
-          <a:stretch>
-            <a:fillRect/>
-          </a:stretch>
-        </p:blipFill>
-        <p:spPr>
-          <a:xfrm>
-            <a:off x="628650" y="2176758"/>
-            <a:ext cx="7970195" cy="2031100"/>
-          </a:xfrm>
-          <a:prstGeom prst="rect">
-            <a:avLst/>
-          </a:prstGeom>
-        </p:spPr>
-      </p:pic>
-    </p:spTree>
-    <p:extLst>
-      <p:ext uri="{BB962C8B-B14F-4D97-AF65-F5344CB8AC3E}">
-        <p14:creationId xmlns:p14="http://schemas.microsoft.com/office/powerpoint/2010/main" val="2400612885"/>
-      </p:ext>
-    </p:extLst>
-  </p:cSld>
-  <p:clrMapOvr>
-    <a:masterClrMapping/>
-  </p:clrMapOvr>
-  <p:timing>
-    <p:tnLst>
-      <p:par>
-        <p:cTn id="1" dur="indefinite" restart="never" nodeType="tmRoot"/>
-      </p:par>
-    </p:tnLst>
-  </p:timing>
-</p:sld>
-</file>
-
-<file path=ppt/slides/slide13.xml><?xml version="1.0" encoding="utf-8"?>
-<p:sld xmlns:a="http://schemas.openxmlformats.org/drawingml/2006/main" xmlns:r="http://schemas.openxmlformats.org/officeDocument/2006/relationships" xmlns:p="http://schemas.openxmlformats.org/presentationml/2006/main">
-  <p:cSld>
-    <p:spTree>
-      <p:nvGrpSpPr>
-        <p:cNvPr id="1" name=""/>
-        <p:cNvGrpSpPr/>
-        <p:nvPr/>
-      </p:nvGrpSpPr>
-      <p:grpSpPr>
-        <a:xfrm>
-          <a:off x="0" y="0"/>
-          <a:ext cx="0" cy="0"/>
-          <a:chOff x="0" y="0"/>
-          <a:chExt cx="0" cy="0"/>
-        </a:xfrm>
-      </p:grpSpPr>
-      <p:sp>
-        <p:nvSpPr>
-          <p:cNvPr id="2" name="タイトル 1"/>
-          <p:cNvSpPr>
-            <a:spLocks noGrp="1"/>
-          </p:cNvSpPr>
-          <p:nvPr>
-            <p:ph type="title"/>
-          </p:nvPr>
-        </p:nvSpPr>
-        <p:spPr/>
-        <p:txBody>
-          <a:bodyPr/>
-          <a:lstStyle/>
-          <a:p>
-            <a:r>
-              <a:rPr kumimoji="1" lang="en-US" altLang="ja-JP" dirty="0" smtClean="0"/>
-              <a:t>Generator</a:t>
-            </a:r>
-            <a:endParaRPr kumimoji="1" lang="ja-JP" altLang="en-US" dirty="0"/>
-          </a:p>
-        </p:txBody>
-      </p:sp>
-      <p:sp>
-        <p:nvSpPr>
-          <p:cNvPr id="3" name="コンテンツ プレースホルダー 2"/>
-          <p:cNvSpPr>
-            <a:spLocks noGrp="1"/>
-          </p:cNvSpPr>
-          <p:nvPr>
-            <p:ph idx="1"/>
-          </p:nvPr>
-        </p:nvSpPr>
-        <p:spPr/>
-        <p:txBody>
-          <a:bodyPr/>
-          <a:lstStyle/>
-          <a:p>
-            <a:r>
-              <a:rPr kumimoji="1" lang="ja-JP" altLang="en-US" dirty="0" smtClean="0"/>
-              <a:t>ブロックからコードに変換するための生成器</a:t>
-            </a:r>
-            <a:endParaRPr lang="en-US" altLang="ja-JP" dirty="0"/>
-          </a:p>
-          <a:p>
-            <a:r>
-              <a:rPr lang="en-US" altLang="ja-JP" dirty="0" err="1" smtClean="0"/>
-              <a:t>Blockly</a:t>
-            </a:r>
-            <a:r>
-              <a:rPr lang="ja-JP" altLang="en-US" dirty="0" smtClean="0"/>
-              <a:t>で利用できる言語</a:t>
-            </a:r>
-            <a:endParaRPr lang="en-US" altLang="ja-JP" dirty="0" smtClean="0"/>
-          </a:p>
-          <a:p>
-            <a:pPr lvl="1"/>
-            <a:r>
-              <a:rPr kumimoji="1" lang="en-US" altLang="ja-JP" dirty="0" smtClean="0"/>
-              <a:t>JavaScript</a:t>
-            </a:r>
-          </a:p>
-          <a:p>
-            <a:pPr lvl="1"/>
-            <a:r>
-              <a:rPr lang="en-US" altLang="ja-JP" dirty="0" smtClean="0"/>
-              <a:t>Python</a:t>
-            </a:r>
-          </a:p>
-          <a:p>
-            <a:pPr lvl="1"/>
-            <a:r>
-              <a:rPr kumimoji="1" lang="en-US" altLang="ja-JP" dirty="0" smtClean="0"/>
-              <a:t>PHP</a:t>
-            </a:r>
-          </a:p>
-          <a:p>
-            <a:pPr lvl="1"/>
-            <a:r>
-              <a:rPr lang="en-US" altLang="ja-JP" dirty="0" err="1" smtClean="0"/>
-              <a:t>Lua</a:t>
-            </a:r>
-            <a:endParaRPr lang="en-US" altLang="ja-JP" dirty="0" smtClean="0"/>
-          </a:p>
-          <a:p>
-            <a:pPr lvl="1"/>
-            <a:r>
-              <a:rPr kumimoji="1" lang="en-US" altLang="ja-JP" dirty="0" smtClean="0"/>
-              <a:t>Dart</a:t>
-            </a:r>
-          </a:p>
-          <a:p>
-            <a:pPr marL="457200" lvl="1" indent="0">
-              <a:buNone/>
-            </a:pPr>
-            <a:endParaRPr kumimoji="1" lang="en-US" altLang="ja-JP" dirty="0" smtClean="0"/>
-          </a:p>
-        </p:txBody>
-      </p:sp>
-      <p:sp>
-        <p:nvSpPr>
-          <p:cNvPr id="4" name="スライド番号プレースホルダー 3"/>
-          <p:cNvSpPr>
-            <a:spLocks noGrp="1"/>
-          </p:cNvSpPr>
-          <p:nvPr>
-            <p:ph type="sldNum" sz="quarter" idx="12"/>
-          </p:nvPr>
-        </p:nvSpPr>
-        <p:spPr/>
-        <p:txBody>
-          <a:bodyPr/>
-          <a:lstStyle/>
-          <a:p>
-            <a:fld id="{4A32CB03-0843-4AF8-BFB2-C9917854BC7E}" type="slidenum">
-              <a:rPr kumimoji="1" lang="ja-JP" altLang="en-US" smtClean="0"/>
-              <a:t>13</a:t>
-            </a:fld>
-            <a:endParaRPr kumimoji="1" lang="ja-JP" altLang="en-US"/>
-          </a:p>
-        </p:txBody>
-      </p:sp>
-    </p:spTree>
-    <p:extLst>
-      <p:ext uri="{BB962C8B-B14F-4D97-AF65-F5344CB8AC3E}">
-        <p14:creationId xmlns:p14="http://schemas.microsoft.com/office/powerpoint/2010/main" val="559910476"/>
-      </p:ext>
-    </p:extLst>
-  </p:cSld>
-  <p:clrMapOvr>
-    <a:masterClrMapping/>
-  </p:clrMapOvr>
-  <p:timing>
-    <p:tnLst>
-      <p:par>
-        <p:cTn id="1" dur="indefinite" restart="never" nodeType="tmRoot"/>
-      </p:par>
-    </p:tnLst>
-  </p:timing>
-</p:sld>
-</file>
-
-<file path=ppt/slides/slide14.xml><?xml version="1.0" encoding="utf-8"?>
-<p:sld xmlns:a="http://schemas.openxmlformats.org/drawingml/2006/main" xmlns:r="http://schemas.openxmlformats.org/officeDocument/2006/relationships" xmlns:p="http://schemas.openxmlformats.org/presentationml/2006/main">
-  <p:cSld>
-    <p:spTree>
-      <p:nvGrpSpPr>
-        <p:cNvPr id="1" name=""/>
-        <p:cNvGrpSpPr/>
-        <p:nvPr/>
-      </p:nvGrpSpPr>
-      <p:grpSpPr>
-        <a:xfrm>
-          <a:off x="0" y="0"/>
-          <a:ext cx="0" cy="0"/>
-          <a:chOff x="0" y="0"/>
-          <a:chExt cx="0" cy="0"/>
-        </a:xfrm>
-      </p:grpSpPr>
-      <p:sp>
-        <p:nvSpPr>
-          <p:cNvPr id="2" name="タイトル 1"/>
-          <p:cNvSpPr>
-            <a:spLocks noGrp="1"/>
-          </p:cNvSpPr>
-          <p:nvPr>
-            <p:ph type="title"/>
-          </p:nvPr>
-        </p:nvSpPr>
-        <p:spPr>
-          <a:xfrm>
-            <a:off x="644834" y="365126"/>
-            <a:ext cx="7886700" cy="1325563"/>
-          </a:xfrm>
-        </p:spPr>
-        <p:txBody>
-          <a:bodyPr/>
-          <a:lstStyle/>
-          <a:p>
-            <a:r>
-              <a:rPr kumimoji="1" lang="en-US" altLang="ja-JP" dirty="0" err="1" smtClean="0"/>
-              <a:t>Lua</a:t>
-            </a:r>
-            <a:endParaRPr kumimoji="1" lang="ja-JP" altLang="en-US" dirty="0"/>
-          </a:p>
-        </p:txBody>
-      </p:sp>
-      <p:sp>
-        <p:nvSpPr>
-          <p:cNvPr id="3" name="コンテンツ プレースホルダー 2"/>
-          <p:cNvSpPr>
-            <a:spLocks noGrp="1"/>
-          </p:cNvSpPr>
-          <p:nvPr>
-            <p:ph idx="1"/>
-          </p:nvPr>
-        </p:nvSpPr>
-        <p:spPr/>
-        <p:txBody>
-          <a:bodyPr>
-            <a:normAutofit fontScale="70000" lnSpcReduction="20000"/>
-          </a:bodyPr>
-          <a:lstStyle/>
-          <a:p>
-            <a:pPr marL="0" indent="0">
-              <a:buNone/>
-            </a:pPr>
-            <a:r>
-              <a:rPr lang="en-US" altLang="ja-JP" dirty="0" err="1"/>
-              <a:t>Lua</a:t>
-            </a:r>
-            <a:r>
-              <a:rPr lang="ja-JP" altLang="en-US" dirty="0"/>
-              <a:t>（ルア）はスクリプト言語およびその処理系の実装で、主にリオデジャネイロ・カトリカ大学（英語版）のコンピュータ科学科 </a:t>
-            </a:r>
-            <a:r>
-              <a:rPr lang="en-US" altLang="ja-JP" dirty="0"/>
-              <a:t>(Department of Computer Science) </a:t>
-            </a:r>
-            <a:r>
-              <a:rPr lang="ja-JP" altLang="en-US" dirty="0"/>
-              <a:t>および</a:t>
-            </a:r>
-            <a:r>
-              <a:rPr lang="en-US" altLang="ja-JP" dirty="0"/>
-              <a:t>/</a:t>
-            </a:r>
-            <a:r>
-              <a:rPr lang="ja-JP" altLang="en-US" dirty="0"/>
-              <a:t>または同大学附属研究所の</a:t>
-            </a:r>
-            <a:r>
-              <a:rPr lang="en-US" altLang="ja-JP" dirty="0" err="1" smtClean="0"/>
-              <a:t>Tecgraf</a:t>
-            </a:r>
-            <a:r>
-              <a:rPr lang="en-US" altLang="ja-JP" dirty="0" smtClean="0"/>
-              <a:t>/PUC-Rio</a:t>
-            </a:r>
-            <a:r>
-              <a:rPr lang="ja-JP" altLang="en-US" dirty="0" smtClean="0"/>
-              <a:t>に</a:t>
-            </a:r>
-            <a:r>
-              <a:rPr lang="ja-JP" altLang="en-US" dirty="0"/>
-              <a:t>所属する、</a:t>
-            </a:r>
-            <a:r>
-              <a:rPr lang="en-US" altLang="ja-JP" dirty="0"/>
-              <a:t>Roberto </a:t>
-            </a:r>
-            <a:r>
-              <a:rPr lang="en-US" altLang="ja-JP" dirty="0" err="1"/>
-              <a:t>Ierusalimschy</a:t>
-            </a:r>
-            <a:r>
-              <a:rPr lang="ja-JP" altLang="en-US" dirty="0" err="1"/>
-              <a:t>、</a:t>
-            </a:r>
-            <a:r>
-              <a:rPr lang="en-US" altLang="ja-JP" dirty="0" err="1"/>
-              <a:t>Waldemar</a:t>
-            </a:r>
-            <a:r>
-              <a:rPr lang="en-US" altLang="ja-JP" dirty="0"/>
-              <a:t> </a:t>
-            </a:r>
-            <a:r>
-              <a:rPr lang="en-US" altLang="ja-JP" dirty="0" err="1" smtClean="0"/>
-              <a:t>Celes</a:t>
-            </a:r>
-            <a:r>
-              <a:rPr lang="ja-JP" altLang="en-US" dirty="0" err="1" smtClean="0"/>
-              <a:t>、</a:t>
-            </a:r>
-            <a:r>
-              <a:rPr lang="en-US" altLang="ja-JP" dirty="0"/>
-              <a:t>Luiz Henrique de </a:t>
-            </a:r>
-            <a:r>
-              <a:rPr lang="en-US" altLang="ja-JP" dirty="0" err="1" smtClean="0"/>
-              <a:t>Figueiredo</a:t>
-            </a:r>
-            <a:r>
-              <a:rPr lang="ja-JP" altLang="en-US" dirty="0" err="1" smtClean="0"/>
-              <a:t>らに</a:t>
-            </a:r>
-            <a:r>
-              <a:rPr lang="ja-JP" altLang="en-US" dirty="0"/>
-              <a:t>よって設計開発</a:t>
-            </a:r>
-            <a:r>
-              <a:rPr lang="ja-JP" altLang="en-US" dirty="0" smtClean="0"/>
-              <a:t>された。</a:t>
-            </a:r>
-            <a:endParaRPr lang="ja-JP" altLang="en-US" dirty="0"/>
-          </a:p>
-          <a:p>
-            <a:pPr marL="0" indent="0">
-              <a:buNone/>
-            </a:pPr>
-            <a:endParaRPr lang="ja-JP" altLang="en-US" dirty="0"/>
-          </a:p>
-          <a:p>
-            <a:pPr marL="0" indent="0">
-              <a:buNone/>
-            </a:pPr>
-            <a:r>
-              <a:rPr lang="ja-JP" altLang="en-US" dirty="0"/>
-              <a:t>手続き型言語として、またプロトタイプベースのオブジェクト指向言語としても利用することができ、関数型言語、データ駆動型としての要素も併せ持っている。</a:t>
-            </a:r>
-          </a:p>
-          <a:p>
-            <a:pPr marL="0" indent="0">
-              <a:buNone/>
-            </a:pPr>
-            <a:endParaRPr lang="ja-JP" altLang="en-US" dirty="0"/>
-          </a:p>
-          <a:p>
-            <a:pPr marL="0" indent="0">
-              <a:buNone/>
-            </a:pPr>
-            <a:r>
-              <a:rPr lang="en-US" altLang="ja-JP" dirty="0" err="1"/>
-              <a:t>Lua</a:t>
-            </a:r>
-            <a:r>
-              <a:rPr lang="ja-JP" altLang="en-US" dirty="0"/>
-              <a:t>という名前は、ポルトガル語の「月」に由来する</a:t>
-            </a:r>
-            <a:r>
-              <a:rPr lang="ja-JP" altLang="en-US" dirty="0" smtClean="0"/>
-              <a:t>。</a:t>
-            </a:r>
-            <a:endParaRPr lang="en-US" altLang="ja-JP" dirty="0" smtClean="0"/>
-          </a:p>
-          <a:p>
-            <a:pPr marL="0" indent="0">
-              <a:buNone/>
-            </a:pPr>
-            <a:endParaRPr kumimoji="1" lang="en-US" altLang="ja-JP" dirty="0" smtClean="0"/>
-          </a:p>
-          <a:p>
-            <a:pPr marL="0" indent="0">
-              <a:buNone/>
-            </a:pPr>
-            <a:r>
-              <a:rPr lang="ja-JP" altLang="en-US" dirty="0"/>
-              <a:t>引用</a:t>
-            </a:r>
-            <a:r>
-              <a:rPr lang="ja-JP" altLang="en-US" dirty="0" smtClean="0"/>
-              <a:t>：</a:t>
-            </a:r>
-            <a:endParaRPr kumimoji="1" lang="en-US" altLang="ja-JP" dirty="0"/>
-          </a:p>
-          <a:p>
-            <a:pPr marL="0" indent="0">
-              <a:buNone/>
-            </a:pPr>
-            <a:r>
-              <a:rPr lang="en-US" altLang="ja-JP" dirty="0"/>
-              <a:t>https://ja.wikipedia.org/wiki/Lua</a:t>
-            </a:r>
-            <a:endParaRPr kumimoji="1" lang="ja-JP" altLang="en-US" dirty="0"/>
-          </a:p>
-        </p:txBody>
-      </p:sp>
-      <p:sp>
-        <p:nvSpPr>
-          <p:cNvPr id="4" name="スライド番号プレースホルダー 3"/>
-          <p:cNvSpPr>
-            <a:spLocks noGrp="1"/>
-          </p:cNvSpPr>
-          <p:nvPr>
-            <p:ph type="sldNum" sz="quarter" idx="12"/>
-          </p:nvPr>
-        </p:nvSpPr>
-        <p:spPr/>
-        <p:txBody>
-          <a:bodyPr/>
-          <a:lstStyle/>
-          <a:p>
-            <a:fld id="{4A32CB03-0843-4AF8-BFB2-C9917854BC7E}" type="slidenum">
-              <a:rPr kumimoji="1" lang="ja-JP" altLang="en-US" smtClean="0"/>
-              <a:t>14</a:t>
-            </a:fld>
-            <a:endParaRPr kumimoji="1" lang="ja-JP" altLang="en-US"/>
-          </a:p>
-        </p:txBody>
-      </p:sp>
-    </p:spTree>
-    <p:extLst>
-      <p:ext uri="{BB962C8B-B14F-4D97-AF65-F5344CB8AC3E}">
-        <p14:creationId xmlns:p14="http://schemas.microsoft.com/office/powerpoint/2010/main" val="843265026"/>
-      </p:ext>
-    </p:extLst>
-  </p:cSld>
-  <p:clrMapOvr>
-    <a:masterClrMapping/>
-  </p:clrMapOvr>
-  <p:timing>
-    <p:tnLst>
-      <p:par>
-        <p:cTn id="1" dur="indefinite" restart="never" nodeType="tmRoot"/>
-      </p:par>
-    </p:tnLst>
-  </p:timing>
-</p:sld>
-</file>
-
-<file path=ppt/slides/slide15.xml><?xml version="1.0" encoding="utf-8"?>
-<p:sld xmlns:a="http://schemas.openxmlformats.org/drawingml/2006/main" xmlns:r="http://schemas.openxmlformats.org/officeDocument/2006/relationships" xmlns:p="http://schemas.openxmlformats.org/presentationml/2006/main">
-  <p:cSld>
-    <p:spTree>
-      <p:nvGrpSpPr>
-        <p:cNvPr id="1" name=""/>
-        <p:cNvGrpSpPr/>
-        <p:nvPr/>
-      </p:nvGrpSpPr>
-      <p:grpSpPr>
-        <a:xfrm>
-          <a:off x="0" y="0"/>
-          <a:ext cx="0" cy="0"/>
-          <a:chOff x="0" y="0"/>
-          <a:chExt cx="0" cy="0"/>
-        </a:xfrm>
-      </p:grpSpPr>
-      <p:sp>
-        <p:nvSpPr>
-          <p:cNvPr id="2" name="タイトル 1"/>
-          <p:cNvSpPr>
-            <a:spLocks noGrp="1"/>
-          </p:cNvSpPr>
-          <p:nvPr>
-            <p:ph type="title"/>
-          </p:nvPr>
-        </p:nvSpPr>
-        <p:spPr/>
-        <p:txBody>
-          <a:bodyPr/>
-          <a:lstStyle/>
-          <a:p>
-            <a:r>
-              <a:rPr kumimoji="1" lang="en-US" altLang="ja-JP" dirty="0" smtClean="0"/>
-              <a:t>Dart</a:t>
-            </a:r>
-            <a:endParaRPr kumimoji="1" lang="ja-JP" altLang="en-US" dirty="0"/>
-          </a:p>
-        </p:txBody>
-      </p:sp>
-      <p:sp>
-        <p:nvSpPr>
-          <p:cNvPr id="3" name="コンテンツ プレースホルダー 2"/>
-          <p:cNvSpPr>
-            <a:spLocks noGrp="1"/>
-          </p:cNvSpPr>
-          <p:nvPr>
-            <p:ph idx="1"/>
-          </p:nvPr>
-        </p:nvSpPr>
-        <p:spPr/>
-        <p:txBody>
-          <a:bodyPr>
-            <a:normAutofit lnSpcReduction="10000"/>
-          </a:bodyPr>
-          <a:lstStyle/>
-          <a:p>
-            <a:pPr marL="0" indent="0">
-              <a:buNone/>
-            </a:pPr>
-            <a:r>
-              <a:rPr lang="en-US" altLang="ja-JP" dirty="0"/>
-              <a:t>Dart</a:t>
-            </a:r>
-            <a:r>
-              <a:rPr lang="ja-JP" altLang="en-US" dirty="0"/>
-              <a:t>（ダートもしくはダーツ。当初は </a:t>
-            </a:r>
-            <a:r>
-              <a:rPr lang="en-US" altLang="ja-JP" dirty="0"/>
-              <a:t>Dash </a:t>
-            </a:r>
-            <a:r>
-              <a:rPr lang="ja-JP" altLang="en-US" dirty="0"/>
-              <a:t>と呼ばれていた）は</a:t>
-            </a:r>
-            <a:r>
-              <a:rPr lang="en-US" altLang="ja-JP" dirty="0"/>
-              <a:t>Google</a:t>
-            </a:r>
-            <a:r>
-              <a:rPr lang="ja-JP" altLang="en-US" dirty="0"/>
-              <a:t>によって開発されたウェブ向けのプログラミング言語である。</a:t>
-            </a:r>
-            <a:r>
-              <a:rPr lang="en-US" altLang="ja-JP" dirty="0"/>
-              <a:t>2011</a:t>
-            </a:r>
-            <a:r>
-              <a:rPr lang="ja-JP" altLang="en-US" dirty="0"/>
-              <a:t>年</a:t>
-            </a:r>
-            <a:r>
-              <a:rPr lang="en-US" altLang="ja-JP" dirty="0"/>
-              <a:t>10</a:t>
-            </a:r>
-            <a:r>
-              <a:rPr lang="ja-JP" altLang="en-US" dirty="0"/>
-              <a:t>月</a:t>
-            </a:r>
-            <a:r>
-              <a:rPr lang="en-US" altLang="ja-JP" dirty="0"/>
-              <a:t>10</a:t>
-            </a:r>
-            <a:r>
-              <a:rPr lang="ja-JP" altLang="en-US" dirty="0"/>
-              <a:t>日 </a:t>
-            </a:r>
-            <a:r>
-              <a:rPr lang="en-US" altLang="ja-JP" dirty="0"/>
-              <a:t>- 12</a:t>
-            </a:r>
-            <a:r>
-              <a:rPr lang="ja-JP" altLang="en-US" dirty="0"/>
-              <a:t>日に開催された デンマークのオーフスで開催された「</a:t>
-            </a:r>
-            <a:r>
-              <a:rPr lang="en-US" altLang="ja-JP" dirty="0"/>
-              <a:t>GOTO</a:t>
-            </a:r>
-            <a:r>
-              <a:rPr lang="ja-JP" altLang="en-US" dirty="0"/>
-              <a:t>カンファレンス</a:t>
-            </a:r>
-            <a:r>
-              <a:rPr lang="ja-JP" altLang="en-US" dirty="0" smtClean="0"/>
-              <a:t>」で</a:t>
-            </a:r>
-            <a:r>
-              <a:rPr lang="ja-JP" altLang="en-US" dirty="0"/>
-              <a:t>公開</a:t>
-            </a:r>
-            <a:r>
-              <a:rPr lang="ja-JP" altLang="en-US" dirty="0" smtClean="0"/>
-              <a:t>された。</a:t>
-            </a:r>
-            <a:r>
-              <a:rPr lang="ja-JP" altLang="en-US" dirty="0"/>
-              <a:t>この言語は、ウェブブラウザ組み込みのスクリプト言語である</a:t>
-            </a:r>
-            <a:r>
-              <a:rPr lang="en-US" altLang="ja-JP" dirty="0"/>
-              <a:t>JavaScript</a:t>
-            </a:r>
-            <a:r>
-              <a:rPr lang="ja-JP" altLang="en-US" dirty="0"/>
-              <a:t>の代替となることを目的に作られた</a:t>
-            </a:r>
-            <a:r>
-              <a:rPr lang="ja-JP" altLang="en-US" dirty="0" smtClean="0"/>
-              <a:t>。</a:t>
-            </a:r>
-            <a:endParaRPr lang="en-US" altLang="ja-JP" dirty="0"/>
-          </a:p>
-          <a:p>
-            <a:pPr marL="0" indent="0">
-              <a:buNone/>
-            </a:pPr>
-            <a:endParaRPr kumimoji="1" lang="en-US" altLang="ja-JP" dirty="0" smtClean="0"/>
-          </a:p>
-          <a:p>
-            <a:pPr marL="0" indent="0">
-              <a:buNone/>
-            </a:pPr>
-            <a:r>
-              <a:rPr kumimoji="1" lang="ja-JP" altLang="en-US" dirty="0" smtClean="0"/>
-              <a:t>引用：</a:t>
-            </a:r>
-            <a:endParaRPr kumimoji="1" lang="en-US" altLang="ja-JP" dirty="0" smtClean="0"/>
-          </a:p>
-          <a:p>
-            <a:pPr marL="0" indent="0">
-              <a:buNone/>
-            </a:pPr>
-            <a:r>
-              <a:rPr lang="en-US" altLang="ja-JP" dirty="0"/>
-              <a:t>https://ja.wikipedia.org/wiki/Dart</a:t>
-            </a:r>
-            <a:endParaRPr kumimoji="1" lang="ja-JP" altLang="en-US" dirty="0"/>
-          </a:p>
-        </p:txBody>
-      </p:sp>
-      <p:sp>
-        <p:nvSpPr>
-          <p:cNvPr id="4" name="スライド番号プレースホルダー 3"/>
-          <p:cNvSpPr>
-            <a:spLocks noGrp="1"/>
-          </p:cNvSpPr>
-          <p:nvPr>
-            <p:ph type="sldNum" sz="quarter" idx="12"/>
-          </p:nvPr>
-        </p:nvSpPr>
-        <p:spPr/>
-        <p:txBody>
-          <a:bodyPr/>
-          <a:lstStyle/>
-          <a:p>
-            <a:fld id="{4A32CB03-0843-4AF8-BFB2-C9917854BC7E}" type="slidenum">
-              <a:rPr kumimoji="1" lang="ja-JP" altLang="en-US" smtClean="0"/>
-              <a:t>15</a:t>
-            </a:fld>
-            <a:endParaRPr kumimoji="1" lang="ja-JP" altLang="en-US"/>
-          </a:p>
-        </p:txBody>
-      </p:sp>
-    </p:spTree>
-    <p:extLst>
-      <p:ext uri="{BB962C8B-B14F-4D97-AF65-F5344CB8AC3E}">
-        <p14:creationId xmlns:p14="http://schemas.microsoft.com/office/powerpoint/2010/main" val="3121424104"/>
-      </p:ext>
-    </p:extLst>
-  </p:cSld>
-  <p:clrMapOvr>
-    <a:masterClrMapping/>
-  </p:clrMapOvr>
-  <p:timing>
-    <p:tnLst>
-      <p:par>
-        <p:cTn id="1" dur="indefinite" restart="never" nodeType="tmRoot"/>
-      </p:par>
-    </p:tnLst>
-  </p:timing>
-</p:sld>
-</file>
-
-<file path=ppt/slides/slide16.xml><?xml version="1.0" encoding="utf-8"?>
-<p:sld xmlns:a="http://schemas.openxmlformats.org/drawingml/2006/main" xmlns:r="http://schemas.openxmlformats.org/officeDocument/2006/relationships" xmlns:p="http://schemas.openxmlformats.org/presentationml/2006/main">
-  <p:cSld>
-    <p:spTree>
-      <p:nvGrpSpPr>
-        <p:cNvPr id="1" name=""/>
-        <p:cNvGrpSpPr/>
-        <p:nvPr/>
-      </p:nvGrpSpPr>
-      <p:grpSpPr>
-        <a:xfrm>
-          <a:off x="0" y="0"/>
-          <a:ext cx="0" cy="0"/>
-          <a:chOff x="0" y="0"/>
-          <a:chExt cx="0" cy="0"/>
-        </a:xfrm>
-      </p:grpSpPr>
-      <p:sp>
-        <p:nvSpPr>
-          <p:cNvPr id="2" name="タイトル 1"/>
-          <p:cNvSpPr>
-            <a:spLocks noGrp="1"/>
-          </p:cNvSpPr>
-          <p:nvPr>
-            <p:ph type="title"/>
-          </p:nvPr>
-        </p:nvSpPr>
-        <p:spPr/>
-        <p:txBody>
-          <a:bodyPr/>
-          <a:lstStyle/>
-          <a:p>
-            <a:r>
-              <a:rPr kumimoji="1" lang="en-US" altLang="ja-JP" dirty="0" smtClean="0"/>
-              <a:t>Generator</a:t>
-            </a:r>
-            <a:endParaRPr kumimoji="1" lang="ja-JP" altLang="en-US" dirty="0"/>
-          </a:p>
-        </p:txBody>
-      </p:sp>
-      <p:sp>
-        <p:nvSpPr>
-          <p:cNvPr id="3" name="コンテンツ プレースホルダー 2"/>
-          <p:cNvSpPr>
-            <a:spLocks noGrp="1"/>
-          </p:cNvSpPr>
-          <p:nvPr>
-            <p:ph idx="1"/>
-          </p:nvPr>
-        </p:nvSpPr>
-        <p:spPr/>
-        <p:txBody>
-          <a:bodyPr>
-            <a:normAutofit/>
-          </a:bodyPr>
-          <a:lstStyle/>
-          <a:p>
-            <a:r>
-              <a:rPr kumimoji="1" lang="en-US" altLang="ja-JP" dirty="0" smtClean="0"/>
-              <a:t>Generator</a:t>
-            </a:r>
-            <a:r>
-              <a:rPr kumimoji="1" lang="ja-JP" altLang="en-US" dirty="0" smtClean="0"/>
-              <a:t>を利用する際には、前のスライドの通りに実行し、</a:t>
-            </a:r>
-            <a:r>
-              <a:rPr kumimoji="1" lang="en-US" altLang="ja-JP" dirty="0" err="1" smtClean="0"/>
-              <a:t>Node_modules</a:t>
-            </a:r>
-            <a:r>
-              <a:rPr kumimoji="1" lang="ja-JP" altLang="en-US" dirty="0" smtClean="0"/>
-              <a:t>内のファイルを呼び出す</a:t>
-            </a:r>
-            <a:endParaRPr kumimoji="1" lang="en-US" altLang="ja-JP" dirty="0" smtClean="0"/>
-          </a:p>
-          <a:p>
-            <a:r>
-              <a:rPr lang="en-US" altLang="ja-JP" dirty="0"/>
-              <a:t>h</a:t>
-            </a:r>
-            <a:r>
-              <a:rPr lang="en-US" altLang="ja-JP" dirty="0" smtClean="0"/>
-              <a:t>tml</a:t>
-            </a:r>
-            <a:r>
-              <a:rPr lang="ja-JP" altLang="en-US" dirty="0" smtClean="0"/>
-              <a:t>ファイル内で、</a:t>
-            </a:r>
-            <a:r>
-              <a:rPr lang="en-US" altLang="ja-JP" dirty="0" smtClean="0"/>
-              <a:t>script</a:t>
-            </a:r>
-            <a:r>
-              <a:rPr lang="ja-JP" altLang="en-US" dirty="0" smtClean="0"/>
-              <a:t>で呼び出し</a:t>
-            </a:r>
-            <a:endParaRPr lang="en-US" altLang="ja-JP" dirty="0" smtClean="0"/>
-          </a:p>
-          <a:p>
-            <a:r>
-              <a:rPr lang="en-US" altLang="ja-JP" dirty="0"/>
-              <a:t> </a:t>
-            </a:r>
-            <a:r>
-              <a:rPr lang="en-US" altLang="ja-JP" dirty="0" err="1"/>
-              <a:t>var</a:t>
-            </a:r>
-            <a:r>
-              <a:rPr lang="en-US" altLang="ja-JP" dirty="0"/>
-              <a:t> code = </a:t>
-            </a:r>
-            <a:r>
-              <a:rPr lang="en-US" altLang="ja-JP" dirty="0" err="1"/>
-              <a:t>Blockly.JavaScript.workspaceToCode</a:t>
-            </a:r>
-            <a:r>
-              <a:rPr lang="en-US" altLang="ja-JP" dirty="0"/>
-              <a:t>(</a:t>
-            </a:r>
-            <a:r>
-              <a:rPr lang="en-US" altLang="ja-JP" dirty="0" err="1"/>
-              <a:t>demoWorkspace</a:t>
-            </a:r>
-            <a:r>
-              <a:rPr lang="en-US" altLang="ja-JP" dirty="0" smtClean="0"/>
-              <a:t>);</a:t>
-            </a:r>
-          </a:p>
-          <a:p>
-            <a:endParaRPr lang="en-US" altLang="ja-JP" dirty="0"/>
-          </a:p>
-        </p:txBody>
-      </p:sp>
-      <p:sp>
-        <p:nvSpPr>
-          <p:cNvPr id="4" name="スライド番号プレースホルダー 3"/>
-          <p:cNvSpPr>
-            <a:spLocks noGrp="1"/>
-          </p:cNvSpPr>
-          <p:nvPr>
-            <p:ph type="sldNum" sz="quarter" idx="12"/>
-          </p:nvPr>
-        </p:nvSpPr>
-        <p:spPr/>
-        <p:txBody>
-          <a:bodyPr/>
-          <a:lstStyle/>
-          <a:p>
-            <a:fld id="{4A32CB03-0843-4AF8-BFB2-C9917854BC7E}" type="slidenum">
-              <a:rPr kumimoji="1" lang="ja-JP" altLang="en-US" smtClean="0"/>
-              <a:t>16</a:t>
-            </a:fld>
-            <a:endParaRPr kumimoji="1" lang="ja-JP" altLang="en-US"/>
-          </a:p>
-        </p:txBody>
-      </p:sp>
-    </p:spTree>
-    <p:extLst>
-      <p:ext uri="{BB962C8B-B14F-4D97-AF65-F5344CB8AC3E}">
-        <p14:creationId xmlns:p14="http://schemas.microsoft.com/office/powerpoint/2010/main" val="2142560469"/>
-      </p:ext>
-    </p:extLst>
-  </p:cSld>
-  <p:clrMapOvr>
-    <a:masterClrMapping/>
-  </p:clrMapOvr>
-  <p:timing>
-    <p:tnLst>
-      <p:par>
-        <p:cTn id="1" dur="indefinite" restart="never" nodeType="tmRoot"/>
-      </p:par>
-    </p:tnLst>
-  </p:timing>
-</p:sld>
-</file>
-
-<file path=ppt/slides/slide17.xml><?xml version="1.0" encoding="utf-8"?>
-<p:sld xmlns:a="http://schemas.openxmlformats.org/drawingml/2006/main" xmlns:r="http://schemas.openxmlformats.org/officeDocument/2006/relationships" xmlns:p="http://schemas.openxmlformats.org/presentationml/2006/main">
-  <p:cSld>
-    <p:spTree>
-      <p:nvGrpSpPr>
-        <p:cNvPr id="1" name=""/>
-        <p:cNvGrpSpPr/>
-        <p:nvPr/>
-      </p:nvGrpSpPr>
-      <p:grpSpPr>
-        <a:xfrm>
-          <a:off x="0" y="0"/>
-          <a:ext cx="0" cy="0"/>
-          <a:chOff x="0" y="0"/>
-          <a:chExt cx="0" cy="0"/>
-        </a:xfrm>
-      </p:grpSpPr>
-      <p:sp>
-        <p:nvSpPr>
-          <p:cNvPr id="2" name="タイトル 1"/>
-          <p:cNvSpPr>
-            <a:spLocks noGrp="1"/>
-          </p:cNvSpPr>
-          <p:nvPr>
-            <p:ph type="title"/>
-          </p:nvPr>
-        </p:nvSpPr>
-        <p:spPr/>
-        <p:txBody>
-          <a:bodyPr/>
-          <a:lstStyle/>
-          <a:p>
-            <a:r>
-              <a:rPr kumimoji="1" lang="en-US" altLang="ja-JP" dirty="0" err="1" smtClean="0"/>
-              <a:t>Genearator</a:t>
-            </a:r>
-            <a:r>
-              <a:rPr kumimoji="1" lang="ja-JP" altLang="en-US" dirty="0" smtClean="0"/>
-              <a:t>の実行テスト</a:t>
-            </a:r>
-            <a:endParaRPr kumimoji="1" lang="ja-JP" altLang="en-US" dirty="0"/>
-          </a:p>
-        </p:txBody>
-      </p:sp>
-      <p:sp>
-        <p:nvSpPr>
-          <p:cNvPr id="4" name="スライド番号プレースホルダー 3"/>
-          <p:cNvSpPr>
-            <a:spLocks noGrp="1"/>
-          </p:cNvSpPr>
-          <p:nvPr>
-            <p:ph type="sldNum" sz="quarter" idx="12"/>
-          </p:nvPr>
-        </p:nvSpPr>
-        <p:spPr/>
-        <p:txBody>
-          <a:bodyPr/>
-          <a:lstStyle/>
-          <a:p>
-            <a:fld id="{4A32CB03-0843-4AF8-BFB2-C9917854BC7E}" type="slidenum">
-              <a:rPr kumimoji="1" lang="ja-JP" altLang="en-US" sz="2800" smtClean="0"/>
-              <a:t>17</a:t>
-            </a:fld>
-            <a:endParaRPr kumimoji="1" lang="ja-JP" altLang="en-US" dirty="0"/>
-          </a:p>
-        </p:txBody>
-      </p:sp>
-      <p:pic>
-        <p:nvPicPr>
-          <p:cNvPr id="3" name="図 2"/>
-          <p:cNvPicPr>
-            <a:picLocks noChangeAspect="1"/>
-          </p:cNvPicPr>
-          <p:nvPr/>
-        </p:nvPicPr>
-        <p:blipFill>
-          <a:blip r:embed="rId2"/>
-          <a:stretch>
-            <a:fillRect/>
-          </a:stretch>
-        </p:blipFill>
-        <p:spPr>
-          <a:xfrm>
-            <a:off x="1141095" y="1690689"/>
-            <a:ext cx="5647905" cy="3900141"/>
-          </a:xfrm>
-          <a:prstGeom prst="rect">
-            <a:avLst/>
-          </a:prstGeom>
-        </p:spPr>
-      </p:pic>
-    </p:spTree>
-    <p:extLst>
-      <p:ext uri="{BB962C8B-B14F-4D97-AF65-F5344CB8AC3E}">
-        <p14:creationId xmlns:p14="http://schemas.microsoft.com/office/powerpoint/2010/main" val="4257970129"/>
-      </p:ext>
-    </p:extLst>
-  </p:cSld>
-  <p:clrMapOvr>
-    <a:masterClrMapping/>
-  </p:clrMapOvr>
-  <p:timing>
-    <p:tnLst>
-      <p:par>
-        <p:cTn id="1" dur="indefinite" restart="never" nodeType="tmRoot"/>
-      </p:par>
-    </p:tnLst>
-  </p:timing>
-</p:sld>
-</file>
-
-<file path=ppt/slides/slide18.xml><?xml version="1.0" encoding="utf-8"?>
-<p:sld xmlns:a="http://schemas.openxmlformats.org/drawingml/2006/main" xmlns:r="http://schemas.openxmlformats.org/officeDocument/2006/relationships" xmlns:p="http://schemas.openxmlformats.org/presentationml/2006/main">
-  <p:cSld>
-    <p:spTree>
-      <p:nvGrpSpPr>
-        <p:cNvPr id="1" name=""/>
-        <p:cNvGrpSpPr/>
-        <p:nvPr/>
-      </p:nvGrpSpPr>
-      <p:grpSpPr>
-        <a:xfrm>
-          <a:off x="0" y="0"/>
-          <a:ext cx="0" cy="0"/>
-          <a:chOff x="0" y="0"/>
-          <a:chExt cx="0" cy="0"/>
-        </a:xfrm>
-      </p:grpSpPr>
-      <p:sp>
-        <p:nvSpPr>
-          <p:cNvPr id="2" name="タイトル 1"/>
-          <p:cNvSpPr>
-            <a:spLocks noGrp="1"/>
-          </p:cNvSpPr>
-          <p:nvPr>
-            <p:ph type="title"/>
-          </p:nvPr>
-        </p:nvSpPr>
-        <p:spPr/>
-        <p:txBody>
-          <a:bodyPr/>
-          <a:lstStyle/>
-          <a:p>
-            <a:r>
-              <a:rPr lang="en-US" altLang="ja-JP" dirty="0" err="1"/>
-              <a:t>Genearator</a:t>
-            </a:r>
-            <a:r>
-              <a:rPr lang="ja-JP" altLang="en-US" dirty="0"/>
-              <a:t>の実行テスト</a:t>
-            </a:r>
-            <a:endParaRPr kumimoji="1" lang="ja-JP" altLang="en-US" dirty="0"/>
-          </a:p>
-        </p:txBody>
-      </p:sp>
-      <p:sp>
-        <p:nvSpPr>
-          <p:cNvPr id="3" name="コンテンツ プレースホルダー 2"/>
-          <p:cNvSpPr>
-            <a:spLocks noGrp="1"/>
-          </p:cNvSpPr>
-          <p:nvPr>
-            <p:ph idx="1"/>
-          </p:nvPr>
-        </p:nvSpPr>
-        <p:spPr/>
-        <p:txBody>
-          <a:bodyPr/>
-          <a:lstStyle/>
-          <a:p>
-            <a:r>
-              <a:rPr kumimoji="1" lang="ja-JP" altLang="en-US" dirty="0" smtClean="0"/>
-              <a:t>図のようにブロックを組み合わせ、左側の</a:t>
-            </a:r>
-            <a:r>
-              <a:rPr kumimoji="1" lang="en-US" altLang="ja-JP" dirty="0" smtClean="0"/>
-              <a:t>Show </a:t>
-            </a:r>
-            <a:r>
-              <a:rPr kumimoji="1" lang="en-US" altLang="ja-JP" dirty="0" err="1" smtClean="0"/>
-              <a:t>javascript</a:t>
-            </a:r>
-            <a:r>
-              <a:rPr kumimoji="1" lang="ja-JP" altLang="en-US" dirty="0" smtClean="0"/>
-              <a:t>を押すと、ブロックからコードを生成する</a:t>
-            </a:r>
-            <a:r>
-              <a:rPr lang="ja-JP" altLang="en-US" dirty="0" smtClean="0"/>
-              <a:t>（ブロックに対応したコードを表示する）</a:t>
-            </a:r>
-            <a:endParaRPr lang="en-US" altLang="ja-JP" dirty="0" smtClean="0"/>
-          </a:p>
-          <a:p>
-            <a:r>
-              <a:rPr lang="ja-JP" altLang="en-US" dirty="0" smtClean="0"/>
-              <a:t>右側の</a:t>
-            </a:r>
-            <a:r>
-              <a:rPr lang="en-US" altLang="ja-JP" dirty="0" smtClean="0"/>
-              <a:t>Run JavaScript</a:t>
-            </a:r>
-            <a:r>
-              <a:rPr lang="ja-JP" altLang="en-US" dirty="0" smtClean="0"/>
-              <a:t>を押すと、コードを実行する</a:t>
-            </a:r>
-            <a:endParaRPr kumimoji="1" lang="en-US" altLang="ja-JP" dirty="0" smtClean="0"/>
-          </a:p>
-        </p:txBody>
-      </p:sp>
-      <p:sp>
-        <p:nvSpPr>
-          <p:cNvPr id="4" name="スライド番号プレースホルダー 3"/>
-          <p:cNvSpPr>
-            <a:spLocks noGrp="1"/>
-          </p:cNvSpPr>
-          <p:nvPr>
-            <p:ph type="sldNum" sz="quarter" idx="12"/>
-          </p:nvPr>
-        </p:nvSpPr>
-        <p:spPr/>
-        <p:txBody>
-          <a:bodyPr/>
-          <a:lstStyle/>
-          <a:p>
-            <a:fld id="{4A32CB03-0843-4AF8-BFB2-C9917854BC7E}" type="slidenum">
-              <a:rPr kumimoji="1" lang="ja-JP" altLang="en-US" sz="2800" smtClean="0"/>
-              <a:t>18</a:t>
-            </a:fld>
-            <a:endParaRPr kumimoji="1" lang="ja-JP" altLang="en-US" sz="2800" dirty="0"/>
-          </a:p>
-        </p:txBody>
-      </p:sp>
-    </p:spTree>
-    <p:extLst>
-      <p:ext uri="{BB962C8B-B14F-4D97-AF65-F5344CB8AC3E}">
-        <p14:creationId xmlns:p14="http://schemas.microsoft.com/office/powerpoint/2010/main" val="2997179172"/>
-      </p:ext>
-    </p:extLst>
-  </p:cSld>
-  <p:clrMapOvr>
-    <a:masterClrMapping/>
-  </p:clrMapOvr>
-  <p:timing>
-    <p:tnLst>
-      <p:par>
-        <p:cTn id="1" dur="indefinite" restart="never" nodeType="tmRoot"/>
-      </p:par>
-    </p:tnLst>
-  </p:timing>
-</p:sld>
-</file>
-
-<file path=ppt/slides/slide19.xml><?xml version="1.0" encoding="utf-8"?>
-<p:sld xmlns:a="http://schemas.openxmlformats.org/drawingml/2006/main" xmlns:r="http://schemas.openxmlformats.org/officeDocument/2006/relationships" xmlns:p="http://schemas.openxmlformats.org/presentationml/2006/main">
-  <p:cSld>
-    <p:spTree>
-      <p:nvGrpSpPr>
-        <p:cNvPr id="1" name=""/>
-        <p:cNvGrpSpPr/>
-        <p:nvPr/>
-      </p:nvGrpSpPr>
-      <p:grpSpPr>
-        <a:xfrm>
-          <a:off x="0" y="0"/>
-          <a:ext cx="0" cy="0"/>
-          <a:chOff x="0" y="0"/>
-          <a:chExt cx="0" cy="0"/>
-        </a:xfrm>
-      </p:grpSpPr>
-      <p:sp>
-        <p:nvSpPr>
-          <p:cNvPr id="2" name="タイトル 1"/>
-          <p:cNvSpPr>
-            <a:spLocks noGrp="1"/>
-          </p:cNvSpPr>
-          <p:nvPr>
-            <p:ph type="title"/>
-          </p:nvPr>
-        </p:nvSpPr>
-        <p:spPr/>
-        <p:txBody>
-          <a:bodyPr/>
-          <a:lstStyle/>
-          <a:p>
-            <a:r>
-              <a:rPr lang="ja-JP" altLang="en-US" dirty="0"/>
-              <a:t>正誤</a:t>
-            </a:r>
-            <a:r>
-              <a:rPr lang="ja-JP" altLang="en-US" dirty="0" smtClean="0"/>
-              <a:t>を判定するプログラム</a:t>
-            </a:r>
-            <a:endParaRPr kumimoji="1" lang="ja-JP" altLang="en-US" dirty="0"/>
-          </a:p>
-        </p:txBody>
-      </p:sp>
-      <p:sp>
-        <p:nvSpPr>
-          <p:cNvPr id="3" name="コンテンツ プレースホルダー 2"/>
-          <p:cNvSpPr>
-            <a:spLocks noGrp="1"/>
-          </p:cNvSpPr>
-          <p:nvPr>
-            <p:ph idx="1"/>
-          </p:nvPr>
-        </p:nvSpPr>
-        <p:spPr/>
-        <p:txBody>
-          <a:bodyPr/>
-          <a:lstStyle/>
-          <a:p>
-            <a:r>
-              <a:rPr kumimoji="1" lang="ja-JP" altLang="en-US" dirty="0" smtClean="0"/>
-              <a:t>事前に用意した解答例と、</a:t>
-            </a:r>
-            <a:r>
-              <a:rPr kumimoji="1" lang="en-US" altLang="ja-JP" dirty="0" err="1" smtClean="0"/>
-              <a:t>Generater</a:t>
-            </a:r>
-            <a:r>
-              <a:rPr kumimoji="1" lang="ja-JP" altLang="en-US" dirty="0" smtClean="0"/>
-              <a:t>によって作成されたコードが等しいかどうか（完全一致）を判定するサンプルプログラムを作成した</a:t>
-            </a:r>
-            <a:endParaRPr kumimoji="1" lang="en-US" altLang="ja-JP" dirty="0" smtClean="0"/>
-          </a:p>
-          <a:p>
-            <a:endParaRPr kumimoji="1" lang="ja-JP" altLang="en-US" dirty="0"/>
-          </a:p>
-        </p:txBody>
-      </p:sp>
-      <p:sp>
-        <p:nvSpPr>
-          <p:cNvPr id="4" name="スライド番号プレースホルダー 3"/>
-          <p:cNvSpPr>
-            <a:spLocks noGrp="1"/>
-          </p:cNvSpPr>
-          <p:nvPr>
-            <p:ph type="sldNum" sz="quarter" idx="12"/>
-          </p:nvPr>
-        </p:nvSpPr>
-        <p:spPr/>
-        <p:txBody>
-          <a:bodyPr/>
-          <a:lstStyle/>
-          <a:p>
-            <a:fld id="{4A32CB03-0843-4AF8-BFB2-C9917854BC7E}" type="slidenum">
-              <a:rPr kumimoji="1" lang="ja-JP" altLang="en-US" smtClean="0"/>
-              <a:t>19</a:t>
-            </a:fld>
-            <a:endParaRPr kumimoji="1" lang="ja-JP" altLang="en-US"/>
-          </a:p>
-        </p:txBody>
-      </p:sp>
-    </p:spTree>
-    <p:extLst>
-      <p:ext uri="{BB962C8B-B14F-4D97-AF65-F5344CB8AC3E}">
-        <p14:creationId xmlns:p14="http://schemas.microsoft.com/office/powerpoint/2010/main" val="2287831747"/>
-      </p:ext>
-    </p:extLst>
-  </p:cSld>
-  <p:clrMapOvr>
-    <a:masterClrMapping/>
-  </p:clrMapOvr>
-  <p:timing>
-    <p:tnLst>
-      <p:par>
-        <p:cTn id="1" dur="indefinite" restart="never" nodeType="tmRoot"/>
-      </p:par>
-    </p:tnLst>
-  </p:timing>
-</p:sld>
-</file>
-
-<file path=ppt/slides/slide2.xml><?xml version="1.0" encoding="utf-8"?>
-<p:sld xmlns:a="http://schemas.openxmlformats.org/drawingml/2006/main" xmlns:r="http://schemas.openxmlformats.org/officeDocument/2006/relationships" xmlns:p="http://schemas.openxmlformats.org/presentationml/2006/main">
-  <p:cSld>
-    <p:spTree>
-      <p:nvGrpSpPr>
-        <p:cNvPr id="1" name=""/>
-        <p:cNvGrpSpPr/>
-        <p:nvPr/>
-      </p:nvGrpSpPr>
-      <p:grpSpPr>
-        <a:xfrm>
-          <a:off x="0" y="0"/>
-          <a:ext cx="0" cy="0"/>
-          <a:chOff x="0" y="0"/>
-          <a:chExt cx="0" cy="0"/>
-        </a:xfrm>
-      </p:grpSpPr>
-      <p:sp>
-        <p:nvSpPr>
-          <p:cNvPr id="2" name="タイトル 1"/>
-          <p:cNvSpPr>
-            <a:spLocks noGrp="1"/>
-          </p:cNvSpPr>
-          <p:nvPr>
-            <p:ph type="title"/>
-          </p:nvPr>
-        </p:nvSpPr>
-        <p:spPr/>
-        <p:txBody>
-          <a:bodyPr/>
-          <a:lstStyle/>
-          <a:p>
-            <a:r>
-              <a:rPr kumimoji="1" lang="ja-JP" altLang="en-US" dirty="0" smtClean="0"/>
-              <a:t>ブロックプログラミングとは何か</a:t>
-            </a:r>
-            <a:endParaRPr kumimoji="1" lang="ja-JP" altLang="en-US" dirty="0"/>
-          </a:p>
-        </p:txBody>
-      </p:sp>
-      <p:sp>
-        <p:nvSpPr>
-          <p:cNvPr id="4" name="スライド番号プレースホルダー 3"/>
-          <p:cNvSpPr>
-            <a:spLocks noGrp="1"/>
-          </p:cNvSpPr>
-          <p:nvPr>
-            <p:ph type="sldNum" sz="quarter" idx="12"/>
-          </p:nvPr>
-        </p:nvSpPr>
-        <p:spPr/>
-        <p:txBody>
-          <a:bodyPr/>
-          <a:lstStyle/>
-          <a:p>
-            <a:fld id="{4A32CB03-0843-4AF8-BFB2-C9917854BC7E}" type="slidenum">
-              <a:rPr kumimoji="1" lang="ja-JP" altLang="en-US" sz="2400" smtClean="0"/>
-              <a:t>2</a:t>
-            </a:fld>
-            <a:endParaRPr kumimoji="1" lang="ja-JP" altLang="en-US" sz="2400" dirty="0"/>
-          </a:p>
-        </p:txBody>
-      </p:sp>
-      <p:pic>
-        <p:nvPicPr>
-          <p:cNvPr id="6" name="図 5"/>
-          <p:cNvPicPr>
-            <a:picLocks noChangeAspect="1"/>
-          </p:cNvPicPr>
-          <p:nvPr/>
-        </p:nvPicPr>
-        <p:blipFill>
-          <a:blip r:embed="rId2"/>
-          <a:stretch>
-            <a:fillRect/>
-          </a:stretch>
-        </p:blipFill>
-        <p:spPr>
-          <a:xfrm>
-            <a:off x="1169330" y="2592109"/>
-            <a:ext cx="6929652" cy="3860449"/>
-          </a:xfrm>
-          <a:prstGeom prst="rect">
-            <a:avLst/>
-          </a:prstGeom>
-        </p:spPr>
-      </p:pic>
-      <p:sp>
-        <p:nvSpPr>
-          <p:cNvPr id="7" name="テキスト ボックス 6"/>
-          <p:cNvSpPr txBox="1"/>
-          <p:nvPr/>
-        </p:nvSpPr>
-        <p:spPr>
-          <a:xfrm>
-            <a:off x="751959" y="1980429"/>
-            <a:ext cx="8392041" cy="707886"/>
-          </a:xfrm>
-          <a:prstGeom prst="rect">
-            <a:avLst/>
-          </a:prstGeom>
-          <a:noFill/>
-        </p:spPr>
-        <p:txBody>
-          <a:bodyPr wrap="none" rtlCol="0">
-            <a:spAutoFit/>
-          </a:bodyPr>
-          <a:lstStyle/>
-          <a:p>
-            <a:r>
-              <a:rPr kumimoji="1" lang="ja-JP" altLang="en-US" sz="2000" dirty="0" smtClean="0"/>
-              <a:t>ビジュアルプログラミングとも呼ばれる</a:t>
-            </a:r>
-            <a:endParaRPr kumimoji="1" lang="en-US" altLang="ja-JP" sz="2000" dirty="0" smtClean="0"/>
-          </a:p>
-          <a:p>
-            <a:r>
-              <a:rPr kumimoji="1" lang="ja-JP" altLang="en-US" sz="2000" dirty="0" smtClean="0"/>
-              <a:t>命令を埋め込まれたブロックを組み合わせるプログラミング手法のこと</a:t>
-            </a:r>
-            <a:endParaRPr kumimoji="1" lang="ja-JP" altLang="en-US" sz="2000" dirty="0"/>
-          </a:p>
-        </p:txBody>
-      </p:sp>
-    </p:spTree>
-    <p:extLst>
-      <p:ext uri="{BB962C8B-B14F-4D97-AF65-F5344CB8AC3E}">
-        <p14:creationId xmlns:p14="http://schemas.microsoft.com/office/powerpoint/2010/main" val="1081448831"/>
-      </p:ext>
-    </p:extLst>
-  </p:cSld>
-  <p:clrMapOvr>
-    <a:masterClrMapping/>
-  </p:clrMapOvr>
-</p:sld>
-</file>
-
-<file path=ppt/slides/slide20.xml><?xml version="1.0" encoding="utf-8"?>
-<p:sld xmlns:a="http://schemas.openxmlformats.org/drawingml/2006/main" xmlns:r="http://schemas.openxmlformats.org/officeDocument/2006/relationships" xmlns:p="http://schemas.openxmlformats.org/presentationml/2006/main">
-  <p:cSld>
-    <p:spTree>
-      <p:nvGrpSpPr>
-        <p:cNvPr id="1" name=""/>
-        <p:cNvGrpSpPr/>
-        <p:nvPr/>
-      </p:nvGrpSpPr>
-      <p:grpSpPr>
-        <a:xfrm>
-          <a:off x="0" y="0"/>
-          <a:ext cx="0" cy="0"/>
-          <a:chOff x="0" y="0"/>
-          <a:chExt cx="0" cy="0"/>
-        </a:xfrm>
-      </p:grpSpPr>
-      <p:sp>
-        <p:nvSpPr>
-          <p:cNvPr id="2" name="タイトル 1"/>
-          <p:cNvSpPr>
-            <a:spLocks noGrp="1"/>
-          </p:cNvSpPr>
-          <p:nvPr>
-            <p:ph type="title"/>
-          </p:nvPr>
-        </p:nvSpPr>
-        <p:spPr/>
-        <p:txBody>
-          <a:bodyPr/>
-          <a:lstStyle/>
-          <a:p>
-            <a:r>
-              <a:rPr lang="ja-JP" altLang="en-US" dirty="0"/>
-              <a:t>正誤</a:t>
-            </a:r>
-            <a:r>
-              <a:rPr lang="ja-JP" altLang="en-US" dirty="0" smtClean="0"/>
-              <a:t>判定</a:t>
-            </a:r>
-            <a:r>
-              <a:rPr kumimoji="1" lang="ja-JP" altLang="en-US" dirty="0" smtClean="0"/>
-              <a:t>デモ１</a:t>
-            </a:r>
-            <a:endParaRPr kumimoji="1" lang="ja-JP" altLang="en-US" dirty="0"/>
-          </a:p>
-        </p:txBody>
-      </p:sp>
-      <p:sp>
-        <p:nvSpPr>
-          <p:cNvPr id="4" name="スライド番号プレースホルダー 3"/>
-          <p:cNvSpPr>
-            <a:spLocks noGrp="1"/>
-          </p:cNvSpPr>
-          <p:nvPr>
-            <p:ph type="sldNum" sz="quarter" idx="12"/>
-          </p:nvPr>
-        </p:nvSpPr>
-        <p:spPr/>
-        <p:txBody>
-          <a:bodyPr/>
-          <a:lstStyle/>
-          <a:p>
-            <a:fld id="{4A32CB03-0843-4AF8-BFB2-C9917854BC7E}" type="slidenum">
-              <a:rPr kumimoji="1" lang="ja-JP" altLang="en-US" smtClean="0"/>
-              <a:t>20</a:t>
-            </a:fld>
-            <a:endParaRPr kumimoji="1" lang="ja-JP" altLang="en-US"/>
-          </a:p>
-        </p:txBody>
-      </p:sp>
-      <p:pic>
-        <p:nvPicPr>
-          <p:cNvPr id="5" name="図 4"/>
-          <p:cNvPicPr>
-            <a:picLocks noChangeAspect="1"/>
-          </p:cNvPicPr>
-          <p:nvPr/>
-        </p:nvPicPr>
-        <p:blipFill>
-          <a:blip r:embed="rId2"/>
-          <a:stretch>
-            <a:fillRect/>
-          </a:stretch>
-        </p:blipFill>
-        <p:spPr>
-          <a:xfrm>
-            <a:off x="207586" y="2087744"/>
-            <a:ext cx="8844617" cy="4378340"/>
-          </a:xfrm>
-          <a:prstGeom prst="rect">
-            <a:avLst/>
-          </a:prstGeom>
-        </p:spPr>
-      </p:pic>
-    </p:spTree>
-    <p:extLst>
-      <p:ext uri="{BB962C8B-B14F-4D97-AF65-F5344CB8AC3E}">
-        <p14:creationId xmlns:p14="http://schemas.microsoft.com/office/powerpoint/2010/main" val="1473290671"/>
-      </p:ext>
-    </p:extLst>
-  </p:cSld>
-  <p:clrMapOvr>
-    <a:masterClrMapping/>
-  </p:clrMapOvr>
-  <p:timing>
-    <p:tnLst>
-      <p:par>
-        <p:cTn id="1" dur="indefinite" restart="never" nodeType="tmRoot"/>
-      </p:par>
-    </p:tnLst>
-  </p:timing>
-</p:sld>
-</file>
-
-<file path=ppt/slides/slide21.xml><?xml version="1.0" encoding="utf-8"?>
-<p:sld xmlns:a="http://schemas.openxmlformats.org/drawingml/2006/main" xmlns:r="http://schemas.openxmlformats.org/officeDocument/2006/relationships" xmlns:p="http://schemas.openxmlformats.org/presentationml/2006/main">
-  <p:cSld>
-    <p:spTree>
-      <p:nvGrpSpPr>
-        <p:cNvPr id="1" name=""/>
-        <p:cNvGrpSpPr/>
-        <p:nvPr/>
-      </p:nvGrpSpPr>
-      <p:grpSpPr>
-        <a:xfrm>
-          <a:off x="0" y="0"/>
-          <a:ext cx="0" cy="0"/>
-          <a:chOff x="0" y="0"/>
-          <a:chExt cx="0" cy="0"/>
-        </a:xfrm>
-      </p:grpSpPr>
-      <p:sp>
-        <p:nvSpPr>
-          <p:cNvPr id="2" name="タイトル 1"/>
-          <p:cNvSpPr>
-            <a:spLocks noGrp="1"/>
-          </p:cNvSpPr>
-          <p:nvPr>
-            <p:ph type="title"/>
-          </p:nvPr>
-        </p:nvSpPr>
-        <p:spPr/>
-        <p:txBody>
-          <a:bodyPr/>
-          <a:lstStyle/>
-          <a:p>
-            <a:r>
-              <a:rPr kumimoji="1" lang="ja-JP" altLang="en-US" dirty="0" smtClean="0"/>
-              <a:t>穴あき問題を作成する</a:t>
-            </a:r>
-            <a:endParaRPr kumimoji="1" lang="ja-JP" altLang="en-US" dirty="0"/>
-          </a:p>
-        </p:txBody>
-      </p:sp>
-      <p:sp>
-        <p:nvSpPr>
-          <p:cNvPr id="3" name="コンテンツ プレースホルダー 2"/>
-          <p:cNvSpPr>
-            <a:spLocks noGrp="1"/>
-          </p:cNvSpPr>
-          <p:nvPr>
-            <p:ph idx="1"/>
-          </p:nvPr>
-        </p:nvSpPr>
-        <p:spPr/>
-        <p:txBody>
-          <a:bodyPr/>
-          <a:lstStyle/>
-          <a:p>
-            <a:endParaRPr kumimoji="1" lang="ja-JP" altLang="en-US" dirty="0"/>
-          </a:p>
-        </p:txBody>
-      </p:sp>
-      <p:sp>
-        <p:nvSpPr>
-          <p:cNvPr id="4" name="スライド番号プレースホルダー 3"/>
-          <p:cNvSpPr>
-            <a:spLocks noGrp="1"/>
-          </p:cNvSpPr>
-          <p:nvPr>
-            <p:ph type="sldNum" sz="quarter" idx="12"/>
-          </p:nvPr>
-        </p:nvSpPr>
-        <p:spPr/>
-        <p:txBody>
-          <a:bodyPr/>
-          <a:lstStyle/>
-          <a:p>
-            <a:fld id="{4A32CB03-0843-4AF8-BFB2-C9917854BC7E}" type="slidenum">
-              <a:rPr kumimoji="1" lang="ja-JP" altLang="en-US" smtClean="0"/>
-              <a:t>21</a:t>
-            </a:fld>
-            <a:endParaRPr kumimoji="1" lang="ja-JP" altLang="en-US"/>
-          </a:p>
-        </p:txBody>
-      </p:sp>
-      <p:pic>
-        <p:nvPicPr>
-          <p:cNvPr id="5" name="図 4"/>
-          <p:cNvPicPr>
-            <a:picLocks noChangeAspect="1"/>
-          </p:cNvPicPr>
-          <p:nvPr/>
-        </p:nvPicPr>
-        <p:blipFill>
-          <a:blip r:embed="rId2"/>
-          <a:stretch>
-            <a:fillRect/>
-          </a:stretch>
-        </p:blipFill>
-        <p:spPr>
-          <a:xfrm>
-            <a:off x="472810" y="1825625"/>
-            <a:ext cx="8612668" cy="4243402"/>
-          </a:xfrm>
-          <a:prstGeom prst="rect">
-            <a:avLst/>
-          </a:prstGeom>
-        </p:spPr>
-      </p:pic>
-    </p:spTree>
-    <p:extLst>
-      <p:ext uri="{BB962C8B-B14F-4D97-AF65-F5344CB8AC3E}">
-        <p14:creationId xmlns:p14="http://schemas.microsoft.com/office/powerpoint/2010/main" val="4017269996"/>
-      </p:ext>
-    </p:extLst>
-  </p:cSld>
-  <p:clrMapOvr>
-    <a:masterClrMapping/>
-  </p:clrMapOvr>
-  <p:timing>
-    <p:tnLst>
-      <p:par>
-        <p:cTn id="1" dur="indefinite" restart="never" nodeType="tmRoot"/>
-      </p:par>
-    </p:tnLst>
-  </p:timing>
-</p:sld>
-</file>
-
-<file path=ppt/slides/slide22.xml><?xml version="1.0" encoding="utf-8"?>
-<p:sld xmlns:a="http://schemas.openxmlformats.org/drawingml/2006/main" xmlns:r="http://schemas.openxmlformats.org/officeDocument/2006/relationships" xmlns:p="http://schemas.openxmlformats.org/presentationml/2006/main">
-  <p:cSld>
-    <p:spTree>
-      <p:nvGrpSpPr>
-        <p:cNvPr id="1" name=""/>
-        <p:cNvGrpSpPr/>
-        <p:nvPr/>
-      </p:nvGrpSpPr>
-      <p:grpSpPr>
-        <a:xfrm>
-          <a:off x="0" y="0"/>
-          <a:ext cx="0" cy="0"/>
-          <a:chOff x="0" y="0"/>
-          <a:chExt cx="0" cy="0"/>
-        </a:xfrm>
-      </p:grpSpPr>
-      <p:sp>
-        <p:nvSpPr>
-          <p:cNvPr id="2" name="タイトル 1"/>
-          <p:cNvSpPr>
-            <a:spLocks noGrp="1"/>
-          </p:cNvSpPr>
-          <p:nvPr>
-            <p:ph type="title"/>
-          </p:nvPr>
-        </p:nvSpPr>
-        <p:spPr/>
-        <p:txBody>
-          <a:bodyPr/>
-          <a:lstStyle/>
-          <a:p>
-            <a:r>
-              <a:rPr kumimoji="1" lang="ja-JP" altLang="en-US" dirty="0" smtClean="0"/>
-              <a:t>選択肢と正誤判定</a:t>
-            </a:r>
-            <a:endParaRPr kumimoji="1" lang="ja-JP" altLang="en-US" dirty="0"/>
-          </a:p>
-        </p:txBody>
-      </p:sp>
-      <p:sp>
-        <p:nvSpPr>
-          <p:cNvPr id="3" name="コンテンツ プレースホルダー 2"/>
-          <p:cNvSpPr>
-            <a:spLocks noGrp="1"/>
-          </p:cNvSpPr>
-          <p:nvPr>
-            <p:ph idx="1"/>
-          </p:nvPr>
-        </p:nvSpPr>
-        <p:spPr/>
-        <p:txBody>
-          <a:bodyPr/>
-          <a:lstStyle/>
-          <a:p>
-            <a:pPr marL="0" indent="0">
-              <a:buNone/>
-            </a:pPr>
-            <a:r>
-              <a:rPr kumimoji="1" lang="ja-JP" altLang="en-US" dirty="0" smtClean="0"/>
-              <a:t>選択肢から正誤を判定するプログラムを作成した</a:t>
-            </a:r>
-            <a:endParaRPr kumimoji="1" lang="en-US" altLang="ja-JP" dirty="0" smtClean="0"/>
-          </a:p>
-          <a:p>
-            <a:pPr marL="0" indent="0">
-              <a:buNone/>
-            </a:pPr>
-            <a:r>
-              <a:rPr lang="ja-JP" altLang="en-US" dirty="0" smtClean="0"/>
-              <a:t>今回作成したプログラムは文章、問題を事前に用意しているため、</a:t>
-            </a:r>
-            <a:r>
-              <a:rPr lang="en-US" altLang="ja-JP" dirty="0" err="1" smtClean="0"/>
-              <a:t>Blockly</a:t>
-            </a:r>
-            <a:r>
-              <a:rPr lang="ja-JP" altLang="en-US" dirty="0" smtClean="0"/>
-              <a:t>によって生成されたコードを利用して問題を生成する場合の表示方法が決まっていない</a:t>
-            </a:r>
-            <a:endParaRPr lang="en-US" altLang="ja-JP" dirty="0"/>
-          </a:p>
-          <a:p>
-            <a:pPr marL="0" indent="0">
-              <a:buNone/>
-            </a:pPr>
-            <a:endParaRPr kumimoji="1" lang="en-US" altLang="ja-JP" dirty="0" smtClean="0"/>
-          </a:p>
-          <a:p>
-            <a:pPr marL="0" indent="0">
-              <a:buNone/>
-            </a:pPr>
-            <a:r>
-              <a:rPr lang="en-US" altLang="ja-JP" dirty="0" err="1" smtClean="0"/>
-              <a:t>github</a:t>
-            </a:r>
-            <a:endParaRPr kumimoji="1" lang="en-US" altLang="ja-JP" dirty="0" smtClean="0"/>
-          </a:p>
-          <a:p>
-            <a:pPr marL="0" indent="0">
-              <a:buNone/>
-            </a:pPr>
-            <a:r>
-              <a:rPr lang="en-US" altLang="ja-JP" dirty="0"/>
-              <a:t>p</a:t>
-            </a:r>
-            <a:r>
-              <a:rPr lang="en-US" altLang="ja-JP" dirty="0" smtClean="0"/>
-              <a:t>rogram/question</a:t>
-            </a:r>
-            <a:r>
-              <a:rPr lang="en-US" altLang="ja-JP" dirty="0" smtClean="0"/>
-              <a:t>/test.html</a:t>
-            </a:r>
-            <a:endParaRPr kumimoji="1" lang="en-US" altLang="ja-JP" dirty="0" smtClean="0"/>
-          </a:p>
-        </p:txBody>
-      </p:sp>
-      <p:sp>
-        <p:nvSpPr>
-          <p:cNvPr id="4" name="スライド番号プレースホルダー 3"/>
-          <p:cNvSpPr>
-            <a:spLocks noGrp="1"/>
-          </p:cNvSpPr>
-          <p:nvPr>
-            <p:ph type="sldNum" sz="quarter" idx="12"/>
-          </p:nvPr>
-        </p:nvSpPr>
-        <p:spPr/>
-        <p:txBody>
-          <a:bodyPr/>
-          <a:lstStyle/>
-          <a:p>
-            <a:fld id="{4A32CB03-0843-4AF8-BFB2-C9917854BC7E}" type="slidenum">
-              <a:rPr kumimoji="1" lang="ja-JP" altLang="en-US" sz="2800" smtClean="0"/>
-              <a:t>22</a:t>
-            </a:fld>
-            <a:endParaRPr kumimoji="1" lang="ja-JP" altLang="en-US" dirty="0"/>
-          </a:p>
-        </p:txBody>
-      </p:sp>
-    </p:spTree>
-    <p:extLst>
-      <p:ext uri="{BB962C8B-B14F-4D97-AF65-F5344CB8AC3E}">
-        <p14:creationId xmlns:p14="http://schemas.microsoft.com/office/powerpoint/2010/main" val="3564727157"/>
-      </p:ext>
-    </p:extLst>
-  </p:cSld>
-  <p:clrMapOvr>
-    <a:masterClrMapping/>
-  </p:clrMapOvr>
-  <p:timing>
-    <p:tnLst>
-      <p:par>
-        <p:cTn id="1" dur="indefinite" restart="never" nodeType="tmRoot"/>
-      </p:par>
-    </p:tnLst>
-  </p:timing>
-</p:sld>
-</file>
-
-<file path=ppt/slides/slide23.xml><?xml version="1.0" encoding="utf-8"?>
-<p:sld xmlns:a="http://schemas.openxmlformats.org/drawingml/2006/main" xmlns:r="http://schemas.openxmlformats.org/officeDocument/2006/relationships" xmlns:p="http://schemas.openxmlformats.org/presentationml/2006/main">
-  <p:cSld>
-    <p:spTree>
-      <p:nvGrpSpPr>
-        <p:cNvPr id="1" name=""/>
-        <p:cNvGrpSpPr/>
-        <p:nvPr/>
-      </p:nvGrpSpPr>
-      <p:grpSpPr>
-        <a:xfrm>
-          <a:off x="0" y="0"/>
-          <a:ext cx="0" cy="0"/>
-          <a:chOff x="0" y="0"/>
-          <a:chExt cx="0" cy="0"/>
-        </a:xfrm>
-      </p:grpSpPr>
-      <p:sp>
-        <p:nvSpPr>
-          <p:cNvPr id="2" name="タイトル 1"/>
-          <p:cNvSpPr>
-            <a:spLocks noGrp="1"/>
-          </p:cNvSpPr>
-          <p:nvPr>
-            <p:ph type="title"/>
-          </p:nvPr>
-        </p:nvSpPr>
-        <p:spPr/>
-        <p:txBody>
-          <a:bodyPr/>
-          <a:lstStyle/>
-          <a:p>
-            <a:r>
-              <a:rPr lang="ja-JP" altLang="en-US" dirty="0" smtClean="0"/>
-              <a:t>選択式から選んで正誤を判定するプログラム</a:t>
-            </a:r>
-            <a:endParaRPr kumimoji="1" lang="ja-JP" altLang="en-US" dirty="0"/>
-          </a:p>
-        </p:txBody>
-      </p:sp>
-      <p:sp>
-        <p:nvSpPr>
-          <p:cNvPr id="4" name="スライド番号プレースホルダー 3"/>
-          <p:cNvSpPr>
-            <a:spLocks noGrp="1"/>
-          </p:cNvSpPr>
-          <p:nvPr>
-            <p:ph type="sldNum" sz="quarter" idx="12"/>
-          </p:nvPr>
-        </p:nvSpPr>
-        <p:spPr/>
-        <p:txBody>
-          <a:bodyPr/>
-          <a:lstStyle/>
-          <a:p>
-            <a:fld id="{4A32CB03-0843-4AF8-BFB2-C9917854BC7E}" type="slidenum">
-              <a:rPr kumimoji="1" lang="ja-JP" altLang="en-US" smtClean="0"/>
-              <a:t>23</a:t>
-            </a:fld>
-            <a:endParaRPr kumimoji="1" lang="ja-JP" altLang="en-US"/>
-          </a:p>
-        </p:txBody>
-      </p:sp>
-      <p:pic>
-        <p:nvPicPr>
-          <p:cNvPr id="5" name="図 4"/>
-          <p:cNvPicPr>
-            <a:picLocks noChangeAspect="1"/>
-          </p:cNvPicPr>
-          <p:nvPr/>
-        </p:nvPicPr>
-        <p:blipFill>
-          <a:blip r:embed="rId2"/>
-          <a:stretch>
-            <a:fillRect/>
-          </a:stretch>
-        </p:blipFill>
-        <p:spPr>
-          <a:xfrm>
-            <a:off x="2797316" y="1808157"/>
-            <a:ext cx="2972306" cy="4730756"/>
-          </a:xfrm>
-          <a:prstGeom prst="rect">
-            <a:avLst/>
-          </a:prstGeom>
-        </p:spPr>
-      </p:pic>
-    </p:spTree>
-    <p:extLst>
-      <p:ext uri="{BB962C8B-B14F-4D97-AF65-F5344CB8AC3E}">
-        <p14:creationId xmlns:p14="http://schemas.microsoft.com/office/powerpoint/2010/main" val="1471446867"/>
-      </p:ext>
-    </p:extLst>
-  </p:cSld>
-  <p:clrMapOvr>
-    <a:masterClrMapping/>
-  </p:clrMapOvr>
-  <p:timing>
-    <p:tnLst>
-      <p:par>
-        <p:cTn id="1" dur="indefinite" restart="never" nodeType="tmRoot"/>
-      </p:par>
-    </p:tnLst>
-  </p:timing>
-</p:sld>
-</file>
-
-<file path=ppt/slides/slide24.xml><?xml version="1.0" encoding="utf-8"?>
-<p:sld xmlns:a="http://schemas.openxmlformats.org/drawingml/2006/main" xmlns:r="http://schemas.openxmlformats.org/officeDocument/2006/relationships" xmlns:p="http://schemas.openxmlformats.org/presentationml/2006/main">
-  <p:cSld>
-    <p:spTree>
-      <p:nvGrpSpPr>
-        <p:cNvPr id="1" name=""/>
-        <p:cNvGrpSpPr/>
-        <p:nvPr/>
-      </p:nvGrpSpPr>
-      <p:grpSpPr>
-        <a:xfrm>
-          <a:off x="0" y="0"/>
-          <a:ext cx="0" cy="0"/>
-          <a:chOff x="0" y="0"/>
-          <a:chExt cx="0" cy="0"/>
-        </a:xfrm>
-      </p:grpSpPr>
-      <p:sp>
-        <p:nvSpPr>
-          <p:cNvPr id="2" name="タイトル 1"/>
-          <p:cNvSpPr>
-            <a:spLocks noGrp="1"/>
-          </p:cNvSpPr>
-          <p:nvPr>
-            <p:ph type="title"/>
-          </p:nvPr>
-        </p:nvSpPr>
-        <p:spPr/>
-        <p:txBody>
-          <a:bodyPr/>
-          <a:lstStyle/>
-          <a:p>
-            <a:r>
-              <a:rPr kumimoji="1" lang="ja-JP" altLang="en-US" dirty="0" smtClean="0"/>
-              <a:t>利用方法の模索</a:t>
-            </a:r>
-            <a:endParaRPr kumimoji="1" lang="ja-JP" altLang="en-US" dirty="0"/>
-          </a:p>
-        </p:txBody>
-      </p:sp>
-      <p:sp>
-        <p:nvSpPr>
-          <p:cNvPr id="3" name="コンテンツ プレースホルダー 2"/>
-          <p:cNvSpPr>
-            <a:spLocks noGrp="1"/>
-          </p:cNvSpPr>
-          <p:nvPr>
-            <p:ph idx="1"/>
-          </p:nvPr>
-        </p:nvSpPr>
-        <p:spPr/>
-        <p:txBody>
-          <a:bodyPr/>
-          <a:lstStyle/>
-          <a:p>
-            <a:r>
-              <a:rPr kumimoji="1" lang="en-US" altLang="ja-JP" dirty="0" err="1" smtClean="0"/>
-              <a:t>Blockly</a:t>
-            </a:r>
-            <a:r>
-              <a:rPr lang="ja-JP" altLang="en-US" dirty="0"/>
-              <a:t>に</a:t>
-            </a:r>
-            <a:r>
-              <a:rPr lang="ja-JP" altLang="en-US" dirty="0" smtClean="0"/>
-              <a:t>よって生成したコードは一つの文字列として利用できる、これを単語ごとに区切ることで、コードの一部を選択肢として利用できるかもしれない</a:t>
-            </a:r>
-            <a:endParaRPr lang="en-US" altLang="ja-JP" dirty="0" smtClean="0"/>
-          </a:p>
-          <a:p>
-            <a:pPr lvl="1"/>
-            <a:r>
-              <a:rPr kumimoji="1" lang="ja-JP" altLang="en-US" dirty="0" smtClean="0"/>
-              <a:t>文字列から単語として認識した</a:t>
-            </a:r>
-            <a:r>
-              <a:rPr kumimoji="1" lang="en-US" altLang="ja-JP" dirty="0" smtClean="0"/>
-              <a:t>”</a:t>
-            </a:r>
-            <a:r>
-              <a:rPr kumimoji="1" lang="en-US" altLang="ja-JP" dirty="0" err="1" smtClean="0"/>
-              <a:t>int</a:t>
-            </a:r>
-            <a:r>
-              <a:rPr kumimoji="1" lang="en-US" altLang="ja-JP" dirty="0" smtClean="0"/>
-              <a:t>”</a:t>
-            </a:r>
-            <a:r>
-              <a:rPr kumimoji="1" lang="ja-JP" altLang="en-US" dirty="0" smtClean="0"/>
-              <a:t>などの</a:t>
-            </a:r>
-            <a:r>
-              <a:rPr lang="ja-JP" altLang="en-US" dirty="0" smtClean="0"/>
-              <a:t>単語を</a:t>
-            </a:r>
-            <a:r>
-              <a:rPr lang="en-US" altLang="ja-JP" dirty="0" smtClean="0"/>
-              <a:t>html</a:t>
-            </a:r>
-            <a:r>
-              <a:rPr lang="ja-JP" altLang="en-US" dirty="0" smtClean="0"/>
-              <a:t>で利用できる文字列に変換するなど</a:t>
-            </a:r>
-            <a:endParaRPr lang="en-US" altLang="ja-JP" dirty="0" smtClean="0"/>
-          </a:p>
-          <a:p>
-            <a:r>
-              <a:rPr lang="ja-JP" altLang="en-US" dirty="0" smtClean="0"/>
-              <a:t>今回は</a:t>
-            </a:r>
-            <a:r>
-              <a:rPr lang="en-US" altLang="ja-JP" dirty="0" smtClean="0"/>
-              <a:t>html</a:t>
-            </a:r>
-            <a:r>
-              <a:rPr lang="ja-JP" altLang="en-US" dirty="0" smtClean="0"/>
-              <a:t>の</a:t>
-            </a:r>
-            <a:r>
-              <a:rPr lang="en-US" altLang="ja-JP" dirty="0" smtClean="0"/>
-              <a:t>select</a:t>
-            </a:r>
-            <a:r>
-              <a:rPr lang="ja-JP" altLang="en-US" dirty="0" smtClean="0"/>
-              <a:t>タグを使って選択肢を生成しているが、</a:t>
-            </a:r>
-            <a:r>
-              <a:rPr lang="en-US" altLang="ja-JP" dirty="0" err="1" smtClean="0"/>
-              <a:t>Javascript</a:t>
-            </a:r>
-            <a:r>
-              <a:rPr lang="ja-JP" altLang="en-US" dirty="0" smtClean="0"/>
-              <a:t>で選択肢の生成もできると、上の方法に利用できるかもしれない</a:t>
-            </a:r>
-            <a:endParaRPr lang="en-US" altLang="ja-JP" dirty="0" smtClean="0"/>
-          </a:p>
-        </p:txBody>
-      </p:sp>
-      <p:sp>
-        <p:nvSpPr>
-          <p:cNvPr id="4" name="スライド番号プレースホルダー 3"/>
-          <p:cNvSpPr>
-            <a:spLocks noGrp="1"/>
-          </p:cNvSpPr>
-          <p:nvPr>
-            <p:ph type="sldNum" sz="quarter" idx="12"/>
-          </p:nvPr>
-        </p:nvSpPr>
-        <p:spPr/>
-        <p:txBody>
-          <a:bodyPr/>
-          <a:lstStyle/>
-          <a:p>
-            <a:fld id="{4A32CB03-0843-4AF8-BFB2-C9917854BC7E}" type="slidenum">
-              <a:rPr kumimoji="1" lang="ja-JP" altLang="en-US" smtClean="0"/>
-              <a:t>24</a:t>
-            </a:fld>
-            <a:endParaRPr kumimoji="1" lang="ja-JP" altLang="en-US"/>
-          </a:p>
-        </p:txBody>
-      </p:sp>
-    </p:spTree>
-    <p:extLst>
-      <p:ext uri="{BB962C8B-B14F-4D97-AF65-F5344CB8AC3E}">
-        <p14:creationId xmlns:p14="http://schemas.microsoft.com/office/powerpoint/2010/main" val="3837190238"/>
-      </p:ext>
-    </p:extLst>
-  </p:cSld>
-  <p:clrMapOvr>
-    <a:masterClrMapping/>
-  </p:clrMapOvr>
-  <p:timing>
-    <p:tnLst>
-      <p:par>
-        <p:cTn id="1" dur="indefinite" restart="never" nodeType="tmRoot"/>
-      </p:par>
-    </p:tnLst>
-  </p:timing>
-</p:sld>
-</file>
-
-<file path=ppt/slides/slide25.xml><?xml version="1.0" encoding="utf-8"?>
-<p:sld xmlns:a="http://schemas.openxmlformats.org/drawingml/2006/main" xmlns:r="http://schemas.openxmlformats.org/officeDocument/2006/relationships" xmlns:p="http://schemas.openxmlformats.org/presentationml/2006/main">
-  <p:cSld>
-    <p:spTree>
-      <p:nvGrpSpPr>
-        <p:cNvPr id="1" name=""/>
-        <p:cNvGrpSpPr/>
-        <p:nvPr/>
-      </p:nvGrpSpPr>
-      <p:grpSpPr>
-        <a:xfrm>
-          <a:off x="0" y="0"/>
-          <a:ext cx="0" cy="0"/>
-          <a:chOff x="0" y="0"/>
-          <a:chExt cx="0" cy="0"/>
-        </a:xfrm>
-      </p:grpSpPr>
-      <p:sp>
-        <p:nvSpPr>
-          <p:cNvPr id="2" name="タイトル 1"/>
-          <p:cNvSpPr>
-            <a:spLocks noGrp="1"/>
-          </p:cNvSpPr>
-          <p:nvPr>
-            <p:ph type="title"/>
-          </p:nvPr>
-        </p:nvSpPr>
-        <p:spPr/>
-        <p:txBody>
-          <a:bodyPr/>
-          <a:lstStyle/>
-          <a:p>
-            <a:r>
-              <a:rPr kumimoji="1" lang="en-US" altLang="ja-JP" dirty="0" err="1" smtClean="0"/>
-              <a:t>selectbox</a:t>
-            </a:r>
-            <a:r>
-              <a:rPr kumimoji="1" lang="ja-JP" altLang="en-US" dirty="0" smtClean="0"/>
-              <a:t>の選択肢の生成</a:t>
-            </a:r>
-            <a:endParaRPr kumimoji="1" lang="ja-JP" altLang="en-US" dirty="0"/>
-          </a:p>
-        </p:txBody>
-      </p:sp>
-      <p:sp>
-        <p:nvSpPr>
-          <p:cNvPr id="3" name="コンテンツ プレースホルダー 2"/>
-          <p:cNvSpPr>
-            <a:spLocks noGrp="1"/>
-          </p:cNvSpPr>
-          <p:nvPr>
-            <p:ph idx="1"/>
-          </p:nvPr>
-        </p:nvSpPr>
-        <p:spPr/>
-        <p:txBody>
-          <a:bodyPr/>
-          <a:lstStyle/>
-          <a:p>
-            <a:r>
-              <a:rPr lang="ja-JP" altLang="en-US" dirty="0" smtClean="0"/>
-              <a:t>上記スライドでは問題文も選択肢も静的に決定されているが、</a:t>
-            </a:r>
-            <a:r>
-              <a:rPr lang="en-US" altLang="ja-JP" dirty="0" err="1" smtClean="0"/>
-              <a:t>Javascript</a:t>
-            </a:r>
-            <a:r>
-              <a:rPr lang="ja-JP" altLang="en-US" dirty="0" smtClean="0"/>
-              <a:t>を用いることで動的に内容を設定できるらしい</a:t>
-            </a:r>
-            <a:endParaRPr lang="en-US" altLang="ja-JP" dirty="0" smtClean="0"/>
-          </a:p>
-          <a:p>
-            <a:r>
-              <a:rPr kumimoji="1" lang="ja-JP" altLang="en-US" dirty="0" smtClean="0"/>
-              <a:t>セレクトボックス</a:t>
-            </a:r>
-            <a:r>
-              <a:rPr lang="ja-JP" altLang="en-US" dirty="0"/>
-              <a:t>自体</a:t>
-            </a:r>
-            <a:r>
-              <a:rPr kumimoji="1" lang="ja-JP" altLang="en-US" dirty="0" smtClean="0"/>
-              <a:t>を生成することもどうやら可能らしい</a:t>
-            </a:r>
-            <a:endParaRPr kumimoji="1" lang="en-US" altLang="ja-JP" dirty="0" smtClean="0"/>
-          </a:p>
-          <a:p>
-            <a:endParaRPr kumimoji="1" lang="ja-JP" altLang="en-US" dirty="0"/>
-          </a:p>
-        </p:txBody>
-      </p:sp>
-      <p:sp>
-        <p:nvSpPr>
-          <p:cNvPr id="4" name="スライド番号プレースホルダー 3"/>
-          <p:cNvSpPr>
-            <a:spLocks noGrp="1"/>
-          </p:cNvSpPr>
-          <p:nvPr>
-            <p:ph type="sldNum" sz="quarter" idx="12"/>
-          </p:nvPr>
-        </p:nvSpPr>
-        <p:spPr/>
-        <p:txBody>
-          <a:bodyPr/>
-          <a:lstStyle/>
-          <a:p>
-            <a:fld id="{4A32CB03-0843-4AF8-BFB2-C9917854BC7E}" type="slidenum">
-              <a:rPr kumimoji="1" lang="ja-JP" altLang="en-US" smtClean="0"/>
-              <a:t>25</a:t>
-            </a:fld>
-            <a:endParaRPr kumimoji="1" lang="ja-JP" altLang="en-US"/>
-          </a:p>
-        </p:txBody>
-      </p:sp>
-    </p:spTree>
-    <p:extLst>
-      <p:ext uri="{BB962C8B-B14F-4D97-AF65-F5344CB8AC3E}">
-        <p14:creationId xmlns:p14="http://schemas.microsoft.com/office/powerpoint/2010/main" val="3172470415"/>
-      </p:ext>
-    </p:extLst>
-  </p:cSld>
-  <p:clrMapOvr>
-    <a:masterClrMapping/>
-  </p:clrMapOvr>
-  <p:timing>
-    <p:tnLst>
-      <p:par>
-        <p:cTn id="1" dur="indefinite" restart="never" nodeType="tmRoot"/>
-      </p:par>
-    </p:tnLst>
-  </p:timing>
-</p:sld>
-</file>
-
-<file path=ppt/slides/slide26.xml><?xml version="1.0" encoding="utf-8"?>
-<p:sld xmlns:a="http://schemas.openxmlformats.org/drawingml/2006/main" xmlns:r="http://schemas.openxmlformats.org/officeDocument/2006/relationships" xmlns:p="http://schemas.openxmlformats.org/presentationml/2006/main">
-  <p:cSld>
-    <p:spTree>
-      <p:nvGrpSpPr>
-        <p:cNvPr id="1" name=""/>
-        <p:cNvGrpSpPr/>
-        <p:nvPr/>
-      </p:nvGrpSpPr>
-      <p:grpSpPr>
-        <a:xfrm>
-          <a:off x="0" y="0"/>
-          <a:ext cx="0" cy="0"/>
-          <a:chOff x="0" y="0"/>
-          <a:chExt cx="0" cy="0"/>
-        </a:xfrm>
-      </p:grpSpPr>
-      <p:sp>
-        <p:nvSpPr>
-          <p:cNvPr id="2" name="タイトル 1"/>
-          <p:cNvSpPr>
-            <a:spLocks noGrp="1"/>
-          </p:cNvSpPr>
-          <p:nvPr>
-            <p:ph type="title"/>
-          </p:nvPr>
-        </p:nvSpPr>
-        <p:spPr/>
-        <p:txBody>
-          <a:bodyPr/>
-          <a:lstStyle/>
-          <a:p>
-            <a:r>
-              <a:rPr lang="ja-JP" altLang="en-US" dirty="0" smtClean="0"/>
-              <a:t>プログラム群をいくつか作成</a:t>
-            </a:r>
-            <a:endParaRPr kumimoji="1" lang="ja-JP" altLang="en-US" dirty="0"/>
-          </a:p>
-        </p:txBody>
-      </p:sp>
-      <p:sp>
-        <p:nvSpPr>
-          <p:cNvPr id="3" name="コンテンツ プレースホルダー 2"/>
-          <p:cNvSpPr>
-            <a:spLocks noGrp="1"/>
-          </p:cNvSpPr>
-          <p:nvPr>
-            <p:ph idx="1"/>
-          </p:nvPr>
-        </p:nvSpPr>
-        <p:spPr/>
-        <p:txBody>
-          <a:bodyPr/>
-          <a:lstStyle/>
-          <a:p>
-            <a:r>
-              <a:rPr kumimoji="1" lang="en-US" altLang="ja-JP" dirty="0" err="1" smtClean="0"/>
-              <a:t>Blockly</a:t>
-            </a:r>
-            <a:r>
-              <a:rPr kumimoji="1" lang="ja-JP" altLang="en-US" dirty="0" smtClean="0"/>
-              <a:t>に組み込む用</a:t>
-            </a:r>
-            <a:endParaRPr kumimoji="1" lang="en-US" altLang="ja-JP" dirty="0" smtClean="0"/>
-          </a:p>
-          <a:p>
-            <a:pPr lvl="1"/>
-            <a:r>
-              <a:rPr kumimoji="1" lang="ja-JP" altLang="en-US" dirty="0" smtClean="0"/>
-              <a:t>タブクリックで</a:t>
-            </a:r>
-            <a:r>
-              <a:rPr kumimoji="1" lang="en-US" altLang="ja-JP" dirty="0" err="1" smtClean="0"/>
-              <a:t>Div</a:t>
-            </a:r>
-            <a:r>
-              <a:rPr kumimoji="1" lang="ja-JP" altLang="en-US" dirty="0" smtClean="0"/>
-              <a:t>を切り替えるプログラムを生成</a:t>
-            </a:r>
-            <a:endParaRPr kumimoji="1" lang="en-US" altLang="ja-JP" dirty="0" smtClean="0"/>
-          </a:p>
-          <a:p>
-            <a:pPr lvl="1"/>
-            <a:r>
-              <a:rPr kumimoji="1" lang="ja-JP" altLang="en-US" dirty="0" smtClean="0"/>
-              <a:t>セレクトボックスを</a:t>
-            </a:r>
-            <a:r>
-              <a:rPr kumimoji="1" lang="en-US" altLang="ja-JP" dirty="0" err="1" smtClean="0"/>
-              <a:t>Javascript</a:t>
-            </a:r>
-            <a:r>
-              <a:rPr lang="ja-JP" altLang="en-US" dirty="0" err="1" smtClean="0"/>
-              <a:t>にて</a:t>
-            </a:r>
-            <a:r>
-              <a:rPr lang="ja-JP" altLang="en-US" dirty="0" smtClean="0"/>
-              <a:t>生成</a:t>
-            </a:r>
-            <a:endParaRPr lang="en-US" altLang="ja-JP" dirty="0" smtClean="0"/>
-          </a:p>
-          <a:p>
-            <a:endParaRPr kumimoji="1" lang="en-US" altLang="ja-JP" dirty="0"/>
-          </a:p>
-          <a:p>
-            <a:r>
-              <a:rPr kumimoji="1" lang="en-US" altLang="ja-JP" dirty="0" err="1" smtClean="0"/>
-              <a:t>Blockly</a:t>
-            </a:r>
-            <a:r>
-              <a:rPr kumimoji="1" lang="ja-JP" altLang="en-US" dirty="0" smtClean="0"/>
-              <a:t>の仕様をわかるために文字列の置換をするためのプログラムを用意し、圧縮されているファイルをデバッグの際に見やすいようにした</a:t>
-            </a:r>
-            <a:endParaRPr kumimoji="1" lang="ja-JP" altLang="en-US" dirty="0"/>
-          </a:p>
-        </p:txBody>
-      </p:sp>
-      <p:sp>
-        <p:nvSpPr>
-          <p:cNvPr id="4" name="スライド番号プレースホルダー 3"/>
-          <p:cNvSpPr>
-            <a:spLocks noGrp="1"/>
-          </p:cNvSpPr>
-          <p:nvPr>
-            <p:ph type="sldNum" sz="quarter" idx="12"/>
-          </p:nvPr>
-        </p:nvSpPr>
-        <p:spPr/>
-        <p:txBody>
-          <a:bodyPr/>
-          <a:lstStyle/>
-          <a:p>
-            <a:fld id="{4A32CB03-0843-4AF8-BFB2-C9917854BC7E}" type="slidenum">
-              <a:rPr kumimoji="1" lang="ja-JP" altLang="en-US" smtClean="0"/>
-              <a:t>26</a:t>
-            </a:fld>
-            <a:endParaRPr kumimoji="1" lang="ja-JP" altLang="en-US"/>
-          </a:p>
-        </p:txBody>
-      </p:sp>
-    </p:spTree>
-    <p:extLst>
-      <p:ext uri="{BB962C8B-B14F-4D97-AF65-F5344CB8AC3E}">
-        <p14:creationId xmlns:p14="http://schemas.microsoft.com/office/powerpoint/2010/main" val="3396706266"/>
-      </p:ext>
-    </p:extLst>
-  </p:cSld>
-  <p:clrMapOvr>
-    <a:masterClrMapping/>
-  </p:clrMapOvr>
-  <p:timing>
-    <p:tnLst>
-      <p:par>
-        <p:cTn id="1" dur="indefinite" restart="never" nodeType="tmRoot"/>
-      </p:par>
-    </p:tnLst>
-  </p:timing>
-</p:sld>
-</file>
-
-<file path=ppt/slides/slide27.xml><?xml version="1.0" encoding="utf-8"?>
-<p:sld xmlns:a="http://schemas.openxmlformats.org/drawingml/2006/main" xmlns:r="http://schemas.openxmlformats.org/officeDocument/2006/relationships" xmlns:p="http://schemas.openxmlformats.org/presentationml/2006/main">
-  <p:cSld>
-    <p:spTree>
-      <p:nvGrpSpPr>
-        <p:cNvPr id="1" name=""/>
-        <p:cNvGrpSpPr/>
-        <p:nvPr/>
-      </p:nvGrpSpPr>
-      <p:grpSpPr>
-        <a:xfrm>
-          <a:off x="0" y="0"/>
-          <a:ext cx="0" cy="0"/>
-          <a:chOff x="0" y="0"/>
-          <a:chExt cx="0" cy="0"/>
-        </a:xfrm>
-      </p:grpSpPr>
-      <p:sp>
-        <p:nvSpPr>
-          <p:cNvPr id="2" name="タイトル 1"/>
-          <p:cNvSpPr>
-            <a:spLocks noGrp="1"/>
-          </p:cNvSpPr>
-          <p:nvPr>
-            <p:ph type="title"/>
-          </p:nvPr>
-        </p:nvSpPr>
-        <p:spPr/>
-        <p:txBody>
-          <a:bodyPr/>
-          <a:lstStyle/>
-          <a:p>
-            <a:r>
-              <a:rPr lang="en-US" altLang="ja-JP" dirty="0" smtClean="0"/>
-              <a:t>UI</a:t>
-            </a:r>
-            <a:endParaRPr kumimoji="1" lang="ja-JP" altLang="en-US" dirty="0"/>
-          </a:p>
-        </p:txBody>
-      </p:sp>
-      <p:pic>
-        <p:nvPicPr>
-          <p:cNvPr id="5" name="コンテンツ プレースホルダー 4"/>
-          <p:cNvPicPr>
-            <a:picLocks noGrp="1" noChangeAspect="1"/>
-          </p:cNvPicPr>
-          <p:nvPr>
-            <p:ph idx="1"/>
-          </p:nvPr>
-        </p:nvPicPr>
-        <p:blipFill rotWithShape="1">
-          <a:blip r:embed="rId2"/>
-          <a:srcRect t="15781" b="16452"/>
-          <a:stretch/>
-        </p:blipFill>
-        <p:spPr>
-          <a:xfrm>
-            <a:off x="101600" y="1913661"/>
-            <a:ext cx="9042400" cy="4307819"/>
-          </a:xfrm>
-          <a:prstGeom prst="rect">
-            <a:avLst/>
-          </a:prstGeom>
-        </p:spPr>
-      </p:pic>
-      <p:sp>
-        <p:nvSpPr>
-          <p:cNvPr id="4" name="スライド番号プレースホルダー 3"/>
-          <p:cNvSpPr>
-            <a:spLocks noGrp="1"/>
-          </p:cNvSpPr>
-          <p:nvPr>
-            <p:ph type="sldNum" sz="quarter" idx="12"/>
-          </p:nvPr>
-        </p:nvSpPr>
-        <p:spPr/>
-        <p:txBody>
-          <a:bodyPr/>
-          <a:lstStyle/>
-          <a:p>
-            <a:fld id="{4A32CB03-0843-4AF8-BFB2-C9917854BC7E}" type="slidenum">
-              <a:rPr kumimoji="1" lang="ja-JP" altLang="en-US" smtClean="0"/>
-              <a:t>27</a:t>
-            </a:fld>
-            <a:endParaRPr kumimoji="1" lang="ja-JP" altLang="en-US"/>
-          </a:p>
-        </p:txBody>
-      </p:sp>
-    </p:spTree>
-    <p:extLst>
-      <p:ext uri="{BB962C8B-B14F-4D97-AF65-F5344CB8AC3E}">
-        <p14:creationId xmlns:p14="http://schemas.microsoft.com/office/powerpoint/2010/main" val="1728103694"/>
-      </p:ext>
-    </p:extLst>
-  </p:cSld>
-  <p:clrMapOvr>
-    <a:masterClrMapping/>
-  </p:clrMapOvr>
-</p:sld>
-</file>
-
-<file path=ppt/slides/slide28.xml><?xml version="1.0" encoding="utf-8"?>
-<p:sld xmlns:a="http://schemas.openxmlformats.org/drawingml/2006/main" xmlns:r="http://schemas.openxmlformats.org/officeDocument/2006/relationships" xmlns:p="http://schemas.openxmlformats.org/presentationml/2006/main">
-  <p:cSld>
-    <p:spTree>
-      <p:nvGrpSpPr>
-        <p:cNvPr id="1" name=""/>
-        <p:cNvGrpSpPr/>
-        <p:nvPr/>
-      </p:nvGrpSpPr>
-      <p:grpSpPr>
-        <a:xfrm>
-          <a:off x="0" y="0"/>
-          <a:ext cx="0" cy="0"/>
-          <a:chOff x="0" y="0"/>
-          <a:chExt cx="0" cy="0"/>
-        </a:xfrm>
-      </p:grpSpPr>
-      <p:sp>
-        <p:nvSpPr>
-          <p:cNvPr id="2" name="タイトル 1"/>
-          <p:cNvSpPr>
-            <a:spLocks noGrp="1"/>
-          </p:cNvSpPr>
-          <p:nvPr>
-            <p:ph type="title"/>
-          </p:nvPr>
-        </p:nvSpPr>
-        <p:spPr/>
-        <p:txBody>
-          <a:bodyPr/>
-          <a:lstStyle/>
-          <a:p>
-            <a:r>
-              <a:rPr kumimoji="1" lang="ja-JP" altLang="en-US" dirty="0" smtClean="0"/>
-              <a:t>タブについて</a:t>
-            </a:r>
-            <a:endParaRPr kumimoji="1" lang="ja-JP" altLang="en-US" dirty="0"/>
-          </a:p>
-        </p:txBody>
-      </p:sp>
-      <p:sp>
-        <p:nvSpPr>
-          <p:cNvPr id="3" name="コンテンツ プレースホルダー 2"/>
-          <p:cNvSpPr>
-            <a:spLocks noGrp="1"/>
-          </p:cNvSpPr>
-          <p:nvPr>
-            <p:ph idx="1"/>
-          </p:nvPr>
-        </p:nvSpPr>
-        <p:spPr/>
-        <p:txBody>
-          <a:bodyPr/>
-          <a:lstStyle/>
-          <a:p>
-            <a:r>
-              <a:rPr kumimoji="1" lang="ja-JP" altLang="en-US" dirty="0" smtClean="0"/>
-              <a:t>現在</a:t>
-            </a:r>
-            <a:r>
-              <a:rPr kumimoji="1" lang="en-US" altLang="ja-JP" dirty="0" smtClean="0"/>
-              <a:t>Question,</a:t>
-            </a:r>
-            <a:r>
-              <a:rPr kumimoji="1" lang="ja-JP" altLang="en-US" dirty="0" smtClean="0"/>
-              <a:t> </a:t>
-            </a:r>
-            <a:r>
-              <a:rPr kumimoji="1" lang="en-US" altLang="ja-JP" dirty="0" smtClean="0"/>
-              <a:t>output, test</a:t>
-            </a:r>
-            <a:r>
-              <a:rPr lang="ja-JP" altLang="en-US" dirty="0"/>
-              <a:t> </a:t>
-            </a:r>
-            <a:r>
-              <a:rPr lang="ja-JP" altLang="en-US" dirty="0" smtClean="0"/>
-              <a:t>という３つのタブがあり</a:t>
-            </a:r>
-            <a:r>
-              <a:rPr lang="en-US" altLang="ja-JP" dirty="0" smtClean="0"/>
-              <a:t>,</a:t>
-            </a:r>
-            <a:r>
-              <a:rPr lang="ja-JP" altLang="en-US" dirty="0" smtClean="0"/>
-              <a:t> これらを移動しながら作業する予定</a:t>
-            </a:r>
-            <a:endParaRPr lang="en-US" altLang="ja-JP" dirty="0" smtClean="0"/>
-          </a:p>
-          <a:p>
-            <a:endParaRPr kumimoji="1" lang="en-US" altLang="ja-JP" dirty="0" smtClean="0"/>
-          </a:p>
-          <a:p>
-            <a:r>
-              <a:rPr kumimoji="1" lang="en-US" altLang="ja-JP" dirty="0" smtClean="0"/>
-              <a:t>Question</a:t>
-            </a:r>
-            <a:r>
-              <a:rPr lang="ja-JP" altLang="en-US" dirty="0" smtClean="0"/>
-              <a:t>タブは</a:t>
-            </a:r>
-            <a:r>
-              <a:rPr lang="en-US" altLang="ja-JP" dirty="0" smtClean="0"/>
-              <a:t>, </a:t>
-            </a:r>
-            <a:r>
-              <a:rPr lang="ja-JP" altLang="en-US" dirty="0" smtClean="0"/>
-              <a:t>問題文を表示する</a:t>
-            </a:r>
-            <a:endParaRPr lang="en-US" altLang="ja-JP" dirty="0" smtClean="0"/>
-          </a:p>
-          <a:p>
-            <a:r>
-              <a:rPr lang="en-US" altLang="ja-JP" dirty="0" smtClean="0"/>
-              <a:t>output</a:t>
-            </a:r>
-            <a:r>
-              <a:rPr kumimoji="1" lang="ja-JP" altLang="en-US" dirty="0" smtClean="0"/>
-              <a:t>タブは</a:t>
-            </a:r>
-            <a:r>
-              <a:rPr kumimoji="1" lang="en-US" altLang="ja-JP" dirty="0" smtClean="0"/>
-              <a:t>,</a:t>
-            </a:r>
-            <a:r>
-              <a:rPr lang="ja-JP" altLang="en-US" dirty="0" smtClean="0"/>
-              <a:t>  ブロックから生成されたコードを表示する</a:t>
-            </a:r>
-            <a:endParaRPr lang="en-US" altLang="ja-JP" dirty="0" smtClean="0"/>
-          </a:p>
-          <a:p>
-            <a:r>
-              <a:rPr kumimoji="1" lang="en-US" altLang="ja-JP" dirty="0" smtClean="0"/>
-              <a:t>test</a:t>
-            </a:r>
-            <a:r>
-              <a:rPr kumimoji="1" lang="ja-JP" altLang="en-US" dirty="0" smtClean="0"/>
-              <a:t>タブは</a:t>
-            </a:r>
-            <a:r>
-              <a:rPr lang="en-US" altLang="ja-JP" dirty="0" smtClean="0"/>
-              <a:t>, </a:t>
-            </a:r>
-            <a:r>
-              <a:rPr lang="ja-JP" altLang="en-US" dirty="0" smtClean="0"/>
-              <a:t>正誤判定の</a:t>
-            </a:r>
-            <a:r>
-              <a:rPr lang="ja-JP" altLang="en-US" dirty="0"/>
-              <a:t>問題</a:t>
-            </a:r>
-            <a:r>
-              <a:rPr lang="ja-JP" altLang="en-US" dirty="0" smtClean="0"/>
-              <a:t>を表示する</a:t>
-            </a:r>
-            <a:endParaRPr kumimoji="1" lang="ja-JP" altLang="en-US" dirty="0"/>
-          </a:p>
-        </p:txBody>
-      </p:sp>
-      <p:sp>
-        <p:nvSpPr>
-          <p:cNvPr id="4" name="スライド番号プレースホルダー 3"/>
-          <p:cNvSpPr>
-            <a:spLocks noGrp="1"/>
-          </p:cNvSpPr>
-          <p:nvPr>
-            <p:ph type="sldNum" sz="quarter" idx="12"/>
-          </p:nvPr>
-        </p:nvSpPr>
-        <p:spPr/>
-        <p:txBody>
-          <a:bodyPr/>
-          <a:lstStyle/>
-          <a:p>
-            <a:fld id="{4A32CB03-0843-4AF8-BFB2-C9917854BC7E}" type="slidenum">
-              <a:rPr kumimoji="1" lang="ja-JP" altLang="en-US" smtClean="0"/>
-              <a:t>28</a:t>
-            </a:fld>
-            <a:endParaRPr kumimoji="1" lang="ja-JP" altLang="en-US"/>
-          </a:p>
-        </p:txBody>
-      </p:sp>
-    </p:spTree>
-    <p:extLst>
-      <p:ext uri="{BB962C8B-B14F-4D97-AF65-F5344CB8AC3E}">
-        <p14:creationId xmlns:p14="http://schemas.microsoft.com/office/powerpoint/2010/main" val="3374960464"/>
-      </p:ext>
-    </p:extLst>
-  </p:cSld>
-  <p:clrMapOvr>
-    <a:masterClrMapping/>
-  </p:clrMapOvr>
-</p:sld>
-</file>
-
-<file path=ppt/slides/slide29.xml><?xml version="1.0" encoding="utf-8"?>
-<p:sld xmlns:a="http://schemas.openxmlformats.org/drawingml/2006/main" xmlns:r="http://schemas.openxmlformats.org/officeDocument/2006/relationships" xmlns:p="http://schemas.openxmlformats.org/presentationml/2006/main">
-  <p:cSld>
-    <p:spTree>
-      <p:nvGrpSpPr>
-        <p:cNvPr id="1" name=""/>
-        <p:cNvGrpSpPr/>
-        <p:nvPr/>
-      </p:nvGrpSpPr>
-      <p:grpSpPr>
-        <a:xfrm>
-          <a:off x="0" y="0"/>
-          <a:ext cx="0" cy="0"/>
-          <a:chOff x="0" y="0"/>
-          <a:chExt cx="0" cy="0"/>
-        </a:xfrm>
-      </p:grpSpPr>
-      <p:sp>
-        <p:nvSpPr>
-          <p:cNvPr id="2" name="タイトル 1"/>
-          <p:cNvSpPr>
-            <a:spLocks noGrp="1"/>
-          </p:cNvSpPr>
-          <p:nvPr>
-            <p:ph type="title"/>
-          </p:nvPr>
-        </p:nvSpPr>
-        <p:spPr/>
-        <p:txBody>
-          <a:bodyPr/>
-          <a:lstStyle/>
-          <a:p>
-            <a:r>
-              <a:rPr lang="ja-JP" altLang="en-US" dirty="0" smtClean="0"/>
-              <a:t>今後について</a:t>
-            </a:r>
-            <a:endParaRPr kumimoji="1" lang="ja-JP" altLang="en-US" dirty="0"/>
-          </a:p>
-        </p:txBody>
-      </p:sp>
-      <p:sp>
-        <p:nvSpPr>
-          <p:cNvPr id="3" name="コンテンツ プレースホルダー 2"/>
-          <p:cNvSpPr>
-            <a:spLocks noGrp="1"/>
-          </p:cNvSpPr>
-          <p:nvPr>
-            <p:ph idx="1"/>
-          </p:nvPr>
-        </p:nvSpPr>
-        <p:spPr/>
-        <p:txBody>
-          <a:bodyPr>
-            <a:normAutofit fontScale="70000" lnSpcReduction="20000"/>
-          </a:bodyPr>
-          <a:lstStyle/>
-          <a:p>
-            <a:r>
-              <a:rPr kumimoji="1" lang="ja-JP" altLang="en-US" dirty="0" smtClean="0"/>
-              <a:t>タブの枠のサイズなどが正確でないなので</a:t>
-            </a:r>
-            <a:r>
-              <a:rPr kumimoji="1" lang="en-US" altLang="ja-JP" dirty="0" err="1" smtClean="0"/>
-              <a:t>css</a:t>
-            </a:r>
-            <a:r>
-              <a:rPr lang="ja-JP" altLang="en-US" dirty="0"/>
-              <a:t>を</a:t>
-            </a:r>
-            <a:r>
-              <a:rPr kumimoji="1" lang="ja-JP" altLang="en-US" dirty="0" smtClean="0"/>
-              <a:t>かく</a:t>
-            </a:r>
-            <a:endParaRPr kumimoji="1" lang="en-US" altLang="ja-JP" dirty="0" smtClean="0"/>
-          </a:p>
-          <a:p>
-            <a:r>
-              <a:rPr kumimoji="1" lang="ja-JP" altLang="en-US" dirty="0" smtClean="0"/>
-              <a:t>問題にたいして、正解となるブロックを表示できるようにしたい</a:t>
-            </a:r>
-            <a:endParaRPr kumimoji="1" lang="en-US" altLang="ja-JP" dirty="0" smtClean="0"/>
-          </a:p>
-          <a:p>
-            <a:endParaRPr kumimoji="1" lang="en-US" altLang="ja-JP" dirty="0" smtClean="0"/>
-          </a:p>
-          <a:p>
-            <a:r>
-              <a:rPr lang="en-US" altLang="ja-JP" dirty="0" smtClean="0"/>
-              <a:t>DB</a:t>
-            </a:r>
-            <a:r>
-              <a:rPr lang="ja-JP" altLang="en-US" dirty="0" smtClean="0"/>
-              <a:t>と連携して問題を生成する方法を考えていない</a:t>
-            </a:r>
-            <a:endParaRPr lang="en-US" altLang="ja-JP" dirty="0" smtClean="0"/>
-          </a:p>
-          <a:p>
-            <a:pPr lvl="1"/>
-            <a:r>
-              <a:rPr lang="ja-JP" altLang="en-US" dirty="0" smtClean="0"/>
-              <a:t>まずは問題の解答だけ</a:t>
-            </a:r>
-            <a:r>
-              <a:rPr lang="en-US" altLang="ja-JP" dirty="0" smtClean="0"/>
-              <a:t>DB</a:t>
-            </a:r>
-            <a:r>
-              <a:rPr lang="ja-JP" altLang="en-US" dirty="0" err="1" smtClean="0"/>
-              <a:t>に保</a:t>
-            </a:r>
-            <a:r>
-              <a:rPr lang="ja-JP" altLang="en-US" dirty="0" smtClean="0"/>
-              <a:t>存するなど作成したい</a:t>
-            </a:r>
-            <a:endParaRPr lang="en-US" altLang="ja-JP" dirty="0" smtClean="0"/>
-          </a:p>
-          <a:p>
-            <a:r>
-              <a:rPr lang="ja-JP" altLang="en-US" dirty="0" smtClean="0"/>
-              <a:t>もし連携する場合、どういった情報を</a:t>
-            </a:r>
-            <a:r>
-              <a:rPr lang="en-US" altLang="ja-JP" dirty="0" smtClean="0"/>
-              <a:t>DB</a:t>
-            </a:r>
-            <a:r>
-              <a:rPr lang="ja-JP" altLang="en-US" dirty="0" err="1" smtClean="0"/>
-              <a:t>に保</a:t>
-            </a:r>
-            <a:r>
-              <a:rPr lang="ja-JP" altLang="en-US" dirty="0" smtClean="0"/>
-              <a:t>存するのか</a:t>
-            </a:r>
-            <a:endParaRPr lang="en-US" altLang="ja-JP" dirty="0" smtClean="0"/>
-          </a:p>
-          <a:p>
-            <a:pPr lvl="1"/>
-            <a:r>
-              <a:rPr lang="ja-JP" altLang="en-US" dirty="0" smtClean="0"/>
-              <a:t>問題の解答</a:t>
-            </a:r>
-            <a:endParaRPr lang="en-US" altLang="ja-JP" dirty="0" smtClean="0"/>
-          </a:p>
-          <a:p>
-            <a:pPr lvl="1"/>
-            <a:r>
-              <a:rPr lang="ja-JP" altLang="en-US" dirty="0" smtClean="0"/>
-              <a:t>問題の選択肢</a:t>
-            </a:r>
-            <a:endParaRPr lang="en-US" altLang="ja-JP" dirty="0" smtClean="0"/>
-          </a:p>
-          <a:p>
-            <a:pPr lvl="2"/>
-            <a:r>
-              <a:rPr lang="ja-JP" altLang="en-US" dirty="0" smtClean="0"/>
-              <a:t>事前に決めておくのかどうか</a:t>
-            </a:r>
-            <a:endParaRPr lang="en-US" altLang="ja-JP" dirty="0" smtClean="0"/>
-          </a:p>
-          <a:p>
-            <a:endParaRPr kumimoji="1" lang="en-US" altLang="ja-JP" dirty="0" smtClean="0"/>
-          </a:p>
-          <a:p>
-            <a:r>
-              <a:rPr kumimoji="1" lang="ja-JP" altLang="en-US" dirty="0" smtClean="0"/>
-              <a:t>問題の位置を自動生成する方法を考えていない（これは自動生成せず、事前に指定した場所だけでもいいのか考え中）</a:t>
-            </a:r>
-            <a:endParaRPr kumimoji="1" lang="en-US" altLang="ja-JP" dirty="0" smtClean="0"/>
-          </a:p>
-          <a:p>
-            <a:r>
-              <a:rPr lang="ja-JP" altLang="en-US" dirty="0" smtClean="0"/>
-              <a:t>問題の内容が自動で変更されるようにするのか考え中</a:t>
-            </a:r>
-            <a:endParaRPr kumimoji="1" lang="en-US" altLang="ja-JP" dirty="0" smtClean="0"/>
-          </a:p>
-          <a:p>
-            <a:endParaRPr lang="en-US" altLang="ja-JP" dirty="0"/>
-          </a:p>
-          <a:p>
-            <a:pPr marL="0" indent="0">
-              <a:buNone/>
-            </a:pPr>
-            <a:endParaRPr kumimoji="1" lang="ja-JP" altLang="en-US" dirty="0"/>
-          </a:p>
-        </p:txBody>
-      </p:sp>
-      <p:sp>
-        <p:nvSpPr>
-          <p:cNvPr id="4" name="スライド番号プレースホルダー 3"/>
-          <p:cNvSpPr>
-            <a:spLocks noGrp="1"/>
-          </p:cNvSpPr>
-          <p:nvPr>
-            <p:ph type="sldNum" sz="quarter" idx="12"/>
-          </p:nvPr>
-        </p:nvSpPr>
-        <p:spPr/>
-        <p:txBody>
-          <a:bodyPr/>
-          <a:lstStyle/>
-          <a:p>
-            <a:fld id="{4A32CB03-0843-4AF8-BFB2-C9917854BC7E}" type="slidenum">
-              <a:rPr kumimoji="1" lang="ja-JP" altLang="en-US" smtClean="0"/>
-              <a:t>29</a:t>
-            </a:fld>
-            <a:endParaRPr kumimoji="1" lang="ja-JP" altLang="en-US"/>
-          </a:p>
-        </p:txBody>
-      </p:sp>
-    </p:spTree>
-    <p:extLst>
-      <p:ext uri="{BB962C8B-B14F-4D97-AF65-F5344CB8AC3E}">
-        <p14:creationId xmlns:p14="http://schemas.microsoft.com/office/powerpoint/2010/main" val="3804189039"/>
-      </p:ext>
-    </p:extLst>
-  </p:cSld>
-  <p:clrMapOvr>
-    <a:masterClrMapping/>
-  </p:clrMapOvr>
-</p:sld>
-</file>
-
-<file path=ppt/slides/slide3.xml><?xml version="1.0" encoding="utf-8"?>
-<p:sld xmlns:a="http://schemas.openxmlformats.org/drawingml/2006/main" xmlns:r="http://schemas.openxmlformats.org/officeDocument/2006/relationships" xmlns:p="http://schemas.openxmlformats.org/presentationml/2006/main">
-  <p:cSld>
-    <p:spTree>
-      <p:nvGrpSpPr>
-        <p:cNvPr id="1" name=""/>
-        <p:cNvGrpSpPr/>
-        <p:nvPr/>
-      </p:nvGrpSpPr>
-      <p:grpSpPr>
-        <a:xfrm>
-          <a:off x="0" y="0"/>
-          <a:ext cx="0" cy="0"/>
-          <a:chOff x="0" y="0"/>
-          <a:chExt cx="0" cy="0"/>
-        </a:xfrm>
-      </p:grpSpPr>
-      <p:sp>
-        <p:nvSpPr>
-          <p:cNvPr id="2" name="タイトル 1"/>
-          <p:cNvSpPr>
-            <a:spLocks noGrp="1"/>
-          </p:cNvSpPr>
-          <p:nvPr>
-            <p:ph type="title"/>
-          </p:nvPr>
-        </p:nvSpPr>
-        <p:spPr/>
-        <p:txBody>
-          <a:bodyPr/>
-          <a:lstStyle/>
-          <a:p>
-            <a:r>
-              <a:rPr kumimoji="1" lang="ja-JP" altLang="en-US" dirty="0" smtClean="0"/>
-              <a:t>研究背景</a:t>
-            </a:r>
-            <a:endParaRPr kumimoji="1" lang="ja-JP" altLang="en-US" dirty="0"/>
-          </a:p>
-        </p:txBody>
-      </p:sp>
-      <p:sp>
-        <p:nvSpPr>
-          <p:cNvPr id="3" name="コンテンツ プレースホルダー 2"/>
-          <p:cNvSpPr>
-            <a:spLocks noGrp="1"/>
-          </p:cNvSpPr>
-          <p:nvPr>
-            <p:ph idx="1"/>
-          </p:nvPr>
-        </p:nvSpPr>
-        <p:spPr/>
-        <p:txBody>
-          <a:bodyPr/>
-          <a:lstStyle/>
-          <a:p>
-            <a:pPr algn="just"/>
-            <a:r>
-              <a:rPr lang="en-US" altLang="ja-JP" dirty="0"/>
-              <a:t>2020</a:t>
-            </a:r>
-            <a:r>
-              <a:rPr lang="ja-JP" altLang="en-US" dirty="0"/>
-              <a:t>年以降小学校，中学校，高等学校にてプログラミング教育の必修が全面実施される．</a:t>
-            </a:r>
-            <a:endParaRPr lang="en-US" altLang="ja-JP" dirty="0"/>
-          </a:p>
-          <a:p>
-            <a:pPr algn="just"/>
-            <a:r>
-              <a:rPr lang="ja-JP" altLang="en-US" dirty="0"/>
-              <a:t>文部科学省の発表によると，プログラミング教育を必修とする目的は，現代社会で普遍的に求められる力としての論理的思考などを育むことである．</a:t>
-            </a:r>
-            <a:endParaRPr lang="en-US" altLang="ja-JP" dirty="0"/>
-          </a:p>
-          <a:p>
-            <a:pPr algn="just"/>
-            <a:r>
-              <a:rPr lang="ja-JP" altLang="en-US" dirty="0"/>
-              <a:t>論理的思考とは，「思考や論証の組み立て，思考の妥当性が保証される法則や形式」に則って思考を組み立てることとする．</a:t>
-            </a:r>
-            <a:endParaRPr lang="en-US" altLang="ja-JP" dirty="0"/>
-          </a:p>
-        </p:txBody>
-      </p:sp>
-      <p:sp>
-        <p:nvSpPr>
-          <p:cNvPr id="4" name="スライド番号プレースホルダー 3"/>
-          <p:cNvSpPr>
-            <a:spLocks noGrp="1"/>
-          </p:cNvSpPr>
-          <p:nvPr>
-            <p:ph type="sldNum" sz="quarter" idx="12"/>
-          </p:nvPr>
-        </p:nvSpPr>
-        <p:spPr/>
-        <p:txBody>
-          <a:bodyPr/>
-          <a:lstStyle/>
-          <a:p>
-            <a:fld id="{4A32CB03-0843-4AF8-BFB2-C9917854BC7E}" type="slidenum">
-              <a:rPr kumimoji="1" lang="ja-JP" altLang="en-US" sz="2800" smtClean="0"/>
-              <a:t>3</a:t>
-            </a:fld>
-            <a:endParaRPr kumimoji="1" lang="ja-JP" altLang="en-US" sz="2800" dirty="0"/>
-          </a:p>
-        </p:txBody>
-      </p:sp>
-    </p:spTree>
-    <p:extLst>
-      <p:ext uri="{BB962C8B-B14F-4D97-AF65-F5344CB8AC3E}">
-        <p14:creationId xmlns:p14="http://schemas.microsoft.com/office/powerpoint/2010/main" val="1938097084"/>
-      </p:ext>
-    </p:extLst>
-  </p:cSld>
-  <p:clrMapOvr>
-    <a:masterClrMapping/>
-  </p:clrMapOvr>
-  <p:timing>
-    <p:tnLst>
-      <p:par>
-        <p:cTn id="1" dur="indefinite" restart="never" nodeType="tmRoot"/>
-      </p:par>
-    </p:tnLst>
-  </p:timing>
-</p:sld>
-</file>
-
-<file path=ppt/slides/slide4.xml><?xml version="1.0" encoding="utf-8"?>
-<p:sld xmlns:a="http://schemas.openxmlformats.org/drawingml/2006/main" xmlns:r="http://schemas.openxmlformats.org/officeDocument/2006/relationships" xmlns:p="http://schemas.openxmlformats.org/presentationml/2006/main">
-  <p:cSld>
-    <p:spTree>
-      <p:nvGrpSpPr>
-        <p:cNvPr id="1" name=""/>
-        <p:cNvGrpSpPr/>
-        <p:nvPr/>
-      </p:nvGrpSpPr>
-      <p:grpSpPr>
-        <a:xfrm>
-          <a:off x="0" y="0"/>
-          <a:ext cx="0" cy="0"/>
-          <a:chOff x="0" y="0"/>
-          <a:chExt cx="0" cy="0"/>
-        </a:xfrm>
-      </p:grpSpPr>
-      <p:sp>
-        <p:nvSpPr>
-          <p:cNvPr id="2" name="タイトル 1"/>
-          <p:cNvSpPr>
-            <a:spLocks noGrp="1"/>
-          </p:cNvSpPr>
-          <p:nvPr>
-            <p:ph type="title"/>
-          </p:nvPr>
-        </p:nvSpPr>
-        <p:spPr/>
-        <p:txBody>
-          <a:bodyPr/>
-          <a:lstStyle/>
-          <a:p>
-            <a:r>
-              <a:rPr kumimoji="1" lang="ja-JP" altLang="en-US" dirty="0" smtClean="0"/>
-              <a:t>提案内容</a:t>
-            </a:r>
-            <a:endParaRPr kumimoji="1" lang="ja-JP" altLang="en-US" dirty="0"/>
-          </a:p>
-        </p:txBody>
-      </p:sp>
-      <p:sp>
-        <p:nvSpPr>
-          <p:cNvPr id="3" name="コンテンツ プレースホルダー 2"/>
-          <p:cNvSpPr>
-            <a:spLocks noGrp="1"/>
-          </p:cNvSpPr>
-          <p:nvPr>
-            <p:ph idx="1"/>
-          </p:nvPr>
-        </p:nvSpPr>
-        <p:spPr/>
-        <p:txBody>
-          <a:bodyPr>
-            <a:normAutofit/>
-          </a:bodyPr>
-          <a:lstStyle/>
-          <a:p>
-            <a:r>
-              <a:rPr lang="ja-JP" altLang="en-US" dirty="0"/>
-              <a:t>直観的に理解のしやすいブロックプログラミングにより、プログラミングの論理的思考を身に</a:t>
-            </a:r>
-            <a:r>
-              <a:rPr lang="ja-JP" altLang="en-US" dirty="0" smtClean="0"/>
-              <a:t>着けられるシステムを提案する</a:t>
-            </a:r>
-            <a:endParaRPr lang="en-US" altLang="ja-JP" dirty="0" smtClean="0"/>
-          </a:p>
-          <a:p>
-            <a:r>
-              <a:rPr lang="ja-JP" altLang="en-US" dirty="0" smtClean="0"/>
-              <a:t>ブロックプログラミングからブロックリーによるコードへの変換を利用し、プログラミング言語への理解を深められるシステムを提案</a:t>
-            </a:r>
-            <a:endParaRPr lang="en-US" altLang="ja-JP" dirty="0" smtClean="0"/>
-          </a:p>
-          <a:p>
-            <a:r>
-              <a:rPr lang="ja-JP" altLang="en-US" dirty="0"/>
-              <a:t>穴埋め</a:t>
-            </a:r>
-            <a:r>
-              <a:rPr lang="ja-JP" altLang="en-US" dirty="0" smtClean="0"/>
-              <a:t>問題などを利用し、よりプログラミングにユーザが慣れていける環境を提案</a:t>
-            </a:r>
-            <a:endParaRPr lang="en-US" altLang="ja-JP" dirty="0" smtClean="0"/>
-          </a:p>
-          <a:p>
-            <a:endParaRPr kumimoji="1" lang="en-US" altLang="ja-JP" dirty="0"/>
-          </a:p>
-          <a:p>
-            <a:endParaRPr kumimoji="1" lang="ja-JP" altLang="en-US" dirty="0"/>
-          </a:p>
-        </p:txBody>
-      </p:sp>
-      <p:sp>
-        <p:nvSpPr>
-          <p:cNvPr id="4" name="スライド番号プレースホルダー 3"/>
-          <p:cNvSpPr>
-            <a:spLocks noGrp="1"/>
-          </p:cNvSpPr>
-          <p:nvPr>
-            <p:ph type="sldNum" sz="quarter" idx="12"/>
-          </p:nvPr>
-        </p:nvSpPr>
-        <p:spPr/>
-        <p:txBody>
-          <a:bodyPr/>
-          <a:lstStyle/>
-          <a:p>
-            <a:fld id="{4A32CB03-0843-4AF8-BFB2-C9917854BC7E}" type="slidenum">
-              <a:rPr kumimoji="1" lang="ja-JP" altLang="en-US" sz="2800" smtClean="0"/>
-              <a:t>4</a:t>
-            </a:fld>
-            <a:endParaRPr kumimoji="1" lang="ja-JP" altLang="en-US" sz="2800" dirty="0"/>
-          </a:p>
-        </p:txBody>
-      </p:sp>
-    </p:spTree>
-    <p:extLst>
-      <p:ext uri="{BB962C8B-B14F-4D97-AF65-F5344CB8AC3E}">
-        <p14:creationId xmlns:p14="http://schemas.microsoft.com/office/powerpoint/2010/main" val="354179094"/>
-      </p:ext>
-    </p:extLst>
-  </p:cSld>
-  <p:clrMapOvr>
-    <a:masterClrMapping/>
-  </p:clrMapOvr>
-  <p:timing>
-    <p:tnLst>
-      <p:par>
-        <p:cTn id="1" dur="indefinite" restart="never" nodeType="tmRoot"/>
-      </p:par>
-    </p:tnLst>
-  </p:timing>
-</p:sld>
-</file>
-
-<file path=ppt/slides/slide5.xml><?xml version="1.0" encoding="utf-8"?>
-<p:sld xmlns:a="http://schemas.openxmlformats.org/drawingml/2006/main" xmlns:r="http://schemas.openxmlformats.org/officeDocument/2006/relationships" xmlns:p="http://schemas.openxmlformats.org/presentationml/2006/main">
-  <p:cSld>
-    <p:spTree>
-      <p:nvGrpSpPr>
-        <p:cNvPr id="1" name=""/>
-        <p:cNvGrpSpPr/>
-        <p:nvPr/>
-      </p:nvGrpSpPr>
-      <p:grpSpPr>
-        <a:xfrm>
-          <a:off x="0" y="0"/>
-          <a:ext cx="0" cy="0"/>
-          <a:chOff x="0" y="0"/>
-          <a:chExt cx="0" cy="0"/>
-        </a:xfrm>
-      </p:grpSpPr>
-      <p:sp>
-        <p:nvSpPr>
-          <p:cNvPr id="2" name="タイトル 1"/>
-          <p:cNvSpPr>
-            <a:spLocks noGrp="1"/>
-          </p:cNvSpPr>
-          <p:nvPr>
-            <p:ph type="title"/>
-          </p:nvPr>
-        </p:nvSpPr>
-        <p:spPr/>
-        <p:txBody>
-          <a:bodyPr/>
-          <a:lstStyle/>
-          <a:p>
-            <a:r>
-              <a:rPr kumimoji="1" lang="ja-JP" altLang="en-US" dirty="0" smtClean="0"/>
-              <a:t>研究動機</a:t>
-            </a:r>
-            <a:endParaRPr kumimoji="1" lang="ja-JP" altLang="en-US" dirty="0"/>
-          </a:p>
-        </p:txBody>
-      </p:sp>
-      <p:sp>
-        <p:nvSpPr>
-          <p:cNvPr id="3" name="コンテンツ プレースホルダー 2"/>
-          <p:cNvSpPr>
-            <a:spLocks noGrp="1"/>
-          </p:cNvSpPr>
-          <p:nvPr>
-            <p:ph idx="1"/>
-          </p:nvPr>
-        </p:nvSpPr>
-        <p:spPr/>
-        <p:txBody>
-          <a:bodyPr/>
-          <a:lstStyle/>
-          <a:p>
-            <a:pPr algn="just"/>
-            <a:r>
-              <a:rPr lang="ja-JP" altLang="en-US" dirty="0"/>
-              <a:t>学習者が教科書を読み進めるだけではなく，プログラミングに実際に触れることで，論理的思考を身に着けられる環境を作成したいと考えた．</a:t>
-            </a:r>
-            <a:endParaRPr lang="en-US" altLang="ja-JP" dirty="0"/>
-          </a:p>
-          <a:p>
-            <a:pPr algn="just"/>
-            <a:r>
-              <a:rPr lang="ja-JP" altLang="en-US" dirty="0"/>
-              <a:t>ブロックプログラミングを用いることで，学習の初期段階でプログラム言語の構文への理解が浅い状態でもコードの実行が可能である．</a:t>
-            </a:r>
-            <a:endParaRPr lang="en-US" altLang="ja-JP" dirty="0"/>
-          </a:p>
-          <a:p>
-            <a:pPr algn="just"/>
-            <a:r>
-              <a:rPr lang="en-US" altLang="ja-JP" dirty="0" err="1"/>
-              <a:t>Blockly</a:t>
-            </a:r>
-            <a:r>
-              <a:rPr lang="ja-JP" altLang="en-US" dirty="0"/>
-              <a:t>のコードジェネレート機能を用いることで，プログラムの構文への理解につながる．</a:t>
-            </a:r>
-            <a:endParaRPr lang="en-US" altLang="ja-JP" dirty="0"/>
-          </a:p>
-          <a:p>
-            <a:endParaRPr lang="en-US" altLang="ja-JP" dirty="0"/>
-          </a:p>
-          <a:p>
-            <a:endParaRPr kumimoji="1" lang="ja-JP" altLang="en-US" dirty="0"/>
-          </a:p>
-        </p:txBody>
-      </p:sp>
-      <p:sp>
-        <p:nvSpPr>
-          <p:cNvPr id="4" name="スライド番号プレースホルダー 3"/>
-          <p:cNvSpPr>
-            <a:spLocks noGrp="1"/>
-          </p:cNvSpPr>
-          <p:nvPr>
-            <p:ph type="sldNum" sz="quarter" idx="12"/>
-          </p:nvPr>
-        </p:nvSpPr>
-        <p:spPr/>
-        <p:txBody>
-          <a:bodyPr/>
-          <a:lstStyle/>
-          <a:p>
-            <a:fld id="{4A32CB03-0843-4AF8-BFB2-C9917854BC7E}" type="slidenum">
-              <a:rPr kumimoji="1" lang="ja-JP" altLang="en-US" sz="2400" smtClean="0"/>
-              <a:t>5</a:t>
-            </a:fld>
-            <a:endParaRPr kumimoji="1" lang="ja-JP" altLang="en-US" sz="2400" dirty="0"/>
-          </a:p>
-        </p:txBody>
-      </p:sp>
-    </p:spTree>
-    <p:extLst>
-      <p:ext uri="{BB962C8B-B14F-4D97-AF65-F5344CB8AC3E}">
-        <p14:creationId xmlns:p14="http://schemas.microsoft.com/office/powerpoint/2010/main" val="1632152331"/>
-      </p:ext>
-    </p:extLst>
-  </p:cSld>
-  <p:clrMapOvr>
-    <a:masterClrMapping/>
-  </p:clrMapOvr>
-  <p:timing>
-    <p:tnLst>
-      <p:par>
-        <p:cTn id="1" dur="indefinite" restart="never" nodeType="tmRoot"/>
-      </p:par>
-    </p:tnLst>
-  </p:timing>
-</p:sld>
-</file>
-
-<file path=ppt/slides/slide6.xml><?xml version="1.0" encoding="utf-8"?>
-<p:sld xmlns:a="http://schemas.openxmlformats.org/drawingml/2006/main" xmlns:r="http://schemas.openxmlformats.org/officeDocument/2006/relationships" xmlns:p="http://schemas.openxmlformats.org/presentationml/2006/main">
-  <p:cSld>
-    <p:spTree>
-      <p:nvGrpSpPr>
-        <p:cNvPr id="1" name=""/>
-        <p:cNvGrpSpPr/>
-        <p:nvPr/>
-      </p:nvGrpSpPr>
-      <p:grpSpPr>
-        <a:xfrm>
-          <a:off x="0" y="0"/>
-          <a:ext cx="0" cy="0"/>
-          <a:chOff x="0" y="0"/>
-          <a:chExt cx="0" cy="0"/>
-        </a:xfrm>
-      </p:grpSpPr>
-      <p:sp>
-        <p:nvSpPr>
-          <p:cNvPr id="2" name="タイトル 1"/>
-          <p:cNvSpPr>
-            <a:spLocks noGrp="1"/>
-          </p:cNvSpPr>
-          <p:nvPr>
-            <p:ph type="title"/>
-          </p:nvPr>
-        </p:nvSpPr>
-        <p:spPr/>
-        <p:txBody>
-          <a:bodyPr/>
-          <a:lstStyle/>
-          <a:p>
-            <a:r>
-              <a:rPr kumimoji="1" lang="ja-JP" altLang="en-US" dirty="0" smtClean="0"/>
-              <a:t>研究課題について</a:t>
-            </a:r>
-            <a:endParaRPr kumimoji="1" lang="ja-JP" altLang="en-US" dirty="0"/>
-          </a:p>
-        </p:txBody>
-      </p:sp>
-      <p:sp>
-        <p:nvSpPr>
-          <p:cNvPr id="3" name="コンテンツ プレースホルダー 2"/>
-          <p:cNvSpPr>
-            <a:spLocks noGrp="1"/>
-          </p:cNvSpPr>
-          <p:nvPr>
-            <p:ph idx="1"/>
-          </p:nvPr>
-        </p:nvSpPr>
-        <p:spPr/>
-        <p:txBody>
-          <a:bodyPr>
-            <a:normAutofit/>
-          </a:bodyPr>
-          <a:lstStyle/>
-          <a:p>
-            <a:pPr algn="just"/>
-            <a:r>
-              <a:rPr lang="ja-JP" altLang="en-US" dirty="0"/>
-              <a:t>論理的思考がすでに培われていることを前提として問題が提示される教育環境となっている．</a:t>
-            </a:r>
-            <a:endParaRPr lang="en-US" altLang="ja-JP" dirty="0"/>
-          </a:p>
-          <a:p>
-            <a:pPr lvl="1" algn="just">
-              <a:buFont typeface="Wingdings" panose="05000000000000000000" pitchFamily="2" charset="2"/>
-              <a:buChar char="Ø"/>
-            </a:pPr>
-            <a:r>
-              <a:rPr lang="ja-JP" altLang="en-US" dirty="0"/>
-              <a:t>学習者が論理的な思考をもって問題文を読み取ることができる必要がある．</a:t>
-            </a:r>
-            <a:endParaRPr lang="en-US" altLang="ja-JP" dirty="0"/>
-          </a:p>
-          <a:p>
-            <a:pPr algn="just"/>
-            <a:r>
-              <a:rPr lang="ja-JP" altLang="en-US" dirty="0"/>
-              <a:t>プログラミング言語における構文を理解するには，コーディング経験も重要</a:t>
-            </a:r>
-            <a:endParaRPr lang="en-US" altLang="ja-JP" dirty="0"/>
-          </a:p>
-          <a:p>
-            <a:pPr lvl="1" algn="just">
-              <a:buFont typeface="Wingdings" panose="05000000000000000000" pitchFamily="2" charset="2"/>
-              <a:buChar char="Ø"/>
-            </a:pPr>
-            <a:r>
-              <a:rPr lang="en-US" altLang="ja-JP" dirty="0" err="1"/>
-              <a:t>Blockly</a:t>
-            </a:r>
-            <a:r>
-              <a:rPr lang="ja-JP" altLang="en-US" dirty="0"/>
-              <a:t>によって生成されたコードを見るだけではなく</a:t>
-            </a:r>
-            <a:r>
-              <a:rPr lang="en-US" altLang="ja-JP" dirty="0"/>
-              <a:t>,</a:t>
-            </a:r>
-            <a:r>
-              <a:rPr lang="ja-JP" altLang="en-US" dirty="0"/>
-              <a:t>実際に学習者がコーディングする環境でないと，プログラミング言語の構文への理解の定着にはつながらない．</a:t>
-            </a:r>
-            <a:endParaRPr lang="en-US" altLang="ja-JP" dirty="0"/>
-          </a:p>
-        </p:txBody>
-      </p:sp>
-      <p:sp>
-        <p:nvSpPr>
-          <p:cNvPr id="4" name="スライド番号プレースホルダー 3"/>
-          <p:cNvSpPr>
-            <a:spLocks noGrp="1"/>
-          </p:cNvSpPr>
-          <p:nvPr>
-            <p:ph type="sldNum" sz="quarter" idx="12"/>
-          </p:nvPr>
-        </p:nvSpPr>
-        <p:spPr/>
-        <p:txBody>
-          <a:bodyPr/>
-          <a:lstStyle/>
-          <a:p>
-            <a:fld id="{010A43D1-8C5F-4BB5-96AD-6A66B588192F}" type="slidenum">
-              <a:rPr kumimoji="1" lang="ja-JP" altLang="en-US" sz="2400" smtClean="0"/>
-              <a:t>6</a:t>
-            </a:fld>
-            <a:endParaRPr kumimoji="1" lang="ja-JP" altLang="en-US" sz="2400" dirty="0"/>
-          </a:p>
-        </p:txBody>
-      </p:sp>
-    </p:spTree>
-    <p:extLst>
-      <p:ext uri="{BB962C8B-B14F-4D97-AF65-F5344CB8AC3E}">
-        <p14:creationId xmlns:p14="http://schemas.microsoft.com/office/powerpoint/2010/main" val="4275672017"/>
-      </p:ext>
-    </p:extLst>
-  </p:cSld>
-  <p:clrMapOvr>
-    <a:masterClrMapping/>
-  </p:clrMapOvr>
-  <p:timing>
-    <p:tnLst>
-      <p:par>
-        <p:cTn id="1" dur="indefinite" restart="never" nodeType="tmRoot"/>
-      </p:par>
-    </p:tnLst>
-  </p:timing>
-</p:sld>
-</file>
-
-<file path=ppt/slides/slide7.xml><?xml version="1.0" encoding="utf-8"?>
-<p:sld xmlns:a="http://schemas.openxmlformats.org/drawingml/2006/main" xmlns:r="http://schemas.openxmlformats.org/officeDocument/2006/relationships" xmlns:p="http://schemas.openxmlformats.org/presentationml/2006/main">
-  <p:cSld>
-    <p:spTree>
-      <p:nvGrpSpPr>
-        <p:cNvPr id="1" name=""/>
-        <p:cNvGrpSpPr/>
-        <p:nvPr/>
-      </p:nvGrpSpPr>
-      <p:grpSpPr>
-        <a:xfrm>
-          <a:off x="0" y="0"/>
-          <a:ext cx="0" cy="0"/>
-          <a:chOff x="0" y="0"/>
-          <a:chExt cx="0" cy="0"/>
-        </a:xfrm>
-      </p:grpSpPr>
-      <p:sp>
-        <p:nvSpPr>
-          <p:cNvPr id="2" name="タイトル 1"/>
-          <p:cNvSpPr>
-            <a:spLocks noGrp="1"/>
-          </p:cNvSpPr>
-          <p:nvPr>
-            <p:ph type="title"/>
-          </p:nvPr>
-        </p:nvSpPr>
-        <p:spPr/>
-        <p:txBody>
-          <a:bodyPr/>
-          <a:lstStyle/>
-          <a:p>
-            <a:r>
-              <a:rPr kumimoji="1" lang="ja-JP" altLang="en-US" dirty="0" smtClean="0"/>
-              <a:t>解決すべき課題</a:t>
-            </a:r>
-            <a:endParaRPr kumimoji="1" lang="ja-JP" altLang="en-US" dirty="0"/>
-          </a:p>
-        </p:txBody>
-      </p:sp>
-      <p:sp>
-        <p:nvSpPr>
-          <p:cNvPr id="3" name="コンテンツ プレースホルダー 2"/>
-          <p:cNvSpPr>
-            <a:spLocks noGrp="1"/>
-          </p:cNvSpPr>
-          <p:nvPr>
-            <p:ph idx="1"/>
-          </p:nvPr>
-        </p:nvSpPr>
-        <p:spPr/>
-        <p:txBody>
-          <a:bodyPr/>
-          <a:lstStyle/>
-          <a:p>
-            <a:r>
-              <a:rPr kumimoji="1" lang="ja-JP" altLang="en-US" dirty="0" smtClean="0"/>
-              <a:t>コードを生成する機能は</a:t>
-            </a:r>
-            <a:r>
-              <a:rPr kumimoji="1" lang="en-US" altLang="ja-JP" dirty="0" err="1" smtClean="0"/>
-              <a:t>Blockly</a:t>
-            </a:r>
-            <a:r>
-              <a:rPr kumimoji="1" lang="ja-JP" altLang="en-US" dirty="0" smtClean="0"/>
-              <a:t>サポートされる</a:t>
-            </a:r>
-            <a:endParaRPr kumimoji="1" lang="en-US" altLang="ja-JP" dirty="0" smtClean="0"/>
-          </a:p>
-          <a:p>
-            <a:endParaRPr kumimoji="1" lang="en-US" altLang="ja-JP" dirty="0" smtClean="0"/>
-          </a:p>
-          <a:p>
-            <a:r>
-              <a:rPr lang="ja-JP" altLang="en-US" dirty="0" smtClean="0"/>
-              <a:t>生成されたコードからどのように学習者に提示するのか</a:t>
-            </a:r>
-            <a:endParaRPr lang="en-US" altLang="ja-JP" dirty="0" smtClean="0"/>
-          </a:p>
-          <a:p>
-            <a:r>
-              <a:rPr kumimoji="1" lang="ja-JP" altLang="en-US" dirty="0" smtClean="0"/>
-              <a:t>穴埋め問題の自動生成、選択肢の内容</a:t>
-            </a:r>
-            <a:endParaRPr kumimoji="1" lang="en-US" altLang="ja-JP" dirty="0" smtClean="0"/>
-          </a:p>
-          <a:p>
-            <a:endParaRPr kumimoji="1" lang="en-US" altLang="ja-JP" dirty="0" smtClean="0"/>
-          </a:p>
-          <a:p>
-            <a:endParaRPr kumimoji="1" lang="ja-JP" altLang="en-US" dirty="0"/>
-          </a:p>
-        </p:txBody>
-      </p:sp>
-      <p:sp>
-        <p:nvSpPr>
-          <p:cNvPr id="4" name="スライド番号プレースホルダー 3"/>
-          <p:cNvSpPr>
-            <a:spLocks noGrp="1"/>
-          </p:cNvSpPr>
-          <p:nvPr>
-            <p:ph type="sldNum" sz="quarter" idx="12"/>
-          </p:nvPr>
-        </p:nvSpPr>
-        <p:spPr/>
-        <p:txBody>
-          <a:bodyPr/>
-          <a:lstStyle/>
-          <a:p>
-            <a:fld id="{4A32CB03-0843-4AF8-BFB2-C9917854BC7E}" type="slidenum">
-              <a:rPr kumimoji="1" lang="ja-JP" altLang="en-US" smtClean="0"/>
-              <a:t>7</a:t>
-            </a:fld>
-            <a:endParaRPr kumimoji="1" lang="ja-JP" altLang="en-US"/>
-          </a:p>
-        </p:txBody>
-      </p:sp>
-    </p:spTree>
-    <p:extLst>
-      <p:ext uri="{BB962C8B-B14F-4D97-AF65-F5344CB8AC3E}">
-        <p14:creationId xmlns:p14="http://schemas.microsoft.com/office/powerpoint/2010/main" val="2187274504"/>
-      </p:ext>
-    </p:extLst>
-  </p:cSld>
-  <p:clrMapOvr>
-    <a:masterClrMapping/>
-  </p:clrMapOvr>
-</p:sld>
-</file>
-
-<file path=ppt/slides/slide8.xml><?xml version="1.0" encoding="utf-8"?>
-<p:sld xmlns:a="http://schemas.openxmlformats.org/drawingml/2006/main" xmlns:r="http://schemas.openxmlformats.org/officeDocument/2006/relationships" xmlns:p="http://schemas.openxmlformats.org/presentationml/2006/main">
-  <p:cSld>
-    <p:spTree>
-      <p:nvGrpSpPr>
-        <p:cNvPr id="1" name=""/>
-        <p:cNvGrpSpPr/>
-        <p:nvPr/>
-      </p:nvGrpSpPr>
-      <p:grpSpPr>
-        <a:xfrm>
-          <a:off x="0" y="0"/>
-          <a:ext cx="0" cy="0"/>
-          <a:chOff x="0" y="0"/>
-          <a:chExt cx="0" cy="0"/>
-        </a:xfrm>
-      </p:grpSpPr>
-      <p:sp>
-        <p:nvSpPr>
-          <p:cNvPr id="2" name="タイトル 1"/>
-          <p:cNvSpPr>
-            <a:spLocks noGrp="1"/>
-          </p:cNvSpPr>
-          <p:nvPr>
-            <p:ph type="title"/>
-          </p:nvPr>
-        </p:nvSpPr>
-        <p:spPr/>
-        <p:txBody>
-          <a:bodyPr/>
-          <a:lstStyle/>
-          <a:p>
-            <a:r>
-              <a:rPr kumimoji="1" lang="en-US" altLang="ja-JP" dirty="0" smtClean="0"/>
-              <a:t>Node.js</a:t>
-            </a:r>
-            <a:endParaRPr kumimoji="1" lang="ja-JP" altLang="en-US" dirty="0"/>
-          </a:p>
-        </p:txBody>
-      </p:sp>
-      <p:sp>
-        <p:nvSpPr>
-          <p:cNvPr id="3" name="コンテンツ プレースホルダー 2"/>
-          <p:cNvSpPr>
-            <a:spLocks noGrp="1"/>
-          </p:cNvSpPr>
-          <p:nvPr>
-            <p:ph idx="1"/>
-          </p:nvPr>
-        </p:nvSpPr>
-        <p:spPr/>
-        <p:txBody>
-          <a:bodyPr/>
-          <a:lstStyle/>
-          <a:p>
-            <a:pPr marL="0" indent="0">
-              <a:buNone/>
-            </a:pPr>
-            <a:r>
-              <a:rPr lang="en-US" altLang="ja-JP" dirty="0"/>
-              <a:t>Node.js</a:t>
-            </a:r>
-            <a:r>
-              <a:rPr lang="ja-JP" altLang="en-US" dirty="0"/>
-              <a:t>（ノード・ジェイエス） は</a:t>
-            </a:r>
-            <a:r>
-              <a:rPr lang="en-US" altLang="ja-JP" dirty="0"/>
-              <a:t>V8 JavaScript</a:t>
-            </a:r>
-            <a:r>
-              <a:rPr lang="ja-JP" altLang="en-US" dirty="0"/>
-              <a:t>エンジン上に構築された</a:t>
-            </a:r>
-            <a:r>
-              <a:rPr lang="en-US" altLang="ja-JP" dirty="0"/>
-              <a:t>JavaScript</a:t>
-            </a:r>
-            <a:r>
-              <a:rPr lang="ja-JP" altLang="en-US" dirty="0"/>
-              <a:t>実行環境の</a:t>
-            </a:r>
-            <a:r>
-              <a:rPr lang="en-US" altLang="ja-JP" dirty="0"/>
-              <a:t>1</a:t>
-            </a:r>
-            <a:r>
-              <a:rPr lang="ja-JP" altLang="en-US" dirty="0"/>
-              <a:t>つで</a:t>
-            </a:r>
-            <a:r>
-              <a:rPr lang="ja-JP" altLang="en-US" dirty="0" smtClean="0"/>
-              <a:t>ある。</a:t>
-            </a:r>
-            <a:r>
-              <a:rPr lang="ja-JP" altLang="en-US" dirty="0"/>
-              <a:t>イベント化された入出力を扱うサーバサイド</a:t>
-            </a:r>
-            <a:r>
-              <a:rPr lang="en-US" altLang="ja-JP" dirty="0"/>
-              <a:t>JavaScript</a:t>
-            </a:r>
-            <a:r>
-              <a:rPr lang="ja-JP" altLang="en-US" dirty="0"/>
-              <a:t>環境であり、</a:t>
-            </a:r>
-            <a:r>
-              <a:rPr lang="en-US" altLang="ja-JP" dirty="0"/>
-              <a:t>Web</a:t>
-            </a:r>
-            <a:r>
-              <a:rPr lang="ja-JP" altLang="en-US" dirty="0"/>
-              <a:t>サーバなどのスケーラブルなネットワークプログラムの記述を意図して</a:t>
-            </a:r>
-            <a:r>
-              <a:rPr lang="ja-JP" altLang="en-US" dirty="0" smtClean="0"/>
-              <a:t>いる。</a:t>
-            </a:r>
-            <a:endParaRPr lang="en-US" altLang="ja-JP" dirty="0" smtClean="0"/>
-          </a:p>
-          <a:p>
-            <a:pPr marL="0" indent="0">
-              <a:buNone/>
-            </a:pPr>
-            <a:endParaRPr kumimoji="1" lang="en-US" altLang="ja-JP" dirty="0" smtClean="0"/>
-          </a:p>
-          <a:p>
-            <a:pPr marL="0" indent="0">
-              <a:buNone/>
-            </a:pPr>
-            <a:r>
-              <a:rPr lang="ja-JP" altLang="en-US" dirty="0"/>
-              <a:t>引用</a:t>
-            </a:r>
-            <a:r>
-              <a:rPr lang="ja-JP" altLang="en-US" dirty="0" smtClean="0"/>
-              <a:t>：</a:t>
-            </a:r>
-            <a:endParaRPr kumimoji="1" lang="en-US" altLang="ja-JP" dirty="0"/>
-          </a:p>
-          <a:p>
-            <a:pPr marL="0" indent="0">
-              <a:buNone/>
-            </a:pPr>
-            <a:r>
-              <a:rPr lang="en-US" altLang="ja-JP" dirty="0"/>
-              <a:t>https://ja.wikipedia.org/wiki/Node.js</a:t>
-            </a:r>
-            <a:endParaRPr kumimoji="1" lang="ja-JP" altLang="en-US" dirty="0"/>
-          </a:p>
-        </p:txBody>
-      </p:sp>
-      <p:sp>
-        <p:nvSpPr>
-          <p:cNvPr id="4" name="スライド番号プレースホルダー 3"/>
-          <p:cNvSpPr>
-            <a:spLocks noGrp="1"/>
-          </p:cNvSpPr>
-          <p:nvPr>
-            <p:ph type="sldNum" sz="quarter" idx="12"/>
-          </p:nvPr>
-        </p:nvSpPr>
-        <p:spPr/>
-        <p:txBody>
-          <a:bodyPr/>
-          <a:lstStyle/>
-          <a:p>
-            <a:fld id="{4A32CB03-0843-4AF8-BFB2-C9917854BC7E}" type="slidenum">
-              <a:rPr kumimoji="1" lang="ja-JP" altLang="en-US" smtClean="0"/>
-              <a:t>8</a:t>
-            </a:fld>
-            <a:endParaRPr kumimoji="1" lang="ja-JP" altLang="en-US"/>
-          </a:p>
-        </p:txBody>
-      </p:sp>
-    </p:spTree>
-    <p:extLst>
-      <p:ext uri="{BB962C8B-B14F-4D97-AF65-F5344CB8AC3E}">
-        <p14:creationId xmlns:p14="http://schemas.microsoft.com/office/powerpoint/2010/main" val="4200382121"/>
-      </p:ext>
-    </p:extLst>
-  </p:cSld>
-  <p:clrMapOvr>
-    <a:masterClrMapping/>
-  </p:clrMapOvr>
-  <p:timing>
-    <p:tnLst>
-      <p:par>
-        <p:cTn id="1" dur="indefinite" restart="never" nodeType="tmRoot"/>
-      </p:par>
-    </p:tnLst>
-  </p:timing>
-</p:sld>
-</file>
-
-<file path=ppt/slides/slide9.xml><?xml version="1.0" encoding="utf-8"?>
-<p:sld xmlns:a="http://schemas.openxmlformats.org/drawingml/2006/main" xmlns:r="http://schemas.openxmlformats.org/officeDocument/2006/relationships" xmlns:p="http://schemas.openxmlformats.org/presentationml/2006/main">
-  <p:cSld>
-    <p:spTree>
-      <p:nvGrpSpPr>
-        <p:cNvPr id="1" name=""/>
-        <p:cNvGrpSpPr/>
-        <p:nvPr/>
-      </p:nvGrpSpPr>
-      <p:grpSpPr>
-        <a:xfrm>
-          <a:off x="0" y="0"/>
-          <a:ext cx="0" cy="0"/>
-          <a:chOff x="0" y="0"/>
-          <a:chExt cx="0" cy="0"/>
-        </a:xfrm>
-      </p:grpSpPr>
-      <p:sp>
-        <p:nvSpPr>
-          <p:cNvPr id="2" name="タイトル 1"/>
-          <p:cNvSpPr>
-            <a:spLocks noGrp="1"/>
-          </p:cNvSpPr>
-          <p:nvPr>
-            <p:ph type="title"/>
-          </p:nvPr>
-        </p:nvSpPr>
-        <p:spPr/>
-        <p:txBody>
-          <a:bodyPr/>
-          <a:lstStyle/>
-          <a:p>
-            <a:r>
-              <a:rPr lang="ja-JP" altLang="en-US" dirty="0" smtClean="0"/>
-              <a:t>システム構成図</a:t>
-            </a:r>
-            <a:r>
-              <a:rPr kumimoji="1" lang="ja-JP" altLang="en-US" dirty="0" smtClean="0"/>
-              <a:t>（予想図）</a:t>
-            </a:r>
-            <a:endParaRPr kumimoji="1" lang="ja-JP" altLang="en-US" dirty="0"/>
-          </a:p>
-        </p:txBody>
-      </p:sp>
-      <p:sp>
-        <p:nvSpPr>
-          <p:cNvPr id="3" name="スライド番号プレースホルダー 2"/>
-          <p:cNvSpPr>
-            <a:spLocks noGrp="1"/>
-          </p:cNvSpPr>
-          <p:nvPr>
-            <p:ph type="sldNum" sz="quarter" idx="12"/>
-          </p:nvPr>
-        </p:nvSpPr>
-        <p:spPr/>
-        <p:txBody>
-          <a:bodyPr/>
-          <a:lstStyle/>
-          <a:p>
-            <a:fld id="{4A32CB03-0843-4AF8-BFB2-C9917854BC7E}" type="slidenum">
-              <a:rPr kumimoji="1" lang="ja-JP" altLang="en-US" smtClean="0"/>
-              <a:t>9</a:t>
             </a:fld>
             <a:endParaRPr kumimoji="1" lang="ja-JP" altLang="en-US"/>
           </a:p>
@@ -9025,6 +4898,4312 @@
     <p:extLst>
       <p:ext uri="{BB962C8B-B14F-4D97-AF65-F5344CB8AC3E}">
         <p14:creationId xmlns:p14="http://schemas.microsoft.com/office/powerpoint/2010/main" val="109026630"/>
+      </p:ext>
+    </p:extLst>
+  </p:cSld>
+  <p:clrMapOvr>
+    <a:masterClrMapping/>
+  </p:clrMapOvr>
+  <p:timing>
+    <p:tnLst>
+      <p:par>
+        <p:cTn id="1" dur="indefinite" restart="never" nodeType="tmRoot"/>
+      </p:par>
+    </p:tnLst>
+  </p:timing>
+</p:sld>
+</file>
+
+<file path=ppt/slides/slide11.xml><?xml version="1.0" encoding="utf-8"?>
+<p:sld xmlns:a="http://schemas.openxmlformats.org/drawingml/2006/main" xmlns:r="http://schemas.openxmlformats.org/officeDocument/2006/relationships" xmlns:p="http://schemas.openxmlformats.org/presentationml/2006/main">
+  <p:cSld>
+    <p:spTree>
+      <p:nvGrpSpPr>
+        <p:cNvPr id="1" name=""/>
+        <p:cNvGrpSpPr/>
+        <p:nvPr/>
+      </p:nvGrpSpPr>
+      <p:grpSpPr>
+        <a:xfrm>
+          <a:off x="0" y="0"/>
+          <a:ext cx="0" cy="0"/>
+          <a:chOff x="0" y="0"/>
+          <a:chExt cx="0" cy="0"/>
+        </a:xfrm>
+      </p:grpSpPr>
+      <p:sp>
+        <p:nvSpPr>
+          <p:cNvPr id="2" name="タイトル 1"/>
+          <p:cNvSpPr>
+            <a:spLocks noGrp="1"/>
+          </p:cNvSpPr>
+          <p:nvPr>
+            <p:ph type="title"/>
+          </p:nvPr>
+        </p:nvSpPr>
+        <p:spPr/>
+        <p:txBody>
+          <a:bodyPr/>
+          <a:lstStyle/>
+          <a:p>
+            <a:r>
+              <a:rPr lang="en-US" altLang="ja-JP" dirty="0" smtClean="0"/>
+              <a:t>Node.js</a:t>
+            </a:r>
+            <a:r>
+              <a:rPr lang="ja-JP" altLang="en-US" dirty="0" smtClean="0"/>
+              <a:t>について</a:t>
+            </a:r>
+            <a:endParaRPr kumimoji="1" lang="ja-JP" altLang="en-US" dirty="0"/>
+          </a:p>
+        </p:txBody>
+      </p:sp>
+      <p:sp>
+        <p:nvSpPr>
+          <p:cNvPr id="3" name="コンテンツ プレースホルダー 2"/>
+          <p:cNvSpPr>
+            <a:spLocks noGrp="1"/>
+          </p:cNvSpPr>
+          <p:nvPr>
+            <p:ph idx="1"/>
+          </p:nvPr>
+        </p:nvSpPr>
+        <p:spPr/>
+        <p:txBody>
+          <a:bodyPr/>
+          <a:lstStyle/>
+          <a:p>
+            <a:r>
+              <a:rPr kumimoji="1" lang="en-US" altLang="ja-JP" dirty="0" err="1" smtClean="0"/>
+              <a:t>Blockly</a:t>
+            </a:r>
+            <a:r>
+              <a:rPr lang="ja-JP" altLang="en-US" dirty="0"/>
+              <a:t>で</a:t>
+            </a:r>
+            <a:r>
+              <a:rPr lang="ja-JP" altLang="en-US" dirty="0" smtClean="0"/>
+              <a:t>は、</a:t>
+            </a:r>
+            <a:r>
+              <a:rPr lang="en-US" altLang="ja-JP" dirty="0" smtClean="0"/>
+              <a:t>Node </a:t>
+            </a:r>
+            <a:r>
+              <a:rPr lang="en-US" altLang="ja-JP" dirty="0"/>
+              <a:t>Package Manager</a:t>
+            </a:r>
+            <a:r>
+              <a:rPr lang="ja-JP" altLang="en-US" dirty="0" smtClean="0"/>
+              <a:t>というパッケージ管理のために</a:t>
+            </a:r>
+            <a:r>
+              <a:rPr lang="en-US" altLang="ja-JP" dirty="0" smtClean="0"/>
+              <a:t>Node.js</a:t>
+            </a:r>
+            <a:r>
+              <a:rPr lang="ja-JP" altLang="en-US" dirty="0" smtClean="0"/>
+              <a:t>を利用している</a:t>
+            </a:r>
+            <a:endParaRPr kumimoji="1" lang="ja-JP" altLang="en-US" dirty="0"/>
+          </a:p>
+        </p:txBody>
+      </p:sp>
+      <p:sp>
+        <p:nvSpPr>
+          <p:cNvPr id="4" name="スライド番号プレースホルダー 3"/>
+          <p:cNvSpPr>
+            <a:spLocks noGrp="1"/>
+          </p:cNvSpPr>
+          <p:nvPr>
+            <p:ph type="sldNum" sz="quarter" idx="12"/>
+          </p:nvPr>
+        </p:nvSpPr>
+        <p:spPr/>
+        <p:txBody>
+          <a:bodyPr/>
+          <a:lstStyle/>
+          <a:p>
+            <a:fld id="{4A32CB03-0843-4AF8-BFB2-C9917854BC7E}" type="slidenum">
+              <a:rPr kumimoji="1" lang="ja-JP" altLang="en-US" smtClean="0"/>
+              <a:t>11</a:t>
+            </a:fld>
+            <a:endParaRPr kumimoji="1" lang="ja-JP" altLang="en-US"/>
+          </a:p>
+        </p:txBody>
+      </p:sp>
+    </p:spTree>
+    <p:extLst>
+      <p:ext uri="{BB962C8B-B14F-4D97-AF65-F5344CB8AC3E}">
+        <p14:creationId xmlns:p14="http://schemas.microsoft.com/office/powerpoint/2010/main" val="3535867368"/>
+      </p:ext>
+    </p:extLst>
+  </p:cSld>
+  <p:clrMapOvr>
+    <a:masterClrMapping/>
+  </p:clrMapOvr>
+  <p:timing>
+    <p:tnLst>
+      <p:par>
+        <p:cTn id="1" dur="indefinite" restart="never" nodeType="tmRoot"/>
+      </p:par>
+    </p:tnLst>
+  </p:timing>
+</p:sld>
+</file>
+
+<file path=ppt/slides/slide12.xml><?xml version="1.0" encoding="utf-8"?>
+<p:sld xmlns:a="http://schemas.openxmlformats.org/drawingml/2006/main" xmlns:r="http://schemas.openxmlformats.org/officeDocument/2006/relationships" xmlns:p="http://schemas.openxmlformats.org/presentationml/2006/main">
+  <p:cSld>
+    <p:spTree>
+      <p:nvGrpSpPr>
+        <p:cNvPr id="1" name=""/>
+        <p:cNvGrpSpPr/>
+        <p:nvPr/>
+      </p:nvGrpSpPr>
+      <p:grpSpPr>
+        <a:xfrm>
+          <a:off x="0" y="0"/>
+          <a:ext cx="0" cy="0"/>
+          <a:chOff x="0" y="0"/>
+          <a:chExt cx="0" cy="0"/>
+        </a:xfrm>
+      </p:grpSpPr>
+      <p:sp>
+        <p:nvSpPr>
+          <p:cNvPr id="2" name="タイトル 1"/>
+          <p:cNvSpPr>
+            <a:spLocks noGrp="1"/>
+          </p:cNvSpPr>
+          <p:nvPr>
+            <p:ph type="title"/>
+          </p:nvPr>
+        </p:nvSpPr>
+        <p:spPr/>
+        <p:txBody>
+          <a:bodyPr/>
+          <a:lstStyle/>
+          <a:p>
+            <a:r>
+              <a:rPr lang="en-US" altLang="ja-JP" dirty="0" err="1" smtClean="0"/>
+              <a:t>Node_modules</a:t>
+            </a:r>
+            <a:r>
+              <a:rPr lang="en-US" altLang="ja-JP" dirty="0" smtClean="0"/>
+              <a:t> install</a:t>
+            </a:r>
+            <a:endParaRPr kumimoji="1" lang="ja-JP" altLang="en-US" dirty="0"/>
+          </a:p>
+        </p:txBody>
+      </p:sp>
+      <p:sp>
+        <p:nvSpPr>
+          <p:cNvPr id="3" name="コンテンツ プレースホルダー 2"/>
+          <p:cNvSpPr>
+            <a:spLocks noGrp="1"/>
+          </p:cNvSpPr>
+          <p:nvPr>
+            <p:ph idx="1"/>
+          </p:nvPr>
+        </p:nvSpPr>
+        <p:spPr/>
+        <p:txBody>
+          <a:bodyPr/>
+          <a:lstStyle/>
+          <a:p>
+            <a:r>
+              <a:rPr lang="en-US" altLang="ja-JP" dirty="0" err="1" smtClean="0"/>
+              <a:t>Blockly</a:t>
+            </a:r>
+            <a:r>
+              <a:rPr lang="ja-JP" altLang="en-US" dirty="0" smtClean="0"/>
+              <a:t>公式によって用意されているモジュールのインストール</a:t>
+            </a:r>
+            <a:endParaRPr lang="en-US" altLang="ja-JP" dirty="0" smtClean="0"/>
+          </a:p>
+          <a:p>
+            <a:r>
+              <a:rPr kumimoji="1" lang="ja-JP" altLang="en-US" dirty="0" smtClean="0"/>
+              <a:t>方法：</a:t>
+            </a:r>
+            <a:r>
+              <a:rPr lang="ja-JP" altLang="en-US" dirty="0" smtClean="0"/>
+              <a:t>コマンドプロンプトにて</a:t>
+            </a:r>
+            <a:r>
+              <a:rPr kumimoji="1" lang="ja-JP" altLang="en-US" dirty="0" smtClean="0"/>
+              <a:t>実行したい</a:t>
+            </a:r>
+            <a:r>
+              <a:rPr kumimoji="1" lang="en-US" altLang="ja-JP" dirty="0" smtClean="0"/>
+              <a:t>JSON</a:t>
+            </a:r>
+            <a:r>
+              <a:rPr kumimoji="1" lang="ja-JP" altLang="en-US" dirty="0" smtClean="0"/>
+              <a:t>ファイルの場所に移動して</a:t>
+            </a:r>
+            <a:r>
+              <a:rPr kumimoji="1" lang="en-US" altLang="ja-JP" dirty="0" err="1" smtClean="0"/>
+              <a:t>npm</a:t>
+            </a:r>
+            <a:r>
+              <a:rPr kumimoji="1" lang="en-US" altLang="ja-JP" dirty="0" smtClean="0"/>
+              <a:t> install</a:t>
+            </a:r>
+            <a:r>
+              <a:rPr kumimoji="1" lang="ja-JP" altLang="en-US" dirty="0" smtClean="0"/>
+              <a:t>を実行</a:t>
+            </a:r>
+            <a:endParaRPr kumimoji="1" lang="en-US" altLang="ja-JP" dirty="0" smtClean="0"/>
+          </a:p>
+          <a:p>
+            <a:pPr marL="0" indent="0">
+              <a:buNone/>
+            </a:pPr>
+            <a:endParaRPr lang="en-US" altLang="ja-JP" dirty="0"/>
+          </a:p>
+        </p:txBody>
+      </p:sp>
+      <p:sp>
+        <p:nvSpPr>
+          <p:cNvPr id="4" name="スライド番号プレースホルダー 3"/>
+          <p:cNvSpPr>
+            <a:spLocks noGrp="1"/>
+          </p:cNvSpPr>
+          <p:nvPr>
+            <p:ph type="sldNum" sz="quarter" idx="12"/>
+          </p:nvPr>
+        </p:nvSpPr>
+        <p:spPr/>
+        <p:txBody>
+          <a:bodyPr/>
+          <a:lstStyle/>
+          <a:p>
+            <a:fld id="{4A32CB03-0843-4AF8-BFB2-C9917854BC7E}" type="slidenum">
+              <a:rPr kumimoji="1" lang="ja-JP" altLang="en-US" sz="2800" smtClean="0"/>
+              <a:t>12</a:t>
+            </a:fld>
+            <a:endParaRPr kumimoji="1" lang="ja-JP" altLang="en-US" sz="2800" dirty="0"/>
+          </a:p>
+        </p:txBody>
+      </p:sp>
+    </p:spTree>
+    <p:extLst>
+      <p:ext uri="{BB962C8B-B14F-4D97-AF65-F5344CB8AC3E}">
+        <p14:creationId xmlns:p14="http://schemas.microsoft.com/office/powerpoint/2010/main" val="2182324898"/>
+      </p:ext>
+    </p:extLst>
+  </p:cSld>
+  <p:clrMapOvr>
+    <a:masterClrMapping/>
+  </p:clrMapOvr>
+  <p:timing>
+    <p:tnLst>
+      <p:par>
+        <p:cTn id="1" dur="indefinite" restart="never" nodeType="tmRoot"/>
+      </p:par>
+    </p:tnLst>
+  </p:timing>
+</p:sld>
+</file>
+
+<file path=ppt/slides/slide13.xml><?xml version="1.0" encoding="utf-8"?>
+<p:sld xmlns:a="http://schemas.openxmlformats.org/drawingml/2006/main" xmlns:r="http://schemas.openxmlformats.org/officeDocument/2006/relationships" xmlns:p="http://schemas.openxmlformats.org/presentationml/2006/main">
+  <p:cSld>
+    <p:spTree>
+      <p:nvGrpSpPr>
+        <p:cNvPr id="1" name=""/>
+        <p:cNvGrpSpPr/>
+        <p:nvPr/>
+      </p:nvGrpSpPr>
+      <p:grpSpPr>
+        <a:xfrm>
+          <a:off x="0" y="0"/>
+          <a:ext cx="0" cy="0"/>
+          <a:chOff x="0" y="0"/>
+          <a:chExt cx="0" cy="0"/>
+        </a:xfrm>
+      </p:grpSpPr>
+      <p:sp>
+        <p:nvSpPr>
+          <p:cNvPr id="2" name="タイトル 1"/>
+          <p:cNvSpPr>
+            <a:spLocks noGrp="1"/>
+          </p:cNvSpPr>
+          <p:nvPr>
+            <p:ph type="title"/>
+          </p:nvPr>
+        </p:nvSpPr>
+        <p:spPr/>
+        <p:txBody>
+          <a:bodyPr/>
+          <a:lstStyle/>
+          <a:p>
+            <a:r>
+              <a:rPr lang="en-US" altLang="ja-JP" dirty="0" err="1"/>
+              <a:t>Node_modules</a:t>
+            </a:r>
+            <a:r>
+              <a:rPr lang="en-US" altLang="ja-JP" dirty="0"/>
+              <a:t> install</a:t>
+            </a:r>
+            <a:endParaRPr kumimoji="1" lang="ja-JP" altLang="en-US" dirty="0"/>
+          </a:p>
+        </p:txBody>
+      </p:sp>
+      <p:sp>
+        <p:nvSpPr>
+          <p:cNvPr id="4" name="スライド番号プレースホルダー 3"/>
+          <p:cNvSpPr>
+            <a:spLocks noGrp="1"/>
+          </p:cNvSpPr>
+          <p:nvPr>
+            <p:ph type="sldNum" sz="quarter" idx="12"/>
+          </p:nvPr>
+        </p:nvSpPr>
+        <p:spPr/>
+        <p:txBody>
+          <a:bodyPr/>
+          <a:lstStyle/>
+          <a:p>
+            <a:fld id="{4A32CB03-0843-4AF8-BFB2-C9917854BC7E}" type="slidenum">
+              <a:rPr kumimoji="1" lang="ja-JP" altLang="en-US" smtClean="0"/>
+              <a:t>13</a:t>
+            </a:fld>
+            <a:endParaRPr kumimoji="1" lang="ja-JP" altLang="en-US"/>
+          </a:p>
+        </p:txBody>
+      </p:sp>
+      <p:pic>
+        <p:nvPicPr>
+          <p:cNvPr id="5" name="図 4"/>
+          <p:cNvPicPr>
+            <a:picLocks noChangeAspect="1"/>
+          </p:cNvPicPr>
+          <p:nvPr/>
+        </p:nvPicPr>
+        <p:blipFill>
+          <a:blip r:embed="rId2"/>
+          <a:stretch>
+            <a:fillRect/>
+          </a:stretch>
+        </p:blipFill>
+        <p:spPr>
+          <a:xfrm>
+            <a:off x="628650" y="2176758"/>
+            <a:ext cx="7970195" cy="2031100"/>
+          </a:xfrm>
+          <a:prstGeom prst="rect">
+            <a:avLst/>
+          </a:prstGeom>
+        </p:spPr>
+      </p:pic>
+    </p:spTree>
+    <p:extLst>
+      <p:ext uri="{BB962C8B-B14F-4D97-AF65-F5344CB8AC3E}">
+        <p14:creationId xmlns:p14="http://schemas.microsoft.com/office/powerpoint/2010/main" val="2400612885"/>
+      </p:ext>
+    </p:extLst>
+  </p:cSld>
+  <p:clrMapOvr>
+    <a:masterClrMapping/>
+  </p:clrMapOvr>
+  <p:timing>
+    <p:tnLst>
+      <p:par>
+        <p:cTn id="1" dur="indefinite" restart="never" nodeType="tmRoot"/>
+      </p:par>
+    </p:tnLst>
+  </p:timing>
+</p:sld>
+</file>
+
+<file path=ppt/slides/slide14.xml><?xml version="1.0" encoding="utf-8"?>
+<p:sld xmlns:a="http://schemas.openxmlformats.org/drawingml/2006/main" xmlns:r="http://schemas.openxmlformats.org/officeDocument/2006/relationships" xmlns:p="http://schemas.openxmlformats.org/presentationml/2006/main">
+  <p:cSld>
+    <p:spTree>
+      <p:nvGrpSpPr>
+        <p:cNvPr id="1" name=""/>
+        <p:cNvGrpSpPr/>
+        <p:nvPr/>
+      </p:nvGrpSpPr>
+      <p:grpSpPr>
+        <a:xfrm>
+          <a:off x="0" y="0"/>
+          <a:ext cx="0" cy="0"/>
+          <a:chOff x="0" y="0"/>
+          <a:chExt cx="0" cy="0"/>
+        </a:xfrm>
+      </p:grpSpPr>
+      <p:sp>
+        <p:nvSpPr>
+          <p:cNvPr id="2" name="タイトル 1"/>
+          <p:cNvSpPr>
+            <a:spLocks noGrp="1"/>
+          </p:cNvSpPr>
+          <p:nvPr>
+            <p:ph type="title"/>
+          </p:nvPr>
+        </p:nvSpPr>
+        <p:spPr/>
+        <p:txBody>
+          <a:bodyPr/>
+          <a:lstStyle/>
+          <a:p>
+            <a:r>
+              <a:rPr kumimoji="1" lang="en-US" altLang="ja-JP" dirty="0" smtClean="0"/>
+              <a:t>Generator</a:t>
+            </a:r>
+            <a:endParaRPr kumimoji="1" lang="ja-JP" altLang="en-US" dirty="0"/>
+          </a:p>
+        </p:txBody>
+      </p:sp>
+      <p:sp>
+        <p:nvSpPr>
+          <p:cNvPr id="3" name="コンテンツ プレースホルダー 2"/>
+          <p:cNvSpPr>
+            <a:spLocks noGrp="1"/>
+          </p:cNvSpPr>
+          <p:nvPr>
+            <p:ph idx="1"/>
+          </p:nvPr>
+        </p:nvSpPr>
+        <p:spPr/>
+        <p:txBody>
+          <a:bodyPr/>
+          <a:lstStyle/>
+          <a:p>
+            <a:r>
+              <a:rPr kumimoji="1" lang="ja-JP" altLang="en-US" dirty="0" smtClean="0"/>
+              <a:t>ブロックからコードに変換するための生成器</a:t>
+            </a:r>
+            <a:endParaRPr lang="en-US" altLang="ja-JP" dirty="0"/>
+          </a:p>
+          <a:p>
+            <a:r>
+              <a:rPr lang="en-US" altLang="ja-JP" dirty="0" err="1" smtClean="0"/>
+              <a:t>Blockly</a:t>
+            </a:r>
+            <a:r>
+              <a:rPr lang="ja-JP" altLang="en-US" dirty="0" smtClean="0"/>
+              <a:t>で利用できる言語</a:t>
+            </a:r>
+            <a:endParaRPr lang="en-US" altLang="ja-JP" dirty="0" smtClean="0"/>
+          </a:p>
+          <a:p>
+            <a:pPr lvl="1"/>
+            <a:r>
+              <a:rPr kumimoji="1" lang="en-US" altLang="ja-JP" dirty="0" smtClean="0"/>
+              <a:t>JavaScript</a:t>
+            </a:r>
+          </a:p>
+          <a:p>
+            <a:pPr lvl="1"/>
+            <a:r>
+              <a:rPr lang="en-US" altLang="ja-JP" dirty="0" smtClean="0"/>
+              <a:t>Python</a:t>
+            </a:r>
+          </a:p>
+          <a:p>
+            <a:pPr lvl="1"/>
+            <a:r>
+              <a:rPr kumimoji="1" lang="en-US" altLang="ja-JP" dirty="0" smtClean="0"/>
+              <a:t>PHP</a:t>
+            </a:r>
+          </a:p>
+          <a:p>
+            <a:pPr lvl="1"/>
+            <a:r>
+              <a:rPr lang="en-US" altLang="ja-JP" dirty="0" err="1" smtClean="0"/>
+              <a:t>Lua</a:t>
+            </a:r>
+            <a:endParaRPr lang="en-US" altLang="ja-JP" dirty="0" smtClean="0"/>
+          </a:p>
+          <a:p>
+            <a:pPr lvl="1"/>
+            <a:r>
+              <a:rPr kumimoji="1" lang="en-US" altLang="ja-JP" dirty="0" smtClean="0"/>
+              <a:t>Dart</a:t>
+            </a:r>
+          </a:p>
+          <a:p>
+            <a:pPr marL="457200" lvl="1" indent="0">
+              <a:buNone/>
+            </a:pPr>
+            <a:endParaRPr kumimoji="1" lang="en-US" altLang="ja-JP" dirty="0" smtClean="0"/>
+          </a:p>
+        </p:txBody>
+      </p:sp>
+      <p:sp>
+        <p:nvSpPr>
+          <p:cNvPr id="4" name="スライド番号プレースホルダー 3"/>
+          <p:cNvSpPr>
+            <a:spLocks noGrp="1"/>
+          </p:cNvSpPr>
+          <p:nvPr>
+            <p:ph type="sldNum" sz="quarter" idx="12"/>
+          </p:nvPr>
+        </p:nvSpPr>
+        <p:spPr/>
+        <p:txBody>
+          <a:bodyPr/>
+          <a:lstStyle/>
+          <a:p>
+            <a:fld id="{4A32CB03-0843-4AF8-BFB2-C9917854BC7E}" type="slidenum">
+              <a:rPr kumimoji="1" lang="ja-JP" altLang="en-US" smtClean="0"/>
+              <a:t>14</a:t>
+            </a:fld>
+            <a:endParaRPr kumimoji="1" lang="ja-JP" altLang="en-US"/>
+          </a:p>
+        </p:txBody>
+      </p:sp>
+    </p:spTree>
+    <p:extLst>
+      <p:ext uri="{BB962C8B-B14F-4D97-AF65-F5344CB8AC3E}">
+        <p14:creationId xmlns:p14="http://schemas.microsoft.com/office/powerpoint/2010/main" val="559910476"/>
+      </p:ext>
+    </p:extLst>
+  </p:cSld>
+  <p:clrMapOvr>
+    <a:masterClrMapping/>
+  </p:clrMapOvr>
+  <p:timing>
+    <p:tnLst>
+      <p:par>
+        <p:cTn id="1" dur="indefinite" restart="never" nodeType="tmRoot"/>
+      </p:par>
+    </p:tnLst>
+  </p:timing>
+</p:sld>
+</file>
+
+<file path=ppt/slides/slide15.xml><?xml version="1.0" encoding="utf-8"?>
+<p:sld xmlns:a="http://schemas.openxmlformats.org/drawingml/2006/main" xmlns:r="http://schemas.openxmlformats.org/officeDocument/2006/relationships" xmlns:p="http://schemas.openxmlformats.org/presentationml/2006/main">
+  <p:cSld>
+    <p:spTree>
+      <p:nvGrpSpPr>
+        <p:cNvPr id="1" name=""/>
+        <p:cNvGrpSpPr/>
+        <p:nvPr/>
+      </p:nvGrpSpPr>
+      <p:grpSpPr>
+        <a:xfrm>
+          <a:off x="0" y="0"/>
+          <a:ext cx="0" cy="0"/>
+          <a:chOff x="0" y="0"/>
+          <a:chExt cx="0" cy="0"/>
+        </a:xfrm>
+      </p:grpSpPr>
+      <p:sp>
+        <p:nvSpPr>
+          <p:cNvPr id="2" name="タイトル 1"/>
+          <p:cNvSpPr>
+            <a:spLocks noGrp="1"/>
+          </p:cNvSpPr>
+          <p:nvPr>
+            <p:ph type="title"/>
+          </p:nvPr>
+        </p:nvSpPr>
+        <p:spPr>
+          <a:xfrm>
+            <a:off x="644834" y="365126"/>
+            <a:ext cx="7886700" cy="1325563"/>
+          </a:xfrm>
+        </p:spPr>
+        <p:txBody>
+          <a:bodyPr/>
+          <a:lstStyle/>
+          <a:p>
+            <a:r>
+              <a:rPr kumimoji="1" lang="en-US" altLang="ja-JP" dirty="0" err="1" smtClean="0"/>
+              <a:t>Lua</a:t>
+            </a:r>
+            <a:endParaRPr kumimoji="1" lang="ja-JP" altLang="en-US" dirty="0"/>
+          </a:p>
+        </p:txBody>
+      </p:sp>
+      <p:sp>
+        <p:nvSpPr>
+          <p:cNvPr id="3" name="コンテンツ プレースホルダー 2"/>
+          <p:cNvSpPr>
+            <a:spLocks noGrp="1"/>
+          </p:cNvSpPr>
+          <p:nvPr>
+            <p:ph idx="1"/>
+          </p:nvPr>
+        </p:nvSpPr>
+        <p:spPr/>
+        <p:txBody>
+          <a:bodyPr>
+            <a:normAutofit fontScale="70000" lnSpcReduction="20000"/>
+          </a:bodyPr>
+          <a:lstStyle/>
+          <a:p>
+            <a:pPr marL="0" indent="0">
+              <a:buNone/>
+            </a:pPr>
+            <a:r>
+              <a:rPr lang="en-US" altLang="ja-JP" dirty="0" err="1"/>
+              <a:t>Lua</a:t>
+            </a:r>
+            <a:r>
+              <a:rPr lang="ja-JP" altLang="en-US" dirty="0"/>
+              <a:t>（ルア）はスクリプト言語およびその処理系の実装で、主にリオデジャネイロ・カトリカ大学（英語版）のコンピュータ科学科 </a:t>
+            </a:r>
+            <a:r>
+              <a:rPr lang="en-US" altLang="ja-JP" dirty="0"/>
+              <a:t>(Department of Computer Science) </a:t>
+            </a:r>
+            <a:r>
+              <a:rPr lang="ja-JP" altLang="en-US" dirty="0"/>
+              <a:t>および</a:t>
+            </a:r>
+            <a:r>
+              <a:rPr lang="en-US" altLang="ja-JP" dirty="0"/>
+              <a:t>/</a:t>
+            </a:r>
+            <a:r>
+              <a:rPr lang="ja-JP" altLang="en-US" dirty="0"/>
+              <a:t>または同大学附属研究所の</a:t>
+            </a:r>
+            <a:r>
+              <a:rPr lang="en-US" altLang="ja-JP" dirty="0" err="1" smtClean="0"/>
+              <a:t>Tecgraf</a:t>
+            </a:r>
+            <a:r>
+              <a:rPr lang="en-US" altLang="ja-JP" dirty="0" smtClean="0"/>
+              <a:t>/PUC-Rio</a:t>
+            </a:r>
+            <a:r>
+              <a:rPr lang="ja-JP" altLang="en-US" dirty="0" smtClean="0"/>
+              <a:t>に</a:t>
+            </a:r>
+            <a:r>
+              <a:rPr lang="ja-JP" altLang="en-US" dirty="0"/>
+              <a:t>所属する、</a:t>
+            </a:r>
+            <a:r>
+              <a:rPr lang="en-US" altLang="ja-JP" dirty="0"/>
+              <a:t>Roberto </a:t>
+            </a:r>
+            <a:r>
+              <a:rPr lang="en-US" altLang="ja-JP" dirty="0" err="1"/>
+              <a:t>Ierusalimschy</a:t>
+            </a:r>
+            <a:r>
+              <a:rPr lang="ja-JP" altLang="en-US" dirty="0" err="1"/>
+              <a:t>、</a:t>
+            </a:r>
+            <a:r>
+              <a:rPr lang="en-US" altLang="ja-JP" dirty="0" err="1"/>
+              <a:t>Waldemar</a:t>
+            </a:r>
+            <a:r>
+              <a:rPr lang="en-US" altLang="ja-JP" dirty="0"/>
+              <a:t> </a:t>
+            </a:r>
+            <a:r>
+              <a:rPr lang="en-US" altLang="ja-JP" dirty="0" err="1" smtClean="0"/>
+              <a:t>Celes</a:t>
+            </a:r>
+            <a:r>
+              <a:rPr lang="ja-JP" altLang="en-US" dirty="0" err="1" smtClean="0"/>
+              <a:t>、</a:t>
+            </a:r>
+            <a:r>
+              <a:rPr lang="en-US" altLang="ja-JP" dirty="0"/>
+              <a:t>Luiz Henrique de </a:t>
+            </a:r>
+            <a:r>
+              <a:rPr lang="en-US" altLang="ja-JP" dirty="0" err="1" smtClean="0"/>
+              <a:t>Figueiredo</a:t>
+            </a:r>
+            <a:r>
+              <a:rPr lang="ja-JP" altLang="en-US" dirty="0" err="1" smtClean="0"/>
+              <a:t>らに</a:t>
+            </a:r>
+            <a:r>
+              <a:rPr lang="ja-JP" altLang="en-US" dirty="0"/>
+              <a:t>よって設計開発</a:t>
+            </a:r>
+            <a:r>
+              <a:rPr lang="ja-JP" altLang="en-US" dirty="0" smtClean="0"/>
+              <a:t>された。</a:t>
+            </a:r>
+            <a:endParaRPr lang="ja-JP" altLang="en-US" dirty="0"/>
+          </a:p>
+          <a:p>
+            <a:pPr marL="0" indent="0">
+              <a:buNone/>
+            </a:pPr>
+            <a:endParaRPr lang="ja-JP" altLang="en-US" dirty="0"/>
+          </a:p>
+          <a:p>
+            <a:pPr marL="0" indent="0">
+              <a:buNone/>
+            </a:pPr>
+            <a:r>
+              <a:rPr lang="ja-JP" altLang="en-US" dirty="0"/>
+              <a:t>手続き型言語として、またプロトタイプベースのオブジェクト指向言語としても利用することができ、関数型言語、データ駆動型としての要素も併せ持っている。</a:t>
+            </a:r>
+          </a:p>
+          <a:p>
+            <a:pPr marL="0" indent="0">
+              <a:buNone/>
+            </a:pPr>
+            <a:endParaRPr lang="ja-JP" altLang="en-US" dirty="0"/>
+          </a:p>
+          <a:p>
+            <a:pPr marL="0" indent="0">
+              <a:buNone/>
+            </a:pPr>
+            <a:r>
+              <a:rPr lang="en-US" altLang="ja-JP" dirty="0" err="1"/>
+              <a:t>Lua</a:t>
+            </a:r>
+            <a:r>
+              <a:rPr lang="ja-JP" altLang="en-US" dirty="0"/>
+              <a:t>という名前は、ポルトガル語の「月」に由来する</a:t>
+            </a:r>
+            <a:r>
+              <a:rPr lang="ja-JP" altLang="en-US" dirty="0" smtClean="0"/>
+              <a:t>。</a:t>
+            </a:r>
+            <a:endParaRPr lang="en-US" altLang="ja-JP" dirty="0" smtClean="0"/>
+          </a:p>
+          <a:p>
+            <a:pPr marL="0" indent="0">
+              <a:buNone/>
+            </a:pPr>
+            <a:endParaRPr kumimoji="1" lang="en-US" altLang="ja-JP" dirty="0" smtClean="0"/>
+          </a:p>
+          <a:p>
+            <a:pPr marL="0" indent="0">
+              <a:buNone/>
+            </a:pPr>
+            <a:r>
+              <a:rPr lang="ja-JP" altLang="en-US" dirty="0"/>
+              <a:t>引用</a:t>
+            </a:r>
+            <a:r>
+              <a:rPr lang="ja-JP" altLang="en-US" dirty="0" smtClean="0"/>
+              <a:t>：</a:t>
+            </a:r>
+            <a:endParaRPr kumimoji="1" lang="en-US" altLang="ja-JP" dirty="0"/>
+          </a:p>
+          <a:p>
+            <a:pPr marL="0" indent="0">
+              <a:buNone/>
+            </a:pPr>
+            <a:r>
+              <a:rPr lang="en-US" altLang="ja-JP" dirty="0"/>
+              <a:t>https://ja.wikipedia.org/wiki/Lua</a:t>
+            </a:r>
+            <a:endParaRPr kumimoji="1" lang="ja-JP" altLang="en-US" dirty="0"/>
+          </a:p>
+        </p:txBody>
+      </p:sp>
+      <p:sp>
+        <p:nvSpPr>
+          <p:cNvPr id="4" name="スライド番号プレースホルダー 3"/>
+          <p:cNvSpPr>
+            <a:spLocks noGrp="1"/>
+          </p:cNvSpPr>
+          <p:nvPr>
+            <p:ph type="sldNum" sz="quarter" idx="12"/>
+          </p:nvPr>
+        </p:nvSpPr>
+        <p:spPr/>
+        <p:txBody>
+          <a:bodyPr/>
+          <a:lstStyle/>
+          <a:p>
+            <a:fld id="{4A32CB03-0843-4AF8-BFB2-C9917854BC7E}" type="slidenum">
+              <a:rPr kumimoji="1" lang="ja-JP" altLang="en-US" smtClean="0"/>
+              <a:t>15</a:t>
+            </a:fld>
+            <a:endParaRPr kumimoji="1" lang="ja-JP" altLang="en-US"/>
+          </a:p>
+        </p:txBody>
+      </p:sp>
+    </p:spTree>
+    <p:extLst>
+      <p:ext uri="{BB962C8B-B14F-4D97-AF65-F5344CB8AC3E}">
+        <p14:creationId xmlns:p14="http://schemas.microsoft.com/office/powerpoint/2010/main" val="843265026"/>
+      </p:ext>
+    </p:extLst>
+  </p:cSld>
+  <p:clrMapOvr>
+    <a:masterClrMapping/>
+  </p:clrMapOvr>
+  <p:timing>
+    <p:tnLst>
+      <p:par>
+        <p:cTn id="1" dur="indefinite" restart="never" nodeType="tmRoot"/>
+      </p:par>
+    </p:tnLst>
+  </p:timing>
+</p:sld>
+</file>
+
+<file path=ppt/slides/slide16.xml><?xml version="1.0" encoding="utf-8"?>
+<p:sld xmlns:a="http://schemas.openxmlformats.org/drawingml/2006/main" xmlns:r="http://schemas.openxmlformats.org/officeDocument/2006/relationships" xmlns:p="http://schemas.openxmlformats.org/presentationml/2006/main">
+  <p:cSld>
+    <p:spTree>
+      <p:nvGrpSpPr>
+        <p:cNvPr id="1" name=""/>
+        <p:cNvGrpSpPr/>
+        <p:nvPr/>
+      </p:nvGrpSpPr>
+      <p:grpSpPr>
+        <a:xfrm>
+          <a:off x="0" y="0"/>
+          <a:ext cx="0" cy="0"/>
+          <a:chOff x="0" y="0"/>
+          <a:chExt cx="0" cy="0"/>
+        </a:xfrm>
+      </p:grpSpPr>
+      <p:sp>
+        <p:nvSpPr>
+          <p:cNvPr id="2" name="タイトル 1"/>
+          <p:cNvSpPr>
+            <a:spLocks noGrp="1"/>
+          </p:cNvSpPr>
+          <p:nvPr>
+            <p:ph type="title"/>
+          </p:nvPr>
+        </p:nvSpPr>
+        <p:spPr/>
+        <p:txBody>
+          <a:bodyPr/>
+          <a:lstStyle/>
+          <a:p>
+            <a:r>
+              <a:rPr kumimoji="1" lang="en-US" altLang="ja-JP" dirty="0" smtClean="0"/>
+              <a:t>Dart</a:t>
+            </a:r>
+            <a:endParaRPr kumimoji="1" lang="ja-JP" altLang="en-US" dirty="0"/>
+          </a:p>
+        </p:txBody>
+      </p:sp>
+      <p:sp>
+        <p:nvSpPr>
+          <p:cNvPr id="3" name="コンテンツ プレースホルダー 2"/>
+          <p:cNvSpPr>
+            <a:spLocks noGrp="1"/>
+          </p:cNvSpPr>
+          <p:nvPr>
+            <p:ph idx="1"/>
+          </p:nvPr>
+        </p:nvSpPr>
+        <p:spPr/>
+        <p:txBody>
+          <a:bodyPr>
+            <a:normAutofit lnSpcReduction="10000"/>
+          </a:bodyPr>
+          <a:lstStyle/>
+          <a:p>
+            <a:pPr marL="0" indent="0">
+              <a:buNone/>
+            </a:pPr>
+            <a:r>
+              <a:rPr lang="en-US" altLang="ja-JP" dirty="0"/>
+              <a:t>Dart</a:t>
+            </a:r>
+            <a:r>
+              <a:rPr lang="ja-JP" altLang="en-US" dirty="0"/>
+              <a:t>（ダートもしくはダーツ。当初は </a:t>
+            </a:r>
+            <a:r>
+              <a:rPr lang="en-US" altLang="ja-JP" dirty="0"/>
+              <a:t>Dash </a:t>
+            </a:r>
+            <a:r>
+              <a:rPr lang="ja-JP" altLang="en-US" dirty="0"/>
+              <a:t>と呼ばれていた）は</a:t>
+            </a:r>
+            <a:r>
+              <a:rPr lang="en-US" altLang="ja-JP" dirty="0"/>
+              <a:t>Google</a:t>
+            </a:r>
+            <a:r>
+              <a:rPr lang="ja-JP" altLang="en-US" dirty="0"/>
+              <a:t>によって開発されたウェブ向けのプログラミング言語である。</a:t>
+            </a:r>
+            <a:r>
+              <a:rPr lang="en-US" altLang="ja-JP" dirty="0"/>
+              <a:t>2011</a:t>
+            </a:r>
+            <a:r>
+              <a:rPr lang="ja-JP" altLang="en-US" dirty="0"/>
+              <a:t>年</a:t>
+            </a:r>
+            <a:r>
+              <a:rPr lang="en-US" altLang="ja-JP" dirty="0"/>
+              <a:t>10</a:t>
+            </a:r>
+            <a:r>
+              <a:rPr lang="ja-JP" altLang="en-US" dirty="0"/>
+              <a:t>月</a:t>
+            </a:r>
+            <a:r>
+              <a:rPr lang="en-US" altLang="ja-JP" dirty="0"/>
+              <a:t>10</a:t>
+            </a:r>
+            <a:r>
+              <a:rPr lang="ja-JP" altLang="en-US" dirty="0"/>
+              <a:t>日 </a:t>
+            </a:r>
+            <a:r>
+              <a:rPr lang="en-US" altLang="ja-JP" dirty="0"/>
+              <a:t>- 12</a:t>
+            </a:r>
+            <a:r>
+              <a:rPr lang="ja-JP" altLang="en-US" dirty="0"/>
+              <a:t>日に開催された デンマークのオーフスで開催された「</a:t>
+            </a:r>
+            <a:r>
+              <a:rPr lang="en-US" altLang="ja-JP" dirty="0"/>
+              <a:t>GOTO</a:t>
+            </a:r>
+            <a:r>
+              <a:rPr lang="ja-JP" altLang="en-US" dirty="0"/>
+              <a:t>カンファレンス</a:t>
+            </a:r>
+            <a:r>
+              <a:rPr lang="ja-JP" altLang="en-US" dirty="0" smtClean="0"/>
+              <a:t>」で</a:t>
+            </a:r>
+            <a:r>
+              <a:rPr lang="ja-JP" altLang="en-US" dirty="0"/>
+              <a:t>公開</a:t>
+            </a:r>
+            <a:r>
+              <a:rPr lang="ja-JP" altLang="en-US" dirty="0" smtClean="0"/>
+              <a:t>された。</a:t>
+            </a:r>
+            <a:r>
+              <a:rPr lang="ja-JP" altLang="en-US" dirty="0"/>
+              <a:t>この言語は、ウェブブラウザ組み込みのスクリプト言語である</a:t>
+            </a:r>
+            <a:r>
+              <a:rPr lang="en-US" altLang="ja-JP" dirty="0"/>
+              <a:t>JavaScript</a:t>
+            </a:r>
+            <a:r>
+              <a:rPr lang="ja-JP" altLang="en-US" dirty="0"/>
+              <a:t>の代替となることを目的に作られた</a:t>
+            </a:r>
+            <a:r>
+              <a:rPr lang="ja-JP" altLang="en-US" dirty="0" smtClean="0"/>
+              <a:t>。</a:t>
+            </a:r>
+            <a:endParaRPr lang="en-US" altLang="ja-JP" dirty="0"/>
+          </a:p>
+          <a:p>
+            <a:pPr marL="0" indent="0">
+              <a:buNone/>
+            </a:pPr>
+            <a:endParaRPr kumimoji="1" lang="en-US" altLang="ja-JP" dirty="0" smtClean="0"/>
+          </a:p>
+          <a:p>
+            <a:pPr marL="0" indent="0">
+              <a:buNone/>
+            </a:pPr>
+            <a:r>
+              <a:rPr kumimoji="1" lang="ja-JP" altLang="en-US" dirty="0" smtClean="0"/>
+              <a:t>引用：</a:t>
+            </a:r>
+            <a:endParaRPr kumimoji="1" lang="en-US" altLang="ja-JP" dirty="0" smtClean="0"/>
+          </a:p>
+          <a:p>
+            <a:pPr marL="0" indent="0">
+              <a:buNone/>
+            </a:pPr>
+            <a:r>
+              <a:rPr lang="en-US" altLang="ja-JP" dirty="0"/>
+              <a:t>https://ja.wikipedia.org/wiki/Dart</a:t>
+            </a:r>
+            <a:endParaRPr kumimoji="1" lang="ja-JP" altLang="en-US" dirty="0"/>
+          </a:p>
+        </p:txBody>
+      </p:sp>
+      <p:sp>
+        <p:nvSpPr>
+          <p:cNvPr id="4" name="スライド番号プレースホルダー 3"/>
+          <p:cNvSpPr>
+            <a:spLocks noGrp="1"/>
+          </p:cNvSpPr>
+          <p:nvPr>
+            <p:ph type="sldNum" sz="quarter" idx="12"/>
+          </p:nvPr>
+        </p:nvSpPr>
+        <p:spPr/>
+        <p:txBody>
+          <a:bodyPr/>
+          <a:lstStyle/>
+          <a:p>
+            <a:fld id="{4A32CB03-0843-4AF8-BFB2-C9917854BC7E}" type="slidenum">
+              <a:rPr kumimoji="1" lang="ja-JP" altLang="en-US" smtClean="0"/>
+              <a:t>16</a:t>
+            </a:fld>
+            <a:endParaRPr kumimoji="1" lang="ja-JP" altLang="en-US"/>
+          </a:p>
+        </p:txBody>
+      </p:sp>
+    </p:spTree>
+    <p:extLst>
+      <p:ext uri="{BB962C8B-B14F-4D97-AF65-F5344CB8AC3E}">
+        <p14:creationId xmlns:p14="http://schemas.microsoft.com/office/powerpoint/2010/main" val="3121424104"/>
+      </p:ext>
+    </p:extLst>
+  </p:cSld>
+  <p:clrMapOvr>
+    <a:masterClrMapping/>
+  </p:clrMapOvr>
+  <p:timing>
+    <p:tnLst>
+      <p:par>
+        <p:cTn id="1" dur="indefinite" restart="never" nodeType="tmRoot"/>
+      </p:par>
+    </p:tnLst>
+  </p:timing>
+</p:sld>
+</file>
+
+<file path=ppt/slides/slide17.xml><?xml version="1.0" encoding="utf-8"?>
+<p:sld xmlns:a="http://schemas.openxmlformats.org/drawingml/2006/main" xmlns:r="http://schemas.openxmlformats.org/officeDocument/2006/relationships" xmlns:p="http://schemas.openxmlformats.org/presentationml/2006/main">
+  <p:cSld>
+    <p:spTree>
+      <p:nvGrpSpPr>
+        <p:cNvPr id="1" name=""/>
+        <p:cNvGrpSpPr/>
+        <p:nvPr/>
+      </p:nvGrpSpPr>
+      <p:grpSpPr>
+        <a:xfrm>
+          <a:off x="0" y="0"/>
+          <a:ext cx="0" cy="0"/>
+          <a:chOff x="0" y="0"/>
+          <a:chExt cx="0" cy="0"/>
+        </a:xfrm>
+      </p:grpSpPr>
+      <p:sp>
+        <p:nvSpPr>
+          <p:cNvPr id="2" name="タイトル 1"/>
+          <p:cNvSpPr>
+            <a:spLocks noGrp="1"/>
+          </p:cNvSpPr>
+          <p:nvPr>
+            <p:ph type="title"/>
+          </p:nvPr>
+        </p:nvSpPr>
+        <p:spPr/>
+        <p:txBody>
+          <a:bodyPr/>
+          <a:lstStyle/>
+          <a:p>
+            <a:r>
+              <a:rPr kumimoji="1" lang="en-US" altLang="ja-JP" dirty="0" smtClean="0"/>
+              <a:t>Generator</a:t>
+            </a:r>
+            <a:endParaRPr kumimoji="1" lang="ja-JP" altLang="en-US" dirty="0"/>
+          </a:p>
+        </p:txBody>
+      </p:sp>
+      <p:sp>
+        <p:nvSpPr>
+          <p:cNvPr id="3" name="コンテンツ プレースホルダー 2"/>
+          <p:cNvSpPr>
+            <a:spLocks noGrp="1"/>
+          </p:cNvSpPr>
+          <p:nvPr>
+            <p:ph idx="1"/>
+          </p:nvPr>
+        </p:nvSpPr>
+        <p:spPr/>
+        <p:txBody>
+          <a:bodyPr>
+            <a:normAutofit/>
+          </a:bodyPr>
+          <a:lstStyle/>
+          <a:p>
+            <a:r>
+              <a:rPr kumimoji="1" lang="en-US" altLang="ja-JP" dirty="0" smtClean="0"/>
+              <a:t>Generator</a:t>
+            </a:r>
+            <a:r>
+              <a:rPr kumimoji="1" lang="ja-JP" altLang="en-US" dirty="0" smtClean="0"/>
+              <a:t>を利用する際には、前のスライドの通りに実行し、</a:t>
+            </a:r>
+            <a:r>
+              <a:rPr kumimoji="1" lang="en-US" altLang="ja-JP" dirty="0" err="1" smtClean="0"/>
+              <a:t>Node_modules</a:t>
+            </a:r>
+            <a:r>
+              <a:rPr kumimoji="1" lang="ja-JP" altLang="en-US" dirty="0" smtClean="0"/>
+              <a:t>内のファイルを呼び出す</a:t>
+            </a:r>
+            <a:endParaRPr kumimoji="1" lang="en-US" altLang="ja-JP" dirty="0" smtClean="0"/>
+          </a:p>
+          <a:p>
+            <a:r>
+              <a:rPr lang="en-US" altLang="ja-JP" dirty="0"/>
+              <a:t>h</a:t>
+            </a:r>
+            <a:r>
+              <a:rPr lang="en-US" altLang="ja-JP" dirty="0" smtClean="0"/>
+              <a:t>tml</a:t>
+            </a:r>
+            <a:r>
+              <a:rPr lang="ja-JP" altLang="en-US" dirty="0" smtClean="0"/>
+              <a:t>ファイル内で、</a:t>
+            </a:r>
+            <a:r>
+              <a:rPr lang="en-US" altLang="ja-JP" dirty="0" smtClean="0"/>
+              <a:t>script</a:t>
+            </a:r>
+            <a:r>
+              <a:rPr lang="ja-JP" altLang="en-US" dirty="0" smtClean="0"/>
+              <a:t>で呼び出し</a:t>
+            </a:r>
+            <a:endParaRPr lang="en-US" altLang="ja-JP" dirty="0" smtClean="0"/>
+          </a:p>
+          <a:p>
+            <a:r>
+              <a:rPr lang="en-US" altLang="ja-JP" dirty="0"/>
+              <a:t> </a:t>
+            </a:r>
+            <a:r>
+              <a:rPr lang="en-US" altLang="ja-JP" dirty="0" err="1"/>
+              <a:t>var</a:t>
+            </a:r>
+            <a:r>
+              <a:rPr lang="en-US" altLang="ja-JP" dirty="0"/>
+              <a:t> code = </a:t>
+            </a:r>
+            <a:r>
+              <a:rPr lang="en-US" altLang="ja-JP" dirty="0" err="1"/>
+              <a:t>Blockly.JavaScript.workspaceToCode</a:t>
+            </a:r>
+            <a:r>
+              <a:rPr lang="en-US" altLang="ja-JP" dirty="0"/>
+              <a:t>(</a:t>
+            </a:r>
+            <a:r>
+              <a:rPr lang="en-US" altLang="ja-JP" dirty="0" err="1"/>
+              <a:t>demoWorkspace</a:t>
+            </a:r>
+            <a:r>
+              <a:rPr lang="en-US" altLang="ja-JP" dirty="0" smtClean="0"/>
+              <a:t>);</a:t>
+            </a:r>
+          </a:p>
+          <a:p>
+            <a:endParaRPr lang="en-US" altLang="ja-JP" dirty="0"/>
+          </a:p>
+        </p:txBody>
+      </p:sp>
+      <p:sp>
+        <p:nvSpPr>
+          <p:cNvPr id="4" name="スライド番号プレースホルダー 3"/>
+          <p:cNvSpPr>
+            <a:spLocks noGrp="1"/>
+          </p:cNvSpPr>
+          <p:nvPr>
+            <p:ph type="sldNum" sz="quarter" idx="12"/>
+          </p:nvPr>
+        </p:nvSpPr>
+        <p:spPr/>
+        <p:txBody>
+          <a:bodyPr/>
+          <a:lstStyle/>
+          <a:p>
+            <a:fld id="{4A32CB03-0843-4AF8-BFB2-C9917854BC7E}" type="slidenum">
+              <a:rPr kumimoji="1" lang="ja-JP" altLang="en-US" smtClean="0"/>
+              <a:t>17</a:t>
+            </a:fld>
+            <a:endParaRPr kumimoji="1" lang="ja-JP" altLang="en-US"/>
+          </a:p>
+        </p:txBody>
+      </p:sp>
+    </p:spTree>
+    <p:extLst>
+      <p:ext uri="{BB962C8B-B14F-4D97-AF65-F5344CB8AC3E}">
+        <p14:creationId xmlns:p14="http://schemas.microsoft.com/office/powerpoint/2010/main" val="2142560469"/>
+      </p:ext>
+    </p:extLst>
+  </p:cSld>
+  <p:clrMapOvr>
+    <a:masterClrMapping/>
+  </p:clrMapOvr>
+  <p:timing>
+    <p:tnLst>
+      <p:par>
+        <p:cTn id="1" dur="indefinite" restart="never" nodeType="tmRoot"/>
+      </p:par>
+    </p:tnLst>
+  </p:timing>
+</p:sld>
+</file>
+
+<file path=ppt/slides/slide18.xml><?xml version="1.0" encoding="utf-8"?>
+<p:sld xmlns:a="http://schemas.openxmlformats.org/drawingml/2006/main" xmlns:r="http://schemas.openxmlformats.org/officeDocument/2006/relationships" xmlns:p="http://schemas.openxmlformats.org/presentationml/2006/main">
+  <p:cSld>
+    <p:spTree>
+      <p:nvGrpSpPr>
+        <p:cNvPr id="1" name=""/>
+        <p:cNvGrpSpPr/>
+        <p:nvPr/>
+      </p:nvGrpSpPr>
+      <p:grpSpPr>
+        <a:xfrm>
+          <a:off x="0" y="0"/>
+          <a:ext cx="0" cy="0"/>
+          <a:chOff x="0" y="0"/>
+          <a:chExt cx="0" cy="0"/>
+        </a:xfrm>
+      </p:grpSpPr>
+      <p:sp>
+        <p:nvSpPr>
+          <p:cNvPr id="2" name="タイトル 1"/>
+          <p:cNvSpPr>
+            <a:spLocks noGrp="1"/>
+          </p:cNvSpPr>
+          <p:nvPr>
+            <p:ph type="title"/>
+          </p:nvPr>
+        </p:nvSpPr>
+        <p:spPr/>
+        <p:txBody>
+          <a:bodyPr/>
+          <a:lstStyle/>
+          <a:p>
+            <a:r>
+              <a:rPr kumimoji="1" lang="en-US" altLang="ja-JP" dirty="0" err="1" smtClean="0"/>
+              <a:t>Genearator</a:t>
+            </a:r>
+            <a:r>
+              <a:rPr kumimoji="1" lang="ja-JP" altLang="en-US" dirty="0" smtClean="0"/>
+              <a:t>の実行テスト</a:t>
+            </a:r>
+            <a:endParaRPr kumimoji="1" lang="ja-JP" altLang="en-US" dirty="0"/>
+          </a:p>
+        </p:txBody>
+      </p:sp>
+      <p:sp>
+        <p:nvSpPr>
+          <p:cNvPr id="4" name="スライド番号プレースホルダー 3"/>
+          <p:cNvSpPr>
+            <a:spLocks noGrp="1"/>
+          </p:cNvSpPr>
+          <p:nvPr>
+            <p:ph type="sldNum" sz="quarter" idx="12"/>
+          </p:nvPr>
+        </p:nvSpPr>
+        <p:spPr/>
+        <p:txBody>
+          <a:bodyPr/>
+          <a:lstStyle/>
+          <a:p>
+            <a:fld id="{4A32CB03-0843-4AF8-BFB2-C9917854BC7E}" type="slidenum">
+              <a:rPr kumimoji="1" lang="ja-JP" altLang="en-US" sz="2800" smtClean="0"/>
+              <a:t>18</a:t>
+            </a:fld>
+            <a:endParaRPr kumimoji="1" lang="ja-JP" altLang="en-US" dirty="0"/>
+          </a:p>
+        </p:txBody>
+      </p:sp>
+      <p:pic>
+        <p:nvPicPr>
+          <p:cNvPr id="3" name="図 2"/>
+          <p:cNvPicPr>
+            <a:picLocks noChangeAspect="1"/>
+          </p:cNvPicPr>
+          <p:nvPr/>
+        </p:nvPicPr>
+        <p:blipFill>
+          <a:blip r:embed="rId2"/>
+          <a:stretch>
+            <a:fillRect/>
+          </a:stretch>
+        </p:blipFill>
+        <p:spPr>
+          <a:xfrm>
+            <a:off x="1141095" y="1690689"/>
+            <a:ext cx="5647905" cy="3900141"/>
+          </a:xfrm>
+          <a:prstGeom prst="rect">
+            <a:avLst/>
+          </a:prstGeom>
+        </p:spPr>
+      </p:pic>
+    </p:spTree>
+    <p:extLst>
+      <p:ext uri="{BB962C8B-B14F-4D97-AF65-F5344CB8AC3E}">
+        <p14:creationId xmlns:p14="http://schemas.microsoft.com/office/powerpoint/2010/main" val="4257970129"/>
+      </p:ext>
+    </p:extLst>
+  </p:cSld>
+  <p:clrMapOvr>
+    <a:masterClrMapping/>
+  </p:clrMapOvr>
+  <p:timing>
+    <p:tnLst>
+      <p:par>
+        <p:cTn id="1" dur="indefinite" restart="never" nodeType="tmRoot"/>
+      </p:par>
+    </p:tnLst>
+  </p:timing>
+</p:sld>
+</file>
+
+<file path=ppt/slides/slide19.xml><?xml version="1.0" encoding="utf-8"?>
+<p:sld xmlns:a="http://schemas.openxmlformats.org/drawingml/2006/main" xmlns:r="http://schemas.openxmlformats.org/officeDocument/2006/relationships" xmlns:p="http://schemas.openxmlformats.org/presentationml/2006/main">
+  <p:cSld>
+    <p:spTree>
+      <p:nvGrpSpPr>
+        <p:cNvPr id="1" name=""/>
+        <p:cNvGrpSpPr/>
+        <p:nvPr/>
+      </p:nvGrpSpPr>
+      <p:grpSpPr>
+        <a:xfrm>
+          <a:off x="0" y="0"/>
+          <a:ext cx="0" cy="0"/>
+          <a:chOff x="0" y="0"/>
+          <a:chExt cx="0" cy="0"/>
+        </a:xfrm>
+      </p:grpSpPr>
+      <p:sp>
+        <p:nvSpPr>
+          <p:cNvPr id="2" name="タイトル 1"/>
+          <p:cNvSpPr>
+            <a:spLocks noGrp="1"/>
+          </p:cNvSpPr>
+          <p:nvPr>
+            <p:ph type="title"/>
+          </p:nvPr>
+        </p:nvSpPr>
+        <p:spPr/>
+        <p:txBody>
+          <a:bodyPr/>
+          <a:lstStyle/>
+          <a:p>
+            <a:r>
+              <a:rPr lang="en-US" altLang="ja-JP" dirty="0" err="1"/>
+              <a:t>Genearator</a:t>
+            </a:r>
+            <a:r>
+              <a:rPr lang="ja-JP" altLang="en-US" dirty="0"/>
+              <a:t>の実行テスト</a:t>
+            </a:r>
+            <a:endParaRPr kumimoji="1" lang="ja-JP" altLang="en-US" dirty="0"/>
+          </a:p>
+        </p:txBody>
+      </p:sp>
+      <p:sp>
+        <p:nvSpPr>
+          <p:cNvPr id="3" name="コンテンツ プレースホルダー 2"/>
+          <p:cNvSpPr>
+            <a:spLocks noGrp="1"/>
+          </p:cNvSpPr>
+          <p:nvPr>
+            <p:ph idx="1"/>
+          </p:nvPr>
+        </p:nvSpPr>
+        <p:spPr/>
+        <p:txBody>
+          <a:bodyPr/>
+          <a:lstStyle/>
+          <a:p>
+            <a:r>
+              <a:rPr kumimoji="1" lang="ja-JP" altLang="en-US" dirty="0" smtClean="0"/>
+              <a:t>図のようにブロックを組み合わせ、左側の</a:t>
+            </a:r>
+            <a:r>
+              <a:rPr kumimoji="1" lang="en-US" altLang="ja-JP" dirty="0" smtClean="0"/>
+              <a:t>Show </a:t>
+            </a:r>
+            <a:r>
+              <a:rPr kumimoji="1" lang="en-US" altLang="ja-JP" dirty="0" err="1" smtClean="0"/>
+              <a:t>javascript</a:t>
+            </a:r>
+            <a:r>
+              <a:rPr kumimoji="1" lang="ja-JP" altLang="en-US" dirty="0" smtClean="0"/>
+              <a:t>を押すと、ブロックからコードを生成する</a:t>
+            </a:r>
+            <a:r>
+              <a:rPr lang="ja-JP" altLang="en-US" dirty="0" smtClean="0"/>
+              <a:t>（ブロックに対応したコードを表示する）</a:t>
+            </a:r>
+            <a:endParaRPr lang="en-US" altLang="ja-JP" dirty="0" smtClean="0"/>
+          </a:p>
+          <a:p>
+            <a:r>
+              <a:rPr lang="ja-JP" altLang="en-US" dirty="0" smtClean="0"/>
+              <a:t>右側の</a:t>
+            </a:r>
+            <a:r>
+              <a:rPr lang="en-US" altLang="ja-JP" dirty="0" smtClean="0"/>
+              <a:t>Run JavaScript</a:t>
+            </a:r>
+            <a:r>
+              <a:rPr lang="ja-JP" altLang="en-US" dirty="0" smtClean="0"/>
+              <a:t>を押すと、コードを実行する</a:t>
+            </a:r>
+            <a:endParaRPr kumimoji="1" lang="en-US" altLang="ja-JP" dirty="0" smtClean="0"/>
+          </a:p>
+        </p:txBody>
+      </p:sp>
+      <p:sp>
+        <p:nvSpPr>
+          <p:cNvPr id="4" name="スライド番号プレースホルダー 3"/>
+          <p:cNvSpPr>
+            <a:spLocks noGrp="1"/>
+          </p:cNvSpPr>
+          <p:nvPr>
+            <p:ph type="sldNum" sz="quarter" idx="12"/>
+          </p:nvPr>
+        </p:nvSpPr>
+        <p:spPr/>
+        <p:txBody>
+          <a:bodyPr/>
+          <a:lstStyle/>
+          <a:p>
+            <a:fld id="{4A32CB03-0843-4AF8-BFB2-C9917854BC7E}" type="slidenum">
+              <a:rPr kumimoji="1" lang="ja-JP" altLang="en-US" sz="2800" smtClean="0"/>
+              <a:t>19</a:t>
+            </a:fld>
+            <a:endParaRPr kumimoji="1" lang="ja-JP" altLang="en-US" sz="2800" dirty="0"/>
+          </a:p>
+        </p:txBody>
+      </p:sp>
+    </p:spTree>
+    <p:extLst>
+      <p:ext uri="{BB962C8B-B14F-4D97-AF65-F5344CB8AC3E}">
+        <p14:creationId xmlns:p14="http://schemas.microsoft.com/office/powerpoint/2010/main" val="2997179172"/>
+      </p:ext>
+    </p:extLst>
+  </p:cSld>
+  <p:clrMapOvr>
+    <a:masterClrMapping/>
+  </p:clrMapOvr>
+  <p:timing>
+    <p:tnLst>
+      <p:par>
+        <p:cTn id="1" dur="indefinite" restart="never" nodeType="tmRoot"/>
+      </p:par>
+    </p:tnLst>
+  </p:timing>
+</p:sld>
+</file>
+
+<file path=ppt/slides/slide2.xml><?xml version="1.0" encoding="utf-8"?>
+<p:sld xmlns:a="http://schemas.openxmlformats.org/drawingml/2006/main" xmlns:r="http://schemas.openxmlformats.org/officeDocument/2006/relationships" xmlns:p="http://schemas.openxmlformats.org/presentationml/2006/main">
+  <p:cSld>
+    <p:spTree>
+      <p:nvGrpSpPr>
+        <p:cNvPr id="1" name=""/>
+        <p:cNvGrpSpPr/>
+        <p:nvPr/>
+      </p:nvGrpSpPr>
+      <p:grpSpPr>
+        <a:xfrm>
+          <a:off x="0" y="0"/>
+          <a:ext cx="0" cy="0"/>
+          <a:chOff x="0" y="0"/>
+          <a:chExt cx="0" cy="0"/>
+        </a:xfrm>
+      </p:grpSpPr>
+      <p:sp>
+        <p:nvSpPr>
+          <p:cNvPr id="2" name="タイトル 1"/>
+          <p:cNvSpPr>
+            <a:spLocks noGrp="1"/>
+          </p:cNvSpPr>
+          <p:nvPr>
+            <p:ph type="ctrTitle"/>
+          </p:nvPr>
+        </p:nvSpPr>
+        <p:spPr>
+          <a:xfrm>
+            <a:off x="1015551" y="2481933"/>
+            <a:ext cx="6858000" cy="1790700"/>
+          </a:xfrm>
+        </p:spPr>
+        <p:txBody>
+          <a:bodyPr>
+            <a:noAutofit/>
+          </a:bodyPr>
+          <a:lstStyle/>
+          <a:p>
+            <a:r>
+              <a:rPr lang="ja-JP" altLang="en-US" sz="4400" dirty="0" smtClean="0"/>
+              <a:t>ブロックプログラミング</a:t>
+            </a:r>
+            <a:r>
+              <a:rPr lang="ja-JP" altLang="en-US" sz="4400" dirty="0"/>
+              <a:t>を用いた論理的思考と</a:t>
+            </a:r>
+            <a:r>
+              <a:rPr lang="en-US" altLang="ja-JP" sz="4400" dirty="0"/>
+              <a:t/>
+            </a:r>
+            <a:br>
+              <a:rPr lang="en-US" altLang="ja-JP" sz="4400" dirty="0"/>
+            </a:br>
+            <a:r>
+              <a:rPr lang="ja-JP" altLang="en-US" sz="4400" dirty="0"/>
+              <a:t>コーディングを身に着けるための学習環境</a:t>
+            </a:r>
+            <a:endParaRPr kumimoji="1" lang="ja-JP" altLang="en-US" sz="4400" dirty="0"/>
+          </a:p>
+        </p:txBody>
+      </p:sp>
+      <p:sp>
+        <p:nvSpPr>
+          <p:cNvPr id="3" name="サブタイトル 2"/>
+          <p:cNvSpPr>
+            <a:spLocks noGrp="1"/>
+          </p:cNvSpPr>
+          <p:nvPr>
+            <p:ph type="subTitle" idx="1"/>
+          </p:nvPr>
+        </p:nvSpPr>
+        <p:spPr>
+          <a:xfrm>
+            <a:off x="1015551" y="4382700"/>
+            <a:ext cx="6858000" cy="1241823"/>
+          </a:xfrm>
+        </p:spPr>
+        <p:txBody>
+          <a:bodyPr/>
+          <a:lstStyle/>
+          <a:p>
+            <a:r>
+              <a:rPr kumimoji="1" lang="ja-JP" altLang="en-US" dirty="0" smtClean="0"/>
+              <a:t>学籍番号：</a:t>
+            </a:r>
+            <a:r>
+              <a:rPr kumimoji="1" lang="en-US" altLang="ja-JP" dirty="0" smtClean="0"/>
+              <a:t>1821121</a:t>
+            </a:r>
+          </a:p>
+          <a:p>
+            <a:r>
+              <a:rPr lang="ja-JP" altLang="en-US" dirty="0" smtClean="0"/>
+              <a:t>氏名：島岡慎也</a:t>
+            </a:r>
+            <a:endParaRPr kumimoji="1" lang="ja-JP" altLang="en-US" dirty="0"/>
+          </a:p>
+        </p:txBody>
+      </p:sp>
+      <p:sp>
+        <p:nvSpPr>
+          <p:cNvPr id="4" name="スライド番号プレースホルダー 3"/>
+          <p:cNvSpPr>
+            <a:spLocks noGrp="1"/>
+          </p:cNvSpPr>
+          <p:nvPr>
+            <p:ph type="sldNum" sz="quarter" idx="12"/>
+          </p:nvPr>
+        </p:nvSpPr>
+        <p:spPr/>
+        <p:txBody>
+          <a:bodyPr/>
+          <a:lstStyle/>
+          <a:p>
+            <a:fld id="{77022724-7A88-4190-89E1-23935288E045}" type="slidenum">
+              <a:rPr kumimoji="1" lang="ja-JP" altLang="en-US" sz="2400" smtClean="0"/>
+              <a:t>2</a:t>
+            </a:fld>
+            <a:endParaRPr kumimoji="1" lang="ja-JP" altLang="en-US" sz="2400" dirty="0"/>
+          </a:p>
+        </p:txBody>
+      </p:sp>
+    </p:spTree>
+    <p:extLst>
+      <p:ext uri="{BB962C8B-B14F-4D97-AF65-F5344CB8AC3E}">
+        <p14:creationId xmlns:p14="http://schemas.microsoft.com/office/powerpoint/2010/main" val="3218976117"/>
+      </p:ext>
+    </p:extLst>
+  </p:cSld>
+  <p:clrMapOvr>
+    <a:masterClrMapping/>
+  </p:clrMapOvr>
+  <p:timing>
+    <p:tnLst>
+      <p:par>
+        <p:cTn id="1" dur="indefinite" restart="never" nodeType="tmRoot"/>
+      </p:par>
+    </p:tnLst>
+  </p:timing>
+</p:sld>
+</file>
+
+<file path=ppt/slides/slide20.xml><?xml version="1.0" encoding="utf-8"?>
+<p:sld xmlns:a="http://schemas.openxmlformats.org/drawingml/2006/main" xmlns:r="http://schemas.openxmlformats.org/officeDocument/2006/relationships" xmlns:p="http://schemas.openxmlformats.org/presentationml/2006/main">
+  <p:cSld>
+    <p:spTree>
+      <p:nvGrpSpPr>
+        <p:cNvPr id="1" name=""/>
+        <p:cNvGrpSpPr/>
+        <p:nvPr/>
+      </p:nvGrpSpPr>
+      <p:grpSpPr>
+        <a:xfrm>
+          <a:off x="0" y="0"/>
+          <a:ext cx="0" cy="0"/>
+          <a:chOff x="0" y="0"/>
+          <a:chExt cx="0" cy="0"/>
+        </a:xfrm>
+      </p:grpSpPr>
+      <p:sp>
+        <p:nvSpPr>
+          <p:cNvPr id="2" name="タイトル 1"/>
+          <p:cNvSpPr>
+            <a:spLocks noGrp="1"/>
+          </p:cNvSpPr>
+          <p:nvPr>
+            <p:ph type="title"/>
+          </p:nvPr>
+        </p:nvSpPr>
+        <p:spPr/>
+        <p:txBody>
+          <a:bodyPr/>
+          <a:lstStyle/>
+          <a:p>
+            <a:r>
+              <a:rPr lang="ja-JP" altLang="en-US" dirty="0"/>
+              <a:t>正誤</a:t>
+            </a:r>
+            <a:r>
+              <a:rPr lang="ja-JP" altLang="en-US" dirty="0" smtClean="0"/>
+              <a:t>を判定するプログラム</a:t>
+            </a:r>
+            <a:endParaRPr kumimoji="1" lang="ja-JP" altLang="en-US" dirty="0"/>
+          </a:p>
+        </p:txBody>
+      </p:sp>
+      <p:sp>
+        <p:nvSpPr>
+          <p:cNvPr id="3" name="コンテンツ プレースホルダー 2"/>
+          <p:cNvSpPr>
+            <a:spLocks noGrp="1"/>
+          </p:cNvSpPr>
+          <p:nvPr>
+            <p:ph idx="1"/>
+          </p:nvPr>
+        </p:nvSpPr>
+        <p:spPr/>
+        <p:txBody>
+          <a:bodyPr/>
+          <a:lstStyle/>
+          <a:p>
+            <a:r>
+              <a:rPr kumimoji="1" lang="ja-JP" altLang="en-US" dirty="0" smtClean="0"/>
+              <a:t>事前に用意した解答例と、</a:t>
+            </a:r>
+            <a:r>
+              <a:rPr kumimoji="1" lang="en-US" altLang="ja-JP" dirty="0" err="1" smtClean="0"/>
+              <a:t>Generater</a:t>
+            </a:r>
+            <a:r>
+              <a:rPr kumimoji="1" lang="ja-JP" altLang="en-US" dirty="0" smtClean="0"/>
+              <a:t>によって作成されたコードが等しいかどうか（完全一致）を判定するサンプルプログラムを作成した</a:t>
+            </a:r>
+            <a:endParaRPr kumimoji="1" lang="en-US" altLang="ja-JP" dirty="0" smtClean="0"/>
+          </a:p>
+          <a:p>
+            <a:endParaRPr kumimoji="1" lang="ja-JP" altLang="en-US" dirty="0"/>
+          </a:p>
+        </p:txBody>
+      </p:sp>
+      <p:sp>
+        <p:nvSpPr>
+          <p:cNvPr id="4" name="スライド番号プレースホルダー 3"/>
+          <p:cNvSpPr>
+            <a:spLocks noGrp="1"/>
+          </p:cNvSpPr>
+          <p:nvPr>
+            <p:ph type="sldNum" sz="quarter" idx="12"/>
+          </p:nvPr>
+        </p:nvSpPr>
+        <p:spPr/>
+        <p:txBody>
+          <a:bodyPr/>
+          <a:lstStyle/>
+          <a:p>
+            <a:fld id="{4A32CB03-0843-4AF8-BFB2-C9917854BC7E}" type="slidenum">
+              <a:rPr kumimoji="1" lang="ja-JP" altLang="en-US" smtClean="0"/>
+              <a:t>20</a:t>
+            </a:fld>
+            <a:endParaRPr kumimoji="1" lang="ja-JP" altLang="en-US"/>
+          </a:p>
+        </p:txBody>
+      </p:sp>
+    </p:spTree>
+    <p:extLst>
+      <p:ext uri="{BB962C8B-B14F-4D97-AF65-F5344CB8AC3E}">
+        <p14:creationId xmlns:p14="http://schemas.microsoft.com/office/powerpoint/2010/main" val="2287831747"/>
+      </p:ext>
+    </p:extLst>
+  </p:cSld>
+  <p:clrMapOvr>
+    <a:masterClrMapping/>
+  </p:clrMapOvr>
+  <p:timing>
+    <p:tnLst>
+      <p:par>
+        <p:cTn id="1" dur="indefinite" restart="never" nodeType="tmRoot"/>
+      </p:par>
+    </p:tnLst>
+  </p:timing>
+</p:sld>
+</file>
+
+<file path=ppt/slides/slide21.xml><?xml version="1.0" encoding="utf-8"?>
+<p:sld xmlns:a="http://schemas.openxmlformats.org/drawingml/2006/main" xmlns:r="http://schemas.openxmlformats.org/officeDocument/2006/relationships" xmlns:p="http://schemas.openxmlformats.org/presentationml/2006/main">
+  <p:cSld>
+    <p:spTree>
+      <p:nvGrpSpPr>
+        <p:cNvPr id="1" name=""/>
+        <p:cNvGrpSpPr/>
+        <p:nvPr/>
+      </p:nvGrpSpPr>
+      <p:grpSpPr>
+        <a:xfrm>
+          <a:off x="0" y="0"/>
+          <a:ext cx="0" cy="0"/>
+          <a:chOff x="0" y="0"/>
+          <a:chExt cx="0" cy="0"/>
+        </a:xfrm>
+      </p:grpSpPr>
+      <p:sp>
+        <p:nvSpPr>
+          <p:cNvPr id="2" name="タイトル 1"/>
+          <p:cNvSpPr>
+            <a:spLocks noGrp="1"/>
+          </p:cNvSpPr>
+          <p:nvPr>
+            <p:ph type="title"/>
+          </p:nvPr>
+        </p:nvSpPr>
+        <p:spPr/>
+        <p:txBody>
+          <a:bodyPr/>
+          <a:lstStyle/>
+          <a:p>
+            <a:r>
+              <a:rPr lang="ja-JP" altLang="en-US" dirty="0"/>
+              <a:t>正誤</a:t>
+            </a:r>
+            <a:r>
+              <a:rPr lang="ja-JP" altLang="en-US" dirty="0" smtClean="0"/>
+              <a:t>判定</a:t>
+            </a:r>
+            <a:r>
+              <a:rPr kumimoji="1" lang="ja-JP" altLang="en-US" dirty="0" smtClean="0"/>
+              <a:t>デモ１</a:t>
+            </a:r>
+            <a:endParaRPr kumimoji="1" lang="ja-JP" altLang="en-US" dirty="0"/>
+          </a:p>
+        </p:txBody>
+      </p:sp>
+      <p:sp>
+        <p:nvSpPr>
+          <p:cNvPr id="4" name="スライド番号プレースホルダー 3"/>
+          <p:cNvSpPr>
+            <a:spLocks noGrp="1"/>
+          </p:cNvSpPr>
+          <p:nvPr>
+            <p:ph type="sldNum" sz="quarter" idx="12"/>
+          </p:nvPr>
+        </p:nvSpPr>
+        <p:spPr/>
+        <p:txBody>
+          <a:bodyPr/>
+          <a:lstStyle/>
+          <a:p>
+            <a:fld id="{4A32CB03-0843-4AF8-BFB2-C9917854BC7E}" type="slidenum">
+              <a:rPr kumimoji="1" lang="ja-JP" altLang="en-US" smtClean="0"/>
+              <a:t>21</a:t>
+            </a:fld>
+            <a:endParaRPr kumimoji="1" lang="ja-JP" altLang="en-US"/>
+          </a:p>
+        </p:txBody>
+      </p:sp>
+      <p:pic>
+        <p:nvPicPr>
+          <p:cNvPr id="5" name="図 4"/>
+          <p:cNvPicPr>
+            <a:picLocks noChangeAspect="1"/>
+          </p:cNvPicPr>
+          <p:nvPr/>
+        </p:nvPicPr>
+        <p:blipFill>
+          <a:blip r:embed="rId2"/>
+          <a:stretch>
+            <a:fillRect/>
+          </a:stretch>
+        </p:blipFill>
+        <p:spPr>
+          <a:xfrm>
+            <a:off x="207586" y="2087744"/>
+            <a:ext cx="8844617" cy="4378340"/>
+          </a:xfrm>
+          <a:prstGeom prst="rect">
+            <a:avLst/>
+          </a:prstGeom>
+        </p:spPr>
+      </p:pic>
+    </p:spTree>
+    <p:extLst>
+      <p:ext uri="{BB962C8B-B14F-4D97-AF65-F5344CB8AC3E}">
+        <p14:creationId xmlns:p14="http://schemas.microsoft.com/office/powerpoint/2010/main" val="1473290671"/>
+      </p:ext>
+    </p:extLst>
+  </p:cSld>
+  <p:clrMapOvr>
+    <a:masterClrMapping/>
+  </p:clrMapOvr>
+  <p:timing>
+    <p:tnLst>
+      <p:par>
+        <p:cTn id="1" dur="indefinite" restart="never" nodeType="tmRoot"/>
+      </p:par>
+    </p:tnLst>
+  </p:timing>
+</p:sld>
+</file>
+
+<file path=ppt/slides/slide22.xml><?xml version="1.0" encoding="utf-8"?>
+<p:sld xmlns:a="http://schemas.openxmlformats.org/drawingml/2006/main" xmlns:r="http://schemas.openxmlformats.org/officeDocument/2006/relationships" xmlns:p="http://schemas.openxmlformats.org/presentationml/2006/main">
+  <p:cSld>
+    <p:spTree>
+      <p:nvGrpSpPr>
+        <p:cNvPr id="1" name=""/>
+        <p:cNvGrpSpPr/>
+        <p:nvPr/>
+      </p:nvGrpSpPr>
+      <p:grpSpPr>
+        <a:xfrm>
+          <a:off x="0" y="0"/>
+          <a:ext cx="0" cy="0"/>
+          <a:chOff x="0" y="0"/>
+          <a:chExt cx="0" cy="0"/>
+        </a:xfrm>
+      </p:grpSpPr>
+      <p:sp>
+        <p:nvSpPr>
+          <p:cNvPr id="2" name="タイトル 1"/>
+          <p:cNvSpPr>
+            <a:spLocks noGrp="1"/>
+          </p:cNvSpPr>
+          <p:nvPr>
+            <p:ph type="title"/>
+          </p:nvPr>
+        </p:nvSpPr>
+        <p:spPr/>
+        <p:txBody>
+          <a:bodyPr/>
+          <a:lstStyle/>
+          <a:p>
+            <a:r>
+              <a:rPr kumimoji="1" lang="ja-JP" altLang="en-US" dirty="0" smtClean="0"/>
+              <a:t>穴あき問題を作成する</a:t>
+            </a:r>
+            <a:endParaRPr kumimoji="1" lang="ja-JP" altLang="en-US" dirty="0"/>
+          </a:p>
+        </p:txBody>
+      </p:sp>
+      <p:sp>
+        <p:nvSpPr>
+          <p:cNvPr id="3" name="コンテンツ プレースホルダー 2"/>
+          <p:cNvSpPr>
+            <a:spLocks noGrp="1"/>
+          </p:cNvSpPr>
+          <p:nvPr>
+            <p:ph idx="1"/>
+          </p:nvPr>
+        </p:nvSpPr>
+        <p:spPr/>
+        <p:txBody>
+          <a:bodyPr/>
+          <a:lstStyle/>
+          <a:p>
+            <a:endParaRPr kumimoji="1" lang="ja-JP" altLang="en-US" dirty="0"/>
+          </a:p>
+        </p:txBody>
+      </p:sp>
+      <p:sp>
+        <p:nvSpPr>
+          <p:cNvPr id="4" name="スライド番号プレースホルダー 3"/>
+          <p:cNvSpPr>
+            <a:spLocks noGrp="1"/>
+          </p:cNvSpPr>
+          <p:nvPr>
+            <p:ph type="sldNum" sz="quarter" idx="12"/>
+          </p:nvPr>
+        </p:nvSpPr>
+        <p:spPr/>
+        <p:txBody>
+          <a:bodyPr/>
+          <a:lstStyle/>
+          <a:p>
+            <a:fld id="{4A32CB03-0843-4AF8-BFB2-C9917854BC7E}" type="slidenum">
+              <a:rPr kumimoji="1" lang="ja-JP" altLang="en-US" smtClean="0"/>
+              <a:t>22</a:t>
+            </a:fld>
+            <a:endParaRPr kumimoji="1" lang="ja-JP" altLang="en-US"/>
+          </a:p>
+        </p:txBody>
+      </p:sp>
+      <p:pic>
+        <p:nvPicPr>
+          <p:cNvPr id="5" name="図 4"/>
+          <p:cNvPicPr>
+            <a:picLocks noChangeAspect="1"/>
+          </p:cNvPicPr>
+          <p:nvPr/>
+        </p:nvPicPr>
+        <p:blipFill>
+          <a:blip r:embed="rId2"/>
+          <a:stretch>
+            <a:fillRect/>
+          </a:stretch>
+        </p:blipFill>
+        <p:spPr>
+          <a:xfrm>
+            <a:off x="472810" y="1825625"/>
+            <a:ext cx="8612668" cy="4243402"/>
+          </a:xfrm>
+          <a:prstGeom prst="rect">
+            <a:avLst/>
+          </a:prstGeom>
+        </p:spPr>
+      </p:pic>
+    </p:spTree>
+    <p:extLst>
+      <p:ext uri="{BB962C8B-B14F-4D97-AF65-F5344CB8AC3E}">
+        <p14:creationId xmlns:p14="http://schemas.microsoft.com/office/powerpoint/2010/main" val="4017269996"/>
+      </p:ext>
+    </p:extLst>
+  </p:cSld>
+  <p:clrMapOvr>
+    <a:masterClrMapping/>
+  </p:clrMapOvr>
+  <p:timing>
+    <p:tnLst>
+      <p:par>
+        <p:cTn id="1" dur="indefinite" restart="never" nodeType="tmRoot"/>
+      </p:par>
+    </p:tnLst>
+  </p:timing>
+</p:sld>
+</file>
+
+<file path=ppt/slides/slide23.xml><?xml version="1.0" encoding="utf-8"?>
+<p:sld xmlns:a="http://schemas.openxmlformats.org/drawingml/2006/main" xmlns:r="http://schemas.openxmlformats.org/officeDocument/2006/relationships" xmlns:p="http://schemas.openxmlformats.org/presentationml/2006/main">
+  <p:cSld>
+    <p:spTree>
+      <p:nvGrpSpPr>
+        <p:cNvPr id="1" name=""/>
+        <p:cNvGrpSpPr/>
+        <p:nvPr/>
+      </p:nvGrpSpPr>
+      <p:grpSpPr>
+        <a:xfrm>
+          <a:off x="0" y="0"/>
+          <a:ext cx="0" cy="0"/>
+          <a:chOff x="0" y="0"/>
+          <a:chExt cx="0" cy="0"/>
+        </a:xfrm>
+      </p:grpSpPr>
+      <p:sp>
+        <p:nvSpPr>
+          <p:cNvPr id="2" name="タイトル 1"/>
+          <p:cNvSpPr>
+            <a:spLocks noGrp="1"/>
+          </p:cNvSpPr>
+          <p:nvPr>
+            <p:ph type="title"/>
+          </p:nvPr>
+        </p:nvSpPr>
+        <p:spPr/>
+        <p:txBody>
+          <a:bodyPr/>
+          <a:lstStyle/>
+          <a:p>
+            <a:r>
+              <a:rPr kumimoji="1" lang="ja-JP" altLang="en-US" dirty="0" smtClean="0"/>
+              <a:t>選択肢と正誤判定</a:t>
+            </a:r>
+            <a:endParaRPr kumimoji="1" lang="ja-JP" altLang="en-US" dirty="0"/>
+          </a:p>
+        </p:txBody>
+      </p:sp>
+      <p:sp>
+        <p:nvSpPr>
+          <p:cNvPr id="3" name="コンテンツ プレースホルダー 2"/>
+          <p:cNvSpPr>
+            <a:spLocks noGrp="1"/>
+          </p:cNvSpPr>
+          <p:nvPr>
+            <p:ph idx="1"/>
+          </p:nvPr>
+        </p:nvSpPr>
+        <p:spPr/>
+        <p:txBody>
+          <a:bodyPr/>
+          <a:lstStyle/>
+          <a:p>
+            <a:pPr marL="0" indent="0">
+              <a:buNone/>
+            </a:pPr>
+            <a:r>
+              <a:rPr kumimoji="1" lang="ja-JP" altLang="en-US" dirty="0" smtClean="0"/>
+              <a:t>選択肢から正誤を判定するプログラムを作成した</a:t>
+            </a:r>
+            <a:endParaRPr kumimoji="1" lang="en-US" altLang="ja-JP" dirty="0" smtClean="0"/>
+          </a:p>
+          <a:p>
+            <a:pPr marL="0" indent="0">
+              <a:buNone/>
+            </a:pPr>
+            <a:r>
+              <a:rPr lang="ja-JP" altLang="en-US" dirty="0" smtClean="0"/>
+              <a:t>今回作成したプログラムは文章、問題を事前に用意しているため、</a:t>
+            </a:r>
+            <a:r>
+              <a:rPr lang="en-US" altLang="ja-JP" dirty="0" err="1" smtClean="0"/>
+              <a:t>Blockly</a:t>
+            </a:r>
+            <a:r>
+              <a:rPr lang="ja-JP" altLang="en-US" dirty="0" smtClean="0"/>
+              <a:t>によって生成されたコードを利用して問題を生成する場合の表示方法が決まっていない</a:t>
+            </a:r>
+            <a:endParaRPr lang="en-US" altLang="ja-JP" dirty="0"/>
+          </a:p>
+          <a:p>
+            <a:pPr marL="0" indent="0">
+              <a:buNone/>
+            </a:pPr>
+            <a:endParaRPr kumimoji="1" lang="en-US" altLang="ja-JP" dirty="0" smtClean="0"/>
+          </a:p>
+          <a:p>
+            <a:pPr marL="0" indent="0">
+              <a:buNone/>
+            </a:pPr>
+            <a:r>
+              <a:rPr lang="en-US" altLang="ja-JP" dirty="0" err="1" smtClean="0"/>
+              <a:t>github</a:t>
+            </a:r>
+            <a:endParaRPr kumimoji="1" lang="en-US" altLang="ja-JP" dirty="0" smtClean="0"/>
+          </a:p>
+          <a:p>
+            <a:pPr marL="0" indent="0">
+              <a:buNone/>
+            </a:pPr>
+            <a:r>
+              <a:rPr lang="en-US" altLang="ja-JP" dirty="0"/>
+              <a:t>p</a:t>
+            </a:r>
+            <a:r>
+              <a:rPr lang="en-US" altLang="ja-JP" dirty="0" smtClean="0"/>
+              <a:t>rogram/question/test.html</a:t>
+            </a:r>
+            <a:endParaRPr kumimoji="1" lang="en-US" altLang="ja-JP" dirty="0" smtClean="0"/>
+          </a:p>
+        </p:txBody>
+      </p:sp>
+      <p:sp>
+        <p:nvSpPr>
+          <p:cNvPr id="4" name="スライド番号プレースホルダー 3"/>
+          <p:cNvSpPr>
+            <a:spLocks noGrp="1"/>
+          </p:cNvSpPr>
+          <p:nvPr>
+            <p:ph type="sldNum" sz="quarter" idx="12"/>
+          </p:nvPr>
+        </p:nvSpPr>
+        <p:spPr/>
+        <p:txBody>
+          <a:bodyPr/>
+          <a:lstStyle/>
+          <a:p>
+            <a:fld id="{4A32CB03-0843-4AF8-BFB2-C9917854BC7E}" type="slidenum">
+              <a:rPr kumimoji="1" lang="ja-JP" altLang="en-US" sz="2800" smtClean="0"/>
+              <a:t>23</a:t>
+            </a:fld>
+            <a:endParaRPr kumimoji="1" lang="ja-JP" altLang="en-US" dirty="0"/>
+          </a:p>
+        </p:txBody>
+      </p:sp>
+    </p:spTree>
+    <p:extLst>
+      <p:ext uri="{BB962C8B-B14F-4D97-AF65-F5344CB8AC3E}">
+        <p14:creationId xmlns:p14="http://schemas.microsoft.com/office/powerpoint/2010/main" val="3564727157"/>
+      </p:ext>
+    </p:extLst>
+  </p:cSld>
+  <p:clrMapOvr>
+    <a:masterClrMapping/>
+  </p:clrMapOvr>
+  <p:timing>
+    <p:tnLst>
+      <p:par>
+        <p:cTn id="1" dur="indefinite" restart="never" nodeType="tmRoot"/>
+      </p:par>
+    </p:tnLst>
+  </p:timing>
+</p:sld>
+</file>
+
+<file path=ppt/slides/slide24.xml><?xml version="1.0" encoding="utf-8"?>
+<p:sld xmlns:a="http://schemas.openxmlformats.org/drawingml/2006/main" xmlns:r="http://schemas.openxmlformats.org/officeDocument/2006/relationships" xmlns:p="http://schemas.openxmlformats.org/presentationml/2006/main">
+  <p:cSld>
+    <p:spTree>
+      <p:nvGrpSpPr>
+        <p:cNvPr id="1" name=""/>
+        <p:cNvGrpSpPr/>
+        <p:nvPr/>
+      </p:nvGrpSpPr>
+      <p:grpSpPr>
+        <a:xfrm>
+          <a:off x="0" y="0"/>
+          <a:ext cx="0" cy="0"/>
+          <a:chOff x="0" y="0"/>
+          <a:chExt cx="0" cy="0"/>
+        </a:xfrm>
+      </p:grpSpPr>
+      <p:sp>
+        <p:nvSpPr>
+          <p:cNvPr id="2" name="タイトル 1"/>
+          <p:cNvSpPr>
+            <a:spLocks noGrp="1"/>
+          </p:cNvSpPr>
+          <p:nvPr>
+            <p:ph type="title"/>
+          </p:nvPr>
+        </p:nvSpPr>
+        <p:spPr/>
+        <p:txBody>
+          <a:bodyPr/>
+          <a:lstStyle/>
+          <a:p>
+            <a:r>
+              <a:rPr lang="ja-JP" altLang="en-US" dirty="0" smtClean="0"/>
+              <a:t>選択式から選んで正誤を判定するプログラム</a:t>
+            </a:r>
+            <a:endParaRPr kumimoji="1" lang="ja-JP" altLang="en-US" dirty="0"/>
+          </a:p>
+        </p:txBody>
+      </p:sp>
+      <p:sp>
+        <p:nvSpPr>
+          <p:cNvPr id="4" name="スライド番号プレースホルダー 3"/>
+          <p:cNvSpPr>
+            <a:spLocks noGrp="1"/>
+          </p:cNvSpPr>
+          <p:nvPr>
+            <p:ph type="sldNum" sz="quarter" idx="12"/>
+          </p:nvPr>
+        </p:nvSpPr>
+        <p:spPr/>
+        <p:txBody>
+          <a:bodyPr/>
+          <a:lstStyle/>
+          <a:p>
+            <a:fld id="{4A32CB03-0843-4AF8-BFB2-C9917854BC7E}" type="slidenum">
+              <a:rPr kumimoji="1" lang="ja-JP" altLang="en-US" smtClean="0"/>
+              <a:t>24</a:t>
+            </a:fld>
+            <a:endParaRPr kumimoji="1" lang="ja-JP" altLang="en-US"/>
+          </a:p>
+        </p:txBody>
+      </p:sp>
+      <p:pic>
+        <p:nvPicPr>
+          <p:cNvPr id="5" name="図 4"/>
+          <p:cNvPicPr>
+            <a:picLocks noChangeAspect="1"/>
+          </p:cNvPicPr>
+          <p:nvPr/>
+        </p:nvPicPr>
+        <p:blipFill>
+          <a:blip r:embed="rId2"/>
+          <a:stretch>
+            <a:fillRect/>
+          </a:stretch>
+        </p:blipFill>
+        <p:spPr>
+          <a:xfrm>
+            <a:off x="2797316" y="1808157"/>
+            <a:ext cx="2972306" cy="4730756"/>
+          </a:xfrm>
+          <a:prstGeom prst="rect">
+            <a:avLst/>
+          </a:prstGeom>
+        </p:spPr>
+      </p:pic>
+    </p:spTree>
+    <p:extLst>
+      <p:ext uri="{BB962C8B-B14F-4D97-AF65-F5344CB8AC3E}">
+        <p14:creationId xmlns:p14="http://schemas.microsoft.com/office/powerpoint/2010/main" val="1471446867"/>
+      </p:ext>
+    </p:extLst>
+  </p:cSld>
+  <p:clrMapOvr>
+    <a:masterClrMapping/>
+  </p:clrMapOvr>
+  <p:timing>
+    <p:tnLst>
+      <p:par>
+        <p:cTn id="1" dur="indefinite" restart="never" nodeType="tmRoot"/>
+      </p:par>
+    </p:tnLst>
+  </p:timing>
+</p:sld>
+</file>
+
+<file path=ppt/slides/slide25.xml><?xml version="1.0" encoding="utf-8"?>
+<p:sld xmlns:a="http://schemas.openxmlformats.org/drawingml/2006/main" xmlns:r="http://schemas.openxmlformats.org/officeDocument/2006/relationships" xmlns:p="http://schemas.openxmlformats.org/presentationml/2006/main">
+  <p:cSld>
+    <p:spTree>
+      <p:nvGrpSpPr>
+        <p:cNvPr id="1" name=""/>
+        <p:cNvGrpSpPr/>
+        <p:nvPr/>
+      </p:nvGrpSpPr>
+      <p:grpSpPr>
+        <a:xfrm>
+          <a:off x="0" y="0"/>
+          <a:ext cx="0" cy="0"/>
+          <a:chOff x="0" y="0"/>
+          <a:chExt cx="0" cy="0"/>
+        </a:xfrm>
+      </p:grpSpPr>
+      <p:sp>
+        <p:nvSpPr>
+          <p:cNvPr id="2" name="タイトル 1"/>
+          <p:cNvSpPr>
+            <a:spLocks noGrp="1"/>
+          </p:cNvSpPr>
+          <p:nvPr>
+            <p:ph type="title"/>
+          </p:nvPr>
+        </p:nvSpPr>
+        <p:spPr/>
+        <p:txBody>
+          <a:bodyPr/>
+          <a:lstStyle/>
+          <a:p>
+            <a:r>
+              <a:rPr kumimoji="1" lang="ja-JP" altLang="en-US" dirty="0" smtClean="0"/>
+              <a:t>利用方法の模索</a:t>
+            </a:r>
+            <a:endParaRPr kumimoji="1" lang="ja-JP" altLang="en-US" dirty="0"/>
+          </a:p>
+        </p:txBody>
+      </p:sp>
+      <p:sp>
+        <p:nvSpPr>
+          <p:cNvPr id="3" name="コンテンツ プレースホルダー 2"/>
+          <p:cNvSpPr>
+            <a:spLocks noGrp="1"/>
+          </p:cNvSpPr>
+          <p:nvPr>
+            <p:ph idx="1"/>
+          </p:nvPr>
+        </p:nvSpPr>
+        <p:spPr/>
+        <p:txBody>
+          <a:bodyPr/>
+          <a:lstStyle/>
+          <a:p>
+            <a:r>
+              <a:rPr kumimoji="1" lang="en-US" altLang="ja-JP" dirty="0" err="1" smtClean="0"/>
+              <a:t>Blockly</a:t>
+            </a:r>
+            <a:r>
+              <a:rPr lang="ja-JP" altLang="en-US" dirty="0"/>
+              <a:t>に</a:t>
+            </a:r>
+            <a:r>
+              <a:rPr lang="ja-JP" altLang="en-US" dirty="0" smtClean="0"/>
+              <a:t>よって生成したコードは一つの文字列として利用できる、これを単語ごとに区切ることで、コードの一部を選択肢として利用できるかもしれない</a:t>
+            </a:r>
+            <a:endParaRPr lang="en-US" altLang="ja-JP" dirty="0" smtClean="0"/>
+          </a:p>
+          <a:p>
+            <a:pPr lvl="1"/>
+            <a:r>
+              <a:rPr kumimoji="1" lang="ja-JP" altLang="en-US" dirty="0" smtClean="0"/>
+              <a:t>文字列から単語として認識した</a:t>
+            </a:r>
+            <a:r>
+              <a:rPr kumimoji="1" lang="en-US" altLang="ja-JP" dirty="0" smtClean="0"/>
+              <a:t>”</a:t>
+            </a:r>
+            <a:r>
+              <a:rPr kumimoji="1" lang="en-US" altLang="ja-JP" dirty="0" err="1" smtClean="0"/>
+              <a:t>int</a:t>
+            </a:r>
+            <a:r>
+              <a:rPr kumimoji="1" lang="en-US" altLang="ja-JP" dirty="0" smtClean="0"/>
+              <a:t>”</a:t>
+            </a:r>
+            <a:r>
+              <a:rPr kumimoji="1" lang="ja-JP" altLang="en-US" dirty="0" smtClean="0"/>
+              <a:t>などの</a:t>
+            </a:r>
+            <a:r>
+              <a:rPr lang="ja-JP" altLang="en-US" dirty="0" smtClean="0"/>
+              <a:t>単語を</a:t>
+            </a:r>
+            <a:r>
+              <a:rPr lang="en-US" altLang="ja-JP" dirty="0" smtClean="0"/>
+              <a:t>html</a:t>
+            </a:r>
+            <a:r>
+              <a:rPr lang="ja-JP" altLang="en-US" dirty="0" smtClean="0"/>
+              <a:t>で利用できる文字列に変換するなど</a:t>
+            </a:r>
+            <a:endParaRPr lang="en-US" altLang="ja-JP" dirty="0" smtClean="0"/>
+          </a:p>
+          <a:p>
+            <a:r>
+              <a:rPr lang="ja-JP" altLang="en-US" dirty="0" smtClean="0"/>
+              <a:t>今回は</a:t>
+            </a:r>
+            <a:r>
+              <a:rPr lang="en-US" altLang="ja-JP" dirty="0" smtClean="0"/>
+              <a:t>html</a:t>
+            </a:r>
+            <a:r>
+              <a:rPr lang="ja-JP" altLang="en-US" dirty="0" smtClean="0"/>
+              <a:t>の</a:t>
+            </a:r>
+            <a:r>
+              <a:rPr lang="en-US" altLang="ja-JP" dirty="0" smtClean="0"/>
+              <a:t>select</a:t>
+            </a:r>
+            <a:r>
+              <a:rPr lang="ja-JP" altLang="en-US" dirty="0" smtClean="0"/>
+              <a:t>タグを使って選択肢を生成しているが、</a:t>
+            </a:r>
+            <a:r>
+              <a:rPr lang="en-US" altLang="ja-JP" dirty="0" err="1" smtClean="0"/>
+              <a:t>Javascript</a:t>
+            </a:r>
+            <a:r>
+              <a:rPr lang="ja-JP" altLang="en-US" dirty="0" smtClean="0"/>
+              <a:t>で選択肢の生成もできると、上の方法に利用できるかもしれない</a:t>
+            </a:r>
+            <a:endParaRPr lang="en-US" altLang="ja-JP" dirty="0" smtClean="0"/>
+          </a:p>
+        </p:txBody>
+      </p:sp>
+      <p:sp>
+        <p:nvSpPr>
+          <p:cNvPr id="4" name="スライド番号プレースホルダー 3"/>
+          <p:cNvSpPr>
+            <a:spLocks noGrp="1"/>
+          </p:cNvSpPr>
+          <p:nvPr>
+            <p:ph type="sldNum" sz="quarter" idx="12"/>
+          </p:nvPr>
+        </p:nvSpPr>
+        <p:spPr/>
+        <p:txBody>
+          <a:bodyPr/>
+          <a:lstStyle/>
+          <a:p>
+            <a:fld id="{4A32CB03-0843-4AF8-BFB2-C9917854BC7E}" type="slidenum">
+              <a:rPr kumimoji="1" lang="ja-JP" altLang="en-US" smtClean="0"/>
+              <a:t>25</a:t>
+            </a:fld>
+            <a:endParaRPr kumimoji="1" lang="ja-JP" altLang="en-US"/>
+          </a:p>
+        </p:txBody>
+      </p:sp>
+    </p:spTree>
+    <p:extLst>
+      <p:ext uri="{BB962C8B-B14F-4D97-AF65-F5344CB8AC3E}">
+        <p14:creationId xmlns:p14="http://schemas.microsoft.com/office/powerpoint/2010/main" val="3837190238"/>
+      </p:ext>
+    </p:extLst>
+  </p:cSld>
+  <p:clrMapOvr>
+    <a:masterClrMapping/>
+  </p:clrMapOvr>
+  <p:timing>
+    <p:tnLst>
+      <p:par>
+        <p:cTn id="1" dur="indefinite" restart="never" nodeType="tmRoot"/>
+      </p:par>
+    </p:tnLst>
+  </p:timing>
+</p:sld>
+</file>
+
+<file path=ppt/slides/slide26.xml><?xml version="1.0" encoding="utf-8"?>
+<p:sld xmlns:a="http://schemas.openxmlformats.org/drawingml/2006/main" xmlns:r="http://schemas.openxmlformats.org/officeDocument/2006/relationships" xmlns:p="http://schemas.openxmlformats.org/presentationml/2006/main">
+  <p:cSld>
+    <p:spTree>
+      <p:nvGrpSpPr>
+        <p:cNvPr id="1" name=""/>
+        <p:cNvGrpSpPr/>
+        <p:nvPr/>
+      </p:nvGrpSpPr>
+      <p:grpSpPr>
+        <a:xfrm>
+          <a:off x="0" y="0"/>
+          <a:ext cx="0" cy="0"/>
+          <a:chOff x="0" y="0"/>
+          <a:chExt cx="0" cy="0"/>
+        </a:xfrm>
+      </p:grpSpPr>
+      <p:sp>
+        <p:nvSpPr>
+          <p:cNvPr id="2" name="タイトル 1"/>
+          <p:cNvSpPr>
+            <a:spLocks noGrp="1"/>
+          </p:cNvSpPr>
+          <p:nvPr>
+            <p:ph type="title"/>
+          </p:nvPr>
+        </p:nvSpPr>
+        <p:spPr/>
+        <p:txBody>
+          <a:bodyPr/>
+          <a:lstStyle/>
+          <a:p>
+            <a:r>
+              <a:rPr kumimoji="1" lang="en-US" altLang="ja-JP" dirty="0" err="1" smtClean="0"/>
+              <a:t>selectbox</a:t>
+            </a:r>
+            <a:r>
+              <a:rPr kumimoji="1" lang="ja-JP" altLang="en-US" dirty="0" smtClean="0"/>
+              <a:t>の選択肢の生成</a:t>
+            </a:r>
+            <a:endParaRPr kumimoji="1" lang="ja-JP" altLang="en-US" dirty="0"/>
+          </a:p>
+        </p:txBody>
+      </p:sp>
+      <p:sp>
+        <p:nvSpPr>
+          <p:cNvPr id="3" name="コンテンツ プレースホルダー 2"/>
+          <p:cNvSpPr>
+            <a:spLocks noGrp="1"/>
+          </p:cNvSpPr>
+          <p:nvPr>
+            <p:ph idx="1"/>
+          </p:nvPr>
+        </p:nvSpPr>
+        <p:spPr/>
+        <p:txBody>
+          <a:bodyPr/>
+          <a:lstStyle/>
+          <a:p>
+            <a:r>
+              <a:rPr lang="ja-JP" altLang="en-US" dirty="0" smtClean="0"/>
+              <a:t>上記スライドでは問題文も選択肢も静的に決定されているが、</a:t>
+            </a:r>
+            <a:r>
+              <a:rPr lang="en-US" altLang="ja-JP" dirty="0" err="1" smtClean="0"/>
+              <a:t>Javascript</a:t>
+            </a:r>
+            <a:r>
+              <a:rPr lang="ja-JP" altLang="en-US" dirty="0" smtClean="0"/>
+              <a:t>を用いることで動的に内容を設定できるらしい</a:t>
+            </a:r>
+            <a:endParaRPr lang="en-US" altLang="ja-JP" dirty="0" smtClean="0"/>
+          </a:p>
+          <a:p>
+            <a:r>
+              <a:rPr kumimoji="1" lang="ja-JP" altLang="en-US" dirty="0" smtClean="0"/>
+              <a:t>セレクトボックス</a:t>
+            </a:r>
+            <a:r>
+              <a:rPr lang="ja-JP" altLang="en-US" dirty="0"/>
+              <a:t>自体</a:t>
+            </a:r>
+            <a:r>
+              <a:rPr kumimoji="1" lang="ja-JP" altLang="en-US" dirty="0" smtClean="0"/>
+              <a:t>を生成することもどうやら可能らしい</a:t>
+            </a:r>
+            <a:endParaRPr kumimoji="1" lang="en-US" altLang="ja-JP" dirty="0" smtClean="0"/>
+          </a:p>
+          <a:p>
+            <a:endParaRPr kumimoji="1" lang="ja-JP" altLang="en-US" dirty="0"/>
+          </a:p>
+        </p:txBody>
+      </p:sp>
+      <p:sp>
+        <p:nvSpPr>
+          <p:cNvPr id="4" name="スライド番号プレースホルダー 3"/>
+          <p:cNvSpPr>
+            <a:spLocks noGrp="1"/>
+          </p:cNvSpPr>
+          <p:nvPr>
+            <p:ph type="sldNum" sz="quarter" idx="12"/>
+          </p:nvPr>
+        </p:nvSpPr>
+        <p:spPr/>
+        <p:txBody>
+          <a:bodyPr/>
+          <a:lstStyle/>
+          <a:p>
+            <a:fld id="{4A32CB03-0843-4AF8-BFB2-C9917854BC7E}" type="slidenum">
+              <a:rPr kumimoji="1" lang="ja-JP" altLang="en-US" smtClean="0"/>
+              <a:t>26</a:t>
+            </a:fld>
+            <a:endParaRPr kumimoji="1" lang="ja-JP" altLang="en-US"/>
+          </a:p>
+        </p:txBody>
+      </p:sp>
+    </p:spTree>
+    <p:extLst>
+      <p:ext uri="{BB962C8B-B14F-4D97-AF65-F5344CB8AC3E}">
+        <p14:creationId xmlns:p14="http://schemas.microsoft.com/office/powerpoint/2010/main" val="3172470415"/>
+      </p:ext>
+    </p:extLst>
+  </p:cSld>
+  <p:clrMapOvr>
+    <a:masterClrMapping/>
+  </p:clrMapOvr>
+  <p:timing>
+    <p:tnLst>
+      <p:par>
+        <p:cTn id="1" dur="indefinite" restart="never" nodeType="tmRoot"/>
+      </p:par>
+    </p:tnLst>
+  </p:timing>
+</p:sld>
+</file>
+
+<file path=ppt/slides/slide27.xml><?xml version="1.0" encoding="utf-8"?>
+<p:sld xmlns:a="http://schemas.openxmlformats.org/drawingml/2006/main" xmlns:r="http://schemas.openxmlformats.org/officeDocument/2006/relationships" xmlns:p="http://schemas.openxmlformats.org/presentationml/2006/main">
+  <p:cSld>
+    <p:spTree>
+      <p:nvGrpSpPr>
+        <p:cNvPr id="1" name=""/>
+        <p:cNvGrpSpPr/>
+        <p:nvPr/>
+      </p:nvGrpSpPr>
+      <p:grpSpPr>
+        <a:xfrm>
+          <a:off x="0" y="0"/>
+          <a:ext cx="0" cy="0"/>
+          <a:chOff x="0" y="0"/>
+          <a:chExt cx="0" cy="0"/>
+        </a:xfrm>
+      </p:grpSpPr>
+      <p:sp>
+        <p:nvSpPr>
+          <p:cNvPr id="2" name="タイトル 1"/>
+          <p:cNvSpPr>
+            <a:spLocks noGrp="1"/>
+          </p:cNvSpPr>
+          <p:nvPr>
+            <p:ph type="title"/>
+          </p:nvPr>
+        </p:nvSpPr>
+        <p:spPr/>
+        <p:txBody>
+          <a:bodyPr/>
+          <a:lstStyle/>
+          <a:p>
+            <a:r>
+              <a:rPr lang="ja-JP" altLang="en-US" dirty="0" smtClean="0"/>
+              <a:t>プログラム群をいくつか作成</a:t>
+            </a:r>
+            <a:endParaRPr kumimoji="1" lang="ja-JP" altLang="en-US" dirty="0"/>
+          </a:p>
+        </p:txBody>
+      </p:sp>
+      <p:sp>
+        <p:nvSpPr>
+          <p:cNvPr id="3" name="コンテンツ プレースホルダー 2"/>
+          <p:cNvSpPr>
+            <a:spLocks noGrp="1"/>
+          </p:cNvSpPr>
+          <p:nvPr>
+            <p:ph idx="1"/>
+          </p:nvPr>
+        </p:nvSpPr>
+        <p:spPr/>
+        <p:txBody>
+          <a:bodyPr/>
+          <a:lstStyle/>
+          <a:p>
+            <a:r>
+              <a:rPr kumimoji="1" lang="en-US" altLang="ja-JP" dirty="0" err="1" smtClean="0"/>
+              <a:t>Blockly</a:t>
+            </a:r>
+            <a:r>
+              <a:rPr kumimoji="1" lang="ja-JP" altLang="en-US" dirty="0" smtClean="0"/>
+              <a:t>に組み込む用</a:t>
+            </a:r>
+            <a:endParaRPr kumimoji="1" lang="en-US" altLang="ja-JP" dirty="0" smtClean="0"/>
+          </a:p>
+          <a:p>
+            <a:pPr lvl="1"/>
+            <a:r>
+              <a:rPr kumimoji="1" lang="ja-JP" altLang="en-US" dirty="0" smtClean="0"/>
+              <a:t>タブクリックで</a:t>
+            </a:r>
+            <a:r>
+              <a:rPr kumimoji="1" lang="en-US" altLang="ja-JP" dirty="0" err="1" smtClean="0"/>
+              <a:t>Div</a:t>
+            </a:r>
+            <a:r>
+              <a:rPr kumimoji="1" lang="ja-JP" altLang="en-US" dirty="0" smtClean="0"/>
+              <a:t>を切り替えるプログラムを生成</a:t>
+            </a:r>
+            <a:endParaRPr kumimoji="1" lang="en-US" altLang="ja-JP" dirty="0" smtClean="0"/>
+          </a:p>
+          <a:p>
+            <a:pPr lvl="1"/>
+            <a:r>
+              <a:rPr kumimoji="1" lang="ja-JP" altLang="en-US" dirty="0" smtClean="0"/>
+              <a:t>セレクトボックスを</a:t>
+            </a:r>
+            <a:r>
+              <a:rPr kumimoji="1" lang="en-US" altLang="ja-JP" dirty="0" err="1" smtClean="0"/>
+              <a:t>Javascript</a:t>
+            </a:r>
+            <a:r>
+              <a:rPr lang="ja-JP" altLang="en-US" dirty="0" err="1" smtClean="0"/>
+              <a:t>にて</a:t>
+            </a:r>
+            <a:r>
+              <a:rPr lang="ja-JP" altLang="en-US" dirty="0" smtClean="0"/>
+              <a:t>生成</a:t>
+            </a:r>
+            <a:endParaRPr lang="en-US" altLang="ja-JP" dirty="0" smtClean="0"/>
+          </a:p>
+          <a:p>
+            <a:endParaRPr kumimoji="1" lang="en-US" altLang="ja-JP" dirty="0"/>
+          </a:p>
+          <a:p>
+            <a:r>
+              <a:rPr kumimoji="1" lang="en-US" altLang="ja-JP" dirty="0" err="1" smtClean="0"/>
+              <a:t>Blockly</a:t>
+            </a:r>
+            <a:r>
+              <a:rPr kumimoji="1" lang="ja-JP" altLang="en-US" dirty="0" smtClean="0"/>
+              <a:t>の仕様をわかるために文字列の置換をするためのプログラムを用意し、圧縮されているファイルをデバッグの際に見やすいようにした</a:t>
+            </a:r>
+            <a:endParaRPr kumimoji="1" lang="ja-JP" altLang="en-US" dirty="0"/>
+          </a:p>
+        </p:txBody>
+      </p:sp>
+      <p:sp>
+        <p:nvSpPr>
+          <p:cNvPr id="4" name="スライド番号プレースホルダー 3"/>
+          <p:cNvSpPr>
+            <a:spLocks noGrp="1"/>
+          </p:cNvSpPr>
+          <p:nvPr>
+            <p:ph type="sldNum" sz="quarter" idx="12"/>
+          </p:nvPr>
+        </p:nvSpPr>
+        <p:spPr/>
+        <p:txBody>
+          <a:bodyPr/>
+          <a:lstStyle/>
+          <a:p>
+            <a:fld id="{4A32CB03-0843-4AF8-BFB2-C9917854BC7E}" type="slidenum">
+              <a:rPr kumimoji="1" lang="ja-JP" altLang="en-US" smtClean="0"/>
+              <a:t>27</a:t>
+            </a:fld>
+            <a:endParaRPr kumimoji="1" lang="ja-JP" altLang="en-US"/>
+          </a:p>
+        </p:txBody>
+      </p:sp>
+    </p:spTree>
+    <p:extLst>
+      <p:ext uri="{BB962C8B-B14F-4D97-AF65-F5344CB8AC3E}">
+        <p14:creationId xmlns:p14="http://schemas.microsoft.com/office/powerpoint/2010/main" val="3396706266"/>
+      </p:ext>
+    </p:extLst>
+  </p:cSld>
+  <p:clrMapOvr>
+    <a:masterClrMapping/>
+  </p:clrMapOvr>
+  <p:timing>
+    <p:tnLst>
+      <p:par>
+        <p:cTn id="1" dur="indefinite" restart="never" nodeType="tmRoot"/>
+      </p:par>
+    </p:tnLst>
+  </p:timing>
+</p:sld>
+</file>
+
+<file path=ppt/slides/slide28.xml><?xml version="1.0" encoding="utf-8"?>
+<p:sld xmlns:a="http://schemas.openxmlformats.org/drawingml/2006/main" xmlns:r="http://schemas.openxmlformats.org/officeDocument/2006/relationships" xmlns:p="http://schemas.openxmlformats.org/presentationml/2006/main">
+  <p:cSld>
+    <p:spTree>
+      <p:nvGrpSpPr>
+        <p:cNvPr id="1" name=""/>
+        <p:cNvGrpSpPr/>
+        <p:nvPr/>
+      </p:nvGrpSpPr>
+      <p:grpSpPr>
+        <a:xfrm>
+          <a:off x="0" y="0"/>
+          <a:ext cx="0" cy="0"/>
+          <a:chOff x="0" y="0"/>
+          <a:chExt cx="0" cy="0"/>
+        </a:xfrm>
+      </p:grpSpPr>
+      <p:sp>
+        <p:nvSpPr>
+          <p:cNvPr id="2" name="タイトル 1"/>
+          <p:cNvSpPr>
+            <a:spLocks noGrp="1"/>
+          </p:cNvSpPr>
+          <p:nvPr>
+            <p:ph type="title"/>
+          </p:nvPr>
+        </p:nvSpPr>
+        <p:spPr/>
+        <p:txBody>
+          <a:bodyPr/>
+          <a:lstStyle/>
+          <a:p>
+            <a:r>
+              <a:rPr lang="en-US" altLang="ja-JP" dirty="0" smtClean="0"/>
+              <a:t>UI</a:t>
+            </a:r>
+            <a:endParaRPr kumimoji="1" lang="ja-JP" altLang="en-US" dirty="0"/>
+          </a:p>
+        </p:txBody>
+      </p:sp>
+      <p:pic>
+        <p:nvPicPr>
+          <p:cNvPr id="5" name="コンテンツ プレースホルダー 4"/>
+          <p:cNvPicPr>
+            <a:picLocks noGrp="1" noChangeAspect="1"/>
+          </p:cNvPicPr>
+          <p:nvPr>
+            <p:ph idx="1"/>
+          </p:nvPr>
+        </p:nvPicPr>
+        <p:blipFill rotWithShape="1">
+          <a:blip r:embed="rId2"/>
+          <a:srcRect t="15781" b="16452"/>
+          <a:stretch/>
+        </p:blipFill>
+        <p:spPr>
+          <a:xfrm>
+            <a:off x="101600" y="1913661"/>
+            <a:ext cx="9042400" cy="4307819"/>
+          </a:xfrm>
+          <a:prstGeom prst="rect">
+            <a:avLst/>
+          </a:prstGeom>
+        </p:spPr>
+      </p:pic>
+      <p:sp>
+        <p:nvSpPr>
+          <p:cNvPr id="4" name="スライド番号プレースホルダー 3"/>
+          <p:cNvSpPr>
+            <a:spLocks noGrp="1"/>
+          </p:cNvSpPr>
+          <p:nvPr>
+            <p:ph type="sldNum" sz="quarter" idx="12"/>
+          </p:nvPr>
+        </p:nvSpPr>
+        <p:spPr/>
+        <p:txBody>
+          <a:bodyPr/>
+          <a:lstStyle/>
+          <a:p>
+            <a:fld id="{4A32CB03-0843-4AF8-BFB2-C9917854BC7E}" type="slidenum">
+              <a:rPr kumimoji="1" lang="ja-JP" altLang="en-US" smtClean="0"/>
+              <a:t>28</a:t>
+            </a:fld>
+            <a:endParaRPr kumimoji="1" lang="ja-JP" altLang="en-US"/>
+          </a:p>
+        </p:txBody>
+      </p:sp>
+    </p:spTree>
+    <p:extLst>
+      <p:ext uri="{BB962C8B-B14F-4D97-AF65-F5344CB8AC3E}">
+        <p14:creationId xmlns:p14="http://schemas.microsoft.com/office/powerpoint/2010/main" val="1728103694"/>
+      </p:ext>
+    </p:extLst>
+  </p:cSld>
+  <p:clrMapOvr>
+    <a:masterClrMapping/>
+  </p:clrMapOvr>
+  <p:timing>
+    <p:tnLst>
+      <p:par>
+        <p:cTn id="1" dur="indefinite" restart="never" nodeType="tmRoot"/>
+      </p:par>
+    </p:tnLst>
+  </p:timing>
+</p:sld>
+</file>
+
+<file path=ppt/slides/slide29.xml><?xml version="1.0" encoding="utf-8"?>
+<p:sld xmlns:a="http://schemas.openxmlformats.org/drawingml/2006/main" xmlns:r="http://schemas.openxmlformats.org/officeDocument/2006/relationships" xmlns:p="http://schemas.openxmlformats.org/presentationml/2006/main">
+  <p:cSld>
+    <p:spTree>
+      <p:nvGrpSpPr>
+        <p:cNvPr id="1" name=""/>
+        <p:cNvGrpSpPr/>
+        <p:nvPr/>
+      </p:nvGrpSpPr>
+      <p:grpSpPr>
+        <a:xfrm>
+          <a:off x="0" y="0"/>
+          <a:ext cx="0" cy="0"/>
+          <a:chOff x="0" y="0"/>
+          <a:chExt cx="0" cy="0"/>
+        </a:xfrm>
+      </p:grpSpPr>
+      <p:sp>
+        <p:nvSpPr>
+          <p:cNvPr id="2" name="タイトル 1"/>
+          <p:cNvSpPr>
+            <a:spLocks noGrp="1"/>
+          </p:cNvSpPr>
+          <p:nvPr>
+            <p:ph type="title"/>
+          </p:nvPr>
+        </p:nvSpPr>
+        <p:spPr/>
+        <p:txBody>
+          <a:bodyPr/>
+          <a:lstStyle/>
+          <a:p>
+            <a:r>
+              <a:rPr kumimoji="1" lang="ja-JP" altLang="en-US" dirty="0" smtClean="0"/>
+              <a:t>タブについて</a:t>
+            </a:r>
+            <a:endParaRPr kumimoji="1" lang="ja-JP" altLang="en-US" dirty="0"/>
+          </a:p>
+        </p:txBody>
+      </p:sp>
+      <p:sp>
+        <p:nvSpPr>
+          <p:cNvPr id="3" name="コンテンツ プレースホルダー 2"/>
+          <p:cNvSpPr>
+            <a:spLocks noGrp="1"/>
+          </p:cNvSpPr>
+          <p:nvPr>
+            <p:ph idx="1"/>
+          </p:nvPr>
+        </p:nvSpPr>
+        <p:spPr/>
+        <p:txBody>
+          <a:bodyPr/>
+          <a:lstStyle/>
+          <a:p>
+            <a:r>
+              <a:rPr kumimoji="1" lang="ja-JP" altLang="en-US" dirty="0" smtClean="0"/>
+              <a:t>現在</a:t>
+            </a:r>
+            <a:r>
+              <a:rPr kumimoji="1" lang="en-US" altLang="ja-JP" dirty="0" smtClean="0"/>
+              <a:t>Question,</a:t>
+            </a:r>
+            <a:r>
+              <a:rPr kumimoji="1" lang="ja-JP" altLang="en-US" dirty="0" smtClean="0"/>
+              <a:t> </a:t>
+            </a:r>
+            <a:r>
+              <a:rPr kumimoji="1" lang="en-US" altLang="ja-JP" dirty="0" smtClean="0"/>
+              <a:t>output, test</a:t>
+            </a:r>
+            <a:r>
+              <a:rPr lang="ja-JP" altLang="en-US" dirty="0"/>
+              <a:t> </a:t>
+            </a:r>
+            <a:r>
+              <a:rPr lang="ja-JP" altLang="en-US" dirty="0" smtClean="0"/>
+              <a:t>という３つのタブがあり</a:t>
+            </a:r>
+            <a:r>
+              <a:rPr lang="en-US" altLang="ja-JP" dirty="0" smtClean="0"/>
+              <a:t>,</a:t>
+            </a:r>
+            <a:r>
+              <a:rPr lang="ja-JP" altLang="en-US" dirty="0" smtClean="0"/>
+              <a:t> これらを移動しながら作業する予定</a:t>
+            </a:r>
+            <a:endParaRPr lang="en-US" altLang="ja-JP" dirty="0" smtClean="0"/>
+          </a:p>
+          <a:p>
+            <a:endParaRPr kumimoji="1" lang="en-US" altLang="ja-JP" dirty="0" smtClean="0"/>
+          </a:p>
+          <a:p>
+            <a:r>
+              <a:rPr kumimoji="1" lang="en-US" altLang="ja-JP" dirty="0" smtClean="0"/>
+              <a:t>Question</a:t>
+            </a:r>
+            <a:r>
+              <a:rPr lang="ja-JP" altLang="en-US" dirty="0" smtClean="0"/>
+              <a:t>タブは</a:t>
+            </a:r>
+            <a:r>
+              <a:rPr lang="en-US" altLang="ja-JP" dirty="0" smtClean="0"/>
+              <a:t>, </a:t>
+            </a:r>
+            <a:r>
+              <a:rPr lang="ja-JP" altLang="en-US" dirty="0" smtClean="0"/>
+              <a:t>問題文を表示する</a:t>
+            </a:r>
+            <a:endParaRPr lang="en-US" altLang="ja-JP" dirty="0" smtClean="0"/>
+          </a:p>
+          <a:p>
+            <a:r>
+              <a:rPr lang="en-US" altLang="ja-JP" dirty="0" smtClean="0"/>
+              <a:t>output</a:t>
+            </a:r>
+            <a:r>
+              <a:rPr kumimoji="1" lang="ja-JP" altLang="en-US" dirty="0" smtClean="0"/>
+              <a:t>タブは</a:t>
+            </a:r>
+            <a:r>
+              <a:rPr kumimoji="1" lang="en-US" altLang="ja-JP" dirty="0" smtClean="0"/>
+              <a:t>,</a:t>
+            </a:r>
+            <a:r>
+              <a:rPr lang="ja-JP" altLang="en-US" dirty="0" smtClean="0"/>
+              <a:t>  ブロックから生成されたコードを表示する</a:t>
+            </a:r>
+            <a:endParaRPr lang="en-US" altLang="ja-JP" dirty="0" smtClean="0"/>
+          </a:p>
+          <a:p>
+            <a:r>
+              <a:rPr kumimoji="1" lang="en-US" altLang="ja-JP" dirty="0" smtClean="0"/>
+              <a:t>test</a:t>
+            </a:r>
+            <a:r>
+              <a:rPr kumimoji="1" lang="ja-JP" altLang="en-US" dirty="0" smtClean="0"/>
+              <a:t>タブは</a:t>
+            </a:r>
+            <a:r>
+              <a:rPr lang="en-US" altLang="ja-JP" dirty="0" smtClean="0"/>
+              <a:t>, </a:t>
+            </a:r>
+            <a:r>
+              <a:rPr lang="ja-JP" altLang="en-US" dirty="0" smtClean="0"/>
+              <a:t>正誤判定の</a:t>
+            </a:r>
+            <a:r>
+              <a:rPr lang="ja-JP" altLang="en-US" dirty="0"/>
+              <a:t>問題</a:t>
+            </a:r>
+            <a:r>
+              <a:rPr lang="ja-JP" altLang="en-US" dirty="0" smtClean="0"/>
+              <a:t>を表示する</a:t>
+            </a:r>
+            <a:endParaRPr kumimoji="1" lang="ja-JP" altLang="en-US" dirty="0"/>
+          </a:p>
+        </p:txBody>
+      </p:sp>
+      <p:sp>
+        <p:nvSpPr>
+          <p:cNvPr id="4" name="スライド番号プレースホルダー 3"/>
+          <p:cNvSpPr>
+            <a:spLocks noGrp="1"/>
+          </p:cNvSpPr>
+          <p:nvPr>
+            <p:ph type="sldNum" sz="quarter" idx="12"/>
+          </p:nvPr>
+        </p:nvSpPr>
+        <p:spPr/>
+        <p:txBody>
+          <a:bodyPr/>
+          <a:lstStyle/>
+          <a:p>
+            <a:fld id="{4A32CB03-0843-4AF8-BFB2-C9917854BC7E}" type="slidenum">
+              <a:rPr kumimoji="1" lang="ja-JP" altLang="en-US" smtClean="0"/>
+              <a:t>29</a:t>
+            </a:fld>
+            <a:endParaRPr kumimoji="1" lang="ja-JP" altLang="en-US"/>
+          </a:p>
+        </p:txBody>
+      </p:sp>
+    </p:spTree>
+    <p:extLst>
+      <p:ext uri="{BB962C8B-B14F-4D97-AF65-F5344CB8AC3E}">
+        <p14:creationId xmlns:p14="http://schemas.microsoft.com/office/powerpoint/2010/main" val="3374960464"/>
+      </p:ext>
+    </p:extLst>
+  </p:cSld>
+  <p:clrMapOvr>
+    <a:masterClrMapping/>
+  </p:clrMapOvr>
+  <p:timing>
+    <p:tnLst>
+      <p:par>
+        <p:cTn id="1" dur="indefinite" restart="never" nodeType="tmRoot"/>
+      </p:par>
+    </p:tnLst>
+  </p:timing>
+</p:sld>
+</file>
+
+<file path=ppt/slides/slide3.xml><?xml version="1.0" encoding="utf-8"?>
+<p:sld xmlns:a="http://schemas.openxmlformats.org/drawingml/2006/main" xmlns:r="http://schemas.openxmlformats.org/officeDocument/2006/relationships" xmlns:p="http://schemas.openxmlformats.org/presentationml/2006/main">
+  <p:cSld>
+    <p:spTree>
+      <p:nvGrpSpPr>
+        <p:cNvPr id="1" name=""/>
+        <p:cNvGrpSpPr/>
+        <p:nvPr/>
+      </p:nvGrpSpPr>
+      <p:grpSpPr>
+        <a:xfrm>
+          <a:off x="0" y="0"/>
+          <a:ext cx="0" cy="0"/>
+          <a:chOff x="0" y="0"/>
+          <a:chExt cx="0" cy="0"/>
+        </a:xfrm>
+      </p:grpSpPr>
+      <p:sp>
+        <p:nvSpPr>
+          <p:cNvPr id="2" name="タイトル 1"/>
+          <p:cNvSpPr>
+            <a:spLocks noGrp="1"/>
+          </p:cNvSpPr>
+          <p:nvPr>
+            <p:ph type="title"/>
+          </p:nvPr>
+        </p:nvSpPr>
+        <p:spPr/>
+        <p:txBody>
+          <a:bodyPr/>
+          <a:lstStyle/>
+          <a:p>
+            <a:r>
+              <a:rPr kumimoji="1" lang="ja-JP" altLang="en-US" dirty="0" smtClean="0"/>
+              <a:t>ブロックプログラミングとは何か</a:t>
+            </a:r>
+            <a:endParaRPr kumimoji="1" lang="ja-JP" altLang="en-US" dirty="0"/>
+          </a:p>
+        </p:txBody>
+      </p:sp>
+      <p:sp>
+        <p:nvSpPr>
+          <p:cNvPr id="4" name="スライド番号プレースホルダー 3"/>
+          <p:cNvSpPr>
+            <a:spLocks noGrp="1"/>
+          </p:cNvSpPr>
+          <p:nvPr>
+            <p:ph type="sldNum" sz="quarter" idx="12"/>
+          </p:nvPr>
+        </p:nvSpPr>
+        <p:spPr/>
+        <p:txBody>
+          <a:bodyPr/>
+          <a:lstStyle/>
+          <a:p>
+            <a:fld id="{4A32CB03-0843-4AF8-BFB2-C9917854BC7E}" type="slidenum">
+              <a:rPr kumimoji="1" lang="ja-JP" altLang="en-US" sz="2400" smtClean="0"/>
+              <a:t>3</a:t>
+            </a:fld>
+            <a:endParaRPr kumimoji="1" lang="ja-JP" altLang="en-US" sz="2400" dirty="0"/>
+          </a:p>
+        </p:txBody>
+      </p:sp>
+      <p:pic>
+        <p:nvPicPr>
+          <p:cNvPr id="6" name="図 5"/>
+          <p:cNvPicPr>
+            <a:picLocks noChangeAspect="1"/>
+          </p:cNvPicPr>
+          <p:nvPr/>
+        </p:nvPicPr>
+        <p:blipFill>
+          <a:blip r:embed="rId2"/>
+          <a:stretch>
+            <a:fillRect/>
+          </a:stretch>
+        </p:blipFill>
+        <p:spPr>
+          <a:xfrm>
+            <a:off x="1169330" y="2592109"/>
+            <a:ext cx="6929652" cy="3860449"/>
+          </a:xfrm>
+          <a:prstGeom prst="rect">
+            <a:avLst/>
+          </a:prstGeom>
+        </p:spPr>
+      </p:pic>
+      <p:sp>
+        <p:nvSpPr>
+          <p:cNvPr id="7" name="テキスト ボックス 6"/>
+          <p:cNvSpPr txBox="1"/>
+          <p:nvPr/>
+        </p:nvSpPr>
+        <p:spPr>
+          <a:xfrm>
+            <a:off x="751959" y="1980429"/>
+            <a:ext cx="8392041" cy="707886"/>
+          </a:xfrm>
+          <a:prstGeom prst="rect">
+            <a:avLst/>
+          </a:prstGeom>
+          <a:noFill/>
+        </p:spPr>
+        <p:txBody>
+          <a:bodyPr wrap="none" rtlCol="0">
+            <a:spAutoFit/>
+          </a:bodyPr>
+          <a:lstStyle/>
+          <a:p>
+            <a:r>
+              <a:rPr kumimoji="1" lang="ja-JP" altLang="en-US" sz="2000" dirty="0" smtClean="0"/>
+              <a:t>ビジュアルプログラミングとも呼ばれる</a:t>
+            </a:r>
+            <a:endParaRPr kumimoji="1" lang="en-US" altLang="ja-JP" sz="2000" dirty="0" smtClean="0"/>
+          </a:p>
+          <a:p>
+            <a:r>
+              <a:rPr kumimoji="1" lang="ja-JP" altLang="en-US" sz="2000" dirty="0" smtClean="0"/>
+              <a:t>命令を埋め込まれたブロックを組み合わせるプログラミング手法のこと</a:t>
+            </a:r>
+            <a:endParaRPr kumimoji="1" lang="ja-JP" altLang="en-US" sz="2000" dirty="0"/>
+          </a:p>
+        </p:txBody>
+      </p:sp>
+    </p:spTree>
+    <p:extLst>
+      <p:ext uri="{BB962C8B-B14F-4D97-AF65-F5344CB8AC3E}">
+        <p14:creationId xmlns:p14="http://schemas.microsoft.com/office/powerpoint/2010/main" val="1081448831"/>
+      </p:ext>
+    </p:extLst>
+  </p:cSld>
+  <p:clrMapOvr>
+    <a:masterClrMapping/>
+  </p:clrMapOvr>
+  <p:timing>
+    <p:tnLst>
+      <p:par>
+        <p:cTn id="1" dur="indefinite" restart="never" nodeType="tmRoot"/>
+      </p:par>
+    </p:tnLst>
+  </p:timing>
+</p:sld>
+</file>
+
+<file path=ppt/slides/slide30.xml><?xml version="1.0" encoding="utf-8"?>
+<p:sld xmlns:a="http://schemas.openxmlformats.org/drawingml/2006/main" xmlns:r="http://schemas.openxmlformats.org/officeDocument/2006/relationships" xmlns:p="http://schemas.openxmlformats.org/presentationml/2006/main">
+  <p:cSld>
+    <p:spTree>
+      <p:nvGrpSpPr>
+        <p:cNvPr id="1" name=""/>
+        <p:cNvGrpSpPr/>
+        <p:nvPr/>
+      </p:nvGrpSpPr>
+      <p:grpSpPr>
+        <a:xfrm>
+          <a:off x="0" y="0"/>
+          <a:ext cx="0" cy="0"/>
+          <a:chOff x="0" y="0"/>
+          <a:chExt cx="0" cy="0"/>
+        </a:xfrm>
+      </p:grpSpPr>
+      <p:sp>
+        <p:nvSpPr>
+          <p:cNvPr id="2" name="タイトル 1"/>
+          <p:cNvSpPr>
+            <a:spLocks noGrp="1"/>
+          </p:cNvSpPr>
+          <p:nvPr>
+            <p:ph type="title"/>
+          </p:nvPr>
+        </p:nvSpPr>
+        <p:spPr/>
+        <p:txBody>
+          <a:bodyPr/>
+          <a:lstStyle/>
+          <a:p>
+            <a:r>
+              <a:rPr lang="ja-JP" altLang="en-US" dirty="0" smtClean="0"/>
+              <a:t>今後について</a:t>
+            </a:r>
+            <a:endParaRPr kumimoji="1" lang="ja-JP" altLang="en-US" dirty="0"/>
+          </a:p>
+        </p:txBody>
+      </p:sp>
+      <p:sp>
+        <p:nvSpPr>
+          <p:cNvPr id="3" name="コンテンツ プレースホルダー 2"/>
+          <p:cNvSpPr>
+            <a:spLocks noGrp="1"/>
+          </p:cNvSpPr>
+          <p:nvPr>
+            <p:ph idx="1"/>
+          </p:nvPr>
+        </p:nvSpPr>
+        <p:spPr/>
+        <p:txBody>
+          <a:bodyPr>
+            <a:normAutofit fontScale="70000" lnSpcReduction="20000"/>
+          </a:bodyPr>
+          <a:lstStyle/>
+          <a:p>
+            <a:r>
+              <a:rPr kumimoji="1" lang="ja-JP" altLang="en-US" dirty="0" smtClean="0"/>
+              <a:t>タブの枠のサイズなどが正確でないなので</a:t>
+            </a:r>
+            <a:r>
+              <a:rPr kumimoji="1" lang="en-US" altLang="ja-JP" dirty="0" err="1" smtClean="0"/>
+              <a:t>css</a:t>
+            </a:r>
+            <a:r>
+              <a:rPr lang="ja-JP" altLang="en-US" dirty="0"/>
+              <a:t>を</a:t>
+            </a:r>
+            <a:r>
+              <a:rPr kumimoji="1" lang="ja-JP" altLang="en-US" dirty="0" smtClean="0"/>
+              <a:t>かく</a:t>
+            </a:r>
+            <a:endParaRPr kumimoji="1" lang="en-US" altLang="ja-JP" dirty="0" smtClean="0"/>
+          </a:p>
+          <a:p>
+            <a:r>
+              <a:rPr kumimoji="1" lang="ja-JP" altLang="en-US" dirty="0" smtClean="0"/>
+              <a:t>問題にたいして、正解となるブロックを表示できるようにしたい</a:t>
+            </a:r>
+            <a:endParaRPr kumimoji="1" lang="en-US" altLang="ja-JP" dirty="0" smtClean="0"/>
+          </a:p>
+          <a:p>
+            <a:endParaRPr kumimoji="1" lang="en-US" altLang="ja-JP" dirty="0" smtClean="0"/>
+          </a:p>
+          <a:p>
+            <a:r>
+              <a:rPr lang="en-US" altLang="ja-JP" dirty="0" smtClean="0"/>
+              <a:t>DB</a:t>
+            </a:r>
+            <a:r>
+              <a:rPr lang="ja-JP" altLang="en-US" dirty="0" smtClean="0"/>
+              <a:t>と連携して問題を生成する方法を考えていない</a:t>
+            </a:r>
+            <a:endParaRPr lang="en-US" altLang="ja-JP" dirty="0" smtClean="0"/>
+          </a:p>
+          <a:p>
+            <a:pPr lvl="1"/>
+            <a:r>
+              <a:rPr lang="ja-JP" altLang="en-US" dirty="0" smtClean="0"/>
+              <a:t>まずは問題の解答だけ</a:t>
+            </a:r>
+            <a:r>
+              <a:rPr lang="en-US" altLang="ja-JP" dirty="0" smtClean="0"/>
+              <a:t>DB</a:t>
+            </a:r>
+            <a:r>
+              <a:rPr lang="ja-JP" altLang="en-US" dirty="0" err="1" smtClean="0"/>
+              <a:t>に保</a:t>
+            </a:r>
+            <a:r>
+              <a:rPr lang="ja-JP" altLang="en-US" dirty="0" smtClean="0"/>
+              <a:t>存するなど作成したい</a:t>
+            </a:r>
+            <a:endParaRPr lang="en-US" altLang="ja-JP" dirty="0" smtClean="0"/>
+          </a:p>
+          <a:p>
+            <a:r>
+              <a:rPr lang="ja-JP" altLang="en-US" dirty="0" smtClean="0"/>
+              <a:t>もし連携する場合、どういった情報を</a:t>
+            </a:r>
+            <a:r>
+              <a:rPr lang="en-US" altLang="ja-JP" dirty="0" smtClean="0"/>
+              <a:t>DB</a:t>
+            </a:r>
+            <a:r>
+              <a:rPr lang="ja-JP" altLang="en-US" dirty="0" err="1" smtClean="0"/>
+              <a:t>に保</a:t>
+            </a:r>
+            <a:r>
+              <a:rPr lang="ja-JP" altLang="en-US" dirty="0" smtClean="0"/>
+              <a:t>存するのか</a:t>
+            </a:r>
+            <a:endParaRPr lang="en-US" altLang="ja-JP" dirty="0" smtClean="0"/>
+          </a:p>
+          <a:p>
+            <a:pPr lvl="1"/>
+            <a:r>
+              <a:rPr lang="ja-JP" altLang="en-US" dirty="0" smtClean="0"/>
+              <a:t>問題の解答</a:t>
+            </a:r>
+            <a:endParaRPr lang="en-US" altLang="ja-JP" dirty="0" smtClean="0"/>
+          </a:p>
+          <a:p>
+            <a:pPr lvl="1"/>
+            <a:r>
+              <a:rPr lang="ja-JP" altLang="en-US" dirty="0" smtClean="0"/>
+              <a:t>問題の選択肢</a:t>
+            </a:r>
+            <a:endParaRPr lang="en-US" altLang="ja-JP" dirty="0" smtClean="0"/>
+          </a:p>
+          <a:p>
+            <a:pPr lvl="2"/>
+            <a:r>
+              <a:rPr lang="ja-JP" altLang="en-US" dirty="0" smtClean="0"/>
+              <a:t>事前に決めておくのかどうか</a:t>
+            </a:r>
+            <a:endParaRPr lang="en-US" altLang="ja-JP" dirty="0" smtClean="0"/>
+          </a:p>
+          <a:p>
+            <a:endParaRPr kumimoji="1" lang="en-US" altLang="ja-JP" dirty="0" smtClean="0"/>
+          </a:p>
+          <a:p>
+            <a:r>
+              <a:rPr kumimoji="1" lang="ja-JP" altLang="en-US" dirty="0" smtClean="0"/>
+              <a:t>問題の位置を自動生成する方法を考えていない（これは自動生成せず、事前に指定した場所だけでもいいのか考え中）</a:t>
+            </a:r>
+            <a:endParaRPr kumimoji="1" lang="en-US" altLang="ja-JP" dirty="0" smtClean="0"/>
+          </a:p>
+          <a:p>
+            <a:r>
+              <a:rPr lang="ja-JP" altLang="en-US" dirty="0" smtClean="0"/>
+              <a:t>問題の内容が自動で変更されるようにするのか考え中</a:t>
+            </a:r>
+            <a:endParaRPr kumimoji="1" lang="en-US" altLang="ja-JP" dirty="0" smtClean="0"/>
+          </a:p>
+          <a:p>
+            <a:endParaRPr lang="en-US" altLang="ja-JP" dirty="0"/>
+          </a:p>
+          <a:p>
+            <a:pPr marL="0" indent="0">
+              <a:buNone/>
+            </a:pPr>
+            <a:endParaRPr kumimoji="1" lang="ja-JP" altLang="en-US" dirty="0"/>
+          </a:p>
+        </p:txBody>
+      </p:sp>
+      <p:sp>
+        <p:nvSpPr>
+          <p:cNvPr id="4" name="スライド番号プレースホルダー 3"/>
+          <p:cNvSpPr>
+            <a:spLocks noGrp="1"/>
+          </p:cNvSpPr>
+          <p:nvPr>
+            <p:ph type="sldNum" sz="quarter" idx="12"/>
+          </p:nvPr>
+        </p:nvSpPr>
+        <p:spPr/>
+        <p:txBody>
+          <a:bodyPr/>
+          <a:lstStyle/>
+          <a:p>
+            <a:fld id="{4A32CB03-0843-4AF8-BFB2-C9917854BC7E}" type="slidenum">
+              <a:rPr kumimoji="1" lang="ja-JP" altLang="en-US" smtClean="0"/>
+              <a:t>30</a:t>
+            </a:fld>
+            <a:endParaRPr kumimoji="1" lang="ja-JP" altLang="en-US"/>
+          </a:p>
+        </p:txBody>
+      </p:sp>
+    </p:spTree>
+    <p:extLst>
+      <p:ext uri="{BB962C8B-B14F-4D97-AF65-F5344CB8AC3E}">
+        <p14:creationId xmlns:p14="http://schemas.microsoft.com/office/powerpoint/2010/main" val="3804189039"/>
+      </p:ext>
+    </p:extLst>
+  </p:cSld>
+  <p:clrMapOvr>
+    <a:masterClrMapping/>
+  </p:clrMapOvr>
+  <p:timing>
+    <p:tnLst>
+      <p:par>
+        <p:cTn id="1" dur="indefinite" restart="never" nodeType="tmRoot"/>
+      </p:par>
+    </p:tnLst>
+  </p:timing>
+</p:sld>
+</file>
+
+<file path=ppt/slides/slide4.xml><?xml version="1.0" encoding="utf-8"?>
+<p:sld xmlns:a="http://schemas.openxmlformats.org/drawingml/2006/main" xmlns:r="http://schemas.openxmlformats.org/officeDocument/2006/relationships" xmlns:p="http://schemas.openxmlformats.org/presentationml/2006/main">
+  <p:cSld>
+    <p:spTree>
+      <p:nvGrpSpPr>
+        <p:cNvPr id="1" name=""/>
+        <p:cNvGrpSpPr/>
+        <p:nvPr/>
+      </p:nvGrpSpPr>
+      <p:grpSpPr>
+        <a:xfrm>
+          <a:off x="0" y="0"/>
+          <a:ext cx="0" cy="0"/>
+          <a:chOff x="0" y="0"/>
+          <a:chExt cx="0" cy="0"/>
+        </a:xfrm>
+      </p:grpSpPr>
+      <p:sp>
+        <p:nvSpPr>
+          <p:cNvPr id="2" name="タイトル 1"/>
+          <p:cNvSpPr>
+            <a:spLocks noGrp="1"/>
+          </p:cNvSpPr>
+          <p:nvPr>
+            <p:ph type="title"/>
+          </p:nvPr>
+        </p:nvSpPr>
+        <p:spPr/>
+        <p:txBody>
+          <a:bodyPr/>
+          <a:lstStyle/>
+          <a:p>
+            <a:r>
+              <a:rPr kumimoji="1" lang="ja-JP" altLang="en-US" dirty="0" smtClean="0"/>
+              <a:t>研究背景</a:t>
+            </a:r>
+            <a:endParaRPr kumimoji="1" lang="ja-JP" altLang="en-US" dirty="0"/>
+          </a:p>
+        </p:txBody>
+      </p:sp>
+      <p:sp>
+        <p:nvSpPr>
+          <p:cNvPr id="3" name="コンテンツ プレースホルダー 2"/>
+          <p:cNvSpPr>
+            <a:spLocks noGrp="1"/>
+          </p:cNvSpPr>
+          <p:nvPr>
+            <p:ph idx="1"/>
+          </p:nvPr>
+        </p:nvSpPr>
+        <p:spPr/>
+        <p:txBody>
+          <a:bodyPr/>
+          <a:lstStyle/>
+          <a:p>
+            <a:pPr algn="just"/>
+            <a:r>
+              <a:rPr lang="en-US" altLang="ja-JP" dirty="0"/>
+              <a:t>2020</a:t>
+            </a:r>
+            <a:r>
+              <a:rPr lang="ja-JP" altLang="en-US" dirty="0"/>
+              <a:t>年以降小学校，中学校，高等学校にてプログラミング教育の必修が全面実施される．</a:t>
+            </a:r>
+            <a:endParaRPr lang="en-US" altLang="ja-JP" dirty="0"/>
+          </a:p>
+          <a:p>
+            <a:pPr algn="just"/>
+            <a:r>
+              <a:rPr lang="ja-JP" altLang="en-US" dirty="0"/>
+              <a:t>文部科学省の発表によると，プログラミング教育を必修とする目的は，現代社会で普遍的に求められる力としての論理的思考などを育むことである．</a:t>
+            </a:r>
+            <a:endParaRPr lang="en-US" altLang="ja-JP" dirty="0"/>
+          </a:p>
+          <a:p>
+            <a:pPr algn="just"/>
+            <a:r>
+              <a:rPr lang="ja-JP" altLang="en-US" dirty="0"/>
+              <a:t>論理的思考とは，「思考や論証の組み立て，思考の妥当性が保証される法則や形式」に則って思考を組み立てることとする．</a:t>
+            </a:r>
+            <a:endParaRPr lang="en-US" altLang="ja-JP" dirty="0"/>
+          </a:p>
+        </p:txBody>
+      </p:sp>
+      <p:sp>
+        <p:nvSpPr>
+          <p:cNvPr id="4" name="スライド番号プレースホルダー 3"/>
+          <p:cNvSpPr>
+            <a:spLocks noGrp="1"/>
+          </p:cNvSpPr>
+          <p:nvPr>
+            <p:ph type="sldNum" sz="quarter" idx="12"/>
+          </p:nvPr>
+        </p:nvSpPr>
+        <p:spPr/>
+        <p:txBody>
+          <a:bodyPr/>
+          <a:lstStyle/>
+          <a:p>
+            <a:fld id="{4A32CB03-0843-4AF8-BFB2-C9917854BC7E}" type="slidenum">
+              <a:rPr kumimoji="1" lang="ja-JP" altLang="en-US" sz="2800" smtClean="0"/>
+              <a:t>4</a:t>
+            </a:fld>
+            <a:endParaRPr kumimoji="1" lang="ja-JP" altLang="en-US" sz="2800" dirty="0"/>
+          </a:p>
+        </p:txBody>
+      </p:sp>
+    </p:spTree>
+    <p:extLst>
+      <p:ext uri="{BB962C8B-B14F-4D97-AF65-F5344CB8AC3E}">
+        <p14:creationId xmlns:p14="http://schemas.microsoft.com/office/powerpoint/2010/main" val="1938097084"/>
+      </p:ext>
+    </p:extLst>
+  </p:cSld>
+  <p:clrMapOvr>
+    <a:masterClrMapping/>
+  </p:clrMapOvr>
+  <p:timing>
+    <p:tnLst>
+      <p:par>
+        <p:cTn id="1" dur="indefinite" restart="never" nodeType="tmRoot"/>
+      </p:par>
+    </p:tnLst>
+  </p:timing>
+</p:sld>
+</file>
+
+<file path=ppt/slides/slide5.xml><?xml version="1.0" encoding="utf-8"?>
+<p:sld xmlns:a="http://schemas.openxmlformats.org/drawingml/2006/main" xmlns:r="http://schemas.openxmlformats.org/officeDocument/2006/relationships" xmlns:p="http://schemas.openxmlformats.org/presentationml/2006/main">
+  <p:cSld>
+    <p:spTree>
+      <p:nvGrpSpPr>
+        <p:cNvPr id="1" name=""/>
+        <p:cNvGrpSpPr/>
+        <p:nvPr/>
+      </p:nvGrpSpPr>
+      <p:grpSpPr>
+        <a:xfrm>
+          <a:off x="0" y="0"/>
+          <a:ext cx="0" cy="0"/>
+          <a:chOff x="0" y="0"/>
+          <a:chExt cx="0" cy="0"/>
+        </a:xfrm>
+      </p:grpSpPr>
+      <p:sp>
+        <p:nvSpPr>
+          <p:cNvPr id="2" name="タイトル 1"/>
+          <p:cNvSpPr>
+            <a:spLocks noGrp="1"/>
+          </p:cNvSpPr>
+          <p:nvPr>
+            <p:ph type="title"/>
+          </p:nvPr>
+        </p:nvSpPr>
+        <p:spPr/>
+        <p:txBody>
+          <a:bodyPr/>
+          <a:lstStyle/>
+          <a:p>
+            <a:r>
+              <a:rPr kumimoji="1" lang="ja-JP" altLang="en-US" dirty="0" smtClean="0"/>
+              <a:t>提案内容</a:t>
+            </a:r>
+            <a:endParaRPr kumimoji="1" lang="ja-JP" altLang="en-US" dirty="0"/>
+          </a:p>
+        </p:txBody>
+      </p:sp>
+      <p:sp>
+        <p:nvSpPr>
+          <p:cNvPr id="3" name="コンテンツ プレースホルダー 2"/>
+          <p:cNvSpPr>
+            <a:spLocks noGrp="1"/>
+          </p:cNvSpPr>
+          <p:nvPr>
+            <p:ph idx="1"/>
+          </p:nvPr>
+        </p:nvSpPr>
+        <p:spPr/>
+        <p:txBody>
+          <a:bodyPr>
+            <a:normAutofit/>
+          </a:bodyPr>
+          <a:lstStyle/>
+          <a:p>
+            <a:r>
+              <a:rPr lang="ja-JP" altLang="en-US" dirty="0"/>
+              <a:t>直観的に理解のしやすいブロックプログラミングにより、プログラミングの論理的思考を身に</a:t>
+            </a:r>
+            <a:r>
+              <a:rPr lang="ja-JP" altLang="en-US" dirty="0" smtClean="0"/>
+              <a:t>着けられるシステムを提案する</a:t>
+            </a:r>
+            <a:endParaRPr lang="en-US" altLang="ja-JP" dirty="0" smtClean="0"/>
+          </a:p>
+          <a:p>
+            <a:r>
+              <a:rPr lang="ja-JP" altLang="en-US" dirty="0" smtClean="0"/>
+              <a:t>ブロックプログラミングからブロックリーによるコードへの変換を利用し、プログラミング言語への理解を深められるシステムを提案</a:t>
+            </a:r>
+            <a:endParaRPr lang="en-US" altLang="ja-JP" dirty="0" smtClean="0"/>
+          </a:p>
+          <a:p>
+            <a:r>
+              <a:rPr lang="ja-JP" altLang="en-US" dirty="0"/>
+              <a:t>穴埋め</a:t>
+            </a:r>
+            <a:r>
+              <a:rPr lang="ja-JP" altLang="en-US" dirty="0" smtClean="0"/>
+              <a:t>問題などを利用し、よりプログラミングにユーザが慣れていける環境を提案</a:t>
+            </a:r>
+            <a:endParaRPr lang="en-US" altLang="ja-JP" dirty="0" smtClean="0"/>
+          </a:p>
+          <a:p>
+            <a:endParaRPr kumimoji="1" lang="en-US" altLang="ja-JP" dirty="0"/>
+          </a:p>
+          <a:p>
+            <a:endParaRPr kumimoji="1" lang="ja-JP" altLang="en-US" dirty="0"/>
+          </a:p>
+        </p:txBody>
+      </p:sp>
+      <p:sp>
+        <p:nvSpPr>
+          <p:cNvPr id="4" name="スライド番号プレースホルダー 3"/>
+          <p:cNvSpPr>
+            <a:spLocks noGrp="1"/>
+          </p:cNvSpPr>
+          <p:nvPr>
+            <p:ph type="sldNum" sz="quarter" idx="12"/>
+          </p:nvPr>
+        </p:nvSpPr>
+        <p:spPr/>
+        <p:txBody>
+          <a:bodyPr/>
+          <a:lstStyle/>
+          <a:p>
+            <a:fld id="{4A32CB03-0843-4AF8-BFB2-C9917854BC7E}" type="slidenum">
+              <a:rPr kumimoji="1" lang="ja-JP" altLang="en-US" sz="2800" smtClean="0"/>
+              <a:t>5</a:t>
+            </a:fld>
+            <a:endParaRPr kumimoji="1" lang="ja-JP" altLang="en-US" sz="2800" dirty="0"/>
+          </a:p>
+        </p:txBody>
+      </p:sp>
+    </p:spTree>
+    <p:extLst>
+      <p:ext uri="{BB962C8B-B14F-4D97-AF65-F5344CB8AC3E}">
+        <p14:creationId xmlns:p14="http://schemas.microsoft.com/office/powerpoint/2010/main" val="354179094"/>
+      </p:ext>
+    </p:extLst>
+  </p:cSld>
+  <p:clrMapOvr>
+    <a:masterClrMapping/>
+  </p:clrMapOvr>
+  <p:timing>
+    <p:tnLst>
+      <p:par>
+        <p:cTn id="1" dur="indefinite" restart="never" nodeType="tmRoot"/>
+      </p:par>
+    </p:tnLst>
+  </p:timing>
+</p:sld>
+</file>
+
+<file path=ppt/slides/slide6.xml><?xml version="1.0" encoding="utf-8"?>
+<p:sld xmlns:a="http://schemas.openxmlformats.org/drawingml/2006/main" xmlns:r="http://schemas.openxmlformats.org/officeDocument/2006/relationships" xmlns:p="http://schemas.openxmlformats.org/presentationml/2006/main">
+  <p:cSld>
+    <p:spTree>
+      <p:nvGrpSpPr>
+        <p:cNvPr id="1" name=""/>
+        <p:cNvGrpSpPr/>
+        <p:nvPr/>
+      </p:nvGrpSpPr>
+      <p:grpSpPr>
+        <a:xfrm>
+          <a:off x="0" y="0"/>
+          <a:ext cx="0" cy="0"/>
+          <a:chOff x="0" y="0"/>
+          <a:chExt cx="0" cy="0"/>
+        </a:xfrm>
+      </p:grpSpPr>
+      <p:sp>
+        <p:nvSpPr>
+          <p:cNvPr id="2" name="タイトル 1"/>
+          <p:cNvSpPr>
+            <a:spLocks noGrp="1"/>
+          </p:cNvSpPr>
+          <p:nvPr>
+            <p:ph type="title"/>
+          </p:nvPr>
+        </p:nvSpPr>
+        <p:spPr/>
+        <p:txBody>
+          <a:bodyPr/>
+          <a:lstStyle/>
+          <a:p>
+            <a:r>
+              <a:rPr kumimoji="1" lang="ja-JP" altLang="en-US" dirty="0" smtClean="0"/>
+              <a:t>研究動機</a:t>
+            </a:r>
+            <a:endParaRPr kumimoji="1" lang="ja-JP" altLang="en-US" dirty="0"/>
+          </a:p>
+        </p:txBody>
+      </p:sp>
+      <p:sp>
+        <p:nvSpPr>
+          <p:cNvPr id="3" name="コンテンツ プレースホルダー 2"/>
+          <p:cNvSpPr>
+            <a:spLocks noGrp="1"/>
+          </p:cNvSpPr>
+          <p:nvPr>
+            <p:ph idx="1"/>
+          </p:nvPr>
+        </p:nvSpPr>
+        <p:spPr/>
+        <p:txBody>
+          <a:bodyPr/>
+          <a:lstStyle/>
+          <a:p>
+            <a:pPr algn="just"/>
+            <a:r>
+              <a:rPr lang="ja-JP" altLang="en-US" dirty="0"/>
+              <a:t>学習者が教科書を読み進めるだけではなく，プログラミングに実際に触れることで，論理的思考を身に着けられる環境を作成したいと考えた．</a:t>
+            </a:r>
+            <a:endParaRPr lang="en-US" altLang="ja-JP" dirty="0"/>
+          </a:p>
+          <a:p>
+            <a:pPr algn="just"/>
+            <a:r>
+              <a:rPr lang="ja-JP" altLang="en-US" dirty="0"/>
+              <a:t>ブロックプログラミングを用いることで，学習の初期段階でプログラム言語の構文への理解が浅い状態でもコードの実行が可能である．</a:t>
+            </a:r>
+            <a:endParaRPr lang="en-US" altLang="ja-JP" dirty="0"/>
+          </a:p>
+          <a:p>
+            <a:pPr algn="just"/>
+            <a:r>
+              <a:rPr lang="en-US" altLang="ja-JP" dirty="0" err="1"/>
+              <a:t>Blockly</a:t>
+            </a:r>
+            <a:r>
+              <a:rPr lang="ja-JP" altLang="en-US" dirty="0"/>
+              <a:t>のコードジェネレート機能を用いることで，プログラムの構文への理解につながる．</a:t>
+            </a:r>
+            <a:endParaRPr lang="en-US" altLang="ja-JP" dirty="0"/>
+          </a:p>
+          <a:p>
+            <a:endParaRPr lang="en-US" altLang="ja-JP" dirty="0"/>
+          </a:p>
+          <a:p>
+            <a:endParaRPr kumimoji="1" lang="ja-JP" altLang="en-US" dirty="0"/>
+          </a:p>
+        </p:txBody>
+      </p:sp>
+      <p:sp>
+        <p:nvSpPr>
+          <p:cNvPr id="4" name="スライド番号プレースホルダー 3"/>
+          <p:cNvSpPr>
+            <a:spLocks noGrp="1"/>
+          </p:cNvSpPr>
+          <p:nvPr>
+            <p:ph type="sldNum" sz="quarter" idx="12"/>
+          </p:nvPr>
+        </p:nvSpPr>
+        <p:spPr/>
+        <p:txBody>
+          <a:bodyPr/>
+          <a:lstStyle/>
+          <a:p>
+            <a:fld id="{4A32CB03-0843-4AF8-BFB2-C9917854BC7E}" type="slidenum">
+              <a:rPr kumimoji="1" lang="ja-JP" altLang="en-US" sz="2400" smtClean="0"/>
+              <a:t>6</a:t>
+            </a:fld>
+            <a:endParaRPr kumimoji="1" lang="ja-JP" altLang="en-US" sz="2400" dirty="0"/>
+          </a:p>
+        </p:txBody>
+      </p:sp>
+    </p:spTree>
+    <p:extLst>
+      <p:ext uri="{BB962C8B-B14F-4D97-AF65-F5344CB8AC3E}">
+        <p14:creationId xmlns:p14="http://schemas.microsoft.com/office/powerpoint/2010/main" val="1632152331"/>
+      </p:ext>
+    </p:extLst>
+  </p:cSld>
+  <p:clrMapOvr>
+    <a:masterClrMapping/>
+  </p:clrMapOvr>
+  <p:timing>
+    <p:tnLst>
+      <p:par>
+        <p:cTn id="1" dur="indefinite" restart="never" nodeType="tmRoot"/>
+      </p:par>
+    </p:tnLst>
+  </p:timing>
+</p:sld>
+</file>
+
+<file path=ppt/slides/slide7.xml><?xml version="1.0" encoding="utf-8"?>
+<p:sld xmlns:a="http://schemas.openxmlformats.org/drawingml/2006/main" xmlns:r="http://schemas.openxmlformats.org/officeDocument/2006/relationships" xmlns:p="http://schemas.openxmlformats.org/presentationml/2006/main">
+  <p:cSld>
+    <p:spTree>
+      <p:nvGrpSpPr>
+        <p:cNvPr id="1" name=""/>
+        <p:cNvGrpSpPr/>
+        <p:nvPr/>
+      </p:nvGrpSpPr>
+      <p:grpSpPr>
+        <a:xfrm>
+          <a:off x="0" y="0"/>
+          <a:ext cx="0" cy="0"/>
+          <a:chOff x="0" y="0"/>
+          <a:chExt cx="0" cy="0"/>
+        </a:xfrm>
+      </p:grpSpPr>
+      <p:sp>
+        <p:nvSpPr>
+          <p:cNvPr id="2" name="タイトル 1"/>
+          <p:cNvSpPr>
+            <a:spLocks noGrp="1"/>
+          </p:cNvSpPr>
+          <p:nvPr>
+            <p:ph type="title"/>
+          </p:nvPr>
+        </p:nvSpPr>
+        <p:spPr/>
+        <p:txBody>
+          <a:bodyPr/>
+          <a:lstStyle/>
+          <a:p>
+            <a:r>
+              <a:rPr kumimoji="1" lang="ja-JP" altLang="en-US" dirty="0" smtClean="0"/>
+              <a:t>研究</a:t>
+            </a:r>
+            <a:r>
+              <a:rPr kumimoji="1" lang="ja-JP" altLang="en-US" dirty="0" smtClean="0"/>
+              <a:t>課題</a:t>
+            </a:r>
+            <a:endParaRPr kumimoji="1" lang="ja-JP" altLang="en-US" dirty="0"/>
+          </a:p>
+        </p:txBody>
+      </p:sp>
+      <p:sp>
+        <p:nvSpPr>
+          <p:cNvPr id="3" name="コンテンツ プレースホルダー 2"/>
+          <p:cNvSpPr>
+            <a:spLocks noGrp="1"/>
+          </p:cNvSpPr>
+          <p:nvPr>
+            <p:ph idx="1"/>
+          </p:nvPr>
+        </p:nvSpPr>
+        <p:spPr/>
+        <p:txBody>
+          <a:bodyPr>
+            <a:normAutofit/>
+          </a:bodyPr>
+          <a:lstStyle/>
+          <a:p>
+            <a:pPr algn="just"/>
+            <a:r>
+              <a:rPr lang="ja-JP" altLang="en-US" dirty="0"/>
+              <a:t>論理的思考がすでに培われていることを前提として問題が提示される教育環境となっている．</a:t>
+            </a:r>
+            <a:endParaRPr lang="en-US" altLang="ja-JP" dirty="0"/>
+          </a:p>
+          <a:p>
+            <a:pPr lvl="1" algn="just">
+              <a:buFont typeface="Wingdings" panose="05000000000000000000" pitchFamily="2" charset="2"/>
+              <a:buChar char="Ø"/>
+            </a:pPr>
+            <a:r>
+              <a:rPr lang="ja-JP" altLang="en-US" dirty="0"/>
+              <a:t>学習者が論理的な思考をもって問題文を読み取ることができる必要がある．</a:t>
+            </a:r>
+            <a:endParaRPr lang="en-US" altLang="ja-JP" dirty="0"/>
+          </a:p>
+          <a:p>
+            <a:pPr algn="just"/>
+            <a:r>
+              <a:rPr lang="ja-JP" altLang="en-US" dirty="0"/>
+              <a:t>プログラミング言語における構文を理解するには，コーディング経験も重要</a:t>
+            </a:r>
+            <a:endParaRPr lang="en-US" altLang="ja-JP" dirty="0"/>
+          </a:p>
+          <a:p>
+            <a:pPr lvl="1" algn="just">
+              <a:buFont typeface="Wingdings" panose="05000000000000000000" pitchFamily="2" charset="2"/>
+              <a:buChar char="Ø"/>
+            </a:pPr>
+            <a:r>
+              <a:rPr lang="en-US" altLang="ja-JP" dirty="0" err="1"/>
+              <a:t>Blockly</a:t>
+            </a:r>
+            <a:r>
+              <a:rPr lang="ja-JP" altLang="en-US" dirty="0"/>
+              <a:t>によって生成されたコードを見るだけではなく</a:t>
+            </a:r>
+            <a:r>
+              <a:rPr lang="en-US" altLang="ja-JP" dirty="0"/>
+              <a:t>,</a:t>
+            </a:r>
+            <a:r>
+              <a:rPr lang="ja-JP" altLang="en-US" dirty="0"/>
+              <a:t>実際に学習者がコーディングする環境でないと，プログラミング言語の構文への理解の定着にはつながらない．</a:t>
+            </a:r>
+            <a:endParaRPr lang="en-US" altLang="ja-JP" dirty="0"/>
+          </a:p>
+        </p:txBody>
+      </p:sp>
+      <p:sp>
+        <p:nvSpPr>
+          <p:cNvPr id="4" name="スライド番号プレースホルダー 3"/>
+          <p:cNvSpPr>
+            <a:spLocks noGrp="1"/>
+          </p:cNvSpPr>
+          <p:nvPr>
+            <p:ph type="sldNum" sz="quarter" idx="12"/>
+          </p:nvPr>
+        </p:nvSpPr>
+        <p:spPr/>
+        <p:txBody>
+          <a:bodyPr/>
+          <a:lstStyle/>
+          <a:p>
+            <a:fld id="{010A43D1-8C5F-4BB5-96AD-6A66B588192F}" type="slidenum">
+              <a:rPr kumimoji="1" lang="ja-JP" altLang="en-US" sz="2400" smtClean="0"/>
+              <a:t>7</a:t>
+            </a:fld>
+            <a:endParaRPr kumimoji="1" lang="ja-JP" altLang="en-US" sz="2400" dirty="0"/>
+          </a:p>
+        </p:txBody>
+      </p:sp>
+    </p:spTree>
+    <p:extLst>
+      <p:ext uri="{BB962C8B-B14F-4D97-AF65-F5344CB8AC3E}">
+        <p14:creationId xmlns:p14="http://schemas.microsoft.com/office/powerpoint/2010/main" val="4275672017"/>
+      </p:ext>
+    </p:extLst>
+  </p:cSld>
+  <p:clrMapOvr>
+    <a:masterClrMapping/>
+  </p:clrMapOvr>
+  <p:timing>
+    <p:tnLst>
+      <p:par>
+        <p:cTn id="1" dur="indefinite" restart="never" nodeType="tmRoot"/>
+      </p:par>
+    </p:tnLst>
+  </p:timing>
+</p:sld>
+</file>
+
+<file path=ppt/slides/slide8.xml><?xml version="1.0" encoding="utf-8"?>
+<p:sld xmlns:a="http://schemas.openxmlformats.org/drawingml/2006/main" xmlns:r="http://schemas.openxmlformats.org/officeDocument/2006/relationships" xmlns:p="http://schemas.openxmlformats.org/presentationml/2006/main">
+  <p:cSld>
+    <p:spTree>
+      <p:nvGrpSpPr>
+        <p:cNvPr id="1" name=""/>
+        <p:cNvGrpSpPr/>
+        <p:nvPr/>
+      </p:nvGrpSpPr>
+      <p:grpSpPr>
+        <a:xfrm>
+          <a:off x="0" y="0"/>
+          <a:ext cx="0" cy="0"/>
+          <a:chOff x="0" y="0"/>
+          <a:chExt cx="0" cy="0"/>
+        </a:xfrm>
+      </p:grpSpPr>
+      <p:sp>
+        <p:nvSpPr>
+          <p:cNvPr id="2" name="タイトル 1"/>
+          <p:cNvSpPr>
+            <a:spLocks noGrp="1"/>
+          </p:cNvSpPr>
+          <p:nvPr>
+            <p:ph type="title"/>
+          </p:nvPr>
+        </p:nvSpPr>
+        <p:spPr/>
+        <p:txBody>
+          <a:bodyPr/>
+          <a:lstStyle/>
+          <a:p>
+            <a:r>
+              <a:rPr kumimoji="1" lang="ja-JP" altLang="en-US" dirty="0" smtClean="0"/>
+              <a:t>解決すべき課題</a:t>
+            </a:r>
+            <a:endParaRPr kumimoji="1" lang="ja-JP" altLang="en-US" dirty="0"/>
+          </a:p>
+        </p:txBody>
+      </p:sp>
+      <p:sp>
+        <p:nvSpPr>
+          <p:cNvPr id="3" name="コンテンツ プレースホルダー 2"/>
+          <p:cNvSpPr>
+            <a:spLocks noGrp="1"/>
+          </p:cNvSpPr>
+          <p:nvPr>
+            <p:ph idx="1"/>
+          </p:nvPr>
+        </p:nvSpPr>
+        <p:spPr/>
+        <p:txBody>
+          <a:bodyPr/>
+          <a:lstStyle/>
+          <a:p>
+            <a:r>
+              <a:rPr kumimoji="1" lang="ja-JP" altLang="en-US" dirty="0" smtClean="0"/>
+              <a:t>コードを生成する機能は</a:t>
+            </a:r>
+            <a:r>
+              <a:rPr kumimoji="1" lang="en-US" altLang="ja-JP" dirty="0" err="1" smtClean="0"/>
+              <a:t>Blockly</a:t>
+            </a:r>
+            <a:r>
+              <a:rPr kumimoji="1" lang="ja-JP" altLang="en-US" dirty="0" smtClean="0"/>
+              <a:t>サポートされる</a:t>
+            </a:r>
+            <a:endParaRPr kumimoji="1" lang="en-US" altLang="ja-JP" dirty="0" smtClean="0"/>
+          </a:p>
+          <a:p>
+            <a:endParaRPr kumimoji="1" lang="en-US" altLang="ja-JP" dirty="0" smtClean="0"/>
+          </a:p>
+          <a:p>
+            <a:r>
+              <a:rPr lang="ja-JP" altLang="en-US" dirty="0" smtClean="0"/>
+              <a:t>生成されたコードからどのように学習者に提示するのか</a:t>
+            </a:r>
+            <a:endParaRPr lang="en-US" altLang="ja-JP" dirty="0" smtClean="0"/>
+          </a:p>
+          <a:p>
+            <a:r>
+              <a:rPr kumimoji="1" lang="ja-JP" altLang="en-US" dirty="0" smtClean="0">
+                <a:solidFill>
+                  <a:srgbClr val="FF0000"/>
+                </a:solidFill>
+              </a:rPr>
+              <a:t>穴埋め問題の自動生成</a:t>
+            </a:r>
+            <a:r>
+              <a:rPr kumimoji="1" lang="ja-JP" altLang="en-US" dirty="0" smtClean="0"/>
+              <a:t>、選択肢の内容</a:t>
+            </a:r>
+            <a:endParaRPr kumimoji="1" lang="en-US" altLang="ja-JP" dirty="0" smtClean="0"/>
+          </a:p>
+          <a:p>
+            <a:endParaRPr kumimoji="1" lang="en-US" altLang="ja-JP" dirty="0" smtClean="0"/>
+          </a:p>
+          <a:p>
+            <a:endParaRPr kumimoji="1" lang="ja-JP" altLang="en-US" dirty="0"/>
+          </a:p>
+        </p:txBody>
+      </p:sp>
+      <p:sp>
+        <p:nvSpPr>
+          <p:cNvPr id="4" name="スライド番号プレースホルダー 3"/>
+          <p:cNvSpPr>
+            <a:spLocks noGrp="1"/>
+          </p:cNvSpPr>
+          <p:nvPr>
+            <p:ph type="sldNum" sz="quarter" idx="12"/>
+          </p:nvPr>
+        </p:nvSpPr>
+        <p:spPr/>
+        <p:txBody>
+          <a:bodyPr/>
+          <a:lstStyle/>
+          <a:p>
+            <a:fld id="{4A32CB03-0843-4AF8-BFB2-C9917854BC7E}" type="slidenum">
+              <a:rPr kumimoji="1" lang="ja-JP" altLang="en-US" smtClean="0"/>
+              <a:t>8</a:t>
+            </a:fld>
+            <a:endParaRPr kumimoji="1" lang="ja-JP" altLang="en-US"/>
+          </a:p>
+        </p:txBody>
+      </p:sp>
+    </p:spTree>
+    <p:extLst>
+      <p:ext uri="{BB962C8B-B14F-4D97-AF65-F5344CB8AC3E}">
+        <p14:creationId xmlns:p14="http://schemas.microsoft.com/office/powerpoint/2010/main" val="2187274504"/>
+      </p:ext>
+    </p:extLst>
+  </p:cSld>
+  <p:clrMapOvr>
+    <a:masterClrMapping/>
+  </p:clrMapOvr>
+  <p:timing>
+    <p:tnLst>
+      <p:par>
+        <p:cTn id="1" dur="indefinite" restart="never" nodeType="tmRoot"/>
+      </p:par>
+    </p:tnLst>
+  </p:timing>
+</p:sld>
+</file>
+
+<file path=ppt/slides/slide9.xml><?xml version="1.0" encoding="utf-8"?>
+<p:sld xmlns:a="http://schemas.openxmlformats.org/drawingml/2006/main" xmlns:r="http://schemas.openxmlformats.org/officeDocument/2006/relationships" xmlns:p="http://schemas.openxmlformats.org/presentationml/2006/main">
+  <p:cSld>
+    <p:spTree>
+      <p:nvGrpSpPr>
+        <p:cNvPr id="1" name=""/>
+        <p:cNvGrpSpPr/>
+        <p:nvPr/>
+      </p:nvGrpSpPr>
+      <p:grpSpPr>
+        <a:xfrm>
+          <a:off x="0" y="0"/>
+          <a:ext cx="0" cy="0"/>
+          <a:chOff x="0" y="0"/>
+          <a:chExt cx="0" cy="0"/>
+        </a:xfrm>
+      </p:grpSpPr>
+      <p:sp>
+        <p:nvSpPr>
+          <p:cNvPr id="2" name="タイトル 1"/>
+          <p:cNvSpPr>
+            <a:spLocks noGrp="1"/>
+          </p:cNvSpPr>
+          <p:nvPr>
+            <p:ph type="title"/>
+          </p:nvPr>
+        </p:nvSpPr>
+        <p:spPr/>
+        <p:txBody>
+          <a:bodyPr/>
+          <a:lstStyle/>
+          <a:p>
+            <a:r>
+              <a:rPr kumimoji="1" lang="en-US" altLang="ja-JP" dirty="0" smtClean="0"/>
+              <a:t>Node.js</a:t>
+            </a:r>
+            <a:endParaRPr kumimoji="1" lang="ja-JP" altLang="en-US" dirty="0"/>
+          </a:p>
+        </p:txBody>
+      </p:sp>
+      <p:sp>
+        <p:nvSpPr>
+          <p:cNvPr id="3" name="コンテンツ プレースホルダー 2"/>
+          <p:cNvSpPr>
+            <a:spLocks noGrp="1"/>
+          </p:cNvSpPr>
+          <p:nvPr>
+            <p:ph idx="1"/>
+          </p:nvPr>
+        </p:nvSpPr>
+        <p:spPr/>
+        <p:txBody>
+          <a:bodyPr/>
+          <a:lstStyle/>
+          <a:p>
+            <a:pPr marL="0" indent="0">
+              <a:buNone/>
+            </a:pPr>
+            <a:r>
+              <a:rPr lang="en-US" altLang="ja-JP" dirty="0"/>
+              <a:t>Node.js</a:t>
+            </a:r>
+            <a:r>
+              <a:rPr lang="ja-JP" altLang="en-US" dirty="0"/>
+              <a:t>（ノード・ジェイエス） は</a:t>
+            </a:r>
+            <a:r>
+              <a:rPr lang="en-US" altLang="ja-JP" dirty="0"/>
+              <a:t>V8 JavaScript</a:t>
+            </a:r>
+            <a:r>
+              <a:rPr lang="ja-JP" altLang="en-US" dirty="0"/>
+              <a:t>エンジン上に構築された</a:t>
+            </a:r>
+            <a:r>
+              <a:rPr lang="en-US" altLang="ja-JP" dirty="0"/>
+              <a:t>JavaScript</a:t>
+            </a:r>
+            <a:r>
+              <a:rPr lang="ja-JP" altLang="en-US" dirty="0"/>
+              <a:t>実行環境の</a:t>
+            </a:r>
+            <a:r>
+              <a:rPr lang="en-US" altLang="ja-JP" dirty="0"/>
+              <a:t>1</a:t>
+            </a:r>
+            <a:r>
+              <a:rPr lang="ja-JP" altLang="en-US" dirty="0"/>
+              <a:t>つで</a:t>
+            </a:r>
+            <a:r>
+              <a:rPr lang="ja-JP" altLang="en-US" dirty="0" smtClean="0"/>
+              <a:t>ある。</a:t>
+            </a:r>
+            <a:r>
+              <a:rPr lang="ja-JP" altLang="en-US" dirty="0"/>
+              <a:t>イベント化された入出力を扱うサーバサイド</a:t>
+            </a:r>
+            <a:r>
+              <a:rPr lang="en-US" altLang="ja-JP" dirty="0"/>
+              <a:t>JavaScript</a:t>
+            </a:r>
+            <a:r>
+              <a:rPr lang="ja-JP" altLang="en-US" dirty="0"/>
+              <a:t>環境であり、</a:t>
+            </a:r>
+            <a:r>
+              <a:rPr lang="en-US" altLang="ja-JP" dirty="0"/>
+              <a:t>Web</a:t>
+            </a:r>
+            <a:r>
+              <a:rPr lang="ja-JP" altLang="en-US" dirty="0"/>
+              <a:t>サーバなどのスケーラブルなネットワークプログラムの記述を意図して</a:t>
+            </a:r>
+            <a:r>
+              <a:rPr lang="ja-JP" altLang="en-US" dirty="0" smtClean="0"/>
+              <a:t>いる。</a:t>
+            </a:r>
+            <a:endParaRPr lang="en-US" altLang="ja-JP" dirty="0" smtClean="0"/>
+          </a:p>
+          <a:p>
+            <a:pPr marL="0" indent="0">
+              <a:buNone/>
+            </a:pPr>
+            <a:endParaRPr kumimoji="1" lang="en-US" altLang="ja-JP" dirty="0" smtClean="0"/>
+          </a:p>
+          <a:p>
+            <a:pPr marL="0" indent="0">
+              <a:buNone/>
+            </a:pPr>
+            <a:r>
+              <a:rPr lang="ja-JP" altLang="en-US" dirty="0"/>
+              <a:t>引用</a:t>
+            </a:r>
+            <a:r>
+              <a:rPr lang="ja-JP" altLang="en-US" dirty="0" smtClean="0"/>
+              <a:t>：</a:t>
+            </a:r>
+            <a:endParaRPr kumimoji="1" lang="en-US" altLang="ja-JP" dirty="0"/>
+          </a:p>
+          <a:p>
+            <a:pPr marL="0" indent="0">
+              <a:buNone/>
+            </a:pPr>
+            <a:r>
+              <a:rPr lang="en-US" altLang="ja-JP" dirty="0"/>
+              <a:t>https://ja.wikipedia.org/wiki/Node.js</a:t>
+            </a:r>
+            <a:endParaRPr kumimoji="1" lang="ja-JP" altLang="en-US" dirty="0"/>
+          </a:p>
+        </p:txBody>
+      </p:sp>
+      <p:sp>
+        <p:nvSpPr>
+          <p:cNvPr id="4" name="スライド番号プレースホルダー 3"/>
+          <p:cNvSpPr>
+            <a:spLocks noGrp="1"/>
+          </p:cNvSpPr>
+          <p:nvPr>
+            <p:ph type="sldNum" sz="quarter" idx="12"/>
+          </p:nvPr>
+        </p:nvSpPr>
+        <p:spPr/>
+        <p:txBody>
+          <a:bodyPr/>
+          <a:lstStyle/>
+          <a:p>
+            <a:fld id="{4A32CB03-0843-4AF8-BFB2-C9917854BC7E}" type="slidenum">
+              <a:rPr kumimoji="1" lang="ja-JP" altLang="en-US" smtClean="0"/>
+              <a:t>9</a:t>
+            </a:fld>
+            <a:endParaRPr kumimoji="1" lang="ja-JP" altLang="en-US"/>
+          </a:p>
+        </p:txBody>
+      </p:sp>
+    </p:spTree>
+    <p:extLst>
+      <p:ext uri="{BB962C8B-B14F-4D97-AF65-F5344CB8AC3E}">
+        <p14:creationId xmlns:p14="http://schemas.microsoft.com/office/powerpoint/2010/main" val="4200382121"/>
       </p:ext>
     </p:extLst>
   </p:cSld>

--- a/1821121_shimaoka_sotsuken.pptx
+++ b/1821121_shimaoka_sotsuken.pptx
@@ -5,39 +5,42 @@
     <p:sldMasterId id="2147483660" r:id="rId1"/>
   </p:sldMasterIdLst>
   <p:notesMasterIdLst>
-    <p:notesMasterId r:id="rId32"/>
+    <p:notesMasterId r:id="rId35"/>
   </p:notesMasterIdLst>
   <p:sldIdLst>
-    <p:sldId id="309" r:id="rId2"/>
-    <p:sldId id="257" r:id="rId3"/>
-    <p:sldId id="265" r:id="rId4"/>
-    <p:sldId id="271" r:id="rId5"/>
-    <p:sldId id="270" r:id="rId6"/>
-    <p:sldId id="263" r:id="rId7"/>
-    <p:sldId id="269" r:id="rId8"/>
-    <p:sldId id="302" r:id="rId9"/>
-    <p:sldId id="279" r:id="rId10"/>
-    <p:sldId id="280" r:id="rId11"/>
-    <p:sldId id="288" r:id="rId12"/>
-    <p:sldId id="273" r:id="rId13"/>
-    <p:sldId id="278" r:id="rId14"/>
-    <p:sldId id="276" r:id="rId15"/>
-    <p:sldId id="285" r:id="rId16"/>
-    <p:sldId id="286" r:id="rId17"/>
-    <p:sldId id="277" r:id="rId18"/>
-    <p:sldId id="274" r:id="rId19"/>
-    <p:sldId id="275" r:id="rId20"/>
-    <p:sldId id="281" r:id="rId21"/>
-    <p:sldId id="282" r:id="rId22"/>
-    <p:sldId id="290" r:id="rId23"/>
-    <p:sldId id="272" r:id="rId24"/>
-    <p:sldId id="292" r:id="rId25"/>
-    <p:sldId id="293" r:id="rId26"/>
-    <p:sldId id="294" r:id="rId27"/>
-    <p:sldId id="295" r:id="rId28"/>
-    <p:sldId id="303" r:id="rId29"/>
-    <p:sldId id="304" r:id="rId30"/>
-    <p:sldId id="305" r:id="rId31"/>
+    <p:sldId id="257" r:id="rId2"/>
+    <p:sldId id="265" r:id="rId3"/>
+    <p:sldId id="271" r:id="rId4"/>
+    <p:sldId id="270" r:id="rId5"/>
+    <p:sldId id="263" r:id="rId6"/>
+    <p:sldId id="269" r:id="rId7"/>
+    <p:sldId id="302" r:id="rId8"/>
+    <p:sldId id="279" r:id="rId9"/>
+    <p:sldId id="280" r:id="rId10"/>
+    <p:sldId id="288" r:id="rId11"/>
+    <p:sldId id="273" r:id="rId12"/>
+    <p:sldId id="278" r:id="rId13"/>
+    <p:sldId id="276" r:id="rId14"/>
+    <p:sldId id="285" r:id="rId15"/>
+    <p:sldId id="286" r:id="rId16"/>
+    <p:sldId id="277" r:id="rId17"/>
+    <p:sldId id="274" r:id="rId18"/>
+    <p:sldId id="275" r:id="rId19"/>
+    <p:sldId id="281" r:id="rId20"/>
+    <p:sldId id="282" r:id="rId21"/>
+    <p:sldId id="290" r:id="rId22"/>
+    <p:sldId id="272" r:id="rId23"/>
+    <p:sldId id="292" r:id="rId24"/>
+    <p:sldId id="293" r:id="rId25"/>
+    <p:sldId id="294" r:id="rId26"/>
+    <p:sldId id="295" r:id="rId27"/>
+    <p:sldId id="303" r:id="rId28"/>
+    <p:sldId id="304" r:id="rId29"/>
+    <p:sldId id="306" r:id="rId30"/>
+    <p:sldId id="307" r:id="rId31"/>
+    <p:sldId id="308" r:id="rId32"/>
+    <p:sldId id="309" r:id="rId33"/>
+    <p:sldId id="305" r:id="rId34"/>
   </p:sldIdLst>
   <p:sldSz cx="9144000" cy="6858000" type="screen4x3"/>
   <p:notesSz cx="6858000" cy="9144000"/>
@@ -226,7 +229,7 @@
           <a:p>
             <a:fld id="{FE6A3D4C-FB20-486F-A33D-02A27AB85120}" type="datetimeFigureOut">
               <a:rPr kumimoji="1" lang="ja-JP" altLang="en-US" smtClean="0"/>
-              <a:t>2021/10/11</a:t>
+              <a:t>2021/10/18</a:t>
             </a:fld>
             <a:endParaRPr kumimoji="1" lang="ja-JP" altLang="en-US"/>
           </a:p>
@@ -615,7 +618,7 @@
           <a:p>
             <a:fld id="{47905BA8-D78C-4C59-98CB-0E1E713D5795}" type="slidenum">
               <a:rPr kumimoji="1" lang="ja-JP" altLang="en-US" smtClean="0"/>
-              <a:t>4</a:t>
+              <a:t>3</a:t>
             </a:fld>
             <a:endParaRPr kumimoji="1" lang="ja-JP" altLang="en-US"/>
           </a:p>
@@ -727,7 +730,7 @@
           <a:p>
             <a:fld id="{47905BA8-D78C-4C59-98CB-0E1E713D5795}" type="slidenum">
               <a:rPr kumimoji="1" lang="ja-JP" altLang="en-US" smtClean="0"/>
-              <a:t>6</a:t>
+              <a:t>5</a:t>
             </a:fld>
             <a:endParaRPr kumimoji="1" lang="ja-JP" altLang="en-US"/>
           </a:p>
@@ -860,7 +863,7 @@
           <a:p>
             <a:fld id="{47905BA8-D78C-4C59-98CB-0E1E713D5795}" type="slidenum">
               <a:rPr kumimoji="1" lang="ja-JP" altLang="en-US" smtClean="0"/>
-              <a:t>7</a:t>
+              <a:t>6</a:t>
             </a:fld>
             <a:endParaRPr kumimoji="1" lang="ja-JP" altLang="en-US"/>
           </a:p>
@@ -975,7 +978,7 @@
           <a:p>
             <a:fld id="{47905BA8-D78C-4C59-98CB-0E1E713D5795}" type="slidenum">
               <a:rPr kumimoji="1" lang="ja-JP" altLang="en-US" smtClean="0"/>
-              <a:t>8</a:t>
+              <a:t>7</a:t>
             </a:fld>
             <a:endParaRPr kumimoji="1" lang="ja-JP" altLang="en-US"/>
           </a:p>
@@ -1096,7 +1099,7 @@
           <a:p>
             <a:fld id="{47905BA8-D78C-4C59-98CB-0E1E713D5795}" type="slidenum">
               <a:rPr kumimoji="1" lang="ja-JP" altLang="en-US" smtClean="0"/>
-              <a:t>11</a:t>
+              <a:t>10</a:t>
             </a:fld>
             <a:endParaRPr kumimoji="1" lang="ja-JP" altLang="en-US"/>
           </a:p>
@@ -1246,7 +1249,7 @@
           <a:p>
             <a:fld id="{8C6C7C5F-18F5-4B54-8C42-F854729B27DF}" type="datetime1">
               <a:rPr kumimoji="1" lang="ja-JP" altLang="en-US" smtClean="0"/>
-              <a:t>2021/10/11</a:t>
+              <a:t>2021/10/18</a:t>
             </a:fld>
             <a:endParaRPr kumimoji="1" lang="ja-JP" altLang="en-US"/>
           </a:p>
@@ -1448,7 +1451,7 @@
           <a:p>
             <a:fld id="{8FA047B7-BB2C-4D3A-A8E4-BCCEB512AAAF}" type="datetime1">
               <a:rPr kumimoji="1" lang="ja-JP" altLang="en-US" smtClean="0"/>
-              <a:t>2021/10/11</a:t>
+              <a:t>2021/10/18</a:t>
             </a:fld>
             <a:endParaRPr kumimoji="1" lang="ja-JP" altLang="en-US"/>
           </a:p>
@@ -1660,7 +1663,7 @@
           <a:p>
             <a:fld id="{CF80C22C-2AF0-4F0A-AD7C-41D0B891B7A9}" type="datetime1">
               <a:rPr kumimoji="1" lang="ja-JP" altLang="en-US" smtClean="0"/>
-              <a:t>2021/10/11</a:t>
+              <a:t>2021/10/18</a:t>
             </a:fld>
             <a:endParaRPr kumimoji="1" lang="ja-JP" altLang="en-US"/>
           </a:p>
@@ -1862,7 +1865,7 @@
           <a:p>
             <a:fld id="{62594B83-F026-4CB8-8905-CA1C93615FC3}" type="datetime1">
               <a:rPr kumimoji="1" lang="ja-JP" altLang="en-US" smtClean="0"/>
-              <a:t>2021/10/11</a:t>
+              <a:t>2021/10/18</a:t>
             </a:fld>
             <a:endParaRPr kumimoji="1" lang="ja-JP" altLang="en-US"/>
           </a:p>
@@ -2106,7 +2109,7 @@
           <a:p>
             <a:fld id="{C788FC87-6CF2-4F9F-B6E0-63B89DBB0743}" type="datetime1">
               <a:rPr kumimoji="1" lang="ja-JP" altLang="en-US" smtClean="0"/>
-              <a:t>2021/10/11</a:t>
+              <a:t>2021/10/18</a:t>
             </a:fld>
             <a:endParaRPr kumimoji="1" lang="ja-JP" altLang="en-US"/>
           </a:p>
@@ -2402,7 +2405,7 @@
           <a:p>
             <a:fld id="{5E3CE0AD-2171-4734-A0AC-662511549EC1}" type="datetime1">
               <a:rPr kumimoji="1" lang="ja-JP" altLang="en-US" smtClean="0"/>
-              <a:t>2021/10/11</a:t>
+              <a:t>2021/10/18</a:t>
             </a:fld>
             <a:endParaRPr kumimoji="1" lang="ja-JP" altLang="en-US"/>
           </a:p>
@@ -2833,7 +2836,7 @@
           <a:p>
             <a:fld id="{80544D4F-1AD2-4A36-B800-B99208B8C9BA}" type="datetime1">
               <a:rPr kumimoji="1" lang="ja-JP" altLang="en-US" smtClean="0"/>
-              <a:t>2021/10/11</a:t>
+              <a:t>2021/10/18</a:t>
             </a:fld>
             <a:endParaRPr kumimoji="1" lang="ja-JP" altLang="en-US"/>
           </a:p>
@@ -2951,7 +2954,7 @@
           <a:p>
             <a:fld id="{3867E348-314D-465D-84AA-31D1BF6D1272}" type="datetime1">
               <a:rPr kumimoji="1" lang="ja-JP" altLang="en-US" smtClean="0"/>
-              <a:t>2021/10/11</a:t>
+              <a:t>2021/10/18</a:t>
             </a:fld>
             <a:endParaRPr kumimoji="1" lang="ja-JP" altLang="en-US"/>
           </a:p>
@@ -3046,7 +3049,7 @@
           <a:p>
             <a:fld id="{0504E9A7-4A17-4848-A233-45BE7F03BE87}" type="datetime1">
               <a:rPr kumimoji="1" lang="ja-JP" altLang="en-US" smtClean="0"/>
-              <a:t>2021/10/11</a:t>
+              <a:t>2021/10/18</a:t>
             </a:fld>
             <a:endParaRPr kumimoji="1" lang="ja-JP" altLang="en-US"/>
           </a:p>
@@ -3355,7 +3358,7 @@
           <a:p>
             <a:fld id="{24FF13B5-8080-4369-B18E-A47C7DC1EF3C}" type="datetime1">
               <a:rPr kumimoji="1" lang="ja-JP" altLang="en-US" smtClean="0"/>
-              <a:t>2021/10/11</a:t>
+              <a:t>2021/10/18</a:t>
             </a:fld>
             <a:endParaRPr kumimoji="1" lang="ja-JP" altLang="en-US"/>
           </a:p>
@@ -3612,7 +3615,7 @@
           <a:p>
             <a:fld id="{CE6ABB78-4FBA-43B9-8ECE-65353FBA2DF2}" type="datetime1">
               <a:rPr kumimoji="1" lang="ja-JP" altLang="en-US" smtClean="0"/>
-              <a:t>2021/10/11</a:t>
+              <a:t>2021/10/18</a:t>
             </a:fld>
             <a:endParaRPr kumimoji="1" lang="ja-JP" altLang="en-US"/>
           </a:p>
@@ -3857,7 +3860,7 @@
           <a:p>
             <a:fld id="{25B2B056-B4AA-4D55-9226-508BBA0DE7B1}" type="datetime1">
               <a:rPr kumimoji="1" lang="ja-JP" altLang="en-US" smtClean="0"/>
-              <a:t>2021/10/11</a:t>
+              <a:t>2021/10/18</a:t>
             </a:fld>
             <a:endParaRPr kumimoji="1" lang="ja-JP" altLang="en-US"/>
           </a:p>
@@ -4270,96 +4273,77 @@
             <a:spLocks noGrp="1"/>
           </p:cNvSpPr>
           <p:nvPr>
-            <p:ph type="title"/>
-          </p:nvPr>
-        </p:nvSpPr>
-        <p:spPr/>
-        <p:txBody>
-          <a:bodyPr/>
-          <a:lstStyle/>
-          <a:p>
-            <a:endParaRPr kumimoji="1" lang="ja-JP" altLang="en-US"/>
-          </a:p>
-        </p:txBody>
-      </p:sp>
-      <p:sp>
-        <p:nvSpPr>
-          <p:cNvPr id="3" name="コンテンツ プレースホルダー 2"/>
-          <p:cNvSpPr>
-            <a:spLocks noGrp="1"/>
-          </p:cNvSpPr>
-          <p:nvPr>
-            <p:ph idx="1"/>
-          </p:nvPr>
-        </p:nvSpPr>
-        <p:spPr/>
-        <p:txBody>
-          <a:bodyPr/>
-          <a:lstStyle/>
-          <a:p>
+            <p:ph type="ctrTitle"/>
+          </p:nvPr>
+        </p:nvSpPr>
+        <p:spPr>
+          <a:xfrm>
+            <a:off x="1015551" y="2481933"/>
+            <a:ext cx="6858000" cy="1790700"/>
+          </a:xfrm>
+        </p:spPr>
+        <p:txBody>
+          <a:bodyPr>
+            <a:noAutofit/>
+          </a:bodyPr>
+          <a:lstStyle/>
+          <a:p>
+            <a:r>
+              <a:rPr lang="ja-JP" altLang="en-US" sz="4400" dirty="0" smtClean="0"/>
+              <a:t>ブロックプログラミング</a:t>
+            </a:r>
+            <a:r>
+              <a:rPr lang="ja-JP" altLang="en-US" sz="4400" dirty="0"/>
+              <a:t>を用いた論理的思考と</a:t>
+            </a:r>
+            <a:r>
+              <a:rPr lang="en-US" altLang="ja-JP" sz="4400" dirty="0"/>
+              <a:t/>
+            </a:r>
+            <a:br>
+              <a:rPr lang="en-US" altLang="ja-JP" sz="4400" dirty="0"/>
+            </a:br>
+            <a:r>
+              <a:rPr lang="ja-JP" altLang="en-US" sz="4400" dirty="0"/>
+              <a:t>コーディングを身に着けるための学習環境</a:t>
+            </a:r>
+            <a:endParaRPr kumimoji="1" lang="ja-JP" altLang="en-US" sz="4400" dirty="0"/>
+          </a:p>
+        </p:txBody>
+      </p:sp>
+      <p:sp>
+        <p:nvSpPr>
+          <p:cNvPr id="3" name="サブタイトル 2"/>
+          <p:cNvSpPr>
+            <a:spLocks noGrp="1"/>
+          </p:cNvSpPr>
+          <p:nvPr>
+            <p:ph type="subTitle" idx="1"/>
+          </p:nvPr>
+        </p:nvSpPr>
+        <p:spPr>
+          <a:xfrm>
+            <a:off x="1015551" y="4382700"/>
+            <a:ext cx="6858000" cy="1241823"/>
+          </a:xfrm>
+        </p:spPr>
+        <p:txBody>
+          <a:bodyPr/>
+          <a:lstStyle/>
+          <a:p>
+            <a:r>
+              <a:rPr kumimoji="1" lang="ja-JP" altLang="en-US" dirty="0" smtClean="0"/>
+              <a:t>学籍番号：</a:t>
+            </a:r>
             <a:r>
               <a:rPr kumimoji="1" lang="en-US" altLang="ja-JP" dirty="0" smtClean="0"/>
-              <a:t>If else  while</a:t>
-            </a:r>
-          </a:p>
-          <a:p>
-            <a:r>
-              <a:rPr lang="en-US" altLang="ja-JP" dirty="0" smtClean="0"/>
-              <a:t>Word</a:t>
-            </a:r>
-            <a:r>
-              <a:rPr kumimoji="1" lang="en-US" altLang="ja-JP" dirty="0" smtClean="0"/>
-              <a:t>2vec</a:t>
-            </a:r>
-            <a:r>
-              <a:rPr kumimoji="1" lang="ja-JP" altLang="en-US" dirty="0" smtClean="0"/>
-              <a:t>で似たような言葉</a:t>
-            </a:r>
-            <a:endParaRPr kumimoji="1" lang="en-US" altLang="ja-JP" dirty="0" smtClean="0"/>
-          </a:p>
-          <a:p>
-            <a:r>
-              <a:rPr lang="ja-JP" altLang="en-US" dirty="0"/>
-              <a:t>似たよう</a:t>
-            </a:r>
+              <a:t>1821121</a:t>
+            </a:r>
+          </a:p>
+          <a:p>
             <a:r>
               <a:rPr lang="ja-JP" altLang="en-US" dirty="0" smtClean="0"/>
-              <a:t>な数字</a:t>
-            </a:r>
-            <a:endParaRPr lang="en-US" altLang="ja-JP" dirty="0" smtClean="0"/>
-          </a:p>
-          <a:p>
-            <a:endParaRPr kumimoji="1" lang="en-US" altLang="ja-JP" dirty="0" smtClean="0"/>
-          </a:p>
-          <a:p>
-            <a:r>
-              <a:rPr lang="ja-JP" altLang="en-US" dirty="0"/>
-              <a:t>似た関数</a:t>
-            </a:r>
-            <a:r>
-              <a:rPr lang="ja-JP" altLang="en-US" dirty="0" smtClean="0"/>
-              <a:t>をリスト</a:t>
-            </a:r>
-            <a:endParaRPr lang="en-US" altLang="ja-JP" dirty="0" smtClean="0"/>
-          </a:p>
-          <a:p>
-            <a:endParaRPr kumimoji="1" lang="en-US" altLang="ja-JP" dirty="0"/>
-          </a:p>
-          <a:p>
-            <a:r>
-              <a:rPr kumimoji="1" lang="ja-JP" altLang="en-US" dirty="0" smtClean="0"/>
-              <a:t>ある程度決め打ちでもいい</a:t>
-            </a:r>
-            <a:endParaRPr kumimoji="1" lang="en-US" altLang="ja-JP" dirty="0" smtClean="0"/>
-          </a:p>
-          <a:p>
-            <a:r>
-              <a:rPr kumimoji="1" lang="en-US" altLang="ja-JP" dirty="0" smtClean="0"/>
-              <a:t>for</a:t>
-            </a:r>
-            <a:r>
-              <a:rPr kumimoji="1" lang="ja-JP" altLang="en-US" dirty="0" smtClean="0"/>
-              <a:t>が正答だから似たようなもの</a:t>
+              <a:t>氏名：島岡慎也</a:t>
             </a:r>
             <a:endParaRPr kumimoji="1" lang="ja-JP" altLang="en-US" dirty="0"/>
           </a:p>
@@ -4380,24 +4364,31 @@
           <a:bodyPr/>
           <a:lstStyle/>
           <a:p>
-            <a:fld id="{4A32CB03-0843-4AF8-BFB2-C9917854BC7E}" type="slidenum">
-              <a:rPr kumimoji="1" lang="ja-JP" altLang="en-US" smtClean="0"/>
+            <a:fld id="{77022724-7A88-4190-89E1-23935288E045}" type="slidenum">
+              <a:rPr kumimoji="1" lang="ja-JP" altLang="en-US" sz="2400" smtClean="0"/>
               <a:t>1</a:t>
             </a:fld>
-            <a:endParaRPr kumimoji="1" lang="ja-JP" altLang="en-US"/>
+            <a:endParaRPr kumimoji="1" lang="ja-JP" altLang="en-US" sz="2400" dirty="0"/>
           </a:p>
         </p:txBody>
       </p:sp>
     </p:spTree>
     <p:extLst>
       <p:ext uri="{BB962C8B-B14F-4D97-AF65-F5344CB8AC3E}">
-        <p14:creationId xmlns:p14="http://schemas.microsoft.com/office/powerpoint/2010/main" val="1990968273"/>
+        <p14:creationId xmlns:p14="http://schemas.microsoft.com/office/powerpoint/2010/main" val="3218976117"/>
       </p:ext>
     </p:extLst>
   </p:cSld>
   <p:clrMapOvr>
     <a:masterClrMapping/>
   </p:clrMapOvr>
+  <p:timing>
+    <p:tnLst>
+      <p:par>
+        <p:cTn id="1" dur="indefinite" restart="never" nodeType="tmRoot"/>
+      </p:par>
+    </p:tnLst>
+  </p:timing>
 </p:sld>
 </file>
 
@@ -4434,12 +4425,12 @@
           <a:lstStyle/>
           <a:p>
             <a:r>
+              <a:rPr lang="en-US" altLang="ja-JP" dirty="0" smtClean="0"/>
+              <a:t>Node.js</a:t>
+            </a:r>
+            <a:r>
               <a:rPr lang="ja-JP" altLang="en-US" dirty="0" smtClean="0"/>
-              <a:t>システム構成図</a:t>
-            </a:r>
-            <a:r>
-              <a:rPr kumimoji="1" lang="ja-JP" altLang="en-US" dirty="0" smtClean="0"/>
-              <a:t>（予想図）</a:t>
+              <a:t>について</a:t>
             </a:r>
             <a:endParaRPr kumimoji="1" lang="ja-JP" altLang="en-US" dirty="0"/>
           </a:p>
@@ -4447,7 +4438,58 @@
       </p:sp>
       <p:sp>
         <p:nvSpPr>
-          <p:cNvPr id="3" name="スライド番号プレースホルダー 2"/>
+          <p:cNvPr id="3" name="コンテンツ プレースホルダー 2"/>
+          <p:cNvSpPr>
+            <a:spLocks noGrp="1"/>
+          </p:cNvSpPr>
+          <p:nvPr>
+            <p:ph idx="1"/>
+          </p:nvPr>
+        </p:nvSpPr>
+        <p:spPr/>
+        <p:txBody>
+          <a:bodyPr/>
+          <a:lstStyle/>
+          <a:p>
+            <a:r>
+              <a:rPr kumimoji="1" lang="en-US" altLang="ja-JP" dirty="0" err="1" smtClean="0"/>
+              <a:t>Blockly</a:t>
+            </a:r>
+            <a:r>
+              <a:rPr lang="ja-JP" altLang="en-US" dirty="0"/>
+              <a:t>で</a:t>
+            </a:r>
+            <a:r>
+              <a:rPr lang="ja-JP" altLang="en-US" dirty="0" smtClean="0"/>
+              <a:t>は、</a:t>
+            </a:r>
+            <a:r>
+              <a:rPr lang="en-US" altLang="ja-JP" dirty="0" smtClean="0"/>
+              <a:t>Node </a:t>
+            </a:r>
+            <a:r>
+              <a:rPr lang="en-US" altLang="ja-JP" dirty="0"/>
+              <a:t>Package Manager</a:t>
+            </a:r>
+            <a:r>
+              <a:rPr lang="ja-JP" altLang="en-US" dirty="0" smtClean="0"/>
+              <a:t>というパッケージ管理のために</a:t>
+            </a:r>
+            <a:r>
+              <a:rPr lang="en-US" altLang="ja-JP" dirty="0" smtClean="0"/>
+              <a:t>Node.js</a:t>
+            </a:r>
+            <a:r>
+              <a:rPr lang="ja-JP" altLang="en-US" dirty="0" smtClean="0"/>
+              <a:t>を利用している</a:t>
+            </a:r>
+            <a:endParaRPr kumimoji="1" lang="ja-JP" altLang="en-US" dirty="0"/>
+          </a:p>
+        </p:txBody>
+      </p:sp>
+      <p:sp>
+        <p:nvSpPr>
+          <p:cNvPr id="4" name="スライド番号プレースホルダー 3"/>
           <p:cNvSpPr>
             <a:spLocks noGrp="1"/>
           </p:cNvSpPr>
@@ -4463,6 +4505,4721 @@
             <a:fld id="{4A32CB03-0843-4AF8-BFB2-C9917854BC7E}" type="slidenum">
               <a:rPr kumimoji="1" lang="ja-JP" altLang="en-US" smtClean="0"/>
               <a:t>10</a:t>
+            </a:fld>
+            <a:endParaRPr kumimoji="1" lang="ja-JP" altLang="en-US"/>
+          </a:p>
+        </p:txBody>
+      </p:sp>
+    </p:spTree>
+    <p:extLst>
+      <p:ext uri="{BB962C8B-B14F-4D97-AF65-F5344CB8AC3E}">
+        <p14:creationId xmlns:p14="http://schemas.microsoft.com/office/powerpoint/2010/main" val="3535867368"/>
+      </p:ext>
+    </p:extLst>
+  </p:cSld>
+  <p:clrMapOvr>
+    <a:masterClrMapping/>
+  </p:clrMapOvr>
+  <p:timing>
+    <p:tnLst>
+      <p:par>
+        <p:cTn id="1" dur="indefinite" restart="never" nodeType="tmRoot"/>
+      </p:par>
+    </p:tnLst>
+  </p:timing>
+</p:sld>
+</file>
+
+<file path=ppt/slides/slide11.xml><?xml version="1.0" encoding="utf-8"?>
+<p:sld xmlns:a="http://schemas.openxmlformats.org/drawingml/2006/main" xmlns:r="http://schemas.openxmlformats.org/officeDocument/2006/relationships" xmlns:p="http://schemas.openxmlformats.org/presentationml/2006/main">
+  <p:cSld>
+    <p:spTree>
+      <p:nvGrpSpPr>
+        <p:cNvPr id="1" name=""/>
+        <p:cNvGrpSpPr/>
+        <p:nvPr/>
+      </p:nvGrpSpPr>
+      <p:grpSpPr>
+        <a:xfrm>
+          <a:off x="0" y="0"/>
+          <a:ext cx="0" cy="0"/>
+          <a:chOff x="0" y="0"/>
+          <a:chExt cx="0" cy="0"/>
+        </a:xfrm>
+      </p:grpSpPr>
+      <p:sp>
+        <p:nvSpPr>
+          <p:cNvPr id="2" name="タイトル 1"/>
+          <p:cNvSpPr>
+            <a:spLocks noGrp="1"/>
+          </p:cNvSpPr>
+          <p:nvPr>
+            <p:ph type="title"/>
+          </p:nvPr>
+        </p:nvSpPr>
+        <p:spPr/>
+        <p:txBody>
+          <a:bodyPr/>
+          <a:lstStyle/>
+          <a:p>
+            <a:r>
+              <a:rPr lang="en-US" altLang="ja-JP" dirty="0" err="1" smtClean="0"/>
+              <a:t>Node_modules</a:t>
+            </a:r>
+            <a:r>
+              <a:rPr lang="en-US" altLang="ja-JP" dirty="0" smtClean="0"/>
+              <a:t> install</a:t>
+            </a:r>
+            <a:endParaRPr kumimoji="1" lang="ja-JP" altLang="en-US" dirty="0"/>
+          </a:p>
+        </p:txBody>
+      </p:sp>
+      <p:sp>
+        <p:nvSpPr>
+          <p:cNvPr id="3" name="コンテンツ プレースホルダー 2"/>
+          <p:cNvSpPr>
+            <a:spLocks noGrp="1"/>
+          </p:cNvSpPr>
+          <p:nvPr>
+            <p:ph idx="1"/>
+          </p:nvPr>
+        </p:nvSpPr>
+        <p:spPr/>
+        <p:txBody>
+          <a:bodyPr/>
+          <a:lstStyle/>
+          <a:p>
+            <a:r>
+              <a:rPr lang="en-US" altLang="ja-JP" dirty="0" err="1" smtClean="0"/>
+              <a:t>Blockly</a:t>
+            </a:r>
+            <a:r>
+              <a:rPr lang="ja-JP" altLang="en-US" dirty="0" smtClean="0"/>
+              <a:t>公式によって用意されているモジュールのインストール</a:t>
+            </a:r>
+            <a:endParaRPr lang="en-US" altLang="ja-JP" dirty="0" smtClean="0"/>
+          </a:p>
+          <a:p>
+            <a:r>
+              <a:rPr kumimoji="1" lang="ja-JP" altLang="en-US" dirty="0" smtClean="0"/>
+              <a:t>方法：</a:t>
+            </a:r>
+            <a:r>
+              <a:rPr lang="ja-JP" altLang="en-US" dirty="0" smtClean="0"/>
+              <a:t>コマンドプロンプトにて</a:t>
+            </a:r>
+            <a:r>
+              <a:rPr kumimoji="1" lang="ja-JP" altLang="en-US" dirty="0" smtClean="0"/>
+              <a:t>実行したい</a:t>
+            </a:r>
+            <a:r>
+              <a:rPr kumimoji="1" lang="en-US" altLang="ja-JP" dirty="0" smtClean="0"/>
+              <a:t>JSON</a:t>
+            </a:r>
+            <a:r>
+              <a:rPr kumimoji="1" lang="ja-JP" altLang="en-US" dirty="0" smtClean="0"/>
+              <a:t>ファイルの場所に移動して</a:t>
+            </a:r>
+            <a:r>
+              <a:rPr kumimoji="1" lang="en-US" altLang="ja-JP" dirty="0" err="1" smtClean="0"/>
+              <a:t>npm</a:t>
+            </a:r>
+            <a:r>
+              <a:rPr kumimoji="1" lang="en-US" altLang="ja-JP" dirty="0" smtClean="0"/>
+              <a:t> install</a:t>
+            </a:r>
+            <a:r>
+              <a:rPr kumimoji="1" lang="ja-JP" altLang="en-US" dirty="0" smtClean="0"/>
+              <a:t>を実行</a:t>
+            </a:r>
+            <a:endParaRPr kumimoji="1" lang="en-US" altLang="ja-JP" dirty="0" smtClean="0"/>
+          </a:p>
+          <a:p>
+            <a:pPr marL="0" indent="0">
+              <a:buNone/>
+            </a:pPr>
+            <a:endParaRPr lang="en-US" altLang="ja-JP" dirty="0"/>
+          </a:p>
+        </p:txBody>
+      </p:sp>
+      <p:sp>
+        <p:nvSpPr>
+          <p:cNvPr id="4" name="スライド番号プレースホルダー 3"/>
+          <p:cNvSpPr>
+            <a:spLocks noGrp="1"/>
+          </p:cNvSpPr>
+          <p:nvPr>
+            <p:ph type="sldNum" sz="quarter" idx="12"/>
+          </p:nvPr>
+        </p:nvSpPr>
+        <p:spPr/>
+        <p:txBody>
+          <a:bodyPr/>
+          <a:lstStyle/>
+          <a:p>
+            <a:fld id="{4A32CB03-0843-4AF8-BFB2-C9917854BC7E}" type="slidenum">
+              <a:rPr kumimoji="1" lang="ja-JP" altLang="en-US" sz="2800" smtClean="0"/>
+              <a:t>11</a:t>
+            </a:fld>
+            <a:endParaRPr kumimoji="1" lang="ja-JP" altLang="en-US" sz="2800" dirty="0"/>
+          </a:p>
+        </p:txBody>
+      </p:sp>
+    </p:spTree>
+    <p:extLst>
+      <p:ext uri="{BB962C8B-B14F-4D97-AF65-F5344CB8AC3E}">
+        <p14:creationId xmlns:p14="http://schemas.microsoft.com/office/powerpoint/2010/main" val="2182324898"/>
+      </p:ext>
+    </p:extLst>
+  </p:cSld>
+  <p:clrMapOvr>
+    <a:masterClrMapping/>
+  </p:clrMapOvr>
+  <p:timing>
+    <p:tnLst>
+      <p:par>
+        <p:cTn id="1" dur="indefinite" restart="never" nodeType="tmRoot"/>
+      </p:par>
+    </p:tnLst>
+  </p:timing>
+</p:sld>
+</file>
+
+<file path=ppt/slides/slide12.xml><?xml version="1.0" encoding="utf-8"?>
+<p:sld xmlns:a="http://schemas.openxmlformats.org/drawingml/2006/main" xmlns:r="http://schemas.openxmlformats.org/officeDocument/2006/relationships" xmlns:p="http://schemas.openxmlformats.org/presentationml/2006/main">
+  <p:cSld>
+    <p:spTree>
+      <p:nvGrpSpPr>
+        <p:cNvPr id="1" name=""/>
+        <p:cNvGrpSpPr/>
+        <p:nvPr/>
+      </p:nvGrpSpPr>
+      <p:grpSpPr>
+        <a:xfrm>
+          <a:off x="0" y="0"/>
+          <a:ext cx="0" cy="0"/>
+          <a:chOff x="0" y="0"/>
+          <a:chExt cx="0" cy="0"/>
+        </a:xfrm>
+      </p:grpSpPr>
+      <p:sp>
+        <p:nvSpPr>
+          <p:cNvPr id="2" name="タイトル 1"/>
+          <p:cNvSpPr>
+            <a:spLocks noGrp="1"/>
+          </p:cNvSpPr>
+          <p:nvPr>
+            <p:ph type="title"/>
+          </p:nvPr>
+        </p:nvSpPr>
+        <p:spPr/>
+        <p:txBody>
+          <a:bodyPr/>
+          <a:lstStyle/>
+          <a:p>
+            <a:r>
+              <a:rPr lang="en-US" altLang="ja-JP" dirty="0" err="1"/>
+              <a:t>Node_modules</a:t>
+            </a:r>
+            <a:r>
+              <a:rPr lang="en-US" altLang="ja-JP" dirty="0"/>
+              <a:t> install</a:t>
+            </a:r>
+            <a:endParaRPr kumimoji="1" lang="ja-JP" altLang="en-US" dirty="0"/>
+          </a:p>
+        </p:txBody>
+      </p:sp>
+      <p:sp>
+        <p:nvSpPr>
+          <p:cNvPr id="4" name="スライド番号プレースホルダー 3"/>
+          <p:cNvSpPr>
+            <a:spLocks noGrp="1"/>
+          </p:cNvSpPr>
+          <p:nvPr>
+            <p:ph type="sldNum" sz="quarter" idx="12"/>
+          </p:nvPr>
+        </p:nvSpPr>
+        <p:spPr/>
+        <p:txBody>
+          <a:bodyPr/>
+          <a:lstStyle/>
+          <a:p>
+            <a:fld id="{4A32CB03-0843-4AF8-BFB2-C9917854BC7E}" type="slidenum">
+              <a:rPr kumimoji="1" lang="ja-JP" altLang="en-US" smtClean="0"/>
+              <a:t>12</a:t>
+            </a:fld>
+            <a:endParaRPr kumimoji="1" lang="ja-JP" altLang="en-US"/>
+          </a:p>
+        </p:txBody>
+      </p:sp>
+      <p:pic>
+        <p:nvPicPr>
+          <p:cNvPr id="5" name="図 4"/>
+          <p:cNvPicPr>
+            <a:picLocks noChangeAspect="1"/>
+          </p:cNvPicPr>
+          <p:nvPr/>
+        </p:nvPicPr>
+        <p:blipFill>
+          <a:blip r:embed="rId2"/>
+          <a:stretch>
+            <a:fillRect/>
+          </a:stretch>
+        </p:blipFill>
+        <p:spPr>
+          <a:xfrm>
+            <a:off x="628650" y="2176758"/>
+            <a:ext cx="7970195" cy="2031100"/>
+          </a:xfrm>
+          <a:prstGeom prst="rect">
+            <a:avLst/>
+          </a:prstGeom>
+        </p:spPr>
+      </p:pic>
+    </p:spTree>
+    <p:extLst>
+      <p:ext uri="{BB962C8B-B14F-4D97-AF65-F5344CB8AC3E}">
+        <p14:creationId xmlns:p14="http://schemas.microsoft.com/office/powerpoint/2010/main" val="2400612885"/>
+      </p:ext>
+    </p:extLst>
+  </p:cSld>
+  <p:clrMapOvr>
+    <a:masterClrMapping/>
+  </p:clrMapOvr>
+  <p:timing>
+    <p:tnLst>
+      <p:par>
+        <p:cTn id="1" dur="indefinite" restart="never" nodeType="tmRoot"/>
+      </p:par>
+    </p:tnLst>
+  </p:timing>
+</p:sld>
+</file>
+
+<file path=ppt/slides/slide13.xml><?xml version="1.0" encoding="utf-8"?>
+<p:sld xmlns:a="http://schemas.openxmlformats.org/drawingml/2006/main" xmlns:r="http://schemas.openxmlformats.org/officeDocument/2006/relationships" xmlns:p="http://schemas.openxmlformats.org/presentationml/2006/main">
+  <p:cSld>
+    <p:spTree>
+      <p:nvGrpSpPr>
+        <p:cNvPr id="1" name=""/>
+        <p:cNvGrpSpPr/>
+        <p:nvPr/>
+      </p:nvGrpSpPr>
+      <p:grpSpPr>
+        <a:xfrm>
+          <a:off x="0" y="0"/>
+          <a:ext cx="0" cy="0"/>
+          <a:chOff x="0" y="0"/>
+          <a:chExt cx="0" cy="0"/>
+        </a:xfrm>
+      </p:grpSpPr>
+      <p:sp>
+        <p:nvSpPr>
+          <p:cNvPr id="2" name="タイトル 1"/>
+          <p:cNvSpPr>
+            <a:spLocks noGrp="1"/>
+          </p:cNvSpPr>
+          <p:nvPr>
+            <p:ph type="title"/>
+          </p:nvPr>
+        </p:nvSpPr>
+        <p:spPr/>
+        <p:txBody>
+          <a:bodyPr/>
+          <a:lstStyle/>
+          <a:p>
+            <a:r>
+              <a:rPr kumimoji="1" lang="en-US" altLang="ja-JP" dirty="0" smtClean="0"/>
+              <a:t>Generator</a:t>
+            </a:r>
+            <a:endParaRPr kumimoji="1" lang="ja-JP" altLang="en-US" dirty="0"/>
+          </a:p>
+        </p:txBody>
+      </p:sp>
+      <p:sp>
+        <p:nvSpPr>
+          <p:cNvPr id="3" name="コンテンツ プレースホルダー 2"/>
+          <p:cNvSpPr>
+            <a:spLocks noGrp="1"/>
+          </p:cNvSpPr>
+          <p:nvPr>
+            <p:ph idx="1"/>
+          </p:nvPr>
+        </p:nvSpPr>
+        <p:spPr/>
+        <p:txBody>
+          <a:bodyPr/>
+          <a:lstStyle/>
+          <a:p>
+            <a:r>
+              <a:rPr kumimoji="1" lang="ja-JP" altLang="en-US" dirty="0" smtClean="0"/>
+              <a:t>ブロックからコードに変換するための生成器</a:t>
+            </a:r>
+            <a:endParaRPr lang="en-US" altLang="ja-JP" dirty="0"/>
+          </a:p>
+          <a:p>
+            <a:r>
+              <a:rPr lang="en-US" altLang="ja-JP" dirty="0" err="1" smtClean="0"/>
+              <a:t>Blockly</a:t>
+            </a:r>
+            <a:r>
+              <a:rPr lang="ja-JP" altLang="en-US" dirty="0" smtClean="0"/>
+              <a:t>で利用できる言語</a:t>
+            </a:r>
+            <a:endParaRPr lang="en-US" altLang="ja-JP" dirty="0" smtClean="0"/>
+          </a:p>
+          <a:p>
+            <a:pPr lvl="1"/>
+            <a:r>
+              <a:rPr kumimoji="1" lang="en-US" altLang="ja-JP" dirty="0" smtClean="0"/>
+              <a:t>JavaScript</a:t>
+            </a:r>
+          </a:p>
+          <a:p>
+            <a:pPr lvl="1"/>
+            <a:r>
+              <a:rPr lang="en-US" altLang="ja-JP" dirty="0" smtClean="0"/>
+              <a:t>Python</a:t>
+            </a:r>
+          </a:p>
+          <a:p>
+            <a:pPr lvl="1"/>
+            <a:r>
+              <a:rPr kumimoji="1" lang="en-US" altLang="ja-JP" dirty="0" smtClean="0"/>
+              <a:t>PHP</a:t>
+            </a:r>
+          </a:p>
+          <a:p>
+            <a:pPr lvl="1"/>
+            <a:r>
+              <a:rPr lang="en-US" altLang="ja-JP" dirty="0" err="1" smtClean="0"/>
+              <a:t>Lua</a:t>
+            </a:r>
+            <a:endParaRPr lang="en-US" altLang="ja-JP" dirty="0" smtClean="0"/>
+          </a:p>
+          <a:p>
+            <a:pPr lvl="1"/>
+            <a:r>
+              <a:rPr kumimoji="1" lang="en-US" altLang="ja-JP" dirty="0" smtClean="0"/>
+              <a:t>Dart</a:t>
+            </a:r>
+          </a:p>
+          <a:p>
+            <a:pPr marL="457200" lvl="1" indent="0">
+              <a:buNone/>
+            </a:pPr>
+            <a:endParaRPr kumimoji="1" lang="en-US" altLang="ja-JP" dirty="0" smtClean="0"/>
+          </a:p>
+        </p:txBody>
+      </p:sp>
+      <p:sp>
+        <p:nvSpPr>
+          <p:cNvPr id="4" name="スライド番号プレースホルダー 3"/>
+          <p:cNvSpPr>
+            <a:spLocks noGrp="1"/>
+          </p:cNvSpPr>
+          <p:nvPr>
+            <p:ph type="sldNum" sz="quarter" idx="12"/>
+          </p:nvPr>
+        </p:nvSpPr>
+        <p:spPr/>
+        <p:txBody>
+          <a:bodyPr/>
+          <a:lstStyle/>
+          <a:p>
+            <a:fld id="{4A32CB03-0843-4AF8-BFB2-C9917854BC7E}" type="slidenum">
+              <a:rPr kumimoji="1" lang="ja-JP" altLang="en-US" smtClean="0"/>
+              <a:t>13</a:t>
+            </a:fld>
+            <a:endParaRPr kumimoji="1" lang="ja-JP" altLang="en-US"/>
+          </a:p>
+        </p:txBody>
+      </p:sp>
+    </p:spTree>
+    <p:extLst>
+      <p:ext uri="{BB962C8B-B14F-4D97-AF65-F5344CB8AC3E}">
+        <p14:creationId xmlns:p14="http://schemas.microsoft.com/office/powerpoint/2010/main" val="559910476"/>
+      </p:ext>
+    </p:extLst>
+  </p:cSld>
+  <p:clrMapOvr>
+    <a:masterClrMapping/>
+  </p:clrMapOvr>
+  <p:timing>
+    <p:tnLst>
+      <p:par>
+        <p:cTn id="1" dur="indefinite" restart="never" nodeType="tmRoot"/>
+      </p:par>
+    </p:tnLst>
+  </p:timing>
+</p:sld>
+</file>
+
+<file path=ppt/slides/slide14.xml><?xml version="1.0" encoding="utf-8"?>
+<p:sld xmlns:a="http://schemas.openxmlformats.org/drawingml/2006/main" xmlns:r="http://schemas.openxmlformats.org/officeDocument/2006/relationships" xmlns:p="http://schemas.openxmlformats.org/presentationml/2006/main">
+  <p:cSld>
+    <p:spTree>
+      <p:nvGrpSpPr>
+        <p:cNvPr id="1" name=""/>
+        <p:cNvGrpSpPr/>
+        <p:nvPr/>
+      </p:nvGrpSpPr>
+      <p:grpSpPr>
+        <a:xfrm>
+          <a:off x="0" y="0"/>
+          <a:ext cx="0" cy="0"/>
+          <a:chOff x="0" y="0"/>
+          <a:chExt cx="0" cy="0"/>
+        </a:xfrm>
+      </p:grpSpPr>
+      <p:sp>
+        <p:nvSpPr>
+          <p:cNvPr id="2" name="タイトル 1"/>
+          <p:cNvSpPr>
+            <a:spLocks noGrp="1"/>
+          </p:cNvSpPr>
+          <p:nvPr>
+            <p:ph type="title"/>
+          </p:nvPr>
+        </p:nvSpPr>
+        <p:spPr>
+          <a:xfrm>
+            <a:off x="644834" y="365126"/>
+            <a:ext cx="7886700" cy="1325563"/>
+          </a:xfrm>
+        </p:spPr>
+        <p:txBody>
+          <a:bodyPr/>
+          <a:lstStyle/>
+          <a:p>
+            <a:r>
+              <a:rPr kumimoji="1" lang="en-US" altLang="ja-JP" dirty="0" err="1" smtClean="0"/>
+              <a:t>Lua</a:t>
+            </a:r>
+            <a:endParaRPr kumimoji="1" lang="ja-JP" altLang="en-US" dirty="0"/>
+          </a:p>
+        </p:txBody>
+      </p:sp>
+      <p:sp>
+        <p:nvSpPr>
+          <p:cNvPr id="3" name="コンテンツ プレースホルダー 2"/>
+          <p:cNvSpPr>
+            <a:spLocks noGrp="1"/>
+          </p:cNvSpPr>
+          <p:nvPr>
+            <p:ph idx="1"/>
+          </p:nvPr>
+        </p:nvSpPr>
+        <p:spPr/>
+        <p:txBody>
+          <a:bodyPr>
+            <a:normAutofit fontScale="70000" lnSpcReduction="20000"/>
+          </a:bodyPr>
+          <a:lstStyle/>
+          <a:p>
+            <a:pPr marL="0" indent="0">
+              <a:buNone/>
+            </a:pPr>
+            <a:r>
+              <a:rPr lang="en-US" altLang="ja-JP" dirty="0" err="1"/>
+              <a:t>Lua</a:t>
+            </a:r>
+            <a:r>
+              <a:rPr lang="ja-JP" altLang="en-US" dirty="0"/>
+              <a:t>（ルア）はスクリプト言語およびその処理系の実装で、主にリオデジャネイロ・カトリカ大学（英語版）のコンピュータ科学科 </a:t>
+            </a:r>
+            <a:r>
+              <a:rPr lang="en-US" altLang="ja-JP" dirty="0"/>
+              <a:t>(Department of Computer Science) </a:t>
+            </a:r>
+            <a:r>
+              <a:rPr lang="ja-JP" altLang="en-US" dirty="0"/>
+              <a:t>および</a:t>
+            </a:r>
+            <a:r>
+              <a:rPr lang="en-US" altLang="ja-JP" dirty="0"/>
+              <a:t>/</a:t>
+            </a:r>
+            <a:r>
+              <a:rPr lang="ja-JP" altLang="en-US" dirty="0"/>
+              <a:t>または同大学附属研究所の</a:t>
+            </a:r>
+            <a:r>
+              <a:rPr lang="en-US" altLang="ja-JP" dirty="0" err="1" smtClean="0"/>
+              <a:t>Tecgraf</a:t>
+            </a:r>
+            <a:r>
+              <a:rPr lang="en-US" altLang="ja-JP" dirty="0" smtClean="0"/>
+              <a:t>/PUC-Rio</a:t>
+            </a:r>
+            <a:r>
+              <a:rPr lang="ja-JP" altLang="en-US" dirty="0" smtClean="0"/>
+              <a:t>に</a:t>
+            </a:r>
+            <a:r>
+              <a:rPr lang="ja-JP" altLang="en-US" dirty="0"/>
+              <a:t>所属する、</a:t>
+            </a:r>
+            <a:r>
+              <a:rPr lang="en-US" altLang="ja-JP" dirty="0"/>
+              <a:t>Roberto </a:t>
+            </a:r>
+            <a:r>
+              <a:rPr lang="en-US" altLang="ja-JP" dirty="0" err="1"/>
+              <a:t>Ierusalimschy</a:t>
+            </a:r>
+            <a:r>
+              <a:rPr lang="ja-JP" altLang="en-US" dirty="0" err="1"/>
+              <a:t>、</a:t>
+            </a:r>
+            <a:r>
+              <a:rPr lang="en-US" altLang="ja-JP" dirty="0" err="1"/>
+              <a:t>Waldemar</a:t>
+            </a:r>
+            <a:r>
+              <a:rPr lang="en-US" altLang="ja-JP" dirty="0"/>
+              <a:t> </a:t>
+            </a:r>
+            <a:r>
+              <a:rPr lang="en-US" altLang="ja-JP" dirty="0" err="1" smtClean="0"/>
+              <a:t>Celes</a:t>
+            </a:r>
+            <a:r>
+              <a:rPr lang="ja-JP" altLang="en-US" dirty="0" err="1" smtClean="0"/>
+              <a:t>、</a:t>
+            </a:r>
+            <a:r>
+              <a:rPr lang="en-US" altLang="ja-JP" dirty="0"/>
+              <a:t>Luiz Henrique de </a:t>
+            </a:r>
+            <a:r>
+              <a:rPr lang="en-US" altLang="ja-JP" dirty="0" err="1" smtClean="0"/>
+              <a:t>Figueiredo</a:t>
+            </a:r>
+            <a:r>
+              <a:rPr lang="ja-JP" altLang="en-US" dirty="0" err="1" smtClean="0"/>
+              <a:t>らに</a:t>
+            </a:r>
+            <a:r>
+              <a:rPr lang="ja-JP" altLang="en-US" dirty="0"/>
+              <a:t>よって設計開発</a:t>
+            </a:r>
+            <a:r>
+              <a:rPr lang="ja-JP" altLang="en-US" dirty="0" smtClean="0"/>
+              <a:t>された。</a:t>
+            </a:r>
+            <a:endParaRPr lang="ja-JP" altLang="en-US" dirty="0"/>
+          </a:p>
+          <a:p>
+            <a:pPr marL="0" indent="0">
+              <a:buNone/>
+            </a:pPr>
+            <a:endParaRPr lang="ja-JP" altLang="en-US" dirty="0"/>
+          </a:p>
+          <a:p>
+            <a:pPr marL="0" indent="0">
+              <a:buNone/>
+            </a:pPr>
+            <a:r>
+              <a:rPr lang="ja-JP" altLang="en-US" dirty="0"/>
+              <a:t>手続き型言語として、またプロトタイプベースのオブジェクト指向言語としても利用することができ、関数型言語、データ駆動型としての要素も併せ持っている。</a:t>
+            </a:r>
+          </a:p>
+          <a:p>
+            <a:pPr marL="0" indent="0">
+              <a:buNone/>
+            </a:pPr>
+            <a:endParaRPr lang="ja-JP" altLang="en-US" dirty="0"/>
+          </a:p>
+          <a:p>
+            <a:pPr marL="0" indent="0">
+              <a:buNone/>
+            </a:pPr>
+            <a:r>
+              <a:rPr lang="en-US" altLang="ja-JP" dirty="0" err="1"/>
+              <a:t>Lua</a:t>
+            </a:r>
+            <a:r>
+              <a:rPr lang="ja-JP" altLang="en-US" dirty="0"/>
+              <a:t>という名前は、ポルトガル語の「月」に由来する</a:t>
+            </a:r>
+            <a:r>
+              <a:rPr lang="ja-JP" altLang="en-US" dirty="0" smtClean="0"/>
+              <a:t>。</a:t>
+            </a:r>
+            <a:endParaRPr lang="en-US" altLang="ja-JP" dirty="0" smtClean="0"/>
+          </a:p>
+          <a:p>
+            <a:pPr marL="0" indent="0">
+              <a:buNone/>
+            </a:pPr>
+            <a:endParaRPr kumimoji="1" lang="en-US" altLang="ja-JP" dirty="0" smtClean="0"/>
+          </a:p>
+          <a:p>
+            <a:pPr marL="0" indent="0">
+              <a:buNone/>
+            </a:pPr>
+            <a:r>
+              <a:rPr lang="ja-JP" altLang="en-US" dirty="0"/>
+              <a:t>引用</a:t>
+            </a:r>
+            <a:r>
+              <a:rPr lang="ja-JP" altLang="en-US" dirty="0" smtClean="0"/>
+              <a:t>：</a:t>
+            </a:r>
+            <a:endParaRPr kumimoji="1" lang="en-US" altLang="ja-JP" dirty="0"/>
+          </a:p>
+          <a:p>
+            <a:pPr marL="0" indent="0">
+              <a:buNone/>
+            </a:pPr>
+            <a:r>
+              <a:rPr lang="en-US" altLang="ja-JP" dirty="0"/>
+              <a:t>https://ja.wikipedia.org/wiki/Lua</a:t>
+            </a:r>
+            <a:endParaRPr kumimoji="1" lang="ja-JP" altLang="en-US" dirty="0"/>
+          </a:p>
+        </p:txBody>
+      </p:sp>
+      <p:sp>
+        <p:nvSpPr>
+          <p:cNvPr id="4" name="スライド番号プレースホルダー 3"/>
+          <p:cNvSpPr>
+            <a:spLocks noGrp="1"/>
+          </p:cNvSpPr>
+          <p:nvPr>
+            <p:ph type="sldNum" sz="quarter" idx="12"/>
+          </p:nvPr>
+        </p:nvSpPr>
+        <p:spPr/>
+        <p:txBody>
+          <a:bodyPr/>
+          <a:lstStyle/>
+          <a:p>
+            <a:fld id="{4A32CB03-0843-4AF8-BFB2-C9917854BC7E}" type="slidenum">
+              <a:rPr kumimoji="1" lang="ja-JP" altLang="en-US" smtClean="0"/>
+              <a:t>14</a:t>
+            </a:fld>
+            <a:endParaRPr kumimoji="1" lang="ja-JP" altLang="en-US"/>
+          </a:p>
+        </p:txBody>
+      </p:sp>
+    </p:spTree>
+    <p:extLst>
+      <p:ext uri="{BB962C8B-B14F-4D97-AF65-F5344CB8AC3E}">
+        <p14:creationId xmlns:p14="http://schemas.microsoft.com/office/powerpoint/2010/main" val="843265026"/>
+      </p:ext>
+    </p:extLst>
+  </p:cSld>
+  <p:clrMapOvr>
+    <a:masterClrMapping/>
+  </p:clrMapOvr>
+  <p:timing>
+    <p:tnLst>
+      <p:par>
+        <p:cTn id="1" dur="indefinite" restart="never" nodeType="tmRoot"/>
+      </p:par>
+    </p:tnLst>
+  </p:timing>
+</p:sld>
+</file>
+
+<file path=ppt/slides/slide15.xml><?xml version="1.0" encoding="utf-8"?>
+<p:sld xmlns:a="http://schemas.openxmlformats.org/drawingml/2006/main" xmlns:r="http://schemas.openxmlformats.org/officeDocument/2006/relationships" xmlns:p="http://schemas.openxmlformats.org/presentationml/2006/main">
+  <p:cSld>
+    <p:spTree>
+      <p:nvGrpSpPr>
+        <p:cNvPr id="1" name=""/>
+        <p:cNvGrpSpPr/>
+        <p:nvPr/>
+      </p:nvGrpSpPr>
+      <p:grpSpPr>
+        <a:xfrm>
+          <a:off x="0" y="0"/>
+          <a:ext cx="0" cy="0"/>
+          <a:chOff x="0" y="0"/>
+          <a:chExt cx="0" cy="0"/>
+        </a:xfrm>
+      </p:grpSpPr>
+      <p:sp>
+        <p:nvSpPr>
+          <p:cNvPr id="2" name="タイトル 1"/>
+          <p:cNvSpPr>
+            <a:spLocks noGrp="1"/>
+          </p:cNvSpPr>
+          <p:nvPr>
+            <p:ph type="title"/>
+          </p:nvPr>
+        </p:nvSpPr>
+        <p:spPr/>
+        <p:txBody>
+          <a:bodyPr/>
+          <a:lstStyle/>
+          <a:p>
+            <a:r>
+              <a:rPr kumimoji="1" lang="en-US" altLang="ja-JP" dirty="0" smtClean="0"/>
+              <a:t>Dart</a:t>
+            </a:r>
+            <a:endParaRPr kumimoji="1" lang="ja-JP" altLang="en-US" dirty="0"/>
+          </a:p>
+        </p:txBody>
+      </p:sp>
+      <p:sp>
+        <p:nvSpPr>
+          <p:cNvPr id="3" name="コンテンツ プレースホルダー 2"/>
+          <p:cNvSpPr>
+            <a:spLocks noGrp="1"/>
+          </p:cNvSpPr>
+          <p:nvPr>
+            <p:ph idx="1"/>
+          </p:nvPr>
+        </p:nvSpPr>
+        <p:spPr/>
+        <p:txBody>
+          <a:bodyPr>
+            <a:normAutofit lnSpcReduction="10000"/>
+          </a:bodyPr>
+          <a:lstStyle/>
+          <a:p>
+            <a:pPr marL="0" indent="0">
+              <a:buNone/>
+            </a:pPr>
+            <a:r>
+              <a:rPr lang="en-US" altLang="ja-JP" dirty="0"/>
+              <a:t>Dart</a:t>
+            </a:r>
+            <a:r>
+              <a:rPr lang="ja-JP" altLang="en-US" dirty="0"/>
+              <a:t>（ダートもしくはダーツ。当初は </a:t>
+            </a:r>
+            <a:r>
+              <a:rPr lang="en-US" altLang="ja-JP" dirty="0"/>
+              <a:t>Dash </a:t>
+            </a:r>
+            <a:r>
+              <a:rPr lang="ja-JP" altLang="en-US" dirty="0"/>
+              <a:t>と呼ばれていた）は</a:t>
+            </a:r>
+            <a:r>
+              <a:rPr lang="en-US" altLang="ja-JP" dirty="0"/>
+              <a:t>Google</a:t>
+            </a:r>
+            <a:r>
+              <a:rPr lang="ja-JP" altLang="en-US" dirty="0"/>
+              <a:t>によって開発されたウェブ向けのプログラミング言語である。</a:t>
+            </a:r>
+            <a:r>
+              <a:rPr lang="en-US" altLang="ja-JP" dirty="0"/>
+              <a:t>2011</a:t>
+            </a:r>
+            <a:r>
+              <a:rPr lang="ja-JP" altLang="en-US" dirty="0"/>
+              <a:t>年</a:t>
+            </a:r>
+            <a:r>
+              <a:rPr lang="en-US" altLang="ja-JP" dirty="0"/>
+              <a:t>10</a:t>
+            </a:r>
+            <a:r>
+              <a:rPr lang="ja-JP" altLang="en-US" dirty="0"/>
+              <a:t>月</a:t>
+            </a:r>
+            <a:r>
+              <a:rPr lang="en-US" altLang="ja-JP" dirty="0"/>
+              <a:t>10</a:t>
+            </a:r>
+            <a:r>
+              <a:rPr lang="ja-JP" altLang="en-US" dirty="0"/>
+              <a:t>日 </a:t>
+            </a:r>
+            <a:r>
+              <a:rPr lang="en-US" altLang="ja-JP" dirty="0"/>
+              <a:t>- 12</a:t>
+            </a:r>
+            <a:r>
+              <a:rPr lang="ja-JP" altLang="en-US" dirty="0"/>
+              <a:t>日に開催された デンマークのオーフスで開催された「</a:t>
+            </a:r>
+            <a:r>
+              <a:rPr lang="en-US" altLang="ja-JP" dirty="0"/>
+              <a:t>GOTO</a:t>
+            </a:r>
+            <a:r>
+              <a:rPr lang="ja-JP" altLang="en-US" dirty="0"/>
+              <a:t>カンファレンス</a:t>
+            </a:r>
+            <a:r>
+              <a:rPr lang="ja-JP" altLang="en-US" dirty="0" smtClean="0"/>
+              <a:t>」で</a:t>
+            </a:r>
+            <a:r>
+              <a:rPr lang="ja-JP" altLang="en-US" dirty="0"/>
+              <a:t>公開</a:t>
+            </a:r>
+            <a:r>
+              <a:rPr lang="ja-JP" altLang="en-US" dirty="0" smtClean="0"/>
+              <a:t>された。</a:t>
+            </a:r>
+            <a:r>
+              <a:rPr lang="ja-JP" altLang="en-US" dirty="0"/>
+              <a:t>この言語は、ウェブブラウザ組み込みのスクリプト言語である</a:t>
+            </a:r>
+            <a:r>
+              <a:rPr lang="en-US" altLang="ja-JP" dirty="0"/>
+              <a:t>JavaScript</a:t>
+            </a:r>
+            <a:r>
+              <a:rPr lang="ja-JP" altLang="en-US" dirty="0"/>
+              <a:t>の代替となることを目的に作られた</a:t>
+            </a:r>
+            <a:r>
+              <a:rPr lang="ja-JP" altLang="en-US" dirty="0" smtClean="0"/>
+              <a:t>。</a:t>
+            </a:r>
+            <a:endParaRPr lang="en-US" altLang="ja-JP" dirty="0"/>
+          </a:p>
+          <a:p>
+            <a:pPr marL="0" indent="0">
+              <a:buNone/>
+            </a:pPr>
+            <a:endParaRPr kumimoji="1" lang="en-US" altLang="ja-JP" dirty="0" smtClean="0"/>
+          </a:p>
+          <a:p>
+            <a:pPr marL="0" indent="0">
+              <a:buNone/>
+            </a:pPr>
+            <a:r>
+              <a:rPr kumimoji="1" lang="ja-JP" altLang="en-US" dirty="0" smtClean="0"/>
+              <a:t>引用：</a:t>
+            </a:r>
+            <a:endParaRPr kumimoji="1" lang="en-US" altLang="ja-JP" dirty="0" smtClean="0"/>
+          </a:p>
+          <a:p>
+            <a:pPr marL="0" indent="0">
+              <a:buNone/>
+            </a:pPr>
+            <a:r>
+              <a:rPr lang="en-US" altLang="ja-JP" dirty="0"/>
+              <a:t>https://ja.wikipedia.org/wiki/Dart</a:t>
+            </a:r>
+            <a:endParaRPr kumimoji="1" lang="ja-JP" altLang="en-US" dirty="0"/>
+          </a:p>
+        </p:txBody>
+      </p:sp>
+      <p:sp>
+        <p:nvSpPr>
+          <p:cNvPr id="4" name="スライド番号プレースホルダー 3"/>
+          <p:cNvSpPr>
+            <a:spLocks noGrp="1"/>
+          </p:cNvSpPr>
+          <p:nvPr>
+            <p:ph type="sldNum" sz="quarter" idx="12"/>
+          </p:nvPr>
+        </p:nvSpPr>
+        <p:spPr/>
+        <p:txBody>
+          <a:bodyPr/>
+          <a:lstStyle/>
+          <a:p>
+            <a:fld id="{4A32CB03-0843-4AF8-BFB2-C9917854BC7E}" type="slidenum">
+              <a:rPr kumimoji="1" lang="ja-JP" altLang="en-US" smtClean="0"/>
+              <a:t>15</a:t>
+            </a:fld>
+            <a:endParaRPr kumimoji="1" lang="ja-JP" altLang="en-US"/>
+          </a:p>
+        </p:txBody>
+      </p:sp>
+    </p:spTree>
+    <p:extLst>
+      <p:ext uri="{BB962C8B-B14F-4D97-AF65-F5344CB8AC3E}">
+        <p14:creationId xmlns:p14="http://schemas.microsoft.com/office/powerpoint/2010/main" val="3121424104"/>
+      </p:ext>
+    </p:extLst>
+  </p:cSld>
+  <p:clrMapOvr>
+    <a:masterClrMapping/>
+  </p:clrMapOvr>
+  <p:timing>
+    <p:tnLst>
+      <p:par>
+        <p:cTn id="1" dur="indefinite" restart="never" nodeType="tmRoot"/>
+      </p:par>
+    </p:tnLst>
+  </p:timing>
+</p:sld>
+</file>
+
+<file path=ppt/slides/slide16.xml><?xml version="1.0" encoding="utf-8"?>
+<p:sld xmlns:a="http://schemas.openxmlformats.org/drawingml/2006/main" xmlns:r="http://schemas.openxmlformats.org/officeDocument/2006/relationships" xmlns:p="http://schemas.openxmlformats.org/presentationml/2006/main">
+  <p:cSld>
+    <p:spTree>
+      <p:nvGrpSpPr>
+        <p:cNvPr id="1" name=""/>
+        <p:cNvGrpSpPr/>
+        <p:nvPr/>
+      </p:nvGrpSpPr>
+      <p:grpSpPr>
+        <a:xfrm>
+          <a:off x="0" y="0"/>
+          <a:ext cx="0" cy="0"/>
+          <a:chOff x="0" y="0"/>
+          <a:chExt cx="0" cy="0"/>
+        </a:xfrm>
+      </p:grpSpPr>
+      <p:sp>
+        <p:nvSpPr>
+          <p:cNvPr id="2" name="タイトル 1"/>
+          <p:cNvSpPr>
+            <a:spLocks noGrp="1"/>
+          </p:cNvSpPr>
+          <p:nvPr>
+            <p:ph type="title"/>
+          </p:nvPr>
+        </p:nvSpPr>
+        <p:spPr/>
+        <p:txBody>
+          <a:bodyPr/>
+          <a:lstStyle/>
+          <a:p>
+            <a:r>
+              <a:rPr kumimoji="1" lang="en-US" altLang="ja-JP" dirty="0" smtClean="0"/>
+              <a:t>Generator</a:t>
+            </a:r>
+            <a:endParaRPr kumimoji="1" lang="ja-JP" altLang="en-US" dirty="0"/>
+          </a:p>
+        </p:txBody>
+      </p:sp>
+      <p:sp>
+        <p:nvSpPr>
+          <p:cNvPr id="3" name="コンテンツ プレースホルダー 2"/>
+          <p:cNvSpPr>
+            <a:spLocks noGrp="1"/>
+          </p:cNvSpPr>
+          <p:nvPr>
+            <p:ph idx="1"/>
+          </p:nvPr>
+        </p:nvSpPr>
+        <p:spPr/>
+        <p:txBody>
+          <a:bodyPr>
+            <a:normAutofit/>
+          </a:bodyPr>
+          <a:lstStyle/>
+          <a:p>
+            <a:r>
+              <a:rPr kumimoji="1" lang="en-US" altLang="ja-JP" dirty="0" smtClean="0"/>
+              <a:t>Generator</a:t>
+            </a:r>
+            <a:r>
+              <a:rPr kumimoji="1" lang="ja-JP" altLang="en-US" dirty="0" smtClean="0"/>
+              <a:t>を利用する際には、前のスライドの通りに実行し、</a:t>
+            </a:r>
+            <a:r>
+              <a:rPr kumimoji="1" lang="en-US" altLang="ja-JP" dirty="0" err="1" smtClean="0"/>
+              <a:t>Node_modules</a:t>
+            </a:r>
+            <a:r>
+              <a:rPr kumimoji="1" lang="ja-JP" altLang="en-US" dirty="0" smtClean="0"/>
+              <a:t>内のファイルを呼び出す</a:t>
+            </a:r>
+            <a:endParaRPr kumimoji="1" lang="en-US" altLang="ja-JP" dirty="0" smtClean="0"/>
+          </a:p>
+          <a:p>
+            <a:r>
+              <a:rPr lang="en-US" altLang="ja-JP" dirty="0"/>
+              <a:t>h</a:t>
+            </a:r>
+            <a:r>
+              <a:rPr lang="en-US" altLang="ja-JP" dirty="0" smtClean="0"/>
+              <a:t>tml</a:t>
+            </a:r>
+            <a:r>
+              <a:rPr lang="ja-JP" altLang="en-US" dirty="0" smtClean="0"/>
+              <a:t>ファイル内で、</a:t>
+            </a:r>
+            <a:r>
+              <a:rPr lang="en-US" altLang="ja-JP" dirty="0" smtClean="0"/>
+              <a:t>script</a:t>
+            </a:r>
+            <a:r>
+              <a:rPr lang="ja-JP" altLang="en-US" dirty="0" smtClean="0"/>
+              <a:t>で呼び出し</a:t>
+            </a:r>
+            <a:endParaRPr lang="en-US" altLang="ja-JP" dirty="0" smtClean="0"/>
+          </a:p>
+          <a:p>
+            <a:r>
+              <a:rPr lang="en-US" altLang="ja-JP" dirty="0"/>
+              <a:t> </a:t>
+            </a:r>
+            <a:r>
+              <a:rPr lang="en-US" altLang="ja-JP" dirty="0" err="1"/>
+              <a:t>var</a:t>
+            </a:r>
+            <a:r>
+              <a:rPr lang="en-US" altLang="ja-JP" dirty="0"/>
+              <a:t> code = </a:t>
+            </a:r>
+            <a:r>
+              <a:rPr lang="en-US" altLang="ja-JP" dirty="0" err="1"/>
+              <a:t>Blockly.JavaScript.workspaceToCode</a:t>
+            </a:r>
+            <a:r>
+              <a:rPr lang="en-US" altLang="ja-JP" dirty="0"/>
+              <a:t>(</a:t>
+            </a:r>
+            <a:r>
+              <a:rPr lang="en-US" altLang="ja-JP" dirty="0" err="1"/>
+              <a:t>demoWorkspace</a:t>
+            </a:r>
+            <a:r>
+              <a:rPr lang="en-US" altLang="ja-JP" dirty="0" smtClean="0"/>
+              <a:t>);</a:t>
+            </a:r>
+          </a:p>
+          <a:p>
+            <a:endParaRPr lang="en-US" altLang="ja-JP" dirty="0"/>
+          </a:p>
+        </p:txBody>
+      </p:sp>
+      <p:sp>
+        <p:nvSpPr>
+          <p:cNvPr id="4" name="スライド番号プレースホルダー 3"/>
+          <p:cNvSpPr>
+            <a:spLocks noGrp="1"/>
+          </p:cNvSpPr>
+          <p:nvPr>
+            <p:ph type="sldNum" sz="quarter" idx="12"/>
+          </p:nvPr>
+        </p:nvSpPr>
+        <p:spPr/>
+        <p:txBody>
+          <a:bodyPr/>
+          <a:lstStyle/>
+          <a:p>
+            <a:fld id="{4A32CB03-0843-4AF8-BFB2-C9917854BC7E}" type="slidenum">
+              <a:rPr kumimoji="1" lang="ja-JP" altLang="en-US" smtClean="0"/>
+              <a:t>16</a:t>
+            </a:fld>
+            <a:endParaRPr kumimoji="1" lang="ja-JP" altLang="en-US"/>
+          </a:p>
+        </p:txBody>
+      </p:sp>
+    </p:spTree>
+    <p:extLst>
+      <p:ext uri="{BB962C8B-B14F-4D97-AF65-F5344CB8AC3E}">
+        <p14:creationId xmlns:p14="http://schemas.microsoft.com/office/powerpoint/2010/main" val="2142560469"/>
+      </p:ext>
+    </p:extLst>
+  </p:cSld>
+  <p:clrMapOvr>
+    <a:masterClrMapping/>
+  </p:clrMapOvr>
+  <p:timing>
+    <p:tnLst>
+      <p:par>
+        <p:cTn id="1" dur="indefinite" restart="never" nodeType="tmRoot"/>
+      </p:par>
+    </p:tnLst>
+  </p:timing>
+</p:sld>
+</file>
+
+<file path=ppt/slides/slide17.xml><?xml version="1.0" encoding="utf-8"?>
+<p:sld xmlns:a="http://schemas.openxmlformats.org/drawingml/2006/main" xmlns:r="http://schemas.openxmlformats.org/officeDocument/2006/relationships" xmlns:p="http://schemas.openxmlformats.org/presentationml/2006/main">
+  <p:cSld>
+    <p:spTree>
+      <p:nvGrpSpPr>
+        <p:cNvPr id="1" name=""/>
+        <p:cNvGrpSpPr/>
+        <p:nvPr/>
+      </p:nvGrpSpPr>
+      <p:grpSpPr>
+        <a:xfrm>
+          <a:off x="0" y="0"/>
+          <a:ext cx="0" cy="0"/>
+          <a:chOff x="0" y="0"/>
+          <a:chExt cx="0" cy="0"/>
+        </a:xfrm>
+      </p:grpSpPr>
+      <p:sp>
+        <p:nvSpPr>
+          <p:cNvPr id="2" name="タイトル 1"/>
+          <p:cNvSpPr>
+            <a:spLocks noGrp="1"/>
+          </p:cNvSpPr>
+          <p:nvPr>
+            <p:ph type="title"/>
+          </p:nvPr>
+        </p:nvSpPr>
+        <p:spPr/>
+        <p:txBody>
+          <a:bodyPr/>
+          <a:lstStyle/>
+          <a:p>
+            <a:r>
+              <a:rPr kumimoji="1" lang="en-US" altLang="ja-JP" dirty="0" err="1" smtClean="0"/>
+              <a:t>Genearator</a:t>
+            </a:r>
+            <a:r>
+              <a:rPr kumimoji="1" lang="ja-JP" altLang="en-US" dirty="0" smtClean="0"/>
+              <a:t>の実行テスト</a:t>
+            </a:r>
+            <a:endParaRPr kumimoji="1" lang="ja-JP" altLang="en-US" dirty="0"/>
+          </a:p>
+        </p:txBody>
+      </p:sp>
+      <p:sp>
+        <p:nvSpPr>
+          <p:cNvPr id="4" name="スライド番号プレースホルダー 3"/>
+          <p:cNvSpPr>
+            <a:spLocks noGrp="1"/>
+          </p:cNvSpPr>
+          <p:nvPr>
+            <p:ph type="sldNum" sz="quarter" idx="12"/>
+          </p:nvPr>
+        </p:nvSpPr>
+        <p:spPr/>
+        <p:txBody>
+          <a:bodyPr/>
+          <a:lstStyle/>
+          <a:p>
+            <a:fld id="{4A32CB03-0843-4AF8-BFB2-C9917854BC7E}" type="slidenum">
+              <a:rPr kumimoji="1" lang="ja-JP" altLang="en-US" sz="2800" smtClean="0"/>
+              <a:t>17</a:t>
+            </a:fld>
+            <a:endParaRPr kumimoji="1" lang="ja-JP" altLang="en-US" dirty="0"/>
+          </a:p>
+        </p:txBody>
+      </p:sp>
+      <p:pic>
+        <p:nvPicPr>
+          <p:cNvPr id="3" name="図 2"/>
+          <p:cNvPicPr>
+            <a:picLocks noChangeAspect="1"/>
+          </p:cNvPicPr>
+          <p:nvPr/>
+        </p:nvPicPr>
+        <p:blipFill>
+          <a:blip r:embed="rId2"/>
+          <a:stretch>
+            <a:fillRect/>
+          </a:stretch>
+        </p:blipFill>
+        <p:spPr>
+          <a:xfrm>
+            <a:off x="1141095" y="1690689"/>
+            <a:ext cx="5647905" cy="3900141"/>
+          </a:xfrm>
+          <a:prstGeom prst="rect">
+            <a:avLst/>
+          </a:prstGeom>
+        </p:spPr>
+      </p:pic>
+    </p:spTree>
+    <p:extLst>
+      <p:ext uri="{BB962C8B-B14F-4D97-AF65-F5344CB8AC3E}">
+        <p14:creationId xmlns:p14="http://schemas.microsoft.com/office/powerpoint/2010/main" val="4257970129"/>
+      </p:ext>
+    </p:extLst>
+  </p:cSld>
+  <p:clrMapOvr>
+    <a:masterClrMapping/>
+  </p:clrMapOvr>
+  <p:timing>
+    <p:tnLst>
+      <p:par>
+        <p:cTn id="1" dur="indefinite" restart="never" nodeType="tmRoot"/>
+      </p:par>
+    </p:tnLst>
+  </p:timing>
+</p:sld>
+</file>
+
+<file path=ppt/slides/slide18.xml><?xml version="1.0" encoding="utf-8"?>
+<p:sld xmlns:a="http://schemas.openxmlformats.org/drawingml/2006/main" xmlns:r="http://schemas.openxmlformats.org/officeDocument/2006/relationships" xmlns:p="http://schemas.openxmlformats.org/presentationml/2006/main">
+  <p:cSld>
+    <p:spTree>
+      <p:nvGrpSpPr>
+        <p:cNvPr id="1" name=""/>
+        <p:cNvGrpSpPr/>
+        <p:nvPr/>
+      </p:nvGrpSpPr>
+      <p:grpSpPr>
+        <a:xfrm>
+          <a:off x="0" y="0"/>
+          <a:ext cx="0" cy="0"/>
+          <a:chOff x="0" y="0"/>
+          <a:chExt cx="0" cy="0"/>
+        </a:xfrm>
+      </p:grpSpPr>
+      <p:sp>
+        <p:nvSpPr>
+          <p:cNvPr id="2" name="タイトル 1"/>
+          <p:cNvSpPr>
+            <a:spLocks noGrp="1"/>
+          </p:cNvSpPr>
+          <p:nvPr>
+            <p:ph type="title"/>
+          </p:nvPr>
+        </p:nvSpPr>
+        <p:spPr/>
+        <p:txBody>
+          <a:bodyPr/>
+          <a:lstStyle/>
+          <a:p>
+            <a:r>
+              <a:rPr lang="en-US" altLang="ja-JP" dirty="0" err="1"/>
+              <a:t>Genearator</a:t>
+            </a:r>
+            <a:r>
+              <a:rPr lang="ja-JP" altLang="en-US" dirty="0"/>
+              <a:t>の実行テスト</a:t>
+            </a:r>
+            <a:endParaRPr kumimoji="1" lang="ja-JP" altLang="en-US" dirty="0"/>
+          </a:p>
+        </p:txBody>
+      </p:sp>
+      <p:sp>
+        <p:nvSpPr>
+          <p:cNvPr id="3" name="コンテンツ プレースホルダー 2"/>
+          <p:cNvSpPr>
+            <a:spLocks noGrp="1"/>
+          </p:cNvSpPr>
+          <p:nvPr>
+            <p:ph idx="1"/>
+          </p:nvPr>
+        </p:nvSpPr>
+        <p:spPr/>
+        <p:txBody>
+          <a:bodyPr/>
+          <a:lstStyle/>
+          <a:p>
+            <a:r>
+              <a:rPr kumimoji="1" lang="ja-JP" altLang="en-US" dirty="0" smtClean="0"/>
+              <a:t>図のようにブロックを組み合わせ、左側の</a:t>
+            </a:r>
+            <a:r>
+              <a:rPr kumimoji="1" lang="en-US" altLang="ja-JP" dirty="0" smtClean="0"/>
+              <a:t>Show </a:t>
+            </a:r>
+            <a:r>
+              <a:rPr kumimoji="1" lang="en-US" altLang="ja-JP" dirty="0" err="1" smtClean="0"/>
+              <a:t>javascript</a:t>
+            </a:r>
+            <a:r>
+              <a:rPr kumimoji="1" lang="ja-JP" altLang="en-US" dirty="0" smtClean="0"/>
+              <a:t>を押すと、ブロックからコードを生成する</a:t>
+            </a:r>
+            <a:r>
+              <a:rPr lang="ja-JP" altLang="en-US" dirty="0" smtClean="0"/>
+              <a:t>（ブロックに対応したコードを表示する）</a:t>
+            </a:r>
+            <a:endParaRPr lang="en-US" altLang="ja-JP" dirty="0" smtClean="0"/>
+          </a:p>
+          <a:p>
+            <a:r>
+              <a:rPr lang="ja-JP" altLang="en-US" dirty="0" smtClean="0"/>
+              <a:t>右側の</a:t>
+            </a:r>
+            <a:r>
+              <a:rPr lang="en-US" altLang="ja-JP" dirty="0" smtClean="0"/>
+              <a:t>Run JavaScript</a:t>
+            </a:r>
+            <a:r>
+              <a:rPr lang="ja-JP" altLang="en-US" dirty="0" smtClean="0"/>
+              <a:t>を押すと、コードを実行する</a:t>
+            </a:r>
+            <a:endParaRPr kumimoji="1" lang="en-US" altLang="ja-JP" dirty="0" smtClean="0"/>
+          </a:p>
+        </p:txBody>
+      </p:sp>
+      <p:sp>
+        <p:nvSpPr>
+          <p:cNvPr id="4" name="スライド番号プレースホルダー 3"/>
+          <p:cNvSpPr>
+            <a:spLocks noGrp="1"/>
+          </p:cNvSpPr>
+          <p:nvPr>
+            <p:ph type="sldNum" sz="quarter" idx="12"/>
+          </p:nvPr>
+        </p:nvSpPr>
+        <p:spPr/>
+        <p:txBody>
+          <a:bodyPr/>
+          <a:lstStyle/>
+          <a:p>
+            <a:fld id="{4A32CB03-0843-4AF8-BFB2-C9917854BC7E}" type="slidenum">
+              <a:rPr kumimoji="1" lang="ja-JP" altLang="en-US" sz="2800" smtClean="0"/>
+              <a:t>18</a:t>
+            </a:fld>
+            <a:endParaRPr kumimoji="1" lang="ja-JP" altLang="en-US" sz="2800" dirty="0"/>
+          </a:p>
+        </p:txBody>
+      </p:sp>
+    </p:spTree>
+    <p:extLst>
+      <p:ext uri="{BB962C8B-B14F-4D97-AF65-F5344CB8AC3E}">
+        <p14:creationId xmlns:p14="http://schemas.microsoft.com/office/powerpoint/2010/main" val="2997179172"/>
+      </p:ext>
+    </p:extLst>
+  </p:cSld>
+  <p:clrMapOvr>
+    <a:masterClrMapping/>
+  </p:clrMapOvr>
+  <p:timing>
+    <p:tnLst>
+      <p:par>
+        <p:cTn id="1" dur="indefinite" restart="never" nodeType="tmRoot"/>
+      </p:par>
+    </p:tnLst>
+  </p:timing>
+</p:sld>
+</file>
+
+<file path=ppt/slides/slide19.xml><?xml version="1.0" encoding="utf-8"?>
+<p:sld xmlns:a="http://schemas.openxmlformats.org/drawingml/2006/main" xmlns:r="http://schemas.openxmlformats.org/officeDocument/2006/relationships" xmlns:p="http://schemas.openxmlformats.org/presentationml/2006/main">
+  <p:cSld>
+    <p:spTree>
+      <p:nvGrpSpPr>
+        <p:cNvPr id="1" name=""/>
+        <p:cNvGrpSpPr/>
+        <p:nvPr/>
+      </p:nvGrpSpPr>
+      <p:grpSpPr>
+        <a:xfrm>
+          <a:off x="0" y="0"/>
+          <a:ext cx="0" cy="0"/>
+          <a:chOff x="0" y="0"/>
+          <a:chExt cx="0" cy="0"/>
+        </a:xfrm>
+      </p:grpSpPr>
+      <p:sp>
+        <p:nvSpPr>
+          <p:cNvPr id="2" name="タイトル 1"/>
+          <p:cNvSpPr>
+            <a:spLocks noGrp="1"/>
+          </p:cNvSpPr>
+          <p:nvPr>
+            <p:ph type="title"/>
+          </p:nvPr>
+        </p:nvSpPr>
+        <p:spPr/>
+        <p:txBody>
+          <a:bodyPr/>
+          <a:lstStyle/>
+          <a:p>
+            <a:r>
+              <a:rPr lang="ja-JP" altLang="en-US" dirty="0"/>
+              <a:t>正誤</a:t>
+            </a:r>
+            <a:r>
+              <a:rPr lang="ja-JP" altLang="en-US" dirty="0" smtClean="0"/>
+              <a:t>を判定するプログラム</a:t>
+            </a:r>
+            <a:endParaRPr kumimoji="1" lang="ja-JP" altLang="en-US" dirty="0"/>
+          </a:p>
+        </p:txBody>
+      </p:sp>
+      <p:sp>
+        <p:nvSpPr>
+          <p:cNvPr id="3" name="コンテンツ プレースホルダー 2"/>
+          <p:cNvSpPr>
+            <a:spLocks noGrp="1"/>
+          </p:cNvSpPr>
+          <p:nvPr>
+            <p:ph idx="1"/>
+          </p:nvPr>
+        </p:nvSpPr>
+        <p:spPr/>
+        <p:txBody>
+          <a:bodyPr/>
+          <a:lstStyle/>
+          <a:p>
+            <a:r>
+              <a:rPr kumimoji="1" lang="ja-JP" altLang="en-US" dirty="0" smtClean="0"/>
+              <a:t>事前に用意した解答例と、</a:t>
+            </a:r>
+            <a:r>
+              <a:rPr kumimoji="1" lang="en-US" altLang="ja-JP" dirty="0" err="1" smtClean="0"/>
+              <a:t>Generater</a:t>
+            </a:r>
+            <a:r>
+              <a:rPr kumimoji="1" lang="ja-JP" altLang="en-US" dirty="0" smtClean="0"/>
+              <a:t>によって作成されたコードが等しいかどうか（完全一致）を判定するサンプルプログラムを作成した</a:t>
+            </a:r>
+            <a:endParaRPr kumimoji="1" lang="en-US" altLang="ja-JP" dirty="0" smtClean="0"/>
+          </a:p>
+          <a:p>
+            <a:endParaRPr kumimoji="1" lang="ja-JP" altLang="en-US" dirty="0"/>
+          </a:p>
+        </p:txBody>
+      </p:sp>
+      <p:sp>
+        <p:nvSpPr>
+          <p:cNvPr id="4" name="スライド番号プレースホルダー 3"/>
+          <p:cNvSpPr>
+            <a:spLocks noGrp="1"/>
+          </p:cNvSpPr>
+          <p:nvPr>
+            <p:ph type="sldNum" sz="quarter" idx="12"/>
+          </p:nvPr>
+        </p:nvSpPr>
+        <p:spPr/>
+        <p:txBody>
+          <a:bodyPr/>
+          <a:lstStyle/>
+          <a:p>
+            <a:fld id="{4A32CB03-0843-4AF8-BFB2-C9917854BC7E}" type="slidenum">
+              <a:rPr kumimoji="1" lang="ja-JP" altLang="en-US" smtClean="0"/>
+              <a:t>19</a:t>
+            </a:fld>
+            <a:endParaRPr kumimoji="1" lang="ja-JP" altLang="en-US"/>
+          </a:p>
+        </p:txBody>
+      </p:sp>
+    </p:spTree>
+    <p:extLst>
+      <p:ext uri="{BB962C8B-B14F-4D97-AF65-F5344CB8AC3E}">
+        <p14:creationId xmlns:p14="http://schemas.microsoft.com/office/powerpoint/2010/main" val="2287831747"/>
+      </p:ext>
+    </p:extLst>
+  </p:cSld>
+  <p:clrMapOvr>
+    <a:masterClrMapping/>
+  </p:clrMapOvr>
+  <p:timing>
+    <p:tnLst>
+      <p:par>
+        <p:cTn id="1" dur="indefinite" restart="never" nodeType="tmRoot"/>
+      </p:par>
+    </p:tnLst>
+  </p:timing>
+</p:sld>
+</file>
+
+<file path=ppt/slides/slide2.xml><?xml version="1.0" encoding="utf-8"?>
+<p:sld xmlns:a="http://schemas.openxmlformats.org/drawingml/2006/main" xmlns:r="http://schemas.openxmlformats.org/officeDocument/2006/relationships" xmlns:p="http://schemas.openxmlformats.org/presentationml/2006/main">
+  <p:cSld>
+    <p:spTree>
+      <p:nvGrpSpPr>
+        <p:cNvPr id="1" name=""/>
+        <p:cNvGrpSpPr/>
+        <p:nvPr/>
+      </p:nvGrpSpPr>
+      <p:grpSpPr>
+        <a:xfrm>
+          <a:off x="0" y="0"/>
+          <a:ext cx="0" cy="0"/>
+          <a:chOff x="0" y="0"/>
+          <a:chExt cx="0" cy="0"/>
+        </a:xfrm>
+      </p:grpSpPr>
+      <p:sp>
+        <p:nvSpPr>
+          <p:cNvPr id="2" name="タイトル 1"/>
+          <p:cNvSpPr>
+            <a:spLocks noGrp="1"/>
+          </p:cNvSpPr>
+          <p:nvPr>
+            <p:ph type="title"/>
+          </p:nvPr>
+        </p:nvSpPr>
+        <p:spPr/>
+        <p:txBody>
+          <a:bodyPr/>
+          <a:lstStyle/>
+          <a:p>
+            <a:r>
+              <a:rPr kumimoji="1" lang="ja-JP" altLang="en-US" dirty="0" smtClean="0"/>
+              <a:t>ブロックプログラミングとは何か</a:t>
+            </a:r>
+            <a:endParaRPr kumimoji="1" lang="ja-JP" altLang="en-US" dirty="0"/>
+          </a:p>
+        </p:txBody>
+      </p:sp>
+      <p:sp>
+        <p:nvSpPr>
+          <p:cNvPr id="4" name="スライド番号プレースホルダー 3"/>
+          <p:cNvSpPr>
+            <a:spLocks noGrp="1"/>
+          </p:cNvSpPr>
+          <p:nvPr>
+            <p:ph type="sldNum" sz="quarter" idx="12"/>
+          </p:nvPr>
+        </p:nvSpPr>
+        <p:spPr/>
+        <p:txBody>
+          <a:bodyPr/>
+          <a:lstStyle/>
+          <a:p>
+            <a:fld id="{4A32CB03-0843-4AF8-BFB2-C9917854BC7E}" type="slidenum">
+              <a:rPr kumimoji="1" lang="ja-JP" altLang="en-US" sz="2400" smtClean="0"/>
+              <a:t>2</a:t>
+            </a:fld>
+            <a:endParaRPr kumimoji="1" lang="ja-JP" altLang="en-US" sz="2400" dirty="0"/>
+          </a:p>
+        </p:txBody>
+      </p:sp>
+      <p:pic>
+        <p:nvPicPr>
+          <p:cNvPr id="6" name="図 5"/>
+          <p:cNvPicPr>
+            <a:picLocks noChangeAspect="1"/>
+          </p:cNvPicPr>
+          <p:nvPr/>
+        </p:nvPicPr>
+        <p:blipFill>
+          <a:blip r:embed="rId2"/>
+          <a:stretch>
+            <a:fillRect/>
+          </a:stretch>
+        </p:blipFill>
+        <p:spPr>
+          <a:xfrm>
+            <a:off x="1169330" y="2592109"/>
+            <a:ext cx="6929652" cy="3860449"/>
+          </a:xfrm>
+          <a:prstGeom prst="rect">
+            <a:avLst/>
+          </a:prstGeom>
+        </p:spPr>
+      </p:pic>
+      <p:sp>
+        <p:nvSpPr>
+          <p:cNvPr id="7" name="テキスト ボックス 6"/>
+          <p:cNvSpPr txBox="1"/>
+          <p:nvPr/>
+        </p:nvSpPr>
+        <p:spPr>
+          <a:xfrm>
+            <a:off x="751959" y="1980429"/>
+            <a:ext cx="8392041" cy="707886"/>
+          </a:xfrm>
+          <a:prstGeom prst="rect">
+            <a:avLst/>
+          </a:prstGeom>
+          <a:noFill/>
+        </p:spPr>
+        <p:txBody>
+          <a:bodyPr wrap="none" rtlCol="0">
+            <a:spAutoFit/>
+          </a:bodyPr>
+          <a:lstStyle/>
+          <a:p>
+            <a:r>
+              <a:rPr kumimoji="1" lang="ja-JP" altLang="en-US" sz="2000" dirty="0" smtClean="0"/>
+              <a:t>ビジュアルプログラミングとも呼ばれる</a:t>
+            </a:r>
+            <a:endParaRPr kumimoji="1" lang="en-US" altLang="ja-JP" sz="2000" dirty="0" smtClean="0"/>
+          </a:p>
+          <a:p>
+            <a:r>
+              <a:rPr kumimoji="1" lang="ja-JP" altLang="en-US" sz="2000" dirty="0" smtClean="0"/>
+              <a:t>命令を埋め込まれたブロックを組み合わせるプログラミング手法のこと</a:t>
+            </a:r>
+            <a:endParaRPr kumimoji="1" lang="ja-JP" altLang="en-US" sz="2000" dirty="0"/>
+          </a:p>
+        </p:txBody>
+      </p:sp>
+    </p:spTree>
+    <p:extLst>
+      <p:ext uri="{BB962C8B-B14F-4D97-AF65-F5344CB8AC3E}">
+        <p14:creationId xmlns:p14="http://schemas.microsoft.com/office/powerpoint/2010/main" val="1081448831"/>
+      </p:ext>
+    </p:extLst>
+  </p:cSld>
+  <p:clrMapOvr>
+    <a:masterClrMapping/>
+  </p:clrMapOvr>
+  <p:timing>
+    <p:tnLst>
+      <p:par>
+        <p:cTn id="1" dur="indefinite" restart="never" nodeType="tmRoot"/>
+      </p:par>
+    </p:tnLst>
+  </p:timing>
+</p:sld>
+</file>
+
+<file path=ppt/slides/slide20.xml><?xml version="1.0" encoding="utf-8"?>
+<p:sld xmlns:a="http://schemas.openxmlformats.org/drawingml/2006/main" xmlns:r="http://schemas.openxmlformats.org/officeDocument/2006/relationships" xmlns:p="http://schemas.openxmlformats.org/presentationml/2006/main">
+  <p:cSld>
+    <p:spTree>
+      <p:nvGrpSpPr>
+        <p:cNvPr id="1" name=""/>
+        <p:cNvGrpSpPr/>
+        <p:nvPr/>
+      </p:nvGrpSpPr>
+      <p:grpSpPr>
+        <a:xfrm>
+          <a:off x="0" y="0"/>
+          <a:ext cx="0" cy="0"/>
+          <a:chOff x="0" y="0"/>
+          <a:chExt cx="0" cy="0"/>
+        </a:xfrm>
+      </p:grpSpPr>
+      <p:sp>
+        <p:nvSpPr>
+          <p:cNvPr id="2" name="タイトル 1"/>
+          <p:cNvSpPr>
+            <a:spLocks noGrp="1"/>
+          </p:cNvSpPr>
+          <p:nvPr>
+            <p:ph type="title"/>
+          </p:nvPr>
+        </p:nvSpPr>
+        <p:spPr/>
+        <p:txBody>
+          <a:bodyPr/>
+          <a:lstStyle/>
+          <a:p>
+            <a:r>
+              <a:rPr lang="ja-JP" altLang="en-US" dirty="0"/>
+              <a:t>正誤</a:t>
+            </a:r>
+            <a:r>
+              <a:rPr lang="ja-JP" altLang="en-US" dirty="0" smtClean="0"/>
+              <a:t>判定</a:t>
+            </a:r>
+            <a:r>
+              <a:rPr kumimoji="1" lang="ja-JP" altLang="en-US" dirty="0" smtClean="0"/>
+              <a:t>デモ１</a:t>
+            </a:r>
+            <a:endParaRPr kumimoji="1" lang="ja-JP" altLang="en-US" dirty="0"/>
+          </a:p>
+        </p:txBody>
+      </p:sp>
+      <p:sp>
+        <p:nvSpPr>
+          <p:cNvPr id="4" name="スライド番号プレースホルダー 3"/>
+          <p:cNvSpPr>
+            <a:spLocks noGrp="1"/>
+          </p:cNvSpPr>
+          <p:nvPr>
+            <p:ph type="sldNum" sz="quarter" idx="12"/>
+          </p:nvPr>
+        </p:nvSpPr>
+        <p:spPr/>
+        <p:txBody>
+          <a:bodyPr/>
+          <a:lstStyle/>
+          <a:p>
+            <a:fld id="{4A32CB03-0843-4AF8-BFB2-C9917854BC7E}" type="slidenum">
+              <a:rPr kumimoji="1" lang="ja-JP" altLang="en-US" smtClean="0"/>
+              <a:t>20</a:t>
+            </a:fld>
+            <a:endParaRPr kumimoji="1" lang="ja-JP" altLang="en-US"/>
+          </a:p>
+        </p:txBody>
+      </p:sp>
+      <p:pic>
+        <p:nvPicPr>
+          <p:cNvPr id="5" name="図 4"/>
+          <p:cNvPicPr>
+            <a:picLocks noChangeAspect="1"/>
+          </p:cNvPicPr>
+          <p:nvPr/>
+        </p:nvPicPr>
+        <p:blipFill>
+          <a:blip r:embed="rId2"/>
+          <a:stretch>
+            <a:fillRect/>
+          </a:stretch>
+        </p:blipFill>
+        <p:spPr>
+          <a:xfrm>
+            <a:off x="207586" y="2087744"/>
+            <a:ext cx="8844617" cy="4378340"/>
+          </a:xfrm>
+          <a:prstGeom prst="rect">
+            <a:avLst/>
+          </a:prstGeom>
+        </p:spPr>
+      </p:pic>
+    </p:spTree>
+    <p:extLst>
+      <p:ext uri="{BB962C8B-B14F-4D97-AF65-F5344CB8AC3E}">
+        <p14:creationId xmlns:p14="http://schemas.microsoft.com/office/powerpoint/2010/main" val="1473290671"/>
+      </p:ext>
+    </p:extLst>
+  </p:cSld>
+  <p:clrMapOvr>
+    <a:masterClrMapping/>
+  </p:clrMapOvr>
+  <p:timing>
+    <p:tnLst>
+      <p:par>
+        <p:cTn id="1" dur="indefinite" restart="never" nodeType="tmRoot"/>
+      </p:par>
+    </p:tnLst>
+  </p:timing>
+</p:sld>
+</file>
+
+<file path=ppt/slides/slide21.xml><?xml version="1.0" encoding="utf-8"?>
+<p:sld xmlns:a="http://schemas.openxmlformats.org/drawingml/2006/main" xmlns:r="http://schemas.openxmlformats.org/officeDocument/2006/relationships" xmlns:p="http://schemas.openxmlformats.org/presentationml/2006/main">
+  <p:cSld>
+    <p:spTree>
+      <p:nvGrpSpPr>
+        <p:cNvPr id="1" name=""/>
+        <p:cNvGrpSpPr/>
+        <p:nvPr/>
+      </p:nvGrpSpPr>
+      <p:grpSpPr>
+        <a:xfrm>
+          <a:off x="0" y="0"/>
+          <a:ext cx="0" cy="0"/>
+          <a:chOff x="0" y="0"/>
+          <a:chExt cx="0" cy="0"/>
+        </a:xfrm>
+      </p:grpSpPr>
+      <p:sp>
+        <p:nvSpPr>
+          <p:cNvPr id="2" name="タイトル 1"/>
+          <p:cNvSpPr>
+            <a:spLocks noGrp="1"/>
+          </p:cNvSpPr>
+          <p:nvPr>
+            <p:ph type="title"/>
+          </p:nvPr>
+        </p:nvSpPr>
+        <p:spPr/>
+        <p:txBody>
+          <a:bodyPr/>
+          <a:lstStyle/>
+          <a:p>
+            <a:r>
+              <a:rPr kumimoji="1" lang="ja-JP" altLang="en-US" dirty="0" smtClean="0"/>
+              <a:t>穴あき問題を作成する</a:t>
+            </a:r>
+            <a:endParaRPr kumimoji="1" lang="ja-JP" altLang="en-US" dirty="0"/>
+          </a:p>
+        </p:txBody>
+      </p:sp>
+      <p:sp>
+        <p:nvSpPr>
+          <p:cNvPr id="3" name="コンテンツ プレースホルダー 2"/>
+          <p:cNvSpPr>
+            <a:spLocks noGrp="1"/>
+          </p:cNvSpPr>
+          <p:nvPr>
+            <p:ph idx="1"/>
+          </p:nvPr>
+        </p:nvSpPr>
+        <p:spPr/>
+        <p:txBody>
+          <a:bodyPr/>
+          <a:lstStyle/>
+          <a:p>
+            <a:endParaRPr kumimoji="1" lang="ja-JP" altLang="en-US" dirty="0"/>
+          </a:p>
+        </p:txBody>
+      </p:sp>
+      <p:sp>
+        <p:nvSpPr>
+          <p:cNvPr id="4" name="スライド番号プレースホルダー 3"/>
+          <p:cNvSpPr>
+            <a:spLocks noGrp="1"/>
+          </p:cNvSpPr>
+          <p:nvPr>
+            <p:ph type="sldNum" sz="quarter" idx="12"/>
+          </p:nvPr>
+        </p:nvSpPr>
+        <p:spPr/>
+        <p:txBody>
+          <a:bodyPr/>
+          <a:lstStyle/>
+          <a:p>
+            <a:fld id="{4A32CB03-0843-4AF8-BFB2-C9917854BC7E}" type="slidenum">
+              <a:rPr kumimoji="1" lang="ja-JP" altLang="en-US" smtClean="0"/>
+              <a:t>21</a:t>
+            </a:fld>
+            <a:endParaRPr kumimoji="1" lang="ja-JP" altLang="en-US"/>
+          </a:p>
+        </p:txBody>
+      </p:sp>
+      <p:pic>
+        <p:nvPicPr>
+          <p:cNvPr id="5" name="図 4"/>
+          <p:cNvPicPr>
+            <a:picLocks noChangeAspect="1"/>
+          </p:cNvPicPr>
+          <p:nvPr/>
+        </p:nvPicPr>
+        <p:blipFill>
+          <a:blip r:embed="rId2"/>
+          <a:stretch>
+            <a:fillRect/>
+          </a:stretch>
+        </p:blipFill>
+        <p:spPr>
+          <a:xfrm>
+            <a:off x="472810" y="1825625"/>
+            <a:ext cx="8612668" cy="4243402"/>
+          </a:xfrm>
+          <a:prstGeom prst="rect">
+            <a:avLst/>
+          </a:prstGeom>
+        </p:spPr>
+      </p:pic>
+    </p:spTree>
+    <p:extLst>
+      <p:ext uri="{BB962C8B-B14F-4D97-AF65-F5344CB8AC3E}">
+        <p14:creationId xmlns:p14="http://schemas.microsoft.com/office/powerpoint/2010/main" val="4017269996"/>
+      </p:ext>
+    </p:extLst>
+  </p:cSld>
+  <p:clrMapOvr>
+    <a:masterClrMapping/>
+  </p:clrMapOvr>
+  <p:timing>
+    <p:tnLst>
+      <p:par>
+        <p:cTn id="1" dur="indefinite" restart="never" nodeType="tmRoot"/>
+      </p:par>
+    </p:tnLst>
+  </p:timing>
+</p:sld>
+</file>
+
+<file path=ppt/slides/slide22.xml><?xml version="1.0" encoding="utf-8"?>
+<p:sld xmlns:a="http://schemas.openxmlformats.org/drawingml/2006/main" xmlns:r="http://schemas.openxmlformats.org/officeDocument/2006/relationships" xmlns:p="http://schemas.openxmlformats.org/presentationml/2006/main">
+  <p:cSld>
+    <p:spTree>
+      <p:nvGrpSpPr>
+        <p:cNvPr id="1" name=""/>
+        <p:cNvGrpSpPr/>
+        <p:nvPr/>
+      </p:nvGrpSpPr>
+      <p:grpSpPr>
+        <a:xfrm>
+          <a:off x="0" y="0"/>
+          <a:ext cx="0" cy="0"/>
+          <a:chOff x="0" y="0"/>
+          <a:chExt cx="0" cy="0"/>
+        </a:xfrm>
+      </p:grpSpPr>
+      <p:sp>
+        <p:nvSpPr>
+          <p:cNvPr id="2" name="タイトル 1"/>
+          <p:cNvSpPr>
+            <a:spLocks noGrp="1"/>
+          </p:cNvSpPr>
+          <p:nvPr>
+            <p:ph type="title"/>
+          </p:nvPr>
+        </p:nvSpPr>
+        <p:spPr/>
+        <p:txBody>
+          <a:bodyPr/>
+          <a:lstStyle/>
+          <a:p>
+            <a:r>
+              <a:rPr kumimoji="1" lang="ja-JP" altLang="en-US" dirty="0" smtClean="0"/>
+              <a:t>選択肢と正誤判定</a:t>
+            </a:r>
+            <a:endParaRPr kumimoji="1" lang="ja-JP" altLang="en-US" dirty="0"/>
+          </a:p>
+        </p:txBody>
+      </p:sp>
+      <p:sp>
+        <p:nvSpPr>
+          <p:cNvPr id="3" name="コンテンツ プレースホルダー 2"/>
+          <p:cNvSpPr>
+            <a:spLocks noGrp="1"/>
+          </p:cNvSpPr>
+          <p:nvPr>
+            <p:ph idx="1"/>
+          </p:nvPr>
+        </p:nvSpPr>
+        <p:spPr/>
+        <p:txBody>
+          <a:bodyPr/>
+          <a:lstStyle/>
+          <a:p>
+            <a:pPr marL="0" indent="0">
+              <a:buNone/>
+            </a:pPr>
+            <a:r>
+              <a:rPr kumimoji="1" lang="ja-JP" altLang="en-US" dirty="0" smtClean="0"/>
+              <a:t>選択肢から正誤を判定するプログラムを作成した</a:t>
+            </a:r>
+            <a:endParaRPr kumimoji="1" lang="en-US" altLang="ja-JP" dirty="0" smtClean="0"/>
+          </a:p>
+          <a:p>
+            <a:pPr marL="0" indent="0">
+              <a:buNone/>
+            </a:pPr>
+            <a:r>
+              <a:rPr lang="ja-JP" altLang="en-US" dirty="0" smtClean="0"/>
+              <a:t>今回作成したプログラムは文章、問題を事前に用意しているため、</a:t>
+            </a:r>
+            <a:r>
+              <a:rPr lang="en-US" altLang="ja-JP" dirty="0" err="1" smtClean="0"/>
+              <a:t>Blockly</a:t>
+            </a:r>
+            <a:r>
+              <a:rPr lang="ja-JP" altLang="en-US" dirty="0" smtClean="0"/>
+              <a:t>によって生成されたコードを利用して問題を生成する場合の表示方法が決まっていない</a:t>
+            </a:r>
+            <a:endParaRPr lang="en-US" altLang="ja-JP" dirty="0"/>
+          </a:p>
+          <a:p>
+            <a:pPr marL="0" indent="0">
+              <a:buNone/>
+            </a:pPr>
+            <a:endParaRPr kumimoji="1" lang="en-US" altLang="ja-JP" dirty="0" smtClean="0"/>
+          </a:p>
+          <a:p>
+            <a:pPr marL="0" indent="0">
+              <a:buNone/>
+            </a:pPr>
+            <a:r>
+              <a:rPr lang="en-US" altLang="ja-JP" dirty="0" err="1" smtClean="0"/>
+              <a:t>github</a:t>
+            </a:r>
+            <a:endParaRPr kumimoji="1" lang="en-US" altLang="ja-JP" dirty="0" smtClean="0"/>
+          </a:p>
+          <a:p>
+            <a:pPr marL="0" indent="0">
+              <a:buNone/>
+            </a:pPr>
+            <a:r>
+              <a:rPr lang="en-US" altLang="ja-JP" dirty="0"/>
+              <a:t>p</a:t>
+            </a:r>
+            <a:r>
+              <a:rPr lang="en-US" altLang="ja-JP" dirty="0" smtClean="0"/>
+              <a:t>rogram/question/test.html</a:t>
+            </a:r>
+            <a:endParaRPr kumimoji="1" lang="en-US" altLang="ja-JP" dirty="0" smtClean="0"/>
+          </a:p>
+        </p:txBody>
+      </p:sp>
+      <p:sp>
+        <p:nvSpPr>
+          <p:cNvPr id="4" name="スライド番号プレースホルダー 3"/>
+          <p:cNvSpPr>
+            <a:spLocks noGrp="1"/>
+          </p:cNvSpPr>
+          <p:nvPr>
+            <p:ph type="sldNum" sz="quarter" idx="12"/>
+          </p:nvPr>
+        </p:nvSpPr>
+        <p:spPr/>
+        <p:txBody>
+          <a:bodyPr/>
+          <a:lstStyle/>
+          <a:p>
+            <a:fld id="{4A32CB03-0843-4AF8-BFB2-C9917854BC7E}" type="slidenum">
+              <a:rPr kumimoji="1" lang="ja-JP" altLang="en-US" sz="2800" smtClean="0"/>
+              <a:t>22</a:t>
+            </a:fld>
+            <a:endParaRPr kumimoji="1" lang="ja-JP" altLang="en-US" dirty="0"/>
+          </a:p>
+        </p:txBody>
+      </p:sp>
+    </p:spTree>
+    <p:extLst>
+      <p:ext uri="{BB962C8B-B14F-4D97-AF65-F5344CB8AC3E}">
+        <p14:creationId xmlns:p14="http://schemas.microsoft.com/office/powerpoint/2010/main" val="3564727157"/>
+      </p:ext>
+    </p:extLst>
+  </p:cSld>
+  <p:clrMapOvr>
+    <a:masterClrMapping/>
+  </p:clrMapOvr>
+  <p:timing>
+    <p:tnLst>
+      <p:par>
+        <p:cTn id="1" dur="indefinite" restart="never" nodeType="tmRoot"/>
+      </p:par>
+    </p:tnLst>
+  </p:timing>
+</p:sld>
+</file>
+
+<file path=ppt/slides/slide23.xml><?xml version="1.0" encoding="utf-8"?>
+<p:sld xmlns:a="http://schemas.openxmlformats.org/drawingml/2006/main" xmlns:r="http://schemas.openxmlformats.org/officeDocument/2006/relationships" xmlns:p="http://schemas.openxmlformats.org/presentationml/2006/main">
+  <p:cSld>
+    <p:spTree>
+      <p:nvGrpSpPr>
+        <p:cNvPr id="1" name=""/>
+        <p:cNvGrpSpPr/>
+        <p:nvPr/>
+      </p:nvGrpSpPr>
+      <p:grpSpPr>
+        <a:xfrm>
+          <a:off x="0" y="0"/>
+          <a:ext cx="0" cy="0"/>
+          <a:chOff x="0" y="0"/>
+          <a:chExt cx="0" cy="0"/>
+        </a:xfrm>
+      </p:grpSpPr>
+      <p:sp>
+        <p:nvSpPr>
+          <p:cNvPr id="2" name="タイトル 1"/>
+          <p:cNvSpPr>
+            <a:spLocks noGrp="1"/>
+          </p:cNvSpPr>
+          <p:nvPr>
+            <p:ph type="title"/>
+          </p:nvPr>
+        </p:nvSpPr>
+        <p:spPr/>
+        <p:txBody>
+          <a:bodyPr/>
+          <a:lstStyle/>
+          <a:p>
+            <a:r>
+              <a:rPr lang="ja-JP" altLang="en-US" dirty="0" smtClean="0"/>
+              <a:t>選択式から選んで正誤を判定するプログラム</a:t>
+            </a:r>
+            <a:endParaRPr kumimoji="1" lang="ja-JP" altLang="en-US" dirty="0"/>
+          </a:p>
+        </p:txBody>
+      </p:sp>
+      <p:sp>
+        <p:nvSpPr>
+          <p:cNvPr id="4" name="スライド番号プレースホルダー 3"/>
+          <p:cNvSpPr>
+            <a:spLocks noGrp="1"/>
+          </p:cNvSpPr>
+          <p:nvPr>
+            <p:ph type="sldNum" sz="quarter" idx="12"/>
+          </p:nvPr>
+        </p:nvSpPr>
+        <p:spPr/>
+        <p:txBody>
+          <a:bodyPr/>
+          <a:lstStyle/>
+          <a:p>
+            <a:fld id="{4A32CB03-0843-4AF8-BFB2-C9917854BC7E}" type="slidenum">
+              <a:rPr kumimoji="1" lang="ja-JP" altLang="en-US" smtClean="0"/>
+              <a:t>23</a:t>
+            </a:fld>
+            <a:endParaRPr kumimoji="1" lang="ja-JP" altLang="en-US"/>
+          </a:p>
+        </p:txBody>
+      </p:sp>
+      <p:pic>
+        <p:nvPicPr>
+          <p:cNvPr id="5" name="図 4"/>
+          <p:cNvPicPr>
+            <a:picLocks noChangeAspect="1"/>
+          </p:cNvPicPr>
+          <p:nvPr/>
+        </p:nvPicPr>
+        <p:blipFill>
+          <a:blip r:embed="rId2"/>
+          <a:stretch>
+            <a:fillRect/>
+          </a:stretch>
+        </p:blipFill>
+        <p:spPr>
+          <a:xfrm>
+            <a:off x="2797316" y="1808157"/>
+            <a:ext cx="2972306" cy="4730756"/>
+          </a:xfrm>
+          <a:prstGeom prst="rect">
+            <a:avLst/>
+          </a:prstGeom>
+        </p:spPr>
+      </p:pic>
+    </p:spTree>
+    <p:extLst>
+      <p:ext uri="{BB962C8B-B14F-4D97-AF65-F5344CB8AC3E}">
+        <p14:creationId xmlns:p14="http://schemas.microsoft.com/office/powerpoint/2010/main" val="1471446867"/>
+      </p:ext>
+    </p:extLst>
+  </p:cSld>
+  <p:clrMapOvr>
+    <a:masterClrMapping/>
+  </p:clrMapOvr>
+  <p:timing>
+    <p:tnLst>
+      <p:par>
+        <p:cTn id="1" dur="indefinite" restart="never" nodeType="tmRoot"/>
+      </p:par>
+    </p:tnLst>
+  </p:timing>
+</p:sld>
+</file>
+
+<file path=ppt/slides/slide24.xml><?xml version="1.0" encoding="utf-8"?>
+<p:sld xmlns:a="http://schemas.openxmlformats.org/drawingml/2006/main" xmlns:r="http://schemas.openxmlformats.org/officeDocument/2006/relationships" xmlns:p="http://schemas.openxmlformats.org/presentationml/2006/main">
+  <p:cSld>
+    <p:spTree>
+      <p:nvGrpSpPr>
+        <p:cNvPr id="1" name=""/>
+        <p:cNvGrpSpPr/>
+        <p:nvPr/>
+      </p:nvGrpSpPr>
+      <p:grpSpPr>
+        <a:xfrm>
+          <a:off x="0" y="0"/>
+          <a:ext cx="0" cy="0"/>
+          <a:chOff x="0" y="0"/>
+          <a:chExt cx="0" cy="0"/>
+        </a:xfrm>
+      </p:grpSpPr>
+      <p:sp>
+        <p:nvSpPr>
+          <p:cNvPr id="2" name="タイトル 1"/>
+          <p:cNvSpPr>
+            <a:spLocks noGrp="1"/>
+          </p:cNvSpPr>
+          <p:nvPr>
+            <p:ph type="title"/>
+          </p:nvPr>
+        </p:nvSpPr>
+        <p:spPr/>
+        <p:txBody>
+          <a:bodyPr/>
+          <a:lstStyle/>
+          <a:p>
+            <a:r>
+              <a:rPr kumimoji="1" lang="ja-JP" altLang="en-US" dirty="0" smtClean="0"/>
+              <a:t>利用方法の模索</a:t>
+            </a:r>
+            <a:endParaRPr kumimoji="1" lang="ja-JP" altLang="en-US" dirty="0"/>
+          </a:p>
+        </p:txBody>
+      </p:sp>
+      <p:sp>
+        <p:nvSpPr>
+          <p:cNvPr id="3" name="コンテンツ プレースホルダー 2"/>
+          <p:cNvSpPr>
+            <a:spLocks noGrp="1"/>
+          </p:cNvSpPr>
+          <p:nvPr>
+            <p:ph idx="1"/>
+          </p:nvPr>
+        </p:nvSpPr>
+        <p:spPr/>
+        <p:txBody>
+          <a:bodyPr/>
+          <a:lstStyle/>
+          <a:p>
+            <a:r>
+              <a:rPr kumimoji="1" lang="en-US" altLang="ja-JP" dirty="0" err="1" smtClean="0"/>
+              <a:t>Blockly</a:t>
+            </a:r>
+            <a:r>
+              <a:rPr lang="ja-JP" altLang="en-US" dirty="0"/>
+              <a:t>に</a:t>
+            </a:r>
+            <a:r>
+              <a:rPr lang="ja-JP" altLang="en-US" dirty="0" smtClean="0"/>
+              <a:t>よって生成したコードは一つの文字列として利用できる、これを単語ごとに区切ることで、コードの一部を選択肢として利用できるかもしれない</a:t>
+            </a:r>
+            <a:endParaRPr lang="en-US" altLang="ja-JP" dirty="0" smtClean="0"/>
+          </a:p>
+          <a:p>
+            <a:pPr lvl="1"/>
+            <a:r>
+              <a:rPr kumimoji="1" lang="ja-JP" altLang="en-US" dirty="0" smtClean="0"/>
+              <a:t>文字列から単語として認識した</a:t>
+            </a:r>
+            <a:r>
+              <a:rPr kumimoji="1" lang="en-US" altLang="ja-JP" dirty="0" smtClean="0"/>
+              <a:t>”</a:t>
+            </a:r>
+            <a:r>
+              <a:rPr kumimoji="1" lang="en-US" altLang="ja-JP" dirty="0" err="1" smtClean="0"/>
+              <a:t>int</a:t>
+            </a:r>
+            <a:r>
+              <a:rPr kumimoji="1" lang="en-US" altLang="ja-JP" dirty="0" smtClean="0"/>
+              <a:t>”</a:t>
+            </a:r>
+            <a:r>
+              <a:rPr kumimoji="1" lang="ja-JP" altLang="en-US" dirty="0" smtClean="0"/>
+              <a:t>などの</a:t>
+            </a:r>
+            <a:r>
+              <a:rPr lang="ja-JP" altLang="en-US" dirty="0" smtClean="0"/>
+              <a:t>単語を</a:t>
+            </a:r>
+            <a:r>
+              <a:rPr lang="en-US" altLang="ja-JP" dirty="0" smtClean="0"/>
+              <a:t>html</a:t>
+            </a:r>
+            <a:r>
+              <a:rPr lang="ja-JP" altLang="en-US" dirty="0" smtClean="0"/>
+              <a:t>で利用できる文字列に変換するなど</a:t>
+            </a:r>
+            <a:endParaRPr lang="en-US" altLang="ja-JP" dirty="0" smtClean="0"/>
+          </a:p>
+          <a:p>
+            <a:r>
+              <a:rPr lang="ja-JP" altLang="en-US" dirty="0" smtClean="0"/>
+              <a:t>今回は</a:t>
+            </a:r>
+            <a:r>
+              <a:rPr lang="en-US" altLang="ja-JP" dirty="0" smtClean="0"/>
+              <a:t>html</a:t>
+            </a:r>
+            <a:r>
+              <a:rPr lang="ja-JP" altLang="en-US" dirty="0" smtClean="0"/>
+              <a:t>の</a:t>
+            </a:r>
+            <a:r>
+              <a:rPr lang="en-US" altLang="ja-JP" dirty="0" smtClean="0"/>
+              <a:t>select</a:t>
+            </a:r>
+            <a:r>
+              <a:rPr lang="ja-JP" altLang="en-US" dirty="0" smtClean="0"/>
+              <a:t>タグを使って選択肢を生成しているが、</a:t>
+            </a:r>
+            <a:r>
+              <a:rPr lang="en-US" altLang="ja-JP" dirty="0" err="1" smtClean="0"/>
+              <a:t>Javascript</a:t>
+            </a:r>
+            <a:r>
+              <a:rPr lang="ja-JP" altLang="en-US" dirty="0" smtClean="0"/>
+              <a:t>で選択肢の生成もできると、上の方法に利用できるかもしれない</a:t>
+            </a:r>
+            <a:endParaRPr lang="en-US" altLang="ja-JP" dirty="0" smtClean="0"/>
+          </a:p>
+        </p:txBody>
+      </p:sp>
+      <p:sp>
+        <p:nvSpPr>
+          <p:cNvPr id="4" name="スライド番号プレースホルダー 3"/>
+          <p:cNvSpPr>
+            <a:spLocks noGrp="1"/>
+          </p:cNvSpPr>
+          <p:nvPr>
+            <p:ph type="sldNum" sz="quarter" idx="12"/>
+          </p:nvPr>
+        </p:nvSpPr>
+        <p:spPr/>
+        <p:txBody>
+          <a:bodyPr/>
+          <a:lstStyle/>
+          <a:p>
+            <a:fld id="{4A32CB03-0843-4AF8-BFB2-C9917854BC7E}" type="slidenum">
+              <a:rPr kumimoji="1" lang="ja-JP" altLang="en-US" smtClean="0"/>
+              <a:t>24</a:t>
+            </a:fld>
+            <a:endParaRPr kumimoji="1" lang="ja-JP" altLang="en-US"/>
+          </a:p>
+        </p:txBody>
+      </p:sp>
+    </p:spTree>
+    <p:extLst>
+      <p:ext uri="{BB962C8B-B14F-4D97-AF65-F5344CB8AC3E}">
+        <p14:creationId xmlns:p14="http://schemas.microsoft.com/office/powerpoint/2010/main" val="3837190238"/>
+      </p:ext>
+    </p:extLst>
+  </p:cSld>
+  <p:clrMapOvr>
+    <a:masterClrMapping/>
+  </p:clrMapOvr>
+  <p:timing>
+    <p:tnLst>
+      <p:par>
+        <p:cTn id="1" dur="indefinite" restart="never" nodeType="tmRoot"/>
+      </p:par>
+    </p:tnLst>
+  </p:timing>
+</p:sld>
+</file>
+
+<file path=ppt/slides/slide25.xml><?xml version="1.0" encoding="utf-8"?>
+<p:sld xmlns:a="http://schemas.openxmlformats.org/drawingml/2006/main" xmlns:r="http://schemas.openxmlformats.org/officeDocument/2006/relationships" xmlns:p="http://schemas.openxmlformats.org/presentationml/2006/main">
+  <p:cSld>
+    <p:spTree>
+      <p:nvGrpSpPr>
+        <p:cNvPr id="1" name=""/>
+        <p:cNvGrpSpPr/>
+        <p:nvPr/>
+      </p:nvGrpSpPr>
+      <p:grpSpPr>
+        <a:xfrm>
+          <a:off x="0" y="0"/>
+          <a:ext cx="0" cy="0"/>
+          <a:chOff x="0" y="0"/>
+          <a:chExt cx="0" cy="0"/>
+        </a:xfrm>
+      </p:grpSpPr>
+      <p:sp>
+        <p:nvSpPr>
+          <p:cNvPr id="2" name="タイトル 1"/>
+          <p:cNvSpPr>
+            <a:spLocks noGrp="1"/>
+          </p:cNvSpPr>
+          <p:nvPr>
+            <p:ph type="title"/>
+          </p:nvPr>
+        </p:nvSpPr>
+        <p:spPr/>
+        <p:txBody>
+          <a:bodyPr/>
+          <a:lstStyle/>
+          <a:p>
+            <a:r>
+              <a:rPr kumimoji="1" lang="en-US" altLang="ja-JP" dirty="0" err="1" smtClean="0"/>
+              <a:t>selectbox</a:t>
+            </a:r>
+            <a:r>
+              <a:rPr kumimoji="1" lang="ja-JP" altLang="en-US" dirty="0" smtClean="0"/>
+              <a:t>の選択肢の生成</a:t>
+            </a:r>
+            <a:endParaRPr kumimoji="1" lang="ja-JP" altLang="en-US" dirty="0"/>
+          </a:p>
+        </p:txBody>
+      </p:sp>
+      <p:sp>
+        <p:nvSpPr>
+          <p:cNvPr id="3" name="コンテンツ プレースホルダー 2"/>
+          <p:cNvSpPr>
+            <a:spLocks noGrp="1"/>
+          </p:cNvSpPr>
+          <p:nvPr>
+            <p:ph idx="1"/>
+          </p:nvPr>
+        </p:nvSpPr>
+        <p:spPr/>
+        <p:txBody>
+          <a:bodyPr/>
+          <a:lstStyle/>
+          <a:p>
+            <a:r>
+              <a:rPr lang="ja-JP" altLang="en-US" dirty="0" smtClean="0"/>
+              <a:t>上記スライドでは問題文も選択肢も静的に決定されているが、</a:t>
+            </a:r>
+            <a:r>
+              <a:rPr lang="en-US" altLang="ja-JP" dirty="0" err="1" smtClean="0"/>
+              <a:t>Javascript</a:t>
+            </a:r>
+            <a:r>
+              <a:rPr lang="ja-JP" altLang="en-US" dirty="0" smtClean="0"/>
+              <a:t>を用いることで動的に内容を設定できるらしい</a:t>
+            </a:r>
+            <a:endParaRPr lang="en-US" altLang="ja-JP" dirty="0" smtClean="0"/>
+          </a:p>
+          <a:p>
+            <a:r>
+              <a:rPr kumimoji="1" lang="ja-JP" altLang="en-US" dirty="0" smtClean="0"/>
+              <a:t>セレクトボックス</a:t>
+            </a:r>
+            <a:r>
+              <a:rPr lang="ja-JP" altLang="en-US" dirty="0"/>
+              <a:t>自体</a:t>
+            </a:r>
+            <a:r>
+              <a:rPr kumimoji="1" lang="ja-JP" altLang="en-US" dirty="0" smtClean="0"/>
+              <a:t>を生成することもどうやら可能らしい</a:t>
+            </a:r>
+            <a:endParaRPr kumimoji="1" lang="en-US" altLang="ja-JP" dirty="0" smtClean="0"/>
+          </a:p>
+          <a:p>
+            <a:endParaRPr kumimoji="1" lang="ja-JP" altLang="en-US" dirty="0"/>
+          </a:p>
+        </p:txBody>
+      </p:sp>
+      <p:sp>
+        <p:nvSpPr>
+          <p:cNvPr id="4" name="スライド番号プレースホルダー 3"/>
+          <p:cNvSpPr>
+            <a:spLocks noGrp="1"/>
+          </p:cNvSpPr>
+          <p:nvPr>
+            <p:ph type="sldNum" sz="quarter" idx="12"/>
+          </p:nvPr>
+        </p:nvSpPr>
+        <p:spPr/>
+        <p:txBody>
+          <a:bodyPr/>
+          <a:lstStyle/>
+          <a:p>
+            <a:fld id="{4A32CB03-0843-4AF8-BFB2-C9917854BC7E}" type="slidenum">
+              <a:rPr kumimoji="1" lang="ja-JP" altLang="en-US" smtClean="0"/>
+              <a:t>25</a:t>
+            </a:fld>
+            <a:endParaRPr kumimoji="1" lang="ja-JP" altLang="en-US"/>
+          </a:p>
+        </p:txBody>
+      </p:sp>
+    </p:spTree>
+    <p:extLst>
+      <p:ext uri="{BB962C8B-B14F-4D97-AF65-F5344CB8AC3E}">
+        <p14:creationId xmlns:p14="http://schemas.microsoft.com/office/powerpoint/2010/main" val="3172470415"/>
+      </p:ext>
+    </p:extLst>
+  </p:cSld>
+  <p:clrMapOvr>
+    <a:masterClrMapping/>
+  </p:clrMapOvr>
+  <p:timing>
+    <p:tnLst>
+      <p:par>
+        <p:cTn id="1" dur="indefinite" restart="never" nodeType="tmRoot"/>
+      </p:par>
+    </p:tnLst>
+  </p:timing>
+</p:sld>
+</file>
+
+<file path=ppt/slides/slide26.xml><?xml version="1.0" encoding="utf-8"?>
+<p:sld xmlns:a="http://schemas.openxmlformats.org/drawingml/2006/main" xmlns:r="http://schemas.openxmlformats.org/officeDocument/2006/relationships" xmlns:p="http://schemas.openxmlformats.org/presentationml/2006/main">
+  <p:cSld>
+    <p:spTree>
+      <p:nvGrpSpPr>
+        <p:cNvPr id="1" name=""/>
+        <p:cNvGrpSpPr/>
+        <p:nvPr/>
+      </p:nvGrpSpPr>
+      <p:grpSpPr>
+        <a:xfrm>
+          <a:off x="0" y="0"/>
+          <a:ext cx="0" cy="0"/>
+          <a:chOff x="0" y="0"/>
+          <a:chExt cx="0" cy="0"/>
+        </a:xfrm>
+      </p:grpSpPr>
+      <p:sp>
+        <p:nvSpPr>
+          <p:cNvPr id="2" name="タイトル 1"/>
+          <p:cNvSpPr>
+            <a:spLocks noGrp="1"/>
+          </p:cNvSpPr>
+          <p:nvPr>
+            <p:ph type="title"/>
+          </p:nvPr>
+        </p:nvSpPr>
+        <p:spPr/>
+        <p:txBody>
+          <a:bodyPr/>
+          <a:lstStyle/>
+          <a:p>
+            <a:r>
+              <a:rPr lang="ja-JP" altLang="en-US" dirty="0" smtClean="0"/>
+              <a:t>プログラム群をいくつか作成</a:t>
+            </a:r>
+            <a:endParaRPr kumimoji="1" lang="ja-JP" altLang="en-US" dirty="0"/>
+          </a:p>
+        </p:txBody>
+      </p:sp>
+      <p:sp>
+        <p:nvSpPr>
+          <p:cNvPr id="3" name="コンテンツ プレースホルダー 2"/>
+          <p:cNvSpPr>
+            <a:spLocks noGrp="1"/>
+          </p:cNvSpPr>
+          <p:nvPr>
+            <p:ph idx="1"/>
+          </p:nvPr>
+        </p:nvSpPr>
+        <p:spPr/>
+        <p:txBody>
+          <a:bodyPr/>
+          <a:lstStyle/>
+          <a:p>
+            <a:r>
+              <a:rPr kumimoji="1" lang="en-US" altLang="ja-JP" dirty="0" err="1" smtClean="0"/>
+              <a:t>Blockly</a:t>
+            </a:r>
+            <a:r>
+              <a:rPr kumimoji="1" lang="ja-JP" altLang="en-US" dirty="0" smtClean="0"/>
+              <a:t>に組み込む用</a:t>
+            </a:r>
+            <a:endParaRPr kumimoji="1" lang="en-US" altLang="ja-JP" dirty="0" smtClean="0"/>
+          </a:p>
+          <a:p>
+            <a:pPr lvl="1"/>
+            <a:r>
+              <a:rPr kumimoji="1" lang="ja-JP" altLang="en-US" dirty="0" smtClean="0"/>
+              <a:t>タブクリックで</a:t>
+            </a:r>
+            <a:r>
+              <a:rPr kumimoji="1" lang="en-US" altLang="ja-JP" dirty="0" err="1" smtClean="0"/>
+              <a:t>Div</a:t>
+            </a:r>
+            <a:r>
+              <a:rPr kumimoji="1" lang="ja-JP" altLang="en-US" dirty="0" smtClean="0"/>
+              <a:t>を切り替えるプログラムを生成</a:t>
+            </a:r>
+            <a:endParaRPr kumimoji="1" lang="en-US" altLang="ja-JP" dirty="0" smtClean="0"/>
+          </a:p>
+          <a:p>
+            <a:pPr lvl="1"/>
+            <a:r>
+              <a:rPr kumimoji="1" lang="ja-JP" altLang="en-US" dirty="0" smtClean="0"/>
+              <a:t>セレクトボックスを</a:t>
+            </a:r>
+            <a:r>
+              <a:rPr kumimoji="1" lang="en-US" altLang="ja-JP" dirty="0" err="1" smtClean="0"/>
+              <a:t>Javascript</a:t>
+            </a:r>
+            <a:r>
+              <a:rPr lang="ja-JP" altLang="en-US" dirty="0" err="1" smtClean="0"/>
+              <a:t>にて</a:t>
+            </a:r>
+            <a:r>
+              <a:rPr lang="ja-JP" altLang="en-US" dirty="0" smtClean="0"/>
+              <a:t>生成</a:t>
+            </a:r>
+            <a:endParaRPr lang="en-US" altLang="ja-JP" dirty="0" smtClean="0"/>
+          </a:p>
+          <a:p>
+            <a:endParaRPr kumimoji="1" lang="en-US" altLang="ja-JP" dirty="0"/>
+          </a:p>
+          <a:p>
+            <a:r>
+              <a:rPr kumimoji="1" lang="en-US" altLang="ja-JP" dirty="0" err="1" smtClean="0"/>
+              <a:t>Blockly</a:t>
+            </a:r>
+            <a:r>
+              <a:rPr kumimoji="1" lang="ja-JP" altLang="en-US" dirty="0" smtClean="0"/>
+              <a:t>の仕様をわかるために文字列の置換をするためのプログラムを用意し、圧縮されているファイルをデバッグの際に見やすいようにした</a:t>
+            </a:r>
+            <a:endParaRPr kumimoji="1" lang="ja-JP" altLang="en-US" dirty="0"/>
+          </a:p>
+        </p:txBody>
+      </p:sp>
+      <p:sp>
+        <p:nvSpPr>
+          <p:cNvPr id="4" name="スライド番号プレースホルダー 3"/>
+          <p:cNvSpPr>
+            <a:spLocks noGrp="1"/>
+          </p:cNvSpPr>
+          <p:nvPr>
+            <p:ph type="sldNum" sz="quarter" idx="12"/>
+          </p:nvPr>
+        </p:nvSpPr>
+        <p:spPr/>
+        <p:txBody>
+          <a:bodyPr/>
+          <a:lstStyle/>
+          <a:p>
+            <a:fld id="{4A32CB03-0843-4AF8-BFB2-C9917854BC7E}" type="slidenum">
+              <a:rPr kumimoji="1" lang="ja-JP" altLang="en-US" smtClean="0"/>
+              <a:t>26</a:t>
+            </a:fld>
+            <a:endParaRPr kumimoji="1" lang="ja-JP" altLang="en-US"/>
+          </a:p>
+        </p:txBody>
+      </p:sp>
+    </p:spTree>
+    <p:extLst>
+      <p:ext uri="{BB962C8B-B14F-4D97-AF65-F5344CB8AC3E}">
+        <p14:creationId xmlns:p14="http://schemas.microsoft.com/office/powerpoint/2010/main" val="3396706266"/>
+      </p:ext>
+    </p:extLst>
+  </p:cSld>
+  <p:clrMapOvr>
+    <a:masterClrMapping/>
+  </p:clrMapOvr>
+  <p:timing>
+    <p:tnLst>
+      <p:par>
+        <p:cTn id="1" dur="indefinite" restart="never" nodeType="tmRoot"/>
+      </p:par>
+    </p:tnLst>
+  </p:timing>
+</p:sld>
+</file>
+
+<file path=ppt/slides/slide27.xml><?xml version="1.0" encoding="utf-8"?>
+<p:sld xmlns:a="http://schemas.openxmlformats.org/drawingml/2006/main" xmlns:r="http://schemas.openxmlformats.org/officeDocument/2006/relationships" xmlns:p="http://schemas.openxmlformats.org/presentationml/2006/main">
+  <p:cSld>
+    <p:spTree>
+      <p:nvGrpSpPr>
+        <p:cNvPr id="1" name=""/>
+        <p:cNvGrpSpPr/>
+        <p:nvPr/>
+      </p:nvGrpSpPr>
+      <p:grpSpPr>
+        <a:xfrm>
+          <a:off x="0" y="0"/>
+          <a:ext cx="0" cy="0"/>
+          <a:chOff x="0" y="0"/>
+          <a:chExt cx="0" cy="0"/>
+        </a:xfrm>
+      </p:grpSpPr>
+      <p:sp>
+        <p:nvSpPr>
+          <p:cNvPr id="2" name="タイトル 1"/>
+          <p:cNvSpPr>
+            <a:spLocks noGrp="1"/>
+          </p:cNvSpPr>
+          <p:nvPr>
+            <p:ph type="title"/>
+          </p:nvPr>
+        </p:nvSpPr>
+        <p:spPr/>
+        <p:txBody>
+          <a:bodyPr/>
+          <a:lstStyle/>
+          <a:p>
+            <a:r>
+              <a:rPr lang="en-US" altLang="ja-JP" dirty="0" smtClean="0"/>
+              <a:t>UI</a:t>
+            </a:r>
+            <a:endParaRPr kumimoji="1" lang="ja-JP" altLang="en-US" dirty="0"/>
+          </a:p>
+        </p:txBody>
+      </p:sp>
+      <p:pic>
+        <p:nvPicPr>
+          <p:cNvPr id="5" name="コンテンツ プレースホルダー 4"/>
+          <p:cNvPicPr>
+            <a:picLocks noGrp="1" noChangeAspect="1"/>
+          </p:cNvPicPr>
+          <p:nvPr>
+            <p:ph idx="1"/>
+          </p:nvPr>
+        </p:nvPicPr>
+        <p:blipFill rotWithShape="1">
+          <a:blip r:embed="rId2"/>
+          <a:srcRect t="15781" b="16452"/>
+          <a:stretch/>
+        </p:blipFill>
+        <p:spPr>
+          <a:xfrm>
+            <a:off x="101600" y="1913661"/>
+            <a:ext cx="9042400" cy="4307819"/>
+          </a:xfrm>
+          <a:prstGeom prst="rect">
+            <a:avLst/>
+          </a:prstGeom>
+        </p:spPr>
+      </p:pic>
+      <p:sp>
+        <p:nvSpPr>
+          <p:cNvPr id="4" name="スライド番号プレースホルダー 3"/>
+          <p:cNvSpPr>
+            <a:spLocks noGrp="1"/>
+          </p:cNvSpPr>
+          <p:nvPr>
+            <p:ph type="sldNum" sz="quarter" idx="12"/>
+          </p:nvPr>
+        </p:nvSpPr>
+        <p:spPr/>
+        <p:txBody>
+          <a:bodyPr/>
+          <a:lstStyle/>
+          <a:p>
+            <a:fld id="{4A32CB03-0843-4AF8-BFB2-C9917854BC7E}" type="slidenum">
+              <a:rPr kumimoji="1" lang="ja-JP" altLang="en-US" smtClean="0"/>
+              <a:t>27</a:t>
+            </a:fld>
+            <a:endParaRPr kumimoji="1" lang="ja-JP" altLang="en-US"/>
+          </a:p>
+        </p:txBody>
+      </p:sp>
+    </p:spTree>
+    <p:extLst>
+      <p:ext uri="{BB962C8B-B14F-4D97-AF65-F5344CB8AC3E}">
+        <p14:creationId xmlns:p14="http://schemas.microsoft.com/office/powerpoint/2010/main" val="1728103694"/>
+      </p:ext>
+    </p:extLst>
+  </p:cSld>
+  <p:clrMapOvr>
+    <a:masterClrMapping/>
+  </p:clrMapOvr>
+  <p:timing>
+    <p:tnLst>
+      <p:par>
+        <p:cTn id="1" dur="indefinite" restart="never" nodeType="tmRoot"/>
+      </p:par>
+    </p:tnLst>
+  </p:timing>
+</p:sld>
+</file>
+
+<file path=ppt/slides/slide28.xml><?xml version="1.0" encoding="utf-8"?>
+<p:sld xmlns:a="http://schemas.openxmlformats.org/drawingml/2006/main" xmlns:r="http://schemas.openxmlformats.org/officeDocument/2006/relationships" xmlns:p="http://schemas.openxmlformats.org/presentationml/2006/main">
+  <p:cSld>
+    <p:spTree>
+      <p:nvGrpSpPr>
+        <p:cNvPr id="1" name=""/>
+        <p:cNvGrpSpPr/>
+        <p:nvPr/>
+      </p:nvGrpSpPr>
+      <p:grpSpPr>
+        <a:xfrm>
+          <a:off x="0" y="0"/>
+          <a:ext cx="0" cy="0"/>
+          <a:chOff x="0" y="0"/>
+          <a:chExt cx="0" cy="0"/>
+        </a:xfrm>
+      </p:grpSpPr>
+      <p:sp>
+        <p:nvSpPr>
+          <p:cNvPr id="2" name="タイトル 1"/>
+          <p:cNvSpPr>
+            <a:spLocks noGrp="1"/>
+          </p:cNvSpPr>
+          <p:nvPr>
+            <p:ph type="title"/>
+          </p:nvPr>
+        </p:nvSpPr>
+        <p:spPr/>
+        <p:txBody>
+          <a:bodyPr/>
+          <a:lstStyle/>
+          <a:p>
+            <a:r>
+              <a:rPr kumimoji="1" lang="ja-JP" altLang="en-US" dirty="0" smtClean="0"/>
+              <a:t>タブについて</a:t>
+            </a:r>
+            <a:endParaRPr kumimoji="1" lang="ja-JP" altLang="en-US" dirty="0"/>
+          </a:p>
+        </p:txBody>
+      </p:sp>
+      <p:sp>
+        <p:nvSpPr>
+          <p:cNvPr id="3" name="コンテンツ プレースホルダー 2"/>
+          <p:cNvSpPr>
+            <a:spLocks noGrp="1"/>
+          </p:cNvSpPr>
+          <p:nvPr>
+            <p:ph idx="1"/>
+          </p:nvPr>
+        </p:nvSpPr>
+        <p:spPr/>
+        <p:txBody>
+          <a:bodyPr/>
+          <a:lstStyle/>
+          <a:p>
+            <a:r>
+              <a:rPr kumimoji="1" lang="ja-JP" altLang="en-US" dirty="0" smtClean="0"/>
+              <a:t>現在</a:t>
+            </a:r>
+            <a:r>
+              <a:rPr kumimoji="1" lang="en-US" altLang="ja-JP" dirty="0" smtClean="0"/>
+              <a:t>Question,</a:t>
+            </a:r>
+            <a:r>
+              <a:rPr kumimoji="1" lang="ja-JP" altLang="en-US" dirty="0" smtClean="0"/>
+              <a:t> </a:t>
+            </a:r>
+            <a:r>
+              <a:rPr kumimoji="1" lang="en-US" altLang="ja-JP" dirty="0" smtClean="0"/>
+              <a:t>output, test</a:t>
+            </a:r>
+            <a:r>
+              <a:rPr lang="ja-JP" altLang="en-US" dirty="0"/>
+              <a:t> </a:t>
+            </a:r>
+            <a:r>
+              <a:rPr lang="ja-JP" altLang="en-US" dirty="0" smtClean="0"/>
+              <a:t>という３つのタブがあり</a:t>
+            </a:r>
+            <a:r>
+              <a:rPr lang="en-US" altLang="ja-JP" dirty="0" smtClean="0"/>
+              <a:t>,</a:t>
+            </a:r>
+            <a:r>
+              <a:rPr lang="ja-JP" altLang="en-US" dirty="0" smtClean="0"/>
+              <a:t> これらを移動しながら作業する予定</a:t>
+            </a:r>
+            <a:endParaRPr lang="en-US" altLang="ja-JP" dirty="0" smtClean="0"/>
+          </a:p>
+          <a:p>
+            <a:endParaRPr kumimoji="1" lang="en-US" altLang="ja-JP" dirty="0" smtClean="0"/>
+          </a:p>
+          <a:p>
+            <a:r>
+              <a:rPr kumimoji="1" lang="en-US" altLang="ja-JP" dirty="0" smtClean="0"/>
+              <a:t>Question</a:t>
+            </a:r>
+            <a:r>
+              <a:rPr lang="ja-JP" altLang="en-US" dirty="0" smtClean="0"/>
+              <a:t>タブは</a:t>
+            </a:r>
+            <a:r>
+              <a:rPr lang="en-US" altLang="ja-JP" dirty="0" smtClean="0"/>
+              <a:t>, </a:t>
+            </a:r>
+            <a:r>
+              <a:rPr lang="ja-JP" altLang="en-US" dirty="0" smtClean="0"/>
+              <a:t>問題文を表示する</a:t>
+            </a:r>
+            <a:endParaRPr lang="en-US" altLang="ja-JP" dirty="0" smtClean="0"/>
+          </a:p>
+          <a:p>
+            <a:r>
+              <a:rPr lang="en-US" altLang="ja-JP" dirty="0" smtClean="0"/>
+              <a:t>output</a:t>
+            </a:r>
+            <a:r>
+              <a:rPr kumimoji="1" lang="ja-JP" altLang="en-US" dirty="0" smtClean="0"/>
+              <a:t>タブは</a:t>
+            </a:r>
+            <a:r>
+              <a:rPr kumimoji="1" lang="en-US" altLang="ja-JP" dirty="0" smtClean="0"/>
+              <a:t>,</a:t>
+            </a:r>
+            <a:r>
+              <a:rPr lang="ja-JP" altLang="en-US" dirty="0" smtClean="0"/>
+              <a:t>  ブロックから生成されたコードを表示する</a:t>
+            </a:r>
+            <a:endParaRPr lang="en-US" altLang="ja-JP" dirty="0" smtClean="0"/>
+          </a:p>
+          <a:p>
+            <a:r>
+              <a:rPr kumimoji="1" lang="en-US" altLang="ja-JP" dirty="0" smtClean="0"/>
+              <a:t>test</a:t>
+            </a:r>
+            <a:r>
+              <a:rPr kumimoji="1" lang="ja-JP" altLang="en-US" dirty="0" smtClean="0"/>
+              <a:t>タブは</a:t>
+            </a:r>
+            <a:r>
+              <a:rPr lang="en-US" altLang="ja-JP" dirty="0" smtClean="0"/>
+              <a:t>, </a:t>
+            </a:r>
+            <a:r>
+              <a:rPr lang="ja-JP" altLang="en-US" dirty="0" smtClean="0"/>
+              <a:t>正誤判定の</a:t>
+            </a:r>
+            <a:r>
+              <a:rPr lang="ja-JP" altLang="en-US" dirty="0"/>
+              <a:t>問題</a:t>
+            </a:r>
+            <a:r>
+              <a:rPr lang="ja-JP" altLang="en-US" dirty="0" smtClean="0"/>
+              <a:t>を表示する</a:t>
+            </a:r>
+            <a:endParaRPr kumimoji="1" lang="ja-JP" altLang="en-US" dirty="0"/>
+          </a:p>
+        </p:txBody>
+      </p:sp>
+      <p:sp>
+        <p:nvSpPr>
+          <p:cNvPr id="4" name="スライド番号プレースホルダー 3"/>
+          <p:cNvSpPr>
+            <a:spLocks noGrp="1"/>
+          </p:cNvSpPr>
+          <p:nvPr>
+            <p:ph type="sldNum" sz="quarter" idx="12"/>
+          </p:nvPr>
+        </p:nvSpPr>
+        <p:spPr/>
+        <p:txBody>
+          <a:bodyPr/>
+          <a:lstStyle/>
+          <a:p>
+            <a:fld id="{4A32CB03-0843-4AF8-BFB2-C9917854BC7E}" type="slidenum">
+              <a:rPr kumimoji="1" lang="ja-JP" altLang="en-US" smtClean="0"/>
+              <a:t>28</a:t>
+            </a:fld>
+            <a:endParaRPr kumimoji="1" lang="ja-JP" altLang="en-US"/>
+          </a:p>
+        </p:txBody>
+      </p:sp>
+    </p:spTree>
+    <p:extLst>
+      <p:ext uri="{BB962C8B-B14F-4D97-AF65-F5344CB8AC3E}">
+        <p14:creationId xmlns:p14="http://schemas.microsoft.com/office/powerpoint/2010/main" val="3374960464"/>
+      </p:ext>
+    </p:extLst>
+  </p:cSld>
+  <p:clrMapOvr>
+    <a:masterClrMapping/>
+  </p:clrMapOvr>
+  <p:timing>
+    <p:tnLst>
+      <p:par>
+        <p:cTn id="1" dur="indefinite" restart="never" nodeType="tmRoot"/>
+      </p:par>
+    </p:tnLst>
+  </p:timing>
+</p:sld>
+</file>
+
+<file path=ppt/slides/slide29.xml><?xml version="1.0" encoding="utf-8"?>
+<p:sld xmlns:a="http://schemas.openxmlformats.org/drawingml/2006/main" xmlns:r="http://schemas.openxmlformats.org/officeDocument/2006/relationships" xmlns:p="http://schemas.openxmlformats.org/presentationml/2006/main">
+  <p:cSld>
+    <p:spTree>
+      <p:nvGrpSpPr>
+        <p:cNvPr id="1" name=""/>
+        <p:cNvGrpSpPr/>
+        <p:nvPr/>
+      </p:nvGrpSpPr>
+      <p:grpSpPr>
+        <a:xfrm>
+          <a:off x="0" y="0"/>
+          <a:ext cx="0" cy="0"/>
+          <a:chOff x="0" y="0"/>
+          <a:chExt cx="0" cy="0"/>
+        </a:xfrm>
+      </p:grpSpPr>
+      <p:sp>
+        <p:nvSpPr>
+          <p:cNvPr id="2" name="タイトル 1"/>
+          <p:cNvSpPr>
+            <a:spLocks noGrp="1"/>
+          </p:cNvSpPr>
+          <p:nvPr>
+            <p:ph type="title"/>
+          </p:nvPr>
+        </p:nvSpPr>
+        <p:spPr/>
+        <p:txBody>
+          <a:bodyPr/>
+          <a:lstStyle/>
+          <a:p>
+            <a:r>
+              <a:rPr kumimoji="1" lang="ja-JP" altLang="en-US" dirty="0" smtClean="0"/>
+              <a:t>タブについて</a:t>
+            </a:r>
+            <a:endParaRPr kumimoji="1" lang="ja-JP" altLang="en-US" dirty="0"/>
+          </a:p>
+        </p:txBody>
+      </p:sp>
+      <p:sp>
+        <p:nvSpPr>
+          <p:cNvPr id="3" name="コンテンツ プレースホルダー 2"/>
+          <p:cNvSpPr>
+            <a:spLocks noGrp="1"/>
+          </p:cNvSpPr>
+          <p:nvPr>
+            <p:ph idx="1"/>
+          </p:nvPr>
+        </p:nvSpPr>
+        <p:spPr/>
+        <p:txBody>
+          <a:bodyPr/>
+          <a:lstStyle/>
+          <a:p>
+            <a:r>
+              <a:rPr kumimoji="1" lang="en-US" altLang="ja-JP" dirty="0" smtClean="0"/>
+              <a:t>Test</a:t>
+            </a:r>
+            <a:r>
+              <a:rPr kumimoji="1" lang="ja-JP" altLang="en-US" dirty="0" smtClean="0"/>
+              <a:t>タブの内容を他の</a:t>
+            </a:r>
+            <a:r>
+              <a:rPr kumimoji="1" lang="en-US" altLang="ja-JP" dirty="0" smtClean="0"/>
+              <a:t>HTML</a:t>
+            </a:r>
+            <a:r>
+              <a:rPr kumimoji="1" lang="ja-JP" altLang="en-US" dirty="0" smtClean="0"/>
+              <a:t>からもってくるのではなく、</a:t>
+            </a:r>
+            <a:r>
+              <a:rPr kumimoji="1" lang="en-US" altLang="ja-JP" dirty="0" smtClean="0"/>
+              <a:t>Question</a:t>
+            </a:r>
+            <a:r>
+              <a:rPr kumimoji="1" lang="ja-JP" altLang="en-US" dirty="0" smtClean="0"/>
+              <a:t>のタブから問題を生成するようにした</a:t>
+            </a:r>
+            <a:endParaRPr kumimoji="1" lang="en-US" altLang="ja-JP" dirty="0" smtClean="0"/>
+          </a:p>
+          <a:p>
+            <a:r>
+              <a:rPr lang="ja-JP" altLang="en-US" dirty="0" smtClean="0"/>
+              <a:t>現時点では問題生成は以下のキーワードとのマッチングした部分を問題としている</a:t>
+            </a:r>
+            <a:endParaRPr lang="en-US" altLang="ja-JP" dirty="0" smtClean="0"/>
+          </a:p>
+          <a:p>
+            <a:r>
+              <a:rPr lang="en-US" altLang="ja-JP" dirty="0"/>
+              <a:t>    ['for', 'while', 'do'],</a:t>
+            </a:r>
+          </a:p>
+          <a:p>
+            <a:r>
+              <a:rPr lang="en-US" altLang="ja-JP" dirty="0"/>
+              <a:t>    ['if', 'else', 'which'],</a:t>
+            </a:r>
+          </a:p>
+          <a:p>
+            <a:r>
+              <a:rPr lang="en-US" altLang="ja-JP" dirty="0"/>
+              <a:t>    ['print', 'alert']</a:t>
+            </a:r>
+          </a:p>
+          <a:p>
+            <a:endParaRPr kumimoji="1" lang="ja-JP" altLang="en-US" dirty="0"/>
+          </a:p>
+        </p:txBody>
+      </p:sp>
+      <p:sp>
+        <p:nvSpPr>
+          <p:cNvPr id="4" name="スライド番号プレースホルダー 3"/>
+          <p:cNvSpPr>
+            <a:spLocks noGrp="1"/>
+          </p:cNvSpPr>
+          <p:nvPr>
+            <p:ph type="sldNum" sz="quarter" idx="12"/>
+          </p:nvPr>
+        </p:nvSpPr>
+        <p:spPr/>
+        <p:txBody>
+          <a:bodyPr/>
+          <a:lstStyle/>
+          <a:p>
+            <a:fld id="{4A32CB03-0843-4AF8-BFB2-C9917854BC7E}" type="slidenum">
+              <a:rPr kumimoji="1" lang="ja-JP" altLang="en-US" smtClean="0"/>
+              <a:t>29</a:t>
+            </a:fld>
+            <a:endParaRPr kumimoji="1" lang="ja-JP" altLang="en-US"/>
+          </a:p>
+        </p:txBody>
+      </p:sp>
+    </p:spTree>
+    <p:extLst>
+      <p:ext uri="{BB962C8B-B14F-4D97-AF65-F5344CB8AC3E}">
+        <p14:creationId xmlns:p14="http://schemas.microsoft.com/office/powerpoint/2010/main" val="2616135838"/>
+      </p:ext>
+    </p:extLst>
+  </p:cSld>
+  <p:clrMapOvr>
+    <a:masterClrMapping/>
+  </p:clrMapOvr>
+</p:sld>
+</file>
+
+<file path=ppt/slides/slide3.xml><?xml version="1.0" encoding="utf-8"?>
+<p:sld xmlns:a="http://schemas.openxmlformats.org/drawingml/2006/main" xmlns:r="http://schemas.openxmlformats.org/officeDocument/2006/relationships" xmlns:p="http://schemas.openxmlformats.org/presentationml/2006/main">
+  <p:cSld>
+    <p:spTree>
+      <p:nvGrpSpPr>
+        <p:cNvPr id="1" name=""/>
+        <p:cNvGrpSpPr/>
+        <p:nvPr/>
+      </p:nvGrpSpPr>
+      <p:grpSpPr>
+        <a:xfrm>
+          <a:off x="0" y="0"/>
+          <a:ext cx="0" cy="0"/>
+          <a:chOff x="0" y="0"/>
+          <a:chExt cx="0" cy="0"/>
+        </a:xfrm>
+      </p:grpSpPr>
+      <p:sp>
+        <p:nvSpPr>
+          <p:cNvPr id="2" name="タイトル 1"/>
+          <p:cNvSpPr>
+            <a:spLocks noGrp="1"/>
+          </p:cNvSpPr>
+          <p:nvPr>
+            <p:ph type="title"/>
+          </p:nvPr>
+        </p:nvSpPr>
+        <p:spPr/>
+        <p:txBody>
+          <a:bodyPr/>
+          <a:lstStyle/>
+          <a:p>
+            <a:r>
+              <a:rPr kumimoji="1" lang="ja-JP" altLang="en-US" dirty="0" smtClean="0"/>
+              <a:t>研究背景</a:t>
+            </a:r>
+            <a:endParaRPr kumimoji="1" lang="ja-JP" altLang="en-US" dirty="0"/>
+          </a:p>
+        </p:txBody>
+      </p:sp>
+      <p:sp>
+        <p:nvSpPr>
+          <p:cNvPr id="3" name="コンテンツ プレースホルダー 2"/>
+          <p:cNvSpPr>
+            <a:spLocks noGrp="1"/>
+          </p:cNvSpPr>
+          <p:nvPr>
+            <p:ph idx="1"/>
+          </p:nvPr>
+        </p:nvSpPr>
+        <p:spPr/>
+        <p:txBody>
+          <a:bodyPr/>
+          <a:lstStyle/>
+          <a:p>
+            <a:pPr algn="just"/>
+            <a:r>
+              <a:rPr lang="en-US" altLang="ja-JP" dirty="0"/>
+              <a:t>2020</a:t>
+            </a:r>
+            <a:r>
+              <a:rPr lang="ja-JP" altLang="en-US" dirty="0"/>
+              <a:t>年以降小学校，中学校，高等学校にてプログラミング教育の必修が全面実施される．</a:t>
+            </a:r>
+            <a:endParaRPr lang="en-US" altLang="ja-JP" dirty="0"/>
+          </a:p>
+          <a:p>
+            <a:pPr algn="just"/>
+            <a:r>
+              <a:rPr lang="ja-JP" altLang="en-US" dirty="0"/>
+              <a:t>文部科学省の発表によると，プログラミング教育を必修とする目的は，現代社会で普遍的に求められる力としての論理的思考などを育むことである．</a:t>
+            </a:r>
+            <a:endParaRPr lang="en-US" altLang="ja-JP" dirty="0"/>
+          </a:p>
+          <a:p>
+            <a:pPr algn="just"/>
+            <a:r>
+              <a:rPr lang="ja-JP" altLang="en-US" dirty="0"/>
+              <a:t>論理的思考とは，「思考や論証の組み立て，思考の妥当性が保証される法則や形式」に則って思考を組み立てることとする．</a:t>
+            </a:r>
+            <a:endParaRPr lang="en-US" altLang="ja-JP" dirty="0"/>
+          </a:p>
+        </p:txBody>
+      </p:sp>
+      <p:sp>
+        <p:nvSpPr>
+          <p:cNvPr id="4" name="スライド番号プレースホルダー 3"/>
+          <p:cNvSpPr>
+            <a:spLocks noGrp="1"/>
+          </p:cNvSpPr>
+          <p:nvPr>
+            <p:ph type="sldNum" sz="quarter" idx="12"/>
+          </p:nvPr>
+        </p:nvSpPr>
+        <p:spPr/>
+        <p:txBody>
+          <a:bodyPr/>
+          <a:lstStyle/>
+          <a:p>
+            <a:fld id="{4A32CB03-0843-4AF8-BFB2-C9917854BC7E}" type="slidenum">
+              <a:rPr kumimoji="1" lang="ja-JP" altLang="en-US" sz="2800" smtClean="0"/>
+              <a:t>3</a:t>
+            </a:fld>
+            <a:endParaRPr kumimoji="1" lang="ja-JP" altLang="en-US" sz="2800" dirty="0"/>
+          </a:p>
+        </p:txBody>
+      </p:sp>
+    </p:spTree>
+    <p:extLst>
+      <p:ext uri="{BB962C8B-B14F-4D97-AF65-F5344CB8AC3E}">
+        <p14:creationId xmlns:p14="http://schemas.microsoft.com/office/powerpoint/2010/main" val="1938097084"/>
+      </p:ext>
+    </p:extLst>
+  </p:cSld>
+  <p:clrMapOvr>
+    <a:masterClrMapping/>
+  </p:clrMapOvr>
+  <p:timing>
+    <p:tnLst>
+      <p:par>
+        <p:cTn id="1" dur="indefinite" restart="never" nodeType="tmRoot"/>
+      </p:par>
+    </p:tnLst>
+  </p:timing>
+</p:sld>
+</file>
+
+<file path=ppt/slides/slide30.xml><?xml version="1.0" encoding="utf-8"?>
+<p:sld xmlns:a="http://schemas.openxmlformats.org/drawingml/2006/main" xmlns:r="http://schemas.openxmlformats.org/officeDocument/2006/relationships" xmlns:p="http://schemas.openxmlformats.org/presentationml/2006/main">
+  <p:cSld>
+    <p:spTree>
+      <p:nvGrpSpPr>
+        <p:cNvPr id="1" name=""/>
+        <p:cNvGrpSpPr/>
+        <p:nvPr/>
+      </p:nvGrpSpPr>
+      <p:grpSpPr>
+        <a:xfrm>
+          <a:off x="0" y="0"/>
+          <a:ext cx="0" cy="0"/>
+          <a:chOff x="0" y="0"/>
+          <a:chExt cx="0" cy="0"/>
+        </a:xfrm>
+      </p:grpSpPr>
+      <p:sp>
+        <p:nvSpPr>
+          <p:cNvPr id="2" name="タイトル 1"/>
+          <p:cNvSpPr>
+            <a:spLocks noGrp="1"/>
+          </p:cNvSpPr>
+          <p:nvPr>
+            <p:ph type="title"/>
+          </p:nvPr>
+        </p:nvSpPr>
+        <p:spPr/>
+        <p:txBody>
+          <a:bodyPr/>
+          <a:lstStyle/>
+          <a:p>
+            <a:r>
+              <a:rPr lang="ja-JP" altLang="en-US" dirty="0" smtClean="0"/>
+              <a:t>変更後の画面</a:t>
+            </a:r>
+            <a:endParaRPr kumimoji="1" lang="ja-JP" altLang="en-US" dirty="0"/>
+          </a:p>
+        </p:txBody>
+      </p:sp>
+      <p:pic>
+        <p:nvPicPr>
+          <p:cNvPr id="5" name="コンテンツ プレースホルダー 4"/>
+          <p:cNvPicPr>
+            <a:picLocks noGrp="1" noChangeAspect="1"/>
+          </p:cNvPicPr>
+          <p:nvPr>
+            <p:ph idx="1"/>
+          </p:nvPr>
+        </p:nvPicPr>
+        <p:blipFill rotWithShape="1">
+          <a:blip r:embed="rId2"/>
+          <a:srcRect t="14082"/>
+          <a:stretch/>
+        </p:blipFill>
+        <p:spPr>
+          <a:xfrm>
+            <a:off x="907715" y="1902691"/>
+            <a:ext cx="7328569" cy="4274271"/>
+          </a:xfrm>
+          <a:prstGeom prst="rect">
+            <a:avLst/>
+          </a:prstGeom>
+        </p:spPr>
+      </p:pic>
+      <p:sp>
+        <p:nvSpPr>
+          <p:cNvPr id="4" name="スライド番号プレースホルダー 3"/>
+          <p:cNvSpPr>
+            <a:spLocks noGrp="1"/>
+          </p:cNvSpPr>
+          <p:nvPr>
+            <p:ph type="sldNum" sz="quarter" idx="12"/>
+          </p:nvPr>
+        </p:nvSpPr>
+        <p:spPr/>
+        <p:txBody>
+          <a:bodyPr/>
+          <a:lstStyle/>
+          <a:p>
+            <a:fld id="{4A32CB03-0843-4AF8-BFB2-C9917854BC7E}" type="slidenum">
+              <a:rPr kumimoji="1" lang="ja-JP" altLang="en-US" smtClean="0"/>
+              <a:t>30</a:t>
+            </a:fld>
+            <a:endParaRPr kumimoji="1" lang="ja-JP" altLang="en-US"/>
+          </a:p>
+        </p:txBody>
+      </p:sp>
+    </p:spTree>
+    <p:extLst>
+      <p:ext uri="{BB962C8B-B14F-4D97-AF65-F5344CB8AC3E}">
+        <p14:creationId xmlns:p14="http://schemas.microsoft.com/office/powerpoint/2010/main" val="1182601766"/>
+      </p:ext>
+    </p:extLst>
+  </p:cSld>
+  <p:clrMapOvr>
+    <a:masterClrMapping/>
+  </p:clrMapOvr>
+</p:sld>
+</file>
+
+<file path=ppt/slides/slide31.xml><?xml version="1.0" encoding="utf-8"?>
+<p:sld xmlns:a="http://schemas.openxmlformats.org/drawingml/2006/main" xmlns:r="http://schemas.openxmlformats.org/officeDocument/2006/relationships" xmlns:p="http://schemas.openxmlformats.org/presentationml/2006/main">
+  <p:cSld>
+    <p:spTree>
+      <p:nvGrpSpPr>
+        <p:cNvPr id="1" name=""/>
+        <p:cNvGrpSpPr/>
+        <p:nvPr/>
+      </p:nvGrpSpPr>
+      <p:grpSpPr>
+        <a:xfrm>
+          <a:off x="0" y="0"/>
+          <a:ext cx="0" cy="0"/>
+          <a:chOff x="0" y="0"/>
+          <a:chExt cx="0" cy="0"/>
+        </a:xfrm>
+      </p:grpSpPr>
+      <p:sp>
+        <p:nvSpPr>
+          <p:cNvPr id="2" name="タイトル 1"/>
+          <p:cNvSpPr>
+            <a:spLocks noGrp="1"/>
+          </p:cNvSpPr>
+          <p:nvPr>
+            <p:ph type="title"/>
+          </p:nvPr>
+        </p:nvSpPr>
+        <p:spPr/>
+        <p:txBody>
+          <a:bodyPr/>
+          <a:lstStyle/>
+          <a:p>
+            <a:r>
+              <a:rPr kumimoji="1" lang="ja-JP" altLang="en-US" dirty="0" smtClean="0"/>
+              <a:t>コード実行について</a:t>
+            </a:r>
+            <a:endParaRPr kumimoji="1" lang="ja-JP" altLang="en-US" dirty="0"/>
+          </a:p>
+        </p:txBody>
+      </p:sp>
+      <p:sp>
+        <p:nvSpPr>
+          <p:cNvPr id="3" name="コンテンツ プレースホルダー 2"/>
+          <p:cNvSpPr>
+            <a:spLocks noGrp="1"/>
+          </p:cNvSpPr>
+          <p:nvPr>
+            <p:ph idx="1"/>
+          </p:nvPr>
+        </p:nvSpPr>
+        <p:spPr/>
+        <p:txBody>
+          <a:bodyPr/>
+          <a:lstStyle/>
+          <a:p>
+            <a:r>
+              <a:rPr kumimoji="1" lang="ja-JP" altLang="en-US" dirty="0" smtClean="0"/>
+              <a:t>３つのタブの状態についてコードを実行できるようにした</a:t>
+            </a:r>
+            <a:endParaRPr kumimoji="1" lang="en-US" altLang="ja-JP" dirty="0" smtClean="0"/>
+          </a:p>
+          <a:p>
+            <a:pPr marL="514350" indent="-514350">
+              <a:buFont typeface="+mj-lt"/>
+              <a:buAutoNum type="arabicPeriod"/>
+            </a:pPr>
+            <a:r>
+              <a:rPr lang="en-US" altLang="ja-JP" dirty="0" smtClean="0"/>
+              <a:t>Question</a:t>
+            </a:r>
+            <a:r>
+              <a:rPr lang="ja-JP" altLang="en-US" dirty="0" smtClean="0"/>
+              <a:t>タブ　問題から生成したコード</a:t>
+            </a:r>
+            <a:endParaRPr lang="en-US" altLang="ja-JP" dirty="0" smtClean="0"/>
+          </a:p>
+          <a:p>
+            <a:pPr marL="514350" indent="-514350">
+              <a:buFont typeface="+mj-lt"/>
+              <a:buAutoNum type="arabicPeriod"/>
+            </a:pPr>
+            <a:r>
+              <a:rPr lang="en-US" altLang="ja-JP" dirty="0" smtClean="0"/>
+              <a:t>Output</a:t>
+            </a:r>
+            <a:r>
+              <a:rPr lang="ja-JP" altLang="en-US" dirty="0" smtClean="0"/>
+              <a:t>タブ　ブロックプログラムによって生成したコード</a:t>
+            </a:r>
+            <a:endParaRPr lang="en-US" altLang="ja-JP" dirty="0" smtClean="0"/>
+          </a:p>
+          <a:p>
+            <a:pPr marL="514350" indent="-514350">
+              <a:buFont typeface="+mj-lt"/>
+              <a:buAutoNum type="arabicPeriod"/>
+            </a:pPr>
+            <a:r>
+              <a:rPr lang="en-US" altLang="ja-JP" dirty="0" smtClean="0"/>
+              <a:t>Test</a:t>
+            </a:r>
+            <a:r>
+              <a:rPr lang="ja-JP" altLang="en-US" dirty="0" smtClean="0"/>
+              <a:t>タブ　選択肢から生成したコード</a:t>
+            </a:r>
+            <a:endParaRPr lang="en-US" altLang="ja-JP" dirty="0" smtClean="0"/>
+          </a:p>
+        </p:txBody>
+      </p:sp>
+      <p:sp>
+        <p:nvSpPr>
+          <p:cNvPr id="4" name="スライド番号プレースホルダー 3"/>
+          <p:cNvSpPr>
+            <a:spLocks noGrp="1"/>
+          </p:cNvSpPr>
+          <p:nvPr>
+            <p:ph type="sldNum" sz="quarter" idx="12"/>
+          </p:nvPr>
+        </p:nvSpPr>
+        <p:spPr/>
+        <p:txBody>
+          <a:bodyPr/>
+          <a:lstStyle/>
+          <a:p>
+            <a:fld id="{4A32CB03-0843-4AF8-BFB2-C9917854BC7E}" type="slidenum">
+              <a:rPr kumimoji="1" lang="ja-JP" altLang="en-US" smtClean="0"/>
+              <a:t>31</a:t>
+            </a:fld>
+            <a:endParaRPr kumimoji="1" lang="ja-JP" altLang="en-US"/>
+          </a:p>
+        </p:txBody>
+      </p:sp>
+    </p:spTree>
+    <p:extLst>
+      <p:ext uri="{BB962C8B-B14F-4D97-AF65-F5344CB8AC3E}">
+        <p14:creationId xmlns:p14="http://schemas.microsoft.com/office/powerpoint/2010/main" val="1437781949"/>
+      </p:ext>
+    </p:extLst>
+  </p:cSld>
+  <p:clrMapOvr>
+    <a:masterClrMapping/>
+  </p:clrMapOvr>
+</p:sld>
+</file>
+
+<file path=ppt/slides/slide32.xml><?xml version="1.0" encoding="utf-8"?>
+<p:sld xmlns:a="http://schemas.openxmlformats.org/drawingml/2006/main" xmlns:r="http://schemas.openxmlformats.org/officeDocument/2006/relationships" xmlns:p="http://schemas.openxmlformats.org/presentationml/2006/main">
+  <p:cSld>
+    <p:spTree>
+      <p:nvGrpSpPr>
+        <p:cNvPr id="1" name=""/>
+        <p:cNvGrpSpPr/>
+        <p:nvPr/>
+      </p:nvGrpSpPr>
+      <p:grpSpPr>
+        <a:xfrm>
+          <a:off x="0" y="0"/>
+          <a:ext cx="0" cy="0"/>
+          <a:chOff x="0" y="0"/>
+          <a:chExt cx="0" cy="0"/>
+        </a:xfrm>
+      </p:grpSpPr>
+      <p:sp>
+        <p:nvSpPr>
+          <p:cNvPr id="2" name="タイトル 1"/>
+          <p:cNvSpPr>
+            <a:spLocks noGrp="1"/>
+          </p:cNvSpPr>
+          <p:nvPr>
+            <p:ph type="title"/>
+          </p:nvPr>
+        </p:nvSpPr>
+        <p:spPr/>
+        <p:txBody>
+          <a:bodyPr/>
+          <a:lstStyle/>
+          <a:p>
+            <a:r>
+              <a:rPr kumimoji="1" lang="ja-JP" altLang="en-US" dirty="0" smtClean="0"/>
+              <a:t>コード実行について</a:t>
+            </a:r>
+            <a:endParaRPr kumimoji="1" lang="ja-JP" altLang="en-US" dirty="0"/>
+          </a:p>
+        </p:txBody>
+      </p:sp>
+      <p:sp>
+        <p:nvSpPr>
+          <p:cNvPr id="3" name="コンテンツ プレースホルダー 2"/>
+          <p:cNvSpPr>
+            <a:spLocks noGrp="1"/>
+          </p:cNvSpPr>
+          <p:nvPr>
+            <p:ph idx="1"/>
+          </p:nvPr>
+        </p:nvSpPr>
+        <p:spPr/>
+        <p:txBody>
+          <a:bodyPr/>
+          <a:lstStyle/>
+          <a:p>
+            <a:r>
+              <a:rPr kumimoji="1" lang="ja-JP" altLang="en-US" dirty="0" smtClean="0"/>
+              <a:t>現在</a:t>
+            </a:r>
+            <a:r>
+              <a:rPr kumimoji="1" lang="en-US" altLang="ja-JP" dirty="0" err="1" smtClean="0"/>
+              <a:t>Javascript</a:t>
+            </a:r>
+            <a:r>
+              <a:rPr lang="ja-JP" altLang="en-US" dirty="0" smtClean="0"/>
+              <a:t>のコードを</a:t>
+            </a:r>
+            <a:r>
+              <a:rPr lang="en-US" altLang="ja-JP" dirty="0" err="1" smtClean="0"/>
+              <a:t>eval</a:t>
+            </a:r>
+            <a:r>
+              <a:rPr lang="ja-JP" altLang="en-US" dirty="0" smtClean="0"/>
+              <a:t>という</a:t>
+            </a:r>
+            <a:r>
+              <a:rPr lang="en-US" altLang="ja-JP" dirty="0" err="1" smtClean="0"/>
+              <a:t>Javascript</a:t>
+            </a:r>
+            <a:r>
+              <a:rPr lang="ja-JP" altLang="en-US" dirty="0" smtClean="0"/>
+              <a:t>の関数を利用することでコードを実行し表示している</a:t>
+            </a:r>
+            <a:endParaRPr lang="en-US" altLang="ja-JP" dirty="0" smtClean="0"/>
+          </a:p>
+          <a:p>
+            <a:r>
+              <a:rPr lang="ja-JP" altLang="en-US" dirty="0" smtClean="0"/>
+              <a:t>現行</a:t>
+            </a:r>
+            <a:r>
+              <a:rPr lang="ja-JP" altLang="en-US" dirty="0"/>
+              <a:t>の</a:t>
+            </a:r>
+            <a:r>
+              <a:rPr kumimoji="1" lang="en-US" altLang="ja-JP" dirty="0" err="1" smtClean="0"/>
+              <a:t>eval</a:t>
+            </a:r>
+            <a:r>
+              <a:rPr kumimoji="1" lang="ja-JP" altLang="en-US" dirty="0" smtClean="0"/>
+              <a:t>というコードは悪用がきくため気を付けないといけない</a:t>
+            </a:r>
+            <a:endParaRPr kumimoji="1" lang="en-US" altLang="ja-JP" dirty="0" smtClean="0"/>
+          </a:p>
+          <a:p>
+            <a:r>
+              <a:rPr lang="ja-JP" altLang="en-US" dirty="0"/>
+              <a:t> </a:t>
+            </a:r>
+            <a:r>
+              <a:rPr lang="en-US" altLang="ja-JP" dirty="0" err="1"/>
+              <a:t>eval</a:t>
+            </a:r>
+            <a:r>
+              <a:rPr lang="ja-JP" altLang="en-US" dirty="0"/>
+              <a:t>より</a:t>
+            </a:r>
+            <a:r>
+              <a:rPr lang="en-US" altLang="ja-JP" dirty="0"/>
+              <a:t>JS-Interpreter</a:t>
+            </a:r>
+            <a:r>
+              <a:rPr lang="ja-JP" altLang="en-US" dirty="0"/>
+              <a:t>による実行が公式に推奨されているため、調べて可能なら実装したい</a:t>
+            </a:r>
+            <a:endParaRPr lang="en-US" altLang="ja-JP" dirty="0"/>
+          </a:p>
+          <a:p>
+            <a:endParaRPr kumimoji="1" lang="en-US" altLang="ja-JP" dirty="0" smtClean="0"/>
+          </a:p>
+          <a:p>
+            <a:endParaRPr kumimoji="1" lang="ja-JP" altLang="en-US" dirty="0"/>
+          </a:p>
+        </p:txBody>
+      </p:sp>
+      <p:sp>
+        <p:nvSpPr>
+          <p:cNvPr id="4" name="スライド番号プレースホルダー 3"/>
+          <p:cNvSpPr>
+            <a:spLocks noGrp="1"/>
+          </p:cNvSpPr>
+          <p:nvPr>
+            <p:ph type="sldNum" sz="quarter" idx="12"/>
+          </p:nvPr>
+        </p:nvSpPr>
+        <p:spPr/>
+        <p:txBody>
+          <a:bodyPr/>
+          <a:lstStyle/>
+          <a:p>
+            <a:fld id="{4A32CB03-0843-4AF8-BFB2-C9917854BC7E}" type="slidenum">
+              <a:rPr kumimoji="1" lang="ja-JP" altLang="en-US" smtClean="0"/>
+              <a:t>32</a:t>
+            </a:fld>
+            <a:endParaRPr kumimoji="1" lang="ja-JP" altLang="en-US"/>
+          </a:p>
+        </p:txBody>
+      </p:sp>
+    </p:spTree>
+    <p:extLst>
+      <p:ext uri="{BB962C8B-B14F-4D97-AF65-F5344CB8AC3E}">
+        <p14:creationId xmlns:p14="http://schemas.microsoft.com/office/powerpoint/2010/main" val="2861655850"/>
+      </p:ext>
+    </p:extLst>
+  </p:cSld>
+  <p:clrMapOvr>
+    <a:masterClrMapping/>
+  </p:clrMapOvr>
+</p:sld>
+</file>
+
+<file path=ppt/slides/slide33.xml><?xml version="1.0" encoding="utf-8"?>
+<p:sld xmlns:a="http://schemas.openxmlformats.org/drawingml/2006/main" xmlns:r="http://schemas.openxmlformats.org/officeDocument/2006/relationships" xmlns:p="http://schemas.openxmlformats.org/presentationml/2006/main">
+  <p:cSld>
+    <p:spTree>
+      <p:nvGrpSpPr>
+        <p:cNvPr id="1" name=""/>
+        <p:cNvGrpSpPr/>
+        <p:nvPr/>
+      </p:nvGrpSpPr>
+      <p:grpSpPr>
+        <a:xfrm>
+          <a:off x="0" y="0"/>
+          <a:ext cx="0" cy="0"/>
+          <a:chOff x="0" y="0"/>
+          <a:chExt cx="0" cy="0"/>
+        </a:xfrm>
+      </p:grpSpPr>
+      <p:sp>
+        <p:nvSpPr>
+          <p:cNvPr id="2" name="タイトル 1"/>
+          <p:cNvSpPr>
+            <a:spLocks noGrp="1"/>
+          </p:cNvSpPr>
+          <p:nvPr>
+            <p:ph type="title"/>
+          </p:nvPr>
+        </p:nvSpPr>
+        <p:spPr/>
+        <p:txBody>
+          <a:bodyPr/>
+          <a:lstStyle/>
+          <a:p>
+            <a:r>
+              <a:rPr lang="ja-JP" altLang="en-US" dirty="0" smtClean="0"/>
+              <a:t>今後について</a:t>
+            </a:r>
+            <a:endParaRPr kumimoji="1" lang="ja-JP" altLang="en-US" dirty="0"/>
+          </a:p>
+        </p:txBody>
+      </p:sp>
+      <p:sp>
+        <p:nvSpPr>
+          <p:cNvPr id="3" name="コンテンツ プレースホルダー 2"/>
+          <p:cNvSpPr>
+            <a:spLocks noGrp="1"/>
+          </p:cNvSpPr>
+          <p:nvPr>
+            <p:ph idx="1"/>
+          </p:nvPr>
+        </p:nvSpPr>
+        <p:spPr/>
+        <p:txBody>
+          <a:bodyPr>
+            <a:normAutofit fontScale="77500" lnSpcReduction="20000"/>
+          </a:bodyPr>
+          <a:lstStyle/>
+          <a:p>
+            <a:r>
+              <a:rPr kumimoji="1" lang="ja-JP" altLang="en-US" dirty="0" smtClean="0"/>
+              <a:t>現在指定しているキーワードがかなり少ないので増やす</a:t>
+            </a:r>
+            <a:endParaRPr lang="en-US" altLang="ja-JP" dirty="0"/>
+          </a:p>
+          <a:p>
+            <a:r>
+              <a:rPr kumimoji="1" lang="ja-JP" altLang="en-US" dirty="0" smtClean="0"/>
+              <a:t>キーワードを配置している場所が</a:t>
+            </a:r>
+            <a:r>
+              <a:rPr kumimoji="1" lang="en-US" altLang="ja-JP" dirty="0" err="1" smtClean="0"/>
+              <a:t>Javascript</a:t>
+            </a:r>
+            <a:r>
+              <a:rPr lang="ja-JP" altLang="en-US" dirty="0" smtClean="0"/>
+              <a:t>のファイルに直書きなので、どこか別の場所を考えたい（</a:t>
+            </a:r>
+            <a:r>
+              <a:rPr lang="en-US" altLang="ja-JP" dirty="0" smtClean="0"/>
+              <a:t>DB</a:t>
+            </a:r>
+            <a:r>
+              <a:rPr lang="ja-JP" altLang="en-US" dirty="0" smtClean="0"/>
+              <a:t>？）</a:t>
+            </a:r>
+            <a:endParaRPr lang="en-US" altLang="ja-JP" dirty="0" smtClean="0"/>
+          </a:p>
+          <a:p>
+            <a:r>
+              <a:rPr lang="ja-JP" altLang="en-US" dirty="0" smtClean="0"/>
+              <a:t>解説があるとうれしいらしい、なんらかの形を考えたい</a:t>
+            </a:r>
+            <a:endParaRPr kumimoji="1" lang="en-US" altLang="ja-JP" dirty="0" smtClean="0"/>
+          </a:p>
+          <a:p>
+            <a:r>
+              <a:rPr kumimoji="1" lang="ja-JP" altLang="en-US" dirty="0" smtClean="0"/>
+              <a:t>タブ</a:t>
+            </a:r>
+            <a:r>
+              <a:rPr kumimoji="1" lang="ja-JP" altLang="en-US" dirty="0" smtClean="0"/>
+              <a:t>の枠のサイズなど</a:t>
+            </a:r>
+            <a:r>
+              <a:rPr kumimoji="1" lang="ja-JP" altLang="en-US" dirty="0" smtClean="0"/>
+              <a:t>が</a:t>
+            </a:r>
+            <a:r>
+              <a:rPr lang="ja-JP" altLang="en-US" dirty="0"/>
+              <a:t>適正</a:t>
+            </a:r>
+            <a:r>
+              <a:rPr kumimoji="1" lang="ja-JP" altLang="en-US" dirty="0" smtClean="0"/>
+              <a:t>でないので</a:t>
+            </a:r>
+            <a:r>
+              <a:rPr kumimoji="1" lang="en-US" altLang="ja-JP" dirty="0" err="1" smtClean="0"/>
+              <a:t>css</a:t>
+            </a:r>
+            <a:r>
+              <a:rPr lang="ja-JP" altLang="en-US" dirty="0"/>
+              <a:t>を</a:t>
+            </a:r>
+            <a:r>
+              <a:rPr kumimoji="1" lang="ja-JP" altLang="en-US" dirty="0" smtClean="0"/>
+              <a:t>かく</a:t>
+            </a:r>
+            <a:endParaRPr kumimoji="1" lang="en-US" altLang="ja-JP" dirty="0" smtClean="0"/>
+          </a:p>
+          <a:p>
+            <a:r>
+              <a:rPr kumimoji="1" lang="ja-JP" altLang="en-US" dirty="0" smtClean="0"/>
+              <a:t>問題にたいして、正解となるブロックを表示できるよう</a:t>
+            </a:r>
+            <a:r>
+              <a:rPr kumimoji="1" lang="ja-JP" altLang="en-US" smtClean="0"/>
+              <a:t>に</a:t>
+            </a:r>
+            <a:r>
+              <a:rPr kumimoji="1" lang="ja-JP" altLang="en-US" smtClean="0"/>
+              <a:t>したい</a:t>
+            </a:r>
+            <a:endParaRPr kumimoji="1" lang="en-US" altLang="ja-JP" dirty="0" smtClean="0"/>
+          </a:p>
+          <a:p>
+            <a:r>
+              <a:rPr lang="en-US" altLang="ja-JP" dirty="0" smtClean="0"/>
+              <a:t>DB</a:t>
+            </a:r>
+            <a:r>
+              <a:rPr lang="ja-JP" altLang="en-US" dirty="0" smtClean="0"/>
+              <a:t>と連携して問題を生成する方法を考えていない</a:t>
+            </a:r>
+            <a:endParaRPr lang="en-US" altLang="ja-JP" dirty="0" smtClean="0"/>
+          </a:p>
+          <a:p>
+            <a:pPr lvl="1"/>
+            <a:r>
+              <a:rPr lang="ja-JP" altLang="en-US" dirty="0" smtClean="0"/>
+              <a:t>まずは問題の解答だけ</a:t>
+            </a:r>
+            <a:r>
+              <a:rPr lang="en-US" altLang="ja-JP" dirty="0" smtClean="0"/>
+              <a:t>DB</a:t>
+            </a:r>
+            <a:r>
+              <a:rPr lang="ja-JP" altLang="en-US" dirty="0" err="1" smtClean="0"/>
+              <a:t>に保</a:t>
+            </a:r>
+            <a:r>
+              <a:rPr lang="ja-JP" altLang="en-US" dirty="0" smtClean="0"/>
+              <a:t>存するなど作成したい</a:t>
+            </a:r>
+            <a:endParaRPr lang="en-US" altLang="ja-JP" dirty="0" smtClean="0"/>
+          </a:p>
+          <a:p>
+            <a:r>
+              <a:rPr lang="ja-JP" altLang="en-US" dirty="0" smtClean="0"/>
+              <a:t>もし連携する場合、どういった情報を</a:t>
+            </a:r>
+            <a:r>
+              <a:rPr lang="en-US" altLang="ja-JP" dirty="0" smtClean="0"/>
+              <a:t>DB</a:t>
+            </a:r>
+            <a:r>
+              <a:rPr lang="ja-JP" altLang="en-US" dirty="0" err="1" smtClean="0"/>
+              <a:t>に保</a:t>
+            </a:r>
+            <a:r>
+              <a:rPr lang="ja-JP" altLang="en-US" dirty="0" smtClean="0"/>
+              <a:t>存するのか</a:t>
+            </a:r>
+            <a:endParaRPr lang="en-US" altLang="ja-JP" dirty="0" smtClean="0"/>
+          </a:p>
+          <a:p>
+            <a:pPr lvl="1"/>
+            <a:r>
+              <a:rPr lang="ja-JP" altLang="en-US" dirty="0" smtClean="0"/>
+              <a:t>問題の解答</a:t>
+            </a:r>
+            <a:endParaRPr lang="en-US" altLang="ja-JP" dirty="0" smtClean="0"/>
+          </a:p>
+          <a:p>
+            <a:pPr lvl="1"/>
+            <a:r>
+              <a:rPr lang="ja-JP" altLang="en-US" dirty="0" smtClean="0"/>
+              <a:t>問題の選択肢</a:t>
+            </a:r>
+            <a:endParaRPr lang="en-US" altLang="ja-JP" dirty="0" smtClean="0"/>
+          </a:p>
+          <a:p>
+            <a:pPr lvl="2"/>
+            <a:r>
+              <a:rPr lang="ja-JP" altLang="en-US" dirty="0" smtClean="0"/>
+              <a:t>事前に決めておくのかどうか</a:t>
+            </a:r>
+            <a:endParaRPr lang="en-US" altLang="ja-JP" dirty="0" smtClean="0"/>
+          </a:p>
+          <a:p>
+            <a:endParaRPr kumimoji="1" lang="en-US" altLang="ja-JP" dirty="0" smtClean="0"/>
+          </a:p>
+          <a:p>
+            <a:endParaRPr lang="en-US" altLang="ja-JP" dirty="0"/>
+          </a:p>
+          <a:p>
+            <a:pPr marL="0" indent="0">
+              <a:buNone/>
+            </a:pPr>
+            <a:endParaRPr kumimoji="1" lang="ja-JP" altLang="en-US" dirty="0"/>
+          </a:p>
+        </p:txBody>
+      </p:sp>
+      <p:sp>
+        <p:nvSpPr>
+          <p:cNvPr id="4" name="スライド番号プレースホルダー 3"/>
+          <p:cNvSpPr>
+            <a:spLocks noGrp="1"/>
+          </p:cNvSpPr>
+          <p:nvPr>
+            <p:ph type="sldNum" sz="quarter" idx="12"/>
+          </p:nvPr>
+        </p:nvSpPr>
+        <p:spPr/>
+        <p:txBody>
+          <a:bodyPr/>
+          <a:lstStyle/>
+          <a:p>
+            <a:fld id="{4A32CB03-0843-4AF8-BFB2-C9917854BC7E}" type="slidenum">
+              <a:rPr kumimoji="1" lang="ja-JP" altLang="en-US" smtClean="0"/>
+              <a:t>33</a:t>
+            </a:fld>
+            <a:endParaRPr kumimoji="1" lang="ja-JP" altLang="en-US"/>
+          </a:p>
+        </p:txBody>
+      </p:sp>
+    </p:spTree>
+    <p:extLst>
+      <p:ext uri="{BB962C8B-B14F-4D97-AF65-F5344CB8AC3E}">
+        <p14:creationId xmlns:p14="http://schemas.microsoft.com/office/powerpoint/2010/main" val="3804189039"/>
+      </p:ext>
+    </p:extLst>
+  </p:cSld>
+  <p:clrMapOvr>
+    <a:masterClrMapping/>
+  </p:clrMapOvr>
+  <p:timing>
+    <p:tnLst>
+      <p:par>
+        <p:cTn id="1" dur="indefinite" restart="never" nodeType="tmRoot"/>
+      </p:par>
+    </p:tnLst>
+  </p:timing>
+</p:sld>
+</file>
+
+<file path=ppt/slides/slide4.xml><?xml version="1.0" encoding="utf-8"?>
+<p:sld xmlns:a="http://schemas.openxmlformats.org/drawingml/2006/main" xmlns:r="http://schemas.openxmlformats.org/officeDocument/2006/relationships" xmlns:p="http://schemas.openxmlformats.org/presentationml/2006/main">
+  <p:cSld>
+    <p:spTree>
+      <p:nvGrpSpPr>
+        <p:cNvPr id="1" name=""/>
+        <p:cNvGrpSpPr/>
+        <p:nvPr/>
+      </p:nvGrpSpPr>
+      <p:grpSpPr>
+        <a:xfrm>
+          <a:off x="0" y="0"/>
+          <a:ext cx="0" cy="0"/>
+          <a:chOff x="0" y="0"/>
+          <a:chExt cx="0" cy="0"/>
+        </a:xfrm>
+      </p:grpSpPr>
+      <p:sp>
+        <p:nvSpPr>
+          <p:cNvPr id="2" name="タイトル 1"/>
+          <p:cNvSpPr>
+            <a:spLocks noGrp="1"/>
+          </p:cNvSpPr>
+          <p:nvPr>
+            <p:ph type="title"/>
+          </p:nvPr>
+        </p:nvSpPr>
+        <p:spPr/>
+        <p:txBody>
+          <a:bodyPr/>
+          <a:lstStyle/>
+          <a:p>
+            <a:r>
+              <a:rPr kumimoji="1" lang="ja-JP" altLang="en-US" dirty="0" smtClean="0"/>
+              <a:t>提案内容</a:t>
+            </a:r>
+            <a:endParaRPr kumimoji="1" lang="ja-JP" altLang="en-US" dirty="0"/>
+          </a:p>
+        </p:txBody>
+      </p:sp>
+      <p:sp>
+        <p:nvSpPr>
+          <p:cNvPr id="3" name="コンテンツ プレースホルダー 2"/>
+          <p:cNvSpPr>
+            <a:spLocks noGrp="1"/>
+          </p:cNvSpPr>
+          <p:nvPr>
+            <p:ph idx="1"/>
+          </p:nvPr>
+        </p:nvSpPr>
+        <p:spPr/>
+        <p:txBody>
+          <a:bodyPr>
+            <a:normAutofit/>
+          </a:bodyPr>
+          <a:lstStyle/>
+          <a:p>
+            <a:r>
+              <a:rPr lang="ja-JP" altLang="en-US" dirty="0"/>
+              <a:t>直観的に理解のしやすいブロックプログラミングにより、プログラミングの論理的思考を身に</a:t>
+            </a:r>
+            <a:r>
+              <a:rPr lang="ja-JP" altLang="en-US" dirty="0" smtClean="0"/>
+              <a:t>着けられるシステムを提案する</a:t>
+            </a:r>
+            <a:endParaRPr lang="en-US" altLang="ja-JP" dirty="0" smtClean="0"/>
+          </a:p>
+          <a:p>
+            <a:r>
+              <a:rPr lang="ja-JP" altLang="en-US" dirty="0" smtClean="0"/>
+              <a:t>ブロックプログラミングからブロックリーによるコードへの変換を利用し、プログラミング言語への理解を深められるシステムを提案</a:t>
+            </a:r>
+            <a:endParaRPr lang="en-US" altLang="ja-JP" dirty="0" smtClean="0"/>
+          </a:p>
+          <a:p>
+            <a:r>
+              <a:rPr lang="ja-JP" altLang="en-US" dirty="0"/>
+              <a:t>穴埋め</a:t>
+            </a:r>
+            <a:r>
+              <a:rPr lang="ja-JP" altLang="en-US" dirty="0" smtClean="0"/>
+              <a:t>問題などを利用し、よりプログラミングにユーザが慣れていける環境を提案</a:t>
+            </a:r>
+            <a:endParaRPr lang="en-US" altLang="ja-JP" dirty="0" smtClean="0"/>
+          </a:p>
+          <a:p>
+            <a:endParaRPr kumimoji="1" lang="en-US" altLang="ja-JP" dirty="0"/>
+          </a:p>
+          <a:p>
+            <a:endParaRPr kumimoji="1" lang="ja-JP" altLang="en-US" dirty="0"/>
+          </a:p>
+        </p:txBody>
+      </p:sp>
+      <p:sp>
+        <p:nvSpPr>
+          <p:cNvPr id="4" name="スライド番号プレースホルダー 3"/>
+          <p:cNvSpPr>
+            <a:spLocks noGrp="1"/>
+          </p:cNvSpPr>
+          <p:nvPr>
+            <p:ph type="sldNum" sz="quarter" idx="12"/>
+          </p:nvPr>
+        </p:nvSpPr>
+        <p:spPr/>
+        <p:txBody>
+          <a:bodyPr/>
+          <a:lstStyle/>
+          <a:p>
+            <a:fld id="{4A32CB03-0843-4AF8-BFB2-C9917854BC7E}" type="slidenum">
+              <a:rPr kumimoji="1" lang="ja-JP" altLang="en-US" sz="2800" smtClean="0"/>
+              <a:t>4</a:t>
+            </a:fld>
+            <a:endParaRPr kumimoji="1" lang="ja-JP" altLang="en-US" sz="2800" dirty="0"/>
+          </a:p>
+        </p:txBody>
+      </p:sp>
+    </p:spTree>
+    <p:extLst>
+      <p:ext uri="{BB962C8B-B14F-4D97-AF65-F5344CB8AC3E}">
+        <p14:creationId xmlns:p14="http://schemas.microsoft.com/office/powerpoint/2010/main" val="354179094"/>
+      </p:ext>
+    </p:extLst>
+  </p:cSld>
+  <p:clrMapOvr>
+    <a:masterClrMapping/>
+  </p:clrMapOvr>
+  <p:timing>
+    <p:tnLst>
+      <p:par>
+        <p:cTn id="1" dur="indefinite" restart="never" nodeType="tmRoot"/>
+      </p:par>
+    </p:tnLst>
+  </p:timing>
+</p:sld>
+</file>
+
+<file path=ppt/slides/slide5.xml><?xml version="1.0" encoding="utf-8"?>
+<p:sld xmlns:a="http://schemas.openxmlformats.org/drawingml/2006/main" xmlns:r="http://schemas.openxmlformats.org/officeDocument/2006/relationships" xmlns:p="http://schemas.openxmlformats.org/presentationml/2006/main">
+  <p:cSld>
+    <p:spTree>
+      <p:nvGrpSpPr>
+        <p:cNvPr id="1" name=""/>
+        <p:cNvGrpSpPr/>
+        <p:nvPr/>
+      </p:nvGrpSpPr>
+      <p:grpSpPr>
+        <a:xfrm>
+          <a:off x="0" y="0"/>
+          <a:ext cx="0" cy="0"/>
+          <a:chOff x="0" y="0"/>
+          <a:chExt cx="0" cy="0"/>
+        </a:xfrm>
+      </p:grpSpPr>
+      <p:sp>
+        <p:nvSpPr>
+          <p:cNvPr id="2" name="タイトル 1"/>
+          <p:cNvSpPr>
+            <a:spLocks noGrp="1"/>
+          </p:cNvSpPr>
+          <p:nvPr>
+            <p:ph type="title"/>
+          </p:nvPr>
+        </p:nvSpPr>
+        <p:spPr/>
+        <p:txBody>
+          <a:bodyPr/>
+          <a:lstStyle/>
+          <a:p>
+            <a:r>
+              <a:rPr kumimoji="1" lang="ja-JP" altLang="en-US" dirty="0" smtClean="0"/>
+              <a:t>研究動機</a:t>
+            </a:r>
+            <a:endParaRPr kumimoji="1" lang="ja-JP" altLang="en-US" dirty="0"/>
+          </a:p>
+        </p:txBody>
+      </p:sp>
+      <p:sp>
+        <p:nvSpPr>
+          <p:cNvPr id="3" name="コンテンツ プレースホルダー 2"/>
+          <p:cNvSpPr>
+            <a:spLocks noGrp="1"/>
+          </p:cNvSpPr>
+          <p:nvPr>
+            <p:ph idx="1"/>
+          </p:nvPr>
+        </p:nvSpPr>
+        <p:spPr/>
+        <p:txBody>
+          <a:bodyPr/>
+          <a:lstStyle/>
+          <a:p>
+            <a:pPr algn="just"/>
+            <a:r>
+              <a:rPr lang="ja-JP" altLang="en-US" dirty="0"/>
+              <a:t>学習者が教科書を読み進めるだけではなく，プログラミングに実際に触れることで，論理的思考を身に着けられる環境を作成したいと考えた．</a:t>
+            </a:r>
+            <a:endParaRPr lang="en-US" altLang="ja-JP" dirty="0"/>
+          </a:p>
+          <a:p>
+            <a:pPr algn="just"/>
+            <a:r>
+              <a:rPr lang="ja-JP" altLang="en-US" dirty="0"/>
+              <a:t>ブロックプログラミングを用いることで，学習の初期段階でプログラム言語の構文への理解が浅い状態でもコードの実行が可能である．</a:t>
+            </a:r>
+            <a:endParaRPr lang="en-US" altLang="ja-JP" dirty="0"/>
+          </a:p>
+          <a:p>
+            <a:pPr algn="just"/>
+            <a:r>
+              <a:rPr lang="en-US" altLang="ja-JP" dirty="0" err="1"/>
+              <a:t>Blockly</a:t>
+            </a:r>
+            <a:r>
+              <a:rPr lang="ja-JP" altLang="en-US" dirty="0"/>
+              <a:t>のコードジェネレート機能を用いることで，プログラムの構文への理解につながる．</a:t>
+            </a:r>
+            <a:endParaRPr lang="en-US" altLang="ja-JP" dirty="0"/>
+          </a:p>
+          <a:p>
+            <a:endParaRPr lang="en-US" altLang="ja-JP" dirty="0"/>
+          </a:p>
+          <a:p>
+            <a:endParaRPr kumimoji="1" lang="ja-JP" altLang="en-US" dirty="0"/>
+          </a:p>
+        </p:txBody>
+      </p:sp>
+      <p:sp>
+        <p:nvSpPr>
+          <p:cNvPr id="4" name="スライド番号プレースホルダー 3"/>
+          <p:cNvSpPr>
+            <a:spLocks noGrp="1"/>
+          </p:cNvSpPr>
+          <p:nvPr>
+            <p:ph type="sldNum" sz="quarter" idx="12"/>
+          </p:nvPr>
+        </p:nvSpPr>
+        <p:spPr/>
+        <p:txBody>
+          <a:bodyPr/>
+          <a:lstStyle/>
+          <a:p>
+            <a:fld id="{4A32CB03-0843-4AF8-BFB2-C9917854BC7E}" type="slidenum">
+              <a:rPr kumimoji="1" lang="ja-JP" altLang="en-US" sz="2400" smtClean="0"/>
+              <a:t>5</a:t>
+            </a:fld>
+            <a:endParaRPr kumimoji="1" lang="ja-JP" altLang="en-US" sz="2400" dirty="0"/>
+          </a:p>
+        </p:txBody>
+      </p:sp>
+    </p:spTree>
+    <p:extLst>
+      <p:ext uri="{BB962C8B-B14F-4D97-AF65-F5344CB8AC3E}">
+        <p14:creationId xmlns:p14="http://schemas.microsoft.com/office/powerpoint/2010/main" val="1632152331"/>
+      </p:ext>
+    </p:extLst>
+  </p:cSld>
+  <p:clrMapOvr>
+    <a:masterClrMapping/>
+  </p:clrMapOvr>
+  <p:timing>
+    <p:tnLst>
+      <p:par>
+        <p:cTn id="1" dur="indefinite" restart="never" nodeType="tmRoot"/>
+      </p:par>
+    </p:tnLst>
+  </p:timing>
+</p:sld>
+</file>
+
+<file path=ppt/slides/slide6.xml><?xml version="1.0" encoding="utf-8"?>
+<p:sld xmlns:a="http://schemas.openxmlformats.org/drawingml/2006/main" xmlns:r="http://schemas.openxmlformats.org/officeDocument/2006/relationships" xmlns:p="http://schemas.openxmlformats.org/presentationml/2006/main">
+  <p:cSld>
+    <p:spTree>
+      <p:nvGrpSpPr>
+        <p:cNvPr id="1" name=""/>
+        <p:cNvGrpSpPr/>
+        <p:nvPr/>
+      </p:nvGrpSpPr>
+      <p:grpSpPr>
+        <a:xfrm>
+          <a:off x="0" y="0"/>
+          <a:ext cx="0" cy="0"/>
+          <a:chOff x="0" y="0"/>
+          <a:chExt cx="0" cy="0"/>
+        </a:xfrm>
+      </p:grpSpPr>
+      <p:sp>
+        <p:nvSpPr>
+          <p:cNvPr id="2" name="タイトル 1"/>
+          <p:cNvSpPr>
+            <a:spLocks noGrp="1"/>
+          </p:cNvSpPr>
+          <p:nvPr>
+            <p:ph type="title"/>
+          </p:nvPr>
+        </p:nvSpPr>
+        <p:spPr/>
+        <p:txBody>
+          <a:bodyPr/>
+          <a:lstStyle/>
+          <a:p>
+            <a:r>
+              <a:rPr kumimoji="1" lang="ja-JP" altLang="en-US" dirty="0" smtClean="0"/>
+              <a:t>研究課題</a:t>
+            </a:r>
+            <a:endParaRPr kumimoji="1" lang="ja-JP" altLang="en-US" dirty="0"/>
+          </a:p>
+        </p:txBody>
+      </p:sp>
+      <p:sp>
+        <p:nvSpPr>
+          <p:cNvPr id="3" name="コンテンツ プレースホルダー 2"/>
+          <p:cNvSpPr>
+            <a:spLocks noGrp="1"/>
+          </p:cNvSpPr>
+          <p:nvPr>
+            <p:ph idx="1"/>
+          </p:nvPr>
+        </p:nvSpPr>
+        <p:spPr/>
+        <p:txBody>
+          <a:bodyPr>
+            <a:normAutofit/>
+          </a:bodyPr>
+          <a:lstStyle/>
+          <a:p>
+            <a:pPr algn="just"/>
+            <a:r>
+              <a:rPr lang="ja-JP" altLang="en-US" dirty="0"/>
+              <a:t>論理的思考がすでに培われていることを前提として問題が提示される教育環境となっている．</a:t>
+            </a:r>
+            <a:endParaRPr lang="en-US" altLang="ja-JP" dirty="0"/>
+          </a:p>
+          <a:p>
+            <a:pPr lvl="1" algn="just">
+              <a:buFont typeface="Wingdings" panose="05000000000000000000" pitchFamily="2" charset="2"/>
+              <a:buChar char="Ø"/>
+            </a:pPr>
+            <a:r>
+              <a:rPr lang="ja-JP" altLang="en-US" dirty="0"/>
+              <a:t>学習者が論理的な思考をもって問題文を読み取ることができる必要がある．</a:t>
+            </a:r>
+            <a:endParaRPr lang="en-US" altLang="ja-JP" dirty="0"/>
+          </a:p>
+          <a:p>
+            <a:pPr algn="just"/>
+            <a:r>
+              <a:rPr lang="ja-JP" altLang="en-US" dirty="0"/>
+              <a:t>プログラミング言語における構文を理解するには，コーディング経験も重要</a:t>
+            </a:r>
+            <a:endParaRPr lang="en-US" altLang="ja-JP" dirty="0"/>
+          </a:p>
+          <a:p>
+            <a:pPr lvl="1" algn="just">
+              <a:buFont typeface="Wingdings" panose="05000000000000000000" pitchFamily="2" charset="2"/>
+              <a:buChar char="Ø"/>
+            </a:pPr>
+            <a:r>
+              <a:rPr lang="en-US" altLang="ja-JP" dirty="0" err="1"/>
+              <a:t>Blockly</a:t>
+            </a:r>
+            <a:r>
+              <a:rPr lang="ja-JP" altLang="en-US" dirty="0"/>
+              <a:t>によって生成されたコードを見るだけではなく</a:t>
+            </a:r>
+            <a:r>
+              <a:rPr lang="en-US" altLang="ja-JP" dirty="0"/>
+              <a:t>,</a:t>
+            </a:r>
+            <a:r>
+              <a:rPr lang="ja-JP" altLang="en-US" dirty="0"/>
+              <a:t>実際に学習者がコーディングする環境でないと，プログラミング言語の構文への理解の定着にはつながらない．</a:t>
+            </a:r>
+            <a:endParaRPr lang="en-US" altLang="ja-JP" dirty="0"/>
+          </a:p>
+        </p:txBody>
+      </p:sp>
+      <p:sp>
+        <p:nvSpPr>
+          <p:cNvPr id="4" name="スライド番号プレースホルダー 3"/>
+          <p:cNvSpPr>
+            <a:spLocks noGrp="1"/>
+          </p:cNvSpPr>
+          <p:nvPr>
+            <p:ph type="sldNum" sz="quarter" idx="12"/>
+          </p:nvPr>
+        </p:nvSpPr>
+        <p:spPr/>
+        <p:txBody>
+          <a:bodyPr/>
+          <a:lstStyle/>
+          <a:p>
+            <a:fld id="{010A43D1-8C5F-4BB5-96AD-6A66B588192F}" type="slidenum">
+              <a:rPr kumimoji="1" lang="ja-JP" altLang="en-US" sz="2400" smtClean="0"/>
+              <a:t>6</a:t>
+            </a:fld>
+            <a:endParaRPr kumimoji="1" lang="ja-JP" altLang="en-US" sz="2400" dirty="0"/>
+          </a:p>
+        </p:txBody>
+      </p:sp>
+    </p:spTree>
+    <p:extLst>
+      <p:ext uri="{BB962C8B-B14F-4D97-AF65-F5344CB8AC3E}">
+        <p14:creationId xmlns:p14="http://schemas.microsoft.com/office/powerpoint/2010/main" val="4275672017"/>
+      </p:ext>
+    </p:extLst>
+  </p:cSld>
+  <p:clrMapOvr>
+    <a:masterClrMapping/>
+  </p:clrMapOvr>
+  <p:timing>
+    <p:tnLst>
+      <p:par>
+        <p:cTn id="1" dur="indefinite" restart="never" nodeType="tmRoot"/>
+      </p:par>
+    </p:tnLst>
+  </p:timing>
+</p:sld>
+</file>
+
+<file path=ppt/slides/slide7.xml><?xml version="1.0" encoding="utf-8"?>
+<p:sld xmlns:a="http://schemas.openxmlformats.org/drawingml/2006/main" xmlns:r="http://schemas.openxmlformats.org/officeDocument/2006/relationships" xmlns:p="http://schemas.openxmlformats.org/presentationml/2006/main">
+  <p:cSld>
+    <p:spTree>
+      <p:nvGrpSpPr>
+        <p:cNvPr id="1" name=""/>
+        <p:cNvGrpSpPr/>
+        <p:nvPr/>
+      </p:nvGrpSpPr>
+      <p:grpSpPr>
+        <a:xfrm>
+          <a:off x="0" y="0"/>
+          <a:ext cx="0" cy="0"/>
+          <a:chOff x="0" y="0"/>
+          <a:chExt cx="0" cy="0"/>
+        </a:xfrm>
+      </p:grpSpPr>
+      <p:sp>
+        <p:nvSpPr>
+          <p:cNvPr id="2" name="タイトル 1"/>
+          <p:cNvSpPr>
+            <a:spLocks noGrp="1"/>
+          </p:cNvSpPr>
+          <p:nvPr>
+            <p:ph type="title"/>
+          </p:nvPr>
+        </p:nvSpPr>
+        <p:spPr/>
+        <p:txBody>
+          <a:bodyPr/>
+          <a:lstStyle/>
+          <a:p>
+            <a:r>
+              <a:rPr kumimoji="1" lang="ja-JP" altLang="en-US" dirty="0" smtClean="0"/>
+              <a:t>解決すべき課題</a:t>
+            </a:r>
+            <a:endParaRPr kumimoji="1" lang="ja-JP" altLang="en-US" dirty="0"/>
+          </a:p>
+        </p:txBody>
+      </p:sp>
+      <p:sp>
+        <p:nvSpPr>
+          <p:cNvPr id="3" name="コンテンツ プレースホルダー 2"/>
+          <p:cNvSpPr>
+            <a:spLocks noGrp="1"/>
+          </p:cNvSpPr>
+          <p:nvPr>
+            <p:ph idx="1"/>
+          </p:nvPr>
+        </p:nvSpPr>
+        <p:spPr/>
+        <p:txBody>
+          <a:bodyPr/>
+          <a:lstStyle/>
+          <a:p>
+            <a:r>
+              <a:rPr kumimoji="1" lang="ja-JP" altLang="en-US" dirty="0" smtClean="0"/>
+              <a:t>コードを生成する機能は</a:t>
+            </a:r>
+            <a:r>
+              <a:rPr kumimoji="1" lang="en-US" altLang="ja-JP" dirty="0" err="1" smtClean="0"/>
+              <a:t>Blockly</a:t>
+            </a:r>
+            <a:r>
+              <a:rPr kumimoji="1" lang="ja-JP" altLang="en-US" dirty="0" smtClean="0"/>
+              <a:t>サポートされる</a:t>
+            </a:r>
+            <a:endParaRPr kumimoji="1" lang="en-US" altLang="ja-JP" dirty="0" smtClean="0"/>
+          </a:p>
+          <a:p>
+            <a:endParaRPr kumimoji="1" lang="en-US" altLang="ja-JP" dirty="0" smtClean="0"/>
+          </a:p>
+          <a:p>
+            <a:r>
+              <a:rPr lang="ja-JP" altLang="en-US" dirty="0" smtClean="0"/>
+              <a:t>生成されたコードからどのように学習者に提示するのか</a:t>
+            </a:r>
+            <a:endParaRPr lang="en-US" altLang="ja-JP" dirty="0" smtClean="0"/>
+          </a:p>
+          <a:p>
+            <a:r>
+              <a:rPr kumimoji="1" lang="ja-JP" altLang="en-US" dirty="0" smtClean="0">
+                <a:solidFill>
+                  <a:srgbClr val="FF0000"/>
+                </a:solidFill>
+              </a:rPr>
+              <a:t>穴埋め問題の自動生成</a:t>
+            </a:r>
+            <a:r>
+              <a:rPr kumimoji="1" lang="ja-JP" altLang="en-US" dirty="0" smtClean="0"/>
+              <a:t>、選択肢の内容</a:t>
+            </a:r>
+            <a:endParaRPr kumimoji="1" lang="en-US" altLang="ja-JP" dirty="0" smtClean="0"/>
+          </a:p>
+          <a:p>
+            <a:endParaRPr kumimoji="1" lang="en-US" altLang="ja-JP" dirty="0" smtClean="0"/>
+          </a:p>
+          <a:p>
+            <a:endParaRPr kumimoji="1" lang="ja-JP" altLang="en-US" dirty="0"/>
+          </a:p>
+        </p:txBody>
+      </p:sp>
+      <p:sp>
+        <p:nvSpPr>
+          <p:cNvPr id="4" name="スライド番号プレースホルダー 3"/>
+          <p:cNvSpPr>
+            <a:spLocks noGrp="1"/>
+          </p:cNvSpPr>
+          <p:nvPr>
+            <p:ph type="sldNum" sz="quarter" idx="12"/>
+          </p:nvPr>
+        </p:nvSpPr>
+        <p:spPr/>
+        <p:txBody>
+          <a:bodyPr/>
+          <a:lstStyle/>
+          <a:p>
+            <a:fld id="{4A32CB03-0843-4AF8-BFB2-C9917854BC7E}" type="slidenum">
+              <a:rPr kumimoji="1" lang="ja-JP" altLang="en-US" smtClean="0"/>
+              <a:t>7</a:t>
+            </a:fld>
+            <a:endParaRPr kumimoji="1" lang="ja-JP" altLang="en-US"/>
+          </a:p>
+        </p:txBody>
+      </p:sp>
+    </p:spTree>
+    <p:extLst>
+      <p:ext uri="{BB962C8B-B14F-4D97-AF65-F5344CB8AC3E}">
+        <p14:creationId xmlns:p14="http://schemas.microsoft.com/office/powerpoint/2010/main" val="2187274504"/>
+      </p:ext>
+    </p:extLst>
+  </p:cSld>
+  <p:clrMapOvr>
+    <a:masterClrMapping/>
+  </p:clrMapOvr>
+  <p:timing>
+    <p:tnLst>
+      <p:par>
+        <p:cTn id="1" dur="indefinite" restart="never" nodeType="tmRoot"/>
+      </p:par>
+    </p:tnLst>
+  </p:timing>
+</p:sld>
+</file>
+
+<file path=ppt/slides/slide8.xml><?xml version="1.0" encoding="utf-8"?>
+<p:sld xmlns:a="http://schemas.openxmlformats.org/drawingml/2006/main" xmlns:r="http://schemas.openxmlformats.org/officeDocument/2006/relationships" xmlns:p="http://schemas.openxmlformats.org/presentationml/2006/main">
+  <p:cSld>
+    <p:spTree>
+      <p:nvGrpSpPr>
+        <p:cNvPr id="1" name=""/>
+        <p:cNvGrpSpPr/>
+        <p:nvPr/>
+      </p:nvGrpSpPr>
+      <p:grpSpPr>
+        <a:xfrm>
+          <a:off x="0" y="0"/>
+          <a:ext cx="0" cy="0"/>
+          <a:chOff x="0" y="0"/>
+          <a:chExt cx="0" cy="0"/>
+        </a:xfrm>
+      </p:grpSpPr>
+      <p:sp>
+        <p:nvSpPr>
+          <p:cNvPr id="2" name="タイトル 1"/>
+          <p:cNvSpPr>
+            <a:spLocks noGrp="1"/>
+          </p:cNvSpPr>
+          <p:nvPr>
+            <p:ph type="title"/>
+          </p:nvPr>
+        </p:nvSpPr>
+        <p:spPr/>
+        <p:txBody>
+          <a:bodyPr/>
+          <a:lstStyle/>
+          <a:p>
+            <a:r>
+              <a:rPr kumimoji="1" lang="en-US" altLang="ja-JP" dirty="0" smtClean="0"/>
+              <a:t>Node.js</a:t>
+            </a:r>
+            <a:endParaRPr kumimoji="1" lang="ja-JP" altLang="en-US" dirty="0"/>
+          </a:p>
+        </p:txBody>
+      </p:sp>
+      <p:sp>
+        <p:nvSpPr>
+          <p:cNvPr id="3" name="コンテンツ プレースホルダー 2"/>
+          <p:cNvSpPr>
+            <a:spLocks noGrp="1"/>
+          </p:cNvSpPr>
+          <p:nvPr>
+            <p:ph idx="1"/>
+          </p:nvPr>
+        </p:nvSpPr>
+        <p:spPr/>
+        <p:txBody>
+          <a:bodyPr/>
+          <a:lstStyle/>
+          <a:p>
+            <a:pPr marL="0" indent="0">
+              <a:buNone/>
+            </a:pPr>
+            <a:r>
+              <a:rPr lang="en-US" altLang="ja-JP" dirty="0"/>
+              <a:t>Node.js</a:t>
+            </a:r>
+            <a:r>
+              <a:rPr lang="ja-JP" altLang="en-US" dirty="0"/>
+              <a:t>（ノード・ジェイエス） は</a:t>
+            </a:r>
+            <a:r>
+              <a:rPr lang="en-US" altLang="ja-JP" dirty="0"/>
+              <a:t>V8 JavaScript</a:t>
+            </a:r>
+            <a:r>
+              <a:rPr lang="ja-JP" altLang="en-US" dirty="0"/>
+              <a:t>エンジン上に構築された</a:t>
+            </a:r>
+            <a:r>
+              <a:rPr lang="en-US" altLang="ja-JP" dirty="0"/>
+              <a:t>JavaScript</a:t>
+            </a:r>
+            <a:r>
+              <a:rPr lang="ja-JP" altLang="en-US" dirty="0"/>
+              <a:t>実行環境の</a:t>
+            </a:r>
+            <a:r>
+              <a:rPr lang="en-US" altLang="ja-JP" dirty="0"/>
+              <a:t>1</a:t>
+            </a:r>
+            <a:r>
+              <a:rPr lang="ja-JP" altLang="en-US" dirty="0"/>
+              <a:t>つで</a:t>
+            </a:r>
+            <a:r>
+              <a:rPr lang="ja-JP" altLang="en-US" dirty="0" smtClean="0"/>
+              <a:t>ある。</a:t>
+            </a:r>
+            <a:r>
+              <a:rPr lang="ja-JP" altLang="en-US" dirty="0"/>
+              <a:t>イベント化された入出力を扱うサーバサイド</a:t>
+            </a:r>
+            <a:r>
+              <a:rPr lang="en-US" altLang="ja-JP" dirty="0"/>
+              <a:t>JavaScript</a:t>
+            </a:r>
+            <a:r>
+              <a:rPr lang="ja-JP" altLang="en-US" dirty="0"/>
+              <a:t>環境であり、</a:t>
+            </a:r>
+            <a:r>
+              <a:rPr lang="en-US" altLang="ja-JP" dirty="0"/>
+              <a:t>Web</a:t>
+            </a:r>
+            <a:r>
+              <a:rPr lang="ja-JP" altLang="en-US" dirty="0"/>
+              <a:t>サーバなどのスケーラブルなネットワークプログラムの記述を意図して</a:t>
+            </a:r>
+            <a:r>
+              <a:rPr lang="ja-JP" altLang="en-US" dirty="0" smtClean="0"/>
+              <a:t>いる。</a:t>
+            </a:r>
+            <a:endParaRPr lang="en-US" altLang="ja-JP" dirty="0" smtClean="0"/>
+          </a:p>
+          <a:p>
+            <a:pPr marL="0" indent="0">
+              <a:buNone/>
+            </a:pPr>
+            <a:endParaRPr kumimoji="1" lang="en-US" altLang="ja-JP" dirty="0" smtClean="0"/>
+          </a:p>
+          <a:p>
+            <a:pPr marL="0" indent="0">
+              <a:buNone/>
+            </a:pPr>
+            <a:r>
+              <a:rPr lang="ja-JP" altLang="en-US" dirty="0"/>
+              <a:t>引用</a:t>
+            </a:r>
+            <a:r>
+              <a:rPr lang="ja-JP" altLang="en-US" dirty="0" smtClean="0"/>
+              <a:t>：</a:t>
+            </a:r>
+            <a:endParaRPr kumimoji="1" lang="en-US" altLang="ja-JP" dirty="0"/>
+          </a:p>
+          <a:p>
+            <a:pPr marL="0" indent="0">
+              <a:buNone/>
+            </a:pPr>
+            <a:r>
+              <a:rPr lang="en-US" altLang="ja-JP" dirty="0"/>
+              <a:t>https://ja.wikipedia.org/wiki/Node.js</a:t>
+            </a:r>
+            <a:endParaRPr kumimoji="1" lang="ja-JP" altLang="en-US" dirty="0"/>
+          </a:p>
+        </p:txBody>
+      </p:sp>
+      <p:sp>
+        <p:nvSpPr>
+          <p:cNvPr id="4" name="スライド番号プレースホルダー 3"/>
+          <p:cNvSpPr>
+            <a:spLocks noGrp="1"/>
+          </p:cNvSpPr>
+          <p:nvPr>
+            <p:ph type="sldNum" sz="quarter" idx="12"/>
+          </p:nvPr>
+        </p:nvSpPr>
+        <p:spPr/>
+        <p:txBody>
+          <a:bodyPr/>
+          <a:lstStyle/>
+          <a:p>
+            <a:fld id="{4A32CB03-0843-4AF8-BFB2-C9917854BC7E}" type="slidenum">
+              <a:rPr kumimoji="1" lang="ja-JP" altLang="en-US" smtClean="0"/>
+              <a:t>8</a:t>
+            </a:fld>
+            <a:endParaRPr kumimoji="1" lang="ja-JP" altLang="en-US"/>
+          </a:p>
+        </p:txBody>
+      </p:sp>
+    </p:spTree>
+    <p:extLst>
+      <p:ext uri="{BB962C8B-B14F-4D97-AF65-F5344CB8AC3E}">
+        <p14:creationId xmlns:p14="http://schemas.microsoft.com/office/powerpoint/2010/main" val="4200382121"/>
+      </p:ext>
+    </p:extLst>
+  </p:cSld>
+  <p:clrMapOvr>
+    <a:masterClrMapping/>
+  </p:clrMapOvr>
+  <p:timing>
+    <p:tnLst>
+      <p:par>
+        <p:cTn id="1" dur="indefinite" restart="never" nodeType="tmRoot"/>
+      </p:par>
+    </p:tnLst>
+  </p:timing>
+</p:sld>
+</file>
+
+<file path=ppt/slides/slide9.xml><?xml version="1.0" encoding="utf-8"?>
+<p:sld xmlns:a="http://schemas.openxmlformats.org/drawingml/2006/main" xmlns:r="http://schemas.openxmlformats.org/officeDocument/2006/relationships" xmlns:p="http://schemas.openxmlformats.org/presentationml/2006/main">
+  <p:cSld>
+    <p:spTree>
+      <p:nvGrpSpPr>
+        <p:cNvPr id="1" name=""/>
+        <p:cNvGrpSpPr/>
+        <p:nvPr/>
+      </p:nvGrpSpPr>
+      <p:grpSpPr>
+        <a:xfrm>
+          <a:off x="0" y="0"/>
+          <a:ext cx="0" cy="0"/>
+          <a:chOff x="0" y="0"/>
+          <a:chExt cx="0" cy="0"/>
+        </a:xfrm>
+      </p:grpSpPr>
+      <p:sp>
+        <p:nvSpPr>
+          <p:cNvPr id="2" name="タイトル 1"/>
+          <p:cNvSpPr>
+            <a:spLocks noGrp="1"/>
+          </p:cNvSpPr>
+          <p:nvPr>
+            <p:ph type="title"/>
+          </p:nvPr>
+        </p:nvSpPr>
+        <p:spPr/>
+        <p:txBody>
+          <a:bodyPr/>
+          <a:lstStyle/>
+          <a:p>
+            <a:r>
+              <a:rPr lang="ja-JP" altLang="en-US" dirty="0" smtClean="0"/>
+              <a:t>システム構成図</a:t>
+            </a:r>
+            <a:r>
+              <a:rPr kumimoji="1" lang="ja-JP" altLang="en-US" dirty="0" smtClean="0"/>
+              <a:t>（予想図）</a:t>
+            </a:r>
+            <a:endParaRPr kumimoji="1" lang="ja-JP" altLang="en-US" dirty="0"/>
+          </a:p>
+        </p:txBody>
+      </p:sp>
+      <p:sp>
+        <p:nvSpPr>
+          <p:cNvPr id="3" name="スライド番号プレースホルダー 2"/>
+          <p:cNvSpPr>
+            <a:spLocks noGrp="1"/>
+          </p:cNvSpPr>
+          <p:nvPr>
+            <p:ph type="sldNum" sz="quarter" idx="12"/>
+          </p:nvPr>
+        </p:nvSpPr>
+        <p:spPr/>
+        <p:txBody>
+          <a:bodyPr/>
+          <a:lstStyle/>
+          <a:p>
+            <a:fld id="{4A32CB03-0843-4AF8-BFB2-C9917854BC7E}" type="slidenum">
+              <a:rPr kumimoji="1" lang="ja-JP" altLang="en-US" smtClean="0"/>
+              <a:t>9</a:t>
             </a:fld>
             <a:endParaRPr kumimoji="1" lang="ja-JP" altLang="en-US"/>
           </a:p>
@@ -4898,4312 +9655,6 @@
     <p:extLst>
       <p:ext uri="{BB962C8B-B14F-4D97-AF65-F5344CB8AC3E}">
         <p14:creationId xmlns:p14="http://schemas.microsoft.com/office/powerpoint/2010/main" val="109026630"/>
-      </p:ext>
-    </p:extLst>
-  </p:cSld>
-  <p:clrMapOvr>
-    <a:masterClrMapping/>
-  </p:clrMapOvr>
-  <p:timing>
-    <p:tnLst>
-      <p:par>
-        <p:cTn id="1" dur="indefinite" restart="never" nodeType="tmRoot"/>
-      </p:par>
-    </p:tnLst>
-  </p:timing>
-</p:sld>
-</file>
-
-<file path=ppt/slides/slide11.xml><?xml version="1.0" encoding="utf-8"?>
-<p:sld xmlns:a="http://schemas.openxmlformats.org/drawingml/2006/main" xmlns:r="http://schemas.openxmlformats.org/officeDocument/2006/relationships" xmlns:p="http://schemas.openxmlformats.org/presentationml/2006/main">
-  <p:cSld>
-    <p:spTree>
-      <p:nvGrpSpPr>
-        <p:cNvPr id="1" name=""/>
-        <p:cNvGrpSpPr/>
-        <p:nvPr/>
-      </p:nvGrpSpPr>
-      <p:grpSpPr>
-        <a:xfrm>
-          <a:off x="0" y="0"/>
-          <a:ext cx="0" cy="0"/>
-          <a:chOff x="0" y="0"/>
-          <a:chExt cx="0" cy="0"/>
-        </a:xfrm>
-      </p:grpSpPr>
-      <p:sp>
-        <p:nvSpPr>
-          <p:cNvPr id="2" name="タイトル 1"/>
-          <p:cNvSpPr>
-            <a:spLocks noGrp="1"/>
-          </p:cNvSpPr>
-          <p:nvPr>
-            <p:ph type="title"/>
-          </p:nvPr>
-        </p:nvSpPr>
-        <p:spPr/>
-        <p:txBody>
-          <a:bodyPr/>
-          <a:lstStyle/>
-          <a:p>
-            <a:r>
-              <a:rPr lang="en-US" altLang="ja-JP" dirty="0" smtClean="0"/>
-              <a:t>Node.js</a:t>
-            </a:r>
-            <a:r>
-              <a:rPr lang="ja-JP" altLang="en-US" dirty="0" smtClean="0"/>
-              <a:t>について</a:t>
-            </a:r>
-            <a:endParaRPr kumimoji="1" lang="ja-JP" altLang="en-US" dirty="0"/>
-          </a:p>
-        </p:txBody>
-      </p:sp>
-      <p:sp>
-        <p:nvSpPr>
-          <p:cNvPr id="3" name="コンテンツ プレースホルダー 2"/>
-          <p:cNvSpPr>
-            <a:spLocks noGrp="1"/>
-          </p:cNvSpPr>
-          <p:nvPr>
-            <p:ph idx="1"/>
-          </p:nvPr>
-        </p:nvSpPr>
-        <p:spPr/>
-        <p:txBody>
-          <a:bodyPr/>
-          <a:lstStyle/>
-          <a:p>
-            <a:r>
-              <a:rPr kumimoji="1" lang="en-US" altLang="ja-JP" dirty="0" err="1" smtClean="0"/>
-              <a:t>Blockly</a:t>
-            </a:r>
-            <a:r>
-              <a:rPr lang="ja-JP" altLang="en-US" dirty="0"/>
-              <a:t>で</a:t>
-            </a:r>
-            <a:r>
-              <a:rPr lang="ja-JP" altLang="en-US" dirty="0" smtClean="0"/>
-              <a:t>は、</a:t>
-            </a:r>
-            <a:r>
-              <a:rPr lang="en-US" altLang="ja-JP" dirty="0" smtClean="0"/>
-              <a:t>Node </a:t>
-            </a:r>
-            <a:r>
-              <a:rPr lang="en-US" altLang="ja-JP" dirty="0"/>
-              <a:t>Package Manager</a:t>
-            </a:r>
-            <a:r>
-              <a:rPr lang="ja-JP" altLang="en-US" dirty="0" smtClean="0"/>
-              <a:t>というパッケージ管理のために</a:t>
-            </a:r>
-            <a:r>
-              <a:rPr lang="en-US" altLang="ja-JP" dirty="0" smtClean="0"/>
-              <a:t>Node.js</a:t>
-            </a:r>
-            <a:r>
-              <a:rPr lang="ja-JP" altLang="en-US" dirty="0" smtClean="0"/>
-              <a:t>を利用している</a:t>
-            </a:r>
-            <a:endParaRPr kumimoji="1" lang="ja-JP" altLang="en-US" dirty="0"/>
-          </a:p>
-        </p:txBody>
-      </p:sp>
-      <p:sp>
-        <p:nvSpPr>
-          <p:cNvPr id="4" name="スライド番号プレースホルダー 3"/>
-          <p:cNvSpPr>
-            <a:spLocks noGrp="1"/>
-          </p:cNvSpPr>
-          <p:nvPr>
-            <p:ph type="sldNum" sz="quarter" idx="12"/>
-          </p:nvPr>
-        </p:nvSpPr>
-        <p:spPr/>
-        <p:txBody>
-          <a:bodyPr/>
-          <a:lstStyle/>
-          <a:p>
-            <a:fld id="{4A32CB03-0843-4AF8-BFB2-C9917854BC7E}" type="slidenum">
-              <a:rPr kumimoji="1" lang="ja-JP" altLang="en-US" smtClean="0"/>
-              <a:t>11</a:t>
-            </a:fld>
-            <a:endParaRPr kumimoji="1" lang="ja-JP" altLang="en-US"/>
-          </a:p>
-        </p:txBody>
-      </p:sp>
-    </p:spTree>
-    <p:extLst>
-      <p:ext uri="{BB962C8B-B14F-4D97-AF65-F5344CB8AC3E}">
-        <p14:creationId xmlns:p14="http://schemas.microsoft.com/office/powerpoint/2010/main" val="3535867368"/>
-      </p:ext>
-    </p:extLst>
-  </p:cSld>
-  <p:clrMapOvr>
-    <a:masterClrMapping/>
-  </p:clrMapOvr>
-  <p:timing>
-    <p:tnLst>
-      <p:par>
-        <p:cTn id="1" dur="indefinite" restart="never" nodeType="tmRoot"/>
-      </p:par>
-    </p:tnLst>
-  </p:timing>
-</p:sld>
-</file>
-
-<file path=ppt/slides/slide12.xml><?xml version="1.0" encoding="utf-8"?>
-<p:sld xmlns:a="http://schemas.openxmlformats.org/drawingml/2006/main" xmlns:r="http://schemas.openxmlformats.org/officeDocument/2006/relationships" xmlns:p="http://schemas.openxmlformats.org/presentationml/2006/main">
-  <p:cSld>
-    <p:spTree>
-      <p:nvGrpSpPr>
-        <p:cNvPr id="1" name=""/>
-        <p:cNvGrpSpPr/>
-        <p:nvPr/>
-      </p:nvGrpSpPr>
-      <p:grpSpPr>
-        <a:xfrm>
-          <a:off x="0" y="0"/>
-          <a:ext cx="0" cy="0"/>
-          <a:chOff x="0" y="0"/>
-          <a:chExt cx="0" cy="0"/>
-        </a:xfrm>
-      </p:grpSpPr>
-      <p:sp>
-        <p:nvSpPr>
-          <p:cNvPr id="2" name="タイトル 1"/>
-          <p:cNvSpPr>
-            <a:spLocks noGrp="1"/>
-          </p:cNvSpPr>
-          <p:nvPr>
-            <p:ph type="title"/>
-          </p:nvPr>
-        </p:nvSpPr>
-        <p:spPr/>
-        <p:txBody>
-          <a:bodyPr/>
-          <a:lstStyle/>
-          <a:p>
-            <a:r>
-              <a:rPr lang="en-US" altLang="ja-JP" dirty="0" err="1" smtClean="0"/>
-              <a:t>Node_modules</a:t>
-            </a:r>
-            <a:r>
-              <a:rPr lang="en-US" altLang="ja-JP" dirty="0" smtClean="0"/>
-              <a:t> install</a:t>
-            </a:r>
-            <a:endParaRPr kumimoji="1" lang="ja-JP" altLang="en-US" dirty="0"/>
-          </a:p>
-        </p:txBody>
-      </p:sp>
-      <p:sp>
-        <p:nvSpPr>
-          <p:cNvPr id="3" name="コンテンツ プレースホルダー 2"/>
-          <p:cNvSpPr>
-            <a:spLocks noGrp="1"/>
-          </p:cNvSpPr>
-          <p:nvPr>
-            <p:ph idx="1"/>
-          </p:nvPr>
-        </p:nvSpPr>
-        <p:spPr/>
-        <p:txBody>
-          <a:bodyPr/>
-          <a:lstStyle/>
-          <a:p>
-            <a:r>
-              <a:rPr lang="en-US" altLang="ja-JP" dirty="0" err="1" smtClean="0"/>
-              <a:t>Blockly</a:t>
-            </a:r>
-            <a:r>
-              <a:rPr lang="ja-JP" altLang="en-US" dirty="0" smtClean="0"/>
-              <a:t>公式によって用意されているモジュールのインストール</a:t>
-            </a:r>
-            <a:endParaRPr lang="en-US" altLang="ja-JP" dirty="0" smtClean="0"/>
-          </a:p>
-          <a:p>
-            <a:r>
-              <a:rPr kumimoji="1" lang="ja-JP" altLang="en-US" dirty="0" smtClean="0"/>
-              <a:t>方法：</a:t>
-            </a:r>
-            <a:r>
-              <a:rPr lang="ja-JP" altLang="en-US" dirty="0" smtClean="0"/>
-              <a:t>コマンドプロンプトにて</a:t>
-            </a:r>
-            <a:r>
-              <a:rPr kumimoji="1" lang="ja-JP" altLang="en-US" dirty="0" smtClean="0"/>
-              <a:t>実行したい</a:t>
-            </a:r>
-            <a:r>
-              <a:rPr kumimoji="1" lang="en-US" altLang="ja-JP" dirty="0" smtClean="0"/>
-              <a:t>JSON</a:t>
-            </a:r>
-            <a:r>
-              <a:rPr kumimoji="1" lang="ja-JP" altLang="en-US" dirty="0" smtClean="0"/>
-              <a:t>ファイルの場所に移動して</a:t>
-            </a:r>
-            <a:r>
-              <a:rPr kumimoji="1" lang="en-US" altLang="ja-JP" dirty="0" err="1" smtClean="0"/>
-              <a:t>npm</a:t>
-            </a:r>
-            <a:r>
-              <a:rPr kumimoji="1" lang="en-US" altLang="ja-JP" dirty="0" smtClean="0"/>
-              <a:t> install</a:t>
-            </a:r>
-            <a:r>
-              <a:rPr kumimoji="1" lang="ja-JP" altLang="en-US" dirty="0" smtClean="0"/>
-              <a:t>を実行</a:t>
-            </a:r>
-            <a:endParaRPr kumimoji="1" lang="en-US" altLang="ja-JP" dirty="0" smtClean="0"/>
-          </a:p>
-          <a:p>
-            <a:pPr marL="0" indent="0">
-              <a:buNone/>
-            </a:pPr>
-            <a:endParaRPr lang="en-US" altLang="ja-JP" dirty="0"/>
-          </a:p>
-        </p:txBody>
-      </p:sp>
-      <p:sp>
-        <p:nvSpPr>
-          <p:cNvPr id="4" name="スライド番号プレースホルダー 3"/>
-          <p:cNvSpPr>
-            <a:spLocks noGrp="1"/>
-          </p:cNvSpPr>
-          <p:nvPr>
-            <p:ph type="sldNum" sz="quarter" idx="12"/>
-          </p:nvPr>
-        </p:nvSpPr>
-        <p:spPr/>
-        <p:txBody>
-          <a:bodyPr/>
-          <a:lstStyle/>
-          <a:p>
-            <a:fld id="{4A32CB03-0843-4AF8-BFB2-C9917854BC7E}" type="slidenum">
-              <a:rPr kumimoji="1" lang="ja-JP" altLang="en-US" sz="2800" smtClean="0"/>
-              <a:t>12</a:t>
-            </a:fld>
-            <a:endParaRPr kumimoji="1" lang="ja-JP" altLang="en-US" sz="2800" dirty="0"/>
-          </a:p>
-        </p:txBody>
-      </p:sp>
-    </p:spTree>
-    <p:extLst>
-      <p:ext uri="{BB962C8B-B14F-4D97-AF65-F5344CB8AC3E}">
-        <p14:creationId xmlns:p14="http://schemas.microsoft.com/office/powerpoint/2010/main" val="2182324898"/>
-      </p:ext>
-    </p:extLst>
-  </p:cSld>
-  <p:clrMapOvr>
-    <a:masterClrMapping/>
-  </p:clrMapOvr>
-  <p:timing>
-    <p:tnLst>
-      <p:par>
-        <p:cTn id="1" dur="indefinite" restart="never" nodeType="tmRoot"/>
-      </p:par>
-    </p:tnLst>
-  </p:timing>
-</p:sld>
-</file>
-
-<file path=ppt/slides/slide13.xml><?xml version="1.0" encoding="utf-8"?>
-<p:sld xmlns:a="http://schemas.openxmlformats.org/drawingml/2006/main" xmlns:r="http://schemas.openxmlformats.org/officeDocument/2006/relationships" xmlns:p="http://schemas.openxmlformats.org/presentationml/2006/main">
-  <p:cSld>
-    <p:spTree>
-      <p:nvGrpSpPr>
-        <p:cNvPr id="1" name=""/>
-        <p:cNvGrpSpPr/>
-        <p:nvPr/>
-      </p:nvGrpSpPr>
-      <p:grpSpPr>
-        <a:xfrm>
-          <a:off x="0" y="0"/>
-          <a:ext cx="0" cy="0"/>
-          <a:chOff x="0" y="0"/>
-          <a:chExt cx="0" cy="0"/>
-        </a:xfrm>
-      </p:grpSpPr>
-      <p:sp>
-        <p:nvSpPr>
-          <p:cNvPr id="2" name="タイトル 1"/>
-          <p:cNvSpPr>
-            <a:spLocks noGrp="1"/>
-          </p:cNvSpPr>
-          <p:nvPr>
-            <p:ph type="title"/>
-          </p:nvPr>
-        </p:nvSpPr>
-        <p:spPr/>
-        <p:txBody>
-          <a:bodyPr/>
-          <a:lstStyle/>
-          <a:p>
-            <a:r>
-              <a:rPr lang="en-US" altLang="ja-JP" dirty="0" err="1"/>
-              <a:t>Node_modules</a:t>
-            </a:r>
-            <a:r>
-              <a:rPr lang="en-US" altLang="ja-JP" dirty="0"/>
-              <a:t> install</a:t>
-            </a:r>
-            <a:endParaRPr kumimoji="1" lang="ja-JP" altLang="en-US" dirty="0"/>
-          </a:p>
-        </p:txBody>
-      </p:sp>
-      <p:sp>
-        <p:nvSpPr>
-          <p:cNvPr id="4" name="スライド番号プレースホルダー 3"/>
-          <p:cNvSpPr>
-            <a:spLocks noGrp="1"/>
-          </p:cNvSpPr>
-          <p:nvPr>
-            <p:ph type="sldNum" sz="quarter" idx="12"/>
-          </p:nvPr>
-        </p:nvSpPr>
-        <p:spPr/>
-        <p:txBody>
-          <a:bodyPr/>
-          <a:lstStyle/>
-          <a:p>
-            <a:fld id="{4A32CB03-0843-4AF8-BFB2-C9917854BC7E}" type="slidenum">
-              <a:rPr kumimoji="1" lang="ja-JP" altLang="en-US" smtClean="0"/>
-              <a:t>13</a:t>
-            </a:fld>
-            <a:endParaRPr kumimoji="1" lang="ja-JP" altLang="en-US"/>
-          </a:p>
-        </p:txBody>
-      </p:sp>
-      <p:pic>
-        <p:nvPicPr>
-          <p:cNvPr id="5" name="図 4"/>
-          <p:cNvPicPr>
-            <a:picLocks noChangeAspect="1"/>
-          </p:cNvPicPr>
-          <p:nvPr/>
-        </p:nvPicPr>
-        <p:blipFill>
-          <a:blip r:embed="rId2"/>
-          <a:stretch>
-            <a:fillRect/>
-          </a:stretch>
-        </p:blipFill>
-        <p:spPr>
-          <a:xfrm>
-            <a:off x="628650" y="2176758"/>
-            <a:ext cx="7970195" cy="2031100"/>
-          </a:xfrm>
-          <a:prstGeom prst="rect">
-            <a:avLst/>
-          </a:prstGeom>
-        </p:spPr>
-      </p:pic>
-    </p:spTree>
-    <p:extLst>
-      <p:ext uri="{BB962C8B-B14F-4D97-AF65-F5344CB8AC3E}">
-        <p14:creationId xmlns:p14="http://schemas.microsoft.com/office/powerpoint/2010/main" val="2400612885"/>
-      </p:ext>
-    </p:extLst>
-  </p:cSld>
-  <p:clrMapOvr>
-    <a:masterClrMapping/>
-  </p:clrMapOvr>
-  <p:timing>
-    <p:tnLst>
-      <p:par>
-        <p:cTn id="1" dur="indefinite" restart="never" nodeType="tmRoot"/>
-      </p:par>
-    </p:tnLst>
-  </p:timing>
-</p:sld>
-</file>
-
-<file path=ppt/slides/slide14.xml><?xml version="1.0" encoding="utf-8"?>
-<p:sld xmlns:a="http://schemas.openxmlformats.org/drawingml/2006/main" xmlns:r="http://schemas.openxmlformats.org/officeDocument/2006/relationships" xmlns:p="http://schemas.openxmlformats.org/presentationml/2006/main">
-  <p:cSld>
-    <p:spTree>
-      <p:nvGrpSpPr>
-        <p:cNvPr id="1" name=""/>
-        <p:cNvGrpSpPr/>
-        <p:nvPr/>
-      </p:nvGrpSpPr>
-      <p:grpSpPr>
-        <a:xfrm>
-          <a:off x="0" y="0"/>
-          <a:ext cx="0" cy="0"/>
-          <a:chOff x="0" y="0"/>
-          <a:chExt cx="0" cy="0"/>
-        </a:xfrm>
-      </p:grpSpPr>
-      <p:sp>
-        <p:nvSpPr>
-          <p:cNvPr id="2" name="タイトル 1"/>
-          <p:cNvSpPr>
-            <a:spLocks noGrp="1"/>
-          </p:cNvSpPr>
-          <p:nvPr>
-            <p:ph type="title"/>
-          </p:nvPr>
-        </p:nvSpPr>
-        <p:spPr/>
-        <p:txBody>
-          <a:bodyPr/>
-          <a:lstStyle/>
-          <a:p>
-            <a:r>
-              <a:rPr kumimoji="1" lang="en-US" altLang="ja-JP" dirty="0" smtClean="0"/>
-              <a:t>Generator</a:t>
-            </a:r>
-            <a:endParaRPr kumimoji="1" lang="ja-JP" altLang="en-US" dirty="0"/>
-          </a:p>
-        </p:txBody>
-      </p:sp>
-      <p:sp>
-        <p:nvSpPr>
-          <p:cNvPr id="3" name="コンテンツ プレースホルダー 2"/>
-          <p:cNvSpPr>
-            <a:spLocks noGrp="1"/>
-          </p:cNvSpPr>
-          <p:nvPr>
-            <p:ph idx="1"/>
-          </p:nvPr>
-        </p:nvSpPr>
-        <p:spPr/>
-        <p:txBody>
-          <a:bodyPr/>
-          <a:lstStyle/>
-          <a:p>
-            <a:r>
-              <a:rPr kumimoji="1" lang="ja-JP" altLang="en-US" dirty="0" smtClean="0"/>
-              <a:t>ブロックからコードに変換するための生成器</a:t>
-            </a:r>
-            <a:endParaRPr lang="en-US" altLang="ja-JP" dirty="0"/>
-          </a:p>
-          <a:p>
-            <a:r>
-              <a:rPr lang="en-US" altLang="ja-JP" dirty="0" err="1" smtClean="0"/>
-              <a:t>Blockly</a:t>
-            </a:r>
-            <a:r>
-              <a:rPr lang="ja-JP" altLang="en-US" dirty="0" smtClean="0"/>
-              <a:t>で利用できる言語</a:t>
-            </a:r>
-            <a:endParaRPr lang="en-US" altLang="ja-JP" dirty="0" smtClean="0"/>
-          </a:p>
-          <a:p>
-            <a:pPr lvl="1"/>
-            <a:r>
-              <a:rPr kumimoji="1" lang="en-US" altLang="ja-JP" dirty="0" smtClean="0"/>
-              <a:t>JavaScript</a:t>
-            </a:r>
-          </a:p>
-          <a:p>
-            <a:pPr lvl="1"/>
-            <a:r>
-              <a:rPr lang="en-US" altLang="ja-JP" dirty="0" smtClean="0"/>
-              <a:t>Python</a:t>
-            </a:r>
-          </a:p>
-          <a:p>
-            <a:pPr lvl="1"/>
-            <a:r>
-              <a:rPr kumimoji="1" lang="en-US" altLang="ja-JP" dirty="0" smtClean="0"/>
-              <a:t>PHP</a:t>
-            </a:r>
-          </a:p>
-          <a:p>
-            <a:pPr lvl="1"/>
-            <a:r>
-              <a:rPr lang="en-US" altLang="ja-JP" dirty="0" err="1" smtClean="0"/>
-              <a:t>Lua</a:t>
-            </a:r>
-            <a:endParaRPr lang="en-US" altLang="ja-JP" dirty="0" smtClean="0"/>
-          </a:p>
-          <a:p>
-            <a:pPr lvl="1"/>
-            <a:r>
-              <a:rPr kumimoji="1" lang="en-US" altLang="ja-JP" dirty="0" smtClean="0"/>
-              <a:t>Dart</a:t>
-            </a:r>
-          </a:p>
-          <a:p>
-            <a:pPr marL="457200" lvl="1" indent="0">
-              <a:buNone/>
-            </a:pPr>
-            <a:endParaRPr kumimoji="1" lang="en-US" altLang="ja-JP" dirty="0" smtClean="0"/>
-          </a:p>
-        </p:txBody>
-      </p:sp>
-      <p:sp>
-        <p:nvSpPr>
-          <p:cNvPr id="4" name="スライド番号プレースホルダー 3"/>
-          <p:cNvSpPr>
-            <a:spLocks noGrp="1"/>
-          </p:cNvSpPr>
-          <p:nvPr>
-            <p:ph type="sldNum" sz="quarter" idx="12"/>
-          </p:nvPr>
-        </p:nvSpPr>
-        <p:spPr/>
-        <p:txBody>
-          <a:bodyPr/>
-          <a:lstStyle/>
-          <a:p>
-            <a:fld id="{4A32CB03-0843-4AF8-BFB2-C9917854BC7E}" type="slidenum">
-              <a:rPr kumimoji="1" lang="ja-JP" altLang="en-US" smtClean="0"/>
-              <a:t>14</a:t>
-            </a:fld>
-            <a:endParaRPr kumimoji="1" lang="ja-JP" altLang="en-US"/>
-          </a:p>
-        </p:txBody>
-      </p:sp>
-    </p:spTree>
-    <p:extLst>
-      <p:ext uri="{BB962C8B-B14F-4D97-AF65-F5344CB8AC3E}">
-        <p14:creationId xmlns:p14="http://schemas.microsoft.com/office/powerpoint/2010/main" val="559910476"/>
-      </p:ext>
-    </p:extLst>
-  </p:cSld>
-  <p:clrMapOvr>
-    <a:masterClrMapping/>
-  </p:clrMapOvr>
-  <p:timing>
-    <p:tnLst>
-      <p:par>
-        <p:cTn id="1" dur="indefinite" restart="never" nodeType="tmRoot"/>
-      </p:par>
-    </p:tnLst>
-  </p:timing>
-</p:sld>
-</file>
-
-<file path=ppt/slides/slide15.xml><?xml version="1.0" encoding="utf-8"?>
-<p:sld xmlns:a="http://schemas.openxmlformats.org/drawingml/2006/main" xmlns:r="http://schemas.openxmlformats.org/officeDocument/2006/relationships" xmlns:p="http://schemas.openxmlformats.org/presentationml/2006/main">
-  <p:cSld>
-    <p:spTree>
-      <p:nvGrpSpPr>
-        <p:cNvPr id="1" name=""/>
-        <p:cNvGrpSpPr/>
-        <p:nvPr/>
-      </p:nvGrpSpPr>
-      <p:grpSpPr>
-        <a:xfrm>
-          <a:off x="0" y="0"/>
-          <a:ext cx="0" cy="0"/>
-          <a:chOff x="0" y="0"/>
-          <a:chExt cx="0" cy="0"/>
-        </a:xfrm>
-      </p:grpSpPr>
-      <p:sp>
-        <p:nvSpPr>
-          <p:cNvPr id="2" name="タイトル 1"/>
-          <p:cNvSpPr>
-            <a:spLocks noGrp="1"/>
-          </p:cNvSpPr>
-          <p:nvPr>
-            <p:ph type="title"/>
-          </p:nvPr>
-        </p:nvSpPr>
-        <p:spPr>
-          <a:xfrm>
-            <a:off x="644834" y="365126"/>
-            <a:ext cx="7886700" cy="1325563"/>
-          </a:xfrm>
-        </p:spPr>
-        <p:txBody>
-          <a:bodyPr/>
-          <a:lstStyle/>
-          <a:p>
-            <a:r>
-              <a:rPr kumimoji="1" lang="en-US" altLang="ja-JP" dirty="0" err="1" smtClean="0"/>
-              <a:t>Lua</a:t>
-            </a:r>
-            <a:endParaRPr kumimoji="1" lang="ja-JP" altLang="en-US" dirty="0"/>
-          </a:p>
-        </p:txBody>
-      </p:sp>
-      <p:sp>
-        <p:nvSpPr>
-          <p:cNvPr id="3" name="コンテンツ プレースホルダー 2"/>
-          <p:cNvSpPr>
-            <a:spLocks noGrp="1"/>
-          </p:cNvSpPr>
-          <p:nvPr>
-            <p:ph idx="1"/>
-          </p:nvPr>
-        </p:nvSpPr>
-        <p:spPr/>
-        <p:txBody>
-          <a:bodyPr>
-            <a:normAutofit fontScale="70000" lnSpcReduction="20000"/>
-          </a:bodyPr>
-          <a:lstStyle/>
-          <a:p>
-            <a:pPr marL="0" indent="0">
-              <a:buNone/>
-            </a:pPr>
-            <a:r>
-              <a:rPr lang="en-US" altLang="ja-JP" dirty="0" err="1"/>
-              <a:t>Lua</a:t>
-            </a:r>
-            <a:r>
-              <a:rPr lang="ja-JP" altLang="en-US" dirty="0"/>
-              <a:t>（ルア）はスクリプト言語およびその処理系の実装で、主にリオデジャネイロ・カトリカ大学（英語版）のコンピュータ科学科 </a:t>
-            </a:r>
-            <a:r>
-              <a:rPr lang="en-US" altLang="ja-JP" dirty="0"/>
-              <a:t>(Department of Computer Science) </a:t>
-            </a:r>
-            <a:r>
-              <a:rPr lang="ja-JP" altLang="en-US" dirty="0"/>
-              <a:t>および</a:t>
-            </a:r>
-            <a:r>
-              <a:rPr lang="en-US" altLang="ja-JP" dirty="0"/>
-              <a:t>/</a:t>
-            </a:r>
-            <a:r>
-              <a:rPr lang="ja-JP" altLang="en-US" dirty="0"/>
-              <a:t>または同大学附属研究所の</a:t>
-            </a:r>
-            <a:r>
-              <a:rPr lang="en-US" altLang="ja-JP" dirty="0" err="1" smtClean="0"/>
-              <a:t>Tecgraf</a:t>
-            </a:r>
-            <a:r>
-              <a:rPr lang="en-US" altLang="ja-JP" dirty="0" smtClean="0"/>
-              <a:t>/PUC-Rio</a:t>
-            </a:r>
-            <a:r>
-              <a:rPr lang="ja-JP" altLang="en-US" dirty="0" smtClean="0"/>
-              <a:t>に</a:t>
-            </a:r>
-            <a:r>
-              <a:rPr lang="ja-JP" altLang="en-US" dirty="0"/>
-              <a:t>所属する、</a:t>
-            </a:r>
-            <a:r>
-              <a:rPr lang="en-US" altLang="ja-JP" dirty="0"/>
-              <a:t>Roberto </a:t>
-            </a:r>
-            <a:r>
-              <a:rPr lang="en-US" altLang="ja-JP" dirty="0" err="1"/>
-              <a:t>Ierusalimschy</a:t>
-            </a:r>
-            <a:r>
-              <a:rPr lang="ja-JP" altLang="en-US" dirty="0" err="1"/>
-              <a:t>、</a:t>
-            </a:r>
-            <a:r>
-              <a:rPr lang="en-US" altLang="ja-JP" dirty="0" err="1"/>
-              <a:t>Waldemar</a:t>
-            </a:r>
-            <a:r>
-              <a:rPr lang="en-US" altLang="ja-JP" dirty="0"/>
-              <a:t> </a:t>
-            </a:r>
-            <a:r>
-              <a:rPr lang="en-US" altLang="ja-JP" dirty="0" err="1" smtClean="0"/>
-              <a:t>Celes</a:t>
-            </a:r>
-            <a:r>
-              <a:rPr lang="ja-JP" altLang="en-US" dirty="0" err="1" smtClean="0"/>
-              <a:t>、</a:t>
-            </a:r>
-            <a:r>
-              <a:rPr lang="en-US" altLang="ja-JP" dirty="0"/>
-              <a:t>Luiz Henrique de </a:t>
-            </a:r>
-            <a:r>
-              <a:rPr lang="en-US" altLang="ja-JP" dirty="0" err="1" smtClean="0"/>
-              <a:t>Figueiredo</a:t>
-            </a:r>
-            <a:r>
-              <a:rPr lang="ja-JP" altLang="en-US" dirty="0" err="1" smtClean="0"/>
-              <a:t>らに</a:t>
-            </a:r>
-            <a:r>
-              <a:rPr lang="ja-JP" altLang="en-US" dirty="0"/>
-              <a:t>よって設計開発</a:t>
-            </a:r>
-            <a:r>
-              <a:rPr lang="ja-JP" altLang="en-US" dirty="0" smtClean="0"/>
-              <a:t>された。</a:t>
-            </a:r>
-            <a:endParaRPr lang="ja-JP" altLang="en-US" dirty="0"/>
-          </a:p>
-          <a:p>
-            <a:pPr marL="0" indent="0">
-              <a:buNone/>
-            </a:pPr>
-            <a:endParaRPr lang="ja-JP" altLang="en-US" dirty="0"/>
-          </a:p>
-          <a:p>
-            <a:pPr marL="0" indent="0">
-              <a:buNone/>
-            </a:pPr>
-            <a:r>
-              <a:rPr lang="ja-JP" altLang="en-US" dirty="0"/>
-              <a:t>手続き型言語として、またプロトタイプベースのオブジェクト指向言語としても利用することができ、関数型言語、データ駆動型としての要素も併せ持っている。</a:t>
-            </a:r>
-          </a:p>
-          <a:p>
-            <a:pPr marL="0" indent="0">
-              <a:buNone/>
-            </a:pPr>
-            <a:endParaRPr lang="ja-JP" altLang="en-US" dirty="0"/>
-          </a:p>
-          <a:p>
-            <a:pPr marL="0" indent="0">
-              <a:buNone/>
-            </a:pPr>
-            <a:r>
-              <a:rPr lang="en-US" altLang="ja-JP" dirty="0" err="1"/>
-              <a:t>Lua</a:t>
-            </a:r>
-            <a:r>
-              <a:rPr lang="ja-JP" altLang="en-US" dirty="0"/>
-              <a:t>という名前は、ポルトガル語の「月」に由来する</a:t>
-            </a:r>
-            <a:r>
-              <a:rPr lang="ja-JP" altLang="en-US" dirty="0" smtClean="0"/>
-              <a:t>。</a:t>
-            </a:r>
-            <a:endParaRPr lang="en-US" altLang="ja-JP" dirty="0" smtClean="0"/>
-          </a:p>
-          <a:p>
-            <a:pPr marL="0" indent="0">
-              <a:buNone/>
-            </a:pPr>
-            <a:endParaRPr kumimoji="1" lang="en-US" altLang="ja-JP" dirty="0" smtClean="0"/>
-          </a:p>
-          <a:p>
-            <a:pPr marL="0" indent="0">
-              <a:buNone/>
-            </a:pPr>
-            <a:r>
-              <a:rPr lang="ja-JP" altLang="en-US" dirty="0"/>
-              <a:t>引用</a:t>
-            </a:r>
-            <a:r>
-              <a:rPr lang="ja-JP" altLang="en-US" dirty="0" smtClean="0"/>
-              <a:t>：</a:t>
-            </a:r>
-            <a:endParaRPr kumimoji="1" lang="en-US" altLang="ja-JP" dirty="0"/>
-          </a:p>
-          <a:p>
-            <a:pPr marL="0" indent="0">
-              <a:buNone/>
-            </a:pPr>
-            <a:r>
-              <a:rPr lang="en-US" altLang="ja-JP" dirty="0"/>
-              <a:t>https://ja.wikipedia.org/wiki/Lua</a:t>
-            </a:r>
-            <a:endParaRPr kumimoji="1" lang="ja-JP" altLang="en-US" dirty="0"/>
-          </a:p>
-        </p:txBody>
-      </p:sp>
-      <p:sp>
-        <p:nvSpPr>
-          <p:cNvPr id="4" name="スライド番号プレースホルダー 3"/>
-          <p:cNvSpPr>
-            <a:spLocks noGrp="1"/>
-          </p:cNvSpPr>
-          <p:nvPr>
-            <p:ph type="sldNum" sz="quarter" idx="12"/>
-          </p:nvPr>
-        </p:nvSpPr>
-        <p:spPr/>
-        <p:txBody>
-          <a:bodyPr/>
-          <a:lstStyle/>
-          <a:p>
-            <a:fld id="{4A32CB03-0843-4AF8-BFB2-C9917854BC7E}" type="slidenum">
-              <a:rPr kumimoji="1" lang="ja-JP" altLang="en-US" smtClean="0"/>
-              <a:t>15</a:t>
-            </a:fld>
-            <a:endParaRPr kumimoji="1" lang="ja-JP" altLang="en-US"/>
-          </a:p>
-        </p:txBody>
-      </p:sp>
-    </p:spTree>
-    <p:extLst>
-      <p:ext uri="{BB962C8B-B14F-4D97-AF65-F5344CB8AC3E}">
-        <p14:creationId xmlns:p14="http://schemas.microsoft.com/office/powerpoint/2010/main" val="843265026"/>
-      </p:ext>
-    </p:extLst>
-  </p:cSld>
-  <p:clrMapOvr>
-    <a:masterClrMapping/>
-  </p:clrMapOvr>
-  <p:timing>
-    <p:tnLst>
-      <p:par>
-        <p:cTn id="1" dur="indefinite" restart="never" nodeType="tmRoot"/>
-      </p:par>
-    </p:tnLst>
-  </p:timing>
-</p:sld>
-</file>
-
-<file path=ppt/slides/slide16.xml><?xml version="1.0" encoding="utf-8"?>
-<p:sld xmlns:a="http://schemas.openxmlformats.org/drawingml/2006/main" xmlns:r="http://schemas.openxmlformats.org/officeDocument/2006/relationships" xmlns:p="http://schemas.openxmlformats.org/presentationml/2006/main">
-  <p:cSld>
-    <p:spTree>
-      <p:nvGrpSpPr>
-        <p:cNvPr id="1" name=""/>
-        <p:cNvGrpSpPr/>
-        <p:nvPr/>
-      </p:nvGrpSpPr>
-      <p:grpSpPr>
-        <a:xfrm>
-          <a:off x="0" y="0"/>
-          <a:ext cx="0" cy="0"/>
-          <a:chOff x="0" y="0"/>
-          <a:chExt cx="0" cy="0"/>
-        </a:xfrm>
-      </p:grpSpPr>
-      <p:sp>
-        <p:nvSpPr>
-          <p:cNvPr id="2" name="タイトル 1"/>
-          <p:cNvSpPr>
-            <a:spLocks noGrp="1"/>
-          </p:cNvSpPr>
-          <p:nvPr>
-            <p:ph type="title"/>
-          </p:nvPr>
-        </p:nvSpPr>
-        <p:spPr/>
-        <p:txBody>
-          <a:bodyPr/>
-          <a:lstStyle/>
-          <a:p>
-            <a:r>
-              <a:rPr kumimoji="1" lang="en-US" altLang="ja-JP" dirty="0" smtClean="0"/>
-              <a:t>Dart</a:t>
-            </a:r>
-            <a:endParaRPr kumimoji="1" lang="ja-JP" altLang="en-US" dirty="0"/>
-          </a:p>
-        </p:txBody>
-      </p:sp>
-      <p:sp>
-        <p:nvSpPr>
-          <p:cNvPr id="3" name="コンテンツ プレースホルダー 2"/>
-          <p:cNvSpPr>
-            <a:spLocks noGrp="1"/>
-          </p:cNvSpPr>
-          <p:nvPr>
-            <p:ph idx="1"/>
-          </p:nvPr>
-        </p:nvSpPr>
-        <p:spPr/>
-        <p:txBody>
-          <a:bodyPr>
-            <a:normAutofit lnSpcReduction="10000"/>
-          </a:bodyPr>
-          <a:lstStyle/>
-          <a:p>
-            <a:pPr marL="0" indent="0">
-              <a:buNone/>
-            </a:pPr>
-            <a:r>
-              <a:rPr lang="en-US" altLang="ja-JP" dirty="0"/>
-              <a:t>Dart</a:t>
-            </a:r>
-            <a:r>
-              <a:rPr lang="ja-JP" altLang="en-US" dirty="0"/>
-              <a:t>（ダートもしくはダーツ。当初は </a:t>
-            </a:r>
-            <a:r>
-              <a:rPr lang="en-US" altLang="ja-JP" dirty="0"/>
-              <a:t>Dash </a:t>
-            </a:r>
-            <a:r>
-              <a:rPr lang="ja-JP" altLang="en-US" dirty="0"/>
-              <a:t>と呼ばれていた）は</a:t>
-            </a:r>
-            <a:r>
-              <a:rPr lang="en-US" altLang="ja-JP" dirty="0"/>
-              <a:t>Google</a:t>
-            </a:r>
-            <a:r>
-              <a:rPr lang="ja-JP" altLang="en-US" dirty="0"/>
-              <a:t>によって開発されたウェブ向けのプログラミング言語である。</a:t>
-            </a:r>
-            <a:r>
-              <a:rPr lang="en-US" altLang="ja-JP" dirty="0"/>
-              <a:t>2011</a:t>
-            </a:r>
-            <a:r>
-              <a:rPr lang="ja-JP" altLang="en-US" dirty="0"/>
-              <a:t>年</a:t>
-            </a:r>
-            <a:r>
-              <a:rPr lang="en-US" altLang="ja-JP" dirty="0"/>
-              <a:t>10</a:t>
-            </a:r>
-            <a:r>
-              <a:rPr lang="ja-JP" altLang="en-US" dirty="0"/>
-              <a:t>月</a:t>
-            </a:r>
-            <a:r>
-              <a:rPr lang="en-US" altLang="ja-JP" dirty="0"/>
-              <a:t>10</a:t>
-            </a:r>
-            <a:r>
-              <a:rPr lang="ja-JP" altLang="en-US" dirty="0"/>
-              <a:t>日 </a:t>
-            </a:r>
-            <a:r>
-              <a:rPr lang="en-US" altLang="ja-JP" dirty="0"/>
-              <a:t>- 12</a:t>
-            </a:r>
-            <a:r>
-              <a:rPr lang="ja-JP" altLang="en-US" dirty="0"/>
-              <a:t>日に開催された デンマークのオーフスで開催された「</a:t>
-            </a:r>
-            <a:r>
-              <a:rPr lang="en-US" altLang="ja-JP" dirty="0"/>
-              <a:t>GOTO</a:t>
-            </a:r>
-            <a:r>
-              <a:rPr lang="ja-JP" altLang="en-US" dirty="0"/>
-              <a:t>カンファレンス</a:t>
-            </a:r>
-            <a:r>
-              <a:rPr lang="ja-JP" altLang="en-US" dirty="0" smtClean="0"/>
-              <a:t>」で</a:t>
-            </a:r>
-            <a:r>
-              <a:rPr lang="ja-JP" altLang="en-US" dirty="0"/>
-              <a:t>公開</a:t>
-            </a:r>
-            <a:r>
-              <a:rPr lang="ja-JP" altLang="en-US" dirty="0" smtClean="0"/>
-              <a:t>された。</a:t>
-            </a:r>
-            <a:r>
-              <a:rPr lang="ja-JP" altLang="en-US" dirty="0"/>
-              <a:t>この言語は、ウェブブラウザ組み込みのスクリプト言語である</a:t>
-            </a:r>
-            <a:r>
-              <a:rPr lang="en-US" altLang="ja-JP" dirty="0"/>
-              <a:t>JavaScript</a:t>
-            </a:r>
-            <a:r>
-              <a:rPr lang="ja-JP" altLang="en-US" dirty="0"/>
-              <a:t>の代替となることを目的に作られた</a:t>
-            </a:r>
-            <a:r>
-              <a:rPr lang="ja-JP" altLang="en-US" dirty="0" smtClean="0"/>
-              <a:t>。</a:t>
-            </a:r>
-            <a:endParaRPr lang="en-US" altLang="ja-JP" dirty="0"/>
-          </a:p>
-          <a:p>
-            <a:pPr marL="0" indent="0">
-              <a:buNone/>
-            </a:pPr>
-            <a:endParaRPr kumimoji="1" lang="en-US" altLang="ja-JP" dirty="0" smtClean="0"/>
-          </a:p>
-          <a:p>
-            <a:pPr marL="0" indent="0">
-              <a:buNone/>
-            </a:pPr>
-            <a:r>
-              <a:rPr kumimoji="1" lang="ja-JP" altLang="en-US" dirty="0" smtClean="0"/>
-              <a:t>引用：</a:t>
-            </a:r>
-            <a:endParaRPr kumimoji="1" lang="en-US" altLang="ja-JP" dirty="0" smtClean="0"/>
-          </a:p>
-          <a:p>
-            <a:pPr marL="0" indent="0">
-              <a:buNone/>
-            </a:pPr>
-            <a:r>
-              <a:rPr lang="en-US" altLang="ja-JP" dirty="0"/>
-              <a:t>https://ja.wikipedia.org/wiki/Dart</a:t>
-            </a:r>
-            <a:endParaRPr kumimoji="1" lang="ja-JP" altLang="en-US" dirty="0"/>
-          </a:p>
-        </p:txBody>
-      </p:sp>
-      <p:sp>
-        <p:nvSpPr>
-          <p:cNvPr id="4" name="スライド番号プレースホルダー 3"/>
-          <p:cNvSpPr>
-            <a:spLocks noGrp="1"/>
-          </p:cNvSpPr>
-          <p:nvPr>
-            <p:ph type="sldNum" sz="quarter" idx="12"/>
-          </p:nvPr>
-        </p:nvSpPr>
-        <p:spPr/>
-        <p:txBody>
-          <a:bodyPr/>
-          <a:lstStyle/>
-          <a:p>
-            <a:fld id="{4A32CB03-0843-4AF8-BFB2-C9917854BC7E}" type="slidenum">
-              <a:rPr kumimoji="1" lang="ja-JP" altLang="en-US" smtClean="0"/>
-              <a:t>16</a:t>
-            </a:fld>
-            <a:endParaRPr kumimoji="1" lang="ja-JP" altLang="en-US"/>
-          </a:p>
-        </p:txBody>
-      </p:sp>
-    </p:spTree>
-    <p:extLst>
-      <p:ext uri="{BB962C8B-B14F-4D97-AF65-F5344CB8AC3E}">
-        <p14:creationId xmlns:p14="http://schemas.microsoft.com/office/powerpoint/2010/main" val="3121424104"/>
-      </p:ext>
-    </p:extLst>
-  </p:cSld>
-  <p:clrMapOvr>
-    <a:masterClrMapping/>
-  </p:clrMapOvr>
-  <p:timing>
-    <p:tnLst>
-      <p:par>
-        <p:cTn id="1" dur="indefinite" restart="never" nodeType="tmRoot"/>
-      </p:par>
-    </p:tnLst>
-  </p:timing>
-</p:sld>
-</file>
-
-<file path=ppt/slides/slide17.xml><?xml version="1.0" encoding="utf-8"?>
-<p:sld xmlns:a="http://schemas.openxmlformats.org/drawingml/2006/main" xmlns:r="http://schemas.openxmlformats.org/officeDocument/2006/relationships" xmlns:p="http://schemas.openxmlformats.org/presentationml/2006/main">
-  <p:cSld>
-    <p:spTree>
-      <p:nvGrpSpPr>
-        <p:cNvPr id="1" name=""/>
-        <p:cNvGrpSpPr/>
-        <p:nvPr/>
-      </p:nvGrpSpPr>
-      <p:grpSpPr>
-        <a:xfrm>
-          <a:off x="0" y="0"/>
-          <a:ext cx="0" cy="0"/>
-          <a:chOff x="0" y="0"/>
-          <a:chExt cx="0" cy="0"/>
-        </a:xfrm>
-      </p:grpSpPr>
-      <p:sp>
-        <p:nvSpPr>
-          <p:cNvPr id="2" name="タイトル 1"/>
-          <p:cNvSpPr>
-            <a:spLocks noGrp="1"/>
-          </p:cNvSpPr>
-          <p:nvPr>
-            <p:ph type="title"/>
-          </p:nvPr>
-        </p:nvSpPr>
-        <p:spPr/>
-        <p:txBody>
-          <a:bodyPr/>
-          <a:lstStyle/>
-          <a:p>
-            <a:r>
-              <a:rPr kumimoji="1" lang="en-US" altLang="ja-JP" dirty="0" smtClean="0"/>
-              <a:t>Generator</a:t>
-            </a:r>
-            <a:endParaRPr kumimoji="1" lang="ja-JP" altLang="en-US" dirty="0"/>
-          </a:p>
-        </p:txBody>
-      </p:sp>
-      <p:sp>
-        <p:nvSpPr>
-          <p:cNvPr id="3" name="コンテンツ プレースホルダー 2"/>
-          <p:cNvSpPr>
-            <a:spLocks noGrp="1"/>
-          </p:cNvSpPr>
-          <p:nvPr>
-            <p:ph idx="1"/>
-          </p:nvPr>
-        </p:nvSpPr>
-        <p:spPr/>
-        <p:txBody>
-          <a:bodyPr>
-            <a:normAutofit/>
-          </a:bodyPr>
-          <a:lstStyle/>
-          <a:p>
-            <a:r>
-              <a:rPr kumimoji="1" lang="en-US" altLang="ja-JP" dirty="0" smtClean="0"/>
-              <a:t>Generator</a:t>
-            </a:r>
-            <a:r>
-              <a:rPr kumimoji="1" lang="ja-JP" altLang="en-US" dirty="0" smtClean="0"/>
-              <a:t>を利用する際には、前のスライドの通りに実行し、</a:t>
-            </a:r>
-            <a:r>
-              <a:rPr kumimoji="1" lang="en-US" altLang="ja-JP" dirty="0" err="1" smtClean="0"/>
-              <a:t>Node_modules</a:t>
-            </a:r>
-            <a:r>
-              <a:rPr kumimoji="1" lang="ja-JP" altLang="en-US" dirty="0" smtClean="0"/>
-              <a:t>内のファイルを呼び出す</a:t>
-            </a:r>
-            <a:endParaRPr kumimoji="1" lang="en-US" altLang="ja-JP" dirty="0" smtClean="0"/>
-          </a:p>
-          <a:p>
-            <a:r>
-              <a:rPr lang="en-US" altLang="ja-JP" dirty="0"/>
-              <a:t>h</a:t>
-            </a:r>
-            <a:r>
-              <a:rPr lang="en-US" altLang="ja-JP" dirty="0" smtClean="0"/>
-              <a:t>tml</a:t>
-            </a:r>
-            <a:r>
-              <a:rPr lang="ja-JP" altLang="en-US" dirty="0" smtClean="0"/>
-              <a:t>ファイル内で、</a:t>
-            </a:r>
-            <a:r>
-              <a:rPr lang="en-US" altLang="ja-JP" dirty="0" smtClean="0"/>
-              <a:t>script</a:t>
-            </a:r>
-            <a:r>
-              <a:rPr lang="ja-JP" altLang="en-US" dirty="0" smtClean="0"/>
-              <a:t>で呼び出し</a:t>
-            </a:r>
-            <a:endParaRPr lang="en-US" altLang="ja-JP" dirty="0" smtClean="0"/>
-          </a:p>
-          <a:p>
-            <a:r>
-              <a:rPr lang="en-US" altLang="ja-JP" dirty="0"/>
-              <a:t> </a:t>
-            </a:r>
-            <a:r>
-              <a:rPr lang="en-US" altLang="ja-JP" dirty="0" err="1"/>
-              <a:t>var</a:t>
-            </a:r>
-            <a:r>
-              <a:rPr lang="en-US" altLang="ja-JP" dirty="0"/>
-              <a:t> code = </a:t>
-            </a:r>
-            <a:r>
-              <a:rPr lang="en-US" altLang="ja-JP" dirty="0" err="1"/>
-              <a:t>Blockly.JavaScript.workspaceToCode</a:t>
-            </a:r>
-            <a:r>
-              <a:rPr lang="en-US" altLang="ja-JP" dirty="0"/>
-              <a:t>(</a:t>
-            </a:r>
-            <a:r>
-              <a:rPr lang="en-US" altLang="ja-JP" dirty="0" err="1"/>
-              <a:t>demoWorkspace</a:t>
-            </a:r>
-            <a:r>
-              <a:rPr lang="en-US" altLang="ja-JP" dirty="0" smtClean="0"/>
-              <a:t>);</a:t>
-            </a:r>
-          </a:p>
-          <a:p>
-            <a:endParaRPr lang="en-US" altLang="ja-JP" dirty="0"/>
-          </a:p>
-        </p:txBody>
-      </p:sp>
-      <p:sp>
-        <p:nvSpPr>
-          <p:cNvPr id="4" name="スライド番号プレースホルダー 3"/>
-          <p:cNvSpPr>
-            <a:spLocks noGrp="1"/>
-          </p:cNvSpPr>
-          <p:nvPr>
-            <p:ph type="sldNum" sz="quarter" idx="12"/>
-          </p:nvPr>
-        </p:nvSpPr>
-        <p:spPr/>
-        <p:txBody>
-          <a:bodyPr/>
-          <a:lstStyle/>
-          <a:p>
-            <a:fld id="{4A32CB03-0843-4AF8-BFB2-C9917854BC7E}" type="slidenum">
-              <a:rPr kumimoji="1" lang="ja-JP" altLang="en-US" smtClean="0"/>
-              <a:t>17</a:t>
-            </a:fld>
-            <a:endParaRPr kumimoji="1" lang="ja-JP" altLang="en-US"/>
-          </a:p>
-        </p:txBody>
-      </p:sp>
-    </p:spTree>
-    <p:extLst>
-      <p:ext uri="{BB962C8B-B14F-4D97-AF65-F5344CB8AC3E}">
-        <p14:creationId xmlns:p14="http://schemas.microsoft.com/office/powerpoint/2010/main" val="2142560469"/>
-      </p:ext>
-    </p:extLst>
-  </p:cSld>
-  <p:clrMapOvr>
-    <a:masterClrMapping/>
-  </p:clrMapOvr>
-  <p:timing>
-    <p:tnLst>
-      <p:par>
-        <p:cTn id="1" dur="indefinite" restart="never" nodeType="tmRoot"/>
-      </p:par>
-    </p:tnLst>
-  </p:timing>
-</p:sld>
-</file>
-
-<file path=ppt/slides/slide18.xml><?xml version="1.0" encoding="utf-8"?>
-<p:sld xmlns:a="http://schemas.openxmlformats.org/drawingml/2006/main" xmlns:r="http://schemas.openxmlformats.org/officeDocument/2006/relationships" xmlns:p="http://schemas.openxmlformats.org/presentationml/2006/main">
-  <p:cSld>
-    <p:spTree>
-      <p:nvGrpSpPr>
-        <p:cNvPr id="1" name=""/>
-        <p:cNvGrpSpPr/>
-        <p:nvPr/>
-      </p:nvGrpSpPr>
-      <p:grpSpPr>
-        <a:xfrm>
-          <a:off x="0" y="0"/>
-          <a:ext cx="0" cy="0"/>
-          <a:chOff x="0" y="0"/>
-          <a:chExt cx="0" cy="0"/>
-        </a:xfrm>
-      </p:grpSpPr>
-      <p:sp>
-        <p:nvSpPr>
-          <p:cNvPr id="2" name="タイトル 1"/>
-          <p:cNvSpPr>
-            <a:spLocks noGrp="1"/>
-          </p:cNvSpPr>
-          <p:nvPr>
-            <p:ph type="title"/>
-          </p:nvPr>
-        </p:nvSpPr>
-        <p:spPr/>
-        <p:txBody>
-          <a:bodyPr/>
-          <a:lstStyle/>
-          <a:p>
-            <a:r>
-              <a:rPr kumimoji="1" lang="en-US" altLang="ja-JP" dirty="0" err="1" smtClean="0"/>
-              <a:t>Genearator</a:t>
-            </a:r>
-            <a:r>
-              <a:rPr kumimoji="1" lang="ja-JP" altLang="en-US" dirty="0" smtClean="0"/>
-              <a:t>の実行テスト</a:t>
-            </a:r>
-            <a:endParaRPr kumimoji="1" lang="ja-JP" altLang="en-US" dirty="0"/>
-          </a:p>
-        </p:txBody>
-      </p:sp>
-      <p:sp>
-        <p:nvSpPr>
-          <p:cNvPr id="4" name="スライド番号プレースホルダー 3"/>
-          <p:cNvSpPr>
-            <a:spLocks noGrp="1"/>
-          </p:cNvSpPr>
-          <p:nvPr>
-            <p:ph type="sldNum" sz="quarter" idx="12"/>
-          </p:nvPr>
-        </p:nvSpPr>
-        <p:spPr/>
-        <p:txBody>
-          <a:bodyPr/>
-          <a:lstStyle/>
-          <a:p>
-            <a:fld id="{4A32CB03-0843-4AF8-BFB2-C9917854BC7E}" type="slidenum">
-              <a:rPr kumimoji="1" lang="ja-JP" altLang="en-US" sz="2800" smtClean="0"/>
-              <a:t>18</a:t>
-            </a:fld>
-            <a:endParaRPr kumimoji="1" lang="ja-JP" altLang="en-US" dirty="0"/>
-          </a:p>
-        </p:txBody>
-      </p:sp>
-      <p:pic>
-        <p:nvPicPr>
-          <p:cNvPr id="3" name="図 2"/>
-          <p:cNvPicPr>
-            <a:picLocks noChangeAspect="1"/>
-          </p:cNvPicPr>
-          <p:nvPr/>
-        </p:nvPicPr>
-        <p:blipFill>
-          <a:blip r:embed="rId2"/>
-          <a:stretch>
-            <a:fillRect/>
-          </a:stretch>
-        </p:blipFill>
-        <p:spPr>
-          <a:xfrm>
-            <a:off x="1141095" y="1690689"/>
-            <a:ext cx="5647905" cy="3900141"/>
-          </a:xfrm>
-          <a:prstGeom prst="rect">
-            <a:avLst/>
-          </a:prstGeom>
-        </p:spPr>
-      </p:pic>
-    </p:spTree>
-    <p:extLst>
-      <p:ext uri="{BB962C8B-B14F-4D97-AF65-F5344CB8AC3E}">
-        <p14:creationId xmlns:p14="http://schemas.microsoft.com/office/powerpoint/2010/main" val="4257970129"/>
-      </p:ext>
-    </p:extLst>
-  </p:cSld>
-  <p:clrMapOvr>
-    <a:masterClrMapping/>
-  </p:clrMapOvr>
-  <p:timing>
-    <p:tnLst>
-      <p:par>
-        <p:cTn id="1" dur="indefinite" restart="never" nodeType="tmRoot"/>
-      </p:par>
-    </p:tnLst>
-  </p:timing>
-</p:sld>
-</file>
-
-<file path=ppt/slides/slide19.xml><?xml version="1.0" encoding="utf-8"?>
-<p:sld xmlns:a="http://schemas.openxmlformats.org/drawingml/2006/main" xmlns:r="http://schemas.openxmlformats.org/officeDocument/2006/relationships" xmlns:p="http://schemas.openxmlformats.org/presentationml/2006/main">
-  <p:cSld>
-    <p:spTree>
-      <p:nvGrpSpPr>
-        <p:cNvPr id="1" name=""/>
-        <p:cNvGrpSpPr/>
-        <p:nvPr/>
-      </p:nvGrpSpPr>
-      <p:grpSpPr>
-        <a:xfrm>
-          <a:off x="0" y="0"/>
-          <a:ext cx="0" cy="0"/>
-          <a:chOff x="0" y="0"/>
-          <a:chExt cx="0" cy="0"/>
-        </a:xfrm>
-      </p:grpSpPr>
-      <p:sp>
-        <p:nvSpPr>
-          <p:cNvPr id="2" name="タイトル 1"/>
-          <p:cNvSpPr>
-            <a:spLocks noGrp="1"/>
-          </p:cNvSpPr>
-          <p:nvPr>
-            <p:ph type="title"/>
-          </p:nvPr>
-        </p:nvSpPr>
-        <p:spPr/>
-        <p:txBody>
-          <a:bodyPr/>
-          <a:lstStyle/>
-          <a:p>
-            <a:r>
-              <a:rPr lang="en-US" altLang="ja-JP" dirty="0" err="1"/>
-              <a:t>Genearator</a:t>
-            </a:r>
-            <a:r>
-              <a:rPr lang="ja-JP" altLang="en-US" dirty="0"/>
-              <a:t>の実行テスト</a:t>
-            </a:r>
-            <a:endParaRPr kumimoji="1" lang="ja-JP" altLang="en-US" dirty="0"/>
-          </a:p>
-        </p:txBody>
-      </p:sp>
-      <p:sp>
-        <p:nvSpPr>
-          <p:cNvPr id="3" name="コンテンツ プレースホルダー 2"/>
-          <p:cNvSpPr>
-            <a:spLocks noGrp="1"/>
-          </p:cNvSpPr>
-          <p:nvPr>
-            <p:ph idx="1"/>
-          </p:nvPr>
-        </p:nvSpPr>
-        <p:spPr/>
-        <p:txBody>
-          <a:bodyPr/>
-          <a:lstStyle/>
-          <a:p>
-            <a:r>
-              <a:rPr kumimoji="1" lang="ja-JP" altLang="en-US" dirty="0" smtClean="0"/>
-              <a:t>図のようにブロックを組み合わせ、左側の</a:t>
-            </a:r>
-            <a:r>
-              <a:rPr kumimoji="1" lang="en-US" altLang="ja-JP" dirty="0" smtClean="0"/>
-              <a:t>Show </a:t>
-            </a:r>
-            <a:r>
-              <a:rPr kumimoji="1" lang="en-US" altLang="ja-JP" dirty="0" err="1" smtClean="0"/>
-              <a:t>javascript</a:t>
-            </a:r>
-            <a:r>
-              <a:rPr kumimoji="1" lang="ja-JP" altLang="en-US" dirty="0" smtClean="0"/>
-              <a:t>を押すと、ブロックからコードを生成する</a:t>
-            </a:r>
-            <a:r>
-              <a:rPr lang="ja-JP" altLang="en-US" dirty="0" smtClean="0"/>
-              <a:t>（ブロックに対応したコードを表示する）</a:t>
-            </a:r>
-            <a:endParaRPr lang="en-US" altLang="ja-JP" dirty="0" smtClean="0"/>
-          </a:p>
-          <a:p>
-            <a:r>
-              <a:rPr lang="ja-JP" altLang="en-US" dirty="0" smtClean="0"/>
-              <a:t>右側の</a:t>
-            </a:r>
-            <a:r>
-              <a:rPr lang="en-US" altLang="ja-JP" dirty="0" smtClean="0"/>
-              <a:t>Run JavaScript</a:t>
-            </a:r>
-            <a:r>
-              <a:rPr lang="ja-JP" altLang="en-US" dirty="0" smtClean="0"/>
-              <a:t>を押すと、コードを実行する</a:t>
-            </a:r>
-            <a:endParaRPr kumimoji="1" lang="en-US" altLang="ja-JP" dirty="0" smtClean="0"/>
-          </a:p>
-        </p:txBody>
-      </p:sp>
-      <p:sp>
-        <p:nvSpPr>
-          <p:cNvPr id="4" name="スライド番号プレースホルダー 3"/>
-          <p:cNvSpPr>
-            <a:spLocks noGrp="1"/>
-          </p:cNvSpPr>
-          <p:nvPr>
-            <p:ph type="sldNum" sz="quarter" idx="12"/>
-          </p:nvPr>
-        </p:nvSpPr>
-        <p:spPr/>
-        <p:txBody>
-          <a:bodyPr/>
-          <a:lstStyle/>
-          <a:p>
-            <a:fld id="{4A32CB03-0843-4AF8-BFB2-C9917854BC7E}" type="slidenum">
-              <a:rPr kumimoji="1" lang="ja-JP" altLang="en-US" sz="2800" smtClean="0"/>
-              <a:t>19</a:t>
-            </a:fld>
-            <a:endParaRPr kumimoji="1" lang="ja-JP" altLang="en-US" sz="2800" dirty="0"/>
-          </a:p>
-        </p:txBody>
-      </p:sp>
-    </p:spTree>
-    <p:extLst>
-      <p:ext uri="{BB962C8B-B14F-4D97-AF65-F5344CB8AC3E}">
-        <p14:creationId xmlns:p14="http://schemas.microsoft.com/office/powerpoint/2010/main" val="2997179172"/>
-      </p:ext>
-    </p:extLst>
-  </p:cSld>
-  <p:clrMapOvr>
-    <a:masterClrMapping/>
-  </p:clrMapOvr>
-  <p:timing>
-    <p:tnLst>
-      <p:par>
-        <p:cTn id="1" dur="indefinite" restart="never" nodeType="tmRoot"/>
-      </p:par>
-    </p:tnLst>
-  </p:timing>
-</p:sld>
-</file>
-
-<file path=ppt/slides/slide2.xml><?xml version="1.0" encoding="utf-8"?>
-<p:sld xmlns:a="http://schemas.openxmlformats.org/drawingml/2006/main" xmlns:r="http://schemas.openxmlformats.org/officeDocument/2006/relationships" xmlns:p="http://schemas.openxmlformats.org/presentationml/2006/main">
-  <p:cSld>
-    <p:spTree>
-      <p:nvGrpSpPr>
-        <p:cNvPr id="1" name=""/>
-        <p:cNvGrpSpPr/>
-        <p:nvPr/>
-      </p:nvGrpSpPr>
-      <p:grpSpPr>
-        <a:xfrm>
-          <a:off x="0" y="0"/>
-          <a:ext cx="0" cy="0"/>
-          <a:chOff x="0" y="0"/>
-          <a:chExt cx="0" cy="0"/>
-        </a:xfrm>
-      </p:grpSpPr>
-      <p:sp>
-        <p:nvSpPr>
-          <p:cNvPr id="2" name="タイトル 1"/>
-          <p:cNvSpPr>
-            <a:spLocks noGrp="1"/>
-          </p:cNvSpPr>
-          <p:nvPr>
-            <p:ph type="ctrTitle"/>
-          </p:nvPr>
-        </p:nvSpPr>
-        <p:spPr>
-          <a:xfrm>
-            <a:off x="1015551" y="2481933"/>
-            <a:ext cx="6858000" cy="1790700"/>
-          </a:xfrm>
-        </p:spPr>
-        <p:txBody>
-          <a:bodyPr>
-            <a:noAutofit/>
-          </a:bodyPr>
-          <a:lstStyle/>
-          <a:p>
-            <a:r>
-              <a:rPr lang="ja-JP" altLang="en-US" sz="4400" dirty="0" smtClean="0"/>
-              <a:t>ブロックプログラミング</a:t>
-            </a:r>
-            <a:r>
-              <a:rPr lang="ja-JP" altLang="en-US" sz="4400" dirty="0"/>
-              <a:t>を用いた論理的思考と</a:t>
-            </a:r>
-            <a:r>
-              <a:rPr lang="en-US" altLang="ja-JP" sz="4400" dirty="0"/>
-              <a:t/>
-            </a:r>
-            <a:br>
-              <a:rPr lang="en-US" altLang="ja-JP" sz="4400" dirty="0"/>
-            </a:br>
-            <a:r>
-              <a:rPr lang="ja-JP" altLang="en-US" sz="4400" dirty="0"/>
-              <a:t>コーディングを身に着けるための学習環境</a:t>
-            </a:r>
-            <a:endParaRPr kumimoji="1" lang="ja-JP" altLang="en-US" sz="4400" dirty="0"/>
-          </a:p>
-        </p:txBody>
-      </p:sp>
-      <p:sp>
-        <p:nvSpPr>
-          <p:cNvPr id="3" name="サブタイトル 2"/>
-          <p:cNvSpPr>
-            <a:spLocks noGrp="1"/>
-          </p:cNvSpPr>
-          <p:nvPr>
-            <p:ph type="subTitle" idx="1"/>
-          </p:nvPr>
-        </p:nvSpPr>
-        <p:spPr>
-          <a:xfrm>
-            <a:off x="1015551" y="4382700"/>
-            <a:ext cx="6858000" cy="1241823"/>
-          </a:xfrm>
-        </p:spPr>
-        <p:txBody>
-          <a:bodyPr/>
-          <a:lstStyle/>
-          <a:p>
-            <a:r>
-              <a:rPr kumimoji="1" lang="ja-JP" altLang="en-US" dirty="0" smtClean="0"/>
-              <a:t>学籍番号：</a:t>
-            </a:r>
-            <a:r>
-              <a:rPr kumimoji="1" lang="en-US" altLang="ja-JP" dirty="0" smtClean="0"/>
-              <a:t>1821121</a:t>
-            </a:r>
-          </a:p>
-          <a:p>
-            <a:r>
-              <a:rPr lang="ja-JP" altLang="en-US" dirty="0" smtClean="0"/>
-              <a:t>氏名：島岡慎也</a:t>
-            </a:r>
-            <a:endParaRPr kumimoji="1" lang="ja-JP" altLang="en-US" dirty="0"/>
-          </a:p>
-        </p:txBody>
-      </p:sp>
-      <p:sp>
-        <p:nvSpPr>
-          <p:cNvPr id="4" name="スライド番号プレースホルダー 3"/>
-          <p:cNvSpPr>
-            <a:spLocks noGrp="1"/>
-          </p:cNvSpPr>
-          <p:nvPr>
-            <p:ph type="sldNum" sz="quarter" idx="12"/>
-          </p:nvPr>
-        </p:nvSpPr>
-        <p:spPr/>
-        <p:txBody>
-          <a:bodyPr/>
-          <a:lstStyle/>
-          <a:p>
-            <a:fld id="{77022724-7A88-4190-89E1-23935288E045}" type="slidenum">
-              <a:rPr kumimoji="1" lang="ja-JP" altLang="en-US" sz="2400" smtClean="0"/>
-              <a:t>2</a:t>
-            </a:fld>
-            <a:endParaRPr kumimoji="1" lang="ja-JP" altLang="en-US" sz="2400" dirty="0"/>
-          </a:p>
-        </p:txBody>
-      </p:sp>
-    </p:spTree>
-    <p:extLst>
-      <p:ext uri="{BB962C8B-B14F-4D97-AF65-F5344CB8AC3E}">
-        <p14:creationId xmlns:p14="http://schemas.microsoft.com/office/powerpoint/2010/main" val="3218976117"/>
-      </p:ext>
-    </p:extLst>
-  </p:cSld>
-  <p:clrMapOvr>
-    <a:masterClrMapping/>
-  </p:clrMapOvr>
-  <p:timing>
-    <p:tnLst>
-      <p:par>
-        <p:cTn id="1" dur="indefinite" restart="never" nodeType="tmRoot"/>
-      </p:par>
-    </p:tnLst>
-  </p:timing>
-</p:sld>
-</file>
-
-<file path=ppt/slides/slide20.xml><?xml version="1.0" encoding="utf-8"?>
-<p:sld xmlns:a="http://schemas.openxmlformats.org/drawingml/2006/main" xmlns:r="http://schemas.openxmlformats.org/officeDocument/2006/relationships" xmlns:p="http://schemas.openxmlformats.org/presentationml/2006/main">
-  <p:cSld>
-    <p:spTree>
-      <p:nvGrpSpPr>
-        <p:cNvPr id="1" name=""/>
-        <p:cNvGrpSpPr/>
-        <p:nvPr/>
-      </p:nvGrpSpPr>
-      <p:grpSpPr>
-        <a:xfrm>
-          <a:off x="0" y="0"/>
-          <a:ext cx="0" cy="0"/>
-          <a:chOff x="0" y="0"/>
-          <a:chExt cx="0" cy="0"/>
-        </a:xfrm>
-      </p:grpSpPr>
-      <p:sp>
-        <p:nvSpPr>
-          <p:cNvPr id="2" name="タイトル 1"/>
-          <p:cNvSpPr>
-            <a:spLocks noGrp="1"/>
-          </p:cNvSpPr>
-          <p:nvPr>
-            <p:ph type="title"/>
-          </p:nvPr>
-        </p:nvSpPr>
-        <p:spPr/>
-        <p:txBody>
-          <a:bodyPr/>
-          <a:lstStyle/>
-          <a:p>
-            <a:r>
-              <a:rPr lang="ja-JP" altLang="en-US" dirty="0"/>
-              <a:t>正誤</a:t>
-            </a:r>
-            <a:r>
-              <a:rPr lang="ja-JP" altLang="en-US" dirty="0" smtClean="0"/>
-              <a:t>を判定するプログラム</a:t>
-            </a:r>
-            <a:endParaRPr kumimoji="1" lang="ja-JP" altLang="en-US" dirty="0"/>
-          </a:p>
-        </p:txBody>
-      </p:sp>
-      <p:sp>
-        <p:nvSpPr>
-          <p:cNvPr id="3" name="コンテンツ プレースホルダー 2"/>
-          <p:cNvSpPr>
-            <a:spLocks noGrp="1"/>
-          </p:cNvSpPr>
-          <p:nvPr>
-            <p:ph idx="1"/>
-          </p:nvPr>
-        </p:nvSpPr>
-        <p:spPr/>
-        <p:txBody>
-          <a:bodyPr/>
-          <a:lstStyle/>
-          <a:p>
-            <a:r>
-              <a:rPr kumimoji="1" lang="ja-JP" altLang="en-US" dirty="0" smtClean="0"/>
-              <a:t>事前に用意した解答例と、</a:t>
-            </a:r>
-            <a:r>
-              <a:rPr kumimoji="1" lang="en-US" altLang="ja-JP" dirty="0" err="1" smtClean="0"/>
-              <a:t>Generater</a:t>
-            </a:r>
-            <a:r>
-              <a:rPr kumimoji="1" lang="ja-JP" altLang="en-US" dirty="0" smtClean="0"/>
-              <a:t>によって作成されたコードが等しいかどうか（完全一致）を判定するサンプルプログラムを作成した</a:t>
-            </a:r>
-            <a:endParaRPr kumimoji="1" lang="en-US" altLang="ja-JP" dirty="0" smtClean="0"/>
-          </a:p>
-          <a:p>
-            <a:endParaRPr kumimoji="1" lang="ja-JP" altLang="en-US" dirty="0"/>
-          </a:p>
-        </p:txBody>
-      </p:sp>
-      <p:sp>
-        <p:nvSpPr>
-          <p:cNvPr id="4" name="スライド番号プレースホルダー 3"/>
-          <p:cNvSpPr>
-            <a:spLocks noGrp="1"/>
-          </p:cNvSpPr>
-          <p:nvPr>
-            <p:ph type="sldNum" sz="quarter" idx="12"/>
-          </p:nvPr>
-        </p:nvSpPr>
-        <p:spPr/>
-        <p:txBody>
-          <a:bodyPr/>
-          <a:lstStyle/>
-          <a:p>
-            <a:fld id="{4A32CB03-0843-4AF8-BFB2-C9917854BC7E}" type="slidenum">
-              <a:rPr kumimoji="1" lang="ja-JP" altLang="en-US" smtClean="0"/>
-              <a:t>20</a:t>
-            </a:fld>
-            <a:endParaRPr kumimoji="1" lang="ja-JP" altLang="en-US"/>
-          </a:p>
-        </p:txBody>
-      </p:sp>
-    </p:spTree>
-    <p:extLst>
-      <p:ext uri="{BB962C8B-B14F-4D97-AF65-F5344CB8AC3E}">
-        <p14:creationId xmlns:p14="http://schemas.microsoft.com/office/powerpoint/2010/main" val="2287831747"/>
-      </p:ext>
-    </p:extLst>
-  </p:cSld>
-  <p:clrMapOvr>
-    <a:masterClrMapping/>
-  </p:clrMapOvr>
-  <p:timing>
-    <p:tnLst>
-      <p:par>
-        <p:cTn id="1" dur="indefinite" restart="never" nodeType="tmRoot"/>
-      </p:par>
-    </p:tnLst>
-  </p:timing>
-</p:sld>
-</file>
-
-<file path=ppt/slides/slide21.xml><?xml version="1.0" encoding="utf-8"?>
-<p:sld xmlns:a="http://schemas.openxmlformats.org/drawingml/2006/main" xmlns:r="http://schemas.openxmlformats.org/officeDocument/2006/relationships" xmlns:p="http://schemas.openxmlformats.org/presentationml/2006/main">
-  <p:cSld>
-    <p:spTree>
-      <p:nvGrpSpPr>
-        <p:cNvPr id="1" name=""/>
-        <p:cNvGrpSpPr/>
-        <p:nvPr/>
-      </p:nvGrpSpPr>
-      <p:grpSpPr>
-        <a:xfrm>
-          <a:off x="0" y="0"/>
-          <a:ext cx="0" cy="0"/>
-          <a:chOff x="0" y="0"/>
-          <a:chExt cx="0" cy="0"/>
-        </a:xfrm>
-      </p:grpSpPr>
-      <p:sp>
-        <p:nvSpPr>
-          <p:cNvPr id="2" name="タイトル 1"/>
-          <p:cNvSpPr>
-            <a:spLocks noGrp="1"/>
-          </p:cNvSpPr>
-          <p:nvPr>
-            <p:ph type="title"/>
-          </p:nvPr>
-        </p:nvSpPr>
-        <p:spPr/>
-        <p:txBody>
-          <a:bodyPr/>
-          <a:lstStyle/>
-          <a:p>
-            <a:r>
-              <a:rPr lang="ja-JP" altLang="en-US" dirty="0"/>
-              <a:t>正誤</a:t>
-            </a:r>
-            <a:r>
-              <a:rPr lang="ja-JP" altLang="en-US" dirty="0" smtClean="0"/>
-              <a:t>判定</a:t>
-            </a:r>
-            <a:r>
-              <a:rPr kumimoji="1" lang="ja-JP" altLang="en-US" dirty="0" smtClean="0"/>
-              <a:t>デモ１</a:t>
-            </a:r>
-            <a:endParaRPr kumimoji="1" lang="ja-JP" altLang="en-US" dirty="0"/>
-          </a:p>
-        </p:txBody>
-      </p:sp>
-      <p:sp>
-        <p:nvSpPr>
-          <p:cNvPr id="4" name="スライド番号プレースホルダー 3"/>
-          <p:cNvSpPr>
-            <a:spLocks noGrp="1"/>
-          </p:cNvSpPr>
-          <p:nvPr>
-            <p:ph type="sldNum" sz="quarter" idx="12"/>
-          </p:nvPr>
-        </p:nvSpPr>
-        <p:spPr/>
-        <p:txBody>
-          <a:bodyPr/>
-          <a:lstStyle/>
-          <a:p>
-            <a:fld id="{4A32CB03-0843-4AF8-BFB2-C9917854BC7E}" type="slidenum">
-              <a:rPr kumimoji="1" lang="ja-JP" altLang="en-US" smtClean="0"/>
-              <a:t>21</a:t>
-            </a:fld>
-            <a:endParaRPr kumimoji="1" lang="ja-JP" altLang="en-US"/>
-          </a:p>
-        </p:txBody>
-      </p:sp>
-      <p:pic>
-        <p:nvPicPr>
-          <p:cNvPr id="5" name="図 4"/>
-          <p:cNvPicPr>
-            <a:picLocks noChangeAspect="1"/>
-          </p:cNvPicPr>
-          <p:nvPr/>
-        </p:nvPicPr>
-        <p:blipFill>
-          <a:blip r:embed="rId2"/>
-          <a:stretch>
-            <a:fillRect/>
-          </a:stretch>
-        </p:blipFill>
-        <p:spPr>
-          <a:xfrm>
-            <a:off x="207586" y="2087744"/>
-            <a:ext cx="8844617" cy="4378340"/>
-          </a:xfrm>
-          <a:prstGeom prst="rect">
-            <a:avLst/>
-          </a:prstGeom>
-        </p:spPr>
-      </p:pic>
-    </p:spTree>
-    <p:extLst>
-      <p:ext uri="{BB962C8B-B14F-4D97-AF65-F5344CB8AC3E}">
-        <p14:creationId xmlns:p14="http://schemas.microsoft.com/office/powerpoint/2010/main" val="1473290671"/>
-      </p:ext>
-    </p:extLst>
-  </p:cSld>
-  <p:clrMapOvr>
-    <a:masterClrMapping/>
-  </p:clrMapOvr>
-  <p:timing>
-    <p:tnLst>
-      <p:par>
-        <p:cTn id="1" dur="indefinite" restart="never" nodeType="tmRoot"/>
-      </p:par>
-    </p:tnLst>
-  </p:timing>
-</p:sld>
-</file>
-
-<file path=ppt/slides/slide22.xml><?xml version="1.0" encoding="utf-8"?>
-<p:sld xmlns:a="http://schemas.openxmlformats.org/drawingml/2006/main" xmlns:r="http://schemas.openxmlformats.org/officeDocument/2006/relationships" xmlns:p="http://schemas.openxmlformats.org/presentationml/2006/main">
-  <p:cSld>
-    <p:spTree>
-      <p:nvGrpSpPr>
-        <p:cNvPr id="1" name=""/>
-        <p:cNvGrpSpPr/>
-        <p:nvPr/>
-      </p:nvGrpSpPr>
-      <p:grpSpPr>
-        <a:xfrm>
-          <a:off x="0" y="0"/>
-          <a:ext cx="0" cy="0"/>
-          <a:chOff x="0" y="0"/>
-          <a:chExt cx="0" cy="0"/>
-        </a:xfrm>
-      </p:grpSpPr>
-      <p:sp>
-        <p:nvSpPr>
-          <p:cNvPr id="2" name="タイトル 1"/>
-          <p:cNvSpPr>
-            <a:spLocks noGrp="1"/>
-          </p:cNvSpPr>
-          <p:nvPr>
-            <p:ph type="title"/>
-          </p:nvPr>
-        </p:nvSpPr>
-        <p:spPr/>
-        <p:txBody>
-          <a:bodyPr/>
-          <a:lstStyle/>
-          <a:p>
-            <a:r>
-              <a:rPr kumimoji="1" lang="ja-JP" altLang="en-US" dirty="0" smtClean="0"/>
-              <a:t>穴あき問題を作成する</a:t>
-            </a:r>
-            <a:endParaRPr kumimoji="1" lang="ja-JP" altLang="en-US" dirty="0"/>
-          </a:p>
-        </p:txBody>
-      </p:sp>
-      <p:sp>
-        <p:nvSpPr>
-          <p:cNvPr id="3" name="コンテンツ プレースホルダー 2"/>
-          <p:cNvSpPr>
-            <a:spLocks noGrp="1"/>
-          </p:cNvSpPr>
-          <p:nvPr>
-            <p:ph idx="1"/>
-          </p:nvPr>
-        </p:nvSpPr>
-        <p:spPr/>
-        <p:txBody>
-          <a:bodyPr/>
-          <a:lstStyle/>
-          <a:p>
-            <a:endParaRPr kumimoji="1" lang="ja-JP" altLang="en-US" dirty="0"/>
-          </a:p>
-        </p:txBody>
-      </p:sp>
-      <p:sp>
-        <p:nvSpPr>
-          <p:cNvPr id="4" name="スライド番号プレースホルダー 3"/>
-          <p:cNvSpPr>
-            <a:spLocks noGrp="1"/>
-          </p:cNvSpPr>
-          <p:nvPr>
-            <p:ph type="sldNum" sz="quarter" idx="12"/>
-          </p:nvPr>
-        </p:nvSpPr>
-        <p:spPr/>
-        <p:txBody>
-          <a:bodyPr/>
-          <a:lstStyle/>
-          <a:p>
-            <a:fld id="{4A32CB03-0843-4AF8-BFB2-C9917854BC7E}" type="slidenum">
-              <a:rPr kumimoji="1" lang="ja-JP" altLang="en-US" smtClean="0"/>
-              <a:t>22</a:t>
-            </a:fld>
-            <a:endParaRPr kumimoji="1" lang="ja-JP" altLang="en-US"/>
-          </a:p>
-        </p:txBody>
-      </p:sp>
-      <p:pic>
-        <p:nvPicPr>
-          <p:cNvPr id="5" name="図 4"/>
-          <p:cNvPicPr>
-            <a:picLocks noChangeAspect="1"/>
-          </p:cNvPicPr>
-          <p:nvPr/>
-        </p:nvPicPr>
-        <p:blipFill>
-          <a:blip r:embed="rId2"/>
-          <a:stretch>
-            <a:fillRect/>
-          </a:stretch>
-        </p:blipFill>
-        <p:spPr>
-          <a:xfrm>
-            <a:off x="472810" y="1825625"/>
-            <a:ext cx="8612668" cy="4243402"/>
-          </a:xfrm>
-          <a:prstGeom prst="rect">
-            <a:avLst/>
-          </a:prstGeom>
-        </p:spPr>
-      </p:pic>
-    </p:spTree>
-    <p:extLst>
-      <p:ext uri="{BB962C8B-B14F-4D97-AF65-F5344CB8AC3E}">
-        <p14:creationId xmlns:p14="http://schemas.microsoft.com/office/powerpoint/2010/main" val="4017269996"/>
-      </p:ext>
-    </p:extLst>
-  </p:cSld>
-  <p:clrMapOvr>
-    <a:masterClrMapping/>
-  </p:clrMapOvr>
-  <p:timing>
-    <p:tnLst>
-      <p:par>
-        <p:cTn id="1" dur="indefinite" restart="never" nodeType="tmRoot"/>
-      </p:par>
-    </p:tnLst>
-  </p:timing>
-</p:sld>
-</file>
-
-<file path=ppt/slides/slide23.xml><?xml version="1.0" encoding="utf-8"?>
-<p:sld xmlns:a="http://schemas.openxmlformats.org/drawingml/2006/main" xmlns:r="http://schemas.openxmlformats.org/officeDocument/2006/relationships" xmlns:p="http://schemas.openxmlformats.org/presentationml/2006/main">
-  <p:cSld>
-    <p:spTree>
-      <p:nvGrpSpPr>
-        <p:cNvPr id="1" name=""/>
-        <p:cNvGrpSpPr/>
-        <p:nvPr/>
-      </p:nvGrpSpPr>
-      <p:grpSpPr>
-        <a:xfrm>
-          <a:off x="0" y="0"/>
-          <a:ext cx="0" cy="0"/>
-          <a:chOff x="0" y="0"/>
-          <a:chExt cx="0" cy="0"/>
-        </a:xfrm>
-      </p:grpSpPr>
-      <p:sp>
-        <p:nvSpPr>
-          <p:cNvPr id="2" name="タイトル 1"/>
-          <p:cNvSpPr>
-            <a:spLocks noGrp="1"/>
-          </p:cNvSpPr>
-          <p:nvPr>
-            <p:ph type="title"/>
-          </p:nvPr>
-        </p:nvSpPr>
-        <p:spPr/>
-        <p:txBody>
-          <a:bodyPr/>
-          <a:lstStyle/>
-          <a:p>
-            <a:r>
-              <a:rPr kumimoji="1" lang="ja-JP" altLang="en-US" dirty="0" smtClean="0"/>
-              <a:t>選択肢と正誤判定</a:t>
-            </a:r>
-            <a:endParaRPr kumimoji="1" lang="ja-JP" altLang="en-US" dirty="0"/>
-          </a:p>
-        </p:txBody>
-      </p:sp>
-      <p:sp>
-        <p:nvSpPr>
-          <p:cNvPr id="3" name="コンテンツ プレースホルダー 2"/>
-          <p:cNvSpPr>
-            <a:spLocks noGrp="1"/>
-          </p:cNvSpPr>
-          <p:nvPr>
-            <p:ph idx="1"/>
-          </p:nvPr>
-        </p:nvSpPr>
-        <p:spPr/>
-        <p:txBody>
-          <a:bodyPr/>
-          <a:lstStyle/>
-          <a:p>
-            <a:pPr marL="0" indent="0">
-              <a:buNone/>
-            </a:pPr>
-            <a:r>
-              <a:rPr kumimoji="1" lang="ja-JP" altLang="en-US" dirty="0" smtClean="0"/>
-              <a:t>選択肢から正誤を判定するプログラムを作成した</a:t>
-            </a:r>
-            <a:endParaRPr kumimoji="1" lang="en-US" altLang="ja-JP" dirty="0" smtClean="0"/>
-          </a:p>
-          <a:p>
-            <a:pPr marL="0" indent="0">
-              <a:buNone/>
-            </a:pPr>
-            <a:r>
-              <a:rPr lang="ja-JP" altLang="en-US" dirty="0" smtClean="0"/>
-              <a:t>今回作成したプログラムは文章、問題を事前に用意しているため、</a:t>
-            </a:r>
-            <a:r>
-              <a:rPr lang="en-US" altLang="ja-JP" dirty="0" err="1" smtClean="0"/>
-              <a:t>Blockly</a:t>
-            </a:r>
-            <a:r>
-              <a:rPr lang="ja-JP" altLang="en-US" dirty="0" smtClean="0"/>
-              <a:t>によって生成されたコードを利用して問題を生成する場合の表示方法が決まっていない</a:t>
-            </a:r>
-            <a:endParaRPr lang="en-US" altLang="ja-JP" dirty="0"/>
-          </a:p>
-          <a:p>
-            <a:pPr marL="0" indent="0">
-              <a:buNone/>
-            </a:pPr>
-            <a:endParaRPr kumimoji="1" lang="en-US" altLang="ja-JP" dirty="0" smtClean="0"/>
-          </a:p>
-          <a:p>
-            <a:pPr marL="0" indent="0">
-              <a:buNone/>
-            </a:pPr>
-            <a:r>
-              <a:rPr lang="en-US" altLang="ja-JP" dirty="0" err="1" smtClean="0"/>
-              <a:t>github</a:t>
-            </a:r>
-            <a:endParaRPr kumimoji="1" lang="en-US" altLang="ja-JP" dirty="0" smtClean="0"/>
-          </a:p>
-          <a:p>
-            <a:pPr marL="0" indent="0">
-              <a:buNone/>
-            </a:pPr>
-            <a:r>
-              <a:rPr lang="en-US" altLang="ja-JP" dirty="0"/>
-              <a:t>p</a:t>
-            </a:r>
-            <a:r>
-              <a:rPr lang="en-US" altLang="ja-JP" dirty="0" smtClean="0"/>
-              <a:t>rogram/question/test.html</a:t>
-            </a:r>
-            <a:endParaRPr kumimoji="1" lang="en-US" altLang="ja-JP" dirty="0" smtClean="0"/>
-          </a:p>
-        </p:txBody>
-      </p:sp>
-      <p:sp>
-        <p:nvSpPr>
-          <p:cNvPr id="4" name="スライド番号プレースホルダー 3"/>
-          <p:cNvSpPr>
-            <a:spLocks noGrp="1"/>
-          </p:cNvSpPr>
-          <p:nvPr>
-            <p:ph type="sldNum" sz="quarter" idx="12"/>
-          </p:nvPr>
-        </p:nvSpPr>
-        <p:spPr/>
-        <p:txBody>
-          <a:bodyPr/>
-          <a:lstStyle/>
-          <a:p>
-            <a:fld id="{4A32CB03-0843-4AF8-BFB2-C9917854BC7E}" type="slidenum">
-              <a:rPr kumimoji="1" lang="ja-JP" altLang="en-US" sz="2800" smtClean="0"/>
-              <a:t>23</a:t>
-            </a:fld>
-            <a:endParaRPr kumimoji="1" lang="ja-JP" altLang="en-US" dirty="0"/>
-          </a:p>
-        </p:txBody>
-      </p:sp>
-    </p:spTree>
-    <p:extLst>
-      <p:ext uri="{BB962C8B-B14F-4D97-AF65-F5344CB8AC3E}">
-        <p14:creationId xmlns:p14="http://schemas.microsoft.com/office/powerpoint/2010/main" val="3564727157"/>
-      </p:ext>
-    </p:extLst>
-  </p:cSld>
-  <p:clrMapOvr>
-    <a:masterClrMapping/>
-  </p:clrMapOvr>
-  <p:timing>
-    <p:tnLst>
-      <p:par>
-        <p:cTn id="1" dur="indefinite" restart="never" nodeType="tmRoot"/>
-      </p:par>
-    </p:tnLst>
-  </p:timing>
-</p:sld>
-</file>
-
-<file path=ppt/slides/slide24.xml><?xml version="1.0" encoding="utf-8"?>
-<p:sld xmlns:a="http://schemas.openxmlformats.org/drawingml/2006/main" xmlns:r="http://schemas.openxmlformats.org/officeDocument/2006/relationships" xmlns:p="http://schemas.openxmlformats.org/presentationml/2006/main">
-  <p:cSld>
-    <p:spTree>
-      <p:nvGrpSpPr>
-        <p:cNvPr id="1" name=""/>
-        <p:cNvGrpSpPr/>
-        <p:nvPr/>
-      </p:nvGrpSpPr>
-      <p:grpSpPr>
-        <a:xfrm>
-          <a:off x="0" y="0"/>
-          <a:ext cx="0" cy="0"/>
-          <a:chOff x="0" y="0"/>
-          <a:chExt cx="0" cy="0"/>
-        </a:xfrm>
-      </p:grpSpPr>
-      <p:sp>
-        <p:nvSpPr>
-          <p:cNvPr id="2" name="タイトル 1"/>
-          <p:cNvSpPr>
-            <a:spLocks noGrp="1"/>
-          </p:cNvSpPr>
-          <p:nvPr>
-            <p:ph type="title"/>
-          </p:nvPr>
-        </p:nvSpPr>
-        <p:spPr/>
-        <p:txBody>
-          <a:bodyPr/>
-          <a:lstStyle/>
-          <a:p>
-            <a:r>
-              <a:rPr lang="ja-JP" altLang="en-US" dirty="0" smtClean="0"/>
-              <a:t>選択式から選んで正誤を判定するプログラム</a:t>
-            </a:r>
-            <a:endParaRPr kumimoji="1" lang="ja-JP" altLang="en-US" dirty="0"/>
-          </a:p>
-        </p:txBody>
-      </p:sp>
-      <p:sp>
-        <p:nvSpPr>
-          <p:cNvPr id="4" name="スライド番号プレースホルダー 3"/>
-          <p:cNvSpPr>
-            <a:spLocks noGrp="1"/>
-          </p:cNvSpPr>
-          <p:nvPr>
-            <p:ph type="sldNum" sz="quarter" idx="12"/>
-          </p:nvPr>
-        </p:nvSpPr>
-        <p:spPr/>
-        <p:txBody>
-          <a:bodyPr/>
-          <a:lstStyle/>
-          <a:p>
-            <a:fld id="{4A32CB03-0843-4AF8-BFB2-C9917854BC7E}" type="slidenum">
-              <a:rPr kumimoji="1" lang="ja-JP" altLang="en-US" smtClean="0"/>
-              <a:t>24</a:t>
-            </a:fld>
-            <a:endParaRPr kumimoji="1" lang="ja-JP" altLang="en-US"/>
-          </a:p>
-        </p:txBody>
-      </p:sp>
-      <p:pic>
-        <p:nvPicPr>
-          <p:cNvPr id="5" name="図 4"/>
-          <p:cNvPicPr>
-            <a:picLocks noChangeAspect="1"/>
-          </p:cNvPicPr>
-          <p:nvPr/>
-        </p:nvPicPr>
-        <p:blipFill>
-          <a:blip r:embed="rId2"/>
-          <a:stretch>
-            <a:fillRect/>
-          </a:stretch>
-        </p:blipFill>
-        <p:spPr>
-          <a:xfrm>
-            <a:off x="2797316" y="1808157"/>
-            <a:ext cx="2972306" cy="4730756"/>
-          </a:xfrm>
-          <a:prstGeom prst="rect">
-            <a:avLst/>
-          </a:prstGeom>
-        </p:spPr>
-      </p:pic>
-    </p:spTree>
-    <p:extLst>
-      <p:ext uri="{BB962C8B-B14F-4D97-AF65-F5344CB8AC3E}">
-        <p14:creationId xmlns:p14="http://schemas.microsoft.com/office/powerpoint/2010/main" val="1471446867"/>
-      </p:ext>
-    </p:extLst>
-  </p:cSld>
-  <p:clrMapOvr>
-    <a:masterClrMapping/>
-  </p:clrMapOvr>
-  <p:timing>
-    <p:tnLst>
-      <p:par>
-        <p:cTn id="1" dur="indefinite" restart="never" nodeType="tmRoot"/>
-      </p:par>
-    </p:tnLst>
-  </p:timing>
-</p:sld>
-</file>
-
-<file path=ppt/slides/slide25.xml><?xml version="1.0" encoding="utf-8"?>
-<p:sld xmlns:a="http://schemas.openxmlformats.org/drawingml/2006/main" xmlns:r="http://schemas.openxmlformats.org/officeDocument/2006/relationships" xmlns:p="http://schemas.openxmlformats.org/presentationml/2006/main">
-  <p:cSld>
-    <p:spTree>
-      <p:nvGrpSpPr>
-        <p:cNvPr id="1" name=""/>
-        <p:cNvGrpSpPr/>
-        <p:nvPr/>
-      </p:nvGrpSpPr>
-      <p:grpSpPr>
-        <a:xfrm>
-          <a:off x="0" y="0"/>
-          <a:ext cx="0" cy="0"/>
-          <a:chOff x="0" y="0"/>
-          <a:chExt cx="0" cy="0"/>
-        </a:xfrm>
-      </p:grpSpPr>
-      <p:sp>
-        <p:nvSpPr>
-          <p:cNvPr id="2" name="タイトル 1"/>
-          <p:cNvSpPr>
-            <a:spLocks noGrp="1"/>
-          </p:cNvSpPr>
-          <p:nvPr>
-            <p:ph type="title"/>
-          </p:nvPr>
-        </p:nvSpPr>
-        <p:spPr/>
-        <p:txBody>
-          <a:bodyPr/>
-          <a:lstStyle/>
-          <a:p>
-            <a:r>
-              <a:rPr kumimoji="1" lang="ja-JP" altLang="en-US" dirty="0" smtClean="0"/>
-              <a:t>利用方法の模索</a:t>
-            </a:r>
-            <a:endParaRPr kumimoji="1" lang="ja-JP" altLang="en-US" dirty="0"/>
-          </a:p>
-        </p:txBody>
-      </p:sp>
-      <p:sp>
-        <p:nvSpPr>
-          <p:cNvPr id="3" name="コンテンツ プレースホルダー 2"/>
-          <p:cNvSpPr>
-            <a:spLocks noGrp="1"/>
-          </p:cNvSpPr>
-          <p:nvPr>
-            <p:ph idx="1"/>
-          </p:nvPr>
-        </p:nvSpPr>
-        <p:spPr/>
-        <p:txBody>
-          <a:bodyPr/>
-          <a:lstStyle/>
-          <a:p>
-            <a:r>
-              <a:rPr kumimoji="1" lang="en-US" altLang="ja-JP" dirty="0" err="1" smtClean="0"/>
-              <a:t>Blockly</a:t>
-            </a:r>
-            <a:r>
-              <a:rPr lang="ja-JP" altLang="en-US" dirty="0"/>
-              <a:t>に</a:t>
-            </a:r>
-            <a:r>
-              <a:rPr lang="ja-JP" altLang="en-US" dirty="0" smtClean="0"/>
-              <a:t>よって生成したコードは一つの文字列として利用できる、これを単語ごとに区切ることで、コードの一部を選択肢として利用できるかもしれない</a:t>
-            </a:r>
-            <a:endParaRPr lang="en-US" altLang="ja-JP" dirty="0" smtClean="0"/>
-          </a:p>
-          <a:p>
-            <a:pPr lvl="1"/>
-            <a:r>
-              <a:rPr kumimoji="1" lang="ja-JP" altLang="en-US" dirty="0" smtClean="0"/>
-              <a:t>文字列から単語として認識した</a:t>
-            </a:r>
-            <a:r>
-              <a:rPr kumimoji="1" lang="en-US" altLang="ja-JP" dirty="0" smtClean="0"/>
-              <a:t>”</a:t>
-            </a:r>
-            <a:r>
-              <a:rPr kumimoji="1" lang="en-US" altLang="ja-JP" dirty="0" err="1" smtClean="0"/>
-              <a:t>int</a:t>
-            </a:r>
-            <a:r>
-              <a:rPr kumimoji="1" lang="en-US" altLang="ja-JP" dirty="0" smtClean="0"/>
-              <a:t>”</a:t>
-            </a:r>
-            <a:r>
-              <a:rPr kumimoji="1" lang="ja-JP" altLang="en-US" dirty="0" smtClean="0"/>
-              <a:t>などの</a:t>
-            </a:r>
-            <a:r>
-              <a:rPr lang="ja-JP" altLang="en-US" dirty="0" smtClean="0"/>
-              <a:t>単語を</a:t>
-            </a:r>
-            <a:r>
-              <a:rPr lang="en-US" altLang="ja-JP" dirty="0" smtClean="0"/>
-              <a:t>html</a:t>
-            </a:r>
-            <a:r>
-              <a:rPr lang="ja-JP" altLang="en-US" dirty="0" smtClean="0"/>
-              <a:t>で利用できる文字列に変換するなど</a:t>
-            </a:r>
-            <a:endParaRPr lang="en-US" altLang="ja-JP" dirty="0" smtClean="0"/>
-          </a:p>
-          <a:p>
-            <a:r>
-              <a:rPr lang="ja-JP" altLang="en-US" dirty="0" smtClean="0"/>
-              <a:t>今回は</a:t>
-            </a:r>
-            <a:r>
-              <a:rPr lang="en-US" altLang="ja-JP" dirty="0" smtClean="0"/>
-              <a:t>html</a:t>
-            </a:r>
-            <a:r>
-              <a:rPr lang="ja-JP" altLang="en-US" dirty="0" smtClean="0"/>
-              <a:t>の</a:t>
-            </a:r>
-            <a:r>
-              <a:rPr lang="en-US" altLang="ja-JP" dirty="0" smtClean="0"/>
-              <a:t>select</a:t>
-            </a:r>
-            <a:r>
-              <a:rPr lang="ja-JP" altLang="en-US" dirty="0" smtClean="0"/>
-              <a:t>タグを使って選択肢を生成しているが、</a:t>
-            </a:r>
-            <a:r>
-              <a:rPr lang="en-US" altLang="ja-JP" dirty="0" err="1" smtClean="0"/>
-              <a:t>Javascript</a:t>
-            </a:r>
-            <a:r>
-              <a:rPr lang="ja-JP" altLang="en-US" dirty="0" smtClean="0"/>
-              <a:t>で選択肢の生成もできると、上の方法に利用できるかもしれない</a:t>
-            </a:r>
-            <a:endParaRPr lang="en-US" altLang="ja-JP" dirty="0" smtClean="0"/>
-          </a:p>
-        </p:txBody>
-      </p:sp>
-      <p:sp>
-        <p:nvSpPr>
-          <p:cNvPr id="4" name="スライド番号プレースホルダー 3"/>
-          <p:cNvSpPr>
-            <a:spLocks noGrp="1"/>
-          </p:cNvSpPr>
-          <p:nvPr>
-            <p:ph type="sldNum" sz="quarter" idx="12"/>
-          </p:nvPr>
-        </p:nvSpPr>
-        <p:spPr/>
-        <p:txBody>
-          <a:bodyPr/>
-          <a:lstStyle/>
-          <a:p>
-            <a:fld id="{4A32CB03-0843-4AF8-BFB2-C9917854BC7E}" type="slidenum">
-              <a:rPr kumimoji="1" lang="ja-JP" altLang="en-US" smtClean="0"/>
-              <a:t>25</a:t>
-            </a:fld>
-            <a:endParaRPr kumimoji="1" lang="ja-JP" altLang="en-US"/>
-          </a:p>
-        </p:txBody>
-      </p:sp>
-    </p:spTree>
-    <p:extLst>
-      <p:ext uri="{BB962C8B-B14F-4D97-AF65-F5344CB8AC3E}">
-        <p14:creationId xmlns:p14="http://schemas.microsoft.com/office/powerpoint/2010/main" val="3837190238"/>
-      </p:ext>
-    </p:extLst>
-  </p:cSld>
-  <p:clrMapOvr>
-    <a:masterClrMapping/>
-  </p:clrMapOvr>
-  <p:timing>
-    <p:tnLst>
-      <p:par>
-        <p:cTn id="1" dur="indefinite" restart="never" nodeType="tmRoot"/>
-      </p:par>
-    </p:tnLst>
-  </p:timing>
-</p:sld>
-</file>
-
-<file path=ppt/slides/slide26.xml><?xml version="1.0" encoding="utf-8"?>
-<p:sld xmlns:a="http://schemas.openxmlformats.org/drawingml/2006/main" xmlns:r="http://schemas.openxmlformats.org/officeDocument/2006/relationships" xmlns:p="http://schemas.openxmlformats.org/presentationml/2006/main">
-  <p:cSld>
-    <p:spTree>
-      <p:nvGrpSpPr>
-        <p:cNvPr id="1" name=""/>
-        <p:cNvGrpSpPr/>
-        <p:nvPr/>
-      </p:nvGrpSpPr>
-      <p:grpSpPr>
-        <a:xfrm>
-          <a:off x="0" y="0"/>
-          <a:ext cx="0" cy="0"/>
-          <a:chOff x="0" y="0"/>
-          <a:chExt cx="0" cy="0"/>
-        </a:xfrm>
-      </p:grpSpPr>
-      <p:sp>
-        <p:nvSpPr>
-          <p:cNvPr id="2" name="タイトル 1"/>
-          <p:cNvSpPr>
-            <a:spLocks noGrp="1"/>
-          </p:cNvSpPr>
-          <p:nvPr>
-            <p:ph type="title"/>
-          </p:nvPr>
-        </p:nvSpPr>
-        <p:spPr/>
-        <p:txBody>
-          <a:bodyPr/>
-          <a:lstStyle/>
-          <a:p>
-            <a:r>
-              <a:rPr kumimoji="1" lang="en-US" altLang="ja-JP" dirty="0" err="1" smtClean="0"/>
-              <a:t>selectbox</a:t>
-            </a:r>
-            <a:r>
-              <a:rPr kumimoji="1" lang="ja-JP" altLang="en-US" dirty="0" smtClean="0"/>
-              <a:t>の選択肢の生成</a:t>
-            </a:r>
-            <a:endParaRPr kumimoji="1" lang="ja-JP" altLang="en-US" dirty="0"/>
-          </a:p>
-        </p:txBody>
-      </p:sp>
-      <p:sp>
-        <p:nvSpPr>
-          <p:cNvPr id="3" name="コンテンツ プレースホルダー 2"/>
-          <p:cNvSpPr>
-            <a:spLocks noGrp="1"/>
-          </p:cNvSpPr>
-          <p:nvPr>
-            <p:ph idx="1"/>
-          </p:nvPr>
-        </p:nvSpPr>
-        <p:spPr/>
-        <p:txBody>
-          <a:bodyPr/>
-          <a:lstStyle/>
-          <a:p>
-            <a:r>
-              <a:rPr lang="ja-JP" altLang="en-US" dirty="0" smtClean="0"/>
-              <a:t>上記スライドでは問題文も選択肢も静的に決定されているが、</a:t>
-            </a:r>
-            <a:r>
-              <a:rPr lang="en-US" altLang="ja-JP" dirty="0" err="1" smtClean="0"/>
-              <a:t>Javascript</a:t>
-            </a:r>
-            <a:r>
-              <a:rPr lang="ja-JP" altLang="en-US" dirty="0" smtClean="0"/>
-              <a:t>を用いることで動的に内容を設定できるらしい</a:t>
-            </a:r>
-            <a:endParaRPr lang="en-US" altLang="ja-JP" dirty="0" smtClean="0"/>
-          </a:p>
-          <a:p>
-            <a:r>
-              <a:rPr kumimoji="1" lang="ja-JP" altLang="en-US" dirty="0" smtClean="0"/>
-              <a:t>セレクトボックス</a:t>
-            </a:r>
-            <a:r>
-              <a:rPr lang="ja-JP" altLang="en-US" dirty="0"/>
-              <a:t>自体</a:t>
-            </a:r>
-            <a:r>
-              <a:rPr kumimoji="1" lang="ja-JP" altLang="en-US" dirty="0" smtClean="0"/>
-              <a:t>を生成することもどうやら可能らしい</a:t>
-            </a:r>
-            <a:endParaRPr kumimoji="1" lang="en-US" altLang="ja-JP" dirty="0" smtClean="0"/>
-          </a:p>
-          <a:p>
-            <a:endParaRPr kumimoji="1" lang="ja-JP" altLang="en-US" dirty="0"/>
-          </a:p>
-        </p:txBody>
-      </p:sp>
-      <p:sp>
-        <p:nvSpPr>
-          <p:cNvPr id="4" name="スライド番号プレースホルダー 3"/>
-          <p:cNvSpPr>
-            <a:spLocks noGrp="1"/>
-          </p:cNvSpPr>
-          <p:nvPr>
-            <p:ph type="sldNum" sz="quarter" idx="12"/>
-          </p:nvPr>
-        </p:nvSpPr>
-        <p:spPr/>
-        <p:txBody>
-          <a:bodyPr/>
-          <a:lstStyle/>
-          <a:p>
-            <a:fld id="{4A32CB03-0843-4AF8-BFB2-C9917854BC7E}" type="slidenum">
-              <a:rPr kumimoji="1" lang="ja-JP" altLang="en-US" smtClean="0"/>
-              <a:t>26</a:t>
-            </a:fld>
-            <a:endParaRPr kumimoji="1" lang="ja-JP" altLang="en-US"/>
-          </a:p>
-        </p:txBody>
-      </p:sp>
-    </p:spTree>
-    <p:extLst>
-      <p:ext uri="{BB962C8B-B14F-4D97-AF65-F5344CB8AC3E}">
-        <p14:creationId xmlns:p14="http://schemas.microsoft.com/office/powerpoint/2010/main" val="3172470415"/>
-      </p:ext>
-    </p:extLst>
-  </p:cSld>
-  <p:clrMapOvr>
-    <a:masterClrMapping/>
-  </p:clrMapOvr>
-  <p:timing>
-    <p:tnLst>
-      <p:par>
-        <p:cTn id="1" dur="indefinite" restart="never" nodeType="tmRoot"/>
-      </p:par>
-    </p:tnLst>
-  </p:timing>
-</p:sld>
-</file>
-
-<file path=ppt/slides/slide27.xml><?xml version="1.0" encoding="utf-8"?>
-<p:sld xmlns:a="http://schemas.openxmlformats.org/drawingml/2006/main" xmlns:r="http://schemas.openxmlformats.org/officeDocument/2006/relationships" xmlns:p="http://schemas.openxmlformats.org/presentationml/2006/main">
-  <p:cSld>
-    <p:spTree>
-      <p:nvGrpSpPr>
-        <p:cNvPr id="1" name=""/>
-        <p:cNvGrpSpPr/>
-        <p:nvPr/>
-      </p:nvGrpSpPr>
-      <p:grpSpPr>
-        <a:xfrm>
-          <a:off x="0" y="0"/>
-          <a:ext cx="0" cy="0"/>
-          <a:chOff x="0" y="0"/>
-          <a:chExt cx="0" cy="0"/>
-        </a:xfrm>
-      </p:grpSpPr>
-      <p:sp>
-        <p:nvSpPr>
-          <p:cNvPr id="2" name="タイトル 1"/>
-          <p:cNvSpPr>
-            <a:spLocks noGrp="1"/>
-          </p:cNvSpPr>
-          <p:nvPr>
-            <p:ph type="title"/>
-          </p:nvPr>
-        </p:nvSpPr>
-        <p:spPr/>
-        <p:txBody>
-          <a:bodyPr/>
-          <a:lstStyle/>
-          <a:p>
-            <a:r>
-              <a:rPr lang="ja-JP" altLang="en-US" dirty="0" smtClean="0"/>
-              <a:t>プログラム群をいくつか作成</a:t>
-            </a:r>
-            <a:endParaRPr kumimoji="1" lang="ja-JP" altLang="en-US" dirty="0"/>
-          </a:p>
-        </p:txBody>
-      </p:sp>
-      <p:sp>
-        <p:nvSpPr>
-          <p:cNvPr id="3" name="コンテンツ プレースホルダー 2"/>
-          <p:cNvSpPr>
-            <a:spLocks noGrp="1"/>
-          </p:cNvSpPr>
-          <p:nvPr>
-            <p:ph idx="1"/>
-          </p:nvPr>
-        </p:nvSpPr>
-        <p:spPr/>
-        <p:txBody>
-          <a:bodyPr/>
-          <a:lstStyle/>
-          <a:p>
-            <a:r>
-              <a:rPr kumimoji="1" lang="en-US" altLang="ja-JP" dirty="0" err="1" smtClean="0"/>
-              <a:t>Blockly</a:t>
-            </a:r>
-            <a:r>
-              <a:rPr kumimoji="1" lang="ja-JP" altLang="en-US" dirty="0" smtClean="0"/>
-              <a:t>に組み込む用</a:t>
-            </a:r>
-            <a:endParaRPr kumimoji="1" lang="en-US" altLang="ja-JP" dirty="0" smtClean="0"/>
-          </a:p>
-          <a:p>
-            <a:pPr lvl="1"/>
-            <a:r>
-              <a:rPr kumimoji="1" lang="ja-JP" altLang="en-US" dirty="0" smtClean="0"/>
-              <a:t>タブクリックで</a:t>
-            </a:r>
-            <a:r>
-              <a:rPr kumimoji="1" lang="en-US" altLang="ja-JP" dirty="0" err="1" smtClean="0"/>
-              <a:t>Div</a:t>
-            </a:r>
-            <a:r>
-              <a:rPr kumimoji="1" lang="ja-JP" altLang="en-US" dirty="0" smtClean="0"/>
-              <a:t>を切り替えるプログラムを生成</a:t>
-            </a:r>
-            <a:endParaRPr kumimoji="1" lang="en-US" altLang="ja-JP" dirty="0" smtClean="0"/>
-          </a:p>
-          <a:p>
-            <a:pPr lvl="1"/>
-            <a:r>
-              <a:rPr kumimoji="1" lang="ja-JP" altLang="en-US" dirty="0" smtClean="0"/>
-              <a:t>セレクトボックスを</a:t>
-            </a:r>
-            <a:r>
-              <a:rPr kumimoji="1" lang="en-US" altLang="ja-JP" dirty="0" err="1" smtClean="0"/>
-              <a:t>Javascript</a:t>
-            </a:r>
-            <a:r>
-              <a:rPr lang="ja-JP" altLang="en-US" dirty="0" err="1" smtClean="0"/>
-              <a:t>にて</a:t>
-            </a:r>
-            <a:r>
-              <a:rPr lang="ja-JP" altLang="en-US" dirty="0" smtClean="0"/>
-              <a:t>生成</a:t>
-            </a:r>
-            <a:endParaRPr lang="en-US" altLang="ja-JP" dirty="0" smtClean="0"/>
-          </a:p>
-          <a:p>
-            <a:endParaRPr kumimoji="1" lang="en-US" altLang="ja-JP" dirty="0"/>
-          </a:p>
-          <a:p>
-            <a:r>
-              <a:rPr kumimoji="1" lang="en-US" altLang="ja-JP" dirty="0" err="1" smtClean="0"/>
-              <a:t>Blockly</a:t>
-            </a:r>
-            <a:r>
-              <a:rPr kumimoji="1" lang="ja-JP" altLang="en-US" dirty="0" smtClean="0"/>
-              <a:t>の仕様をわかるために文字列の置換をするためのプログラムを用意し、圧縮されているファイルをデバッグの際に見やすいようにした</a:t>
-            </a:r>
-            <a:endParaRPr kumimoji="1" lang="ja-JP" altLang="en-US" dirty="0"/>
-          </a:p>
-        </p:txBody>
-      </p:sp>
-      <p:sp>
-        <p:nvSpPr>
-          <p:cNvPr id="4" name="スライド番号プレースホルダー 3"/>
-          <p:cNvSpPr>
-            <a:spLocks noGrp="1"/>
-          </p:cNvSpPr>
-          <p:nvPr>
-            <p:ph type="sldNum" sz="quarter" idx="12"/>
-          </p:nvPr>
-        </p:nvSpPr>
-        <p:spPr/>
-        <p:txBody>
-          <a:bodyPr/>
-          <a:lstStyle/>
-          <a:p>
-            <a:fld id="{4A32CB03-0843-4AF8-BFB2-C9917854BC7E}" type="slidenum">
-              <a:rPr kumimoji="1" lang="ja-JP" altLang="en-US" smtClean="0"/>
-              <a:t>27</a:t>
-            </a:fld>
-            <a:endParaRPr kumimoji="1" lang="ja-JP" altLang="en-US"/>
-          </a:p>
-        </p:txBody>
-      </p:sp>
-    </p:spTree>
-    <p:extLst>
-      <p:ext uri="{BB962C8B-B14F-4D97-AF65-F5344CB8AC3E}">
-        <p14:creationId xmlns:p14="http://schemas.microsoft.com/office/powerpoint/2010/main" val="3396706266"/>
-      </p:ext>
-    </p:extLst>
-  </p:cSld>
-  <p:clrMapOvr>
-    <a:masterClrMapping/>
-  </p:clrMapOvr>
-  <p:timing>
-    <p:tnLst>
-      <p:par>
-        <p:cTn id="1" dur="indefinite" restart="never" nodeType="tmRoot"/>
-      </p:par>
-    </p:tnLst>
-  </p:timing>
-</p:sld>
-</file>
-
-<file path=ppt/slides/slide28.xml><?xml version="1.0" encoding="utf-8"?>
-<p:sld xmlns:a="http://schemas.openxmlformats.org/drawingml/2006/main" xmlns:r="http://schemas.openxmlformats.org/officeDocument/2006/relationships" xmlns:p="http://schemas.openxmlformats.org/presentationml/2006/main">
-  <p:cSld>
-    <p:spTree>
-      <p:nvGrpSpPr>
-        <p:cNvPr id="1" name=""/>
-        <p:cNvGrpSpPr/>
-        <p:nvPr/>
-      </p:nvGrpSpPr>
-      <p:grpSpPr>
-        <a:xfrm>
-          <a:off x="0" y="0"/>
-          <a:ext cx="0" cy="0"/>
-          <a:chOff x="0" y="0"/>
-          <a:chExt cx="0" cy="0"/>
-        </a:xfrm>
-      </p:grpSpPr>
-      <p:sp>
-        <p:nvSpPr>
-          <p:cNvPr id="2" name="タイトル 1"/>
-          <p:cNvSpPr>
-            <a:spLocks noGrp="1"/>
-          </p:cNvSpPr>
-          <p:nvPr>
-            <p:ph type="title"/>
-          </p:nvPr>
-        </p:nvSpPr>
-        <p:spPr/>
-        <p:txBody>
-          <a:bodyPr/>
-          <a:lstStyle/>
-          <a:p>
-            <a:r>
-              <a:rPr lang="en-US" altLang="ja-JP" dirty="0" smtClean="0"/>
-              <a:t>UI</a:t>
-            </a:r>
-            <a:endParaRPr kumimoji="1" lang="ja-JP" altLang="en-US" dirty="0"/>
-          </a:p>
-        </p:txBody>
-      </p:sp>
-      <p:pic>
-        <p:nvPicPr>
-          <p:cNvPr id="5" name="コンテンツ プレースホルダー 4"/>
-          <p:cNvPicPr>
-            <a:picLocks noGrp="1" noChangeAspect="1"/>
-          </p:cNvPicPr>
-          <p:nvPr>
-            <p:ph idx="1"/>
-          </p:nvPr>
-        </p:nvPicPr>
-        <p:blipFill rotWithShape="1">
-          <a:blip r:embed="rId2"/>
-          <a:srcRect t="15781" b="16452"/>
-          <a:stretch/>
-        </p:blipFill>
-        <p:spPr>
-          <a:xfrm>
-            <a:off x="101600" y="1913661"/>
-            <a:ext cx="9042400" cy="4307819"/>
-          </a:xfrm>
-          <a:prstGeom prst="rect">
-            <a:avLst/>
-          </a:prstGeom>
-        </p:spPr>
-      </p:pic>
-      <p:sp>
-        <p:nvSpPr>
-          <p:cNvPr id="4" name="スライド番号プレースホルダー 3"/>
-          <p:cNvSpPr>
-            <a:spLocks noGrp="1"/>
-          </p:cNvSpPr>
-          <p:nvPr>
-            <p:ph type="sldNum" sz="quarter" idx="12"/>
-          </p:nvPr>
-        </p:nvSpPr>
-        <p:spPr/>
-        <p:txBody>
-          <a:bodyPr/>
-          <a:lstStyle/>
-          <a:p>
-            <a:fld id="{4A32CB03-0843-4AF8-BFB2-C9917854BC7E}" type="slidenum">
-              <a:rPr kumimoji="1" lang="ja-JP" altLang="en-US" smtClean="0"/>
-              <a:t>28</a:t>
-            </a:fld>
-            <a:endParaRPr kumimoji="1" lang="ja-JP" altLang="en-US"/>
-          </a:p>
-        </p:txBody>
-      </p:sp>
-    </p:spTree>
-    <p:extLst>
-      <p:ext uri="{BB962C8B-B14F-4D97-AF65-F5344CB8AC3E}">
-        <p14:creationId xmlns:p14="http://schemas.microsoft.com/office/powerpoint/2010/main" val="1728103694"/>
-      </p:ext>
-    </p:extLst>
-  </p:cSld>
-  <p:clrMapOvr>
-    <a:masterClrMapping/>
-  </p:clrMapOvr>
-  <p:timing>
-    <p:tnLst>
-      <p:par>
-        <p:cTn id="1" dur="indefinite" restart="never" nodeType="tmRoot"/>
-      </p:par>
-    </p:tnLst>
-  </p:timing>
-</p:sld>
-</file>
-
-<file path=ppt/slides/slide29.xml><?xml version="1.0" encoding="utf-8"?>
-<p:sld xmlns:a="http://schemas.openxmlformats.org/drawingml/2006/main" xmlns:r="http://schemas.openxmlformats.org/officeDocument/2006/relationships" xmlns:p="http://schemas.openxmlformats.org/presentationml/2006/main">
-  <p:cSld>
-    <p:spTree>
-      <p:nvGrpSpPr>
-        <p:cNvPr id="1" name=""/>
-        <p:cNvGrpSpPr/>
-        <p:nvPr/>
-      </p:nvGrpSpPr>
-      <p:grpSpPr>
-        <a:xfrm>
-          <a:off x="0" y="0"/>
-          <a:ext cx="0" cy="0"/>
-          <a:chOff x="0" y="0"/>
-          <a:chExt cx="0" cy="0"/>
-        </a:xfrm>
-      </p:grpSpPr>
-      <p:sp>
-        <p:nvSpPr>
-          <p:cNvPr id="2" name="タイトル 1"/>
-          <p:cNvSpPr>
-            <a:spLocks noGrp="1"/>
-          </p:cNvSpPr>
-          <p:nvPr>
-            <p:ph type="title"/>
-          </p:nvPr>
-        </p:nvSpPr>
-        <p:spPr/>
-        <p:txBody>
-          <a:bodyPr/>
-          <a:lstStyle/>
-          <a:p>
-            <a:r>
-              <a:rPr kumimoji="1" lang="ja-JP" altLang="en-US" dirty="0" smtClean="0"/>
-              <a:t>タブについて</a:t>
-            </a:r>
-            <a:endParaRPr kumimoji="1" lang="ja-JP" altLang="en-US" dirty="0"/>
-          </a:p>
-        </p:txBody>
-      </p:sp>
-      <p:sp>
-        <p:nvSpPr>
-          <p:cNvPr id="3" name="コンテンツ プレースホルダー 2"/>
-          <p:cNvSpPr>
-            <a:spLocks noGrp="1"/>
-          </p:cNvSpPr>
-          <p:nvPr>
-            <p:ph idx="1"/>
-          </p:nvPr>
-        </p:nvSpPr>
-        <p:spPr/>
-        <p:txBody>
-          <a:bodyPr/>
-          <a:lstStyle/>
-          <a:p>
-            <a:r>
-              <a:rPr kumimoji="1" lang="ja-JP" altLang="en-US" dirty="0" smtClean="0"/>
-              <a:t>現在</a:t>
-            </a:r>
-            <a:r>
-              <a:rPr kumimoji="1" lang="en-US" altLang="ja-JP" dirty="0" smtClean="0"/>
-              <a:t>Question,</a:t>
-            </a:r>
-            <a:r>
-              <a:rPr kumimoji="1" lang="ja-JP" altLang="en-US" dirty="0" smtClean="0"/>
-              <a:t> </a:t>
-            </a:r>
-            <a:r>
-              <a:rPr kumimoji="1" lang="en-US" altLang="ja-JP" dirty="0" smtClean="0"/>
-              <a:t>output, test</a:t>
-            </a:r>
-            <a:r>
-              <a:rPr lang="ja-JP" altLang="en-US" dirty="0"/>
-              <a:t> </a:t>
-            </a:r>
-            <a:r>
-              <a:rPr lang="ja-JP" altLang="en-US" dirty="0" smtClean="0"/>
-              <a:t>という３つのタブがあり</a:t>
-            </a:r>
-            <a:r>
-              <a:rPr lang="en-US" altLang="ja-JP" dirty="0" smtClean="0"/>
-              <a:t>,</a:t>
-            </a:r>
-            <a:r>
-              <a:rPr lang="ja-JP" altLang="en-US" dirty="0" smtClean="0"/>
-              <a:t> これらを移動しながら作業する予定</a:t>
-            </a:r>
-            <a:endParaRPr lang="en-US" altLang="ja-JP" dirty="0" smtClean="0"/>
-          </a:p>
-          <a:p>
-            <a:endParaRPr kumimoji="1" lang="en-US" altLang="ja-JP" dirty="0" smtClean="0"/>
-          </a:p>
-          <a:p>
-            <a:r>
-              <a:rPr kumimoji="1" lang="en-US" altLang="ja-JP" dirty="0" smtClean="0"/>
-              <a:t>Question</a:t>
-            </a:r>
-            <a:r>
-              <a:rPr lang="ja-JP" altLang="en-US" dirty="0" smtClean="0"/>
-              <a:t>タブは</a:t>
-            </a:r>
-            <a:r>
-              <a:rPr lang="en-US" altLang="ja-JP" dirty="0" smtClean="0"/>
-              <a:t>, </a:t>
-            </a:r>
-            <a:r>
-              <a:rPr lang="ja-JP" altLang="en-US" dirty="0" smtClean="0"/>
-              <a:t>問題文を表示する</a:t>
-            </a:r>
-            <a:endParaRPr lang="en-US" altLang="ja-JP" dirty="0" smtClean="0"/>
-          </a:p>
-          <a:p>
-            <a:r>
-              <a:rPr lang="en-US" altLang="ja-JP" dirty="0" smtClean="0"/>
-              <a:t>output</a:t>
-            </a:r>
-            <a:r>
-              <a:rPr kumimoji="1" lang="ja-JP" altLang="en-US" dirty="0" smtClean="0"/>
-              <a:t>タブは</a:t>
-            </a:r>
-            <a:r>
-              <a:rPr kumimoji="1" lang="en-US" altLang="ja-JP" dirty="0" smtClean="0"/>
-              <a:t>,</a:t>
-            </a:r>
-            <a:r>
-              <a:rPr lang="ja-JP" altLang="en-US" dirty="0" smtClean="0"/>
-              <a:t>  ブロックから生成されたコードを表示する</a:t>
-            </a:r>
-            <a:endParaRPr lang="en-US" altLang="ja-JP" dirty="0" smtClean="0"/>
-          </a:p>
-          <a:p>
-            <a:r>
-              <a:rPr kumimoji="1" lang="en-US" altLang="ja-JP" dirty="0" smtClean="0"/>
-              <a:t>test</a:t>
-            </a:r>
-            <a:r>
-              <a:rPr kumimoji="1" lang="ja-JP" altLang="en-US" dirty="0" smtClean="0"/>
-              <a:t>タブは</a:t>
-            </a:r>
-            <a:r>
-              <a:rPr lang="en-US" altLang="ja-JP" dirty="0" smtClean="0"/>
-              <a:t>, </a:t>
-            </a:r>
-            <a:r>
-              <a:rPr lang="ja-JP" altLang="en-US" dirty="0" smtClean="0"/>
-              <a:t>正誤判定の</a:t>
-            </a:r>
-            <a:r>
-              <a:rPr lang="ja-JP" altLang="en-US" dirty="0"/>
-              <a:t>問題</a:t>
-            </a:r>
-            <a:r>
-              <a:rPr lang="ja-JP" altLang="en-US" dirty="0" smtClean="0"/>
-              <a:t>を表示する</a:t>
-            </a:r>
-            <a:endParaRPr kumimoji="1" lang="ja-JP" altLang="en-US" dirty="0"/>
-          </a:p>
-        </p:txBody>
-      </p:sp>
-      <p:sp>
-        <p:nvSpPr>
-          <p:cNvPr id="4" name="スライド番号プレースホルダー 3"/>
-          <p:cNvSpPr>
-            <a:spLocks noGrp="1"/>
-          </p:cNvSpPr>
-          <p:nvPr>
-            <p:ph type="sldNum" sz="quarter" idx="12"/>
-          </p:nvPr>
-        </p:nvSpPr>
-        <p:spPr/>
-        <p:txBody>
-          <a:bodyPr/>
-          <a:lstStyle/>
-          <a:p>
-            <a:fld id="{4A32CB03-0843-4AF8-BFB2-C9917854BC7E}" type="slidenum">
-              <a:rPr kumimoji="1" lang="ja-JP" altLang="en-US" smtClean="0"/>
-              <a:t>29</a:t>
-            </a:fld>
-            <a:endParaRPr kumimoji="1" lang="ja-JP" altLang="en-US"/>
-          </a:p>
-        </p:txBody>
-      </p:sp>
-    </p:spTree>
-    <p:extLst>
-      <p:ext uri="{BB962C8B-B14F-4D97-AF65-F5344CB8AC3E}">
-        <p14:creationId xmlns:p14="http://schemas.microsoft.com/office/powerpoint/2010/main" val="3374960464"/>
-      </p:ext>
-    </p:extLst>
-  </p:cSld>
-  <p:clrMapOvr>
-    <a:masterClrMapping/>
-  </p:clrMapOvr>
-  <p:timing>
-    <p:tnLst>
-      <p:par>
-        <p:cTn id="1" dur="indefinite" restart="never" nodeType="tmRoot"/>
-      </p:par>
-    </p:tnLst>
-  </p:timing>
-</p:sld>
-</file>
-
-<file path=ppt/slides/slide3.xml><?xml version="1.0" encoding="utf-8"?>
-<p:sld xmlns:a="http://schemas.openxmlformats.org/drawingml/2006/main" xmlns:r="http://schemas.openxmlformats.org/officeDocument/2006/relationships" xmlns:p="http://schemas.openxmlformats.org/presentationml/2006/main">
-  <p:cSld>
-    <p:spTree>
-      <p:nvGrpSpPr>
-        <p:cNvPr id="1" name=""/>
-        <p:cNvGrpSpPr/>
-        <p:nvPr/>
-      </p:nvGrpSpPr>
-      <p:grpSpPr>
-        <a:xfrm>
-          <a:off x="0" y="0"/>
-          <a:ext cx="0" cy="0"/>
-          <a:chOff x="0" y="0"/>
-          <a:chExt cx="0" cy="0"/>
-        </a:xfrm>
-      </p:grpSpPr>
-      <p:sp>
-        <p:nvSpPr>
-          <p:cNvPr id="2" name="タイトル 1"/>
-          <p:cNvSpPr>
-            <a:spLocks noGrp="1"/>
-          </p:cNvSpPr>
-          <p:nvPr>
-            <p:ph type="title"/>
-          </p:nvPr>
-        </p:nvSpPr>
-        <p:spPr/>
-        <p:txBody>
-          <a:bodyPr/>
-          <a:lstStyle/>
-          <a:p>
-            <a:r>
-              <a:rPr kumimoji="1" lang="ja-JP" altLang="en-US" dirty="0" smtClean="0"/>
-              <a:t>ブロックプログラミングとは何か</a:t>
-            </a:r>
-            <a:endParaRPr kumimoji="1" lang="ja-JP" altLang="en-US" dirty="0"/>
-          </a:p>
-        </p:txBody>
-      </p:sp>
-      <p:sp>
-        <p:nvSpPr>
-          <p:cNvPr id="4" name="スライド番号プレースホルダー 3"/>
-          <p:cNvSpPr>
-            <a:spLocks noGrp="1"/>
-          </p:cNvSpPr>
-          <p:nvPr>
-            <p:ph type="sldNum" sz="quarter" idx="12"/>
-          </p:nvPr>
-        </p:nvSpPr>
-        <p:spPr/>
-        <p:txBody>
-          <a:bodyPr/>
-          <a:lstStyle/>
-          <a:p>
-            <a:fld id="{4A32CB03-0843-4AF8-BFB2-C9917854BC7E}" type="slidenum">
-              <a:rPr kumimoji="1" lang="ja-JP" altLang="en-US" sz="2400" smtClean="0"/>
-              <a:t>3</a:t>
-            </a:fld>
-            <a:endParaRPr kumimoji="1" lang="ja-JP" altLang="en-US" sz="2400" dirty="0"/>
-          </a:p>
-        </p:txBody>
-      </p:sp>
-      <p:pic>
-        <p:nvPicPr>
-          <p:cNvPr id="6" name="図 5"/>
-          <p:cNvPicPr>
-            <a:picLocks noChangeAspect="1"/>
-          </p:cNvPicPr>
-          <p:nvPr/>
-        </p:nvPicPr>
-        <p:blipFill>
-          <a:blip r:embed="rId2"/>
-          <a:stretch>
-            <a:fillRect/>
-          </a:stretch>
-        </p:blipFill>
-        <p:spPr>
-          <a:xfrm>
-            <a:off x="1169330" y="2592109"/>
-            <a:ext cx="6929652" cy="3860449"/>
-          </a:xfrm>
-          <a:prstGeom prst="rect">
-            <a:avLst/>
-          </a:prstGeom>
-        </p:spPr>
-      </p:pic>
-      <p:sp>
-        <p:nvSpPr>
-          <p:cNvPr id="7" name="テキスト ボックス 6"/>
-          <p:cNvSpPr txBox="1"/>
-          <p:nvPr/>
-        </p:nvSpPr>
-        <p:spPr>
-          <a:xfrm>
-            <a:off x="751959" y="1980429"/>
-            <a:ext cx="8392041" cy="707886"/>
-          </a:xfrm>
-          <a:prstGeom prst="rect">
-            <a:avLst/>
-          </a:prstGeom>
-          <a:noFill/>
-        </p:spPr>
-        <p:txBody>
-          <a:bodyPr wrap="none" rtlCol="0">
-            <a:spAutoFit/>
-          </a:bodyPr>
-          <a:lstStyle/>
-          <a:p>
-            <a:r>
-              <a:rPr kumimoji="1" lang="ja-JP" altLang="en-US" sz="2000" dirty="0" smtClean="0"/>
-              <a:t>ビジュアルプログラミングとも呼ばれる</a:t>
-            </a:r>
-            <a:endParaRPr kumimoji="1" lang="en-US" altLang="ja-JP" sz="2000" dirty="0" smtClean="0"/>
-          </a:p>
-          <a:p>
-            <a:r>
-              <a:rPr kumimoji="1" lang="ja-JP" altLang="en-US" sz="2000" dirty="0" smtClean="0"/>
-              <a:t>命令を埋め込まれたブロックを組み合わせるプログラミング手法のこと</a:t>
-            </a:r>
-            <a:endParaRPr kumimoji="1" lang="ja-JP" altLang="en-US" sz="2000" dirty="0"/>
-          </a:p>
-        </p:txBody>
-      </p:sp>
-    </p:spTree>
-    <p:extLst>
-      <p:ext uri="{BB962C8B-B14F-4D97-AF65-F5344CB8AC3E}">
-        <p14:creationId xmlns:p14="http://schemas.microsoft.com/office/powerpoint/2010/main" val="1081448831"/>
-      </p:ext>
-    </p:extLst>
-  </p:cSld>
-  <p:clrMapOvr>
-    <a:masterClrMapping/>
-  </p:clrMapOvr>
-  <p:timing>
-    <p:tnLst>
-      <p:par>
-        <p:cTn id="1" dur="indefinite" restart="never" nodeType="tmRoot"/>
-      </p:par>
-    </p:tnLst>
-  </p:timing>
-</p:sld>
-</file>
-
-<file path=ppt/slides/slide30.xml><?xml version="1.0" encoding="utf-8"?>
-<p:sld xmlns:a="http://schemas.openxmlformats.org/drawingml/2006/main" xmlns:r="http://schemas.openxmlformats.org/officeDocument/2006/relationships" xmlns:p="http://schemas.openxmlformats.org/presentationml/2006/main">
-  <p:cSld>
-    <p:spTree>
-      <p:nvGrpSpPr>
-        <p:cNvPr id="1" name=""/>
-        <p:cNvGrpSpPr/>
-        <p:nvPr/>
-      </p:nvGrpSpPr>
-      <p:grpSpPr>
-        <a:xfrm>
-          <a:off x="0" y="0"/>
-          <a:ext cx="0" cy="0"/>
-          <a:chOff x="0" y="0"/>
-          <a:chExt cx="0" cy="0"/>
-        </a:xfrm>
-      </p:grpSpPr>
-      <p:sp>
-        <p:nvSpPr>
-          <p:cNvPr id="2" name="タイトル 1"/>
-          <p:cNvSpPr>
-            <a:spLocks noGrp="1"/>
-          </p:cNvSpPr>
-          <p:nvPr>
-            <p:ph type="title"/>
-          </p:nvPr>
-        </p:nvSpPr>
-        <p:spPr/>
-        <p:txBody>
-          <a:bodyPr/>
-          <a:lstStyle/>
-          <a:p>
-            <a:r>
-              <a:rPr lang="ja-JP" altLang="en-US" dirty="0" smtClean="0"/>
-              <a:t>今後について</a:t>
-            </a:r>
-            <a:endParaRPr kumimoji="1" lang="ja-JP" altLang="en-US" dirty="0"/>
-          </a:p>
-        </p:txBody>
-      </p:sp>
-      <p:sp>
-        <p:nvSpPr>
-          <p:cNvPr id="3" name="コンテンツ プレースホルダー 2"/>
-          <p:cNvSpPr>
-            <a:spLocks noGrp="1"/>
-          </p:cNvSpPr>
-          <p:nvPr>
-            <p:ph idx="1"/>
-          </p:nvPr>
-        </p:nvSpPr>
-        <p:spPr/>
-        <p:txBody>
-          <a:bodyPr>
-            <a:normAutofit fontScale="70000" lnSpcReduction="20000"/>
-          </a:bodyPr>
-          <a:lstStyle/>
-          <a:p>
-            <a:r>
-              <a:rPr kumimoji="1" lang="ja-JP" altLang="en-US" dirty="0" smtClean="0"/>
-              <a:t>タブの枠のサイズなどが正確でないなので</a:t>
-            </a:r>
-            <a:r>
-              <a:rPr kumimoji="1" lang="en-US" altLang="ja-JP" dirty="0" err="1" smtClean="0"/>
-              <a:t>css</a:t>
-            </a:r>
-            <a:r>
-              <a:rPr lang="ja-JP" altLang="en-US" dirty="0"/>
-              <a:t>を</a:t>
-            </a:r>
-            <a:r>
-              <a:rPr kumimoji="1" lang="ja-JP" altLang="en-US" dirty="0" smtClean="0"/>
-              <a:t>かく</a:t>
-            </a:r>
-            <a:endParaRPr kumimoji="1" lang="en-US" altLang="ja-JP" dirty="0" smtClean="0"/>
-          </a:p>
-          <a:p>
-            <a:r>
-              <a:rPr kumimoji="1" lang="ja-JP" altLang="en-US" dirty="0" smtClean="0"/>
-              <a:t>問題にたいして、正解となるブロックを表示できるようにしたい</a:t>
-            </a:r>
-            <a:endParaRPr kumimoji="1" lang="en-US" altLang="ja-JP" dirty="0" smtClean="0"/>
-          </a:p>
-          <a:p>
-            <a:endParaRPr kumimoji="1" lang="en-US" altLang="ja-JP" dirty="0" smtClean="0"/>
-          </a:p>
-          <a:p>
-            <a:r>
-              <a:rPr lang="en-US" altLang="ja-JP" dirty="0" smtClean="0"/>
-              <a:t>DB</a:t>
-            </a:r>
-            <a:r>
-              <a:rPr lang="ja-JP" altLang="en-US" dirty="0" smtClean="0"/>
-              <a:t>と連携して問題を生成する方法を考えていない</a:t>
-            </a:r>
-            <a:endParaRPr lang="en-US" altLang="ja-JP" dirty="0" smtClean="0"/>
-          </a:p>
-          <a:p>
-            <a:pPr lvl="1"/>
-            <a:r>
-              <a:rPr lang="ja-JP" altLang="en-US" dirty="0" smtClean="0"/>
-              <a:t>まずは問題の解答だけ</a:t>
-            </a:r>
-            <a:r>
-              <a:rPr lang="en-US" altLang="ja-JP" dirty="0" smtClean="0"/>
-              <a:t>DB</a:t>
-            </a:r>
-            <a:r>
-              <a:rPr lang="ja-JP" altLang="en-US" dirty="0" err="1" smtClean="0"/>
-              <a:t>に保</a:t>
-            </a:r>
-            <a:r>
-              <a:rPr lang="ja-JP" altLang="en-US" dirty="0" smtClean="0"/>
-              <a:t>存するなど作成したい</a:t>
-            </a:r>
-            <a:endParaRPr lang="en-US" altLang="ja-JP" dirty="0" smtClean="0"/>
-          </a:p>
-          <a:p>
-            <a:r>
-              <a:rPr lang="ja-JP" altLang="en-US" dirty="0" smtClean="0"/>
-              <a:t>もし連携する場合、どういった情報を</a:t>
-            </a:r>
-            <a:r>
-              <a:rPr lang="en-US" altLang="ja-JP" dirty="0" smtClean="0"/>
-              <a:t>DB</a:t>
-            </a:r>
-            <a:r>
-              <a:rPr lang="ja-JP" altLang="en-US" dirty="0" err="1" smtClean="0"/>
-              <a:t>に保</a:t>
-            </a:r>
-            <a:r>
-              <a:rPr lang="ja-JP" altLang="en-US" dirty="0" smtClean="0"/>
-              <a:t>存するのか</a:t>
-            </a:r>
-            <a:endParaRPr lang="en-US" altLang="ja-JP" dirty="0" smtClean="0"/>
-          </a:p>
-          <a:p>
-            <a:pPr lvl="1"/>
-            <a:r>
-              <a:rPr lang="ja-JP" altLang="en-US" dirty="0" smtClean="0"/>
-              <a:t>問題の解答</a:t>
-            </a:r>
-            <a:endParaRPr lang="en-US" altLang="ja-JP" dirty="0" smtClean="0"/>
-          </a:p>
-          <a:p>
-            <a:pPr lvl="1"/>
-            <a:r>
-              <a:rPr lang="ja-JP" altLang="en-US" dirty="0" smtClean="0"/>
-              <a:t>問題の選択肢</a:t>
-            </a:r>
-            <a:endParaRPr lang="en-US" altLang="ja-JP" dirty="0" smtClean="0"/>
-          </a:p>
-          <a:p>
-            <a:pPr lvl="2"/>
-            <a:r>
-              <a:rPr lang="ja-JP" altLang="en-US" dirty="0" smtClean="0"/>
-              <a:t>事前に決めておくのかどうか</a:t>
-            </a:r>
-            <a:endParaRPr lang="en-US" altLang="ja-JP" dirty="0" smtClean="0"/>
-          </a:p>
-          <a:p>
-            <a:endParaRPr kumimoji="1" lang="en-US" altLang="ja-JP" dirty="0" smtClean="0"/>
-          </a:p>
-          <a:p>
-            <a:r>
-              <a:rPr kumimoji="1" lang="ja-JP" altLang="en-US" dirty="0" smtClean="0"/>
-              <a:t>問題の位置を自動生成する方法を考えていない（これは自動生成せず、事前に指定した場所だけでもいいのか考え中）</a:t>
-            </a:r>
-            <a:endParaRPr kumimoji="1" lang="en-US" altLang="ja-JP" dirty="0" smtClean="0"/>
-          </a:p>
-          <a:p>
-            <a:r>
-              <a:rPr lang="ja-JP" altLang="en-US" dirty="0" smtClean="0"/>
-              <a:t>問題の内容が自動で変更されるようにするのか考え中</a:t>
-            </a:r>
-            <a:endParaRPr kumimoji="1" lang="en-US" altLang="ja-JP" dirty="0" smtClean="0"/>
-          </a:p>
-          <a:p>
-            <a:endParaRPr lang="en-US" altLang="ja-JP" dirty="0"/>
-          </a:p>
-          <a:p>
-            <a:pPr marL="0" indent="0">
-              <a:buNone/>
-            </a:pPr>
-            <a:endParaRPr kumimoji="1" lang="ja-JP" altLang="en-US" dirty="0"/>
-          </a:p>
-        </p:txBody>
-      </p:sp>
-      <p:sp>
-        <p:nvSpPr>
-          <p:cNvPr id="4" name="スライド番号プレースホルダー 3"/>
-          <p:cNvSpPr>
-            <a:spLocks noGrp="1"/>
-          </p:cNvSpPr>
-          <p:nvPr>
-            <p:ph type="sldNum" sz="quarter" idx="12"/>
-          </p:nvPr>
-        </p:nvSpPr>
-        <p:spPr/>
-        <p:txBody>
-          <a:bodyPr/>
-          <a:lstStyle/>
-          <a:p>
-            <a:fld id="{4A32CB03-0843-4AF8-BFB2-C9917854BC7E}" type="slidenum">
-              <a:rPr kumimoji="1" lang="ja-JP" altLang="en-US" smtClean="0"/>
-              <a:t>30</a:t>
-            </a:fld>
-            <a:endParaRPr kumimoji="1" lang="ja-JP" altLang="en-US"/>
-          </a:p>
-        </p:txBody>
-      </p:sp>
-    </p:spTree>
-    <p:extLst>
-      <p:ext uri="{BB962C8B-B14F-4D97-AF65-F5344CB8AC3E}">
-        <p14:creationId xmlns:p14="http://schemas.microsoft.com/office/powerpoint/2010/main" val="3804189039"/>
-      </p:ext>
-    </p:extLst>
-  </p:cSld>
-  <p:clrMapOvr>
-    <a:masterClrMapping/>
-  </p:clrMapOvr>
-  <p:timing>
-    <p:tnLst>
-      <p:par>
-        <p:cTn id="1" dur="indefinite" restart="never" nodeType="tmRoot"/>
-      </p:par>
-    </p:tnLst>
-  </p:timing>
-</p:sld>
-</file>
-
-<file path=ppt/slides/slide4.xml><?xml version="1.0" encoding="utf-8"?>
-<p:sld xmlns:a="http://schemas.openxmlformats.org/drawingml/2006/main" xmlns:r="http://schemas.openxmlformats.org/officeDocument/2006/relationships" xmlns:p="http://schemas.openxmlformats.org/presentationml/2006/main">
-  <p:cSld>
-    <p:spTree>
-      <p:nvGrpSpPr>
-        <p:cNvPr id="1" name=""/>
-        <p:cNvGrpSpPr/>
-        <p:nvPr/>
-      </p:nvGrpSpPr>
-      <p:grpSpPr>
-        <a:xfrm>
-          <a:off x="0" y="0"/>
-          <a:ext cx="0" cy="0"/>
-          <a:chOff x="0" y="0"/>
-          <a:chExt cx="0" cy="0"/>
-        </a:xfrm>
-      </p:grpSpPr>
-      <p:sp>
-        <p:nvSpPr>
-          <p:cNvPr id="2" name="タイトル 1"/>
-          <p:cNvSpPr>
-            <a:spLocks noGrp="1"/>
-          </p:cNvSpPr>
-          <p:nvPr>
-            <p:ph type="title"/>
-          </p:nvPr>
-        </p:nvSpPr>
-        <p:spPr/>
-        <p:txBody>
-          <a:bodyPr/>
-          <a:lstStyle/>
-          <a:p>
-            <a:r>
-              <a:rPr kumimoji="1" lang="ja-JP" altLang="en-US" dirty="0" smtClean="0"/>
-              <a:t>研究背景</a:t>
-            </a:r>
-            <a:endParaRPr kumimoji="1" lang="ja-JP" altLang="en-US" dirty="0"/>
-          </a:p>
-        </p:txBody>
-      </p:sp>
-      <p:sp>
-        <p:nvSpPr>
-          <p:cNvPr id="3" name="コンテンツ プレースホルダー 2"/>
-          <p:cNvSpPr>
-            <a:spLocks noGrp="1"/>
-          </p:cNvSpPr>
-          <p:nvPr>
-            <p:ph idx="1"/>
-          </p:nvPr>
-        </p:nvSpPr>
-        <p:spPr/>
-        <p:txBody>
-          <a:bodyPr/>
-          <a:lstStyle/>
-          <a:p>
-            <a:pPr algn="just"/>
-            <a:r>
-              <a:rPr lang="en-US" altLang="ja-JP" dirty="0"/>
-              <a:t>2020</a:t>
-            </a:r>
-            <a:r>
-              <a:rPr lang="ja-JP" altLang="en-US" dirty="0"/>
-              <a:t>年以降小学校，中学校，高等学校にてプログラミング教育の必修が全面実施される．</a:t>
-            </a:r>
-            <a:endParaRPr lang="en-US" altLang="ja-JP" dirty="0"/>
-          </a:p>
-          <a:p>
-            <a:pPr algn="just"/>
-            <a:r>
-              <a:rPr lang="ja-JP" altLang="en-US" dirty="0"/>
-              <a:t>文部科学省の発表によると，プログラミング教育を必修とする目的は，現代社会で普遍的に求められる力としての論理的思考などを育むことである．</a:t>
-            </a:r>
-            <a:endParaRPr lang="en-US" altLang="ja-JP" dirty="0"/>
-          </a:p>
-          <a:p>
-            <a:pPr algn="just"/>
-            <a:r>
-              <a:rPr lang="ja-JP" altLang="en-US" dirty="0"/>
-              <a:t>論理的思考とは，「思考や論証の組み立て，思考の妥当性が保証される法則や形式」に則って思考を組み立てることとする．</a:t>
-            </a:r>
-            <a:endParaRPr lang="en-US" altLang="ja-JP" dirty="0"/>
-          </a:p>
-        </p:txBody>
-      </p:sp>
-      <p:sp>
-        <p:nvSpPr>
-          <p:cNvPr id="4" name="スライド番号プレースホルダー 3"/>
-          <p:cNvSpPr>
-            <a:spLocks noGrp="1"/>
-          </p:cNvSpPr>
-          <p:nvPr>
-            <p:ph type="sldNum" sz="quarter" idx="12"/>
-          </p:nvPr>
-        </p:nvSpPr>
-        <p:spPr/>
-        <p:txBody>
-          <a:bodyPr/>
-          <a:lstStyle/>
-          <a:p>
-            <a:fld id="{4A32CB03-0843-4AF8-BFB2-C9917854BC7E}" type="slidenum">
-              <a:rPr kumimoji="1" lang="ja-JP" altLang="en-US" sz="2800" smtClean="0"/>
-              <a:t>4</a:t>
-            </a:fld>
-            <a:endParaRPr kumimoji="1" lang="ja-JP" altLang="en-US" sz="2800" dirty="0"/>
-          </a:p>
-        </p:txBody>
-      </p:sp>
-    </p:spTree>
-    <p:extLst>
-      <p:ext uri="{BB962C8B-B14F-4D97-AF65-F5344CB8AC3E}">
-        <p14:creationId xmlns:p14="http://schemas.microsoft.com/office/powerpoint/2010/main" val="1938097084"/>
-      </p:ext>
-    </p:extLst>
-  </p:cSld>
-  <p:clrMapOvr>
-    <a:masterClrMapping/>
-  </p:clrMapOvr>
-  <p:timing>
-    <p:tnLst>
-      <p:par>
-        <p:cTn id="1" dur="indefinite" restart="never" nodeType="tmRoot"/>
-      </p:par>
-    </p:tnLst>
-  </p:timing>
-</p:sld>
-</file>
-
-<file path=ppt/slides/slide5.xml><?xml version="1.0" encoding="utf-8"?>
-<p:sld xmlns:a="http://schemas.openxmlformats.org/drawingml/2006/main" xmlns:r="http://schemas.openxmlformats.org/officeDocument/2006/relationships" xmlns:p="http://schemas.openxmlformats.org/presentationml/2006/main">
-  <p:cSld>
-    <p:spTree>
-      <p:nvGrpSpPr>
-        <p:cNvPr id="1" name=""/>
-        <p:cNvGrpSpPr/>
-        <p:nvPr/>
-      </p:nvGrpSpPr>
-      <p:grpSpPr>
-        <a:xfrm>
-          <a:off x="0" y="0"/>
-          <a:ext cx="0" cy="0"/>
-          <a:chOff x="0" y="0"/>
-          <a:chExt cx="0" cy="0"/>
-        </a:xfrm>
-      </p:grpSpPr>
-      <p:sp>
-        <p:nvSpPr>
-          <p:cNvPr id="2" name="タイトル 1"/>
-          <p:cNvSpPr>
-            <a:spLocks noGrp="1"/>
-          </p:cNvSpPr>
-          <p:nvPr>
-            <p:ph type="title"/>
-          </p:nvPr>
-        </p:nvSpPr>
-        <p:spPr/>
-        <p:txBody>
-          <a:bodyPr/>
-          <a:lstStyle/>
-          <a:p>
-            <a:r>
-              <a:rPr kumimoji="1" lang="ja-JP" altLang="en-US" dirty="0" smtClean="0"/>
-              <a:t>提案内容</a:t>
-            </a:r>
-            <a:endParaRPr kumimoji="1" lang="ja-JP" altLang="en-US" dirty="0"/>
-          </a:p>
-        </p:txBody>
-      </p:sp>
-      <p:sp>
-        <p:nvSpPr>
-          <p:cNvPr id="3" name="コンテンツ プレースホルダー 2"/>
-          <p:cNvSpPr>
-            <a:spLocks noGrp="1"/>
-          </p:cNvSpPr>
-          <p:nvPr>
-            <p:ph idx="1"/>
-          </p:nvPr>
-        </p:nvSpPr>
-        <p:spPr/>
-        <p:txBody>
-          <a:bodyPr>
-            <a:normAutofit/>
-          </a:bodyPr>
-          <a:lstStyle/>
-          <a:p>
-            <a:r>
-              <a:rPr lang="ja-JP" altLang="en-US" dirty="0"/>
-              <a:t>直観的に理解のしやすいブロックプログラミングにより、プログラミングの論理的思考を身に</a:t>
-            </a:r>
-            <a:r>
-              <a:rPr lang="ja-JP" altLang="en-US" dirty="0" smtClean="0"/>
-              <a:t>着けられるシステムを提案する</a:t>
-            </a:r>
-            <a:endParaRPr lang="en-US" altLang="ja-JP" dirty="0" smtClean="0"/>
-          </a:p>
-          <a:p>
-            <a:r>
-              <a:rPr lang="ja-JP" altLang="en-US" dirty="0" smtClean="0"/>
-              <a:t>ブロックプログラミングからブロックリーによるコードへの変換を利用し、プログラミング言語への理解を深められるシステムを提案</a:t>
-            </a:r>
-            <a:endParaRPr lang="en-US" altLang="ja-JP" dirty="0" smtClean="0"/>
-          </a:p>
-          <a:p>
-            <a:r>
-              <a:rPr lang="ja-JP" altLang="en-US" dirty="0"/>
-              <a:t>穴埋め</a:t>
-            </a:r>
-            <a:r>
-              <a:rPr lang="ja-JP" altLang="en-US" dirty="0" smtClean="0"/>
-              <a:t>問題などを利用し、よりプログラミングにユーザが慣れていける環境を提案</a:t>
-            </a:r>
-            <a:endParaRPr lang="en-US" altLang="ja-JP" dirty="0" smtClean="0"/>
-          </a:p>
-          <a:p>
-            <a:endParaRPr kumimoji="1" lang="en-US" altLang="ja-JP" dirty="0"/>
-          </a:p>
-          <a:p>
-            <a:endParaRPr kumimoji="1" lang="ja-JP" altLang="en-US" dirty="0"/>
-          </a:p>
-        </p:txBody>
-      </p:sp>
-      <p:sp>
-        <p:nvSpPr>
-          <p:cNvPr id="4" name="スライド番号プレースホルダー 3"/>
-          <p:cNvSpPr>
-            <a:spLocks noGrp="1"/>
-          </p:cNvSpPr>
-          <p:nvPr>
-            <p:ph type="sldNum" sz="quarter" idx="12"/>
-          </p:nvPr>
-        </p:nvSpPr>
-        <p:spPr/>
-        <p:txBody>
-          <a:bodyPr/>
-          <a:lstStyle/>
-          <a:p>
-            <a:fld id="{4A32CB03-0843-4AF8-BFB2-C9917854BC7E}" type="slidenum">
-              <a:rPr kumimoji="1" lang="ja-JP" altLang="en-US" sz="2800" smtClean="0"/>
-              <a:t>5</a:t>
-            </a:fld>
-            <a:endParaRPr kumimoji="1" lang="ja-JP" altLang="en-US" sz="2800" dirty="0"/>
-          </a:p>
-        </p:txBody>
-      </p:sp>
-    </p:spTree>
-    <p:extLst>
-      <p:ext uri="{BB962C8B-B14F-4D97-AF65-F5344CB8AC3E}">
-        <p14:creationId xmlns:p14="http://schemas.microsoft.com/office/powerpoint/2010/main" val="354179094"/>
-      </p:ext>
-    </p:extLst>
-  </p:cSld>
-  <p:clrMapOvr>
-    <a:masterClrMapping/>
-  </p:clrMapOvr>
-  <p:timing>
-    <p:tnLst>
-      <p:par>
-        <p:cTn id="1" dur="indefinite" restart="never" nodeType="tmRoot"/>
-      </p:par>
-    </p:tnLst>
-  </p:timing>
-</p:sld>
-</file>
-
-<file path=ppt/slides/slide6.xml><?xml version="1.0" encoding="utf-8"?>
-<p:sld xmlns:a="http://schemas.openxmlformats.org/drawingml/2006/main" xmlns:r="http://schemas.openxmlformats.org/officeDocument/2006/relationships" xmlns:p="http://schemas.openxmlformats.org/presentationml/2006/main">
-  <p:cSld>
-    <p:spTree>
-      <p:nvGrpSpPr>
-        <p:cNvPr id="1" name=""/>
-        <p:cNvGrpSpPr/>
-        <p:nvPr/>
-      </p:nvGrpSpPr>
-      <p:grpSpPr>
-        <a:xfrm>
-          <a:off x="0" y="0"/>
-          <a:ext cx="0" cy="0"/>
-          <a:chOff x="0" y="0"/>
-          <a:chExt cx="0" cy="0"/>
-        </a:xfrm>
-      </p:grpSpPr>
-      <p:sp>
-        <p:nvSpPr>
-          <p:cNvPr id="2" name="タイトル 1"/>
-          <p:cNvSpPr>
-            <a:spLocks noGrp="1"/>
-          </p:cNvSpPr>
-          <p:nvPr>
-            <p:ph type="title"/>
-          </p:nvPr>
-        </p:nvSpPr>
-        <p:spPr/>
-        <p:txBody>
-          <a:bodyPr/>
-          <a:lstStyle/>
-          <a:p>
-            <a:r>
-              <a:rPr kumimoji="1" lang="ja-JP" altLang="en-US" dirty="0" smtClean="0"/>
-              <a:t>研究動機</a:t>
-            </a:r>
-            <a:endParaRPr kumimoji="1" lang="ja-JP" altLang="en-US" dirty="0"/>
-          </a:p>
-        </p:txBody>
-      </p:sp>
-      <p:sp>
-        <p:nvSpPr>
-          <p:cNvPr id="3" name="コンテンツ プレースホルダー 2"/>
-          <p:cNvSpPr>
-            <a:spLocks noGrp="1"/>
-          </p:cNvSpPr>
-          <p:nvPr>
-            <p:ph idx="1"/>
-          </p:nvPr>
-        </p:nvSpPr>
-        <p:spPr/>
-        <p:txBody>
-          <a:bodyPr/>
-          <a:lstStyle/>
-          <a:p>
-            <a:pPr algn="just"/>
-            <a:r>
-              <a:rPr lang="ja-JP" altLang="en-US" dirty="0"/>
-              <a:t>学習者が教科書を読み進めるだけではなく，プログラミングに実際に触れることで，論理的思考を身に着けられる環境を作成したいと考えた．</a:t>
-            </a:r>
-            <a:endParaRPr lang="en-US" altLang="ja-JP" dirty="0"/>
-          </a:p>
-          <a:p>
-            <a:pPr algn="just"/>
-            <a:r>
-              <a:rPr lang="ja-JP" altLang="en-US" dirty="0"/>
-              <a:t>ブロックプログラミングを用いることで，学習の初期段階でプログラム言語の構文への理解が浅い状態でもコードの実行が可能である．</a:t>
-            </a:r>
-            <a:endParaRPr lang="en-US" altLang="ja-JP" dirty="0"/>
-          </a:p>
-          <a:p>
-            <a:pPr algn="just"/>
-            <a:r>
-              <a:rPr lang="en-US" altLang="ja-JP" dirty="0" err="1"/>
-              <a:t>Blockly</a:t>
-            </a:r>
-            <a:r>
-              <a:rPr lang="ja-JP" altLang="en-US" dirty="0"/>
-              <a:t>のコードジェネレート機能を用いることで，プログラムの構文への理解につながる．</a:t>
-            </a:r>
-            <a:endParaRPr lang="en-US" altLang="ja-JP" dirty="0"/>
-          </a:p>
-          <a:p>
-            <a:endParaRPr lang="en-US" altLang="ja-JP" dirty="0"/>
-          </a:p>
-          <a:p>
-            <a:endParaRPr kumimoji="1" lang="ja-JP" altLang="en-US" dirty="0"/>
-          </a:p>
-        </p:txBody>
-      </p:sp>
-      <p:sp>
-        <p:nvSpPr>
-          <p:cNvPr id="4" name="スライド番号プレースホルダー 3"/>
-          <p:cNvSpPr>
-            <a:spLocks noGrp="1"/>
-          </p:cNvSpPr>
-          <p:nvPr>
-            <p:ph type="sldNum" sz="quarter" idx="12"/>
-          </p:nvPr>
-        </p:nvSpPr>
-        <p:spPr/>
-        <p:txBody>
-          <a:bodyPr/>
-          <a:lstStyle/>
-          <a:p>
-            <a:fld id="{4A32CB03-0843-4AF8-BFB2-C9917854BC7E}" type="slidenum">
-              <a:rPr kumimoji="1" lang="ja-JP" altLang="en-US" sz="2400" smtClean="0"/>
-              <a:t>6</a:t>
-            </a:fld>
-            <a:endParaRPr kumimoji="1" lang="ja-JP" altLang="en-US" sz="2400" dirty="0"/>
-          </a:p>
-        </p:txBody>
-      </p:sp>
-    </p:spTree>
-    <p:extLst>
-      <p:ext uri="{BB962C8B-B14F-4D97-AF65-F5344CB8AC3E}">
-        <p14:creationId xmlns:p14="http://schemas.microsoft.com/office/powerpoint/2010/main" val="1632152331"/>
-      </p:ext>
-    </p:extLst>
-  </p:cSld>
-  <p:clrMapOvr>
-    <a:masterClrMapping/>
-  </p:clrMapOvr>
-  <p:timing>
-    <p:tnLst>
-      <p:par>
-        <p:cTn id="1" dur="indefinite" restart="never" nodeType="tmRoot"/>
-      </p:par>
-    </p:tnLst>
-  </p:timing>
-</p:sld>
-</file>
-
-<file path=ppt/slides/slide7.xml><?xml version="1.0" encoding="utf-8"?>
-<p:sld xmlns:a="http://schemas.openxmlformats.org/drawingml/2006/main" xmlns:r="http://schemas.openxmlformats.org/officeDocument/2006/relationships" xmlns:p="http://schemas.openxmlformats.org/presentationml/2006/main">
-  <p:cSld>
-    <p:spTree>
-      <p:nvGrpSpPr>
-        <p:cNvPr id="1" name=""/>
-        <p:cNvGrpSpPr/>
-        <p:nvPr/>
-      </p:nvGrpSpPr>
-      <p:grpSpPr>
-        <a:xfrm>
-          <a:off x="0" y="0"/>
-          <a:ext cx="0" cy="0"/>
-          <a:chOff x="0" y="0"/>
-          <a:chExt cx="0" cy="0"/>
-        </a:xfrm>
-      </p:grpSpPr>
-      <p:sp>
-        <p:nvSpPr>
-          <p:cNvPr id="2" name="タイトル 1"/>
-          <p:cNvSpPr>
-            <a:spLocks noGrp="1"/>
-          </p:cNvSpPr>
-          <p:nvPr>
-            <p:ph type="title"/>
-          </p:nvPr>
-        </p:nvSpPr>
-        <p:spPr/>
-        <p:txBody>
-          <a:bodyPr/>
-          <a:lstStyle/>
-          <a:p>
-            <a:r>
-              <a:rPr kumimoji="1" lang="ja-JP" altLang="en-US" dirty="0" smtClean="0"/>
-              <a:t>研究</a:t>
-            </a:r>
-            <a:r>
-              <a:rPr kumimoji="1" lang="ja-JP" altLang="en-US" dirty="0" smtClean="0"/>
-              <a:t>課題</a:t>
-            </a:r>
-            <a:endParaRPr kumimoji="1" lang="ja-JP" altLang="en-US" dirty="0"/>
-          </a:p>
-        </p:txBody>
-      </p:sp>
-      <p:sp>
-        <p:nvSpPr>
-          <p:cNvPr id="3" name="コンテンツ プレースホルダー 2"/>
-          <p:cNvSpPr>
-            <a:spLocks noGrp="1"/>
-          </p:cNvSpPr>
-          <p:nvPr>
-            <p:ph idx="1"/>
-          </p:nvPr>
-        </p:nvSpPr>
-        <p:spPr/>
-        <p:txBody>
-          <a:bodyPr>
-            <a:normAutofit/>
-          </a:bodyPr>
-          <a:lstStyle/>
-          <a:p>
-            <a:pPr algn="just"/>
-            <a:r>
-              <a:rPr lang="ja-JP" altLang="en-US" dirty="0"/>
-              <a:t>論理的思考がすでに培われていることを前提として問題が提示される教育環境となっている．</a:t>
-            </a:r>
-            <a:endParaRPr lang="en-US" altLang="ja-JP" dirty="0"/>
-          </a:p>
-          <a:p>
-            <a:pPr lvl="1" algn="just">
-              <a:buFont typeface="Wingdings" panose="05000000000000000000" pitchFamily="2" charset="2"/>
-              <a:buChar char="Ø"/>
-            </a:pPr>
-            <a:r>
-              <a:rPr lang="ja-JP" altLang="en-US" dirty="0"/>
-              <a:t>学習者が論理的な思考をもって問題文を読み取ることができる必要がある．</a:t>
-            </a:r>
-            <a:endParaRPr lang="en-US" altLang="ja-JP" dirty="0"/>
-          </a:p>
-          <a:p>
-            <a:pPr algn="just"/>
-            <a:r>
-              <a:rPr lang="ja-JP" altLang="en-US" dirty="0"/>
-              <a:t>プログラミング言語における構文を理解するには，コーディング経験も重要</a:t>
-            </a:r>
-            <a:endParaRPr lang="en-US" altLang="ja-JP" dirty="0"/>
-          </a:p>
-          <a:p>
-            <a:pPr lvl="1" algn="just">
-              <a:buFont typeface="Wingdings" panose="05000000000000000000" pitchFamily="2" charset="2"/>
-              <a:buChar char="Ø"/>
-            </a:pPr>
-            <a:r>
-              <a:rPr lang="en-US" altLang="ja-JP" dirty="0" err="1"/>
-              <a:t>Blockly</a:t>
-            </a:r>
-            <a:r>
-              <a:rPr lang="ja-JP" altLang="en-US" dirty="0"/>
-              <a:t>によって生成されたコードを見るだけではなく</a:t>
-            </a:r>
-            <a:r>
-              <a:rPr lang="en-US" altLang="ja-JP" dirty="0"/>
-              <a:t>,</a:t>
-            </a:r>
-            <a:r>
-              <a:rPr lang="ja-JP" altLang="en-US" dirty="0"/>
-              <a:t>実際に学習者がコーディングする環境でないと，プログラミング言語の構文への理解の定着にはつながらない．</a:t>
-            </a:r>
-            <a:endParaRPr lang="en-US" altLang="ja-JP" dirty="0"/>
-          </a:p>
-        </p:txBody>
-      </p:sp>
-      <p:sp>
-        <p:nvSpPr>
-          <p:cNvPr id="4" name="スライド番号プレースホルダー 3"/>
-          <p:cNvSpPr>
-            <a:spLocks noGrp="1"/>
-          </p:cNvSpPr>
-          <p:nvPr>
-            <p:ph type="sldNum" sz="quarter" idx="12"/>
-          </p:nvPr>
-        </p:nvSpPr>
-        <p:spPr/>
-        <p:txBody>
-          <a:bodyPr/>
-          <a:lstStyle/>
-          <a:p>
-            <a:fld id="{010A43D1-8C5F-4BB5-96AD-6A66B588192F}" type="slidenum">
-              <a:rPr kumimoji="1" lang="ja-JP" altLang="en-US" sz="2400" smtClean="0"/>
-              <a:t>7</a:t>
-            </a:fld>
-            <a:endParaRPr kumimoji="1" lang="ja-JP" altLang="en-US" sz="2400" dirty="0"/>
-          </a:p>
-        </p:txBody>
-      </p:sp>
-    </p:spTree>
-    <p:extLst>
-      <p:ext uri="{BB962C8B-B14F-4D97-AF65-F5344CB8AC3E}">
-        <p14:creationId xmlns:p14="http://schemas.microsoft.com/office/powerpoint/2010/main" val="4275672017"/>
-      </p:ext>
-    </p:extLst>
-  </p:cSld>
-  <p:clrMapOvr>
-    <a:masterClrMapping/>
-  </p:clrMapOvr>
-  <p:timing>
-    <p:tnLst>
-      <p:par>
-        <p:cTn id="1" dur="indefinite" restart="never" nodeType="tmRoot"/>
-      </p:par>
-    </p:tnLst>
-  </p:timing>
-</p:sld>
-</file>
-
-<file path=ppt/slides/slide8.xml><?xml version="1.0" encoding="utf-8"?>
-<p:sld xmlns:a="http://schemas.openxmlformats.org/drawingml/2006/main" xmlns:r="http://schemas.openxmlformats.org/officeDocument/2006/relationships" xmlns:p="http://schemas.openxmlformats.org/presentationml/2006/main">
-  <p:cSld>
-    <p:spTree>
-      <p:nvGrpSpPr>
-        <p:cNvPr id="1" name=""/>
-        <p:cNvGrpSpPr/>
-        <p:nvPr/>
-      </p:nvGrpSpPr>
-      <p:grpSpPr>
-        <a:xfrm>
-          <a:off x="0" y="0"/>
-          <a:ext cx="0" cy="0"/>
-          <a:chOff x="0" y="0"/>
-          <a:chExt cx="0" cy="0"/>
-        </a:xfrm>
-      </p:grpSpPr>
-      <p:sp>
-        <p:nvSpPr>
-          <p:cNvPr id="2" name="タイトル 1"/>
-          <p:cNvSpPr>
-            <a:spLocks noGrp="1"/>
-          </p:cNvSpPr>
-          <p:nvPr>
-            <p:ph type="title"/>
-          </p:nvPr>
-        </p:nvSpPr>
-        <p:spPr/>
-        <p:txBody>
-          <a:bodyPr/>
-          <a:lstStyle/>
-          <a:p>
-            <a:r>
-              <a:rPr kumimoji="1" lang="ja-JP" altLang="en-US" dirty="0" smtClean="0"/>
-              <a:t>解決すべき課題</a:t>
-            </a:r>
-            <a:endParaRPr kumimoji="1" lang="ja-JP" altLang="en-US" dirty="0"/>
-          </a:p>
-        </p:txBody>
-      </p:sp>
-      <p:sp>
-        <p:nvSpPr>
-          <p:cNvPr id="3" name="コンテンツ プレースホルダー 2"/>
-          <p:cNvSpPr>
-            <a:spLocks noGrp="1"/>
-          </p:cNvSpPr>
-          <p:nvPr>
-            <p:ph idx="1"/>
-          </p:nvPr>
-        </p:nvSpPr>
-        <p:spPr/>
-        <p:txBody>
-          <a:bodyPr/>
-          <a:lstStyle/>
-          <a:p>
-            <a:r>
-              <a:rPr kumimoji="1" lang="ja-JP" altLang="en-US" dirty="0" smtClean="0"/>
-              <a:t>コードを生成する機能は</a:t>
-            </a:r>
-            <a:r>
-              <a:rPr kumimoji="1" lang="en-US" altLang="ja-JP" dirty="0" err="1" smtClean="0"/>
-              <a:t>Blockly</a:t>
-            </a:r>
-            <a:r>
-              <a:rPr kumimoji="1" lang="ja-JP" altLang="en-US" dirty="0" smtClean="0"/>
-              <a:t>サポートされる</a:t>
-            </a:r>
-            <a:endParaRPr kumimoji="1" lang="en-US" altLang="ja-JP" dirty="0" smtClean="0"/>
-          </a:p>
-          <a:p>
-            <a:endParaRPr kumimoji="1" lang="en-US" altLang="ja-JP" dirty="0" smtClean="0"/>
-          </a:p>
-          <a:p>
-            <a:r>
-              <a:rPr lang="ja-JP" altLang="en-US" dirty="0" smtClean="0"/>
-              <a:t>生成されたコードからどのように学習者に提示するのか</a:t>
-            </a:r>
-            <a:endParaRPr lang="en-US" altLang="ja-JP" dirty="0" smtClean="0"/>
-          </a:p>
-          <a:p>
-            <a:r>
-              <a:rPr kumimoji="1" lang="ja-JP" altLang="en-US" dirty="0" smtClean="0">
-                <a:solidFill>
-                  <a:srgbClr val="FF0000"/>
-                </a:solidFill>
-              </a:rPr>
-              <a:t>穴埋め問題の自動生成</a:t>
-            </a:r>
-            <a:r>
-              <a:rPr kumimoji="1" lang="ja-JP" altLang="en-US" dirty="0" smtClean="0"/>
-              <a:t>、選択肢の内容</a:t>
-            </a:r>
-            <a:endParaRPr kumimoji="1" lang="en-US" altLang="ja-JP" dirty="0" smtClean="0"/>
-          </a:p>
-          <a:p>
-            <a:endParaRPr kumimoji="1" lang="en-US" altLang="ja-JP" dirty="0" smtClean="0"/>
-          </a:p>
-          <a:p>
-            <a:endParaRPr kumimoji="1" lang="ja-JP" altLang="en-US" dirty="0"/>
-          </a:p>
-        </p:txBody>
-      </p:sp>
-      <p:sp>
-        <p:nvSpPr>
-          <p:cNvPr id="4" name="スライド番号プレースホルダー 3"/>
-          <p:cNvSpPr>
-            <a:spLocks noGrp="1"/>
-          </p:cNvSpPr>
-          <p:nvPr>
-            <p:ph type="sldNum" sz="quarter" idx="12"/>
-          </p:nvPr>
-        </p:nvSpPr>
-        <p:spPr/>
-        <p:txBody>
-          <a:bodyPr/>
-          <a:lstStyle/>
-          <a:p>
-            <a:fld id="{4A32CB03-0843-4AF8-BFB2-C9917854BC7E}" type="slidenum">
-              <a:rPr kumimoji="1" lang="ja-JP" altLang="en-US" smtClean="0"/>
-              <a:t>8</a:t>
-            </a:fld>
-            <a:endParaRPr kumimoji="1" lang="ja-JP" altLang="en-US"/>
-          </a:p>
-        </p:txBody>
-      </p:sp>
-    </p:spTree>
-    <p:extLst>
-      <p:ext uri="{BB962C8B-B14F-4D97-AF65-F5344CB8AC3E}">
-        <p14:creationId xmlns:p14="http://schemas.microsoft.com/office/powerpoint/2010/main" val="2187274504"/>
-      </p:ext>
-    </p:extLst>
-  </p:cSld>
-  <p:clrMapOvr>
-    <a:masterClrMapping/>
-  </p:clrMapOvr>
-  <p:timing>
-    <p:tnLst>
-      <p:par>
-        <p:cTn id="1" dur="indefinite" restart="never" nodeType="tmRoot"/>
-      </p:par>
-    </p:tnLst>
-  </p:timing>
-</p:sld>
-</file>
-
-<file path=ppt/slides/slide9.xml><?xml version="1.0" encoding="utf-8"?>
-<p:sld xmlns:a="http://schemas.openxmlformats.org/drawingml/2006/main" xmlns:r="http://schemas.openxmlformats.org/officeDocument/2006/relationships" xmlns:p="http://schemas.openxmlformats.org/presentationml/2006/main">
-  <p:cSld>
-    <p:spTree>
-      <p:nvGrpSpPr>
-        <p:cNvPr id="1" name=""/>
-        <p:cNvGrpSpPr/>
-        <p:nvPr/>
-      </p:nvGrpSpPr>
-      <p:grpSpPr>
-        <a:xfrm>
-          <a:off x="0" y="0"/>
-          <a:ext cx="0" cy="0"/>
-          <a:chOff x="0" y="0"/>
-          <a:chExt cx="0" cy="0"/>
-        </a:xfrm>
-      </p:grpSpPr>
-      <p:sp>
-        <p:nvSpPr>
-          <p:cNvPr id="2" name="タイトル 1"/>
-          <p:cNvSpPr>
-            <a:spLocks noGrp="1"/>
-          </p:cNvSpPr>
-          <p:nvPr>
-            <p:ph type="title"/>
-          </p:nvPr>
-        </p:nvSpPr>
-        <p:spPr/>
-        <p:txBody>
-          <a:bodyPr/>
-          <a:lstStyle/>
-          <a:p>
-            <a:r>
-              <a:rPr kumimoji="1" lang="en-US" altLang="ja-JP" dirty="0" smtClean="0"/>
-              <a:t>Node.js</a:t>
-            </a:r>
-            <a:endParaRPr kumimoji="1" lang="ja-JP" altLang="en-US" dirty="0"/>
-          </a:p>
-        </p:txBody>
-      </p:sp>
-      <p:sp>
-        <p:nvSpPr>
-          <p:cNvPr id="3" name="コンテンツ プレースホルダー 2"/>
-          <p:cNvSpPr>
-            <a:spLocks noGrp="1"/>
-          </p:cNvSpPr>
-          <p:nvPr>
-            <p:ph idx="1"/>
-          </p:nvPr>
-        </p:nvSpPr>
-        <p:spPr/>
-        <p:txBody>
-          <a:bodyPr/>
-          <a:lstStyle/>
-          <a:p>
-            <a:pPr marL="0" indent="0">
-              <a:buNone/>
-            </a:pPr>
-            <a:r>
-              <a:rPr lang="en-US" altLang="ja-JP" dirty="0"/>
-              <a:t>Node.js</a:t>
-            </a:r>
-            <a:r>
-              <a:rPr lang="ja-JP" altLang="en-US" dirty="0"/>
-              <a:t>（ノード・ジェイエス） は</a:t>
-            </a:r>
-            <a:r>
-              <a:rPr lang="en-US" altLang="ja-JP" dirty="0"/>
-              <a:t>V8 JavaScript</a:t>
-            </a:r>
-            <a:r>
-              <a:rPr lang="ja-JP" altLang="en-US" dirty="0"/>
-              <a:t>エンジン上に構築された</a:t>
-            </a:r>
-            <a:r>
-              <a:rPr lang="en-US" altLang="ja-JP" dirty="0"/>
-              <a:t>JavaScript</a:t>
-            </a:r>
-            <a:r>
-              <a:rPr lang="ja-JP" altLang="en-US" dirty="0"/>
-              <a:t>実行環境の</a:t>
-            </a:r>
-            <a:r>
-              <a:rPr lang="en-US" altLang="ja-JP" dirty="0"/>
-              <a:t>1</a:t>
-            </a:r>
-            <a:r>
-              <a:rPr lang="ja-JP" altLang="en-US" dirty="0"/>
-              <a:t>つで</a:t>
-            </a:r>
-            <a:r>
-              <a:rPr lang="ja-JP" altLang="en-US" dirty="0" smtClean="0"/>
-              <a:t>ある。</a:t>
-            </a:r>
-            <a:r>
-              <a:rPr lang="ja-JP" altLang="en-US" dirty="0"/>
-              <a:t>イベント化された入出力を扱うサーバサイド</a:t>
-            </a:r>
-            <a:r>
-              <a:rPr lang="en-US" altLang="ja-JP" dirty="0"/>
-              <a:t>JavaScript</a:t>
-            </a:r>
-            <a:r>
-              <a:rPr lang="ja-JP" altLang="en-US" dirty="0"/>
-              <a:t>環境であり、</a:t>
-            </a:r>
-            <a:r>
-              <a:rPr lang="en-US" altLang="ja-JP" dirty="0"/>
-              <a:t>Web</a:t>
-            </a:r>
-            <a:r>
-              <a:rPr lang="ja-JP" altLang="en-US" dirty="0"/>
-              <a:t>サーバなどのスケーラブルなネットワークプログラムの記述を意図して</a:t>
-            </a:r>
-            <a:r>
-              <a:rPr lang="ja-JP" altLang="en-US" dirty="0" smtClean="0"/>
-              <a:t>いる。</a:t>
-            </a:r>
-            <a:endParaRPr lang="en-US" altLang="ja-JP" dirty="0" smtClean="0"/>
-          </a:p>
-          <a:p>
-            <a:pPr marL="0" indent="0">
-              <a:buNone/>
-            </a:pPr>
-            <a:endParaRPr kumimoji="1" lang="en-US" altLang="ja-JP" dirty="0" smtClean="0"/>
-          </a:p>
-          <a:p>
-            <a:pPr marL="0" indent="0">
-              <a:buNone/>
-            </a:pPr>
-            <a:r>
-              <a:rPr lang="ja-JP" altLang="en-US" dirty="0"/>
-              <a:t>引用</a:t>
-            </a:r>
-            <a:r>
-              <a:rPr lang="ja-JP" altLang="en-US" dirty="0" smtClean="0"/>
-              <a:t>：</a:t>
-            </a:r>
-            <a:endParaRPr kumimoji="1" lang="en-US" altLang="ja-JP" dirty="0"/>
-          </a:p>
-          <a:p>
-            <a:pPr marL="0" indent="0">
-              <a:buNone/>
-            </a:pPr>
-            <a:r>
-              <a:rPr lang="en-US" altLang="ja-JP" dirty="0"/>
-              <a:t>https://ja.wikipedia.org/wiki/Node.js</a:t>
-            </a:r>
-            <a:endParaRPr kumimoji="1" lang="ja-JP" altLang="en-US" dirty="0"/>
-          </a:p>
-        </p:txBody>
-      </p:sp>
-      <p:sp>
-        <p:nvSpPr>
-          <p:cNvPr id="4" name="スライド番号プレースホルダー 3"/>
-          <p:cNvSpPr>
-            <a:spLocks noGrp="1"/>
-          </p:cNvSpPr>
-          <p:nvPr>
-            <p:ph type="sldNum" sz="quarter" idx="12"/>
-          </p:nvPr>
-        </p:nvSpPr>
-        <p:spPr/>
-        <p:txBody>
-          <a:bodyPr/>
-          <a:lstStyle/>
-          <a:p>
-            <a:fld id="{4A32CB03-0843-4AF8-BFB2-C9917854BC7E}" type="slidenum">
-              <a:rPr kumimoji="1" lang="ja-JP" altLang="en-US" smtClean="0"/>
-              <a:t>9</a:t>
-            </a:fld>
-            <a:endParaRPr kumimoji="1" lang="ja-JP" altLang="en-US"/>
-          </a:p>
-        </p:txBody>
-      </p:sp>
-    </p:spTree>
-    <p:extLst>
-      <p:ext uri="{BB962C8B-B14F-4D97-AF65-F5344CB8AC3E}">
-        <p14:creationId xmlns:p14="http://schemas.microsoft.com/office/powerpoint/2010/main" val="4200382121"/>
       </p:ext>
     </p:extLst>
   </p:cSld>

--- a/1821121_shimaoka_sotsuken.pptx
+++ b/1821121_shimaoka_sotsuken.pptx
@@ -5,7 +5,7 @@
     <p:sldMasterId id="2147483660" r:id="rId1"/>
   </p:sldMasterIdLst>
   <p:notesMasterIdLst>
-    <p:notesMasterId r:id="rId37"/>
+    <p:notesMasterId r:id="rId36"/>
   </p:notesMasterIdLst>
   <p:sldIdLst>
     <p:sldId id="257" r:id="rId2"/>
@@ -17,32 +17,31 @@
     <p:sldId id="302" r:id="rId8"/>
     <p:sldId id="311" r:id="rId9"/>
     <p:sldId id="310" r:id="rId10"/>
-    <p:sldId id="279" r:id="rId11"/>
-    <p:sldId id="280" r:id="rId12"/>
-    <p:sldId id="288" r:id="rId13"/>
-    <p:sldId id="273" r:id="rId14"/>
-    <p:sldId id="278" r:id="rId15"/>
-    <p:sldId id="276" r:id="rId16"/>
-    <p:sldId id="285" r:id="rId17"/>
-    <p:sldId id="286" r:id="rId18"/>
-    <p:sldId id="277" r:id="rId19"/>
-    <p:sldId id="274" r:id="rId20"/>
-    <p:sldId id="275" r:id="rId21"/>
-    <p:sldId id="281" r:id="rId22"/>
-    <p:sldId id="282" r:id="rId23"/>
-    <p:sldId id="290" r:id="rId24"/>
-    <p:sldId id="272" r:id="rId25"/>
-    <p:sldId id="292" r:id="rId26"/>
-    <p:sldId id="293" r:id="rId27"/>
-    <p:sldId id="294" r:id="rId28"/>
-    <p:sldId id="295" r:id="rId29"/>
-    <p:sldId id="303" r:id="rId30"/>
-    <p:sldId id="304" r:id="rId31"/>
-    <p:sldId id="306" r:id="rId32"/>
-    <p:sldId id="307" r:id="rId33"/>
-    <p:sldId id="308" r:id="rId34"/>
-    <p:sldId id="309" r:id="rId35"/>
-    <p:sldId id="305" r:id="rId36"/>
+    <p:sldId id="288" r:id="rId11"/>
+    <p:sldId id="279" r:id="rId12"/>
+    <p:sldId id="273" r:id="rId13"/>
+    <p:sldId id="278" r:id="rId14"/>
+    <p:sldId id="276" r:id="rId15"/>
+    <p:sldId id="285" r:id="rId16"/>
+    <p:sldId id="286" r:id="rId17"/>
+    <p:sldId id="277" r:id="rId18"/>
+    <p:sldId id="274" r:id="rId19"/>
+    <p:sldId id="275" r:id="rId20"/>
+    <p:sldId id="281" r:id="rId21"/>
+    <p:sldId id="282" r:id="rId22"/>
+    <p:sldId id="290" r:id="rId23"/>
+    <p:sldId id="272" r:id="rId24"/>
+    <p:sldId id="292" r:id="rId25"/>
+    <p:sldId id="293" r:id="rId26"/>
+    <p:sldId id="294" r:id="rId27"/>
+    <p:sldId id="295" r:id="rId28"/>
+    <p:sldId id="303" r:id="rId29"/>
+    <p:sldId id="304" r:id="rId30"/>
+    <p:sldId id="306" r:id="rId31"/>
+    <p:sldId id="307" r:id="rId32"/>
+    <p:sldId id="308" r:id="rId33"/>
+    <p:sldId id="309" r:id="rId34"/>
+    <p:sldId id="305" r:id="rId35"/>
   </p:sldIdLst>
   <p:sldSz cx="9144000" cy="6858000" type="screen4x3"/>
   <p:notesSz cx="6858000" cy="9144000"/>
@@ -231,7 +230,7 @@
           <a:p>
             <a:fld id="{FE6A3D4C-FB20-486F-A33D-02A27AB85120}" type="datetimeFigureOut">
               <a:rPr kumimoji="1" lang="ja-JP" altLang="en-US" smtClean="0"/>
-              <a:t>2021/10/18</a:t>
+              <a:t>2021/10/25</a:t>
             </a:fld>
             <a:endParaRPr kumimoji="1" lang="ja-JP" altLang="en-US"/>
           </a:p>
@@ -1189,7 +1188,7 @@
           <a:p>
             <a:fld id="{47905BA8-D78C-4C59-98CB-0E1E713D5795}" type="slidenum">
               <a:rPr kumimoji="1" lang="ja-JP" altLang="en-US" smtClean="0"/>
-              <a:t>12</a:t>
+              <a:t>10</a:t>
             </a:fld>
             <a:endParaRPr kumimoji="1" lang="ja-JP" altLang="en-US"/>
           </a:p>
@@ -1339,7 +1338,7 @@
           <a:p>
             <a:fld id="{8C6C7C5F-18F5-4B54-8C42-F854729B27DF}" type="datetime1">
               <a:rPr kumimoji="1" lang="ja-JP" altLang="en-US" smtClean="0"/>
-              <a:t>2021/10/18</a:t>
+              <a:t>2021/10/25</a:t>
             </a:fld>
             <a:endParaRPr kumimoji="1" lang="ja-JP" altLang="en-US"/>
           </a:p>
@@ -1541,7 +1540,7 @@
           <a:p>
             <a:fld id="{8FA047B7-BB2C-4D3A-A8E4-BCCEB512AAAF}" type="datetime1">
               <a:rPr kumimoji="1" lang="ja-JP" altLang="en-US" smtClean="0"/>
-              <a:t>2021/10/18</a:t>
+              <a:t>2021/10/25</a:t>
             </a:fld>
             <a:endParaRPr kumimoji="1" lang="ja-JP" altLang="en-US"/>
           </a:p>
@@ -1753,7 +1752,7 @@
           <a:p>
             <a:fld id="{CF80C22C-2AF0-4F0A-AD7C-41D0B891B7A9}" type="datetime1">
               <a:rPr kumimoji="1" lang="ja-JP" altLang="en-US" smtClean="0"/>
-              <a:t>2021/10/18</a:t>
+              <a:t>2021/10/25</a:t>
             </a:fld>
             <a:endParaRPr kumimoji="1" lang="ja-JP" altLang="en-US"/>
           </a:p>
@@ -1955,7 +1954,7 @@
           <a:p>
             <a:fld id="{62594B83-F026-4CB8-8905-CA1C93615FC3}" type="datetime1">
               <a:rPr kumimoji="1" lang="ja-JP" altLang="en-US" smtClean="0"/>
-              <a:t>2021/10/18</a:t>
+              <a:t>2021/10/25</a:t>
             </a:fld>
             <a:endParaRPr kumimoji="1" lang="ja-JP" altLang="en-US"/>
           </a:p>
@@ -2199,7 +2198,7 @@
           <a:p>
             <a:fld id="{C788FC87-6CF2-4F9F-B6E0-63B89DBB0743}" type="datetime1">
               <a:rPr kumimoji="1" lang="ja-JP" altLang="en-US" smtClean="0"/>
-              <a:t>2021/10/18</a:t>
+              <a:t>2021/10/25</a:t>
             </a:fld>
             <a:endParaRPr kumimoji="1" lang="ja-JP" altLang="en-US"/>
           </a:p>
@@ -2495,7 +2494,7 @@
           <a:p>
             <a:fld id="{5E3CE0AD-2171-4734-A0AC-662511549EC1}" type="datetime1">
               <a:rPr kumimoji="1" lang="ja-JP" altLang="en-US" smtClean="0"/>
-              <a:t>2021/10/18</a:t>
+              <a:t>2021/10/25</a:t>
             </a:fld>
             <a:endParaRPr kumimoji="1" lang="ja-JP" altLang="en-US"/>
           </a:p>
@@ -2926,7 +2925,7 @@
           <a:p>
             <a:fld id="{80544D4F-1AD2-4A36-B800-B99208B8C9BA}" type="datetime1">
               <a:rPr kumimoji="1" lang="ja-JP" altLang="en-US" smtClean="0"/>
-              <a:t>2021/10/18</a:t>
+              <a:t>2021/10/25</a:t>
             </a:fld>
             <a:endParaRPr kumimoji="1" lang="ja-JP" altLang="en-US"/>
           </a:p>
@@ -3044,7 +3043,7 @@
           <a:p>
             <a:fld id="{3867E348-314D-465D-84AA-31D1BF6D1272}" type="datetime1">
               <a:rPr kumimoji="1" lang="ja-JP" altLang="en-US" smtClean="0"/>
-              <a:t>2021/10/18</a:t>
+              <a:t>2021/10/25</a:t>
             </a:fld>
             <a:endParaRPr kumimoji="1" lang="ja-JP" altLang="en-US"/>
           </a:p>
@@ -3139,7 +3138,7 @@
           <a:p>
             <a:fld id="{0504E9A7-4A17-4848-A233-45BE7F03BE87}" type="datetime1">
               <a:rPr kumimoji="1" lang="ja-JP" altLang="en-US" smtClean="0"/>
-              <a:t>2021/10/18</a:t>
+              <a:t>2021/10/25</a:t>
             </a:fld>
             <a:endParaRPr kumimoji="1" lang="ja-JP" altLang="en-US"/>
           </a:p>
@@ -3448,7 +3447,7 @@
           <a:p>
             <a:fld id="{24FF13B5-8080-4369-B18E-A47C7DC1EF3C}" type="datetime1">
               <a:rPr kumimoji="1" lang="ja-JP" altLang="en-US" smtClean="0"/>
-              <a:t>2021/10/18</a:t>
+              <a:t>2021/10/25</a:t>
             </a:fld>
             <a:endParaRPr kumimoji="1" lang="ja-JP" altLang="en-US"/>
           </a:p>
@@ -3705,7 +3704,7 @@
           <a:p>
             <a:fld id="{CE6ABB78-4FBA-43B9-8ECE-65353FBA2DF2}" type="datetime1">
               <a:rPr kumimoji="1" lang="ja-JP" altLang="en-US" smtClean="0"/>
-              <a:t>2021/10/18</a:t>
+              <a:t>2021/10/25</a:t>
             </a:fld>
             <a:endParaRPr kumimoji="1" lang="ja-JP" altLang="en-US"/>
           </a:p>
@@ -3950,7 +3949,7 @@
           <a:p>
             <a:fld id="{25B2B056-B4AA-4D55-9226-508BBA0DE7B1}" type="datetime1">
               <a:rPr kumimoji="1" lang="ja-JP" altLang="en-US" smtClean="0"/>
-              <a:t>2021/10/18</a:t>
+              <a:t>2021/10/25</a:t>
             </a:fld>
             <a:endParaRPr kumimoji="1" lang="ja-JP" altLang="en-US"/>
           </a:p>
@@ -4515,120 +4514,102 @@
           <a:lstStyle/>
           <a:p>
             <a:r>
-              <a:rPr kumimoji="1" lang="en-US" altLang="ja-JP" dirty="0" smtClean="0"/>
+              <a:rPr lang="en-US" altLang="ja-JP" dirty="0" err="1" smtClean="0"/>
+              <a:t>npm</a:t>
+            </a:r>
+            <a:endParaRPr kumimoji="1" lang="ja-JP" altLang="en-US" dirty="0"/>
+          </a:p>
+        </p:txBody>
+      </p:sp>
+      <p:sp>
+        <p:nvSpPr>
+          <p:cNvPr id="3" name="コンテンツ プレースホルダー 2"/>
+          <p:cNvSpPr>
+            <a:spLocks noGrp="1"/>
+          </p:cNvSpPr>
+          <p:nvPr>
+            <p:ph idx="1"/>
+          </p:nvPr>
+        </p:nvSpPr>
+        <p:spPr/>
+        <p:txBody>
+          <a:bodyPr/>
+          <a:lstStyle/>
+          <a:p>
+            <a:r>
+              <a:rPr lang="ja-JP" altLang="en-US" dirty="0"/>
+              <a:t>本研究</a:t>
+            </a:r>
+            <a:r>
+              <a:rPr lang="ja-JP" altLang="en-US" dirty="0" smtClean="0"/>
+              <a:t>で</a:t>
+            </a:r>
+            <a:r>
+              <a:rPr lang="ja-JP" altLang="en-US" dirty="0" smtClean="0"/>
+              <a:t>は、</a:t>
+            </a:r>
+            <a:r>
+              <a:rPr lang="en-US" altLang="ja-JP" dirty="0" err="1" smtClean="0"/>
+              <a:t>npm</a:t>
+            </a:r>
+            <a:r>
+              <a:rPr lang="en-US" altLang="ja-JP" dirty="0" smtClean="0"/>
+              <a:t>(Node </a:t>
+            </a:r>
+            <a:r>
+              <a:rPr lang="en-US" altLang="ja-JP" dirty="0"/>
+              <a:t>Package </a:t>
+            </a:r>
+            <a:r>
+              <a:rPr lang="en-US" altLang="ja-JP" dirty="0" smtClean="0"/>
+              <a:t>Manager)</a:t>
+            </a:r>
+            <a:r>
+              <a:rPr lang="ja-JP" altLang="en-US" dirty="0" smtClean="0"/>
+              <a:t>と</a:t>
+            </a:r>
+            <a:r>
+              <a:rPr lang="ja-JP" altLang="en-US" dirty="0" smtClean="0"/>
+              <a:t>いうパッケージ</a:t>
+            </a:r>
+            <a:r>
+              <a:rPr lang="ja-JP" altLang="en-US" dirty="0" smtClean="0"/>
+              <a:t>管理を利用する</a:t>
+            </a:r>
+            <a:endParaRPr lang="en-US" altLang="ja-JP" dirty="0" smtClean="0"/>
+          </a:p>
+          <a:p>
+            <a:r>
+              <a:rPr lang="en-US" altLang="ja-JP" dirty="0" smtClean="0"/>
+              <a:t>Windows</a:t>
+            </a:r>
+            <a:r>
+              <a:rPr lang="ja-JP" altLang="en-US" dirty="0" smtClean="0"/>
+              <a:t>では</a:t>
+            </a:r>
+            <a:r>
+              <a:rPr lang="en-US" altLang="ja-JP" dirty="0" smtClean="0"/>
               <a:t>Node.js</a:t>
             </a:r>
-            <a:endParaRPr kumimoji="1" lang="ja-JP" altLang="en-US" dirty="0"/>
-          </a:p>
-        </p:txBody>
-      </p:sp>
-      <p:sp>
-        <p:nvSpPr>
-          <p:cNvPr id="3" name="コンテンツ プレースホルダー 2"/>
-          <p:cNvSpPr>
-            <a:spLocks noGrp="1"/>
-          </p:cNvSpPr>
-          <p:nvPr>
-            <p:ph idx="1"/>
-          </p:nvPr>
-        </p:nvSpPr>
-        <p:spPr/>
-        <p:txBody>
-          <a:bodyPr/>
-          <a:lstStyle/>
-          <a:p>
-            <a:pPr marL="0" indent="0">
-              <a:buNone/>
-            </a:pPr>
-            <a:r>
-              <a:rPr lang="en-US" altLang="ja-JP" dirty="0"/>
-              <a:t>Node.js</a:t>
-            </a:r>
-            <a:r>
-              <a:rPr lang="ja-JP" altLang="en-US" dirty="0"/>
-              <a:t>（ノード・ジェイエス） は</a:t>
-            </a:r>
-            <a:r>
-              <a:rPr lang="en-US" altLang="ja-JP" dirty="0"/>
-              <a:t>V8 JavaScript</a:t>
-            </a:r>
-            <a:r>
-              <a:rPr lang="ja-JP" altLang="en-US" dirty="0"/>
-              <a:t>エンジン上に構築された</a:t>
-            </a:r>
-            <a:r>
-              <a:rPr lang="en-US" altLang="ja-JP" dirty="0"/>
-              <a:t>JavaScript</a:t>
-            </a:r>
-            <a:r>
-              <a:rPr lang="ja-JP" altLang="en-US" dirty="0"/>
-              <a:t>実行環境の</a:t>
-            </a:r>
-            <a:r>
-              <a:rPr lang="en-US" altLang="ja-JP" dirty="0"/>
-              <a:t>1</a:t>
-            </a:r>
-            <a:r>
-              <a:rPr lang="ja-JP" altLang="en-US" dirty="0"/>
-              <a:t>つで</a:t>
-            </a:r>
             <a:r>
               <a:rPr lang="ja-JP" altLang="en-US" dirty="0" smtClean="0"/>
-              <a:t>ある。</a:t>
-            </a:r>
-            <a:r>
-              <a:rPr lang="ja-JP" altLang="en-US" dirty="0"/>
-              <a:t>イベント化された入出力を扱うサーバサイド</a:t>
-            </a:r>
-            <a:r>
-              <a:rPr lang="en-US" altLang="ja-JP" dirty="0"/>
-              <a:t>JavaScript</a:t>
-            </a:r>
-            <a:r>
-              <a:rPr lang="ja-JP" altLang="en-US" dirty="0"/>
-              <a:t>環境であり、</a:t>
-            </a:r>
-            <a:r>
-              <a:rPr lang="en-US" altLang="ja-JP" dirty="0"/>
-              <a:t>Web</a:t>
-            </a:r>
-            <a:r>
-              <a:rPr lang="ja-JP" altLang="en-US" dirty="0"/>
-              <a:t>サーバなどのスケーラブルなネットワークプログラムの記述を意図して</a:t>
+              <a:t>を</a:t>
             </a:r>
             <a:r>
               <a:rPr lang="ja-JP" altLang="en-US" dirty="0" smtClean="0"/>
-              <a:t>いる。</a:t>
-            </a:r>
-            <a:endParaRPr lang="en-US" altLang="ja-JP" dirty="0" smtClean="0"/>
-          </a:p>
-          <a:p>
-            <a:pPr marL="0" indent="0">
-              <a:buNone/>
-            </a:pPr>
-            <a:endParaRPr kumimoji="1" lang="en-US" altLang="ja-JP" dirty="0" smtClean="0"/>
-          </a:p>
-          <a:p>
-            <a:pPr marL="0" indent="0">
-              <a:buNone/>
-            </a:pPr>
-            <a:r>
-              <a:rPr lang="ja-JP" altLang="en-US" dirty="0"/>
-              <a:t>引用</a:t>
+              <a:t>用いることで、</a:t>
+            </a:r>
+            <a:r>
+              <a:rPr lang="en-US" altLang="ja-JP" dirty="0" err="1" smtClean="0"/>
+              <a:t>npm</a:t>
+            </a:r>
+            <a:r>
+              <a:rPr lang="ja-JP" altLang="en-US" dirty="0" err="1" smtClean="0"/>
+              <a:t>を簡</a:t>
             </a:r>
             <a:r>
               <a:rPr lang="ja-JP" altLang="en-US" dirty="0" smtClean="0"/>
-              <a:t>：</a:t>
-            </a:r>
-            <a:endParaRPr kumimoji="1" lang="en-US" altLang="ja-JP" dirty="0"/>
-          </a:p>
-          <a:p>
-            <a:pPr marL="0" indent="0">
-              <a:buNone/>
-            </a:pPr>
-            <a:r>
-              <a:rPr lang="en-US" altLang="ja-JP" dirty="0"/>
-              <a:t>https://ja.wikipedia.org/wiki/Node.js</a:t>
+              <a:t>単に利用できる</a:t>
             </a:r>
             <a:endParaRPr kumimoji="1" lang="ja-JP" altLang="en-US" dirty="0"/>
           </a:p>
@@ -4660,7 +4641,7 @@
     </p:spTree>
     <p:extLst>
       <p:ext uri="{BB962C8B-B14F-4D97-AF65-F5344CB8AC3E}">
-        <p14:creationId xmlns:p14="http://schemas.microsoft.com/office/powerpoint/2010/main" val="4200382121"/>
+        <p14:creationId xmlns:p14="http://schemas.microsoft.com/office/powerpoint/2010/main" val="3535867368"/>
       </p:ext>
     </p:extLst>
   </p:cSld>
@@ -4710,12 +4691,120 @@
           <a:lstStyle/>
           <a:p>
             <a:r>
+              <a:rPr kumimoji="1" lang="en-US" altLang="ja-JP" dirty="0" smtClean="0"/>
+              <a:t>Node.js</a:t>
+            </a:r>
+            <a:endParaRPr kumimoji="1" lang="ja-JP" altLang="en-US" dirty="0"/>
+          </a:p>
+        </p:txBody>
+      </p:sp>
+      <p:sp>
+        <p:nvSpPr>
+          <p:cNvPr id="3" name="コンテンツ プレースホルダー 2"/>
+          <p:cNvSpPr>
+            <a:spLocks noGrp="1"/>
+          </p:cNvSpPr>
+          <p:nvPr>
+            <p:ph idx="1"/>
+          </p:nvPr>
+        </p:nvSpPr>
+        <p:spPr/>
+        <p:txBody>
+          <a:bodyPr/>
+          <a:lstStyle/>
+          <a:p>
+            <a:pPr marL="0" indent="0">
+              <a:buNone/>
+            </a:pPr>
+            <a:r>
+              <a:rPr lang="en-US" altLang="ja-JP" dirty="0"/>
+              <a:t>Node.js</a:t>
+            </a:r>
+            <a:r>
+              <a:rPr lang="ja-JP" altLang="en-US" dirty="0"/>
+              <a:t>（ノード・ジェイエス） は</a:t>
+            </a:r>
+            <a:r>
+              <a:rPr lang="en-US" altLang="ja-JP" dirty="0"/>
+              <a:t>V8 JavaScript</a:t>
+            </a:r>
+            <a:r>
+              <a:rPr lang="ja-JP" altLang="en-US" dirty="0"/>
+              <a:t>エンジン上に構築された</a:t>
+            </a:r>
+            <a:r>
+              <a:rPr lang="en-US" altLang="ja-JP" dirty="0"/>
+              <a:t>JavaScript</a:t>
+            </a:r>
+            <a:r>
+              <a:rPr lang="ja-JP" altLang="en-US" dirty="0"/>
+              <a:t>実行環境の</a:t>
+            </a:r>
+            <a:r>
+              <a:rPr lang="en-US" altLang="ja-JP" dirty="0"/>
+              <a:t>1</a:t>
+            </a:r>
+            <a:r>
+              <a:rPr lang="ja-JP" altLang="en-US" dirty="0"/>
+              <a:t>つで</a:t>
+            </a:r>
+            <a:r>
               <a:rPr lang="ja-JP" altLang="en-US" dirty="0" smtClean="0"/>
-              <a:t>システム構成図</a:t>
-            </a:r>
-            <a:r>
-              <a:rPr kumimoji="1" lang="ja-JP" altLang="en-US" dirty="0" smtClean="0"/>
-              <a:t>（予想図）</a:t>
+              <a:t>ある。</a:t>
+            </a:r>
+            <a:r>
+              <a:rPr lang="ja-JP" altLang="en-US" dirty="0"/>
+              <a:t>イベント化された入出力を扱うサーバサイド</a:t>
+            </a:r>
+            <a:r>
+              <a:rPr lang="en-US" altLang="ja-JP" dirty="0"/>
+              <a:t>JavaScript</a:t>
+            </a:r>
+            <a:r>
+              <a:rPr lang="ja-JP" altLang="en-US" dirty="0"/>
+              <a:t>環境であり、</a:t>
+            </a:r>
+            <a:r>
+              <a:rPr lang="en-US" altLang="ja-JP" dirty="0"/>
+              <a:t>Web</a:t>
+            </a:r>
+            <a:r>
+              <a:rPr lang="ja-JP" altLang="en-US" dirty="0"/>
+              <a:t>サーバなどのスケーラブルなネットワークプログラムの記述を意図して</a:t>
+            </a:r>
+            <a:r>
+              <a:rPr lang="ja-JP" altLang="en-US" dirty="0" smtClean="0"/>
+              <a:t>いる。</a:t>
+            </a:r>
+            <a:endParaRPr lang="en-US" altLang="ja-JP" dirty="0" smtClean="0"/>
+          </a:p>
+          <a:p>
+            <a:pPr marL="0" indent="0">
+              <a:buNone/>
+            </a:pPr>
+            <a:endParaRPr kumimoji="1" lang="en-US" altLang="ja-JP" dirty="0" smtClean="0"/>
+          </a:p>
+          <a:p>
+            <a:pPr marL="0" indent="0">
+              <a:buNone/>
+            </a:pPr>
+            <a:r>
+              <a:rPr lang="ja-JP" altLang="en-US" dirty="0"/>
+              <a:t>引用</a:t>
+            </a:r>
+            <a:r>
+              <a:rPr lang="ja-JP" altLang="en-US" dirty="0" smtClean="0"/>
+              <a:t>：</a:t>
+            </a:r>
+            <a:endParaRPr kumimoji="1" lang="en-US" altLang="ja-JP" dirty="0"/>
+          </a:p>
+          <a:p>
+            <a:pPr marL="0" indent="0">
+              <a:buNone/>
+            </a:pPr>
+            <a:r>
+              <a:rPr lang="en-US" altLang="ja-JP" dirty="0"/>
+              <a:t>https://ja.wikipedia.org/wiki/Node.js</a:t>
             </a:r>
             <a:endParaRPr kumimoji="1" lang="ja-JP" altLang="en-US" dirty="0"/>
           </a:p>
@@ -4723,7 +4812,7 @@
       </p:sp>
       <p:sp>
         <p:nvSpPr>
-          <p:cNvPr id="3" name="スライド番号プレースホルダー 2"/>
+          <p:cNvPr id="4" name="スライド番号プレースホルダー 3"/>
           <p:cNvSpPr>
             <a:spLocks noGrp="1"/>
           </p:cNvSpPr>
@@ -4744,436 +4833,10 @@
           </a:p>
         </p:txBody>
       </p:sp>
-      <p:sp>
-        <p:nvSpPr>
-          <p:cNvPr id="4" name="正方形/長方形 3"/>
-          <p:cNvSpPr/>
-          <p:nvPr/>
-        </p:nvSpPr>
-        <p:spPr>
-          <a:xfrm>
-            <a:off x="2233402" y="2147945"/>
-            <a:ext cx="1893536" cy="1189529"/>
-          </a:xfrm>
-          <a:prstGeom prst="rect">
-            <a:avLst/>
-          </a:prstGeom>
-        </p:spPr>
-        <p:style>
-          <a:lnRef idx="2">
-            <a:schemeClr val="dk1"/>
-          </a:lnRef>
-          <a:fillRef idx="1">
-            <a:schemeClr val="lt1"/>
-          </a:fillRef>
-          <a:effectRef idx="0">
-            <a:schemeClr val="dk1"/>
-          </a:effectRef>
-          <a:fontRef idx="minor">
-            <a:schemeClr val="dk1"/>
-          </a:fontRef>
-        </p:style>
-        <p:txBody>
-          <a:bodyPr rtlCol="0" anchor="ctr"/>
-          <a:lstStyle/>
-          <a:p>
-            <a:pPr algn="ctr"/>
-            <a:r>
-              <a:rPr kumimoji="1" lang="en-US" altLang="ja-JP" sz="2800" dirty="0" err="1" smtClean="0"/>
-              <a:t>Blockly</a:t>
-            </a:r>
-            <a:endParaRPr kumimoji="1" lang="ja-JP" altLang="en-US" sz="2800" dirty="0"/>
-          </a:p>
-        </p:txBody>
-      </p:sp>
-      <p:sp>
-        <p:nvSpPr>
-          <p:cNvPr id="5" name="正方形/長方形 4"/>
-          <p:cNvSpPr/>
-          <p:nvPr/>
-        </p:nvSpPr>
-        <p:spPr>
-          <a:xfrm>
-            <a:off x="3437267" y="5449566"/>
-            <a:ext cx="1893536" cy="1189529"/>
-          </a:xfrm>
-          <a:prstGeom prst="rect">
-            <a:avLst/>
-          </a:prstGeom>
-        </p:spPr>
-        <p:style>
-          <a:lnRef idx="2">
-            <a:schemeClr val="dk1"/>
-          </a:lnRef>
-          <a:fillRef idx="1">
-            <a:schemeClr val="lt1"/>
-          </a:fillRef>
-          <a:effectRef idx="0">
-            <a:schemeClr val="dk1"/>
-          </a:effectRef>
-          <a:fontRef idx="minor">
-            <a:schemeClr val="dk1"/>
-          </a:fontRef>
-        </p:style>
-        <p:txBody>
-          <a:bodyPr rtlCol="0" anchor="ctr"/>
-          <a:lstStyle/>
-          <a:p>
-            <a:pPr algn="ctr"/>
-            <a:r>
-              <a:rPr kumimoji="1" lang="en-US" altLang="ja-JP" sz="2800" dirty="0"/>
-              <a:t>Node.js</a:t>
-            </a:r>
-            <a:endParaRPr kumimoji="1" lang="ja-JP" altLang="en-US" sz="2800" dirty="0"/>
-          </a:p>
-        </p:txBody>
-      </p:sp>
-      <p:sp>
-        <p:nvSpPr>
-          <p:cNvPr id="6" name="正方形/長方形 5"/>
-          <p:cNvSpPr/>
-          <p:nvPr/>
-        </p:nvSpPr>
-        <p:spPr>
-          <a:xfrm>
-            <a:off x="5593114" y="2793264"/>
-            <a:ext cx="1893536" cy="1189529"/>
-          </a:xfrm>
-          <a:prstGeom prst="rect">
-            <a:avLst/>
-          </a:prstGeom>
-        </p:spPr>
-        <p:style>
-          <a:lnRef idx="2">
-            <a:schemeClr val="dk1"/>
-          </a:lnRef>
-          <a:fillRef idx="1">
-            <a:schemeClr val="lt1"/>
-          </a:fillRef>
-          <a:effectRef idx="0">
-            <a:schemeClr val="dk1"/>
-          </a:effectRef>
-          <a:fontRef idx="minor">
-            <a:schemeClr val="dk1"/>
-          </a:fontRef>
-        </p:style>
-        <p:txBody>
-          <a:bodyPr rtlCol="0" anchor="ctr"/>
-          <a:lstStyle/>
-          <a:p>
-            <a:pPr algn="ctr"/>
-            <a:r>
-              <a:rPr kumimoji="1" lang="en-US" altLang="ja-JP" sz="2800" dirty="0" smtClean="0"/>
-              <a:t>PHP</a:t>
-            </a:r>
-            <a:endParaRPr kumimoji="1" lang="ja-JP" altLang="en-US" sz="2800" dirty="0"/>
-          </a:p>
-        </p:txBody>
-      </p:sp>
-      <p:sp>
-        <p:nvSpPr>
-          <p:cNvPr id="7" name="正方形/長方形 6"/>
-          <p:cNvSpPr/>
-          <p:nvPr/>
-        </p:nvSpPr>
-        <p:spPr>
-          <a:xfrm>
-            <a:off x="5593114" y="1603735"/>
-            <a:ext cx="1893536" cy="1189529"/>
-          </a:xfrm>
-          <a:prstGeom prst="rect">
-            <a:avLst/>
-          </a:prstGeom>
-        </p:spPr>
-        <p:style>
-          <a:lnRef idx="2">
-            <a:schemeClr val="dk1"/>
-          </a:lnRef>
-          <a:fillRef idx="1">
-            <a:schemeClr val="lt1"/>
-          </a:fillRef>
-          <a:effectRef idx="0">
-            <a:schemeClr val="dk1"/>
-          </a:effectRef>
-          <a:fontRef idx="minor">
-            <a:schemeClr val="dk1"/>
-          </a:fontRef>
-        </p:style>
-        <p:txBody>
-          <a:bodyPr rtlCol="0" anchor="ctr"/>
-          <a:lstStyle/>
-          <a:p>
-            <a:pPr algn="ctr"/>
-            <a:r>
-              <a:rPr kumimoji="1" lang="en-US" altLang="ja-JP" sz="2800" dirty="0"/>
-              <a:t>Python</a:t>
-            </a:r>
-            <a:endParaRPr kumimoji="1" lang="ja-JP" altLang="en-US" sz="2800" dirty="0"/>
-          </a:p>
-        </p:txBody>
-      </p:sp>
-      <p:cxnSp>
-        <p:nvCxnSpPr>
-          <p:cNvPr id="9" name="直線コネクタ 8"/>
-          <p:cNvCxnSpPr/>
-          <p:nvPr/>
-        </p:nvCxnSpPr>
-        <p:spPr>
-          <a:xfrm flipV="1">
-            <a:off x="628650" y="4256411"/>
-            <a:ext cx="7827527" cy="1"/>
-          </a:xfrm>
-          <a:prstGeom prst="line">
-            <a:avLst/>
-          </a:prstGeom>
-        </p:spPr>
-        <p:style>
-          <a:lnRef idx="3">
-            <a:schemeClr val="dk1"/>
-          </a:lnRef>
-          <a:fillRef idx="0">
-            <a:schemeClr val="dk1"/>
-          </a:fillRef>
-          <a:effectRef idx="2">
-            <a:schemeClr val="dk1"/>
-          </a:effectRef>
-          <a:fontRef idx="minor">
-            <a:schemeClr val="tx1"/>
-          </a:fontRef>
-        </p:style>
-      </p:cxnSp>
-      <p:sp>
-        <p:nvSpPr>
-          <p:cNvPr id="12" name="テキスト ボックス 11"/>
-          <p:cNvSpPr txBox="1"/>
-          <p:nvPr/>
-        </p:nvSpPr>
-        <p:spPr>
-          <a:xfrm>
-            <a:off x="242761" y="3627010"/>
-            <a:ext cx="2492990" cy="400110"/>
-          </a:xfrm>
-          <a:prstGeom prst="rect">
-            <a:avLst/>
-          </a:prstGeom>
-          <a:noFill/>
-        </p:spPr>
-        <p:txBody>
-          <a:bodyPr wrap="none" rtlCol="0">
-            <a:spAutoFit/>
-          </a:bodyPr>
-          <a:lstStyle/>
-          <a:p>
-            <a:r>
-              <a:rPr kumimoji="1" lang="ja-JP" altLang="en-US" sz="2000" dirty="0" smtClean="0"/>
-              <a:t>クライアントサイド</a:t>
-            </a:r>
-            <a:endParaRPr kumimoji="1" lang="ja-JP" altLang="en-US" sz="2000" dirty="0"/>
-          </a:p>
-        </p:txBody>
-      </p:sp>
-      <p:sp>
-        <p:nvSpPr>
-          <p:cNvPr id="13" name="テキスト ボックス 12"/>
-          <p:cNvSpPr txBox="1"/>
-          <p:nvPr/>
-        </p:nvSpPr>
-        <p:spPr>
-          <a:xfrm>
-            <a:off x="242761" y="4507942"/>
-            <a:ext cx="1723549" cy="400110"/>
-          </a:xfrm>
-          <a:prstGeom prst="rect">
-            <a:avLst/>
-          </a:prstGeom>
-          <a:noFill/>
-        </p:spPr>
-        <p:txBody>
-          <a:bodyPr wrap="none" rtlCol="0">
-            <a:spAutoFit/>
-          </a:bodyPr>
-          <a:lstStyle/>
-          <a:p>
-            <a:r>
-              <a:rPr kumimoji="1" lang="ja-JP" altLang="en-US" sz="2000" dirty="0" smtClean="0"/>
-              <a:t>サーバサイド</a:t>
-            </a:r>
-            <a:endParaRPr kumimoji="1" lang="ja-JP" altLang="en-US" sz="2000" dirty="0"/>
-          </a:p>
-        </p:txBody>
-      </p:sp>
-      <p:cxnSp>
-        <p:nvCxnSpPr>
-          <p:cNvPr id="15" name="カギ線コネクタ 14"/>
-          <p:cNvCxnSpPr/>
-          <p:nvPr/>
-        </p:nvCxnSpPr>
-        <p:spPr>
-          <a:xfrm rot="5400000">
-            <a:off x="4883184" y="4135156"/>
-            <a:ext cx="1285786" cy="1069714"/>
-          </a:xfrm>
-          <a:prstGeom prst="bentConnector3">
-            <a:avLst>
-              <a:gd name="adj1" fmla="val 50000"/>
-            </a:avLst>
-          </a:prstGeom>
-          <a:ln>
-            <a:solidFill>
-              <a:srgbClr val="FF0000"/>
-            </a:solidFill>
-            <a:headEnd type="triangle"/>
-            <a:tailEnd type="triangle"/>
-          </a:ln>
-        </p:spPr>
-        <p:style>
-          <a:lnRef idx="3">
-            <a:schemeClr val="accent2"/>
-          </a:lnRef>
-          <a:fillRef idx="0">
-            <a:schemeClr val="accent2"/>
-          </a:fillRef>
-          <a:effectRef idx="2">
-            <a:schemeClr val="accent2"/>
-          </a:effectRef>
-          <a:fontRef idx="minor">
-            <a:schemeClr val="tx1"/>
-          </a:fontRef>
-        </p:style>
-      </p:cxnSp>
-      <p:cxnSp>
-        <p:nvCxnSpPr>
-          <p:cNvPr id="28" name="直線矢印コネクタ 27"/>
-          <p:cNvCxnSpPr/>
-          <p:nvPr/>
-        </p:nvCxnSpPr>
-        <p:spPr>
-          <a:xfrm flipH="1">
-            <a:off x="3641416" y="3524986"/>
-            <a:ext cx="13594" cy="1726745"/>
-          </a:xfrm>
-          <a:prstGeom prst="straightConnector1">
-            <a:avLst/>
-          </a:prstGeom>
-          <a:ln>
-            <a:solidFill>
-              <a:srgbClr val="FF0000"/>
-            </a:solidFill>
-            <a:headEnd type="triangle"/>
-            <a:tailEnd type="triangle"/>
-          </a:ln>
-        </p:spPr>
-        <p:style>
-          <a:lnRef idx="3">
-            <a:schemeClr val="accent1"/>
-          </a:lnRef>
-          <a:fillRef idx="0">
-            <a:schemeClr val="accent1"/>
-          </a:fillRef>
-          <a:effectRef idx="2">
-            <a:schemeClr val="accent1"/>
-          </a:effectRef>
-          <a:fontRef idx="minor">
-            <a:schemeClr val="tx1"/>
-          </a:fontRef>
-        </p:style>
-      </p:cxnSp>
-      <p:sp>
-        <p:nvSpPr>
-          <p:cNvPr id="29" name="正方形/長方形 28"/>
-          <p:cNvSpPr/>
-          <p:nvPr/>
-        </p:nvSpPr>
-        <p:spPr>
-          <a:xfrm>
-            <a:off x="3614550" y="4413754"/>
-            <a:ext cx="1419235" cy="461665"/>
-          </a:xfrm>
-          <a:prstGeom prst="rect">
-            <a:avLst/>
-          </a:prstGeom>
-        </p:spPr>
-        <p:txBody>
-          <a:bodyPr wrap="none">
-            <a:spAutoFit/>
-          </a:bodyPr>
-          <a:lstStyle/>
-          <a:p>
-            <a:r>
-              <a:rPr kumimoji="1" lang="en-US" altLang="ja-JP" sz="2400" dirty="0"/>
-              <a:t>JavaScript</a:t>
-            </a:r>
-            <a:endParaRPr kumimoji="1" lang="ja-JP" altLang="en-US" dirty="0"/>
-          </a:p>
-        </p:txBody>
-      </p:sp>
-      <p:cxnSp>
-        <p:nvCxnSpPr>
-          <p:cNvPr id="33" name="直線矢印コネクタ 32"/>
-          <p:cNvCxnSpPr/>
-          <p:nvPr/>
-        </p:nvCxnSpPr>
-        <p:spPr>
-          <a:xfrm flipH="1">
-            <a:off x="4324167" y="2793264"/>
-            <a:ext cx="1201910" cy="0"/>
-          </a:xfrm>
-          <a:prstGeom prst="straightConnector1">
-            <a:avLst/>
-          </a:prstGeom>
-          <a:ln>
-            <a:tailEnd type="triangle"/>
-          </a:ln>
-        </p:spPr>
-        <p:style>
-          <a:lnRef idx="3">
-            <a:schemeClr val="accent1"/>
-          </a:lnRef>
-          <a:fillRef idx="0">
-            <a:schemeClr val="accent1"/>
-          </a:fillRef>
-          <a:effectRef idx="2">
-            <a:schemeClr val="accent1"/>
-          </a:effectRef>
-          <a:fontRef idx="minor">
-            <a:schemeClr val="tx1"/>
-          </a:fontRef>
-        </p:style>
-      </p:cxnSp>
-      <p:sp>
-        <p:nvSpPr>
-          <p:cNvPr id="34" name="テキスト ボックス 33"/>
-          <p:cNvSpPr txBox="1"/>
-          <p:nvPr/>
-        </p:nvSpPr>
-        <p:spPr>
-          <a:xfrm>
-            <a:off x="4324167" y="2435703"/>
-            <a:ext cx="877163" cy="369332"/>
-          </a:xfrm>
-          <a:prstGeom prst="rect">
-            <a:avLst/>
-          </a:prstGeom>
-          <a:noFill/>
-        </p:spPr>
-        <p:txBody>
-          <a:bodyPr wrap="none" rtlCol="0">
-            <a:spAutoFit/>
-          </a:bodyPr>
-          <a:lstStyle/>
-          <a:p>
-            <a:r>
-              <a:rPr kumimoji="1" lang="ja-JP" altLang="en-US" dirty="0" smtClean="0"/>
-              <a:t>データ</a:t>
-            </a:r>
-            <a:endParaRPr kumimoji="1" lang="ja-JP" altLang="en-US" dirty="0"/>
-          </a:p>
-        </p:txBody>
-      </p:sp>
     </p:spTree>
     <p:extLst>
       <p:ext uri="{BB962C8B-B14F-4D97-AF65-F5344CB8AC3E}">
-        <p14:creationId xmlns:p14="http://schemas.microsoft.com/office/powerpoint/2010/main" val="109026630"/>
+        <p14:creationId xmlns:p14="http://schemas.microsoft.com/office/powerpoint/2010/main" val="4200382121"/>
       </p:ext>
     </p:extLst>
   </p:cSld>
@@ -5223,65 +4886,82 @@
           <a:lstStyle/>
           <a:p>
             <a:r>
+              <a:rPr lang="en-US" altLang="ja-JP" dirty="0" err="1" smtClean="0"/>
+              <a:t>Node_modules</a:t>
+            </a:r>
+            <a:r>
               <a:rPr lang="en-US" altLang="ja-JP" dirty="0" smtClean="0"/>
-              <a:t>Node.js</a:t>
+              <a:t> install</a:t>
+            </a:r>
+            <a:endParaRPr kumimoji="1" lang="ja-JP" altLang="en-US" dirty="0"/>
+          </a:p>
+        </p:txBody>
+      </p:sp>
+      <p:sp>
+        <p:nvSpPr>
+          <p:cNvPr id="3" name="コンテンツ プレースホルダー 2"/>
+          <p:cNvSpPr>
+            <a:spLocks noGrp="1"/>
+          </p:cNvSpPr>
+          <p:nvPr>
+            <p:ph idx="1"/>
+          </p:nvPr>
+        </p:nvSpPr>
+        <p:spPr/>
+        <p:txBody>
+          <a:bodyPr/>
+          <a:lstStyle/>
+          <a:p>
+            <a:r>
+              <a:rPr lang="en-US" altLang="ja-JP" dirty="0" err="1" smtClean="0"/>
+              <a:t>Blockly</a:t>
             </a:r>
             <a:r>
               <a:rPr lang="ja-JP" altLang="en-US" dirty="0" smtClean="0"/>
-              <a:t>について</a:t>
-            </a:r>
-            <a:endParaRPr kumimoji="1" lang="ja-JP" altLang="en-US" dirty="0"/>
-          </a:p>
-        </p:txBody>
-      </p:sp>
-      <p:sp>
-        <p:nvSpPr>
-          <p:cNvPr id="3" name="コンテンツ プレースホルダー 2"/>
-          <p:cNvSpPr>
-            <a:spLocks noGrp="1"/>
-          </p:cNvSpPr>
-          <p:nvPr>
-            <p:ph idx="1"/>
-          </p:nvPr>
-        </p:nvSpPr>
-        <p:spPr/>
-        <p:txBody>
-          <a:bodyPr/>
-          <a:lstStyle/>
-          <a:p>
+              <a:t>公式によって用意されているモジュールのインストール</a:t>
+            </a:r>
+            <a:endParaRPr lang="en-US" altLang="ja-JP" dirty="0" smtClean="0"/>
+          </a:p>
+          <a:p>
+            <a:r>
+              <a:rPr kumimoji="1" lang="ja-JP" altLang="en-US" dirty="0" smtClean="0"/>
+              <a:t>方法：</a:t>
+            </a:r>
+            <a:r>
+              <a:rPr lang="ja-JP" altLang="en-US" dirty="0" smtClean="0"/>
+              <a:t>コマンドプロンプトにて</a:t>
+            </a:r>
+            <a:r>
+              <a:rPr kumimoji="1" lang="ja-JP" altLang="en-US" dirty="0" smtClean="0"/>
+              <a:t>実行したい</a:t>
+            </a:r>
+            <a:r>
+              <a:rPr kumimoji="1" lang="en-US" altLang="ja-JP" dirty="0" smtClean="0"/>
+              <a:t>JSON</a:t>
+            </a:r>
+            <a:r>
+              <a:rPr kumimoji="1" lang="ja-JP" altLang="en-US" dirty="0" smtClean="0"/>
+              <a:t>ファイルの場所に移動して</a:t>
+            </a:r>
             <a:r>
               <a:rPr kumimoji="1" lang="en-US" altLang="ja-JP" dirty="0" err="1" smtClean="0"/>
-              <a:t>Blockly</a:t>
-            </a:r>
-            <a:r>
-              <a:rPr lang="ja-JP" altLang="en-US" dirty="0"/>
-              <a:t>で</a:t>
-            </a:r>
-            <a:r>
-              <a:rPr lang="ja-JP" altLang="en-US" dirty="0" smtClean="0"/>
-              <a:t>は、</a:t>
-            </a:r>
-            <a:r>
-              <a:rPr lang="en-US" altLang="ja-JP" dirty="0" smtClean="0"/>
-              <a:t>Node </a:t>
-            </a:r>
-            <a:r>
-              <a:rPr lang="en-US" altLang="ja-JP" dirty="0"/>
-              <a:t>Package Manager</a:t>
-            </a:r>
-            <a:r>
-              <a:rPr lang="ja-JP" altLang="en-US" dirty="0" smtClean="0"/>
-              <a:t>というパッケージ管理のために</a:t>
-            </a:r>
-            <a:r>
-              <a:rPr lang="en-US" altLang="ja-JP" dirty="0" smtClean="0"/>
-              <a:t>Node.js</a:t>
-            </a:r>
-            <a:r>
-              <a:rPr lang="ja-JP" altLang="en-US" dirty="0" smtClean="0"/>
-              <a:t>を利用している</a:t>
-            </a:r>
-            <a:endParaRPr kumimoji="1" lang="ja-JP" altLang="en-US" dirty="0"/>
+              <a:t>npm</a:t>
+            </a:r>
+            <a:r>
+              <a:rPr kumimoji="1" lang="en-US" altLang="ja-JP" dirty="0" smtClean="0"/>
+              <a:t> install</a:t>
+            </a:r>
+            <a:r>
+              <a:rPr kumimoji="1" lang="ja-JP" altLang="en-US" dirty="0" smtClean="0"/>
+              <a:t>を実行</a:t>
+            </a:r>
+            <a:endParaRPr kumimoji="1" lang="en-US" altLang="ja-JP" dirty="0" smtClean="0"/>
+          </a:p>
+          <a:p>
+            <a:pPr marL="0" indent="0">
+              <a:buNone/>
+            </a:pPr>
+            <a:endParaRPr lang="en-US" altLang="ja-JP" dirty="0"/>
           </a:p>
         </p:txBody>
       </p:sp>
@@ -5301,17 +4981,17 @@
           <a:lstStyle/>
           <a:p>
             <a:fld id="{4A32CB03-0843-4AF8-BFB2-C9917854BC7E}" type="slidenum">
-              <a:rPr kumimoji="1" lang="ja-JP" altLang="en-US" smtClean="0"/>
+              <a:rPr kumimoji="1" lang="ja-JP" altLang="en-US" sz="2800" smtClean="0"/>
               <a:t>12</a:t>
             </a:fld>
-            <a:endParaRPr kumimoji="1" lang="ja-JP" altLang="en-US"/>
+            <a:endParaRPr kumimoji="1" lang="ja-JP" altLang="en-US" sz="2800" dirty="0"/>
           </a:p>
         </p:txBody>
       </p:sp>
     </p:spTree>
     <p:extLst>
       <p:ext uri="{BB962C8B-B14F-4D97-AF65-F5344CB8AC3E}">
-        <p14:creationId xmlns:p14="http://schemas.microsoft.com/office/powerpoint/2010/main" val="3535867368"/>
+        <p14:creationId xmlns:p14="http://schemas.microsoft.com/office/powerpoint/2010/main" val="2182324898"/>
       </p:ext>
     </p:extLst>
   </p:cSld>
@@ -5361,161 +5041,6 @@
           <a:lstStyle/>
           <a:p>
             <a:r>
-              <a:rPr lang="en-US" altLang="ja-JP" dirty="0" err="1" smtClean="0"/>
-              <a:t>Node_modules</a:t>
-            </a:r>
-            <a:r>
-              <a:rPr lang="en-US" altLang="ja-JP" dirty="0" smtClean="0"/>
-              <a:t> install</a:t>
-            </a:r>
-            <a:endParaRPr kumimoji="1" lang="ja-JP" altLang="en-US" dirty="0"/>
-          </a:p>
-        </p:txBody>
-      </p:sp>
-      <p:sp>
-        <p:nvSpPr>
-          <p:cNvPr id="3" name="コンテンツ プレースホルダー 2"/>
-          <p:cNvSpPr>
-            <a:spLocks noGrp="1"/>
-          </p:cNvSpPr>
-          <p:nvPr>
-            <p:ph idx="1"/>
-          </p:nvPr>
-        </p:nvSpPr>
-        <p:spPr/>
-        <p:txBody>
-          <a:bodyPr/>
-          <a:lstStyle/>
-          <a:p>
-            <a:r>
-              <a:rPr lang="en-US" altLang="ja-JP" dirty="0" err="1" smtClean="0"/>
-              <a:t>Blockly</a:t>
-            </a:r>
-            <a:r>
-              <a:rPr lang="ja-JP" altLang="en-US" dirty="0" smtClean="0"/>
-              <a:t>公式によって用意されているモジュールのインストール</a:t>
-            </a:r>
-            <a:endParaRPr lang="en-US" altLang="ja-JP" dirty="0" smtClean="0"/>
-          </a:p>
-          <a:p>
-            <a:r>
-              <a:rPr kumimoji="1" lang="ja-JP" altLang="en-US" dirty="0" smtClean="0"/>
-              <a:t>方法：</a:t>
-            </a:r>
-            <a:r>
-              <a:rPr lang="ja-JP" altLang="en-US" dirty="0" smtClean="0"/>
-              <a:t>コマンドプロンプトにて</a:t>
-            </a:r>
-            <a:r>
-              <a:rPr kumimoji="1" lang="ja-JP" altLang="en-US" dirty="0" smtClean="0"/>
-              <a:t>実行したい</a:t>
-            </a:r>
-            <a:r>
-              <a:rPr kumimoji="1" lang="en-US" altLang="ja-JP" dirty="0" smtClean="0"/>
-              <a:t>JSON</a:t>
-            </a:r>
-            <a:r>
-              <a:rPr kumimoji="1" lang="ja-JP" altLang="en-US" dirty="0" smtClean="0"/>
-              <a:t>ファイルの場所に移動して</a:t>
-            </a:r>
-            <a:r>
-              <a:rPr kumimoji="1" lang="en-US" altLang="ja-JP" dirty="0" err="1" smtClean="0"/>
-              <a:t>npm</a:t>
-            </a:r>
-            <a:r>
-              <a:rPr kumimoji="1" lang="en-US" altLang="ja-JP" dirty="0" smtClean="0"/>
-              <a:t> install</a:t>
-            </a:r>
-            <a:r>
-              <a:rPr kumimoji="1" lang="ja-JP" altLang="en-US" dirty="0" smtClean="0"/>
-              <a:t>を実行</a:t>
-            </a:r>
-            <a:endParaRPr kumimoji="1" lang="en-US" altLang="ja-JP" dirty="0" smtClean="0"/>
-          </a:p>
-          <a:p>
-            <a:pPr marL="0" indent="0">
-              <a:buNone/>
-            </a:pPr>
-            <a:endParaRPr lang="en-US" altLang="ja-JP" dirty="0"/>
-          </a:p>
-        </p:txBody>
-      </p:sp>
-      <p:sp>
-        <p:nvSpPr>
-          <p:cNvPr id="4" name="スライド番号プレースホルダー 3"/>
-          <p:cNvSpPr>
-            <a:spLocks noGrp="1"/>
-          </p:cNvSpPr>
-          <p:nvPr>
-            <p:ph type="sldNum" sz="quarter" idx="12"/>
-          </p:nvPr>
-        </p:nvSpPr>
-        <p:spPr/>
-        <p:txBody>
-          <a:bodyPr/>
-          <a:lstStyle/>
-          <a:p>
-            <a:fld id="{4A32CB03-0843-4AF8-BFB2-C9917854BC7E}" type="slidenum">
-              <a:rPr kumimoji="1" lang="ja-JP" altLang="en-US" sz="2800" smtClean="0"/>
-              <a:t>13</a:t>
-            </a:fld>
-            <a:endParaRPr kumimoji="1" lang="ja-JP" altLang="en-US" sz="2800" dirty="0"/>
-          </a:p>
-        </p:txBody>
-      </p:sp>
-    </p:spTree>
-    <p:extLst>
-      <p:ext uri="{BB962C8B-B14F-4D97-AF65-F5344CB8AC3E}">
-        <p14:creationId xmlns:p14="http://schemas.microsoft.com/office/powerpoint/2010/main" val="2182324898"/>
-      </p:ext>
-    </p:extLst>
-  </p:cSld>
-  <p:clrMapOvr>
-    <a:masterClrMapping/>
-  </p:clrMapOvr>
-  <p:timing>
-    <p:tnLst>
-      <p:par>
-        <p:cTn id="1" dur="indefinite" restart="never" nodeType="tmRoot"/>
-      </p:par>
-    </p:tnLst>
-  </p:timing>
-</p:sld>
-</file>
-
-<file path=ppt/slides/slide14.xml><?xml version="1.0" encoding="utf-8"?>
-<p:sld xmlns:a="http://schemas.openxmlformats.org/drawingml/2006/main" xmlns:r="http://schemas.openxmlformats.org/officeDocument/2006/relationships" xmlns:p="http://schemas.openxmlformats.org/presentationml/2006/main">
-  <p:cSld>
-    <p:spTree>
-      <p:nvGrpSpPr>
-        <p:cNvPr id="1" name=""/>
-        <p:cNvGrpSpPr/>
-        <p:nvPr/>
-      </p:nvGrpSpPr>
-      <p:grpSpPr>
-        <a:xfrm>
-          <a:off x="0" y="0"/>
-          <a:ext cx="0" cy="0"/>
-          <a:chOff x="0" y="0"/>
-          <a:chExt cx="0" cy="0"/>
-        </a:xfrm>
-      </p:grpSpPr>
-      <p:sp>
-        <p:nvSpPr>
-          <p:cNvPr id="2" name="タイトル 1"/>
-          <p:cNvSpPr>
-            <a:spLocks noGrp="1"/>
-          </p:cNvSpPr>
-          <p:nvPr>
-            <p:ph type="title"/>
-          </p:nvPr>
-        </p:nvSpPr>
-        <p:spPr/>
-        <p:txBody>
-          <a:bodyPr/>
-          <a:lstStyle/>
-          <a:p>
-            <a:r>
               <a:rPr lang="en-US" altLang="ja-JP" dirty="0" err="1"/>
               <a:t>Node_modules</a:t>
             </a:r>
@@ -5544,7 +5069,7 @@
           <a:p>
             <a:fld id="{4A32CB03-0843-4AF8-BFB2-C9917854BC7E}" type="slidenum">
               <a:rPr kumimoji="1" lang="ja-JP" altLang="en-US" smtClean="0"/>
-              <a:t>14</a:t>
+              <a:t>13</a:t>
             </a:fld>
             <a:endParaRPr kumimoji="1" lang="ja-JP" altLang="en-US"/>
           </a:p>
@@ -5594,6 +5119,165 @@
 </p:sld>
 </file>
 
+<file path=ppt/slides/slide14.xml><?xml version="1.0" encoding="utf-8"?>
+<p:sld xmlns:a="http://schemas.openxmlformats.org/drawingml/2006/main" xmlns:r="http://schemas.openxmlformats.org/officeDocument/2006/relationships" xmlns:p="http://schemas.openxmlformats.org/presentationml/2006/main">
+  <p:cSld>
+    <p:spTree>
+      <p:nvGrpSpPr>
+        <p:cNvPr id="1" name=""/>
+        <p:cNvGrpSpPr/>
+        <p:nvPr/>
+      </p:nvGrpSpPr>
+      <p:grpSpPr>
+        <a:xfrm>
+          <a:off x="0" y="0"/>
+          <a:ext cx="0" cy="0"/>
+          <a:chOff x="0" y="0"/>
+          <a:chExt cx="0" cy="0"/>
+        </a:xfrm>
+      </p:grpSpPr>
+      <p:sp>
+        <p:nvSpPr>
+          <p:cNvPr id="2" name="タイトル 1"/>
+          <p:cNvSpPr>
+            <a:spLocks noGrp="1"/>
+          </p:cNvSpPr>
+          <p:nvPr>
+            <p:ph type="title"/>
+          </p:nvPr>
+        </p:nvSpPr>
+        <p:spPr/>
+        <p:txBody>
+          <a:bodyPr/>
+          <a:lstStyle/>
+          <a:p>
+            <a:r>
+              <a:rPr kumimoji="1" lang="en-US" altLang="ja-JP" dirty="0" smtClean="0"/>
+              <a:t>Generator</a:t>
+            </a:r>
+            <a:endParaRPr kumimoji="1" lang="ja-JP" altLang="en-US" dirty="0"/>
+          </a:p>
+        </p:txBody>
+      </p:sp>
+      <p:sp>
+        <p:nvSpPr>
+          <p:cNvPr id="3" name="コンテンツ プレースホルダー 2"/>
+          <p:cNvSpPr>
+            <a:spLocks noGrp="1"/>
+          </p:cNvSpPr>
+          <p:nvPr>
+            <p:ph idx="1"/>
+          </p:nvPr>
+        </p:nvSpPr>
+        <p:spPr/>
+        <p:txBody>
+          <a:bodyPr/>
+          <a:lstStyle/>
+          <a:p>
+            <a:r>
+              <a:rPr kumimoji="1" lang="ja-JP" altLang="en-US" dirty="0" smtClean="0"/>
+              <a:t>ブロックからコードに変換するための生成器</a:t>
+            </a:r>
+            <a:endParaRPr lang="en-US" altLang="ja-JP" dirty="0"/>
+          </a:p>
+          <a:p>
+            <a:r>
+              <a:rPr lang="en-US" altLang="ja-JP" dirty="0" err="1" smtClean="0"/>
+              <a:t>Blockly</a:t>
+            </a:r>
+            <a:r>
+              <a:rPr lang="ja-JP" altLang="en-US" dirty="0" smtClean="0"/>
+              <a:t>で利用できる言語</a:t>
+            </a:r>
+            <a:endParaRPr lang="en-US" altLang="ja-JP" dirty="0" smtClean="0"/>
+          </a:p>
+          <a:p>
+            <a:pPr lvl="1"/>
+            <a:r>
+              <a:rPr kumimoji="1" lang="en-US" altLang="ja-JP" dirty="0" smtClean="0"/>
+              <a:t>JavaScript</a:t>
+            </a:r>
+          </a:p>
+          <a:p>
+            <a:pPr lvl="1"/>
+            <a:r>
+              <a:rPr lang="en-US" altLang="ja-JP" dirty="0" smtClean="0"/>
+              <a:t>Python</a:t>
+            </a:r>
+          </a:p>
+          <a:p>
+            <a:pPr lvl="1"/>
+            <a:r>
+              <a:rPr kumimoji="1" lang="en-US" altLang="ja-JP" dirty="0" smtClean="0"/>
+              <a:t>PHP</a:t>
+            </a:r>
+          </a:p>
+          <a:p>
+            <a:pPr lvl="1"/>
+            <a:r>
+              <a:rPr lang="en-US" altLang="ja-JP" dirty="0" err="1" smtClean="0"/>
+              <a:t>Lua</a:t>
+            </a:r>
+            <a:endParaRPr lang="en-US" altLang="ja-JP" dirty="0" smtClean="0"/>
+          </a:p>
+          <a:p>
+            <a:pPr lvl="1"/>
+            <a:r>
+              <a:rPr kumimoji="1" lang="en-US" altLang="ja-JP" dirty="0" smtClean="0"/>
+              <a:t>Dart</a:t>
+            </a:r>
+          </a:p>
+          <a:p>
+            <a:pPr marL="457200" lvl="1" indent="0">
+              <a:buNone/>
+            </a:pPr>
+            <a:endParaRPr kumimoji="1" lang="en-US" altLang="ja-JP" dirty="0" smtClean="0"/>
+          </a:p>
+        </p:txBody>
+      </p:sp>
+      <p:sp>
+        <p:nvSpPr>
+          <p:cNvPr id="4" name="スライド番号プレースホルダー 3"/>
+          <p:cNvSpPr>
+            <a:spLocks noGrp="1"/>
+          </p:cNvSpPr>
+          <p:nvPr>
+            <p:ph type="sldNum" sz="quarter" idx="12"/>
+          </p:nvPr>
+        </p:nvSpPr>
+        <p:spPr/>
+        <p:txBody>
+          <a:bodyPr/>
+          <a:lstStyle/>
+          <a:p>
+            <a:fld id="{4A32CB03-0843-4AF8-BFB2-C9917854BC7E}" type="slidenum">
+              <a:rPr kumimoji="1" lang="ja-JP" altLang="en-US" smtClean="0"/>
+              <a:t>14</a:t>
+            </a:fld>
+            <a:endParaRPr kumimoji="1" lang="ja-JP" altLang="en-US"/>
+          </a:p>
+        </p:txBody>
+      </p:sp>
+    </p:spTree>
+    <p:extLst>
+      <p:ext uri="{BB962C8B-B14F-4D97-AF65-F5344CB8AC3E}">
+        <p14:creationId xmlns:p14="http://schemas.microsoft.com/office/powerpoint/2010/main" val="559910476"/>
+      </p:ext>
+    </p:extLst>
+  </p:cSld>
+  <p:clrMapOvr>
+    <a:masterClrMapping/>
+  </p:clrMapOvr>
+  <p:timing>
+    <p:tnLst>
+      <p:par>
+        <p:cTn id="1" dur="indefinite" restart="never" nodeType="tmRoot"/>
+      </p:par>
+    </p:tnLst>
+  </p:timing>
+</p:sld>
+</file>
+
 <file path=ppt/slides/slide15.xml><?xml version="1.0" encoding="utf-8"?>
 <p:sld xmlns:a="http://schemas.openxmlformats.org/drawingml/2006/main" xmlns:r="http://schemas.openxmlformats.org/officeDocument/2006/relationships" xmlns:p="http://schemas.openxmlformats.org/presentationml/2006/main">
   <p:cSld>
@@ -5621,14 +5305,19 @@
             <p:ph type="title"/>
           </p:nvPr>
         </p:nvSpPr>
-        <p:spPr/>
-        <p:txBody>
-          <a:bodyPr/>
-          <a:lstStyle/>
-          <a:p>
-            <a:r>
-              <a:rPr kumimoji="1" lang="en-US" altLang="ja-JP" dirty="0" smtClean="0"/>
-              <a:t>Generator</a:t>
+        <p:spPr>
+          <a:xfrm>
+            <a:off x="644834" y="365126"/>
+            <a:ext cx="7886700" cy="1325563"/>
+          </a:xfrm>
+        </p:spPr>
+        <p:txBody>
+          <a:bodyPr/>
+          <a:lstStyle/>
+          <a:p>
+            <a:r>
+              <a:rPr kumimoji="1" lang="en-US" altLang="ja-JP" dirty="0" err="1" smtClean="0"/>
+              <a:t>Lua</a:t>
             </a:r>
             <a:endParaRPr kumimoji="1" lang="ja-JP" altLang="en-US" dirty="0"/>
           </a:p>
@@ -5646,67 +5335,172 @@
         </p:nvSpPr>
         <p:spPr/>
         <p:txBody>
-          <a:bodyPr/>
-          <a:lstStyle/>
-          <a:p>
-            <a:r>
-              <a:rPr kumimoji="1" lang="ja-JP" altLang="en-US" dirty="0" smtClean="0"/>
-              <a:t>ブロックからコードに変換するための生成器</a:t>
-            </a:r>
-            <a:endParaRPr lang="en-US" altLang="ja-JP" dirty="0"/>
-          </a:p>
-          <a:p>
+          <a:bodyPr>
+            <a:normAutofit fontScale="70000" lnSpcReduction="20000"/>
+          </a:bodyPr>
+          <a:lstStyle/>
+          <a:p>
+            <a:pPr marL="0" indent="0">
+              <a:buNone/>
+            </a:pPr>
+            <a:r>
+              <a:rPr lang="en-US" altLang="ja-JP" dirty="0" err="1"/>
+              <a:t>Lua</a:t>
+            </a:r>
+            <a:r>
+              <a:rPr lang="ja-JP" altLang="en-US" dirty="0"/>
+              <a:t>（ルア）はスクリプト言語およびその処理系の実装で、主にリオデジャネイロ・カトリカ大学（英語版）のコンピュータ科学科 </a:t>
+            </a:r>
+            <a:r>
+              <a:rPr lang="en-US" altLang="ja-JP" dirty="0"/>
+              <a:t>(Department of Computer Science) </a:t>
+            </a:r>
+            <a:r>
+              <a:rPr lang="ja-JP" altLang="en-US" dirty="0"/>
+              <a:t>および</a:t>
+            </a:r>
+            <a:r>
+              <a:rPr lang="en-US" altLang="ja-JP" dirty="0"/>
+              <a:t>/</a:t>
+            </a:r>
+            <a:r>
+              <a:rPr lang="ja-JP" altLang="en-US" dirty="0"/>
+              <a:t>または同大学附属研究所の</a:t>
+            </a:r>
             <a:r>
               <a:rPr lang="en-US" altLang="ja-JP" dirty="0" err="1" smtClean="0"/>
-              <a:t>Blockly</a:t>
+              <a:t>Tecgraf</a:t>
+            </a:r>
+            <a:r>
+              <a:rPr lang="en-US" altLang="ja-JP" dirty="0" smtClean="0"/>
+              <a:t>/PUC-Rio</a:t>
             </a:r>
             <a:r>
               <a:rPr lang="ja-JP" altLang="en-US" dirty="0" smtClean="0"/>
-              <a:t>で利用できる言語</a:t>
+              <a:t>に</a:t>
+            </a:r>
+            <a:r>
+              <a:rPr lang="ja-JP" altLang="en-US" dirty="0"/>
+              <a:t>所属する、</a:t>
+            </a:r>
+            <a:r>
+              <a:rPr lang="en-US" altLang="ja-JP" dirty="0"/>
+              <a:t>Roberto </a:t>
+            </a:r>
+            <a:r>
+              <a:rPr lang="en-US" altLang="ja-JP" dirty="0" err="1"/>
+              <a:t>Ierusalimschy</a:t>
+            </a:r>
+            <a:r>
+              <a:rPr lang="ja-JP" altLang="en-US" dirty="0" err="1"/>
+              <a:t>、</a:t>
+            </a:r>
+            <a:r>
+              <a:rPr lang="en-US" altLang="ja-JP" dirty="0" err="1"/>
+              <a:t>Waldemar</a:t>
+            </a:r>
+            <a:r>
+              <a:rPr lang="en-US" altLang="ja-JP" dirty="0"/>
+              <a:t> </a:t>
+            </a:r>
+            <a:r>
+              <a:rPr lang="en-US" altLang="ja-JP" dirty="0" err="1" smtClean="0"/>
+              <a:t>Celes</a:t>
+            </a:r>
+            <a:r>
+              <a:rPr lang="ja-JP" altLang="en-US" dirty="0" err="1" smtClean="0"/>
+              <a:t>、</a:t>
+            </a:r>
+            <a:r>
+              <a:rPr lang="en-US" altLang="ja-JP" dirty="0"/>
+              <a:t>Luiz Henrique de </a:t>
+            </a:r>
+            <a:r>
+              <a:rPr lang="en-US" altLang="ja-JP" dirty="0" err="1" smtClean="0"/>
+              <a:t>Figueiredo</a:t>
+            </a:r>
+            <a:r>
+              <a:rPr lang="ja-JP" altLang="en-US" dirty="0" err="1" smtClean="0"/>
+              <a:t>らに</a:t>
+            </a:r>
+            <a:r>
+              <a:rPr lang="ja-JP" altLang="en-US" dirty="0"/>
+              <a:t>よって設計開発</a:t>
+            </a:r>
+            <a:r>
+              <a:rPr lang="ja-JP" altLang="en-US" dirty="0" smtClean="0"/>
+              <a:t>された。</a:t>
+            </a:r>
+            <a:endParaRPr lang="ja-JP" altLang="en-US" dirty="0"/>
+          </a:p>
+          <a:p>
+            <a:pPr marL="0" indent="0">
+              <a:buNone/>
+            </a:pPr>
+            <a:endParaRPr lang="ja-JP" altLang="en-US" dirty="0"/>
+          </a:p>
+          <a:p>
+            <a:pPr marL="0" indent="0">
+              <a:buNone/>
+            </a:pPr>
+            <a:r>
+              <a:rPr lang="ja-JP" altLang="en-US" dirty="0"/>
+              <a:t>手続き型言語として、またプロトタイプベースのオブジェクト指向言語としても利用することができ、関数型言語、データ駆動型としての要素も併せ持っている。</a:t>
+            </a:r>
+          </a:p>
+          <a:p>
+            <a:pPr marL="0" indent="0">
+              <a:buNone/>
+            </a:pPr>
+            <a:endParaRPr lang="ja-JP" altLang="en-US" dirty="0"/>
+          </a:p>
+          <a:p>
+            <a:pPr marL="0" indent="0">
+              <a:buNone/>
+            </a:pPr>
+            <a:r>
+              <a:rPr lang="en-US" altLang="ja-JP" dirty="0" err="1"/>
+              <a:t>Lua</a:t>
+            </a:r>
+            <a:r>
+              <a:rPr lang="ja-JP" altLang="en-US" dirty="0"/>
+              <a:t>という名前は、ポルトガル語の「月」に由来する</a:t>
+            </a:r>
+            <a:r>
+              <a:rPr lang="ja-JP" altLang="en-US" dirty="0" smtClean="0"/>
+              <a:t>。</a:t>
             </a:r>
             <a:endParaRPr lang="en-US" altLang="ja-JP" dirty="0" smtClean="0"/>
           </a:p>
           <a:p>
-            <a:pPr lvl="1"/>
-            <a:r>
-              <a:rPr kumimoji="1" lang="en-US" altLang="ja-JP" dirty="0" smtClean="0"/>
-              <a:t>JavaScript</a:t>
-            </a:r>
-          </a:p>
-          <a:p>
-            <a:pPr lvl="1"/>
-            <a:r>
-              <a:rPr lang="en-US" altLang="ja-JP" dirty="0" smtClean="0"/>
-              <a:t>Python</a:t>
-            </a:r>
-          </a:p>
-          <a:p>
-            <a:pPr lvl="1"/>
-            <a:r>
-              <a:rPr kumimoji="1" lang="en-US" altLang="ja-JP" dirty="0" smtClean="0"/>
-              <a:t>PHP</a:t>
-            </a:r>
-          </a:p>
-          <a:p>
-            <a:pPr lvl="1"/>
-            <a:r>
-              <a:rPr lang="en-US" altLang="ja-JP" dirty="0" err="1" smtClean="0"/>
-              <a:t>Lua</a:t>
-            </a:r>
-            <a:endParaRPr lang="en-US" altLang="ja-JP" dirty="0" smtClean="0"/>
-          </a:p>
-          <a:p>
-            <a:pPr lvl="1"/>
-            <a:r>
-              <a:rPr kumimoji="1" lang="en-US" altLang="ja-JP" dirty="0" smtClean="0"/>
-              <a:t>Dart</a:t>
-            </a:r>
-          </a:p>
-          <a:p>
-            <a:pPr marL="457200" lvl="1" indent="0">
+            <a:pPr marL="0" indent="0">
               <a:buNone/>
             </a:pPr>
             <a:endParaRPr kumimoji="1" lang="en-US" altLang="ja-JP" dirty="0" smtClean="0"/>
+          </a:p>
+          <a:p>
+            <a:pPr marL="0" indent="0">
+              <a:buNone/>
+            </a:pPr>
+            <a:r>
+              <a:rPr lang="ja-JP" altLang="en-US" dirty="0"/>
+              <a:t>引用</a:t>
+            </a:r>
+            <a:r>
+              <a:rPr lang="ja-JP" altLang="en-US" dirty="0" smtClean="0"/>
+              <a:t>：</a:t>
+            </a:r>
+            <a:endParaRPr kumimoji="1" lang="en-US" altLang="ja-JP" dirty="0"/>
+          </a:p>
+          <a:p>
+            <a:pPr marL="0" indent="0">
+              <a:buNone/>
+            </a:pPr>
+            <a:r>
+              <a:rPr lang="en-US" altLang="ja-JP" dirty="0"/>
+              <a:t>https://ja.wikipedia.org/wiki/Lua</a:t>
+            </a:r>
+            <a:endParaRPr kumimoji="1" lang="ja-JP" altLang="en-US" dirty="0"/>
           </a:p>
         </p:txBody>
       </p:sp>
@@ -5736,7 +5530,7 @@
     </p:spTree>
     <p:extLst>
       <p:ext uri="{BB962C8B-B14F-4D97-AF65-F5344CB8AC3E}">
-        <p14:creationId xmlns:p14="http://schemas.microsoft.com/office/powerpoint/2010/main" val="559910476"/>
+        <p14:creationId xmlns:p14="http://schemas.microsoft.com/office/powerpoint/2010/main" val="843265026"/>
       </p:ext>
     </p:extLst>
   </p:cSld>
@@ -5780,19 +5574,14 @@
             <p:ph type="title"/>
           </p:nvPr>
         </p:nvSpPr>
-        <p:spPr>
-          <a:xfrm>
-            <a:off x="644834" y="365126"/>
-            <a:ext cx="7886700" cy="1325563"/>
-          </a:xfrm>
-        </p:spPr>
-        <p:txBody>
-          <a:bodyPr/>
-          <a:lstStyle/>
-          <a:p>
-            <a:r>
-              <a:rPr kumimoji="1" lang="en-US" altLang="ja-JP" dirty="0" err="1" smtClean="0"/>
-              <a:t>Lua</a:t>
+        <p:spPr/>
+        <p:txBody>
+          <a:bodyPr/>
+          <a:lstStyle/>
+          <a:p>
+            <a:r>
+              <a:rPr kumimoji="1" lang="en-US" altLang="ja-JP" dirty="0" smtClean="0"/>
+              <a:t>Dart</a:t>
             </a:r>
             <a:endParaRPr kumimoji="1" lang="ja-JP" altLang="en-US" dirty="0"/>
           </a:p>
@@ -5811,7 +5600,7 @@
         <p:spPr/>
         <p:txBody>
           <a:bodyPr>
-            <a:normAutofit fontScale="70000" lnSpcReduction="20000"/>
+            <a:normAutofit lnSpcReduction="10000"/>
           </a:bodyPr>
           <a:lstStyle/>
           <a:p>
@@ -5819,133 +5608,98 @@
               <a:buNone/>
             </a:pPr>
             <a:r>
-              <a:rPr lang="en-US" altLang="ja-JP" dirty="0" err="1"/>
-              <a:t>Lua</a:t>
+              <a:rPr lang="en-US" altLang="ja-JP" dirty="0"/>
+              <a:t>Dart</a:t>
             </a:r>
             <a:r>
               <a:rPr lang="ja-JP" altLang="en-US" dirty="0"/>
-              <a:t>（ルア）はスクリプト言語およびその処理系の実装で、主にリオデジャネイロ・カトリカ大学（英語版）のコンピュータ科学科 </a:t>
+              <a:t>（ダートもしくはダーツ。当初は </a:t>
             </a:r>
             <a:r>
               <a:rPr lang="en-US" altLang="ja-JP" dirty="0"/>
-              <a:t>(Department of Computer Science) </a:t>
+              <a:t>Dash </a:t>
             </a:r>
             <a:r>
               <a:rPr lang="ja-JP" altLang="en-US" dirty="0"/>
-              <a:t>および</a:t>
+              <a:t>と呼ばれていた）は</a:t>
             </a:r>
             <a:r>
               <a:rPr lang="en-US" altLang="ja-JP" dirty="0"/>
-              <a:t>/</a:t>
+              <a:t>Google</a:t>
             </a:r>
             <a:r>
               <a:rPr lang="ja-JP" altLang="en-US" dirty="0"/>
-              <a:t>または同大学附属研究所の</a:t>
-            </a:r>
-            <a:r>
-              <a:rPr lang="en-US" altLang="ja-JP" dirty="0" err="1" smtClean="0"/>
-              <a:t>Tecgraf</a:t>
-            </a:r>
-            <a:r>
-              <a:rPr lang="en-US" altLang="ja-JP" dirty="0" smtClean="0"/>
-              <a:t>/PUC-Rio</a:t>
+              <a:t>によって開発されたウェブ向けのプログラミング言語である。</a:t>
+            </a:r>
+            <a:r>
+              <a:rPr lang="en-US" altLang="ja-JP" dirty="0"/>
+              <a:t>2011</a:t>
+            </a:r>
+            <a:r>
+              <a:rPr lang="ja-JP" altLang="en-US" dirty="0"/>
+              <a:t>年</a:t>
+            </a:r>
+            <a:r>
+              <a:rPr lang="en-US" altLang="ja-JP" dirty="0"/>
+              <a:t>10</a:t>
+            </a:r>
+            <a:r>
+              <a:rPr lang="ja-JP" altLang="en-US" dirty="0"/>
+              <a:t>月</a:t>
+            </a:r>
+            <a:r>
+              <a:rPr lang="en-US" altLang="ja-JP" dirty="0"/>
+              <a:t>10</a:t>
+            </a:r>
+            <a:r>
+              <a:rPr lang="ja-JP" altLang="en-US" dirty="0"/>
+              <a:t>日 </a:t>
+            </a:r>
+            <a:r>
+              <a:rPr lang="en-US" altLang="ja-JP" dirty="0"/>
+              <a:t>- 12</a:t>
+            </a:r>
+            <a:r>
+              <a:rPr lang="ja-JP" altLang="en-US" dirty="0"/>
+              <a:t>日に開催された デンマークのオーフスで開催された「</a:t>
+            </a:r>
+            <a:r>
+              <a:rPr lang="en-US" altLang="ja-JP" dirty="0"/>
+              <a:t>GOTO</a:t>
+            </a:r>
+            <a:r>
+              <a:rPr lang="ja-JP" altLang="en-US" dirty="0"/>
+              <a:t>カンファレンス</a:t>
             </a:r>
             <a:r>
               <a:rPr lang="ja-JP" altLang="en-US" dirty="0" smtClean="0"/>
-              <a:t>に</a:t>
+              <a:t>」で</a:t>
             </a:r>
             <a:r>
               <a:rPr lang="ja-JP" altLang="en-US" dirty="0"/>
-              <a:t>所属する、</a:t>
-            </a:r>
-            <a:r>
-              <a:rPr lang="en-US" altLang="ja-JP" dirty="0"/>
-              <a:t>Roberto </a:t>
-            </a:r>
-            <a:r>
-              <a:rPr lang="en-US" altLang="ja-JP" dirty="0" err="1"/>
-              <a:t>Ierusalimschy</a:t>
-            </a:r>
-            <a:r>
-              <a:rPr lang="ja-JP" altLang="en-US" dirty="0" err="1"/>
-              <a:t>、</a:t>
-            </a:r>
-            <a:r>
-              <a:rPr lang="en-US" altLang="ja-JP" dirty="0" err="1"/>
-              <a:t>Waldemar</a:t>
-            </a:r>
-            <a:r>
-              <a:rPr lang="en-US" altLang="ja-JP" dirty="0"/>
-              <a:t> </a:t>
-            </a:r>
-            <a:r>
-             